--- a/Presentation/FXMM.pptx
+++ b/Presentation/FXMM.pptx
@@ -5,10 +5,19 @@
     <p:sldMasterId id="2147483648" r:id="rId1"/>
   </p:sldMasterIdLst>
   <p:sldIdLst>
-    <p:sldId id="257" r:id="rId2"/>
-    <p:sldId id="259" r:id="rId3"/>
-    <p:sldId id="258" r:id="rId4"/>
-    <p:sldId id="256" r:id="rId5"/>
+    <p:sldId id="259" r:id="rId2"/>
+    <p:sldId id="257" r:id="rId3"/>
+    <p:sldId id="261" r:id="rId4"/>
+    <p:sldId id="262" r:id="rId5"/>
+    <p:sldId id="264" r:id="rId6"/>
+    <p:sldId id="265" r:id="rId7"/>
+    <p:sldId id="266" r:id="rId8"/>
+    <p:sldId id="267" r:id="rId9"/>
+    <p:sldId id="268" r:id="rId10"/>
+    <p:sldId id="263" r:id="rId11"/>
+    <p:sldId id="258" r:id="rId12"/>
+    <p:sldId id="256" r:id="rId13"/>
+    <p:sldId id="260" r:id="rId14"/>
   </p:sldIdLst>
   <p:sldSz cx="12192000" cy="6858000"/>
   <p:notesSz cx="6858000" cy="9144000"/>
@@ -107,6 +116,11 @@
       </a:defRPr>
     </a:lvl9pPr>
   </p:defaultTextStyle>
+  <p:extLst>
+    <p:ext uri="{EFAFB233-063F-42B5-8137-9DF3F51BA10A}">
+      <p15:sldGuideLst xmlns:p15="http://schemas.microsoft.com/office/powerpoint/2012/main"/>
+    </p:ext>
+  </p:extLst>
 </p:presentation>
 </file>
 
@@ -259,7 +273,7 @@
           <a:p>
             <a:fld id="{FD5047B8-202B-4366-9DAD-21DF53C32F7F}" type="datetimeFigureOut">
               <a:rPr lang="en-GB" smtClean="0"/>
-              <a:t>02/02/2024</a:t>
+              <a:t>03/02/2024</a:t>
             </a:fld>
             <a:endParaRPr lang="en-GB"/>
           </a:p>
@@ -459,7 +473,7 @@
           <a:p>
             <a:fld id="{FD5047B8-202B-4366-9DAD-21DF53C32F7F}" type="datetimeFigureOut">
               <a:rPr lang="en-GB" smtClean="0"/>
-              <a:t>02/02/2024</a:t>
+              <a:t>03/02/2024</a:t>
             </a:fld>
             <a:endParaRPr lang="en-GB"/>
           </a:p>
@@ -669,7 +683,7 @@
           <a:p>
             <a:fld id="{FD5047B8-202B-4366-9DAD-21DF53C32F7F}" type="datetimeFigureOut">
               <a:rPr lang="en-GB" smtClean="0"/>
-              <a:t>02/02/2024</a:t>
+              <a:t>03/02/2024</a:t>
             </a:fld>
             <a:endParaRPr lang="en-GB"/>
           </a:p>
@@ -869,7 +883,7 @@
           <a:p>
             <a:fld id="{FD5047B8-202B-4366-9DAD-21DF53C32F7F}" type="datetimeFigureOut">
               <a:rPr lang="en-GB" smtClean="0"/>
-              <a:t>02/02/2024</a:t>
+              <a:t>03/02/2024</a:t>
             </a:fld>
             <a:endParaRPr lang="en-GB"/>
           </a:p>
@@ -1145,7 +1159,7 @@
           <a:p>
             <a:fld id="{FD5047B8-202B-4366-9DAD-21DF53C32F7F}" type="datetimeFigureOut">
               <a:rPr lang="en-GB" smtClean="0"/>
-              <a:t>02/02/2024</a:t>
+              <a:t>03/02/2024</a:t>
             </a:fld>
             <a:endParaRPr lang="en-GB"/>
           </a:p>
@@ -1413,7 +1427,7 @@
           <a:p>
             <a:fld id="{FD5047B8-202B-4366-9DAD-21DF53C32F7F}" type="datetimeFigureOut">
               <a:rPr lang="en-GB" smtClean="0"/>
-              <a:t>02/02/2024</a:t>
+              <a:t>03/02/2024</a:t>
             </a:fld>
             <a:endParaRPr lang="en-GB"/>
           </a:p>
@@ -1828,7 +1842,7 @@
           <a:p>
             <a:fld id="{FD5047B8-202B-4366-9DAD-21DF53C32F7F}" type="datetimeFigureOut">
               <a:rPr lang="en-GB" smtClean="0"/>
-              <a:t>02/02/2024</a:t>
+              <a:t>03/02/2024</a:t>
             </a:fld>
             <a:endParaRPr lang="en-GB"/>
           </a:p>
@@ -1970,7 +1984,7 @@
           <a:p>
             <a:fld id="{FD5047B8-202B-4366-9DAD-21DF53C32F7F}" type="datetimeFigureOut">
               <a:rPr lang="en-GB" smtClean="0"/>
-              <a:t>02/02/2024</a:t>
+              <a:t>03/02/2024</a:t>
             </a:fld>
             <a:endParaRPr lang="en-GB"/>
           </a:p>
@@ -2083,7 +2097,7 @@
           <a:p>
             <a:fld id="{FD5047B8-202B-4366-9DAD-21DF53C32F7F}" type="datetimeFigureOut">
               <a:rPr lang="en-GB" smtClean="0"/>
-              <a:t>02/02/2024</a:t>
+              <a:t>03/02/2024</a:t>
             </a:fld>
             <a:endParaRPr lang="en-GB"/>
           </a:p>
@@ -2396,7 +2410,7 @@
           <a:p>
             <a:fld id="{FD5047B8-202B-4366-9DAD-21DF53C32F7F}" type="datetimeFigureOut">
               <a:rPr lang="en-GB" smtClean="0"/>
-              <a:t>02/02/2024</a:t>
+              <a:t>03/02/2024</a:t>
             </a:fld>
             <a:endParaRPr lang="en-GB"/>
           </a:p>
@@ -2685,7 +2699,7 @@
           <a:p>
             <a:fld id="{FD5047B8-202B-4366-9DAD-21DF53C32F7F}" type="datetimeFigureOut">
               <a:rPr lang="en-GB" smtClean="0"/>
-              <a:t>02/02/2024</a:t>
+              <a:t>03/02/2024</a:t>
             </a:fld>
             <a:endParaRPr lang="en-GB"/>
           </a:p>
@@ -2928,7 +2942,7 @@
           <a:p>
             <a:fld id="{FD5047B8-202B-4366-9DAD-21DF53C32F7F}" type="datetimeFigureOut">
               <a:rPr lang="en-GB" smtClean="0"/>
-              <a:t>02/02/2024</a:t>
+              <a:t>03/02/2024</a:t>
             </a:fld>
             <a:endParaRPr lang="en-GB"/>
           </a:p>
@@ -3329,6 +3343,2777 @@
 </file>
 
 <file path=ppt/slides/slide1.xml><?xml version="1.0" encoding="utf-8"?>
+<p:sld xmlns:a="http://schemas.openxmlformats.org/drawingml/2006/main" xmlns:r="http://schemas.openxmlformats.org/officeDocument/2006/relationships" xmlns:p="http://schemas.openxmlformats.org/presentationml/2006/main">
+  <p:cSld>
+    <p:spTree>
+      <p:nvGrpSpPr>
+        <p:cNvPr id="1" name="">
+          <a:extLst>
+            <a:ext uri="{FF2B5EF4-FFF2-40B4-BE49-F238E27FC236}">
+              <a16:creationId xmlns:a16="http://schemas.microsoft.com/office/drawing/2014/main" id="{92251CB7-1914-748C-EDAA-580A36205404}"/>
+            </a:ext>
+          </a:extLst>
+        </p:cNvPr>
+        <p:cNvGrpSpPr/>
+        <p:nvPr/>
+      </p:nvGrpSpPr>
+      <p:grpSpPr>
+        <a:xfrm>
+          <a:off x="0" y="0"/>
+          <a:ext cx="0" cy="0"/>
+          <a:chOff x="0" y="0"/>
+          <a:chExt cx="0" cy="0"/>
+        </a:xfrm>
+      </p:grpSpPr>
+      <p:sp>
+        <p:nvSpPr>
+          <p:cNvPr id="2" name="Title 1">
+            <a:extLst>
+              <a:ext uri="{FF2B5EF4-FFF2-40B4-BE49-F238E27FC236}">
+                <a16:creationId xmlns:a16="http://schemas.microsoft.com/office/drawing/2014/main" id="{CB730B13-404A-D699-A9DD-DBA4D16D695B}"/>
+              </a:ext>
+            </a:extLst>
+          </p:cNvPr>
+          <p:cNvSpPr>
+            <a:spLocks noGrp="1"/>
+          </p:cNvSpPr>
+          <p:nvPr>
+            <p:ph type="title"/>
+          </p:nvPr>
+        </p:nvSpPr>
+        <p:spPr>
+          <a:xfrm>
+            <a:off x="838200" y="365126"/>
+            <a:ext cx="10515600" cy="856964"/>
+          </a:xfrm>
+        </p:spPr>
+        <p:txBody>
+          <a:bodyPr/>
+          <a:lstStyle/>
+          <a:p>
+            <a:r>
+              <a:rPr lang="en-GB" dirty="0">
+                <a:latin typeface="Arial Black" panose="020B0A04020102020204" pitchFamily="34" charset="0"/>
+              </a:rPr>
+              <a:t>Title</a:t>
+            </a:r>
+          </a:p>
+        </p:txBody>
+      </p:sp>
+      <p:sp>
+        <p:nvSpPr>
+          <p:cNvPr id="6" name="Content Placeholder 5">
+            <a:extLst>
+              <a:ext uri="{FF2B5EF4-FFF2-40B4-BE49-F238E27FC236}">
+                <a16:creationId xmlns:a16="http://schemas.microsoft.com/office/drawing/2014/main" id="{CDCF706D-F82B-5D9E-9A5E-C702485D6800}"/>
+              </a:ext>
+            </a:extLst>
+          </p:cNvPr>
+          <p:cNvSpPr>
+            <a:spLocks noGrp="1"/>
+          </p:cNvSpPr>
+          <p:nvPr>
+            <p:ph idx="1"/>
+          </p:nvPr>
+        </p:nvSpPr>
+        <p:spPr>
+          <a:xfrm>
+            <a:off x="838200" y="1274093"/>
+            <a:ext cx="10515600" cy="4902870"/>
+          </a:xfrm>
+        </p:spPr>
+        <p:txBody>
+          <a:bodyPr/>
+          <a:lstStyle/>
+          <a:p>
+            <a:r>
+              <a:rPr lang="en-GB" dirty="0"/>
+              <a:t>Content</a:t>
+            </a:r>
+          </a:p>
+        </p:txBody>
+      </p:sp>
+    </p:spTree>
+    <p:extLst>
+      <p:ext uri="{BB962C8B-B14F-4D97-AF65-F5344CB8AC3E}">
+        <p14:creationId xmlns:p14="http://schemas.microsoft.com/office/powerpoint/2010/main" val="1842698620"/>
+      </p:ext>
+    </p:extLst>
+  </p:cSld>
+  <p:clrMapOvr>
+    <a:masterClrMapping/>
+  </p:clrMapOvr>
+</p:sld>
+</file>
+
+<file path=ppt/slides/slide10.xml><?xml version="1.0" encoding="utf-8"?>
+<p:sld xmlns:a="http://schemas.openxmlformats.org/drawingml/2006/main" xmlns:r="http://schemas.openxmlformats.org/officeDocument/2006/relationships" xmlns:p="http://schemas.openxmlformats.org/presentationml/2006/main">
+  <p:cSld>
+    <p:spTree>
+      <p:nvGrpSpPr>
+        <p:cNvPr id="1" name="">
+          <a:extLst>
+            <a:ext uri="{FF2B5EF4-FFF2-40B4-BE49-F238E27FC236}">
+              <a16:creationId xmlns:a16="http://schemas.microsoft.com/office/drawing/2014/main" id="{C98FBD6B-7A4A-4C49-1303-80E455F4FE8F}"/>
+            </a:ext>
+          </a:extLst>
+        </p:cNvPr>
+        <p:cNvGrpSpPr/>
+        <p:nvPr/>
+      </p:nvGrpSpPr>
+      <p:grpSpPr>
+        <a:xfrm>
+          <a:off x="0" y="0"/>
+          <a:ext cx="0" cy="0"/>
+          <a:chOff x="0" y="0"/>
+          <a:chExt cx="0" cy="0"/>
+        </a:xfrm>
+      </p:grpSpPr>
+      <p:pic>
+        <p:nvPicPr>
+          <p:cNvPr id="29" name="Picture 28">
+            <a:extLst>
+              <a:ext uri="{FF2B5EF4-FFF2-40B4-BE49-F238E27FC236}">
+                <a16:creationId xmlns:a16="http://schemas.microsoft.com/office/drawing/2014/main" id="{A5AE9404-0B39-D7A5-50DD-138A79630A1B}"/>
+              </a:ext>
+            </a:extLst>
+          </p:cNvPr>
+          <p:cNvPicPr>
+            <a:picLocks noChangeAspect="1"/>
+          </p:cNvPicPr>
+          <p:nvPr/>
+        </p:nvPicPr>
+        <p:blipFill>
+          <a:blip r:embed="rId2">
+            <a:extLst>
+              <a:ext uri="{28A0092B-C50C-407E-A947-70E740481C1C}">
+                <a14:useLocalDpi xmlns:a14="http://schemas.microsoft.com/office/drawing/2010/main" val="0"/>
+              </a:ext>
+            </a:extLst>
+          </a:blip>
+          <a:stretch>
+            <a:fillRect/>
+          </a:stretch>
+        </p:blipFill>
+        <p:spPr>
+          <a:xfrm>
+            <a:off x="0" y="73025"/>
+            <a:ext cx="12192000" cy="6711950"/>
+          </a:xfrm>
+          <a:prstGeom prst="rect">
+            <a:avLst/>
+          </a:prstGeom>
+        </p:spPr>
+      </p:pic>
+      <p:sp>
+        <p:nvSpPr>
+          <p:cNvPr id="2" name="Title 1">
+            <a:extLst>
+              <a:ext uri="{FF2B5EF4-FFF2-40B4-BE49-F238E27FC236}">
+                <a16:creationId xmlns:a16="http://schemas.microsoft.com/office/drawing/2014/main" id="{00295157-F3F6-7260-7CE2-8AF20A29DA5E}"/>
+              </a:ext>
+            </a:extLst>
+          </p:cNvPr>
+          <p:cNvSpPr txBox="1">
+            <a:spLocks/>
+          </p:cNvSpPr>
+          <p:nvPr/>
+        </p:nvSpPr>
+        <p:spPr>
+          <a:xfrm>
+            <a:off x="838200" y="365126"/>
+            <a:ext cx="10515600" cy="856964"/>
+          </a:xfrm>
+          <a:prstGeom prst="rect">
+            <a:avLst/>
+          </a:prstGeom>
+        </p:spPr>
+        <p:txBody>
+          <a:bodyPr vert="horz" lIns="91440" tIns="45720" rIns="91440" bIns="45720" rtlCol="0" anchor="b">
+            <a:normAutofit lnSpcReduction="10000"/>
+          </a:bodyPr>
+          <a:lstStyle>
+            <a:lvl1pPr algn="ctr" defTabSz="914400" rtl="0" eaLnBrk="1" latinLnBrk="0" hangingPunct="1">
+              <a:lnSpc>
+                <a:spcPct val="90000"/>
+              </a:lnSpc>
+              <a:spcBef>
+                <a:spcPct val="0"/>
+              </a:spcBef>
+              <a:buNone/>
+              <a:defRPr sz="6000" kern="1200">
+                <a:solidFill>
+                  <a:schemeClr val="tx1"/>
+                </a:solidFill>
+                <a:latin typeface="+mj-lt"/>
+                <a:ea typeface="+mj-ea"/>
+                <a:cs typeface="+mj-cs"/>
+              </a:defRPr>
+            </a:lvl1pPr>
+          </a:lstStyle>
+          <a:p>
+            <a:pPr algn="l"/>
+            <a:r>
+              <a:rPr lang="en-GB" dirty="0">
+                <a:latin typeface="Arial Black" panose="020B0A04020102020204" pitchFamily="34" charset="0"/>
+              </a:rPr>
+              <a:t>How Much Can You Buy?</a:t>
+            </a:r>
+          </a:p>
+        </p:txBody>
+      </p:sp>
+    </p:spTree>
+    <p:extLst>
+      <p:ext uri="{BB962C8B-B14F-4D97-AF65-F5344CB8AC3E}">
+        <p14:creationId xmlns:p14="http://schemas.microsoft.com/office/powerpoint/2010/main" val="837563483"/>
+      </p:ext>
+    </p:extLst>
+  </p:cSld>
+  <p:clrMapOvr>
+    <a:masterClrMapping/>
+  </p:clrMapOvr>
+</p:sld>
+</file>
+
+<file path=ppt/slides/slide11.xml><?xml version="1.0" encoding="utf-8"?>
+<p:sld xmlns:a="http://schemas.openxmlformats.org/drawingml/2006/main" xmlns:r="http://schemas.openxmlformats.org/officeDocument/2006/relationships" xmlns:p="http://schemas.openxmlformats.org/presentationml/2006/main">
+  <p:cSld>
+    <p:spTree>
+      <p:nvGrpSpPr>
+        <p:cNvPr id="1" name="">
+          <a:extLst>
+            <a:ext uri="{FF2B5EF4-FFF2-40B4-BE49-F238E27FC236}">
+              <a16:creationId xmlns:a16="http://schemas.microsoft.com/office/drawing/2014/main" id="{6DE0BC3A-3C65-630C-6E60-5F772452F53E}"/>
+            </a:ext>
+          </a:extLst>
+        </p:cNvPr>
+        <p:cNvGrpSpPr/>
+        <p:nvPr/>
+      </p:nvGrpSpPr>
+      <p:grpSpPr>
+        <a:xfrm>
+          <a:off x="0" y="0"/>
+          <a:ext cx="0" cy="0"/>
+          <a:chOff x="0" y="0"/>
+          <a:chExt cx="0" cy="0"/>
+        </a:xfrm>
+      </p:grpSpPr>
+      <p:sp>
+        <p:nvSpPr>
+          <p:cNvPr id="2" name="Title 1">
+            <a:extLst>
+              <a:ext uri="{FF2B5EF4-FFF2-40B4-BE49-F238E27FC236}">
+                <a16:creationId xmlns:a16="http://schemas.microsoft.com/office/drawing/2014/main" id="{9E6A6D5A-0873-F6A8-C85A-6A57D6794E40}"/>
+              </a:ext>
+            </a:extLst>
+          </p:cNvPr>
+          <p:cNvSpPr>
+            <a:spLocks noGrp="1"/>
+          </p:cNvSpPr>
+          <p:nvPr>
+            <p:ph type="title"/>
+          </p:nvPr>
+        </p:nvSpPr>
+        <p:spPr>
+          <a:xfrm>
+            <a:off x="838200" y="365126"/>
+            <a:ext cx="10515600" cy="856964"/>
+          </a:xfrm>
+        </p:spPr>
+        <p:txBody>
+          <a:bodyPr/>
+          <a:lstStyle/>
+          <a:p>
+            <a:r>
+              <a:rPr lang="en-GB" dirty="0">
+                <a:latin typeface="Arial Black" panose="020B0A04020102020204" pitchFamily="34" charset="0"/>
+              </a:rPr>
+              <a:t>c = f($)</a:t>
+            </a:r>
+          </a:p>
+        </p:txBody>
+      </p:sp>
+      <p:graphicFrame>
+        <p:nvGraphicFramePr>
+          <p:cNvPr id="4" name="Content Placeholder 3">
+            <a:extLst>
+              <a:ext uri="{FF2B5EF4-FFF2-40B4-BE49-F238E27FC236}">
+                <a16:creationId xmlns:a16="http://schemas.microsoft.com/office/drawing/2014/main" id="{FE57AD11-3D3C-6E7A-5466-E61821FFB053}"/>
+              </a:ext>
+            </a:extLst>
+          </p:cNvPr>
+          <p:cNvGraphicFramePr>
+            <a:graphicFrameLocks noGrp="1"/>
+          </p:cNvGraphicFramePr>
+          <p:nvPr>
+            <p:ph idx="1"/>
+          </p:nvPr>
+        </p:nvGraphicFramePr>
+        <p:xfrm>
+          <a:off x="3105422" y="1842960"/>
+          <a:ext cx="5981157" cy="3708400"/>
+        </p:xfrm>
+        <a:graphic>
+          <a:graphicData uri="http://schemas.openxmlformats.org/drawingml/2006/table">
+            <a:tbl>
+              <a:tblPr firstRow="1" bandRow="1">
+                <a:tableStyleId>{5C22544A-7EE6-4342-B048-85BDC9FD1C3A}</a:tableStyleId>
+              </a:tblPr>
+              <a:tblGrid>
+                <a:gridCol w="3505199">
+                  <a:extLst>
+                    <a:ext uri="{9D8B030D-6E8A-4147-A177-3AD203B41FA5}">
+                      <a16:colId xmlns:a16="http://schemas.microsoft.com/office/drawing/2014/main" val="3710820437"/>
+                    </a:ext>
+                  </a:extLst>
+                </a:gridCol>
+                <a:gridCol w="2475958">
+                  <a:extLst>
+                    <a:ext uri="{9D8B030D-6E8A-4147-A177-3AD203B41FA5}">
+                      <a16:colId xmlns:a16="http://schemas.microsoft.com/office/drawing/2014/main" val="3098294199"/>
+                    </a:ext>
+                  </a:extLst>
+                </a:gridCol>
+              </a:tblGrid>
+              <a:tr h="370840">
+                <a:tc>
+                  <a:txBody>
+                    <a:bodyPr/>
+                    <a:lstStyle/>
+                    <a:p>
+                      <a:pPr algn="l"/>
+                      <a:r>
+                        <a:rPr lang="en-GB" dirty="0"/>
+                        <a:t>End Points</a:t>
+                      </a:r>
+                    </a:p>
+                  </a:txBody>
+                  <a:tcPr/>
+                </a:tc>
+                <a:tc>
+                  <a:txBody>
+                    <a:bodyPr/>
+                    <a:lstStyle/>
+                    <a:p>
+                      <a:pPr algn="l"/>
+                      <a:r>
+                        <a:rPr lang="en-GB" dirty="0"/>
+                        <a:t>Latency Round Trip </a:t>
+                      </a:r>
+                      <a:r>
+                        <a:rPr lang="en-GB" dirty="0" err="1"/>
+                        <a:t>ms</a:t>
+                      </a:r>
+                      <a:endParaRPr lang="en-GB" dirty="0"/>
+                    </a:p>
+                  </a:txBody>
+                  <a:tcPr/>
+                </a:tc>
+                <a:extLst>
+                  <a:ext uri="{0D108BD9-81ED-4DB2-BD59-A6C34878D82A}">
+                    <a16:rowId xmlns:a16="http://schemas.microsoft.com/office/drawing/2014/main" val="833069339"/>
+                  </a:ext>
+                </a:extLst>
+              </a:tr>
+              <a:tr h="370840">
+                <a:tc>
+                  <a:txBody>
+                    <a:bodyPr/>
+                    <a:lstStyle/>
+                    <a:p>
+                      <a:pPr algn="l"/>
+                      <a:r>
+                        <a:rPr lang="en-GB" dirty="0"/>
+                        <a:t>Chicago to New York (Cable)</a:t>
+                      </a:r>
+                    </a:p>
+                  </a:txBody>
+                  <a:tcPr/>
+                </a:tc>
+                <a:tc>
+                  <a:txBody>
+                    <a:bodyPr/>
+                    <a:lstStyle/>
+                    <a:p>
+                      <a:pPr algn="l"/>
+                      <a:r>
+                        <a:rPr lang="en-GB" dirty="0"/>
+                        <a:t>14.1</a:t>
+                      </a:r>
+                    </a:p>
+                  </a:txBody>
+                  <a:tcPr/>
+                </a:tc>
+                <a:extLst>
+                  <a:ext uri="{0D108BD9-81ED-4DB2-BD59-A6C34878D82A}">
+                    <a16:rowId xmlns:a16="http://schemas.microsoft.com/office/drawing/2014/main" val="2231763523"/>
+                  </a:ext>
+                </a:extLst>
+              </a:tr>
+              <a:tr h="370840">
+                <a:tc>
+                  <a:txBody>
+                    <a:bodyPr/>
+                    <a:lstStyle/>
+                    <a:p>
+                      <a:pPr marL="0" marR="0" lvl="0" indent="0" algn="l" defTabSz="914400" rtl="0" eaLnBrk="1" fontAlgn="auto" latinLnBrk="0" hangingPunct="1">
+                        <a:lnSpc>
+                          <a:spcPct val="100000"/>
+                        </a:lnSpc>
+                        <a:spcBef>
+                          <a:spcPts val="0"/>
+                        </a:spcBef>
+                        <a:spcAft>
+                          <a:spcPts val="0"/>
+                        </a:spcAft>
+                        <a:buClrTx/>
+                        <a:buSzTx/>
+                        <a:buFontTx/>
+                        <a:buNone/>
+                        <a:tabLst/>
+                        <a:defRPr/>
+                      </a:pPr>
+                      <a:r>
+                        <a:rPr lang="en-GB" dirty="0"/>
+                        <a:t>Chicago to New York (Microwave)</a:t>
+                      </a:r>
+                    </a:p>
+                  </a:txBody>
+                  <a:tcPr/>
+                </a:tc>
+                <a:tc>
+                  <a:txBody>
+                    <a:bodyPr/>
+                    <a:lstStyle/>
+                    <a:p>
+                      <a:pPr algn="l"/>
+                      <a:r>
+                        <a:rPr lang="en-GB" dirty="0"/>
+                        <a:t>8.2</a:t>
+                      </a:r>
+                    </a:p>
+                  </a:txBody>
+                  <a:tcPr/>
+                </a:tc>
+                <a:extLst>
+                  <a:ext uri="{0D108BD9-81ED-4DB2-BD59-A6C34878D82A}">
+                    <a16:rowId xmlns:a16="http://schemas.microsoft.com/office/drawing/2014/main" val="754737342"/>
+                  </a:ext>
+                </a:extLst>
+              </a:tr>
+              <a:tr h="370840">
+                <a:tc>
+                  <a:txBody>
+                    <a:bodyPr/>
+                    <a:lstStyle/>
+                    <a:p>
+                      <a:pPr algn="l"/>
+                      <a:r>
+                        <a:rPr lang="en-GB" dirty="0" err="1"/>
+                        <a:t>Hiberia</a:t>
+                      </a:r>
+                      <a:r>
+                        <a:rPr lang="en-GB" dirty="0"/>
+                        <a:t> Global Financial Network</a:t>
+                      </a:r>
+                    </a:p>
+                  </a:txBody>
+                  <a:tcPr/>
+                </a:tc>
+                <a:tc>
+                  <a:txBody>
+                    <a:bodyPr/>
+                    <a:lstStyle/>
+                    <a:p>
+                      <a:pPr algn="l"/>
+                      <a:r>
+                        <a:rPr lang="en-GB" dirty="0"/>
+                        <a:t>65.5</a:t>
+                      </a:r>
+                    </a:p>
+                  </a:txBody>
+                  <a:tcPr/>
+                </a:tc>
+                <a:extLst>
+                  <a:ext uri="{0D108BD9-81ED-4DB2-BD59-A6C34878D82A}">
+                    <a16:rowId xmlns:a16="http://schemas.microsoft.com/office/drawing/2014/main" val="3948544103"/>
+                  </a:ext>
+                </a:extLst>
+              </a:tr>
+              <a:tr h="370840">
+                <a:tc>
+                  <a:txBody>
+                    <a:bodyPr/>
+                    <a:lstStyle/>
+                    <a:p>
+                      <a:pPr algn="l"/>
+                      <a:r>
+                        <a:rPr lang="en-GB" dirty="0" err="1"/>
+                        <a:t>Hiberia</a:t>
+                      </a:r>
+                      <a:r>
+                        <a:rPr lang="en-GB" dirty="0"/>
+                        <a:t> Express</a:t>
+                      </a:r>
+                    </a:p>
+                  </a:txBody>
+                  <a:tcPr/>
+                </a:tc>
+                <a:tc>
+                  <a:txBody>
+                    <a:bodyPr/>
+                    <a:lstStyle/>
+                    <a:p>
+                      <a:pPr algn="l"/>
+                      <a:r>
+                        <a:rPr lang="en-GB" dirty="0"/>
+                        <a:t>58.8</a:t>
+                      </a:r>
+                    </a:p>
+                  </a:txBody>
+                  <a:tcPr/>
+                </a:tc>
+                <a:extLst>
+                  <a:ext uri="{0D108BD9-81ED-4DB2-BD59-A6C34878D82A}">
+                    <a16:rowId xmlns:a16="http://schemas.microsoft.com/office/drawing/2014/main" val="1749173547"/>
+                  </a:ext>
+                </a:extLst>
+              </a:tr>
+              <a:tr h="370840">
+                <a:tc>
+                  <a:txBody>
+                    <a:bodyPr/>
+                    <a:lstStyle/>
+                    <a:p>
+                      <a:pPr algn="l"/>
+                      <a:r>
+                        <a:rPr lang="en-GB" dirty="0"/>
+                        <a:t>London &lt;-&gt; Tokyo</a:t>
+                      </a:r>
+                    </a:p>
+                  </a:txBody>
+                  <a:tcPr/>
+                </a:tc>
+                <a:tc>
+                  <a:txBody>
+                    <a:bodyPr/>
+                    <a:lstStyle/>
+                    <a:p>
+                      <a:pPr algn="l"/>
+                      <a:r>
+                        <a:rPr lang="en-GB" dirty="0"/>
+                        <a:t>230</a:t>
+                      </a:r>
+                    </a:p>
+                  </a:txBody>
+                  <a:tcPr/>
+                </a:tc>
+                <a:extLst>
+                  <a:ext uri="{0D108BD9-81ED-4DB2-BD59-A6C34878D82A}">
+                    <a16:rowId xmlns:a16="http://schemas.microsoft.com/office/drawing/2014/main" val="913286744"/>
+                  </a:ext>
+                </a:extLst>
+              </a:tr>
+              <a:tr h="370840">
+                <a:tc>
+                  <a:txBody>
+                    <a:bodyPr/>
+                    <a:lstStyle/>
+                    <a:p>
+                      <a:pPr marL="0" marR="0" lvl="0" indent="0" algn="l" defTabSz="914400" rtl="0" eaLnBrk="1" fontAlgn="auto" latinLnBrk="0" hangingPunct="1">
+                        <a:lnSpc>
+                          <a:spcPct val="100000"/>
+                        </a:lnSpc>
+                        <a:spcBef>
+                          <a:spcPts val="0"/>
+                        </a:spcBef>
+                        <a:spcAft>
+                          <a:spcPts val="0"/>
+                        </a:spcAft>
+                        <a:buClrTx/>
+                        <a:buSzTx/>
+                        <a:buFontTx/>
+                        <a:buNone/>
+                        <a:tabLst/>
+                        <a:defRPr/>
+                      </a:pPr>
+                      <a:r>
+                        <a:rPr lang="en-GB" dirty="0"/>
+                        <a:t>London &lt;-&gt; Tokyo (via Atlantic)</a:t>
+                      </a:r>
+                    </a:p>
+                  </a:txBody>
+                  <a:tcPr/>
+                </a:tc>
+                <a:tc>
+                  <a:txBody>
+                    <a:bodyPr/>
+                    <a:lstStyle/>
+                    <a:p>
+                      <a:pPr algn="l"/>
+                      <a:r>
+                        <a:rPr lang="en-GB" dirty="0"/>
+                        <a:t>170</a:t>
+                      </a:r>
+                    </a:p>
+                  </a:txBody>
+                  <a:tcPr/>
+                </a:tc>
+                <a:extLst>
+                  <a:ext uri="{0D108BD9-81ED-4DB2-BD59-A6C34878D82A}">
+                    <a16:rowId xmlns:a16="http://schemas.microsoft.com/office/drawing/2014/main" val="1705750217"/>
+                  </a:ext>
+                </a:extLst>
+              </a:tr>
+              <a:tr h="370840">
+                <a:tc>
+                  <a:txBody>
+                    <a:bodyPr/>
+                    <a:lstStyle/>
+                    <a:p>
+                      <a:pPr algn="l"/>
+                      <a:r>
+                        <a:rPr lang="en-GB" dirty="0"/>
+                        <a:t>Google</a:t>
+                      </a:r>
+                    </a:p>
+                  </a:txBody>
+                  <a:tcPr/>
+                </a:tc>
+                <a:tc>
+                  <a:txBody>
+                    <a:bodyPr/>
+                    <a:lstStyle/>
+                    <a:p>
+                      <a:pPr algn="l"/>
+                      <a:r>
+                        <a:rPr lang="en-GB" dirty="0"/>
+                        <a:t>???</a:t>
+                      </a:r>
+                    </a:p>
+                  </a:txBody>
+                  <a:tcPr/>
+                </a:tc>
+                <a:extLst>
+                  <a:ext uri="{0D108BD9-81ED-4DB2-BD59-A6C34878D82A}">
+                    <a16:rowId xmlns:a16="http://schemas.microsoft.com/office/drawing/2014/main" val="1554847393"/>
+                  </a:ext>
+                </a:extLst>
+              </a:tr>
+              <a:tr h="370840">
+                <a:tc>
+                  <a:txBody>
+                    <a:bodyPr/>
+                    <a:lstStyle/>
+                    <a:p>
+                      <a:pPr algn="l"/>
+                      <a:r>
+                        <a:rPr lang="en-GB" dirty="0"/>
+                        <a:t>Meta</a:t>
+                      </a:r>
+                    </a:p>
+                  </a:txBody>
+                  <a:tcPr/>
+                </a:tc>
+                <a:tc>
+                  <a:txBody>
+                    <a:bodyPr/>
+                    <a:lstStyle/>
+                    <a:p>
+                      <a:pPr algn="l"/>
+                      <a:r>
+                        <a:rPr lang="en-GB" dirty="0"/>
+                        <a:t>???</a:t>
+                      </a:r>
+                    </a:p>
+                  </a:txBody>
+                  <a:tcPr/>
+                </a:tc>
+                <a:extLst>
+                  <a:ext uri="{0D108BD9-81ED-4DB2-BD59-A6C34878D82A}">
+                    <a16:rowId xmlns:a16="http://schemas.microsoft.com/office/drawing/2014/main" val="465121268"/>
+                  </a:ext>
+                </a:extLst>
+              </a:tr>
+              <a:tr h="370840">
+                <a:tc>
+                  <a:txBody>
+                    <a:bodyPr/>
+                    <a:lstStyle/>
+                    <a:p>
+                      <a:pPr algn="l"/>
+                      <a:r>
+                        <a:rPr lang="en-GB" dirty="0"/>
+                        <a:t>Microsoft</a:t>
+                      </a:r>
+                    </a:p>
+                  </a:txBody>
+                  <a:tcPr/>
+                </a:tc>
+                <a:tc>
+                  <a:txBody>
+                    <a:bodyPr/>
+                    <a:lstStyle/>
+                    <a:p>
+                      <a:pPr algn="l"/>
+                      <a:r>
+                        <a:rPr lang="en-GB" dirty="0"/>
+                        <a:t>???</a:t>
+                      </a:r>
+                    </a:p>
+                  </a:txBody>
+                  <a:tcPr/>
+                </a:tc>
+                <a:extLst>
+                  <a:ext uri="{0D108BD9-81ED-4DB2-BD59-A6C34878D82A}">
+                    <a16:rowId xmlns:a16="http://schemas.microsoft.com/office/drawing/2014/main" val="1300121289"/>
+                  </a:ext>
+                </a:extLst>
+              </a:tr>
+            </a:tbl>
+          </a:graphicData>
+        </a:graphic>
+      </p:graphicFrame>
+    </p:spTree>
+    <p:extLst>
+      <p:ext uri="{BB962C8B-B14F-4D97-AF65-F5344CB8AC3E}">
+        <p14:creationId xmlns:p14="http://schemas.microsoft.com/office/powerpoint/2010/main" val="3380556220"/>
+      </p:ext>
+    </p:extLst>
+  </p:cSld>
+  <p:clrMapOvr>
+    <a:masterClrMapping/>
+  </p:clrMapOvr>
+</p:sld>
+</file>
+
+<file path=ppt/slides/slide12.xml><?xml version="1.0" encoding="utf-8"?>
+<p:sld xmlns:a="http://schemas.openxmlformats.org/drawingml/2006/main" xmlns:r="http://schemas.openxmlformats.org/officeDocument/2006/relationships" xmlns:p="http://schemas.openxmlformats.org/presentationml/2006/main">
+  <p:cSld>
+    <p:spTree>
+      <p:nvGrpSpPr>
+        <p:cNvPr id="1" name=""/>
+        <p:cNvGrpSpPr/>
+        <p:nvPr/>
+      </p:nvGrpSpPr>
+      <p:grpSpPr>
+        <a:xfrm>
+          <a:off x="0" y="0"/>
+          <a:ext cx="0" cy="0"/>
+          <a:chOff x="0" y="0"/>
+          <a:chExt cx="0" cy="0"/>
+        </a:xfrm>
+      </p:grpSpPr>
+      <p:grpSp>
+        <p:nvGrpSpPr>
+          <p:cNvPr id="49" name="Group 48">
+            <a:extLst>
+              <a:ext uri="{FF2B5EF4-FFF2-40B4-BE49-F238E27FC236}">
+                <a16:creationId xmlns:a16="http://schemas.microsoft.com/office/drawing/2014/main" id="{DA0F5524-465E-74F2-41C7-A6CD450590F7}"/>
+              </a:ext>
+            </a:extLst>
+          </p:cNvPr>
+          <p:cNvGrpSpPr/>
+          <p:nvPr/>
+        </p:nvGrpSpPr>
+        <p:grpSpPr>
+          <a:xfrm>
+            <a:off x="2735616" y="1135136"/>
+            <a:ext cx="7751297" cy="1591154"/>
+            <a:chOff x="2764472" y="836011"/>
+            <a:chExt cx="7751297" cy="1591154"/>
+          </a:xfrm>
+        </p:grpSpPr>
+        <p:pic>
+          <p:nvPicPr>
+            <p:cNvPr id="42" name="Picture 41">
+              <a:extLst>
+                <a:ext uri="{FF2B5EF4-FFF2-40B4-BE49-F238E27FC236}">
+                  <a16:creationId xmlns:a16="http://schemas.microsoft.com/office/drawing/2014/main" id="{90AE8C58-0307-EF7C-D722-67AE0978F632}"/>
+                </a:ext>
+              </a:extLst>
+            </p:cNvPr>
+            <p:cNvPicPr>
+              <a:picLocks noChangeAspect="1"/>
+            </p:cNvPicPr>
+            <p:nvPr/>
+          </p:nvPicPr>
+          <p:blipFill>
+            <a:blip r:embed="rId2">
+              <a:extLst>
+                <a:ext uri="{28A0092B-C50C-407E-A947-70E740481C1C}">
+                  <a14:useLocalDpi xmlns:a14="http://schemas.microsoft.com/office/drawing/2010/main" val="0"/>
+                </a:ext>
+              </a:extLst>
+            </a:blip>
+            <a:stretch>
+              <a:fillRect/>
+            </a:stretch>
+          </p:blipFill>
+          <p:spPr>
+            <a:xfrm>
+              <a:off x="2764472" y="836011"/>
+              <a:ext cx="609785" cy="609785"/>
+            </a:xfrm>
+            <a:prstGeom prst="rect">
+              <a:avLst/>
+            </a:prstGeom>
+          </p:spPr>
+        </p:pic>
+        <p:pic>
+          <p:nvPicPr>
+            <p:cNvPr id="43" name="Picture 42">
+              <a:extLst>
+                <a:ext uri="{FF2B5EF4-FFF2-40B4-BE49-F238E27FC236}">
+                  <a16:creationId xmlns:a16="http://schemas.microsoft.com/office/drawing/2014/main" id="{189956B6-2264-8EA4-A7D0-67035A851AA1}"/>
+                </a:ext>
+              </a:extLst>
+            </p:cNvPr>
+            <p:cNvPicPr>
+              <a:picLocks noChangeAspect="1"/>
+            </p:cNvPicPr>
+            <p:nvPr/>
+          </p:nvPicPr>
+          <p:blipFill>
+            <a:blip r:embed="rId2">
+              <a:extLst>
+                <a:ext uri="{28A0092B-C50C-407E-A947-70E740481C1C}">
+                  <a14:useLocalDpi xmlns:a14="http://schemas.microsoft.com/office/drawing/2010/main" val="0"/>
+                </a:ext>
+              </a:extLst>
+            </a:blip>
+            <a:stretch>
+              <a:fillRect/>
+            </a:stretch>
+          </p:blipFill>
+          <p:spPr>
+            <a:xfrm>
+              <a:off x="2991511" y="1817380"/>
+              <a:ext cx="609785" cy="609785"/>
+            </a:xfrm>
+            <a:prstGeom prst="rect">
+              <a:avLst/>
+            </a:prstGeom>
+          </p:spPr>
+        </p:pic>
+        <p:pic>
+          <p:nvPicPr>
+            <p:cNvPr id="44" name="Picture 43">
+              <a:extLst>
+                <a:ext uri="{FF2B5EF4-FFF2-40B4-BE49-F238E27FC236}">
+                  <a16:creationId xmlns:a16="http://schemas.microsoft.com/office/drawing/2014/main" id="{2D777870-7A71-B0D0-5AB1-59324348E416}"/>
+                </a:ext>
+              </a:extLst>
+            </p:cNvPr>
+            <p:cNvPicPr>
+              <a:picLocks noChangeAspect="1"/>
+            </p:cNvPicPr>
+            <p:nvPr/>
+          </p:nvPicPr>
+          <p:blipFill>
+            <a:blip r:embed="rId2">
+              <a:extLst>
+                <a:ext uri="{28A0092B-C50C-407E-A947-70E740481C1C}">
+                  <a14:useLocalDpi xmlns:a14="http://schemas.microsoft.com/office/drawing/2010/main" val="0"/>
+                </a:ext>
+              </a:extLst>
+            </a:blip>
+            <a:stretch>
+              <a:fillRect/>
+            </a:stretch>
+          </p:blipFill>
+          <p:spPr>
+            <a:xfrm>
+              <a:off x="4619945" y="1084789"/>
+              <a:ext cx="609785" cy="609785"/>
+            </a:xfrm>
+            <a:prstGeom prst="rect">
+              <a:avLst/>
+            </a:prstGeom>
+          </p:spPr>
+        </p:pic>
+        <p:pic>
+          <p:nvPicPr>
+            <p:cNvPr id="45" name="Picture 44">
+              <a:extLst>
+                <a:ext uri="{FF2B5EF4-FFF2-40B4-BE49-F238E27FC236}">
+                  <a16:creationId xmlns:a16="http://schemas.microsoft.com/office/drawing/2014/main" id="{9A7BE76B-4FFC-EB34-B8D2-2BF86CDC4F85}"/>
+                </a:ext>
+              </a:extLst>
+            </p:cNvPr>
+            <p:cNvPicPr>
+              <a:picLocks noChangeAspect="1"/>
+            </p:cNvPicPr>
+            <p:nvPr/>
+          </p:nvPicPr>
+          <p:blipFill>
+            <a:blip r:embed="rId2">
+              <a:extLst>
+                <a:ext uri="{28A0092B-C50C-407E-A947-70E740481C1C}">
+                  <a14:useLocalDpi xmlns:a14="http://schemas.microsoft.com/office/drawing/2010/main" val="0"/>
+                </a:ext>
+              </a:extLst>
+            </a:blip>
+            <a:stretch>
+              <a:fillRect/>
+            </a:stretch>
+          </p:blipFill>
+          <p:spPr>
+            <a:xfrm>
+              <a:off x="9905984" y="1667380"/>
+              <a:ext cx="609785" cy="609785"/>
+            </a:xfrm>
+            <a:prstGeom prst="rect">
+              <a:avLst/>
+            </a:prstGeom>
+          </p:spPr>
+        </p:pic>
+      </p:grpSp>
+      <p:grpSp>
+        <p:nvGrpSpPr>
+          <p:cNvPr id="50" name="Group 49">
+            <a:extLst>
+              <a:ext uri="{FF2B5EF4-FFF2-40B4-BE49-F238E27FC236}">
+                <a16:creationId xmlns:a16="http://schemas.microsoft.com/office/drawing/2014/main" id="{E7553DC7-1B09-CAA6-61A3-F6E12636B72B}"/>
+              </a:ext>
+            </a:extLst>
+          </p:cNvPr>
+          <p:cNvGrpSpPr/>
+          <p:nvPr/>
+        </p:nvGrpSpPr>
+        <p:grpSpPr>
+          <a:xfrm>
+            <a:off x="1904247" y="654452"/>
+            <a:ext cx="9421958" cy="1956071"/>
+            <a:chOff x="1933103" y="581887"/>
+            <a:chExt cx="9421958" cy="1956071"/>
+          </a:xfrm>
+        </p:grpSpPr>
+        <p:pic>
+          <p:nvPicPr>
+            <p:cNvPr id="33" name="Picture 32">
+              <a:extLst>
+                <a:ext uri="{FF2B5EF4-FFF2-40B4-BE49-F238E27FC236}">
+                  <a16:creationId xmlns:a16="http://schemas.microsoft.com/office/drawing/2014/main" id="{00D7893F-2D1C-B4FB-09FE-C07A143D83E8}"/>
+                </a:ext>
+              </a:extLst>
+            </p:cNvPr>
+            <p:cNvPicPr>
+              <a:picLocks noChangeAspect="1"/>
+            </p:cNvPicPr>
+            <p:nvPr/>
+          </p:nvPicPr>
+          <p:blipFill>
+            <a:blip r:embed="rId3">
+              <a:extLst>
+                <a:ext uri="{28A0092B-C50C-407E-A947-70E740481C1C}">
+                  <a14:useLocalDpi xmlns:a14="http://schemas.microsoft.com/office/drawing/2010/main" val="0"/>
+                </a:ext>
+              </a:extLst>
+            </a:blip>
+            <a:stretch>
+              <a:fillRect/>
+            </a:stretch>
+          </p:blipFill>
+          <p:spPr>
+            <a:xfrm>
+              <a:off x="1933103" y="725220"/>
+              <a:ext cx="831369" cy="831369"/>
+            </a:xfrm>
+            <a:prstGeom prst="rect">
+              <a:avLst/>
+            </a:prstGeom>
+          </p:spPr>
+        </p:pic>
+        <p:pic>
+          <p:nvPicPr>
+            <p:cNvPr id="35" name="Picture 34">
+              <a:extLst>
+                <a:ext uri="{FF2B5EF4-FFF2-40B4-BE49-F238E27FC236}">
+                  <a16:creationId xmlns:a16="http://schemas.microsoft.com/office/drawing/2014/main" id="{1E61409D-1D7B-E299-3620-A0E1F93814DF}"/>
+                </a:ext>
+              </a:extLst>
+            </p:cNvPr>
+            <p:cNvPicPr>
+              <a:picLocks noChangeAspect="1"/>
+            </p:cNvPicPr>
+            <p:nvPr/>
+          </p:nvPicPr>
+          <p:blipFill>
+            <a:blip r:embed="rId4">
+              <a:extLst>
+                <a:ext uri="{28A0092B-C50C-407E-A947-70E740481C1C}">
+                  <a14:useLocalDpi xmlns:a14="http://schemas.microsoft.com/office/drawing/2010/main" val="0"/>
+                </a:ext>
+              </a:extLst>
+            </a:blip>
+            <a:stretch>
+              <a:fillRect/>
+            </a:stretch>
+          </p:blipFill>
+          <p:spPr>
+            <a:xfrm>
+              <a:off x="5012421" y="581887"/>
+              <a:ext cx="831369" cy="831369"/>
+            </a:xfrm>
+            <a:prstGeom prst="rect">
+              <a:avLst/>
+            </a:prstGeom>
+          </p:spPr>
+        </p:pic>
+        <p:pic>
+          <p:nvPicPr>
+            <p:cNvPr id="37" name="Picture 36">
+              <a:extLst>
+                <a:ext uri="{FF2B5EF4-FFF2-40B4-BE49-F238E27FC236}">
+                  <a16:creationId xmlns:a16="http://schemas.microsoft.com/office/drawing/2014/main" id="{3E000D34-9CE3-9A74-F3F8-AF9FDCEC7A4F}"/>
+                </a:ext>
+              </a:extLst>
+            </p:cNvPr>
+            <p:cNvPicPr>
+              <a:picLocks noChangeAspect="1"/>
+            </p:cNvPicPr>
+            <p:nvPr/>
+          </p:nvPicPr>
+          <p:blipFill>
+            <a:blip r:embed="rId5">
+              <a:extLst>
+                <a:ext uri="{28A0092B-C50C-407E-A947-70E740481C1C}">
+                  <a14:useLocalDpi xmlns:a14="http://schemas.microsoft.com/office/drawing/2010/main" val="0"/>
+                </a:ext>
+              </a:extLst>
+            </a:blip>
+            <a:stretch>
+              <a:fillRect/>
+            </a:stretch>
+          </p:blipFill>
+          <p:spPr>
+            <a:xfrm>
+              <a:off x="3435678" y="1556589"/>
+              <a:ext cx="831369" cy="831369"/>
+            </a:xfrm>
+            <a:prstGeom prst="rect">
+              <a:avLst/>
+            </a:prstGeom>
+          </p:spPr>
+        </p:pic>
+        <p:pic>
+          <p:nvPicPr>
+            <p:cNvPr id="39" name="Picture 38">
+              <a:extLst>
+                <a:ext uri="{FF2B5EF4-FFF2-40B4-BE49-F238E27FC236}">
+                  <a16:creationId xmlns:a16="http://schemas.microsoft.com/office/drawing/2014/main" id="{73BD4803-1061-1D52-0327-9CAE9806E0A8}"/>
+                </a:ext>
+              </a:extLst>
+            </p:cNvPr>
+            <p:cNvPicPr>
+              <a:picLocks noChangeAspect="1"/>
+            </p:cNvPicPr>
+            <p:nvPr/>
+          </p:nvPicPr>
+          <p:blipFill>
+            <a:blip r:embed="rId6">
+              <a:extLst>
+                <a:ext uri="{28A0092B-C50C-407E-A947-70E740481C1C}">
+                  <a14:useLocalDpi xmlns:a14="http://schemas.microsoft.com/office/drawing/2010/main" val="0"/>
+                </a:ext>
+              </a:extLst>
+            </a:blip>
+            <a:stretch>
+              <a:fillRect/>
+            </a:stretch>
+          </p:blipFill>
+          <p:spPr>
+            <a:xfrm>
+              <a:off x="10523692" y="1706589"/>
+              <a:ext cx="831369" cy="831369"/>
+            </a:xfrm>
+            <a:prstGeom prst="rect">
+              <a:avLst/>
+            </a:prstGeom>
+          </p:spPr>
+        </p:pic>
+      </p:grpSp>
+      <p:grpSp>
+        <p:nvGrpSpPr>
+          <p:cNvPr id="26" name="Group 25">
+            <a:extLst>
+              <a:ext uri="{FF2B5EF4-FFF2-40B4-BE49-F238E27FC236}">
+                <a16:creationId xmlns:a16="http://schemas.microsoft.com/office/drawing/2014/main" id="{ABA3A3D2-D211-AB54-C829-3C4471D02F95}"/>
+              </a:ext>
+            </a:extLst>
+          </p:cNvPr>
+          <p:cNvGrpSpPr/>
+          <p:nvPr/>
+        </p:nvGrpSpPr>
+        <p:grpSpPr>
+          <a:xfrm>
+            <a:off x="3048431" y="1538126"/>
+            <a:ext cx="7141512" cy="1185035"/>
+            <a:chOff x="3040509" y="1541255"/>
+            <a:chExt cx="7141512" cy="1185035"/>
+          </a:xfrm>
+        </p:grpSpPr>
+        <p:cxnSp>
+          <p:nvCxnSpPr>
+            <p:cNvPr id="3" name="Straight Arrow Connector 2">
+              <a:extLst>
+                <a:ext uri="{FF2B5EF4-FFF2-40B4-BE49-F238E27FC236}">
+                  <a16:creationId xmlns:a16="http://schemas.microsoft.com/office/drawing/2014/main" id="{C63B5264-CA6E-17D9-EA99-7E9C0DC83746}"/>
+                </a:ext>
+              </a:extLst>
+            </p:cNvPr>
+            <p:cNvCxnSpPr>
+              <a:stCxn id="42" idx="2"/>
+              <a:endCxn id="43" idx="0"/>
+            </p:cNvCxnSpPr>
+            <p:nvPr/>
+          </p:nvCxnSpPr>
+          <p:spPr>
+            <a:xfrm>
+              <a:off x="3040509" y="1744921"/>
+              <a:ext cx="227039" cy="371584"/>
+            </a:xfrm>
+            <a:prstGeom prst="straightConnector1">
+              <a:avLst/>
+            </a:prstGeom>
+            <a:ln w="76200">
+              <a:solidFill>
+                <a:srgbClr val="00B050"/>
+              </a:solidFill>
+              <a:tailEnd type="triangle"/>
+            </a:ln>
+          </p:spPr>
+          <p:style>
+            <a:lnRef idx="1">
+              <a:schemeClr val="accent1"/>
+            </a:lnRef>
+            <a:fillRef idx="0">
+              <a:schemeClr val="accent1"/>
+            </a:fillRef>
+            <a:effectRef idx="0">
+              <a:schemeClr val="accent1"/>
+            </a:effectRef>
+            <a:fontRef idx="minor">
+              <a:schemeClr val="tx1"/>
+            </a:fontRef>
+          </p:style>
+        </p:cxnSp>
+        <p:cxnSp>
+          <p:nvCxnSpPr>
+            <p:cNvPr id="11" name="Connector: Curved 10">
+              <a:extLst>
+                <a:ext uri="{FF2B5EF4-FFF2-40B4-BE49-F238E27FC236}">
+                  <a16:creationId xmlns:a16="http://schemas.microsoft.com/office/drawing/2014/main" id="{888FC71C-7DA0-3B0D-C7DE-4F120837D7BF}"/>
+                </a:ext>
+              </a:extLst>
+            </p:cNvPr>
+            <p:cNvCxnSpPr>
+              <a:cxnSpLocks/>
+              <a:stCxn id="43" idx="2"/>
+              <a:endCxn id="44" idx="1"/>
+            </p:cNvCxnSpPr>
+            <p:nvPr/>
+          </p:nvCxnSpPr>
+          <p:spPr>
+            <a:xfrm rot="5400000" flipH="1" flipV="1">
+              <a:off x="3410576" y="1545778"/>
+              <a:ext cx="1037483" cy="1323541"/>
+            </a:xfrm>
+            <a:prstGeom prst="curvedConnector4">
+              <a:avLst>
+                <a:gd name="adj1" fmla="val -22034"/>
+                <a:gd name="adj2" fmla="val 61518"/>
+              </a:avLst>
+            </a:prstGeom>
+            <a:ln w="76200">
+              <a:solidFill>
+                <a:srgbClr val="00B050"/>
+              </a:solidFill>
+              <a:tailEnd type="triangle"/>
+            </a:ln>
+          </p:spPr>
+          <p:style>
+            <a:lnRef idx="1">
+              <a:schemeClr val="accent1"/>
+            </a:lnRef>
+            <a:fillRef idx="0">
+              <a:schemeClr val="accent1"/>
+            </a:fillRef>
+            <a:effectRef idx="0">
+              <a:schemeClr val="accent1"/>
+            </a:effectRef>
+            <a:fontRef idx="minor">
+              <a:schemeClr val="tx1"/>
+            </a:fontRef>
+          </p:style>
+        </p:cxnSp>
+        <p:cxnSp>
+          <p:nvCxnSpPr>
+            <p:cNvPr id="23" name="Connector: Curved 22">
+              <a:extLst>
+                <a:ext uri="{FF2B5EF4-FFF2-40B4-BE49-F238E27FC236}">
+                  <a16:creationId xmlns:a16="http://schemas.microsoft.com/office/drawing/2014/main" id="{AD7224A1-8B23-7ACC-4D37-D4AACAE8C169}"/>
+                </a:ext>
+              </a:extLst>
+            </p:cNvPr>
+            <p:cNvCxnSpPr>
+              <a:cxnSpLocks/>
+              <a:stCxn id="45" idx="0"/>
+            </p:cNvCxnSpPr>
+            <p:nvPr/>
+          </p:nvCxnSpPr>
+          <p:spPr>
+            <a:xfrm rot="16200000" flipV="1">
+              <a:off x="7478823" y="-736694"/>
+              <a:ext cx="425250" cy="4981147"/>
+            </a:xfrm>
+            <a:prstGeom prst="curvedConnector2">
+              <a:avLst/>
+            </a:prstGeom>
+            <a:ln w="76200">
+              <a:solidFill>
+                <a:srgbClr val="00B050"/>
+              </a:solidFill>
+              <a:tailEnd type="triangle"/>
+            </a:ln>
+          </p:spPr>
+          <p:style>
+            <a:lnRef idx="1">
+              <a:schemeClr val="accent1"/>
+            </a:lnRef>
+            <a:fillRef idx="0">
+              <a:schemeClr val="accent1"/>
+            </a:fillRef>
+            <a:effectRef idx="0">
+              <a:schemeClr val="accent1"/>
+            </a:effectRef>
+            <a:fontRef idx="minor">
+              <a:schemeClr val="tx1"/>
+            </a:fontRef>
+          </p:style>
+        </p:cxnSp>
+      </p:grpSp>
+      <p:grpSp>
+        <p:nvGrpSpPr>
+          <p:cNvPr id="51" name="Group 50">
+            <a:extLst>
+              <a:ext uri="{FF2B5EF4-FFF2-40B4-BE49-F238E27FC236}">
+                <a16:creationId xmlns:a16="http://schemas.microsoft.com/office/drawing/2014/main" id="{BB8A658B-743E-581E-06B9-88F7D641D18F}"/>
+              </a:ext>
+            </a:extLst>
+          </p:cNvPr>
+          <p:cNvGrpSpPr/>
+          <p:nvPr/>
+        </p:nvGrpSpPr>
+        <p:grpSpPr>
+          <a:xfrm>
+            <a:off x="2735615" y="1440028"/>
+            <a:ext cx="7446406" cy="1136263"/>
+            <a:chOff x="2735615" y="1440028"/>
+            <a:chExt cx="7446406" cy="1136263"/>
+          </a:xfrm>
+        </p:grpSpPr>
+        <p:cxnSp>
+          <p:nvCxnSpPr>
+            <p:cNvPr id="28" name="Connector: Curved 27">
+              <a:extLst>
+                <a:ext uri="{FF2B5EF4-FFF2-40B4-BE49-F238E27FC236}">
+                  <a16:creationId xmlns:a16="http://schemas.microsoft.com/office/drawing/2014/main" id="{1C4019E7-4088-D06E-5D80-F3CAA451CFD7}"/>
+                </a:ext>
+              </a:extLst>
+            </p:cNvPr>
+            <p:cNvCxnSpPr>
+              <a:cxnSpLocks/>
+              <a:stCxn id="42" idx="1"/>
+              <a:endCxn id="43" idx="1"/>
+            </p:cNvCxnSpPr>
+            <p:nvPr/>
+          </p:nvCxnSpPr>
+          <p:spPr>
+            <a:xfrm rot="10800000" flipH="1" flipV="1">
+              <a:off x="2735615" y="1440028"/>
+              <a:ext cx="227039" cy="981369"/>
+            </a:xfrm>
+            <a:prstGeom prst="curvedConnector3">
+              <a:avLst>
+                <a:gd name="adj1" fmla="val -100688"/>
+              </a:avLst>
+            </a:prstGeom>
+            <a:ln w="76200">
+              <a:solidFill>
+                <a:srgbClr val="C00000"/>
+              </a:solidFill>
+              <a:tailEnd type="triangle"/>
+            </a:ln>
+          </p:spPr>
+          <p:style>
+            <a:lnRef idx="1">
+              <a:schemeClr val="accent1"/>
+            </a:lnRef>
+            <a:fillRef idx="0">
+              <a:schemeClr val="accent1"/>
+            </a:fillRef>
+            <a:effectRef idx="0">
+              <a:schemeClr val="accent1"/>
+            </a:effectRef>
+            <a:fontRef idx="minor">
+              <a:schemeClr val="tx1"/>
+            </a:fontRef>
+          </p:style>
+        </p:cxnSp>
+        <p:cxnSp>
+          <p:nvCxnSpPr>
+            <p:cNvPr id="32" name="Connector: Curved 31">
+              <a:extLst>
+                <a:ext uri="{FF2B5EF4-FFF2-40B4-BE49-F238E27FC236}">
+                  <a16:creationId xmlns:a16="http://schemas.microsoft.com/office/drawing/2014/main" id="{83A16004-D87A-8676-F3DE-84F932545B98}"/>
+                </a:ext>
+              </a:extLst>
+            </p:cNvPr>
+            <p:cNvCxnSpPr>
+              <a:cxnSpLocks/>
+              <a:stCxn id="43" idx="1"/>
+              <a:endCxn id="44" idx="2"/>
+            </p:cNvCxnSpPr>
+            <p:nvPr/>
+          </p:nvCxnSpPr>
+          <p:spPr>
+            <a:xfrm rot="10800000" flipH="1">
+              <a:off x="2962654" y="1993700"/>
+              <a:ext cx="1933327" cy="427699"/>
+            </a:xfrm>
+            <a:prstGeom prst="curvedConnector4">
+              <a:avLst>
+                <a:gd name="adj1" fmla="val -8685"/>
+                <a:gd name="adj2" fmla="val -189642"/>
+              </a:avLst>
+            </a:prstGeom>
+            <a:ln w="76200">
+              <a:solidFill>
+                <a:srgbClr val="C00000"/>
+              </a:solidFill>
+              <a:tailEnd type="triangle"/>
+            </a:ln>
+          </p:spPr>
+          <p:style>
+            <a:lnRef idx="1">
+              <a:schemeClr val="accent1"/>
+            </a:lnRef>
+            <a:fillRef idx="0">
+              <a:schemeClr val="accent1"/>
+            </a:fillRef>
+            <a:effectRef idx="0">
+              <a:schemeClr val="accent1"/>
+            </a:effectRef>
+            <a:fontRef idx="minor">
+              <a:schemeClr val="tx1"/>
+            </a:fontRef>
+          </p:style>
+        </p:cxnSp>
+        <p:cxnSp>
+          <p:nvCxnSpPr>
+            <p:cNvPr id="46" name="Connector: Curved 45">
+              <a:extLst>
+                <a:ext uri="{FF2B5EF4-FFF2-40B4-BE49-F238E27FC236}">
+                  <a16:creationId xmlns:a16="http://schemas.microsoft.com/office/drawing/2014/main" id="{058D11DB-05D7-D17A-AE3A-C9C28B9A9A40}"/>
+                </a:ext>
+              </a:extLst>
+            </p:cNvPr>
+            <p:cNvCxnSpPr>
+              <a:cxnSpLocks/>
+              <a:stCxn id="45" idx="2"/>
+              <a:endCxn id="44" idx="2"/>
+            </p:cNvCxnSpPr>
+            <p:nvPr/>
+          </p:nvCxnSpPr>
+          <p:spPr>
+            <a:xfrm rot="5400000" flipH="1">
+              <a:off x="7247706" y="-358024"/>
+              <a:ext cx="582591" cy="5286039"/>
+            </a:xfrm>
+            <a:prstGeom prst="curvedConnector3">
+              <a:avLst>
+                <a:gd name="adj1" fmla="val -39239"/>
+              </a:avLst>
+            </a:prstGeom>
+            <a:ln w="76200">
+              <a:solidFill>
+                <a:srgbClr val="C00000"/>
+              </a:solidFill>
+              <a:tailEnd type="triangle"/>
+            </a:ln>
+          </p:spPr>
+          <p:style>
+            <a:lnRef idx="1">
+              <a:schemeClr val="accent1"/>
+            </a:lnRef>
+            <a:fillRef idx="0">
+              <a:schemeClr val="accent1"/>
+            </a:fillRef>
+            <a:effectRef idx="0">
+              <a:schemeClr val="accent1"/>
+            </a:effectRef>
+            <a:fontRef idx="minor">
+              <a:schemeClr val="tx1"/>
+            </a:fontRef>
+          </p:style>
+        </p:cxnSp>
+      </p:grpSp>
+      <p:pic>
+        <p:nvPicPr>
+          <p:cNvPr id="29" name="Picture 28">
+            <a:extLst>
+              <a:ext uri="{FF2B5EF4-FFF2-40B4-BE49-F238E27FC236}">
+                <a16:creationId xmlns:a16="http://schemas.microsoft.com/office/drawing/2014/main" id="{6F7F3317-F56A-9E0C-B434-AF02D63FE035}"/>
+              </a:ext>
+            </a:extLst>
+          </p:cNvPr>
+          <p:cNvPicPr>
+            <a:picLocks noChangeAspect="1"/>
+          </p:cNvPicPr>
+          <p:nvPr/>
+        </p:nvPicPr>
+        <p:blipFill>
+          <a:blip r:embed="rId7">
+            <a:extLst>
+              <a:ext uri="{28A0092B-C50C-407E-A947-70E740481C1C}">
+                <a14:useLocalDpi xmlns:a14="http://schemas.microsoft.com/office/drawing/2010/main" val="0"/>
+              </a:ext>
+            </a:extLst>
+          </a:blip>
+          <a:stretch>
+            <a:fillRect/>
+          </a:stretch>
+        </p:blipFill>
+        <p:spPr>
+          <a:xfrm>
+            <a:off x="0" y="73025"/>
+            <a:ext cx="12192000" cy="6711950"/>
+          </a:xfrm>
+          <a:prstGeom prst="rect">
+            <a:avLst/>
+          </a:prstGeom>
+        </p:spPr>
+      </p:pic>
+      <p:grpSp>
+        <p:nvGrpSpPr>
+          <p:cNvPr id="61" name="Group 60">
+            <a:extLst>
+              <a:ext uri="{FF2B5EF4-FFF2-40B4-BE49-F238E27FC236}">
+                <a16:creationId xmlns:a16="http://schemas.microsoft.com/office/drawing/2014/main" id="{3F166469-B834-1831-62E1-7DC5732EB15B}"/>
+              </a:ext>
+            </a:extLst>
+          </p:cNvPr>
+          <p:cNvGrpSpPr/>
+          <p:nvPr/>
+        </p:nvGrpSpPr>
+        <p:grpSpPr>
+          <a:xfrm>
+            <a:off x="2543710" y="1301155"/>
+            <a:ext cx="6329010" cy="751237"/>
+            <a:chOff x="2543710" y="1301155"/>
+            <a:chExt cx="6329010" cy="751237"/>
+          </a:xfrm>
+        </p:grpSpPr>
+        <p:sp>
+          <p:nvSpPr>
+            <p:cNvPr id="53" name="TextBox 52">
+              <a:extLst>
+                <a:ext uri="{FF2B5EF4-FFF2-40B4-BE49-F238E27FC236}">
+                  <a16:creationId xmlns:a16="http://schemas.microsoft.com/office/drawing/2014/main" id="{BA1636A1-5EAD-4D90-87C8-D07D631298B3}"/>
+                </a:ext>
+              </a:extLst>
+            </p:cNvPr>
+            <p:cNvSpPr txBox="1"/>
+            <p:nvPr/>
+          </p:nvSpPr>
+          <p:spPr>
+            <a:xfrm>
+              <a:off x="2543710" y="1683060"/>
+              <a:ext cx="580608" cy="369332"/>
+            </a:xfrm>
+            <a:prstGeom prst="rect">
+              <a:avLst/>
+            </a:prstGeom>
+            <a:noFill/>
+          </p:spPr>
+          <p:txBody>
+            <a:bodyPr wrap="none" rtlCol="0">
+              <a:spAutoFit/>
+            </a:bodyPr>
+            <a:lstStyle/>
+            <a:p>
+              <a:r>
+                <a:rPr lang="en-GB" b="1" dirty="0">
+                  <a:solidFill>
+                    <a:srgbClr val="00B050"/>
+                  </a:solidFill>
+                </a:rPr>
+                <a:t>4ms</a:t>
+              </a:r>
+            </a:p>
+          </p:txBody>
+        </p:sp>
+        <p:sp>
+          <p:nvSpPr>
+            <p:cNvPr id="54" name="TextBox 53">
+              <a:extLst>
+                <a:ext uri="{FF2B5EF4-FFF2-40B4-BE49-F238E27FC236}">
+                  <a16:creationId xmlns:a16="http://schemas.microsoft.com/office/drawing/2014/main" id="{4BB514D1-7889-D62D-35E8-68E6B4619263}"/>
+                </a:ext>
+              </a:extLst>
+            </p:cNvPr>
+            <p:cNvSpPr txBox="1"/>
+            <p:nvPr/>
+          </p:nvSpPr>
+          <p:spPr>
+            <a:xfrm>
+              <a:off x="3913235" y="1352986"/>
+              <a:ext cx="697627" cy="369332"/>
+            </a:xfrm>
+            <a:prstGeom prst="rect">
+              <a:avLst/>
+            </a:prstGeom>
+            <a:noFill/>
+          </p:spPr>
+          <p:txBody>
+            <a:bodyPr wrap="none" rtlCol="0">
+              <a:spAutoFit/>
+            </a:bodyPr>
+            <a:lstStyle/>
+            <a:p>
+              <a:r>
+                <a:rPr lang="en-GB" b="1" dirty="0">
+                  <a:solidFill>
+                    <a:srgbClr val="00B050"/>
+                  </a:solidFill>
+                </a:rPr>
+                <a:t>29ms</a:t>
+              </a:r>
+            </a:p>
+          </p:txBody>
+        </p:sp>
+        <p:sp>
+          <p:nvSpPr>
+            <p:cNvPr id="55" name="TextBox 54">
+              <a:extLst>
+                <a:ext uri="{FF2B5EF4-FFF2-40B4-BE49-F238E27FC236}">
+                  <a16:creationId xmlns:a16="http://schemas.microsoft.com/office/drawing/2014/main" id="{31764691-7959-05B1-5973-AC300D20A249}"/>
+                </a:ext>
+              </a:extLst>
+            </p:cNvPr>
+            <p:cNvSpPr txBox="1"/>
+            <p:nvPr/>
+          </p:nvSpPr>
+          <p:spPr>
+            <a:xfrm>
+              <a:off x="8062883" y="1301155"/>
+              <a:ext cx="809837" cy="369332"/>
+            </a:xfrm>
+            <a:prstGeom prst="rect">
+              <a:avLst/>
+            </a:prstGeom>
+            <a:noFill/>
+          </p:spPr>
+          <p:txBody>
+            <a:bodyPr wrap="none" rtlCol="0">
+              <a:spAutoFit/>
+            </a:bodyPr>
+            <a:lstStyle/>
+            <a:p>
+              <a:r>
+                <a:rPr lang="en-GB" b="1" dirty="0">
+                  <a:solidFill>
+                    <a:srgbClr val="00B050"/>
+                  </a:solidFill>
+                </a:rPr>
+                <a:t>115ms</a:t>
+              </a:r>
+            </a:p>
+          </p:txBody>
+        </p:sp>
+      </p:grpSp>
+      <p:grpSp>
+        <p:nvGrpSpPr>
+          <p:cNvPr id="60" name="Group 59">
+            <a:extLst>
+              <a:ext uri="{FF2B5EF4-FFF2-40B4-BE49-F238E27FC236}">
+                <a16:creationId xmlns:a16="http://schemas.microsoft.com/office/drawing/2014/main" id="{678210F0-EAB4-4B60-5728-79A5503E418C}"/>
+              </a:ext>
+            </a:extLst>
+          </p:cNvPr>
+          <p:cNvGrpSpPr/>
+          <p:nvPr/>
+        </p:nvGrpSpPr>
+        <p:grpSpPr>
+          <a:xfrm>
+            <a:off x="1949184" y="1931028"/>
+            <a:ext cx="7730779" cy="1724593"/>
+            <a:chOff x="1949184" y="1931028"/>
+            <a:chExt cx="7730779" cy="1724593"/>
+          </a:xfrm>
+        </p:grpSpPr>
+        <p:sp>
+          <p:nvSpPr>
+            <p:cNvPr id="57" name="TextBox 56">
+              <a:extLst>
+                <a:ext uri="{FF2B5EF4-FFF2-40B4-BE49-F238E27FC236}">
+                  <a16:creationId xmlns:a16="http://schemas.microsoft.com/office/drawing/2014/main" id="{6398A709-1574-AC75-B641-03DE11255751}"/>
+                </a:ext>
+              </a:extLst>
+            </p:cNvPr>
+            <p:cNvSpPr txBox="1"/>
+            <p:nvPr/>
+          </p:nvSpPr>
+          <p:spPr>
+            <a:xfrm>
+              <a:off x="8870126" y="2713951"/>
+              <a:ext cx="809837" cy="369332"/>
+            </a:xfrm>
+            <a:prstGeom prst="rect">
+              <a:avLst/>
+            </a:prstGeom>
+            <a:noFill/>
+          </p:spPr>
+          <p:txBody>
+            <a:bodyPr wrap="none" rtlCol="0">
+              <a:spAutoFit/>
+            </a:bodyPr>
+            <a:lstStyle/>
+            <a:p>
+              <a:r>
+                <a:rPr lang="en-GB" b="1" dirty="0">
+                  <a:solidFill>
+                    <a:srgbClr val="C00000"/>
+                  </a:solidFill>
+                </a:rPr>
+                <a:t>115ms</a:t>
+              </a:r>
+            </a:p>
+          </p:txBody>
+        </p:sp>
+        <p:sp>
+          <p:nvSpPr>
+            <p:cNvPr id="58" name="TextBox 57">
+              <a:extLst>
+                <a:ext uri="{FF2B5EF4-FFF2-40B4-BE49-F238E27FC236}">
+                  <a16:creationId xmlns:a16="http://schemas.microsoft.com/office/drawing/2014/main" id="{CABEC6FB-C112-AF47-AC8A-06D3E604937B}"/>
+                </a:ext>
+              </a:extLst>
+            </p:cNvPr>
+            <p:cNvSpPr txBox="1"/>
+            <p:nvPr/>
+          </p:nvSpPr>
+          <p:spPr>
+            <a:xfrm>
+              <a:off x="3475455" y="3286289"/>
+              <a:ext cx="875561" cy="369332"/>
+            </a:xfrm>
+            <a:prstGeom prst="rect">
+              <a:avLst/>
+            </a:prstGeom>
+            <a:noFill/>
+          </p:spPr>
+          <p:txBody>
+            <a:bodyPr wrap="none" rtlCol="0">
+              <a:spAutoFit/>
+            </a:bodyPr>
+            <a:lstStyle/>
+            <a:p>
+              <a:r>
+                <a:rPr lang="en-GB" b="1" dirty="0">
+                  <a:solidFill>
+                    <a:srgbClr val="C00000"/>
+                  </a:solidFill>
+                </a:rPr>
+                <a:t>32.5ms</a:t>
+              </a:r>
+            </a:p>
+          </p:txBody>
+        </p:sp>
+        <p:sp>
+          <p:nvSpPr>
+            <p:cNvPr id="59" name="TextBox 58">
+              <a:extLst>
+                <a:ext uri="{FF2B5EF4-FFF2-40B4-BE49-F238E27FC236}">
+                  <a16:creationId xmlns:a16="http://schemas.microsoft.com/office/drawing/2014/main" id="{D27EF15A-7128-F178-EB9B-703884D5ECEA}"/>
+                </a:ext>
+              </a:extLst>
+            </p:cNvPr>
+            <p:cNvSpPr txBox="1"/>
+            <p:nvPr/>
+          </p:nvSpPr>
+          <p:spPr>
+            <a:xfrm>
+              <a:off x="1949184" y="1931028"/>
+              <a:ext cx="580608" cy="369332"/>
+            </a:xfrm>
+            <a:prstGeom prst="rect">
+              <a:avLst/>
+            </a:prstGeom>
+            <a:noFill/>
+          </p:spPr>
+          <p:txBody>
+            <a:bodyPr wrap="none" rtlCol="0">
+              <a:spAutoFit/>
+            </a:bodyPr>
+            <a:lstStyle/>
+            <a:p>
+              <a:r>
+                <a:rPr lang="en-GB" b="1" dirty="0">
+                  <a:solidFill>
+                    <a:srgbClr val="C00000"/>
+                  </a:solidFill>
+                </a:rPr>
+                <a:t>7ms</a:t>
+              </a:r>
+            </a:p>
+          </p:txBody>
+        </p:sp>
+      </p:grpSp>
+    </p:spTree>
+    <p:extLst>
+      <p:ext uri="{BB962C8B-B14F-4D97-AF65-F5344CB8AC3E}">
+        <p14:creationId xmlns:p14="http://schemas.microsoft.com/office/powerpoint/2010/main" val="4133857321"/>
+      </p:ext>
+    </p:extLst>
+  </p:cSld>
+  <p:clrMapOvr>
+    <a:masterClrMapping/>
+  </p:clrMapOvr>
+  <p:timing>
+    <p:tnLst>
+      <p:par>
+        <p:cTn id="1" dur="indefinite" restart="never" nodeType="tmRoot">
+          <p:childTnLst>
+            <p:seq concurrent="1" nextAc="seek">
+              <p:cTn id="2" dur="indefinite" nodeType="mainSeq">
+                <p:childTnLst>
+                  <p:par>
+                    <p:cTn id="3" fill="hold">
+                      <p:stCondLst>
+                        <p:cond delay="indefinite"/>
+                      </p:stCondLst>
+                      <p:childTnLst>
+                        <p:par>
+                          <p:cTn id="4" fill="hold">
+                            <p:stCondLst>
+                              <p:cond delay="0"/>
+                            </p:stCondLst>
+                            <p:childTnLst>
+                              <p:par>
+                                <p:cTn id="5" presetID="1" presetClass="entr" presetSubtype="0" fill="hold" nodeType="clickEffect">
+                                  <p:stCondLst>
+                                    <p:cond delay="0"/>
+                                  </p:stCondLst>
+                                  <p:childTnLst>
+                                    <p:set>
+                                      <p:cBhvr>
+                                        <p:cTn id="6" dur="1" fill="hold">
+                                          <p:stCondLst>
+                                            <p:cond delay="0"/>
+                                          </p:stCondLst>
+                                        </p:cTn>
+                                        <p:tgtEl>
+                                          <p:spTgt spid="50"/>
+                                        </p:tgtEl>
+                                        <p:attrNameLst>
+                                          <p:attrName>style.visibility</p:attrName>
+                                        </p:attrNameLst>
+                                      </p:cBhvr>
+                                      <p:to>
+                                        <p:strVal val="visible"/>
+                                      </p:to>
+                                    </p:set>
+                                  </p:childTnLst>
+                                </p:cTn>
+                              </p:par>
+                            </p:childTnLst>
+                          </p:cTn>
+                        </p:par>
+                      </p:childTnLst>
+                    </p:cTn>
+                  </p:par>
+                  <p:par>
+                    <p:cTn id="7" fill="hold">
+                      <p:stCondLst>
+                        <p:cond delay="indefinite"/>
+                      </p:stCondLst>
+                      <p:childTnLst>
+                        <p:par>
+                          <p:cTn id="8" fill="hold">
+                            <p:stCondLst>
+                              <p:cond delay="0"/>
+                            </p:stCondLst>
+                            <p:childTnLst>
+                              <p:par>
+                                <p:cTn id="9" presetID="1" presetClass="entr" presetSubtype="0" fill="hold" nodeType="clickEffect">
+                                  <p:stCondLst>
+                                    <p:cond delay="0"/>
+                                  </p:stCondLst>
+                                  <p:childTnLst>
+                                    <p:set>
+                                      <p:cBhvr>
+                                        <p:cTn id="10" dur="1" fill="hold">
+                                          <p:stCondLst>
+                                            <p:cond delay="0"/>
+                                          </p:stCondLst>
+                                        </p:cTn>
+                                        <p:tgtEl>
+                                          <p:spTgt spid="49"/>
+                                        </p:tgtEl>
+                                        <p:attrNameLst>
+                                          <p:attrName>style.visibility</p:attrName>
+                                        </p:attrNameLst>
+                                      </p:cBhvr>
+                                      <p:to>
+                                        <p:strVal val="visible"/>
+                                      </p:to>
+                                    </p:set>
+                                  </p:childTnLst>
+                                </p:cTn>
+                              </p:par>
+                            </p:childTnLst>
+                          </p:cTn>
+                        </p:par>
+                      </p:childTnLst>
+                    </p:cTn>
+                  </p:par>
+                  <p:par>
+                    <p:cTn id="11" fill="hold">
+                      <p:stCondLst>
+                        <p:cond delay="indefinite"/>
+                      </p:stCondLst>
+                      <p:childTnLst>
+                        <p:par>
+                          <p:cTn id="12" fill="hold">
+                            <p:stCondLst>
+                              <p:cond delay="0"/>
+                            </p:stCondLst>
+                            <p:childTnLst>
+                              <p:par>
+                                <p:cTn id="13" presetID="1" presetClass="entr" presetSubtype="0" fill="hold" nodeType="clickEffect">
+                                  <p:stCondLst>
+                                    <p:cond delay="0"/>
+                                  </p:stCondLst>
+                                  <p:childTnLst>
+                                    <p:set>
+                                      <p:cBhvr>
+                                        <p:cTn id="14" dur="1" fill="hold">
+                                          <p:stCondLst>
+                                            <p:cond delay="0"/>
+                                          </p:stCondLst>
+                                        </p:cTn>
+                                        <p:tgtEl>
+                                          <p:spTgt spid="51"/>
+                                        </p:tgtEl>
+                                        <p:attrNameLst>
+                                          <p:attrName>style.visibility</p:attrName>
+                                        </p:attrNameLst>
+                                      </p:cBhvr>
+                                      <p:to>
+                                        <p:strVal val="visible"/>
+                                      </p:to>
+                                    </p:set>
+                                  </p:childTnLst>
+                                </p:cTn>
+                              </p:par>
+                            </p:childTnLst>
+                          </p:cTn>
+                        </p:par>
+                      </p:childTnLst>
+                    </p:cTn>
+                  </p:par>
+                  <p:par>
+                    <p:cTn id="15" fill="hold">
+                      <p:stCondLst>
+                        <p:cond delay="indefinite"/>
+                      </p:stCondLst>
+                      <p:childTnLst>
+                        <p:par>
+                          <p:cTn id="16" fill="hold">
+                            <p:stCondLst>
+                              <p:cond delay="0"/>
+                            </p:stCondLst>
+                            <p:childTnLst>
+                              <p:par>
+                                <p:cTn id="17" presetID="1" presetClass="entr" presetSubtype="0" fill="hold" nodeType="clickEffect">
+                                  <p:stCondLst>
+                                    <p:cond delay="0"/>
+                                  </p:stCondLst>
+                                  <p:childTnLst>
+                                    <p:set>
+                                      <p:cBhvr>
+                                        <p:cTn id="18" dur="1" fill="hold">
+                                          <p:stCondLst>
+                                            <p:cond delay="0"/>
+                                          </p:stCondLst>
+                                        </p:cTn>
+                                        <p:tgtEl>
+                                          <p:spTgt spid="60"/>
+                                        </p:tgtEl>
+                                        <p:attrNameLst>
+                                          <p:attrName>style.visibility</p:attrName>
+                                        </p:attrNameLst>
+                                      </p:cBhvr>
+                                      <p:to>
+                                        <p:strVal val="visible"/>
+                                      </p:to>
+                                    </p:set>
+                                  </p:childTnLst>
+                                </p:cTn>
+                              </p:par>
+                            </p:childTnLst>
+                          </p:cTn>
+                        </p:par>
+                      </p:childTnLst>
+                    </p:cTn>
+                  </p:par>
+                  <p:par>
+                    <p:cTn id="19" fill="hold">
+                      <p:stCondLst>
+                        <p:cond delay="indefinite"/>
+                      </p:stCondLst>
+                      <p:childTnLst>
+                        <p:par>
+                          <p:cTn id="20" fill="hold">
+                            <p:stCondLst>
+                              <p:cond delay="0"/>
+                            </p:stCondLst>
+                            <p:childTnLst>
+                              <p:par>
+                                <p:cTn id="21" presetID="1" presetClass="entr" presetSubtype="0" fill="hold" nodeType="clickEffect">
+                                  <p:stCondLst>
+                                    <p:cond delay="0"/>
+                                  </p:stCondLst>
+                                  <p:childTnLst>
+                                    <p:set>
+                                      <p:cBhvr>
+                                        <p:cTn id="22" dur="1" fill="hold">
+                                          <p:stCondLst>
+                                            <p:cond delay="0"/>
+                                          </p:stCondLst>
+                                        </p:cTn>
+                                        <p:tgtEl>
+                                          <p:spTgt spid="26"/>
+                                        </p:tgtEl>
+                                        <p:attrNameLst>
+                                          <p:attrName>style.visibility</p:attrName>
+                                        </p:attrNameLst>
+                                      </p:cBhvr>
+                                      <p:to>
+                                        <p:strVal val="visible"/>
+                                      </p:to>
+                                    </p:set>
+                                  </p:childTnLst>
+                                </p:cTn>
+                              </p:par>
+                            </p:childTnLst>
+                          </p:cTn>
+                        </p:par>
+                      </p:childTnLst>
+                    </p:cTn>
+                  </p:par>
+                  <p:par>
+                    <p:cTn id="23" fill="hold">
+                      <p:stCondLst>
+                        <p:cond delay="indefinite"/>
+                      </p:stCondLst>
+                      <p:childTnLst>
+                        <p:par>
+                          <p:cTn id="24" fill="hold">
+                            <p:stCondLst>
+                              <p:cond delay="0"/>
+                            </p:stCondLst>
+                            <p:childTnLst>
+                              <p:par>
+                                <p:cTn id="25" presetID="1" presetClass="entr" presetSubtype="0" fill="hold" nodeType="clickEffect">
+                                  <p:stCondLst>
+                                    <p:cond delay="0"/>
+                                  </p:stCondLst>
+                                  <p:childTnLst>
+                                    <p:set>
+                                      <p:cBhvr>
+                                        <p:cTn id="26" dur="1" fill="hold">
+                                          <p:stCondLst>
+                                            <p:cond delay="0"/>
+                                          </p:stCondLst>
+                                        </p:cTn>
+                                        <p:tgtEl>
+                                          <p:spTgt spid="61"/>
+                                        </p:tgtEl>
+                                        <p:attrNameLst>
+                                          <p:attrName>style.visibility</p:attrName>
+                                        </p:attrNameLst>
+                                      </p:cBhvr>
+                                      <p:to>
+                                        <p:strVal val="visible"/>
+                                      </p:to>
+                                    </p:set>
+                                  </p:childTnLst>
+                                </p:cTn>
+                              </p:par>
+                            </p:childTnLst>
+                          </p:cTn>
+                        </p:par>
+                      </p:childTnLst>
+                    </p:cTn>
+                  </p:par>
+                </p:childTnLst>
+              </p:cTn>
+              <p:prevCondLst>
+                <p:cond evt="onPrev" delay="0">
+                  <p:tgtEl>
+                    <p:sldTgt/>
+                  </p:tgtEl>
+                </p:cond>
+              </p:prevCondLst>
+              <p:nextCondLst>
+                <p:cond evt="onNext" delay="0">
+                  <p:tgtEl>
+                    <p:sldTgt/>
+                  </p:tgtEl>
+                </p:cond>
+              </p:nextCondLst>
+            </p:seq>
+          </p:childTnLst>
+        </p:cTn>
+      </p:par>
+    </p:tnLst>
+  </p:timing>
+</p:sld>
+</file>
+
+<file path=ppt/slides/slide13.xml><?xml version="1.0" encoding="utf-8"?>
+<p:sld xmlns:a="http://schemas.openxmlformats.org/drawingml/2006/main" xmlns:r="http://schemas.openxmlformats.org/officeDocument/2006/relationships" xmlns:p="http://schemas.openxmlformats.org/presentationml/2006/main">
+  <p:cSld>
+    <p:spTree>
+      <p:nvGrpSpPr>
+        <p:cNvPr id="1" name="">
+          <a:extLst>
+            <a:ext uri="{FF2B5EF4-FFF2-40B4-BE49-F238E27FC236}">
+              <a16:creationId xmlns:a16="http://schemas.microsoft.com/office/drawing/2014/main" id="{566824EF-2C20-536E-7C75-45B662495D0C}"/>
+            </a:ext>
+          </a:extLst>
+        </p:cNvPr>
+        <p:cNvGrpSpPr/>
+        <p:nvPr/>
+      </p:nvGrpSpPr>
+      <p:grpSpPr>
+        <a:xfrm>
+          <a:off x="0" y="0"/>
+          <a:ext cx="0" cy="0"/>
+          <a:chOff x="0" y="0"/>
+          <a:chExt cx="0" cy="0"/>
+        </a:xfrm>
+      </p:grpSpPr>
+      <p:grpSp>
+        <p:nvGrpSpPr>
+          <p:cNvPr id="49" name="Group 48">
+            <a:extLst>
+              <a:ext uri="{FF2B5EF4-FFF2-40B4-BE49-F238E27FC236}">
+                <a16:creationId xmlns:a16="http://schemas.microsoft.com/office/drawing/2014/main" id="{03773A6D-972C-3D89-D55F-53B832B7744C}"/>
+              </a:ext>
+            </a:extLst>
+          </p:cNvPr>
+          <p:cNvGrpSpPr/>
+          <p:nvPr/>
+        </p:nvGrpSpPr>
+        <p:grpSpPr>
+          <a:xfrm>
+            <a:off x="2735616" y="1135136"/>
+            <a:ext cx="7751297" cy="1591154"/>
+            <a:chOff x="2764472" y="836011"/>
+            <a:chExt cx="7751297" cy="1591154"/>
+          </a:xfrm>
+        </p:grpSpPr>
+        <p:pic>
+          <p:nvPicPr>
+            <p:cNvPr id="42" name="Picture 41">
+              <a:extLst>
+                <a:ext uri="{FF2B5EF4-FFF2-40B4-BE49-F238E27FC236}">
+                  <a16:creationId xmlns:a16="http://schemas.microsoft.com/office/drawing/2014/main" id="{FBE1F3C9-6E71-7CCD-0986-FA9759E43FC3}"/>
+                </a:ext>
+              </a:extLst>
+            </p:cNvPr>
+            <p:cNvPicPr>
+              <a:picLocks noChangeAspect="1"/>
+            </p:cNvPicPr>
+            <p:nvPr/>
+          </p:nvPicPr>
+          <p:blipFill>
+            <a:blip r:embed="rId2">
+              <a:extLst>
+                <a:ext uri="{28A0092B-C50C-407E-A947-70E740481C1C}">
+                  <a14:useLocalDpi xmlns:a14="http://schemas.microsoft.com/office/drawing/2010/main" val="0"/>
+                </a:ext>
+              </a:extLst>
+            </a:blip>
+            <a:stretch>
+              <a:fillRect/>
+            </a:stretch>
+          </p:blipFill>
+          <p:spPr>
+            <a:xfrm>
+              <a:off x="2764472" y="836011"/>
+              <a:ext cx="609785" cy="609785"/>
+            </a:xfrm>
+            <a:prstGeom prst="rect">
+              <a:avLst/>
+            </a:prstGeom>
+          </p:spPr>
+        </p:pic>
+        <p:pic>
+          <p:nvPicPr>
+            <p:cNvPr id="43" name="Picture 42">
+              <a:extLst>
+                <a:ext uri="{FF2B5EF4-FFF2-40B4-BE49-F238E27FC236}">
+                  <a16:creationId xmlns:a16="http://schemas.microsoft.com/office/drawing/2014/main" id="{F5AC18FD-AD85-A362-32EF-F239AC2FA5A5}"/>
+                </a:ext>
+              </a:extLst>
+            </p:cNvPr>
+            <p:cNvPicPr>
+              <a:picLocks noChangeAspect="1"/>
+            </p:cNvPicPr>
+            <p:nvPr/>
+          </p:nvPicPr>
+          <p:blipFill>
+            <a:blip r:embed="rId2">
+              <a:extLst>
+                <a:ext uri="{28A0092B-C50C-407E-A947-70E740481C1C}">
+                  <a14:useLocalDpi xmlns:a14="http://schemas.microsoft.com/office/drawing/2010/main" val="0"/>
+                </a:ext>
+              </a:extLst>
+            </a:blip>
+            <a:stretch>
+              <a:fillRect/>
+            </a:stretch>
+          </p:blipFill>
+          <p:spPr>
+            <a:xfrm>
+              <a:off x="2991511" y="1817380"/>
+              <a:ext cx="609785" cy="609785"/>
+            </a:xfrm>
+            <a:prstGeom prst="rect">
+              <a:avLst/>
+            </a:prstGeom>
+          </p:spPr>
+        </p:pic>
+        <p:pic>
+          <p:nvPicPr>
+            <p:cNvPr id="44" name="Picture 43">
+              <a:extLst>
+                <a:ext uri="{FF2B5EF4-FFF2-40B4-BE49-F238E27FC236}">
+                  <a16:creationId xmlns:a16="http://schemas.microsoft.com/office/drawing/2014/main" id="{B7F7A53B-6894-4520-ABA6-5BD210F97807}"/>
+                </a:ext>
+              </a:extLst>
+            </p:cNvPr>
+            <p:cNvPicPr>
+              <a:picLocks noChangeAspect="1"/>
+            </p:cNvPicPr>
+            <p:nvPr/>
+          </p:nvPicPr>
+          <p:blipFill>
+            <a:blip r:embed="rId2">
+              <a:extLst>
+                <a:ext uri="{28A0092B-C50C-407E-A947-70E740481C1C}">
+                  <a14:useLocalDpi xmlns:a14="http://schemas.microsoft.com/office/drawing/2010/main" val="0"/>
+                </a:ext>
+              </a:extLst>
+            </a:blip>
+            <a:stretch>
+              <a:fillRect/>
+            </a:stretch>
+          </p:blipFill>
+          <p:spPr>
+            <a:xfrm>
+              <a:off x="4619945" y="1084789"/>
+              <a:ext cx="609785" cy="609785"/>
+            </a:xfrm>
+            <a:prstGeom prst="rect">
+              <a:avLst/>
+            </a:prstGeom>
+          </p:spPr>
+        </p:pic>
+        <p:pic>
+          <p:nvPicPr>
+            <p:cNvPr id="45" name="Picture 44">
+              <a:extLst>
+                <a:ext uri="{FF2B5EF4-FFF2-40B4-BE49-F238E27FC236}">
+                  <a16:creationId xmlns:a16="http://schemas.microsoft.com/office/drawing/2014/main" id="{2B051999-DF7E-FF39-FFD0-46079167BD5F}"/>
+                </a:ext>
+              </a:extLst>
+            </p:cNvPr>
+            <p:cNvPicPr>
+              <a:picLocks noChangeAspect="1"/>
+            </p:cNvPicPr>
+            <p:nvPr/>
+          </p:nvPicPr>
+          <p:blipFill>
+            <a:blip r:embed="rId2">
+              <a:extLst>
+                <a:ext uri="{28A0092B-C50C-407E-A947-70E740481C1C}">
+                  <a14:useLocalDpi xmlns:a14="http://schemas.microsoft.com/office/drawing/2010/main" val="0"/>
+                </a:ext>
+              </a:extLst>
+            </a:blip>
+            <a:stretch>
+              <a:fillRect/>
+            </a:stretch>
+          </p:blipFill>
+          <p:spPr>
+            <a:xfrm>
+              <a:off x="9905984" y="1667380"/>
+              <a:ext cx="609785" cy="609785"/>
+            </a:xfrm>
+            <a:prstGeom prst="rect">
+              <a:avLst/>
+            </a:prstGeom>
+          </p:spPr>
+        </p:pic>
+      </p:grpSp>
+      <p:grpSp>
+        <p:nvGrpSpPr>
+          <p:cNvPr id="50" name="Group 49">
+            <a:extLst>
+              <a:ext uri="{FF2B5EF4-FFF2-40B4-BE49-F238E27FC236}">
+                <a16:creationId xmlns:a16="http://schemas.microsoft.com/office/drawing/2014/main" id="{1BBC9F90-02B8-13F6-E160-E61C854C1FF7}"/>
+              </a:ext>
+            </a:extLst>
+          </p:cNvPr>
+          <p:cNvGrpSpPr/>
+          <p:nvPr/>
+        </p:nvGrpSpPr>
+        <p:grpSpPr>
+          <a:xfrm>
+            <a:off x="1904247" y="654452"/>
+            <a:ext cx="9421958" cy="1956071"/>
+            <a:chOff x="1933103" y="581887"/>
+            <a:chExt cx="9421958" cy="1956071"/>
+          </a:xfrm>
+        </p:grpSpPr>
+        <p:pic>
+          <p:nvPicPr>
+            <p:cNvPr id="33" name="Picture 32">
+              <a:extLst>
+                <a:ext uri="{FF2B5EF4-FFF2-40B4-BE49-F238E27FC236}">
+                  <a16:creationId xmlns:a16="http://schemas.microsoft.com/office/drawing/2014/main" id="{AE8D0048-EC9D-1B1A-B6BC-B58AAABA0C6E}"/>
+                </a:ext>
+              </a:extLst>
+            </p:cNvPr>
+            <p:cNvPicPr>
+              <a:picLocks noChangeAspect="1"/>
+            </p:cNvPicPr>
+            <p:nvPr/>
+          </p:nvPicPr>
+          <p:blipFill>
+            <a:blip r:embed="rId3">
+              <a:extLst>
+                <a:ext uri="{28A0092B-C50C-407E-A947-70E740481C1C}">
+                  <a14:useLocalDpi xmlns:a14="http://schemas.microsoft.com/office/drawing/2010/main" val="0"/>
+                </a:ext>
+              </a:extLst>
+            </a:blip>
+            <a:stretch>
+              <a:fillRect/>
+            </a:stretch>
+          </p:blipFill>
+          <p:spPr>
+            <a:xfrm>
+              <a:off x="1933103" y="725220"/>
+              <a:ext cx="831369" cy="831369"/>
+            </a:xfrm>
+            <a:prstGeom prst="rect">
+              <a:avLst/>
+            </a:prstGeom>
+          </p:spPr>
+        </p:pic>
+        <p:pic>
+          <p:nvPicPr>
+            <p:cNvPr id="35" name="Picture 34">
+              <a:extLst>
+                <a:ext uri="{FF2B5EF4-FFF2-40B4-BE49-F238E27FC236}">
+                  <a16:creationId xmlns:a16="http://schemas.microsoft.com/office/drawing/2014/main" id="{55A62185-023D-C34B-C467-755C37EB5002}"/>
+                </a:ext>
+              </a:extLst>
+            </p:cNvPr>
+            <p:cNvPicPr>
+              <a:picLocks noChangeAspect="1"/>
+            </p:cNvPicPr>
+            <p:nvPr/>
+          </p:nvPicPr>
+          <p:blipFill>
+            <a:blip r:embed="rId4">
+              <a:extLst>
+                <a:ext uri="{28A0092B-C50C-407E-A947-70E740481C1C}">
+                  <a14:useLocalDpi xmlns:a14="http://schemas.microsoft.com/office/drawing/2010/main" val="0"/>
+                </a:ext>
+              </a:extLst>
+            </a:blip>
+            <a:stretch>
+              <a:fillRect/>
+            </a:stretch>
+          </p:blipFill>
+          <p:spPr>
+            <a:xfrm>
+              <a:off x="5012421" y="581887"/>
+              <a:ext cx="831369" cy="831369"/>
+            </a:xfrm>
+            <a:prstGeom prst="rect">
+              <a:avLst/>
+            </a:prstGeom>
+          </p:spPr>
+        </p:pic>
+        <p:pic>
+          <p:nvPicPr>
+            <p:cNvPr id="37" name="Picture 36">
+              <a:extLst>
+                <a:ext uri="{FF2B5EF4-FFF2-40B4-BE49-F238E27FC236}">
+                  <a16:creationId xmlns:a16="http://schemas.microsoft.com/office/drawing/2014/main" id="{33C0B012-54B2-63FA-B402-C87E31082B4A}"/>
+                </a:ext>
+              </a:extLst>
+            </p:cNvPr>
+            <p:cNvPicPr>
+              <a:picLocks noChangeAspect="1"/>
+            </p:cNvPicPr>
+            <p:nvPr/>
+          </p:nvPicPr>
+          <p:blipFill>
+            <a:blip r:embed="rId5">
+              <a:extLst>
+                <a:ext uri="{28A0092B-C50C-407E-A947-70E740481C1C}">
+                  <a14:useLocalDpi xmlns:a14="http://schemas.microsoft.com/office/drawing/2010/main" val="0"/>
+                </a:ext>
+              </a:extLst>
+            </a:blip>
+            <a:stretch>
+              <a:fillRect/>
+            </a:stretch>
+          </p:blipFill>
+          <p:spPr>
+            <a:xfrm>
+              <a:off x="3435678" y="1556589"/>
+              <a:ext cx="831369" cy="831369"/>
+            </a:xfrm>
+            <a:prstGeom prst="rect">
+              <a:avLst/>
+            </a:prstGeom>
+          </p:spPr>
+        </p:pic>
+        <p:pic>
+          <p:nvPicPr>
+            <p:cNvPr id="39" name="Picture 38">
+              <a:extLst>
+                <a:ext uri="{FF2B5EF4-FFF2-40B4-BE49-F238E27FC236}">
+                  <a16:creationId xmlns:a16="http://schemas.microsoft.com/office/drawing/2014/main" id="{6BF4BFA1-90D8-872B-C9CF-3FFF9DC4F1E2}"/>
+                </a:ext>
+              </a:extLst>
+            </p:cNvPr>
+            <p:cNvPicPr>
+              <a:picLocks noChangeAspect="1"/>
+            </p:cNvPicPr>
+            <p:nvPr/>
+          </p:nvPicPr>
+          <p:blipFill>
+            <a:blip r:embed="rId6">
+              <a:extLst>
+                <a:ext uri="{28A0092B-C50C-407E-A947-70E740481C1C}">
+                  <a14:useLocalDpi xmlns:a14="http://schemas.microsoft.com/office/drawing/2010/main" val="0"/>
+                </a:ext>
+              </a:extLst>
+            </a:blip>
+            <a:stretch>
+              <a:fillRect/>
+            </a:stretch>
+          </p:blipFill>
+          <p:spPr>
+            <a:xfrm>
+              <a:off x="10523692" y="1706589"/>
+              <a:ext cx="831369" cy="831369"/>
+            </a:xfrm>
+            <a:prstGeom prst="rect">
+              <a:avLst/>
+            </a:prstGeom>
+          </p:spPr>
+        </p:pic>
+      </p:grpSp>
+      <p:grpSp>
+        <p:nvGrpSpPr>
+          <p:cNvPr id="26" name="Group 25">
+            <a:extLst>
+              <a:ext uri="{FF2B5EF4-FFF2-40B4-BE49-F238E27FC236}">
+                <a16:creationId xmlns:a16="http://schemas.microsoft.com/office/drawing/2014/main" id="{ADFE5FD1-EBA7-AF6A-2468-13A64175F96F}"/>
+              </a:ext>
+            </a:extLst>
+          </p:cNvPr>
+          <p:cNvGrpSpPr/>
+          <p:nvPr/>
+        </p:nvGrpSpPr>
+        <p:grpSpPr>
+          <a:xfrm>
+            <a:off x="3048431" y="1538126"/>
+            <a:ext cx="7141512" cy="1185035"/>
+            <a:chOff x="3040509" y="1541255"/>
+            <a:chExt cx="7141512" cy="1185035"/>
+          </a:xfrm>
+        </p:grpSpPr>
+        <p:cxnSp>
+          <p:nvCxnSpPr>
+            <p:cNvPr id="3" name="Straight Arrow Connector 2">
+              <a:extLst>
+                <a:ext uri="{FF2B5EF4-FFF2-40B4-BE49-F238E27FC236}">
+                  <a16:creationId xmlns:a16="http://schemas.microsoft.com/office/drawing/2014/main" id="{9976D924-3689-E7EB-7E80-84EFEFD586B7}"/>
+                </a:ext>
+              </a:extLst>
+            </p:cNvPr>
+            <p:cNvCxnSpPr>
+              <a:stCxn id="42" idx="2"/>
+              <a:endCxn id="43" idx="0"/>
+            </p:cNvCxnSpPr>
+            <p:nvPr/>
+          </p:nvCxnSpPr>
+          <p:spPr>
+            <a:xfrm>
+              <a:off x="3040509" y="1744921"/>
+              <a:ext cx="227039" cy="371584"/>
+            </a:xfrm>
+            <a:prstGeom prst="straightConnector1">
+              <a:avLst/>
+            </a:prstGeom>
+            <a:ln w="76200">
+              <a:solidFill>
+                <a:srgbClr val="00B050"/>
+              </a:solidFill>
+              <a:tailEnd type="triangle"/>
+            </a:ln>
+          </p:spPr>
+          <p:style>
+            <a:lnRef idx="1">
+              <a:schemeClr val="accent1"/>
+            </a:lnRef>
+            <a:fillRef idx="0">
+              <a:schemeClr val="accent1"/>
+            </a:fillRef>
+            <a:effectRef idx="0">
+              <a:schemeClr val="accent1"/>
+            </a:effectRef>
+            <a:fontRef idx="minor">
+              <a:schemeClr val="tx1"/>
+            </a:fontRef>
+          </p:style>
+        </p:cxnSp>
+        <p:cxnSp>
+          <p:nvCxnSpPr>
+            <p:cNvPr id="11" name="Connector: Curved 10">
+              <a:extLst>
+                <a:ext uri="{FF2B5EF4-FFF2-40B4-BE49-F238E27FC236}">
+                  <a16:creationId xmlns:a16="http://schemas.microsoft.com/office/drawing/2014/main" id="{72DADE5D-1AE8-F64C-81A3-06AB7716ADE3}"/>
+                </a:ext>
+              </a:extLst>
+            </p:cNvPr>
+            <p:cNvCxnSpPr>
+              <a:cxnSpLocks/>
+              <a:stCxn id="43" idx="2"/>
+              <a:endCxn id="44" idx="1"/>
+            </p:cNvCxnSpPr>
+            <p:nvPr/>
+          </p:nvCxnSpPr>
+          <p:spPr>
+            <a:xfrm rot="5400000" flipH="1" flipV="1">
+              <a:off x="3410576" y="1545778"/>
+              <a:ext cx="1037483" cy="1323541"/>
+            </a:xfrm>
+            <a:prstGeom prst="curvedConnector4">
+              <a:avLst>
+                <a:gd name="adj1" fmla="val -22034"/>
+                <a:gd name="adj2" fmla="val 61518"/>
+              </a:avLst>
+            </a:prstGeom>
+            <a:ln w="76200">
+              <a:solidFill>
+                <a:srgbClr val="00B050"/>
+              </a:solidFill>
+              <a:tailEnd type="triangle"/>
+            </a:ln>
+          </p:spPr>
+          <p:style>
+            <a:lnRef idx="1">
+              <a:schemeClr val="accent1"/>
+            </a:lnRef>
+            <a:fillRef idx="0">
+              <a:schemeClr val="accent1"/>
+            </a:fillRef>
+            <a:effectRef idx="0">
+              <a:schemeClr val="accent1"/>
+            </a:effectRef>
+            <a:fontRef idx="minor">
+              <a:schemeClr val="tx1"/>
+            </a:fontRef>
+          </p:style>
+        </p:cxnSp>
+        <p:cxnSp>
+          <p:nvCxnSpPr>
+            <p:cNvPr id="23" name="Connector: Curved 22">
+              <a:extLst>
+                <a:ext uri="{FF2B5EF4-FFF2-40B4-BE49-F238E27FC236}">
+                  <a16:creationId xmlns:a16="http://schemas.microsoft.com/office/drawing/2014/main" id="{B00215D2-19A1-6AAB-EB49-C5AB66DA73B1}"/>
+                </a:ext>
+              </a:extLst>
+            </p:cNvPr>
+            <p:cNvCxnSpPr>
+              <a:cxnSpLocks/>
+              <a:stCxn id="45" idx="0"/>
+            </p:cNvCxnSpPr>
+            <p:nvPr/>
+          </p:nvCxnSpPr>
+          <p:spPr>
+            <a:xfrm rot="16200000" flipV="1">
+              <a:off x="7478823" y="-736694"/>
+              <a:ext cx="425250" cy="4981147"/>
+            </a:xfrm>
+            <a:prstGeom prst="curvedConnector2">
+              <a:avLst/>
+            </a:prstGeom>
+            <a:ln w="76200">
+              <a:solidFill>
+                <a:srgbClr val="00B050"/>
+              </a:solidFill>
+              <a:tailEnd type="triangle"/>
+            </a:ln>
+          </p:spPr>
+          <p:style>
+            <a:lnRef idx="1">
+              <a:schemeClr val="accent1"/>
+            </a:lnRef>
+            <a:fillRef idx="0">
+              <a:schemeClr val="accent1"/>
+            </a:fillRef>
+            <a:effectRef idx="0">
+              <a:schemeClr val="accent1"/>
+            </a:effectRef>
+            <a:fontRef idx="minor">
+              <a:schemeClr val="tx1"/>
+            </a:fontRef>
+          </p:style>
+        </p:cxnSp>
+      </p:grpSp>
+      <p:grpSp>
+        <p:nvGrpSpPr>
+          <p:cNvPr id="51" name="Group 50">
+            <a:extLst>
+              <a:ext uri="{FF2B5EF4-FFF2-40B4-BE49-F238E27FC236}">
+                <a16:creationId xmlns:a16="http://schemas.microsoft.com/office/drawing/2014/main" id="{9E88B1D6-AAD4-2C9A-4ECD-E2DE8FF8E30F}"/>
+              </a:ext>
+            </a:extLst>
+          </p:cNvPr>
+          <p:cNvGrpSpPr/>
+          <p:nvPr/>
+        </p:nvGrpSpPr>
+        <p:grpSpPr>
+          <a:xfrm>
+            <a:off x="2735615" y="1440028"/>
+            <a:ext cx="7446406" cy="1136263"/>
+            <a:chOff x="2735615" y="1440028"/>
+            <a:chExt cx="7446406" cy="1136263"/>
+          </a:xfrm>
+        </p:grpSpPr>
+        <p:cxnSp>
+          <p:nvCxnSpPr>
+            <p:cNvPr id="28" name="Connector: Curved 27">
+              <a:extLst>
+                <a:ext uri="{FF2B5EF4-FFF2-40B4-BE49-F238E27FC236}">
+                  <a16:creationId xmlns:a16="http://schemas.microsoft.com/office/drawing/2014/main" id="{83C5C9D4-0A68-84FA-678F-1F14740C800C}"/>
+                </a:ext>
+              </a:extLst>
+            </p:cNvPr>
+            <p:cNvCxnSpPr>
+              <a:cxnSpLocks/>
+              <a:stCxn id="42" idx="1"/>
+              <a:endCxn id="43" idx="1"/>
+            </p:cNvCxnSpPr>
+            <p:nvPr/>
+          </p:nvCxnSpPr>
+          <p:spPr>
+            <a:xfrm rot="10800000" flipH="1" flipV="1">
+              <a:off x="2735615" y="1440028"/>
+              <a:ext cx="227039" cy="981369"/>
+            </a:xfrm>
+            <a:prstGeom prst="curvedConnector3">
+              <a:avLst>
+                <a:gd name="adj1" fmla="val -100688"/>
+              </a:avLst>
+            </a:prstGeom>
+            <a:ln w="76200">
+              <a:solidFill>
+                <a:srgbClr val="C00000"/>
+              </a:solidFill>
+              <a:tailEnd type="triangle"/>
+            </a:ln>
+          </p:spPr>
+          <p:style>
+            <a:lnRef idx="1">
+              <a:schemeClr val="accent1"/>
+            </a:lnRef>
+            <a:fillRef idx="0">
+              <a:schemeClr val="accent1"/>
+            </a:fillRef>
+            <a:effectRef idx="0">
+              <a:schemeClr val="accent1"/>
+            </a:effectRef>
+            <a:fontRef idx="minor">
+              <a:schemeClr val="tx1"/>
+            </a:fontRef>
+          </p:style>
+        </p:cxnSp>
+        <p:cxnSp>
+          <p:nvCxnSpPr>
+            <p:cNvPr id="32" name="Connector: Curved 31">
+              <a:extLst>
+                <a:ext uri="{FF2B5EF4-FFF2-40B4-BE49-F238E27FC236}">
+                  <a16:creationId xmlns:a16="http://schemas.microsoft.com/office/drawing/2014/main" id="{0E6C869C-E41F-AAE9-CA9B-3FDF47A06720}"/>
+                </a:ext>
+              </a:extLst>
+            </p:cNvPr>
+            <p:cNvCxnSpPr>
+              <a:cxnSpLocks/>
+              <a:stCxn id="43" idx="1"/>
+              <a:endCxn id="44" idx="2"/>
+            </p:cNvCxnSpPr>
+            <p:nvPr/>
+          </p:nvCxnSpPr>
+          <p:spPr>
+            <a:xfrm rot="10800000" flipH="1">
+              <a:off x="2962654" y="1993700"/>
+              <a:ext cx="1933327" cy="427699"/>
+            </a:xfrm>
+            <a:prstGeom prst="curvedConnector4">
+              <a:avLst>
+                <a:gd name="adj1" fmla="val -8685"/>
+                <a:gd name="adj2" fmla="val -189642"/>
+              </a:avLst>
+            </a:prstGeom>
+            <a:ln w="76200">
+              <a:solidFill>
+                <a:srgbClr val="C00000"/>
+              </a:solidFill>
+              <a:tailEnd type="triangle"/>
+            </a:ln>
+          </p:spPr>
+          <p:style>
+            <a:lnRef idx="1">
+              <a:schemeClr val="accent1"/>
+            </a:lnRef>
+            <a:fillRef idx="0">
+              <a:schemeClr val="accent1"/>
+            </a:fillRef>
+            <a:effectRef idx="0">
+              <a:schemeClr val="accent1"/>
+            </a:effectRef>
+            <a:fontRef idx="minor">
+              <a:schemeClr val="tx1"/>
+            </a:fontRef>
+          </p:style>
+        </p:cxnSp>
+        <p:cxnSp>
+          <p:nvCxnSpPr>
+            <p:cNvPr id="46" name="Connector: Curved 45">
+              <a:extLst>
+                <a:ext uri="{FF2B5EF4-FFF2-40B4-BE49-F238E27FC236}">
+                  <a16:creationId xmlns:a16="http://schemas.microsoft.com/office/drawing/2014/main" id="{BBC0B154-05F1-246D-9F91-621C8FC7E73B}"/>
+                </a:ext>
+              </a:extLst>
+            </p:cNvPr>
+            <p:cNvCxnSpPr>
+              <a:cxnSpLocks/>
+              <a:stCxn id="45" idx="2"/>
+              <a:endCxn id="44" idx="2"/>
+            </p:cNvCxnSpPr>
+            <p:nvPr/>
+          </p:nvCxnSpPr>
+          <p:spPr>
+            <a:xfrm rot="5400000" flipH="1">
+              <a:off x="7247706" y="-358024"/>
+              <a:ext cx="582591" cy="5286039"/>
+            </a:xfrm>
+            <a:prstGeom prst="curvedConnector3">
+              <a:avLst>
+                <a:gd name="adj1" fmla="val -39239"/>
+              </a:avLst>
+            </a:prstGeom>
+            <a:ln w="76200">
+              <a:solidFill>
+                <a:srgbClr val="C00000"/>
+              </a:solidFill>
+              <a:tailEnd type="triangle"/>
+            </a:ln>
+          </p:spPr>
+          <p:style>
+            <a:lnRef idx="1">
+              <a:schemeClr val="accent1"/>
+            </a:lnRef>
+            <a:fillRef idx="0">
+              <a:schemeClr val="accent1"/>
+            </a:fillRef>
+            <a:effectRef idx="0">
+              <a:schemeClr val="accent1"/>
+            </a:effectRef>
+            <a:fontRef idx="minor">
+              <a:schemeClr val="tx1"/>
+            </a:fontRef>
+          </p:style>
+        </p:cxnSp>
+      </p:grpSp>
+      <p:pic>
+        <p:nvPicPr>
+          <p:cNvPr id="29" name="Picture 28">
+            <a:extLst>
+              <a:ext uri="{FF2B5EF4-FFF2-40B4-BE49-F238E27FC236}">
+                <a16:creationId xmlns:a16="http://schemas.microsoft.com/office/drawing/2014/main" id="{237BF4BD-8064-5BAE-9011-33D1DF1607FB}"/>
+              </a:ext>
+            </a:extLst>
+          </p:cNvPr>
+          <p:cNvPicPr>
+            <a:picLocks noChangeAspect="1"/>
+          </p:cNvPicPr>
+          <p:nvPr/>
+        </p:nvPicPr>
+        <p:blipFill>
+          <a:blip r:embed="rId7">
+            <a:extLst>
+              <a:ext uri="{28A0092B-C50C-407E-A947-70E740481C1C}">
+                <a14:useLocalDpi xmlns:a14="http://schemas.microsoft.com/office/drawing/2010/main" val="0"/>
+              </a:ext>
+            </a:extLst>
+          </a:blip>
+          <a:stretch>
+            <a:fillRect/>
+          </a:stretch>
+        </p:blipFill>
+        <p:spPr>
+          <a:xfrm>
+            <a:off x="0" y="73025"/>
+            <a:ext cx="12192000" cy="6711950"/>
+          </a:xfrm>
+          <a:prstGeom prst="rect">
+            <a:avLst/>
+          </a:prstGeom>
+        </p:spPr>
+      </p:pic>
+    </p:spTree>
+    <p:extLst>
+      <p:ext uri="{BB962C8B-B14F-4D97-AF65-F5344CB8AC3E}">
+        <p14:creationId xmlns:p14="http://schemas.microsoft.com/office/powerpoint/2010/main" val="1113961509"/>
+      </p:ext>
+    </p:extLst>
+  </p:cSld>
+  <p:clrMapOvr>
+    <a:masterClrMapping/>
+  </p:clrMapOvr>
+</p:sld>
+</file>
+
+<file path=ppt/slides/slide2.xml><?xml version="1.0" encoding="utf-8"?>
 <p:sld xmlns:a="http://schemas.openxmlformats.org/drawingml/2006/main" xmlns:r="http://schemas.openxmlformats.org/officeDocument/2006/relationships" xmlns:p="http://schemas.openxmlformats.org/presentationml/2006/main">
   <p:cSld>
     <p:spTree>
@@ -4319,7 +7104,7 @@
 </p:sld>
 </file>
 
-<file path=ppt/slides/slide2.xml><?xml version="1.0" encoding="utf-8"?>
+<file path=ppt/slides/slide3.xml><?xml version="1.0" encoding="utf-8"?>
 <p:sld xmlns:a="http://schemas.openxmlformats.org/drawingml/2006/main" xmlns:r="http://schemas.openxmlformats.org/officeDocument/2006/relationships" xmlns:p="http://schemas.openxmlformats.org/presentationml/2006/main">
   <p:cSld>
     <p:spTree>
@@ -4327,7 +7112,7 @@
         <p:cNvPr id="1" name="">
           <a:extLst>
             <a:ext uri="{FF2B5EF4-FFF2-40B4-BE49-F238E27FC236}">
-              <a16:creationId xmlns:a16="http://schemas.microsoft.com/office/drawing/2014/main" id="{92251CB7-1914-748C-EDAA-580A36205404}"/>
+              <a16:creationId xmlns:a16="http://schemas.microsoft.com/office/drawing/2014/main" id="{B6DE6E94-509F-9BF4-A5F6-5E414FDEE860}"/>
             </a:ext>
           </a:extLst>
         </p:cNvPr>
@@ -4342,619 +7127,12 @@
           <a:chExt cx="0" cy="0"/>
         </a:xfrm>
       </p:grpSpPr>
-      <p:sp>
-        <p:nvSpPr>
-          <p:cNvPr id="2" name="Title 1">
-            <a:extLst>
-              <a:ext uri="{FF2B5EF4-FFF2-40B4-BE49-F238E27FC236}">
-                <a16:creationId xmlns:a16="http://schemas.microsoft.com/office/drawing/2014/main" id="{CB730B13-404A-D699-A9DD-DBA4D16D695B}"/>
-              </a:ext>
-            </a:extLst>
-          </p:cNvPr>
-          <p:cNvSpPr>
-            <a:spLocks noGrp="1"/>
-          </p:cNvSpPr>
-          <p:nvPr>
-            <p:ph type="title"/>
-          </p:nvPr>
-        </p:nvSpPr>
-        <p:spPr>
-          <a:xfrm>
-            <a:off x="838200" y="365126"/>
-            <a:ext cx="10515600" cy="856964"/>
-          </a:xfrm>
-        </p:spPr>
-        <p:txBody>
-          <a:bodyPr/>
-          <a:lstStyle/>
-          <a:p>
-            <a:r>
-              <a:rPr lang="en-GB" dirty="0">
-                <a:latin typeface="Arial Black" panose="020B0A04020102020204" pitchFamily="34" charset="0"/>
-              </a:rPr>
-              <a:t>Where Can You Buy?</a:t>
-            </a:r>
-          </a:p>
-        </p:txBody>
-      </p:sp>
-      <p:sp>
-        <p:nvSpPr>
-          <p:cNvPr id="6" name="Content Placeholder 5">
-            <a:extLst>
-              <a:ext uri="{FF2B5EF4-FFF2-40B4-BE49-F238E27FC236}">
-                <a16:creationId xmlns:a16="http://schemas.microsoft.com/office/drawing/2014/main" id="{CDCF706D-F82B-5D9E-9A5E-C702485D6800}"/>
-              </a:ext>
-            </a:extLst>
-          </p:cNvPr>
-          <p:cNvSpPr>
-            <a:spLocks noGrp="1"/>
-          </p:cNvSpPr>
-          <p:nvPr>
-            <p:ph idx="1"/>
-          </p:nvPr>
-        </p:nvSpPr>
-        <p:spPr>
-          <a:xfrm>
-            <a:off x="838200" y="1274093"/>
-            <a:ext cx="10515600" cy="4902870"/>
-          </a:xfrm>
-        </p:spPr>
-        <p:txBody>
-          <a:bodyPr/>
-          <a:lstStyle/>
-          <a:p>
-            <a:endParaRPr lang="en-GB" dirty="0"/>
-          </a:p>
-        </p:txBody>
-      </p:sp>
-    </p:spTree>
-    <p:extLst>
-      <p:ext uri="{BB962C8B-B14F-4D97-AF65-F5344CB8AC3E}">
-        <p14:creationId xmlns:p14="http://schemas.microsoft.com/office/powerpoint/2010/main" val="1842698620"/>
-      </p:ext>
-    </p:extLst>
-  </p:cSld>
-  <p:clrMapOvr>
-    <a:masterClrMapping/>
-  </p:clrMapOvr>
-</p:sld>
-</file>
-
-<file path=ppt/slides/slide3.xml><?xml version="1.0" encoding="utf-8"?>
-<p:sld xmlns:a="http://schemas.openxmlformats.org/drawingml/2006/main" xmlns:r="http://schemas.openxmlformats.org/officeDocument/2006/relationships" xmlns:p="http://schemas.openxmlformats.org/presentationml/2006/main">
-  <p:cSld>
-    <p:spTree>
-      <p:nvGrpSpPr>
-        <p:cNvPr id="1" name="">
-          <a:extLst>
-            <a:ext uri="{FF2B5EF4-FFF2-40B4-BE49-F238E27FC236}">
-              <a16:creationId xmlns:a16="http://schemas.microsoft.com/office/drawing/2014/main" id="{6DE0BC3A-3C65-630C-6E60-5F772452F53E}"/>
-            </a:ext>
-          </a:extLst>
-        </p:cNvPr>
-        <p:cNvGrpSpPr/>
-        <p:nvPr/>
-      </p:nvGrpSpPr>
-      <p:grpSpPr>
-        <a:xfrm>
-          <a:off x="0" y="0"/>
-          <a:ext cx="0" cy="0"/>
-          <a:chOff x="0" y="0"/>
-          <a:chExt cx="0" cy="0"/>
-        </a:xfrm>
-      </p:grpSpPr>
-      <p:sp>
-        <p:nvSpPr>
-          <p:cNvPr id="2" name="Title 1">
-            <a:extLst>
-              <a:ext uri="{FF2B5EF4-FFF2-40B4-BE49-F238E27FC236}">
-                <a16:creationId xmlns:a16="http://schemas.microsoft.com/office/drawing/2014/main" id="{9E6A6D5A-0873-F6A8-C85A-6A57D6794E40}"/>
-              </a:ext>
-            </a:extLst>
-          </p:cNvPr>
-          <p:cNvSpPr>
-            <a:spLocks noGrp="1"/>
-          </p:cNvSpPr>
-          <p:nvPr>
-            <p:ph type="title"/>
-          </p:nvPr>
-        </p:nvSpPr>
-        <p:spPr>
-          <a:xfrm>
-            <a:off x="838200" y="365126"/>
-            <a:ext cx="10515600" cy="856964"/>
-          </a:xfrm>
-        </p:spPr>
-        <p:txBody>
-          <a:bodyPr/>
-          <a:lstStyle/>
-          <a:p>
-            <a:r>
-              <a:rPr lang="en-GB" dirty="0">
-                <a:latin typeface="Arial Black" panose="020B0A04020102020204" pitchFamily="34" charset="0"/>
-              </a:rPr>
-              <a:t>Need For Speed</a:t>
-            </a:r>
-          </a:p>
-        </p:txBody>
-      </p:sp>
-      <p:graphicFrame>
-        <p:nvGraphicFramePr>
-          <p:cNvPr id="4" name="Content Placeholder 3">
-            <a:extLst>
-              <a:ext uri="{FF2B5EF4-FFF2-40B4-BE49-F238E27FC236}">
-                <a16:creationId xmlns:a16="http://schemas.microsoft.com/office/drawing/2014/main" id="{FE57AD11-3D3C-6E7A-5466-E61821FFB053}"/>
-              </a:ext>
-            </a:extLst>
-          </p:cNvPr>
-          <p:cNvGraphicFramePr>
-            <a:graphicFrameLocks noGrp="1"/>
-          </p:cNvGraphicFramePr>
-          <p:nvPr>
-            <p:ph idx="1"/>
-          </p:nvPr>
-        </p:nvGraphicFramePr>
-        <p:xfrm>
-          <a:off x="3105422" y="1842960"/>
-          <a:ext cx="5981157" cy="3708400"/>
-        </p:xfrm>
-        <a:graphic>
-          <a:graphicData uri="http://schemas.openxmlformats.org/drawingml/2006/table">
-            <a:tbl>
-              <a:tblPr firstRow="1" bandRow="1">
-                <a:tableStyleId>{5C22544A-7EE6-4342-B048-85BDC9FD1C3A}</a:tableStyleId>
-              </a:tblPr>
-              <a:tblGrid>
-                <a:gridCol w="3505199">
-                  <a:extLst>
-                    <a:ext uri="{9D8B030D-6E8A-4147-A177-3AD203B41FA5}">
-                      <a16:colId xmlns:a16="http://schemas.microsoft.com/office/drawing/2014/main" val="3710820437"/>
-                    </a:ext>
-                  </a:extLst>
-                </a:gridCol>
-                <a:gridCol w="2475958">
-                  <a:extLst>
-                    <a:ext uri="{9D8B030D-6E8A-4147-A177-3AD203B41FA5}">
-                      <a16:colId xmlns:a16="http://schemas.microsoft.com/office/drawing/2014/main" val="3098294199"/>
-                    </a:ext>
-                  </a:extLst>
-                </a:gridCol>
-              </a:tblGrid>
-              <a:tr h="370840">
-                <a:tc>
-                  <a:txBody>
-                    <a:bodyPr/>
-                    <a:lstStyle/>
-                    <a:p>
-                      <a:pPr algn="l"/>
-                      <a:r>
-                        <a:rPr lang="en-GB" dirty="0"/>
-                        <a:t>End Points</a:t>
-                      </a:r>
-                    </a:p>
-                  </a:txBody>
-                  <a:tcPr/>
-                </a:tc>
-                <a:tc>
-                  <a:txBody>
-                    <a:bodyPr/>
-                    <a:lstStyle/>
-                    <a:p>
-                      <a:pPr algn="l"/>
-                      <a:r>
-                        <a:rPr lang="en-GB" dirty="0"/>
-                        <a:t>Latency Round Trip </a:t>
-                      </a:r>
-                      <a:r>
-                        <a:rPr lang="en-GB" dirty="0" err="1"/>
-                        <a:t>ms</a:t>
-                      </a:r>
-                      <a:endParaRPr lang="en-GB" dirty="0"/>
-                    </a:p>
-                  </a:txBody>
-                  <a:tcPr/>
-                </a:tc>
-                <a:extLst>
-                  <a:ext uri="{0D108BD9-81ED-4DB2-BD59-A6C34878D82A}">
-                    <a16:rowId xmlns:a16="http://schemas.microsoft.com/office/drawing/2014/main" val="833069339"/>
-                  </a:ext>
-                </a:extLst>
-              </a:tr>
-              <a:tr h="370840">
-                <a:tc>
-                  <a:txBody>
-                    <a:bodyPr/>
-                    <a:lstStyle/>
-                    <a:p>
-                      <a:pPr algn="l"/>
-                      <a:r>
-                        <a:rPr lang="en-GB" dirty="0"/>
-                        <a:t>Chicago to New York (Cable)</a:t>
-                      </a:r>
-                    </a:p>
-                  </a:txBody>
-                  <a:tcPr/>
-                </a:tc>
-                <a:tc>
-                  <a:txBody>
-                    <a:bodyPr/>
-                    <a:lstStyle/>
-                    <a:p>
-                      <a:pPr algn="l"/>
-                      <a:r>
-                        <a:rPr lang="en-GB" dirty="0"/>
-                        <a:t>14.1</a:t>
-                      </a:r>
-                    </a:p>
-                  </a:txBody>
-                  <a:tcPr/>
-                </a:tc>
-                <a:extLst>
-                  <a:ext uri="{0D108BD9-81ED-4DB2-BD59-A6C34878D82A}">
-                    <a16:rowId xmlns:a16="http://schemas.microsoft.com/office/drawing/2014/main" val="2231763523"/>
-                  </a:ext>
-                </a:extLst>
-              </a:tr>
-              <a:tr h="370840">
-                <a:tc>
-                  <a:txBody>
-                    <a:bodyPr/>
-                    <a:lstStyle/>
-                    <a:p>
-                      <a:pPr marL="0" marR="0" lvl="0" indent="0" algn="l" defTabSz="914400" rtl="0" eaLnBrk="1" fontAlgn="auto" latinLnBrk="0" hangingPunct="1">
-                        <a:lnSpc>
-                          <a:spcPct val="100000"/>
-                        </a:lnSpc>
-                        <a:spcBef>
-                          <a:spcPts val="0"/>
-                        </a:spcBef>
-                        <a:spcAft>
-                          <a:spcPts val="0"/>
-                        </a:spcAft>
-                        <a:buClrTx/>
-                        <a:buSzTx/>
-                        <a:buFontTx/>
-                        <a:buNone/>
-                        <a:tabLst/>
-                        <a:defRPr/>
-                      </a:pPr>
-                      <a:r>
-                        <a:rPr lang="en-GB" dirty="0"/>
-                        <a:t>Chicago to New York (Microwave)</a:t>
-                      </a:r>
-                    </a:p>
-                  </a:txBody>
-                  <a:tcPr/>
-                </a:tc>
-                <a:tc>
-                  <a:txBody>
-                    <a:bodyPr/>
-                    <a:lstStyle/>
-                    <a:p>
-                      <a:pPr algn="l"/>
-                      <a:r>
-                        <a:rPr lang="en-GB" dirty="0"/>
-                        <a:t>8.2</a:t>
-                      </a:r>
-                    </a:p>
-                  </a:txBody>
-                  <a:tcPr/>
-                </a:tc>
-                <a:extLst>
-                  <a:ext uri="{0D108BD9-81ED-4DB2-BD59-A6C34878D82A}">
-                    <a16:rowId xmlns:a16="http://schemas.microsoft.com/office/drawing/2014/main" val="754737342"/>
-                  </a:ext>
-                </a:extLst>
-              </a:tr>
-              <a:tr h="370840">
-                <a:tc>
-                  <a:txBody>
-                    <a:bodyPr/>
-                    <a:lstStyle/>
-                    <a:p>
-                      <a:pPr algn="l"/>
-                      <a:r>
-                        <a:rPr lang="en-GB" dirty="0" err="1"/>
-                        <a:t>Hiberia</a:t>
-                      </a:r>
-                      <a:r>
-                        <a:rPr lang="en-GB" dirty="0"/>
-                        <a:t> Global Financial Network</a:t>
-                      </a:r>
-                    </a:p>
-                  </a:txBody>
-                  <a:tcPr/>
-                </a:tc>
-                <a:tc>
-                  <a:txBody>
-                    <a:bodyPr/>
-                    <a:lstStyle/>
-                    <a:p>
-                      <a:pPr algn="l"/>
-                      <a:r>
-                        <a:rPr lang="en-GB" dirty="0"/>
-                        <a:t>65.5</a:t>
-                      </a:r>
-                    </a:p>
-                  </a:txBody>
-                  <a:tcPr/>
-                </a:tc>
-                <a:extLst>
-                  <a:ext uri="{0D108BD9-81ED-4DB2-BD59-A6C34878D82A}">
-                    <a16:rowId xmlns:a16="http://schemas.microsoft.com/office/drawing/2014/main" val="3948544103"/>
-                  </a:ext>
-                </a:extLst>
-              </a:tr>
-              <a:tr h="370840">
-                <a:tc>
-                  <a:txBody>
-                    <a:bodyPr/>
-                    <a:lstStyle/>
-                    <a:p>
-                      <a:pPr algn="l"/>
-                      <a:r>
-                        <a:rPr lang="en-GB" dirty="0" err="1"/>
-                        <a:t>Hiberia</a:t>
-                      </a:r>
-                      <a:r>
-                        <a:rPr lang="en-GB" dirty="0"/>
-                        <a:t> Express</a:t>
-                      </a:r>
-                    </a:p>
-                  </a:txBody>
-                  <a:tcPr/>
-                </a:tc>
-                <a:tc>
-                  <a:txBody>
-                    <a:bodyPr/>
-                    <a:lstStyle/>
-                    <a:p>
-                      <a:pPr algn="l"/>
-                      <a:r>
-                        <a:rPr lang="en-GB" dirty="0"/>
-                        <a:t>58.8</a:t>
-                      </a:r>
-                    </a:p>
-                  </a:txBody>
-                  <a:tcPr/>
-                </a:tc>
-                <a:extLst>
-                  <a:ext uri="{0D108BD9-81ED-4DB2-BD59-A6C34878D82A}">
-                    <a16:rowId xmlns:a16="http://schemas.microsoft.com/office/drawing/2014/main" val="1749173547"/>
-                  </a:ext>
-                </a:extLst>
-              </a:tr>
-              <a:tr h="370840">
-                <a:tc>
-                  <a:txBody>
-                    <a:bodyPr/>
-                    <a:lstStyle/>
-                    <a:p>
-                      <a:pPr algn="l"/>
-                      <a:r>
-                        <a:rPr lang="en-GB" dirty="0"/>
-                        <a:t>London &lt;-&gt; Tokyo</a:t>
-                      </a:r>
-                    </a:p>
-                  </a:txBody>
-                  <a:tcPr/>
-                </a:tc>
-                <a:tc>
-                  <a:txBody>
-                    <a:bodyPr/>
-                    <a:lstStyle/>
-                    <a:p>
-                      <a:pPr algn="l"/>
-                      <a:r>
-                        <a:rPr lang="en-GB" dirty="0"/>
-                        <a:t>230</a:t>
-                      </a:r>
-                    </a:p>
-                  </a:txBody>
-                  <a:tcPr/>
-                </a:tc>
-                <a:extLst>
-                  <a:ext uri="{0D108BD9-81ED-4DB2-BD59-A6C34878D82A}">
-                    <a16:rowId xmlns:a16="http://schemas.microsoft.com/office/drawing/2014/main" val="913286744"/>
-                  </a:ext>
-                </a:extLst>
-              </a:tr>
-              <a:tr h="370840">
-                <a:tc>
-                  <a:txBody>
-                    <a:bodyPr/>
-                    <a:lstStyle/>
-                    <a:p>
-                      <a:pPr marL="0" marR="0" lvl="0" indent="0" algn="l" defTabSz="914400" rtl="0" eaLnBrk="1" fontAlgn="auto" latinLnBrk="0" hangingPunct="1">
-                        <a:lnSpc>
-                          <a:spcPct val="100000"/>
-                        </a:lnSpc>
-                        <a:spcBef>
-                          <a:spcPts val="0"/>
-                        </a:spcBef>
-                        <a:spcAft>
-                          <a:spcPts val="0"/>
-                        </a:spcAft>
-                        <a:buClrTx/>
-                        <a:buSzTx/>
-                        <a:buFontTx/>
-                        <a:buNone/>
-                        <a:tabLst/>
-                        <a:defRPr/>
-                      </a:pPr>
-                      <a:r>
-                        <a:rPr lang="en-GB" dirty="0"/>
-                        <a:t>London &lt;-&gt; Tokyo (via Atlantic)</a:t>
-                      </a:r>
-                    </a:p>
-                  </a:txBody>
-                  <a:tcPr/>
-                </a:tc>
-                <a:tc>
-                  <a:txBody>
-                    <a:bodyPr/>
-                    <a:lstStyle/>
-                    <a:p>
-                      <a:pPr algn="l"/>
-                      <a:r>
-                        <a:rPr lang="en-GB" dirty="0"/>
-                        <a:t>170</a:t>
-                      </a:r>
-                    </a:p>
-                  </a:txBody>
-                  <a:tcPr/>
-                </a:tc>
-                <a:extLst>
-                  <a:ext uri="{0D108BD9-81ED-4DB2-BD59-A6C34878D82A}">
-                    <a16:rowId xmlns:a16="http://schemas.microsoft.com/office/drawing/2014/main" val="1705750217"/>
-                  </a:ext>
-                </a:extLst>
-              </a:tr>
-              <a:tr h="370840">
-                <a:tc>
-                  <a:txBody>
-                    <a:bodyPr/>
-                    <a:lstStyle/>
-                    <a:p>
-                      <a:pPr algn="l"/>
-                      <a:r>
-                        <a:rPr lang="en-GB" dirty="0"/>
-                        <a:t>Google</a:t>
-                      </a:r>
-                    </a:p>
-                  </a:txBody>
-                  <a:tcPr/>
-                </a:tc>
-                <a:tc>
-                  <a:txBody>
-                    <a:bodyPr/>
-                    <a:lstStyle/>
-                    <a:p>
-                      <a:pPr algn="l"/>
-                      <a:r>
-                        <a:rPr lang="en-GB" dirty="0"/>
-                        <a:t>???</a:t>
-                      </a:r>
-                    </a:p>
-                  </a:txBody>
-                  <a:tcPr/>
-                </a:tc>
-                <a:extLst>
-                  <a:ext uri="{0D108BD9-81ED-4DB2-BD59-A6C34878D82A}">
-                    <a16:rowId xmlns:a16="http://schemas.microsoft.com/office/drawing/2014/main" val="1554847393"/>
-                  </a:ext>
-                </a:extLst>
-              </a:tr>
-              <a:tr h="370840">
-                <a:tc>
-                  <a:txBody>
-                    <a:bodyPr/>
-                    <a:lstStyle/>
-                    <a:p>
-                      <a:pPr algn="l"/>
-                      <a:r>
-                        <a:rPr lang="en-GB" dirty="0"/>
-                        <a:t>Meta</a:t>
-                      </a:r>
-                    </a:p>
-                  </a:txBody>
-                  <a:tcPr/>
-                </a:tc>
-                <a:tc>
-                  <a:txBody>
-                    <a:bodyPr/>
-                    <a:lstStyle/>
-                    <a:p>
-                      <a:pPr algn="l"/>
-                      <a:r>
-                        <a:rPr lang="en-GB" dirty="0"/>
-                        <a:t>???</a:t>
-                      </a:r>
-                    </a:p>
-                  </a:txBody>
-                  <a:tcPr/>
-                </a:tc>
-                <a:extLst>
-                  <a:ext uri="{0D108BD9-81ED-4DB2-BD59-A6C34878D82A}">
-                    <a16:rowId xmlns:a16="http://schemas.microsoft.com/office/drawing/2014/main" val="465121268"/>
-                  </a:ext>
-                </a:extLst>
-              </a:tr>
-              <a:tr h="370840">
-                <a:tc>
-                  <a:txBody>
-                    <a:bodyPr/>
-                    <a:lstStyle/>
-                    <a:p>
-                      <a:pPr algn="l"/>
-                      <a:r>
-                        <a:rPr lang="en-GB" dirty="0"/>
-                        <a:t>Microsoft</a:t>
-                      </a:r>
-                    </a:p>
-                  </a:txBody>
-                  <a:tcPr/>
-                </a:tc>
-                <a:tc>
-                  <a:txBody>
-                    <a:bodyPr/>
-                    <a:lstStyle/>
-                    <a:p>
-                      <a:pPr algn="l"/>
-                      <a:r>
-                        <a:rPr lang="en-GB" dirty="0"/>
-                        <a:t>???</a:t>
-                      </a:r>
-                    </a:p>
-                  </a:txBody>
-                  <a:tcPr/>
-                </a:tc>
-                <a:extLst>
-                  <a:ext uri="{0D108BD9-81ED-4DB2-BD59-A6C34878D82A}">
-                    <a16:rowId xmlns:a16="http://schemas.microsoft.com/office/drawing/2014/main" val="1300121289"/>
-                  </a:ext>
-                </a:extLst>
-              </a:tr>
-            </a:tbl>
-          </a:graphicData>
-        </a:graphic>
-      </p:graphicFrame>
-    </p:spTree>
-    <p:extLst>
-      <p:ext uri="{BB962C8B-B14F-4D97-AF65-F5344CB8AC3E}">
-        <p14:creationId xmlns:p14="http://schemas.microsoft.com/office/powerpoint/2010/main" val="3380556220"/>
-      </p:ext>
-    </p:extLst>
-  </p:cSld>
-  <p:clrMapOvr>
-    <a:masterClrMapping/>
-  </p:clrMapOvr>
-</p:sld>
-</file>
-
-<file path=ppt/slides/slide4.xml><?xml version="1.0" encoding="utf-8"?>
-<p:sld xmlns:a="http://schemas.openxmlformats.org/drawingml/2006/main" xmlns:r="http://schemas.openxmlformats.org/officeDocument/2006/relationships" xmlns:p="http://schemas.openxmlformats.org/presentationml/2006/main">
-  <p:cSld>
-    <p:spTree>
-      <p:nvGrpSpPr>
-        <p:cNvPr id="1" name=""/>
-        <p:cNvGrpSpPr/>
-        <p:nvPr/>
-      </p:nvGrpSpPr>
-      <p:grpSpPr>
-        <a:xfrm>
-          <a:off x="0" y="0"/>
-          <a:ext cx="0" cy="0"/>
-          <a:chOff x="0" y="0"/>
-          <a:chExt cx="0" cy="0"/>
-        </a:xfrm>
-      </p:grpSpPr>
       <p:pic>
         <p:nvPicPr>
           <p:cNvPr id="29" name="Picture 28">
             <a:extLst>
               <a:ext uri="{FF2B5EF4-FFF2-40B4-BE49-F238E27FC236}">
-                <a16:creationId xmlns:a16="http://schemas.microsoft.com/office/drawing/2014/main" id="{6F7F3317-F56A-9E0C-B434-AF02D63FE035}"/>
+                <a16:creationId xmlns:a16="http://schemas.microsoft.com/office/drawing/2014/main" id="{8465366D-CEBF-49E0-FFBA-AAAB5BFD500C}"/>
               </a:ext>
             </a:extLst>
           </p:cNvPr>
@@ -4977,7 +7155,7 @@
         </p:blipFill>
         <p:spPr>
           <a:xfrm>
-            <a:off x="0" y="73025"/>
+            <a:off x="0" y="362585"/>
             <a:ext cx="12192000" cy="6711950"/>
           </a:xfrm>
           <a:prstGeom prst="rect">
@@ -4985,12 +7163,69 @@
           </a:prstGeom>
         </p:spPr>
       </p:pic>
+      <p:sp>
+        <p:nvSpPr>
+          <p:cNvPr id="2" name="Title 1">
+            <a:extLst>
+              <a:ext uri="{FF2B5EF4-FFF2-40B4-BE49-F238E27FC236}">
+                <a16:creationId xmlns:a16="http://schemas.microsoft.com/office/drawing/2014/main" id="{16D252F3-4357-C31D-9B4B-29FBA1E96559}"/>
+              </a:ext>
+            </a:extLst>
+          </p:cNvPr>
+          <p:cNvSpPr txBox="1">
+            <a:spLocks/>
+          </p:cNvSpPr>
+          <p:nvPr/>
+        </p:nvSpPr>
+        <p:spPr>
+          <a:xfrm>
+            <a:off x="838200" y="365126"/>
+            <a:ext cx="10515600" cy="856964"/>
+          </a:xfrm>
+          <a:prstGeom prst="rect">
+            <a:avLst/>
+          </a:prstGeom>
+        </p:spPr>
+        <p:txBody>
+          <a:bodyPr vert="horz" lIns="91440" tIns="45720" rIns="91440" bIns="45720" rtlCol="0" anchor="b">
+            <a:normAutofit lnSpcReduction="10000"/>
+          </a:bodyPr>
+          <a:lstStyle>
+            <a:lvl1pPr algn="ctr" defTabSz="914400" rtl="0" eaLnBrk="1" latinLnBrk="0" hangingPunct="1">
+              <a:lnSpc>
+                <a:spcPct val="90000"/>
+              </a:lnSpc>
+              <a:spcBef>
+                <a:spcPct val="0"/>
+              </a:spcBef>
+              <a:buNone/>
+              <a:defRPr sz="6000" kern="1200">
+                <a:solidFill>
+                  <a:schemeClr val="tx1"/>
+                </a:solidFill>
+                <a:latin typeface="+mj-lt"/>
+                <a:ea typeface="+mj-ea"/>
+                <a:cs typeface="+mj-cs"/>
+              </a:defRPr>
+            </a:lvl1pPr>
+          </a:lstStyle>
+          <a:p>
+            <a:pPr algn="l"/>
+            <a:r>
+              <a:rPr lang="en-GB" dirty="0">
+                <a:latin typeface="Arial Black" panose="020B0A04020102020204" pitchFamily="34" charset="0"/>
+              </a:rPr>
+              <a:t>What Can You Buy?</a:t>
+            </a:r>
+          </a:p>
+        </p:txBody>
+      </p:sp>
       <p:grpSp>
         <p:nvGrpSpPr>
-          <p:cNvPr id="49" name="Group 48">
-            <a:extLst>
-              <a:ext uri="{FF2B5EF4-FFF2-40B4-BE49-F238E27FC236}">
-                <a16:creationId xmlns:a16="http://schemas.microsoft.com/office/drawing/2014/main" id="{DA0F5524-465E-74F2-41C7-A6CD450590F7}"/>
+          <p:cNvPr id="13" name="Group 12">
+            <a:extLst>
+              <a:ext uri="{FF2B5EF4-FFF2-40B4-BE49-F238E27FC236}">
+                <a16:creationId xmlns:a16="http://schemas.microsoft.com/office/drawing/2014/main" id="{6C224E50-36A0-3FB1-BEF2-00AF0BF1F47F}"/>
               </a:ext>
             </a:extLst>
           </p:cNvPr>
@@ -4999,163 +7234,432 @@
         </p:nvGrpSpPr>
         <p:grpSpPr>
           <a:xfrm>
-            <a:off x="2764472" y="836011"/>
-            <a:ext cx="7751297" cy="1591154"/>
-            <a:chOff x="2764472" y="836011"/>
-            <a:chExt cx="7751297" cy="1591154"/>
+            <a:off x="1657350" y="1444426"/>
+            <a:ext cx="10146030" cy="5040194"/>
+            <a:chOff x="1657350" y="1135816"/>
+            <a:chExt cx="10146030" cy="5040194"/>
           </a:xfrm>
         </p:grpSpPr>
-        <p:pic>
-          <p:nvPicPr>
-            <p:cNvPr id="42" name="Picture 41">
+        <p:sp>
+          <p:nvSpPr>
+            <p:cNvPr id="6" name="Rectangle: Rounded Corners 5">
               <a:extLst>
                 <a:ext uri="{FF2B5EF4-FFF2-40B4-BE49-F238E27FC236}">
-                  <a16:creationId xmlns:a16="http://schemas.microsoft.com/office/drawing/2014/main" id="{90AE8C58-0307-EF7C-D722-67AE0978F632}"/>
+                  <a16:creationId xmlns:a16="http://schemas.microsoft.com/office/drawing/2014/main" id="{AC0E5A3B-2A66-FD06-635A-85EE616EB484}"/>
                 </a:ext>
               </a:extLst>
             </p:cNvPr>
-            <p:cNvPicPr>
-              <a:picLocks noChangeAspect="1"/>
-            </p:cNvPicPr>
+            <p:cNvSpPr/>
             <p:nvPr/>
-          </p:nvPicPr>
-          <p:blipFill>
-            <a:blip r:embed="rId3">
-              <a:extLst>
-                <a:ext uri="{28A0092B-C50C-407E-A947-70E740481C1C}">
-                  <a14:useLocalDpi xmlns:a14="http://schemas.microsoft.com/office/drawing/2010/main" val="0"/>
-                </a:ext>
-              </a:extLst>
-            </a:blip>
-            <a:stretch>
-              <a:fillRect/>
-            </a:stretch>
-          </p:blipFill>
+          </p:nvSpPr>
           <p:spPr>
             <a:xfrm>
-              <a:off x="2764472" y="836011"/>
-              <a:ext cx="609785" cy="609785"/>
+              <a:off x="9787890" y="4875551"/>
+              <a:ext cx="967740" cy="322537"/>
             </a:xfrm>
-            <a:prstGeom prst="rect">
+            <a:prstGeom prst="roundRect">
               <a:avLst/>
             </a:prstGeom>
+            <a:solidFill>
+              <a:schemeClr val="accent6">
+                <a:alpha val="50000"/>
+              </a:schemeClr>
+            </a:solidFill>
+            <a:ln>
+              <a:noFill/>
+            </a:ln>
           </p:spPr>
-        </p:pic>
-        <p:pic>
-          <p:nvPicPr>
-            <p:cNvPr id="43" name="Picture 42">
+          <p:style>
+            <a:lnRef idx="0">
+              <a:scrgbClr r="0" g="0" b="0"/>
+            </a:lnRef>
+            <a:fillRef idx="0">
+              <a:scrgbClr r="0" g="0" b="0"/>
+            </a:fillRef>
+            <a:effectRef idx="0">
+              <a:scrgbClr r="0" g="0" b="0"/>
+            </a:effectRef>
+            <a:fontRef idx="minor">
+              <a:schemeClr val="lt1"/>
+            </a:fontRef>
+          </p:style>
+          <p:txBody>
+            <a:bodyPr rtlCol="0" anchor="ctr"/>
+            <a:lstStyle/>
+            <a:p>
+              <a:pPr algn="ctr"/>
+              <a:r>
+                <a:rPr lang="en-GB" sz="1600" b="1" dirty="0">
+                  <a:solidFill>
+                    <a:srgbClr val="00B050"/>
+                  </a:solidFill>
+                </a:rPr>
+                <a:t>AUDUSD</a:t>
+              </a:r>
+            </a:p>
+          </p:txBody>
+        </p:sp>
+        <p:sp>
+          <p:nvSpPr>
+            <p:cNvPr id="7" name="Rectangle: Rounded Corners 6">
               <a:extLst>
                 <a:ext uri="{FF2B5EF4-FFF2-40B4-BE49-F238E27FC236}">
-                  <a16:creationId xmlns:a16="http://schemas.microsoft.com/office/drawing/2014/main" id="{189956B6-2264-8EA4-A7D0-67035A851AA1}"/>
+                  <a16:creationId xmlns:a16="http://schemas.microsoft.com/office/drawing/2014/main" id="{4DABAE48-8512-E96A-884A-7BADB1391A2A}"/>
                 </a:ext>
               </a:extLst>
             </p:cNvPr>
-            <p:cNvPicPr>
-              <a:picLocks noChangeAspect="1"/>
-            </p:cNvPicPr>
+            <p:cNvSpPr/>
             <p:nvPr/>
-          </p:nvPicPr>
-          <p:blipFill>
-            <a:blip r:embed="rId3">
-              <a:extLst>
-                <a:ext uri="{28A0092B-C50C-407E-A947-70E740481C1C}">
-                  <a14:useLocalDpi xmlns:a14="http://schemas.microsoft.com/office/drawing/2010/main" val="0"/>
-                </a:ext>
-              </a:extLst>
-            </a:blip>
-            <a:stretch>
-              <a:fillRect/>
-            </a:stretch>
-          </p:blipFill>
+          </p:nvSpPr>
           <p:spPr>
             <a:xfrm>
-              <a:off x="2991511" y="1817380"/>
-              <a:ext cx="609785" cy="609785"/>
+              <a:off x="10835640" y="5853473"/>
+              <a:ext cx="967740" cy="322537"/>
             </a:xfrm>
-            <a:prstGeom prst="rect">
+            <a:prstGeom prst="roundRect">
               <a:avLst/>
             </a:prstGeom>
+            <a:solidFill>
+              <a:schemeClr val="accent6">
+                <a:alpha val="50000"/>
+              </a:schemeClr>
+            </a:solidFill>
+            <a:ln>
+              <a:noFill/>
+            </a:ln>
           </p:spPr>
-        </p:pic>
-        <p:pic>
-          <p:nvPicPr>
-            <p:cNvPr id="44" name="Picture 43">
+          <p:style>
+            <a:lnRef idx="0">
+              <a:scrgbClr r="0" g="0" b="0"/>
+            </a:lnRef>
+            <a:fillRef idx="0">
+              <a:scrgbClr r="0" g="0" b="0"/>
+            </a:fillRef>
+            <a:effectRef idx="0">
+              <a:scrgbClr r="0" g="0" b="0"/>
+            </a:effectRef>
+            <a:fontRef idx="minor">
+              <a:schemeClr val="lt1"/>
+            </a:fontRef>
+          </p:style>
+          <p:txBody>
+            <a:bodyPr rtlCol="0" anchor="ctr"/>
+            <a:lstStyle/>
+            <a:p>
+              <a:pPr algn="ctr"/>
+              <a:r>
+                <a:rPr lang="en-GB" sz="1600" b="1" dirty="0">
+                  <a:solidFill>
+                    <a:srgbClr val="00B050"/>
+                  </a:solidFill>
+                </a:rPr>
+                <a:t>NZDUSD</a:t>
+              </a:r>
+            </a:p>
+          </p:txBody>
+        </p:sp>
+        <p:sp>
+          <p:nvSpPr>
+            <p:cNvPr id="8" name="Rectangle: Rounded Corners 7">
               <a:extLst>
                 <a:ext uri="{FF2B5EF4-FFF2-40B4-BE49-F238E27FC236}">
-                  <a16:creationId xmlns:a16="http://schemas.microsoft.com/office/drawing/2014/main" id="{2D777870-7A71-B0D0-5AB1-59324348E416}"/>
+                  <a16:creationId xmlns:a16="http://schemas.microsoft.com/office/drawing/2014/main" id="{9F06B8EE-0531-39D1-29D9-E32F14CFBAEB}"/>
                 </a:ext>
               </a:extLst>
             </p:cNvPr>
-            <p:cNvPicPr>
-              <a:picLocks noChangeAspect="1"/>
-            </p:cNvPicPr>
+            <p:cNvSpPr/>
             <p:nvPr/>
-          </p:nvPicPr>
-          <p:blipFill>
-            <a:blip r:embed="rId3">
-              <a:extLst>
-                <a:ext uri="{28A0092B-C50C-407E-A947-70E740481C1C}">
-                  <a14:useLocalDpi xmlns:a14="http://schemas.microsoft.com/office/drawing/2010/main" val="0"/>
-                </a:ext>
-              </a:extLst>
-            </a:blip>
-            <a:stretch>
-              <a:fillRect/>
-            </a:stretch>
-          </p:blipFill>
+          </p:nvSpPr>
           <p:spPr>
             <a:xfrm>
-              <a:off x="4619945" y="1084789"/>
-              <a:ext cx="609785" cy="609785"/>
+              <a:off x="5402580" y="1659976"/>
+              <a:ext cx="967740" cy="322537"/>
             </a:xfrm>
-            <a:prstGeom prst="rect">
+            <a:prstGeom prst="roundRect">
               <a:avLst/>
             </a:prstGeom>
+            <a:solidFill>
+              <a:schemeClr val="accent6">
+                <a:alpha val="50000"/>
+              </a:schemeClr>
+            </a:solidFill>
+            <a:ln>
+              <a:noFill/>
+            </a:ln>
           </p:spPr>
-        </p:pic>
-        <p:pic>
-          <p:nvPicPr>
-            <p:cNvPr id="45" name="Picture 44">
+          <p:style>
+            <a:lnRef idx="0">
+              <a:scrgbClr r="0" g="0" b="0"/>
+            </a:lnRef>
+            <a:fillRef idx="0">
+              <a:scrgbClr r="0" g="0" b="0"/>
+            </a:fillRef>
+            <a:effectRef idx="0">
+              <a:scrgbClr r="0" g="0" b="0"/>
+            </a:effectRef>
+            <a:fontRef idx="minor">
+              <a:schemeClr val="lt1"/>
+            </a:fontRef>
+          </p:style>
+          <p:txBody>
+            <a:bodyPr rtlCol="0" anchor="ctr"/>
+            <a:lstStyle/>
+            <a:p>
+              <a:pPr algn="ctr"/>
+              <a:r>
+                <a:rPr lang="en-GB" sz="1600" b="1" dirty="0">
+                  <a:solidFill>
+                    <a:srgbClr val="00B050"/>
+                  </a:solidFill>
+                </a:rPr>
+                <a:t>EURCHF</a:t>
+              </a:r>
+            </a:p>
+          </p:txBody>
+        </p:sp>
+        <p:sp>
+          <p:nvSpPr>
+            <p:cNvPr id="9" name="Rectangle: Rounded Corners 8">
               <a:extLst>
                 <a:ext uri="{FF2B5EF4-FFF2-40B4-BE49-F238E27FC236}">
-                  <a16:creationId xmlns:a16="http://schemas.microsoft.com/office/drawing/2014/main" id="{9A7BE76B-4FFC-EB34-B8D2-2BF86CDC4F85}"/>
+                  <a16:creationId xmlns:a16="http://schemas.microsoft.com/office/drawing/2014/main" id="{D3DC006F-9430-DE79-8DAD-8D33B49D863F}"/>
                 </a:ext>
               </a:extLst>
             </p:cNvPr>
-            <p:cNvPicPr>
-              <a:picLocks noChangeAspect="1"/>
-            </p:cNvPicPr>
+            <p:cNvSpPr/>
             <p:nvPr/>
-          </p:nvPicPr>
-          <p:blipFill>
-            <a:blip r:embed="rId3">
+          </p:nvSpPr>
+          <p:spPr>
+            <a:xfrm>
+              <a:off x="10428897" y="2143717"/>
+              <a:ext cx="967740" cy="322537"/>
+            </a:xfrm>
+            <a:prstGeom prst="roundRect">
+              <a:avLst/>
+            </a:prstGeom>
+            <a:solidFill>
+              <a:schemeClr val="accent6">
+                <a:alpha val="50000"/>
+              </a:schemeClr>
+            </a:solidFill>
+            <a:ln>
+              <a:noFill/>
+            </a:ln>
+          </p:spPr>
+          <p:style>
+            <a:lnRef idx="0">
+              <a:scrgbClr r="0" g="0" b="0"/>
+            </a:lnRef>
+            <a:fillRef idx="0">
+              <a:scrgbClr r="0" g="0" b="0"/>
+            </a:fillRef>
+            <a:effectRef idx="0">
+              <a:scrgbClr r="0" g="0" b="0"/>
+            </a:effectRef>
+            <a:fontRef idx="minor">
+              <a:schemeClr val="lt1"/>
+            </a:fontRef>
+          </p:style>
+          <p:txBody>
+            <a:bodyPr rtlCol="0" anchor="ctr"/>
+            <a:lstStyle/>
+            <a:p>
+              <a:pPr algn="ctr"/>
+              <a:r>
+                <a:rPr lang="en-GB" sz="1600" b="1" dirty="0">
+                  <a:solidFill>
+                    <a:srgbClr val="00B050"/>
+                  </a:solidFill>
+                </a:rPr>
+                <a:t>USDJPY</a:t>
+              </a:r>
+            </a:p>
+          </p:txBody>
+        </p:sp>
+        <p:sp>
+          <p:nvSpPr>
+            <p:cNvPr id="10" name="Rectangle: Rounded Corners 9">
               <a:extLst>
-                <a:ext uri="{28A0092B-C50C-407E-A947-70E740481C1C}">
-                  <a14:useLocalDpi xmlns:a14="http://schemas.microsoft.com/office/drawing/2010/main" val="0"/>
+                <a:ext uri="{FF2B5EF4-FFF2-40B4-BE49-F238E27FC236}">
+                  <a16:creationId xmlns:a16="http://schemas.microsoft.com/office/drawing/2014/main" id="{3D7B0D00-6362-623D-D20B-062FB2DA2932}"/>
                 </a:ext>
               </a:extLst>
-            </a:blip>
-            <a:stretch>
-              <a:fillRect/>
-            </a:stretch>
-          </p:blipFill>
+            </p:cNvPr>
+            <p:cNvSpPr/>
+            <p:nvPr/>
+          </p:nvSpPr>
           <p:spPr>
             <a:xfrm>
-              <a:off x="9905984" y="1667380"/>
-              <a:ext cx="609785" cy="609785"/>
+              <a:off x="5147310" y="2020614"/>
+              <a:ext cx="967740" cy="322537"/>
             </a:xfrm>
-            <a:prstGeom prst="rect">
+            <a:prstGeom prst="roundRect">
               <a:avLst/>
             </a:prstGeom>
+            <a:solidFill>
+              <a:schemeClr val="accent6">
+                <a:alpha val="50000"/>
+              </a:schemeClr>
+            </a:solidFill>
+            <a:ln>
+              <a:noFill/>
+            </a:ln>
           </p:spPr>
-        </p:pic>
+          <p:style>
+            <a:lnRef idx="0">
+              <a:scrgbClr r="0" g="0" b="0"/>
+            </a:lnRef>
+            <a:fillRef idx="0">
+              <a:scrgbClr r="0" g="0" b="0"/>
+            </a:fillRef>
+            <a:effectRef idx="0">
+              <a:scrgbClr r="0" g="0" b="0"/>
+            </a:effectRef>
+            <a:fontRef idx="minor">
+              <a:schemeClr val="lt1"/>
+            </a:fontRef>
+          </p:style>
+          <p:txBody>
+            <a:bodyPr rtlCol="0" anchor="ctr"/>
+            <a:lstStyle/>
+            <a:p>
+              <a:pPr algn="ctr"/>
+              <a:r>
+                <a:rPr lang="en-GB" sz="1600" b="1" dirty="0">
+                  <a:solidFill>
+                    <a:srgbClr val="00B050"/>
+                  </a:solidFill>
+                </a:rPr>
+                <a:t>EURUSD</a:t>
+              </a:r>
+            </a:p>
+          </p:txBody>
+        </p:sp>
+        <p:sp>
+          <p:nvSpPr>
+            <p:cNvPr id="11" name="Rectangle: Rounded Corners 10">
+              <a:extLst>
+                <a:ext uri="{FF2B5EF4-FFF2-40B4-BE49-F238E27FC236}">
+                  <a16:creationId xmlns:a16="http://schemas.microsoft.com/office/drawing/2014/main" id="{0E9A4982-DD27-21BA-B476-234F7081E466}"/>
+                </a:ext>
+              </a:extLst>
+            </p:cNvPr>
+            <p:cNvSpPr/>
+            <p:nvPr/>
+          </p:nvSpPr>
+          <p:spPr>
+            <a:xfrm>
+              <a:off x="4362450" y="1670093"/>
+              <a:ext cx="967740" cy="322537"/>
+            </a:xfrm>
+            <a:prstGeom prst="roundRect">
+              <a:avLst/>
+            </a:prstGeom>
+            <a:solidFill>
+              <a:schemeClr val="accent6">
+                <a:alpha val="50000"/>
+              </a:schemeClr>
+            </a:solidFill>
+            <a:ln>
+              <a:noFill/>
+            </a:ln>
+          </p:spPr>
+          <p:style>
+            <a:lnRef idx="0">
+              <a:scrgbClr r="0" g="0" b="0"/>
+            </a:lnRef>
+            <a:fillRef idx="0">
+              <a:scrgbClr r="0" g="0" b="0"/>
+            </a:fillRef>
+            <a:effectRef idx="0">
+              <a:scrgbClr r="0" g="0" b="0"/>
+            </a:effectRef>
+            <a:fontRef idx="minor">
+              <a:schemeClr val="lt1"/>
+            </a:fontRef>
+          </p:style>
+          <p:txBody>
+            <a:bodyPr rtlCol="0" anchor="ctr"/>
+            <a:lstStyle/>
+            <a:p>
+              <a:pPr algn="ctr"/>
+              <a:r>
+                <a:rPr lang="en-GB" sz="1600" b="1" dirty="0">
+                  <a:solidFill>
+                    <a:srgbClr val="00B050"/>
+                  </a:solidFill>
+                </a:rPr>
+                <a:t>GBPUSD</a:t>
+              </a:r>
+            </a:p>
+          </p:txBody>
+        </p:sp>
+        <p:sp>
+          <p:nvSpPr>
+            <p:cNvPr id="12" name="Rectangle: Rounded Corners 11">
+              <a:extLst>
+                <a:ext uri="{FF2B5EF4-FFF2-40B4-BE49-F238E27FC236}">
+                  <a16:creationId xmlns:a16="http://schemas.microsoft.com/office/drawing/2014/main" id="{76FC08F5-8046-C7F8-ADC2-3DB09A750EAC}"/>
+                </a:ext>
+              </a:extLst>
+            </p:cNvPr>
+            <p:cNvSpPr/>
+            <p:nvPr/>
+          </p:nvSpPr>
+          <p:spPr>
+            <a:xfrm>
+              <a:off x="1657350" y="1135816"/>
+              <a:ext cx="967740" cy="322537"/>
+            </a:xfrm>
+            <a:prstGeom prst="roundRect">
+              <a:avLst/>
+            </a:prstGeom>
+            <a:solidFill>
+              <a:schemeClr val="accent6">
+                <a:alpha val="50000"/>
+              </a:schemeClr>
+            </a:solidFill>
+            <a:ln>
+              <a:noFill/>
+            </a:ln>
+          </p:spPr>
+          <p:style>
+            <a:lnRef idx="0">
+              <a:scrgbClr r="0" g="0" b="0"/>
+            </a:lnRef>
+            <a:fillRef idx="0">
+              <a:scrgbClr r="0" g="0" b="0"/>
+            </a:fillRef>
+            <a:effectRef idx="0">
+              <a:scrgbClr r="0" g="0" b="0"/>
+            </a:effectRef>
+            <a:fontRef idx="minor">
+              <a:schemeClr val="lt1"/>
+            </a:fontRef>
+          </p:style>
+          <p:txBody>
+            <a:bodyPr rtlCol="0" anchor="ctr"/>
+            <a:lstStyle/>
+            <a:p>
+              <a:pPr algn="ctr"/>
+              <a:r>
+                <a:rPr lang="en-GB" sz="1600" b="1" dirty="0">
+                  <a:solidFill>
+                    <a:srgbClr val="00B050"/>
+                  </a:solidFill>
+                </a:rPr>
+                <a:t>USDCAD</a:t>
+              </a:r>
+            </a:p>
+          </p:txBody>
+        </p:sp>
       </p:grpSp>
       <p:grpSp>
         <p:nvGrpSpPr>
-          <p:cNvPr id="50" name="Group 49">
-            <a:extLst>
-              <a:ext uri="{FF2B5EF4-FFF2-40B4-BE49-F238E27FC236}">
-                <a16:creationId xmlns:a16="http://schemas.microsoft.com/office/drawing/2014/main" id="{E7553DC7-1B09-CAA6-61A3-F6E12636B72B}"/>
+          <p:cNvPr id="21" name="Group 20">
+            <a:extLst>
+              <a:ext uri="{FF2B5EF4-FFF2-40B4-BE49-F238E27FC236}">
+                <a16:creationId xmlns:a16="http://schemas.microsoft.com/office/drawing/2014/main" id="{59973ADF-A4F8-A2FE-BE7C-10F34561E963}"/>
               </a:ext>
             </a:extLst>
           </p:cNvPr>
@@ -5164,161 +7668,1598 @@
         </p:nvGrpSpPr>
         <p:grpSpPr>
           <a:xfrm>
-            <a:off x="1933103" y="581887"/>
-            <a:ext cx="9421958" cy="1956071"/>
-            <a:chOff x="1933103" y="581887"/>
-            <a:chExt cx="9421958" cy="1956071"/>
+            <a:off x="4884420" y="1207112"/>
+            <a:ext cx="2657013" cy="1567752"/>
+            <a:chOff x="4884420" y="1207112"/>
+            <a:chExt cx="2657013" cy="1567752"/>
           </a:xfrm>
         </p:grpSpPr>
-        <p:pic>
-          <p:nvPicPr>
-            <p:cNvPr id="33" name="Picture 32">
+        <p:sp>
+          <p:nvSpPr>
+            <p:cNvPr id="14" name="Rectangle: Rounded Corners 13">
               <a:extLst>
                 <a:ext uri="{FF2B5EF4-FFF2-40B4-BE49-F238E27FC236}">
-                  <a16:creationId xmlns:a16="http://schemas.microsoft.com/office/drawing/2014/main" id="{00D7893F-2D1C-B4FB-09FE-C07A143D83E8}"/>
+                  <a16:creationId xmlns:a16="http://schemas.microsoft.com/office/drawing/2014/main" id="{CE7D8D7E-4218-D1EB-7761-1F98C4AA0F4F}"/>
                 </a:ext>
               </a:extLst>
             </p:cNvPr>
-            <p:cNvPicPr>
-              <a:picLocks noChangeAspect="1"/>
-            </p:cNvPicPr>
+            <p:cNvSpPr/>
             <p:nvPr/>
-          </p:nvPicPr>
-          <p:blipFill>
-            <a:blip r:embed="rId4">
-              <a:extLst>
-                <a:ext uri="{28A0092B-C50C-407E-A947-70E740481C1C}">
-                  <a14:useLocalDpi xmlns:a14="http://schemas.microsoft.com/office/drawing/2010/main" val="0"/>
-                </a:ext>
-              </a:extLst>
-            </a:blip>
-            <a:stretch>
-              <a:fillRect/>
-            </a:stretch>
-          </p:blipFill>
+          </p:nvSpPr>
           <p:spPr>
             <a:xfrm>
-              <a:off x="1933103" y="725220"/>
-              <a:ext cx="831369" cy="831369"/>
+              <a:off x="4884420" y="1514671"/>
+              <a:ext cx="967740" cy="322537"/>
             </a:xfrm>
-            <a:prstGeom prst="rect">
+            <a:prstGeom prst="roundRect">
               <a:avLst/>
             </a:prstGeom>
+            <a:solidFill>
+              <a:schemeClr val="accent1">
+                <a:alpha val="50000"/>
+              </a:schemeClr>
+            </a:solidFill>
+            <a:ln>
+              <a:noFill/>
+            </a:ln>
           </p:spPr>
-        </p:pic>
-        <p:pic>
-          <p:nvPicPr>
-            <p:cNvPr id="35" name="Picture 34">
+          <p:style>
+            <a:lnRef idx="0">
+              <a:scrgbClr r="0" g="0" b="0"/>
+            </a:lnRef>
+            <a:fillRef idx="0">
+              <a:scrgbClr r="0" g="0" b="0"/>
+            </a:fillRef>
+            <a:effectRef idx="0">
+              <a:scrgbClr r="0" g="0" b="0"/>
+            </a:effectRef>
+            <a:fontRef idx="minor">
+              <a:schemeClr val="lt1"/>
+            </a:fontRef>
+          </p:style>
+          <p:txBody>
+            <a:bodyPr rtlCol="0" anchor="ctr"/>
+            <a:lstStyle/>
+            <a:p>
+              <a:pPr algn="ctr"/>
+              <a:r>
+                <a:rPr lang="en-GB" sz="1600" b="1" dirty="0">
+                  <a:solidFill>
+                    <a:srgbClr val="0070C0"/>
+                  </a:solidFill>
+                </a:rPr>
+                <a:t>EURNOK</a:t>
+              </a:r>
+            </a:p>
+          </p:txBody>
+        </p:sp>
+        <p:sp>
+          <p:nvSpPr>
+            <p:cNvPr id="15" name="Rectangle: Rounded Corners 14">
               <a:extLst>
                 <a:ext uri="{FF2B5EF4-FFF2-40B4-BE49-F238E27FC236}">
-                  <a16:creationId xmlns:a16="http://schemas.microsoft.com/office/drawing/2014/main" id="{1E61409D-1D7B-E299-3620-A0E1F93814DF}"/>
+                  <a16:creationId xmlns:a16="http://schemas.microsoft.com/office/drawing/2014/main" id="{5435254C-3267-853F-D1F4-032CF6FD1CCC}"/>
                 </a:ext>
               </a:extLst>
             </p:cNvPr>
-            <p:cNvPicPr>
-              <a:picLocks noChangeAspect="1"/>
-            </p:cNvPicPr>
+            <p:cNvSpPr/>
             <p:nvPr/>
-          </p:nvPicPr>
-          <p:blipFill>
-            <a:blip r:embed="rId5">
-              <a:extLst>
-                <a:ext uri="{28A0092B-C50C-407E-A947-70E740481C1C}">
-                  <a14:useLocalDpi xmlns:a14="http://schemas.microsoft.com/office/drawing/2010/main" val="0"/>
-                </a:ext>
-              </a:extLst>
-            </a:blip>
-            <a:stretch>
-              <a:fillRect/>
-            </a:stretch>
-          </p:blipFill>
+          </p:nvSpPr>
           <p:spPr>
             <a:xfrm>
-              <a:off x="5012421" y="581887"/>
-              <a:ext cx="831369" cy="831369"/>
+              <a:off x="5440680" y="1207112"/>
+              <a:ext cx="967740" cy="322537"/>
             </a:xfrm>
-            <a:prstGeom prst="rect">
+            <a:prstGeom prst="roundRect">
               <a:avLst/>
             </a:prstGeom>
+            <a:solidFill>
+              <a:schemeClr val="accent1">
+                <a:alpha val="50000"/>
+              </a:schemeClr>
+            </a:solidFill>
+            <a:ln>
+              <a:noFill/>
+            </a:ln>
           </p:spPr>
-        </p:pic>
-        <p:pic>
-          <p:nvPicPr>
-            <p:cNvPr id="37" name="Picture 36">
+          <p:style>
+            <a:lnRef idx="0">
+              <a:scrgbClr r="0" g="0" b="0"/>
+            </a:lnRef>
+            <a:fillRef idx="0">
+              <a:scrgbClr r="0" g="0" b="0"/>
+            </a:fillRef>
+            <a:effectRef idx="0">
+              <a:scrgbClr r="0" g="0" b="0"/>
+            </a:effectRef>
+            <a:fontRef idx="minor">
+              <a:schemeClr val="lt1"/>
+            </a:fontRef>
+          </p:style>
+          <p:txBody>
+            <a:bodyPr rtlCol="0" anchor="ctr"/>
+            <a:lstStyle/>
+            <a:p>
+              <a:pPr algn="ctr"/>
+              <a:r>
+                <a:rPr lang="en-GB" sz="1600" b="1" dirty="0">
+                  <a:solidFill>
+                    <a:srgbClr val="0070C0"/>
+                  </a:solidFill>
+                </a:rPr>
+                <a:t>EURSEK</a:t>
+              </a:r>
+            </a:p>
+          </p:txBody>
+        </p:sp>
+        <p:sp>
+          <p:nvSpPr>
+            <p:cNvPr id="16" name="Rectangle: Rounded Corners 15">
               <a:extLst>
                 <a:ext uri="{FF2B5EF4-FFF2-40B4-BE49-F238E27FC236}">
-                  <a16:creationId xmlns:a16="http://schemas.microsoft.com/office/drawing/2014/main" id="{3E000D34-9CE3-9A74-F3F8-AF9FDCEC7A4F}"/>
+                  <a16:creationId xmlns:a16="http://schemas.microsoft.com/office/drawing/2014/main" id="{6340FCD5-54B8-3B77-90BC-51D77ACC5C56}"/>
                 </a:ext>
               </a:extLst>
             </p:cNvPr>
-            <p:cNvPicPr>
-              <a:picLocks noChangeAspect="1"/>
-            </p:cNvPicPr>
+            <p:cNvSpPr/>
             <p:nvPr/>
-          </p:nvPicPr>
-          <p:blipFill>
-            <a:blip r:embed="rId6">
-              <a:extLst>
-                <a:ext uri="{28A0092B-C50C-407E-A947-70E740481C1C}">
-                  <a14:useLocalDpi xmlns:a14="http://schemas.microsoft.com/office/drawing/2010/main" val="0"/>
-                </a:ext>
-              </a:extLst>
-            </a:blip>
-            <a:stretch>
-              <a:fillRect/>
-            </a:stretch>
-          </p:blipFill>
+          </p:nvSpPr>
           <p:spPr>
             <a:xfrm>
-              <a:off x="3435678" y="1556589"/>
-              <a:ext cx="831369" cy="831369"/>
+              <a:off x="5855972" y="1552837"/>
+              <a:ext cx="967740" cy="322537"/>
             </a:xfrm>
-            <a:prstGeom prst="rect">
+            <a:prstGeom prst="roundRect">
               <a:avLst/>
             </a:prstGeom>
+            <a:solidFill>
+              <a:schemeClr val="accent1">
+                <a:alpha val="50000"/>
+              </a:schemeClr>
+            </a:solidFill>
+            <a:ln>
+              <a:noFill/>
+            </a:ln>
           </p:spPr>
-        </p:pic>
-        <p:pic>
-          <p:nvPicPr>
-            <p:cNvPr id="39" name="Picture 38">
+          <p:style>
+            <a:lnRef idx="0">
+              <a:scrgbClr r="0" g="0" b="0"/>
+            </a:lnRef>
+            <a:fillRef idx="0">
+              <a:scrgbClr r="0" g="0" b="0"/>
+            </a:fillRef>
+            <a:effectRef idx="0">
+              <a:scrgbClr r="0" g="0" b="0"/>
+            </a:effectRef>
+            <a:fontRef idx="minor">
+              <a:schemeClr val="lt1"/>
+            </a:fontRef>
+          </p:style>
+          <p:txBody>
+            <a:bodyPr rtlCol="0" anchor="ctr"/>
+            <a:lstStyle/>
+            <a:p>
+              <a:pPr algn="ctr"/>
+              <a:r>
+                <a:rPr lang="en-GB" sz="1600" b="1" dirty="0">
+                  <a:solidFill>
+                    <a:srgbClr val="0070C0"/>
+                  </a:solidFill>
+                </a:rPr>
+                <a:t>EURDKK</a:t>
+              </a:r>
+            </a:p>
+          </p:txBody>
+        </p:sp>
+        <p:sp>
+          <p:nvSpPr>
+            <p:cNvPr id="17" name="Rectangle: Rounded Corners 16">
               <a:extLst>
                 <a:ext uri="{FF2B5EF4-FFF2-40B4-BE49-F238E27FC236}">
-                  <a16:creationId xmlns:a16="http://schemas.microsoft.com/office/drawing/2014/main" id="{73BD4803-1061-1D52-0327-9CAE9806E0A8}"/>
+                  <a16:creationId xmlns:a16="http://schemas.microsoft.com/office/drawing/2014/main" id="{18F73C86-FFBF-605A-6A51-CCF7C8646F4D}"/>
                 </a:ext>
               </a:extLst>
             </p:cNvPr>
-            <p:cNvPicPr>
-              <a:picLocks noChangeAspect="1"/>
-            </p:cNvPicPr>
+            <p:cNvSpPr/>
             <p:nvPr/>
-          </p:nvPicPr>
-          <p:blipFill>
-            <a:blip r:embed="rId7">
+          </p:nvSpPr>
+          <p:spPr>
+            <a:xfrm>
+              <a:off x="6339842" y="1860396"/>
+              <a:ext cx="967740" cy="322537"/>
+            </a:xfrm>
+            <a:prstGeom prst="roundRect">
+              <a:avLst/>
+            </a:prstGeom>
+            <a:solidFill>
+              <a:schemeClr val="accent1">
+                <a:alpha val="50000"/>
+              </a:schemeClr>
+            </a:solidFill>
+            <a:ln>
+              <a:noFill/>
+            </a:ln>
+          </p:spPr>
+          <p:style>
+            <a:lnRef idx="0">
+              <a:scrgbClr r="0" g="0" b="0"/>
+            </a:lnRef>
+            <a:fillRef idx="0">
+              <a:scrgbClr r="0" g="0" b="0"/>
+            </a:fillRef>
+            <a:effectRef idx="0">
+              <a:scrgbClr r="0" g="0" b="0"/>
+            </a:effectRef>
+            <a:fontRef idx="minor">
+              <a:schemeClr val="lt1"/>
+            </a:fontRef>
+          </p:style>
+          <p:txBody>
+            <a:bodyPr rtlCol="0" anchor="ctr"/>
+            <a:lstStyle/>
+            <a:p>
+              <a:pPr algn="ctr"/>
+              <a:r>
+                <a:rPr lang="en-GB" sz="1600" b="1" dirty="0">
+                  <a:solidFill>
+                    <a:srgbClr val="0070C0"/>
+                  </a:solidFill>
+                </a:rPr>
+                <a:t>EURPLN</a:t>
+              </a:r>
+            </a:p>
+          </p:txBody>
+        </p:sp>
+        <p:sp>
+          <p:nvSpPr>
+            <p:cNvPr id="18" name="Rectangle: Rounded Corners 17">
               <a:extLst>
-                <a:ext uri="{28A0092B-C50C-407E-A947-70E740481C1C}">
-                  <a14:useLocalDpi xmlns:a14="http://schemas.microsoft.com/office/drawing/2010/main" val="0"/>
+                <a:ext uri="{FF2B5EF4-FFF2-40B4-BE49-F238E27FC236}">
+                  <a16:creationId xmlns:a16="http://schemas.microsoft.com/office/drawing/2014/main" id="{2CB837D6-F267-432A-37EA-EB0FBFF73A5A}"/>
                 </a:ext>
               </a:extLst>
-            </a:blip>
-            <a:stretch>
-              <a:fillRect/>
-            </a:stretch>
-          </p:blipFill>
+            </p:cNvPr>
+            <p:cNvSpPr/>
+            <p:nvPr/>
+          </p:nvSpPr>
           <p:spPr>
             <a:xfrm>
-              <a:off x="10523692" y="1706589"/>
-              <a:ext cx="831369" cy="831369"/>
+              <a:off x="6345093" y="2148709"/>
+              <a:ext cx="967740" cy="322537"/>
             </a:xfrm>
-            <a:prstGeom prst="rect">
+            <a:prstGeom prst="roundRect">
               <a:avLst/>
             </a:prstGeom>
+            <a:solidFill>
+              <a:schemeClr val="accent1">
+                <a:alpha val="50000"/>
+              </a:schemeClr>
+            </a:solidFill>
+            <a:ln>
+              <a:noFill/>
+            </a:ln>
           </p:spPr>
-        </p:pic>
+          <p:style>
+            <a:lnRef idx="0">
+              <a:scrgbClr r="0" g="0" b="0"/>
+            </a:lnRef>
+            <a:fillRef idx="0">
+              <a:scrgbClr r="0" g="0" b="0"/>
+            </a:fillRef>
+            <a:effectRef idx="0">
+              <a:scrgbClr r="0" g="0" b="0"/>
+            </a:effectRef>
+            <a:fontRef idx="minor">
+              <a:schemeClr val="lt1"/>
+            </a:fontRef>
+          </p:style>
+          <p:txBody>
+            <a:bodyPr rtlCol="0" anchor="ctr"/>
+            <a:lstStyle/>
+            <a:p>
+              <a:pPr algn="ctr"/>
+              <a:r>
+                <a:rPr lang="en-GB" sz="1600" b="1" dirty="0">
+                  <a:solidFill>
+                    <a:srgbClr val="0070C0"/>
+                  </a:solidFill>
+                </a:rPr>
+                <a:t>EURHUF</a:t>
+              </a:r>
+            </a:p>
+          </p:txBody>
+        </p:sp>
+        <p:sp>
+          <p:nvSpPr>
+            <p:cNvPr id="19" name="Rectangle: Rounded Corners 18">
+              <a:extLst>
+                <a:ext uri="{FF2B5EF4-FFF2-40B4-BE49-F238E27FC236}">
+                  <a16:creationId xmlns:a16="http://schemas.microsoft.com/office/drawing/2014/main" id="{9B832F09-7E68-7899-67F3-42C633226502}"/>
+                </a:ext>
+              </a:extLst>
+            </p:cNvPr>
+            <p:cNvSpPr/>
+            <p:nvPr/>
+          </p:nvSpPr>
+          <p:spPr>
+            <a:xfrm>
+              <a:off x="6573693" y="2452327"/>
+              <a:ext cx="967740" cy="322537"/>
+            </a:xfrm>
+            <a:prstGeom prst="roundRect">
+              <a:avLst/>
+            </a:prstGeom>
+            <a:solidFill>
+              <a:schemeClr val="accent1">
+                <a:alpha val="50000"/>
+              </a:schemeClr>
+            </a:solidFill>
+            <a:ln>
+              <a:noFill/>
+            </a:ln>
+          </p:spPr>
+          <p:style>
+            <a:lnRef idx="0">
+              <a:scrgbClr r="0" g="0" b="0"/>
+            </a:lnRef>
+            <a:fillRef idx="0">
+              <a:scrgbClr r="0" g="0" b="0"/>
+            </a:fillRef>
+            <a:effectRef idx="0">
+              <a:scrgbClr r="0" g="0" b="0"/>
+            </a:effectRef>
+            <a:fontRef idx="minor">
+              <a:schemeClr val="lt1"/>
+            </a:fontRef>
+          </p:style>
+          <p:txBody>
+            <a:bodyPr rtlCol="0" anchor="ctr"/>
+            <a:lstStyle/>
+            <a:p>
+              <a:pPr algn="ctr"/>
+              <a:r>
+                <a:rPr lang="en-GB" sz="1600" b="1" dirty="0">
+                  <a:solidFill>
+                    <a:srgbClr val="0070C0"/>
+                  </a:solidFill>
+                </a:rPr>
+                <a:t>EURRON</a:t>
+              </a:r>
+            </a:p>
+          </p:txBody>
+        </p:sp>
+      </p:grpSp>
+      <p:grpSp>
+        <p:nvGrpSpPr>
+          <p:cNvPr id="40" name="Group 39">
+            <a:extLst>
+              <a:ext uri="{FF2B5EF4-FFF2-40B4-BE49-F238E27FC236}">
+                <a16:creationId xmlns:a16="http://schemas.microsoft.com/office/drawing/2014/main" id="{9602450D-AE78-BD7D-B32F-3240DD134D5D}"/>
+              </a:ext>
+            </a:extLst>
+          </p:cNvPr>
+          <p:cNvGrpSpPr/>
+          <p:nvPr/>
+        </p:nvGrpSpPr>
+        <p:grpSpPr>
+          <a:xfrm>
+            <a:off x="2971800" y="2427591"/>
+            <a:ext cx="7623810" cy="2535720"/>
+            <a:chOff x="2971800" y="2427591"/>
+            <a:chExt cx="7623810" cy="2535720"/>
+          </a:xfrm>
+        </p:grpSpPr>
+        <p:sp>
+          <p:nvSpPr>
+            <p:cNvPr id="27" name="Rectangle: Rounded Corners 26">
+              <a:extLst>
+                <a:ext uri="{FF2B5EF4-FFF2-40B4-BE49-F238E27FC236}">
+                  <a16:creationId xmlns:a16="http://schemas.microsoft.com/office/drawing/2014/main" id="{592B5169-ABED-8E19-047A-D800D4611D6E}"/>
+                </a:ext>
+              </a:extLst>
+            </p:cNvPr>
+            <p:cNvSpPr/>
+            <p:nvPr/>
+          </p:nvSpPr>
+          <p:spPr>
+            <a:xfrm>
+              <a:off x="9304020" y="4223843"/>
+              <a:ext cx="1021080" cy="322537"/>
+            </a:xfrm>
+            <a:prstGeom prst="roundRect">
+              <a:avLst/>
+            </a:prstGeom>
+            <a:solidFill>
+              <a:schemeClr val="accent2">
+                <a:lumMod val="60000"/>
+                <a:lumOff val="40000"/>
+                <a:alpha val="49804"/>
+              </a:schemeClr>
+            </a:solidFill>
+            <a:ln>
+              <a:noFill/>
+            </a:ln>
+          </p:spPr>
+          <p:style>
+            <a:lnRef idx="0">
+              <a:scrgbClr r="0" g="0" b="0"/>
+            </a:lnRef>
+            <a:fillRef idx="0">
+              <a:scrgbClr r="0" g="0" b="0"/>
+            </a:fillRef>
+            <a:effectRef idx="0">
+              <a:scrgbClr r="0" g="0" b="0"/>
+            </a:effectRef>
+            <a:fontRef idx="minor">
+              <a:schemeClr val="lt1"/>
+            </a:fontRef>
+          </p:style>
+          <p:txBody>
+            <a:bodyPr rtlCol="0" anchor="ctr"/>
+            <a:lstStyle/>
+            <a:p>
+              <a:pPr algn="ctr"/>
+              <a:r>
+                <a:rPr lang="en-GB" sz="1600" b="1" dirty="0">
+                  <a:solidFill>
+                    <a:srgbClr val="FF0000"/>
+                  </a:solidFill>
+                </a:rPr>
+                <a:t>USDIDR</a:t>
+              </a:r>
+            </a:p>
+          </p:txBody>
+        </p:sp>
+        <p:sp>
+          <p:nvSpPr>
+            <p:cNvPr id="32" name="Rectangle: Rounded Corners 31">
+              <a:extLst>
+                <a:ext uri="{FF2B5EF4-FFF2-40B4-BE49-F238E27FC236}">
+                  <a16:creationId xmlns:a16="http://schemas.microsoft.com/office/drawing/2014/main" id="{47664AAC-49E1-49A3-5C95-591F71332394}"/>
+                </a:ext>
+              </a:extLst>
+            </p:cNvPr>
+            <p:cNvSpPr/>
+            <p:nvPr/>
+          </p:nvSpPr>
+          <p:spPr>
+            <a:xfrm>
+              <a:off x="7757160" y="3349862"/>
+              <a:ext cx="1021080" cy="322537"/>
+            </a:xfrm>
+            <a:prstGeom prst="roundRect">
+              <a:avLst/>
+            </a:prstGeom>
+            <a:solidFill>
+              <a:schemeClr val="accent2">
+                <a:lumMod val="60000"/>
+                <a:lumOff val="40000"/>
+                <a:alpha val="49804"/>
+              </a:schemeClr>
+            </a:solidFill>
+            <a:ln>
+              <a:noFill/>
+            </a:ln>
+          </p:spPr>
+          <p:style>
+            <a:lnRef idx="0">
+              <a:scrgbClr r="0" g="0" b="0"/>
+            </a:lnRef>
+            <a:fillRef idx="0">
+              <a:scrgbClr r="0" g="0" b="0"/>
+            </a:fillRef>
+            <a:effectRef idx="0">
+              <a:scrgbClr r="0" g="0" b="0"/>
+            </a:effectRef>
+            <a:fontRef idx="minor">
+              <a:schemeClr val="lt1"/>
+            </a:fontRef>
+          </p:style>
+          <p:txBody>
+            <a:bodyPr rtlCol="0" anchor="ctr"/>
+            <a:lstStyle/>
+            <a:p>
+              <a:pPr algn="ctr"/>
+              <a:r>
+                <a:rPr lang="en-GB" sz="1600" b="1" dirty="0">
+                  <a:solidFill>
+                    <a:srgbClr val="FF0000"/>
+                  </a:solidFill>
+                </a:rPr>
+                <a:t>USDINR</a:t>
+              </a:r>
+            </a:p>
+          </p:txBody>
+        </p:sp>
+        <p:sp>
+          <p:nvSpPr>
+            <p:cNvPr id="33" name="Rectangle: Rounded Corners 32">
+              <a:extLst>
+                <a:ext uri="{FF2B5EF4-FFF2-40B4-BE49-F238E27FC236}">
+                  <a16:creationId xmlns:a16="http://schemas.microsoft.com/office/drawing/2014/main" id="{ACB8E226-78BE-7A5C-8CD5-F8384C3C7020}"/>
+                </a:ext>
+              </a:extLst>
+            </p:cNvPr>
+            <p:cNvSpPr/>
+            <p:nvPr/>
+          </p:nvSpPr>
+          <p:spPr>
+            <a:xfrm>
+              <a:off x="9201150" y="3762219"/>
+              <a:ext cx="1021080" cy="322537"/>
+            </a:xfrm>
+            <a:prstGeom prst="roundRect">
+              <a:avLst/>
+            </a:prstGeom>
+            <a:solidFill>
+              <a:schemeClr val="accent2">
+                <a:lumMod val="60000"/>
+                <a:lumOff val="40000"/>
+                <a:alpha val="49804"/>
+              </a:schemeClr>
+            </a:solidFill>
+            <a:ln>
+              <a:noFill/>
+            </a:ln>
+          </p:spPr>
+          <p:style>
+            <a:lnRef idx="0">
+              <a:scrgbClr r="0" g="0" b="0"/>
+            </a:lnRef>
+            <a:fillRef idx="0">
+              <a:scrgbClr r="0" g="0" b="0"/>
+            </a:fillRef>
+            <a:effectRef idx="0">
+              <a:scrgbClr r="0" g="0" b="0"/>
+            </a:effectRef>
+            <a:fontRef idx="minor">
+              <a:schemeClr val="lt1"/>
+            </a:fontRef>
+          </p:style>
+          <p:txBody>
+            <a:bodyPr rtlCol="0" anchor="ctr"/>
+            <a:lstStyle/>
+            <a:p>
+              <a:pPr algn="ctr"/>
+              <a:r>
+                <a:rPr lang="en-GB" sz="1600" b="1" dirty="0">
+                  <a:solidFill>
+                    <a:srgbClr val="FF0000"/>
+                  </a:solidFill>
+                </a:rPr>
+                <a:t>USDMYR</a:t>
+              </a:r>
+            </a:p>
+          </p:txBody>
+        </p:sp>
+        <p:sp>
+          <p:nvSpPr>
+            <p:cNvPr id="34" name="Rectangle: Rounded Corners 33">
+              <a:extLst>
+                <a:ext uri="{FF2B5EF4-FFF2-40B4-BE49-F238E27FC236}">
+                  <a16:creationId xmlns:a16="http://schemas.microsoft.com/office/drawing/2014/main" id="{21E311BF-AE1A-3C90-8CC2-725836F5BA09}"/>
+                </a:ext>
+              </a:extLst>
+            </p:cNvPr>
+            <p:cNvSpPr/>
+            <p:nvPr/>
+          </p:nvSpPr>
+          <p:spPr>
+            <a:xfrm>
+              <a:off x="9574530" y="2896670"/>
+              <a:ext cx="1021080" cy="322537"/>
+            </a:xfrm>
+            <a:prstGeom prst="roundRect">
+              <a:avLst/>
+            </a:prstGeom>
+            <a:solidFill>
+              <a:schemeClr val="accent2">
+                <a:lumMod val="60000"/>
+                <a:lumOff val="40000"/>
+                <a:alpha val="49804"/>
+              </a:schemeClr>
+            </a:solidFill>
+            <a:ln>
+              <a:noFill/>
+            </a:ln>
+          </p:spPr>
+          <p:style>
+            <a:lnRef idx="0">
+              <a:scrgbClr r="0" g="0" b="0"/>
+            </a:lnRef>
+            <a:fillRef idx="0">
+              <a:scrgbClr r="0" g="0" b="0"/>
+            </a:fillRef>
+            <a:effectRef idx="0">
+              <a:scrgbClr r="0" g="0" b="0"/>
+            </a:effectRef>
+            <a:fontRef idx="minor">
+              <a:schemeClr val="lt1"/>
+            </a:fontRef>
+          </p:style>
+          <p:txBody>
+            <a:bodyPr rtlCol="0" anchor="ctr"/>
+            <a:lstStyle/>
+            <a:p>
+              <a:pPr algn="ctr"/>
+              <a:r>
+                <a:rPr lang="en-GB" sz="1600" b="1" dirty="0">
+                  <a:solidFill>
+                    <a:srgbClr val="FF0000"/>
+                  </a:solidFill>
+                </a:rPr>
+                <a:t>USDTWD</a:t>
+              </a:r>
+            </a:p>
+          </p:txBody>
+        </p:sp>
+        <p:sp>
+          <p:nvSpPr>
+            <p:cNvPr id="35" name="Rectangle: Rounded Corners 34">
+              <a:extLst>
+                <a:ext uri="{FF2B5EF4-FFF2-40B4-BE49-F238E27FC236}">
+                  <a16:creationId xmlns:a16="http://schemas.microsoft.com/office/drawing/2014/main" id="{FAFBD574-04B1-C514-1195-DDA3E3FD4A0E}"/>
+                </a:ext>
+              </a:extLst>
+            </p:cNvPr>
+            <p:cNvSpPr/>
+            <p:nvPr/>
+          </p:nvSpPr>
+          <p:spPr>
+            <a:xfrm>
+              <a:off x="9250680" y="2543379"/>
+              <a:ext cx="1021080" cy="322537"/>
+            </a:xfrm>
+            <a:prstGeom prst="roundRect">
+              <a:avLst/>
+            </a:prstGeom>
+            <a:solidFill>
+              <a:schemeClr val="accent2">
+                <a:lumMod val="60000"/>
+                <a:lumOff val="40000"/>
+                <a:alpha val="49804"/>
+              </a:schemeClr>
+            </a:solidFill>
+            <a:ln>
+              <a:noFill/>
+            </a:ln>
+          </p:spPr>
+          <p:style>
+            <a:lnRef idx="0">
+              <a:scrgbClr r="0" g="0" b="0"/>
+            </a:lnRef>
+            <a:fillRef idx="0">
+              <a:scrgbClr r="0" g="0" b="0"/>
+            </a:fillRef>
+            <a:effectRef idx="0">
+              <a:scrgbClr r="0" g="0" b="0"/>
+            </a:effectRef>
+            <a:fontRef idx="minor">
+              <a:schemeClr val="lt1"/>
+            </a:fontRef>
+          </p:style>
+          <p:txBody>
+            <a:bodyPr rtlCol="0" anchor="ctr"/>
+            <a:lstStyle/>
+            <a:p>
+              <a:pPr algn="ctr"/>
+              <a:r>
+                <a:rPr lang="en-GB" sz="1600" b="1" dirty="0">
+                  <a:solidFill>
+                    <a:srgbClr val="FF0000"/>
+                  </a:solidFill>
+                </a:rPr>
+                <a:t>USDKRW</a:t>
+              </a:r>
+            </a:p>
+          </p:txBody>
+        </p:sp>
+        <p:sp>
+          <p:nvSpPr>
+            <p:cNvPr id="36" name="Rectangle: Rounded Corners 35">
+              <a:extLst>
+                <a:ext uri="{FF2B5EF4-FFF2-40B4-BE49-F238E27FC236}">
+                  <a16:creationId xmlns:a16="http://schemas.microsoft.com/office/drawing/2014/main" id="{C7B191DE-56E2-AD74-0CBB-AA944B656CFB}"/>
+                </a:ext>
+              </a:extLst>
+            </p:cNvPr>
+            <p:cNvSpPr/>
+            <p:nvPr/>
+          </p:nvSpPr>
+          <p:spPr>
+            <a:xfrm>
+              <a:off x="2971800" y="4640774"/>
+              <a:ext cx="1021080" cy="322537"/>
+            </a:xfrm>
+            <a:prstGeom prst="roundRect">
+              <a:avLst/>
+            </a:prstGeom>
+            <a:solidFill>
+              <a:schemeClr val="accent2">
+                <a:lumMod val="60000"/>
+                <a:lumOff val="40000"/>
+                <a:alpha val="49804"/>
+              </a:schemeClr>
+            </a:solidFill>
+            <a:ln>
+              <a:noFill/>
+            </a:ln>
+          </p:spPr>
+          <p:style>
+            <a:lnRef idx="0">
+              <a:scrgbClr r="0" g="0" b="0"/>
+            </a:lnRef>
+            <a:fillRef idx="0">
+              <a:scrgbClr r="0" g="0" b="0"/>
+            </a:fillRef>
+            <a:effectRef idx="0">
+              <a:scrgbClr r="0" g="0" b="0"/>
+            </a:effectRef>
+            <a:fontRef idx="minor">
+              <a:schemeClr val="lt1"/>
+            </a:fontRef>
+          </p:style>
+          <p:txBody>
+            <a:bodyPr rtlCol="0" anchor="ctr"/>
+            <a:lstStyle/>
+            <a:p>
+              <a:pPr algn="ctr"/>
+              <a:r>
+                <a:rPr lang="en-GB" sz="1600" b="1" dirty="0">
+                  <a:solidFill>
+                    <a:srgbClr val="FF0000"/>
+                  </a:solidFill>
+                </a:rPr>
+                <a:t>USDBRL</a:t>
+              </a:r>
+            </a:p>
+          </p:txBody>
+        </p:sp>
+        <p:sp>
+          <p:nvSpPr>
+            <p:cNvPr id="37" name="Rectangle: Rounded Corners 36">
+              <a:extLst>
+                <a:ext uri="{FF2B5EF4-FFF2-40B4-BE49-F238E27FC236}">
+                  <a16:creationId xmlns:a16="http://schemas.microsoft.com/office/drawing/2014/main" id="{8660FA2A-BB59-44DA-FD47-415054579599}"/>
+                </a:ext>
+              </a:extLst>
+            </p:cNvPr>
+            <p:cNvSpPr/>
+            <p:nvPr/>
+          </p:nvSpPr>
+          <p:spPr>
+            <a:xfrm>
+              <a:off x="8092440" y="2427591"/>
+              <a:ext cx="1021080" cy="322537"/>
+            </a:xfrm>
+            <a:prstGeom prst="roundRect">
+              <a:avLst/>
+            </a:prstGeom>
+            <a:solidFill>
+              <a:schemeClr val="accent2">
+                <a:lumMod val="60000"/>
+                <a:lumOff val="40000"/>
+                <a:alpha val="49804"/>
+              </a:schemeClr>
+            </a:solidFill>
+            <a:ln>
+              <a:noFill/>
+            </a:ln>
+          </p:spPr>
+          <p:style>
+            <a:lnRef idx="0">
+              <a:scrgbClr r="0" g="0" b="0"/>
+            </a:lnRef>
+            <a:fillRef idx="0">
+              <a:scrgbClr r="0" g="0" b="0"/>
+            </a:fillRef>
+            <a:effectRef idx="0">
+              <a:scrgbClr r="0" g="0" b="0"/>
+            </a:effectRef>
+            <a:fontRef idx="minor">
+              <a:schemeClr val="lt1"/>
+            </a:fontRef>
+          </p:style>
+          <p:txBody>
+            <a:bodyPr rtlCol="0" anchor="ctr"/>
+            <a:lstStyle/>
+            <a:p>
+              <a:pPr algn="ctr"/>
+              <a:r>
+                <a:rPr lang="en-GB" sz="1600" b="1" dirty="0">
+                  <a:solidFill>
+                    <a:srgbClr val="FF0000"/>
+                  </a:solidFill>
+                </a:rPr>
+                <a:t>USDCNY</a:t>
+              </a:r>
+            </a:p>
+          </p:txBody>
+        </p:sp>
+      </p:grpSp>
+      <p:grpSp>
+        <p:nvGrpSpPr>
+          <p:cNvPr id="39" name="Group 38">
+            <a:extLst>
+              <a:ext uri="{FF2B5EF4-FFF2-40B4-BE49-F238E27FC236}">
+                <a16:creationId xmlns:a16="http://schemas.microsoft.com/office/drawing/2014/main" id="{B2FCB83B-DA22-FE9C-EDC3-673781B25068}"/>
+              </a:ext>
+            </a:extLst>
+          </p:cNvPr>
+          <p:cNvGrpSpPr/>
+          <p:nvPr/>
+        </p:nvGrpSpPr>
+        <p:grpSpPr>
+          <a:xfrm>
+            <a:off x="1497330" y="1325059"/>
+            <a:ext cx="8637270" cy="4648366"/>
+            <a:chOff x="1497330" y="1325059"/>
+            <a:chExt cx="8637270" cy="4648366"/>
+          </a:xfrm>
+        </p:grpSpPr>
+        <p:grpSp>
+          <p:nvGrpSpPr>
+            <p:cNvPr id="31" name="Group 30">
+              <a:extLst>
+                <a:ext uri="{FF2B5EF4-FFF2-40B4-BE49-F238E27FC236}">
+                  <a16:creationId xmlns:a16="http://schemas.microsoft.com/office/drawing/2014/main" id="{3E1C6144-F7F5-1B9A-7988-0643241068B8}"/>
+                </a:ext>
+              </a:extLst>
+            </p:cNvPr>
+            <p:cNvGrpSpPr/>
+            <p:nvPr/>
+          </p:nvGrpSpPr>
+          <p:grpSpPr>
+            <a:xfrm>
+              <a:off x="1497330" y="1325059"/>
+              <a:ext cx="8637270" cy="4648366"/>
+              <a:chOff x="1497330" y="1325059"/>
+              <a:chExt cx="8637270" cy="4648366"/>
+            </a:xfrm>
+          </p:grpSpPr>
+          <p:sp>
+            <p:nvSpPr>
+              <p:cNvPr id="20" name="Rectangle: Rounded Corners 19">
+                <a:extLst>
+                  <a:ext uri="{FF2B5EF4-FFF2-40B4-BE49-F238E27FC236}">
+                    <a16:creationId xmlns:a16="http://schemas.microsoft.com/office/drawing/2014/main" id="{94E1CB5A-8224-8D5A-4606-D3C0E08F5064}"/>
+                  </a:ext>
+                </a:extLst>
+              </p:cNvPr>
+              <p:cNvSpPr/>
+              <p:nvPr/>
+            </p:nvSpPr>
+            <p:spPr>
+              <a:xfrm>
+                <a:off x="9113520" y="3221769"/>
+                <a:ext cx="1021080" cy="322537"/>
+              </a:xfrm>
+              <a:prstGeom prst="roundRect">
+                <a:avLst/>
+              </a:prstGeom>
+              <a:solidFill>
+                <a:srgbClr val="FFCCFF">
+                  <a:alpha val="49804"/>
+                </a:srgbClr>
+              </a:solidFill>
+              <a:ln>
+                <a:noFill/>
+              </a:ln>
+            </p:spPr>
+            <p:style>
+              <a:lnRef idx="0">
+                <a:scrgbClr r="0" g="0" b="0"/>
+              </a:lnRef>
+              <a:fillRef idx="0">
+                <a:scrgbClr r="0" g="0" b="0"/>
+              </a:fillRef>
+              <a:effectRef idx="0">
+                <a:scrgbClr r="0" g="0" b="0"/>
+              </a:effectRef>
+              <a:fontRef idx="minor">
+                <a:schemeClr val="lt1"/>
+              </a:fontRef>
+            </p:style>
+            <p:txBody>
+              <a:bodyPr rtlCol="0" anchor="ctr"/>
+              <a:lstStyle/>
+              <a:p>
+                <a:pPr algn="ctr"/>
+                <a:r>
+                  <a:rPr lang="en-GB" sz="1600" b="1" dirty="0">
+                    <a:solidFill>
+                      <a:srgbClr val="7030A0"/>
+                    </a:solidFill>
+                  </a:rPr>
+                  <a:t>USDHKD</a:t>
+                </a:r>
+              </a:p>
+            </p:txBody>
+          </p:sp>
+          <p:sp>
+            <p:nvSpPr>
+              <p:cNvPr id="22" name="Rectangle: Rounded Corners 21">
+                <a:extLst>
+                  <a:ext uri="{FF2B5EF4-FFF2-40B4-BE49-F238E27FC236}">
+                    <a16:creationId xmlns:a16="http://schemas.microsoft.com/office/drawing/2014/main" id="{C7C221AE-1760-0922-D69A-86DDF4A82A5B}"/>
+                  </a:ext>
+                </a:extLst>
+              </p:cNvPr>
+              <p:cNvSpPr/>
+              <p:nvPr/>
+            </p:nvSpPr>
+            <p:spPr>
+              <a:xfrm>
+                <a:off x="8336280" y="3722806"/>
+                <a:ext cx="1021080" cy="322537"/>
+              </a:xfrm>
+              <a:prstGeom prst="roundRect">
+                <a:avLst/>
+              </a:prstGeom>
+              <a:solidFill>
+                <a:srgbClr val="FFCCFF">
+                  <a:alpha val="49804"/>
+                </a:srgbClr>
+              </a:solidFill>
+              <a:ln>
+                <a:noFill/>
+              </a:ln>
+            </p:spPr>
+            <p:style>
+              <a:lnRef idx="0">
+                <a:scrgbClr r="0" g="0" b="0"/>
+              </a:lnRef>
+              <a:fillRef idx="0">
+                <a:scrgbClr r="0" g="0" b="0"/>
+              </a:fillRef>
+              <a:effectRef idx="0">
+                <a:scrgbClr r="0" g="0" b="0"/>
+              </a:effectRef>
+              <a:fontRef idx="minor">
+                <a:schemeClr val="lt1"/>
+              </a:fontRef>
+            </p:style>
+            <p:txBody>
+              <a:bodyPr rtlCol="0" anchor="ctr"/>
+              <a:lstStyle/>
+              <a:p>
+                <a:pPr algn="ctr"/>
+                <a:r>
+                  <a:rPr lang="en-GB" sz="1600" b="1" dirty="0">
+                    <a:solidFill>
+                      <a:srgbClr val="7030A0"/>
+                    </a:solidFill>
+                  </a:rPr>
+                  <a:t>USDTHB</a:t>
+                </a:r>
+              </a:p>
+            </p:txBody>
+          </p:sp>
+          <p:sp>
+            <p:nvSpPr>
+              <p:cNvPr id="23" name="Rectangle: Rounded Corners 22">
+                <a:extLst>
+                  <a:ext uri="{FF2B5EF4-FFF2-40B4-BE49-F238E27FC236}">
+                    <a16:creationId xmlns:a16="http://schemas.microsoft.com/office/drawing/2014/main" id="{2133634B-9C7F-7229-7DB9-DE85571BB15E}"/>
+                  </a:ext>
+                </a:extLst>
+              </p:cNvPr>
+              <p:cNvSpPr/>
+              <p:nvPr/>
+            </p:nvSpPr>
+            <p:spPr>
+              <a:xfrm>
+                <a:off x="1497330" y="3341806"/>
+                <a:ext cx="1021080" cy="322537"/>
+              </a:xfrm>
+              <a:prstGeom prst="roundRect">
+                <a:avLst/>
+              </a:prstGeom>
+              <a:solidFill>
+                <a:srgbClr val="FFCCFF">
+                  <a:alpha val="49804"/>
+                </a:srgbClr>
+              </a:solidFill>
+              <a:ln>
+                <a:noFill/>
+              </a:ln>
+            </p:spPr>
+            <p:style>
+              <a:lnRef idx="0">
+                <a:scrgbClr r="0" g="0" b="0"/>
+              </a:lnRef>
+              <a:fillRef idx="0">
+                <a:scrgbClr r="0" g="0" b="0"/>
+              </a:fillRef>
+              <a:effectRef idx="0">
+                <a:scrgbClr r="0" g="0" b="0"/>
+              </a:effectRef>
+              <a:fontRef idx="minor">
+                <a:schemeClr val="lt1"/>
+              </a:fontRef>
+            </p:style>
+            <p:txBody>
+              <a:bodyPr rtlCol="0" anchor="ctr"/>
+              <a:lstStyle/>
+              <a:p>
+                <a:pPr algn="ctr"/>
+                <a:r>
+                  <a:rPr lang="en-GB" sz="1600" b="1" dirty="0">
+                    <a:solidFill>
+                      <a:srgbClr val="7030A0"/>
+                    </a:solidFill>
+                  </a:rPr>
+                  <a:t>USDMXN</a:t>
+                </a:r>
+              </a:p>
+            </p:txBody>
+          </p:sp>
+          <p:sp>
+            <p:nvSpPr>
+              <p:cNvPr id="24" name="Rectangle: Rounded Corners 23">
+                <a:extLst>
+                  <a:ext uri="{FF2B5EF4-FFF2-40B4-BE49-F238E27FC236}">
+                    <a16:creationId xmlns:a16="http://schemas.microsoft.com/office/drawing/2014/main" id="{C1E0A580-D5C5-3393-E5ED-3ABC0E839ACB}"/>
+                  </a:ext>
+                </a:extLst>
+              </p:cNvPr>
+              <p:cNvSpPr/>
+              <p:nvPr/>
+            </p:nvSpPr>
+            <p:spPr>
+              <a:xfrm>
+                <a:off x="8500110" y="3987044"/>
+                <a:ext cx="1021080" cy="322537"/>
+              </a:xfrm>
+              <a:prstGeom prst="roundRect">
+                <a:avLst/>
+              </a:prstGeom>
+              <a:solidFill>
+                <a:srgbClr val="FFCCFF">
+                  <a:alpha val="49804"/>
+                </a:srgbClr>
+              </a:solidFill>
+              <a:ln>
+                <a:noFill/>
+              </a:ln>
+            </p:spPr>
+            <p:style>
+              <a:lnRef idx="0">
+                <a:scrgbClr r="0" g="0" b="0"/>
+              </a:lnRef>
+              <a:fillRef idx="0">
+                <a:scrgbClr r="0" g="0" b="0"/>
+              </a:fillRef>
+              <a:effectRef idx="0">
+                <a:scrgbClr r="0" g="0" b="0"/>
+              </a:effectRef>
+              <a:fontRef idx="minor">
+                <a:schemeClr val="lt1"/>
+              </a:fontRef>
+            </p:style>
+            <p:txBody>
+              <a:bodyPr rtlCol="0" anchor="ctr"/>
+              <a:lstStyle/>
+              <a:p>
+                <a:pPr algn="ctr"/>
+                <a:r>
+                  <a:rPr lang="en-GB" sz="1600" b="1" dirty="0">
+                    <a:solidFill>
+                      <a:srgbClr val="7030A0"/>
+                    </a:solidFill>
+                  </a:rPr>
+                  <a:t>USDSGD</a:t>
+                </a:r>
+              </a:p>
+            </p:txBody>
+          </p:sp>
+          <p:sp>
+            <p:nvSpPr>
+              <p:cNvPr id="25" name="Rectangle: Rounded Corners 24">
+                <a:extLst>
+                  <a:ext uri="{FF2B5EF4-FFF2-40B4-BE49-F238E27FC236}">
+                    <a16:creationId xmlns:a16="http://schemas.microsoft.com/office/drawing/2014/main" id="{3554BCDE-72EF-623B-1ACB-22E50224FD74}"/>
+                  </a:ext>
+                </a:extLst>
+              </p:cNvPr>
+              <p:cNvSpPr/>
+              <p:nvPr/>
+            </p:nvSpPr>
+            <p:spPr>
+              <a:xfrm>
+                <a:off x="5778330" y="2699263"/>
+                <a:ext cx="967740" cy="322537"/>
+              </a:xfrm>
+              <a:prstGeom prst="roundRect">
+                <a:avLst/>
+              </a:prstGeom>
+              <a:solidFill>
+                <a:srgbClr val="FFCCFF">
+                  <a:alpha val="49804"/>
+                </a:srgbClr>
+              </a:solidFill>
+              <a:ln>
+                <a:noFill/>
+              </a:ln>
+            </p:spPr>
+            <p:style>
+              <a:lnRef idx="0">
+                <a:scrgbClr r="0" g="0" b="0"/>
+              </a:lnRef>
+              <a:fillRef idx="0">
+                <a:scrgbClr r="0" g="0" b="0"/>
+              </a:fillRef>
+              <a:effectRef idx="0">
+                <a:scrgbClr r="0" g="0" b="0"/>
+              </a:effectRef>
+              <a:fontRef idx="minor">
+                <a:schemeClr val="lt1"/>
+              </a:fontRef>
+            </p:style>
+            <p:txBody>
+              <a:bodyPr rtlCol="0" anchor="ctr"/>
+              <a:lstStyle/>
+              <a:p>
+                <a:pPr algn="ctr"/>
+                <a:r>
+                  <a:rPr lang="en-GB" sz="1600" b="1" dirty="0">
+                    <a:solidFill>
+                      <a:srgbClr val="7030A0"/>
+                    </a:solidFill>
+                  </a:rPr>
+                  <a:t>USDTRY</a:t>
+                </a:r>
+              </a:p>
+            </p:txBody>
+          </p:sp>
+          <p:sp>
+            <p:nvSpPr>
+              <p:cNvPr id="26" name="Rectangle: Rounded Corners 25">
+                <a:extLst>
+                  <a:ext uri="{FF2B5EF4-FFF2-40B4-BE49-F238E27FC236}">
+                    <a16:creationId xmlns:a16="http://schemas.microsoft.com/office/drawing/2014/main" id="{6D891C50-6FDC-B3B7-6FE4-03EA32D7EE62}"/>
+                  </a:ext>
+                </a:extLst>
+              </p:cNvPr>
+              <p:cNvSpPr/>
+              <p:nvPr/>
+            </p:nvSpPr>
+            <p:spPr>
+              <a:xfrm>
+                <a:off x="7840980" y="1325059"/>
+                <a:ext cx="967740" cy="322537"/>
+              </a:xfrm>
+              <a:prstGeom prst="roundRect">
+                <a:avLst/>
+              </a:prstGeom>
+              <a:solidFill>
+                <a:srgbClr val="FFCCFF">
+                  <a:alpha val="49804"/>
+                </a:srgbClr>
+              </a:solidFill>
+              <a:ln>
+                <a:noFill/>
+              </a:ln>
+            </p:spPr>
+            <p:style>
+              <a:lnRef idx="0">
+                <a:scrgbClr r="0" g="0" b="0"/>
+              </a:lnRef>
+              <a:fillRef idx="0">
+                <a:scrgbClr r="0" g="0" b="0"/>
+              </a:fillRef>
+              <a:effectRef idx="0">
+                <a:scrgbClr r="0" g="0" b="0"/>
+              </a:effectRef>
+              <a:fontRef idx="minor">
+                <a:schemeClr val="lt1"/>
+              </a:fontRef>
+            </p:style>
+            <p:txBody>
+              <a:bodyPr rtlCol="0" anchor="ctr"/>
+              <a:lstStyle/>
+              <a:p>
+                <a:pPr algn="ctr"/>
+                <a:r>
+                  <a:rPr lang="en-GB" sz="1600" b="1" dirty="0">
+                    <a:solidFill>
+                      <a:srgbClr val="7030A0"/>
+                    </a:solidFill>
+                  </a:rPr>
+                  <a:t>USDRUB</a:t>
+                </a:r>
+              </a:p>
+            </p:txBody>
+          </p:sp>
+          <p:sp>
+            <p:nvSpPr>
+              <p:cNvPr id="30" name="Rectangle: Rounded Corners 29">
+                <a:extLst>
+                  <a:ext uri="{FF2B5EF4-FFF2-40B4-BE49-F238E27FC236}">
+                    <a16:creationId xmlns:a16="http://schemas.microsoft.com/office/drawing/2014/main" id="{13BFAC81-81F3-68A4-79DF-59797812EA5A}"/>
+                  </a:ext>
+                </a:extLst>
+              </p:cNvPr>
+              <p:cNvSpPr/>
+              <p:nvPr/>
+            </p:nvSpPr>
+            <p:spPr>
+              <a:xfrm>
+                <a:off x="5722620" y="5650888"/>
+                <a:ext cx="1021080" cy="322537"/>
+              </a:xfrm>
+              <a:prstGeom prst="roundRect">
+                <a:avLst/>
+              </a:prstGeom>
+              <a:solidFill>
+                <a:srgbClr val="FFCCFF">
+                  <a:alpha val="49804"/>
+                </a:srgbClr>
+              </a:solidFill>
+              <a:ln>
+                <a:noFill/>
+              </a:ln>
+            </p:spPr>
+            <p:style>
+              <a:lnRef idx="0">
+                <a:scrgbClr r="0" g="0" b="0"/>
+              </a:lnRef>
+              <a:fillRef idx="0">
+                <a:scrgbClr r="0" g="0" b="0"/>
+              </a:fillRef>
+              <a:effectRef idx="0">
+                <a:scrgbClr r="0" g="0" b="0"/>
+              </a:effectRef>
+              <a:fontRef idx="minor">
+                <a:schemeClr val="lt1"/>
+              </a:fontRef>
+            </p:style>
+            <p:txBody>
+              <a:bodyPr rtlCol="0" anchor="ctr"/>
+              <a:lstStyle/>
+              <a:p>
+                <a:pPr algn="ctr"/>
+                <a:r>
+                  <a:rPr lang="en-GB" sz="1600" b="1" dirty="0">
+                    <a:solidFill>
+                      <a:srgbClr val="7030A0"/>
+                    </a:solidFill>
+                  </a:rPr>
+                  <a:t>USDZAR</a:t>
+                </a:r>
+              </a:p>
+            </p:txBody>
+          </p:sp>
+        </p:grpSp>
+        <p:sp>
+          <p:nvSpPr>
+            <p:cNvPr id="38" name="Rectangle: Rounded Corners 37">
+              <a:extLst>
+                <a:ext uri="{FF2B5EF4-FFF2-40B4-BE49-F238E27FC236}">
+                  <a16:creationId xmlns:a16="http://schemas.microsoft.com/office/drawing/2014/main" id="{DA1191CF-FFF4-C79C-6EE0-A71FB09EAD7D}"/>
+                </a:ext>
+              </a:extLst>
+            </p:cNvPr>
+            <p:cNvSpPr/>
+            <p:nvPr/>
+          </p:nvSpPr>
+          <p:spPr>
+            <a:xfrm>
+              <a:off x="8447955" y="2956877"/>
+              <a:ext cx="1021080" cy="322537"/>
+            </a:xfrm>
+            <a:prstGeom prst="roundRect">
+              <a:avLst/>
+            </a:prstGeom>
+            <a:solidFill>
+              <a:srgbClr val="FFCCFF">
+                <a:alpha val="49804"/>
+              </a:srgbClr>
+            </a:solidFill>
+            <a:ln>
+              <a:noFill/>
+            </a:ln>
+          </p:spPr>
+          <p:style>
+            <a:lnRef idx="0">
+              <a:scrgbClr r="0" g="0" b="0"/>
+            </a:lnRef>
+            <a:fillRef idx="0">
+              <a:scrgbClr r="0" g="0" b="0"/>
+            </a:fillRef>
+            <a:effectRef idx="0">
+              <a:scrgbClr r="0" g="0" b="0"/>
+            </a:effectRef>
+            <a:fontRef idx="minor">
+              <a:schemeClr val="lt1"/>
+            </a:fontRef>
+          </p:style>
+          <p:txBody>
+            <a:bodyPr rtlCol="0" anchor="ctr"/>
+            <a:lstStyle/>
+            <a:p>
+              <a:pPr algn="ctr"/>
+              <a:r>
+                <a:rPr lang="en-GB" sz="1600" b="1" dirty="0">
+                  <a:solidFill>
+                    <a:srgbClr val="7030A0"/>
+                  </a:solidFill>
+                </a:rPr>
+                <a:t>USDCNH</a:t>
+              </a:r>
+            </a:p>
+          </p:txBody>
+        </p:sp>
+      </p:grpSp>
+      <p:grpSp>
+        <p:nvGrpSpPr>
+          <p:cNvPr id="45" name="Group 44">
+            <a:extLst>
+              <a:ext uri="{FF2B5EF4-FFF2-40B4-BE49-F238E27FC236}">
+                <a16:creationId xmlns:a16="http://schemas.microsoft.com/office/drawing/2014/main" id="{086372DF-5958-4294-70A4-2765A05E8E7D}"/>
+              </a:ext>
+            </a:extLst>
+          </p:cNvPr>
+          <p:cNvGrpSpPr/>
+          <p:nvPr/>
+        </p:nvGrpSpPr>
+        <p:grpSpPr>
+          <a:xfrm>
+            <a:off x="3608073" y="2504197"/>
+            <a:ext cx="1021080" cy="1337054"/>
+            <a:chOff x="3482340" y="2665409"/>
+            <a:chExt cx="1021080" cy="1337054"/>
+          </a:xfrm>
+        </p:grpSpPr>
+        <p:sp>
+          <p:nvSpPr>
+            <p:cNvPr id="41" name="Rectangle: Rounded Corners 40">
+              <a:extLst>
+                <a:ext uri="{FF2B5EF4-FFF2-40B4-BE49-F238E27FC236}">
+                  <a16:creationId xmlns:a16="http://schemas.microsoft.com/office/drawing/2014/main" id="{228170C6-3974-BAD3-0EC8-1B2E283871BC}"/>
+                </a:ext>
+              </a:extLst>
+            </p:cNvPr>
+            <p:cNvSpPr/>
+            <p:nvPr/>
+          </p:nvSpPr>
+          <p:spPr>
+            <a:xfrm>
+              <a:off x="3482340" y="2665409"/>
+              <a:ext cx="1021080" cy="322537"/>
+            </a:xfrm>
+            <a:prstGeom prst="roundRect">
+              <a:avLst/>
+            </a:prstGeom>
+            <a:solidFill>
+              <a:schemeClr val="tx1">
+                <a:lumMod val="75000"/>
+                <a:lumOff val="25000"/>
+                <a:alpha val="49804"/>
+              </a:schemeClr>
+            </a:solidFill>
+            <a:ln>
+              <a:noFill/>
+            </a:ln>
+          </p:spPr>
+          <p:style>
+            <a:lnRef idx="0">
+              <a:scrgbClr r="0" g="0" b="0"/>
+            </a:lnRef>
+            <a:fillRef idx="0">
+              <a:scrgbClr r="0" g="0" b="0"/>
+            </a:fillRef>
+            <a:effectRef idx="0">
+              <a:scrgbClr r="0" g="0" b="0"/>
+            </a:effectRef>
+            <a:fontRef idx="minor">
+              <a:schemeClr val="lt1"/>
+            </a:fontRef>
+          </p:style>
+          <p:txBody>
+            <a:bodyPr rtlCol="0" anchor="ctr"/>
+            <a:lstStyle/>
+            <a:p>
+              <a:pPr algn="ctr"/>
+              <a:r>
+                <a:rPr lang="en-GB" sz="1600" b="1" dirty="0">
+                  <a:solidFill>
+                    <a:schemeClr val="bg1"/>
+                  </a:solidFill>
+                </a:rPr>
+                <a:t>XAGUSD</a:t>
+              </a:r>
+            </a:p>
+          </p:txBody>
+        </p:sp>
+        <p:sp>
+          <p:nvSpPr>
+            <p:cNvPr id="42" name="Rectangle: Rounded Corners 41">
+              <a:extLst>
+                <a:ext uri="{FF2B5EF4-FFF2-40B4-BE49-F238E27FC236}">
+                  <a16:creationId xmlns:a16="http://schemas.microsoft.com/office/drawing/2014/main" id="{4844D72A-0ACF-8BC6-CCC0-142F3C67C1AC}"/>
+                </a:ext>
+              </a:extLst>
+            </p:cNvPr>
+            <p:cNvSpPr/>
+            <p:nvPr/>
+          </p:nvSpPr>
+          <p:spPr>
+            <a:xfrm>
+              <a:off x="3482340" y="3003686"/>
+              <a:ext cx="1021080" cy="322537"/>
+            </a:xfrm>
+            <a:prstGeom prst="roundRect">
+              <a:avLst/>
+            </a:prstGeom>
+            <a:solidFill>
+              <a:schemeClr val="tx1">
+                <a:lumMod val="75000"/>
+                <a:lumOff val="25000"/>
+                <a:alpha val="49804"/>
+              </a:schemeClr>
+            </a:solidFill>
+            <a:ln>
+              <a:noFill/>
+            </a:ln>
+          </p:spPr>
+          <p:style>
+            <a:lnRef idx="0">
+              <a:scrgbClr r="0" g="0" b="0"/>
+            </a:lnRef>
+            <a:fillRef idx="0">
+              <a:scrgbClr r="0" g="0" b="0"/>
+            </a:fillRef>
+            <a:effectRef idx="0">
+              <a:scrgbClr r="0" g="0" b="0"/>
+            </a:effectRef>
+            <a:fontRef idx="minor">
+              <a:schemeClr val="lt1"/>
+            </a:fontRef>
+          </p:style>
+          <p:txBody>
+            <a:bodyPr rtlCol="0" anchor="ctr"/>
+            <a:lstStyle/>
+            <a:p>
+              <a:pPr algn="ctr"/>
+              <a:r>
+                <a:rPr lang="en-GB" sz="1600" b="1" dirty="0">
+                  <a:solidFill>
+                    <a:schemeClr val="bg1"/>
+                  </a:solidFill>
+                </a:rPr>
+                <a:t>XAUUSD</a:t>
+              </a:r>
+            </a:p>
+          </p:txBody>
+        </p:sp>
+        <p:sp>
+          <p:nvSpPr>
+            <p:cNvPr id="43" name="Rectangle: Rounded Corners 42">
+              <a:extLst>
+                <a:ext uri="{FF2B5EF4-FFF2-40B4-BE49-F238E27FC236}">
+                  <a16:creationId xmlns:a16="http://schemas.microsoft.com/office/drawing/2014/main" id="{B5EA3DB4-DCF2-BCB2-BBAE-79D4F35D7F0E}"/>
+                </a:ext>
+              </a:extLst>
+            </p:cNvPr>
+            <p:cNvSpPr/>
+            <p:nvPr/>
+          </p:nvSpPr>
+          <p:spPr>
+            <a:xfrm>
+              <a:off x="3482340" y="3341806"/>
+              <a:ext cx="1021080" cy="322537"/>
+            </a:xfrm>
+            <a:prstGeom prst="roundRect">
+              <a:avLst/>
+            </a:prstGeom>
+            <a:solidFill>
+              <a:schemeClr val="tx1">
+                <a:lumMod val="75000"/>
+                <a:lumOff val="25000"/>
+                <a:alpha val="49804"/>
+              </a:schemeClr>
+            </a:solidFill>
+            <a:ln>
+              <a:noFill/>
+            </a:ln>
+          </p:spPr>
+          <p:style>
+            <a:lnRef idx="0">
+              <a:scrgbClr r="0" g="0" b="0"/>
+            </a:lnRef>
+            <a:fillRef idx="0">
+              <a:scrgbClr r="0" g="0" b="0"/>
+            </a:fillRef>
+            <a:effectRef idx="0">
+              <a:scrgbClr r="0" g="0" b="0"/>
+            </a:effectRef>
+            <a:fontRef idx="minor">
+              <a:schemeClr val="lt1"/>
+            </a:fontRef>
+          </p:style>
+          <p:txBody>
+            <a:bodyPr rtlCol="0" anchor="ctr"/>
+            <a:lstStyle/>
+            <a:p>
+              <a:pPr algn="ctr"/>
+              <a:r>
+                <a:rPr lang="en-GB" sz="1600" b="1" dirty="0">
+                  <a:solidFill>
+                    <a:schemeClr val="bg1"/>
+                  </a:solidFill>
+                </a:rPr>
+                <a:t>XPDUSD</a:t>
+              </a:r>
+            </a:p>
+          </p:txBody>
+        </p:sp>
+        <p:sp>
+          <p:nvSpPr>
+            <p:cNvPr id="44" name="Rectangle: Rounded Corners 43">
+              <a:extLst>
+                <a:ext uri="{FF2B5EF4-FFF2-40B4-BE49-F238E27FC236}">
+                  <a16:creationId xmlns:a16="http://schemas.microsoft.com/office/drawing/2014/main" id="{9AD92680-C8E2-EE84-B6D2-3688120CEF94}"/>
+                </a:ext>
+              </a:extLst>
+            </p:cNvPr>
+            <p:cNvSpPr/>
+            <p:nvPr/>
+          </p:nvSpPr>
+          <p:spPr>
+            <a:xfrm>
+              <a:off x="3482340" y="3679926"/>
+              <a:ext cx="1021080" cy="322537"/>
+            </a:xfrm>
+            <a:prstGeom prst="roundRect">
+              <a:avLst/>
+            </a:prstGeom>
+            <a:solidFill>
+              <a:schemeClr val="tx1">
+                <a:lumMod val="75000"/>
+                <a:lumOff val="25000"/>
+                <a:alpha val="49804"/>
+              </a:schemeClr>
+            </a:solidFill>
+            <a:ln>
+              <a:noFill/>
+            </a:ln>
+          </p:spPr>
+          <p:style>
+            <a:lnRef idx="0">
+              <a:scrgbClr r="0" g="0" b="0"/>
+            </a:lnRef>
+            <a:fillRef idx="0">
+              <a:scrgbClr r="0" g="0" b="0"/>
+            </a:fillRef>
+            <a:effectRef idx="0">
+              <a:scrgbClr r="0" g="0" b="0"/>
+            </a:effectRef>
+            <a:fontRef idx="minor">
+              <a:schemeClr val="lt1"/>
+            </a:fontRef>
+          </p:style>
+          <p:txBody>
+            <a:bodyPr rtlCol="0" anchor="ctr"/>
+            <a:lstStyle/>
+            <a:p>
+              <a:pPr algn="ctr"/>
+              <a:r>
+                <a:rPr lang="en-GB" sz="1600" b="1" dirty="0">
+                  <a:solidFill>
+                    <a:schemeClr val="bg1"/>
+                  </a:solidFill>
+                </a:rPr>
+                <a:t>XPTUSD</a:t>
+              </a:r>
+            </a:p>
+          </p:txBody>
+        </p:sp>
       </p:grpSp>
     </p:spTree>
     <p:extLst>
       <p:ext uri="{BB962C8B-B14F-4D97-AF65-F5344CB8AC3E}">
-        <p14:creationId xmlns:p14="http://schemas.microsoft.com/office/powerpoint/2010/main" val="4133857321"/>
+        <p14:creationId xmlns:p14="http://schemas.microsoft.com/office/powerpoint/2010/main" val="2910450133"/>
       </p:ext>
     </p:extLst>
   </p:cSld>
@@ -5359,7 +9300,7 @@
                                           </p:stCondLst>
                                         </p:cTn>
                                         <p:tgtEl>
-                                          <p:spTgt spid="29"/>
+                                          <p:spTgt spid="13"/>
                                         </p:tgtEl>
                                         <p:attrNameLst>
                                           <p:attrName>style.visibility</p:attrName>
@@ -5404,7 +9345,7 @@
                                           </p:stCondLst>
                                         </p:cTn>
                                         <p:tgtEl>
-                                          <p:spTgt spid="50"/>
+                                          <p:spTgt spid="21"/>
                                         </p:tgtEl>
                                         <p:attrNameLst>
                                           <p:attrName>style.visibility</p:attrName>
@@ -5449,7 +9390,97 @@
                                           </p:stCondLst>
                                         </p:cTn>
                                         <p:tgtEl>
-                                          <p:spTgt spid="49"/>
+                                          <p:spTgt spid="39"/>
+                                        </p:tgtEl>
+                                        <p:attrNameLst>
+                                          <p:attrName>style.visibility</p:attrName>
+                                        </p:attrNameLst>
+                                      </p:cBhvr>
+                                      <p:to>
+                                        <p:strVal val="visible"/>
+                                      </p:to>
+                                    </p:set>
+                                  </p:childTnLst>
+                                </p:cTn>
+                              </p:par>
+                            </p:childTnLst>
+                          </p:cTn>
+                        </p:par>
+                      </p:childTnLst>
+                    </p:cTn>
+                  </p:par>
+                  <p:par>
+                    <p:cTn id="15" fill="hold">
+                      <p:stCondLst>
+                        <p:cond delay="indefinite"/>
+                      </p:stCondLst>
+                      <p:childTnLst>
+                        <p:par>
+                          <p:cTn id="16" fill="hold">
+                            <p:stCondLst>
+                              <p:cond delay="0"/>
+                            </p:stCondLst>
+                            <p:childTnLst>
+                              <p:par>
+                                <p:cTn id="17" presetID="1" presetClass="entr" presetSubtype="0" fill="hold" nodeType="clickEffect">
+                                  <p:stCondLst>
+                                    <p:cond delay="0"/>
+                                  </p:stCondLst>
+                                  <p:childTnLst>
+                                    <p:set>
+                                      <p:cBhvr>
+                                        <p:cTn id="18" dur="1" fill="hold">
+                                          <p:stCondLst>
+                                            <p:cond delay="0"/>
+                                          </p:stCondLst>
+                                        </p:cTn>
+                                        <p:tgtEl>
+                                          <p:spTgt spid="40"/>
+                                        </p:tgtEl>
+                                        <p:attrNameLst>
+                                          <p:attrName>style.visibility</p:attrName>
+                                        </p:attrNameLst>
+                                      </p:cBhvr>
+                                      <p:to>
+                                        <p:strVal val="visible"/>
+                                      </p:to>
+                                    </p:set>
+                                  </p:childTnLst>
+                                </p:cTn>
+                              </p:par>
+                            </p:childTnLst>
+                          </p:cTn>
+                        </p:par>
+                      </p:childTnLst>
+                    </p:cTn>
+                  </p:par>
+                  <p:par>
+                    <p:cTn id="19" fill="hold">
+                      <p:stCondLst>
+                        <p:cond delay="indefinite"/>
+                      </p:stCondLst>
+                      <p:childTnLst>
+                        <p:par>
+                          <p:cTn id="20" fill="hold">
+                            <p:stCondLst>
+                              <p:cond delay="0"/>
+                            </p:stCondLst>
+                            <p:childTnLst>
+                              <p:par>
+                                <p:cTn id="21" presetID="1" presetClass="entr" presetSubtype="0" fill="hold" nodeType="clickEffect">
+                                  <p:stCondLst>
+                                    <p:cond delay="0"/>
+                                  </p:stCondLst>
+                                  <p:childTnLst>
+                                    <p:set>
+                                      <p:cBhvr>
+                                        <p:cTn id="22" dur="1" fill="hold">
+                                          <p:stCondLst>
+                                            <p:cond delay="0"/>
+                                          </p:stCondLst>
+                                        </p:cTn>
+                                        <p:tgtEl>
+                                          <p:spTgt spid="45"/>
                                         </p:tgtEl>
                                         <p:attrNameLst>
                                           <p:attrName>style.visibility</p:attrName>
@@ -5490,6 +9521,673 @@
       </p:par>
     </p:tnLst>
   </p:timing>
+</p:sld>
+</file>
+
+<file path=ppt/slides/slide4.xml><?xml version="1.0" encoding="utf-8"?>
+<p:sld xmlns:a="http://schemas.openxmlformats.org/drawingml/2006/main" xmlns:r="http://schemas.openxmlformats.org/officeDocument/2006/relationships" xmlns:p="http://schemas.openxmlformats.org/presentationml/2006/main">
+  <p:cSld>
+    <p:spTree>
+      <p:nvGrpSpPr>
+        <p:cNvPr id="1" name="">
+          <a:extLst>
+            <a:ext uri="{FF2B5EF4-FFF2-40B4-BE49-F238E27FC236}">
+              <a16:creationId xmlns:a16="http://schemas.microsoft.com/office/drawing/2014/main" id="{7B19ED80-12F5-DA1C-A0FD-839BCC61FE78}"/>
+            </a:ext>
+          </a:extLst>
+        </p:cNvPr>
+        <p:cNvGrpSpPr/>
+        <p:nvPr/>
+      </p:nvGrpSpPr>
+      <p:grpSpPr>
+        <a:xfrm>
+          <a:off x="0" y="0"/>
+          <a:ext cx="0" cy="0"/>
+          <a:chOff x="0" y="0"/>
+          <a:chExt cx="0" cy="0"/>
+        </a:xfrm>
+      </p:grpSpPr>
+      <p:pic>
+        <p:nvPicPr>
+          <p:cNvPr id="29" name="Picture 28">
+            <a:extLst>
+              <a:ext uri="{FF2B5EF4-FFF2-40B4-BE49-F238E27FC236}">
+                <a16:creationId xmlns:a16="http://schemas.microsoft.com/office/drawing/2014/main" id="{F19BC8EA-AEF0-6F37-2208-D84F392C605E}"/>
+              </a:ext>
+            </a:extLst>
+          </p:cNvPr>
+          <p:cNvPicPr>
+            <a:picLocks noChangeAspect="1"/>
+          </p:cNvPicPr>
+          <p:nvPr/>
+        </p:nvPicPr>
+        <p:blipFill>
+          <a:blip r:embed="rId2">
+            <a:extLst>
+              <a:ext uri="{28A0092B-C50C-407E-A947-70E740481C1C}">
+                <a14:useLocalDpi xmlns:a14="http://schemas.microsoft.com/office/drawing/2010/main" val="0"/>
+              </a:ext>
+            </a:extLst>
+          </a:blip>
+          <a:stretch>
+            <a:fillRect/>
+          </a:stretch>
+        </p:blipFill>
+        <p:spPr>
+          <a:xfrm>
+            <a:off x="0" y="73025"/>
+            <a:ext cx="12192000" cy="6711950"/>
+          </a:xfrm>
+          <a:prstGeom prst="rect">
+            <a:avLst/>
+          </a:prstGeom>
+        </p:spPr>
+      </p:pic>
+      <p:sp>
+        <p:nvSpPr>
+          <p:cNvPr id="2" name="Title 1">
+            <a:extLst>
+              <a:ext uri="{FF2B5EF4-FFF2-40B4-BE49-F238E27FC236}">
+                <a16:creationId xmlns:a16="http://schemas.microsoft.com/office/drawing/2014/main" id="{321D34E7-F78B-55FF-1820-3BDE1D3F9151}"/>
+              </a:ext>
+            </a:extLst>
+          </p:cNvPr>
+          <p:cNvSpPr txBox="1">
+            <a:spLocks/>
+          </p:cNvSpPr>
+          <p:nvPr/>
+        </p:nvSpPr>
+        <p:spPr>
+          <a:xfrm>
+            <a:off x="838200" y="365126"/>
+            <a:ext cx="10515600" cy="856964"/>
+          </a:xfrm>
+          <a:prstGeom prst="rect">
+            <a:avLst/>
+          </a:prstGeom>
+        </p:spPr>
+        <p:txBody>
+          <a:bodyPr vert="horz" lIns="91440" tIns="45720" rIns="91440" bIns="45720" rtlCol="0" anchor="b">
+            <a:normAutofit lnSpcReduction="10000"/>
+          </a:bodyPr>
+          <a:lstStyle>
+            <a:lvl1pPr algn="ctr" defTabSz="914400" rtl="0" eaLnBrk="1" latinLnBrk="0" hangingPunct="1">
+              <a:lnSpc>
+                <a:spcPct val="90000"/>
+              </a:lnSpc>
+              <a:spcBef>
+                <a:spcPct val="0"/>
+              </a:spcBef>
+              <a:buNone/>
+              <a:defRPr sz="6000" kern="1200">
+                <a:solidFill>
+                  <a:schemeClr val="tx1"/>
+                </a:solidFill>
+                <a:latin typeface="+mj-lt"/>
+                <a:ea typeface="+mj-ea"/>
+                <a:cs typeface="+mj-cs"/>
+              </a:defRPr>
+            </a:lvl1pPr>
+          </a:lstStyle>
+          <a:p>
+            <a:pPr algn="l"/>
+            <a:r>
+              <a:rPr lang="en-GB" dirty="0">
+                <a:latin typeface="Arial Black" panose="020B0A04020102020204" pitchFamily="34" charset="0"/>
+              </a:rPr>
+              <a:t>How Much Can You Buy?</a:t>
+            </a:r>
+          </a:p>
+        </p:txBody>
+      </p:sp>
+    </p:spTree>
+    <p:extLst>
+      <p:ext uri="{BB962C8B-B14F-4D97-AF65-F5344CB8AC3E}">
+        <p14:creationId xmlns:p14="http://schemas.microsoft.com/office/powerpoint/2010/main" val="729515269"/>
+      </p:ext>
+    </p:extLst>
+  </p:cSld>
+  <p:clrMapOvr>
+    <a:masterClrMapping/>
+  </p:clrMapOvr>
+</p:sld>
+</file>
+
+<file path=ppt/slides/slide5.xml><?xml version="1.0" encoding="utf-8"?>
+<p:sld xmlns:a="http://schemas.openxmlformats.org/drawingml/2006/main" xmlns:r="http://schemas.openxmlformats.org/officeDocument/2006/relationships" xmlns:p="http://schemas.openxmlformats.org/presentationml/2006/main">
+  <p:cSld>
+    <p:spTree>
+      <p:nvGrpSpPr>
+        <p:cNvPr id="1" name="">
+          <a:extLst>
+            <a:ext uri="{FF2B5EF4-FFF2-40B4-BE49-F238E27FC236}">
+              <a16:creationId xmlns:a16="http://schemas.microsoft.com/office/drawing/2014/main" id="{63FA23C5-258E-34BB-B719-BA39D8BA0DA7}"/>
+            </a:ext>
+          </a:extLst>
+        </p:cNvPr>
+        <p:cNvGrpSpPr/>
+        <p:nvPr/>
+      </p:nvGrpSpPr>
+      <p:grpSpPr>
+        <a:xfrm>
+          <a:off x="0" y="0"/>
+          <a:ext cx="0" cy="0"/>
+          <a:chOff x="0" y="0"/>
+          <a:chExt cx="0" cy="0"/>
+        </a:xfrm>
+      </p:grpSpPr>
+      <p:sp>
+        <p:nvSpPr>
+          <p:cNvPr id="2" name="Title 1">
+            <a:extLst>
+              <a:ext uri="{FF2B5EF4-FFF2-40B4-BE49-F238E27FC236}">
+                <a16:creationId xmlns:a16="http://schemas.microsoft.com/office/drawing/2014/main" id="{4C6389D6-ED8E-E516-C677-26D69F2047D6}"/>
+              </a:ext>
+            </a:extLst>
+          </p:cNvPr>
+          <p:cNvSpPr>
+            <a:spLocks noGrp="1"/>
+          </p:cNvSpPr>
+          <p:nvPr>
+            <p:ph type="title"/>
+          </p:nvPr>
+        </p:nvSpPr>
+        <p:spPr>
+          <a:xfrm>
+            <a:off x="838200" y="365126"/>
+            <a:ext cx="10515600" cy="856964"/>
+          </a:xfrm>
+        </p:spPr>
+        <p:txBody>
+          <a:bodyPr/>
+          <a:lstStyle/>
+          <a:p>
+            <a:r>
+              <a:rPr lang="en-GB" dirty="0">
+                <a:latin typeface="Arial Black" panose="020B0A04020102020204" pitchFamily="34" charset="0"/>
+              </a:rPr>
+              <a:t>Price Ladder</a:t>
+            </a:r>
+          </a:p>
+        </p:txBody>
+      </p:sp>
+      <p:sp>
+        <p:nvSpPr>
+          <p:cNvPr id="6" name="Content Placeholder 5">
+            <a:extLst>
+              <a:ext uri="{FF2B5EF4-FFF2-40B4-BE49-F238E27FC236}">
+                <a16:creationId xmlns:a16="http://schemas.microsoft.com/office/drawing/2014/main" id="{FCD243F6-FEAC-A8A4-38C1-A0C23DACBF24}"/>
+              </a:ext>
+            </a:extLst>
+          </p:cNvPr>
+          <p:cNvSpPr>
+            <a:spLocks noGrp="1"/>
+          </p:cNvSpPr>
+          <p:nvPr>
+            <p:ph idx="1"/>
+          </p:nvPr>
+        </p:nvSpPr>
+        <p:spPr>
+          <a:xfrm>
+            <a:off x="838200" y="1274093"/>
+            <a:ext cx="10515600" cy="4902870"/>
+          </a:xfrm>
+        </p:spPr>
+        <p:txBody>
+          <a:bodyPr/>
+          <a:lstStyle/>
+          <a:p>
+            <a:r>
+              <a:rPr lang="en-GB" dirty="0"/>
+              <a:t>Content</a:t>
+            </a:r>
+          </a:p>
+        </p:txBody>
+      </p:sp>
+    </p:spTree>
+    <p:extLst>
+      <p:ext uri="{BB962C8B-B14F-4D97-AF65-F5344CB8AC3E}">
+        <p14:creationId xmlns:p14="http://schemas.microsoft.com/office/powerpoint/2010/main" val="3961069619"/>
+      </p:ext>
+    </p:extLst>
+  </p:cSld>
+  <p:clrMapOvr>
+    <a:masterClrMapping/>
+  </p:clrMapOvr>
+</p:sld>
+</file>
+
+<file path=ppt/slides/slide6.xml><?xml version="1.0" encoding="utf-8"?>
+<p:sld xmlns:a="http://schemas.openxmlformats.org/drawingml/2006/main" xmlns:r="http://schemas.openxmlformats.org/officeDocument/2006/relationships" xmlns:p="http://schemas.openxmlformats.org/presentationml/2006/main">
+  <p:cSld>
+    <p:spTree>
+      <p:nvGrpSpPr>
+        <p:cNvPr id="1" name="">
+          <a:extLst>
+            <a:ext uri="{FF2B5EF4-FFF2-40B4-BE49-F238E27FC236}">
+              <a16:creationId xmlns:a16="http://schemas.microsoft.com/office/drawing/2014/main" id="{049D05A8-25FA-645B-9A71-40B7E980B3A8}"/>
+            </a:ext>
+          </a:extLst>
+        </p:cNvPr>
+        <p:cNvGrpSpPr/>
+        <p:nvPr/>
+      </p:nvGrpSpPr>
+      <p:grpSpPr>
+        <a:xfrm>
+          <a:off x="0" y="0"/>
+          <a:ext cx="0" cy="0"/>
+          <a:chOff x="0" y="0"/>
+          <a:chExt cx="0" cy="0"/>
+        </a:xfrm>
+      </p:grpSpPr>
+      <p:sp>
+        <p:nvSpPr>
+          <p:cNvPr id="2" name="Title 1">
+            <a:extLst>
+              <a:ext uri="{FF2B5EF4-FFF2-40B4-BE49-F238E27FC236}">
+                <a16:creationId xmlns:a16="http://schemas.microsoft.com/office/drawing/2014/main" id="{057EE819-DB0C-41E6-C211-E5A2BEB6B177}"/>
+              </a:ext>
+            </a:extLst>
+          </p:cNvPr>
+          <p:cNvSpPr>
+            <a:spLocks noGrp="1"/>
+          </p:cNvSpPr>
+          <p:nvPr>
+            <p:ph type="title"/>
+          </p:nvPr>
+        </p:nvSpPr>
+        <p:spPr>
+          <a:xfrm>
+            <a:off x="838200" y="365126"/>
+            <a:ext cx="10515600" cy="856964"/>
+          </a:xfrm>
+        </p:spPr>
+        <p:txBody>
+          <a:bodyPr/>
+          <a:lstStyle/>
+          <a:p>
+            <a:r>
+              <a:rPr lang="en-GB" dirty="0">
+                <a:latin typeface="Arial Black" panose="020B0A04020102020204" pitchFamily="34" charset="0"/>
+              </a:rPr>
+              <a:t>Skew</a:t>
+            </a:r>
+          </a:p>
+        </p:txBody>
+      </p:sp>
+      <p:sp>
+        <p:nvSpPr>
+          <p:cNvPr id="6" name="Content Placeholder 5">
+            <a:extLst>
+              <a:ext uri="{FF2B5EF4-FFF2-40B4-BE49-F238E27FC236}">
+                <a16:creationId xmlns:a16="http://schemas.microsoft.com/office/drawing/2014/main" id="{113EC8F1-EDEA-34F1-996B-9453EBC3C03F}"/>
+              </a:ext>
+            </a:extLst>
+          </p:cNvPr>
+          <p:cNvSpPr>
+            <a:spLocks noGrp="1"/>
+          </p:cNvSpPr>
+          <p:nvPr>
+            <p:ph idx="1"/>
+          </p:nvPr>
+        </p:nvSpPr>
+        <p:spPr>
+          <a:xfrm>
+            <a:off x="838200" y="1274093"/>
+            <a:ext cx="10515600" cy="4902870"/>
+          </a:xfrm>
+        </p:spPr>
+        <p:txBody>
+          <a:bodyPr/>
+          <a:lstStyle/>
+          <a:p>
+            <a:r>
+              <a:rPr lang="en-GB" dirty="0"/>
+              <a:t>Content</a:t>
+            </a:r>
+          </a:p>
+        </p:txBody>
+      </p:sp>
+    </p:spTree>
+    <p:extLst>
+      <p:ext uri="{BB962C8B-B14F-4D97-AF65-F5344CB8AC3E}">
+        <p14:creationId xmlns:p14="http://schemas.microsoft.com/office/powerpoint/2010/main" val="1857676077"/>
+      </p:ext>
+    </p:extLst>
+  </p:cSld>
+  <p:clrMapOvr>
+    <a:masterClrMapping/>
+  </p:clrMapOvr>
+</p:sld>
+</file>
+
+<file path=ppt/slides/slide7.xml><?xml version="1.0" encoding="utf-8"?>
+<p:sld xmlns:a="http://schemas.openxmlformats.org/drawingml/2006/main" xmlns:r="http://schemas.openxmlformats.org/officeDocument/2006/relationships" xmlns:p="http://schemas.openxmlformats.org/presentationml/2006/main">
+  <p:cSld>
+    <p:spTree>
+      <p:nvGrpSpPr>
+        <p:cNvPr id="1" name="">
+          <a:extLst>
+            <a:ext uri="{FF2B5EF4-FFF2-40B4-BE49-F238E27FC236}">
+              <a16:creationId xmlns:a16="http://schemas.microsoft.com/office/drawing/2014/main" id="{61FD6DF5-4B35-7094-7820-9B8CEA517C76}"/>
+            </a:ext>
+          </a:extLst>
+        </p:cNvPr>
+        <p:cNvGrpSpPr/>
+        <p:nvPr/>
+      </p:nvGrpSpPr>
+      <p:grpSpPr>
+        <a:xfrm>
+          <a:off x="0" y="0"/>
+          <a:ext cx="0" cy="0"/>
+          <a:chOff x="0" y="0"/>
+          <a:chExt cx="0" cy="0"/>
+        </a:xfrm>
+      </p:grpSpPr>
+      <p:sp>
+        <p:nvSpPr>
+          <p:cNvPr id="2" name="Title 1">
+            <a:extLst>
+              <a:ext uri="{FF2B5EF4-FFF2-40B4-BE49-F238E27FC236}">
+                <a16:creationId xmlns:a16="http://schemas.microsoft.com/office/drawing/2014/main" id="{6417CF3E-7D49-31BF-18BF-1E797D0962B9}"/>
+              </a:ext>
+            </a:extLst>
+          </p:cNvPr>
+          <p:cNvSpPr>
+            <a:spLocks noGrp="1"/>
+          </p:cNvSpPr>
+          <p:nvPr>
+            <p:ph type="title"/>
+          </p:nvPr>
+        </p:nvSpPr>
+        <p:spPr>
+          <a:xfrm>
+            <a:off x="838200" y="365126"/>
+            <a:ext cx="10515600" cy="856964"/>
+          </a:xfrm>
+        </p:spPr>
+        <p:txBody>
+          <a:bodyPr/>
+          <a:lstStyle/>
+          <a:p>
+            <a:r>
+              <a:rPr lang="en-GB" dirty="0">
+                <a:latin typeface="Arial Black" panose="020B0A04020102020204" pitchFamily="34" charset="0"/>
+              </a:rPr>
+              <a:t>Currency </a:t>
+            </a:r>
+            <a:r>
+              <a:rPr lang="en-GB" dirty="0" err="1">
+                <a:latin typeface="Arial Black" panose="020B0A04020102020204" pitchFamily="34" charset="0"/>
+              </a:rPr>
+              <a:t>Pait</a:t>
+            </a:r>
+            <a:r>
+              <a:rPr lang="en-GB" dirty="0">
+                <a:latin typeface="Arial Black" panose="020B0A04020102020204" pitchFamily="34" charset="0"/>
+              </a:rPr>
+              <a:t> Triangle</a:t>
+            </a:r>
+          </a:p>
+        </p:txBody>
+      </p:sp>
+      <p:sp>
+        <p:nvSpPr>
+          <p:cNvPr id="6" name="Content Placeholder 5">
+            <a:extLst>
+              <a:ext uri="{FF2B5EF4-FFF2-40B4-BE49-F238E27FC236}">
+                <a16:creationId xmlns:a16="http://schemas.microsoft.com/office/drawing/2014/main" id="{1B5D8A23-714A-B34B-B3AC-C79A79754463}"/>
+              </a:ext>
+            </a:extLst>
+          </p:cNvPr>
+          <p:cNvSpPr>
+            <a:spLocks noGrp="1"/>
+          </p:cNvSpPr>
+          <p:nvPr>
+            <p:ph idx="1"/>
+          </p:nvPr>
+        </p:nvSpPr>
+        <p:spPr>
+          <a:xfrm>
+            <a:off x="838200" y="1274093"/>
+            <a:ext cx="10515600" cy="4902870"/>
+          </a:xfrm>
+        </p:spPr>
+        <p:txBody>
+          <a:bodyPr/>
+          <a:lstStyle/>
+          <a:p>
+            <a:r>
+              <a:rPr lang="en-GB" dirty="0"/>
+              <a:t>Content</a:t>
+            </a:r>
+          </a:p>
+        </p:txBody>
+      </p:sp>
+    </p:spTree>
+    <p:extLst>
+      <p:ext uri="{BB962C8B-B14F-4D97-AF65-F5344CB8AC3E}">
+        <p14:creationId xmlns:p14="http://schemas.microsoft.com/office/powerpoint/2010/main" val="4245615394"/>
+      </p:ext>
+    </p:extLst>
+  </p:cSld>
+  <p:clrMapOvr>
+    <a:masterClrMapping/>
+  </p:clrMapOvr>
+</p:sld>
+</file>
+
+<file path=ppt/slides/slide8.xml><?xml version="1.0" encoding="utf-8"?>
+<p:sld xmlns:a="http://schemas.openxmlformats.org/drawingml/2006/main" xmlns:r="http://schemas.openxmlformats.org/officeDocument/2006/relationships" xmlns:p="http://schemas.openxmlformats.org/presentationml/2006/main">
+  <p:cSld>
+    <p:spTree>
+      <p:nvGrpSpPr>
+        <p:cNvPr id="1" name="">
+          <a:extLst>
+            <a:ext uri="{FF2B5EF4-FFF2-40B4-BE49-F238E27FC236}">
+              <a16:creationId xmlns:a16="http://schemas.microsoft.com/office/drawing/2014/main" id="{E10B3927-714F-DB53-DC41-FE1D535724BB}"/>
+            </a:ext>
+          </a:extLst>
+        </p:cNvPr>
+        <p:cNvGrpSpPr/>
+        <p:nvPr/>
+      </p:nvGrpSpPr>
+      <p:grpSpPr>
+        <a:xfrm>
+          <a:off x="0" y="0"/>
+          <a:ext cx="0" cy="0"/>
+          <a:chOff x="0" y="0"/>
+          <a:chExt cx="0" cy="0"/>
+        </a:xfrm>
+      </p:grpSpPr>
+      <p:sp>
+        <p:nvSpPr>
+          <p:cNvPr id="2" name="Title 1">
+            <a:extLst>
+              <a:ext uri="{FF2B5EF4-FFF2-40B4-BE49-F238E27FC236}">
+                <a16:creationId xmlns:a16="http://schemas.microsoft.com/office/drawing/2014/main" id="{7CC2872C-2C69-78D7-EE13-2A079820AEF3}"/>
+              </a:ext>
+            </a:extLst>
+          </p:cNvPr>
+          <p:cNvSpPr>
+            <a:spLocks noGrp="1"/>
+          </p:cNvSpPr>
+          <p:nvPr>
+            <p:ph type="title"/>
+          </p:nvPr>
+        </p:nvSpPr>
+        <p:spPr>
+          <a:xfrm>
+            <a:off x="838200" y="365126"/>
+            <a:ext cx="10515600" cy="856964"/>
+          </a:xfrm>
+        </p:spPr>
+        <p:txBody>
+          <a:bodyPr/>
+          <a:lstStyle/>
+          <a:p>
+            <a:r>
+              <a:rPr lang="en-GB" dirty="0">
+                <a:latin typeface="Arial Black" panose="020B0A04020102020204" pitchFamily="34" charset="0"/>
+              </a:rPr>
+              <a:t>NFP</a:t>
+            </a:r>
+          </a:p>
+        </p:txBody>
+      </p:sp>
+      <p:sp>
+        <p:nvSpPr>
+          <p:cNvPr id="6" name="Content Placeholder 5">
+            <a:extLst>
+              <a:ext uri="{FF2B5EF4-FFF2-40B4-BE49-F238E27FC236}">
+                <a16:creationId xmlns:a16="http://schemas.microsoft.com/office/drawing/2014/main" id="{986D23AA-E4A4-E92D-8FA5-0DA80DB099A1}"/>
+              </a:ext>
+            </a:extLst>
+          </p:cNvPr>
+          <p:cNvSpPr>
+            <a:spLocks noGrp="1"/>
+          </p:cNvSpPr>
+          <p:nvPr>
+            <p:ph idx="1"/>
+          </p:nvPr>
+        </p:nvSpPr>
+        <p:spPr>
+          <a:xfrm>
+            <a:off x="838200" y="1274093"/>
+            <a:ext cx="10515600" cy="4902870"/>
+          </a:xfrm>
+        </p:spPr>
+        <p:txBody>
+          <a:bodyPr/>
+          <a:lstStyle/>
+          <a:p>
+            <a:r>
+              <a:rPr lang="en-GB" dirty="0"/>
+              <a:t>Content</a:t>
+            </a:r>
+          </a:p>
+        </p:txBody>
+      </p:sp>
+    </p:spTree>
+    <p:extLst>
+      <p:ext uri="{BB962C8B-B14F-4D97-AF65-F5344CB8AC3E}">
+        <p14:creationId xmlns:p14="http://schemas.microsoft.com/office/powerpoint/2010/main" val="817776181"/>
+      </p:ext>
+    </p:extLst>
+  </p:cSld>
+  <p:clrMapOvr>
+    <a:masterClrMapping/>
+  </p:clrMapOvr>
+</p:sld>
+</file>
+
+<file path=ppt/slides/slide9.xml><?xml version="1.0" encoding="utf-8"?>
+<p:sld xmlns:a="http://schemas.openxmlformats.org/drawingml/2006/main" xmlns:r="http://schemas.openxmlformats.org/officeDocument/2006/relationships" xmlns:p="http://schemas.openxmlformats.org/presentationml/2006/main">
+  <p:cSld>
+    <p:spTree>
+      <p:nvGrpSpPr>
+        <p:cNvPr id="1" name="">
+          <a:extLst>
+            <a:ext uri="{FF2B5EF4-FFF2-40B4-BE49-F238E27FC236}">
+              <a16:creationId xmlns:a16="http://schemas.microsoft.com/office/drawing/2014/main" id="{281C7E9F-356F-43F5-C9A6-CAC25AA1261F}"/>
+            </a:ext>
+          </a:extLst>
+        </p:cNvPr>
+        <p:cNvGrpSpPr/>
+        <p:nvPr/>
+      </p:nvGrpSpPr>
+      <p:grpSpPr>
+        <a:xfrm>
+          <a:off x="0" y="0"/>
+          <a:ext cx="0" cy="0"/>
+          <a:chOff x="0" y="0"/>
+          <a:chExt cx="0" cy="0"/>
+        </a:xfrm>
+      </p:grpSpPr>
+      <p:sp>
+        <p:nvSpPr>
+          <p:cNvPr id="2" name="Title 1">
+            <a:extLst>
+              <a:ext uri="{FF2B5EF4-FFF2-40B4-BE49-F238E27FC236}">
+                <a16:creationId xmlns:a16="http://schemas.microsoft.com/office/drawing/2014/main" id="{47858F82-8DBF-16CD-56D9-E15EF4ABC474}"/>
+              </a:ext>
+            </a:extLst>
+          </p:cNvPr>
+          <p:cNvSpPr>
+            <a:spLocks noGrp="1"/>
+          </p:cNvSpPr>
+          <p:nvPr>
+            <p:ph type="title"/>
+          </p:nvPr>
+        </p:nvSpPr>
+        <p:spPr>
+          <a:xfrm>
+            <a:off x="838200" y="365126"/>
+            <a:ext cx="10515600" cy="856964"/>
+          </a:xfrm>
+        </p:spPr>
+        <p:txBody>
+          <a:bodyPr/>
+          <a:lstStyle/>
+          <a:p>
+            <a:r>
+              <a:rPr lang="en-GB" dirty="0" err="1">
+                <a:latin typeface="Arial Black" panose="020B0A04020102020204" pitchFamily="34" charset="0"/>
+              </a:rPr>
+              <a:t>Currenex</a:t>
+            </a:r>
+            <a:r>
+              <a:rPr lang="en-GB" dirty="0">
+                <a:latin typeface="Arial Black" panose="020B0A04020102020204" pitchFamily="34" charset="0"/>
+              </a:rPr>
+              <a:t> Stuck Orders</a:t>
+            </a:r>
+          </a:p>
+        </p:txBody>
+      </p:sp>
+      <p:sp>
+        <p:nvSpPr>
+          <p:cNvPr id="6" name="Content Placeholder 5">
+            <a:extLst>
+              <a:ext uri="{FF2B5EF4-FFF2-40B4-BE49-F238E27FC236}">
+                <a16:creationId xmlns:a16="http://schemas.microsoft.com/office/drawing/2014/main" id="{51FBE772-927C-FA00-C0DA-3DE56DBA6B98}"/>
+              </a:ext>
+            </a:extLst>
+          </p:cNvPr>
+          <p:cNvSpPr>
+            <a:spLocks noGrp="1"/>
+          </p:cNvSpPr>
+          <p:nvPr>
+            <p:ph idx="1"/>
+          </p:nvPr>
+        </p:nvSpPr>
+        <p:spPr>
+          <a:xfrm>
+            <a:off x="838200" y="1274093"/>
+            <a:ext cx="10515600" cy="4902870"/>
+          </a:xfrm>
+        </p:spPr>
+        <p:txBody>
+          <a:bodyPr/>
+          <a:lstStyle/>
+          <a:p>
+            <a:r>
+              <a:rPr lang="en-GB" dirty="0"/>
+              <a:t>Content</a:t>
+            </a:r>
+          </a:p>
+        </p:txBody>
+      </p:sp>
+    </p:spTree>
+    <p:extLst>
+      <p:ext uri="{BB962C8B-B14F-4D97-AF65-F5344CB8AC3E}">
+        <p14:creationId xmlns:p14="http://schemas.microsoft.com/office/powerpoint/2010/main" val="3424814720"/>
+      </p:ext>
+    </p:extLst>
+  </p:cSld>
+  <p:clrMapOvr>
+    <a:masterClrMapping/>
+  </p:clrMapOvr>
 </p:sld>
 </file>
 

--- a/Presentation/FXMM.pptx
+++ b/Presentation/FXMM.pptx
@@ -7,17 +7,28 @@
   <p:sldIdLst>
     <p:sldId id="259" r:id="rId2"/>
     <p:sldId id="257" r:id="rId3"/>
-    <p:sldId id="261" r:id="rId4"/>
-    <p:sldId id="262" r:id="rId5"/>
-    <p:sldId id="264" r:id="rId6"/>
-    <p:sldId id="265" r:id="rId7"/>
-    <p:sldId id="266" r:id="rId8"/>
-    <p:sldId id="267" r:id="rId9"/>
-    <p:sldId id="268" r:id="rId10"/>
-    <p:sldId id="263" r:id="rId11"/>
-    <p:sldId id="258" r:id="rId12"/>
-    <p:sldId id="256" r:id="rId13"/>
-    <p:sldId id="260" r:id="rId14"/>
+    <p:sldId id="272" r:id="rId4"/>
+    <p:sldId id="261" r:id="rId5"/>
+    <p:sldId id="270" r:id="rId6"/>
+    <p:sldId id="275" r:id="rId7"/>
+    <p:sldId id="276" r:id="rId8"/>
+    <p:sldId id="271" r:id="rId9"/>
+    <p:sldId id="277" r:id="rId10"/>
+    <p:sldId id="278" r:id="rId11"/>
+    <p:sldId id="279" r:id="rId12"/>
+    <p:sldId id="273" r:id="rId13"/>
+    <p:sldId id="283" r:id="rId14"/>
+    <p:sldId id="266" r:id="rId15"/>
+    <p:sldId id="267" r:id="rId16"/>
+    <p:sldId id="280" r:id="rId17"/>
+    <p:sldId id="281" r:id="rId18"/>
+    <p:sldId id="268" r:id="rId19"/>
+    <p:sldId id="285" r:id="rId20"/>
+    <p:sldId id="258" r:id="rId21"/>
+    <p:sldId id="256" r:id="rId22"/>
+    <p:sldId id="260" r:id="rId23"/>
+    <p:sldId id="284" r:id="rId24"/>
+    <p:sldId id="282" r:id="rId25"/>
   </p:sldIdLst>
   <p:sldSz cx="12192000" cy="6858000"/>
   <p:notesSz cx="6858000" cy="9144000"/>
@@ -3454,7 +3465,111 @@
         <p:cNvPr id="1" name="">
           <a:extLst>
             <a:ext uri="{FF2B5EF4-FFF2-40B4-BE49-F238E27FC236}">
-              <a16:creationId xmlns:a16="http://schemas.microsoft.com/office/drawing/2014/main" id="{C98FBD6B-7A4A-4C49-1303-80E455F4FE8F}"/>
+              <a16:creationId xmlns:a16="http://schemas.microsoft.com/office/drawing/2014/main" id="{5F8588D4-EB93-A423-D26C-E45CF69323F7}"/>
+            </a:ext>
+          </a:extLst>
+        </p:cNvPr>
+        <p:cNvGrpSpPr/>
+        <p:nvPr/>
+      </p:nvGrpSpPr>
+      <p:grpSpPr>
+        <a:xfrm>
+          <a:off x="0" y="0"/>
+          <a:ext cx="0" cy="0"/>
+          <a:chOff x="0" y="0"/>
+          <a:chExt cx="0" cy="0"/>
+        </a:xfrm>
+      </p:grpSpPr>
+      <p:sp>
+        <p:nvSpPr>
+          <p:cNvPr id="2" name="Title 1">
+            <a:extLst>
+              <a:ext uri="{FF2B5EF4-FFF2-40B4-BE49-F238E27FC236}">
+                <a16:creationId xmlns:a16="http://schemas.microsoft.com/office/drawing/2014/main" id="{E6E15702-E3B6-D9C9-89FA-6766CE441D83}"/>
+              </a:ext>
+            </a:extLst>
+          </p:cNvPr>
+          <p:cNvSpPr>
+            <a:spLocks noGrp="1"/>
+          </p:cNvSpPr>
+          <p:nvPr>
+            <p:ph type="title"/>
+          </p:nvPr>
+        </p:nvSpPr>
+        <p:spPr>
+          <a:xfrm>
+            <a:off x="838200" y="365126"/>
+            <a:ext cx="10515600" cy="856964"/>
+          </a:xfrm>
+        </p:spPr>
+        <p:txBody>
+          <a:bodyPr/>
+          <a:lstStyle/>
+          <a:p>
+            <a:r>
+              <a:rPr lang="en-GB" dirty="0">
+                <a:latin typeface="Arial Black" panose="020B0A04020102020204" pitchFamily="34" charset="0"/>
+              </a:rPr>
+              <a:t>More! More!! MORE!!!</a:t>
+            </a:r>
+          </a:p>
+        </p:txBody>
+      </p:sp>
+      <p:sp>
+        <p:nvSpPr>
+          <p:cNvPr id="6" name="Content Placeholder 5">
+            <a:extLst>
+              <a:ext uri="{FF2B5EF4-FFF2-40B4-BE49-F238E27FC236}">
+                <a16:creationId xmlns:a16="http://schemas.microsoft.com/office/drawing/2014/main" id="{D5F10F5C-7505-F94E-21D8-1E6A999F7177}"/>
+              </a:ext>
+            </a:extLst>
+          </p:cNvPr>
+          <p:cNvSpPr>
+            <a:spLocks noGrp="1"/>
+          </p:cNvSpPr>
+          <p:nvPr>
+            <p:ph idx="1"/>
+          </p:nvPr>
+        </p:nvSpPr>
+        <p:spPr>
+          <a:xfrm>
+            <a:off x="838200" y="1274093"/>
+            <a:ext cx="10515600" cy="4902870"/>
+          </a:xfrm>
+        </p:spPr>
+        <p:txBody>
+          <a:bodyPr/>
+          <a:lstStyle/>
+          <a:p>
+            <a:r>
+              <a:rPr lang="en-GB" dirty="0"/>
+              <a:t>Content</a:t>
+            </a:r>
+          </a:p>
+        </p:txBody>
+      </p:sp>
+    </p:spTree>
+    <p:extLst>
+      <p:ext uri="{BB962C8B-B14F-4D97-AF65-F5344CB8AC3E}">
+        <p14:creationId xmlns:p14="http://schemas.microsoft.com/office/powerpoint/2010/main" val="2256005623"/>
+      </p:ext>
+    </p:extLst>
+  </p:cSld>
+  <p:clrMapOvr>
+    <a:masterClrMapping/>
+  </p:clrMapOvr>
+</p:sld>
+</file>
+
+<file path=ppt/slides/slide11.xml><?xml version="1.0" encoding="utf-8"?>
+<p:sld xmlns:a="http://schemas.openxmlformats.org/drawingml/2006/main" xmlns:r="http://schemas.openxmlformats.org/officeDocument/2006/relationships" xmlns:p="http://schemas.openxmlformats.org/presentationml/2006/main">
+  <p:cSld>
+    <p:spTree>
+      <p:nvGrpSpPr>
+        <p:cNvPr id="1" name="">
+          <a:extLst>
+            <a:ext uri="{FF2B5EF4-FFF2-40B4-BE49-F238E27FC236}">
+              <a16:creationId xmlns:a16="http://schemas.microsoft.com/office/drawing/2014/main" id="{5E76B861-EBAD-FDEE-3C7C-4AC27613C553}"/>
             </a:ext>
           </a:extLst>
         </p:cNvPr>
@@ -3474,7 +3589,7 @@
           <p:cNvPr id="29" name="Picture 28">
             <a:extLst>
               <a:ext uri="{FF2B5EF4-FFF2-40B4-BE49-F238E27FC236}">
-                <a16:creationId xmlns:a16="http://schemas.microsoft.com/office/drawing/2014/main" id="{A5AE9404-0B39-D7A5-50DD-138A79630A1B}"/>
+                <a16:creationId xmlns:a16="http://schemas.microsoft.com/office/drawing/2014/main" id="{DAE1FE81-64D6-A2FE-9883-5CD256157A91}"/>
               </a:ext>
             </a:extLst>
           </p:cNvPr>
@@ -3497,7 +3612,7 @@
         </p:blipFill>
         <p:spPr>
           <a:xfrm>
-            <a:off x="0" y="73025"/>
+            <a:off x="0" y="362585"/>
             <a:ext cx="12192000" cy="6711950"/>
           </a:xfrm>
           <a:prstGeom prst="rect">
@@ -3510,7 +3625,7 @@
           <p:cNvPr id="2" name="Title 1">
             <a:extLst>
               <a:ext uri="{FF2B5EF4-FFF2-40B4-BE49-F238E27FC236}">
-                <a16:creationId xmlns:a16="http://schemas.microsoft.com/office/drawing/2014/main" id="{00295157-F3F6-7260-7CE2-8AF20A29DA5E}"/>
+                <a16:creationId xmlns:a16="http://schemas.microsoft.com/office/drawing/2014/main" id="{E4F35C60-27DF-9BF1-F5E8-3A4CD672EE37}"/>
               </a:ext>
             </a:extLst>
           </p:cNvPr>
@@ -3557,7 +3672,7 @@
               <a:rPr lang="en-GB" dirty="0">
                 <a:latin typeface="Arial Black" panose="020B0A04020102020204" pitchFamily="34" charset="0"/>
               </a:rPr>
-              <a:t>How Much Can You Buy?</a:t>
+              <a:t>You are open 24/5.5?</a:t>
             </a:r>
           </a:p>
         </p:txBody>
@@ -3565,7 +3680,7 @@
     </p:spTree>
     <p:extLst>
       <p:ext uri="{BB962C8B-B14F-4D97-AF65-F5344CB8AC3E}">
-        <p14:creationId xmlns:p14="http://schemas.microsoft.com/office/powerpoint/2010/main" val="837563483"/>
+        <p14:creationId xmlns:p14="http://schemas.microsoft.com/office/powerpoint/2010/main" val="1062507420"/>
       </p:ext>
     </p:extLst>
   </p:cSld>
@@ -3575,7 +3690,2492 @@
 </p:sld>
 </file>
 
-<file path=ppt/slides/slide11.xml><?xml version="1.0" encoding="utf-8"?>
+<file path=ppt/slides/slide12.xml><?xml version="1.0" encoding="utf-8"?>
+<p:sld xmlns:a="http://schemas.openxmlformats.org/drawingml/2006/main" xmlns:r="http://schemas.openxmlformats.org/officeDocument/2006/relationships" xmlns:p="http://schemas.openxmlformats.org/presentationml/2006/main">
+  <p:cSld>
+    <p:spTree>
+      <p:nvGrpSpPr>
+        <p:cNvPr id="1" name="">
+          <a:extLst>
+            <a:ext uri="{FF2B5EF4-FFF2-40B4-BE49-F238E27FC236}">
+              <a16:creationId xmlns:a16="http://schemas.microsoft.com/office/drawing/2014/main" id="{BE4557FB-78F5-4B1E-6FB1-A87E3B9F9C1D}"/>
+            </a:ext>
+          </a:extLst>
+        </p:cNvPr>
+        <p:cNvGrpSpPr/>
+        <p:nvPr/>
+      </p:nvGrpSpPr>
+      <p:grpSpPr>
+        <a:xfrm>
+          <a:off x="0" y="0"/>
+          <a:ext cx="0" cy="0"/>
+          <a:chOff x="0" y="0"/>
+          <a:chExt cx="0" cy="0"/>
+        </a:xfrm>
+      </p:grpSpPr>
+      <p:pic>
+        <p:nvPicPr>
+          <p:cNvPr id="29" name="Picture 28">
+            <a:extLst>
+              <a:ext uri="{FF2B5EF4-FFF2-40B4-BE49-F238E27FC236}">
+                <a16:creationId xmlns:a16="http://schemas.microsoft.com/office/drawing/2014/main" id="{F0A01505-8D2F-7E0E-684D-36433CCB08FB}"/>
+              </a:ext>
+            </a:extLst>
+          </p:cNvPr>
+          <p:cNvPicPr>
+            <a:picLocks noChangeAspect="1"/>
+          </p:cNvPicPr>
+          <p:nvPr/>
+        </p:nvPicPr>
+        <p:blipFill>
+          <a:blip r:embed="rId2">
+            <a:extLst>
+              <a:ext uri="{28A0092B-C50C-407E-A947-70E740481C1C}">
+                <a14:useLocalDpi xmlns:a14="http://schemas.microsoft.com/office/drawing/2010/main" val="0"/>
+              </a:ext>
+            </a:extLst>
+          </a:blip>
+          <a:stretch>
+            <a:fillRect/>
+          </a:stretch>
+        </p:blipFill>
+        <p:spPr>
+          <a:xfrm>
+            <a:off x="0" y="362585"/>
+            <a:ext cx="12192000" cy="6711950"/>
+          </a:xfrm>
+          <a:prstGeom prst="rect">
+            <a:avLst/>
+          </a:prstGeom>
+        </p:spPr>
+      </p:pic>
+      <p:sp>
+        <p:nvSpPr>
+          <p:cNvPr id="2" name="Title 1">
+            <a:extLst>
+              <a:ext uri="{FF2B5EF4-FFF2-40B4-BE49-F238E27FC236}">
+                <a16:creationId xmlns:a16="http://schemas.microsoft.com/office/drawing/2014/main" id="{52C8022F-B9F6-9642-B89A-0E140096D328}"/>
+              </a:ext>
+            </a:extLst>
+          </p:cNvPr>
+          <p:cNvSpPr txBox="1">
+            <a:spLocks/>
+          </p:cNvSpPr>
+          <p:nvPr/>
+        </p:nvSpPr>
+        <p:spPr>
+          <a:xfrm>
+            <a:off x="838200" y="365126"/>
+            <a:ext cx="10515600" cy="856964"/>
+          </a:xfrm>
+          <a:prstGeom prst="rect">
+            <a:avLst/>
+          </a:prstGeom>
+        </p:spPr>
+        <p:txBody>
+          <a:bodyPr vert="horz" lIns="91440" tIns="45720" rIns="91440" bIns="45720" rtlCol="0" anchor="b">
+            <a:normAutofit lnSpcReduction="10000"/>
+          </a:bodyPr>
+          <a:lstStyle>
+            <a:lvl1pPr algn="ctr" defTabSz="914400" rtl="0" eaLnBrk="1" latinLnBrk="0" hangingPunct="1">
+              <a:lnSpc>
+                <a:spcPct val="90000"/>
+              </a:lnSpc>
+              <a:spcBef>
+                <a:spcPct val="0"/>
+              </a:spcBef>
+              <a:buNone/>
+              <a:defRPr sz="6000" kern="1200">
+                <a:solidFill>
+                  <a:schemeClr val="tx1"/>
+                </a:solidFill>
+                <a:latin typeface="+mj-lt"/>
+                <a:ea typeface="+mj-ea"/>
+                <a:cs typeface="+mj-cs"/>
+              </a:defRPr>
+            </a:lvl1pPr>
+          </a:lstStyle>
+          <a:p>
+            <a:pPr algn="l"/>
+            <a:r>
+              <a:rPr lang="en-GB" dirty="0">
+                <a:latin typeface="Arial Black" panose="020B0A04020102020204" pitchFamily="34" charset="0"/>
+              </a:rPr>
+              <a:t>Seriously? All day long?</a:t>
+            </a:r>
+          </a:p>
+        </p:txBody>
+      </p:sp>
+      <p:pic>
+        <p:nvPicPr>
+          <p:cNvPr id="3" name="Picture 2">
+            <a:extLst>
+              <a:ext uri="{FF2B5EF4-FFF2-40B4-BE49-F238E27FC236}">
+                <a16:creationId xmlns:a16="http://schemas.microsoft.com/office/drawing/2014/main" id="{B344A9B4-114E-EDA0-8B46-EFA71D8286FA}"/>
+              </a:ext>
+            </a:extLst>
+          </p:cNvPr>
+          <p:cNvPicPr>
+            <a:picLocks noChangeAspect="1"/>
+          </p:cNvPicPr>
+          <p:nvPr/>
+        </p:nvPicPr>
+        <p:blipFill>
+          <a:blip r:embed="rId3">
+            <a:extLst>
+              <a:ext uri="{28A0092B-C50C-407E-A947-70E740481C1C}">
+                <a14:useLocalDpi xmlns:a14="http://schemas.microsoft.com/office/drawing/2010/main" val="0"/>
+              </a:ext>
+            </a:extLst>
+          </a:blip>
+          <a:stretch>
+            <a:fillRect/>
+          </a:stretch>
+        </p:blipFill>
+        <p:spPr>
+          <a:xfrm>
+            <a:off x="10127455" y="5287374"/>
+            <a:ext cx="1165814" cy="1165814"/>
+          </a:xfrm>
+          <a:prstGeom prst="rect">
+            <a:avLst/>
+          </a:prstGeom>
+        </p:spPr>
+      </p:pic>
+    </p:spTree>
+    <p:extLst>
+      <p:ext uri="{BB962C8B-B14F-4D97-AF65-F5344CB8AC3E}">
+        <p14:creationId xmlns:p14="http://schemas.microsoft.com/office/powerpoint/2010/main" val="2732156713"/>
+      </p:ext>
+    </p:extLst>
+  </p:cSld>
+  <p:clrMapOvr>
+    <a:masterClrMapping/>
+  </p:clrMapOvr>
+  <p:timing>
+    <p:tnLst>
+      <p:par>
+        <p:cTn id="1" dur="indefinite" restart="never" nodeType="tmRoot">
+          <p:childTnLst>
+            <p:seq concurrent="1" nextAc="seek">
+              <p:cTn id="2" dur="indefinite" nodeType="mainSeq">
+                <p:childTnLst>
+                  <p:par>
+                    <p:cTn id="3" fill="hold">
+                      <p:stCondLst>
+                        <p:cond delay="indefinite"/>
+                        <p:cond evt="onBegin" delay="0">
+                          <p:tn val="2"/>
+                        </p:cond>
+                      </p:stCondLst>
+                      <p:childTnLst>
+                        <p:par>
+                          <p:cTn id="4" fill="hold">
+                            <p:stCondLst>
+                              <p:cond delay="0"/>
+                            </p:stCondLst>
+                            <p:childTnLst>
+                              <p:par>
+                                <p:cTn id="5" presetID="37" presetClass="path" presetSubtype="0" accel="50000" decel="50000" fill="hold" nodeType="withEffect">
+                                  <p:stCondLst>
+                                    <p:cond delay="0"/>
+                                  </p:stCondLst>
+                                  <p:childTnLst>
+                                    <p:animMotion origin="layout" path="M 4.58333E-6 -0.00046 L -0.20586 -0.28866 C -0.24844 -0.35371 -0.31276 -0.3882 -0.38008 -0.3882 C -0.45678 -0.3882 -0.5181 -0.35371 -0.56081 -0.28866 L -0.76589 -0.00046 " pathEditMode="relative" rAng="0" ptsTypes="AAAAA">
+                                      <p:cBhvr>
+                                        <p:cTn id="6" dur="5000" fill="hold"/>
+                                        <p:tgtEl>
+                                          <p:spTgt spid="3"/>
+                                        </p:tgtEl>
+                                        <p:attrNameLst>
+                                          <p:attrName>ppt_x</p:attrName>
+                                          <p:attrName>ppt_y</p:attrName>
+                                        </p:attrNameLst>
+                                      </p:cBhvr>
+                                      <p:rCtr x="-38294" y="-19398"/>
+                                    </p:animMotion>
+                                  </p:childTnLst>
+                                </p:cTn>
+                              </p:par>
+                            </p:childTnLst>
+                          </p:cTn>
+                        </p:par>
+                      </p:childTnLst>
+                    </p:cTn>
+                  </p:par>
+                </p:childTnLst>
+              </p:cTn>
+              <p:prevCondLst>
+                <p:cond evt="onPrev" delay="0">
+                  <p:tgtEl>
+                    <p:sldTgt/>
+                  </p:tgtEl>
+                </p:cond>
+              </p:prevCondLst>
+              <p:nextCondLst>
+                <p:cond evt="onNext" delay="0">
+                  <p:tgtEl>
+                    <p:sldTgt/>
+                  </p:tgtEl>
+                </p:cond>
+              </p:nextCondLst>
+            </p:seq>
+          </p:childTnLst>
+        </p:cTn>
+      </p:par>
+    </p:tnLst>
+  </p:timing>
+</p:sld>
+</file>
+
+<file path=ppt/slides/slide13.xml><?xml version="1.0" encoding="utf-8"?>
+<p:sld xmlns:a="http://schemas.openxmlformats.org/drawingml/2006/main" xmlns:r="http://schemas.openxmlformats.org/officeDocument/2006/relationships" xmlns:p="http://schemas.openxmlformats.org/presentationml/2006/main">
+  <p:cSld>
+    <p:spTree>
+      <p:nvGrpSpPr>
+        <p:cNvPr id="1" name="">
+          <a:extLst>
+            <a:ext uri="{FF2B5EF4-FFF2-40B4-BE49-F238E27FC236}">
+              <a16:creationId xmlns:a16="http://schemas.microsoft.com/office/drawing/2014/main" id="{6F614F83-EDCD-D210-85ED-E70FB9A0DB49}"/>
+            </a:ext>
+          </a:extLst>
+        </p:cNvPr>
+        <p:cNvGrpSpPr/>
+        <p:nvPr/>
+      </p:nvGrpSpPr>
+      <p:grpSpPr>
+        <a:xfrm>
+          <a:off x="0" y="0"/>
+          <a:ext cx="0" cy="0"/>
+          <a:chOff x="0" y="0"/>
+          <a:chExt cx="0" cy="0"/>
+        </a:xfrm>
+      </p:grpSpPr>
+      <p:pic>
+        <p:nvPicPr>
+          <p:cNvPr id="29" name="Picture 28">
+            <a:extLst>
+              <a:ext uri="{FF2B5EF4-FFF2-40B4-BE49-F238E27FC236}">
+                <a16:creationId xmlns:a16="http://schemas.microsoft.com/office/drawing/2014/main" id="{DD43913D-6DFF-606A-0DA2-611F9AC84C7A}"/>
+              </a:ext>
+            </a:extLst>
+          </p:cNvPr>
+          <p:cNvPicPr>
+            <a:picLocks noChangeAspect="1"/>
+          </p:cNvPicPr>
+          <p:nvPr/>
+        </p:nvPicPr>
+        <p:blipFill>
+          <a:blip r:embed="rId2">
+            <a:extLst>
+              <a:ext uri="{28A0092B-C50C-407E-A947-70E740481C1C}">
+                <a14:useLocalDpi xmlns:a14="http://schemas.microsoft.com/office/drawing/2010/main" val="0"/>
+              </a:ext>
+            </a:extLst>
+          </a:blip>
+          <a:stretch>
+            <a:fillRect/>
+          </a:stretch>
+        </p:blipFill>
+        <p:spPr>
+          <a:xfrm>
+            <a:off x="0" y="362585"/>
+            <a:ext cx="12192000" cy="6711950"/>
+          </a:xfrm>
+          <a:prstGeom prst="rect">
+            <a:avLst/>
+          </a:prstGeom>
+        </p:spPr>
+      </p:pic>
+      <p:sp>
+        <p:nvSpPr>
+          <p:cNvPr id="2" name="Title 1">
+            <a:extLst>
+              <a:ext uri="{FF2B5EF4-FFF2-40B4-BE49-F238E27FC236}">
+                <a16:creationId xmlns:a16="http://schemas.microsoft.com/office/drawing/2014/main" id="{09927626-B2F8-AD8C-E7B0-34C4D847E02C}"/>
+              </a:ext>
+            </a:extLst>
+          </p:cNvPr>
+          <p:cNvSpPr txBox="1">
+            <a:spLocks/>
+          </p:cNvSpPr>
+          <p:nvPr/>
+        </p:nvSpPr>
+        <p:spPr>
+          <a:xfrm>
+            <a:off x="838200" y="365126"/>
+            <a:ext cx="10515600" cy="856964"/>
+          </a:xfrm>
+          <a:prstGeom prst="rect">
+            <a:avLst/>
+          </a:prstGeom>
+        </p:spPr>
+        <p:txBody>
+          <a:bodyPr vert="horz" lIns="91440" tIns="45720" rIns="91440" bIns="45720" rtlCol="0" anchor="b">
+            <a:normAutofit fontScale="92500" lnSpcReduction="10000"/>
+          </a:bodyPr>
+          <a:lstStyle>
+            <a:lvl1pPr algn="ctr" defTabSz="914400" rtl="0" eaLnBrk="1" latinLnBrk="0" hangingPunct="1">
+              <a:lnSpc>
+                <a:spcPct val="90000"/>
+              </a:lnSpc>
+              <a:spcBef>
+                <a:spcPct val="0"/>
+              </a:spcBef>
+              <a:buNone/>
+              <a:defRPr sz="6000" kern="1200">
+                <a:solidFill>
+                  <a:schemeClr val="tx1"/>
+                </a:solidFill>
+                <a:latin typeface="+mj-lt"/>
+                <a:ea typeface="+mj-ea"/>
+                <a:cs typeface="+mj-cs"/>
+              </a:defRPr>
+            </a:lvl1pPr>
+          </a:lstStyle>
+          <a:p>
+            <a:pPr algn="l"/>
+            <a:r>
+              <a:rPr lang="en-GB" dirty="0">
+                <a:latin typeface="Arial Black" panose="020B0A04020102020204" pitchFamily="34" charset="0"/>
+              </a:rPr>
+              <a:t>How does BBG compare?</a:t>
+            </a:r>
+          </a:p>
+        </p:txBody>
+      </p:sp>
+    </p:spTree>
+    <p:extLst>
+      <p:ext uri="{BB962C8B-B14F-4D97-AF65-F5344CB8AC3E}">
+        <p14:creationId xmlns:p14="http://schemas.microsoft.com/office/powerpoint/2010/main" val="3928398760"/>
+      </p:ext>
+    </p:extLst>
+  </p:cSld>
+  <p:clrMapOvr>
+    <a:masterClrMapping/>
+  </p:clrMapOvr>
+</p:sld>
+</file>
+
+<file path=ppt/slides/slide14.xml><?xml version="1.0" encoding="utf-8"?>
+<p:sld xmlns:a="http://schemas.openxmlformats.org/drawingml/2006/main" xmlns:r="http://schemas.openxmlformats.org/officeDocument/2006/relationships" xmlns:p="http://schemas.openxmlformats.org/presentationml/2006/main">
+  <p:cSld>
+    <p:spTree>
+      <p:nvGrpSpPr>
+        <p:cNvPr id="1" name="">
+          <a:extLst>
+            <a:ext uri="{FF2B5EF4-FFF2-40B4-BE49-F238E27FC236}">
+              <a16:creationId xmlns:a16="http://schemas.microsoft.com/office/drawing/2014/main" id="{61FD6DF5-4B35-7094-7820-9B8CEA517C76}"/>
+            </a:ext>
+          </a:extLst>
+        </p:cNvPr>
+        <p:cNvGrpSpPr/>
+        <p:nvPr/>
+      </p:nvGrpSpPr>
+      <p:grpSpPr>
+        <a:xfrm>
+          <a:off x="0" y="0"/>
+          <a:ext cx="0" cy="0"/>
+          <a:chOff x="0" y="0"/>
+          <a:chExt cx="0" cy="0"/>
+        </a:xfrm>
+      </p:grpSpPr>
+      <p:sp>
+        <p:nvSpPr>
+          <p:cNvPr id="2" name="Title 1">
+            <a:extLst>
+              <a:ext uri="{FF2B5EF4-FFF2-40B4-BE49-F238E27FC236}">
+                <a16:creationId xmlns:a16="http://schemas.microsoft.com/office/drawing/2014/main" id="{6417CF3E-7D49-31BF-18BF-1E797D0962B9}"/>
+              </a:ext>
+            </a:extLst>
+          </p:cNvPr>
+          <p:cNvSpPr>
+            <a:spLocks noGrp="1"/>
+          </p:cNvSpPr>
+          <p:nvPr>
+            <p:ph type="title"/>
+          </p:nvPr>
+        </p:nvSpPr>
+        <p:spPr>
+          <a:xfrm>
+            <a:off x="838200" y="365126"/>
+            <a:ext cx="10515600" cy="856964"/>
+          </a:xfrm>
+        </p:spPr>
+        <p:txBody>
+          <a:bodyPr/>
+          <a:lstStyle/>
+          <a:p>
+            <a:r>
+              <a:rPr lang="en-GB" dirty="0">
+                <a:latin typeface="Arial Black" panose="020B0A04020102020204" pitchFamily="34" charset="0"/>
+              </a:rPr>
+              <a:t>Currency Pair Triangle</a:t>
+            </a:r>
+          </a:p>
+        </p:txBody>
+      </p:sp>
+      <p:sp>
+        <p:nvSpPr>
+          <p:cNvPr id="6" name="Content Placeholder 5">
+            <a:extLst>
+              <a:ext uri="{FF2B5EF4-FFF2-40B4-BE49-F238E27FC236}">
+                <a16:creationId xmlns:a16="http://schemas.microsoft.com/office/drawing/2014/main" id="{1B5D8A23-714A-B34B-B3AC-C79A79754463}"/>
+              </a:ext>
+            </a:extLst>
+          </p:cNvPr>
+          <p:cNvSpPr>
+            <a:spLocks noGrp="1"/>
+          </p:cNvSpPr>
+          <p:nvPr>
+            <p:ph idx="1"/>
+          </p:nvPr>
+        </p:nvSpPr>
+        <p:spPr>
+          <a:xfrm>
+            <a:off x="838200" y="1274093"/>
+            <a:ext cx="10515600" cy="4902870"/>
+          </a:xfrm>
+        </p:spPr>
+        <p:txBody>
+          <a:bodyPr/>
+          <a:lstStyle/>
+          <a:p>
+            <a:r>
+              <a:rPr lang="en-GB" dirty="0"/>
+              <a:t>Content</a:t>
+            </a:r>
+          </a:p>
+        </p:txBody>
+      </p:sp>
+    </p:spTree>
+    <p:extLst>
+      <p:ext uri="{BB962C8B-B14F-4D97-AF65-F5344CB8AC3E}">
+        <p14:creationId xmlns:p14="http://schemas.microsoft.com/office/powerpoint/2010/main" val="4245615394"/>
+      </p:ext>
+    </p:extLst>
+  </p:cSld>
+  <p:clrMapOvr>
+    <a:masterClrMapping/>
+  </p:clrMapOvr>
+</p:sld>
+</file>
+
+<file path=ppt/slides/slide15.xml><?xml version="1.0" encoding="utf-8"?>
+<p:sld xmlns:a="http://schemas.openxmlformats.org/drawingml/2006/main" xmlns:r="http://schemas.openxmlformats.org/officeDocument/2006/relationships" xmlns:p="http://schemas.openxmlformats.org/presentationml/2006/main">
+  <p:cSld>
+    <p:spTree>
+      <p:nvGrpSpPr>
+        <p:cNvPr id="1" name="">
+          <a:extLst>
+            <a:ext uri="{FF2B5EF4-FFF2-40B4-BE49-F238E27FC236}">
+              <a16:creationId xmlns:a16="http://schemas.microsoft.com/office/drawing/2014/main" id="{E10B3927-714F-DB53-DC41-FE1D535724BB}"/>
+            </a:ext>
+          </a:extLst>
+        </p:cNvPr>
+        <p:cNvGrpSpPr/>
+        <p:nvPr/>
+      </p:nvGrpSpPr>
+      <p:grpSpPr>
+        <a:xfrm>
+          <a:off x="0" y="0"/>
+          <a:ext cx="0" cy="0"/>
+          <a:chOff x="0" y="0"/>
+          <a:chExt cx="0" cy="0"/>
+        </a:xfrm>
+      </p:grpSpPr>
+      <p:sp>
+        <p:nvSpPr>
+          <p:cNvPr id="2" name="Title 1">
+            <a:extLst>
+              <a:ext uri="{FF2B5EF4-FFF2-40B4-BE49-F238E27FC236}">
+                <a16:creationId xmlns:a16="http://schemas.microsoft.com/office/drawing/2014/main" id="{7CC2872C-2C69-78D7-EE13-2A079820AEF3}"/>
+              </a:ext>
+            </a:extLst>
+          </p:cNvPr>
+          <p:cNvSpPr>
+            <a:spLocks noGrp="1"/>
+          </p:cNvSpPr>
+          <p:nvPr>
+            <p:ph type="title"/>
+          </p:nvPr>
+        </p:nvSpPr>
+        <p:spPr>
+          <a:xfrm>
+            <a:off x="838200" y="365126"/>
+            <a:ext cx="10515600" cy="856964"/>
+          </a:xfrm>
+        </p:spPr>
+        <p:txBody>
+          <a:bodyPr/>
+          <a:lstStyle/>
+          <a:p>
+            <a:r>
+              <a:rPr lang="en-GB" dirty="0">
+                <a:latin typeface="Arial Black" panose="020B0A04020102020204" pitchFamily="34" charset="0"/>
+              </a:rPr>
+              <a:t>NFP</a:t>
+            </a:r>
+          </a:p>
+        </p:txBody>
+      </p:sp>
+      <p:sp>
+        <p:nvSpPr>
+          <p:cNvPr id="6" name="Content Placeholder 5">
+            <a:extLst>
+              <a:ext uri="{FF2B5EF4-FFF2-40B4-BE49-F238E27FC236}">
+                <a16:creationId xmlns:a16="http://schemas.microsoft.com/office/drawing/2014/main" id="{986D23AA-E4A4-E92D-8FA5-0DA80DB099A1}"/>
+              </a:ext>
+            </a:extLst>
+          </p:cNvPr>
+          <p:cNvSpPr>
+            <a:spLocks noGrp="1"/>
+          </p:cNvSpPr>
+          <p:nvPr>
+            <p:ph idx="1"/>
+          </p:nvPr>
+        </p:nvSpPr>
+        <p:spPr>
+          <a:xfrm>
+            <a:off x="838200" y="1274093"/>
+            <a:ext cx="10515600" cy="4902870"/>
+          </a:xfrm>
+        </p:spPr>
+        <p:txBody>
+          <a:bodyPr/>
+          <a:lstStyle/>
+          <a:p>
+            <a:endParaRPr lang="en-GB" dirty="0"/>
+          </a:p>
+        </p:txBody>
+      </p:sp>
+    </p:spTree>
+    <p:extLst>
+      <p:ext uri="{BB962C8B-B14F-4D97-AF65-F5344CB8AC3E}">
+        <p14:creationId xmlns:p14="http://schemas.microsoft.com/office/powerpoint/2010/main" val="817776181"/>
+      </p:ext>
+    </p:extLst>
+  </p:cSld>
+  <p:clrMapOvr>
+    <a:masterClrMapping/>
+  </p:clrMapOvr>
+</p:sld>
+</file>
+
+<file path=ppt/slides/slide16.xml><?xml version="1.0" encoding="utf-8"?>
+<p:sld xmlns:a="http://schemas.openxmlformats.org/drawingml/2006/main" xmlns:r="http://schemas.openxmlformats.org/officeDocument/2006/relationships" xmlns:p="http://schemas.openxmlformats.org/presentationml/2006/main">
+  <p:cSld>
+    <p:spTree>
+      <p:nvGrpSpPr>
+        <p:cNvPr id="1" name="">
+          <a:extLst>
+            <a:ext uri="{FF2B5EF4-FFF2-40B4-BE49-F238E27FC236}">
+              <a16:creationId xmlns:a16="http://schemas.microsoft.com/office/drawing/2014/main" id="{A99D0413-1E13-A663-7381-35CBBEA84CD0}"/>
+            </a:ext>
+          </a:extLst>
+        </p:cNvPr>
+        <p:cNvGrpSpPr/>
+        <p:nvPr/>
+      </p:nvGrpSpPr>
+      <p:grpSpPr>
+        <a:xfrm>
+          <a:off x="0" y="0"/>
+          <a:ext cx="0" cy="0"/>
+          <a:chOff x="0" y="0"/>
+          <a:chExt cx="0" cy="0"/>
+        </a:xfrm>
+      </p:grpSpPr>
+      <p:sp>
+        <p:nvSpPr>
+          <p:cNvPr id="2" name="Title 1">
+            <a:extLst>
+              <a:ext uri="{FF2B5EF4-FFF2-40B4-BE49-F238E27FC236}">
+                <a16:creationId xmlns:a16="http://schemas.microsoft.com/office/drawing/2014/main" id="{1590DE18-EE97-F335-D4AF-33DBB37EE81D}"/>
+              </a:ext>
+            </a:extLst>
+          </p:cNvPr>
+          <p:cNvSpPr>
+            <a:spLocks noGrp="1"/>
+          </p:cNvSpPr>
+          <p:nvPr>
+            <p:ph type="title"/>
+          </p:nvPr>
+        </p:nvSpPr>
+        <p:spPr>
+          <a:xfrm>
+            <a:off x="838200" y="365126"/>
+            <a:ext cx="10515600" cy="856964"/>
+          </a:xfrm>
+        </p:spPr>
+        <p:txBody>
+          <a:bodyPr/>
+          <a:lstStyle/>
+          <a:p>
+            <a:r>
+              <a:rPr lang="en-GB" dirty="0">
+                <a:latin typeface="Arial Black" panose="020B0A04020102020204" pitchFamily="34" charset="0"/>
+              </a:rPr>
+              <a:t>CNHCNY</a:t>
+            </a:r>
+          </a:p>
+        </p:txBody>
+      </p:sp>
+      <p:sp>
+        <p:nvSpPr>
+          <p:cNvPr id="6" name="Content Placeholder 5">
+            <a:extLst>
+              <a:ext uri="{FF2B5EF4-FFF2-40B4-BE49-F238E27FC236}">
+                <a16:creationId xmlns:a16="http://schemas.microsoft.com/office/drawing/2014/main" id="{15CB8562-EF84-89A0-9D48-E4CC169609F9}"/>
+              </a:ext>
+            </a:extLst>
+          </p:cNvPr>
+          <p:cNvSpPr>
+            <a:spLocks noGrp="1"/>
+          </p:cNvSpPr>
+          <p:nvPr>
+            <p:ph idx="1"/>
+          </p:nvPr>
+        </p:nvSpPr>
+        <p:spPr>
+          <a:xfrm>
+            <a:off x="838200" y="1274093"/>
+            <a:ext cx="10515600" cy="4902870"/>
+          </a:xfrm>
+        </p:spPr>
+        <p:txBody>
+          <a:bodyPr/>
+          <a:lstStyle/>
+          <a:p>
+            <a:endParaRPr lang="en-GB" dirty="0"/>
+          </a:p>
+        </p:txBody>
+      </p:sp>
+    </p:spTree>
+    <p:extLst>
+      <p:ext uri="{BB962C8B-B14F-4D97-AF65-F5344CB8AC3E}">
+        <p14:creationId xmlns:p14="http://schemas.microsoft.com/office/powerpoint/2010/main" val="2403069702"/>
+      </p:ext>
+    </p:extLst>
+  </p:cSld>
+  <p:clrMapOvr>
+    <a:masterClrMapping/>
+  </p:clrMapOvr>
+</p:sld>
+</file>
+
+<file path=ppt/slides/slide17.xml><?xml version="1.0" encoding="utf-8"?>
+<p:sld xmlns:a="http://schemas.openxmlformats.org/drawingml/2006/main" xmlns:r="http://schemas.openxmlformats.org/officeDocument/2006/relationships" xmlns:p="http://schemas.openxmlformats.org/presentationml/2006/main">
+  <p:cSld>
+    <p:spTree>
+      <p:nvGrpSpPr>
+        <p:cNvPr id="1" name="">
+          <a:extLst>
+            <a:ext uri="{FF2B5EF4-FFF2-40B4-BE49-F238E27FC236}">
+              <a16:creationId xmlns:a16="http://schemas.microsoft.com/office/drawing/2014/main" id="{453539FF-7B62-566A-798C-AFF39A17ECE9}"/>
+            </a:ext>
+          </a:extLst>
+        </p:cNvPr>
+        <p:cNvGrpSpPr/>
+        <p:nvPr/>
+      </p:nvGrpSpPr>
+      <p:grpSpPr>
+        <a:xfrm>
+          <a:off x="0" y="0"/>
+          <a:ext cx="0" cy="0"/>
+          <a:chOff x="0" y="0"/>
+          <a:chExt cx="0" cy="0"/>
+        </a:xfrm>
+      </p:grpSpPr>
+      <p:sp>
+        <p:nvSpPr>
+          <p:cNvPr id="2" name="Title 1">
+            <a:extLst>
+              <a:ext uri="{FF2B5EF4-FFF2-40B4-BE49-F238E27FC236}">
+                <a16:creationId xmlns:a16="http://schemas.microsoft.com/office/drawing/2014/main" id="{2E53890B-FC7B-CF3C-557B-54B1D535C606}"/>
+              </a:ext>
+            </a:extLst>
+          </p:cNvPr>
+          <p:cNvSpPr>
+            <a:spLocks noGrp="1"/>
+          </p:cNvSpPr>
+          <p:nvPr>
+            <p:ph type="title"/>
+          </p:nvPr>
+        </p:nvSpPr>
+        <p:spPr>
+          <a:xfrm>
+            <a:off x="838200" y="365126"/>
+            <a:ext cx="10515600" cy="856964"/>
+          </a:xfrm>
+        </p:spPr>
+        <p:txBody>
+          <a:bodyPr/>
+          <a:lstStyle/>
+          <a:p>
+            <a:r>
+              <a:rPr lang="en-GB" dirty="0">
+                <a:latin typeface="Arial Black" panose="020B0A04020102020204" pitchFamily="34" charset="0"/>
+              </a:rPr>
+              <a:t>USDHKD</a:t>
+            </a:r>
+          </a:p>
+        </p:txBody>
+      </p:sp>
+      <p:sp>
+        <p:nvSpPr>
+          <p:cNvPr id="6" name="Content Placeholder 5">
+            <a:extLst>
+              <a:ext uri="{FF2B5EF4-FFF2-40B4-BE49-F238E27FC236}">
+                <a16:creationId xmlns:a16="http://schemas.microsoft.com/office/drawing/2014/main" id="{0AB53E6D-A144-FA69-4DC6-242219AE8EC9}"/>
+              </a:ext>
+            </a:extLst>
+          </p:cNvPr>
+          <p:cNvSpPr>
+            <a:spLocks noGrp="1"/>
+          </p:cNvSpPr>
+          <p:nvPr>
+            <p:ph idx="1"/>
+          </p:nvPr>
+        </p:nvSpPr>
+        <p:spPr>
+          <a:xfrm>
+            <a:off x="838200" y="1274093"/>
+            <a:ext cx="10515600" cy="4902870"/>
+          </a:xfrm>
+        </p:spPr>
+        <p:txBody>
+          <a:bodyPr/>
+          <a:lstStyle/>
+          <a:p>
+            <a:endParaRPr lang="en-GB" dirty="0"/>
+          </a:p>
+        </p:txBody>
+      </p:sp>
+    </p:spTree>
+    <p:extLst>
+      <p:ext uri="{BB962C8B-B14F-4D97-AF65-F5344CB8AC3E}">
+        <p14:creationId xmlns:p14="http://schemas.microsoft.com/office/powerpoint/2010/main" val="1885892052"/>
+      </p:ext>
+    </p:extLst>
+  </p:cSld>
+  <p:clrMapOvr>
+    <a:masterClrMapping/>
+  </p:clrMapOvr>
+</p:sld>
+</file>
+
+<file path=ppt/slides/slide18.xml><?xml version="1.0" encoding="utf-8"?>
+<p:sld xmlns:a="http://schemas.openxmlformats.org/drawingml/2006/main" xmlns:r="http://schemas.openxmlformats.org/officeDocument/2006/relationships" xmlns:p="http://schemas.openxmlformats.org/presentationml/2006/main">
+  <p:cSld>
+    <p:spTree>
+      <p:nvGrpSpPr>
+        <p:cNvPr id="1" name="">
+          <a:extLst>
+            <a:ext uri="{FF2B5EF4-FFF2-40B4-BE49-F238E27FC236}">
+              <a16:creationId xmlns:a16="http://schemas.microsoft.com/office/drawing/2014/main" id="{281C7E9F-356F-43F5-C9A6-CAC25AA1261F}"/>
+            </a:ext>
+          </a:extLst>
+        </p:cNvPr>
+        <p:cNvGrpSpPr/>
+        <p:nvPr/>
+      </p:nvGrpSpPr>
+      <p:grpSpPr>
+        <a:xfrm>
+          <a:off x="0" y="0"/>
+          <a:ext cx="0" cy="0"/>
+          <a:chOff x="0" y="0"/>
+          <a:chExt cx="0" cy="0"/>
+        </a:xfrm>
+      </p:grpSpPr>
+      <p:sp>
+        <p:nvSpPr>
+          <p:cNvPr id="2" name="Title 1">
+            <a:extLst>
+              <a:ext uri="{FF2B5EF4-FFF2-40B4-BE49-F238E27FC236}">
+                <a16:creationId xmlns:a16="http://schemas.microsoft.com/office/drawing/2014/main" id="{47858F82-8DBF-16CD-56D9-E15EF4ABC474}"/>
+              </a:ext>
+            </a:extLst>
+          </p:cNvPr>
+          <p:cNvSpPr>
+            <a:spLocks noGrp="1"/>
+          </p:cNvSpPr>
+          <p:nvPr>
+            <p:ph type="title"/>
+          </p:nvPr>
+        </p:nvSpPr>
+        <p:spPr>
+          <a:xfrm>
+            <a:off x="838200" y="365126"/>
+            <a:ext cx="10515600" cy="856964"/>
+          </a:xfrm>
+        </p:spPr>
+        <p:txBody>
+          <a:bodyPr/>
+          <a:lstStyle/>
+          <a:p>
+            <a:r>
+              <a:rPr lang="en-GB" dirty="0" err="1">
+                <a:latin typeface="Arial Black" panose="020B0A04020102020204" pitchFamily="34" charset="0"/>
+              </a:rPr>
+              <a:t>Currenex</a:t>
+            </a:r>
+            <a:r>
+              <a:rPr lang="en-GB" dirty="0">
+                <a:latin typeface="Arial Black" panose="020B0A04020102020204" pitchFamily="34" charset="0"/>
+              </a:rPr>
+              <a:t> Stuck Orders</a:t>
+            </a:r>
+          </a:p>
+        </p:txBody>
+      </p:sp>
+      <p:sp>
+        <p:nvSpPr>
+          <p:cNvPr id="6" name="Content Placeholder 5">
+            <a:extLst>
+              <a:ext uri="{FF2B5EF4-FFF2-40B4-BE49-F238E27FC236}">
+                <a16:creationId xmlns:a16="http://schemas.microsoft.com/office/drawing/2014/main" id="{51FBE772-927C-FA00-C0DA-3DE56DBA6B98}"/>
+              </a:ext>
+            </a:extLst>
+          </p:cNvPr>
+          <p:cNvSpPr>
+            <a:spLocks noGrp="1"/>
+          </p:cNvSpPr>
+          <p:nvPr>
+            <p:ph idx="1"/>
+          </p:nvPr>
+        </p:nvSpPr>
+        <p:spPr>
+          <a:xfrm>
+            <a:off x="838200" y="1274093"/>
+            <a:ext cx="10515600" cy="4902870"/>
+          </a:xfrm>
+        </p:spPr>
+        <p:txBody>
+          <a:bodyPr/>
+          <a:lstStyle/>
+          <a:p>
+            <a:endParaRPr lang="en-GB" dirty="0"/>
+          </a:p>
+        </p:txBody>
+      </p:sp>
+    </p:spTree>
+    <p:extLst>
+      <p:ext uri="{BB962C8B-B14F-4D97-AF65-F5344CB8AC3E}">
+        <p14:creationId xmlns:p14="http://schemas.microsoft.com/office/powerpoint/2010/main" val="3424814720"/>
+      </p:ext>
+    </p:extLst>
+  </p:cSld>
+  <p:clrMapOvr>
+    <a:masterClrMapping/>
+  </p:clrMapOvr>
+</p:sld>
+</file>
+
+<file path=ppt/slides/slide19.xml><?xml version="1.0" encoding="utf-8"?>
+<p:sld xmlns:a="http://schemas.openxmlformats.org/drawingml/2006/main" xmlns:r="http://schemas.openxmlformats.org/officeDocument/2006/relationships" xmlns:p="http://schemas.openxmlformats.org/presentationml/2006/main">
+  <p:cSld>
+    <p:spTree>
+      <p:nvGrpSpPr>
+        <p:cNvPr id="1" name="">
+          <a:extLst>
+            <a:ext uri="{FF2B5EF4-FFF2-40B4-BE49-F238E27FC236}">
+              <a16:creationId xmlns:a16="http://schemas.microsoft.com/office/drawing/2014/main" id="{DA89C620-A2D3-95CF-63F2-5CEF1D8EF60C}"/>
+            </a:ext>
+          </a:extLst>
+        </p:cNvPr>
+        <p:cNvGrpSpPr/>
+        <p:nvPr/>
+      </p:nvGrpSpPr>
+      <p:grpSpPr>
+        <a:xfrm>
+          <a:off x="0" y="0"/>
+          <a:ext cx="0" cy="0"/>
+          <a:chOff x="0" y="0"/>
+          <a:chExt cx="0" cy="0"/>
+        </a:xfrm>
+      </p:grpSpPr>
+      <p:sp>
+        <p:nvSpPr>
+          <p:cNvPr id="2" name="Title 1">
+            <a:extLst>
+              <a:ext uri="{FF2B5EF4-FFF2-40B4-BE49-F238E27FC236}">
+                <a16:creationId xmlns:a16="http://schemas.microsoft.com/office/drawing/2014/main" id="{9072AD72-6F30-CBA0-D04F-DD82C9F83E45}"/>
+              </a:ext>
+            </a:extLst>
+          </p:cNvPr>
+          <p:cNvSpPr>
+            <a:spLocks noGrp="1"/>
+          </p:cNvSpPr>
+          <p:nvPr>
+            <p:ph type="title"/>
+          </p:nvPr>
+        </p:nvSpPr>
+        <p:spPr>
+          <a:xfrm>
+            <a:off x="838200" y="365126"/>
+            <a:ext cx="10515600" cy="856964"/>
+          </a:xfrm>
+        </p:spPr>
+        <p:txBody>
+          <a:bodyPr/>
+          <a:lstStyle/>
+          <a:p>
+            <a:r>
+              <a:rPr lang="en-GB" dirty="0">
+                <a:latin typeface="Arial Black" panose="020B0A04020102020204" pitchFamily="34" charset="0"/>
+              </a:rPr>
+              <a:t>Other bits and bobs…</a:t>
+            </a:r>
+          </a:p>
+        </p:txBody>
+      </p:sp>
+      <p:sp>
+        <p:nvSpPr>
+          <p:cNvPr id="6" name="Content Placeholder 5">
+            <a:extLst>
+              <a:ext uri="{FF2B5EF4-FFF2-40B4-BE49-F238E27FC236}">
+                <a16:creationId xmlns:a16="http://schemas.microsoft.com/office/drawing/2014/main" id="{8804DB29-E5C3-6269-6612-D2CB906DA6DA}"/>
+              </a:ext>
+            </a:extLst>
+          </p:cNvPr>
+          <p:cNvSpPr>
+            <a:spLocks noGrp="1"/>
+          </p:cNvSpPr>
+          <p:nvPr>
+            <p:ph idx="1"/>
+          </p:nvPr>
+        </p:nvSpPr>
+        <p:spPr>
+          <a:xfrm>
+            <a:off x="838200" y="1274093"/>
+            <a:ext cx="10515600" cy="4902870"/>
+          </a:xfrm>
+        </p:spPr>
+        <p:txBody>
+          <a:bodyPr>
+            <a:normAutofit/>
+          </a:bodyPr>
+          <a:lstStyle/>
+          <a:p>
+            <a:r>
+              <a:rPr lang="en-GB" dirty="0"/>
+              <a:t>WYSINWYG</a:t>
+            </a:r>
+          </a:p>
+          <a:p>
+            <a:r>
+              <a:rPr lang="en-GB" dirty="0"/>
+              <a:t>Last Look</a:t>
+            </a:r>
+          </a:p>
+          <a:p>
+            <a:r>
+              <a:rPr lang="en-GB" dirty="0"/>
+              <a:t>Claw back</a:t>
+            </a:r>
+          </a:p>
+          <a:p>
+            <a:r>
+              <a:rPr lang="en-GB" dirty="0"/>
+              <a:t>Trade Amendments (price adjustment)</a:t>
+            </a:r>
+          </a:p>
+          <a:p>
+            <a:r>
+              <a:rPr lang="en-GB" dirty="0"/>
+              <a:t>EFP</a:t>
+            </a:r>
+          </a:p>
+        </p:txBody>
+      </p:sp>
+    </p:spTree>
+    <p:extLst>
+      <p:ext uri="{BB962C8B-B14F-4D97-AF65-F5344CB8AC3E}">
+        <p14:creationId xmlns:p14="http://schemas.microsoft.com/office/powerpoint/2010/main" val="2180615697"/>
+      </p:ext>
+    </p:extLst>
+  </p:cSld>
+  <p:clrMapOvr>
+    <a:masterClrMapping/>
+  </p:clrMapOvr>
+</p:sld>
+</file>
+
+<file path=ppt/slides/slide2.xml><?xml version="1.0" encoding="utf-8"?>
+<p:sld xmlns:a="http://schemas.openxmlformats.org/drawingml/2006/main" xmlns:r="http://schemas.openxmlformats.org/officeDocument/2006/relationships" xmlns:p="http://schemas.openxmlformats.org/presentationml/2006/main">
+  <p:cSld>
+    <p:spTree>
+      <p:nvGrpSpPr>
+        <p:cNvPr id="1" name=""/>
+        <p:cNvGrpSpPr/>
+        <p:nvPr/>
+      </p:nvGrpSpPr>
+      <p:grpSpPr>
+        <a:xfrm>
+          <a:off x="0" y="0"/>
+          <a:ext cx="0" cy="0"/>
+          <a:chOff x="0" y="0"/>
+          <a:chExt cx="0" cy="0"/>
+        </a:xfrm>
+      </p:grpSpPr>
+      <p:sp>
+        <p:nvSpPr>
+          <p:cNvPr id="2" name="Title 1">
+            <a:extLst>
+              <a:ext uri="{FF2B5EF4-FFF2-40B4-BE49-F238E27FC236}">
+                <a16:creationId xmlns:a16="http://schemas.microsoft.com/office/drawing/2014/main" id="{E0BA951C-8A75-4A9B-B7B7-A8987F124457}"/>
+              </a:ext>
+            </a:extLst>
+          </p:cNvPr>
+          <p:cNvSpPr>
+            <a:spLocks noGrp="1"/>
+          </p:cNvSpPr>
+          <p:nvPr>
+            <p:ph type="title"/>
+          </p:nvPr>
+        </p:nvSpPr>
+        <p:spPr>
+          <a:xfrm>
+            <a:off x="838200" y="365126"/>
+            <a:ext cx="10515600" cy="856964"/>
+          </a:xfrm>
+        </p:spPr>
+        <p:txBody>
+          <a:bodyPr/>
+          <a:lstStyle/>
+          <a:p>
+            <a:r>
+              <a:rPr lang="en-GB" dirty="0">
+                <a:latin typeface="Arial Black" panose="020B0A04020102020204" pitchFamily="34" charset="0"/>
+              </a:rPr>
+              <a:t>Where Can You Buy?</a:t>
+            </a:r>
+          </a:p>
+        </p:txBody>
+      </p:sp>
+      <p:sp>
+        <p:nvSpPr>
+          <p:cNvPr id="10" name="Content Placeholder 8" descr="Back">
+            <a:extLst>
+              <a:ext uri="{FF2B5EF4-FFF2-40B4-BE49-F238E27FC236}">
+                <a16:creationId xmlns:a16="http://schemas.microsoft.com/office/drawing/2014/main" id="{14FDD615-3D6F-1494-3BD6-309B07CAC0D5}"/>
+              </a:ext>
+            </a:extLst>
+          </p:cNvPr>
+          <p:cNvSpPr/>
+          <p:nvPr/>
+        </p:nvSpPr>
+        <p:spPr>
+          <a:xfrm rot="8438857">
+            <a:off x="2167369" y="119501"/>
+            <a:ext cx="9214820" cy="8049507"/>
+          </a:xfrm>
+          <a:custGeom>
+            <a:avLst/>
+            <a:gdLst>
+              <a:gd name="connsiteX0" fmla="*/ 0 w 3510904"/>
+              <a:gd name="connsiteY0" fmla="*/ 1053271 h 2589291"/>
+              <a:gd name="connsiteX1" fmla="*/ 1255148 w 3510904"/>
+              <a:gd name="connsiteY1" fmla="*/ 0 h 2589291"/>
+              <a:gd name="connsiteX2" fmla="*/ 1255148 w 3510904"/>
+              <a:gd name="connsiteY2" fmla="*/ 614408 h 2589291"/>
+              <a:gd name="connsiteX3" fmla="*/ 3510904 w 3510904"/>
+              <a:gd name="connsiteY3" fmla="*/ 2589292 h 2589291"/>
+              <a:gd name="connsiteX4" fmla="*/ 1255148 w 3510904"/>
+              <a:gd name="connsiteY4" fmla="*/ 1536021 h 2589291"/>
+              <a:gd name="connsiteX5" fmla="*/ 1255148 w 3510904"/>
+              <a:gd name="connsiteY5" fmla="*/ 2106543 h 2589291"/>
+              <a:gd name="connsiteX6" fmla="*/ 0 w 3510904"/>
+              <a:gd name="connsiteY6" fmla="*/ 1053271 h 2589291"/>
+            </a:gdLst>
+            <a:ahLst/>
+            <a:cxnLst>
+              <a:cxn ang="0">
+                <a:pos x="connsiteX0" y="connsiteY0"/>
+              </a:cxn>
+              <a:cxn ang="0">
+                <a:pos x="connsiteX1" y="connsiteY1"/>
+              </a:cxn>
+              <a:cxn ang="0">
+                <a:pos x="connsiteX2" y="connsiteY2"/>
+              </a:cxn>
+              <a:cxn ang="0">
+                <a:pos x="connsiteX3" y="connsiteY3"/>
+              </a:cxn>
+              <a:cxn ang="0">
+                <a:pos x="connsiteX4" y="connsiteY4"/>
+              </a:cxn>
+              <a:cxn ang="0">
+                <a:pos x="connsiteX5" y="connsiteY5"/>
+              </a:cxn>
+              <a:cxn ang="0">
+                <a:pos x="connsiteX6" y="connsiteY6"/>
+              </a:cxn>
+            </a:cxnLst>
+            <a:rect l="l" t="t" r="r" b="b"/>
+            <a:pathLst>
+              <a:path w="3510904" h="2589291">
+                <a:moveTo>
+                  <a:pt x="0" y="1053271"/>
+                </a:moveTo>
+                <a:lnTo>
+                  <a:pt x="1255148" y="0"/>
+                </a:lnTo>
+                <a:lnTo>
+                  <a:pt x="1255148" y="614408"/>
+                </a:lnTo>
+                <a:cubicBezTo>
+                  <a:pt x="3181757" y="631963"/>
+                  <a:pt x="3510904" y="2589292"/>
+                  <a:pt x="3510904" y="2589292"/>
+                </a:cubicBezTo>
+                <a:cubicBezTo>
+                  <a:pt x="3510904" y="2589292"/>
+                  <a:pt x="2795557" y="1549186"/>
+                  <a:pt x="1255148" y="1536021"/>
+                </a:cubicBezTo>
+                <a:lnTo>
+                  <a:pt x="1255148" y="2106543"/>
+                </a:lnTo>
+                <a:lnTo>
+                  <a:pt x="0" y="1053271"/>
+                </a:lnTo>
+                <a:close/>
+              </a:path>
+            </a:pathLst>
+          </a:custGeom>
+          <a:solidFill>
+            <a:schemeClr val="accent6">
+              <a:lumMod val="60000"/>
+              <a:lumOff val="40000"/>
+            </a:schemeClr>
+          </a:solidFill>
+          <a:ln w="43855" cap="flat">
+            <a:noFill/>
+            <a:prstDash val="solid"/>
+            <a:miter/>
+          </a:ln>
+        </p:spPr>
+        <p:txBody>
+          <a:bodyPr rtlCol="0" anchor="ctr"/>
+          <a:lstStyle/>
+          <a:p>
+            <a:endParaRPr lang="en-GB"/>
+          </a:p>
+        </p:txBody>
+      </p:sp>
+      <p:pic>
+        <p:nvPicPr>
+          <p:cNvPr id="12" name="Picture 11">
+            <a:extLst>
+              <a:ext uri="{FF2B5EF4-FFF2-40B4-BE49-F238E27FC236}">
+                <a16:creationId xmlns:a16="http://schemas.microsoft.com/office/drawing/2014/main" id="{622C03C5-312E-5A9A-9796-0CE9457A2AF2}"/>
+              </a:ext>
+            </a:extLst>
+          </p:cNvPr>
+          <p:cNvPicPr>
+            <a:picLocks noChangeAspect="1"/>
+          </p:cNvPicPr>
+          <p:nvPr/>
+        </p:nvPicPr>
+        <p:blipFill>
+          <a:blip r:embed="rId2">
+            <a:extLst>
+              <a:ext uri="{28A0092B-C50C-407E-A947-70E740481C1C}">
+                <a14:useLocalDpi xmlns:a14="http://schemas.microsoft.com/office/drawing/2010/main" val="0"/>
+              </a:ext>
+            </a:extLst>
+          </a:blip>
+          <a:stretch>
+            <a:fillRect/>
+          </a:stretch>
+        </p:blipFill>
+        <p:spPr>
+          <a:xfrm>
+            <a:off x="1909463" y="5391794"/>
+            <a:ext cx="1315082" cy="1315082"/>
+          </a:xfrm>
+          <a:prstGeom prst="rect">
+            <a:avLst/>
+          </a:prstGeom>
+        </p:spPr>
+      </p:pic>
+      <p:pic>
+        <p:nvPicPr>
+          <p:cNvPr id="16" name="Picture 15">
+            <a:extLst>
+              <a:ext uri="{FF2B5EF4-FFF2-40B4-BE49-F238E27FC236}">
+                <a16:creationId xmlns:a16="http://schemas.microsoft.com/office/drawing/2014/main" id="{185B6067-063C-F2B6-5D79-4ED0E3E0D6A0}"/>
+              </a:ext>
+            </a:extLst>
+          </p:cNvPr>
+          <p:cNvPicPr>
+            <a:picLocks noChangeAspect="1"/>
+          </p:cNvPicPr>
+          <p:nvPr/>
+        </p:nvPicPr>
+        <p:blipFill>
+          <a:blip r:embed="rId3">
+            <a:extLst>
+              <a:ext uri="{28A0092B-C50C-407E-A947-70E740481C1C}">
+                <a14:useLocalDpi xmlns:a14="http://schemas.microsoft.com/office/drawing/2010/main" val="0"/>
+              </a:ext>
+            </a:extLst>
+          </a:blip>
+          <a:stretch>
+            <a:fillRect/>
+          </a:stretch>
+        </p:blipFill>
+        <p:spPr>
+          <a:xfrm rot="2333600">
+            <a:off x="3193701" y="2970363"/>
+            <a:ext cx="3259649" cy="725781"/>
+          </a:xfrm>
+          <a:prstGeom prst="rect">
+            <a:avLst/>
+          </a:prstGeom>
+        </p:spPr>
+      </p:pic>
+      <p:pic>
+        <p:nvPicPr>
+          <p:cNvPr id="18" name="Picture 17">
+            <a:extLst>
+              <a:ext uri="{FF2B5EF4-FFF2-40B4-BE49-F238E27FC236}">
+                <a16:creationId xmlns:a16="http://schemas.microsoft.com/office/drawing/2014/main" id="{3B734C29-5A15-57B7-A433-F9E2F5FB7CCE}"/>
+              </a:ext>
+            </a:extLst>
+          </p:cNvPr>
+          <p:cNvPicPr>
+            <a:picLocks noChangeAspect="1"/>
+          </p:cNvPicPr>
+          <p:nvPr/>
+        </p:nvPicPr>
+        <p:blipFill>
+          <a:blip r:embed="rId4">
+            <a:extLst>
+              <a:ext uri="{28A0092B-C50C-407E-A947-70E740481C1C}">
+                <a14:useLocalDpi xmlns:a14="http://schemas.microsoft.com/office/drawing/2010/main" val="0"/>
+              </a:ext>
+            </a:extLst>
+          </a:blip>
+          <a:stretch>
+            <a:fillRect/>
+          </a:stretch>
+        </p:blipFill>
+        <p:spPr>
+          <a:xfrm>
+            <a:off x="1673847" y="3121710"/>
+            <a:ext cx="3259649" cy="1833553"/>
+          </a:xfrm>
+          <a:prstGeom prst="rect">
+            <a:avLst/>
+          </a:prstGeom>
+        </p:spPr>
+      </p:pic>
+      <p:pic>
+        <p:nvPicPr>
+          <p:cNvPr id="20" name="Picture 19">
+            <a:extLst>
+              <a:ext uri="{FF2B5EF4-FFF2-40B4-BE49-F238E27FC236}">
+                <a16:creationId xmlns:a16="http://schemas.microsoft.com/office/drawing/2014/main" id="{B68EE2F7-D6DA-A8F3-3EE6-918BF08F44E0}"/>
+              </a:ext>
+            </a:extLst>
+          </p:cNvPr>
+          <p:cNvPicPr>
+            <a:picLocks noChangeAspect="1"/>
+          </p:cNvPicPr>
+          <p:nvPr/>
+        </p:nvPicPr>
+        <p:blipFill>
+          <a:blip r:embed="rId5">
+            <a:extLst>
+              <a:ext uri="{28A0092B-C50C-407E-A947-70E740481C1C}">
+                <a14:useLocalDpi xmlns:a14="http://schemas.microsoft.com/office/drawing/2010/main" val="0"/>
+              </a:ext>
+            </a:extLst>
+          </a:blip>
+          <a:stretch>
+            <a:fillRect/>
+          </a:stretch>
+        </p:blipFill>
+        <p:spPr>
+          <a:xfrm>
+            <a:off x="2096973" y="5248982"/>
+            <a:ext cx="4602790" cy="1413713"/>
+          </a:xfrm>
+          <a:prstGeom prst="rect">
+            <a:avLst/>
+          </a:prstGeom>
+        </p:spPr>
+      </p:pic>
+      <p:pic>
+        <p:nvPicPr>
+          <p:cNvPr id="22" name="Picture 21">
+            <a:extLst>
+              <a:ext uri="{FF2B5EF4-FFF2-40B4-BE49-F238E27FC236}">
+                <a16:creationId xmlns:a16="http://schemas.microsoft.com/office/drawing/2014/main" id="{7BCB8628-4144-D299-F394-3D077EC5954E}"/>
+              </a:ext>
+            </a:extLst>
+          </p:cNvPr>
+          <p:cNvPicPr>
+            <a:picLocks noChangeAspect="1"/>
+          </p:cNvPicPr>
+          <p:nvPr/>
+        </p:nvPicPr>
+        <p:blipFill>
+          <a:blip r:embed="rId6">
+            <a:extLst>
+              <a:ext uri="{28A0092B-C50C-407E-A947-70E740481C1C}">
+                <a14:useLocalDpi xmlns:a14="http://schemas.microsoft.com/office/drawing/2010/main" val="0"/>
+              </a:ext>
+            </a:extLst>
+          </a:blip>
+          <a:stretch>
+            <a:fillRect/>
+          </a:stretch>
+        </p:blipFill>
+        <p:spPr>
+          <a:xfrm rot="19854073">
+            <a:off x="-83530" y="3793974"/>
+            <a:ext cx="2582468" cy="1833552"/>
+          </a:xfrm>
+          <a:prstGeom prst="rect">
+            <a:avLst/>
+          </a:prstGeom>
+        </p:spPr>
+      </p:pic>
+      <p:pic>
+        <p:nvPicPr>
+          <p:cNvPr id="19" name="Picture 18">
+            <a:extLst>
+              <a:ext uri="{FF2B5EF4-FFF2-40B4-BE49-F238E27FC236}">
+                <a16:creationId xmlns:a16="http://schemas.microsoft.com/office/drawing/2014/main" id="{E7956A45-0A44-F9EA-0D84-62ADD76130BD}"/>
+              </a:ext>
+            </a:extLst>
+          </p:cNvPr>
+          <p:cNvPicPr>
+            <a:picLocks noChangeAspect="1"/>
+          </p:cNvPicPr>
+          <p:nvPr/>
+        </p:nvPicPr>
+        <p:blipFill>
+          <a:blip r:embed="rId7">
+            <a:extLst>
+              <a:ext uri="{28A0092B-C50C-407E-A947-70E740481C1C}">
+                <a14:useLocalDpi xmlns:a14="http://schemas.microsoft.com/office/drawing/2010/main" val="0"/>
+              </a:ext>
+            </a:extLst>
+          </a:blip>
+          <a:stretch>
+            <a:fillRect/>
+          </a:stretch>
+        </p:blipFill>
+        <p:spPr>
+          <a:xfrm rot="1043137">
+            <a:off x="6353810" y="1547381"/>
+            <a:ext cx="5233358" cy="1502410"/>
+          </a:xfrm>
+          <a:prstGeom prst="rect">
+            <a:avLst/>
+          </a:prstGeom>
+        </p:spPr>
+      </p:pic>
+      <p:grpSp>
+        <p:nvGrpSpPr>
+          <p:cNvPr id="27" name="Group 26">
+            <a:extLst>
+              <a:ext uri="{FF2B5EF4-FFF2-40B4-BE49-F238E27FC236}">
+                <a16:creationId xmlns:a16="http://schemas.microsoft.com/office/drawing/2014/main" id="{C2737731-0EAA-F512-DA68-FF39D23153CB}"/>
+              </a:ext>
+            </a:extLst>
+          </p:cNvPr>
+          <p:cNvGrpSpPr/>
+          <p:nvPr/>
+        </p:nvGrpSpPr>
+        <p:grpSpPr>
+          <a:xfrm>
+            <a:off x="7271167" y="2751872"/>
+            <a:ext cx="4341254" cy="3741002"/>
+            <a:chOff x="7271167" y="2751872"/>
+            <a:chExt cx="4341254" cy="3741002"/>
+          </a:xfrm>
+        </p:grpSpPr>
+        <p:pic>
+          <p:nvPicPr>
+            <p:cNvPr id="4" name="Picture 3">
+              <a:extLst>
+                <a:ext uri="{FF2B5EF4-FFF2-40B4-BE49-F238E27FC236}">
+                  <a16:creationId xmlns:a16="http://schemas.microsoft.com/office/drawing/2014/main" id="{52FB9F27-E5E5-781D-FEF9-1A36374AFDF3}"/>
+                </a:ext>
+              </a:extLst>
+            </p:cNvPr>
+            <p:cNvPicPr>
+              <a:picLocks noChangeAspect="1"/>
+            </p:cNvPicPr>
+            <p:nvPr/>
+          </p:nvPicPr>
+          <p:blipFill>
+            <a:blip r:embed="rId8">
+              <a:extLst>
+                <a:ext uri="{28A0092B-C50C-407E-A947-70E740481C1C}">
+                  <a14:useLocalDpi xmlns:a14="http://schemas.microsoft.com/office/drawing/2010/main" val="0"/>
+                </a:ext>
+              </a:extLst>
+            </a:blip>
+            <a:stretch>
+              <a:fillRect/>
+            </a:stretch>
+          </p:blipFill>
+          <p:spPr>
+            <a:xfrm rot="988469">
+              <a:off x="9026759" y="3226347"/>
+              <a:ext cx="2585662" cy="2585662"/>
+            </a:xfrm>
+            <a:prstGeom prst="rect">
+              <a:avLst/>
+            </a:prstGeom>
+          </p:spPr>
+        </p:pic>
+        <p:pic>
+          <p:nvPicPr>
+            <p:cNvPr id="6" name="Picture 5">
+              <a:extLst>
+                <a:ext uri="{FF2B5EF4-FFF2-40B4-BE49-F238E27FC236}">
+                  <a16:creationId xmlns:a16="http://schemas.microsoft.com/office/drawing/2014/main" id="{E868C098-9DDA-69CC-DE68-9D18437AF530}"/>
+                </a:ext>
+              </a:extLst>
+            </p:cNvPr>
+            <p:cNvPicPr>
+              <a:picLocks noChangeAspect="1"/>
+            </p:cNvPicPr>
+            <p:nvPr/>
+          </p:nvPicPr>
+          <p:blipFill>
+            <a:blip r:embed="rId9">
+              <a:extLst>
+                <a:ext uri="{28A0092B-C50C-407E-A947-70E740481C1C}">
+                  <a14:useLocalDpi xmlns:a14="http://schemas.microsoft.com/office/drawing/2010/main" val="0"/>
+                </a:ext>
+              </a:extLst>
+            </a:blip>
+            <a:stretch>
+              <a:fillRect/>
+            </a:stretch>
+          </p:blipFill>
+          <p:spPr>
+            <a:xfrm>
+              <a:off x="7654002" y="2751872"/>
+              <a:ext cx="1515036" cy="843370"/>
+            </a:xfrm>
+            <a:prstGeom prst="rect">
+              <a:avLst/>
+            </a:prstGeom>
+          </p:spPr>
+        </p:pic>
+        <p:pic>
+          <p:nvPicPr>
+            <p:cNvPr id="8" name="Picture 7">
+              <a:extLst>
+                <a:ext uri="{FF2B5EF4-FFF2-40B4-BE49-F238E27FC236}">
+                  <a16:creationId xmlns:a16="http://schemas.microsoft.com/office/drawing/2014/main" id="{5950FE76-937A-1E4F-B581-70E1FD7320ED}"/>
+                </a:ext>
+              </a:extLst>
+            </p:cNvPr>
+            <p:cNvPicPr>
+              <a:picLocks noChangeAspect="1"/>
+            </p:cNvPicPr>
+            <p:nvPr/>
+          </p:nvPicPr>
+          <p:blipFill>
+            <a:blip r:embed="rId10">
+              <a:extLst>
+                <a:ext uri="{28A0092B-C50C-407E-A947-70E740481C1C}">
+                  <a14:useLocalDpi xmlns:a14="http://schemas.microsoft.com/office/drawing/2010/main" val="0"/>
+                </a:ext>
+              </a:extLst>
+            </a:blip>
+            <a:stretch>
+              <a:fillRect/>
+            </a:stretch>
+          </p:blipFill>
+          <p:spPr>
+            <a:xfrm>
+              <a:off x="7271167" y="5560852"/>
+              <a:ext cx="3581738" cy="932022"/>
+            </a:xfrm>
+            <a:prstGeom prst="rect">
+              <a:avLst/>
+            </a:prstGeom>
+          </p:spPr>
+        </p:pic>
+      </p:grpSp>
+      <p:grpSp>
+        <p:nvGrpSpPr>
+          <p:cNvPr id="26" name="Group 25">
+            <a:extLst>
+              <a:ext uri="{FF2B5EF4-FFF2-40B4-BE49-F238E27FC236}">
+                <a16:creationId xmlns:a16="http://schemas.microsoft.com/office/drawing/2014/main" id="{F9B177FD-5EB6-6BC2-3934-FE0A425654CC}"/>
+              </a:ext>
+            </a:extLst>
+          </p:cNvPr>
+          <p:cNvGrpSpPr/>
+          <p:nvPr/>
+        </p:nvGrpSpPr>
+        <p:grpSpPr>
+          <a:xfrm>
+            <a:off x="4061538" y="4003345"/>
+            <a:ext cx="4656359" cy="2087077"/>
+            <a:chOff x="4116172" y="3904077"/>
+            <a:chExt cx="4656359" cy="2087077"/>
+          </a:xfrm>
+        </p:grpSpPr>
+        <p:pic>
+          <p:nvPicPr>
+            <p:cNvPr id="11" name="Picture 10">
+              <a:extLst>
+                <a:ext uri="{FF2B5EF4-FFF2-40B4-BE49-F238E27FC236}">
+                  <a16:creationId xmlns:a16="http://schemas.microsoft.com/office/drawing/2014/main" id="{7630C6F4-6F53-A367-FF39-9303539630ED}"/>
+                </a:ext>
+              </a:extLst>
+            </p:cNvPr>
+            <p:cNvPicPr>
+              <a:picLocks noChangeAspect="1"/>
+            </p:cNvPicPr>
+            <p:nvPr/>
+          </p:nvPicPr>
+          <p:blipFill>
+            <a:blip r:embed="rId11">
+              <a:extLst>
+                <a:ext uri="{28A0092B-C50C-407E-A947-70E740481C1C}">
+                  <a14:useLocalDpi xmlns:a14="http://schemas.microsoft.com/office/drawing/2010/main" val="0"/>
+                </a:ext>
+              </a:extLst>
+            </a:blip>
+            <a:stretch>
+              <a:fillRect/>
+            </a:stretch>
+          </p:blipFill>
+          <p:spPr>
+            <a:xfrm rot="3385383">
+              <a:off x="7737111" y="4441874"/>
+              <a:ext cx="1515249" cy="555591"/>
+            </a:xfrm>
+            <a:prstGeom prst="rect">
+              <a:avLst/>
+            </a:prstGeom>
+          </p:spPr>
+        </p:pic>
+        <p:pic>
+          <p:nvPicPr>
+            <p:cNvPr id="15" name="Picture 14">
+              <a:extLst>
+                <a:ext uri="{FF2B5EF4-FFF2-40B4-BE49-F238E27FC236}">
+                  <a16:creationId xmlns:a16="http://schemas.microsoft.com/office/drawing/2014/main" id="{7E18ED0A-A1D6-7182-B591-376A8F8B93E6}"/>
+                </a:ext>
+              </a:extLst>
+            </p:cNvPr>
+            <p:cNvPicPr>
+              <a:picLocks noChangeAspect="1"/>
+            </p:cNvPicPr>
+            <p:nvPr/>
+          </p:nvPicPr>
+          <p:blipFill>
+            <a:blip r:embed="rId12">
+              <a:extLst>
+                <a:ext uri="{28A0092B-C50C-407E-A947-70E740481C1C}">
+                  <a14:useLocalDpi xmlns:a14="http://schemas.microsoft.com/office/drawing/2010/main" val="0"/>
+                </a:ext>
+              </a:extLst>
+            </a:blip>
+            <a:stretch>
+              <a:fillRect/>
+            </a:stretch>
+          </p:blipFill>
+          <p:spPr>
+            <a:xfrm rot="19696097">
+              <a:off x="5434077" y="5284137"/>
+              <a:ext cx="2323056" cy="707017"/>
+            </a:xfrm>
+            <a:prstGeom prst="rect">
+              <a:avLst/>
+            </a:prstGeom>
+          </p:spPr>
+        </p:pic>
+        <p:pic>
+          <p:nvPicPr>
+            <p:cNvPr id="24" name="Picture 23">
+              <a:extLst>
+                <a:ext uri="{FF2B5EF4-FFF2-40B4-BE49-F238E27FC236}">
+                  <a16:creationId xmlns:a16="http://schemas.microsoft.com/office/drawing/2014/main" id="{D254E3B7-C815-C465-8547-266B66F66E51}"/>
+                </a:ext>
+              </a:extLst>
+            </p:cNvPr>
+            <p:cNvPicPr>
+              <a:picLocks noChangeAspect="1"/>
+            </p:cNvPicPr>
+            <p:nvPr/>
+          </p:nvPicPr>
+          <p:blipFill>
+            <a:blip r:embed="rId13">
+              <a:extLst>
+                <a:ext uri="{28A0092B-C50C-407E-A947-70E740481C1C}">
+                  <a14:useLocalDpi xmlns:a14="http://schemas.microsoft.com/office/drawing/2010/main" val="0"/>
+                </a:ext>
+              </a:extLst>
+            </a:blip>
+            <a:stretch>
+              <a:fillRect/>
+            </a:stretch>
+          </p:blipFill>
+          <p:spPr>
+            <a:xfrm>
+              <a:off x="4116172" y="3904077"/>
+              <a:ext cx="4263537" cy="1799291"/>
+            </a:xfrm>
+            <a:prstGeom prst="rect">
+              <a:avLst/>
+            </a:prstGeom>
+          </p:spPr>
+        </p:pic>
+      </p:grpSp>
+      <p:pic>
+        <p:nvPicPr>
+          <p:cNvPr id="14" name="Picture 13">
+            <a:extLst>
+              <a:ext uri="{FF2B5EF4-FFF2-40B4-BE49-F238E27FC236}">
+                <a16:creationId xmlns:a16="http://schemas.microsoft.com/office/drawing/2014/main" id="{91F583DC-175C-6EE8-8939-3B3621DC169F}"/>
+              </a:ext>
+            </a:extLst>
+          </p:cNvPr>
+          <p:cNvPicPr>
+            <a:picLocks noChangeAspect="1"/>
+          </p:cNvPicPr>
+          <p:nvPr/>
+        </p:nvPicPr>
+        <p:blipFill>
+          <a:blip r:embed="rId14">
+            <a:extLst>
+              <a:ext uri="{28A0092B-C50C-407E-A947-70E740481C1C}">
+                <a14:useLocalDpi xmlns:a14="http://schemas.microsoft.com/office/drawing/2010/main" val="0"/>
+              </a:ext>
+            </a:extLst>
+          </a:blip>
+          <a:stretch>
+            <a:fillRect/>
+          </a:stretch>
+        </p:blipFill>
+        <p:spPr>
+          <a:xfrm rot="555158">
+            <a:off x="1161600" y="2832866"/>
+            <a:ext cx="10498321" cy="1958184"/>
+          </a:xfrm>
+          <a:prstGeom prst="rect">
+            <a:avLst/>
+          </a:prstGeom>
+        </p:spPr>
+      </p:pic>
+    </p:spTree>
+    <p:extLst>
+      <p:ext uri="{BB962C8B-B14F-4D97-AF65-F5344CB8AC3E}">
+        <p14:creationId xmlns:p14="http://schemas.microsoft.com/office/powerpoint/2010/main" val="1250475764"/>
+      </p:ext>
+    </p:extLst>
+  </p:cSld>
+  <p:clrMapOvr>
+    <a:masterClrMapping/>
+  </p:clrMapOvr>
+  <p:timing>
+    <p:tnLst>
+      <p:par>
+        <p:cTn id="1" dur="indefinite" restart="never" nodeType="tmRoot">
+          <p:childTnLst>
+            <p:seq concurrent="1" nextAc="seek">
+              <p:cTn id="2" dur="indefinite" nodeType="mainSeq">
+                <p:childTnLst>
+                  <p:par>
+                    <p:cTn id="3" fill="hold">
+                      <p:stCondLst>
+                        <p:cond delay="indefinite"/>
+                      </p:stCondLst>
+                      <p:childTnLst>
+                        <p:par>
+                          <p:cTn id="4" fill="hold">
+                            <p:stCondLst>
+                              <p:cond delay="0"/>
+                            </p:stCondLst>
+                            <p:childTnLst>
+                              <p:par>
+                                <p:cTn id="5" presetID="1" presetClass="entr" presetSubtype="0" fill="hold" grpId="0" nodeType="clickEffect">
+                                  <p:stCondLst>
+                                    <p:cond delay="0"/>
+                                  </p:stCondLst>
+                                  <p:childTnLst>
+                                    <p:set>
+                                      <p:cBhvr>
+                                        <p:cTn id="6" dur="1" fill="hold">
+                                          <p:stCondLst>
+                                            <p:cond delay="0"/>
+                                          </p:stCondLst>
+                                        </p:cTn>
+                                        <p:tgtEl>
+                                          <p:spTgt spid="10"/>
+                                        </p:tgtEl>
+                                        <p:attrNameLst>
+                                          <p:attrName>style.visibility</p:attrName>
+                                        </p:attrNameLst>
+                                      </p:cBhvr>
+                                      <p:to>
+                                        <p:strVal val="visible"/>
+                                      </p:to>
+                                    </p:set>
+                                  </p:childTnLst>
+                                </p:cTn>
+                              </p:par>
+                            </p:childTnLst>
+                          </p:cTn>
+                        </p:par>
+                      </p:childTnLst>
+                    </p:cTn>
+                  </p:par>
+                  <p:par>
+                    <p:cTn id="7" fill="hold">
+                      <p:stCondLst>
+                        <p:cond delay="indefinite"/>
+                      </p:stCondLst>
+                      <p:childTnLst>
+                        <p:par>
+                          <p:cTn id="8" fill="hold">
+                            <p:stCondLst>
+                              <p:cond delay="0"/>
+                            </p:stCondLst>
+                            <p:childTnLst>
+                              <p:par>
+                                <p:cTn id="9" presetID="1" presetClass="entr" presetSubtype="0" fill="hold" nodeType="clickEffect">
+                                  <p:stCondLst>
+                                    <p:cond delay="0"/>
+                                  </p:stCondLst>
+                                  <p:childTnLst>
+                                    <p:set>
+                                      <p:cBhvr>
+                                        <p:cTn id="10" dur="1" fill="hold">
+                                          <p:stCondLst>
+                                            <p:cond delay="0"/>
+                                          </p:stCondLst>
+                                        </p:cTn>
+                                        <p:tgtEl>
+                                          <p:spTgt spid="22"/>
+                                        </p:tgtEl>
+                                        <p:attrNameLst>
+                                          <p:attrName>style.visibility</p:attrName>
+                                        </p:attrNameLst>
+                                      </p:cBhvr>
+                                      <p:to>
+                                        <p:strVal val="visible"/>
+                                      </p:to>
+                                    </p:set>
+                                  </p:childTnLst>
+                                </p:cTn>
+                              </p:par>
+                            </p:childTnLst>
+                          </p:cTn>
+                        </p:par>
+                      </p:childTnLst>
+                    </p:cTn>
+                  </p:par>
+                  <p:par>
+                    <p:cTn id="11" fill="hold">
+                      <p:stCondLst>
+                        <p:cond delay="indefinite"/>
+                      </p:stCondLst>
+                      <p:childTnLst>
+                        <p:par>
+                          <p:cTn id="12" fill="hold">
+                            <p:stCondLst>
+                              <p:cond delay="0"/>
+                            </p:stCondLst>
+                            <p:childTnLst>
+                              <p:par>
+                                <p:cTn id="13" presetID="1" presetClass="entr" presetSubtype="0" fill="hold" nodeType="clickEffect">
+                                  <p:stCondLst>
+                                    <p:cond delay="0"/>
+                                  </p:stCondLst>
+                                  <p:childTnLst>
+                                    <p:set>
+                                      <p:cBhvr>
+                                        <p:cTn id="14" dur="1" fill="hold">
+                                          <p:stCondLst>
+                                            <p:cond delay="0"/>
+                                          </p:stCondLst>
+                                        </p:cTn>
+                                        <p:tgtEl>
+                                          <p:spTgt spid="12"/>
+                                        </p:tgtEl>
+                                        <p:attrNameLst>
+                                          <p:attrName>style.visibility</p:attrName>
+                                        </p:attrNameLst>
+                                      </p:cBhvr>
+                                      <p:to>
+                                        <p:strVal val="visible"/>
+                                      </p:to>
+                                    </p:set>
+                                  </p:childTnLst>
+                                </p:cTn>
+                              </p:par>
+                            </p:childTnLst>
+                          </p:cTn>
+                        </p:par>
+                      </p:childTnLst>
+                    </p:cTn>
+                  </p:par>
+                  <p:par>
+                    <p:cTn id="15" fill="hold">
+                      <p:stCondLst>
+                        <p:cond delay="indefinite"/>
+                      </p:stCondLst>
+                      <p:childTnLst>
+                        <p:par>
+                          <p:cTn id="16" fill="hold">
+                            <p:stCondLst>
+                              <p:cond delay="0"/>
+                            </p:stCondLst>
+                            <p:childTnLst>
+                              <p:par>
+                                <p:cTn id="17" presetID="1" presetClass="entr" presetSubtype="0" fill="hold" nodeType="clickEffect">
+                                  <p:stCondLst>
+                                    <p:cond delay="0"/>
+                                  </p:stCondLst>
+                                  <p:childTnLst>
+                                    <p:set>
+                                      <p:cBhvr>
+                                        <p:cTn id="18" dur="1" fill="hold">
+                                          <p:stCondLst>
+                                            <p:cond delay="0"/>
+                                          </p:stCondLst>
+                                        </p:cTn>
+                                        <p:tgtEl>
+                                          <p:spTgt spid="18"/>
+                                        </p:tgtEl>
+                                        <p:attrNameLst>
+                                          <p:attrName>style.visibility</p:attrName>
+                                        </p:attrNameLst>
+                                      </p:cBhvr>
+                                      <p:to>
+                                        <p:strVal val="visible"/>
+                                      </p:to>
+                                    </p:set>
+                                  </p:childTnLst>
+                                </p:cTn>
+                              </p:par>
+                            </p:childTnLst>
+                          </p:cTn>
+                        </p:par>
+                      </p:childTnLst>
+                    </p:cTn>
+                  </p:par>
+                  <p:par>
+                    <p:cTn id="19" fill="hold">
+                      <p:stCondLst>
+                        <p:cond delay="indefinite"/>
+                      </p:stCondLst>
+                      <p:childTnLst>
+                        <p:par>
+                          <p:cTn id="20" fill="hold">
+                            <p:stCondLst>
+                              <p:cond delay="0"/>
+                            </p:stCondLst>
+                            <p:childTnLst>
+                              <p:par>
+                                <p:cTn id="21" presetID="1" presetClass="entr" presetSubtype="0" fill="hold" nodeType="clickEffect">
+                                  <p:stCondLst>
+                                    <p:cond delay="0"/>
+                                  </p:stCondLst>
+                                  <p:childTnLst>
+                                    <p:set>
+                                      <p:cBhvr>
+                                        <p:cTn id="22" dur="1" fill="hold">
+                                          <p:stCondLst>
+                                            <p:cond delay="0"/>
+                                          </p:stCondLst>
+                                        </p:cTn>
+                                        <p:tgtEl>
+                                          <p:spTgt spid="20"/>
+                                        </p:tgtEl>
+                                        <p:attrNameLst>
+                                          <p:attrName>style.visibility</p:attrName>
+                                        </p:attrNameLst>
+                                      </p:cBhvr>
+                                      <p:to>
+                                        <p:strVal val="visible"/>
+                                      </p:to>
+                                    </p:set>
+                                  </p:childTnLst>
+                                </p:cTn>
+                              </p:par>
+                            </p:childTnLst>
+                          </p:cTn>
+                        </p:par>
+                      </p:childTnLst>
+                    </p:cTn>
+                  </p:par>
+                  <p:par>
+                    <p:cTn id="23" fill="hold">
+                      <p:stCondLst>
+                        <p:cond delay="indefinite"/>
+                      </p:stCondLst>
+                      <p:childTnLst>
+                        <p:par>
+                          <p:cTn id="24" fill="hold">
+                            <p:stCondLst>
+                              <p:cond delay="0"/>
+                            </p:stCondLst>
+                            <p:childTnLst>
+                              <p:par>
+                                <p:cTn id="25" presetID="1" presetClass="entr" presetSubtype="0" fill="hold" nodeType="clickEffect">
+                                  <p:stCondLst>
+                                    <p:cond delay="0"/>
+                                  </p:stCondLst>
+                                  <p:childTnLst>
+                                    <p:set>
+                                      <p:cBhvr>
+                                        <p:cTn id="26" dur="1" fill="hold">
+                                          <p:stCondLst>
+                                            <p:cond delay="0"/>
+                                          </p:stCondLst>
+                                        </p:cTn>
+                                        <p:tgtEl>
+                                          <p:spTgt spid="16"/>
+                                        </p:tgtEl>
+                                        <p:attrNameLst>
+                                          <p:attrName>style.visibility</p:attrName>
+                                        </p:attrNameLst>
+                                      </p:cBhvr>
+                                      <p:to>
+                                        <p:strVal val="visible"/>
+                                      </p:to>
+                                    </p:set>
+                                  </p:childTnLst>
+                                </p:cTn>
+                              </p:par>
+                            </p:childTnLst>
+                          </p:cTn>
+                        </p:par>
+                      </p:childTnLst>
+                    </p:cTn>
+                  </p:par>
+                  <p:par>
+                    <p:cTn id="27" fill="hold">
+                      <p:stCondLst>
+                        <p:cond delay="indefinite"/>
+                      </p:stCondLst>
+                      <p:childTnLst>
+                        <p:par>
+                          <p:cTn id="28" fill="hold">
+                            <p:stCondLst>
+                              <p:cond delay="0"/>
+                            </p:stCondLst>
+                            <p:childTnLst>
+                              <p:par>
+                                <p:cTn id="29" presetID="1" presetClass="entr" presetSubtype="0" fill="hold" nodeType="clickEffect">
+                                  <p:stCondLst>
+                                    <p:cond delay="0"/>
+                                  </p:stCondLst>
+                                  <p:childTnLst>
+                                    <p:set>
+                                      <p:cBhvr>
+                                        <p:cTn id="30" dur="1" fill="hold">
+                                          <p:stCondLst>
+                                            <p:cond delay="0"/>
+                                          </p:stCondLst>
+                                        </p:cTn>
+                                        <p:tgtEl>
+                                          <p:spTgt spid="26"/>
+                                        </p:tgtEl>
+                                        <p:attrNameLst>
+                                          <p:attrName>style.visibility</p:attrName>
+                                        </p:attrNameLst>
+                                      </p:cBhvr>
+                                      <p:to>
+                                        <p:strVal val="visible"/>
+                                      </p:to>
+                                    </p:set>
+                                  </p:childTnLst>
+                                </p:cTn>
+                              </p:par>
+                            </p:childTnLst>
+                          </p:cTn>
+                        </p:par>
+                      </p:childTnLst>
+                    </p:cTn>
+                  </p:par>
+                  <p:par>
+                    <p:cTn id="31" fill="hold">
+                      <p:stCondLst>
+                        <p:cond delay="indefinite"/>
+                      </p:stCondLst>
+                      <p:childTnLst>
+                        <p:par>
+                          <p:cTn id="32" fill="hold">
+                            <p:stCondLst>
+                              <p:cond delay="0"/>
+                            </p:stCondLst>
+                            <p:childTnLst>
+                              <p:par>
+                                <p:cTn id="33" presetID="1" presetClass="entr" presetSubtype="0" fill="hold" nodeType="clickEffect">
+                                  <p:stCondLst>
+                                    <p:cond delay="0"/>
+                                  </p:stCondLst>
+                                  <p:childTnLst>
+                                    <p:set>
+                                      <p:cBhvr>
+                                        <p:cTn id="34" dur="1" fill="hold">
+                                          <p:stCondLst>
+                                            <p:cond delay="0"/>
+                                          </p:stCondLst>
+                                        </p:cTn>
+                                        <p:tgtEl>
+                                          <p:spTgt spid="27"/>
+                                        </p:tgtEl>
+                                        <p:attrNameLst>
+                                          <p:attrName>style.visibility</p:attrName>
+                                        </p:attrNameLst>
+                                      </p:cBhvr>
+                                      <p:to>
+                                        <p:strVal val="visible"/>
+                                      </p:to>
+                                    </p:set>
+                                  </p:childTnLst>
+                                </p:cTn>
+                              </p:par>
+                            </p:childTnLst>
+                          </p:cTn>
+                        </p:par>
+                      </p:childTnLst>
+                    </p:cTn>
+                  </p:par>
+                  <p:par>
+                    <p:cTn id="35" fill="hold">
+                      <p:stCondLst>
+                        <p:cond delay="indefinite"/>
+                      </p:stCondLst>
+                      <p:childTnLst>
+                        <p:par>
+                          <p:cTn id="36" fill="hold">
+                            <p:stCondLst>
+                              <p:cond delay="0"/>
+                            </p:stCondLst>
+                            <p:childTnLst>
+                              <p:par>
+                                <p:cTn id="37" presetID="45" presetClass="entr" presetSubtype="0" fill="hold" nodeType="clickEffect">
+                                  <p:stCondLst>
+                                    <p:cond delay="0"/>
+                                  </p:stCondLst>
+                                  <p:childTnLst>
+                                    <p:set>
+                                      <p:cBhvr>
+                                        <p:cTn id="38" dur="1" fill="hold">
+                                          <p:stCondLst>
+                                            <p:cond delay="0"/>
+                                          </p:stCondLst>
+                                        </p:cTn>
+                                        <p:tgtEl>
+                                          <p:spTgt spid="19"/>
+                                        </p:tgtEl>
+                                        <p:attrNameLst>
+                                          <p:attrName>style.visibility</p:attrName>
+                                        </p:attrNameLst>
+                                      </p:cBhvr>
+                                      <p:to>
+                                        <p:strVal val="visible"/>
+                                      </p:to>
+                                    </p:set>
+                                    <p:animEffect transition="in" filter="fade">
+                                      <p:cBhvr>
+                                        <p:cTn id="39" dur="1000"/>
+                                        <p:tgtEl>
+                                          <p:spTgt spid="19"/>
+                                        </p:tgtEl>
+                                      </p:cBhvr>
+                                    </p:animEffect>
+                                    <p:anim calcmode="lin" valueType="num">
+                                      <p:cBhvr>
+                                        <p:cTn id="40" dur="1000" fill="hold"/>
+                                        <p:tgtEl>
+                                          <p:spTgt spid="19"/>
+                                        </p:tgtEl>
+                                        <p:attrNameLst>
+                                          <p:attrName>ppt_w</p:attrName>
+                                        </p:attrNameLst>
+                                      </p:cBhvr>
+                                      <p:tavLst>
+                                        <p:tav tm="0" fmla="#ppt_w*sin(2.5*pi*$)">
+                                          <p:val>
+                                            <p:fltVal val="0"/>
+                                          </p:val>
+                                        </p:tav>
+                                        <p:tav tm="100000">
+                                          <p:val>
+                                            <p:fltVal val="1"/>
+                                          </p:val>
+                                        </p:tav>
+                                      </p:tavLst>
+                                    </p:anim>
+                                    <p:anim calcmode="lin" valueType="num">
+                                      <p:cBhvr>
+                                        <p:cTn id="41" dur="1000" fill="hold"/>
+                                        <p:tgtEl>
+                                          <p:spTgt spid="19"/>
+                                        </p:tgtEl>
+                                        <p:attrNameLst>
+                                          <p:attrName>ppt_h</p:attrName>
+                                        </p:attrNameLst>
+                                      </p:cBhvr>
+                                      <p:tavLst>
+                                        <p:tav tm="0">
+                                          <p:val>
+                                            <p:strVal val="#ppt_h"/>
+                                          </p:val>
+                                        </p:tav>
+                                        <p:tav tm="100000">
+                                          <p:val>
+                                            <p:strVal val="#ppt_h"/>
+                                          </p:val>
+                                        </p:tav>
+                                      </p:tavLst>
+                                    </p:anim>
+                                  </p:childTnLst>
+                                </p:cTn>
+                              </p:par>
+                            </p:childTnLst>
+                          </p:cTn>
+                        </p:par>
+                      </p:childTnLst>
+                    </p:cTn>
+                  </p:par>
+                  <p:par>
+                    <p:cTn id="42" fill="hold">
+                      <p:stCondLst>
+                        <p:cond delay="indefinite"/>
+                      </p:stCondLst>
+                      <p:childTnLst>
+                        <p:par>
+                          <p:cTn id="43" fill="hold">
+                            <p:stCondLst>
+                              <p:cond delay="0"/>
+                            </p:stCondLst>
+                            <p:childTnLst>
+                              <p:par>
+                                <p:cTn id="44" presetID="26" presetClass="entr" presetSubtype="0" fill="hold" nodeType="clickEffect">
+                                  <p:stCondLst>
+                                    <p:cond delay="0"/>
+                                  </p:stCondLst>
+                                  <p:childTnLst>
+                                    <p:set>
+                                      <p:cBhvr>
+                                        <p:cTn id="45" dur="1" fill="hold">
+                                          <p:stCondLst>
+                                            <p:cond delay="0"/>
+                                          </p:stCondLst>
+                                        </p:cTn>
+                                        <p:tgtEl>
+                                          <p:spTgt spid="14"/>
+                                        </p:tgtEl>
+                                        <p:attrNameLst>
+                                          <p:attrName>style.visibility</p:attrName>
+                                        </p:attrNameLst>
+                                      </p:cBhvr>
+                                      <p:to>
+                                        <p:strVal val="visible"/>
+                                      </p:to>
+                                    </p:set>
+                                    <p:animEffect transition="in" filter="wipe(down)">
+                                      <p:cBhvr>
+                                        <p:cTn id="46" dur="580">
+                                          <p:stCondLst>
+                                            <p:cond delay="0"/>
+                                          </p:stCondLst>
+                                        </p:cTn>
+                                        <p:tgtEl>
+                                          <p:spTgt spid="14"/>
+                                        </p:tgtEl>
+                                      </p:cBhvr>
+                                    </p:animEffect>
+                                    <p:anim calcmode="lin" valueType="num">
+                                      <p:cBhvr>
+                                        <p:cTn id="47" dur="1822" tmFilter="0,0; 0.14,0.36; 0.43,0.73; 0.71,0.91; 1.0,1.0">
+                                          <p:stCondLst>
+                                            <p:cond delay="0"/>
+                                          </p:stCondLst>
+                                        </p:cTn>
+                                        <p:tgtEl>
+                                          <p:spTgt spid="14"/>
+                                        </p:tgtEl>
+                                        <p:attrNameLst>
+                                          <p:attrName>ppt_x</p:attrName>
+                                        </p:attrNameLst>
+                                      </p:cBhvr>
+                                      <p:tavLst>
+                                        <p:tav tm="0">
+                                          <p:val>
+                                            <p:strVal val="#ppt_x-0.25"/>
+                                          </p:val>
+                                        </p:tav>
+                                        <p:tav tm="100000">
+                                          <p:val>
+                                            <p:strVal val="#ppt_x"/>
+                                          </p:val>
+                                        </p:tav>
+                                      </p:tavLst>
+                                    </p:anim>
+                                    <p:anim calcmode="lin" valueType="num">
+                                      <p:cBhvr>
+                                        <p:cTn id="48" dur="664" tmFilter="0.0,0.0; 0.25,0.07; 0.50,0.2; 0.75,0.467; 1.0,1.0">
+                                          <p:stCondLst>
+                                            <p:cond delay="0"/>
+                                          </p:stCondLst>
+                                        </p:cTn>
+                                        <p:tgtEl>
+                                          <p:spTgt spid="14"/>
+                                        </p:tgtEl>
+                                        <p:attrNameLst>
+                                          <p:attrName>ppt_y</p:attrName>
+                                        </p:attrNameLst>
+                                      </p:cBhvr>
+                                      <p:tavLst>
+                                        <p:tav tm="0" fmla="#ppt_y-sin(pi*$)/3">
+                                          <p:val>
+                                            <p:fltVal val="0.5"/>
+                                          </p:val>
+                                        </p:tav>
+                                        <p:tav tm="100000">
+                                          <p:val>
+                                            <p:fltVal val="1"/>
+                                          </p:val>
+                                        </p:tav>
+                                      </p:tavLst>
+                                    </p:anim>
+                                    <p:anim calcmode="lin" valueType="num">
+                                      <p:cBhvr>
+                                        <p:cTn id="49" dur="664" tmFilter="0, 0; 0.125,0.2665; 0.25,0.4; 0.375,0.465; 0.5,0.5;  0.625,0.535; 0.75,0.6; 0.875,0.7335; 1,1">
+                                          <p:stCondLst>
+                                            <p:cond delay="664"/>
+                                          </p:stCondLst>
+                                        </p:cTn>
+                                        <p:tgtEl>
+                                          <p:spTgt spid="14"/>
+                                        </p:tgtEl>
+                                        <p:attrNameLst>
+                                          <p:attrName>ppt_y</p:attrName>
+                                        </p:attrNameLst>
+                                      </p:cBhvr>
+                                      <p:tavLst>
+                                        <p:tav tm="0" fmla="#ppt_y-sin(pi*$)/9">
+                                          <p:val>
+                                            <p:fltVal val="0"/>
+                                          </p:val>
+                                        </p:tav>
+                                        <p:tav tm="100000">
+                                          <p:val>
+                                            <p:fltVal val="1"/>
+                                          </p:val>
+                                        </p:tav>
+                                      </p:tavLst>
+                                    </p:anim>
+                                    <p:anim calcmode="lin" valueType="num">
+                                      <p:cBhvr>
+                                        <p:cTn id="50" dur="332" tmFilter="0, 0; 0.125,0.2665; 0.25,0.4; 0.375,0.465; 0.5,0.5;  0.625,0.535; 0.75,0.6; 0.875,0.7335; 1,1">
+                                          <p:stCondLst>
+                                            <p:cond delay="1324"/>
+                                          </p:stCondLst>
+                                        </p:cTn>
+                                        <p:tgtEl>
+                                          <p:spTgt spid="14"/>
+                                        </p:tgtEl>
+                                        <p:attrNameLst>
+                                          <p:attrName>ppt_y</p:attrName>
+                                        </p:attrNameLst>
+                                      </p:cBhvr>
+                                      <p:tavLst>
+                                        <p:tav tm="0" fmla="#ppt_y-sin(pi*$)/27">
+                                          <p:val>
+                                            <p:fltVal val="0"/>
+                                          </p:val>
+                                        </p:tav>
+                                        <p:tav tm="100000">
+                                          <p:val>
+                                            <p:fltVal val="1"/>
+                                          </p:val>
+                                        </p:tav>
+                                      </p:tavLst>
+                                    </p:anim>
+                                    <p:anim calcmode="lin" valueType="num">
+                                      <p:cBhvr>
+                                        <p:cTn id="51" dur="164" tmFilter="0, 0; 0.125,0.2665; 0.25,0.4; 0.375,0.465; 0.5,0.5;  0.625,0.535; 0.75,0.6; 0.875,0.7335; 1,1">
+                                          <p:stCondLst>
+                                            <p:cond delay="1656"/>
+                                          </p:stCondLst>
+                                        </p:cTn>
+                                        <p:tgtEl>
+                                          <p:spTgt spid="14"/>
+                                        </p:tgtEl>
+                                        <p:attrNameLst>
+                                          <p:attrName>ppt_y</p:attrName>
+                                        </p:attrNameLst>
+                                      </p:cBhvr>
+                                      <p:tavLst>
+                                        <p:tav tm="0" fmla="#ppt_y-sin(pi*$)/81">
+                                          <p:val>
+                                            <p:fltVal val="0"/>
+                                          </p:val>
+                                        </p:tav>
+                                        <p:tav tm="100000">
+                                          <p:val>
+                                            <p:fltVal val="1"/>
+                                          </p:val>
+                                        </p:tav>
+                                      </p:tavLst>
+                                    </p:anim>
+                                    <p:animScale>
+                                      <p:cBhvr>
+                                        <p:cTn id="52" dur="26">
+                                          <p:stCondLst>
+                                            <p:cond delay="650"/>
+                                          </p:stCondLst>
+                                        </p:cTn>
+                                        <p:tgtEl>
+                                          <p:spTgt spid="14"/>
+                                        </p:tgtEl>
+                                      </p:cBhvr>
+                                      <p:to x="100000" y="60000"/>
+                                    </p:animScale>
+                                    <p:animScale>
+                                      <p:cBhvr>
+                                        <p:cTn id="53" dur="166" decel="50000">
+                                          <p:stCondLst>
+                                            <p:cond delay="676"/>
+                                          </p:stCondLst>
+                                        </p:cTn>
+                                        <p:tgtEl>
+                                          <p:spTgt spid="14"/>
+                                        </p:tgtEl>
+                                      </p:cBhvr>
+                                      <p:to x="100000" y="100000"/>
+                                    </p:animScale>
+                                    <p:animScale>
+                                      <p:cBhvr>
+                                        <p:cTn id="54" dur="26">
+                                          <p:stCondLst>
+                                            <p:cond delay="1312"/>
+                                          </p:stCondLst>
+                                        </p:cTn>
+                                        <p:tgtEl>
+                                          <p:spTgt spid="14"/>
+                                        </p:tgtEl>
+                                      </p:cBhvr>
+                                      <p:to x="100000" y="80000"/>
+                                    </p:animScale>
+                                    <p:animScale>
+                                      <p:cBhvr>
+                                        <p:cTn id="55" dur="166" decel="50000">
+                                          <p:stCondLst>
+                                            <p:cond delay="1338"/>
+                                          </p:stCondLst>
+                                        </p:cTn>
+                                        <p:tgtEl>
+                                          <p:spTgt spid="14"/>
+                                        </p:tgtEl>
+                                      </p:cBhvr>
+                                      <p:to x="100000" y="100000"/>
+                                    </p:animScale>
+                                    <p:animScale>
+                                      <p:cBhvr>
+                                        <p:cTn id="56" dur="26">
+                                          <p:stCondLst>
+                                            <p:cond delay="1642"/>
+                                          </p:stCondLst>
+                                        </p:cTn>
+                                        <p:tgtEl>
+                                          <p:spTgt spid="14"/>
+                                        </p:tgtEl>
+                                      </p:cBhvr>
+                                      <p:to x="100000" y="90000"/>
+                                    </p:animScale>
+                                    <p:animScale>
+                                      <p:cBhvr>
+                                        <p:cTn id="57" dur="166" decel="50000">
+                                          <p:stCondLst>
+                                            <p:cond delay="1668"/>
+                                          </p:stCondLst>
+                                        </p:cTn>
+                                        <p:tgtEl>
+                                          <p:spTgt spid="14"/>
+                                        </p:tgtEl>
+                                      </p:cBhvr>
+                                      <p:to x="100000" y="100000"/>
+                                    </p:animScale>
+                                    <p:animScale>
+                                      <p:cBhvr>
+                                        <p:cTn id="58" dur="26">
+                                          <p:stCondLst>
+                                            <p:cond delay="1808"/>
+                                          </p:stCondLst>
+                                        </p:cTn>
+                                        <p:tgtEl>
+                                          <p:spTgt spid="14"/>
+                                        </p:tgtEl>
+                                      </p:cBhvr>
+                                      <p:to x="100000" y="95000"/>
+                                    </p:animScale>
+                                    <p:animScale>
+                                      <p:cBhvr>
+                                        <p:cTn id="59" dur="166" decel="50000">
+                                          <p:stCondLst>
+                                            <p:cond delay="1834"/>
+                                          </p:stCondLst>
+                                        </p:cTn>
+                                        <p:tgtEl>
+                                          <p:spTgt spid="14"/>
+                                        </p:tgtEl>
+                                      </p:cBhvr>
+                                      <p:to x="100000" y="100000"/>
+                                    </p:animScale>
+                                  </p:childTnLst>
+                                </p:cTn>
+                              </p:par>
+                            </p:childTnLst>
+                          </p:cTn>
+                        </p:par>
+                      </p:childTnLst>
+                    </p:cTn>
+                  </p:par>
+                </p:childTnLst>
+              </p:cTn>
+              <p:prevCondLst>
+                <p:cond evt="onPrev" delay="0">
+                  <p:tgtEl>
+                    <p:sldTgt/>
+                  </p:tgtEl>
+                </p:cond>
+              </p:prevCondLst>
+              <p:nextCondLst>
+                <p:cond evt="onNext" delay="0">
+                  <p:tgtEl>
+                    <p:sldTgt/>
+                  </p:tgtEl>
+                </p:cond>
+              </p:nextCondLst>
+            </p:seq>
+          </p:childTnLst>
+        </p:cTn>
+      </p:par>
+    </p:tnLst>
+    <p:bldLst>
+      <p:bldP spid="10" grpId="0" animBg="1"/>
+    </p:bldLst>
+  </p:timing>
+</p:sld>
+</file>
+
+<file path=ppt/slides/slide20.xml><?xml version="1.0" encoding="utf-8"?>
 <p:sld xmlns:a="http://schemas.openxmlformats.org/drawingml/2006/main" xmlns:r="http://schemas.openxmlformats.org/officeDocument/2006/relationships" xmlns:p="http://schemas.openxmlformats.org/presentationml/2006/main">
   <p:cSld>
     <p:spTree>
@@ -4087,7 +6687,7 @@
 </p:sld>
 </file>
 
-<file path=ppt/slides/slide12.xml><?xml version="1.0" encoding="utf-8"?>
+<file path=ppt/slides/slide21.xml><?xml version="1.0" encoding="utf-8"?>
 <p:sld xmlns:a="http://schemas.openxmlformats.org/drawingml/2006/main" xmlns:r="http://schemas.openxmlformats.org/officeDocument/2006/relationships" xmlns:p="http://schemas.openxmlformats.org/presentationml/2006/main">
   <p:cSld>
     <p:spTree>
@@ -5385,7 +7985,7 @@
 </p:sld>
 </file>
 
-<file path=ppt/slides/slide13.xml><?xml version="1.0" encoding="utf-8"?>
+<file path=ppt/slides/slide22.xml><?xml version="1.0" encoding="utf-8"?>
 <p:sld xmlns:a="http://schemas.openxmlformats.org/drawingml/2006/main" xmlns:r="http://schemas.openxmlformats.org/officeDocument/2006/relationships" xmlns:p="http://schemas.openxmlformats.org/presentationml/2006/main">
   <p:cSld>
     <p:spTree>
@@ -6113,12 +8713,18 @@
 </p:sld>
 </file>
 
-<file path=ppt/slides/slide2.xml><?xml version="1.0" encoding="utf-8"?>
+<file path=ppt/slides/slide23.xml><?xml version="1.0" encoding="utf-8"?>
 <p:sld xmlns:a="http://schemas.openxmlformats.org/drawingml/2006/main" xmlns:r="http://schemas.openxmlformats.org/officeDocument/2006/relationships" xmlns:p="http://schemas.openxmlformats.org/presentationml/2006/main">
   <p:cSld>
     <p:spTree>
       <p:nvGrpSpPr>
-        <p:cNvPr id="1" name=""/>
+        <p:cNvPr id="1" name="">
+          <a:extLst>
+            <a:ext uri="{FF2B5EF4-FFF2-40B4-BE49-F238E27FC236}">
+              <a16:creationId xmlns:a16="http://schemas.microsoft.com/office/drawing/2014/main" id="{FCA81726-9AD6-1BBF-6266-1DF5B69C0186}"/>
+            </a:ext>
+          </a:extLst>
+        </p:cNvPr>
         <p:cNvGrpSpPr/>
         <p:nvPr/>
       </p:nvGrpSpPr>
@@ -6135,7 +8741,7 @@
           <p:cNvPr id="2" name="Title 1">
             <a:extLst>
               <a:ext uri="{FF2B5EF4-FFF2-40B4-BE49-F238E27FC236}">
-                <a16:creationId xmlns:a16="http://schemas.microsoft.com/office/drawing/2014/main" id="{E0BA951C-8A75-4A9B-B7B7-A8987F124457}"/>
+                <a16:creationId xmlns:a16="http://schemas.microsoft.com/office/drawing/2014/main" id="{9D9415F1-7060-0BE0-BE36-18430009B032}"/>
               </a:ext>
             </a:extLst>
           </p:cNvPr>
@@ -6160,17 +8766,270 @@
               <a:rPr lang="en-GB" dirty="0">
                 <a:latin typeface="Arial Black" panose="020B0A04020102020204" pitchFamily="34" charset="0"/>
               </a:rPr>
-              <a:t>Where Can You Buy?</a:t>
+              <a:t>What is BBG used for?</a:t>
             </a:r>
           </a:p>
         </p:txBody>
       </p:sp>
       <p:sp>
         <p:nvSpPr>
+          <p:cNvPr id="6" name="Content Placeholder 5">
+            <a:extLst>
+              <a:ext uri="{FF2B5EF4-FFF2-40B4-BE49-F238E27FC236}">
+                <a16:creationId xmlns:a16="http://schemas.microsoft.com/office/drawing/2014/main" id="{6A2151AF-0E81-5F13-0A5E-48C9E5A8CF4E}"/>
+              </a:ext>
+            </a:extLst>
+          </p:cNvPr>
+          <p:cNvSpPr>
+            <a:spLocks noGrp="1"/>
+          </p:cNvSpPr>
+          <p:nvPr>
+            <p:ph idx="1"/>
+          </p:nvPr>
+        </p:nvSpPr>
+        <p:spPr>
+          <a:xfrm>
+            <a:off x="838200" y="1274093"/>
+            <a:ext cx="10515600" cy="4902870"/>
+          </a:xfrm>
+        </p:spPr>
+        <p:txBody>
+          <a:bodyPr>
+            <a:normAutofit/>
+          </a:bodyPr>
+          <a:lstStyle/>
+          <a:p>
+            <a:r>
+              <a:rPr lang="en-GB" dirty="0"/>
+              <a:t>IB / News</a:t>
+            </a:r>
+          </a:p>
+          <a:p>
+            <a:r>
+              <a:rPr lang="en-GB" dirty="0"/>
+              <a:t>Graphs</a:t>
+            </a:r>
+          </a:p>
+          <a:p>
+            <a:r>
+              <a:rPr lang="en-GB" dirty="0"/>
+              <a:t>Trade Amendments (claw-back / price adjustment)</a:t>
+            </a:r>
+          </a:p>
+          <a:p>
+            <a:r>
+              <a:rPr lang="en-GB" dirty="0"/>
+              <a:t>EFP</a:t>
+            </a:r>
+          </a:p>
+          <a:p>
+            <a:r>
+              <a:rPr lang="en-GB" dirty="0" err="1"/>
+              <a:t>BQuant</a:t>
+            </a:r>
+            <a:endParaRPr lang="en-GB" dirty="0"/>
+          </a:p>
+        </p:txBody>
+      </p:sp>
+    </p:spTree>
+    <p:extLst>
+      <p:ext uri="{BB962C8B-B14F-4D97-AF65-F5344CB8AC3E}">
+        <p14:creationId xmlns:p14="http://schemas.microsoft.com/office/powerpoint/2010/main" val="3023984370"/>
+      </p:ext>
+    </p:extLst>
+  </p:cSld>
+  <p:clrMapOvr>
+    <a:masterClrMapping/>
+  </p:clrMapOvr>
+</p:sld>
+</file>
+
+<file path=ppt/slides/slide24.xml><?xml version="1.0" encoding="utf-8"?>
+<p:sld xmlns:a="http://schemas.openxmlformats.org/drawingml/2006/main" xmlns:r="http://schemas.openxmlformats.org/officeDocument/2006/relationships" xmlns:p="http://schemas.openxmlformats.org/presentationml/2006/main">
+  <p:cSld>
+    <p:spTree>
+      <p:nvGrpSpPr>
+        <p:cNvPr id="1" name="">
+          <a:extLst>
+            <a:ext uri="{FF2B5EF4-FFF2-40B4-BE49-F238E27FC236}">
+              <a16:creationId xmlns:a16="http://schemas.microsoft.com/office/drawing/2014/main" id="{A143BB4F-36C7-B83E-47E6-C70082FAE580}"/>
+            </a:ext>
+          </a:extLst>
+        </p:cNvPr>
+        <p:cNvGrpSpPr/>
+        <p:nvPr/>
+      </p:nvGrpSpPr>
+      <p:grpSpPr>
+        <a:xfrm>
+          <a:off x="0" y="0"/>
+          <a:ext cx="0" cy="0"/>
+          <a:chOff x="0" y="0"/>
+          <a:chExt cx="0" cy="0"/>
+        </a:xfrm>
+      </p:grpSpPr>
+      <p:sp>
+        <p:nvSpPr>
+          <p:cNvPr id="2" name="Title 1">
+            <a:extLst>
+              <a:ext uri="{FF2B5EF4-FFF2-40B4-BE49-F238E27FC236}">
+                <a16:creationId xmlns:a16="http://schemas.microsoft.com/office/drawing/2014/main" id="{D60CAD01-BDD1-EA1F-8702-6568B0312CA2}"/>
+              </a:ext>
+            </a:extLst>
+          </p:cNvPr>
+          <p:cNvSpPr>
+            <a:spLocks noGrp="1"/>
+          </p:cNvSpPr>
+          <p:nvPr>
+            <p:ph type="title"/>
+          </p:nvPr>
+        </p:nvSpPr>
+        <p:spPr>
+          <a:xfrm>
+            <a:off x="838200" y="365126"/>
+            <a:ext cx="10515600" cy="856964"/>
+          </a:xfrm>
+        </p:spPr>
+        <p:txBody>
+          <a:bodyPr/>
+          <a:lstStyle/>
+          <a:p>
+            <a:r>
+              <a:rPr lang="en-GB" dirty="0">
+                <a:latin typeface="Arial Black" panose="020B0A04020102020204" pitchFamily="34" charset="0"/>
+              </a:rPr>
+              <a:t>Other Client Offerings</a:t>
+            </a:r>
+          </a:p>
+        </p:txBody>
+      </p:sp>
+      <p:sp>
+        <p:nvSpPr>
+          <p:cNvPr id="6" name="Content Placeholder 5">
+            <a:extLst>
+              <a:ext uri="{FF2B5EF4-FFF2-40B4-BE49-F238E27FC236}">
+                <a16:creationId xmlns:a16="http://schemas.microsoft.com/office/drawing/2014/main" id="{1B2A7DE8-E9EF-D6A1-1035-6AF60127CBC2}"/>
+              </a:ext>
+            </a:extLst>
+          </p:cNvPr>
+          <p:cNvSpPr>
+            <a:spLocks noGrp="1"/>
+          </p:cNvSpPr>
+          <p:nvPr>
+            <p:ph idx="1"/>
+          </p:nvPr>
+        </p:nvSpPr>
+        <p:spPr>
+          <a:xfrm>
+            <a:off x="838200" y="1274093"/>
+            <a:ext cx="10515600" cy="4902870"/>
+          </a:xfrm>
+        </p:spPr>
+        <p:txBody>
+          <a:bodyPr/>
+          <a:lstStyle/>
+          <a:p>
+            <a:r>
+              <a:rPr lang="en-GB" dirty="0"/>
+              <a:t>Direct Market Access (DMA)</a:t>
+            </a:r>
+          </a:p>
+          <a:p>
+            <a:r>
+              <a:rPr lang="en-GB" dirty="0"/>
+              <a:t>Trading Analytics</a:t>
+            </a:r>
+          </a:p>
+          <a:p>
+            <a:r>
+              <a:rPr lang="en-GB" dirty="0"/>
+              <a:t>Algorithmic Strategies</a:t>
+            </a:r>
+          </a:p>
+          <a:p>
+            <a:pPr lvl="1"/>
+            <a:r>
+              <a:rPr lang="en-GB" dirty="0"/>
+              <a:t>Passive / Iceberg</a:t>
+            </a:r>
+          </a:p>
+          <a:p>
+            <a:pPr lvl="1"/>
+            <a:r>
+              <a:rPr lang="en-GB" dirty="0"/>
+              <a:t>Time- / Volume-based</a:t>
+            </a:r>
+          </a:p>
+          <a:p>
+            <a:pPr lvl="1"/>
+            <a:r>
+              <a:rPr lang="en-GB" dirty="0"/>
+              <a:t>Opportunistic - Guerrilla, Sniper</a:t>
+            </a:r>
+          </a:p>
+          <a:p>
+            <a:pPr lvl="1"/>
+            <a:r>
+              <a:rPr lang="en-GB" dirty="0"/>
+              <a:t>Hybrid - Float-Guerrilla, Float Sniper, Price Inline</a:t>
+            </a:r>
+          </a:p>
+          <a:p>
+            <a:pPr lvl="1"/>
+            <a:r>
+              <a:rPr lang="en-GB" dirty="0">
+                <a:hlinkClick r:id="rId2"/>
+              </a:rPr>
+              <a:t>https://www.credit-suisse.com/media/ib/docs/investment-banking/client-offering/aes-strategy-guide-and-attestation-equities.pdf</a:t>
+            </a:r>
+            <a:endParaRPr lang="en-GB" dirty="0"/>
+          </a:p>
+          <a:p>
+            <a:endParaRPr lang="en-GB" dirty="0"/>
+          </a:p>
+        </p:txBody>
+      </p:sp>
+    </p:spTree>
+    <p:extLst>
+      <p:ext uri="{BB962C8B-B14F-4D97-AF65-F5344CB8AC3E}">
+        <p14:creationId xmlns:p14="http://schemas.microsoft.com/office/powerpoint/2010/main" val="358853458"/>
+      </p:ext>
+    </p:extLst>
+  </p:cSld>
+  <p:clrMapOvr>
+    <a:masterClrMapping/>
+  </p:clrMapOvr>
+</p:sld>
+</file>
+
+<file path=ppt/slides/slide3.xml><?xml version="1.0" encoding="utf-8"?>
+<p:sld xmlns:a="http://schemas.openxmlformats.org/drawingml/2006/main" xmlns:r="http://schemas.openxmlformats.org/officeDocument/2006/relationships" xmlns:p="http://schemas.openxmlformats.org/presentationml/2006/main">
+  <p:cSld>
+    <p:spTree>
+      <p:nvGrpSpPr>
+        <p:cNvPr id="1" name="">
+          <a:extLst>
+            <a:ext uri="{FF2B5EF4-FFF2-40B4-BE49-F238E27FC236}">
+              <a16:creationId xmlns:a16="http://schemas.microsoft.com/office/drawing/2014/main" id="{603DF158-156F-F42B-6784-7F92277B0F35}"/>
+            </a:ext>
+          </a:extLst>
+        </p:cNvPr>
+        <p:cNvGrpSpPr/>
+        <p:nvPr/>
+      </p:nvGrpSpPr>
+      <p:grpSpPr>
+        <a:xfrm>
+          <a:off x="0" y="0"/>
+          <a:ext cx="0" cy="0"/>
+          <a:chOff x="0" y="0"/>
+          <a:chExt cx="0" cy="0"/>
+        </a:xfrm>
+      </p:grpSpPr>
+      <p:sp>
+        <p:nvSpPr>
           <p:cNvPr id="10" name="Content Placeholder 8" descr="Back">
             <a:extLst>
               <a:ext uri="{FF2B5EF4-FFF2-40B4-BE49-F238E27FC236}">
-                <a16:creationId xmlns:a16="http://schemas.microsoft.com/office/drawing/2014/main" id="{14FDD615-3D6F-1494-3BD6-309B07CAC0D5}"/>
+                <a16:creationId xmlns:a16="http://schemas.microsoft.com/office/drawing/2014/main" id="{69254FCE-4F50-74D1-45BC-C1B5D2B3B9BD}"/>
               </a:ext>
             </a:extLst>
           </p:cNvPr>
@@ -6179,7 +9038,7 @@
         </p:nvSpPr>
         <p:spPr>
           <a:xfrm rot="8438857">
-            <a:off x="2153082" y="105214"/>
+            <a:off x="2167369" y="119501"/>
             <a:ext cx="9214820" cy="8049507"/>
           </a:xfrm>
           <a:custGeom>
@@ -6276,12 +9135,141 @@
           </a:p>
         </p:txBody>
       </p:sp>
+      <p:grpSp>
+        <p:nvGrpSpPr>
+          <p:cNvPr id="3" name="Group 2">
+            <a:extLst>
+              <a:ext uri="{FF2B5EF4-FFF2-40B4-BE49-F238E27FC236}">
+                <a16:creationId xmlns:a16="http://schemas.microsoft.com/office/drawing/2014/main" id="{343BE0FC-8C9A-2B7C-43F4-B922C658786F}"/>
+              </a:ext>
+            </a:extLst>
+          </p:cNvPr>
+          <p:cNvGrpSpPr/>
+          <p:nvPr/>
+        </p:nvGrpSpPr>
+        <p:grpSpPr>
+          <a:xfrm>
+            <a:off x="6353810" y="1547381"/>
+            <a:ext cx="5258611" cy="4264628"/>
+            <a:chOff x="6353810" y="1547381"/>
+            <a:chExt cx="5258611" cy="4264628"/>
+          </a:xfrm>
+        </p:grpSpPr>
+        <p:pic>
+          <p:nvPicPr>
+            <p:cNvPr id="19" name="Picture 18">
+              <a:extLst>
+                <a:ext uri="{FF2B5EF4-FFF2-40B4-BE49-F238E27FC236}">
+                  <a16:creationId xmlns:a16="http://schemas.microsoft.com/office/drawing/2014/main" id="{EE1D6E8A-AFA9-DFF5-085E-366BB303D137}"/>
+                </a:ext>
+              </a:extLst>
+            </p:cNvPr>
+            <p:cNvPicPr>
+              <a:picLocks noChangeAspect="1"/>
+            </p:cNvPicPr>
+            <p:nvPr/>
+          </p:nvPicPr>
+          <p:blipFill>
+            <a:blip r:embed="rId2">
+              <a:extLst>
+                <a:ext uri="{28A0092B-C50C-407E-A947-70E740481C1C}">
+                  <a14:useLocalDpi xmlns:a14="http://schemas.microsoft.com/office/drawing/2010/main" val="0"/>
+                </a:ext>
+              </a:extLst>
+            </a:blip>
+            <a:stretch>
+              <a:fillRect/>
+            </a:stretch>
+          </p:blipFill>
+          <p:spPr>
+            <a:xfrm rot="1043137">
+              <a:off x="6353810" y="1547381"/>
+              <a:ext cx="5233358" cy="1502410"/>
+            </a:xfrm>
+            <a:prstGeom prst="rect">
+              <a:avLst/>
+            </a:prstGeom>
+          </p:spPr>
+        </p:pic>
+        <p:pic>
+          <p:nvPicPr>
+            <p:cNvPr id="4" name="Picture 3">
+              <a:extLst>
+                <a:ext uri="{FF2B5EF4-FFF2-40B4-BE49-F238E27FC236}">
+                  <a16:creationId xmlns:a16="http://schemas.microsoft.com/office/drawing/2014/main" id="{22C1EE1A-8046-D628-2C5E-7924396E23FF}"/>
+                </a:ext>
+              </a:extLst>
+            </p:cNvPr>
+            <p:cNvPicPr>
+              <a:picLocks noChangeAspect="1"/>
+            </p:cNvPicPr>
+            <p:nvPr/>
+          </p:nvPicPr>
+          <p:blipFill>
+            <a:blip r:embed="rId3">
+              <a:extLst>
+                <a:ext uri="{28A0092B-C50C-407E-A947-70E740481C1C}">
+                  <a14:useLocalDpi xmlns:a14="http://schemas.microsoft.com/office/drawing/2010/main" val="0"/>
+                </a:ext>
+              </a:extLst>
+            </a:blip>
+            <a:stretch>
+              <a:fillRect/>
+            </a:stretch>
+          </p:blipFill>
+          <p:spPr>
+            <a:xfrm rot="988469">
+              <a:off x="9026759" y="3226347"/>
+              <a:ext cx="2585662" cy="2585662"/>
+            </a:xfrm>
+            <a:prstGeom prst="rect">
+              <a:avLst/>
+            </a:prstGeom>
+          </p:spPr>
+        </p:pic>
+        <p:pic>
+          <p:nvPicPr>
+            <p:cNvPr id="6" name="Picture 5">
+              <a:extLst>
+                <a:ext uri="{FF2B5EF4-FFF2-40B4-BE49-F238E27FC236}">
+                  <a16:creationId xmlns:a16="http://schemas.microsoft.com/office/drawing/2014/main" id="{6BF8836D-B2D7-1991-94F9-099F068658AC}"/>
+                </a:ext>
+              </a:extLst>
+            </p:cNvPr>
+            <p:cNvPicPr>
+              <a:picLocks noChangeAspect="1"/>
+            </p:cNvPicPr>
+            <p:nvPr/>
+          </p:nvPicPr>
+          <p:blipFill>
+            <a:blip r:embed="rId4">
+              <a:extLst>
+                <a:ext uri="{28A0092B-C50C-407E-A947-70E740481C1C}">
+                  <a14:useLocalDpi xmlns:a14="http://schemas.microsoft.com/office/drawing/2010/main" val="0"/>
+                </a:ext>
+              </a:extLst>
+            </a:blip>
+            <a:stretch>
+              <a:fillRect/>
+            </a:stretch>
+          </p:blipFill>
+          <p:spPr>
+            <a:xfrm>
+              <a:off x="7654002" y="2751872"/>
+              <a:ext cx="1515036" cy="843370"/>
+            </a:xfrm>
+            <a:prstGeom prst="rect">
+              <a:avLst/>
+            </a:prstGeom>
+          </p:spPr>
+        </p:pic>
+      </p:grpSp>
       <p:pic>
         <p:nvPicPr>
-          <p:cNvPr id="12" name="Picture 11">
-            <a:extLst>
-              <a:ext uri="{FF2B5EF4-FFF2-40B4-BE49-F238E27FC236}">
-                <a16:creationId xmlns:a16="http://schemas.microsoft.com/office/drawing/2014/main" id="{622C03C5-312E-5A9A-9796-0CE9457A2AF2}"/>
+          <p:cNvPr id="8" name="Picture 7">
+            <a:extLst>
+              <a:ext uri="{FF2B5EF4-FFF2-40B4-BE49-F238E27FC236}">
+                <a16:creationId xmlns:a16="http://schemas.microsoft.com/office/drawing/2014/main" id="{8ABD135D-95F3-395B-A969-CA13132AA5DA}"/>
               </a:ext>
             </a:extLst>
           </p:cNvPr>
@@ -6291,7 +9279,7 @@
           <p:nvPr/>
         </p:nvPicPr>
         <p:blipFill>
-          <a:blip r:embed="rId2">
+          <a:blip r:embed="rId5">
             <a:extLst>
               <a:ext uri="{28A0092B-C50C-407E-A947-70E740481C1C}">
                 <a14:useLocalDpi xmlns:a14="http://schemas.microsoft.com/office/drawing/2010/main" val="0"/>
@@ -6304,20 +9292,278 @@
         </p:blipFill>
         <p:spPr>
           <a:xfrm>
-            <a:off x="1828500" y="4753619"/>
-            <a:ext cx="1315082" cy="1315082"/>
+            <a:off x="7271167" y="5560852"/>
+            <a:ext cx="3581738" cy="932022"/>
           </a:xfrm>
           <a:prstGeom prst="rect">
             <a:avLst/>
           </a:prstGeom>
         </p:spPr>
       </p:pic>
+      <p:grpSp>
+        <p:nvGrpSpPr>
+          <p:cNvPr id="26" name="Group 25">
+            <a:extLst>
+              <a:ext uri="{FF2B5EF4-FFF2-40B4-BE49-F238E27FC236}">
+                <a16:creationId xmlns:a16="http://schemas.microsoft.com/office/drawing/2014/main" id="{68F04C5F-C3CA-FE4A-F84F-8360FB9A0D76}"/>
+              </a:ext>
+            </a:extLst>
+          </p:cNvPr>
+          <p:cNvGrpSpPr/>
+          <p:nvPr/>
+        </p:nvGrpSpPr>
+        <p:grpSpPr>
+          <a:xfrm>
+            <a:off x="4061538" y="4003345"/>
+            <a:ext cx="4656359" cy="2087077"/>
+            <a:chOff x="4116172" y="3904077"/>
+            <a:chExt cx="4656359" cy="2087077"/>
+          </a:xfrm>
+        </p:grpSpPr>
+        <p:pic>
+          <p:nvPicPr>
+            <p:cNvPr id="11" name="Picture 10">
+              <a:extLst>
+                <a:ext uri="{FF2B5EF4-FFF2-40B4-BE49-F238E27FC236}">
+                  <a16:creationId xmlns:a16="http://schemas.microsoft.com/office/drawing/2014/main" id="{581E8121-E47D-1A5C-81BD-F63ED87C08BF}"/>
+                </a:ext>
+              </a:extLst>
+            </p:cNvPr>
+            <p:cNvPicPr>
+              <a:picLocks noChangeAspect="1"/>
+            </p:cNvPicPr>
+            <p:nvPr/>
+          </p:nvPicPr>
+          <p:blipFill>
+            <a:blip r:embed="rId6">
+              <a:extLst>
+                <a:ext uri="{28A0092B-C50C-407E-A947-70E740481C1C}">
+                  <a14:useLocalDpi xmlns:a14="http://schemas.microsoft.com/office/drawing/2010/main" val="0"/>
+                </a:ext>
+              </a:extLst>
+            </a:blip>
+            <a:stretch>
+              <a:fillRect/>
+            </a:stretch>
+          </p:blipFill>
+          <p:spPr>
+            <a:xfrm rot="3385383">
+              <a:off x="7737111" y="4441874"/>
+              <a:ext cx="1515249" cy="555591"/>
+            </a:xfrm>
+            <a:prstGeom prst="rect">
+              <a:avLst/>
+            </a:prstGeom>
+          </p:spPr>
+        </p:pic>
+        <p:pic>
+          <p:nvPicPr>
+            <p:cNvPr id="15" name="Picture 14">
+              <a:extLst>
+                <a:ext uri="{FF2B5EF4-FFF2-40B4-BE49-F238E27FC236}">
+                  <a16:creationId xmlns:a16="http://schemas.microsoft.com/office/drawing/2014/main" id="{803F5541-2A00-9113-6F85-34A52BCD595A}"/>
+                </a:ext>
+              </a:extLst>
+            </p:cNvPr>
+            <p:cNvPicPr>
+              <a:picLocks noChangeAspect="1"/>
+            </p:cNvPicPr>
+            <p:nvPr/>
+          </p:nvPicPr>
+          <p:blipFill>
+            <a:blip r:embed="rId7">
+              <a:extLst>
+                <a:ext uri="{28A0092B-C50C-407E-A947-70E740481C1C}">
+                  <a14:useLocalDpi xmlns:a14="http://schemas.microsoft.com/office/drawing/2010/main" val="0"/>
+                </a:ext>
+              </a:extLst>
+            </a:blip>
+            <a:stretch>
+              <a:fillRect/>
+            </a:stretch>
+          </p:blipFill>
+          <p:spPr>
+            <a:xfrm rot="19696097">
+              <a:off x="5434077" y="5284137"/>
+              <a:ext cx="2323056" cy="707017"/>
+            </a:xfrm>
+            <a:prstGeom prst="rect">
+              <a:avLst/>
+            </a:prstGeom>
+          </p:spPr>
+        </p:pic>
+        <p:pic>
+          <p:nvPicPr>
+            <p:cNvPr id="24" name="Picture 23">
+              <a:extLst>
+                <a:ext uri="{FF2B5EF4-FFF2-40B4-BE49-F238E27FC236}">
+                  <a16:creationId xmlns:a16="http://schemas.microsoft.com/office/drawing/2014/main" id="{92CFC2CB-8F68-A73A-7F77-0A3D5F8B309E}"/>
+                </a:ext>
+              </a:extLst>
+            </p:cNvPr>
+            <p:cNvPicPr>
+              <a:picLocks noChangeAspect="1"/>
+            </p:cNvPicPr>
+            <p:nvPr/>
+          </p:nvPicPr>
+          <p:blipFill>
+            <a:blip r:embed="rId8">
+              <a:extLst>
+                <a:ext uri="{28A0092B-C50C-407E-A947-70E740481C1C}">
+                  <a14:useLocalDpi xmlns:a14="http://schemas.microsoft.com/office/drawing/2010/main" val="0"/>
+                </a:ext>
+              </a:extLst>
+            </a:blip>
+            <a:stretch>
+              <a:fillRect/>
+            </a:stretch>
+          </p:blipFill>
+          <p:spPr>
+            <a:xfrm>
+              <a:off x="4116172" y="3904077"/>
+              <a:ext cx="4263537" cy="1799291"/>
+            </a:xfrm>
+            <a:prstGeom prst="rect">
+              <a:avLst/>
+            </a:prstGeom>
+          </p:spPr>
+        </p:pic>
+      </p:grpSp>
+      <p:grpSp>
+        <p:nvGrpSpPr>
+          <p:cNvPr id="23" name="Group 22">
+            <a:extLst>
+              <a:ext uri="{FF2B5EF4-FFF2-40B4-BE49-F238E27FC236}">
+                <a16:creationId xmlns:a16="http://schemas.microsoft.com/office/drawing/2014/main" id="{26A569BC-6C3E-53EF-8E08-1CB6E1767329}"/>
+              </a:ext>
+            </a:extLst>
+          </p:cNvPr>
+          <p:cNvGrpSpPr/>
+          <p:nvPr/>
+        </p:nvGrpSpPr>
+        <p:grpSpPr>
+          <a:xfrm>
+            <a:off x="5347501" y="723811"/>
+            <a:ext cx="7149991" cy="4044462"/>
+            <a:chOff x="5347501" y="723811"/>
+            <a:chExt cx="7149991" cy="4044462"/>
+          </a:xfrm>
+        </p:grpSpPr>
+        <p:pic>
+          <p:nvPicPr>
+            <p:cNvPr id="7" name="Picture 6">
+              <a:extLst>
+                <a:ext uri="{FF2B5EF4-FFF2-40B4-BE49-F238E27FC236}">
+                  <a16:creationId xmlns:a16="http://schemas.microsoft.com/office/drawing/2014/main" id="{BEC0207D-DF96-793A-BF75-95CB964F52F7}"/>
+                </a:ext>
+              </a:extLst>
+            </p:cNvPr>
+            <p:cNvPicPr>
+              <a:picLocks noChangeAspect="1"/>
+            </p:cNvPicPr>
+            <p:nvPr/>
+          </p:nvPicPr>
+          <p:blipFill>
+            <a:blip r:embed="rId9">
+              <a:extLst>
+                <a:ext uri="{28A0092B-C50C-407E-A947-70E740481C1C}">
+                  <a14:useLocalDpi xmlns:a14="http://schemas.microsoft.com/office/drawing/2010/main" val="0"/>
+                </a:ext>
+              </a:extLst>
+            </a:blip>
+            <a:stretch>
+              <a:fillRect/>
+            </a:stretch>
+          </p:blipFill>
+          <p:spPr>
+            <a:xfrm>
+              <a:off x="6410760" y="3049623"/>
+              <a:ext cx="3699051" cy="556898"/>
+            </a:xfrm>
+            <a:prstGeom prst="rect">
+              <a:avLst/>
+            </a:prstGeom>
+          </p:spPr>
+        </p:pic>
+        <p:pic>
+          <p:nvPicPr>
+            <p:cNvPr id="13" name="Picture 12">
+              <a:extLst>
+                <a:ext uri="{FF2B5EF4-FFF2-40B4-BE49-F238E27FC236}">
+                  <a16:creationId xmlns:a16="http://schemas.microsoft.com/office/drawing/2014/main" id="{F3E898FE-3865-4EED-D58E-E31C225B627F}"/>
+                </a:ext>
+              </a:extLst>
+            </p:cNvPr>
+            <p:cNvPicPr>
+              <a:picLocks noChangeAspect="1"/>
+            </p:cNvPicPr>
+            <p:nvPr/>
+          </p:nvPicPr>
+          <p:blipFill>
+            <a:blip r:embed="rId10">
+              <a:extLst>
+                <a:ext uri="{28A0092B-C50C-407E-A947-70E740481C1C}">
+                  <a14:useLocalDpi xmlns:a14="http://schemas.microsoft.com/office/drawing/2010/main" val="0"/>
+                </a:ext>
+              </a:extLst>
+            </a:blip>
+            <a:stretch>
+              <a:fillRect/>
+            </a:stretch>
+          </p:blipFill>
+          <p:spPr>
+            <a:xfrm rot="936368">
+              <a:off x="8699824" y="4175577"/>
+              <a:ext cx="3239531" cy="592696"/>
+            </a:xfrm>
+            <a:prstGeom prst="rect">
+              <a:avLst/>
+            </a:prstGeom>
+          </p:spPr>
+        </p:pic>
+        <p:pic>
+          <p:nvPicPr>
+            <p:cNvPr id="21" name="Picture 20">
+              <a:extLst>
+                <a:ext uri="{FF2B5EF4-FFF2-40B4-BE49-F238E27FC236}">
+                  <a16:creationId xmlns:a16="http://schemas.microsoft.com/office/drawing/2014/main" id="{AF10F97E-F63A-9872-FAB4-9B909B09B0F5}"/>
+                </a:ext>
+              </a:extLst>
+            </p:cNvPr>
+            <p:cNvPicPr>
+              <a:picLocks noChangeAspect="1"/>
+            </p:cNvPicPr>
+            <p:nvPr/>
+          </p:nvPicPr>
+          <p:blipFill>
+            <a:blip r:embed="rId11">
+              <a:extLst>
+                <a:ext uri="{28A0092B-C50C-407E-A947-70E740481C1C}">
+                  <a14:useLocalDpi xmlns:a14="http://schemas.microsoft.com/office/drawing/2010/main" val="0"/>
+                </a:ext>
+              </a:extLst>
+            </a:blip>
+            <a:stretch>
+              <a:fillRect/>
+            </a:stretch>
+          </p:blipFill>
+          <p:spPr>
+            <a:xfrm rot="1144128">
+              <a:off x="5347501" y="723811"/>
+              <a:ext cx="7149991" cy="3096165"/>
+            </a:xfrm>
+            <a:prstGeom prst="rect">
+              <a:avLst/>
+            </a:prstGeom>
+          </p:spPr>
+        </p:pic>
+      </p:grpSp>
       <p:pic>
         <p:nvPicPr>
-          <p:cNvPr id="16" name="Picture 15">
-            <a:extLst>
-              <a:ext uri="{FF2B5EF4-FFF2-40B4-BE49-F238E27FC236}">
-                <a16:creationId xmlns:a16="http://schemas.microsoft.com/office/drawing/2014/main" id="{185B6067-063C-F2B6-5D79-4ED0E3E0D6A0}"/>
+          <p:cNvPr id="14" name="Picture 13">
+            <a:extLst>
+              <a:ext uri="{FF2B5EF4-FFF2-40B4-BE49-F238E27FC236}">
+                <a16:creationId xmlns:a16="http://schemas.microsoft.com/office/drawing/2014/main" id="{1A4575EF-03BD-1CEA-C8BB-1503178E3B00}"/>
               </a:ext>
             </a:extLst>
           </p:cNvPr>
@@ -6327,151 +9573,7 @@
           <p:nvPr/>
         </p:nvPicPr>
         <p:blipFill>
-          <a:blip r:embed="rId3">
-            <a:extLst>
-              <a:ext uri="{28A0092B-C50C-407E-A947-70E740481C1C}">
-                <a14:useLocalDpi xmlns:a14="http://schemas.microsoft.com/office/drawing/2010/main" val="0"/>
-              </a:ext>
-            </a:extLst>
-          </a:blip>
-          <a:stretch>
-            <a:fillRect/>
-          </a:stretch>
-        </p:blipFill>
-        <p:spPr>
-          <a:xfrm>
-            <a:off x="6444505" y="2492873"/>
-            <a:ext cx="3259649" cy="725781"/>
-          </a:xfrm>
-          <a:prstGeom prst="rect">
-            <a:avLst/>
-          </a:prstGeom>
-        </p:spPr>
-      </p:pic>
-      <p:pic>
-        <p:nvPicPr>
-          <p:cNvPr id="18" name="Picture 17">
-            <a:extLst>
-              <a:ext uri="{FF2B5EF4-FFF2-40B4-BE49-F238E27FC236}">
-                <a16:creationId xmlns:a16="http://schemas.microsoft.com/office/drawing/2014/main" id="{3B734C29-5A15-57B7-A433-F9E2F5FB7CCE}"/>
-              </a:ext>
-            </a:extLst>
-          </p:cNvPr>
-          <p:cNvPicPr>
-            <a:picLocks noChangeAspect="1"/>
-          </p:cNvPicPr>
-          <p:nvPr/>
-        </p:nvPicPr>
-        <p:blipFill>
-          <a:blip r:embed="rId4">
-            <a:extLst>
-              <a:ext uri="{28A0092B-C50C-407E-A947-70E740481C1C}">
-                <a14:useLocalDpi xmlns:a14="http://schemas.microsoft.com/office/drawing/2010/main" val="0"/>
-              </a:ext>
-            </a:extLst>
-          </a:blip>
-          <a:stretch>
-            <a:fillRect/>
-          </a:stretch>
-        </p:blipFill>
-        <p:spPr>
-          <a:xfrm>
-            <a:off x="2916545" y="2454695"/>
-            <a:ext cx="3259649" cy="1833553"/>
-          </a:xfrm>
-          <a:prstGeom prst="rect">
-            <a:avLst/>
-          </a:prstGeom>
-        </p:spPr>
-      </p:pic>
-      <p:pic>
-        <p:nvPicPr>
-          <p:cNvPr id="20" name="Picture 19">
-            <a:extLst>
-              <a:ext uri="{FF2B5EF4-FFF2-40B4-BE49-F238E27FC236}">
-                <a16:creationId xmlns:a16="http://schemas.microsoft.com/office/drawing/2014/main" id="{B68EE2F7-D6DA-A8F3-3EE6-918BF08F44E0}"/>
-              </a:ext>
-            </a:extLst>
-          </p:cNvPr>
-          <p:cNvPicPr>
-            <a:picLocks noChangeAspect="1"/>
-          </p:cNvPicPr>
-          <p:nvPr/>
-        </p:nvPicPr>
-        <p:blipFill>
-          <a:blip r:embed="rId5">
-            <a:extLst>
-              <a:ext uri="{28A0092B-C50C-407E-A947-70E740481C1C}">
-                <a14:useLocalDpi xmlns:a14="http://schemas.microsoft.com/office/drawing/2010/main" val="0"/>
-              </a:ext>
-            </a:extLst>
-          </a:blip>
-          <a:stretch>
-            <a:fillRect/>
-          </a:stretch>
-        </p:blipFill>
-        <p:spPr>
-          <a:xfrm>
-            <a:off x="3672393" y="4986016"/>
-            <a:ext cx="4602790" cy="1413713"/>
-          </a:xfrm>
-          <a:prstGeom prst="rect">
-            <a:avLst/>
-          </a:prstGeom>
-        </p:spPr>
-      </p:pic>
-      <p:pic>
-        <p:nvPicPr>
-          <p:cNvPr id="22" name="Picture 21">
-            <a:extLst>
-              <a:ext uri="{FF2B5EF4-FFF2-40B4-BE49-F238E27FC236}">
-                <a16:creationId xmlns:a16="http://schemas.microsoft.com/office/drawing/2014/main" id="{7BCB8628-4144-D299-F394-3D077EC5954E}"/>
-              </a:ext>
-            </a:extLst>
-          </p:cNvPr>
-          <p:cNvPicPr>
-            <a:picLocks noChangeAspect="1"/>
-          </p:cNvPicPr>
-          <p:nvPr/>
-        </p:nvPicPr>
-        <p:blipFill>
-          <a:blip r:embed="rId6">
-            <a:extLst>
-              <a:ext uri="{28A0092B-C50C-407E-A947-70E740481C1C}">
-                <a14:useLocalDpi xmlns:a14="http://schemas.microsoft.com/office/drawing/2010/main" val="0"/>
-              </a:ext>
-            </a:extLst>
-          </a:blip>
-          <a:stretch>
-            <a:fillRect/>
-          </a:stretch>
-        </p:blipFill>
-        <p:spPr>
-          <a:xfrm>
-            <a:off x="-1605" y="2855763"/>
-            <a:ext cx="2582468" cy="1833552"/>
-          </a:xfrm>
-          <a:prstGeom prst="rect">
-            <a:avLst/>
-          </a:prstGeom>
-        </p:spPr>
-      </p:pic>
-      <p:pic>
-        <p:nvPicPr>
-          <p:cNvPr id="14" name="Picture 13">
-            <a:extLst>
-              <a:ext uri="{FF2B5EF4-FFF2-40B4-BE49-F238E27FC236}">
-                <a16:creationId xmlns:a16="http://schemas.microsoft.com/office/drawing/2014/main" id="{91F583DC-175C-6EE8-8939-3B3621DC169F}"/>
-              </a:ext>
-            </a:extLst>
-          </p:cNvPr>
-          <p:cNvPicPr>
-            <a:picLocks noChangeAspect="1"/>
-          </p:cNvPicPr>
-          <p:nvPr/>
-        </p:nvPicPr>
-        <p:blipFill>
-          <a:blip r:embed="rId7">
+          <a:blip r:embed="rId12">
             <a:extLst>
               <a:ext uri="{28A0092B-C50C-407E-A947-70E740481C1C}">
                 <a14:useLocalDpi xmlns:a14="http://schemas.microsoft.com/office/drawing/2010/main" val="0"/>
@@ -6484,7 +9586,7 @@
         </p:blipFill>
         <p:spPr>
           <a:xfrm rot="555158">
-            <a:off x="904777" y="3404245"/>
+            <a:off x="1161600" y="2832866"/>
             <a:ext cx="10498321" cy="1958184"/>
           </a:xfrm>
           <a:prstGeom prst="rect">
@@ -6492,10 +9594,45 @@
           </a:prstGeom>
         </p:spPr>
       </p:pic>
+      <p:sp>
+        <p:nvSpPr>
+          <p:cNvPr id="2" name="Title 1">
+            <a:extLst>
+              <a:ext uri="{FF2B5EF4-FFF2-40B4-BE49-F238E27FC236}">
+                <a16:creationId xmlns:a16="http://schemas.microsoft.com/office/drawing/2014/main" id="{EE6E85D2-6816-90D2-3D2D-77BC26546CF7}"/>
+              </a:ext>
+            </a:extLst>
+          </p:cNvPr>
+          <p:cNvSpPr>
+            <a:spLocks noGrp="1"/>
+          </p:cNvSpPr>
+          <p:nvPr>
+            <p:ph type="title"/>
+          </p:nvPr>
+        </p:nvSpPr>
+        <p:spPr>
+          <a:xfrm>
+            <a:off x="838200" y="365126"/>
+            <a:ext cx="10515600" cy="856964"/>
+          </a:xfrm>
+        </p:spPr>
+        <p:txBody>
+          <a:bodyPr/>
+          <a:lstStyle/>
+          <a:p>
+            <a:r>
+              <a:rPr lang="en-GB" dirty="0">
+                <a:latin typeface="Arial Black" panose="020B0A04020102020204" pitchFamily="34" charset="0"/>
+              </a:rPr>
+              <a:t>Who are they really?</a:t>
+            </a:r>
+          </a:p>
+        </p:txBody>
+      </p:sp>
     </p:spTree>
     <p:extLst>
       <p:ext uri="{BB962C8B-B14F-4D97-AF65-F5344CB8AC3E}">
-        <p14:creationId xmlns:p14="http://schemas.microsoft.com/office/powerpoint/2010/main" val="1250475764"/>
+        <p14:creationId xmlns:p14="http://schemas.microsoft.com/office/powerpoint/2010/main" val="679196930"/>
       </p:ext>
     </p:extLst>
   </p:cSld>
@@ -6523,207 +9660,522 @@
                             </p:stCondLst>
                             <p:childTnLst>
                               <p:par>
-                                <p:cTn id="5" presetID="1" presetClass="entr" presetSubtype="0" fill="hold" grpId="0" nodeType="clickEffect">
+                                <p:cTn id="5" presetID="26" presetClass="exit" presetSubtype="0" fill="hold" nodeType="clickEffect">
                                   <p:stCondLst>
                                     <p:cond delay="0"/>
                                   </p:stCondLst>
                                   <p:childTnLst>
-                                    <p:set>
+                                    <p:animEffect transition="out" filter="wipe(down)">
                                       <p:cBhvr>
-                                        <p:cTn id="6" dur="1" fill="hold">
+                                        <p:cTn id="6" dur="180" accel="50000">
+                                          <p:stCondLst>
+                                            <p:cond delay="1820"/>
+                                          </p:stCondLst>
+                                        </p:cTn>
+                                        <p:tgtEl>
+                                          <p:spTgt spid="14"/>
+                                        </p:tgtEl>
+                                      </p:cBhvr>
+                                    </p:animEffect>
+                                    <p:anim calcmode="lin" valueType="num">
+                                      <p:cBhvr>
+                                        <p:cTn id="7" dur="1822" tmFilter="0,0; 0.14,0.31; 0.43,0.73; 0.71,0.91; 1.0,1.0">
                                           <p:stCondLst>
                                             <p:cond delay="0"/>
                                           </p:stCondLst>
                                         </p:cTn>
                                         <p:tgtEl>
-                                          <p:spTgt spid="10"/>
+                                          <p:spTgt spid="14"/>
+                                        </p:tgtEl>
+                                        <p:attrNameLst>
+                                          <p:attrName>ppt_x</p:attrName>
+                                        </p:attrNameLst>
+                                      </p:cBhvr>
+                                      <p:tavLst>
+                                        <p:tav tm="0">
+                                          <p:val>
+                                            <p:strVal val="ppt_x"/>
+                                          </p:val>
+                                        </p:tav>
+                                        <p:tav tm="100000">
+                                          <p:val>
+                                            <p:strVal val="#ppt_x+0.25"/>
+                                          </p:val>
+                                        </p:tav>
+                                      </p:tavLst>
+                                    </p:anim>
+                                    <p:anim calcmode="lin" valueType="num">
+                                      <p:cBhvr>
+                                        <p:cTn id="8" dur="178">
+                                          <p:stCondLst>
+                                            <p:cond delay="1822"/>
+                                          </p:stCondLst>
+                                        </p:cTn>
+                                        <p:tgtEl>
+                                          <p:spTgt spid="14"/>
+                                        </p:tgtEl>
+                                        <p:attrNameLst>
+                                          <p:attrName>ppt_x</p:attrName>
+                                        </p:attrNameLst>
+                                      </p:cBhvr>
+                                      <p:tavLst>
+                                        <p:tav tm="0">
+                                          <p:val>
+                                            <p:strVal val="ppt_x"/>
+                                          </p:val>
+                                        </p:tav>
+                                        <p:tav tm="100000">
+                                          <p:val>
+                                            <p:strVal val="ppt_x"/>
+                                          </p:val>
+                                        </p:tav>
+                                      </p:tavLst>
+                                    </p:anim>
+                                    <p:anim calcmode="lin" valueType="num">
+                                      <p:cBhvr>
+                                        <p:cTn id="9" dur="664" tmFilter="0.0,0.0;0.25,0.07;0.50,0.2;0.75,0.467;1.0,1.0">
+                                          <p:stCondLst>
+                                            <p:cond delay="0"/>
+                                          </p:stCondLst>
+                                        </p:cTn>
+                                        <p:tgtEl>
+                                          <p:spTgt spid="14"/>
+                                        </p:tgtEl>
+                                        <p:attrNameLst>
+                                          <p:attrName>ppt_y</p:attrName>
+                                        </p:attrNameLst>
+                                      </p:cBhvr>
+                                      <p:tavLst>
+                                        <p:tav tm="0">
+                                          <p:val>
+                                            <p:strVal val="ppt_y"/>
+                                          </p:val>
+                                        </p:tav>
+                                        <p:tav tm="5000">
+                                          <p:val>
+                                            <p:strVal val="ppt_y+0.026"/>
+                                          </p:val>
+                                        </p:tav>
+                                        <p:tav tm="10000">
+                                          <p:val>
+                                            <p:strVal val="ppt_y+0.052"/>
+                                          </p:val>
+                                        </p:tav>
+                                        <p:tav tm="15000">
+                                          <p:val>
+                                            <p:strVal val="ppt_y+0.078"/>
+                                          </p:val>
+                                        </p:tav>
+                                        <p:tav tm="20000">
+                                          <p:val>
+                                            <p:strVal val="ppt_y+0.103"/>
+                                          </p:val>
+                                        </p:tav>
+                                        <p:tav tm="30000">
+                                          <p:val>
+                                            <p:strVal val="ppt_y+0.151"/>
+                                          </p:val>
+                                        </p:tav>
+                                        <p:tav tm="40000">
+                                          <p:val>
+                                            <p:strVal val="ppt_y+0.196"/>
+                                          </p:val>
+                                        </p:tav>
+                                        <p:tav tm="50000">
+                                          <p:val>
+                                            <p:strVal val="ppt_y+0.236"/>
+                                          </p:val>
+                                        </p:tav>
+                                        <p:tav tm="60000">
+                                          <p:val>
+                                            <p:strVal val="ppt_y+0.270"/>
+                                          </p:val>
+                                        </p:tav>
+                                        <p:tav tm="70000">
+                                          <p:val>
+                                            <p:strVal val="ppt_y+0.297"/>
+                                          </p:val>
+                                        </p:tav>
+                                        <p:tav tm="80000">
+                                          <p:val>
+                                            <p:strVal val="ppt_y+0.317"/>
+                                          </p:val>
+                                        </p:tav>
+                                        <p:tav tm="90000">
+                                          <p:val>
+                                            <p:strVal val="ppt_y+0.329"/>
+                                          </p:val>
+                                        </p:tav>
+                                        <p:tav tm="100000">
+                                          <p:val>
+                                            <p:strVal val="ppt_y+0.333"/>
+                                          </p:val>
+                                        </p:tav>
+                                      </p:tavLst>
+                                    </p:anim>
+                                    <p:anim calcmode="lin" valueType="num">
+                                      <p:cBhvr>
+                                        <p:cTn id="10" dur="664" tmFilter="0, 0; 0.125,0.2665; 0.25,0.4; 0.375,0.465; 0.5,0.5;  0.625,0.535; 0.75,0.6; 0.875,0.7335; 1,1">
+                                          <p:stCondLst>
+                                            <p:cond delay="664"/>
+                                          </p:stCondLst>
+                                        </p:cTn>
+                                        <p:tgtEl>
+                                          <p:spTgt spid="14"/>
+                                        </p:tgtEl>
+                                        <p:attrNameLst>
+                                          <p:attrName>ppt_y</p:attrName>
+                                        </p:attrNameLst>
+                                      </p:cBhvr>
+                                      <p:tavLst>
+                                        <p:tav tm="0">
+                                          <p:val>
+                                            <p:strVal val="ppt_y"/>
+                                          </p:val>
+                                        </p:tav>
+                                        <p:tav tm="10000">
+                                          <p:val>
+                                            <p:strVal val="ppt_y-0.034"/>
+                                          </p:val>
+                                        </p:tav>
+                                        <p:tav tm="20000">
+                                          <p:val>
+                                            <p:strVal val="ppt_y-0.065"/>
+                                          </p:val>
+                                        </p:tav>
+                                        <p:tav tm="30000">
+                                          <p:val>
+                                            <p:strVal val="ppt_y-0.090"/>
+                                          </p:val>
+                                        </p:tav>
+                                        <p:tav tm="40000">
+                                          <p:val>
+                                            <p:strVal val="ppt_y-0.106"/>
+                                          </p:val>
+                                        </p:tav>
+                                        <p:tav tm="50000">
+                                          <p:val>
+                                            <p:strVal val="ppt_y-0.111"/>
+                                          </p:val>
+                                        </p:tav>
+                                        <p:tav tm="60000">
+                                          <p:val>
+                                            <p:strVal val="ppt_y-0.106"/>
+                                          </p:val>
+                                        </p:tav>
+                                        <p:tav tm="70000">
+                                          <p:val>
+                                            <p:strVal val="ppt_y-0.090"/>
+                                          </p:val>
+                                        </p:tav>
+                                        <p:tav tm="80000">
+                                          <p:val>
+                                            <p:strVal val="ppt_y-0.065"/>
+                                          </p:val>
+                                        </p:tav>
+                                        <p:tav tm="90000">
+                                          <p:val>
+                                            <p:strVal val="ppt_y-0.034"/>
+                                          </p:val>
+                                        </p:tav>
+                                        <p:tav tm="100000">
+                                          <p:val>
+                                            <p:strVal val="ppt_y"/>
+                                          </p:val>
+                                        </p:tav>
+                                      </p:tavLst>
+                                    </p:anim>
+                                    <p:anim calcmode="lin" valueType="num">
+                                      <p:cBhvr>
+                                        <p:cTn id="11" dur="332" tmFilter="0, 0; 0.125,0.2665; 0.25,0.4; 0.375,0.465; 0.5,0.5;  0.625,0.535; 0.75,0.6; 0.875,0.7335; 1,1">
+                                          <p:stCondLst>
+                                            <p:cond delay="1324"/>
+                                          </p:stCondLst>
+                                        </p:cTn>
+                                        <p:tgtEl>
+                                          <p:spTgt spid="14"/>
+                                        </p:tgtEl>
+                                        <p:attrNameLst>
+                                          <p:attrName>ppt_y</p:attrName>
+                                        </p:attrNameLst>
+                                      </p:cBhvr>
+                                      <p:tavLst>
+                                        <p:tav tm="0">
+                                          <p:val>
+                                            <p:strVal val="ppt_y"/>
+                                          </p:val>
+                                        </p:tav>
+                                        <p:tav tm="10000">
+                                          <p:val>
+                                            <p:strVal val="ppt_y-0.011"/>
+                                          </p:val>
+                                        </p:tav>
+                                        <p:tav tm="20000">
+                                          <p:val>
+                                            <p:strVal val="ppt_y-0.022"/>
+                                          </p:val>
+                                        </p:tav>
+                                        <p:tav tm="30000">
+                                          <p:val>
+                                            <p:strVal val="ppt_y-0.030"/>
+                                          </p:val>
+                                        </p:tav>
+                                        <p:tav tm="40000">
+                                          <p:val>
+                                            <p:strVal val="ppt_y-0.035"/>
+                                          </p:val>
+                                        </p:tav>
+                                        <p:tav tm="50000">
+                                          <p:val>
+                                            <p:strVal val="ppt_y-0.037"/>
+                                          </p:val>
+                                        </p:tav>
+                                        <p:tav tm="60000">
+                                          <p:val>
+                                            <p:strVal val="ppt_y-0.035"/>
+                                          </p:val>
+                                        </p:tav>
+                                        <p:tav tm="70000">
+                                          <p:val>
+                                            <p:strVal val="ppt_y-0.030"/>
+                                          </p:val>
+                                        </p:tav>
+                                        <p:tav tm="80000">
+                                          <p:val>
+                                            <p:strVal val="ppt_y-0.022"/>
+                                          </p:val>
+                                        </p:tav>
+                                        <p:tav tm="90000">
+                                          <p:val>
+                                            <p:strVal val="ppt_y-0.011"/>
+                                          </p:val>
+                                        </p:tav>
+                                        <p:tav tm="100000">
+                                          <p:val>
+                                            <p:strVal val="ppt_y"/>
+                                          </p:val>
+                                        </p:tav>
+                                      </p:tavLst>
+                                    </p:anim>
+                                    <p:anim calcmode="lin" valueType="num">
+                                      <p:cBhvr>
+                                        <p:cTn id="12" dur="164" tmFilter="0, 0; 0.125,0.2665; 0.25,0.4; 0.375,0.465; 0.5,0.5;  0.625,0.535; 0.75,0.6; 0.875,0.7335; 1,1">
+                                          <p:stCondLst>
+                                            <p:cond delay="1656"/>
+                                          </p:stCondLst>
+                                        </p:cTn>
+                                        <p:tgtEl>
+                                          <p:spTgt spid="14"/>
+                                        </p:tgtEl>
+                                        <p:attrNameLst>
+                                          <p:attrName>ppt_y</p:attrName>
+                                        </p:attrNameLst>
+                                      </p:cBhvr>
+                                      <p:tavLst>
+                                        <p:tav tm="0">
+                                          <p:val>
+                                            <p:strVal val="ppt_y"/>
+                                          </p:val>
+                                        </p:tav>
+                                        <p:tav tm="10000">
+                                          <p:val>
+                                            <p:strVal val="ppt_y-0.004"/>
+                                          </p:val>
+                                        </p:tav>
+                                        <p:tav tm="20000">
+                                          <p:val>
+                                            <p:strVal val="ppt_y-0.007"/>
+                                          </p:val>
+                                        </p:tav>
+                                        <p:tav tm="30000">
+                                          <p:val>
+                                            <p:strVal val="ppt_y-0.010"/>
+                                          </p:val>
+                                        </p:tav>
+                                        <p:tav tm="40000">
+                                          <p:val>
+                                            <p:strVal val="ppt_y-0.012"/>
+                                          </p:val>
+                                        </p:tav>
+                                        <p:tav tm="50000">
+                                          <p:val>
+                                            <p:strVal val="ppt_y-0.0123"/>
+                                          </p:val>
+                                        </p:tav>
+                                        <p:tav tm="60000">
+                                          <p:val>
+                                            <p:strVal val="ppt_y-0.012"/>
+                                          </p:val>
+                                        </p:tav>
+                                        <p:tav tm="70000">
+                                          <p:val>
+                                            <p:strVal val="ppt_y-0.010"/>
+                                          </p:val>
+                                        </p:tav>
+                                        <p:tav tm="80000">
+                                          <p:val>
+                                            <p:strVal val="ppt_y-0.007"/>
+                                          </p:val>
+                                        </p:tav>
+                                        <p:tav tm="90000">
+                                          <p:val>
+                                            <p:strVal val="ppt_y-0.004"/>
+                                          </p:val>
+                                        </p:tav>
+                                        <p:tav tm="100000">
+                                          <p:val>
+                                            <p:strVal val="ppt_y"/>
+                                          </p:val>
+                                        </p:tav>
+                                      </p:tavLst>
+                                    </p:anim>
+                                    <p:anim calcmode="lin" valueType="num">
+                                      <p:cBhvr>
+                                        <p:cTn id="13" dur="180" accel="50000">
+                                          <p:stCondLst>
+                                            <p:cond delay="1820"/>
+                                          </p:stCondLst>
+                                        </p:cTn>
+                                        <p:tgtEl>
+                                          <p:spTgt spid="14"/>
+                                        </p:tgtEl>
+                                        <p:attrNameLst>
+                                          <p:attrName>ppt_y</p:attrName>
+                                        </p:attrNameLst>
+                                      </p:cBhvr>
+                                      <p:tavLst>
+                                        <p:tav tm="0">
+                                          <p:val>
+                                            <p:strVal val="ppt_y"/>
+                                          </p:val>
+                                        </p:tav>
+                                        <p:tav tm="100000">
+                                          <p:val>
+                                            <p:strVal val="ppt_y+ppt_h"/>
+                                          </p:val>
+                                        </p:tav>
+                                      </p:tavLst>
+                                    </p:anim>
+                                    <p:animScale>
+                                      <p:cBhvr>
+                                        <p:cTn id="14" dur="26">
+                                          <p:stCondLst>
+                                            <p:cond delay="620"/>
+                                          </p:stCondLst>
+                                        </p:cTn>
+                                        <p:tgtEl>
+                                          <p:spTgt spid="14"/>
+                                        </p:tgtEl>
+                                      </p:cBhvr>
+                                      <p:to x="100000" y="60000"/>
+                                    </p:animScale>
+                                    <p:animScale>
+                                      <p:cBhvr>
+                                        <p:cTn id="15" dur="166" decel="50000">
+                                          <p:stCondLst>
+                                            <p:cond delay="646"/>
+                                          </p:stCondLst>
+                                        </p:cTn>
+                                        <p:tgtEl>
+                                          <p:spTgt spid="14"/>
+                                        </p:tgtEl>
+                                      </p:cBhvr>
+                                      <p:to x="100000" y="100000"/>
+                                    </p:animScale>
+                                    <p:animScale>
+                                      <p:cBhvr>
+                                        <p:cTn id="16" dur="26">
+                                          <p:stCondLst>
+                                            <p:cond delay="1312"/>
+                                          </p:stCondLst>
+                                        </p:cTn>
+                                        <p:tgtEl>
+                                          <p:spTgt spid="14"/>
+                                        </p:tgtEl>
+                                      </p:cBhvr>
+                                      <p:to x="100000" y="80000"/>
+                                    </p:animScale>
+                                    <p:animScale>
+                                      <p:cBhvr>
+                                        <p:cTn id="17" dur="166" decel="50000">
+                                          <p:stCondLst>
+                                            <p:cond delay="1338"/>
+                                          </p:stCondLst>
+                                        </p:cTn>
+                                        <p:tgtEl>
+                                          <p:spTgt spid="14"/>
+                                        </p:tgtEl>
+                                      </p:cBhvr>
+                                      <p:to x="100000" y="100000"/>
+                                    </p:animScale>
+                                    <p:animScale>
+                                      <p:cBhvr>
+                                        <p:cTn id="18" dur="26">
+                                          <p:stCondLst>
+                                            <p:cond delay="1642"/>
+                                          </p:stCondLst>
+                                        </p:cTn>
+                                        <p:tgtEl>
+                                          <p:spTgt spid="14"/>
+                                        </p:tgtEl>
+                                      </p:cBhvr>
+                                      <p:to x="100000" y="90000"/>
+                                    </p:animScale>
+                                    <p:animScale>
+                                      <p:cBhvr>
+                                        <p:cTn id="19" dur="166" decel="50000">
+                                          <p:stCondLst>
+                                            <p:cond delay="1668"/>
+                                          </p:stCondLst>
+                                        </p:cTn>
+                                        <p:tgtEl>
+                                          <p:spTgt spid="14"/>
+                                        </p:tgtEl>
+                                      </p:cBhvr>
+                                      <p:to x="100000" y="100000"/>
+                                    </p:animScale>
+                                    <p:animScale>
+                                      <p:cBhvr>
+                                        <p:cTn id="20" dur="26">
+                                          <p:stCondLst>
+                                            <p:cond delay="1808"/>
+                                          </p:stCondLst>
+                                        </p:cTn>
+                                        <p:tgtEl>
+                                          <p:spTgt spid="14"/>
+                                        </p:tgtEl>
+                                      </p:cBhvr>
+                                      <p:to x="100000" y="95000"/>
+                                    </p:animScale>
+                                    <p:animScale>
+                                      <p:cBhvr>
+                                        <p:cTn id="21" dur="166" decel="50000">
+                                          <p:stCondLst>
+                                            <p:cond delay="1834"/>
+                                          </p:stCondLst>
+                                        </p:cTn>
+                                        <p:tgtEl>
+                                          <p:spTgt spid="14"/>
+                                        </p:tgtEl>
+                                      </p:cBhvr>
+                                      <p:to x="100000" y="100000"/>
+                                    </p:animScale>
+                                    <p:set>
+                                      <p:cBhvr>
+                                        <p:cTn id="22" dur="1" fill="hold">
+                                          <p:stCondLst>
+                                            <p:cond delay="1999"/>
+                                          </p:stCondLst>
+                                        </p:cTn>
+                                        <p:tgtEl>
+                                          <p:spTgt spid="14"/>
                                         </p:tgtEl>
                                         <p:attrNameLst>
                                           <p:attrName>style.visibility</p:attrName>
                                         </p:attrNameLst>
                                       </p:cBhvr>
                                       <p:to>
-                                        <p:strVal val="visible"/>
-                                      </p:to>
-                                    </p:set>
-                                  </p:childTnLst>
-                                </p:cTn>
-                              </p:par>
-                            </p:childTnLst>
-                          </p:cTn>
-                        </p:par>
-                      </p:childTnLst>
-                    </p:cTn>
-                  </p:par>
-                  <p:par>
-                    <p:cTn id="7" fill="hold">
-                      <p:stCondLst>
-                        <p:cond delay="indefinite"/>
-                      </p:stCondLst>
-                      <p:childTnLst>
-                        <p:par>
-                          <p:cTn id="8" fill="hold">
-                            <p:stCondLst>
-                              <p:cond delay="0"/>
-                            </p:stCondLst>
-                            <p:childTnLst>
-                              <p:par>
-                                <p:cTn id="9" presetID="1" presetClass="entr" presetSubtype="0" fill="hold" nodeType="clickEffect">
-                                  <p:stCondLst>
-                                    <p:cond delay="0"/>
-                                  </p:stCondLst>
-                                  <p:childTnLst>
-                                    <p:set>
-                                      <p:cBhvr>
-                                        <p:cTn id="10" dur="1" fill="hold">
-                                          <p:stCondLst>
-                                            <p:cond delay="0"/>
-                                          </p:stCondLst>
-                                        </p:cTn>
-                                        <p:tgtEl>
-                                          <p:spTgt spid="22"/>
-                                        </p:tgtEl>
-                                        <p:attrNameLst>
-                                          <p:attrName>style.visibility</p:attrName>
-                                        </p:attrNameLst>
-                                      </p:cBhvr>
-                                      <p:to>
-                                        <p:strVal val="visible"/>
-                                      </p:to>
-                                    </p:set>
-                                  </p:childTnLst>
-                                </p:cTn>
-                              </p:par>
-                            </p:childTnLst>
-                          </p:cTn>
-                        </p:par>
-                      </p:childTnLst>
-                    </p:cTn>
-                  </p:par>
-                  <p:par>
-                    <p:cTn id="11" fill="hold">
-                      <p:stCondLst>
-                        <p:cond delay="indefinite"/>
-                      </p:stCondLst>
-                      <p:childTnLst>
-                        <p:par>
-                          <p:cTn id="12" fill="hold">
-                            <p:stCondLst>
-                              <p:cond delay="0"/>
-                            </p:stCondLst>
-                            <p:childTnLst>
-                              <p:par>
-                                <p:cTn id="13" presetID="1" presetClass="entr" presetSubtype="0" fill="hold" nodeType="clickEffect">
-                                  <p:stCondLst>
-                                    <p:cond delay="0"/>
-                                  </p:stCondLst>
-                                  <p:childTnLst>
-                                    <p:set>
-                                      <p:cBhvr>
-                                        <p:cTn id="14" dur="1" fill="hold">
-                                          <p:stCondLst>
-                                            <p:cond delay="0"/>
-                                          </p:stCondLst>
-                                        </p:cTn>
-                                        <p:tgtEl>
-                                          <p:spTgt spid="12"/>
-                                        </p:tgtEl>
-                                        <p:attrNameLst>
-                                          <p:attrName>style.visibility</p:attrName>
-                                        </p:attrNameLst>
-                                      </p:cBhvr>
-                                      <p:to>
-                                        <p:strVal val="visible"/>
-                                      </p:to>
-                                    </p:set>
-                                  </p:childTnLst>
-                                </p:cTn>
-                              </p:par>
-                            </p:childTnLst>
-                          </p:cTn>
-                        </p:par>
-                      </p:childTnLst>
-                    </p:cTn>
-                  </p:par>
-                  <p:par>
-                    <p:cTn id="15" fill="hold">
-                      <p:stCondLst>
-                        <p:cond delay="indefinite"/>
-                      </p:stCondLst>
-                      <p:childTnLst>
-                        <p:par>
-                          <p:cTn id="16" fill="hold">
-                            <p:stCondLst>
-                              <p:cond delay="0"/>
-                            </p:stCondLst>
-                            <p:childTnLst>
-                              <p:par>
-                                <p:cTn id="17" presetID="1" presetClass="entr" presetSubtype="0" fill="hold" nodeType="clickEffect">
-                                  <p:stCondLst>
-                                    <p:cond delay="0"/>
-                                  </p:stCondLst>
-                                  <p:childTnLst>
-                                    <p:set>
-                                      <p:cBhvr>
-                                        <p:cTn id="18" dur="1" fill="hold">
-                                          <p:stCondLst>
-                                            <p:cond delay="0"/>
-                                          </p:stCondLst>
-                                        </p:cTn>
-                                        <p:tgtEl>
-                                          <p:spTgt spid="18"/>
-                                        </p:tgtEl>
-                                        <p:attrNameLst>
-                                          <p:attrName>style.visibility</p:attrName>
-                                        </p:attrNameLst>
-                                      </p:cBhvr>
-                                      <p:to>
-                                        <p:strVal val="visible"/>
-                                      </p:to>
-                                    </p:set>
-                                  </p:childTnLst>
-                                </p:cTn>
-                              </p:par>
-                            </p:childTnLst>
-                          </p:cTn>
-                        </p:par>
-                      </p:childTnLst>
-                    </p:cTn>
-                  </p:par>
-                  <p:par>
-                    <p:cTn id="19" fill="hold">
-                      <p:stCondLst>
-                        <p:cond delay="indefinite"/>
-                      </p:stCondLst>
-                      <p:childTnLst>
-                        <p:par>
-                          <p:cTn id="20" fill="hold">
-                            <p:stCondLst>
-                              <p:cond delay="0"/>
-                            </p:stCondLst>
-                            <p:childTnLst>
-                              <p:par>
-                                <p:cTn id="21" presetID="1" presetClass="entr" presetSubtype="0" fill="hold" nodeType="clickEffect">
-                                  <p:stCondLst>
-                                    <p:cond delay="0"/>
-                                  </p:stCondLst>
-                                  <p:childTnLst>
-                                    <p:set>
-                                      <p:cBhvr>
-                                        <p:cTn id="22" dur="1" fill="hold">
-                                          <p:stCondLst>
-                                            <p:cond delay="0"/>
-                                          </p:stCondLst>
-                                        </p:cTn>
-                                        <p:tgtEl>
-                                          <p:spTgt spid="20"/>
-                                        </p:tgtEl>
-                                        <p:attrNameLst>
-                                          <p:attrName>style.visibility</p:attrName>
-                                        </p:attrNameLst>
-                                      </p:cBhvr>
-                                      <p:to>
-                                        <p:strVal val="visible"/>
+                                        <p:strVal val="hidden"/>
                                       </p:to>
                                     </p:set>
                                   </p:childTnLst>
@@ -6748,27 +10200,35 @@
                             </p:stCondLst>
                             <p:childTnLst>
                               <p:par>
-                                <p:cTn id="25" presetID="1" presetClass="entr" presetSubtype="0" fill="hold" nodeType="clickEffect">
+                                <p:cTn id="25" presetID="10" presetClass="exit" presetSubtype="0" fill="hold" nodeType="clickEffect">
                                   <p:stCondLst>
                                     <p:cond delay="0"/>
                                   </p:stCondLst>
                                   <p:childTnLst>
+                                    <p:animEffect transition="out" filter="fade">
+                                      <p:cBhvr>
+                                        <p:cTn id="26" dur="500"/>
+                                        <p:tgtEl>
+                                          <p:spTgt spid="3"/>
+                                        </p:tgtEl>
+                                      </p:cBhvr>
+                                    </p:animEffect>
                                     <p:set>
                                       <p:cBhvr>
-                                        <p:cTn id="26" dur="1" fill="hold">
+                                        <p:cTn id="27" dur="1" fill="hold">
                                           <p:stCondLst>
-                                            <p:cond delay="0"/>
+                                            <p:cond delay="499"/>
                                           </p:stCondLst>
                                         </p:cTn>
                                         <p:tgtEl>
-                                          <p:spTgt spid="16"/>
+                                          <p:spTgt spid="3"/>
                                         </p:tgtEl>
                                         <p:attrNameLst>
                                           <p:attrName>style.visibility</p:attrName>
                                         </p:attrNameLst>
                                       </p:cBhvr>
                                       <p:to>
-                                        <p:strVal val="visible"/>
+                                        <p:strVal val="hidden"/>
                                       </p:to>
                                     </p:set>
                                   </p:childTnLst>
@@ -6777,23 +10237,14 @@
                             </p:childTnLst>
                           </p:cTn>
                         </p:par>
-                      </p:childTnLst>
-                    </p:cTn>
-                  </p:par>
-                  <p:par>
-                    <p:cTn id="27" fill="hold">
-                      <p:stCondLst>
-                        <p:cond delay="indefinite"/>
-                      </p:stCondLst>
-                      <p:childTnLst>
                         <p:par>
                           <p:cTn id="28" fill="hold">
                             <p:stCondLst>
-                              <p:cond delay="0"/>
+                              <p:cond delay="500"/>
                             </p:stCondLst>
                             <p:childTnLst>
                               <p:par>
-                                <p:cTn id="29" presetID="26" presetClass="entr" presetSubtype="0" fill="hold" nodeType="clickEffect">
+                                <p:cTn id="29" presetID="10" presetClass="entr" presetSubtype="0" fill="hold" nodeType="afterEffect">
                                   <p:stCondLst>
                                     <p:cond delay="0"/>
                                   </p:stCondLst>
@@ -6806,7 +10257,7 @@
                                           </p:stCondLst>
                                         </p:cTn>
                                         <p:tgtEl>
-                                          <p:spTgt spid="14"/>
+                                          <p:spTgt spid="23"/>
                                         </p:tgtEl>
                                         <p:attrNameLst>
                                           <p:attrName>style.visibility</p:attrName>
@@ -6816,257 +10267,14 @@
                                         <p:strVal val="visible"/>
                                       </p:to>
                                     </p:set>
-                                    <p:animEffect transition="in" filter="wipe(down)">
+                                    <p:animEffect transition="in" filter="fade">
                                       <p:cBhvr>
-                                        <p:cTn id="31" dur="580">
-                                          <p:stCondLst>
-                                            <p:cond delay="0"/>
-                                          </p:stCondLst>
-                                        </p:cTn>
+                                        <p:cTn id="31" dur="500"/>
                                         <p:tgtEl>
-                                          <p:spTgt spid="14"/>
+                                          <p:spTgt spid="23"/>
                                         </p:tgtEl>
                                       </p:cBhvr>
                                     </p:animEffect>
-                                    <p:anim calcmode="lin" valueType="num">
-                                      <p:cBhvr>
-                                        <p:cTn id="32" dur="1822" tmFilter="0,0; 0.14,0.36; 0.43,0.73; 0.71,0.91; 1.0,1.0">
-                                          <p:stCondLst>
-                                            <p:cond delay="0"/>
-                                          </p:stCondLst>
-                                        </p:cTn>
-                                        <p:tgtEl>
-                                          <p:spTgt spid="14"/>
-                                        </p:tgtEl>
-                                        <p:attrNameLst>
-                                          <p:attrName>ppt_x</p:attrName>
-                                        </p:attrNameLst>
-                                      </p:cBhvr>
-                                      <p:tavLst>
-                                        <p:tav tm="0">
-                                          <p:val>
-                                            <p:strVal val="#ppt_x-0.25"/>
-                                          </p:val>
-                                        </p:tav>
-                                        <p:tav tm="100000">
-                                          <p:val>
-                                            <p:strVal val="#ppt_x"/>
-                                          </p:val>
-                                        </p:tav>
-                                      </p:tavLst>
-                                    </p:anim>
-                                    <p:anim calcmode="lin" valueType="num">
-                                      <p:cBhvr>
-                                        <p:cTn id="33" dur="664" tmFilter="0.0,0.0; 0.25,0.07; 0.50,0.2; 0.75,0.467; 1.0,1.0">
-                                          <p:stCondLst>
-                                            <p:cond delay="0"/>
-                                          </p:stCondLst>
-                                        </p:cTn>
-                                        <p:tgtEl>
-                                          <p:spTgt spid="14"/>
-                                        </p:tgtEl>
-                                        <p:attrNameLst>
-                                          <p:attrName>ppt_y</p:attrName>
-                                        </p:attrNameLst>
-                                      </p:cBhvr>
-                                      <p:tavLst>
-                                        <p:tav tm="0" fmla="#ppt_y-sin(pi*$)/3">
-                                          <p:val>
-                                            <p:fltVal val="0.5"/>
-                                          </p:val>
-                                        </p:tav>
-                                        <p:tav tm="100000">
-                                          <p:val>
-                                            <p:fltVal val="1"/>
-                                          </p:val>
-                                        </p:tav>
-                                      </p:tavLst>
-                                    </p:anim>
-                                    <p:anim calcmode="lin" valueType="num">
-                                      <p:cBhvr>
-                                        <p:cTn id="34" dur="664" tmFilter="0, 0; 0.125,0.2665; 0.25,0.4; 0.375,0.465; 0.5,0.5;  0.625,0.535; 0.75,0.6; 0.875,0.7335; 1,1">
-                                          <p:stCondLst>
-                                            <p:cond delay="664"/>
-                                          </p:stCondLst>
-                                        </p:cTn>
-                                        <p:tgtEl>
-                                          <p:spTgt spid="14"/>
-                                        </p:tgtEl>
-                                        <p:attrNameLst>
-                                          <p:attrName>ppt_y</p:attrName>
-                                        </p:attrNameLst>
-                                      </p:cBhvr>
-                                      <p:tavLst>
-                                        <p:tav tm="0" fmla="#ppt_y-sin(pi*$)/9">
-                                          <p:val>
-                                            <p:fltVal val="0"/>
-                                          </p:val>
-                                        </p:tav>
-                                        <p:tav tm="100000">
-                                          <p:val>
-                                            <p:fltVal val="1"/>
-                                          </p:val>
-                                        </p:tav>
-                                      </p:tavLst>
-                                    </p:anim>
-                                    <p:anim calcmode="lin" valueType="num">
-                                      <p:cBhvr>
-                                        <p:cTn id="35" dur="332" tmFilter="0, 0; 0.125,0.2665; 0.25,0.4; 0.375,0.465; 0.5,0.5;  0.625,0.535; 0.75,0.6; 0.875,0.7335; 1,1">
-                                          <p:stCondLst>
-                                            <p:cond delay="1324"/>
-                                          </p:stCondLst>
-                                        </p:cTn>
-                                        <p:tgtEl>
-                                          <p:spTgt spid="14"/>
-                                        </p:tgtEl>
-                                        <p:attrNameLst>
-                                          <p:attrName>ppt_y</p:attrName>
-                                        </p:attrNameLst>
-                                      </p:cBhvr>
-                                      <p:tavLst>
-                                        <p:tav tm="0" fmla="#ppt_y-sin(pi*$)/27">
-                                          <p:val>
-                                            <p:fltVal val="0"/>
-                                          </p:val>
-                                        </p:tav>
-                                        <p:tav tm="100000">
-                                          <p:val>
-                                            <p:fltVal val="1"/>
-                                          </p:val>
-                                        </p:tav>
-                                      </p:tavLst>
-                                    </p:anim>
-                                    <p:anim calcmode="lin" valueType="num">
-                                      <p:cBhvr>
-                                        <p:cTn id="36" dur="164" tmFilter="0, 0; 0.125,0.2665; 0.25,0.4; 0.375,0.465; 0.5,0.5;  0.625,0.535; 0.75,0.6; 0.875,0.7335; 1,1">
-                                          <p:stCondLst>
-                                            <p:cond delay="1656"/>
-                                          </p:stCondLst>
-                                        </p:cTn>
-                                        <p:tgtEl>
-                                          <p:spTgt spid="14"/>
-                                        </p:tgtEl>
-                                        <p:attrNameLst>
-                                          <p:attrName>ppt_y</p:attrName>
-                                        </p:attrNameLst>
-                                      </p:cBhvr>
-                                      <p:tavLst>
-                                        <p:tav tm="0" fmla="#ppt_y-sin(pi*$)/81">
-                                          <p:val>
-                                            <p:fltVal val="0"/>
-                                          </p:val>
-                                        </p:tav>
-                                        <p:tav tm="100000">
-                                          <p:val>
-                                            <p:fltVal val="1"/>
-                                          </p:val>
-                                        </p:tav>
-                                      </p:tavLst>
-                                    </p:anim>
-                                    <p:animScale>
-                                      <p:cBhvr>
-                                        <p:cTn id="37" dur="26">
-                                          <p:stCondLst>
-                                            <p:cond delay="650"/>
-                                          </p:stCondLst>
-                                        </p:cTn>
-                                        <p:tgtEl>
-                                          <p:spTgt spid="14"/>
-                                        </p:tgtEl>
-                                      </p:cBhvr>
-                                      <p:to x="100000" y="60000"/>
-                                    </p:animScale>
-                                    <p:animScale>
-                                      <p:cBhvr>
-                                        <p:cTn id="38" dur="166" decel="50000">
-                                          <p:stCondLst>
-                                            <p:cond delay="676"/>
-                                          </p:stCondLst>
-                                        </p:cTn>
-                                        <p:tgtEl>
-                                          <p:spTgt spid="14"/>
-                                        </p:tgtEl>
-                                      </p:cBhvr>
-                                      <p:to x="100000" y="100000"/>
-                                    </p:animScale>
-                                    <p:animScale>
-                                      <p:cBhvr>
-                                        <p:cTn id="39" dur="26">
-                                          <p:stCondLst>
-                                            <p:cond delay="1312"/>
-                                          </p:stCondLst>
-                                        </p:cTn>
-                                        <p:tgtEl>
-                                          <p:spTgt spid="14"/>
-                                        </p:tgtEl>
-                                      </p:cBhvr>
-                                      <p:to x="100000" y="80000"/>
-                                    </p:animScale>
-                                    <p:animScale>
-                                      <p:cBhvr>
-                                        <p:cTn id="40" dur="166" decel="50000">
-                                          <p:stCondLst>
-                                            <p:cond delay="1338"/>
-                                          </p:stCondLst>
-                                        </p:cTn>
-                                        <p:tgtEl>
-                                          <p:spTgt spid="14"/>
-                                        </p:tgtEl>
-                                      </p:cBhvr>
-                                      <p:to x="100000" y="100000"/>
-                                    </p:animScale>
-                                    <p:animScale>
-                                      <p:cBhvr>
-                                        <p:cTn id="41" dur="26">
-                                          <p:stCondLst>
-                                            <p:cond delay="1642"/>
-                                          </p:stCondLst>
-                                        </p:cTn>
-                                        <p:tgtEl>
-                                          <p:spTgt spid="14"/>
-                                        </p:tgtEl>
-                                      </p:cBhvr>
-                                      <p:to x="100000" y="90000"/>
-                                    </p:animScale>
-                                    <p:animScale>
-                                      <p:cBhvr>
-                                        <p:cTn id="42" dur="166" decel="50000">
-                                          <p:stCondLst>
-                                            <p:cond delay="1668"/>
-                                          </p:stCondLst>
-                                        </p:cTn>
-                                        <p:tgtEl>
-                                          <p:spTgt spid="14"/>
-                                        </p:tgtEl>
-                                      </p:cBhvr>
-                                      <p:to x="100000" y="100000"/>
-                                    </p:animScale>
-                                    <p:animScale>
-                                      <p:cBhvr>
-                                        <p:cTn id="43" dur="26">
-                                          <p:stCondLst>
-                                            <p:cond delay="1808"/>
-                                          </p:stCondLst>
-                                        </p:cTn>
-                                        <p:tgtEl>
-                                          <p:spTgt spid="14"/>
-                                        </p:tgtEl>
-                                      </p:cBhvr>
-                                      <p:to x="100000" y="95000"/>
-                                    </p:animScale>
-                                    <p:animScale>
-                                      <p:cBhvr>
-                                        <p:cTn id="44" dur="166" decel="50000">
-                                          <p:stCondLst>
-                                            <p:cond delay="1834"/>
-                                          </p:stCondLst>
-                                        </p:cTn>
-                                        <p:tgtEl>
-                                          <p:spTgt spid="14"/>
-                                        </p:tgtEl>
-                                      </p:cBhvr>
-                                      <p:to x="100000" y="100000"/>
-                                    </p:animScale>
                                   </p:childTnLst>
                                 </p:cTn>
                               </p:par>
@@ -7097,14 +10305,11 @@
         </p:cTn>
       </p:par>
     </p:tnLst>
-    <p:bldLst>
-      <p:bldP spid="10" grpId="0" animBg="1"/>
-    </p:bldLst>
   </p:timing>
 </p:sld>
 </file>
 
-<file path=ppt/slides/slide3.xml><?xml version="1.0" encoding="utf-8"?>
+<file path=ppt/slides/slide4.xml><?xml version="1.0" encoding="utf-8"?>
 <p:sld xmlns:a="http://schemas.openxmlformats.org/drawingml/2006/main" xmlns:r="http://schemas.openxmlformats.org/officeDocument/2006/relationships" xmlns:p="http://schemas.openxmlformats.org/presentationml/2006/main">
   <p:cSld>
     <p:spTree>
@@ -9524,7 +12729,7 @@
 </p:sld>
 </file>
 
-<file path=ppt/slides/slide4.xml><?xml version="1.0" encoding="utf-8"?>
+<file path=ppt/slides/slide5.xml><?xml version="1.0" encoding="utf-8"?>
 <p:sld xmlns:a="http://schemas.openxmlformats.org/drawingml/2006/main" xmlns:r="http://schemas.openxmlformats.org/officeDocument/2006/relationships" xmlns:p="http://schemas.openxmlformats.org/presentationml/2006/main">
   <p:cSld>
     <p:spTree>
@@ -9532,7 +12737,7 @@
         <p:cNvPr id="1" name="">
           <a:extLst>
             <a:ext uri="{FF2B5EF4-FFF2-40B4-BE49-F238E27FC236}">
-              <a16:creationId xmlns:a16="http://schemas.microsoft.com/office/drawing/2014/main" id="{7B19ED80-12F5-DA1C-A0FD-839BCC61FE78}"/>
+              <a16:creationId xmlns:a16="http://schemas.microsoft.com/office/drawing/2014/main" id="{E59190DF-A9C1-4A4F-72A8-3DC3828CD359}"/>
             </a:ext>
           </a:extLst>
         </p:cNvPr>
@@ -9552,7 +12757,7 @@
           <p:cNvPr id="29" name="Picture 28">
             <a:extLst>
               <a:ext uri="{FF2B5EF4-FFF2-40B4-BE49-F238E27FC236}">
-                <a16:creationId xmlns:a16="http://schemas.microsoft.com/office/drawing/2014/main" id="{F19BC8EA-AEF0-6F37-2208-D84F392C605E}"/>
+                <a16:creationId xmlns:a16="http://schemas.microsoft.com/office/drawing/2014/main" id="{196FA6FC-594B-9132-8E92-B9E92FCAA01C}"/>
               </a:ext>
             </a:extLst>
           </p:cNvPr>
@@ -9575,7 +12780,7 @@
         </p:blipFill>
         <p:spPr>
           <a:xfrm>
-            <a:off x="0" y="73025"/>
+            <a:off x="0" y="362585"/>
             <a:ext cx="12192000" cy="6711950"/>
           </a:xfrm>
           <a:prstGeom prst="rect">
@@ -9588,7 +12793,7 @@
           <p:cNvPr id="2" name="Title 1">
             <a:extLst>
               <a:ext uri="{FF2B5EF4-FFF2-40B4-BE49-F238E27FC236}">
-                <a16:creationId xmlns:a16="http://schemas.microsoft.com/office/drawing/2014/main" id="{321D34E7-F78B-55FF-1820-3BDE1D3F9151}"/>
+                <a16:creationId xmlns:a16="http://schemas.microsoft.com/office/drawing/2014/main" id="{948D1FA6-7227-3A52-113E-DC6930393364}"/>
               </a:ext>
             </a:extLst>
           </p:cNvPr>
@@ -9635,25 +12840,586 @@
               <a:rPr lang="en-GB" dirty="0">
                 <a:latin typeface="Arial Black" panose="020B0A04020102020204" pitchFamily="34" charset="0"/>
               </a:rPr>
-              <a:t>How Much Can You Buy?</a:t>
+              <a:t>Where do my orders go?</a:t>
             </a:r>
           </a:p>
         </p:txBody>
       </p:sp>
+      <p:pic>
+        <p:nvPicPr>
+          <p:cNvPr id="4" name="Picture 3">
+            <a:extLst>
+              <a:ext uri="{FF2B5EF4-FFF2-40B4-BE49-F238E27FC236}">
+                <a16:creationId xmlns:a16="http://schemas.microsoft.com/office/drawing/2014/main" id="{A3D84942-EAE1-33C0-61EC-6F9BF5EA06A3}"/>
+              </a:ext>
+            </a:extLst>
+          </p:cNvPr>
+          <p:cNvPicPr>
+            <a:picLocks noChangeAspect="1"/>
+          </p:cNvPicPr>
+          <p:nvPr/>
+        </p:nvPicPr>
+        <p:blipFill>
+          <a:blip r:embed="rId3">
+            <a:extLst>
+              <a:ext uri="{28A0092B-C50C-407E-A947-70E740481C1C}">
+                <a14:useLocalDpi xmlns:a14="http://schemas.microsoft.com/office/drawing/2010/main" val="0"/>
+              </a:ext>
+            </a:extLst>
+          </a:blip>
+          <a:stretch>
+            <a:fillRect/>
+          </a:stretch>
+        </p:blipFill>
+        <p:spPr>
+          <a:xfrm>
+            <a:off x="2084889" y="1270826"/>
+            <a:ext cx="1205500" cy="1238250"/>
+          </a:xfrm>
+          <a:prstGeom prst="rect">
+            <a:avLst/>
+          </a:prstGeom>
+        </p:spPr>
+      </p:pic>
+      <p:pic>
+        <p:nvPicPr>
+          <p:cNvPr id="5" name="Picture 4">
+            <a:extLst>
+              <a:ext uri="{FF2B5EF4-FFF2-40B4-BE49-F238E27FC236}">
+                <a16:creationId xmlns:a16="http://schemas.microsoft.com/office/drawing/2014/main" id="{3DF7AA50-772F-F71E-E34C-B3B4FA8A7678}"/>
+              </a:ext>
+            </a:extLst>
+          </p:cNvPr>
+          <p:cNvPicPr>
+            <a:picLocks noChangeAspect="1"/>
+          </p:cNvPicPr>
+          <p:nvPr/>
+        </p:nvPicPr>
+        <p:blipFill>
+          <a:blip r:embed="rId3">
+            <a:extLst>
+              <a:ext uri="{28A0092B-C50C-407E-A947-70E740481C1C}">
+                <a14:useLocalDpi xmlns:a14="http://schemas.microsoft.com/office/drawing/2010/main" val="0"/>
+              </a:ext>
+            </a:extLst>
+          </a:blip>
+          <a:stretch>
+            <a:fillRect/>
+          </a:stretch>
+        </p:blipFill>
+        <p:spPr>
+          <a:xfrm>
+            <a:off x="2469360" y="2024063"/>
+            <a:ext cx="1205500" cy="1238250"/>
+          </a:xfrm>
+          <a:prstGeom prst="rect">
+            <a:avLst/>
+          </a:prstGeom>
+        </p:spPr>
+      </p:pic>
+      <p:pic>
+        <p:nvPicPr>
+          <p:cNvPr id="28" name="Picture 27">
+            <a:extLst>
+              <a:ext uri="{FF2B5EF4-FFF2-40B4-BE49-F238E27FC236}">
+                <a16:creationId xmlns:a16="http://schemas.microsoft.com/office/drawing/2014/main" id="{0C03F877-28DB-BAD7-251C-E1C70A079EEF}"/>
+              </a:ext>
+            </a:extLst>
+          </p:cNvPr>
+          <p:cNvPicPr>
+            <a:picLocks noChangeAspect="1"/>
+          </p:cNvPicPr>
+          <p:nvPr/>
+        </p:nvPicPr>
+        <p:blipFill>
+          <a:blip r:embed="rId3">
+            <a:extLst>
+              <a:ext uri="{28A0092B-C50C-407E-A947-70E740481C1C}">
+                <a14:useLocalDpi xmlns:a14="http://schemas.microsoft.com/office/drawing/2010/main" val="0"/>
+              </a:ext>
+            </a:extLst>
+          </a:blip>
+          <a:stretch>
+            <a:fillRect/>
+          </a:stretch>
+        </p:blipFill>
+        <p:spPr>
+          <a:xfrm>
+            <a:off x="5437983" y="1724025"/>
+            <a:ext cx="1205500" cy="1238250"/>
+          </a:xfrm>
+          <a:prstGeom prst="rect">
+            <a:avLst/>
+          </a:prstGeom>
+        </p:spPr>
+      </p:pic>
+      <p:pic>
+        <p:nvPicPr>
+          <p:cNvPr id="46" name="Picture 45">
+            <a:extLst>
+              <a:ext uri="{FF2B5EF4-FFF2-40B4-BE49-F238E27FC236}">
+                <a16:creationId xmlns:a16="http://schemas.microsoft.com/office/drawing/2014/main" id="{5791F8F3-0DD3-211C-7A26-DB642CD2B791}"/>
+              </a:ext>
+            </a:extLst>
+          </p:cNvPr>
+          <p:cNvPicPr>
+            <a:picLocks noChangeAspect="1"/>
+          </p:cNvPicPr>
+          <p:nvPr/>
+        </p:nvPicPr>
+        <p:blipFill>
+          <a:blip r:embed="rId3">
+            <a:extLst>
+              <a:ext uri="{28A0092B-C50C-407E-A947-70E740481C1C}">
+                <a14:useLocalDpi xmlns:a14="http://schemas.microsoft.com/office/drawing/2010/main" val="0"/>
+              </a:ext>
+            </a:extLst>
+          </a:blip>
+          <a:stretch>
+            <a:fillRect/>
+          </a:stretch>
+        </p:blipFill>
+        <p:spPr>
+          <a:xfrm>
+            <a:off x="4547395" y="2024063"/>
+            <a:ext cx="1205500" cy="1238250"/>
+          </a:xfrm>
+          <a:prstGeom prst="rect">
+            <a:avLst/>
+          </a:prstGeom>
+        </p:spPr>
+      </p:pic>
+      <p:pic>
+        <p:nvPicPr>
+          <p:cNvPr id="47" name="Picture 46">
+            <a:extLst>
+              <a:ext uri="{FF2B5EF4-FFF2-40B4-BE49-F238E27FC236}">
+                <a16:creationId xmlns:a16="http://schemas.microsoft.com/office/drawing/2014/main" id="{294AFB54-0E92-4474-41FD-D44CF61C09E5}"/>
+              </a:ext>
+            </a:extLst>
+          </p:cNvPr>
+          <p:cNvPicPr>
+            <a:picLocks noChangeAspect="1"/>
+          </p:cNvPicPr>
+          <p:nvPr/>
+        </p:nvPicPr>
+        <p:blipFill>
+          <a:blip r:embed="rId3">
+            <a:extLst>
+              <a:ext uri="{28A0092B-C50C-407E-A947-70E740481C1C}">
+                <a14:useLocalDpi xmlns:a14="http://schemas.microsoft.com/office/drawing/2010/main" val="0"/>
+              </a:ext>
+            </a:extLst>
+          </a:blip>
+          <a:stretch>
+            <a:fillRect/>
+          </a:stretch>
+        </p:blipFill>
+        <p:spPr>
+          <a:xfrm>
+            <a:off x="10048083" y="2411270"/>
+            <a:ext cx="1205500" cy="1238250"/>
+          </a:xfrm>
+          <a:prstGeom prst="rect">
+            <a:avLst/>
+          </a:prstGeom>
+        </p:spPr>
+      </p:pic>
+      <p:pic>
+        <p:nvPicPr>
+          <p:cNvPr id="48" name="Picture 47">
+            <a:extLst>
+              <a:ext uri="{FF2B5EF4-FFF2-40B4-BE49-F238E27FC236}">
+                <a16:creationId xmlns:a16="http://schemas.microsoft.com/office/drawing/2014/main" id="{46514664-3D1E-4701-A401-94F2A1783C10}"/>
+              </a:ext>
+            </a:extLst>
+          </p:cNvPr>
+          <p:cNvPicPr>
+            <a:picLocks noChangeAspect="1"/>
+          </p:cNvPicPr>
+          <p:nvPr/>
+        </p:nvPicPr>
+        <p:blipFill>
+          <a:blip r:embed="rId3">
+            <a:extLst>
+              <a:ext uri="{28A0092B-C50C-407E-A947-70E740481C1C}">
+                <a14:useLocalDpi xmlns:a14="http://schemas.microsoft.com/office/drawing/2010/main" val="0"/>
+              </a:ext>
+            </a:extLst>
+          </a:blip>
+          <a:stretch>
+            <a:fillRect/>
+          </a:stretch>
+        </p:blipFill>
+        <p:spPr>
+          <a:xfrm>
+            <a:off x="8709820" y="3616182"/>
+            <a:ext cx="1205500" cy="1238250"/>
+          </a:xfrm>
+          <a:prstGeom prst="rect">
+            <a:avLst/>
+          </a:prstGeom>
+        </p:spPr>
+      </p:pic>
+      <p:pic>
+        <p:nvPicPr>
+          <p:cNvPr id="49" name="Picture 48">
+            <a:extLst>
+              <a:ext uri="{FF2B5EF4-FFF2-40B4-BE49-F238E27FC236}">
+                <a16:creationId xmlns:a16="http://schemas.microsoft.com/office/drawing/2014/main" id="{CAE98A5E-8225-40F9-2AC3-E3A4873EEEB0}"/>
+              </a:ext>
+            </a:extLst>
+          </p:cNvPr>
+          <p:cNvPicPr>
+            <a:picLocks noChangeAspect="1"/>
+          </p:cNvPicPr>
+          <p:nvPr/>
+        </p:nvPicPr>
+        <p:blipFill>
+          <a:blip r:embed="rId3">
+            <a:extLst>
+              <a:ext uri="{28A0092B-C50C-407E-A947-70E740481C1C}">
+                <a14:useLocalDpi xmlns:a14="http://schemas.microsoft.com/office/drawing/2010/main" val="0"/>
+              </a:ext>
+            </a:extLst>
+          </a:blip>
+          <a:stretch>
+            <a:fillRect/>
+          </a:stretch>
+        </p:blipFill>
+        <p:spPr>
+          <a:xfrm>
+            <a:off x="2747170" y="4235307"/>
+            <a:ext cx="1205500" cy="1238250"/>
+          </a:xfrm>
+          <a:prstGeom prst="rect">
+            <a:avLst/>
+          </a:prstGeom>
+        </p:spPr>
+      </p:pic>
     </p:spTree>
     <p:extLst>
       <p:ext uri="{BB962C8B-B14F-4D97-AF65-F5344CB8AC3E}">
-        <p14:creationId xmlns:p14="http://schemas.microsoft.com/office/powerpoint/2010/main" val="729515269"/>
+        <p14:creationId xmlns:p14="http://schemas.microsoft.com/office/powerpoint/2010/main" val="4013936660"/>
       </p:ext>
     </p:extLst>
   </p:cSld>
   <p:clrMapOvr>
     <a:masterClrMapping/>
   </p:clrMapOvr>
+  <p:timing>
+    <p:tnLst>
+      <p:par>
+        <p:cTn id="1" dur="indefinite" restart="never" nodeType="tmRoot">
+          <p:childTnLst>
+            <p:seq concurrent="1" nextAc="seek">
+              <p:cTn id="2" dur="indefinite" nodeType="mainSeq">
+                <p:childTnLst>
+                  <p:par>
+                    <p:cTn id="3" fill="hold">
+                      <p:stCondLst>
+                        <p:cond delay="indefinite"/>
+                      </p:stCondLst>
+                      <p:childTnLst>
+                        <p:par>
+                          <p:cTn id="4" fill="hold">
+                            <p:stCondLst>
+                              <p:cond delay="0"/>
+                            </p:stCondLst>
+                            <p:childTnLst>
+                              <p:par>
+                                <p:cTn id="5" presetID="1" presetClass="entr" presetSubtype="0" fill="hold" nodeType="clickEffect">
+                                  <p:stCondLst>
+                                    <p:cond delay="0"/>
+                                  </p:stCondLst>
+                                  <p:childTnLst>
+                                    <p:set>
+                                      <p:cBhvr>
+                                        <p:cTn id="6" dur="1" fill="hold">
+                                          <p:stCondLst>
+                                            <p:cond delay="0"/>
+                                          </p:stCondLst>
+                                        </p:cTn>
+                                        <p:tgtEl>
+                                          <p:spTgt spid="47"/>
+                                        </p:tgtEl>
+                                        <p:attrNameLst>
+                                          <p:attrName>style.visibility</p:attrName>
+                                        </p:attrNameLst>
+                                      </p:cBhvr>
+                                      <p:to>
+                                        <p:strVal val="visible"/>
+                                      </p:to>
+                                    </p:set>
+                                  </p:childTnLst>
+                                </p:cTn>
+                              </p:par>
+                            </p:childTnLst>
+                          </p:cTn>
+                        </p:par>
+                      </p:childTnLst>
+                    </p:cTn>
+                  </p:par>
+                  <p:par>
+                    <p:cTn id="7" fill="hold">
+                      <p:stCondLst>
+                        <p:cond delay="indefinite"/>
+                      </p:stCondLst>
+                      <p:childTnLst>
+                        <p:par>
+                          <p:cTn id="8" fill="hold">
+                            <p:stCondLst>
+                              <p:cond delay="0"/>
+                            </p:stCondLst>
+                            <p:childTnLst>
+                              <p:par>
+                                <p:cTn id="9" presetID="1" presetClass="entr" presetSubtype="0" fill="hold" nodeType="clickEffect">
+                                  <p:stCondLst>
+                                    <p:cond delay="0"/>
+                                  </p:stCondLst>
+                                  <p:childTnLst>
+                                    <p:set>
+                                      <p:cBhvr>
+                                        <p:cTn id="10" dur="1" fill="hold">
+                                          <p:stCondLst>
+                                            <p:cond delay="0"/>
+                                          </p:stCondLst>
+                                        </p:cTn>
+                                        <p:tgtEl>
+                                          <p:spTgt spid="46"/>
+                                        </p:tgtEl>
+                                        <p:attrNameLst>
+                                          <p:attrName>style.visibility</p:attrName>
+                                        </p:attrNameLst>
+                                      </p:cBhvr>
+                                      <p:to>
+                                        <p:strVal val="visible"/>
+                                      </p:to>
+                                    </p:set>
+                                  </p:childTnLst>
+                                </p:cTn>
+                              </p:par>
+                              <p:par>
+                                <p:cTn id="11" presetID="1" presetClass="entr" presetSubtype="0" fill="hold" nodeType="withEffect">
+                                  <p:stCondLst>
+                                    <p:cond delay="0"/>
+                                  </p:stCondLst>
+                                  <p:childTnLst>
+                                    <p:set>
+                                      <p:cBhvr>
+                                        <p:cTn id="12" dur="1" fill="hold">
+                                          <p:stCondLst>
+                                            <p:cond delay="0"/>
+                                          </p:stCondLst>
+                                        </p:cTn>
+                                        <p:tgtEl>
+                                          <p:spTgt spid="28"/>
+                                        </p:tgtEl>
+                                        <p:attrNameLst>
+                                          <p:attrName>style.visibility</p:attrName>
+                                        </p:attrNameLst>
+                                      </p:cBhvr>
+                                      <p:to>
+                                        <p:strVal val="visible"/>
+                                      </p:to>
+                                    </p:set>
+                                  </p:childTnLst>
+                                </p:cTn>
+                              </p:par>
+                            </p:childTnLst>
+                          </p:cTn>
+                        </p:par>
+                      </p:childTnLst>
+                    </p:cTn>
+                  </p:par>
+                  <p:par>
+                    <p:cTn id="13" fill="hold">
+                      <p:stCondLst>
+                        <p:cond delay="indefinite"/>
+                      </p:stCondLst>
+                      <p:childTnLst>
+                        <p:par>
+                          <p:cTn id="14" fill="hold">
+                            <p:stCondLst>
+                              <p:cond delay="0"/>
+                            </p:stCondLst>
+                            <p:childTnLst>
+                              <p:par>
+                                <p:cTn id="15" presetID="1" presetClass="entr" presetSubtype="0" fill="hold" nodeType="clickEffect">
+                                  <p:stCondLst>
+                                    <p:cond delay="0"/>
+                                  </p:stCondLst>
+                                  <p:childTnLst>
+                                    <p:set>
+                                      <p:cBhvr>
+                                        <p:cTn id="16" dur="1" fill="hold">
+                                          <p:stCondLst>
+                                            <p:cond delay="0"/>
+                                          </p:stCondLst>
+                                        </p:cTn>
+                                        <p:tgtEl>
+                                          <p:spTgt spid="4"/>
+                                        </p:tgtEl>
+                                        <p:attrNameLst>
+                                          <p:attrName>style.visibility</p:attrName>
+                                        </p:attrNameLst>
+                                      </p:cBhvr>
+                                      <p:to>
+                                        <p:strVal val="visible"/>
+                                      </p:to>
+                                    </p:set>
+                                  </p:childTnLst>
+                                </p:cTn>
+                              </p:par>
+                              <p:par>
+                                <p:cTn id="17" presetID="1" presetClass="entr" presetSubtype="0" fill="hold" nodeType="withEffect">
+                                  <p:stCondLst>
+                                    <p:cond delay="0"/>
+                                  </p:stCondLst>
+                                  <p:childTnLst>
+                                    <p:set>
+                                      <p:cBhvr>
+                                        <p:cTn id="18" dur="1" fill="hold">
+                                          <p:stCondLst>
+                                            <p:cond delay="0"/>
+                                          </p:stCondLst>
+                                        </p:cTn>
+                                        <p:tgtEl>
+                                          <p:spTgt spid="5"/>
+                                        </p:tgtEl>
+                                        <p:attrNameLst>
+                                          <p:attrName>style.visibility</p:attrName>
+                                        </p:attrNameLst>
+                                      </p:cBhvr>
+                                      <p:to>
+                                        <p:strVal val="visible"/>
+                                      </p:to>
+                                    </p:set>
+                                  </p:childTnLst>
+                                </p:cTn>
+                              </p:par>
+                            </p:childTnLst>
+                          </p:cTn>
+                        </p:par>
+                      </p:childTnLst>
+                    </p:cTn>
+                  </p:par>
+                  <p:par>
+                    <p:cTn id="19" fill="hold">
+                      <p:stCondLst>
+                        <p:cond delay="indefinite"/>
+                      </p:stCondLst>
+                      <p:childTnLst>
+                        <p:par>
+                          <p:cTn id="20" fill="hold">
+                            <p:stCondLst>
+                              <p:cond delay="0"/>
+                            </p:stCondLst>
+                            <p:childTnLst>
+                              <p:par>
+                                <p:cTn id="21" presetID="1" presetClass="entr" presetSubtype="0" fill="hold" nodeType="clickEffect">
+                                  <p:stCondLst>
+                                    <p:cond delay="0"/>
+                                  </p:stCondLst>
+                                  <p:childTnLst>
+                                    <p:set>
+                                      <p:cBhvr>
+                                        <p:cTn id="22" dur="1" fill="hold">
+                                          <p:stCondLst>
+                                            <p:cond delay="0"/>
+                                          </p:stCondLst>
+                                        </p:cTn>
+                                        <p:tgtEl>
+                                          <p:spTgt spid="48"/>
+                                        </p:tgtEl>
+                                        <p:attrNameLst>
+                                          <p:attrName>style.visibility</p:attrName>
+                                        </p:attrNameLst>
+                                      </p:cBhvr>
+                                      <p:to>
+                                        <p:strVal val="visible"/>
+                                      </p:to>
+                                    </p:set>
+                                  </p:childTnLst>
+                                </p:cTn>
+                              </p:par>
+                            </p:childTnLst>
+                          </p:cTn>
+                        </p:par>
+                      </p:childTnLst>
+                    </p:cTn>
+                  </p:par>
+                  <p:par>
+                    <p:cTn id="23" fill="hold">
+                      <p:stCondLst>
+                        <p:cond delay="indefinite"/>
+                      </p:stCondLst>
+                      <p:childTnLst>
+                        <p:par>
+                          <p:cTn id="24" fill="hold">
+                            <p:stCondLst>
+                              <p:cond delay="0"/>
+                            </p:stCondLst>
+                            <p:childTnLst>
+                              <p:par>
+                                <p:cTn id="25" presetID="1" presetClass="entr" presetSubtype="0" fill="hold" nodeType="clickEffect">
+                                  <p:stCondLst>
+                                    <p:cond delay="0"/>
+                                  </p:stCondLst>
+                                  <p:childTnLst>
+                                    <p:set>
+                                      <p:cBhvr>
+                                        <p:cTn id="26" dur="1" fill="hold">
+                                          <p:stCondLst>
+                                            <p:cond delay="0"/>
+                                          </p:stCondLst>
+                                        </p:cTn>
+                                        <p:tgtEl>
+                                          <p:spTgt spid="49"/>
+                                        </p:tgtEl>
+                                        <p:attrNameLst>
+                                          <p:attrName>style.visibility</p:attrName>
+                                        </p:attrNameLst>
+                                      </p:cBhvr>
+                                      <p:to>
+                                        <p:strVal val="visible"/>
+                                      </p:to>
+                                    </p:set>
+                                  </p:childTnLst>
+                                </p:cTn>
+                              </p:par>
+                            </p:childTnLst>
+                          </p:cTn>
+                        </p:par>
+                      </p:childTnLst>
+                    </p:cTn>
+                  </p:par>
+                </p:childTnLst>
+              </p:cTn>
+              <p:prevCondLst>
+                <p:cond evt="onPrev" delay="0">
+                  <p:tgtEl>
+                    <p:sldTgt/>
+                  </p:tgtEl>
+                </p:cond>
+              </p:prevCondLst>
+              <p:nextCondLst>
+                <p:cond evt="onNext" delay="0">
+                  <p:tgtEl>
+                    <p:sldTgt/>
+                  </p:tgtEl>
+                </p:cond>
+              </p:nextCondLst>
+            </p:seq>
+          </p:childTnLst>
+        </p:cTn>
+      </p:par>
+    </p:tnLst>
+  </p:timing>
 </p:sld>
 </file>
 
-<file path=ppt/slides/slide5.xml><?xml version="1.0" encoding="utf-8"?>
+<file path=ppt/slides/slide6.xml><?xml version="1.0" encoding="utf-8"?>
 <p:sld xmlns:a="http://schemas.openxmlformats.org/drawingml/2006/main" xmlns:r="http://schemas.openxmlformats.org/officeDocument/2006/relationships" xmlns:p="http://schemas.openxmlformats.org/presentationml/2006/main">
   <p:cSld>
     <p:spTree>
@@ -9661,7 +13427,3290 @@
         <p:cNvPr id="1" name="">
           <a:extLst>
             <a:ext uri="{FF2B5EF4-FFF2-40B4-BE49-F238E27FC236}">
-              <a16:creationId xmlns:a16="http://schemas.microsoft.com/office/drawing/2014/main" id="{63FA23C5-258E-34BB-B719-BA39D8BA0DA7}"/>
+              <a16:creationId xmlns:a16="http://schemas.microsoft.com/office/drawing/2014/main" id="{6B3CB19F-9D67-D520-3D7B-20F10EF84108}"/>
+            </a:ext>
+          </a:extLst>
+        </p:cNvPr>
+        <p:cNvGrpSpPr/>
+        <p:nvPr/>
+      </p:nvGrpSpPr>
+      <p:grpSpPr>
+        <a:xfrm>
+          <a:off x="0" y="0"/>
+          <a:ext cx="0" cy="0"/>
+          <a:chOff x="0" y="0"/>
+          <a:chExt cx="0" cy="0"/>
+        </a:xfrm>
+      </p:grpSpPr>
+      <p:pic>
+        <p:nvPicPr>
+          <p:cNvPr id="29" name="Picture 28">
+            <a:extLst>
+              <a:ext uri="{FF2B5EF4-FFF2-40B4-BE49-F238E27FC236}">
+                <a16:creationId xmlns:a16="http://schemas.microsoft.com/office/drawing/2014/main" id="{690E1BF8-B026-8B62-37FA-640B6B18F8A2}"/>
+              </a:ext>
+            </a:extLst>
+          </p:cNvPr>
+          <p:cNvPicPr>
+            <a:picLocks noChangeAspect="1"/>
+          </p:cNvPicPr>
+          <p:nvPr/>
+        </p:nvPicPr>
+        <p:blipFill>
+          <a:blip r:embed="rId2">
+            <a:extLst>
+              <a:ext uri="{28A0092B-C50C-407E-A947-70E740481C1C}">
+                <a14:useLocalDpi xmlns:a14="http://schemas.microsoft.com/office/drawing/2010/main" val="0"/>
+              </a:ext>
+            </a:extLst>
+          </a:blip>
+          <a:stretch>
+            <a:fillRect/>
+          </a:stretch>
+        </p:blipFill>
+        <p:spPr>
+          <a:xfrm>
+            <a:off x="0" y="362585"/>
+            <a:ext cx="12192000" cy="6711950"/>
+          </a:xfrm>
+          <a:prstGeom prst="rect">
+            <a:avLst/>
+          </a:prstGeom>
+        </p:spPr>
+      </p:pic>
+      <p:sp>
+        <p:nvSpPr>
+          <p:cNvPr id="2" name="Title 1">
+            <a:extLst>
+              <a:ext uri="{FF2B5EF4-FFF2-40B4-BE49-F238E27FC236}">
+                <a16:creationId xmlns:a16="http://schemas.microsoft.com/office/drawing/2014/main" id="{9A29A944-538A-CA8A-1D42-864FC308A90E}"/>
+              </a:ext>
+            </a:extLst>
+          </p:cNvPr>
+          <p:cNvSpPr txBox="1">
+            <a:spLocks/>
+          </p:cNvSpPr>
+          <p:nvPr/>
+        </p:nvSpPr>
+        <p:spPr>
+          <a:xfrm>
+            <a:off x="838200" y="365126"/>
+            <a:ext cx="10515600" cy="856964"/>
+          </a:xfrm>
+          <a:prstGeom prst="rect">
+            <a:avLst/>
+          </a:prstGeom>
+        </p:spPr>
+        <p:txBody>
+          <a:bodyPr vert="horz" lIns="91440" tIns="45720" rIns="91440" bIns="45720" rtlCol="0" anchor="b">
+            <a:normAutofit lnSpcReduction="10000"/>
+          </a:bodyPr>
+          <a:lstStyle>
+            <a:lvl1pPr algn="ctr" defTabSz="914400" rtl="0" eaLnBrk="1" latinLnBrk="0" hangingPunct="1">
+              <a:lnSpc>
+                <a:spcPct val="90000"/>
+              </a:lnSpc>
+              <a:spcBef>
+                <a:spcPct val="0"/>
+              </a:spcBef>
+              <a:buNone/>
+              <a:defRPr sz="6000" kern="1200">
+                <a:solidFill>
+                  <a:schemeClr val="tx1"/>
+                </a:solidFill>
+                <a:latin typeface="+mj-lt"/>
+                <a:ea typeface="+mj-ea"/>
+                <a:cs typeface="+mj-cs"/>
+              </a:defRPr>
+            </a:lvl1pPr>
+          </a:lstStyle>
+          <a:p>
+            <a:pPr algn="l"/>
+            <a:r>
+              <a:rPr lang="en-GB" dirty="0">
+                <a:latin typeface="Arial Black" panose="020B0A04020102020204" pitchFamily="34" charset="0"/>
+              </a:rPr>
+              <a:t>… no … seriously …</a:t>
+            </a:r>
+          </a:p>
+        </p:txBody>
+      </p:sp>
+      <p:pic>
+        <p:nvPicPr>
+          <p:cNvPr id="47" name="Picture 46">
+            <a:extLst>
+              <a:ext uri="{FF2B5EF4-FFF2-40B4-BE49-F238E27FC236}">
+                <a16:creationId xmlns:a16="http://schemas.microsoft.com/office/drawing/2014/main" id="{89B022F4-F2BE-8564-D79F-555B93071BE7}"/>
+              </a:ext>
+            </a:extLst>
+          </p:cNvPr>
+          <p:cNvPicPr>
+            <a:picLocks noChangeAspect="1"/>
+          </p:cNvPicPr>
+          <p:nvPr/>
+        </p:nvPicPr>
+        <p:blipFill>
+          <a:blip r:embed="rId3">
+            <a:extLst>
+              <a:ext uri="{28A0092B-C50C-407E-A947-70E740481C1C}">
+                <a14:useLocalDpi xmlns:a14="http://schemas.microsoft.com/office/drawing/2010/main" val="0"/>
+              </a:ext>
+            </a:extLst>
+          </a:blip>
+          <a:stretch>
+            <a:fillRect/>
+          </a:stretch>
+        </p:blipFill>
+        <p:spPr>
+          <a:xfrm>
+            <a:off x="10048083" y="2411270"/>
+            <a:ext cx="1205500" cy="1238250"/>
+          </a:xfrm>
+          <a:prstGeom prst="rect">
+            <a:avLst/>
+          </a:prstGeom>
+        </p:spPr>
+      </p:pic>
+      <p:pic>
+        <p:nvPicPr>
+          <p:cNvPr id="6" name="Picture 5">
+            <a:extLst>
+              <a:ext uri="{FF2B5EF4-FFF2-40B4-BE49-F238E27FC236}">
+                <a16:creationId xmlns:a16="http://schemas.microsoft.com/office/drawing/2014/main" id="{79455C18-1075-77B3-52E6-7C5C11BD916C}"/>
+              </a:ext>
+            </a:extLst>
+          </p:cNvPr>
+          <p:cNvPicPr>
+            <a:picLocks noChangeAspect="1"/>
+          </p:cNvPicPr>
+          <p:nvPr/>
+        </p:nvPicPr>
+        <p:blipFill>
+          <a:blip r:embed="rId4">
+            <a:extLst>
+              <a:ext uri="{28A0092B-C50C-407E-A947-70E740481C1C}">
+                <a14:useLocalDpi xmlns:a14="http://schemas.microsoft.com/office/drawing/2010/main" val="0"/>
+              </a:ext>
+            </a:extLst>
+          </a:blip>
+          <a:stretch>
+            <a:fillRect/>
+          </a:stretch>
+        </p:blipFill>
+        <p:spPr>
+          <a:xfrm>
+            <a:off x="10127455" y="5287374"/>
+            <a:ext cx="1165814" cy="1165814"/>
+          </a:xfrm>
+          <a:prstGeom prst="rect">
+            <a:avLst/>
+          </a:prstGeom>
+        </p:spPr>
+      </p:pic>
+    </p:spTree>
+    <p:extLst>
+      <p:ext uri="{BB962C8B-B14F-4D97-AF65-F5344CB8AC3E}">
+        <p14:creationId xmlns:p14="http://schemas.microsoft.com/office/powerpoint/2010/main" val="3352555866"/>
+      </p:ext>
+    </p:extLst>
+  </p:cSld>
+  <p:clrMapOvr>
+    <a:masterClrMapping/>
+  </p:clrMapOvr>
+  <p:timing>
+    <p:tnLst>
+      <p:par>
+        <p:cTn id="1" dur="indefinite" restart="never" nodeType="tmRoot">
+          <p:childTnLst>
+            <p:seq concurrent="1" nextAc="seek">
+              <p:cTn id="2" dur="indefinite" nodeType="mainSeq">
+                <p:childTnLst>
+                  <p:par>
+                    <p:cTn id="3" fill="hold">
+                      <p:stCondLst>
+                        <p:cond delay="indefinite"/>
+                      </p:stCondLst>
+                      <p:childTnLst>
+                        <p:par>
+                          <p:cTn id="4" fill="hold">
+                            <p:stCondLst>
+                              <p:cond delay="0"/>
+                            </p:stCondLst>
+                            <p:childTnLst>
+                              <p:par>
+                                <p:cTn id="5" presetID="0" presetClass="path" presetSubtype="0" accel="50000" decel="50000" fill="hold" nodeType="clickEffect">
+                                  <p:stCondLst>
+                                    <p:cond delay="0"/>
+                                  </p:stCondLst>
+                                  <p:childTnLst>
+                                    <p:animMotion origin="layout" path="M 2.08333E-7 7.40741E-7 L 2.08333E-7 0.00023 C 0.00143 -0.00185 0.00312 -0.00301 0.0043 -0.00556 C 0.00664 -0.01065 0.00651 -0.0169 0.00352 -0.02083 C 0.00117 -0.02431 -0.00182 -0.02546 -0.00443 -0.02778 C -0.00729 -0.02639 -0.01068 -0.02662 -0.01289 -0.02315 C -0.01549 -0.01968 -0.01471 -0.00857 -0.01289 -0.00463 C -0.01198 -0.00278 -0.01016 -0.00208 -0.00885 -0.00093 C -0.00716 -0.00139 -0.00508 -0.0007 -0.00365 -0.00232 C -0.00091 -0.00625 -0.00052 -0.0125 0.00039 -0.01782 C -0.00508 -0.025 -0.00573 -0.02685 -0.01484 -0.02639 C -0.01641 -0.02639 -0.01732 -0.02315 -0.01849 -0.02176 C -0.01836 -0.01806 -0.01875 -0.01412 -0.0181 -0.01088 C -0.01549 0.00139 -0.01341 0.00046 -0.00768 0.00463 C -0.00456 0.00093 -0.00117 -0.00162 0.00156 -0.00625 C 0.00339 -0.00972 0.00495 -0.01389 0.00599 -0.01852 C 0.00638 -0.0206 0.00612 -0.02384 0.00521 -0.02477 C 0.00208 -0.02801 -0.00156 -0.02824 -0.00482 -0.03009 C -0.01068 -0.02917 -0.02135 -0.03032 -0.02656 -0.02083 C -0.02852 -0.01759 -0.02891 -0.01157 -0.03008 -0.00695 C -0.03125 0.01088 -0.03398 0.02986 -0.02852 0.04768 C -0.02604 0.05532 -0.02135 0.05972 -0.01732 0.06458 C -0.0069 0.07708 0.00443 0.08704 0.0168 0.09074 C 0.02214 0.09236 0.02773 0.0912 0.0332 0.09167 C 0.0375 0.08843 0.04206 0.08634 0.04596 0.08241 C 0.04831 0.08009 0.05599 0.06435 0.05807 0.06065 C 0.05924 0.05324 0.06107 0.04606 0.06159 0.03843 C 0.06263 0.025 0.06302 0.0118 0.06237 -0.00162 C 0.06159 -0.02083 0.05664 -0.03403 0.05 -0.04792 C 0.04128 -0.06574 0.03242 -0.08357 0.02279 -0.09954 C -0.0056 -0.14676 0.00195 -0.12662 -0.03255 -0.15949 C -0.0776 -0.20278 -0.01771 -0.15949 -0.08177 -0.2088 C -0.10182 -0.22454 -0.12448 -0.23519 -0.14544 -0.24352 C -0.15508 -0.24745 -0.16471 -0.25093 -0.17435 -0.25278 C -0.18568 -0.25532 -0.19701 -0.25532 -0.20833 -0.25648 C -0.22396 -0.25556 -0.23971 -0.25579 -0.25521 -0.25347 C -0.27344 -0.25116 -0.28372 -0.24445 -0.30091 -0.2382 C -0.30781 -0.23588 -0.31497 -0.23472 -0.32174 -0.23125 C -0.3793 -0.20278 -0.31458 -0.23125 -0.36628 -0.19491 C -0.37135 -0.19167 -0.38112 -0.18542 -0.38503 -0.1787 C -0.38607 -0.17708 -0.38724 -0.175 -0.38828 -0.17338 C -0.38971 -0.17153 -0.39128 -0.1706 -0.39271 -0.16875 C -0.39583 -0.16528 -0.39674 -0.16366 -0.39909 -0.1588 C -0.40195 -0.15278 -0.40299 -0.15 -0.40508 -0.1419 C -0.41185 -0.1169 -0.40482 -0.13912 -0.4099 -0.12338 C -0.40977 -0.1213 -0.41055 -0.11806 -0.40951 -0.11713 C -0.40326 -0.11343 -0.4026 -0.11945 -0.39987 -0.12639 C -0.40039 -0.13241 -0.40052 -0.13843 -0.40143 -0.14421 C -0.40182 -0.1463 -0.40313 -0.14745 -0.40391 -0.14884 C -0.40612 -0.15208 -0.40677 -0.15255 -0.40911 -0.15417 C -0.42435 -0.14583 -0.42656 -0.14653 -0.43997 -0.13264 C -0.4418 -0.13079 -0.4431 -0.12801 -0.44479 -0.1257 C -0.4457 -0.11806 -0.44818 -0.10556 -0.44271 -0.09954 C -0.43971 -0.09607 -0.43555 -0.1 -0.4319 -0.10023 C -0.4263 -0.1044 -0.41849 -0.10695 -0.4151 -0.11875 C -0.41406 -0.12292 -0.41458 -0.12801 -0.41432 -0.13264 C -0.42135 -0.14236 -0.42161 -0.14815 -0.42995 -0.14259 C -0.43125 -0.1419 -0.43203 -0.13912 -0.43307 -0.13727 C -0.42656 -0.11991 -0.42839 -0.12083 -0.40911 -0.11945 C -0.40703 -0.11945 -0.40586 -0.12454 -0.4043 -0.12708 C -0.41289 -0.15023 -0.41224 -0.15833 -0.43073 -0.1588 C -0.43333 -0.15903 -0.43503 -0.15255 -0.43711 -0.14954 C -0.43503 -0.14352 -0.43451 -0.13287 -0.43073 -0.13171 C -0.42786 -0.13125 -0.42773 -0.1419 -0.42786 -0.14722 C -0.42813 -0.15347 -0.4306 -0.1581 -0.4319 -0.16343 C -0.43385 -0.16227 -0.43659 -0.16366 -0.4375 -0.16042 C -0.44049 -0.15023 -0.4418 -0.12222 -0.43555 -0.11343 C -0.43216 -0.10857 -0.42695 -0.11181 -0.42266 -0.11111 C -0.41784 -0.12292 -0.41172 -0.1331 -0.40833 -0.14653 C -0.4069 -0.15232 -0.40599 -0.16343 -0.40911 -0.16574 C -0.41393 -0.16945 -0.41901 -0.16111 -0.42396 -0.1588 C -0.42773 -0.15185 -0.43281 -0.14676 -0.43555 -0.13796 C -0.43737 -0.13218 -0.43971 -0.12153 -0.43672 -0.11713 C -0.43151 -0.10949 -0.4237 -0.1125 -0.41706 -0.11019 C -0.41172 -0.11412 -0.40573 -0.11528 -0.40104 -0.12176 C -0.39961 -0.12407 -0.4 -0.13079 -0.40143 -0.13264 C -0.40625 -0.13843 -0.41211 -0.13866 -0.41745 -0.1419 C -0.4207 -0.1412 -0.42487 -0.14468 -0.42708 -0.14028 C -0.43112 -0.13333 -0.42721 -0.10417 -0.42669 -0.09861 C -0.41458 -0.11296 -0.41211 -0.11157 -0.41263 -0.15648 C -0.41289 -0.16389 -0.41771 -0.16782 -0.42031 -0.17338 C -0.42917 -0.16945 -0.45885 -0.16042 -0.46523 -0.1419 C -0.47005 -0.12801 -0.46758 -0.10857 -0.46875 -0.09167 C -0.44714 -0.0507 -0.44557 -0.03426 -0.41107 -0.03102 C -0.40326 -0.03009 -0.39583 -0.03958 -0.38828 -0.04398 C -0.38177 -0.05949 -0.35286 -0.11713 -0.35026 -0.14884 C -0.34935 -0.15926 -0.35286 -0.16945 -0.35547 -0.1787 C -0.35807 -0.18866 -0.3612 -0.19838 -0.36536 -0.20509 C -0.38047 -0.2287 -0.39036 -0.23009 -0.40872 -0.23588 C -0.41823 -0.23889 -0.4276 -0.24097 -0.43711 -0.24352 L -0.49883 -0.24282 C -0.50352 -0.24282 -0.50807 -0.24282 -0.5125 -0.2412 C -0.51589 -0.24028 -0.51927 -0.23727 -0.5224 -0.23495 C -0.54362 -0.22153 -0.54466 -0.22222 -0.56406 -0.19815 C -0.56875 -0.19236 -0.57266 -0.18449 -0.57734 -0.1787 C -0.58542 -0.16921 -0.59401 -0.16273 -0.60182 -0.15255 C -0.61276 -0.13912 -0.6082 -0.14537 -0.61576 -0.13403 C -0.61771 -0.12755 -0.62031 -0.11898 -0.62135 -0.11181 C -0.6224 -0.10648 -0.62279 -0.10046 -0.62344 -0.09491 C -0.62253 -0.08218 -0.62565 -0.06551 -0.62057 -0.05718 C -0.60846 -0.03657 -0.60521 -0.05486 -0.60299 -0.06551 C -0.61198 -0.07361 -0.60951 -0.07361 -0.62422 -0.06713 C -0.62526 -0.0669 -0.62552 -0.06412 -0.62617 -0.0625 C -0.62604 -0.05995 -0.62708 -0.05602 -0.62578 -0.05486 C -0.62409 -0.05324 -0.62188 -0.05556 -0.61979 -0.05625 C -0.61901 -0.05648 -0.61667 -0.0581 -0.61745 -0.05787 C -0.6207 -0.05695 -0.62383 -0.05532 -0.62708 -0.05394 C -0.62669 -0.05278 -0.62708 -0.05023 -0.62617 -0.05023 C -0.61784 -0.05093 -0.61849 -0.05162 -0.61536 -0.06088 C -0.61615 -0.06204 -0.61706 -0.06343 -0.61784 -0.06412 C -0.62214 -0.0669 -0.62422 -0.06528 -0.62865 -0.06412 C -0.62917 -0.06227 -0.62995 -0.06065 -0.63021 -0.05857 C -0.63034 -0.05787 -0.63034 -0.05625 -0.62982 -0.05625 C -0.62708 -0.05602 -0.62422 -0.05741 -0.62135 -0.05787 C -0.62214 -0.06042 -0.62214 -0.06505 -0.62344 -0.06551 C -0.63424 -0.07014 -0.63385 -0.06921 -0.63737 -0.06019 C -0.63659 -0.05695 -0.6362 -0.05324 -0.63503 -0.05023 C -0.63359 -0.0463 -0.63047 -0.04838 -0.62865 -0.04931 C -0.61992 -0.05486 -0.62422 -0.05417 -0.61784 -0.05625 C -0.61771 -0.05648 -0.61732 -0.05625 -0.61706 -0.05625 " pathEditMode="relative" rAng="0" ptsTypes="AAAAAAAAAAAAAAAAAAAAAAAAAAAAAAAAAAAAAAAAAAAAAAAAAAAAAAAAAAAAAAAAAAAAAAAAAAAAAAAAAAAAAAAAAAAAAAAAAAAAAAAAAAAAAAAAAAAAAAAA">
+                                      <p:cBhvr>
+                                        <p:cTn id="6" dur="5000" fill="hold"/>
+                                        <p:tgtEl>
+                                          <p:spTgt spid="47"/>
+                                        </p:tgtEl>
+                                        <p:attrNameLst>
+                                          <p:attrName>ppt_x</p:attrName>
+                                          <p:attrName>ppt_y</p:attrName>
+                                        </p:attrNameLst>
+                                      </p:cBhvr>
+                                      <p:rCtr x="-28737" y="-8241"/>
+                                    </p:animMotion>
+                                  </p:childTnLst>
+                                </p:cTn>
+                              </p:par>
+                              <p:par>
+                                <p:cTn id="7" presetID="37" presetClass="path" presetSubtype="0" accel="50000" decel="50000" fill="hold" nodeType="withEffect">
+                                  <p:stCondLst>
+                                    <p:cond delay="0"/>
+                                  </p:stCondLst>
+                                  <p:childTnLst>
+                                    <p:animMotion origin="layout" path="M 4.58333E-6 -0.00046 L -0.20586 -0.28866 C -0.24844 -0.35371 -0.31276 -0.3882 -0.38008 -0.3882 C -0.45678 -0.3882 -0.5181 -0.35371 -0.56081 -0.28866 L -0.76589 -0.00046 " pathEditMode="relative" rAng="0" ptsTypes="AAAAA">
+                                      <p:cBhvr>
+                                        <p:cTn id="8" dur="5000" fill="hold"/>
+                                        <p:tgtEl>
+                                          <p:spTgt spid="6"/>
+                                        </p:tgtEl>
+                                        <p:attrNameLst>
+                                          <p:attrName>ppt_x</p:attrName>
+                                          <p:attrName>ppt_y</p:attrName>
+                                        </p:attrNameLst>
+                                      </p:cBhvr>
+                                      <p:rCtr x="-38294" y="-19398"/>
+                                    </p:animMotion>
+                                  </p:childTnLst>
+                                </p:cTn>
+                              </p:par>
+                            </p:childTnLst>
+                          </p:cTn>
+                        </p:par>
+                      </p:childTnLst>
+                    </p:cTn>
+                  </p:par>
+                </p:childTnLst>
+              </p:cTn>
+              <p:prevCondLst>
+                <p:cond evt="onPrev" delay="0">
+                  <p:tgtEl>
+                    <p:sldTgt/>
+                  </p:tgtEl>
+                </p:cond>
+              </p:prevCondLst>
+              <p:nextCondLst>
+                <p:cond evt="onNext" delay="0">
+                  <p:tgtEl>
+                    <p:sldTgt/>
+                  </p:tgtEl>
+                </p:cond>
+              </p:nextCondLst>
+            </p:seq>
+          </p:childTnLst>
+        </p:cTn>
+      </p:par>
+    </p:tnLst>
+  </p:timing>
+</p:sld>
+</file>
+
+<file path=ppt/slides/slide7.xml><?xml version="1.0" encoding="utf-8"?>
+<p:sld xmlns:a="http://schemas.openxmlformats.org/drawingml/2006/main" xmlns:r="http://schemas.openxmlformats.org/officeDocument/2006/relationships" xmlns:p="http://schemas.openxmlformats.org/presentationml/2006/main">
+  <p:cSld>
+    <p:spTree>
+      <p:nvGrpSpPr>
+        <p:cNvPr id="1" name="">
+          <a:extLst>
+            <a:ext uri="{FF2B5EF4-FFF2-40B4-BE49-F238E27FC236}">
+              <a16:creationId xmlns:a16="http://schemas.microsoft.com/office/drawing/2014/main" id="{CD25B0F9-48F0-A0D9-DD1C-955D17AFD5D9}"/>
+            </a:ext>
+          </a:extLst>
+        </p:cNvPr>
+        <p:cNvGrpSpPr/>
+        <p:nvPr/>
+      </p:nvGrpSpPr>
+      <p:grpSpPr>
+        <a:xfrm>
+          <a:off x="0" y="0"/>
+          <a:ext cx="0" cy="0"/>
+          <a:chOff x="0" y="0"/>
+          <a:chExt cx="0" cy="0"/>
+        </a:xfrm>
+      </p:grpSpPr>
+      <p:pic>
+        <p:nvPicPr>
+          <p:cNvPr id="29" name="Picture 28">
+            <a:extLst>
+              <a:ext uri="{FF2B5EF4-FFF2-40B4-BE49-F238E27FC236}">
+                <a16:creationId xmlns:a16="http://schemas.microsoft.com/office/drawing/2014/main" id="{5BA6AC5A-C08E-8790-CE6B-74A32B693DB8}"/>
+              </a:ext>
+            </a:extLst>
+          </p:cNvPr>
+          <p:cNvPicPr>
+            <a:picLocks noChangeAspect="1"/>
+          </p:cNvPicPr>
+          <p:nvPr/>
+        </p:nvPicPr>
+        <p:blipFill>
+          <a:blip r:embed="rId2">
+            <a:extLst>
+              <a:ext uri="{28A0092B-C50C-407E-A947-70E740481C1C}">
+                <a14:useLocalDpi xmlns:a14="http://schemas.microsoft.com/office/drawing/2010/main" val="0"/>
+              </a:ext>
+            </a:extLst>
+          </a:blip>
+          <a:stretch>
+            <a:fillRect/>
+          </a:stretch>
+        </p:blipFill>
+        <p:spPr>
+          <a:xfrm>
+            <a:off x="0" y="362585"/>
+            <a:ext cx="12192000" cy="6711950"/>
+          </a:xfrm>
+          <a:prstGeom prst="rect">
+            <a:avLst/>
+          </a:prstGeom>
+        </p:spPr>
+      </p:pic>
+      <p:sp>
+        <p:nvSpPr>
+          <p:cNvPr id="2" name="Title 1">
+            <a:extLst>
+              <a:ext uri="{FF2B5EF4-FFF2-40B4-BE49-F238E27FC236}">
+                <a16:creationId xmlns:a16="http://schemas.microsoft.com/office/drawing/2014/main" id="{75D7A1BB-56A4-52A9-1EC2-EECA0217AA8C}"/>
+              </a:ext>
+            </a:extLst>
+          </p:cNvPr>
+          <p:cNvSpPr txBox="1">
+            <a:spLocks/>
+          </p:cNvSpPr>
+          <p:nvPr/>
+        </p:nvSpPr>
+        <p:spPr>
+          <a:xfrm>
+            <a:off x="838200" y="365126"/>
+            <a:ext cx="10515600" cy="856964"/>
+          </a:xfrm>
+          <a:prstGeom prst="rect">
+            <a:avLst/>
+          </a:prstGeom>
+        </p:spPr>
+        <p:txBody>
+          <a:bodyPr vert="horz" lIns="91440" tIns="45720" rIns="91440" bIns="45720" rtlCol="0" anchor="b">
+            <a:normAutofit lnSpcReduction="10000"/>
+          </a:bodyPr>
+          <a:lstStyle>
+            <a:lvl1pPr algn="ctr" defTabSz="914400" rtl="0" eaLnBrk="1" latinLnBrk="0" hangingPunct="1">
+              <a:lnSpc>
+                <a:spcPct val="90000"/>
+              </a:lnSpc>
+              <a:spcBef>
+                <a:spcPct val="0"/>
+              </a:spcBef>
+              <a:buNone/>
+              <a:defRPr sz="6000" kern="1200">
+                <a:solidFill>
+                  <a:schemeClr val="tx1"/>
+                </a:solidFill>
+                <a:latin typeface="+mj-lt"/>
+                <a:ea typeface="+mj-ea"/>
+                <a:cs typeface="+mj-cs"/>
+              </a:defRPr>
+            </a:lvl1pPr>
+          </a:lstStyle>
+          <a:p>
+            <a:pPr algn="l"/>
+            <a:r>
+              <a:rPr lang="en-GB" dirty="0">
+                <a:latin typeface="Arial Black" panose="020B0A04020102020204" pitchFamily="34" charset="0"/>
+              </a:rPr>
+              <a:t>… seriously …?!</a:t>
+            </a:r>
+          </a:p>
+        </p:txBody>
+      </p:sp>
+      <p:grpSp>
+        <p:nvGrpSpPr>
+          <p:cNvPr id="3" name="Group 2">
+            <a:extLst>
+              <a:ext uri="{FF2B5EF4-FFF2-40B4-BE49-F238E27FC236}">
+                <a16:creationId xmlns:a16="http://schemas.microsoft.com/office/drawing/2014/main" id="{17EB305E-FD39-EBF5-6DB2-D5EFEF30CBE1}"/>
+              </a:ext>
+            </a:extLst>
+          </p:cNvPr>
+          <p:cNvGrpSpPr/>
+          <p:nvPr/>
+        </p:nvGrpSpPr>
+        <p:grpSpPr>
+          <a:xfrm>
+            <a:off x="2469360" y="2024063"/>
+            <a:ext cx="3283535" cy="1238250"/>
+            <a:chOff x="2469360" y="2024063"/>
+            <a:chExt cx="3283535" cy="1238250"/>
+          </a:xfrm>
+        </p:grpSpPr>
+        <p:pic>
+          <p:nvPicPr>
+            <p:cNvPr id="5" name="Picture 4">
+              <a:extLst>
+                <a:ext uri="{FF2B5EF4-FFF2-40B4-BE49-F238E27FC236}">
+                  <a16:creationId xmlns:a16="http://schemas.microsoft.com/office/drawing/2014/main" id="{EE155E04-889E-2754-BD02-187D557566EC}"/>
+                </a:ext>
+              </a:extLst>
+            </p:cNvPr>
+            <p:cNvPicPr>
+              <a:picLocks noChangeAspect="1"/>
+            </p:cNvPicPr>
+            <p:nvPr/>
+          </p:nvPicPr>
+          <p:blipFill>
+            <a:blip r:embed="rId3">
+              <a:extLst>
+                <a:ext uri="{28A0092B-C50C-407E-A947-70E740481C1C}">
+                  <a14:useLocalDpi xmlns:a14="http://schemas.microsoft.com/office/drawing/2010/main" val="0"/>
+                </a:ext>
+              </a:extLst>
+            </a:blip>
+            <a:stretch>
+              <a:fillRect/>
+            </a:stretch>
+          </p:blipFill>
+          <p:spPr>
+            <a:xfrm>
+              <a:off x="2469360" y="2024063"/>
+              <a:ext cx="1205500" cy="1238250"/>
+            </a:xfrm>
+            <a:prstGeom prst="rect">
+              <a:avLst/>
+            </a:prstGeom>
+          </p:spPr>
+        </p:pic>
+        <p:pic>
+          <p:nvPicPr>
+            <p:cNvPr id="46" name="Picture 45">
+              <a:extLst>
+                <a:ext uri="{FF2B5EF4-FFF2-40B4-BE49-F238E27FC236}">
+                  <a16:creationId xmlns:a16="http://schemas.microsoft.com/office/drawing/2014/main" id="{33ADF87E-22FB-7FF9-F3ED-7F4EBB0C8F53}"/>
+                </a:ext>
+              </a:extLst>
+            </p:cNvPr>
+            <p:cNvPicPr>
+              <a:picLocks noChangeAspect="1"/>
+            </p:cNvPicPr>
+            <p:nvPr/>
+          </p:nvPicPr>
+          <p:blipFill>
+            <a:blip r:embed="rId3">
+              <a:extLst>
+                <a:ext uri="{28A0092B-C50C-407E-A947-70E740481C1C}">
+                  <a14:useLocalDpi xmlns:a14="http://schemas.microsoft.com/office/drawing/2010/main" val="0"/>
+                </a:ext>
+              </a:extLst>
+            </a:blip>
+            <a:stretch>
+              <a:fillRect/>
+            </a:stretch>
+          </p:blipFill>
+          <p:spPr>
+            <a:xfrm>
+              <a:off x="4547395" y="2024063"/>
+              <a:ext cx="1205500" cy="1238250"/>
+            </a:xfrm>
+            <a:prstGeom prst="rect">
+              <a:avLst/>
+            </a:prstGeom>
+          </p:spPr>
+        </p:pic>
+      </p:grpSp>
+      <p:sp>
+        <p:nvSpPr>
+          <p:cNvPr id="7" name="Rectangle: Rounded Corners 6">
+            <a:extLst>
+              <a:ext uri="{FF2B5EF4-FFF2-40B4-BE49-F238E27FC236}">
+                <a16:creationId xmlns:a16="http://schemas.microsoft.com/office/drawing/2014/main" id="{E8AFD954-ADCD-A231-AFD8-13B83047A3FC}"/>
+              </a:ext>
+            </a:extLst>
+          </p:cNvPr>
+          <p:cNvSpPr/>
+          <p:nvPr/>
+        </p:nvSpPr>
+        <p:spPr>
+          <a:xfrm>
+            <a:off x="9787890" y="5184161"/>
+            <a:ext cx="967740" cy="322537"/>
+          </a:xfrm>
+          <a:prstGeom prst="roundRect">
+            <a:avLst/>
+          </a:prstGeom>
+          <a:solidFill>
+            <a:schemeClr val="accent6">
+              <a:alpha val="50000"/>
+            </a:schemeClr>
+          </a:solidFill>
+          <a:ln>
+            <a:noFill/>
+          </a:ln>
+        </p:spPr>
+        <p:style>
+          <a:lnRef idx="0">
+            <a:scrgbClr r="0" g="0" b="0"/>
+          </a:lnRef>
+          <a:fillRef idx="0">
+            <a:scrgbClr r="0" g="0" b="0"/>
+          </a:fillRef>
+          <a:effectRef idx="0">
+            <a:scrgbClr r="0" g="0" b="0"/>
+          </a:effectRef>
+          <a:fontRef idx="minor">
+            <a:schemeClr val="lt1"/>
+          </a:fontRef>
+        </p:style>
+        <p:txBody>
+          <a:bodyPr rtlCol="0" anchor="ctr"/>
+          <a:lstStyle/>
+          <a:p>
+            <a:pPr algn="ctr"/>
+            <a:r>
+              <a:rPr lang="en-GB" sz="1600" b="1" dirty="0">
+                <a:solidFill>
+                  <a:srgbClr val="00B050"/>
+                </a:solidFill>
+              </a:rPr>
+              <a:t>AUDUSD</a:t>
+            </a:r>
+          </a:p>
+        </p:txBody>
+      </p:sp>
+      <p:sp>
+        <p:nvSpPr>
+          <p:cNvPr id="8" name="Rectangle: Rounded Corners 7">
+            <a:extLst>
+              <a:ext uri="{FF2B5EF4-FFF2-40B4-BE49-F238E27FC236}">
+                <a16:creationId xmlns:a16="http://schemas.microsoft.com/office/drawing/2014/main" id="{0D5BC691-A12D-629B-C64D-27DCC49567DB}"/>
+              </a:ext>
+            </a:extLst>
+          </p:cNvPr>
+          <p:cNvSpPr/>
+          <p:nvPr/>
+        </p:nvSpPr>
+        <p:spPr>
+          <a:xfrm>
+            <a:off x="10835640" y="6162083"/>
+            <a:ext cx="967740" cy="322537"/>
+          </a:xfrm>
+          <a:prstGeom prst="roundRect">
+            <a:avLst/>
+          </a:prstGeom>
+          <a:solidFill>
+            <a:schemeClr val="accent6">
+              <a:alpha val="50000"/>
+            </a:schemeClr>
+          </a:solidFill>
+          <a:ln>
+            <a:noFill/>
+          </a:ln>
+        </p:spPr>
+        <p:style>
+          <a:lnRef idx="0">
+            <a:scrgbClr r="0" g="0" b="0"/>
+          </a:lnRef>
+          <a:fillRef idx="0">
+            <a:scrgbClr r="0" g="0" b="0"/>
+          </a:fillRef>
+          <a:effectRef idx="0">
+            <a:scrgbClr r="0" g="0" b="0"/>
+          </a:effectRef>
+          <a:fontRef idx="minor">
+            <a:schemeClr val="lt1"/>
+          </a:fontRef>
+        </p:style>
+        <p:txBody>
+          <a:bodyPr rtlCol="0" anchor="ctr"/>
+          <a:lstStyle/>
+          <a:p>
+            <a:pPr algn="ctr"/>
+            <a:r>
+              <a:rPr lang="en-GB" sz="1600" b="1" dirty="0">
+                <a:solidFill>
+                  <a:srgbClr val="00B050"/>
+                </a:solidFill>
+              </a:rPr>
+              <a:t>NZDUSD</a:t>
+            </a:r>
+          </a:p>
+        </p:txBody>
+      </p:sp>
+      <p:sp>
+        <p:nvSpPr>
+          <p:cNvPr id="9" name="Rectangle: Rounded Corners 8">
+            <a:extLst>
+              <a:ext uri="{FF2B5EF4-FFF2-40B4-BE49-F238E27FC236}">
+                <a16:creationId xmlns:a16="http://schemas.microsoft.com/office/drawing/2014/main" id="{62BF8EBE-33BA-9845-6826-EA6125F76BA4}"/>
+              </a:ext>
+            </a:extLst>
+          </p:cNvPr>
+          <p:cNvSpPr/>
+          <p:nvPr/>
+        </p:nvSpPr>
+        <p:spPr>
+          <a:xfrm>
+            <a:off x="5402580" y="1968586"/>
+            <a:ext cx="967740" cy="322537"/>
+          </a:xfrm>
+          <a:prstGeom prst="roundRect">
+            <a:avLst/>
+          </a:prstGeom>
+          <a:solidFill>
+            <a:schemeClr val="accent6">
+              <a:alpha val="50000"/>
+            </a:schemeClr>
+          </a:solidFill>
+          <a:ln>
+            <a:noFill/>
+          </a:ln>
+        </p:spPr>
+        <p:style>
+          <a:lnRef idx="0">
+            <a:scrgbClr r="0" g="0" b="0"/>
+          </a:lnRef>
+          <a:fillRef idx="0">
+            <a:scrgbClr r="0" g="0" b="0"/>
+          </a:fillRef>
+          <a:effectRef idx="0">
+            <a:scrgbClr r="0" g="0" b="0"/>
+          </a:effectRef>
+          <a:fontRef idx="minor">
+            <a:schemeClr val="lt1"/>
+          </a:fontRef>
+        </p:style>
+        <p:txBody>
+          <a:bodyPr rtlCol="0" anchor="ctr"/>
+          <a:lstStyle/>
+          <a:p>
+            <a:pPr algn="ctr"/>
+            <a:r>
+              <a:rPr lang="en-GB" sz="1600" b="1" dirty="0">
+                <a:solidFill>
+                  <a:srgbClr val="00B050"/>
+                </a:solidFill>
+              </a:rPr>
+              <a:t>EURCHF</a:t>
+            </a:r>
+          </a:p>
+        </p:txBody>
+      </p:sp>
+      <p:sp>
+        <p:nvSpPr>
+          <p:cNvPr id="10" name="Rectangle: Rounded Corners 9">
+            <a:extLst>
+              <a:ext uri="{FF2B5EF4-FFF2-40B4-BE49-F238E27FC236}">
+                <a16:creationId xmlns:a16="http://schemas.microsoft.com/office/drawing/2014/main" id="{4CF03E31-C6B3-AA11-F734-875A0ADE8AC2}"/>
+              </a:ext>
+            </a:extLst>
+          </p:cNvPr>
+          <p:cNvSpPr/>
+          <p:nvPr/>
+        </p:nvSpPr>
+        <p:spPr>
+          <a:xfrm>
+            <a:off x="10428897" y="2452327"/>
+            <a:ext cx="967740" cy="322537"/>
+          </a:xfrm>
+          <a:prstGeom prst="roundRect">
+            <a:avLst/>
+          </a:prstGeom>
+          <a:solidFill>
+            <a:schemeClr val="accent6">
+              <a:alpha val="50000"/>
+            </a:schemeClr>
+          </a:solidFill>
+          <a:ln>
+            <a:noFill/>
+          </a:ln>
+        </p:spPr>
+        <p:style>
+          <a:lnRef idx="0">
+            <a:scrgbClr r="0" g="0" b="0"/>
+          </a:lnRef>
+          <a:fillRef idx="0">
+            <a:scrgbClr r="0" g="0" b="0"/>
+          </a:fillRef>
+          <a:effectRef idx="0">
+            <a:scrgbClr r="0" g="0" b="0"/>
+          </a:effectRef>
+          <a:fontRef idx="minor">
+            <a:schemeClr val="lt1"/>
+          </a:fontRef>
+        </p:style>
+        <p:txBody>
+          <a:bodyPr rtlCol="0" anchor="ctr"/>
+          <a:lstStyle/>
+          <a:p>
+            <a:pPr algn="ctr"/>
+            <a:r>
+              <a:rPr lang="en-GB" sz="1600" b="1" dirty="0">
+                <a:solidFill>
+                  <a:srgbClr val="00B050"/>
+                </a:solidFill>
+              </a:rPr>
+              <a:t>USDJPY</a:t>
+            </a:r>
+          </a:p>
+        </p:txBody>
+      </p:sp>
+      <p:sp>
+        <p:nvSpPr>
+          <p:cNvPr id="11" name="Rectangle: Rounded Corners 10">
+            <a:extLst>
+              <a:ext uri="{FF2B5EF4-FFF2-40B4-BE49-F238E27FC236}">
+                <a16:creationId xmlns:a16="http://schemas.microsoft.com/office/drawing/2014/main" id="{CA60E366-A385-BAB7-1E98-5A12896098CA}"/>
+              </a:ext>
+            </a:extLst>
+          </p:cNvPr>
+          <p:cNvSpPr/>
+          <p:nvPr/>
+        </p:nvSpPr>
+        <p:spPr>
+          <a:xfrm>
+            <a:off x="5147310" y="2329224"/>
+            <a:ext cx="967740" cy="322537"/>
+          </a:xfrm>
+          <a:prstGeom prst="roundRect">
+            <a:avLst/>
+          </a:prstGeom>
+          <a:solidFill>
+            <a:schemeClr val="accent6">
+              <a:alpha val="50000"/>
+            </a:schemeClr>
+          </a:solidFill>
+          <a:ln>
+            <a:noFill/>
+          </a:ln>
+        </p:spPr>
+        <p:style>
+          <a:lnRef idx="0">
+            <a:scrgbClr r="0" g="0" b="0"/>
+          </a:lnRef>
+          <a:fillRef idx="0">
+            <a:scrgbClr r="0" g="0" b="0"/>
+          </a:fillRef>
+          <a:effectRef idx="0">
+            <a:scrgbClr r="0" g="0" b="0"/>
+          </a:effectRef>
+          <a:fontRef idx="minor">
+            <a:schemeClr val="lt1"/>
+          </a:fontRef>
+        </p:style>
+        <p:txBody>
+          <a:bodyPr rtlCol="0" anchor="ctr"/>
+          <a:lstStyle/>
+          <a:p>
+            <a:pPr algn="ctr"/>
+            <a:r>
+              <a:rPr lang="en-GB" sz="1600" b="1" dirty="0">
+                <a:solidFill>
+                  <a:srgbClr val="00B050"/>
+                </a:solidFill>
+              </a:rPr>
+              <a:t>EURUSD</a:t>
+            </a:r>
+          </a:p>
+        </p:txBody>
+      </p:sp>
+      <p:sp>
+        <p:nvSpPr>
+          <p:cNvPr id="12" name="Rectangle: Rounded Corners 11">
+            <a:extLst>
+              <a:ext uri="{FF2B5EF4-FFF2-40B4-BE49-F238E27FC236}">
+                <a16:creationId xmlns:a16="http://schemas.microsoft.com/office/drawing/2014/main" id="{3FE09C47-04B6-2C3B-D17B-004EA6CBA83B}"/>
+              </a:ext>
+            </a:extLst>
+          </p:cNvPr>
+          <p:cNvSpPr/>
+          <p:nvPr/>
+        </p:nvSpPr>
+        <p:spPr>
+          <a:xfrm>
+            <a:off x="4362450" y="1978703"/>
+            <a:ext cx="967740" cy="322537"/>
+          </a:xfrm>
+          <a:prstGeom prst="roundRect">
+            <a:avLst/>
+          </a:prstGeom>
+          <a:solidFill>
+            <a:schemeClr val="accent6">
+              <a:alpha val="50000"/>
+            </a:schemeClr>
+          </a:solidFill>
+          <a:ln>
+            <a:noFill/>
+          </a:ln>
+        </p:spPr>
+        <p:style>
+          <a:lnRef idx="0">
+            <a:scrgbClr r="0" g="0" b="0"/>
+          </a:lnRef>
+          <a:fillRef idx="0">
+            <a:scrgbClr r="0" g="0" b="0"/>
+          </a:fillRef>
+          <a:effectRef idx="0">
+            <a:scrgbClr r="0" g="0" b="0"/>
+          </a:effectRef>
+          <a:fontRef idx="minor">
+            <a:schemeClr val="lt1"/>
+          </a:fontRef>
+        </p:style>
+        <p:txBody>
+          <a:bodyPr rtlCol="0" anchor="ctr"/>
+          <a:lstStyle/>
+          <a:p>
+            <a:pPr algn="ctr"/>
+            <a:r>
+              <a:rPr lang="en-GB" sz="1600" b="1" dirty="0">
+                <a:solidFill>
+                  <a:srgbClr val="00B050"/>
+                </a:solidFill>
+              </a:rPr>
+              <a:t>GBPUSD</a:t>
+            </a:r>
+          </a:p>
+        </p:txBody>
+      </p:sp>
+      <p:sp>
+        <p:nvSpPr>
+          <p:cNvPr id="13" name="Rectangle: Rounded Corners 12">
+            <a:extLst>
+              <a:ext uri="{FF2B5EF4-FFF2-40B4-BE49-F238E27FC236}">
+                <a16:creationId xmlns:a16="http://schemas.microsoft.com/office/drawing/2014/main" id="{9F03CAA6-B854-C22D-FE35-1D93D95E1FF3}"/>
+              </a:ext>
+            </a:extLst>
+          </p:cNvPr>
+          <p:cNvSpPr/>
+          <p:nvPr/>
+        </p:nvSpPr>
+        <p:spPr>
+          <a:xfrm>
+            <a:off x="1657350" y="1444426"/>
+            <a:ext cx="967740" cy="322537"/>
+          </a:xfrm>
+          <a:prstGeom prst="roundRect">
+            <a:avLst/>
+          </a:prstGeom>
+          <a:solidFill>
+            <a:schemeClr val="accent6">
+              <a:alpha val="50000"/>
+            </a:schemeClr>
+          </a:solidFill>
+          <a:ln>
+            <a:noFill/>
+          </a:ln>
+        </p:spPr>
+        <p:style>
+          <a:lnRef idx="0">
+            <a:scrgbClr r="0" g="0" b="0"/>
+          </a:lnRef>
+          <a:fillRef idx="0">
+            <a:scrgbClr r="0" g="0" b="0"/>
+          </a:fillRef>
+          <a:effectRef idx="0">
+            <a:scrgbClr r="0" g="0" b="0"/>
+          </a:effectRef>
+          <a:fontRef idx="minor">
+            <a:schemeClr val="lt1"/>
+          </a:fontRef>
+        </p:style>
+        <p:txBody>
+          <a:bodyPr rtlCol="0" anchor="ctr"/>
+          <a:lstStyle/>
+          <a:p>
+            <a:pPr algn="ctr"/>
+            <a:r>
+              <a:rPr lang="en-GB" sz="1600" b="1" dirty="0">
+                <a:solidFill>
+                  <a:srgbClr val="00B050"/>
+                </a:solidFill>
+              </a:rPr>
+              <a:t>USDCAD</a:t>
+            </a:r>
+          </a:p>
+        </p:txBody>
+      </p:sp>
+      <p:sp>
+        <p:nvSpPr>
+          <p:cNvPr id="23" name="Rectangle: Rounded Corners 22">
+            <a:extLst>
+              <a:ext uri="{FF2B5EF4-FFF2-40B4-BE49-F238E27FC236}">
+                <a16:creationId xmlns:a16="http://schemas.microsoft.com/office/drawing/2014/main" id="{5D872ACE-0F3A-AC42-7943-A3290CF78B90}"/>
+              </a:ext>
+            </a:extLst>
+          </p:cNvPr>
+          <p:cNvSpPr/>
+          <p:nvPr/>
+        </p:nvSpPr>
+        <p:spPr>
+          <a:xfrm>
+            <a:off x="3608073" y="2504197"/>
+            <a:ext cx="1021080" cy="322537"/>
+          </a:xfrm>
+          <a:prstGeom prst="roundRect">
+            <a:avLst/>
+          </a:prstGeom>
+          <a:solidFill>
+            <a:schemeClr val="tx1">
+              <a:lumMod val="75000"/>
+              <a:lumOff val="25000"/>
+              <a:alpha val="49804"/>
+            </a:schemeClr>
+          </a:solidFill>
+          <a:ln>
+            <a:noFill/>
+          </a:ln>
+        </p:spPr>
+        <p:style>
+          <a:lnRef idx="0">
+            <a:scrgbClr r="0" g="0" b="0"/>
+          </a:lnRef>
+          <a:fillRef idx="0">
+            <a:scrgbClr r="0" g="0" b="0"/>
+          </a:fillRef>
+          <a:effectRef idx="0">
+            <a:scrgbClr r="0" g="0" b="0"/>
+          </a:effectRef>
+          <a:fontRef idx="minor">
+            <a:schemeClr val="lt1"/>
+          </a:fontRef>
+        </p:style>
+        <p:txBody>
+          <a:bodyPr rtlCol="0" anchor="ctr"/>
+          <a:lstStyle/>
+          <a:p>
+            <a:pPr algn="ctr"/>
+            <a:r>
+              <a:rPr lang="en-GB" sz="1600" b="1" dirty="0">
+                <a:solidFill>
+                  <a:schemeClr val="bg1"/>
+                </a:solidFill>
+              </a:rPr>
+              <a:t>XAGUSD</a:t>
+            </a:r>
+          </a:p>
+        </p:txBody>
+      </p:sp>
+      <p:sp>
+        <p:nvSpPr>
+          <p:cNvPr id="24" name="Rectangle: Rounded Corners 23">
+            <a:extLst>
+              <a:ext uri="{FF2B5EF4-FFF2-40B4-BE49-F238E27FC236}">
+                <a16:creationId xmlns:a16="http://schemas.microsoft.com/office/drawing/2014/main" id="{BFB2C1DA-85C7-97AC-B9D9-95E3138CAB68}"/>
+              </a:ext>
+            </a:extLst>
+          </p:cNvPr>
+          <p:cNvSpPr/>
+          <p:nvPr/>
+        </p:nvSpPr>
+        <p:spPr>
+          <a:xfrm>
+            <a:off x="3608073" y="2842474"/>
+            <a:ext cx="1021080" cy="322537"/>
+          </a:xfrm>
+          <a:prstGeom prst="roundRect">
+            <a:avLst/>
+          </a:prstGeom>
+          <a:solidFill>
+            <a:schemeClr val="tx1">
+              <a:lumMod val="75000"/>
+              <a:lumOff val="25000"/>
+              <a:alpha val="49804"/>
+            </a:schemeClr>
+          </a:solidFill>
+          <a:ln>
+            <a:noFill/>
+          </a:ln>
+        </p:spPr>
+        <p:style>
+          <a:lnRef idx="0">
+            <a:scrgbClr r="0" g="0" b="0"/>
+          </a:lnRef>
+          <a:fillRef idx="0">
+            <a:scrgbClr r="0" g="0" b="0"/>
+          </a:fillRef>
+          <a:effectRef idx="0">
+            <a:scrgbClr r="0" g="0" b="0"/>
+          </a:effectRef>
+          <a:fontRef idx="minor">
+            <a:schemeClr val="lt1"/>
+          </a:fontRef>
+        </p:style>
+        <p:txBody>
+          <a:bodyPr rtlCol="0" anchor="ctr"/>
+          <a:lstStyle/>
+          <a:p>
+            <a:pPr algn="ctr"/>
+            <a:r>
+              <a:rPr lang="en-GB" sz="1600" b="1" dirty="0">
+                <a:solidFill>
+                  <a:schemeClr val="bg1"/>
+                </a:solidFill>
+              </a:rPr>
+              <a:t>XAUUSD</a:t>
+            </a:r>
+          </a:p>
+        </p:txBody>
+      </p:sp>
+      <p:sp>
+        <p:nvSpPr>
+          <p:cNvPr id="25" name="Rectangle: Rounded Corners 24">
+            <a:extLst>
+              <a:ext uri="{FF2B5EF4-FFF2-40B4-BE49-F238E27FC236}">
+                <a16:creationId xmlns:a16="http://schemas.microsoft.com/office/drawing/2014/main" id="{8AF0337C-3882-095D-4063-1A84111D0775}"/>
+              </a:ext>
+            </a:extLst>
+          </p:cNvPr>
+          <p:cNvSpPr/>
+          <p:nvPr/>
+        </p:nvSpPr>
+        <p:spPr>
+          <a:xfrm>
+            <a:off x="3608073" y="3180594"/>
+            <a:ext cx="1021080" cy="322537"/>
+          </a:xfrm>
+          <a:prstGeom prst="roundRect">
+            <a:avLst/>
+          </a:prstGeom>
+          <a:solidFill>
+            <a:schemeClr val="tx1">
+              <a:lumMod val="75000"/>
+              <a:lumOff val="25000"/>
+              <a:alpha val="49804"/>
+            </a:schemeClr>
+          </a:solidFill>
+          <a:ln>
+            <a:noFill/>
+          </a:ln>
+        </p:spPr>
+        <p:style>
+          <a:lnRef idx="0">
+            <a:scrgbClr r="0" g="0" b="0"/>
+          </a:lnRef>
+          <a:fillRef idx="0">
+            <a:scrgbClr r="0" g="0" b="0"/>
+          </a:fillRef>
+          <a:effectRef idx="0">
+            <a:scrgbClr r="0" g="0" b="0"/>
+          </a:effectRef>
+          <a:fontRef idx="minor">
+            <a:schemeClr val="lt1"/>
+          </a:fontRef>
+        </p:style>
+        <p:txBody>
+          <a:bodyPr rtlCol="0" anchor="ctr"/>
+          <a:lstStyle/>
+          <a:p>
+            <a:pPr algn="ctr"/>
+            <a:r>
+              <a:rPr lang="en-GB" sz="1600" b="1" dirty="0">
+                <a:solidFill>
+                  <a:schemeClr val="bg1"/>
+                </a:solidFill>
+              </a:rPr>
+              <a:t>XPDUSD</a:t>
+            </a:r>
+          </a:p>
+        </p:txBody>
+      </p:sp>
+      <p:sp>
+        <p:nvSpPr>
+          <p:cNvPr id="26" name="Rectangle: Rounded Corners 25">
+            <a:extLst>
+              <a:ext uri="{FF2B5EF4-FFF2-40B4-BE49-F238E27FC236}">
+                <a16:creationId xmlns:a16="http://schemas.microsoft.com/office/drawing/2014/main" id="{C54783C7-FD7E-1DEE-3C75-9FEC808E2CE5}"/>
+              </a:ext>
+            </a:extLst>
+          </p:cNvPr>
+          <p:cNvSpPr/>
+          <p:nvPr/>
+        </p:nvSpPr>
+        <p:spPr>
+          <a:xfrm>
+            <a:off x="3608073" y="3518714"/>
+            <a:ext cx="1021080" cy="322537"/>
+          </a:xfrm>
+          <a:prstGeom prst="roundRect">
+            <a:avLst/>
+          </a:prstGeom>
+          <a:solidFill>
+            <a:schemeClr val="tx1">
+              <a:lumMod val="75000"/>
+              <a:lumOff val="25000"/>
+              <a:alpha val="49804"/>
+            </a:schemeClr>
+          </a:solidFill>
+          <a:ln>
+            <a:noFill/>
+          </a:ln>
+        </p:spPr>
+        <p:style>
+          <a:lnRef idx="0">
+            <a:scrgbClr r="0" g="0" b="0"/>
+          </a:lnRef>
+          <a:fillRef idx="0">
+            <a:scrgbClr r="0" g="0" b="0"/>
+          </a:fillRef>
+          <a:effectRef idx="0">
+            <a:scrgbClr r="0" g="0" b="0"/>
+          </a:effectRef>
+          <a:fontRef idx="minor">
+            <a:schemeClr val="lt1"/>
+          </a:fontRef>
+        </p:style>
+        <p:txBody>
+          <a:bodyPr rtlCol="0" anchor="ctr"/>
+          <a:lstStyle/>
+          <a:p>
+            <a:pPr algn="ctr"/>
+            <a:r>
+              <a:rPr lang="en-GB" sz="1600" b="1" dirty="0">
+                <a:solidFill>
+                  <a:schemeClr val="bg1"/>
+                </a:solidFill>
+              </a:rPr>
+              <a:t>XPTUSD</a:t>
+            </a:r>
+          </a:p>
+        </p:txBody>
+      </p:sp>
+      <p:sp>
+        <p:nvSpPr>
+          <p:cNvPr id="30" name="Rectangle: Rounded Corners 29">
+            <a:extLst>
+              <a:ext uri="{FF2B5EF4-FFF2-40B4-BE49-F238E27FC236}">
+                <a16:creationId xmlns:a16="http://schemas.microsoft.com/office/drawing/2014/main" id="{631BC8FC-4B37-02E6-4438-A89FF7DEF955}"/>
+              </a:ext>
+            </a:extLst>
+          </p:cNvPr>
+          <p:cNvSpPr/>
+          <p:nvPr/>
+        </p:nvSpPr>
+        <p:spPr>
+          <a:xfrm>
+            <a:off x="4884420" y="1514671"/>
+            <a:ext cx="967740" cy="322537"/>
+          </a:xfrm>
+          <a:prstGeom prst="roundRect">
+            <a:avLst/>
+          </a:prstGeom>
+          <a:solidFill>
+            <a:schemeClr val="accent1">
+              <a:alpha val="50000"/>
+            </a:schemeClr>
+          </a:solidFill>
+          <a:ln>
+            <a:noFill/>
+          </a:ln>
+        </p:spPr>
+        <p:style>
+          <a:lnRef idx="0">
+            <a:scrgbClr r="0" g="0" b="0"/>
+          </a:lnRef>
+          <a:fillRef idx="0">
+            <a:scrgbClr r="0" g="0" b="0"/>
+          </a:fillRef>
+          <a:effectRef idx="0">
+            <a:scrgbClr r="0" g="0" b="0"/>
+          </a:effectRef>
+          <a:fontRef idx="minor">
+            <a:schemeClr val="lt1"/>
+          </a:fontRef>
+        </p:style>
+        <p:txBody>
+          <a:bodyPr rtlCol="0" anchor="ctr"/>
+          <a:lstStyle/>
+          <a:p>
+            <a:pPr algn="ctr"/>
+            <a:r>
+              <a:rPr lang="en-GB" sz="1600" b="1" dirty="0">
+                <a:solidFill>
+                  <a:srgbClr val="0070C0"/>
+                </a:solidFill>
+              </a:rPr>
+              <a:t>EURNOK</a:t>
+            </a:r>
+          </a:p>
+        </p:txBody>
+      </p:sp>
+      <p:sp>
+        <p:nvSpPr>
+          <p:cNvPr id="31" name="Rectangle: Rounded Corners 30">
+            <a:extLst>
+              <a:ext uri="{FF2B5EF4-FFF2-40B4-BE49-F238E27FC236}">
+                <a16:creationId xmlns:a16="http://schemas.microsoft.com/office/drawing/2014/main" id="{193E1F26-60F4-B996-1DA9-C6532074603C}"/>
+              </a:ext>
+            </a:extLst>
+          </p:cNvPr>
+          <p:cNvSpPr/>
+          <p:nvPr/>
+        </p:nvSpPr>
+        <p:spPr>
+          <a:xfrm>
+            <a:off x="5440680" y="1207112"/>
+            <a:ext cx="967740" cy="322537"/>
+          </a:xfrm>
+          <a:prstGeom prst="roundRect">
+            <a:avLst/>
+          </a:prstGeom>
+          <a:solidFill>
+            <a:schemeClr val="accent1">
+              <a:alpha val="50000"/>
+            </a:schemeClr>
+          </a:solidFill>
+          <a:ln>
+            <a:noFill/>
+          </a:ln>
+        </p:spPr>
+        <p:style>
+          <a:lnRef idx="0">
+            <a:scrgbClr r="0" g="0" b="0"/>
+          </a:lnRef>
+          <a:fillRef idx="0">
+            <a:scrgbClr r="0" g="0" b="0"/>
+          </a:fillRef>
+          <a:effectRef idx="0">
+            <a:scrgbClr r="0" g="0" b="0"/>
+          </a:effectRef>
+          <a:fontRef idx="minor">
+            <a:schemeClr val="lt1"/>
+          </a:fontRef>
+        </p:style>
+        <p:txBody>
+          <a:bodyPr rtlCol="0" anchor="ctr"/>
+          <a:lstStyle/>
+          <a:p>
+            <a:pPr algn="ctr"/>
+            <a:r>
+              <a:rPr lang="en-GB" sz="1600" b="1" dirty="0">
+                <a:solidFill>
+                  <a:srgbClr val="0070C0"/>
+                </a:solidFill>
+              </a:rPr>
+              <a:t>EURSEK</a:t>
+            </a:r>
+          </a:p>
+        </p:txBody>
+      </p:sp>
+      <p:sp>
+        <p:nvSpPr>
+          <p:cNvPr id="32" name="Rectangle: Rounded Corners 31">
+            <a:extLst>
+              <a:ext uri="{FF2B5EF4-FFF2-40B4-BE49-F238E27FC236}">
+                <a16:creationId xmlns:a16="http://schemas.microsoft.com/office/drawing/2014/main" id="{38CBA90B-32FA-D9A5-4614-BC1C702F15EA}"/>
+              </a:ext>
+            </a:extLst>
+          </p:cNvPr>
+          <p:cNvSpPr/>
+          <p:nvPr/>
+        </p:nvSpPr>
+        <p:spPr>
+          <a:xfrm>
+            <a:off x="5855972" y="1552837"/>
+            <a:ext cx="967740" cy="322537"/>
+          </a:xfrm>
+          <a:prstGeom prst="roundRect">
+            <a:avLst/>
+          </a:prstGeom>
+          <a:solidFill>
+            <a:schemeClr val="accent1">
+              <a:alpha val="50000"/>
+            </a:schemeClr>
+          </a:solidFill>
+          <a:ln>
+            <a:noFill/>
+          </a:ln>
+        </p:spPr>
+        <p:style>
+          <a:lnRef idx="0">
+            <a:scrgbClr r="0" g="0" b="0"/>
+          </a:lnRef>
+          <a:fillRef idx="0">
+            <a:scrgbClr r="0" g="0" b="0"/>
+          </a:fillRef>
+          <a:effectRef idx="0">
+            <a:scrgbClr r="0" g="0" b="0"/>
+          </a:effectRef>
+          <a:fontRef idx="minor">
+            <a:schemeClr val="lt1"/>
+          </a:fontRef>
+        </p:style>
+        <p:txBody>
+          <a:bodyPr rtlCol="0" anchor="ctr"/>
+          <a:lstStyle/>
+          <a:p>
+            <a:pPr algn="ctr"/>
+            <a:r>
+              <a:rPr lang="en-GB" sz="1600" b="1" dirty="0">
+                <a:solidFill>
+                  <a:srgbClr val="0070C0"/>
+                </a:solidFill>
+              </a:rPr>
+              <a:t>EURDKK</a:t>
+            </a:r>
+          </a:p>
+        </p:txBody>
+      </p:sp>
+      <p:sp>
+        <p:nvSpPr>
+          <p:cNvPr id="33" name="Rectangle: Rounded Corners 32">
+            <a:extLst>
+              <a:ext uri="{FF2B5EF4-FFF2-40B4-BE49-F238E27FC236}">
+                <a16:creationId xmlns:a16="http://schemas.microsoft.com/office/drawing/2014/main" id="{1B22D112-7509-44AB-8D7B-3483889AFD94}"/>
+              </a:ext>
+            </a:extLst>
+          </p:cNvPr>
+          <p:cNvSpPr/>
+          <p:nvPr/>
+        </p:nvSpPr>
+        <p:spPr>
+          <a:xfrm>
+            <a:off x="6339842" y="1860396"/>
+            <a:ext cx="967740" cy="322537"/>
+          </a:xfrm>
+          <a:prstGeom prst="roundRect">
+            <a:avLst/>
+          </a:prstGeom>
+          <a:solidFill>
+            <a:schemeClr val="accent1">
+              <a:alpha val="50000"/>
+            </a:schemeClr>
+          </a:solidFill>
+          <a:ln>
+            <a:noFill/>
+          </a:ln>
+        </p:spPr>
+        <p:style>
+          <a:lnRef idx="0">
+            <a:scrgbClr r="0" g="0" b="0"/>
+          </a:lnRef>
+          <a:fillRef idx="0">
+            <a:scrgbClr r="0" g="0" b="0"/>
+          </a:fillRef>
+          <a:effectRef idx="0">
+            <a:scrgbClr r="0" g="0" b="0"/>
+          </a:effectRef>
+          <a:fontRef idx="minor">
+            <a:schemeClr val="lt1"/>
+          </a:fontRef>
+        </p:style>
+        <p:txBody>
+          <a:bodyPr rtlCol="0" anchor="ctr"/>
+          <a:lstStyle/>
+          <a:p>
+            <a:pPr algn="ctr"/>
+            <a:r>
+              <a:rPr lang="en-GB" sz="1600" b="1" dirty="0">
+                <a:solidFill>
+                  <a:srgbClr val="0070C0"/>
+                </a:solidFill>
+              </a:rPr>
+              <a:t>EURPLN</a:t>
+            </a:r>
+          </a:p>
+        </p:txBody>
+      </p:sp>
+      <p:sp>
+        <p:nvSpPr>
+          <p:cNvPr id="34" name="Rectangle: Rounded Corners 33">
+            <a:extLst>
+              <a:ext uri="{FF2B5EF4-FFF2-40B4-BE49-F238E27FC236}">
+                <a16:creationId xmlns:a16="http://schemas.microsoft.com/office/drawing/2014/main" id="{1B6B30B4-DEF0-9E31-367F-312649CB643A}"/>
+              </a:ext>
+            </a:extLst>
+          </p:cNvPr>
+          <p:cNvSpPr/>
+          <p:nvPr/>
+        </p:nvSpPr>
+        <p:spPr>
+          <a:xfrm>
+            <a:off x="6345093" y="2148709"/>
+            <a:ext cx="967740" cy="322537"/>
+          </a:xfrm>
+          <a:prstGeom prst="roundRect">
+            <a:avLst/>
+          </a:prstGeom>
+          <a:solidFill>
+            <a:schemeClr val="accent1">
+              <a:alpha val="50000"/>
+            </a:schemeClr>
+          </a:solidFill>
+          <a:ln>
+            <a:noFill/>
+          </a:ln>
+        </p:spPr>
+        <p:style>
+          <a:lnRef idx="0">
+            <a:scrgbClr r="0" g="0" b="0"/>
+          </a:lnRef>
+          <a:fillRef idx="0">
+            <a:scrgbClr r="0" g="0" b="0"/>
+          </a:fillRef>
+          <a:effectRef idx="0">
+            <a:scrgbClr r="0" g="0" b="0"/>
+          </a:effectRef>
+          <a:fontRef idx="minor">
+            <a:schemeClr val="lt1"/>
+          </a:fontRef>
+        </p:style>
+        <p:txBody>
+          <a:bodyPr rtlCol="0" anchor="ctr"/>
+          <a:lstStyle/>
+          <a:p>
+            <a:pPr algn="ctr"/>
+            <a:r>
+              <a:rPr lang="en-GB" sz="1600" b="1" dirty="0">
+                <a:solidFill>
+                  <a:srgbClr val="0070C0"/>
+                </a:solidFill>
+              </a:rPr>
+              <a:t>EURHUF</a:t>
+            </a:r>
+          </a:p>
+        </p:txBody>
+      </p:sp>
+      <p:sp>
+        <p:nvSpPr>
+          <p:cNvPr id="35" name="Rectangle: Rounded Corners 34">
+            <a:extLst>
+              <a:ext uri="{FF2B5EF4-FFF2-40B4-BE49-F238E27FC236}">
+                <a16:creationId xmlns:a16="http://schemas.microsoft.com/office/drawing/2014/main" id="{F0BACE51-C8E0-5573-6928-578556B90023}"/>
+              </a:ext>
+            </a:extLst>
+          </p:cNvPr>
+          <p:cNvSpPr/>
+          <p:nvPr/>
+        </p:nvSpPr>
+        <p:spPr>
+          <a:xfrm>
+            <a:off x="6573693" y="2452327"/>
+            <a:ext cx="967740" cy="322537"/>
+          </a:xfrm>
+          <a:prstGeom prst="roundRect">
+            <a:avLst/>
+          </a:prstGeom>
+          <a:solidFill>
+            <a:schemeClr val="accent1">
+              <a:alpha val="50000"/>
+            </a:schemeClr>
+          </a:solidFill>
+          <a:ln>
+            <a:noFill/>
+          </a:ln>
+        </p:spPr>
+        <p:style>
+          <a:lnRef idx="0">
+            <a:scrgbClr r="0" g="0" b="0"/>
+          </a:lnRef>
+          <a:fillRef idx="0">
+            <a:scrgbClr r="0" g="0" b="0"/>
+          </a:fillRef>
+          <a:effectRef idx="0">
+            <a:scrgbClr r="0" g="0" b="0"/>
+          </a:effectRef>
+          <a:fontRef idx="minor">
+            <a:schemeClr val="lt1"/>
+          </a:fontRef>
+        </p:style>
+        <p:txBody>
+          <a:bodyPr rtlCol="0" anchor="ctr"/>
+          <a:lstStyle/>
+          <a:p>
+            <a:pPr algn="ctr"/>
+            <a:r>
+              <a:rPr lang="en-GB" sz="1600" b="1" dirty="0">
+                <a:solidFill>
+                  <a:srgbClr val="0070C0"/>
+                </a:solidFill>
+              </a:rPr>
+              <a:t>EURRON</a:t>
+            </a:r>
+          </a:p>
+        </p:txBody>
+      </p:sp>
+      <p:sp>
+        <p:nvSpPr>
+          <p:cNvPr id="37" name="Rectangle: Rounded Corners 36">
+            <a:extLst>
+              <a:ext uri="{FF2B5EF4-FFF2-40B4-BE49-F238E27FC236}">
+                <a16:creationId xmlns:a16="http://schemas.microsoft.com/office/drawing/2014/main" id="{D42F4F2B-CA8C-BF6F-FAEA-8F6DF1591B3F}"/>
+              </a:ext>
+            </a:extLst>
+          </p:cNvPr>
+          <p:cNvSpPr/>
+          <p:nvPr/>
+        </p:nvSpPr>
+        <p:spPr>
+          <a:xfrm>
+            <a:off x="9304020" y="4223843"/>
+            <a:ext cx="1021080" cy="322537"/>
+          </a:xfrm>
+          <a:prstGeom prst="roundRect">
+            <a:avLst/>
+          </a:prstGeom>
+          <a:solidFill>
+            <a:schemeClr val="accent2">
+              <a:lumMod val="60000"/>
+              <a:lumOff val="40000"/>
+              <a:alpha val="49804"/>
+            </a:schemeClr>
+          </a:solidFill>
+          <a:ln>
+            <a:noFill/>
+          </a:ln>
+        </p:spPr>
+        <p:style>
+          <a:lnRef idx="0">
+            <a:scrgbClr r="0" g="0" b="0"/>
+          </a:lnRef>
+          <a:fillRef idx="0">
+            <a:scrgbClr r="0" g="0" b="0"/>
+          </a:fillRef>
+          <a:effectRef idx="0">
+            <a:scrgbClr r="0" g="0" b="0"/>
+          </a:effectRef>
+          <a:fontRef idx="minor">
+            <a:schemeClr val="lt1"/>
+          </a:fontRef>
+        </p:style>
+        <p:txBody>
+          <a:bodyPr rtlCol="0" anchor="ctr"/>
+          <a:lstStyle/>
+          <a:p>
+            <a:pPr algn="ctr"/>
+            <a:r>
+              <a:rPr lang="en-GB" sz="1600" b="1" dirty="0">
+                <a:solidFill>
+                  <a:srgbClr val="FF0000"/>
+                </a:solidFill>
+              </a:rPr>
+              <a:t>USDIDR</a:t>
+            </a:r>
+          </a:p>
+        </p:txBody>
+      </p:sp>
+      <p:sp>
+        <p:nvSpPr>
+          <p:cNvPr id="38" name="Rectangle: Rounded Corners 37">
+            <a:extLst>
+              <a:ext uri="{FF2B5EF4-FFF2-40B4-BE49-F238E27FC236}">
+                <a16:creationId xmlns:a16="http://schemas.microsoft.com/office/drawing/2014/main" id="{BFF9C092-2F46-CBEA-2BDE-FAC87FE7558C}"/>
+              </a:ext>
+            </a:extLst>
+          </p:cNvPr>
+          <p:cNvSpPr/>
+          <p:nvPr/>
+        </p:nvSpPr>
+        <p:spPr>
+          <a:xfrm>
+            <a:off x="7757160" y="3349862"/>
+            <a:ext cx="1021080" cy="322537"/>
+          </a:xfrm>
+          <a:prstGeom prst="roundRect">
+            <a:avLst/>
+          </a:prstGeom>
+          <a:solidFill>
+            <a:schemeClr val="accent2">
+              <a:lumMod val="60000"/>
+              <a:lumOff val="40000"/>
+              <a:alpha val="49804"/>
+            </a:schemeClr>
+          </a:solidFill>
+          <a:ln>
+            <a:noFill/>
+          </a:ln>
+        </p:spPr>
+        <p:style>
+          <a:lnRef idx="0">
+            <a:scrgbClr r="0" g="0" b="0"/>
+          </a:lnRef>
+          <a:fillRef idx="0">
+            <a:scrgbClr r="0" g="0" b="0"/>
+          </a:fillRef>
+          <a:effectRef idx="0">
+            <a:scrgbClr r="0" g="0" b="0"/>
+          </a:effectRef>
+          <a:fontRef idx="minor">
+            <a:schemeClr val="lt1"/>
+          </a:fontRef>
+        </p:style>
+        <p:txBody>
+          <a:bodyPr rtlCol="0" anchor="ctr"/>
+          <a:lstStyle/>
+          <a:p>
+            <a:pPr algn="ctr"/>
+            <a:r>
+              <a:rPr lang="en-GB" sz="1600" b="1" dirty="0">
+                <a:solidFill>
+                  <a:srgbClr val="FF0000"/>
+                </a:solidFill>
+              </a:rPr>
+              <a:t>USDINR</a:t>
+            </a:r>
+          </a:p>
+        </p:txBody>
+      </p:sp>
+      <p:sp>
+        <p:nvSpPr>
+          <p:cNvPr id="39" name="Rectangle: Rounded Corners 38">
+            <a:extLst>
+              <a:ext uri="{FF2B5EF4-FFF2-40B4-BE49-F238E27FC236}">
+                <a16:creationId xmlns:a16="http://schemas.microsoft.com/office/drawing/2014/main" id="{2B2AB382-BC29-916D-D390-903E4138E2CC}"/>
+              </a:ext>
+            </a:extLst>
+          </p:cNvPr>
+          <p:cNvSpPr/>
+          <p:nvPr/>
+        </p:nvSpPr>
+        <p:spPr>
+          <a:xfrm>
+            <a:off x="9201150" y="3762219"/>
+            <a:ext cx="1021080" cy="322537"/>
+          </a:xfrm>
+          <a:prstGeom prst="roundRect">
+            <a:avLst/>
+          </a:prstGeom>
+          <a:solidFill>
+            <a:schemeClr val="accent2">
+              <a:lumMod val="60000"/>
+              <a:lumOff val="40000"/>
+              <a:alpha val="49804"/>
+            </a:schemeClr>
+          </a:solidFill>
+          <a:ln>
+            <a:noFill/>
+          </a:ln>
+        </p:spPr>
+        <p:style>
+          <a:lnRef idx="0">
+            <a:scrgbClr r="0" g="0" b="0"/>
+          </a:lnRef>
+          <a:fillRef idx="0">
+            <a:scrgbClr r="0" g="0" b="0"/>
+          </a:fillRef>
+          <a:effectRef idx="0">
+            <a:scrgbClr r="0" g="0" b="0"/>
+          </a:effectRef>
+          <a:fontRef idx="minor">
+            <a:schemeClr val="lt1"/>
+          </a:fontRef>
+        </p:style>
+        <p:txBody>
+          <a:bodyPr rtlCol="0" anchor="ctr"/>
+          <a:lstStyle/>
+          <a:p>
+            <a:pPr algn="ctr"/>
+            <a:r>
+              <a:rPr lang="en-GB" sz="1600" b="1" dirty="0">
+                <a:solidFill>
+                  <a:srgbClr val="FF0000"/>
+                </a:solidFill>
+              </a:rPr>
+              <a:t>USDMYR</a:t>
+            </a:r>
+          </a:p>
+        </p:txBody>
+      </p:sp>
+      <p:sp>
+        <p:nvSpPr>
+          <p:cNvPr id="40" name="Rectangle: Rounded Corners 39">
+            <a:extLst>
+              <a:ext uri="{FF2B5EF4-FFF2-40B4-BE49-F238E27FC236}">
+                <a16:creationId xmlns:a16="http://schemas.microsoft.com/office/drawing/2014/main" id="{0CDD6BCE-C247-4E7A-B174-9FE9B10B47B6}"/>
+              </a:ext>
+            </a:extLst>
+          </p:cNvPr>
+          <p:cNvSpPr/>
+          <p:nvPr/>
+        </p:nvSpPr>
+        <p:spPr>
+          <a:xfrm>
+            <a:off x="9574530" y="2896670"/>
+            <a:ext cx="1021080" cy="322537"/>
+          </a:xfrm>
+          <a:prstGeom prst="roundRect">
+            <a:avLst/>
+          </a:prstGeom>
+          <a:solidFill>
+            <a:schemeClr val="accent2">
+              <a:lumMod val="60000"/>
+              <a:lumOff val="40000"/>
+              <a:alpha val="49804"/>
+            </a:schemeClr>
+          </a:solidFill>
+          <a:ln>
+            <a:noFill/>
+          </a:ln>
+        </p:spPr>
+        <p:style>
+          <a:lnRef idx="0">
+            <a:scrgbClr r="0" g="0" b="0"/>
+          </a:lnRef>
+          <a:fillRef idx="0">
+            <a:scrgbClr r="0" g="0" b="0"/>
+          </a:fillRef>
+          <a:effectRef idx="0">
+            <a:scrgbClr r="0" g="0" b="0"/>
+          </a:effectRef>
+          <a:fontRef idx="minor">
+            <a:schemeClr val="lt1"/>
+          </a:fontRef>
+        </p:style>
+        <p:txBody>
+          <a:bodyPr rtlCol="0" anchor="ctr"/>
+          <a:lstStyle/>
+          <a:p>
+            <a:pPr algn="ctr"/>
+            <a:r>
+              <a:rPr lang="en-GB" sz="1600" b="1" dirty="0">
+                <a:solidFill>
+                  <a:srgbClr val="FF0000"/>
+                </a:solidFill>
+              </a:rPr>
+              <a:t>USDTWD</a:t>
+            </a:r>
+          </a:p>
+        </p:txBody>
+      </p:sp>
+      <p:sp>
+        <p:nvSpPr>
+          <p:cNvPr id="41" name="Rectangle: Rounded Corners 40">
+            <a:extLst>
+              <a:ext uri="{FF2B5EF4-FFF2-40B4-BE49-F238E27FC236}">
+                <a16:creationId xmlns:a16="http://schemas.microsoft.com/office/drawing/2014/main" id="{4ACEED63-DAD1-7F27-96BD-3AA9EDAE0BFF}"/>
+              </a:ext>
+            </a:extLst>
+          </p:cNvPr>
+          <p:cNvSpPr/>
+          <p:nvPr/>
+        </p:nvSpPr>
+        <p:spPr>
+          <a:xfrm>
+            <a:off x="9250680" y="2543379"/>
+            <a:ext cx="1021080" cy="322537"/>
+          </a:xfrm>
+          <a:prstGeom prst="roundRect">
+            <a:avLst/>
+          </a:prstGeom>
+          <a:solidFill>
+            <a:schemeClr val="accent2">
+              <a:lumMod val="60000"/>
+              <a:lumOff val="40000"/>
+              <a:alpha val="49804"/>
+            </a:schemeClr>
+          </a:solidFill>
+          <a:ln>
+            <a:noFill/>
+          </a:ln>
+        </p:spPr>
+        <p:style>
+          <a:lnRef idx="0">
+            <a:scrgbClr r="0" g="0" b="0"/>
+          </a:lnRef>
+          <a:fillRef idx="0">
+            <a:scrgbClr r="0" g="0" b="0"/>
+          </a:fillRef>
+          <a:effectRef idx="0">
+            <a:scrgbClr r="0" g="0" b="0"/>
+          </a:effectRef>
+          <a:fontRef idx="minor">
+            <a:schemeClr val="lt1"/>
+          </a:fontRef>
+        </p:style>
+        <p:txBody>
+          <a:bodyPr rtlCol="0" anchor="ctr"/>
+          <a:lstStyle/>
+          <a:p>
+            <a:pPr algn="ctr"/>
+            <a:r>
+              <a:rPr lang="en-GB" sz="1600" b="1" dirty="0">
+                <a:solidFill>
+                  <a:srgbClr val="FF0000"/>
+                </a:solidFill>
+              </a:rPr>
+              <a:t>USDKRW</a:t>
+            </a:r>
+          </a:p>
+        </p:txBody>
+      </p:sp>
+      <p:sp>
+        <p:nvSpPr>
+          <p:cNvPr id="42" name="Rectangle: Rounded Corners 41">
+            <a:extLst>
+              <a:ext uri="{FF2B5EF4-FFF2-40B4-BE49-F238E27FC236}">
+                <a16:creationId xmlns:a16="http://schemas.microsoft.com/office/drawing/2014/main" id="{B46652EB-04E9-381A-B575-352714D596E6}"/>
+              </a:ext>
+            </a:extLst>
+          </p:cNvPr>
+          <p:cNvSpPr/>
+          <p:nvPr/>
+        </p:nvSpPr>
+        <p:spPr>
+          <a:xfrm>
+            <a:off x="2971800" y="4640774"/>
+            <a:ext cx="1021080" cy="322537"/>
+          </a:xfrm>
+          <a:prstGeom prst="roundRect">
+            <a:avLst/>
+          </a:prstGeom>
+          <a:solidFill>
+            <a:schemeClr val="accent2">
+              <a:lumMod val="60000"/>
+              <a:lumOff val="40000"/>
+              <a:alpha val="49804"/>
+            </a:schemeClr>
+          </a:solidFill>
+          <a:ln>
+            <a:noFill/>
+          </a:ln>
+        </p:spPr>
+        <p:style>
+          <a:lnRef idx="0">
+            <a:scrgbClr r="0" g="0" b="0"/>
+          </a:lnRef>
+          <a:fillRef idx="0">
+            <a:scrgbClr r="0" g="0" b="0"/>
+          </a:fillRef>
+          <a:effectRef idx="0">
+            <a:scrgbClr r="0" g="0" b="0"/>
+          </a:effectRef>
+          <a:fontRef idx="minor">
+            <a:schemeClr val="lt1"/>
+          </a:fontRef>
+        </p:style>
+        <p:txBody>
+          <a:bodyPr rtlCol="0" anchor="ctr"/>
+          <a:lstStyle/>
+          <a:p>
+            <a:pPr algn="ctr"/>
+            <a:r>
+              <a:rPr lang="en-GB" sz="1600" b="1" dirty="0">
+                <a:solidFill>
+                  <a:srgbClr val="FF0000"/>
+                </a:solidFill>
+              </a:rPr>
+              <a:t>USDBRL</a:t>
+            </a:r>
+          </a:p>
+        </p:txBody>
+      </p:sp>
+      <p:sp>
+        <p:nvSpPr>
+          <p:cNvPr id="43" name="Rectangle: Rounded Corners 42">
+            <a:extLst>
+              <a:ext uri="{FF2B5EF4-FFF2-40B4-BE49-F238E27FC236}">
+                <a16:creationId xmlns:a16="http://schemas.microsoft.com/office/drawing/2014/main" id="{F42A5A08-B1B9-1245-2615-21343DEF5A4C}"/>
+              </a:ext>
+            </a:extLst>
+          </p:cNvPr>
+          <p:cNvSpPr/>
+          <p:nvPr/>
+        </p:nvSpPr>
+        <p:spPr>
+          <a:xfrm>
+            <a:off x="8092440" y="2427591"/>
+            <a:ext cx="1021080" cy="322537"/>
+          </a:xfrm>
+          <a:prstGeom prst="roundRect">
+            <a:avLst/>
+          </a:prstGeom>
+          <a:solidFill>
+            <a:schemeClr val="accent2">
+              <a:lumMod val="60000"/>
+              <a:lumOff val="40000"/>
+              <a:alpha val="49804"/>
+            </a:schemeClr>
+          </a:solidFill>
+          <a:ln>
+            <a:noFill/>
+          </a:ln>
+        </p:spPr>
+        <p:style>
+          <a:lnRef idx="0">
+            <a:scrgbClr r="0" g="0" b="0"/>
+          </a:lnRef>
+          <a:fillRef idx="0">
+            <a:scrgbClr r="0" g="0" b="0"/>
+          </a:fillRef>
+          <a:effectRef idx="0">
+            <a:scrgbClr r="0" g="0" b="0"/>
+          </a:effectRef>
+          <a:fontRef idx="minor">
+            <a:schemeClr val="lt1"/>
+          </a:fontRef>
+        </p:style>
+        <p:txBody>
+          <a:bodyPr rtlCol="0" anchor="ctr"/>
+          <a:lstStyle/>
+          <a:p>
+            <a:pPr algn="ctr"/>
+            <a:r>
+              <a:rPr lang="en-GB" sz="1600" b="1" dirty="0">
+                <a:solidFill>
+                  <a:srgbClr val="FF0000"/>
+                </a:solidFill>
+              </a:rPr>
+              <a:t>USDCNY</a:t>
+            </a:r>
+          </a:p>
+        </p:txBody>
+      </p:sp>
+      <p:sp>
+        <p:nvSpPr>
+          <p:cNvPr id="50" name="Rectangle: Rounded Corners 49">
+            <a:extLst>
+              <a:ext uri="{FF2B5EF4-FFF2-40B4-BE49-F238E27FC236}">
+                <a16:creationId xmlns:a16="http://schemas.microsoft.com/office/drawing/2014/main" id="{4C672CEB-B197-FD5E-F38A-CCC25797F147}"/>
+              </a:ext>
+            </a:extLst>
+          </p:cNvPr>
+          <p:cNvSpPr/>
+          <p:nvPr/>
+        </p:nvSpPr>
+        <p:spPr>
+          <a:xfrm>
+            <a:off x="9113520" y="3221769"/>
+            <a:ext cx="1021080" cy="322537"/>
+          </a:xfrm>
+          <a:prstGeom prst="roundRect">
+            <a:avLst/>
+          </a:prstGeom>
+          <a:solidFill>
+            <a:srgbClr val="FFCCFF">
+              <a:alpha val="49804"/>
+            </a:srgbClr>
+          </a:solidFill>
+          <a:ln>
+            <a:noFill/>
+          </a:ln>
+        </p:spPr>
+        <p:style>
+          <a:lnRef idx="0">
+            <a:scrgbClr r="0" g="0" b="0"/>
+          </a:lnRef>
+          <a:fillRef idx="0">
+            <a:scrgbClr r="0" g="0" b="0"/>
+          </a:fillRef>
+          <a:effectRef idx="0">
+            <a:scrgbClr r="0" g="0" b="0"/>
+          </a:effectRef>
+          <a:fontRef idx="minor">
+            <a:schemeClr val="lt1"/>
+          </a:fontRef>
+        </p:style>
+        <p:txBody>
+          <a:bodyPr rtlCol="0" anchor="ctr"/>
+          <a:lstStyle/>
+          <a:p>
+            <a:pPr algn="ctr"/>
+            <a:r>
+              <a:rPr lang="en-GB" sz="1600" b="1" dirty="0">
+                <a:solidFill>
+                  <a:srgbClr val="7030A0"/>
+                </a:solidFill>
+              </a:rPr>
+              <a:t>USDHKD</a:t>
+            </a:r>
+          </a:p>
+        </p:txBody>
+      </p:sp>
+      <p:sp>
+        <p:nvSpPr>
+          <p:cNvPr id="51" name="Rectangle: Rounded Corners 50">
+            <a:extLst>
+              <a:ext uri="{FF2B5EF4-FFF2-40B4-BE49-F238E27FC236}">
+                <a16:creationId xmlns:a16="http://schemas.microsoft.com/office/drawing/2014/main" id="{BE2B9F84-BD92-8838-B1F0-A5994C966307}"/>
+              </a:ext>
+            </a:extLst>
+          </p:cNvPr>
+          <p:cNvSpPr/>
+          <p:nvPr/>
+        </p:nvSpPr>
+        <p:spPr>
+          <a:xfrm>
+            <a:off x="8336280" y="3722806"/>
+            <a:ext cx="1021080" cy="322537"/>
+          </a:xfrm>
+          <a:prstGeom prst="roundRect">
+            <a:avLst/>
+          </a:prstGeom>
+          <a:solidFill>
+            <a:srgbClr val="FFCCFF">
+              <a:alpha val="49804"/>
+            </a:srgbClr>
+          </a:solidFill>
+          <a:ln>
+            <a:noFill/>
+          </a:ln>
+        </p:spPr>
+        <p:style>
+          <a:lnRef idx="0">
+            <a:scrgbClr r="0" g="0" b="0"/>
+          </a:lnRef>
+          <a:fillRef idx="0">
+            <a:scrgbClr r="0" g="0" b="0"/>
+          </a:fillRef>
+          <a:effectRef idx="0">
+            <a:scrgbClr r="0" g="0" b="0"/>
+          </a:effectRef>
+          <a:fontRef idx="minor">
+            <a:schemeClr val="lt1"/>
+          </a:fontRef>
+        </p:style>
+        <p:txBody>
+          <a:bodyPr rtlCol="0" anchor="ctr"/>
+          <a:lstStyle/>
+          <a:p>
+            <a:pPr algn="ctr"/>
+            <a:r>
+              <a:rPr lang="en-GB" sz="1600" b="1" dirty="0">
+                <a:solidFill>
+                  <a:srgbClr val="7030A0"/>
+                </a:solidFill>
+              </a:rPr>
+              <a:t>USDTHB</a:t>
+            </a:r>
+          </a:p>
+        </p:txBody>
+      </p:sp>
+      <p:sp>
+        <p:nvSpPr>
+          <p:cNvPr id="52" name="Rectangle: Rounded Corners 51">
+            <a:extLst>
+              <a:ext uri="{FF2B5EF4-FFF2-40B4-BE49-F238E27FC236}">
+                <a16:creationId xmlns:a16="http://schemas.microsoft.com/office/drawing/2014/main" id="{B8B3F815-550A-154D-5C3D-779077B853E4}"/>
+              </a:ext>
+            </a:extLst>
+          </p:cNvPr>
+          <p:cNvSpPr/>
+          <p:nvPr/>
+        </p:nvSpPr>
+        <p:spPr>
+          <a:xfrm>
+            <a:off x="1497330" y="3341806"/>
+            <a:ext cx="1021080" cy="322537"/>
+          </a:xfrm>
+          <a:prstGeom prst="roundRect">
+            <a:avLst/>
+          </a:prstGeom>
+          <a:solidFill>
+            <a:srgbClr val="FFCCFF">
+              <a:alpha val="49804"/>
+            </a:srgbClr>
+          </a:solidFill>
+          <a:ln>
+            <a:noFill/>
+          </a:ln>
+        </p:spPr>
+        <p:style>
+          <a:lnRef idx="0">
+            <a:scrgbClr r="0" g="0" b="0"/>
+          </a:lnRef>
+          <a:fillRef idx="0">
+            <a:scrgbClr r="0" g="0" b="0"/>
+          </a:fillRef>
+          <a:effectRef idx="0">
+            <a:scrgbClr r="0" g="0" b="0"/>
+          </a:effectRef>
+          <a:fontRef idx="minor">
+            <a:schemeClr val="lt1"/>
+          </a:fontRef>
+        </p:style>
+        <p:txBody>
+          <a:bodyPr rtlCol="0" anchor="ctr"/>
+          <a:lstStyle/>
+          <a:p>
+            <a:pPr algn="ctr"/>
+            <a:r>
+              <a:rPr lang="en-GB" sz="1600" b="1" dirty="0">
+                <a:solidFill>
+                  <a:srgbClr val="7030A0"/>
+                </a:solidFill>
+              </a:rPr>
+              <a:t>USDMXN</a:t>
+            </a:r>
+          </a:p>
+        </p:txBody>
+      </p:sp>
+      <p:sp>
+        <p:nvSpPr>
+          <p:cNvPr id="53" name="Rectangle: Rounded Corners 52">
+            <a:extLst>
+              <a:ext uri="{FF2B5EF4-FFF2-40B4-BE49-F238E27FC236}">
+                <a16:creationId xmlns:a16="http://schemas.microsoft.com/office/drawing/2014/main" id="{A9D24C2A-BB87-9A33-6779-5020FADDA317}"/>
+              </a:ext>
+            </a:extLst>
+          </p:cNvPr>
+          <p:cNvSpPr/>
+          <p:nvPr/>
+        </p:nvSpPr>
+        <p:spPr>
+          <a:xfrm>
+            <a:off x="8500110" y="3987044"/>
+            <a:ext cx="1021080" cy="322537"/>
+          </a:xfrm>
+          <a:prstGeom prst="roundRect">
+            <a:avLst/>
+          </a:prstGeom>
+          <a:solidFill>
+            <a:srgbClr val="FFCCFF">
+              <a:alpha val="49804"/>
+            </a:srgbClr>
+          </a:solidFill>
+          <a:ln>
+            <a:noFill/>
+          </a:ln>
+        </p:spPr>
+        <p:style>
+          <a:lnRef idx="0">
+            <a:scrgbClr r="0" g="0" b="0"/>
+          </a:lnRef>
+          <a:fillRef idx="0">
+            <a:scrgbClr r="0" g="0" b="0"/>
+          </a:fillRef>
+          <a:effectRef idx="0">
+            <a:scrgbClr r="0" g="0" b="0"/>
+          </a:effectRef>
+          <a:fontRef idx="minor">
+            <a:schemeClr val="lt1"/>
+          </a:fontRef>
+        </p:style>
+        <p:txBody>
+          <a:bodyPr rtlCol="0" anchor="ctr"/>
+          <a:lstStyle/>
+          <a:p>
+            <a:pPr algn="ctr"/>
+            <a:r>
+              <a:rPr lang="en-GB" sz="1600" b="1" dirty="0">
+                <a:solidFill>
+                  <a:srgbClr val="7030A0"/>
+                </a:solidFill>
+              </a:rPr>
+              <a:t>USDSGD</a:t>
+            </a:r>
+          </a:p>
+        </p:txBody>
+      </p:sp>
+      <p:sp>
+        <p:nvSpPr>
+          <p:cNvPr id="54" name="Rectangle: Rounded Corners 53">
+            <a:extLst>
+              <a:ext uri="{FF2B5EF4-FFF2-40B4-BE49-F238E27FC236}">
+                <a16:creationId xmlns:a16="http://schemas.microsoft.com/office/drawing/2014/main" id="{7BD84F19-6790-3FF9-26A4-4A2651AB68F3}"/>
+              </a:ext>
+            </a:extLst>
+          </p:cNvPr>
+          <p:cNvSpPr/>
+          <p:nvPr/>
+        </p:nvSpPr>
+        <p:spPr>
+          <a:xfrm>
+            <a:off x="5778330" y="2699263"/>
+            <a:ext cx="967740" cy="322537"/>
+          </a:xfrm>
+          <a:prstGeom prst="roundRect">
+            <a:avLst/>
+          </a:prstGeom>
+          <a:solidFill>
+            <a:srgbClr val="FFCCFF">
+              <a:alpha val="49804"/>
+            </a:srgbClr>
+          </a:solidFill>
+          <a:ln>
+            <a:noFill/>
+          </a:ln>
+        </p:spPr>
+        <p:style>
+          <a:lnRef idx="0">
+            <a:scrgbClr r="0" g="0" b="0"/>
+          </a:lnRef>
+          <a:fillRef idx="0">
+            <a:scrgbClr r="0" g="0" b="0"/>
+          </a:fillRef>
+          <a:effectRef idx="0">
+            <a:scrgbClr r="0" g="0" b="0"/>
+          </a:effectRef>
+          <a:fontRef idx="minor">
+            <a:schemeClr val="lt1"/>
+          </a:fontRef>
+        </p:style>
+        <p:txBody>
+          <a:bodyPr rtlCol="0" anchor="ctr"/>
+          <a:lstStyle/>
+          <a:p>
+            <a:pPr algn="ctr"/>
+            <a:r>
+              <a:rPr lang="en-GB" sz="1600" b="1" dirty="0">
+                <a:solidFill>
+                  <a:srgbClr val="7030A0"/>
+                </a:solidFill>
+              </a:rPr>
+              <a:t>USDTRY</a:t>
+            </a:r>
+          </a:p>
+        </p:txBody>
+      </p:sp>
+      <p:sp>
+        <p:nvSpPr>
+          <p:cNvPr id="55" name="Rectangle: Rounded Corners 54">
+            <a:extLst>
+              <a:ext uri="{FF2B5EF4-FFF2-40B4-BE49-F238E27FC236}">
+                <a16:creationId xmlns:a16="http://schemas.microsoft.com/office/drawing/2014/main" id="{2BBE0F7C-1E69-B3B6-0935-A78BDFA61DDC}"/>
+              </a:ext>
+            </a:extLst>
+          </p:cNvPr>
+          <p:cNvSpPr/>
+          <p:nvPr/>
+        </p:nvSpPr>
+        <p:spPr>
+          <a:xfrm>
+            <a:off x="7840980" y="1325059"/>
+            <a:ext cx="967740" cy="322537"/>
+          </a:xfrm>
+          <a:prstGeom prst="roundRect">
+            <a:avLst/>
+          </a:prstGeom>
+          <a:solidFill>
+            <a:srgbClr val="FFCCFF">
+              <a:alpha val="49804"/>
+            </a:srgbClr>
+          </a:solidFill>
+          <a:ln>
+            <a:noFill/>
+          </a:ln>
+        </p:spPr>
+        <p:style>
+          <a:lnRef idx="0">
+            <a:scrgbClr r="0" g="0" b="0"/>
+          </a:lnRef>
+          <a:fillRef idx="0">
+            <a:scrgbClr r="0" g="0" b="0"/>
+          </a:fillRef>
+          <a:effectRef idx="0">
+            <a:scrgbClr r="0" g="0" b="0"/>
+          </a:effectRef>
+          <a:fontRef idx="minor">
+            <a:schemeClr val="lt1"/>
+          </a:fontRef>
+        </p:style>
+        <p:txBody>
+          <a:bodyPr rtlCol="0" anchor="ctr"/>
+          <a:lstStyle/>
+          <a:p>
+            <a:pPr algn="ctr"/>
+            <a:r>
+              <a:rPr lang="en-GB" sz="1600" b="1" dirty="0">
+                <a:solidFill>
+                  <a:srgbClr val="7030A0"/>
+                </a:solidFill>
+              </a:rPr>
+              <a:t>USDRUB</a:t>
+            </a:r>
+          </a:p>
+        </p:txBody>
+      </p:sp>
+      <p:sp>
+        <p:nvSpPr>
+          <p:cNvPr id="56" name="Rectangle: Rounded Corners 55">
+            <a:extLst>
+              <a:ext uri="{FF2B5EF4-FFF2-40B4-BE49-F238E27FC236}">
+                <a16:creationId xmlns:a16="http://schemas.microsoft.com/office/drawing/2014/main" id="{E4C86528-1916-ABB8-260E-52128ED9992C}"/>
+              </a:ext>
+            </a:extLst>
+          </p:cNvPr>
+          <p:cNvSpPr/>
+          <p:nvPr/>
+        </p:nvSpPr>
+        <p:spPr>
+          <a:xfrm>
+            <a:off x="5722620" y="5650888"/>
+            <a:ext cx="1021080" cy="322537"/>
+          </a:xfrm>
+          <a:prstGeom prst="roundRect">
+            <a:avLst/>
+          </a:prstGeom>
+          <a:solidFill>
+            <a:srgbClr val="FFCCFF">
+              <a:alpha val="49804"/>
+            </a:srgbClr>
+          </a:solidFill>
+          <a:ln>
+            <a:noFill/>
+          </a:ln>
+        </p:spPr>
+        <p:style>
+          <a:lnRef idx="0">
+            <a:scrgbClr r="0" g="0" b="0"/>
+          </a:lnRef>
+          <a:fillRef idx="0">
+            <a:scrgbClr r="0" g="0" b="0"/>
+          </a:fillRef>
+          <a:effectRef idx="0">
+            <a:scrgbClr r="0" g="0" b="0"/>
+          </a:effectRef>
+          <a:fontRef idx="minor">
+            <a:schemeClr val="lt1"/>
+          </a:fontRef>
+        </p:style>
+        <p:txBody>
+          <a:bodyPr rtlCol="0" anchor="ctr"/>
+          <a:lstStyle/>
+          <a:p>
+            <a:pPr algn="ctr"/>
+            <a:r>
+              <a:rPr lang="en-GB" sz="1600" b="1" dirty="0">
+                <a:solidFill>
+                  <a:srgbClr val="7030A0"/>
+                </a:solidFill>
+              </a:rPr>
+              <a:t>USDZAR</a:t>
+            </a:r>
+          </a:p>
+        </p:txBody>
+      </p:sp>
+      <p:sp>
+        <p:nvSpPr>
+          <p:cNvPr id="49" name="Rectangle: Rounded Corners 48">
+            <a:extLst>
+              <a:ext uri="{FF2B5EF4-FFF2-40B4-BE49-F238E27FC236}">
+                <a16:creationId xmlns:a16="http://schemas.microsoft.com/office/drawing/2014/main" id="{D76F0B31-9AFD-F27A-27D4-7437E37A2659}"/>
+              </a:ext>
+            </a:extLst>
+          </p:cNvPr>
+          <p:cNvSpPr/>
+          <p:nvPr/>
+        </p:nvSpPr>
+        <p:spPr>
+          <a:xfrm>
+            <a:off x="8447955" y="2956877"/>
+            <a:ext cx="1021080" cy="322537"/>
+          </a:xfrm>
+          <a:prstGeom prst="roundRect">
+            <a:avLst/>
+          </a:prstGeom>
+          <a:solidFill>
+            <a:srgbClr val="FFCCFF">
+              <a:alpha val="49804"/>
+            </a:srgbClr>
+          </a:solidFill>
+          <a:ln>
+            <a:noFill/>
+          </a:ln>
+        </p:spPr>
+        <p:style>
+          <a:lnRef idx="0">
+            <a:scrgbClr r="0" g="0" b="0"/>
+          </a:lnRef>
+          <a:fillRef idx="0">
+            <a:scrgbClr r="0" g="0" b="0"/>
+          </a:fillRef>
+          <a:effectRef idx="0">
+            <a:scrgbClr r="0" g="0" b="0"/>
+          </a:effectRef>
+          <a:fontRef idx="minor">
+            <a:schemeClr val="lt1"/>
+          </a:fontRef>
+        </p:style>
+        <p:txBody>
+          <a:bodyPr rtlCol="0" anchor="ctr"/>
+          <a:lstStyle/>
+          <a:p>
+            <a:pPr algn="ctr"/>
+            <a:r>
+              <a:rPr lang="en-GB" sz="1600" b="1" dirty="0">
+                <a:solidFill>
+                  <a:srgbClr val="7030A0"/>
+                </a:solidFill>
+              </a:rPr>
+              <a:t>USDCNH</a:t>
+            </a:r>
+          </a:p>
+        </p:txBody>
+      </p:sp>
+    </p:spTree>
+    <p:extLst>
+      <p:ext uri="{BB962C8B-B14F-4D97-AF65-F5344CB8AC3E}">
+        <p14:creationId xmlns:p14="http://schemas.microsoft.com/office/powerpoint/2010/main" val="3002652953"/>
+      </p:ext>
+    </p:extLst>
+  </p:cSld>
+  <p:clrMapOvr>
+    <a:masterClrMapping/>
+  </p:clrMapOvr>
+  <p:timing>
+    <p:tnLst>
+      <p:par>
+        <p:cTn id="1" dur="indefinite" restart="never" nodeType="tmRoot">
+          <p:childTnLst>
+            <p:seq concurrent="1" nextAc="seek">
+              <p:cTn id="2" dur="indefinite" nodeType="mainSeq">
+                <p:childTnLst>
+                  <p:par>
+                    <p:cTn id="3" fill="hold">
+                      <p:stCondLst>
+                        <p:cond delay="indefinite"/>
+                      </p:stCondLst>
+                      <p:childTnLst>
+                        <p:par>
+                          <p:cTn id="4" fill="hold">
+                            <p:stCondLst>
+                              <p:cond delay="0"/>
+                            </p:stCondLst>
+                            <p:childTnLst>
+                              <p:par>
+                                <p:cTn id="5" presetID="49" presetClass="path" presetSubtype="0" accel="50000" decel="50000" fill="hold" grpId="0" nodeType="clickEffect">
+                                  <p:stCondLst>
+                                    <p:cond delay="0"/>
+                                  </p:stCondLst>
+                                  <p:childTnLst>
+                                    <p:animMotion origin="layout" path="M -1.04167E-6 2.22222E-6 L 0.06927 0.08912 " pathEditMode="relative" rAng="0" ptsTypes="AA">
+                                      <p:cBhvr>
+                                        <p:cTn id="6" dur="2000" fill="hold"/>
+                                        <p:tgtEl>
+                                          <p:spTgt spid="13"/>
+                                        </p:tgtEl>
+                                        <p:attrNameLst>
+                                          <p:attrName>ppt_x</p:attrName>
+                                          <p:attrName>ppt_y</p:attrName>
+                                        </p:attrNameLst>
+                                      </p:cBhvr>
+                                      <p:rCtr x="3464" y="4444"/>
+                                    </p:animMotion>
+                                  </p:childTnLst>
+                                </p:cTn>
+                              </p:par>
+                              <p:par>
+                                <p:cTn id="7" presetID="56" presetClass="path" presetSubtype="0" accel="50000" decel="50000" fill="hold" grpId="0" nodeType="withEffect">
+                                  <p:stCondLst>
+                                    <p:cond delay="0"/>
+                                  </p:stCondLst>
+                                  <p:childTnLst>
+                                    <p:animMotion origin="layout" path="M 3.95833E-6 2.96296E-6 L -0.14701 0.02754 " pathEditMode="relative" rAng="0" ptsTypes="AA">
+                                      <p:cBhvr>
+                                        <p:cTn id="8" dur="2000" fill="hold"/>
+                                        <p:tgtEl>
+                                          <p:spTgt spid="12"/>
+                                        </p:tgtEl>
+                                        <p:attrNameLst>
+                                          <p:attrName>ppt_x</p:attrName>
+                                          <p:attrName>ppt_y</p:attrName>
+                                        </p:attrNameLst>
+                                      </p:cBhvr>
+                                      <p:rCtr x="-7357" y="1366"/>
+                                    </p:animMotion>
+                                  </p:childTnLst>
+                                </p:cTn>
+                              </p:par>
+                              <p:par>
+                                <p:cTn id="9" presetID="56" presetClass="path" presetSubtype="0" accel="50000" decel="50000" fill="hold" grpId="0" nodeType="withEffect">
+                                  <p:stCondLst>
+                                    <p:cond delay="0"/>
+                                  </p:stCondLst>
+                                  <p:childTnLst>
+                                    <p:animMotion origin="layout" path="M -2.5E-6 3.33333E-6 L -0.23984 0.05254 " pathEditMode="relative" rAng="0" ptsTypes="AA">
+                                      <p:cBhvr>
+                                        <p:cTn id="10" dur="2000" fill="hold"/>
+                                        <p:tgtEl>
+                                          <p:spTgt spid="9"/>
+                                        </p:tgtEl>
+                                        <p:attrNameLst>
+                                          <p:attrName>ppt_x</p:attrName>
+                                          <p:attrName>ppt_y</p:attrName>
+                                        </p:attrNameLst>
+                                      </p:cBhvr>
+                                      <p:rCtr x="-11992" y="2616"/>
+                                    </p:animMotion>
+                                  </p:childTnLst>
+                                </p:cTn>
+                              </p:par>
+                              <p:par>
+                                <p:cTn id="11" presetID="56" presetClass="path" presetSubtype="0" accel="50000" decel="50000" fill="hold" grpId="0" nodeType="withEffect">
+                                  <p:stCondLst>
+                                    <p:cond delay="0"/>
+                                  </p:stCondLst>
+                                  <p:childTnLst>
+                                    <p:animMotion origin="layout" path="M 1.04167E-6 -2.96296E-6 L -0.20573 0.02778 " pathEditMode="relative" rAng="0" ptsTypes="AA">
+                                      <p:cBhvr>
+                                        <p:cTn id="12" dur="2000" fill="hold"/>
+                                        <p:tgtEl>
+                                          <p:spTgt spid="11"/>
+                                        </p:tgtEl>
+                                        <p:attrNameLst>
+                                          <p:attrName>ppt_x</p:attrName>
+                                          <p:attrName>ppt_y</p:attrName>
+                                        </p:attrNameLst>
+                                      </p:cBhvr>
+                                      <p:rCtr x="-10286" y="1389"/>
+                                    </p:animMotion>
+                                  </p:childTnLst>
+                                </p:cTn>
+                              </p:par>
+                              <p:par>
+                                <p:cTn id="13" presetID="35" presetClass="path" presetSubtype="0" accel="50000" decel="50000" fill="hold" grpId="0" nodeType="withEffect">
+                                  <p:stCondLst>
+                                    <p:cond delay="0"/>
+                                  </p:stCondLst>
+                                  <p:childTnLst>
+                                    <p:animMotion origin="layout" path="M -2.08333E-6 1.48148E-6 L -0.63581 0.03495 " pathEditMode="relative" rAng="0" ptsTypes="AA">
+                                      <p:cBhvr>
+                                        <p:cTn id="14" dur="2000" fill="hold"/>
+                                        <p:tgtEl>
+                                          <p:spTgt spid="10"/>
+                                        </p:tgtEl>
+                                        <p:attrNameLst>
+                                          <p:attrName>ppt_x</p:attrName>
+                                          <p:attrName>ppt_y</p:attrName>
+                                        </p:attrNameLst>
+                                      </p:cBhvr>
+                                      <p:rCtr x="-31797" y="1736"/>
+                                    </p:animMotion>
+                                  </p:childTnLst>
+                                </p:cTn>
+                              </p:par>
+                              <p:par>
+                                <p:cTn id="15" presetID="35" presetClass="path" presetSubtype="0" accel="50000" decel="50000" fill="hold" grpId="0" nodeType="withEffect">
+                                  <p:stCondLst>
+                                    <p:cond delay="0"/>
+                                  </p:stCondLst>
+                                  <p:childTnLst>
+                                    <p:animMotion origin="layout" path="M 2.08333E-6 1.85185E-6 L -0.5961 -0.3419 " pathEditMode="relative" rAng="0" ptsTypes="AA">
+                                      <p:cBhvr>
+                                        <p:cTn id="16" dur="2000" fill="hold"/>
+                                        <p:tgtEl>
+                                          <p:spTgt spid="7"/>
+                                        </p:tgtEl>
+                                        <p:attrNameLst>
+                                          <p:attrName>ppt_x</p:attrName>
+                                          <p:attrName>ppt_y</p:attrName>
+                                        </p:attrNameLst>
+                                      </p:cBhvr>
+                                      <p:rCtr x="-29805" y="-17106"/>
+                                    </p:animMotion>
+                                  </p:childTnLst>
+                                </p:cTn>
+                              </p:par>
+                              <p:par>
+                                <p:cTn id="17" presetID="35" presetClass="path" presetSubtype="0" accel="50000" decel="50000" fill="hold" grpId="0" nodeType="withEffect">
+                                  <p:stCondLst>
+                                    <p:cond delay="0"/>
+                                  </p:stCondLst>
+                                  <p:childTnLst>
+                                    <p:animMotion origin="layout" path="M 4.58333E-6 -7.40741E-7 L -0.67865 -0.46505 " pathEditMode="relative" rAng="0" ptsTypes="AA">
+                                      <p:cBhvr>
+                                        <p:cTn id="18" dur="2000" fill="hold"/>
+                                        <p:tgtEl>
+                                          <p:spTgt spid="8"/>
+                                        </p:tgtEl>
+                                        <p:attrNameLst>
+                                          <p:attrName>ppt_x</p:attrName>
+                                          <p:attrName>ppt_y</p:attrName>
+                                        </p:attrNameLst>
+                                      </p:cBhvr>
+                                      <p:rCtr x="-33932" y="-23264"/>
+                                    </p:animMotion>
+                                  </p:childTnLst>
+                                </p:cTn>
+                              </p:par>
+                            </p:childTnLst>
+                          </p:cTn>
+                        </p:par>
+                      </p:childTnLst>
+                    </p:cTn>
+                  </p:par>
+                  <p:par>
+                    <p:cTn id="19" fill="hold">
+                      <p:stCondLst>
+                        <p:cond delay="indefinite"/>
+                      </p:stCondLst>
+                      <p:childTnLst>
+                        <p:par>
+                          <p:cTn id="20" fill="hold">
+                            <p:stCondLst>
+                              <p:cond delay="0"/>
+                            </p:stCondLst>
+                            <p:childTnLst>
+                              <p:par>
+                                <p:cTn id="21" presetID="42" presetClass="path" presetSubtype="0" accel="50000" decel="50000" fill="hold" grpId="0" nodeType="clickEffect">
+                                  <p:stCondLst>
+                                    <p:cond delay="0"/>
+                                  </p:stCondLst>
+                                  <p:childTnLst>
+                                    <p:animMotion origin="layout" path="M -4.16667E-7 2.59259E-6 L -0.04518 -0.07084 " pathEditMode="relative" rAng="0" ptsTypes="AA">
+                                      <p:cBhvr>
+                                        <p:cTn id="22" dur="2000" fill="hold"/>
+                                        <p:tgtEl>
+                                          <p:spTgt spid="23"/>
+                                        </p:tgtEl>
+                                        <p:attrNameLst>
+                                          <p:attrName>ppt_x</p:attrName>
+                                          <p:attrName>ppt_y</p:attrName>
+                                        </p:attrNameLst>
+                                      </p:cBhvr>
+                                      <p:rCtr x="-2266" y="-3542"/>
+                                    </p:animMotion>
+                                  </p:childTnLst>
+                                </p:cTn>
+                              </p:par>
+                              <p:par>
+                                <p:cTn id="23" presetID="42" presetClass="path" presetSubtype="0" accel="50000" decel="50000" fill="hold" grpId="0" nodeType="withEffect">
+                                  <p:stCondLst>
+                                    <p:cond delay="0"/>
+                                  </p:stCondLst>
+                                  <p:childTnLst>
+                                    <p:animMotion origin="layout" path="M -4.16667E-7 -2.96296E-6 L -0.03008 -0.08032 " pathEditMode="relative" rAng="0" ptsTypes="AA">
+                                      <p:cBhvr>
+                                        <p:cTn id="24" dur="2000" fill="hold"/>
+                                        <p:tgtEl>
+                                          <p:spTgt spid="24"/>
+                                        </p:tgtEl>
+                                        <p:attrNameLst>
+                                          <p:attrName>ppt_x</p:attrName>
+                                          <p:attrName>ppt_y</p:attrName>
+                                        </p:attrNameLst>
+                                      </p:cBhvr>
+                                      <p:rCtr x="-1510" y="-4028"/>
+                                    </p:animMotion>
+                                  </p:childTnLst>
+                                </p:cTn>
+                              </p:par>
+                              <p:par>
+                                <p:cTn id="25" presetID="42" presetClass="path" presetSubtype="0" accel="50000" decel="50000" fill="hold" grpId="0" nodeType="withEffect">
+                                  <p:stCondLst>
+                                    <p:cond delay="0"/>
+                                  </p:stCondLst>
+                                  <p:childTnLst>
+                                    <p:animMotion origin="layout" path="M -4.16667E-7 1.48148E-6 L -0.03008 -0.08264 " pathEditMode="relative" rAng="0" ptsTypes="AA">
+                                      <p:cBhvr>
+                                        <p:cTn id="26" dur="2000" fill="hold"/>
+                                        <p:tgtEl>
+                                          <p:spTgt spid="25"/>
+                                        </p:tgtEl>
+                                        <p:attrNameLst>
+                                          <p:attrName>ppt_x</p:attrName>
+                                          <p:attrName>ppt_y</p:attrName>
+                                        </p:attrNameLst>
+                                      </p:cBhvr>
+                                      <p:rCtr x="-1510" y="-4144"/>
+                                    </p:animMotion>
+                                  </p:childTnLst>
+                                </p:cTn>
+                              </p:par>
+                              <p:par>
+                                <p:cTn id="27" presetID="42" presetClass="path" presetSubtype="0" accel="50000" decel="50000" fill="hold" grpId="0" nodeType="withEffect">
+                                  <p:stCondLst>
+                                    <p:cond delay="0"/>
+                                  </p:stCondLst>
+                                  <p:childTnLst>
+                                    <p:animMotion origin="layout" path="M -4.16667E-7 -4.07407E-6 L -0.03633 -0.10069 " pathEditMode="relative" rAng="0" ptsTypes="AA">
+                                      <p:cBhvr>
+                                        <p:cTn id="28" dur="2000" fill="hold"/>
+                                        <p:tgtEl>
+                                          <p:spTgt spid="26"/>
+                                        </p:tgtEl>
+                                        <p:attrNameLst>
+                                          <p:attrName>ppt_x</p:attrName>
+                                          <p:attrName>ppt_y</p:attrName>
+                                        </p:attrNameLst>
+                                      </p:cBhvr>
+                                      <p:rCtr x="-1823" y="-5046"/>
+                                    </p:animMotion>
+                                  </p:childTnLst>
+                                </p:cTn>
+                              </p:par>
+                            </p:childTnLst>
+                          </p:cTn>
+                        </p:par>
+                      </p:childTnLst>
+                    </p:cTn>
+                  </p:par>
+                  <p:par>
+                    <p:cTn id="29" fill="hold">
+                      <p:stCondLst>
+                        <p:cond delay="indefinite"/>
+                      </p:stCondLst>
+                      <p:childTnLst>
+                        <p:par>
+                          <p:cTn id="30" fill="hold">
+                            <p:stCondLst>
+                              <p:cond delay="0"/>
+                            </p:stCondLst>
+                            <p:childTnLst>
+                              <p:par>
+                                <p:cTn id="31" presetID="42" presetClass="path" presetSubtype="0" accel="50000" decel="50000" fill="hold" grpId="0" nodeType="clickEffect">
+                                  <p:stCondLst>
+                                    <p:cond delay="0"/>
+                                  </p:stCondLst>
+                                  <p:childTnLst>
+                                    <p:animMotion origin="layout" path="M 2.5E-6 2.96296E-6 L -0.08841 0.1125 " pathEditMode="relative" rAng="0" ptsTypes="AA">
+                                      <p:cBhvr>
+                                        <p:cTn id="32" dur="2000" fill="hold"/>
+                                        <p:tgtEl>
+                                          <p:spTgt spid="31"/>
+                                        </p:tgtEl>
+                                        <p:attrNameLst>
+                                          <p:attrName>ppt_x</p:attrName>
+                                          <p:attrName>ppt_y</p:attrName>
+                                        </p:attrNameLst>
+                                      </p:cBhvr>
+                                      <p:rCtr x="-4128" y="5255"/>
+                                    </p:animMotion>
+                                  </p:childTnLst>
+                                </p:cTn>
+                              </p:par>
+                              <p:par>
+                                <p:cTn id="33" presetID="42" presetClass="path" presetSubtype="0" accel="50000" decel="50000" fill="hold" grpId="0" nodeType="withEffect">
+                                  <p:stCondLst>
+                                    <p:cond delay="0"/>
+                                  </p:stCondLst>
+                                  <p:childTnLst>
+                                    <p:animMotion origin="layout" path="M -4.375E-6 -2.96296E-6 L -0.0427 0.06783 " pathEditMode="relative" rAng="0" ptsTypes="AA">
+                                      <p:cBhvr>
+                                        <p:cTn id="34" dur="2000" fill="hold"/>
+                                        <p:tgtEl>
+                                          <p:spTgt spid="30"/>
+                                        </p:tgtEl>
+                                        <p:attrNameLst>
+                                          <p:attrName>ppt_x</p:attrName>
+                                          <p:attrName>ppt_y</p:attrName>
+                                        </p:attrNameLst>
+                                      </p:cBhvr>
+                                      <p:rCtr x="-2174" y="4005"/>
+                                    </p:animMotion>
+                                  </p:childTnLst>
+                                </p:cTn>
+                              </p:par>
+                              <p:par>
+                                <p:cTn id="35" presetID="42" presetClass="path" presetSubtype="0" accel="50000" decel="50000" fill="hold" grpId="0" nodeType="withEffect">
+                                  <p:stCondLst>
+                                    <p:cond delay="0"/>
+                                  </p:stCondLst>
+                                  <p:childTnLst>
+                                    <p:animMotion origin="layout" path="M -1.875E-6 1.48148E-6 L -0.12239 0.06227 " pathEditMode="relative" rAng="0" ptsTypes="AA">
+                                      <p:cBhvr>
+                                        <p:cTn id="36" dur="2000" fill="hold"/>
+                                        <p:tgtEl>
+                                          <p:spTgt spid="32"/>
+                                        </p:tgtEl>
+                                        <p:attrNameLst>
+                                          <p:attrName>ppt_x</p:attrName>
+                                          <p:attrName>ppt_y</p:attrName>
+                                        </p:attrNameLst>
+                                      </p:cBhvr>
+                                      <p:rCtr x="-6159" y="3125"/>
+                                    </p:animMotion>
+                                  </p:childTnLst>
+                                </p:cTn>
+                              </p:par>
+                              <p:par>
+                                <p:cTn id="37" presetID="42" presetClass="path" presetSubtype="0" accel="50000" decel="50000" fill="hold" grpId="0" nodeType="withEffect">
+                                  <p:stCondLst>
+                                    <p:cond delay="0"/>
+                                  </p:stCondLst>
+                                  <p:childTnLst>
+                                    <p:animMotion origin="layout" path="M 4.58333E-6 4.07407E-6 L -0.1612 0.07176 " pathEditMode="relative" rAng="0" ptsTypes="AA">
+                                      <p:cBhvr>
+                                        <p:cTn id="38" dur="2000" fill="hold"/>
+                                        <p:tgtEl>
+                                          <p:spTgt spid="33"/>
+                                        </p:tgtEl>
+                                        <p:attrNameLst>
+                                          <p:attrName>ppt_x</p:attrName>
+                                          <p:attrName>ppt_y</p:attrName>
+                                        </p:attrNameLst>
+                                      </p:cBhvr>
+                                      <p:rCtr x="-8060" y="3588"/>
+                                    </p:animMotion>
+                                  </p:childTnLst>
+                                </p:cTn>
+                              </p:par>
+                              <p:par>
+                                <p:cTn id="39" presetID="42" presetClass="path" presetSubtype="0" accel="50000" decel="50000" fill="hold" grpId="0" nodeType="withEffect">
+                                  <p:stCondLst>
+                                    <p:cond delay="0"/>
+                                  </p:stCondLst>
+                                  <p:childTnLst>
+                                    <p:animMotion origin="layout" path="M 3.75E-6 4.44444E-6 L -0.16172 0.02754 " pathEditMode="relative" rAng="0" ptsTypes="AA">
+                                      <p:cBhvr>
+                                        <p:cTn id="40" dur="2000" fill="hold"/>
+                                        <p:tgtEl>
+                                          <p:spTgt spid="34"/>
+                                        </p:tgtEl>
+                                        <p:attrNameLst>
+                                          <p:attrName>ppt_x</p:attrName>
+                                          <p:attrName>ppt_y</p:attrName>
+                                        </p:attrNameLst>
+                                      </p:cBhvr>
+                                      <p:rCtr x="-8086" y="1366"/>
+                                    </p:animMotion>
+                                  </p:childTnLst>
+                                </p:cTn>
+                              </p:par>
+                              <p:par>
+                                <p:cTn id="41" presetID="42" presetClass="path" presetSubtype="0" accel="50000" decel="50000" fill="hold" grpId="0" nodeType="withEffect">
+                                  <p:stCondLst>
+                                    <p:cond delay="0"/>
+                                  </p:stCondLst>
+                                  <p:childTnLst>
+                                    <p:animMotion origin="layout" path="M 3.75E-6 1.48148E-6 L -0.18047 -0.01505 " pathEditMode="relative" rAng="0" ptsTypes="AA">
+                                      <p:cBhvr>
+                                        <p:cTn id="42" dur="2000" fill="hold"/>
+                                        <p:tgtEl>
+                                          <p:spTgt spid="35"/>
+                                        </p:tgtEl>
+                                        <p:attrNameLst>
+                                          <p:attrName>ppt_x</p:attrName>
+                                          <p:attrName>ppt_y</p:attrName>
+                                        </p:attrNameLst>
+                                      </p:cBhvr>
+                                      <p:rCtr x="-9023" y="-764"/>
+                                    </p:animMotion>
+                                  </p:childTnLst>
+                                </p:cTn>
+                              </p:par>
+                            </p:childTnLst>
+                          </p:cTn>
+                        </p:par>
+                      </p:childTnLst>
+                    </p:cTn>
+                  </p:par>
+                  <p:par>
+                    <p:cTn id="43" fill="hold">
+                      <p:stCondLst>
+                        <p:cond delay="indefinite"/>
+                      </p:stCondLst>
+                      <p:childTnLst>
+                        <p:par>
+                          <p:cTn id="44" fill="hold">
+                            <p:stCondLst>
+                              <p:cond delay="0"/>
+                            </p:stCondLst>
+                            <p:childTnLst>
+                              <p:par>
+                                <p:cTn id="45" presetID="42" presetClass="path" presetSubtype="0" accel="50000" decel="50000" fill="hold" grpId="0" nodeType="clickEffect">
+                                  <p:stCondLst>
+                                    <p:cond delay="0"/>
+                                  </p:stCondLst>
+                                  <p:childTnLst>
+                                    <p:animMotion origin="layout" path="M -3.33333E-6 1.85185E-6 L 0.31823 -0.20023 " pathEditMode="relative" rAng="0" ptsTypes="AA">
+                                      <p:cBhvr>
+                                        <p:cTn id="46" dur="2000" fill="hold"/>
+                                        <p:tgtEl>
+                                          <p:spTgt spid="52"/>
+                                        </p:tgtEl>
+                                        <p:attrNameLst>
+                                          <p:attrName>ppt_x</p:attrName>
+                                          <p:attrName>ppt_y</p:attrName>
+                                        </p:attrNameLst>
+                                      </p:cBhvr>
+                                      <p:rCtr x="15703" y="-9861"/>
+                                    </p:animMotion>
+                                  </p:childTnLst>
+                                </p:cTn>
+                              </p:par>
+                              <p:par>
+                                <p:cTn id="47" presetID="42" presetClass="path" presetSubtype="0" accel="50000" decel="50000" fill="hold" grpId="0" nodeType="withEffect">
+                                  <p:stCondLst>
+                                    <p:cond delay="0"/>
+                                  </p:stCondLst>
+                                  <p:childTnLst>
+                                    <p:animMotion origin="layout" path="M -1.66667E-6 1.85185E-6 L -0.03073 -0.10648 " pathEditMode="relative" rAng="0" ptsTypes="AA">
+                                      <p:cBhvr>
+                                        <p:cTn id="48" dur="2000" fill="hold"/>
+                                        <p:tgtEl>
+                                          <p:spTgt spid="54"/>
+                                        </p:tgtEl>
+                                        <p:attrNameLst>
+                                          <p:attrName>ppt_x</p:attrName>
+                                          <p:attrName>ppt_y</p:attrName>
+                                        </p:attrNameLst>
+                                      </p:cBhvr>
+                                      <p:rCtr x="-1563" y="-5185"/>
+                                    </p:animMotion>
+                                  </p:childTnLst>
+                                </p:cTn>
+                              </p:par>
+                              <p:par>
+                                <p:cTn id="49" presetID="42" presetClass="path" presetSubtype="0" accel="50000" decel="50000" fill="hold" grpId="0" nodeType="withEffect">
+                                  <p:stCondLst>
+                                    <p:cond delay="0"/>
+                                  </p:stCondLst>
+                                  <p:childTnLst>
+                                    <p:animMotion origin="layout" path="M 2.08333E-6 -3.7037E-6 L -0.02838 -0.53704 " pathEditMode="relative" rAng="0" ptsTypes="AA">
+                                      <p:cBhvr>
+                                        <p:cTn id="50" dur="2000" fill="hold"/>
+                                        <p:tgtEl>
+                                          <p:spTgt spid="56"/>
+                                        </p:tgtEl>
+                                        <p:attrNameLst>
+                                          <p:attrName>ppt_x</p:attrName>
+                                          <p:attrName>ppt_y</p:attrName>
+                                        </p:attrNameLst>
+                                      </p:cBhvr>
+                                      <p:rCtr x="-1589" y="-26574"/>
+                                    </p:animMotion>
+                                  </p:childTnLst>
+                                </p:cTn>
+                              </p:par>
+                              <p:par>
+                                <p:cTn id="51" presetID="42" presetClass="path" presetSubtype="0" accel="50000" decel="50000" fill="hold" grpId="0" nodeType="withEffect">
+                                  <p:stCondLst>
+                                    <p:cond delay="0"/>
+                                  </p:stCondLst>
+                                  <p:childTnLst>
+                                    <p:animMotion origin="layout" path="M -2.5E-6 3.33333E-6 L -0.2 0.09375 " pathEditMode="relative" rAng="0" ptsTypes="AA">
+                                      <p:cBhvr>
+                                        <p:cTn id="52" dur="2000" fill="hold"/>
+                                        <p:tgtEl>
+                                          <p:spTgt spid="55"/>
+                                        </p:tgtEl>
+                                        <p:attrNameLst>
+                                          <p:attrName>ppt_x</p:attrName>
+                                          <p:attrName>ppt_y</p:attrName>
+                                        </p:attrNameLst>
+                                      </p:cBhvr>
+                                      <p:rCtr x="-10000" y="4838"/>
+                                    </p:animMotion>
+                                  </p:childTnLst>
+                                </p:cTn>
+                              </p:par>
+                              <p:par>
+                                <p:cTn id="53" presetID="42" presetClass="path" presetSubtype="0" accel="50000" decel="50000" fill="hold" grpId="0" nodeType="withEffect">
+                                  <p:stCondLst>
+                                    <p:cond delay="0"/>
+                                  </p:stCondLst>
+                                  <p:childTnLst>
+                                    <p:animMotion origin="layout" path="M 4.375E-6 3.7037E-7 L -0.25195 -0.14421 " pathEditMode="relative" rAng="0" ptsTypes="AA">
+                                      <p:cBhvr>
+                                        <p:cTn id="54" dur="2000" fill="hold"/>
+                                        <p:tgtEl>
+                                          <p:spTgt spid="49"/>
+                                        </p:tgtEl>
+                                        <p:attrNameLst>
+                                          <p:attrName>ppt_x</p:attrName>
+                                          <p:attrName>ppt_y</p:attrName>
+                                        </p:attrNameLst>
+                                      </p:cBhvr>
+                                      <p:rCtr x="-12721" y="-7222"/>
+                                    </p:animMotion>
+                                  </p:childTnLst>
+                                </p:cTn>
+                              </p:par>
+                              <p:par>
+                                <p:cTn id="55" presetID="42" presetClass="path" presetSubtype="0" accel="50000" decel="50000" fill="hold" grpId="0" nodeType="withEffect">
+                                  <p:stCondLst>
+                                    <p:cond delay="0"/>
+                                  </p:stCondLst>
+                                  <p:childTnLst>
+                                    <p:animMotion origin="layout" path="M -8.33333E-7 -3.7037E-6 L -0.2427 -0.25578 " pathEditMode="relative" rAng="0" ptsTypes="AA">
+                                      <p:cBhvr>
+                                        <p:cTn id="56" dur="2000" fill="hold"/>
+                                        <p:tgtEl>
+                                          <p:spTgt spid="51"/>
+                                        </p:tgtEl>
+                                        <p:attrNameLst>
+                                          <p:attrName>ppt_x</p:attrName>
+                                          <p:attrName>ppt_y</p:attrName>
+                                        </p:attrNameLst>
+                                      </p:cBhvr>
+                                      <p:rCtr x="-12044" y="-12639"/>
+                                    </p:animMotion>
+                                  </p:childTnLst>
+                                </p:cTn>
+                              </p:par>
+                              <p:par>
+                                <p:cTn id="57" presetID="42" presetClass="path" presetSubtype="0" accel="50000" decel="50000" fill="hold" grpId="0" nodeType="withEffect">
+                                  <p:stCondLst>
+                                    <p:cond delay="0"/>
+                                  </p:stCondLst>
+                                  <p:childTnLst>
+                                    <p:animMotion origin="layout" path="M -2.5E-6 -1.11111E-6 L -0.25625 -0.29444 " pathEditMode="relative" rAng="0" ptsTypes="AA">
+                                      <p:cBhvr>
+                                        <p:cTn id="58" dur="2000" fill="hold"/>
+                                        <p:tgtEl>
+                                          <p:spTgt spid="53"/>
+                                        </p:tgtEl>
+                                        <p:attrNameLst>
+                                          <p:attrName>ppt_x</p:attrName>
+                                          <p:attrName>ppt_y</p:attrName>
+                                        </p:attrNameLst>
+                                      </p:cBhvr>
+                                      <p:rCtr x="-12839" y="-14653"/>
+                                    </p:animMotion>
+                                  </p:childTnLst>
+                                </p:cTn>
+                              </p:par>
+                              <p:par>
+                                <p:cTn id="59" presetID="42" presetClass="path" presetSubtype="0" accel="50000" decel="50000" fill="hold" grpId="0" nodeType="withEffect">
+                                  <p:stCondLst>
+                                    <p:cond delay="0"/>
+                                  </p:stCondLst>
+                                  <p:childTnLst>
+                                    <p:animMotion origin="layout" path="M -2.91667E-6 2.96296E-6 L -0.30651 -0.18287 " pathEditMode="relative" rAng="0" ptsTypes="AA">
+                                      <p:cBhvr>
+                                        <p:cTn id="60" dur="2000" fill="hold"/>
+                                        <p:tgtEl>
+                                          <p:spTgt spid="50"/>
+                                        </p:tgtEl>
+                                        <p:attrNameLst>
+                                          <p:attrName>ppt_x</p:attrName>
+                                          <p:attrName>ppt_y</p:attrName>
+                                        </p:attrNameLst>
+                                      </p:cBhvr>
+                                      <p:rCtr x="-15234" y="-9144"/>
+                                    </p:animMotion>
+                                  </p:childTnLst>
+                                </p:cTn>
+                              </p:par>
+                            </p:childTnLst>
+                          </p:cTn>
+                        </p:par>
+                      </p:childTnLst>
+                    </p:cTn>
+                  </p:par>
+                  <p:par>
+                    <p:cTn id="61" fill="hold">
+                      <p:stCondLst>
+                        <p:cond delay="indefinite"/>
+                      </p:stCondLst>
+                      <p:childTnLst>
+                        <p:par>
+                          <p:cTn id="62" fill="hold">
+                            <p:stCondLst>
+                              <p:cond delay="0"/>
+                            </p:stCondLst>
+                            <p:childTnLst>
+                              <p:par>
+                                <p:cTn id="63" presetID="42" presetClass="path" presetSubtype="0" accel="50000" decel="50000" fill="hold" grpId="0" nodeType="clickEffect">
+                                  <p:stCondLst>
+                                    <p:cond delay="0"/>
+                                  </p:stCondLst>
+                                  <p:childTnLst>
+                                    <p:animMotion origin="layout" path="M 3.125E-6 0 L 0.17631 -0.33704 " pathEditMode="relative" rAng="0" ptsTypes="AA">
+                                      <p:cBhvr>
+                                        <p:cTn id="64" dur="2000" fill="hold"/>
+                                        <p:tgtEl>
+                                          <p:spTgt spid="42"/>
+                                        </p:tgtEl>
+                                        <p:attrNameLst>
+                                          <p:attrName>ppt_x</p:attrName>
+                                          <p:attrName>ppt_y</p:attrName>
+                                        </p:attrNameLst>
+                                      </p:cBhvr>
+                                      <p:rCtr x="9948" y="-16944"/>
+                                    </p:animMotion>
+                                  </p:childTnLst>
+                                </p:cTn>
+                              </p:par>
+                              <p:par>
+                                <p:cTn id="65" presetID="42" presetClass="path" presetSubtype="0" accel="50000" decel="50000" fill="hold" grpId="0" nodeType="withEffect">
+                                  <p:stCondLst>
+                                    <p:cond delay="0"/>
+                                  </p:stCondLst>
+                                  <p:childTnLst>
+                                    <p:animMotion origin="layout" path="M 1.04167E-6 -4.81481E-6 L -0.24375 -0.01435 " pathEditMode="relative" rAng="0" ptsTypes="AA">
+                                      <p:cBhvr>
+                                        <p:cTn id="66" dur="2000" fill="hold"/>
+                                        <p:tgtEl>
+                                          <p:spTgt spid="43"/>
+                                        </p:tgtEl>
+                                        <p:attrNameLst>
+                                          <p:attrName>ppt_x</p:attrName>
+                                          <p:attrName>ppt_y</p:attrName>
+                                        </p:attrNameLst>
+                                      </p:cBhvr>
+                                      <p:rCtr x="-11042" y="-347"/>
+                                    </p:animMotion>
+                                  </p:childTnLst>
+                                </p:cTn>
+                              </p:par>
+                              <p:par>
+                                <p:cTn id="67" presetID="42" presetClass="path" presetSubtype="0" accel="50000" decel="50000" fill="hold" grpId="0" nodeType="withEffect">
+                                  <p:stCondLst>
+                                    <p:cond delay="0"/>
+                                  </p:stCondLst>
+                                  <p:childTnLst>
+                                    <p:animMotion origin="layout" path="M -8.33333E-7 -2.96296E-6 L -0.31354 -0.03009 " pathEditMode="relative" rAng="0" ptsTypes="AA">
+                                      <p:cBhvr>
+                                        <p:cTn id="68" dur="2000" fill="hold"/>
+                                        <p:tgtEl>
+                                          <p:spTgt spid="41"/>
+                                        </p:tgtEl>
+                                        <p:attrNameLst>
+                                          <p:attrName>ppt_x</p:attrName>
+                                          <p:attrName>ppt_y</p:attrName>
+                                        </p:attrNameLst>
+                                      </p:cBhvr>
+                                      <p:rCtr x="-15677" y="-1505"/>
+                                    </p:animMotion>
+                                  </p:childTnLst>
+                                </p:cTn>
+                              </p:par>
+                              <p:par>
+                                <p:cTn id="69" presetID="42" presetClass="path" presetSubtype="0" accel="50000" decel="50000" fill="hold" grpId="0" nodeType="withEffect">
+                                  <p:stCondLst>
+                                    <p:cond delay="0"/>
+                                  </p:stCondLst>
+                                  <p:childTnLst>
+                                    <p:animMotion origin="layout" path="M -3.33333E-6 -3.33333E-6 L -0.33606 -0.08564 " pathEditMode="relative" rAng="0" ptsTypes="AA">
+                                      <p:cBhvr>
+                                        <p:cTn id="70" dur="2000" fill="hold"/>
+                                        <p:tgtEl>
+                                          <p:spTgt spid="40"/>
+                                        </p:tgtEl>
+                                        <p:attrNameLst>
+                                          <p:attrName>ppt_x</p:attrName>
+                                          <p:attrName>ppt_y</p:attrName>
+                                        </p:attrNameLst>
+                                      </p:cBhvr>
+                                      <p:rCtr x="-16810" y="-4282"/>
+                                    </p:animMotion>
+                                  </p:childTnLst>
+                                </p:cTn>
+                              </p:par>
+                              <p:par>
+                                <p:cTn id="71" presetID="42" presetClass="path" presetSubtype="0" accel="50000" decel="50000" fill="hold" grpId="0" nodeType="withEffect">
+                                  <p:stCondLst>
+                                    <p:cond delay="0"/>
+                                  </p:stCondLst>
+                                  <p:childTnLst>
+                                    <p:animMotion origin="layout" path="M 5E-6 4.44444E-6 L -0.1905 -0.15417 " pathEditMode="relative" rAng="0" ptsTypes="AA">
+                                      <p:cBhvr>
+                                        <p:cTn id="72" dur="2000" fill="hold"/>
+                                        <p:tgtEl>
+                                          <p:spTgt spid="38"/>
+                                        </p:tgtEl>
+                                        <p:attrNameLst>
+                                          <p:attrName>ppt_x</p:attrName>
+                                          <p:attrName>ppt_y</p:attrName>
+                                        </p:attrNameLst>
+                                      </p:cBhvr>
+                                      <p:rCtr x="-9531" y="-7708"/>
+                                    </p:animMotion>
+                                  </p:childTnLst>
+                                </p:cTn>
+                              </p:par>
+                              <p:par>
+                                <p:cTn id="73" presetID="42" presetClass="path" presetSubtype="0" accel="50000" decel="50000" fill="hold" grpId="0" nodeType="withEffect">
+                                  <p:stCondLst>
+                                    <p:cond delay="0"/>
+                                  </p:stCondLst>
+                                  <p:childTnLst>
+                                    <p:animMotion origin="layout" path="M -4.375E-6 -7.40741E-7 L -0.33464 -0.20903 " pathEditMode="relative" rAng="0" ptsTypes="AA">
+                                      <p:cBhvr>
+                                        <p:cTn id="74" dur="2000" fill="hold"/>
+                                        <p:tgtEl>
+                                          <p:spTgt spid="39"/>
+                                        </p:tgtEl>
+                                        <p:attrNameLst>
+                                          <p:attrName>ppt_x</p:attrName>
+                                          <p:attrName>ppt_y</p:attrName>
+                                        </p:attrNameLst>
+                                      </p:cBhvr>
+                                      <p:rCtr x="-15677" y="-10324"/>
+                                    </p:animMotion>
+                                  </p:childTnLst>
+                                </p:cTn>
+                              </p:par>
+                              <p:par>
+                                <p:cTn id="75" presetID="42" presetClass="path" presetSubtype="0" accel="50000" decel="50000" fill="hold" grpId="0" nodeType="withEffect">
+                                  <p:stCondLst>
+                                    <p:cond delay="0"/>
+                                  </p:stCondLst>
+                                  <p:childTnLst>
+                                    <p:animMotion origin="layout" path="M 2.08333E-6 -1.85185E-6 L -0.31732 -0.275 " pathEditMode="relative" rAng="0" ptsTypes="AA">
+                                      <p:cBhvr>
+                                        <p:cTn id="76" dur="2000" fill="hold"/>
+                                        <p:tgtEl>
+                                          <p:spTgt spid="37"/>
+                                        </p:tgtEl>
+                                        <p:attrNameLst>
+                                          <p:attrName>ppt_x</p:attrName>
+                                          <p:attrName>ppt_y</p:attrName>
+                                        </p:attrNameLst>
+                                      </p:cBhvr>
+                                      <p:rCtr x="-15872" y="-13750"/>
+                                    </p:animMotion>
+                                  </p:childTnLst>
+                                </p:cTn>
+                              </p:par>
+                            </p:childTnLst>
+                          </p:cTn>
+                        </p:par>
+                      </p:childTnLst>
+                    </p:cTn>
+                  </p:par>
+                </p:childTnLst>
+              </p:cTn>
+              <p:prevCondLst>
+                <p:cond evt="onPrev" delay="0">
+                  <p:tgtEl>
+                    <p:sldTgt/>
+                  </p:tgtEl>
+                </p:cond>
+              </p:prevCondLst>
+              <p:nextCondLst>
+                <p:cond evt="onNext" delay="0">
+                  <p:tgtEl>
+                    <p:sldTgt/>
+                  </p:tgtEl>
+                </p:cond>
+              </p:nextCondLst>
+            </p:seq>
+          </p:childTnLst>
+        </p:cTn>
+      </p:par>
+    </p:tnLst>
+    <p:bldLst>
+      <p:bldP spid="7" grpId="0" animBg="1"/>
+      <p:bldP spid="8" grpId="0" animBg="1"/>
+      <p:bldP spid="9" grpId="0" animBg="1"/>
+      <p:bldP spid="10" grpId="0" animBg="1"/>
+      <p:bldP spid="11" grpId="0" animBg="1"/>
+      <p:bldP spid="12" grpId="0" animBg="1"/>
+      <p:bldP spid="13" grpId="0" animBg="1"/>
+      <p:bldP spid="23" grpId="0" animBg="1"/>
+      <p:bldP spid="24" grpId="0" animBg="1"/>
+      <p:bldP spid="25" grpId="0" animBg="1"/>
+      <p:bldP spid="26" grpId="0" animBg="1"/>
+      <p:bldP spid="30" grpId="0" animBg="1"/>
+      <p:bldP spid="31" grpId="0" animBg="1"/>
+      <p:bldP spid="32" grpId="0" animBg="1"/>
+      <p:bldP spid="33" grpId="0" animBg="1"/>
+      <p:bldP spid="34" grpId="0" animBg="1"/>
+      <p:bldP spid="35" grpId="0" animBg="1"/>
+      <p:bldP spid="37" grpId="0" animBg="1"/>
+      <p:bldP spid="38" grpId="0" animBg="1"/>
+      <p:bldP spid="39" grpId="0" animBg="1"/>
+      <p:bldP spid="40" grpId="0" animBg="1"/>
+      <p:bldP spid="41" grpId="0" animBg="1"/>
+      <p:bldP spid="42" grpId="0" animBg="1"/>
+      <p:bldP spid="43" grpId="0" animBg="1"/>
+      <p:bldP spid="50" grpId="0" animBg="1"/>
+      <p:bldP spid="51" grpId="0" animBg="1"/>
+      <p:bldP spid="52" grpId="0" animBg="1"/>
+      <p:bldP spid="53" grpId="0" animBg="1"/>
+      <p:bldP spid="54" grpId="0" animBg="1"/>
+      <p:bldP spid="55" grpId="0" animBg="1"/>
+      <p:bldP spid="56" grpId="0" animBg="1"/>
+      <p:bldP spid="49" grpId="0" animBg="1"/>
+    </p:bldLst>
+  </p:timing>
+</p:sld>
+</file>
+
+<file path=ppt/slides/slide8.xml><?xml version="1.0" encoding="utf-8"?>
+<p:sld xmlns:a="http://schemas.openxmlformats.org/drawingml/2006/main" xmlns:r="http://schemas.openxmlformats.org/officeDocument/2006/relationships" xmlns:p="http://schemas.openxmlformats.org/presentationml/2006/main">
+  <p:cSld>
+    <p:spTree>
+      <p:nvGrpSpPr>
+        <p:cNvPr id="1" name="">
+          <a:extLst>
+            <a:ext uri="{FF2B5EF4-FFF2-40B4-BE49-F238E27FC236}">
+              <a16:creationId xmlns:a16="http://schemas.microsoft.com/office/drawing/2014/main" id="{EDAB2F5C-844A-7E2C-1E42-4DEF8E3FC18E}"/>
             </a:ext>
           </a:extLst>
         </p:cNvPr>
@@ -9681,7 +16730,7 @@
           <p:cNvPr id="2" name="Title 1">
             <a:extLst>
               <a:ext uri="{FF2B5EF4-FFF2-40B4-BE49-F238E27FC236}">
-                <a16:creationId xmlns:a16="http://schemas.microsoft.com/office/drawing/2014/main" id="{4C6389D6-ED8E-E516-C677-26D69F2047D6}"/>
+                <a16:creationId xmlns:a16="http://schemas.microsoft.com/office/drawing/2014/main" id="{DDB56060-F52D-64A8-29B0-6CA89A2E6F61}"/>
               </a:ext>
             </a:extLst>
           </p:cNvPr>
@@ -9706,7 +16755,7 @@
               <a:rPr lang="en-GB" dirty="0">
                 <a:latin typeface="Arial Black" panose="020B0A04020102020204" pitchFamily="34" charset="0"/>
               </a:rPr>
-              <a:t>Price Ladder</a:t>
+              <a:t>Sounds great! But How much?</a:t>
             </a:r>
           </a:p>
         </p:txBody>
@@ -9716,7 +16765,7 @@
           <p:cNvPr id="6" name="Content Placeholder 5">
             <a:extLst>
               <a:ext uri="{FF2B5EF4-FFF2-40B4-BE49-F238E27FC236}">
-                <a16:creationId xmlns:a16="http://schemas.microsoft.com/office/drawing/2014/main" id="{FCD243F6-FEAC-A8A4-38C1-A0C23DACBF24}"/>
+                <a16:creationId xmlns:a16="http://schemas.microsoft.com/office/drawing/2014/main" id="{80149AB7-6FCA-148C-EF72-D9BDD2495452}"/>
               </a:ext>
             </a:extLst>
           </p:cNvPr>
@@ -9737,17 +16786,14 @@
           <a:bodyPr/>
           <a:lstStyle/>
           <a:p>
-            <a:r>
-              <a:rPr lang="en-GB" dirty="0"/>
-              <a:t>Content</a:t>
-            </a:r>
+            <a:endParaRPr lang="en-GB" dirty="0"/>
           </a:p>
         </p:txBody>
       </p:sp>
     </p:spTree>
     <p:extLst>
       <p:ext uri="{BB962C8B-B14F-4D97-AF65-F5344CB8AC3E}">
-        <p14:creationId xmlns:p14="http://schemas.microsoft.com/office/powerpoint/2010/main" val="3961069619"/>
+        <p14:creationId xmlns:p14="http://schemas.microsoft.com/office/powerpoint/2010/main" val="753279634"/>
       </p:ext>
     </p:extLst>
   </p:cSld>
@@ -9757,7 +16803,7 @@
 </p:sld>
 </file>
 
-<file path=ppt/slides/slide6.xml><?xml version="1.0" encoding="utf-8"?>
+<file path=ppt/slides/slide9.xml><?xml version="1.0" encoding="utf-8"?>
 <p:sld xmlns:a="http://schemas.openxmlformats.org/drawingml/2006/main" xmlns:r="http://schemas.openxmlformats.org/officeDocument/2006/relationships" xmlns:p="http://schemas.openxmlformats.org/presentationml/2006/main">
   <p:cSld>
     <p:spTree>
@@ -9765,7 +16811,7 @@
         <p:cNvPr id="1" name="">
           <a:extLst>
             <a:ext uri="{FF2B5EF4-FFF2-40B4-BE49-F238E27FC236}">
-              <a16:creationId xmlns:a16="http://schemas.microsoft.com/office/drawing/2014/main" id="{049D05A8-25FA-645B-9A71-40B7E980B3A8}"/>
+              <a16:creationId xmlns:a16="http://schemas.microsoft.com/office/drawing/2014/main" id="{E1EEF2C4-3CED-CB1F-F1BF-D184B0170222}"/>
             </a:ext>
           </a:extLst>
         </p:cNvPr>
@@ -9785,7 +16831,7 @@
           <p:cNvPr id="2" name="Title 1">
             <a:extLst>
               <a:ext uri="{FF2B5EF4-FFF2-40B4-BE49-F238E27FC236}">
-                <a16:creationId xmlns:a16="http://schemas.microsoft.com/office/drawing/2014/main" id="{057EE819-DB0C-41E6-C211-E5A2BEB6B177}"/>
+                <a16:creationId xmlns:a16="http://schemas.microsoft.com/office/drawing/2014/main" id="{8840BCC1-2386-4E7F-49F4-F4347D8A55B9}"/>
               </a:ext>
             </a:extLst>
           </p:cNvPr>
@@ -9810,7 +16856,7 @@
               <a:rPr lang="en-GB" dirty="0">
                 <a:latin typeface="Arial Black" panose="020B0A04020102020204" pitchFamily="34" charset="0"/>
               </a:rPr>
-              <a:t>Skew</a:t>
+              <a:t>That’s a bargain! Give me more!</a:t>
             </a:r>
           </a:p>
         </p:txBody>
@@ -9820,7 +16866,7 @@
           <p:cNvPr id="6" name="Content Placeholder 5">
             <a:extLst>
               <a:ext uri="{FF2B5EF4-FFF2-40B4-BE49-F238E27FC236}">
-                <a16:creationId xmlns:a16="http://schemas.microsoft.com/office/drawing/2014/main" id="{113EC8F1-EDEA-34F1-996B-9453EBC3C03F}"/>
+                <a16:creationId xmlns:a16="http://schemas.microsoft.com/office/drawing/2014/main" id="{ED5C5C18-77C4-14B7-5585-A37B7D49A3FD}"/>
               </a:ext>
             </a:extLst>
           </p:cNvPr>
@@ -9841,347 +16887,14 @@
           <a:bodyPr/>
           <a:lstStyle/>
           <a:p>
-            <a:r>
-              <a:rPr lang="en-GB" dirty="0"/>
-              <a:t>Content</a:t>
-            </a:r>
+            <a:endParaRPr lang="en-GB" dirty="0"/>
           </a:p>
         </p:txBody>
       </p:sp>
     </p:spTree>
     <p:extLst>
       <p:ext uri="{BB962C8B-B14F-4D97-AF65-F5344CB8AC3E}">
-        <p14:creationId xmlns:p14="http://schemas.microsoft.com/office/powerpoint/2010/main" val="1857676077"/>
-      </p:ext>
-    </p:extLst>
-  </p:cSld>
-  <p:clrMapOvr>
-    <a:masterClrMapping/>
-  </p:clrMapOvr>
-</p:sld>
-</file>
-
-<file path=ppt/slides/slide7.xml><?xml version="1.0" encoding="utf-8"?>
-<p:sld xmlns:a="http://schemas.openxmlformats.org/drawingml/2006/main" xmlns:r="http://schemas.openxmlformats.org/officeDocument/2006/relationships" xmlns:p="http://schemas.openxmlformats.org/presentationml/2006/main">
-  <p:cSld>
-    <p:spTree>
-      <p:nvGrpSpPr>
-        <p:cNvPr id="1" name="">
-          <a:extLst>
-            <a:ext uri="{FF2B5EF4-FFF2-40B4-BE49-F238E27FC236}">
-              <a16:creationId xmlns:a16="http://schemas.microsoft.com/office/drawing/2014/main" id="{61FD6DF5-4B35-7094-7820-9B8CEA517C76}"/>
-            </a:ext>
-          </a:extLst>
-        </p:cNvPr>
-        <p:cNvGrpSpPr/>
-        <p:nvPr/>
-      </p:nvGrpSpPr>
-      <p:grpSpPr>
-        <a:xfrm>
-          <a:off x="0" y="0"/>
-          <a:ext cx="0" cy="0"/>
-          <a:chOff x="0" y="0"/>
-          <a:chExt cx="0" cy="0"/>
-        </a:xfrm>
-      </p:grpSpPr>
-      <p:sp>
-        <p:nvSpPr>
-          <p:cNvPr id="2" name="Title 1">
-            <a:extLst>
-              <a:ext uri="{FF2B5EF4-FFF2-40B4-BE49-F238E27FC236}">
-                <a16:creationId xmlns:a16="http://schemas.microsoft.com/office/drawing/2014/main" id="{6417CF3E-7D49-31BF-18BF-1E797D0962B9}"/>
-              </a:ext>
-            </a:extLst>
-          </p:cNvPr>
-          <p:cNvSpPr>
-            <a:spLocks noGrp="1"/>
-          </p:cNvSpPr>
-          <p:nvPr>
-            <p:ph type="title"/>
-          </p:nvPr>
-        </p:nvSpPr>
-        <p:spPr>
-          <a:xfrm>
-            <a:off x="838200" y="365126"/>
-            <a:ext cx="10515600" cy="856964"/>
-          </a:xfrm>
-        </p:spPr>
-        <p:txBody>
-          <a:bodyPr/>
-          <a:lstStyle/>
-          <a:p>
-            <a:r>
-              <a:rPr lang="en-GB" dirty="0">
-                <a:latin typeface="Arial Black" panose="020B0A04020102020204" pitchFamily="34" charset="0"/>
-              </a:rPr>
-              <a:t>Currency </a:t>
-            </a:r>
-            <a:r>
-              <a:rPr lang="en-GB" dirty="0" err="1">
-                <a:latin typeface="Arial Black" panose="020B0A04020102020204" pitchFamily="34" charset="0"/>
-              </a:rPr>
-              <a:t>Pait</a:t>
-            </a:r>
-            <a:r>
-              <a:rPr lang="en-GB" dirty="0">
-                <a:latin typeface="Arial Black" panose="020B0A04020102020204" pitchFamily="34" charset="0"/>
-              </a:rPr>
-              <a:t> Triangle</a:t>
-            </a:r>
-          </a:p>
-        </p:txBody>
-      </p:sp>
-      <p:sp>
-        <p:nvSpPr>
-          <p:cNvPr id="6" name="Content Placeholder 5">
-            <a:extLst>
-              <a:ext uri="{FF2B5EF4-FFF2-40B4-BE49-F238E27FC236}">
-                <a16:creationId xmlns:a16="http://schemas.microsoft.com/office/drawing/2014/main" id="{1B5D8A23-714A-B34B-B3AC-C79A79754463}"/>
-              </a:ext>
-            </a:extLst>
-          </p:cNvPr>
-          <p:cNvSpPr>
-            <a:spLocks noGrp="1"/>
-          </p:cNvSpPr>
-          <p:nvPr>
-            <p:ph idx="1"/>
-          </p:nvPr>
-        </p:nvSpPr>
-        <p:spPr>
-          <a:xfrm>
-            <a:off x="838200" y="1274093"/>
-            <a:ext cx="10515600" cy="4902870"/>
-          </a:xfrm>
-        </p:spPr>
-        <p:txBody>
-          <a:bodyPr/>
-          <a:lstStyle/>
-          <a:p>
-            <a:r>
-              <a:rPr lang="en-GB" dirty="0"/>
-              <a:t>Content</a:t>
-            </a:r>
-          </a:p>
-        </p:txBody>
-      </p:sp>
-    </p:spTree>
-    <p:extLst>
-      <p:ext uri="{BB962C8B-B14F-4D97-AF65-F5344CB8AC3E}">
-        <p14:creationId xmlns:p14="http://schemas.microsoft.com/office/powerpoint/2010/main" val="4245615394"/>
-      </p:ext>
-    </p:extLst>
-  </p:cSld>
-  <p:clrMapOvr>
-    <a:masterClrMapping/>
-  </p:clrMapOvr>
-</p:sld>
-</file>
-
-<file path=ppt/slides/slide8.xml><?xml version="1.0" encoding="utf-8"?>
-<p:sld xmlns:a="http://schemas.openxmlformats.org/drawingml/2006/main" xmlns:r="http://schemas.openxmlformats.org/officeDocument/2006/relationships" xmlns:p="http://schemas.openxmlformats.org/presentationml/2006/main">
-  <p:cSld>
-    <p:spTree>
-      <p:nvGrpSpPr>
-        <p:cNvPr id="1" name="">
-          <a:extLst>
-            <a:ext uri="{FF2B5EF4-FFF2-40B4-BE49-F238E27FC236}">
-              <a16:creationId xmlns:a16="http://schemas.microsoft.com/office/drawing/2014/main" id="{E10B3927-714F-DB53-DC41-FE1D535724BB}"/>
-            </a:ext>
-          </a:extLst>
-        </p:cNvPr>
-        <p:cNvGrpSpPr/>
-        <p:nvPr/>
-      </p:nvGrpSpPr>
-      <p:grpSpPr>
-        <a:xfrm>
-          <a:off x="0" y="0"/>
-          <a:ext cx="0" cy="0"/>
-          <a:chOff x="0" y="0"/>
-          <a:chExt cx="0" cy="0"/>
-        </a:xfrm>
-      </p:grpSpPr>
-      <p:sp>
-        <p:nvSpPr>
-          <p:cNvPr id="2" name="Title 1">
-            <a:extLst>
-              <a:ext uri="{FF2B5EF4-FFF2-40B4-BE49-F238E27FC236}">
-                <a16:creationId xmlns:a16="http://schemas.microsoft.com/office/drawing/2014/main" id="{7CC2872C-2C69-78D7-EE13-2A079820AEF3}"/>
-              </a:ext>
-            </a:extLst>
-          </p:cNvPr>
-          <p:cNvSpPr>
-            <a:spLocks noGrp="1"/>
-          </p:cNvSpPr>
-          <p:nvPr>
-            <p:ph type="title"/>
-          </p:nvPr>
-        </p:nvSpPr>
-        <p:spPr>
-          <a:xfrm>
-            <a:off x="838200" y="365126"/>
-            <a:ext cx="10515600" cy="856964"/>
-          </a:xfrm>
-        </p:spPr>
-        <p:txBody>
-          <a:bodyPr/>
-          <a:lstStyle/>
-          <a:p>
-            <a:r>
-              <a:rPr lang="en-GB" dirty="0">
-                <a:latin typeface="Arial Black" panose="020B0A04020102020204" pitchFamily="34" charset="0"/>
-              </a:rPr>
-              <a:t>NFP</a:t>
-            </a:r>
-          </a:p>
-        </p:txBody>
-      </p:sp>
-      <p:sp>
-        <p:nvSpPr>
-          <p:cNvPr id="6" name="Content Placeholder 5">
-            <a:extLst>
-              <a:ext uri="{FF2B5EF4-FFF2-40B4-BE49-F238E27FC236}">
-                <a16:creationId xmlns:a16="http://schemas.microsoft.com/office/drawing/2014/main" id="{986D23AA-E4A4-E92D-8FA5-0DA80DB099A1}"/>
-              </a:ext>
-            </a:extLst>
-          </p:cNvPr>
-          <p:cNvSpPr>
-            <a:spLocks noGrp="1"/>
-          </p:cNvSpPr>
-          <p:nvPr>
-            <p:ph idx="1"/>
-          </p:nvPr>
-        </p:nvSpPr>
-        <p:spPr>
-          <a:xfrm>
-            <a:off x="838200" y="1274093"/>
-            <a:ext cx="10515600" cy="4902870"/>
-          </a:xfrm>
-        </p:spPr>
-        <p:txBody>
-          <a:bodyPr/>
-          <a:lstStyle/>
-          <a:p>
-            <a:r>
-              <a:rPr lang="en-GB" dirty="0"/>
-              <a:t>Content</a:t>
-            </a:r>
-          </a:p>
-        </p:txBody>
-      </p:sp>
-    </p:spTree>
-    <p:extLst>
-      <p:ext uri="{BB962C8B-B14F-4D97-AF65-F5344CB8AC3E}">
-        <p14:creationId xmlns:p14="http://schemas.microsoft.com/office/powerpoint/2010/main" val="817776181"/>
-      </p:ext>
-    </p:extLst>
-  </p:cSld>
-  <p:clrMapOvr>
-    <a:masterClrMapping/>
-  </p:clrMapOvr>
-</p:sld>
-</file>
-
-<file path=ppt/slides/slide9.xml><?xml version="1.0" encoding="utf-8"?>
-<p:sld xmlns:a="http://schemas.openxmlformats.org/drawingml/2006/main" xmlns:r="http://schemas.openxmlformats.org/officeDocument/2006/relationships" xmlns:p="http://schemas.openxmlformats.org/presentationml/2006/main">
-  <p:cSld>
-    <p:spTree>
-      <p:nvGrpSpPr>
-        <p:cNvPr id="1" name="">
-          <a:extLst>
-            <a:ext uri="{FF2B5EF4-FFF2-40B4-BE49-F238E27FC236}">
-              <a16:creationId xmlns:a16="http://schemas.microsoft.com/office/drawing/2014/main" id="{281C7E9F-356F-43F5-C9A6-CAC25AA1261F}"/>
-            </a:ext>
-          </a:extLst>
-        </p:cNvPr>
-        <p:cNvGrpSpPr/>
-        <p:nvPr/>
-      </p:nvGrpSpPr>
-      <p:grpSpPr>
-        <a:xfrm>
-          <a:off x="0" y="0"/>
-          <a:ext cx="0" cy="0"/>
-          <a:chOff x="0" y="0"/>
-          <a:chExt cx="0" cy="0"/>
-        </a:xfrm>
-      </p:grpSpPr>
-      <p:sp>
-        <p:nvSpPr>
-          <p:cNvPr id="2" name="Title 1">
-            <a:extLst>
-              <a:ext uri="{FF2B5EF4-FFF2-40B4-BE49-F238E27FC236}">
-                <a16:creationId xmlns:a16="http://schemas.microsoft.com/office/drawing/2014/main" id="{47858F82-8DBF-16CD-56D9-E15EF4ABC474}"/>
-              </a:ext>
-            </a:extLst>
-          </p:cNvPr>
-          <p:cNvSpPr>
-            <a:spLocks noGrp="1"/>
-          </p:cNvSpPr>
-          <p:nvPr>
-            <p:ph type="title"/>
-          </p:nvPr>
-        </p:nvSpPr>
-        <p:spPr>
-          <a:xfrm>
-            <a:off x="838200" y="365126"/>
-            <a:ext cx="10515600" cy="856964"/>
-          </a:xfrm>
-        </p:spPr>
-        <p:txBody>
-          <a:bodyPr/>
-          <a:lstStyle/>
-          <a:p>
-            <a:r>
-              <a:rPr lang="en-GB" dirty="0" err="1">
-                <a:latin typeface="Arial Black" panose="020B0A04020102020204" pitchFamily="34" charset="0"/>
-              </a:rPr>
-              <a:t>Currenex</a:t>
-            </a:r>
-            <a:r>
-              <a:rPr lang="en-GB" dirty="0">
-                <a:latin typeface="Arial Black" panose="020B0A04020102020204" pitchFamily="34" charset="0"/>
-              </a:rPr>
-              <a:t> Stuck Orders</a:t>
-            </a:r>
-          </a:p>
-        </p:txBody>
-      </p:sp>
-      <p:sp>
-        <p:nvSpPr>
-          <p:cNvPr id="6" name="Content Placeholder 5">
-            <a:extLst>
-              <a:ext uri="{FF2B5EF4-FFF2-40B4-BE49-F238E27FC236}">
-                <a16:creationId xmlns:a16="http://schemas.microsoft.com/office/drawing/2014/main" id="{51FBE772-927C-FA00-C0DA-3DE56DBA6B98}"/>
-              </a:ext>
-            </a:extLst>
-          </p:cNvPr>
-          <p:cNvSpPr>
-            <a:spLocks noGrp="1"/>
-          </p:cNvSpPr>
-          <p:nvPr>
-            <p:ph idx="1"/>
-          </p:nvPr>
-        </p:nvSpPr>
-        <p:spPr>
-          <a:xfrm>
-            <a:off x="838200" y="1274093"/>
-            <a:ext cx="10515600" cy="4902870"/>
-          </a:xfrm>
-        </p:spPr>
-        <p:txBody>
-          <a:bodyPr/>
-          <a:lstStyle/>
-          <a:p>
-            <a:r>
-              <a:rPr lang="en-GB" dirty="0"/>
-              <a:t>Content</a:t>
-            </a:r>
-          </a:p>
-        </p:txBody>
-      </p:sp>
-    </p:spTree>
-    <p:extLst>
-      <p:ext uri="{BB962C8B-B14F-4D97-AF65-F5344CB8AC3E}">
-        <p14:creationId xmlns:p14="http://schemas.microsoft.com/office/powerpoint/2010/main" val="3424814720"/>
+        <p14:creationId xmlns:p14="http://schemas.microsoft.com/office/powerpoint/2010/main" val="1188777325"/>
       </p:ext>
     </p:extLst>
   </p:cSld>

--- a/Presentation/FXMM.pptx
+++ b/Presentation/FXMM.pptx
@@ -6,29 +6,31 @@
   </p:sldMasterIdLst>
   <p:sldIdLst>
     <p:sldId id="259" r:id="rId2"/>
-    <p:sldId id="257" r:id="rId3"/>
-    <p:sldId id="272" r:id="rId4"/>
-    <p:sldId id="261" r:id="rId5"/>
-    <p:sldId id="270" r:id="rId6"/>
-    <p:sldId id="275" r:id="rId7"/>
-    <p:sldId id="276" r:id="rId8"/>
-    <p:sldId id="271" r:id="rId9"/>
-    <p:sldId id="277" r:id="rId10"/>
-    <p:sldId id="278" r:id="rId11"/>
-    <p:sldId id="279" r:id="rId12"/>
-    <p:sldId id="273" r:id="rId13"/>
-    <p:sldId id="283" r:id="rId14"/>
-    <p:sldId id="266" r:id="rId15"/>
-    <p:sldId id="267" r:id="rId16"/>
-    <p:sldId id="280" r:id="rId17"/>
-    <p:sldId id="281" r:id="rId18"/>
-    <p:sldId id="268" r:id="rId19"/>
-    <p:sldId id="285" r:id="rId20"/>
-    <p:sldId id="258" r:id="rId21"/>
-    <p:sldId id="256" r:id="rId22"/>
-    <p:sldId id="260" r:id="rId23"/>
-    <p:sldId id="284" r:id="rId24"/>
-    <p:sldId id="282" r:id="rId25"/>
+    <p:sldId id="286" r:id="rId3"/>
+    <p:sldId id="257" r:id="rId4"/>
+    <p:sldId id="272" r:id="rId5"/>
+    <p:sldId id="261" r:id="rId6"/>
+    <p:sldId id="270" r:id="rId7"/>
+    <p:sldId id="275" r:id="rId8"/>
+    <p:sldId id="276" r:id="rId9"/>
+    <p:sldId id="287" r:id="rId10"/>
+    <p:sldId id="271" r:id="rId11"/>
+    <p:sldId id="277" r:id="rId12"/>
+    <p:sldId id="278" r:id="rId13"/>
+    <p:sldId id="279" r:id="rId14"/>
+    <p:sldId id="273" r:id="rId15"/>
+    <p:sldId id="283" r:id="rId16"/>
+    <p:sldId id="266" r:id="rId17"/>
+    <p:sldId id="267" r:id="rId18"/>
+    <p:sldId id="280" r:id="rId19"/>
+    <p:sldId id="281" r:id="rId20"/>
+    <p:sldId id="268" r:id="rId21"/>
+    <p:sldId id="285" r:id="rId22"/>
+    <p:sldId id="258" r:id="rId23"/>
+    <p:sldId id="256" r:id="rId24"/>
+    <p:sldId id="260" r:id="rId25"/>
+    <p:sldId id="284" r:id="rId26"/>
+    <p:sldId id="282" r:id="rId27"/>
   </p:sldIdLst>
   <p:sldSz cx="12192000" cy="6858000"/>
   <p:notesSz cx="6858000" cy="9144000"/>
@@ -284,7 +286,7 @@
           <a:p>
             <a:fld id="{FD5047B8-202B-4366-9DAD-21DF53C32F7F}" type="datetimeFigureOut">
               <a:rPr lang="en-GB" smtClean="0"/>
-              <a:t>03/02/2024</a:t>
+              <a:t>04/02/2024</a:t>
             </a:fld>
             <a:endParaRPr lang="en-GB"/>
           </a:p>
@@ -484,7 +486,7 @@
           <a:p>
             <a:fld id="{FD5047B8-202B-4366-9DAD-21DF53C32F7F}" type="datetimeFigureOut">
               <a:rPr lang="en-GB" smtClean="0"/>
-              <a:t>03/02/2024</a:t>
+              <a:t>04/02/2024</a:t>
             </a:fld>
             <a:endParaRPr lang="en-GB"/>
           </a:p>
@@ -694,7 +696,7 @@
           <a:p>
             <a:fld id="{FD5047B8-202B-4366-9DAD-21DF53C32F7F}" type="datetimeFigureOut">
               <a:rPr lang="en-GB" smtClean="0"/>
-              <a:t>03/02/2024</a:t>
+              <a:t>04/02/2024</a:t>
             </a:fld>
             <a:endParaRPr lang="en-GB"/>
           </a:p>
@@ -894,7 +896,7 @@
           <a:p>
             <a:fld id="{FD5047B8-202B-4366-9DAD-21DF53C32F7F}" type="datetimeFigureOut">
               <a:rPr lang="en-GB" smtClean="0"/>
-              <a:t>03/02/2024</a:t>
+              <a:t>04/02/2024</a:t>
             </a:fld>
             <a:endParaRPr lang="en-GB"/>
           </a:p>
@@ -1170,7 +1172,7 @@
           <a:p>
             <a:fld id="{FD5047B8-202B-4366-9DAD-21DF53C32F7F}" type="datetimeFigureOut">
               <a:rPr lang="en-GB" smtClean="0"/>
-              <a:t>03/02/2024</a:t>
+              <a:t>04/02/2024</a:t>
             </a:fld>
             <a:endParaRPr lang="en-GB"/>
           </a:p>
@@ -1438,7 +1440,7 @@
           <a:p>
             <a:fld id="{FD5047B8-202B-4366-9DAD-21DF53C32F7F}" type="datetimeFigureOut">
               <a:rPr lang="en-GB" smtClean="0"/>
-              <a:t>03/02/2024</a:t>
+              <a:t>04/02/2024</a:t>
             </a:fld>
             <a:endParaRPr lang="en-GB"/>
           </a:p>
@@ -1853,7 +1855,7 @@
           <a:p>
             <a:fld id="{FD5047B8-202B-4366-9DAD-21DF53C32F7F}" type="datetimeFigureOut">
               <a:rPr lang="en-GB" smtClean="0"/>
-              <a:t>03/02/2024</a:t>
+              <a:t>04/02/2024</a:t>
             </a:fld>
             <a:endParaRPr lang="en-GB"/>
           </a:p>
@@ -1995,7 +1997,7 @@
           <a:p>
             <a:fld id="{FD5047B8-202B-4366-9DAD-21DF53C32F7F}" type="datetimeFigureOut">
               <a:rPr lang="en-GB" smtClean="0"/>
-              <a:t>03/02/2024</a:t>
+              <a:t>04/02/2024</a:t>
             </a:fld>
             <a:endParaRPr lang="en-GB"/>
           </a:p>
@@ -2108,7 +2110,7 @@
           <a:p>
             <a:fld id="{FD5047B8-202B-4366-9DAD-21DF53C32F7F}" type="datetimeFigureOut">
               <a:rPr lang="en-GB" smtClean="0"/>
-              <a:t>03/02/2024</a:t>
+              <a:t>04/02/2024</a:t>
             </a:fld>
             <a:endParaRPr lang="en-GB"/>
           </a:p>
@@ -2421,7 +2423,7 @@
           <a:p>
             <a:fld id="{FD5047B8-202B-4366-9DAD-21DF53C32F7F}" type="datetimeFigureOut">
               <a:rPr lang="en-GB" smtClean="0"/>
-              <a:t>03/02/2024</a:t>
+              <a:t>04/02/2024</a:t>
             </a:fld>
             <a:endParaRPr lang="en-GB"/>
           </a:p>
@@ -2710,7 +2712,7 @@
           <a:p>
             <a:fld id="{FD5047B8-202B-4366-9DAD-21DF53C32F7F}" type="datetimeFigureOut">
               <a:rPr lang="en-GB" smtClean="0"/>
-              <a:t>03/02/2024</a:t>
+              <a:t>04/02/2024</a:t>
             </a:fld>
             <a:endParaRPr lang="en-GB"/>
           </a:p>
@@ -2953,7 +2955,7 @@
           <a:p>
             <a:fld id="{FD5047B8-202B-4366-9DAD-21DF53C32F7F}" type="datetimeFigureOut">
               <a:rPr lang="en-GB" smtClean="0"/>
-              <a:t>03/02/2024</a:t>
+              <a:t>04/02/2024</a:t>
             </a:fld>
             <a:endParaRPr lang="en-GB"/>
           </a:p>
@@ -3465,6 +3467,208 @@
         <p:cNvPr id="1" name="">
           <a:extLst>
             <a:ext uri="{FF2B5EF4-FFF2-40B4-BE49-F238E27FC236}">
+              <a16:creationId xmlns:a16="http://schemas.microsoft.com/office/drawing/2014/main" id="{EDAB2F5C-844A-7E2C-1E42-4DEF8E3FC18E}"/>
+            </a:ext>
+          </a:extLst>
+        </p:cNvPr>
+        <p:cNvGrpSpPr/>
+        <p:nvPr/>
+      </p:nvGrpSpPr>
+      <p:grpSpPr>
+        <a:xfrm>
+          <a:off x="0" y="0"/>
+          <a:ext cx="0" cy="0"/>
+          <a:chOff x="0" y="0"/>
+          <a:chExt cx="0" cy="0"/>
+        </a:xfrm>
+      </p:grpSpPr>
+      <p:sp>
+        <p:nvSpPr>
+          <p:cNvPr id="2" name="Title 1">
+            <a:extLst>
+              <a:ext uri="{FF2B5EF4-FFF2-40B4-BE49-F238E27FC236}">
+                <a16:creationId xmlns:a16="http://schemas.microsoft.com/office/drawing/2014/main" id="{DDB56060-F52D-64A8-29B0-6CA89A2E6F61}"/>
+              </a:ext>
+            </a:extLst>
+          </p:cNvPr>
+          <p:cNvSpPr>
+            <a:spLocks noGrp="1"/>
+          </p:cNvSpPr>
+          <p:nvPr>
+            <p:ph type="title"/>
+          </p:nvPr>
+        </p:nvSpPr>
+        <p:spPr>
+          <a:xfrm>
+            <a:off x="838200" y="365126"/>
+            <a:ext cx="10515600" cy="856964"/>
+          </a:xfrm>
+        </p:spPr>
+        <p:txBody>
+          <a:bodyPr/>
+          <a:lstStyle/>
+          <a:p>
+            <a:r>
+              <a:rPr lang="en-GB" dirty="0">
+                <a:latin typeface="Arial Black" panose="020B0A04020102020204" pitchFamily="34" charset="0"/>
+              </a:rPr>
+              <a:t>Sounds great! But How much?</a:t>
+            </a:r>
+          </a:p>
+        </p:txBody>
+      </p:sp>
+      <p:sp>
+        <p:nvSpPr>
+          <p:cNvPr id="6" name="Content Placeholder 5">
+            <a:extLst>
+              <a:ext uri="{FF2B5EF4-FFF2-40B4-BE49-F238E27FC236}">
+                <a16:creationId xmlns:a16="http://schemas.microsoft.com/office/drawing/2014/main" id="{80149AB7-6FCA-148C-EF72-D9BDD2495452}"/>
+              </a:ext>
+            </a:extLst>
+          </p:cNvPr>
+          <p:cNvSpPr>
+            <a:spLocks noGrp="1"/>
+          </p:cNvSpPr>
+          <p:nvPr>
+            <p:ph idx="1"/>
+          </p:nvPr>
+        </p:nvSpPr>
+        <p:spPr>
+          <a:xfrm>
+            <a:off x="838200" y="1274093"/>
+            <a:ext cx="10515600" cy="4902870"/>
+          </a:xfrm>
+        </p:spPr>
+        <p:txBody>
+          <a:bodyPr/>
+          <a:lstStyle/>
+          <a:p>
+            <a:endParaRPr lang="en-GB" dirty="0"/>
+          </a:p>
+        </p:txBody>
+      </p:sp>
+    </p:spTree>
+    <p:extLst>
+      <p:ext uri="{BB962C8B-B14F-4D97-AF65-F5344CB8AC3E}">
+        <p14:creationId xmlns:p14="http://schemas.microsoft.com/office/powerpoint/2010/main" val="753279634"/>
+      </p:ext>
+    </p:extLst>
+  </p:cSld>
+  <p:clrMapOvr>
+    <a:masterClrMapping/>
+  </p:clrMapOvr>
+</p:sld>
+</file>
+
+<file path=ppt/slides/slide11.xml><?xml version="1.0" encoding="utf-8"?>
+<p:sld xmlns:a="http://schemas.openxmlformats.org/drawingml/2006/main" xmlns:r="http://schemas.openxmlformats.org/officeDocument/2006/relationships" xmlns:p="http://schemas.openxmlformats.org/presentationml/2006/main">
+  <p:cSld>
+    <p:spTree>
+      <p:nvGrpSpPr>
+        <p:cNvPr id="1" name="">
+          <a:extLst>
+            <a:ext uri="{FF2B5EF4-FFF2-40B4-BE49-F238E27FC236}">
+              <a16:creationId xmlns:a16="http://schemas.microsoft.com/office/drawing/2014/main" id="{E1EEF2C4-3CED-CB1F-F1BF-D184B0170222}"/>
+            </a:ext>
+          </a:extLst>
+        </p:cNvPr>
+        <p:cNvGrpSpPr/>
+        <p:nvPr/>
+      </p:nvGrpSpPr>
+      <p:grpSpPr>
+        <a:xfrm>
+          <a:off x="0" y="0"/>
+          <a:ext cx="0" cy="0"/>
+          <a:chOff x="0" y="0"/>
+          <a:chExt cx="0" cy="0"/>
+        </a:xfrm>
+      </p:grpSpPr>
+      <p:sp>
+        <p:nvSpPr>
+          <p:cNvPr id="2" name="Title 1">
+            <a:extLst>
+              <a:ext uri="{FF2B5EF4-FFF2-40B4-BE49-F238E27FC236}">
+                <a16:creationId xmlns:a16="http://schemas.microsoft.com/office/drawing/2014/main" id="{8840BCC1-2386-4E7F-49F4-F4347D8A55B9}"/>
+              </a:ext>
+            </a:extLst>
+          </p:cNvPr>
+          <p:cNvSpPr>
+            <a:spLocks noGrp="1"/>
+          </p:cNvSpPr>
+          <p:nvPr>
+            <p:ph type="title"/>
+          </p:nvPr>
+        </p:nvSpPr>
+        <p:spPr>
+          <a:xfrm>
+            <a:off x="838200" y="365126"/>
+            <a:ext cx="10515600" cy="856964"/>
+          </a:xfrm>
+        </p:spPr>
+        <p:txBody>
+          <a:bodyPr/>
+          <a:lstStyle/>
+          <a:p>
+            <a:r>
+              <a:rPr lang="en-GB" dirty="0">
+                <a:latin typeface="Arial Black" panose="020B0A04020102020204" pitchFamily="34" charset="0"/>
+              </a:rPr>
+              <a:t>That’s a bargain! Give me more!</a:t>
+            </a:r>
+          </a:p>
+        </p:txBody>
+      </p:sp>
+      <p:sp>
+        <p:nvSpPr>
+          <p:cNvPr id="6" name="Content Placeholder 5">
+            <a:extLst>
+              <a:ext uri="{FF2B5EF4-FFF2-40B4-BE49-F238E27FC236}">
+                <a16:creationId xmlns:a16="http://schemas.microsoft.com/office/drawing/2014/main" id="{ED5C5C18-77C4-14B7-5585-A37B7D49A3FD}"/>
+              </a:ext>
+            </a:extLst>
+          </p:cNvPr>
+          <p:cNvSpPr>
+            <a:spLocks noGrp="1"/>
+          </p:cNvSpPr>
+          <p:nvPr>
+            <p:ph idx="1"/>
+          </p:nvPr>
+        </p:nvSpPr>
+        <p:spPr>
+          <a:xfrm>
+            <a:off x="838200" y="1274093"/>
+            <a:ext cx="10515600" cy="4902870"/>
+          </a:xfrm>
+        </p:spPr>
+        <p:txBody>
+          <a:bodyPr/>
+          <a:lstStyle/>
+          <a:p>
+            <a:endParaRPr lang="en-GB" dirty="0"/>
+          </a:p>
+        </p:txBody>
+      </p:sp>
+    </p:spTree>
+    <p:extLst>
+      <p:ext uri="{BB962C8B-B14F-4D97-AF65-F5344CB8AC3E}">
+        <p14:creationId xmlns:p14="http://schemas.microsoft.com/office/powerpoint/2010/main" val="1188777325"/>
+      </p:ext>
+    </p:extLst>
+  </p:cSld>
+  <p:clrMapOvr>
+    <a:masterClrMapping/>
+  </p:clrMapOvr>
+</p:sld>
+</file>
+
+<file path=ppt/slides/slide12.xml><?xml version="1.0" encoding="utf-8"?>
+<p:sld xmlns:a="http://schemas.openxmlformats.org/drawingml/2006/main" xmlns:r="http://schemas.openxmlformats.org/officeDocument/2006/relationships" xmlns:p="http://schemas.openxmlformats.org/presentationml/2006/main">
+  <p:cSld>
+    <p:spTree>
+      <p:nvGrpSpPr>
+        <p:cNvPr id="1" name="">
+          <a:extLst>
+            <a:ext uri="{FF2B5EF4-FFF2-40B4-BE49-F238E27FC236}">
               <a16:creationId xmlns:a16="http://schemas.microsoft.com/office/drawing/2014/main" id="{5F8588D4-EB93-A423-D26C-E45CF69323F7}"/>
             </a:ext>
           </a:extLst>
@@ -3561,7 +3765,7 @@
 </p:sld>
 </file>
 
-<file path=ppt/slides/slide11.xml><?xml version="1.0" encoding="utf-8"?>
+<file path=ppt/slides/slide13.xml><?xml version="1.0" encoding="utf-8"?>
 <p:sld xmlns:a="http://schemas.openxmlformats.org/drawingml/2006/main" xmlns:r="http://schemas.openxmlformats.org/officeDocument/2006/relationships" xmlns:p="http://schemas.openxmlformats.org/presentationml/2006/main">
   <p:cSld>
     <p:spTree>
@@ -3690,7 +3894,7 @@
 </p:sld>
 </file>
 
-<file path=ppt/slides/slide12.xml><?xml version="1.0" encoding="utf-8"?>
+<file path=ppt/slides/slide14.xml><?xml version="1.0" encoding="utf-8"?>
 <p:sld xmlns:a="http://schemas.openxmlformats.org/drawingml/2006/main" xmlns:r="http://schemas.openxmlformats.org/officeDocument/2006/relationships" xmlns:p="http://schemas.openxmlformats.org/presentationml/2006/main">
   <p:cSld>
     <p:spTree>
@@ -3928,7 +4132,7 @@
 </p:sld>
 </file>
 
-<file path=ppt/slides/slide13.xml><?xml version="1.0" encoding="utf-8"?>
+<file path=ppt/slides/slide15.xml><?xml version="1.0" encoding="utf-8"?>
 <p:sld xmlns:a="http://schemas.openxmlformats.org/drawingml/2006/main" xmlns:r="http://schemas.openxmlformats.org/officeDocument/2006/relationships" xmlns:p="http://schemas.openxmlformats.org/presentationml/2006/main">
   <p:cSld>
     <p:spTree>
@@ -4057,7 +4261,7 @@
 </p:sld>
 </file>
 
-<file path=ppt/slides/slide14.xml><?xml version="1.0" encoding="utf-8"?>
+<file path=ppt/slides/slide16.xml><?xml version="1.0" encoding="utf-8"?>
 <p:sld xmlns:a="http://schemas.openxmlformats.org/drawingml/2006/main" xmlns:r="http://schemas.openxmlformats.org/officeDocument/2006/relationships" xmlns:p="http://schemas.openxmlformats.org/presentationml/2006/main">
   <p:cSld>
     <p:spTree>
@@ -4161,7 +4365,7 @@
 </p:sld>
 </file>
 
-<file path=ppt/slides/slide15.xml><?xml version="1.0" encoding="utf-8"?>
+<file path=ppt/slides/slide17.xml><?xml version="1.0" encoding="utf-8"?>
 <p:sld xmlns:a="http://schemas.openxmlformats.org/drawingml/2006/main" xmlns:r="http://schemas.openxmlformats.org/officeDocument/2006/relationships" xmlns:p="http://schemas.openxmlformats.org/presentationml/2006/main">
   <p:cSld>
     <p:spTree>
@@ -4262,7 +4466,7 @@
 </p:sld>
 </file>
 
-<file path=ppt/slides/slide16.xml><?xml version="1.0" encoding="utf-8"?>
+<file path=ppt/slides/slide18.xml><?xml version="1.0" encoding="utf-8"?>
 <p:sld xmlns:a="http://schemas.openxmlformats.org/drawingml/2006/main" xmlns:r="http://schemas.openxmlformats.org/officeDocument/2006/relationships" xmlns:p="http://schemas.openxmlformats.org/presentationml/2006/main">
   <p:cSld>
     <p:spTree>
@@ -4363,7 +4567,7 @@
 </p:sld>
 </file>
 
-<file path=ppt/slides/slide17.xml><?xml version="1.0" encoding="utf-8"?>
+<file path=ppt/slides/slide19.xml><?xml version="1.0" encoding="utf-8"?>
 <p:sld xmlns:a="http://schemas.openxmlformats.org/drawingml/2006/main" xmlns:r="http://schemas.openxmlformats.org/officeDocument/2006/relationships" xmlns:p="http://schemas.openxmlformats.org/presentationml/2006/main">
   <p:cSld>
     <p:spTree>
@@ -4464,7 +4668,124 @@
 </p:sld>
 </file>
 
-<file path=ppt/slides/slide18.xml><?xml version="1.0" encoding="utf-8"?>
+<file path=ppt/slides/slide2.xml><?xml version="1.0" encoding="utf-8"?>
+<p:sld xmlns:a="http://schemas.openxmlformats.org/drawingml/2006/main" xmlns:r="http://schemas.openxmlformats.org/officeDocument/2006/relationships" xmlns:p="http://schemas.openxmlformats.org/presentationml/2006/main">
+  <p:cSld>
+    <p:spTree>
+      <p:nvGrpSpPr>
+        <p:cNvPr id="1" name="">
+          <a:extLst>
+            <a:ext uri="{FF2B5EF4-FFF2-40B4-BE49-F238E27FC236}">
+              <a16:creationId xmlns:a16="http://schemas.microsoft.com/office/drawing/2014/main" id="{CCAAE5AE-FF1A-2852-DD58-747FA8DE0E47}"/>
+            </a:ext>
+          </a:extLst>
+        </p:cNvPr>
+        <p:cNvGrpSpPr/>
+        <p:nvPr/>
+      </p:nvGrpSpPr>
+      <p:grpSpPr>
+        <a:xfrm>
+          <a:off x="0" y="0"/>
+          <a:ext cx="0" cy="0"/>
+          <a:chOff x="0" y="0"/>
+          <a:chExt cx="0" cy="0"/>
+        </a:xfrm>
+      </p:grpSpPr>
+      <p:sp>
+        <p:nvSpPr>
+          <p:cNvPr id="2" name="Title 1">
+            <a:extLst>
+              <a:ext uri="{FF2B5EF4-FFF2-40B4-BE49-F238E27FC236}">
+                <a16:creationId xmlns:a16="http://schemas.microsoft.com/office/drawing/2014/main" id="{E3190050-5F95-EE6B-7D76-D4ED7A1FDEBA}"/>
+              </a:ext>
+            </a:extLst>
+          </p:cNvPr>
+          <p:cNvSpPr>
+            <a:spLocks noGrp="1"/>
+          </p:cNvSpPr>
+          <p:nvPr>
+            <p:ph type="title"/>
+          </p:nvPr>
+        </p:nvSpPr>
+        <p:spPr>
+          <a:xfrm>
+            <a:off x="838200" y="365126"/>
+            <a:ext cx="10515600" cy="856964"/>
+          </a:xfrm>
+        </p:spPr>
+        <p:txBody>
+          <a:bodyPr/>
+          <a:lstStyle/>
+          <a:p>
+            <a:r>
+              <a:rPr lang="en-GB" dirty="0">
+                <a:latin typeface="Arial Black" panose="020B0A04020102020204" pitchFamily="34" charset="0"/>
+              </a:rPr>
+              <a:t>Intro – List of Keywords</a:t>
+            </a:r>
+          </a:p>
+        </p:txBody>
+      </p:sp>
+      <p:sp>
+        <p:nvSpPr>
+          <p:cNvPr id="6" name="Content Placeholder 5">
+            <a:extLst>
+              <a:ext uri="{FF2B5EF4-FFF2-40B4-BE49-F238E27FC236}">
+                <a16:creationId xmlns:a16="http://schemas.microsoft.com/office/drawing/2014/main" id="{2FDBA969-20BC-F467-DFD3-43EA5986F733}"/>
+              </a:ext>
+            </a:extLst>
+          </p:cNvPr>
+          <p:cNvSpPr>
+            <a:spLocks noGrp="1"/>
+          </p:cNvSpPr>
+          <p:nvPr>
+            <p:ph idx="1"/>
+          </p:nvPr>
+        </p:nvSpPr>
+        <p:spPr>
+          <a:xfrm>
+            <a:off x="838200" y="1274093"/>
+            <a:ext cx="10515600" cy="4902870"/>
+          </a:xfrm>
+        </p:spPr>
+        <p:txBody>
+          <a:bodyPr/>
+          <a:lstStyle/>
+          <a:p>
+            <a:r>
+              <a:rPr lang="en-GB" dirty="0" err="1"/>
+              <a:t>Bilteral</a:t>
+            </a:r>
+            <a:r>
+              <a:rPr lang="en-GB" dirty="0"/>
+              <a:t> / Multilateral / Credit Agreements / Limits</a:t>
+            </a:r>
+          </a:p>
+          <a:p>
+            <a:r>
+              <a:rPr lang="en-GB" dirty="0"/>
+              <a:t>ECN / Brokers</a:t>
+            </a:r>
+          </a:p>
+          <a:p>
+            <a:endParaRPr lang="en-GB" dirty="0"/>
+          </a:p>
+        </p:txBody>
+      </p:sp>
+    </p:spTree>
+    <p:extLst>
+      <p:ext uri="{BB962C8B-B14F-4D97-AF65-F5344CB8AC3E}">
+        <p14:creationId xmlns:p14="http://schemas.microsoft.com/office/powerpoint/2010/main" val="492423098"/>
+      </p:ext>
+    </p:extLst>
+  </p:cSld>
+  <p:clrMapOvr>
+    <a:masterClrMapping/>
+  </p:clrMapOvr>
+</p:sld>
+</file>
+
+<file path=ppt/slides/slide20.xml><?xml version="1.0" encoding="utf-8"?>
 <p:sld xmlns:a="http://schemas.openxmlformats.org/drawingml/2006/main" xmlns:r="http://schemas.openxmlformats.org/officeDocument/2006/relationships" xmlns:p="http://schemas.openxmlformats.org/presentationml/2006/main">
   <p:cSld>
     <p:spTree>
@@ -4571,7 +4892,7 @@
 </p:sld>
 </file>
 
-<file path=ppt/slides/slide19.xml><?xml version="1.0" encoding="utf-8"?>
+<file path=ppt/slides/slide21.xml><?xml version="1.0" encoding="utf-8"?>
 <p:sld xmlns:a="http://schemas.openxmlformats.org/drawingml/2006/main" xmlns:r="http://schemas.openxmlformats.org/officeDocument/2006/relationships" xmlns:p="http://schemas.openxmlformats.org/presentationml/2006/main">
   <p:cSld>
     <p:spTree>
@@ -4653,7 +4974,7 @@
         </p:spPr>
         <p:txBody>
           <a:bodyPr>
-            <a:normAutofit/>
+            <a:normAutofit lnSpcReduction="10000"/>
           </a:bodyPr>
           <a:lstStyle/>
           <a:p>
@@ -4669,15 +4990,55 @@
             </a:r>
           </a:p>
           <a:p>
+            <a:pPr lvl="1"/>
+            <a:r>
+              <a:rPr lang="en-GB" dirty="0"/>
+              <a:t>Too slow</a:t>
+            </a:r>
+          </a:p>
+          <a:p>
+            <a:pPr lvl="1"/>
+            <a:r>
+              <a:rPr lang="en-GB" dirty="0"/>
+              <a:t>Too volatile</a:t>
+            </a:r>
+          </a:p>
+          <a:p>
+            <a:pPr lvl="1"/>
+            <a:r>
+              <a:rPr lang="en-GB" dirty="0"/>
+              <a:t>Too much </a:t>
+            </a:r>
+            <a:r>
+              <a:rPr lang="en-GB" dirty="0" err="1"/>
+              <a:t>PnL</a:t>
+            </a:r>
+            <a:endParaRPr lang="en-GB" dirty="0"/>
+          </a:p>
+          <a:p>
             <a:r>
               <a:rPr lang="en-GB" dirty="0"/>
               <a:t>Claw back</a:t>
             </a:r>
           </a:p>
           <a:p>
+            <a:pPr lvl="1"/>
             <a:r>
               <a:rPr lang="en-GB" dirty="0"/>
-              <a:t>Trade Amendments (price adjustment)</a:t>
+              <a:t>I loss too much on this trade – can I have some money back please?</a:t>
+            </a:r>
+          </a:p>
+          <a:p>
+            <a:r>
+              <a:rPr lang="en-GB" dirty="0"/>
+              <a:t>Price adjustment</a:t>
+            </a:r>
+          </a:p>
+          <a:p>
+            <a:pPr lvl="1"/>
+            <a:r>
+              <a:rPr lang="en-GB" dirty="0"/>
+              <a:t>I was only joking about the price I gave you</a:t>
             </a:r>
           </a:p>
           <a:p>
@@ -4685,6 +5046,21 @@
               <a:rPr lang="en-GB" dirty="0"/>
               <a:t>EFP</a:t>
             </a:r>
+          </a:p>
+          <a:p>
+            <a:r>
+              <a:rPr lang="en-GB" dirty="0" err="1"/>
+              <a:t>MidMatch</a:t>
+            </a:r>
+            <a:r>
+              <a:rPr lang="en-GB" dirty="0"/>
+              <a:t> / </a:t>
+            </a:r>
+            <a:r>
+              <a:rPr lang="en-GB" dirty="0" err="1"/>
+              <a:t>Darkpool</a:t>
+            </a:r>
+            <a:endParaRPr lang="en-GB" dirty="0"/>
           </a:p>
         </p:txBody>
       </p:sp>
@@ -4701,7 +5077,3419 @@
 </p:sld>
 </file>
 
-<file path=ppt/slides/slide2.xml><?xml version="1.0" encoding="utf-8"?>
+<file path=ppt/slides/slide22.xml><?xml version="1.0" encoding="utf-8"?>
+<p:sld xmlns:a="http://schemas.openxmlformats.org/drawingml/2006/main" xmlns:r="http://schemas.openxmlformats.org/officeDocument/2006/relationships" xmlns:p="http://schemas.openxmlformats.org/presentationml/2006/main">
+  <p:cSld>
+    <p:spTree>
+      <p:nvGrpSpPr>
+        <p:cNvPr id="1" name="">
+          <a:extLst>
+            <a:ext uri="{FF2B5EF4-FFF2-40B4-BE49-F238E27FC236}">
+              <a16:creationId xmlns:a16="http://schemas.microsoft.com/office/drawing/2014/main" id="{6DE0BC3A-3C65-630C-6E60-5F772452F53E}"/>
+            </a:ext>
+          </a:extLst>
+        </p:cNvPr>
+        <p:cNvGrpSpPr/>
+        <p:nvPr/>
+      </p:nvGrpSpPr>
+      <p:grpSpPr>
+        <a:xfrm>
+          <a:off x="0" y="0"/>
+          <a:ext cx="0" cy="0"/>
+          <a:chOff x="0" y="0"/>
+          <a:chExt cx="0" cy="0"/>
+        </a:xfrm>
+      </p:grpSpPr>
+      <p:sp>
+        <p:nvSpPr>
+          <p:cNvPr id="2" name="Title 1">
+            <a:extLst>
+              <a:ext uri="{FF2B5EF4-FFF2-40B4-BE49-F238E27FC236}">
+                <a16:creationId xmlns:a16="http://schemas.microsoft.com/office/drawing/2014/main" id="{9E6A6D5A-0873-F6A8-C85A-6A57D6794E40}"/>
+              </a:ext>
+            </a:extLst>
+          </p:cNvPr>
+          <p:cNvSpPr>
+            <a:spLocks noGrp="1"/>
+          </p:cNvSpPr>
+          <p:nvPr>
+            <p:ph type="title"/>
+          </p:nvPr>
+        </p:nvSpPr>
+        <p:spPr>
+          <a:xfrm>
+            <a:off x="838200" y="365126"/>
+            <a:ext cx="10515600" cy="856964"/>
+          </a:xfrm>
+        </p:spPr>
+        <p:txBody>
+          <a:bodyPr/>
+          <a:lstStyle/>
+          <a:p>
+            <a:r>
+              <a:rPr lang="en-GB" dirty="0">
+                <a:latin typeface="Arial Black" panose="020B0A04020102020204" pitchFamily="34" charset="0"/>
+              </a:rPr>
+              <a:t>c = f($)</a:t>
+            </a:r>
+          </a:p>
+        </p:txBody>
+      </p:sp>
+      <p:graphicFrame>
+        <p:nvGraphicFramePr>
+          <p:cNvPr id="4" name="Content Placeholder 3">
+            <a:extLst>
+              <a:ext uri="{FF2B5EF4-FFF2-40B4-BE49-F238E27FC236}">
+                <a16:creationId xmlns:a16="http://schemas.microsoft.com/office/drawing/2014/main" id="{FE57AD11-3D3C-6E7A-5466-E61821FFB053}"/>
+              </a:ext>
+            </a:extLst>
+          </p:cNvPr>
+          <p:cNvGraphicFramePr>
+            <a:graphicFrameLocks noGrp="1"/>
+          </p:cNvGraphicFramePr>
+          <p:nvPr>
+            <p:ph idx="1"/>
+          </p:nvPr>
+        </p:nvGraphicFramePr>
+        <p:xfrm>
+          <a:off x="3105422" y="1842960"/>
+          <a:ext cx="5981157" cy="3708400"/>
+        </p:xfrm>
+        <a:graphic>
+          <a:graphicData uri="http://schemas.openxmlformats.org/drawingml/2006/table">
+            <a:tbl>
+              <a:tblPr firstRow="1" bandRow="1">
+                <a:tableStyleId>{5C22544A-7EE6-4342-B048-85BDC9FD1C3A}</a:tableStyleId>
+              </a:tblPr>
+              <a:tblGrid>
+                <a:gridCol w="3505199">
+                  <a:extLst>
+                    <a:ext uri="{9D8B030D-6E8A-4147-A177-3AD203B41FA5}">
+                      <a16:colId xmlns:a16="http://schemas.microsoft.com/office/drawing/2014/main" val="3710820437"/>
+                    </a:ext>
+                  </a:extLst>
+                </a:gridCol>
+                <a:gridCol w="2475958">
+                  <a:extLst>
+                    <a:ext uri="{9D8B030D-6E8A-4147-A177-3AD203B41FA5}">
+                      <a16:colId xmlns:a16="http://schemas.microsoft.com/office/drawing/2014/main" val="3098294199"/>
+                    </a:ext>
+                  </a:extLst>
+                </a:gridCol>
+              </a:tblGrid>
+              <a:tr h="370840">
+                <a:tc>
+                  <a:txBody>
+                    <a:bodyPr/>
+                    <a:lstStyle/>
+                    <a:p>
+                      <a:pPr algn="l"/>
+                      <a:r>
+                        <a:rPr lang="en-GB" dirty="0"/>
+                        <a:t>End Points</a:t>
+                      </a:r>
+                    </a:p>
+                  </a:txBody>
+                  <a:tcPr/>
+                </a:tc>
+                <a:tc>
+                  <a:txBody>
+                    <a:bodyPr/>
+                    <a:lstStyle/>
+                    <a:p>
+                      <a:pPr algn="l"/>
+                      <a:r>
+                        <a:rPr lang="en-GB" dirty="0"/>
+                        <a:t>Latency Round Trip </a:t>
+                      </a:r>
+                      <a:r>
+                        <a:rPr lang="en-GB" dirty="0" err="1"/>
+                        <a:t>ms</a:t>
+                      </a:r>
+                      <a:endParaRPr lang="en-GB" dirty="0"/>
+                    </a:p>
+                  </a:txBody>
+                  <a:tcPr/>
+                </a:tc>
+                <a:extLst>
+                  <a:ext uri="{0D108BD9-81ED-4DB2-BD59-A6C34878D82A}">
+                    <a16:rowId xmlns:a16="http://schemas.microsoft.com/office/drawing/2014/main" val="833069339"/>
+                  </a:ext>
+                </a:extLst>
+              </a:tr>
+              <a:tr h="370840">
+                <a:tc>
+                  <a:txBody>
+                    <a:bodyPr/>
+                    <a:lstStyle/>
+                    <a:p>
+                      <a:pPr algn="l"/>
+                      <a:r>
+                        <a:rPr lang="en-GB" dirty="0"/>
+                        <a:t>Chicago to New York (Cable)</a:t>
+                      </a:r>
+                    </a:p>
+                  </a:txBody>
+                  <a:tcPr/>
+                </a:tc>
+                <a:tc>
+                  <a:txBody>
+                    <a:bodyPr/>
+                    <a:lstStyle/>
+                    <a:p>
+                      <a:pPr algn="l"/>
+                      <a:r>
+                        <a:rPr lang="en-GB" dirty="0"/>
+                        <a:t>14.1</a:t>
+                      </a:r>
+                    </a:p>
+                  </a:txBody>
+                  <a:tcPr/>
+                </a:tc>
+                <a:extLst>
+                  <a:ext uri="{0D108BD9-81ED-4DB2-BD59-A6C34878D82A}">
+                    <a16:rowId xmlns:a16="http://schemas.microsoft.com/office/drawing/2014/main" val="2231763523"/>
+                  </a:ext>
+                </a:extLst>
+              </a:tr>
+              <a:tr h="370840">
+                <a:tc>
+                  <a:txBody>
+                    <a:bodyPr/>
+                    <a:lstStyle/>
+                    <a:p>
+                      <a:pPr marL="0" marR="0" lvl="0" indent="0" algn="l" defTabSz="914400" rtl="0" eaLnBrk="1" fontAlgn="auto" latinLnBrk="0" hangingPunct="1">
+                        <a:lnSpc>
+                          <a:spcPct val="100000"/>
+                        </a:lnSpc>
+                        <a:spcBef>
+                          <a:spcPts val="0"/>
+                        </a:spcBef>
+                        <a:spcAft>
+                          <a:spcPts val="0"/>
+                        </a:spcAft>
+                        <a:buClrTx/>
+                        <a:buSzTx/>
+                        <a:buFontTx/>
+                        <a:buNone/>
+                        <a:tabLst/>
+                        <a:defRPr/>
+                      </a:pPr>
+                      <a:r>
+                        <a:rPr lang="en-GB" dirty="0"/>
+                        <a:t>Chicago to New York (Microwave)</a:t>
+                      </a:r>
+                    </a:p>
+                  </a:txBody>
+                  <a:tcPr/>
+                </a:tc>
+                <a:tc>
+                  <a:txBody>
+                    <a:bodyPr/>
+                    <a:lstStyle/>
+                    <a:p>
+                      <a:pPr algn="l"/>
+                      <a:r>
+                        <a:rPr lang="en-GB" dirty="0"/>
+                        <a:t>8.2</a:t>
+                      </a:r>
+                    </a:p>
+                  </a:txBody>
+                  <a:tcPr/>
+                </a:tc>
+                <a:extLst>
+                  <a:ext uri="{0D108BD9-81ED-4DB2-BD59-A6C34878D82A}">
+                    <a16:rowId xmlns:a16="http://schemas.microsoft.com/office/drawing/2014/main" val="754737342"/>
+                  </a:ext>
+                </a:extLst>
+              </a:tr>
+              <a:tr h="370840">
+                <a:tc>
+                  <a:txBody>
+                    <a:bodyPr/>
+                    <a:lstStyle/>
+                    <a:p>
+                      <a:pPr algn="l"/>
+                      <a:r>
+                        <a:rPr lang="en-GB" dirty="0" err="1"/>
+                        <a:t>Hiberia</a:t>
+                      </a:r>
+                      <a:r>
+                        <a:rPr lang="en-GB" dirty="0"/>
+                        <a:t> Global Financial Network</a:t>
+                      </a:r>
+                    </a:p>
+                  </a:txBody>
+                  <a:tcPr/>
+                </a:tc>
+                <a:tc>
+                  <a:txBody>
+                    <a:bodyPr/>
+                    <a:lstStyle/>
+                    <a:p>
+                      <a:pPr algn="l"/>
+                      <a:r>
+                        <a:rPr lang="en-GB" dirty="0"/>
+                        <a:t>65.5</a:t>
+                      </a:r>
+                    </a:p>
+                  </a:txBody>
+                  <a:tcPr/>
+                </a:tc>
+                <a:extLst>
+                  <a:ext uri="{0D108BD9-81ED-4DB2-BD59-A6C34878D82A}">
+                    <a16:rowId xmlns:a16="http://schemas.microsoft.com/office/drawing/2014/main" val="3948544103"/>
+                  </a:ext>
+                </a:extLst>
+              </a:tr>
+              <a:tr h="370840">
+                <a:tc>
+                  <a:txBody>
+                    <a:bodyPr/>
+                    <a:lstStyle/>
+                    <a:p>
+                      <a:pPr algn="l"/>
+                      <a:r>
+                        <a:rPr lang="en-GB" dirty="0" err="1"/>
+                        <a:t>Hiberia</a:t>
+                      </a:r>
+                      <a:r>
+                        <a:rPr lang="en-GB" dirty="0"/>
+                        <a:t> Express</a:t>
+                      </a:r>
+                    </a:p>
+                  </a:txBody>
+                  <a:tcPr/>
+                </a:tc>
+                <a:tc>
+                  <a:txBody>
+                    <a:bodyPr/>
+                    <a:lstStyle/>
+                    <a:p>
+                      <a:pPr algn="l"/>
+                      <a:r>
+                        <a:rPr lang="en-GB" dirty="0"/>
+                        <a:t>58.8</a:t>
+                      </a:r>
+                    </a:p>
+                  </a:txBody>
+                  <a:tcPr/>
+                </a:tc>
+                <a:extLst>
+                  <a:ext uri="{0D108BD9-81ED-4DB2-BD59-A6C34878D82A}">
+                    <a16:rowId xmlns:a16="http://schemas.microsoft.com/office/drawing/2014/main" val="1749173547"/>
+                  </a:ext>
+                </a:extLst>
+              </a:tr>
+              <a:tr h="370840">
+                <a:tc>
+                  <a:txBody>
+                    <a:bodyPr/>
+                    <a:lstStyle/>
+                    <a:p>
+                      <a:pPr algn="l"/>
+                      <a:r>
+                        <a:rPr lang="en-GB" dirty="0"/>
+                        <a:t>London &lt;-&gt; Tokyo</a:t>
+                      </a:r>
+                    </a:p>
+                  </a:txBody>
+                  <a:tcPr/>
+                </a:tc>
+                <a:tc>
+                  <a:txBody>
+                    <a:bodyPr/>
+                    <a:lstStyle/>
+                    <a:p>
+                      <a:pPr algn="l"/>
+                      <a:r>
+                        <a:rPr lang="en-GB" dirty="0"/>
+                        <a:t>230</a:t>
+                      </a:r>
+                    </a:p>
+                  </a:txBody>
+                  <a:tcPr/>
+                </a:tc>
+                <a:extLst>
+                  <a:ext uri="{0D108BD9-81ED-4DB2-BD59-A6C34878D82A}">
+                    <a16:rowId xmlns:a16="http://schemas.microsoft.com/office/drawing/2014/main" val="913286744"/>
+                  </a:ext>
+                </a:extLst>
+              </a:tr>
+              <a:tr h="370840">
+                <a:tc>
+                  <a:txBody>
+                    <a:bodyPr/>
+                    <a:lstStyle/>
+                    <a:p>
+                      <a:pPr marL="0" marR="0" lvl="0" indent="0" algn="l" defTabSz="914400" rtl="0" eaLnBrk="1" fontAlgn="auto" latinLnBrk="0" hangingPunct="1">
+                        <a:lnSpc>
+                          <a:spcPct val="100000"/>
+                        </a:lnSpc>
+                        <a:spcBef>
+                          <a:spcPts val="0"/>
+                        </a:spcBef>
+                        <a:spcAft>
+                          <a:spcPts val="0"/>
+                        </a:spcAft>
+                        <a:buClrTx/>
+                        <a:buSzTx/>
+                        <a:buFontTx/>
+                        <a:buNone/>
+                        <a:tabLst/>
+                        <a:defRPr/>
+                      </a:pPr>
+                      <a:r>
+                        <a:rPr lang="en-GB" dirty="0"/>
+                        <a:t>London &lt;-&gt; Tokyo (via Atlantic)</a:t>
+                      </a:r>
+                    </a:p>
+                  </a:txBody>
+                  <a:tcPr/>
+                </a:tc>
+                <a:tc>
+                  <a:txBody>
+                    <a:bodyPr/>
+                    <a:lstStyle/>
+                    <a:p>
+                      <a:pPr algn="l"/>
+                      <a:r>
+                        <a:rPr lang="en-GB" dirty="0"/>
+                        <a:t>170</a:t>
+                      </a:r>
+                    </a:p>
+                  </a:txBody>
+                  <a:tcPr/>
+                </a:tc>
+                <a:extLst>
+                  <a:ext uri="{0D108BD9-81ED-4DB2-BD59-A6C34878D82A}">
+                    <a16:rowId xmlns:a16="http://schemas.microsoft.com/office/drawing/2014/main" val="1705750217"/>
+                  </a:ext>
+                </a:extLst>
+              </a:tr>
+              <a:tr h="370840">
+                <a:tc>
+                  <a:txBody>
+                    <a:bodyPr/>
+                    <a:lstStyle/>
+                    <a:p>
+                      <a:pPr algn="l"/>
+                      <a:r>
+                        <a:rPr lang="en-GB" dirty="0"/>
+                        <a:t>Google</a:t>
+                      </a:r>
+                    </a:p>
+                  </a:txBody>
+                  <a:tcPr/>
+                </a:tc>
+                <a:tc>
+                  <a:txBody>
+                    <a:bodyPr/>
+                    <a:lstStyle/>
+                    <a:p>
+                      <a:pPr algn="l"/>
+                      <a:r>
+                        <a:rPr lang="en-GB" dirty="0"/>
+                        <a:t>???</a:t>
+                      </a:r>
+                    </a:p>
+                  </a:txBody>
+                  <a:tcPr/>
+                </a:tc>
+                <a:extLst>
+                  <a:ext uri="{0D108BD9-81ED-4DB2-BD59-A6C34878D82A}">
+                    <a16:rowId xmlns:a16="http://schemas.microsoft.com/office/drawing/2014/main" val="1554847393"/>
+                  </a:ext>
+                </a:extLst>
+              </a:tr>
+              <a:tr h="370840">
+                <a:tc>
+                  <a:txBody>
+                    <a:bodyPr/>
+                    <a:lstStyle/>
+                    <a:p>
+                      <a:pPr algn="l"/>
+                      <a:r>
+                        <a:rPr lang="en-GB" dirty="0"/>
+                        <a:t>Meta</a:t>
+                      </a:r>
+                    </a:p>
+                  </a:txBody>
+                  <a:tcPr/>
+                </a:tc>
+                <a:tc>
+                  <a:txBody>
+                    <a:bodyPr/>
+                    <a:lstStyle/>
+                    <a:p>
+                      <a:pPr algn="l"/>
+                      <a:r>
+                        <a:rPr lang="en-GB" dirty="0"/>
+                        <a:t>???</a:t>
+                      </a:r>
+                    </a:p>
+                  </a:txBody>
+                  <a:tcPr/>
+                </a:tc>
+                <a:extLst>
+                  <a:ext uri="{0D108BD9-81ED-4DB2-BD59-A6C34878D82A}">
+                    <a16:rowId xmlns:a16="http://schemas.microsoft.com/office/drawing/2014/main" val="465121268"/>
+                  </a:ext>
+                </a:extLst>
+              </a:tr>
+              <a:tr h="370840">
+                <a:tc>
+                  <a:txBody>
+                    <a:bodyPr/>
+                    <a:lstStyle/>
+                    <a:p>
+                      <a:pPr algn="l"/>
+                      <a:r>
+                        <a:rPr lang="en-GB" dirty="0"/>
+                        <a:t>Microsoft</a:t>
+                      </a:r>
+                    </a:p>
+                  </a:txBody>
+                  <a:tcPr/>
+                </a:tc>
+                <a:tc>
+                  <a:txBody>
+                    <a:bodyPr/>
+                    <a:lstStyle/>
+                    <a:p>
+                      <a:pPr algn="l"/>
+                      <a:r>
+                        <a:rPr lang="en-GB" dirty="0"/>
+                        <a:t>???</a:t>
+                      </a:r>
+                    </a:p>
+                  </a:txBody>
+                  <a:tcPr/>
+                </a:tc>
+                <a:extLst>
+                  <a:ext uri="{0D108BD9-81ED-4DB2-BD59-A6C34878D82A}">
+                    <a16:rowId xmlns:a16="http://schemas.microsoft.com/office/drawing/2014/main" val="1300121289"/>
+                  </a:ext>
+                </a:extLst>
+              </a:tr>
+            </a:tbl>
+          </a:graphicData>
+        </a:graphic>
+      </p:graphicFrame>
+    </p:spTree>
+    <p:extLst>
+      <p:ext uri="{BB962C8B-B14F-4D97-AF65-F5344CB8AC3E}">
+        <p14:creationId xmlns:p14="http://schemas.microsoft.com/office/powerpoint/2010/main" val="3380556220"/>
+      </p:ext>
+    </p:extLst>
+  </p:cSld>
+  <p:clrMapOvr>
+    <a:masterClrMapping/>
+  </p:clrMapOvr>
+</p:sld>
+</file>
+
+<file path=ppt/slides/slide23.xml><?xml version="1.0" encoding="utf-8"?>
+<p:sld xmlns:a="http://schemas.openxmlformats.org/drawingml/2006/main" xmlns:r="http://schemas.openxmlformats.org/officeDocument/2006/relationships" xmlns:p="http://schemas.openxmlformats.org/presentationml/2006/main">
+  <p:cSld>
+    <p:spTree>
+      <p:nvGrpSpPr>
+        <p:cNvPr id="1" name=""/>
+        <p:cNvGrpSpPr/>
+        <p:nvPr/>
+      </p:nvGrpSpPr>
+      <p:grpSpPr>
+        <a:xfrm>
+          <a:off x="0" y="0"/>
+          <a:ext cx="0" cy="0"/>
+          <a:chOff x="0" y="0"/>
+          <a:chExt cx="0" cy="0"/>
+        </a:xfrm>
+      </p:grpSpPr>
+      <p:grpSp>
+        <p:nvGrpSpPr>
+          <p:cNvPr id="49" name="Group 48">
+            <a:extLst>
+              <a:ext uri="{FF2B5EF4-FFF2-40B4-BE49-F238E27FC236}">
+                <a16:creationId xmlns:a16="http://schemas.microsoft.com/office/drawing/2014/main" id="{DA0F5524-465E-74F2-41C7-A6CD450590F7}"/>
+              </a:ext>
+            </a:extLst>
+          </p:cNvPr>
+          <p:cNvGrpSpPr/>
+          <p:nvPr/>
+        </p:nvGrpSpPr>
+        <p:grpSpPr>
+          <a:xfrm>
+            <a:off x="2735616" y="1135136"/>
+            <a:ext cx="7751297" cy="1591154"/>
+            <a:chOff x="2764472" y="836011"/>
+            <a:chExt cx="7751297" cy="1591154"/>
+          </a:xfrm>
+        </p:grpSpPr>
+        <p:pic>
+          <p:nvPicPr>
+            <p:cNvPr id="42" name="Picture 41">
+              <a:extLst>
+                <a:ext uri="{FF2B5EF4-FFF2-40B4-BE49-F238E27FC236}">
+                  <a16:creationId xmlns:a16="http://schemas.microsoft.com/office/drawing/2014/main" id="{90AE8C58-0307-EF7C-D722-67AE0978F632}"/>
+                </a:ext>
+              </a:extLst>
+            </p:cNvPr>
+            <p:cNvPicPr>
+              <a:picLocks noChangeAspect="1"/>
+            </p:cNvPicPr>
+            <p:nvPr/>
+          </p:nvPicPr>
+          <p:blipFill>
+            <a:blip r:embed="rId2">
+              <a:extLst>
+                <a:ext uri="{28A0092B-C50C-407E-A947-70E740481C1C}">
+                  <a14:useLocalDpi xmlns:a14="http://schemas.microsoft.com/office/drawing/2010/main" val="0"/>
+                </a:ext>
+              </a:extLst>
+            </a:blip>
+            <a:stretch>
+              <a:fillRect/>
+            </a:stretch>
+          </p:blipFill>
+          <p:spPr>
+            <a:xfrm>
+              <a:off x="2764472" y="836011"/>
+              <a:ext cx="609785" cy="609785"/>
+            </a:xfrm>
+            <a:prstGeom prst="rect">
+              <a:avLst/>
+            </a:prstGeom>
+          </p:spPr>
+        </p:pic>
+        <p:pic>
+          <p:nvPicPr>
+            <p:cNvPr id="43" name="Picture 42">
+              <a:extLst>
+                <a:ext uri="{FF2B5EF4-FFF2-40B4-BE49-F238E27FC236}">
+                  <a16:creationId xmlns:a16="http://schemas.microsoft.com/office/drawing/2014/main" id="{189956B6-2264-8EA4-A7D0-67035A851AA1}"/>
+                </a:ext>
+              </a:extLst>
+            </p:cNvPr>
+            <p:cNvPicPr>
+              <a:picLocks noChangeAspect="1"/>
+            </p:cNvPicPr>
+            <p:nvPr/>
+          </p:nvPicPr>
+          <p:blipFill>
+            <a:blip r:embed="rId2">
+              <a:extLst>
+                <a:ext uri="{28A0092B-C50C-407E-A947-70E740481C1C}">
+                  <a14:useLocalDpi xmlns:a14="http://schemas.microsoft.com/office/drawing/2010/main" val="0"/>
+                </a:ext>
+              </a:extLst>
+            </a:blip>
+            <a:stretch>
+              <a:fillRect/>
+            </a:stretch>
+          </p:blipFill>
+          <p:spPr>
+            <a:xfrm>
+              <a:off x="2991511" y="1817380"/>
+              <a:ext cx="609785" cy="609785"/>
+            </a:xfrm>
+            <a:prstGeom prst="rect">
+              <a:avLst/>
+            </a:prstGeom>
+          </p:spPr>
+        </p:pic>
+        <p:pic>
+          <p:nvPicPr>
+            <p:cNvPr id="44" name="Picture 43">
+              <a:extLst>
+                <a:ext uri="{FF2B5EF4-FFF2-40B4-BE49-F238E27FC236}">
+                  <a16:creationId xmlns:a16="http://schemas.microsoft.com/office/drawing/2014/main" id="{2D777870-7A71-B0D0-5AB1-59324348E416}"/>
+                </a:ext>
+              </a:extLst>
+            </p:cNvPr>
+            <p:cNvPicPr>
+              <a:picLocks noChangeAspect="1"/>
+            </p:cNvPicPr>
+            <p:nvPr/>
+          </p:nvPicPr>
+          <p:blipFill>
+            <a:blip r:embed="rId2">
+              <a:extLst>
+                <a:ext uri="{28A0092B-C50C-407E-A947-70E740481C1C}">
+                  <a14:useLocalDpi xmlns:a14="http://schemas.microsoft.com/office/drawing/2010/main" val="0"/>
+                </a:ext>
+              </a:extLst>
+            </a:blip>
+            <a:stretch>
+              <a:fillRect/>
+            </a:stretch>
+          </p:blipFill>
+          <p:spPr>
+            <a:xfrm>
+              <a:off x="4619945" y="1084789"/>
+              <a:ext cx="609785" cy="609785"/>
+            </a:xfrm>
+            <a:prstGeom prst="rect">
+              <a:avLst/>
+            </a:prstGeom>
+          </p:spPr>
+        </p:pic>
+        <p:pic>
+          <p:nvPicPr>
+            <p:cNvPr id="45" name="Picture 44">
+              <a:extLst>
+                <a:ext uri="{FF2B5EF4-FFF2-40B4-BE49-F238E27FC236}">
+                  <a16:creationId xmlns:a16="http://schemas.microsoft.com/office/drawing/2014/main" id="{9A7BE76B-4FFC-EB34-B8D2-2BF86CDC4F85}"/>
+                </a:ext>
+              </a:extLst>
+            </p:cNvPr>
+            <p:cNvPicPr>
+              <a:picLocks noChangeAspect="1"/>
+            </p:cNvPicPr>
+            <p:nvPr/>
+          </p:nvPicPr>
+          <p:blipFill>
+            <a:blip r:embed="rId2">
+              <a:extLst>
+                <a:ext uri="{28A0092B-C50C-407E-A947-70E740481C1C}">
+                  <a14:useLocalDpi xmlns:a14="http://schemas.microsoft.com/office/drawing/2010/main" val="0"/>
+                </a:ext>
+              </a:extLst>
+            </a:blip>
+            <a:stretch>
+              <a:fillRect/>
+            </a:stretch>
+          </p:blipFill>
+          <p:spPr>
+            <a:xfrm>
+              <a:off x="9905984" y="1667380"/>
+              <a:ext cx="609785" cy="609785"/>
+            </a:xfrm>
+            <a:prstGeom prst="rect">
+              <a:avLst/>
+            </a:prstGeom>
+          </p:spPr>
+        </p:pic>
+      </p:grpSp>
+      <p:grpSp>
+        <p:nvGrpSpPr>
+          <p:cNvPr id="50" name="Group 49">
+            <a:extLst>
+              <a:ext uri="{FF2B5EF4-FFF2-40B4-BE49-F238E27FC236}">
+                <a16:creationId xmlns:a16="http://schemas.microsoft.com/office/drawing/2014/main" id="{E7553DC7-1B09-CAA6-61A3-F6E12636B72B}"/>
+              </a:ext>
+            </a:extLst>
+          </p:cNvPr>
+          <p:cNvGrpSpPr/>
+          <p:nvPr/>
+        </p:nvGrpSpPr>
+        <p:grpSpPr>
+          <a:xfrm>
+            <a:off x="1904247" y="654452"/>
+            <a:ext cx="9421958" cy="1956071"/>
+            <a:chOff x="1933103" y="581887"/>
+            <a:chExt cx="9421958" cy="1956071"/>
+          </a:xfrm>
+        </p:grpSpPr>
+        <p:pic>
+          <p:nvPicPr>
+            <p:cNvPr id="33" name="Picture 32">
+              <a:extLst>
+                <a:ext uri="{FF2B5EF4-FFF2-40B4-BE49-F238E27FC236}">
+                  <a16:creationId xmlns:a16="http://schemas.microsoft.com/office/drawing/2014/main" id="{00D7893F-2D1C-B4FB-09FE-C07A143D83E8}"/>
+                </a:ext>
+              </a:extLst>
+            </p:cNvPr>
+            <p:cNvPicPr>
+              <a:picLocks noChangeAspect="1"/>
+            </p:cNvPicPr>
+            <p:nvPr/>
+          </p:nvPicPr>
+          <p:blipFill>
+            <a:blip r:embed="rId3">
+              <a:extLst>
+                <a:ext uri="{28A0092B-C50C-407E-A947-70E740481C1C}">
+                  <a14:useLocalDpi xmlns:a14="http://schemas.microsoft.com/office/drawing/2010/main" val="0"/>
+                </a:ext>
+              </a:extLst>
+            </a:blip>
+            <a:stretch>
+              <a:fillRect/>
+            </a:stretch>
+          </p:blipFill>
+          <p:spPr>
+            <a:xfrm>
+              <a:off x="1933103" y="725220"/>
+              <a:ext cx="831369" cy="831369"/>
+            </a:xfrm>
+            <a:prstGeom prst="rect">
+              <a:avLst/>
+            </a:prstGeom>
+          </p:spPr>
+        </p:pic>
+        <p:pic>
+          <p:nvPicPr>
+            <p:cNvPr id="35" name="Picture 34">
+              <a:extLst>
+                <a:ext uri="{FF2B5EF4-FFF2-40B4-BE49-F238E27FC236}">
+                  <a16:creationId xmlns:a16="http://schemas.microsoft.com/office/drawing/2014/main" id="{1E61409D-1D7B-E299-3620-A0E1F93814DF}"/>
+                </a:ext>
+              </a:extLst>
+            </p:cNvPr>
+            <p:cNvPicPr>
+              <a:picLocks noChangeAspect="1"/>
+            </p:cNvPicPr>
+            <p:nvPr/>
+          </p:nvPicPr>
+          <p:blipFill>
+            <a:blip r:embed="rId4">
+              <a:extLst>
+                <a:ext uri="{28A0092B-C50C-407E-A947-70E740481C1C}">
+                  <a14:useLocalDpi xmlns:a14="http://schemas.microsoft.com/office/drawing/2010/main" val="0"/>
+                </a:ext>
+              </a:extLst>
+            </a:blip>
+            <a:stretch>
+              <a:fillRect/>
+            </a:stretch>
+          </p:blipFill>
+          <p:spPr>
+            <a:xfrm>
+              <a:off x="5012421" y="581887"/>
+              <a:ext cx="831369" cy="831369"/>
+            </a:xfrm>
+            <a:prstGeom prst="rect">
+              <a:avLst/>
+            </a:prstGeom>
+          </p:spPr>
+        </p:pic>
+        <p:pic>
+          <p:nvPicPr>
+            <p:cNvPr id="37" name="Picture 36">
+              <a:extLst>
+                <a:ext uri="{FF2B5EF4-FFF2-40B4-BE49-F238E27FC236}">
+                  <a16:creationId xmlns:a16="http://schemas.microsoft.com/office/drawing/2014/main" id="{3E000D34-9CE3-9A74-F3F8-AF9FDCEC7A4F}"/>
+                </a:ext>
+              </a:extLst>
+            </p:cNvPr>
+            <p:cNvPicPr>
+              <a:picLocks noChangeAspect="1"/>
+            </p:cNvPicPr>
+            <p:nvPr/>
+          </p:nvPicPr>
+          <p:blipFill>
+            <a:blip r:embed="rId5">
+              <a:extLst>
+                <a:ext uri="{28A0092B-C50C-407E-A947-70E740481C1C}">
+                  <a14:useLocalDpi xmlns:a14="http://schemas.microsoft.com/office/drawing/2010/main" val="0"/>
+                </a:ext>
+              </a:extLst>
+            </a:blip>
+            <a:stretch>
+              <a:fillRect/>
+            </a:stretch>
+          </p:blipFill>
+          <p:spPr>
+            <a:xfrm>
+              <a:off x="3435678" y="1556589"/>
+              <a:ext cx="831369" cy="831369"/>
+            </a:xfrm>
+            <a:prstGeom prst="rect">
+              <a:avLst/>
+            </a:prstGeom>
+          </p:spPr>
+        </p:pic>
+        <p:pic>
+          <p:nvPicPr>
+            <p:cNvPr id="39" name="Picture 38">
+              <a:extLst>
+                <a:ext uri="{FF2B5EF4-FFF2-40B4-BE49-F238E27FC236}">
+                  <a16:creationId xmlns:a16="http://schemas.microsoft.com/office/drawing/2014/main" id="{73BD4803-1061-1D52-0327-9CAE9806E0A8}"/>
+                </a:ext>
+              </a:extLst>
+            </p:cNvPr>
+            <p:cNvPicPr>
+              <a:picLocks noChangeAspect="1"/>
+            </p:cNvPicPr>
+            <p:nvPr/>
+          </p:nvPicPr>
+          <p:blipFill>
+            <a:blip r:embed="rId6">
+              <a:extLst>
+                <a:ext uri="{28A0092B-C50C-407E-A947-70E740481C1C}">
+                  <a14:useLocalDpi xmlns:a14="http://schemas.microsoft.com/office/drawing/2010/main" val="0"/>
+                </a:ext>
+              </a:extLst>
+            </a:blip>
+            <a:stretch>
+              <a:fillRect/>
+            </a:stretch>
+          </p:blipFill>
+          <p:spPr>
+            <a:xfrm>
+              <a:off x="10523692" y="1706589"/>
+              <a:ext cx="831369" cy="831369"/>
+            </a:xfrm>
+            <a:prstGeom prst="rect">
+              <a:avLst/>
+            </a:prstGeom>
+          </p:spPr>
+        </p:pic>
+      </p:grpSp>
+      <p:grpSp>
+        <p:nvGrpSpPr>
+          <p:cNvPr id="26" name="Group 25">
+            <a:extLst>
+              <a:ext uri="{FF2B5EF4-FFF2-40B4-BE49-F238E27FC236}">
+                <a16:creationId xmlns:a16="http://schemas.microsoft.com/office/drawing/2014/main" id="{ABA3A3D2-D211-AB54-C829-3C4471D02F95}"/>
+              </a:ext>
+            </a:extLst>
+          </p:cNvPr>
+          <p:cNvGrpSpPr/>
+          <p:nvPr/>
+        </p:nvGrpSpPr>
+        <p:grpSpPr>
+          <a:xfrm>
+            <a:off x="3048431" y="1538126"/>
+            <a:ext cx="7141512" cy="1185035"/>
+            <a:chOff x="3040509" y="1541255"/>
+            <a:chExt cx="7141512" cy="1185035"/>
+          </a:xfrm>
+        </p:grpSpPr>
+        <p:cxnSp>
+          <p:nvCxnSpPr>
+            <p:cNvPr id="3" name="Straight Arrow Connector 2">
+              <a:extLst>
+                <a:ext uri="{FF2B5EF4-FFF2-40B4-BE49-F238E27FC236}">
+                  <a16:creationId xmlns:a16="http://schemas.microsoft.com/office/drawing/2014/main" id="{C63B5264-CA6E-17D9-EA99-7E9C0DC83746}"/>
+                </a:ext>
+              </a:extLst>
+            </p:cNvPr>
+            <p:cNvCxnSpPr>
+              <a:stCxn id="42" idx="2"/>
+              <a:endCxn id="43" idx="0"/>
+            </p:cNvCxnSpPr>
+            <p:nvPr/>
+          </p:nvCxnSpPr>
+          <p:spPr>
+            <a:xfrm>
+              <a:off x="3040509" y="1744921"/>
+              <a:ext cx="227039" cy="371584"/>
+            </a:xfrm>
+            <a:prstGeom prst="straightConnector1">
+              <a:avLst/>
+            </a:prstGeom>
+            <a:ln w="76200">
+              <a:solidFill>
+                <a:srgbClr val="00B050"/>
+              </a:solidFill>
+              <a:tailEnd type="triangle"/>
+            </a:ln>
+          </p:spPr>
+          <p:style>
+            <a:lnRef idx="1">
+              <a:schemeClr val="accent1"/>
+            </a:lnRef>
+            <a:fillRef idx="0">
+              <a:schemeClr val="accent1"/>
+            </a:fillRef>
+            <a:effectRef idx="0">
+              <a:schemeClr val="accent1"/>
+            </a:effectRef>
+            <a:fontRef idx="minor">
+              <a:schemeClr val="tx1"/>
+            </a:fontRef>
+          </p:style>
+        </p:cxnSp>
+        <p:cxnSp>
+          <p:nvCxnSpPr>
+            <p:cNvPr id="11" name="Connector: Curved 10">
+              <a:extLst>
+                <a:ext uri="{FF2B5EF4-FFF2-40B4-BE49-F238E27FC236}">
+                  <a16:creationId xmlns:a16="http://schemas.microsoft.com/office/drawing/2014/main" id="{888FC71C-7DA0-3B0D-C7DE-4F120837D7BF}"/>
+                </a:ext>
+              </a:extLst>
+            </p:cNvPr>
+            <p:cNvCxnSpPr>
+              <a:cxnSpLocks/>
+              <a:stCxn id="43" idx="2"/>
+              <a:endCxn id="44" idx="1"/>
+            </p:cNvCxnSpPr>
+            <p:nvPr/>
+          </p:nvCxnSpPr>
+          <p:spPr>
+            <a:xfrm rot="5400000" flipH="1" flipV="1">
+              <a:off x="3410576" y="1545778"/>
+              <a:ext cx="1037483" cy="1323541"/>
+            </a:xfrm>
+            <a:prstGeom prst="curvedConnector4">
+              <a:avLst>
+                <a:gd name="adj1" fmla="val -22034"/>
+                <a:gd name="adj2" fmla="val 61518"/>
+              </a:avLst>
+            </a:prstGeom>
+            <a:ln w="76200">
+              <a:solidFill>
+                <a:srgbClr val="00B050"/>
+              </a:solidFill>
+              <a:tailEnd type="triangle"/>
+            </a:ln>
+          </p:spPr>
+          <p:style>
+            <a:lnRef idx="1">
+              <a:schemeClr val="accent1"/>
+            </a:lnRef>
+            <a:fillRef idx="0">
+              <a:schemeClr val="accent1"/>
+            </a:fillRef>
+            <a:effectRef idx="0">
+              <a:schemeClr val="accent1"/>
+            </a:effectRef>
+            <a:fontRef idx="minor">
+              <a:schemeClr val="tx1"/>
+            </a:fontRef>
+          </p:style>
+        </p:cxnSp>
+        <p:cxnSp>
+          <p:nvCxnSpPr>
+            <p:cNvPr id="23" name="Connector: Curved 22">
+              <a:extLst>
+                <a:ext uri="{FF2B5EF4-FFF2-40B4-BE49-F238E27FC236}">
+                  <a16:creationId xmlns:a16="http://schemas.microsoft.com/office/drawing/2014/main" id="{AD7224A1-8B23-7ACC-4D37-D4AACAE8C169}"/>
+                </a:ext>
+              </a:extLst>
+            </p:cNvPr>
+            <p:cNvCxnSpPr>
+              <a:cxnSpLocks/>
+              <a:stCxn id="45" idx="0"/>
+            </p:cNvCxnSpPr>
+            <p:nvPr/>
+          </p:nvCxnSpPr>
+          <p:spPr>
+            <a:xfrm rot="16200000" flipV="1">
+              <a:off x="7478823" y="-736694"/>
+              <a:ext cx="425250" cy="4981147"/>
+            </a:xfrm>
+            <a:prstGeom prst="curvedConnector2">
+              <a:avLst/>
+            </a:prstGeom>
+            <a:ln w="76200">
+              <a:solidFill>
+                <a:srgbClr val="00B050"/>
+              </a:solidFill>
+              <a:tailEnd type="triangle"/>
+            </a:ln>
+          </p:spPr>
+          <p:style>
+            <a:lnRef idx="1">
+              <a:schemeClr val="accent1"/>
+            </a:lnRef>
+            <a:fillRef idx="0">
+              <a:schemeClr val="accent1"/>
+            </a:fillRef>
+            <a:effectRef idx="0">
+              <a:schemeClr val="accent1"/>
+            </a:effectRef>
+            <a:fontRef idx="minor">
+              <a:schemeClr val="tx1"/>
+            </a:fontRef>
+          </p:style>
+        </p:cxnSp>
+      </p:grpSp>
+      <p:grpSp>
+        <p:nvGrpSpPr>
+          <p:cNvPr id="51" name="Group 50">
+            <a:extLst>
+              <a:ext uri="{FF2B5EF4-FFF2-40B4-BE49-F238E27FC236}">
+                <a16:creationId xmlns:a16="http://schemas.microsoft.com/office/drawing/2014/main" id="{BB8A658B-743E-581E-06B9-88F7D641D18F}"/>
+              </a:ext>
+            </a:extLst>
+          </p:cNvPr>
+          <p:cNvGrpSpPr/>
+          <p:nvPr/>
+        </p:nvGrpSpPr>
+        <p:grpSpPr>
+          <a:xfrm>
+            <a:off x="2735615" y="1440028"/>
+            <a:ext cx="7446406" cy="1136263"/>
+            <a:chOff x="2735615" y="1440028"/>
+            <a:chExt cx="7446406" cy="1136263"/>
+          </a:xfrm>
+        </p:grpSpPr>
+        <p:cxnSp>
+          <p:nvCxnSpPr>
+            <p:cNvPr id="28" name="Connector: Curved 27">
+              <a:extLst>
+                <a:ext uri="{FF2B5EF4-FFF2-40B4-BE49-F238E27FC236}">
+                  <a16:creationId xmlns:a16="http://schemas.microsoft.com/office/drawing/2014/main" id="{1C4019E7-4088-D06E-5D80-F3CAA451CFD7}"/>
+                </a:ext>
+              </a:extLst>
+            </p:cNvPr>
+            <p:cNvCxnSpPr>
+              <a:cxnSpLocks/>
+              <a:stCxn id="42" idx="1"/>
+              <a:endCxn id="43" idx="1"/>
+            </p:cNvCxnSpPr>
+            <p:nvPr/>
+          </p:nvCxnSpPr>
+          <p:spPr>
+            <a:xfrm rot="10800000" flipH="1" flipV="1">
+              <a:off x="2735615" y="1440028"/>
+              <a:ext cx="227039" cy="981369"/>
+            </a:xfrm>
+            <a:prstGeom prst="curvedConnector3">
+              <a:avLst>
+                <a:gd name="adj1" fmla="val -100688"/>
+              </a:avLst>
+            </a:prstGeom>
+            <a:ln w="76200">
+              <a:solidFill>
+                <a:srgbClr val="C00000"/>
+              </a:solidFill>
+              <a:tailEnd type="triangle"/>
+            </a:ln>
+          </p:spPr>
+          <p:style>
+            <a:lnRef idx="1">
+              <a:schemeClr val="accent1"/>
+            </a:lnRef>
+            <a:fillRef idx="0">
+              <a:schemeClr val="accent1"/>
+            </a:fillRef>
+            <a:effectRef idx="0">
+              <a:schemeClr val="accent1"/>
+            </a:effectRef>
+            <a:fontRef idx="minor">
+              <a:schemeClr val="tx1"/>
+            </a:fontRef>
+          </p:style>
+        </p:cxnSp>
+        <p:cxnSp>
+          <p:nvCxnSpPr>
+            <p:cNvPr id="32" name="Connector: Curved 31">
+              <a:extLst>
+                <a:ext uri="{FF2B5EF4-FFF2-40B4-BE49-F238E27FC236}">
+                  <a16:creationId xmlns:a16="http://schemas.microsoft.com/office/drawing/2014/main" id="{83A16004-D87A-8676-F3DE-84F932545B98}"/>
+                </a:ext>
+              </a:extLst>
+            </p:cNvPr>
+            <p:cNvCxnSpPr>
+              <a:cxnSpLocks/>
+              <a:stCxn id="43" idx="1"/>
+              <a:endCxn id="44" idx="2"/>
+            </p:cNvCxnSpPr>
+            <p:nvPr/>
+          </p:nvCxnSpPr>
+          <p:spPr>
+            <a:xfrm rot="10800000" flipH="1">
+              <a:off x="2962654" y="1993700"/>
+              <a:ext cx="1933327" cy="427699"/>
+            </a:xfrm>
+            <a:prstGeom prst="curvedConnector4">
+              <a:avLst>
+                <a:gd name="adj1" fmla="val -8685"/>
+                <a:gd name="adj2" fmla="val -189642"/>
+              </a:avLst>
+            </a:prstGeom>
+            <a:ln w="76200">
+              <a:solidFill>
+                <a:srgbClr val="C00000"/>
+              </a:solidFill>
+              <a:tailEnd type="triangle"/>
+            </a:ln>
+          </p:spPr>
+          <p:style>
+            <a:lnRef idx="1">
+              <a:schemeClr val="accent1"/>
+            </a:lnRef>
+            <a:fillRef idx="0">
+              <a:schemeClr val="accent1"/>
+            </a:fillRef>
+            <a:effectRef idx="0">
+              <a:schemeClr val="accent1"/>
+            </a:effectRef>
+            <a:fontRef idx="minor">
+              <a:schemeClr val="tx1"/>
+            </a:fontRef>
+          </p:style>
+        </p:cxnSp>
+        <p:cxnSp>
+          <p:nvCxnSpPr>
+            <p:cNvPr id="46" name="Connector: Curved 45">
+              <a:extLst>
+                <a:ext uri="{FF2B5EF4-FFF2-40B4-BE49-F238E27FC236}">
+                  <a16:creationId xmlns:a16="http://schemas.microsoft.com/office/drawing/2014/main" id="{058D11DB-05D7-D17A-AE3A-C9C28B9A9A40}"/>
+                </a:ext>
+              </a:extLst>
+            </p:cNvPr>
+            <p:cNvCxnSpPr>
+              <a:cxnSpLocks/>
+              <a:stCxn id="45" idx="2"/>
+              <a:endCxn id="44" idx="2"/>
+            </p:cNvCxnSpPr>
+            <p:nvPr/>
+          </p:nvCxnSpPr>
+          <p:spPr>
+            <a:xfrm rot="5400000" flipH="1">
+              <a:off x="7247706" y="-358024"/>
+              <a:ext cx="582591" cy="5286039"/>
+            </a:xfrm>
+            <a:prstGeom prst="curvedConnector3">
+              <a:avLst>
+                <a:gd name="adj1" fmla="val -39239"/>
+              </a:avLst>
+            </a:prstGeom>
+            <a:ln w="76200">
+              <a:solidFill>
+                <a:srgbClr val="C00000"/>
+              </a:solidFill>
+              <a:tailEnd type="triangle"/>
+            </a:ln>
+          </p:spPr>
+          <p:style>
+            <a:lnRef idx="1">
+              <a:schemeClr val="accent1"/>
+            </a:lnRef>
+            <a:fillRef idx="0">
+              <a:schemeClr val="accent1"/>
+            </a:fillRef>
+            <a:effectRef idx="0">
+              <a:schemeClr val="accent1"/>
+            </a:effectRef>
+            <a:fontRef idx="minor">
+              <a:schemeClr val="tx1"/>
+            </a:fontRef>
+          </p:style>
+        </p:cxnSp>
+      </p:grpSp>
+      <p:pic>
+        <p:nvPicPr>
+          <p:cNvPr id="29" name="Picture 28">
+            <a:extLst>
+              <a:ext uri="{FF2B5EF4-FFF2-40B4-BE49-F238E27FC236}">
+                <a16:creationId xmlns:a16="http://schemas.microsoft.com/office/drawing/2014/main" id="{6F7F3317-F56A-9E0C-B434-AF02D63FE035}"/>
+              </a:ext>
+            </a:extLst>
+          </p:cNvPr>
+          <p:cNvPicPr>
+            <a:picLocks noChangeAspect="1"/>
+          </p:cNvPicPr>
+          <p:nvPr/>
+        </p:nvPicPr>
+        <p:blipFill>
+          <a:blip r:embed="rId7">
+            <a:extLst>
+              <a:ext uri="{28A0092B-C50C-407E-A947-70E740481C1C}">
+                <a14:useLocalDpi xmlns:a14="http://schemas.microsoft.com/office/drawing/2010/main" val="0"/>
+              </a:ext>
+            </a:extLst>
+          </a:blip>
+          <a:stretch>
+            <a:fillRect/>
+          </a:stretch>
+        </p:blipFill>
+        <p:spPr>
+          <a:xfrm>
+            <a:off x="0" y="73025"/>
+            <a:ext cx="12192000" cy="6711950"/>
+          </a:xfrm>
+          <a:prstGeom prst="rect">
+            <a:avLst/>
+          </a:prstGeom>
+        </p:spPr>
+      </p:pic>
+      <p:grpSp>
+        <p:nvGrpSpPr>
+          <p:cNvPr id="61" name="Group 60">
+            <a:extLst>
+              <a:ext uri="{FF2B5EF4-FFF2-40B4-BE49-F238E27FC236}">
+                <a16:creationId xmlns:a16="http://schemas.microsoft.com/office/drawing/2014/main" id="{3F166469-B834-1831-62E1-7DC5732EB15B}"/>
+              </a:ext>
+            </a:extLst>
+          </p:cNvPr>
+          <p:cNvGrpSpPr/>
+          <p:nvPr/>
+        </p:nvGrpSpPr>
+        <p:grpSpPr>
+          <a:xfrm>
+            <a:off x="2543710" y="1301155"/>
+            <a:ext cx="6329010" cy="751237"/>
+            <a:chOff x="2543710" y="1301155"/>
+            <a:chExt cx="6329010" cy="751237"/>
+          </a:xfrm>
+        </p:grpSpPr>
+        <p:sp>
+          <p:nvSpPr>
+            <p:cNvPr id="53" name="TextBox 52">
+              <a:extLst>
+                <a:ext uri="{FF2B5EF4-FFF2-40B4-BE49-F238E27FC236}">
+                  <a16:creationId xmlns:a16="http://schemas.microsoft.com/office/drawing/2014/main" id="{BA1636A1-5EAD-4D90-87C8-D07D631298B3}"/>
+                </a:ext>
+              </a:extLst>
+            </p:cNvPr>
+            <p:cNvSpPr txBox="1"/>
+            <p:nvPr/>
+          </p:nvSpPr>
+          <p:spPr>
+            <a:xfrm>
+              <a:off x="2543710" y="1683060"/>
+              <a:ext cx="580608" cy="369332"/>
+            </a:xfrm>
+            <a:prstGeom prst="rect">
+              <a:avLst/>
+            </a:prstGeom>
+            <a:noFill/>
+          </p:spPr>
+          <p:txBody>
+            <a:bodyPr wrap="none" rtlCol="0">
+              <a:spAutoFit/>
+            </a:bodyPr>
+            <a:lstStyle/>
+            <a:p>
+              <a:r>
+                <a:rPr lang="en-GB" b="1" dirty="0">
+                  <a:solidFill>
+                    <a:srgbClr val="00B050"/>
+                  </a:solidFill>
+                </a:rPr>
+                <a:t>4ms</a:t>
+              </a:r>
+            </a:p>
+          </p:txBody>
+        </p:sp>
+        <p:sp>
+          <p:nvSpPr>
+            <p:cNvPr id="54" name="TextBox 53">
+              <a:extLst>
+                <a:ext uri="{FF2B5EF4-FFF2-40B4-BE49-F238E27FC236}">
+                  <a16:creationId xmlns:a16="http://schemas.microsoft.com/office/drawing/2014/main" id="{4BB514D1-7889-D62D-35E8-68E6B4619263}"/>
+                </a:ext>
+              </a:extLst>
+            </p:cNvPr>
+            <p:cNvSpPr txBox="1"/>
+            <p:nvPr/>
+          </p:nvSpPr>
+          <p:spPr>
+            <a:xfrm>
+              <a:off x="3913235" y="1352986"/>
+              <a:ext cx="697627" cy="369332"/>
+            </a:xfrm>
+            <a:prstGeom prst="rect">
+              <a:avLst/>
+            </a:prstGeom>
+            <a:noFill/>
+          </p:spPr>
+          <p:txBody>
+            <a:bodyPr wrap="none" rtlCol="0">
+              <a:spAutoFit/>
+            </a:bodyPr>
+            <a:lstStyle/>
+            <a:p>
+              <a:r>
+                <a:rPr lang="en-GB" b="1" dirty="0">
+                  <a:solidFill>
+                    <a:srgbClr val="00B050"/>
+                  </a:solidFill>
+                </a:rPr>
+                <a:t>29ms</a:t>
+              </a:r>
+            </a:p>
+          </p:txBody>
+        </p:sp>
+        <p:sp>
+          <p:nvSpPr>
+            <p:cNvPr id="55" name="TextBox 54">
+              <a:extLst>
+                <a:ext uri="{FF2B5EF4-FFF2-40B4-BE49-F238E27FC236}">
+                  <a16:creationId xmlns:a16="http://schemas.microsoft.com/office/drawing/2014/main" id="{31764691-7959-05B1-5973-AC300D20A249}"/>
+                </a:ext>
+              </a:extLst>
+            </p:cNvPr>
+            <p:cNvSpPr txBox="1"/>
+            <p:nvPr/>
+          </p:nvSpPr>
+          <p:spPr>
+            <a:xfrm>
+              <a:off x="8062883" y="1301155"/>
+              <a:ext cx="809837" cy="369332"/>
+            </a:xfrm>
+            <a:prstGeom prst="rect">
+              <a:avLst/>
+            </a:prstGeom>
+            <a:noFill/>
+          </p:spPr>
+          <p:txBody>
+            <a:bodyPr wrap="none" rtlCol="0">
+              <a:spAutoFit/>
+            </a:bodyPr>
+            <a:lstStyle/>
+            <a:p>
+              <a:r>
+                <a:rPr lang="en-GB" b="1" dirty="0">
+                  <a:solidFill>
+                    <a:srgbClr val="00B050"/>
+                  </a:solidFill>
+                </a:rPr>
+                <a:t>115ms</a:t>
+              </a:r>
+            </a:p>
+          </p:txBody>
+        </p:sp>
+      </p:grpSp>
+      <p:grpSp>
+        <p:nvGrpSpPr>
+          <p:cNvPr id="60" name="Group 59">
+            <a:extLst>
+              <a:ext uri="{FF2B5EF4-FFF2-40B4-BE49-F238E27FC236}">
+                <a16:creationId xmlns:a16="http://schemas.microsoft.com/office/drawing/2014/main" id="{678210F0-EAB4-4B60-5728-79A5503E418C}"/>
+              </a:ext>
+            </a:extLst>
+          </p:cNvPr>
+          <p:cNvGrpSpPr/>
+          <p:nvPr/>
+        </p:nvGrpSpPr>
+        <p:grpSpPr>
+          <a:xfrm>
+            <a:off x="1949184" y="1931028"/>
+            <a:ext cx="7730779" cy="1724593"/>
+            <a:chOff x="1949184" y="1931028"/>
+            <a:chExt cx="7730779" cy="1724593"/>
+          </a:xfrm>
+        </p:grpSpPr>
+        <p:sp>
+          <p:nvSpPr>
+            <p:cNvPr id="57" name="TextBox 56">
+              <a:extLst>
+                <a:ext uri="{FF2B5EF4-FFF2-40B4-BE49-F238E27FC236}">
+                  <a16:creationId xmlns:a16="http://schemas.microsoft.com/office/drawing/2014/main" id="{6398A709-1574-AC75-B641-03DE11255751}"/>
+                </a:ext>
+              </a:extLst>
+            </p:cNvPr>
+            <p:cNvSpPr txBox="1"/>
+            <p:nvPr/>
+          </p:nvSpPr>
+          <p:spPr>
+            <a:xfrm>
+              <a:off x="8870126" y="2713951"/>
+              <a:ext cx="809837" cy="369332"/>
+            </a:xfrm>
+            <a:prstGeom prst="rect">
+              <a:avLst/>
+            </a:prstGeom>
+            <a:noFill/>
+          </p:spPr>
+          <p:txBody>
+            <a:bodyPr wrap="none" rtlCol="0">
+              <a:spAutoFit/>
+            </a:bodyPr>
+            <a:lstStyle/>
+            <a:p>
+              <a:r>
+                <a:rPr lang="en-GB" b="1" dirty="0">
+                  <a:solidFill>
+                    <a:srgbClr val="C00000"/>
+                  </a:solidFill>
+                </a:rPr>
+                <a:t>115ms</a:t>
+              </a:r>
+            </a:p>
+          </p:txBody>
+        </p:sp>
+        <p:sp>
+          <p:nvSpPr>
+            <p:cNvPr id="58" name="TextBox 57">
+              <a:extLst>
+                <a:ext uri="{FF2B5EF4-FFF2-40B4-BE49-F238E27FC236}">
+                  <a16:creationId xmlns:a16="http://schemas.microsoft.com/office/drawing/2014/main" id="{CABEC6FB-C112-AF47-AC8A-06D3E604937B}"/>
+                </a:ext>
+              </a:extLst>
+            </p:cNvPr>
+            <p:cNvSpPr txBox="1"/>
+            <p:nvPr/>
+          </p:nvSpPr>
+          <p:spPr>
+            <a:xfrm>
+              <a:off x="3475455" y="3286289"/>
+              <a:ext cx="875561" cy="369332"/>
+            </a:xfrm>
+            <a:prstGeom prst="rect">
+              <a:avLst/>
+            </a:prstGeom>
+            <a:noFill/>
+          </p:spPr>
+          <p:txBody>
+            <a:bodyPr wrap="none" rtlCol="0">
+              <a:spAutoFit/>
+            </a:bodyPr>
+            <a:lstStyle/>
+            <a:p>
+              <a:r>
+                <a:rPr lang="en-GB" b="1" dirty="0">
+                  <a:solidFill>
+                    <a:srgbClr val="C00000"/>
+                  </a:solidFill>
+                </a:rPr>
+                <a:t>32.5ms</a:t>
+              </a:r>
+            </a:p>
+          </p:txBody>
+        </p:sp>
+        <p:sp>
+          <p:nvSpPr>
+            <p:cNvPr id="59" name="TextBox 58">
+              <a:extLst>
+                <a:ext uri="{FF2B5EF4-FFF2-40B4-BE49-F238E27FC236}">
+                  <a16:creationId xmlns:a16="http://schemas.microsoft.com/office/drawing/2014/main" id="{D27EF15A-7128-F178-EB9B-703884D5ECEA}"/>
+                </a:ext>
+              </a:extLst>
+            </p:cNvPr>
+            <p:cNvSpPr txBox="1"/>
+            <p:nvPr/>
+          </p:nvSpPr>
+          <p:spPr>
+            <a:xfrm>
+              <a:off x="1949184" y="1931028"/>
+              <a:ext cx="580608" cy="369332"/>
+            </a:xfrm>
+            <a:prstGeom prst="rect">
+              <a:avLst/>
+            </a:prstGeom>
+            <a:noFill/>
+          </p:spPr>
+          <p:txBody>
+            <a:bodyPr wrap="none" rtlCol="0">
+              <a:spAutoFit/>
+            </a:bodyPr>
+            <a:lstStyle/>
+            <a:p>
+              <a:r>
+                <a:rPr lang="en-GB" b="1" dirty="0">
+                  <a:solidFill>
+                    <a:srgbClr val="C00000"/>
+                  </a:solidFill>
+                </a:rPr>
+                <a:t>7ms</a:t>
+              </a:r>
+            </a:p>
+          </p:txBody>
+        </p:sp>
+      </p:grpSp>
+      <p:grpSp>
+        <p:nvGrpSpPr>
+          <p:cNvPr id="7" name="Group 6">
+            <a:extLst>
+              <a:ext uri="{FF2B5EF4-FFF2-40B4-BE49-F238E27FC236}">
+                <a16:creationId xmlns:a16="http://schemas.microsoft.com/office/drawing/2014/main" id="{9E452B7F-E9DE-B052-5592-16665356C3C0}"/>
+              </a:ext>
+            </a:extLst>
+          </p:cNvPr>
+          <p:cNvGrpSpPr/>
+          <p:nvPr/>
+        </p:nvGrpSpPr>
+        <p:grpSpPr>
+          <a:xfrm>
+            <a:off x="4750161" y="403632"/>
+            <a:ext cx="1969448" cy="2854578"/>
+            <a:chOff x="4750161" y="403632"/>
+            <a:chExt cx="1969448" cy="2854578"/>
+          </a:xfrm>
+        </p:grpSpPr>
+        <p:pic>
+          <p:nvPicPr>
+            <p:cNvPr id="4" name="Picture 3">
+              <a:extLst>
+                <a:ext uri="{FF2B5EF4-FFF2-40B4-BE49-F238E27FC236}">
+                  <a16:creationId xmlns:a16="http://schemas.microsoft.com/office/drawing/2014/main" id="{DC849CFB-7531-E519-E909-52DD61BDD2DC}"/>
+                </a:ext>
+              </a:extLst>
+            </p:cNvPr>
+            <p:cNvPicPr>
+              <a:picLocks noChangeAspect="1"/>
+            </p:cNvPicPr>
+            <p:nvPr/>
+          </p:nvPicPr>
+          <p:blipFill>
+            <a:blip r:embed="rId8">
+              <a:extLst>
+                <a:ext uri="{28A0092B-C50C-407E-A947-70E740481C1C}">
+                  <a14:useLocalDpi xmlns:a14="http://schemas.microsoft.com/office/drawing/2010/main" val="0"/>
+                </a:ext>
+              </a:extLst>
+            </a:blip>
+            <a:stretch>
+              <a:fillRect/>
+            </a:stretch>
+          </p:blipFill>
+          <p:spPr>
+            <a:xfrm>
+              <a:off x="5909772" y="403632"/>
+              <a:ext cx="809837" cy="809837"/>
+            </a:xfrm>
+            <a:prstGeom prst="rect">
+              <a:avLst/>
+            </a:prstGeom>
+          </p:spPr>
+        </p:pic>
+        <p:pic>
+          <p:nvPicPr>
+            <p:cNvPr id="6" name="Picture 5">
+              <a:extLst>
+                <a:ext uri="{FF2B5EF4-FFF2-40B4-BE49-F238E27FC236}">
+                  <a16:creationId xmlns:a16="http://schemas.microsoft.com/office/drawing/2014/main" id="{5454FA6B-F1D2-4A0A-A112-66605F759C25}"/>
+                </a:ext>
+              </a:extLst>
+            </p:cNvPr>
+            <p:cNvPicPr>
+              <a:picLocks noChangeAspect="1"/>
+            </p:cNvPicPr>
+            <p:nvPr/>
+          </p:nvPicPr>
+          <p:blipFill>
+            <a:blip r:embed="rId9">
+              <a:extLst>
+                <a:ext uri="{28A0092B-C50C-407E-A947-70E740481C1C}">
+                  <a14:useLocalDpi xmlns:a14="http://schemas.microsoft.com/office/drawing/2010/main" val="0"/>
+                </a:ext>
+              </a:extLst>
+            </a:blip>
+            <a:stretch>
+              <a:fillRect/>
+            </a:stretch>
+          </p:blipFill>
+          <p:spPr>
+            <a:xfrm>
+              <a:off x="4750161" y="2448373"/>
+              <a:ext cx="809837" cy="809837"/>
+            </a:xfrm>
+            <a:prstGeom prst="rect">
+              <a:avLst/>
+            </a:prstGeom>
+          </p:spPr>
+        </p:pic>
+      </p:grpSp>
+    </p:spTree>
+    <p:extLst>
+      <p:ext uri="{BB962C8B-B14F-4D97-AF65-F5344CB8AC3E}">
+        <p14:creationId xmlns:p14="http://schemas.microsoft.com/office/powerpoint/2010/main" val="4133857321"/>
+      </p:ext>
+    </p:extLst>
+  </p:cSld>
+  <p:clrMapOvr>
+    <a:masterClrMapping/>
+  </p:clrMapOvr>
+  <p:timing>
+    <p:tnLst>
+      <p:par>
+        <p:cTn id="1" dur="indefinite" restart="never" nodeType="tmRoot">
+          <p:childTnLst>
+            <p:seq concurrent="1" nextAc="seek">
+              <p:cTn id="2" dur="indefinite" nodeType="mainSeq">
+                <p:childTnLst>
+                  <p:par>
+                    <p:cTn id="3" fill="hold">
+                      <p:stCondLst>
+                        <p:cond delay="indefinite"/>
+                      </p:stCondLst>
+                      <p:childTnLst>
+                        <p:par>
+                          <p:cTn id="4" fill="hold">
+                            <p:stCondLst>
+                              <p:cond delay="0"/>
+                            </p:stCondLst>
+                            <p:childTnLst>
+                              <p:par>
+                                <p:cTn id="5" presetID="1" presetClass="entr" presetSubtype="0" fill="hold" nodeType="clickEffect">
+                                  <p:stCondLst>
+                                    <p:cond delay="0"/>
+                                  </p:stCondLst>
+                                  <p:childTnLst>
+                                    <p:set>
+                                      <p:cBhvr>
+                                        <p:cTn id="6" dur="1" fill="hold">
+                                          <p:stCondLst>
+                                            <p:cond delay="0"/>
+                                          </p:stCondLst>
+                                        </p:cTn>
+                                        <p:tgtEl>
+                                          <p:spTgt spid="50"/>
+                                        </p:tgtEl>
+                                        <p:attrNameLst>
+                                          <p:attrName>style.visibility</p:attrName>
+                                        </p:attrNameLst>
+                                      </p:cBhvr>
+                                      <p:to>
+                                        <p:strVal val="visible"/>
+                                      </p:to>
+                                    </p:set>
+                                  </p:childTnLst>
+                                </p:cTn>
+                              </p:par>
+                            </p:childTnLst>
+                          </p:cTn>
+                        </p:par>
+                      </p:childTnLst>
+                    </p:cTn>
+                  </p:par>
+                  <p:par>
+                    <p:cTn id="7" fill="hold">
+                      <p:stCondLst>
+                        <p:cond delay="indefinite"/>
+                      </p:stCondLst>
+                      <p:childTnLst>
+                        <p:par>
+                          <p:cTn id="8" fill="hold">
+                            <p:stCondLst>
+                              <p:cond delay="0"/>
+                            </p:stCondLst>
+                            <p:childTnLst>
+                              <p:par>
+                                <p:cTn id="9" presetID="1" presetClass="entr" presetSubtype="0" fill="hold" nodeType="clickEffect">
+                                  <p:stCondLst>
+                                    <p:cond delay="0"/>
+                                  </p:stCondLst>
+                                  <p:childTnLst>
+                                    <p:set>
+                                      <p:cBhvr>
+                                        <p:cTn id="10" dur="1" fill="hold">
+                                          <p:stCondLst>
+                                            <p:cond delay="0"/>
+                                          </p:stCondLst>
+                                        </p:cTn>
+                                        <p:tgtEl>
+                                          <p:spTgt spid="49"/>
+                                        </p:tgtEl>
+                                        <p:attrNameLst>
+                                          <p:attrName>style.visibility</p:attrName>
+                                        </p:attrNameLst>
+                                      </p:cBhvr>
+                                      <p:to>
+                                        <p:strVal val="visible"/>
+                                      </p:to>
+                                    </p:set>
+                                  </p:childTnLst>
+                                </p:cTn>
+                              </p:par>
+                            </p:childTnLst>
+                          </p:cTn>
+                        </p:par>
+                      </p:childTnLst>
+                    </p:cTn>
+                  </p:par>
+                  <p:par>
+                    <p:cTn id="11" fill="hold">
+                      <p:stCondLst>
+                        <p:cond delay="indefinite"/>
+                      </p:stCondLst>
+                      <p:childTnLst>
+                        <p:par>
+                          <p:cTn id="12" fill="hold">
+                            <p:stCondLst>
+                              <p:cond delay="0"/>
+                            </p:stCondLst>
+                            <p:childTnLst>
+                              <p:par>
+                                <p:cTn id="13" presetID="1" presetClass="entr" presetSubtype="0" fill="hold" nodeType="clickEffect">
+                                  <p:stCondLst>
+                                    <p:cond delay="0"/>
+                                  </p:stCondLst>
+                                  <p:childTnLst>
+                                    <p:set>
+                                      <p:cBhvr>
+                                        <p:cTn id="14" dur="1" fill="hold">
+                                          <p:stCondLst>
+                                            <p:cond delay="0"/>
+                                          </p:stCondLst>
+                                        </p:cTn>
+                                        <p:tgtEl>
+                                          <p:spTgt spid="7"/>
+                                        </p:tgtEl>
+                                        <p:attrNameLst>
+                                          <p:attrName>style.visibility</p:attrName>
+                                        </p:attrNameLst>
+                                      </p:cBhvr>
+                                      <p:to>
+                                        <p:strVal val="visible"/>
+                                      </p:to>
+                                    </p:set>
+                                  </p:childTnLst>
+                                </p:cTn>
+                              </p:par>
+                            </p:childTnLst>
+                          </p:cTn>
+                        </p:par>
+                      </p:childTnLst>
+                    </p:cTn>
+                  </p:par>
+                  <p:par>
+                    <p:cTn id="15" fill="hold">
+                      <p:stCondLst>
+                        <p:cond delay="indefinite"/>
+                      </p:stCondLst>
+                      <p:childTnLst>
+                        <p:par>
+                          <p:cTn id="16" fill="hold">
+                            <p:stCondLst>
+                              <p:cond delay="0"/>
+                            </p:stCondLst>
+                            <p:childTnLst>
+                              <p:par>
+                                <p:cTn id="17" presetID="1" presetClass="entr" presetSubtype="0" fill="hold" nodeType="clickEffect">
+                                  <p:stCondLst>
+                                    <p:cond delay="0"/>
+                                  </p:stCondLst>
+                                  <p:childTnLst>
+                                    <p:set>
+                                      <p:cBhvr>
+                                        <p:cTn id="18" dur="1" fill="hold">
+                                          <p:stCondLst>
+                                            <p:cond delay="0"/>
+                                          </p:stCondLst>
+                                        </p:cTn>
+                                        <p:tgtEl>
+                                          <p:spTgt spid="51"/>
+                                        </p:tgtEl>
+                                        <p:attrNameLst>
+                                          <p:attrName>style.visibility</p:attrName>
+                                        </p:attrNameLst>
+                                      </p:cBhvr>
+                                      <p:to>
+                                        <p:strVal val="visible"/>
+                                      </p:to>
+                                    </p:set>
+                                  </p:childTnLst>
+                                </p:cTn>
+                              </p:par>
+                            </p:childTnLst>
+                          </p:cTn>
+                        </p:par>
+                      </p:childTnLst>
+                    </p:cTn>
+                  </p:par>
+                  <p:par>
+                    <p:cTn id="19" fill="hold">
+                      <p:stCondLst>
+                        <p:cond delay="indefinite"/>
+                      </p:stCondLst>
+                      <p:childTnLst>
+                        <p:par>
+                          <p:cTn id="20" fill="hold">
+                            <p:stCondLst>
+                              <p:cond delay="0"/>
+                            </p:stCondLst>
+                            <p:childTnLst>
+                              <p:par>
+                                <p:cTn id="21" presetID="1" presetClass="entr" presetSubtype="0" fill="hold" nodeType="clickEffect">
+                                  <p:stCondLst>
+                                    <p:cond delay="0"/>
+                                  </p:stCondLst>
+                                  <p:childTnLst>
+                                    <p:set>
+                                      <p:cBhvr>
+                                        <p:cTn id="22" dur="1" fill="hold">
+                                          <p:stCondLst>
+                                            <p:cond delay="0"/>
+                                          </p:stCondLst>
+                                        </p:cTn>
+                                        <p:tgtEl>
+                                          <p:spTgt spid="60"/>
+                                        </p:tgtEl>
+                                        <p:attrNameLst>
+                                          <p:attrName>style.visibility</p:attrName>
+                                        </p:attrNameLst>
+                                      </p:cBhvr>
+                                      <p:to>
+                                        <p:strVal val="visible"/>
+                                      </p:to>
+                                    </p:set>
+                                  </p:childTnLst>
+                                </p:cTn>
+                              </p:par>
+                            </p:childTnLst>
+                          </p:cTn>
+                        </p:par>
+                      </p:childTnLst>
+                    </p:cTn>
+                  </p:par>
+                  <p:par>
+                    <p:cTn id="23" fill="hold">
+                      <p:stCondLst>
+                        <p:cond delay="indefinite"/>
+                      </p:stCondLst>
+                      <p:childTnLst>
+                        <p:par>
+                          <p:cTn id="24" fill="hold">
+                            <p:stCondLst>
+                              <p:cond delay="0"/>
+                            </p:stCondLst>
+                            <p:childTnLst>
+                              <p:par>
+                                <p:cTn id="25" presetID="1" presetClass="entr" presetSubtype="0" fill="hold" nodeType="clickEffect">
+                                  <p:stCondLst>
+                                    <p:cond delay="0"/>
+                                  </p:stCondLst>
+                                  <p:childTnLst>
+                                    <p:set>
+                                      <p:cBhvr>
+                                        <p:cTn id="26" dur="1" fill="hold">
+                                          <p:stCondLst>
+                                            <p:cond delay="0"/>
+                                          </p:stCondLst>
+                                        </p:cTn>
+                                        <p:tgtEl>
+                                          <p:spTgt spid="26"/>
+                                        </p:tgtEl>
+                                        <p:attrNameLst>
+                                          <p:attrName>style.visibility</p:attrName>
+                                        </p:attrNameLst>
+                                      </p:cBhvr>
+                                      <p:to>
+                                        <p:strVal val="visible"/>
+                                      </p:to>
+                                    </p:set>
+                                  </p:childTnLst>
+                                </p:cTn>
+                              </p:par>
+                            </p:childTnLst>
+                          </p:cTn>
+                        </p:par>
+                      </p:childTnLst>
+                    </p:cTn>
+                  </p:par>
+                  <p:par>
+                    <p:cTn id="27" fill="hold">
+                      <p:stCondLst>
+                        <p:cond delay="indefinite"/>
+                      </p:stCondLst>
+                      <p:childTnLst>
+                        <p:par>
+                          <p:cTn id="28" fill="hold">
+                            <p:stCondLst>
+                              <p:cond delay="0"/>
+                            </p:stCondLst>
+                            <p:childTnLst>
+                              <p:par>
+                                <p:cTn id="29" presetID="1" presetClass="entr" presetSubtype="0" fill="hold" nodeType="clickEffect">
+                                  <p:stCondLst>
+                                    <p:cond delay="0"/>
+                                  </p:stCondLst>
+                                  <p:childTnLst>
+                                    <p:set>
+                                      <p:cBhvr>
+                                        <p:cTn id="30" dur="1" fill="hold">
+                                          <p:stCondLst>
+                                            <p:cond delay="0"/>
+                                          </p:stCondLst>
+                                        </p:cTn>
+                                        <p:tgtEl>
+                                          <p:spTgt spid="61"/>
+                                        </p:tgtEl>
+                                        <p:attrNameLst>
+                                          <p:attrName>style.visibility</p:attrName>
+                                        </p:attrNameLst>
+                                      </p:cBhvr>
+                                      <p:to>
+                                        <p:strVal val="visible"/>
+                                      </p:to>
+                                    </p:set>
+                                  </p:childTnLst>
+                                </p:cTn>
+                              </p:par>
+                            </p:childTnLst>
+                          </p:cTn>
+                        </p:par>
+                      </p:childTnLst>
+                    </p:cTn>
+                  </p:par>
+                </p:childTnLst>
+              </p:cTn>
+              <p:prevCondLst>
+                <p:cond evt="onPrev" delay="0">
+                  <p:tgtEl>
+                    <p:sldTgt/>
+                  </p:tgtEl>
+                </p:cond>
+              </p:prevCondLst>
+              <p:nextCondLst>
+                <p:cond evt="onNext" delay="0">
+                  <p:tgtEl>
+                    <p:sldTgt/>
+                  </p:tgtEl>
+                </p:cond>
+              </p:nextCondLst>
+            </p:seq>
+          </p:childTnLst>
+        </p:cTn>
+      </p:par>
+    </p:tnLst>
+  </p:timing>
+</p:sld>
+</file>
+
+<file path=ppt/slides/slide24.xml><?xml version="1.0" encoding="utf-8"?>
+<p:sld xmlns:a="http://schemas.openxmlformats.org/drawingml/2006/main" xmlns:r="http://schemas.openxmlformats.org/officeDocument/2006/relationships" xmlns:p="http://schemas.openxmlformats.org/presentationml/2006/main">
+  <p:cSld>
+    <p:spTree>
+      <p:nvGrpSpPr>
+        <p:cNvPr id="1" name="">
+          <a:extLst>
+            <a:ext uri="{FF2B5EF4-FFF2-40B4-BE49-F238E27FC236}">
+              <a16:creationId xmlns:a16="http://schemas.microsoft.com/office/drawing/2014/main" id="{566824EF-2C20-536E-7C75-45B662495D0C}"/>
+            </a:ext>
+          </a:extLst>
+        </p:cNvPr>
+        <p:cNvGrpSpPr/>
+        <p:nvPr/>
+      </p:nvGrpSpPr>
+      <p:grpSpPr>
+        <a:xfrm>
+          <a:off x="0" y="0"/>
+          <a:ext cx="0" cy="0"/>
+          <a:chOff x="0" y="0"/>
+          <a:chExt cx="0" cy="0"/>
+        </a:xfrm>
+      </p:grpSpPr>
+      <p:grpSp>
+        <p:nvGrpSpPr>
+          <p:cNvPr id="49" name="Group 48">
+            <a:extLst>
+              <a:ext uri="{FF2B5EF4-FFF2-40B4-BE49-F238E27FC236}">
+                <a16:creationId xmlns:a16="http://schemas.microsoft.com/office/drawing/2014/main" id="{03773A6D-972C-3D89-D55F-53B832B7744C}"/>
+              </a:ext>
+            </a:extLst>
+          </p:cNvPr>
+          <p:cNvGrpSpPr/>
+          <p:nvPr/>
+        </p:nvGrpSpPr>
+        <p:grpSpPr>
+          <a:xfrm>
+            <a:off x="2735616" y="1135136"/>
+            <a:ext cx="7751297" cy="1591154"/>
+            <a:chOff x="2764472" y="836011"/>
+            <a:chExt cx="7751297" cy="1591154"/>
+          </a:xfrm>
+        </p:grpSpPr>
+        <p:pic>
+          <p:nvPicPr>
+            <p:cNvPr id="42" name="Picture 41">
+              <a:extLst>
+                <a:ext uri="{FF2B5EF4-FFF2-40B4-BE49-F238E27FC236}">
+                  <a16:creationId xmlns:a16="http://schemas.microsoft.com/office/drawing/2014/main" id="{FBE1F3C9-6E71-7CCD-0986-FA9759E43FC3}"/>
+                </a:ext>
+              </a:extLst>
+            </p:cNvPr>
+            <p:cNvPicPr>
+              <a:picLocks noChangeAspect="1"/>
+            </p:cNvPicPr>
+            <p:nvPr/>
+          </p:nvPicPr>
+          <p:blipFill>
+            <a:blip r:embed="rId2">
+              <a:extLst>
+                <a:ext uri="{28A0092B-C50C-407E-A947-70E740481C1C}">
+                  <a14:useLocalDpi xmlns:a14="http://schemas.microsoft.com/office/drawing/2010/main" val="0"/>
+                </a:ext>
+              </a:extLst>
+            </a:blip>
+            <a:stretch>
+              <a:fillRect/>
+            </a:stretch>
+          </p:blipFill>
+          <p:spPr>
+            <a:xfrm>
+              <a:off x="2764472" y="836011"/>
+              <a:ext cx="609785" cy="609785"/>
+            </a:xfrm>
+            <a:prstGeom prst="rect">
+              <a:avLst/>
+            </a:prstGeom>
+          </p:spPr>
+        </p:pic>
+        <p:pic>
+          <p:nvPicPr>
+            <p:cNvPr id="43" name="Picture 42">
+              <a:extLst>
+                <a:ext uri="{FF2B5EF4-FFF2-40B4-BE49-F238E27FC236}">
+                  <a16:creationId xmlns:a16="http://schemas.microsoft.com/office/drawing/2014/main" id="{F5AC18FD-AD85-A362-32EF-F239AC2FA5A5}"/>
+                </a:ext>
+              </a:extLst>
+            </p:cNvPr>
+            <p:cNvPicPr>
+              <a:picLocks noChangeAspect="1"/>
+            </p:cNvPicPr>
+            <p:nvPr/>
+          </p:nvPicPr>
+          <p:blipFill>
+            <a:blip r:embed="rId2">
+              <a:extLst>
+                <a:ext uri="{28A0092B-C50C-407E-A947-70E740481C1C}">
+                  <a14:useLocalDpi xmlns:a14="http://schemas.microsoft.com/office/drawing/2010/main" val="0"/>
+                </a:ext>
+              </a:extLst>
+            </a:blip>
+            <a:stretch>
+              <a:fillRect/>
+            </a:stretch>
+          </p:blipFill>
+          <p:spPr>
+            <a:xfrm>
+              <a:off x="2991511" y="1817380"/>
+              <a:ext cx="609785" cy="609785"/>
+            </a:xfrm>
+            <a:prstGeom prst="rect">
+              <a:avLst/>
+            </a:prstGeom>
+          </p:spPr>
+        </p:pic>
+        <p:pic>
+          <p:nvPicPr>
+            <p:cNvPr id="44" name="Picture 43">
+              <a:extLst>
+                <a:ext uri="{FF2B5EF4-FFF2-40B4-BE49-F238E27FC236}">
+                  <a16:creationId xmlns:a16="http://schemas.microsoft.com/office/drawing/2014/main" id="{B7F7A53B-6894-4520-ABA6-5BD210F97807}"/>
+                </a:ext>
+              </a:extLst>
+            </p:cNvPr>
+            <p:cNvPicPr>
+              <a:picLocks noChangeAspect="1"/>
+            </p:cNvPicPr>
+            <p:nvPr/>
+          </p:nvPicPr>
+          <p:blipFill>
+            <a:blip r:embed="rId2">
+              <a:extLst>
+                <a:ext uri="{28A0092B-C50C-407E-A947-70E740481C1C}">
+                  <a14:useLocalDpi xmlns:a14="http://schemas.microsoft.com/office/drawing/2010/main" val="0"/>
+                </a:ext>
+              </a:extLst>
+            </a:blip>
+            <a:stretch>
+              <a:fillRect/>
+            </a:stretch>
+          </p:blipFill>
+          <p:spPr>
+            <a:xfrm>
+              <a:off x="4619945" y="1084789"/>
+              <a:ext cx="609785" cy="609785"/>
+            </a:xfrm>
+            <a:prstGeom prst="rect">
+              <a:avLst/>
+            </a:prstGeom>
+          </p:spPr>
+        </p:pic>
+        <p:pic>
+          <p:nvPicPr>
+            <p:cNvPr id="45" name="Picture 44">
+              <a:extLst>
+                <a:ext uri="{FF2B5EF4-FFF2-40B4-BE49-F238E27FC236}">
+                  <a16:creationId xmlns:a16="http://schemas.microsoft.com/office/drawing/2014/main" id="{2B051999-DF7E-FF39-FFD0-46079167BD5F}"/>
+                </a:ext>
+              </a:extLst>
+            </p:cNvPr>
+            <p:cNvPicPr>
+              <a:picLocks noChangeAspect="1"/>
+            </p:cNvPicPr>
+            <p:nvPr/>
+          </p:nvPicPr>
+          <p:blipFill>
+            <a:blip r:embed="rId2">
+              <a:extLst>
+                <a:ext uri="{28A0092B-C50C-407E-A947-70E740481C1C}">
+                  <a14:useLocalDpi xmlns:a14="http://schemas.microsoft.com/office/drawing/2010/main" val="0"/>
+                </a:ext>
+              </a:extLst>
+            </a:blip>
+            <a:stretch>
+              <a:fillRect/>
+            </a:stretch>
+          </p:blipFill>
+          <p:spPr>
+            <a:xfrm>
+              <a:off x="9905984" y="1667380"/>
+              <a:ext cx="609785" cy="609785"/>
+            </a:xfrm>
+            <a:prstGeom prst="rect">
+              <a:avLst/>
+            </a:prstGeom>
+          </p:spPr>
+        </p:pic>
+      </p:grpSp>
+      <p:grpSp>
+        <p:nvGrpSpPr>
+          <p:cNvPr id="50" name="Group 49">
+            <a:extLst>
+              <a:ext uri="{FF2B5EF4-FFF2-40B4-BE49-F238E27FC236}">
+                <a16:creationId xmlns:a16="http://schemas.microsoft.com/office/drawing/2014/main" id="{1BBC9F90-02B8-13F6-E160-E61C854C1FF7}"/>
+              </a:ext>
+            </a:extLst>
+          </p:cNvPr>
+          <p:cNvGrpSpPr/>
+          <p:nvPr/>
+        </p:nvGrpSpPr>
+        <p:grpSpPr>
+          <a:xfrm>
+            <a:off x="1904247" y="654452"/>
+            <a:ext cx="9421958" cy="1956071"/>
+            <a:chOff x="1933103" y="581887"/>
+            <a:chExt cx="9421958" cy="1956071"/>
+          </a:xfrm>
+        </p:grpSpPr>
+        <p:pic>
+          <p:nvPicPr>
+            <p:cNvPr id="33" name="Picture 32">
+              <a:extLst>
+                <a:ext uri="{FF2B5EF4-FFF2-40B4-BE49-F238E27FC236}">
+                  <a16:creationId xmlns:a16="http://schemas.microsoft.com/office/drawing/2014/main" id="{AE8D0048-EC9D-1B1A-B6BC-B58AAABA0C6E}"/>
+                </a:ext>
+              </a:extLst>
+            </p:cNvPr>
+            <p:cNvPicPr>
+              <a:picLocks noChangeAspect="1"/>
+            </p:cNvPicPr>
+            <p:nvPr/>
+          </p:nvPicPr>
+          <p:blipFill>
+            <a:blip r:embed="rId3">
+              <a:extLst>
+                <a:ext uri="{28A0092B-C50C-407E-A947-70E740481C1C}">
+                  <a14:useLocalDpi xmlns:a14="http://schemas.microsoft.com/office/drawing/2010/main" val="0"/>
+                </a:ext>
+              </a:extLst>
+            </a:blip>
+            <a:stretch>
+              <a:fillRect/>
+            </a:stretch>
+          </p:blipFill>
+          <p:spPr>
+            <a:xfrm>
+              <a:off x="1933103" y="725220"/>
+              <a:ext cx="831369" cy="831369"/>
+            </a:xfrm>
+            <a:prstGeom prst="rect">
+              <a:avLst/>
+            </a:prstGeom>
+          </p:spPr>
+        </p:pic>
+        <p:pic>
+          <p:nvPicPr>
+            <p:cNvPr id="35" name="Picture 34">
+              <a:extLst>
+                <a:ext uri="{FF2B5EF4-FFF2-40B4-BE49-F238E27FC236}">
+                  <a16:creationId xmlns:a16="http://schemas.microsoft.com/office/drawing/2014/main" id="{55A62185-023D-C34B-C467-755C37EB5002}"/>
+                </a:ext>
+              </a:extLst>
+            </p:cNvPr>
+            <p:cNvPicPr>
+              <a:picLocks noChangeAspect="1"/>
+            </p:cNvPicPr>
+            <p:nvPr/>
+          </p:nvPicPr>
+          <p:blipFill>
+            <a:blip r:embed="rId4">
+              <a:extLst>
+                <a:ext uri="{28A0092B-C50C-407E-A947-70E740481C1C}">
+                  <a14:useLocalDpi xmlns:a14="http://schemas.microsoft.com/office/drawing/2010/main" val="0"/>
+                </a:ext>
+              </a:extLst>
+            </a:blip>
+            <a:stretch>
+              <a:fillRect/>
+            </a:stretch>
+          </p:blipFill>
+          <p:spPr>
+            <a:xfrm>
+              <a:off x="5012421" y="581887"/>
+              <a:ext cx="831369" cy="831369"/>
+            </a:xfrm>
+            <a:prstGeom prst="rect">
+              <a:avLst/>
+            </a:prstGeom>
+          </p:spPr>
+        </p:pic>
+        <p:pic>
+          <p:nvPicPr>
+            <p:cNvPr id="37" name="Picture 36">
+              <a:extLst>
+                <a:ext uri="{FF2B5EF4-FFF2-40B4-BE49-F238E27FC236}">
+                  <a16:creationId xmlns:a16="http://schemas.microsoft.com/office/drawing/2014/main" id="{33C0B012-54B2-63FA-B402-C87E31082B4A}"/>
+                </a:ext>
+              </a:extLst>
+            </p:cNvPr>
+            <p:cNvPicPr>
+              <a:picLocks noChangeAspect="1"/>
+            </p:cNvPicPr>
+            <p:nvPr/>
+          </p:nvPicPr>
+          <p:blipFill>
+            <a:blip r:embed="rId5">
+              <a:extLst>
+                <a:ext uri="{28A0092B-C50C-407E-A947-70E740481C1C}">
+                  <a14:useLocalDpi xmlns:a14="http://schemas.microsoft.com/office/drawing/2010/main" val="0"/>
+                </a:ext>
+              </a:extLst>
+            </a:blip>
+            <a:stretch>
+              <a:fillRect/>
+            </a:stretch>
+          </p:blipFill>
+          <p:spPr>
+            <a:xfrm>
+              <a:off x="3435678" y="1556589"/>
+              <a:ext cx="831369" cy="831369"/>
+            </a:xfrm>
+            <a:prstGeom prst="rect">
+              <a:avLst/>
+            </a:prstGeom>
+          </p:spPr>
+        </p:pic>
+        <p:pic>
+          <p:nvPicPr>
+            <p:cNvPr id="39" name="Picture 38">
+              <a:extLst>
+                <a:ext uri="{FF2B5EF4-FFF2-40B4-BE49-F238E27FC236}">
+                  <a16:creationId xmlns:a16="http://schemas.microsoft.com/office/drawing/2014/main" id="{6BF4BFA1-90D8-872B-C9CF-3FFF9DC4F1E2}"/>
+                </a:ext>
+              </a:extLst>
+            </p:cNvPr>
+            <p:cNvPicPr>
+              <a:picLocks noChangeAspect="1"/>
+            </p:cNvPicPr>
+            <p:nvPr/>
+          </p:nvPicPr>
+          <p:blipFill>
+            <a:blip r:embed="rId6">
+              <a:extLst>
+                <a:ext uri="{28A0092B-C50C-407E-A947-70E740481C1C}">
+                  <a14:useLocalDpi xmlns:a14="http://schemas.microsoft.com/office/drawing/2010/main" val="0"/>
+                </a:ext>
+              </a:extLst>
+            </a:blip>
+            <a:stretch>
+              <a:fillRect/>
+            </a:stretch>
+          </p:blipFill>
+          <p:spPr>
+            <a:xfrm>
+              <a:off x="10523692" y="1706589"/>
+              <a:ext cx="831369" cy="831369"/>
+            </a:xfrm>
+            <a:prstGeom prst="rect">
+              <a:avLst/>
+            </a:prstGeom>
+          </p:spPr>
+        </p:pic>
+      </p:grpSp>
+      <p:grpSp>
+        <p:nvGrpSpPr>
+          <p:cNvPr id="26" name="Group 25">
+            <a:extLst>
+              <a:ext uri="{FF2B5EF4-FFF2-40B4-BE49-F238E27FC236}">
+                <a16:creationId xmlns:a16="http://schemas.microsoft.com/office/drawing/2014/main" id="{ADFE5FD1-EBA7-AF6A-2468-13A64175F96F}"/>
+              </a:ext>
+            </a:extLst>
+          </p:cNvPr>
+          <p:cNvGrpSpPr/>
+          <p:nvPr/>
+        </p:nvGrpSpPr>
+        <p:grpSpPr>
+          <a:xfrm>
+            <a:off x="3048431" y="1538126"/>
+            <a:ext cx="7141512" cy="1185035"/>
+            <a:chOff x="3040509" y="1541255"/>
+            <a:chExt cx="7141512" cy="1185035"/>
+          </a:xfrm>
+        </p:grpSpPr>
+        <p:cxnSp>
+          <p:nvCxnSpPr>
+            <p:cNvPr id="3" name="Straight Arrow Connector 2">
+              <a:extLst>
+                <a:ext uri="{FF2B5EF4-FFF2-40B4-BE49-F238E27FC236}">
+                  <a16:creationId xmlns:a16="http://schemas.microsoft.com/office/drawing/2014/main" id="{9976D924-3689-E7EB-7E80-84EFEFD586B7}"/>
+                </a:ext>
+              </a:extLst>
+            </p:cNvPr>
+            <p:cNvCxnSpPr>
+              <a:stCxn id="42" idx="2"/>
+              <a:endCxn id="43" idx="0"/>
+            </p:cNvCxnSpPr>
+            <p:nvPr/>
+          </p:nvCxnSpPr>
+          <p:spPr>
+            <a:xfrm>
+              <a:off x="3040509" y="1744921"/>
+              <a:ext cx="227039" cy="371584"/>
+            </a:xfrm>
+            <a:prstGeom prst="straightConnector1">
+              <a:avLst/>
+            </a:prstGeom>
+            <a:ln w="76200">
+              <a:solidFill>
+                <a:srgbClr val="00B050"/>
+              </a:solidFill>
+              <a:tailEnd type="triangle"/>
+            </a:ln>
+          </p:spPr>
+          <p:style>
+            <a:lnRef idx="1">
+              <a:schemeClr val="accent1"/>
+            </a:lnRef>
+            <a:fillRef idx="0">
+              <a:schemeClr val="accent1"/>
+            </a:fillRef>
+            <a:effectRef idx="0">
+              <a:schemeClr val="accent1"/>
+            </a:effectRef>
+            <a:fontRef idx="minor">
+              <a:schemeClr val="tx1"/>
+            </a:fontRef>
+          </p:style>
+        </p:cxnSp>
+        <p:cxnSp>
+          <p:nvCxnSpPr>
+            <p:cNvPr id="11" name="Connector: Curved 10">
+              <a:extLst>
+                <a:ext uri="{FF2B5EF4-FFF2-40B4-BE49-F238E27FC236}">
+                  <a16:creationId xmlns:a16="http://schemas.microsoft.com/office/drawing/2014/main" id="{72DADE5D-1AE8-F64C-81A3-06AB7716ADE3}"/>
+                </a:ext>
+              </a:extLst>
+            </p:cNvPr>
+            <p:cNvCxnSpPr>
+              <a:cxnSpLocks/>
+              <a:stCxn id="43" idx="2"/>
+              <a:endCxn id="44" idx="1"/>
+            </p:cNvCxnSpPr>
+            <p:nvPr/>
+          </p:nvCxnSpPr>
+          <p:spPr>
+            <a:xfrm rot="5400000" flipH="1" flipV="1">
+              <a:off x="3410576" y="1545778"/>
+              <a:ext cx="1037483" cy="1323541"/>
+            </a:xfrm>
+            <a:prstGeom prst="curvedConnector4">
+              <a:avLst>
+                <a:gd name="adj1" fmla="val -22034"/>
+                <a:gd name="adj2" fmla="val 61518"/>
+              </a:avLst>
+            </a:prstGeom>
+            <a:ln w="76200">
+              <a:solidFill>
+                <a:srgbClr val="00B050"/>
+              </a:solidFill>
+              <a:tailEnd type="triangle"/>
+            </a:ln>
+          </p:spPr>
+          <p:style>
+            <a:lnRef idx="1">
+              <a:schemeClr val="accent1"/>
+            </a:lnRef>
+            <a:fillRef idx="0">
+              <a:schemeClr val="accent1"/>
+            </a:fillRef>
+            <a:effectRef idx="0">
+              <a:schemeClr val="accent1"/>
+            </a:effectRef>
+            <a:fontRef idx="minor">
+              <a:schemeClr val="tx1"/>
+            </a:fontRef>
+          </p:style>
+        </p:cxnSp>
+        <p:cxnSp>
+          <p:nvCxnSpPr>
+            <p:cNvPr id="23" name="Connector: Curved 22">
+              <a:extLst>
+                <a:ext uri="{FF2B5EF4-FFF2-40B4-BE49-F238E27FC236}">
+                  <a16:creationId xmlns:a16="http://schemas.microsoft.com/office/drawing/2014/main" id="{B00215D2-19A1-6AAB-EB49-C5AB66DA73B1}"/>
+                </a:ext>
+              </a:extLst>
+            </p:cNvPr>
+            <p:cNvCxnSpPr>
+              <a:cxnSpLocks/>
+              <a:stCxn id="45" idx="0"/>
+            </p:cNvCxnSpPr>
+            <p:nvPr/>
+          </p:nvCxnSpPr>
+          <p:spPr>
+            <a:xfrm rot="16200000" flipV="1">
+              <a:off x="7478823" y="-736694"/>
+              <a:ext cx="425250" cy="4981147"/>
+            </a:xfrm>
+            <a:prstGeom prst="curvedConnector2">
+              <a:avLst/>
+            </a:prstGeom>
+            <a:ln w="76200">
+              <a:solidFill>
+                <a:srgbClr val="00B050"/>
+              </a:solidFill>
+              <a:tailEnd type="triangle"/>
+            </a:ln>
+          </p:spPr>
+          <p:style>
+            <a:lnRef idx="1">
+              <a:schemeClr val="accent1"/>
+            </a:lnRef>
+            <a:fillRef idx="0">
+              <a:schemeClr val="accent1"/>
+            </a:fillRef>
+            <a:effectRef idx="0">
+              <a:schemeClr val="accent1"/>
+            </a:effectRef>
+            <a:fontRef idx="minor">
+              <a:schemeClr val="tx1"/>
+            </a:fontRef>
+          </p:style>
+        </p:cxnSp>
+      </p:grpSp>
+      <p:grpSp>
+        <p:nvGrpSpPr>
+          <p:cNvPr id="51" name="Group 50">
+            <a:extLst>
+              <a:ext uri="{FF2B5EF4-FFF2-40B4-BE49-F238E27FC236}">
+                <a16:creationId xmlns:a16="http://schemas.microsoft.com/office/drawing/2014/main" id="{9E88B1D6-AAD4-2C9A-4ECD-E2DE8FF8E30F}"/>
+              </a:ext>
+            </a:extLst>
+          </p:cNvPr>
+          <p:cNvGrpSpPr/>
+          <p:nvPr/>
+        </p:nvGrpSpPr>
+        <p:grpSpPr>
+          <a:xfrm>
+            <a:off x="2735615" y="1440028"/>
+            <a:ext cx="7446406" cy="1136263"/>
+            <a:chOff x="2735615" y="1440028"/>
+            <a:chExt cx="7446406" cy="1136263"/>
+          </a:xfrm>
+        </p:grpSpPr>
+        <p:cxnSp>
+          <p:nvCxnSpPr>
+            <p:cNvPr id="28" name="Connector: Curved 27">
+              <a:extLst>
+                <a:ext uri="{FF2B5EF4-FFF2-40B4-BE49-F238E27FC236}">
+                  <a16:creationId xmlns:a16="http://schemas.microsoft.com/office/drawing/2014/main" id="{83C5C9D4-0A68-84FA-678F-1F14740C800C}"/>
+                </a:ext>
+              </a:extLst>
+            </p:cNvPr>
+            <p:cNvCxnSpPr>
+              <a:cxnSpLocks/>
+              <a:stCxn id="42" idx="1"/>
+              <a:endCxn id="43" idx="1"/>
+            </p:cNvCxnSpPr>
+            <p:nvPr/>
+          </p:nvCxnSpPr>
+          <p:spPr>
+            <a:xfrm rot="10800000" flipH="1" flipV="1">
+              <a:off x="2735615" y="1440028"/>
+              <a:ext cx="227039" cy="981369"/>
+            </a:xfrm>
+            <a:prstGeom prst="curvedConnector3">
+              <a:avLst>
+                <a:gd name="adj1" fmla="val -100688"/>
+              </a:avLst>
+            </a:prstGeom>
+            <a:ln w="76200">
+              <a:solidFill>
+                <a:srgbClr val="C00000"/>
+              </a:solidFill>
+              <a:tailEnd type="triangle"/>
+            </a:ln>
+          </p:spPr>
+          <p:style>
+            <a:lnRef idx="1">
+              <a:schemeClr val="accent1"/>
+            </a:lnRef>
+            <a:fillRef idx="0">
+              <a:schemeClr val="accent1"/>
+            </a:fillRef>
+            <a:effectRef idx="0">
+              <a:schemeClr val="accent1"/>
+            </a:effectRef>
+            <a:fontRef idx="minor">
+              <a:schemeClr val="tx1"/>
+            </a:fontRef>
+          </p:style>
+        </p:cxnSp>
+        <p:cxnSp>
+          <p:nvCxnSpPr>
+            <p:cNvPr id="32" name="Connector: Curved 31">
+              <a:extLst>
+                <a:ext uri="{FF2B5EF4-FFF2-40B4-BE49-F238E27FC236}">
+                  <a16:creationId xmlns:a16="http://schemas.microsoft.com/office/drawing/2014/main" id="{0E6C869C-E41F-AAE9-CA9B-3FDF47A06720}"/>
+                </a:ext>
+              </a:extLst>
+            </p:cNvPr>
+            <p:cNvCxnSpPr>
+              <a:cxnSpLocks/>
+              <a:stCxn id="43" idx="1"/>
+              <a:endCxn id="44" idx="2"/>
+            </p:cNvCxnSpPr>
+            <p:nvPr/>
+          </p:nvCxnSpPr>
+          <p:spPr>
+            <a:xfrm rot="10800000" flipH="1">
+              <a:off x="2962654" y="1993700"/>
+              <a:ext cx="1933327" cy="427699"/>
+            </a:xfrm>
+            <a:prstGeom prst="curvedConnector4">
+              <a:avLst>
+                <a:gd name="adj1" fmla="val -8685"/>
+                <a:gd name="adj2" fmla="val -189642"/>
+              </a:avLst>
+            </a:prstGeom>
+            <a:ln w="76200">
+              <a:solidFill>
+                <a:srgbClr val="C00000"/>
+              </a:solidFill>
+              <a:tailEnd type="triangle"/>
+            </a:ln>
+          </p:spPr>
+          <p:style>
+            <a:lnRef idx="1">
+              <a:schemeClr val="accent1"/>
+            </a:lnRef>
+            <a:fillRef idx="0">
+              <a:schemeClr val="accent1"/>
+            </a:fillRef>
+            <a:effectRef idx="0">
+              <a:schemeClr val="accent1"/>
+            </a:effectRef>
+            <a:fontRef idx="minor">
+              <a:schemeClr val="tx1"/>
+            </a:fontRef>
+          </p:style>
+        </p:cxnSp>
+        <p:cxnSp>
+          <p:nvCxnSpPr>
+            <p:cNvPr id="46" name="Connector: Curved 45">
+              <a:extLst>
+                <a:ext uri="{FF2B5EF4-FFF2-40B4-BE49-F238E27FC236}">
+                  <a16:creationId xmlns:a16="http://schemas.microsoft.com/office/drawing/2014/main" id="{BBC0B154-05F1-246D-9F91-621C8FC7E73B}"/>
+                </a:ext>
+              </a:extLst>
+            </p:cNvPr>
+            <p:cNvCxnSpPr>
+              <a:cxnSpLocks/>
+              <a:stCxn id="45" idx="2"/>
+              <a:endCxn id="44" idx="2"/>
+            </p:cNvCxnSpPr>
+            <p:nvPr/>
+          </p:nvCxnSpPr>
+          <p:spPr>
+            <a:xfrm rot="5400000" flipH="1">
+              <a:off x="7247706" y="-358024"/>
+              <a:ext cx="582591" cy="5286039"/>
+            </a:xfrm>
+            <a:prstGeom prst="curvedConnector3">
+              <a:avLst>
+                <a:gd name="adj1" fmla="val -39239"/>
+              </a:avLst>
+            </a:prstGeom>
+            <a:ln w="76200">
+              <a:solidFill>
+                <a:srgbClr val="C00000"/>
+              </a:solidFill>
+              <a:tailEnd type="triangle"/>
+            </a:ln>
+          </p:spPr>
+          <p:style>
+            <a:lnRef idx="1">
+              <a:schemeClr val="accent1"/>
+            </a:lnRef>
+            <a:fillRef idx="0">
+              <a:schemeClr val="accent1"/>
+            </a:fillRef>
+            <a:effectRef idx="0">
+              <a:schemeClr val="accent1"/>
+            </a:effectRef>
+            <a:fontRef idx="minor">
+              <a:schemeClr val="tx1"/>
+            </a:fontRef>
+          </p:style>
+        </p:cxnSp>
+      </p:grpSp>
+      <p:pic>
+        <p:nvPicPr>
+          <p:cNvPr id="29" name="Picture 28">
+            <a:extLst>
+              <a:ext uri="{FF2B5EF4-FFF2-40B4-BE49-F238E27FC236}">
+                <a16:creationId xmlns:a16="http://schemas.microsoft.com/office/drawing/2014/main" id="{237BF4BD-8064-5BAE-9011-33D1DF1607FB}"/>
+              </a:ext>
+            </a:extLst>
+          </p:cNvPr>
+          <p:cNvPicPr>
+            <a:picLocks noChangeAspect="1"/>
+          </p:cNvPicPr>
+          <p:nvPr/>
+        </p:nvPicPr>
+        <p:blipFill>
+          <a:blip r:embed="rId7">
+            <a:extLst>
+              <a:ext uri="{28A0092B-C50C-407E-A947-70E740481C1C}">
+                <a14:useLocalDpi xmlns:a14="http://schemas.microsoft.com/office/drawing/2010/main" val="0"/>
+              </a:ext>
+            </a:extLst>
+          </a:blip>
+          <a:stretch>
+            <a:fillRect/>
+          </a:stretch>
+        </p:blipFill>
+        <p:spPr>
+          <a:xfrm>
+            <a:off x="0" y="73025"/>
+            <a:ext cx="12192000" cy="6711950"/>
+          </a:xfrm>
+          <a:prstGeom prst="rect">
+            <a:avLst/>
+          </a:prstGeom>
+        </p:spPr>
+      </p:pic>
+      <p:grpSp>
+        <p:nvGrpSpPr>
+          <p:cNvPr id="2" name="Group 1">
+            <a:extLst>
+              <a:ext uri="{FF2B5EF4-FFF2-40B4-BE49-F238E27FC236}">
+                <a16:creationId xmlns:a16="http://schemas.microsoft.com/office/drawing/2014/main" id="{BE15CA5B-79EA-FA54-DBF9-17A676D1DCF7}"/>
+              </a:ext>
+            </a:extLst>
+          </p:cNvPr>
+          <p:cNvGrpSpPr/>
+          <p:nvPr/>
+        </p:nvGrpSpPr>
+        <p:grpSpPr>
+          <a:xfrm>
+            <a:off x="4750161" y="403632"/>
+            <a:ext cx="1969448" cy="2854578"/>
+            <a:chOff x="4750161" y="403632"/>
+            <a:chExt cx="1969448" cy="2854578"/>
+          </a:xfrm>
+        </p:grpSpPr>
+        <p:pic>
+          <p:nvPicPr>
+            <p:cNvPr id="4" name="Picture 3">
+              <a:extLst>
+                <a:ext uri="{FF2B5EF4-FFF2-40B4-BE49-F238E27FC236}">
+                  <a16:creationId xmlns:a16="http://schemas.microsoft.com/office/drawing/2014/main" id="{8F3EBD3C-9C54-1FFD-B647-37953127FCD9}"/>
+                </a:ext>
+              </a:extLst>
+            </p:cNvPr>
+            <p:cNvPicPr>
+              <a:picLocks noChangeAspect="1"/>
+            </p:cNvPicPr>
+            <p:nvPr/>
+          </p:nvPicPr>
+          <p:blipFill>
+            <a:blip r:embed="rId8">
+              <a:extLst>
+                <a:ext uri="{28A0092B-C50C-407E-A947-70E740481C1C}">
+                  <a14:useLocalDpi xmlns:a14="http://schemas.microsoft.com/office/drawing/2010/main" val="0"/>
+                </a:ext>
+              </a:extLst>
+            </a:blip>
+            <a:stretch>
+              <a:fillRect/>
+            </a:stretch>
+          </p:blipFill>
+          <p:spPr>
+            <a:xfrm>
+              <a:off x="5909772" y="403632"/>
+              <a:ext cx="809837" cy="809837"/>
+            </a:xfrm>
+            <a:prstGeom prst="rect">
+              <a:avLst/>
+            </a:prstGeom>
+          </p:spPr>
+        </p:pic>
+        <p:pic>
+          <p:nvPicPr>
+            <p:cNvPr id="5" name="Picture 4">
+              <a:extLst>
+                <a:ext uri="{FF2B5EF4-FFF2-40B4-BE49-F238E27FC236}">
+                  <a16:creationId xmlns:a16="http://schemas.microsoft.com/office/drawing/2014/main" id="{13930E3F-EC14-FB73-FA92-093F77A6EDAB}"/>
+                </a:ext>
+              </a:extLst>
+            </p:cNvPr>
+            <p:cNvPicPr>
+              <a:picLocks noChangeAspect="1"/>
+            </p:cNvPicPr>
+            <p:nvPr/>
+          </p:nvPicPr>
+          <p:blipFill>
+            <a:blip r:embed="rId9">
+              <a:extLst>
+                <a:ext uri="{28A0092B-C50C-407E-A947-70E740481C1C}">
+                  <a14:useLocalDpi xmlns:a14="http://schemas.microsoft.com/office/drawing/2010/main" val="0"/>
+                </a:ext>
+              </a:extLst>
+            </a:blip>
+            <a:stretch>
+              <a:fillRect/>
+            </a:stretch>
+          </p:blipFill>
+          <p:spPr>
+            <a:xfrm>
+              <a:off x="4750161" y="2448373"/>
+              <a:ext cx="809837" cy="809837"/>
+            </a:xfrm>
+            <a:prstGeom prst="rect">
+              <a:avLst/>
+            </a:prstGeom>
+          </p:spPr>
+        </p:pic>
+      </p:grpSp>
+      <p:grpSp>
+        <p:nvGrpSpPr>
+          <p:cNvPr id="14" name="Group 13">
+            <a:extLst>
+              <a:ext uri="{FF2B5EF4-FFF2-40B4-BE49-F238E27FC236}">
+                <a16:creationId xmlns:a16="http://schemas.microsoft.com/office/drawing/2014/main" id="{714E4A42-FA64-7AA4-2A9D-A40204CFA2D9}"/>
+              </a:ext>
+            </a:extLst>
+          </p:cNvPr>
+          <p:cNvGrpSpPr/>
+          <p:nvPr/>
+        </p:nvGrpSpPr>
+        <p:grpSpPr>
+          <a:xfrm>
+            <a:off x="936507" y="69518"/>
+            <a:ext cx="10269823" cy="2945041"/>
+            <a:chOff x="936507" y="69518"/>
+            <a:chExt cx="10269823" cy="2945041"/>
+          </a:xfrm>
+        </p:grpSpPr>
+        <p:sp>
+          <p:nvSpPr>
+            <p:cNvPr id="9" name="Rectangle: Rounded Corners 8">
+              <a:extLst>
+                <a:ext uri="{FF2B5EF4-FFF2-40B4-BE49-F238E27FC236}">
+                  <a16:creationId xmlns:a16="http://schemas.microsoft.com/office/drawing/2014/main" id="{A964AB62-7502-6D17-4015-99A3DECB1431}"/>
+                </a:ext>
+              </a:extLst>
+            </p:cNvPr>
+            <p:cNvSpPr/>
+            <p:nvPr/>
+          </p:nvSpPr>
+          <p:spPr>
+            <a:xfrm>
+              <a:off x="10238590" y="2692022"/>
+              <a:ext cx="967740" cy="322537"/>
+            </a:xfrm>
+            <a:prstGeom prst="roundRect">
+              <a:avLst/>
+            </a:prstGeom>
+            <a:solidFill>
+              <a:schemeClr val="accent6">
+                <a:alpha val="50000"/>
+              </a:schemeClr>
+            </a:solidFill>
+            <a:ln>
+              <a:noFill/>
+            </a:ln>
+          </p:spPr>
+          <p:style>
+            <a:lnRef idx="0">
+              <a:scrgbClr r="0" g="0" b="0"/>
+            </a:lnRef>
+            <a:fillRef idx="0">
+              <a:scrgbClr r="0" g="0" b="0"/>
+            </a:fillRef>
+            <a:effectRef idx="0">
+              <a:scrgbClr r="0" g="0" b="0"/>
+            </a:effectRef>
+            <a:fontRef idx="minor">
+              <a:schemeClr val="lt1"/>
+            </a:fontRef>
+          </p:style>
+          <p:txBody>
+            <a:bodyPr rtlCol="0" anchor="ctr"/>
+            <a:lstStyle/>
+            <a:p>
+              <a:pPr algn="ctr"/>
+              <a:r>
+                <a:rPr lang="en-GB" sz="1600" b="1" dirty="0">
+                  <a:solidFill>
+                    <a:srgbClr val="00B050"/>
+                  </a:solidFill>
+                </a:rPr>
+                <a:t>AUDJPY</a:t>
+              </a:r>
+            </a:p>
+          </p:txBody>
+        </p:sp>
+        <p:sp>
+          <p:nvSpPr>
+            <p:cNvPr id="10" name="Rectangle: Rounded Corners 9">
+              <a:extLst>
+                <a:ext uri="{FF2B5EF4-FFF2-40B4-BE49-F238E27FC236}">
+                  <a16:creationId xmlns:a16="http://schemas.microsoft.com/office/drawing/2014/main" id="{0DA51A27-FF2F-728A-3EC5-4862FFA386C4}"/>
+                </a:ext>
+              </a:extLst>
+            </p:cNvPr>
+            <p:cNvSpPr/>
+            <p:nvPr/>
+          </p:nvSpPr>
+          <p:spPr>
+            <a:xfrm>
+              <a:off x="936507" y="1015622"/>
+              <a:ext cx="967740" cy="322537"/>
+            </a:xfrm>
+            <a:prstGeom prst="roundRect">
+              <a:avLst/>
+            </a:prstGeom>
+            <a:solidFill>
+              <a:schemeClr val="accent6">
+                <a:alpha val="50000"/>
+              </a:schemeClr>
+            </a:solidFill>
+            <a:ln>
+              <a:noFill/>
+            </a:ln>
+          </p:spPr>
+          <p:style>
+            <a:lnRef idx="0">
+              <a:scrgbClr r="0" g="0" b="0"/>
+            </a:lnRef>
+            <a:fillRef idx="0">
+              <a:scrgbClr r="0" g="0" b="0"/>
+            </a:fillRef>
+            <a:effectRef idx="0">
+              <a:scrgbClr r="0" g="0" b="0"/>
+            </a:effectRef>
+            <a:fontRef idx="minor">
+              <a:schemeClr val="lt1"/>
+            </a:fontRef>
+          </p:style>
+          <p:txBody>
+            <a:bodyPr rtlCol="0" anchor="ctr"/>
+            <a:lstStyle/>
+            <a:p>
+              <a:pPr algn="ctr"/>
+              <a:r>
+                <a:rPr lang="en-GB" sz="1600" b="1" dirty="0">
+                  <a:solidFill>
+                    <a:srgbClr val="00B050"/>
+                  </a:solidFill>
+                </a:rPr>
+                <a:t>USDJPY</a:t>
+              </a:r>
+            </a:p>
+          </p:txBody>
+        </p:sp>
+        <p:sp>
+          <p:nvSpPr>
+            <p:cNvPr id="13" name="Explosion: 8 Points 12">
+              <a:extLst>
+                <a:ext uri="{FF2B5EF4-FFF2-40B4-BE49-F238E27FC236}">
+                  <a16:creationId xmlns:a16="http://schemas.microsoft.com/office/drawing/2014/main" id="{0B3893E8-87FA-F4F8-93B3-E7A2A0022707}"/>
+                </a:ext>
+              </a:extLst>
+            </p:cNvPr>
+            <p:cNvSpPr/>
+            <p:nvPr/>
+          </p:nvSpPr>
+          <p:spPr>
+            <a:xfrm>
+              <a:off x="3844758" y="69518"/>
+              <a:ext cx="1885138" cy="914400"/>
+            </a:xfrm>
+            <a:prstGeom prst="irregularSeal1">
+              <a:avLst/>
+            </a:prstGeom>
+            <a:solidFill>
+              <a:schemeClr val="accent6">
+                <a:alpha val="50000"/>
+              </a:schemeClr>
+            </a:solidFill>
+            <a:ln>
+              <a:noFill/>
+            </a:ln>
+          </p:spPr>
+          <p:style>
+            <a:lnRef idx="0">
+              <a:scrgbClr r="0" g="0" b="0"/>
+            </a:lnRef>
+            <a:fillRef idx="0">
+              <a:scrgbClr r="0" g="0" b="0"/>
+            </a:fillRef>
+            <a:effectRef idx="0">
+              <a:scrgbClr r="0" g="0" b="0"/>
+            </a:effectRef>
+            <a:fontRef idx="minor">
+              <a:schemeClr val="lt1"/>
+            </a:fontRef>
+          </p:style>
+          <p:txBody>
+            <a:bodyPr rtlCol="0" anchor="ctr"/>
+            <a:lstStyle/>
+            <a:p>
+              <a:pPr algn="ctr"/>
+              <a:r>
+                <a:rPr lang="en-GB" sz="1800" b="1" dirty="0">
+                  <a:solidFill>
+                    <a:srgbClr val="00B050"/>
+                  </a:solidFill>
+                </a:rPr>
+                <a:t>AUDUSD</a:t>
+              </a:r>
+              <a:endParaRPr lang="en-GB" dirty="0"/>
+            </a:p>
+          </p:txBody>
+        </p:sp>
+      </p:grpSp>
+      <p:pic>
+        <p:nvPicPr>
+          <p:cNvPr id="16" name="Picture 15">
+            <a:extLst>
+              <a:ext uri="{FF2B5EF4-FFF2-40B4-BE49-F238E27FC236}">
+                <a16:creationId xmlns:a16="http://schemas.microsoft.com/office/drawing/2014/main" id="{A9DBE724-823F-C16D-FAAD-B6C7DA02F5F1}"/>
+              </a:ext>
+            </a:extLst>
+          </p:cNvPr>
+          <p:cNvPicPr>
+            <a:picLocks noChangeAspect="1"/>
+          </p:cNvPicPr>
+          <p:nvPr/>
+        </p:nvPicPr>
+        <p:blipFill>
+          <a:blip r:embed="rId10">
+            <a:extLst>
+              <a:ext uri="{28A0092B-C50C-407E-A947-70E740481C1C}">
+                <a14:useLocalDpi xmlns:a14="http://schemas.microsoft.com/office/drawing/2010/main" val="0"/>
+              </a:ext>
+            </a:extLst>
+          </a:blip>
+          <a:stretch>
+            <a:fillRect/>
+          </a:stretch>
+        </p:blipFill>
+        <p:spPr>
+          <a:xfrm>
+            <a:off x="5637972" y="4875356"/>
+            <a:ext cx="1854546" cy="1854546"/>
+          </a:xfrm>
+          <a:prstGeom prst="rect">
+            <a:avLst/>
+          </a:prstGeom>
+        </p:spPr>
+      </p:pic>
+    </p:spTree>
+    <p:extLst>
+      <p:ext uri="{BB962C8B-B14F-4D97-AF65-F5344CB8AC3E}">
+        <p14:creationId xmlns:p14="http://schemas.microsoft.com/office/powerpoint/2010/main" val="1113961509"/>
+      </p:ext>
+    </p:extLst>
+  </p:cSld>
+  <p:clrMapOvr>
+    <a:masterClrMapping/>
+  </p:clrMapOvr>
+  <p:timing>
+    <p:tnLst>
+      <p:par>
+        <p:cTn id="1" dur="indefinite" restart="never" nodeType="tmRoot">
+          <p:childTnLst>
+            <p:seq concurrent="1" nextAc="seek">
+              <p:cTn id="2" dur="indefinite" nodeType="mainSeq">
+                <p:childTnLst>
+                  <p:par>
+                    <p:cTn id="3" fill="hold">
+                      <p:stCondLst>
+                        <p:cond delay="indefinite"/>
+                      </p:stCondLst>
+                      <p:childTnLst>
+                        <p:par>
+                          <p:cTn id="4" fill="hold">
+                            <p:stCondLst>
+                              <p:cond delay="0"/>
+                            </p:stCondLst>
+                            <p:childTnLst>
+                              <p:par>
+                                <p:cTn id="5" presetID="1" presetClass="entr" presetSubtype="0" fill="hold" nodeType="clickEffect">
+                                  <p:stCondLst>
+                                    <p:cond delay="0"/>
+                                  </p:stCondLst>
+                                  <p:childTnLst>
+                                    <p:set>
+                                      <p:cBhvr>
+                                        <p:cTn id="6" dur="1" fill="hold">
+                                          <p:stCondLst>
+                                            <p:cond delay="0"/>
+                                          </p:stCondLst>
+                                        </p:cTn>
+                                        <p:tgtEl>
+                                          <p:spTgt spid="16"/>
+                                        </p:tgtEl>
+                                        <p:attrNameLst>
+                                          <p:attrName>style.visibility</p:attrName>
+                                        </p:attrNameLst>
+                                      </p:cBhvr>
+                                      <p:to>
+                                        <p:strVal val="visible"/>
+                                      </p:to>
+                                    </p:set>
+                                  </p:childTnLst>
+                                </p:cTn>
+                              </p:par>
+                            </p:childTnLst>
+                          </p:cTn>
+                        </p:par>
+                      </p:childTnLst>
+                    </p:cTn>
+                  </p:par>
+                  <p:par>
+                    <p:cTn id="7" fill="hold">
+                      <p:stCondLst>
+                        <p:cond delay="indefinite"/>
+                      </p:stCondLst>
+                      <p:childTnLst>
+                        <p:par>
+                          <p:cTn id="8" fill="hold">
+                            <p:stCondLst>
+                              <p:cond delay="0"/>
+                            </p:stCondLst>
+                            <p:childTnLst>
+                              <p:par>
+                                <p:cTn id="9" presetID="1" presetClass="entr" presetSubtype="0" fill="hold" nodeType="clickEffect">
+                                  <p:stCondLst>
+                                    <p:cond delay="0"/>
+                                  </p:stCondLst>
+                                  <p:childTnLst>
+                                    <p:set>
+                                      <p:cBhvr>
+                                        <p:cTn id="10" dur="1" fill="hold">
+                                          <p:stCondLst>
+                                            <p:cond delay="0"/>
+                                          </p:stCondLst>
+                                        </p:cTn>
+                                        <p:tgtEl>
+                                          <p:spTgt spid="14"/>
+                                        </p:tgtEl>
+                                        <p:attrNameLst>
+                                          <p:attrName>style.visibility</p:attrName>
+                                        </p:attrNameLst>
+                                      </p:cBhvr>
+                                      <p:to>
+                                        <p:strVal val="visible"/>
+                                      </p:to>
+                                    </p:set>
+                                  </p:childTnLst>
+                                </p:cTn>
+                              </p:par>
+                            </p:childTnLst>
+                          </p:cTn>
+                        </p:par>
+                      </p:childTnLst>
+                    </p:cTn>
+                  </p:par>
+                </p:childTnLst>
+              </p:cTn>
+              <p:prevCondLst>
+                <p:cond evt="onPrev" delay="0">
+                  <p:tgtEl>
+                    <p:sldTgt/>
+                  </p:tgtEl>
+                </p:cond>
+              </p:prevCondLst>
+              <p:nextCondLst>
+                <p:cond evt="onNext" delay="0">
+                  <p:tgtEl>
+                    <p:sldTgt/>
+                  </p:tgtEl>
+                </p:cond>
+              </p:nextCondLst>
+            </p:seq>
+          </p:childTnLst>
+        </p:cTn>
+      </p:par>
+    </p:tnLst>
+  </p:timing>
+</p:sld>
+</file>
+
+<file path=ppt/slides/slide25.xml><?xml version="1.0" encoding="utf-8"?>
+<p:sld xmlns:a="http://schemas.openxmlformats.org/drawingml/2006/main" xmlns:r="http://schemas.openxmlformats.org/officeDocument/2006/relationships" xmlns:p="http://schemas.openxmlformats.org/presentationml/2006/main">
+  <p:cSld>
+    <p:spTree>
+      <p:nvGrpSpPr>
+        <p:cNvPr id="1" name="">
+          <a:extLst>
+            <a:ext uri="{FF2B5EF4-FFF2-40B4-BE49-F238E27FC236}">
+              <a16:creationId xmlns:a16="http://schemas.microsoft.com/office/drawing/2014/main" id="{FCA81726-9AD6-1BBF-6266-1DF5B69C0186}"/>
+            </a:ext>
+          </a:extLst>
+        </p:cNvPr>
+        <p:cNvGrpSpPr/>
+        <p:nvPr/>
+      </p:nvGrpSpPr>
+      <p:grpSpPr>
+        <a:xfrm>
+          <a:off x="0" y="0"/>
+          <a:ext cx="0" cy="0"/>
+          <a:chOff x="0" y="0"/>
+          <a:chExt cx="0" cy="0"/>
+        </a:xfrm>
+      </p:grpSpPr>
+      <p:sp>
+        <p:nvSpPr>
+          <p:cNvPr id="2" name="Title 1">
+            <a:extLst>
+              <a:ext uri="{FF2B5EF4-FFF2-40B4-BE49-F238E27FC236}">
+                <a16:creationId xmlns:a16="http://schemas.microsoft.com/office/drawing/2014/main" id="{9D9415F1-7060-0BE0-BE36-18430009B032}"/>
+              </a:ext>
+            </a:extLst>
+          </p:cNvPr>
+          <p:cNvSpPr>
+            <a:spLocks noGrp="1"/>
+          </p:cNvSpPr>
+          <p:nvPr>
+            <p:ph type="title"/>
+          </p:nvPr>
+        </p:nvSpPr>
+        <p:spPr>
+          <a:xfrm>
+            <a:off x="838200" y="365126"/>
+            <a:ext cx="10515600" cy="856964"/>
+          </a:xfrm>
+        </p:spPr>
+        <p:txBody>
+          <a:bodyPr/>
+          <a:lstStyle/>
+          <a:p>
+            <a:r>
+              <a:rPr lang="en-GB" dirty="0">
+                <a:latin typeface="Arial Black" panose="020B0A04020102020204" pitchFamily="34" charset="0"/>
+              </a:rPr>
+              <a:t>What is BBG used for?</a:t>
+            </a:r>
+          </a:p>
+        </p:txBody>
+      </p:sp>
+      <p:sp>
+        <p:nvSpPr>
+          <p:cNvPr id="6" name="Content Placeholder 5">
+            <a:extLst>
+              <a:ext uri="{FF2B5EF4-FFF2-40B4-BE49-F238E27FC236}">
+                <a16:creationId xmlns:a16="http://schemas.microsoft.com/office/drawing/2014/main" id="{6A2151AF-0E81-5F13-0A5E-48C9E5A8CF4E}"/>
+              </a:ext>
+            </a:extLst>
+          </p:cNvPr>
+          <p:cNvSpPr>
+            <a:spLocks noGrp="1"/>
+          </p:cNvSpPr>
+          <p:nvPr>
+            <p:ph idx="1"/>
+          </p:nvPr>
+        </p:nvSpPr>
+        <p:spPr>
+          <a:xfrm>
+            <a:off x="838200" y="1274093"/>
+            <a:ext cx="10515600" cy="4902870"/>
+          </a:xfrm>
+        </p:spPr>
+        <p:txBody>
+          <a:bodyPr>
+            <a:normAutofit/>
+          </a:bodyPr>
+          <a:lstStyle/>
+          <a:p>
+            <a:r>
+              <a:rPr lang="en-GB" dirty="0"/>
+              <a:t>IB / News</a:t>
+            </a:r>
+          </a:p>
+          <a:p>
+            <a:r>
+              <a:rPr lang="en-GB" dirty="0"/>
+              <a:t>Graphs</a:t>
+            </a:r>
+          </a:p>
+          <a:p>
+            <a:r>
+              <a:rPr lang="en-GB" dirty="0"/>
+              <a:t>Trade Amendments (claw-back / price adjustment)</a:t>
+            </a:r>
+          </a:p>
+          <a:p>
+            <a:r>
+              <a:rPr lang="en-GB" dirty="0"/>
+              <a:t>EFP</a:t>
+            </a:r>
+          </a:p>
+          <a:p>
+            <a:r>
+              <a:rPr lang="en-GB" dirty="0" err="1"/>
+              <a:t>BQuant</a:t>
+            </a:r>
+            <a:endParaRPr lang="en-GB" dirty="0"/>
+          </a:p>
+        </p:txBody>
+      </p:sp>
+    </p:spTree>
+    <p:extLst>
+      <p:ext uri="{BB962C8B-B14F-4D97-AF65-F5344CB8AC3E}">
+        <p14:creationId xmlns:p14="http://schemas.microsoft.com/office/powerpoint/2010/main" val="3023984370"/>
+      </p:ext>
+    </p:extLst>
+  </p:cSld>
+  <p:clrMapOvr>
+    <a:masterClrMapping/>
+  </p:clrMapOvr>
+</p:sld>
+</file>
+
+<file path=ppt/slides/slide26.xml><?xml version="1.0" encoding="utf-8"?>
+<p:sld xmlns:a="http://schemas.openxmlformats.org/drawingml/2006/main" xmlns:r="http://schemas.openxmlformats.org/officeDocument/2006/relationships" xmlns:p="http://schemas.openxmlformats.org/presentationml/2006/main">
+  <p:cSld>
+    <p:spTree>
+      <p:nvGrpSpPr>
+        <p:cNvPr id="1" name="">
+          <a:extLst>
+            <a:ext uri="{FF2B5EF4-FFF2-40B4-BE49-F238E27FC236}">
+              <a16:creationId xmlns:a16="http://schemas.microsoft.com/office/drawing/2014/main" id="{A143BB4F-36C7-B83E-47E6-C70082FAE580}"/>
+            </a:ext>
+          </a:extLst>
+        </p:cNvPr>
+        <p:cNvGrpSpPr/>
+        <p:nvPr/>
+      </p:nvGrpSpPr>
+      <p:grpSpPr>
+        <a:xfrm>
+          <a:off x="0" y="0"/>
+          <a:ext cx="0" cy="0"/>
+          <a:chOff x="0" y="0"/>
+          <a:chExt cx="0" cy="0"/>
+        </a:xfrm>
+      </p:grpSpPr>
+      <p:sp>
+        <p:nvSpPr>
+          <p:cNvPr id="2" name="Title 1">
+            <a:extLst>
+              <a:ext uri="{FF2B5EF4-FFF2-40B4-BE49-F238E27FC236}">
+                <a16:creationId xmlns:a16="http://schemas.microsoft.com/office/drawing/2014/main" id="{D60CAD01-BDD1-EA1F-8702-6568B0312CA2}"/>
+              </a:ext>
+            </a:extLst>
+          </p:cNvPr>
+          <p:cNvSpPr>
+            <a:spLocks noGrp="1"/>
+          </p:cNvSpPr>
+          <p:nvPr>
+            <p:ph type="title"/>
+          </p:nvPr>
+        </p:nvSpPr>
+        <p:spPr>
+          <a:xfrm>
+            <a:off x="838200" y="365126"/>
+            <a:ext cx="10515600" cy="856964"/>
+          </a:xfrm>
+        </p:spPr>
+        <p:txBody>
+          <a:bodyPr/>
+          <a:lstStyle/>
+          <a:p>
+            <a:r>
+              <a:rPr lang="en-GB" dirty="0">
+                <a:latin typeface="Arial Black" panose="020B0A04020102020204" pitchFamily="34" charset="0"/>
+              </a:rPr>
+              <a:t>Other Client Offerings</a:t>
+            </a:r>
+          </a:p>
+        </p:txBody>
+      </p:sp>
+      <p:sp>
+        <p:nvSpPr>
+          <p:cNvPr id="6" name="Content Placeholder 5">
+            <a:extLst>
+              <a:ext uri="{FF2B5EF4-FFF2-40B4-BE49-F238E27FC236}">
+                <a16:creationId xmlns:a16="http://schemas.microsoft.com/office/drawing/2014/main" id="{1B2A7DE8-E9EF-D6A1-1035-6AF60127CBC2}"/>
+              </a:ext>
+            </a:extLst>
+          </p:cNvPr>
+          <p:cNvSpPr>
+            <a:spLocks noGrp="1"/>
+          </p:cNvSpPr>
+          <p:nvPr>
+            <p:ph idx="1"/>
+          </p:nvPr>
+        </p:nvSpPr>
+        <p:spPr>
+          <a:xfrm>
+            <a:off x="838200" y="1274093"/>
+            <a:ext cx="10515600" cy="4902870"/>
+          </a:xfrm>
+        </p:spPr>
+        <p:txBody>
+          <a:bodyPr/>
+          <a:lstStyle/>
+          <a:p>
+            <a:r>
+              <a:rPr lang="en-GB" dirty="0"/>
+              <a:t>Direct Market Access (DMA)</a:t>
+            </a:r>
+          </a:p>
+          <a:p>
+            <a:r>
+              <a:rPr lang="en-GB" dirty="0"/>
+              <a:t>Trading Analytics</a:t>
+            </a:r>
+          </a:p>
+          <a:p>
+            <a:r>
+              <a:rPr lang="en-GB" dirty="0"/>
+              <a:t>Algorithmic Strategies</a:t>
+            </a:r>
+          </a:p>
+          <a:p>
+            <a:pPr lvl="1"/>
+            <a:r>
+              <a:rPr lang="en-GB" dirty="0"/>
+              <a:t>Passive / Iceberg</a:t>
+            </a:r>
+          </a:p>
+          <a:p>
+            <a:pPr lvl="1"/>
+            <a:r>
+              <a:rPr lang="en-GB" dirty="0"/>
+              <a:t>Time- / Volume-based</a:t>
+            </a:r>
+          </a:p>
+          <a:p>
+            <a:pPr lvl="1"/>
+            <a:r>
+              <a:rPr lang="en-GB" dirty="0"/>
+              <a:t>Opportunistic - Guerrilla, Sniper</a:t>
+            </a:r>
+          </a:p>
+          <a:p>
+            <a:pPr lvl="1"/>
+            <a:r>
+              <a:rPr lang="en-GB" dirty="0"/>
+              <a:t>Hybrid - Float-Guerrilla, Float Sniper, Price Inline</a:t>
+            </a:r>
+          </a:p>
+          <a:p>
+            <a:pPr lvl="1"/>
+            <a:r>
+              <a:rPr lang="en-GB" dirty="0">
+                <a:hlinkClick r:id="rId2"/>
+              </a:rPr>
+              <a:t>https://www.credit-suisse.com/media/ib/docs/investment-banking/client-offering/aes-strategy-guide-and-attestation-equities.pdf</a:t>
+            </a:r>
+            <a:endParaRPr lang="en-GB" dirty="0"/>
+          </a:p>
+          <a:p>
+            <a:endParaRPr lang="en-GB" dirty="0"/>
+          </a:p>
+        </p:txBody>
+      </p:sp>
+    </p:spTree>
+    <p:extLst>
+      <p:ext uri="{BB962C8B-B14F-4D97-AF65-F5344CB8AC3E}">
+        <p14:creationId xmlns:p14="http://schemas.microsoft.com/office/powerpoint/2010/main" val="358853458"/>
+      </p:ext>
+    </p:extLst>
+  </p:cSld>
+  <p:clrMapOvr>
+    <a:masterClrMapping/>
+  </p:clrMapOvr>
+</p:sld>
+</file>
+
+<file path=ppt/slides/slide3.xml><?xml version="1.0" encoding="utf-8"?>
 <p:sld xmlns:a="http://schemas.openxmlformats.org/drawingml/2006/main" xmlns:r="http://schemas.openxmlformats.org/officeDocument/2006/relationships" xmlns:p="http://schemas.openxmlformats.org/presentationml/2006/main">
   <p:cSld>
     <p:spTree>
@@ -6175,2833 +9963,7 @@
 </p:sld>
 </file>
 
-<file path=ppt/slides/slide20.xml><?xml version="1.0" encoding="utf-8"?>
-<p:sld xmlns:a="http://schemas.openxmlformats.org/drawingml/2006/main" xmlns:r="http://schemas.openxmlformats.org/officeDocument/2006/relationships" xmlns:p="http://schemas.openxmlformats.org/presentationml/2006/main">
-  <p:cSld>
-    <p:spTree>
-      <p:nvGrpSpPr>
-        <p:cNvPr id="1" name="">
-          <a:extLst>
-            <a:ext uri="{FF2B5EF4-FFF2-40B4-BE49-F238E27FC236}">
-              <a16:creationId xmlns:a16="http://schemas.microsoft.com/office/drawing/2014/main" id="{6DE0BC3A-3C65-630C-6E60-5F772452F53E}"/>
-            </a:ext>
-          </a:extLst>
-        </p:cNvPr>
-        <p:cNvGrpSpPr/>
-        <p:nvPr/>
-      </p:nvGrpSpPr>
-      <p:grpSpPr>
-        <a:xfrm>
-          <a:off x="0" y="0"/>
-          <a:ext cx="0" cy="0"/>
-          <a:chOff x="0" y="0"/>
-          <a:chExt cx="0" cy="0"/>
-        </a:xfrm>
-      </p:grpSpPr>
-      <p:sp>
-        <p:nvSpPr>
-          <p:cNvPr id="2" name="Title 1">
-            <a:extLst>
-              <a:ext uri="{FF2B5EF4-FFF2-40B4-BE49-F238E27FC236}">
-                <a16:creationId xmlns:a16="http://schemas.microsoft.com/office/drawing/2014/main" id="{9E6A6D5A-0873-F6A8-C85A-6A57D6794E40}"/>
-              </a:ext>
-            </a:extLst>
-          </p:cNvPr>
-          <p:cNvSpPr>
-            <a:spLocks noGrp="1"/>
-          </p:cNvSpPr>
-          <p:nvPr>
-            <p:ph type="title"/>
-          </p:nvPr>
-        </p:nvSpPr>
-        <p:spPr>
-          <a:xfrm>
-            <a:off x="838200" y="365126"/>
-            <a:ext cx="10515600" cy="856964"/>
-          </a:xfrm>
-        </p:spPr>
-        <p:txBody>
-          <a:bodyPr/>
-          <a:lstStyle/>
-          <a:p>
-            <a:r>
-              <a:rPr lang="en-GB" dirty="0">
-                <a:latin typeface="Arial Black" panose="020B0A04020102020204" pitchFamily="34" charset="0"/>
-              </a:rPr>
-              <a:t>c = f($)</a:t>
-            </a:r>
-          </a:p>
-        </p:txBody>
-      </p:sp>
-      <p:graphicFrame>
-        <p:nvGraphicFramePr>
-          <p:cNvPr id="4" name="Content Placeholder 3">
-            <a:extLst>
-              <a:ext uri="{FF2B5EF4-FFF2-40B4-BE49-F238E27FC236}">
-                <a16:creationId xmlns:a16="http://schemas.microsoft.com/office/drawing/2014/main" id="{FE57AD11-3D3C-6E7A-5466-E61821FFB053}"/>
-              </a:ext>
-            </a:extLst>
-          </p:cNvPr>
-          <p:cNvGraphicFramePr>
-            <a:graphicFrameLocks noGrp="1"/>
-          </p:cNvGraphicFramePr>
-          <p:nvPr>
-            <p:ph idx="1"/>
-          </p:nvPr>
-        </p:nvGraphicFramePr>
-        <p:xfrm>
-          <a:off x="3105422" y="1842960"/>
-          <a:ext cx="5981157" cy="3708400"/>
-        </p:xfrm>
-        <a:graphic>
-          <a:graphicData uri="http://schemas.openxmlformats.org/drawingml/2006/table">
-            <a:tbl>
-              <a:tblPr firstRow="1" bandRow="1">
-                <a:tableStyleId>{5C22544A-7EE6-4342-B048-85BDC9FD1C3A}</a:tableStyleId>
-              </a:tblPr>
-              <a:tblGrid>
-                <a:gridCol w="3505199">
-                  <a:extLst>
-                    <a:ext uri="{9D8B030D-6E8A-4147-A177-3AD203B41FA5}">
-                      <a16:colId xmlns:a16="http://schemas.microsoft.com/office/drawing/2014/main" val="3710820437"/>
-                    </a:ext>
-                  </a:extLst>
-                </a:gridCol>
-                <a:gridCol w="2475958">
-                  <a:extLst>
-                    <a:ext uri="{9D8B030D-6E8A-4147-A177-3AD203B41FA5}">
-                      <a16:colId xmlns:a16="http://schemas.microsoft.com/office/drawing/2014/main" val="3098294199"/>
-                    </a:ext>
-                  </a:extLst>
-                </a:gridCol>
-              </a:tblGrid>
-              <a:tr h="370840">
-                <a:tc>
-                  <a:txBody>
-                    <a:bodyPr/>
-                    <a:lstStyle/>
-                    <a:p>
-                      <a:pPr algn="l"/>
-                      <a:r>
-                        <a:rPr lang="en-GB" dirty="0"/>
-                        <a:t>End Points</a:t>
-                      </a:r>
-                    </a:p>
-                  </a:txBody>
-                  <a:tcPr/>
-                </a:tc>
-                <a:tc>
-                  <a:txBody>
-                    <a:bodyPr/>
-                    <a:lstStyle/>
-                    <a:p>
-                      <a:pPr algn="l"/>
-                      <a:r>
-                        <a:rPr lang="en-GB" dirty="0"/>
-                        <a:t>Latency Round Trip </a:t>
-                      </a:r>
-                      <a:r>
-                        <a:rPr lang="en-GB" dirty="0" err="1"/>
-                        <a:t>ms</a:t>
-                      </a:r>
-                      <a:endParaRPr lang="en-GB" dirty="0"/>
-                    </a:p>
-                  </a:txBody>
-                  <a:tcPr/>
-                </a:tc>
-                <a:extLst>
-                  <a:ext uri="{0D108BD9-81ED-4DB2-BD59-A6C34878D82A}">
-                    <a16:rowId xmlns:a16="http://schemas.microsoft.com/office/drawing/2014/main" val="833069339"/>
-                  </a:ext>
-                </a:extLst>
-              </a:tr>
-              <a:tr h="370840">
-                <a:tc>
-                  <a:txBody>
-                    <a:bodyPr/>
-                    <a:lstStyle/>
-                    <a:p>
-                      <a:pPr algn="l"/>
-                      <a:r>
-                        <a:rPr lang="en-GB" dirty="0"/>
-                        <a:t>Chicago to New York (Cable)</a:t>
-                      </a:r>
-                    </a:p>
-                  </a:txBody>
-                  <a:tcPr/>
-                </a:tc>
-                <a:tc>
-                  <a:txBody>
-                    <a:bodyPr/>
-                    <a:lstStyle/>
-                    <a:p>
-                      <a:pPr algn="l"/>
-                      <a:r>
-                        <a:rPr lang="en-GB" dirty="0"/>
-                        <a:t>14.1</a:t>
-                      </a:r>
-                    </a:p>
-                  </a:txBody>
-                  <a:tcPr/>
-                </a:tc>
-                <a:extLst>
-                  <a:ext uri="{0D108BD9-81ED-4DB2-BD59-A6C34878D82A}">
-                    <a16:rowId xmlns:a16="http://schemas.microsoft.com/office/drawing/2014/main" val="2231763523"/>
-                  </a:ext>
-                </a:extLst>
-              </a:tr>
-              <a:tr h="370840">
-                <a:tc>
-                  <a:txBody>
-                    <a:bodyPr/>
-                    <a:lstStyle/>
-                    <a:p>
-                      <a:pPr marL="0" marR="0" lvl="0" indent="0" algn="l" defTabSz="914400" rtl="0" eaLnBrk="1" fontAlgn="auto" latinLnBrk="0" hangingPunct="1">
-                        <a:lnSpc>
-                          <a:spcPct val="100000"/>
-                        </a:lnSpc>
-                        <a:spcBef>
-                          <a:spcPts val="0"/>
-                        </a:spcBef>
-                        <a:spcAft>
-                          <a:spcPts val="0"/>
-                        </a:spcAft>
-                        <a:buClrTx/>
-                        <a:buSzTx/>
-                        <a:buFontTx/>
-                        <a:buNone/>
-                        <a:tabLst/>
-                        <a:defRPr/>
-                      </a:pPr>
-                      <a:r>
-                        <a:rPr lang="en-GB" dirty="0"/>
-                        <a:t>Chicago to New York (Microwave)</a:t>
-                      </a:r>
-                    </a:p>
-                  </a:txBody>
-                  <a:tcPr/>
-                </a:tc>
-                <a:tc>
-                  <a:txBody>
-                    <a:bodyPr/>
-                    <a:lstStyle/>
-                    <a:p>
-                      <a:pPr algn="l"/>
-                      <a:r>
-                        <a:rPr lang="en-GB" dirty="0"/>
-                        <a:t>8.2</a:t>
-                      </a:r>
-                    </a:p>
-                  </a:txBody>
-                  <a:tcPr/>
-                </a:tc>
-                <a:extLst>
-                  <a:ext uri="{0D108BD9-81ED-4DB2-BD59-A6C34878D82A}">
-                    <a16:rowId xmlns:a16="http://schemas.microsoft.com/office/drawing/2014/main" val="754737342"/>
-                  </a:ext>
-                </a:extLst>
-              </a:tr>
-              <a:tr h="370840">
-                <a:tc>
-                  <a:txBody>
-                    <a:bodyPr/>
-                    <a:lstStyle/>
-                    <a:p>
-                      <a:pPr algn="l"/>
-                      <a:r>
-                        <a:rPr lang="en-GB" dirty="0" err="1"/>
-                        <a:t>Hiberia</a:t>
-                      </a:r>
-                      <a:r>
-                        <a:rPr lang="en-GB" dirty="0"/>
-                        <a:t> Global Financial Network</a:t>
-                      </a:r>
-                    </a:p>
-                  </a:txBody>
-                  <a:tcPr/>
-                </a:tc>
-                <a:tc>
-                  <a:txBody>
-                    <a:bodyPr/>
-                    <a:lstStyle/>
-                    <a:p>
-                      <a:pPr algn="l"/>
-                      <a:r>
-                        <a:rPr lang="en-GB" dirty="0"/>
-                        <a:t>65.5</a:t>
-                      </a:r>
-                    </a:p>
-                  </a:txBody>
-                  <a:tcPr/>
-                </a:tc>
-                <a:extLst>
-                  <a:ext uri="{0D108BD9-81ED-4DB2-BD59-A6C34878D82A}">
-                    <a16:rowId xmlns:a16="http://schemas.microsoft.com/office/drawing/2014/main" val="3948544103"/>
-                  </a:ext>
-                </a:extLst>
-              </a:tr>
-              <a:tr h="370840">
-                <a:tc>
-                  <a:txBody>
-                    <a:bodyPr/>
-                    <a:lstStyle/>
-                    <a:p>
-                      <a:pPr algn="l"/>
-                      <a:r>
-                        <a:rPr lang="en-GB" dirty="0" err="1"/>
-                        <a:t>Hiberia</a:t>
-                      </a:r>
-                      <a:r>
-                        <a:rPr lang="en-GB" dirty="0"/>
-                        <a:t> Express</a:t>
-                      </a:r>
-                    </a:p>
-                  </a:txBody>
-                  <a:tcPr/>
-                </a:tc>
-                <a:tc>
-                  <a:txBody>
-                    <a:bodyPr/>
-                    <a:lstStyle/>
-                    <a:p>
-                      <a:pPr algn="l"/>
-                      <a:r>
-                        <a:rPr lang="en-GB" dirty="0"/>
-                        <a:t>58.8</a:t>
-                      </a:r>
-                    </a:p>
-                  </a:txBody>
-                  <a:tcPr/>
-                </a:tc>
-                <a:extLst>
-                  <a:ext uri="{0D108BD9-81ED-4DB2-BD59-A6C34878D82A}">
-                    <a16:rowId xmlns:a16="http://schemas.microsoft.com/office/drawing/2014/main" val="1749173547"/>
-                  </a:ext>
-                </a:extLst>
-              </a:tr>
-              <a:tr h="370840">
-                <a:tc>
-                  <a:txBody>
-                    <a:bodyPr/>
-                    <a:lstStyle/>
-                    <a:p>
-                      <a:pPr algn="l"/>
-                      <a:r>
-                        <a:rPr lang="en-GB" dirty="0"/>
-                        <a:t>London &lt;-&gt; Tokyo</a:t>
-                      </a:r>
-                    </a:p>
-                  </a:txBody>
-                  <a:tcPr/>
-                </a:tc>
-                <a:tc>
-                  <a:txBody>
-                    <a:bodyPr/>
-                    <a:lstStyle/>
-                    <a:p>
-                      <a:pPr algn="l"/>
-                      <a:r>
-                        <a:rPr lang="en-GB" dirty="0"/>
-                        <a:t>230</a:t>
-                      </a:r>
-                    </a:p>
-                  </a:txBody>
-                  <a:tcPr/>
-                </a:tc>
-                <a:extLst>
-                  <a:ext uri="{0D108BD9-81ED-4DB2-BD59-A6C34878D82A}">
-                    <a16:rowId xmlns:a16="http://schemas.microsoft.com/office/drawing/2014/main" val="913286744"/>
-                  </a:ext>
-                </a:extLst>
-              </a:tr>
-              <a:tr h="370840">
-                <a:tc>
-                  <a:txBody>
-                    <a:bodyPr/>
-                    <a:lstStyle/>
-                    <a:p>
-                      <a:pPr marL="0" marR="0" lvl="0" indent="0" algn="l" defTabSz="914400" rtl="0" eaLnBrk="1" fontAlgn="auto" latinLnBrk="0" hangingPunct="1">
-                        <a:lnSpc>
-                          <a:spcPct val="100000"/>
-                        </a:lnSpc>
-                        <a:spcBef>
-                          <a:spcPts val="0"/>
-                        </a:spcBef>
-                        <a:spcAft>
-                          <a:spcPts val="0"/>
-                        </a:spcAft>
-                        <a:buClrTx/>
-                        <a:buSzTx/>
-                        <a:buFontTx/>
-                        <a:buNone/>
-                        <a:tabLst/>
-                        <a:defRPr/>
-                      </a:pPr>
-                      <a:r>
-                        <a:rPr lang="en-GB" dirty="0"/>
-                        <a:t>London &lt;-&gt; Tokyo (via Atlantic)</a:t>
-                      </a:r>
-                    </a:p>
-                  </a:txBody>
-                  <a:tcPr/>
-                </a:tc>
-                <a:tc>
-                  <a:txBody>
-                    <a:bodyPr/>
-                    <a:lstStyle/>
-                    <a:p>
-                      <a:pPr algn="l"/>
-                      <a:r>
-                        <a:rPr lang="en-GB" dirty="0"/>
-                        <a:t>170</a:t>
-                      </a:r>
-                    </a:p>
-                  </a:txBody>
-                  <a:tcPr/>
-                </a:tc>
-                <a:extLst>
-                  <a:ext uri="{0D108BD9-81ED-4DB2-BD59-A6C34878D82A}">
-                    <a16:rowId xmlns:a16="http://schemas.microsoft.com/office/drawing/2014/main" val="1705750217"/>
-                  </a:ext>
-                </a:extLst>
-              </a:tr>
-              <a:tr h="370840">
-                <a:tc>
-                  <a:txBody>
-                    <a:bodyPr/>
-                    <a:lstStyle/>
-                    <a:p>
-                      <a:pPr algn="l"/>
-                      <a:r>
-                        <a:rPr lang="en-GB" dirty="0"/>
-                        <a:t>Google</a:t>
-                      </a:r>
-                    </a:p>
-                  </a:txBody>
-                  <a:tcPr/>
-                </a:tc>
-                <a:tc>
-                  <a:txBody>
-                    <a:bodyPr/>
-                    <a:lstStyle/>
-                    <a:p>
-                      <a:pPr algn="l"/>
-                      <a:r>
-                        <a:rPr lang="en-GB" dirty="0"/>
-                        <a:t>???</a:t>
-                      </a:r>
-                    </a:p>
-                  </a:txBody>
-                  <a:tcPr/>
-                </a:tc>
-                <a:extLst>
-                  <a:ext uri="{0D108BD9-81ED-4DB2-BD59-A6C34878D82A}">
-                    <a16:rowId xmlns:a16="http://schemas.microsoft.com/office/drawing/2014/main" val="1554847393"/>
-                  </a:ext>
-                </a:extLst>
-              </a:tr>
-              <a:tr h="370840">
-                <a:tc>
-                  <a:txBody>
-                    <a:bodyPr/>
-                    <a:lstStyle/>
-                    <a:p>
-                      <a:pPr algn="l"/>
-                      <a:r>
-                        <a:rPr lang="en-GB" dirty="0"/>
-                        <a:t>Meta</a:t>
-                      </a:r>
-                    </a:p>
-                  </a:txBody>
-                  <a:tcPr/>
-                </a:tc>
-                <a:tc>
-                  <a:txBody>
-                    <a:bodyPr/>
-                    <a:lstStyle/>
-                    <a:p>
-                      <a:pPr algn="l"/>
-                      <a:r>
-                        <a:rPr lang="en-GB" dirty="0"/>
-                        <a:t>???</a:t>
-                      </a:r>
-                    </a:p>
-                  </a:txBody>
-                  <a:tcPr/>
-                </a:tc>
-                <a:extLst>
-                  <a:ext uri="{0D108BD9-81ED-4DB2-BD59-A6C34878D82A}">
-                    <a16:rowId xmlns:a16="http://schemas.microsoft.com/office/drawing/2014/main" val="465121268"/>
-                  </a:ext>
-                </a:extLst>
-              </a:tr>
-              <a:tr h="370840">
-                <a:tc>
-                  <a:txBody>
-                    <a:bodyPr/>
-                    <a:lstStyle/>
-                    <a:p>
-                      <a:pPr algn="l"/>
-                      <a:r>
-                        <a:rPr lang="en-GB" dirty="0"/>
-                        <a:t>Microsoft</a:t>
-                      </a:r>
-                    </a:p>
-                  </a:txBody>
-                  <a:tcPr/>
-                </a:tc>
-                <a:tc>
-                  <a:txBody>
-                    <a:bodyPr/>
-                    <a:lstStyle/>
-                    <a:p>
-                      <a:pPr algn="l"/>
-                      <a:r>
-                        <a:rPr lang="en-GB" dirty="0"/>
-                        <a:t>???</a:t>
-                      </a:r>
-                    </a:p>
-                  </a:txBody>
-                  <a:tcPr/>
-                </a:tc>
-                <a:extLst>
-                  <a:ext uri="{0D108BD9-81ED-4DB2-BD59-A6C34878D82A}">
-                    <a16:rowId xmlns:a16="http://schemas.microsoft.com/office/drawing/2014/main" val="1300121289"/>
-                  </a:ext>
-                </a:extLst>
-              </a:tr>
-            </a:tbl>
-          </a:graphicData>
-        </a:graphic>
-      </p:graphicFrame>
-    </p:spTree>
-    <p:extLst>
-      <p:ext uri="{BB962C8B-B14F-4D97-AF65-F5344CB8AC3E}">
-        <p14:creationId xmlns:p14="http://schemas.microsoft.com/office/powerpoint/2010/main" val="3380556220"/>
-      </p:ext>
-    </p:extLst>
-  </p:cSld>
-  <p:clrMapOvr>
-    <a:masterClrMapping/>
-  </p:clrMapOvr>
-</p:sld>
-</file>
-
-<file path=ppt/slides/slide21.xml><?xml version="1.0" encoding="utf-8"?>
-<p:sld xmlns:a="http://schemas.openxmlformats.org/drawingml/2006/main" xmlns:r="http://schemas.openxmlformats.org/officeDocument/2006/relationships" xmlns:p="http://schemas.openxmlformats.org/presentationml/2006/main">
-  <p:cSld>
-    <p:spTree>
-      <p:nvGrpSpPr>
-        <p:cNvPr id="1" name=""/>
-        <p:cNvGrpSpPr/>
-        <p:nvPr/>
-      </p:nvGrpSpPr>
-      <p:grpSpPr>
-        <a:xfrm>
-          <a:off x="0" y="0"/>
-          <a:ext cx="0" cy="0"/>
-          <a:chOff x="0" y="0"/>
-          <a:chExt cx="0" cy="0"/>
-        </a:xfrm>
-      </p:grpSpPr>
-      <p:grpSp>
-        <p:nvGrpSpPr>
-          <p:cNvPr id="49" name="Group 48">
-            <a:extLst>
-              <a:ext uri="{FF2B5EF4-FFF2-40B4-BE49-F238E27FC236}">
-                <a16:creationId xmlns:a16="http://schemas.microsoft.com/office/drawing/2014/main" id="{DA0F5524-465E-74F2-41C7-A6CD450590F7}"/>
-              </a:ext>
-            </a:extLst>
-          </p:cNvPr>
-          <p:cNvGrpSpPr/>
-          <p:nvPr/>
-        </p:nvGrpSpPr>
-        <p:grpSpPr>
-          <a:xfrm>
-            <a:off x="2735616" y="1135136"/>
-            <a:ext cx="7751297" cy="1591154"/>
-            <a:chOff x="2764472" y="836011"/>
-            <a:chExt cx="7751297" cy="1591154"/>
-          </a:xfrm>
-        </p:grpSpPr>
-        <p:pic>
-          <p:nvPicPr>
-            <p:cNvPr id="42" name="Picture 41">
-              <a:extLst>
-                <a:ext uri="{FF2B5EF4-FFF2-40B4-BE49-F238E27FC236}">
-                  <a16:creationId xmlns:a16="http://schemas.microsoft.com/office/drawing/2014/main" id="{90AE8C58-0307-EF7C-D722-67AE0978F632}"/>
-                </a:ext>
-              </a:extLst>
-            </p:cNvPr>
-            <p:cNvPicPr>
-              <a:picLocks noChangeAspect="1"/>
-            </p:cNvPicPr>
-            <p:nvPr/>
-          </p:nvPicPr>
-          <p:blipFill>
-            <a:blip r:embed="rId2">
-              <a:extLst>
-                <a:ext uri="{28A0092B-C50C-407E-A947-70E740481C1C}">
-                  <a14:useLocalDpi xmlns:a14="http://schemas.microsoft.com/office/drawing/2010/main" val="0"/>
-                </a:ext>
-              </a:extLst>
-            </a:blip>
-            <a:stretch>
-              <a:fillRect/>
-            </a:stretch>
-          </p:blipFill>
-          <p:spPr>
-            <a:xfrm>
-              <a:off x="2764472" y="836011"/>
-              <a:ext cx="609785" cy="609785"/>
-            </a:xfrm>
-            <a:prstGeom prst="rect">
-              <a:avLst/>
-            </a:prstGeom>
-          </p:spPr>
-        </p:pic>
-        <p:pic>
-          <p:nvPicPr>
-            <p:cNvPr id="43" name="Picture 42">
-              <a:extLst>
-                <a:ext uri="{FF2B5EF4-FFF2-40B4-BE49-F238E27FC236}">
-                  <a16:creationId xmlns:a16="http://schemas.microsoft.com/office/drawing/2014/main" id="{189956B6-2264-8EA4-A7D0-67035A851AA1}"/>
-                </a:ext>
-              </a:extLst>
-            </p:cNvPr>
-            <p:cNvPicPr>
-              <a:picLocks noChangeAspect="1"/>
-            </p:cNvPicPr>
-            <p:nvPr/>
-          </p:nvPicPr>
-          <p:blipFill>
-            <a:blip r:embed="rId2">
-              <a:extLst>
-                <a:ext uri="{28A0092B-C50C-407E-A947-70E740481C1C}">
-                  <a14:useLocalDpi xmlns:a14="http://schemas.microsoft.com/office/drawing/2010/main" val="0"/>
-                </a:ext>
-              </a:extLst>
-            </a:blip>
-            <a:stretch>
-              <a:fillRect/>
-            </a:stretch>
-          </p:blipFill>
-          <p:spPr>
-            <a:xfrm>
-              <a:off x="2991511" y="1817380"/>
-              <a:ext cx="609785" cy="609785"/>
-            </a:xfrm>
-            <a:prstGeom prst="rect">
-              <a:avLst/>
-            </a:prstGeom>
-          </p:spPr>
-        </p:pic>
-        <p:pic>
-          <p:nvPicPr>
-            <p:cNvPr id="44" name="Picture 43">
-              <a:extLst>
-                <a:ext uri="{FF2B5EF4-FFF2-40B4-BE49-F238E27FC236}">
-                  <a16:creationId xmlns:a16="http://schemas.microsoft.com/office/drawing/2014/main" id="{2D777870-7A71-B0D0-5AB1-59324348E416}"/>
-                </a:ext>
-              </a:extLst>
-            </p:cNvPr>
-            <p:cNvPicPr>
-              <a:picLocks noChangeAspect="1"/>
-            </p:cNvPicPr>
-            <p:nvPr/>
-          </p:nvPicPr>
-          <p:blipFill>
-            <a:blip r:embed="rId2">
-              <a:extLst>
-                <a:ext uri="{28A0092B-C50C-407E-A947-70E740481C1C}">
-                  <a14:useLocalDpi xmlns:a14="http://schemas.microsoft.com/office/drawing/2010/main" val="0"/>
-                </a:ext>
-              </a:extLst>
-            </a:blip>
-            <a:stretch>
-              <a:fillRect/>
-            </a:stretch>
-          </p:blipFill>
-          <p:spPr>
-            <a:xfrm>
-              <a:off x="4619945" y="1084789"/>
-              <a:ext cx="609785" cy="609785"/>
-            </a:xfrm>
-            <a:prstGeom prst="rect">
-              <a:avLst/>
-            </a:prstGeom>
-          </p:spPr>
-        </p:pic>
-        <p:pic>
-          <p:nvPicPr>
-            <p:cNvPr id="45" name="Picture 44">
-              <a:extLst>
-                <a:ext uri="{FF2B5EF4-FFF2-40B4-BE49-F238E27FC236}">
-                  <a16:creationId xmlns:a16="http://schemas.microsoft.com/office/drawing/2014/main" id="{9A7BE76B-4FFC-EB34-B8D2-2BF86CDC4F85}"/>
-                </a:ext>
-              </a:extLst>
-            </p:cNvPr>
-            <p:cNvPicPr>
-              <a:picLocks noChangeAspect="1"/>
-            </p:cNvPicPr>
-            <p:nvPr/>
-          </p:nvPicPr>
-          <p:blipFill>
-            <a:blip r:embed="rId2">
-              <a:extLst>
-                <a:ext uri="{28A0092B-C50C-407E-A947-70E740481C1C}">
-                  <a14:useLocalDpi xmlns:a14="http://schemas.microsoft.com/office/drawing/2010/main" val="0"/>
-                </a:ext>
-              </a:extLst>
-            </a:blip>
-            <a:stretch>
-              <a:fillRect/>
-            </a:stretch>
-          </p:blipFill>
-          <p:spPr>
-            <a:xfrm>
-              <a:off x="9905984" y="1667380"/>
-              <a:ext cx="609785" cy="609785"/>
-            </a:xfrm>
-            <a:prstGeom prst="rect">
-              <a:avLst/>
-            </a:prstGeom>
-          </p:spPr>
-        </p:pic>
-      </p:grpSp>
-      <p:grpSp>
-        <p:nvGrpSpPr>
-          <p:cNvPr id="50" name="Group 49">
-            <a:extLst>
-              <a:ext uri="{FF2B5EF4-FFF2-40B4-BE49-F238E27FC236}">
-                <a16:creationId xmlns:a16="http://schemas.microsoft.com/office/drawing/2014/main" id="{E7553DC7-1B09-CAA6-61A3-F6E12636B72B}"/>
-              </a:ext>
-            </a:extLst>
-          </p:cNvPr>
-          <p:cNvGrpSpPr/>
-          <p:nvPr/>
-        </p:nvGrpSpPr>
-        <p:grpSpPr>
-          <a:xfrm>
-            <a:off x="1904247" y="654452"/>
-            <a:ext cx="9421958" cy="1956071"/>
-            <a:chOff x="1933103" y="581887"/>
-            <a:chExt cx="9421958" cy="1956071"/>
-          </a:xfrm>
-        </p:grpSpPr>
-        <p:pic>
-          <p:nvPicPr>
-            <p:cNvPr id="33" name="Picture 32">
-              <a:extLst>
-                <a:ext uri="{FF2B5EF4-FFF2-40B4-BE49-F238E27FC236}">
-                  <a16:creationId xmlns:a16="http://schemas.microsoft.com/office/drawing/2014/main" id="{00D7893F-2D1C-B4FB-09FE-C07A143D83E8}"/>
-                </a:ext>
-              </a:extLst>
-            </p:cNvPr>
-            <p:cNvPicPr>
-              <a:picLocks noChangeAspect="1"/>
-            </p:cNvPicPr>
-            <p:nvPr/>
-          </p:nvPicPr>
-          <p:blipFill>
-            <a:blip r:embed="rId3">
-              <a:extLst>
-                <a:ext uri="{28A0092B-C50C-407E-A947-70E740481C1C}">
-                  <a14:useLocalDpi xmlns:a14="http://schemas.microsoft.com/office/drawing/2010/main" val="0"/>
-                </a:ext>
-              </a:extLst>
-            </a:blip>
-            <a:stretch>
-              <a:fillRect/>
-            </a:stretch>
-          </p:blipFill>
-          <p:spPr>
-            <a:xfrm>
-              <a:off x="1933103" y="725220"/>
-              <a:ext cx="831369" cy="831369"/>
-            </a:xfrm>
-            <a:prstGeom prst="rect">
-              <a:avLst/>
-            </a:prstGeom>
-          </p:spPr>
-        </p:pic>
-        <p:pic>
-          <p:nvPicPr>
-            <p:cNvPr id="35" name="Picture 34">
-              <a:extLst>
-                <a:ext uri="{FF2B5EF4-FFF2-40B4-BE49-F238E27FC236}">
-                  <a16:creationId xmlns:a16="http://schemas.microsoft.com/office/drawing/2014/main" id="{1E61409D-1D7B-E299-3620-A0E1F93814DF}"/>
-                </a:ext>
-              </a:extLst>
-            </p:cNvPr>
-            <p:cNvPicPr>
-              <a:picLocks noChangeAspect="1"/>
-            </p:cNvPicPr>
-            <p:nvPr/>
-          </p:nvPicPr>
-          <p:blipFill>
-            <a:blip r:embed="rId4">
-              <a:extLst>
-                <a:ext uri="{28A0092B-C50C-407E-A947-70E740481C1C}">
-                  <a14:useLocalDpi xmlns:a14="http://schemas.microsoft.com/office/drawing/2010/main" val="0"/>
-                </a:ext>
-              </a:extLst>
-            </a:blip>
-            <a:stretch>
-              <a:fillRect/>
-            </a:stretch>
-          </p:blipFill>
-          <p:spPr>
-            <a:xfrm>
-              <a:off x="5012421" y="581887"/>
-              <a:ext cx="831369" cy="831369"/>
-            </a:xfrm>
-            <a:prstGeom prst="rect">
-              <a:avLst/>
-            </a:prstGeom>
-          </p:spPr>
-        </p:pic>
-        <p:pic>
-          <p:nvPicPr>
-            <p:cNvPr id="37" name="Picture 36">
-              <a:extLst>
-                <a:ext uri="{FF2B5EF4-FFF2-40B4-BE49-F238E27FC236}">
-                  <a16:creationId xmlns:a16="http://schemas.microsoft.com/office/drawing/2014/main" id="{3E000D34-9CE3-9A74-F3F8-AF9FDCEC7A4F}"/>
-                </a:ext>
-              </a:extLst>
-            </p:cNvPr>
-            <p:cNvPicPr>
-              <a:picLocks noChangeAspect="1"/>
-            </p:cNvPicPr>
-            <p:nvPr/>
-          </p:nvPicPr>
-          <p:blipFill>
-            <a:blip r:embed="rId5">
-              <a:extLst>
-                <a:ext uri="{28A0092B-C50C-407E-A947-70E740481C1C}">
-                  <a14:useLocalDpi xmlns:a14="http://schemas.microsoft.com/office/drawing/2010/main" val="0"/>
-                </a:ext>
-              </a:extLst>
-            </a:blip>
-            <a:stretch>
-              <a:fillRect/>
-            </a:stretch>
-          </p:blipFill>
-          <p:spPr>
-            <a:xfrm>
-              <a:off x="3435678" y="1556589"/>
-              <a:ext cx="831369" cy="831369"/>
-            </a:xfrm>
-            <a:prstGeom prst="rect">
-              <a:avLst/>
-            </a:prstGeom>
-          </p:spPr>
-        </p:pic>
-        <p:pic>
-          <p:nvPicPr>
-            <p:cNvPr id="39" name="Picture 38">
-              <a:extLst>
-                <a:ext uri="{FF2B5EF4-FFF2-40B4-BE49-F238E27FC236}">
-                  <a16:creationId xmlns:a16="http://schemas.microsoft.com/office/drawing/2014/main" id="{73BD4803-1061-1D52-0327-9CAE9806E0A8}"/>
-                </a:ext>
-              </a:extLst>
-            </p:cNvPr>
-            <p:cNvPicPr>
-              <a:picLocks noChangeAspect="1"/>
-            </p:cNvPicPr>
-            <p:nvPr/>
-          </p:nvPicPr>
-          <p:blipFill>
-            <a:blip r:embed="rId6">
-              <a:extLst>
-                <a:ext uri="{28A0092B-C50C-407E-A947-70E740481C1C}">
-                  <a14:useLocalDpi xmlns:a14="http://schemas.microsoft.com/office/drawing/2010/main" val="0"/>
-                </a:ext>
-              </a:extLst>
-            </a:blip>
-            <a:stretch>
-              <a:fillRect/>
-            </a:stretch>
-          </p:blipFill>
-          <p:spPr>
-            <a:xfrm>
-              <a:off x="10523692" y="1706589"/>
-              <a:ext cx="831369" cy="831369"/>
-            </a:xfrm>
-            <a:prstGeom prst="rect">
-              <a:avLst/>
-            </a:prstGeom>
-          </p:spPr>
-        </p:pic>
-      </p:grpSp>
-      <p:grpSp>
-        <p:nvGrpSpPr>
-          <p:cNvPr id="26" name="Group 25">
-            <a:extLst>
-              <a:ext uri="{FF2B5EF4-FFF2-40B4-BE49-F238E27FC236}">
-                <a16:creationId xmlns:a16="http://schemas.microsoft.com/office/drawing/2014/main" id="{ABA3A3D2-D211-AB54-C829-3C4471D02F95}"/>
-              </a:ext>
-            </a:extLst>
-          </p:cNvPr>
-          <p:cNvGrpSpPr/>
-          <p:nvPr/>
-        </p:nvGrpSpPr>
-        <p:grpSpPr>
-          <a:xfrm>
-            <a:off x="3048431" y="1538126"/>
-            <a:ext cx="7141512" cy="1185035"/>
-            <a:chOff x="3040509" y="1541255"/>
-            <a:chExt cx="7141512" cy="1185035"/>
-          </a:xfrm>
-        </p:grpSpPr>
-        <p:cxnSp>
-          <p:nvCxnSpPr>
-            <p:cNvPr id="3" name="Straight Arrow Connector 2">
-              <a:extLst>
-                <a:ext uri="{FF2B5EF4-FFF2-40B4-BE49-F238E27FC236}">
-                  <a16:creationId xmlns:a16="http://schemas.microsoft.com/office/drawing/2014/main" id="{C63B5264-CA6E-17D9-EA99-7E9C0DC83746}"/>
-                </a:ext>
-              </a:extLst>
-            </p:cNvPr>
-            <p:cNvCxnSpPr>
-              <a:stCxn id="42" idx="2"/>
-              <a:endCxn id="43" idx="0"/>
-            </p:cNvCxnSpPr>
-            <p:nvPr/>
-          </p:nvCxnSpPr>
-          <p:spPr>
-            <a:xfrm>
-              <a:off x="3040509" y="1744921"/>
-              <a:ext cx="227039" cy="371584"/>
-            </a:xfrm>
-            <a:prstGeom prst="straightConnector1">
-              <a:avLst/>
-            </a:prstGeom>
-            <a:ln w="76200">
-              <a:solidFill>
-                <a:srgbClr val="00B050"/>
-              </a:solidFill>
-              <a:tailEnd type="triangle"/>
-            </a:ln>
-          </p:spPr>
-          <p:style>
-            <a:lnRef idx="1">
-              <a:schemeClr val="accent1"/>
-            </a:lnRef>
-            <a:fillRef idx="0">
-              <a:schemeClr val="accent1"/>
-            </a:fillRef>
-            <a:effectRef idx="0">
-              <a:schemeClr val="accent1"/>
-            </a:effectRef>
-            <a:fontRef idx="minor">
-              <a:schemeClr val="tx1"/>
-            </a:fontRef>
-          </p:style>
-        </p:cxnSp>
-        <p:cxnSp>
-          <p:nvCxnSpPr>
-            <p:cNvPr id="11" name="Connector: Curved 10">
-              <a:extLst>
-                <a:ext uri="{FF2B5EF4-FFF2-40B4-BE49-F238E27FC236}">
-                  <a16:creationId xmlns:a16="http://schemas.microsoft.com/office/drawing/2014/main" id="{888FC71C-7DA0-3B0D-C7DE-4F120837D7BF}"/>
-                </a:ext>
-              </a:extLst>
-            </p:cNvPr>
-            <p:cNvCxnSpPr>
-              <a:cxnSpLocks/>
-              <a:stCxn id="43" idx="2"/>
-              <a:endCxn id="44" idx="1"/>
-            </p:cNvCxnSpPr>
-            <p:nvPr/>
-          </p:nvCxnSpPr>
-          <p:spPr>
-            <a:xfrm rot="5400000" flipH="1" flipV="1">
-              <a:off x="3410576" y="1545778"/>
-              <a:ext cx="1037483" cy="1323541"/>
-            </a:xfrm>
-            <a:prstGeom prst="curvedConnector4">
-              <a:avLst>
-                <a:gd name="adj1" fmla="val -22034"/>
-                <a:gd name="adj2" fmla="val 61518"/>
-              </a:avLst>
-            </a:prstGeom>
-            <a:ln w="76200">
-              <a:solidFill>
-                <a:srgbClr val="00B050"/>
-              </a:solidFill>
-              <a:tailEnd type="triangle"/>
-            </a:ln>
-          </p:spPr>
-          <p:style>
-            <a:lnRef idx="1">
-              <a:schemeClr val="accent1"/>
-            </a:lnRef>
-            <a:fillRef idx="0">
-              <a:schemeClr val="accent1"/>
-            </a:fillRef>
-            <a:effectRef idx="0">
-              <a:schemeClr val="accent1"/>
-            </a:effectRef>
-            <a:fontRef idx="minor">
-              <a:schemeClr val="tx1"/>
-            </a:fontRef>
-          </p:style>
-        </p:cxnSp>
-        <p:cxnSp>
-          <p:nvCxnSpPr>
-            <p:cNvPr id="23" name="Connector: Curved 22">
-              <a:extLst>
-                <a:ext uri="{FF2B5EF4-FFF2-40B4-BE49-F238E27FC236}">
-                  <a16:creationId xmlns:a16="http://schemas.microsoft.com/office/drawing/2014/main" id="{AD7224A1-8B23-7ACC-4D37-D4AACAE8C169}"/>
-                </a:ext>
-              </a:extLst>
-            </p:cNvPr>
-            <p:cNvCxnSpPr>
-              <a:cxnSpLocks/>
-              <a:stCxn id="45" idx="0"/>
-            </p:cNvCxnSpPr>
-            <p:nvPr/>
-          </p:nvCxnSpPr>
-          <p:spPr>
-            <a:xfrm rot="16200000" flipV="1">
-              <a:off x="7478823" y="-736694"/>
-              <a:ext cx="425250" cy="4981147"/>
-            </a:xfrm>
-            <a:prstGeom prst="curvedConnector2">
-              <a:avLst/>
-            </a:prstGeom>
-            <a:ln w="76200">
-              <a:solidFill>
-                <a:srgbClr val="00B050"/>
-              </a:solidFill>
-              <a:tailEnd type="triangle"/>
-            </a:ln>
-          </p:spPr>
-          <p:style>
-            <a:lnRef idx="1">
-              <a:schemeClr val="accent1"/>
-            </a:lnRef>
-            <a:fillRef idx="0">
-              <a:schemeClr val="accent1"/>
-            </a:fillRef>
-            <a:effectRef idx="0">
-              <a:schemeClr val="accent1"/>
-            </a:effectRef>
-            <a:fontRef idx="minor">
-              <a:schemeClr val="tx1"/>
-            </a:fontRef>
-          </p:style>
-        </p:cxnSp>
-      </p:grpSp>
-      <p:grpSp>
-        <p:nvGrpSpPr>
-          <p:cNvPr id="51" name="Group 50">
-            <a:extLst>
-              <a:ext uri="{FF2B5EF4-FFF2-40B4-BE49-F238E27FC236}">
-                <a16:creationId xmlns:a16="http://schemas.microsoft.com/office/drawing/2014/main" id="{BB8A658B-743E-581E-06B9-88F7D641D18F}"/>
-              </a:ext>
-            </a:extLst>
-          </p:cNvPr>
-          <p:cNvGrpSpPr/>
-          <p:nvPr/>
-        </p:nvGrpSpPr>
-        <p:grpSpPr>
-          <a:xfrm>
-            <a:off x="2735615" y="1440028"/>
-            <a:ext cx="7446406" cy="1136263"/>
-            <a:chOff x="2735615" y="1440028"/>
-            <a:chExt cx="7446406" cy="1136263"/>
-          </a:xfrm>
-        </p:grpSpPr>
-        <p:cxnSp>
-          <p:nvCxnSpPr>
-            <p:cNvPr id="28" name="Connector: Curved 27">
-              <a:extLst>
-                <a:ext uri="{FF2B5EF4-FFF2-40B4-BE49-F238E27FC236}">
-                  <a16:creationId xmlns:a16="http://schemas.microsoft.com/office/drawing/2014/main" id="{1C4019E7-4088-D06E-5D80-F3CAA451CFD7}"/>
-                </a:ext>
-              </a:extLst>
-            </p:cNvPr>
-            <p:cNvCxnSpPr>
-              <a:cxnSpLocks/>
-              <a:stCxn id="42" idx="1"/>
-              <a:endCxn id="43" idx="1"/>
-            </p:cNvCxnSpPr>
-            <p:nvPr/>
-          </p:nvCxnSpPr>
-          <p:spPr>
-            <a:xfrm rot="10800000" flipH="1" flipV="1">
-              <a:off x="2735615" y="1440028"/>
-              <a:ext cx="227039" cy="981369"/>
-            </a:xfrm>
-            <a:prstGeom prst="curvedConnector3">
-              <a:avLst>
-                <a:gd name="adj1" fmla="val -100688"/>
-              </a:avLst>
-            </a:prstGeom>
-            <a:ln w="76200">
-              <a:solidFill>
-                <a:srgbClr val="C00000"/>
-              </a:solidFill>
-              <a:tailEnd type="triangle"/>
-            </a:ln>
-          </p:spPr>
-          <p:style>
-            <a:lnRef idx="1">
-              <a:schemeClr val="accent1"/>
-            </a:lnRef>
-            <a:fillRef idx="0">
-              <a:schemeClr val="accent1"/>
-            </a:fillRef>
-            <a:effectRef idx="0">
-              <a:schemeClr val="accent1"/>
-            </a:effectRef>
-            <a:fontRef idx="minor">
-              <a:schemeClr val="tx1"/>
-            </a:fontRef>
-          </p:style>
-        </p:cxnSp>
-        <p:cxnSp>
-          <p:nvCxnSpPr>
-            <p:cNvPr id="32" name="Connector: Curved 31">
-              <a:extLst>
-                <a:ext uri="{FF2B5EF4-FFF2-40B4-BE49-F238E27FC236}">
-                  <a16:creationId xmlns:a16="http://schemas.microsoft.com/office/drawing/2014/main" id="{83A16004-D87A-8676-F3DE-84F932545B98}"/>
-                </a:ext>
-              </a:extLst>
-            </p:cNvPr>
-            <p:cNvCxnSpPr>
-              <a:cxnSpLocks/>
-              <a:stCxn id="43" idx="1"/>
-              <a:endCxn id="44" idx="2"/>
-            </p:cNvCxnSpPr>
-            <p:nvPr/>
-          </p:nvCxnSpPr>
-          <p:spPr>
-            <a:xfrm rot="10800000" flipH="1">
-              <a:off x="2962654" y="1993700"/>
-              <a:ext cx="1933327" cy="427699"/>
-            </a:xfrm>
-            <a:prstGeom prst="curvedConnector4">
-              <a:avLst>
-                <a:gd name="adj1" fmla="val -8685"/>
-                <a:gd name="adj2" fmla="val -189642"/>
-              </a:avLst>
-            </a:prstGeom>
-            <a:ln w="76200">
-              <a:solidFill>
-                <a:srgbClr val="C00000"/>
-              </a:solidFill>
-              <a:tailEnd type="triangle"/>
-            </a:ln>
-          </p:spPr>
-          <p:style>
-            <a:lnRef idx="1">
-              <a:schemeClr val="accent1"/>
-            </a:lnRef>
-            <a:fillRef idx="0">
-              <a:schemeClr val="accent1"/>
-            </a:fillRef>
-            <a:effectRef idx="0">
-              <a:schemeClr val="accent1"/>
-            </a:effectRef>
-            <a:fontRef idx="minor">
-              <a:schemeClr val="tx1"/>
-            </a:fontRef>
-          </p:style>
-        </p:cxnSp>
-        <p:cxnSp>
-          <p:nvCxnSpPr>
-            <p:cNvPr id="46" name="Connector: Curved 45">
-              <a:extLst>
-                <a:ext uri="{FF2B5EF4-FFF2-40B4-BE49-F238E27FC236}">
-                  <a16:creationId xmlns:a16="http://schemas.microsoft.com/office/drawing/2014/main" id="{058D11DB-05D7-D17A-AE3A-C9C28B9A9A40}"/>
-                </a:ext>
-              </a:extLst>
-            </p:cNvPr>
-            <p:cNvCxnSpPr>
-              <a:cxnSpLocks/>
-              <a:stCxn id="45" idx="2"/>
-              <a:endCxn id="44" idx="2"/>
-            </p:cNvCxnSpPr>
-            <p:nvPr/>
-          </p:nvCxnSpPr>
-          <p:spPr>
-            <a:xfrm rot="5400000" flipH="1">
-              <a:off x="7247706" y="-358024"/>
-              <a:ext cx="582591" cy="5286039"/>
-            </a:xfrm>
-            <a:prstGeom prst="curvedConnector3">
-              <a:avLst>
-                <a:gd name="adj1" fmla="val -39239"/>
-              </a:avLst>
-            </a:prstGeom>
-            <a:ln w="76200">
-              <a:solidFill>
-                <a:srgbClr val="C00000"/>
-              </a:solidFill>
-              <a:tailEnd type="triangle"/>
-            </a:ln>
-          </p:spPr>
-          <p:style>
-            <a:lnRef idx="1">
-              <a:schemeClr val="accent1"/>
-            </a:lnRef>
-            <a:fillRef idx="0">
-              <a:schemeClr val="accent1"/>
-            </a:fillRef>
-            <a:effectRef idx="0">
-              <a:schemeClr val="accent1"/>
-            </a:effectRef>
-            <a:fontRef idx="minor">
-              <a:schemeClr val="tx1"/>
-            </a:fontRef>
-          </p:style>
-        </p:cxnSp>
-      </p:grpSp>
-      <p:pic>
-        <p:nvPicPr>
-          <p:cNvPr id="29" name="Picture 28">
-            <a:extLst>
-              <a:ext uri="{FF2B5EF4-FFF2-40B4-BE49-F238E27FC236}">
-                <a16:creationId xmlns:a16="http://schemas.microsoft.com/office/drawing/2014/main" id="{6F7F3317-F56A-9E0C-B434-AF02D63FE035}"/>
-              </a:ext>
-            </a:extLst>
-          </p:cNvPr>
-          <p:cNvPicPr>
-            <a:picLocks noChangeAspect="1"/>
-          </p:cNvPicPr>
-          <p:nvPr/>
-        </p:nvPicPr>
-        <p:blipFill>
-          <a:blip r:embed="rId7">
-            <a:extLst>
-              <a:ext uri="{28A0092B-C50C-407E-A947-70E740481C1C}">
-                <a14:useLocalDpi xmlns:a14="http://schemas.microsoft.com/office/drawing/2010/main" val="0"/>
-              </a:ext>
-            </a:extLst>
-          </a:blip>
-          <a:stretch>
-            <a:fillRect/>
-          </a:stretch>
-        </p:blipFill>
-        <p:spPr>
-          <a:xfrm>
-            <a:off x="0" y="73025"/>
-            <a:ext cx="12192000" cy="6711950"/>
-          </a:xfrm>
-          <a:prstGeom prst="rect">
-            <a:avLst/>
-          </a:prstGeom>
-        </p:spPr>
-      </p:pic>
-      <p:grpSp>
-        <p:nvGrpSpPr>
-          <p:cNvPr id="61" name="Group 60">
-            <a:extLst>
-              <a:ext uri="{FF2B5EF4-FFF2-40B4-BE49-F238E27FC236}">
-                <a16:creationId xmlns:a16="http://schemas.microsoft.com/office/drawing/2014/main" id="{3F166469-B834-1831-62E1-7DC5732EB15B}"/>
-              </a:ext>
-            </a:extLst>
-          </p:cNvPr>
-          <p:cNvGrpSpPr/>
-          <p:nvPr/>
-        </p:nvGrpSpPr>
-        <p:grpSpPr>
-          <a:xfrm>
-            <a:off x="2543710" y="1301155"/>
-            <a:ext cx="6329010" cy="751237"/>
-            <a:chOff x="2543710" y="1301155"/>
-            <a:chExt cx="6329010" cy="751237"/>
-          </a:xfrm>
-        </p:grpSpPr>
-        <p:sp>
-          <p:nvSpPr>
-            <p:cNvPr id="53" name="TextBox 52">
-              <a:extLst>
-                <a:ext uri="{FF2B5EF4-FFF2-40B4-BE49-F238E27FC236}">
-                  <a16:creationId xmlns:a16="http://schemas.microsoft.com/office/drawing/2014/main" id="{BA1636A1-5EAD-4D90-87C8-D07D631298B3}"/>
-                </a:ext>
-              </a:extLst>
-            </p:cNvPr>
-            <p:cNvSpPr txBox="1"/>
-            <p:nvPr/>
-          </p:nvSpPr>
-          <p:spPr>
-            <a:xfrm>
-              <a:off x="2543710" y="1683060"/>
-              <a:ext cx="580608" cy="369332"/>
-            </a:xfrm>
-            <a:prstGeom prst="rect">
-              <a:avLst/>
-            </a:prstGeom>
-            <a:noFill/>
-          </p:spPr>
-          <p:txBody>
-            <a:bodyPr wrap="none" rtlCol="0">
-              <a:spAutoFit/>
-            </a:bodyPr>
-            <a:lstStyle/>
-            <a:p>
-              <a:r>
-                <a:rPr lang="en-GB" b="1" dirty="0">
-                  <a:solidFill>
-                    <a:srgbClr val="00B050"/>
-                  </a:solidFill>
-                </a:rPr>
-                <a:t>4ms</a:t>
-              </a:r>
-            </a:p>
-          </p:txBody>
-        </p:sp>
-        <p:sp>
-          <p:nvSpPr>
-            <p:cNvPr id="54" name="TextBox 53">
-              <a:extLst>
-                <a:ext uri="{FF2B5EF4-FFF2-40B4-BE49-F238E27FC236}">
-                  <a16:creationId xmlns:a16="http://schemas.microsoft.com/office/drawing/2014/main" id="{4BB514D1-7889-D62D-35E8-68E6B4619263}"/>
-                </a:ext>
-              </a:extLst>
-            </p:cNvPr>
-            <p:cNvSpPr txBox="1"/>
-            <p:nvPr/>
-          </p:nvSpPr>
-          <p:spPr>
-            <a:xfrm>
-              <a:off x="3913235" y="1352986"/>
-              <a:ext cx="697627" cy="369332"/>
-            </a:xfrm>
-            <a:prstGeom prst="rect">
-              <a:avLst/>
-            </a:prstGeom>
-            <a:noFill/>
-          </p:spPr>
-          <p:txBody>
-            <a:bodyPr wrap="none" rtlCol="0">
-              <a:spAutoFit/>
-            </a:bodyPr>
-            <a:lstStyle/>
-            <a:p>
-              <a:r>
-                <a:rPr lang="en-GB" b="1" dirty="0">
-                  <a:solidFill>
-                    <a:srgbClr val="00B050"/>
-                  </a:solidFill>
-                </a:rPr>
-                <a:t>29ms</a:t>
-              </a:r>
-            </a:p>
-          </p:txBody>
-        </p:sp>
-        <p:sp>
-          <p:nvSpPr>
-            <p:cNvPr id="55" name="TextBox 54">
-              <a:extLst>
-                <a:ext uri="{FF2B5EF4-FFF2-40B4-BE49-F238E27FC236}">
-                  <a16:creationId xmlns:a16="http://schemas.microsoft.com/office/drawing/2014/main" id="{31764691-7959-05B1-5973-AC300D20A249}"/>
-                </a:ext>
-              </a:extLst>
-            </p:cNvPr>
-            <p:cNvSpPr txBox="1"/>
-            <p:nvPr/>
-          </p:nvSpPr>
-          <p:spPr>
-            <a:xfrm>
-              <a:off x="8062883" y="1301155"/>
-              <a:ext cx="809837" cy="369332"/>
-            </a:xfrm>
-            <a:prstGeom prst="rect">
-              <a:avLst/>
-            </a:prstGeom>
-            <a:noFill/>
-          </p:spPr>
-          <p:txBody>
-            <a:bodyPr wrap="none" rtlCol="0">
-              <a:spAutoFit/>
-            </a:bodyPr>
-            <a:lstStyle/>
-            <a:p>
-              <a:r>
-                <a:rPr lang="en-GB" b="1" dirty="0">
-                  <a:solidFill>
-                    <a:srgbClr val="00B050"/>
-                  </a:solidFill>
-                </a:rPr>
-                <a:t>115ms</a:t>
-              </a:r>
-            </a:p>
-          </p:txBody>
-        </p:sp>
-      </p:grpSp>
-      <p:grpSp>
-        <p:nvGrpSpPr>
-          <p:cNvPr id="60" name="Group 59">
-            <a:extLst>
-              <a:ext uri="{FF2B5EF4-FFF2-40B4-BE49-F238E27FC236}">
-                <a16:creationId xmlns:a16="http://schemas.microsoft.com/office/drawing/2014/main" id="{678210F0-EAB4-4B60-5728-79A5503E418C}"/>
-              </a:ext>
-            </a:extLst>
-          </p:cNvPr>
-          <p:cNvGrpSpPr/>
-          <p:nvPr/>
-        </p:nvGrpSpPr>
-        <p:grpSpPr>
-          <a:xfrm>
-            <a:off x="1949184" y="1931028"/>
-            <a:ext cx="7730779" cy="1724593"/>
-            <a:chOff x="1949184" y="1931028"/>
-            <a:chExt cx="7730779" cy="1724593"/>
-          </a:xfrm>
-        </p:grpSpPr>
-        <p:sp>
-          <p:nvSpPr>
-            <p:cNvPr id="57" name="TextBox 56">
-              <a:extLst>
-                <a:ext uri="{FF2B5EF4-FFF2-40B4-BE49-F238E27FC236}">
-                  <a16:creationId xmlns:a16="http://schemas.microsoft.com/office/drawing/2014/main" id="{6398A709-1574-AC75-B641-03DE11255751}"/>
-                </a:ext>
-              </a:extLst>
-            </p:cNvPr>
-            <p:cNvSpPr txBox="1"/>
-            <p:nvPr/>
-          </p:nvSpPr>
-          <p:spPr>
-            <a:xfrm>
-              <a:off x="8870126" y="2713951"/>
-              <a:ext cx="809837" cy="369332"/>
-            </a:xfrm>
-            <a:prstGeom prst="rect">
-              <a:avLst/>
-            </a:prstGeom>
-            <a:noFill/>
-          </p:spPr>
-          <p:txBody>
-            <a:bodyPr wrap="none" rtlCol="0">
-              <a:spAutoFit/>
-            </a:bodyPr>
-            <a:lstStyle/>
-            <a:p>
-              <a:r>
-                <a:rPr lang="en-GB" b="1" dirty="0">
-                  <a:solidFill>
-                    <a:srgbClr val="C00000"/>
-                  </a:solidFill>
-                </a:rPr>
-                <a:t>115ms</a:t>
-              </a:r>
-            </a:p>
-          </p:txBody>
-        </p:sp>
-        <p:sp>
-          <p:nvSpPr>
-            <p:cNvPr id="58" name="TextBox 57">
-              <a:extLst>
-                <a:ext uri="{FF2B5EF4-FFF2-40B4-BE49-F238E27FC236}">
-                  <a16:creationId xmlns:a16="http://schemas.microsoft.com/office/drawing/2014/main" id="{CABEC6FB-C112-AF47-AC8A-06D3E604937B}"/>
-                </a:ext>
-              </a:extLst>
-            </p:cNvPr>
-            <p:cNvSpPr txBox="1"/>
-            <p:nvPr/>
-          </p:nvSpPr>
-          <p:spPr>
-            <a:xfrm>
-              <a:off x="3475455" y="3286289"/>
-              <a:ext cx="875561" cy="369332"/>
-            </a:xfrm>
-            <a:prstGeom prst="rect">
-              <a:avLst/>
-            </a:prstGeom>
-            <a:noFill/>
-          </p:spPr>
-          <p:txBody>
-            <a:bodyPr wrap="none" rtlCol="0">
-              <a:spAutoFit/>
-            </a:bodyPr>
-            <a:lstStyle/>
-            <a:p>
-              <a:r>
-                <a:rPr lang="en-GB" b="1" dirty="0">
-                  <a:solidFill>
-                    <a:srgbClr val="C00000"/>
-                  </a:solidFill>
-                </a:rPr>
-                <a:t>32.5ms</a:t>
-              </a:r>
-            </a:p>
-          </p:txBody>
-        </p:sp>
-        <p:sp>
-          <p:nvSpPr>
-            <p:cNvPr id="59" name="TextBox 58">
-              <a:extLst>
-                <a:ext uri="{FF2B5EF4-FFF2-40B4-BE49-F238E27FC236}">
-                  <a16:creationId xmlns:a16="http://schemas.microsoft.com/office/drawing/2014/main" id="{D27EF15A-7128-F178-EB9B-703884D5ECEA}"/>
-                </a:ext>
-              </a:extLst>
-            </p:cNvPr>
-            <p:cNvSpPr txBox="1"/>
-            <p:nvPr/>
-          </p:nvSpPr>
-          <p:spPr>
-            <a:xfrm>
-              <a:off x="1949184" y="1931028"/>
-              <a:ext cx="580608" cy="369332"/>
-            </a:xfrm>
-            <a:prstGeom prst="rect">
-              <a:avLst/>
-            </a:prstGeom>
-            <a:noFill/>
-          </p:spPr>
-          <p:txBody>
-            <a:bodyPr wrap="none" rtlCol="0">
-              <a:spAutoFit/>
-            </a:bodyPr>
-            <a:lstStyle/>
-            <a:p>
-              <a:r>
-                <a:rPr lang="en-GB" b="1" dirty="0">
-                  <a:solidFill>
-                    <a:srgbClr val="C00000"/>
-                  </a:solidFill>
-                </a:rPr>
-                <a:t>7ms</a:t>
-              </a:r>
-            </a:p>
-          </p:txBody>
-        </p:sp>
-      </p:grpSp>
-    </p:spTree>
-    <p:extLst>
-      <p:ext uri="{BB962C8B-B14F-4D97-AF65-F5344CB8AC3E}">
-        <p14:creationId xmlns:p14="http://schemas.microsoft.com/office/powerpoint/2010/main" val="4133857321"/>
-      </p:ext>
-    </p:extLst>
-  </p:cSld>
-  <p:clrMapOvr>
-    <a:masterClrMapping/>
-  </p:clrMapOvr>
-  <p:timing>
-    <p:tnLst>
-      <p:par>
-        <p:cTn id="1" dur="indefinite" restart="never" nodeType="tmRoot">
-          <p:childTnLst>
-            <p:seq concurrent="1" nextAc="seek">
-              <p:cTn id="2" dur="indefinite" nodeType="mainSeq">
-                <p:childTnLst>
-                  <p:par>
-                    <p:cTn id="3" fill="hold">
-                      <p:stCondLst>
-                        <p:cond delay="indefinite"/>
-                      </p:stCondLst>
-                      <p:childTnLst>
-                        <p:par>
-                          <p:cTn id="4" fill="hold">
-                            <p:stCondLst>
-                              <p:cond delay="0"/>
-                            </p:stCondLst>
-                            <p:childTnLst>
-                              <p:par>
-                                <p:cTn id="5" presetID="1" presetClass="entr" presetSubtype="0" fill="hold" nodeType="clickEffect">
-                                  <p:stCondLst>
-                                    <p:cond delay="0"/>
-                                  </p:stCondLst>
-                                  <p:childTnLst>
-                                    <p:set>
-                                      <p:cBhvr>
-                                        <p:cTn id="6" dur="1" fill="hold">
-                                          <p:stCondLst>
-                                            <p:cond delay="0"/>
-                                          </p:stCondLst>
-                                        </p:cTn>
-                                        <p:tgtEl>
-                                          <p:spTgt spid="50"/>
-                                        </p:tgtEl>
-                                        <p:attrNameLst>
-                                          <p:attrName>style.visibility</p:attrName>
-                                        </p:attrNameLst>
-                                      </p:cBhvr>
-                                      <p:to>
-                                        <p:strVal val="visible"/>
-                                      </p:to>
-                                    </p:set>
-                                  </p:childTnLst>
-                                </p:cTn>
-                              </p:par>
-                            </p:childTnLst>
-                          </p:cTn>
-                        </p:par>
-                      </p:childTnLst>
-                    </p:cTn>
-                  </p:par>
-                  <p:par>
-                    <p:cTn id="7" fill="hold">
-                      <p:stCondLst>
-                        <p:cond delay="indefinite"/>
-                      </p:stCondLst>
-                      <p:childTnLst>
-                        <p:par>
-                          <p:cTn id="8" fill="hold">
-                            <p:stCondLst>
-                              <p:cond delay="0"/>
-                            </p:stCondLst>
-                            <p:childTnLst>
-                              <p:par>
-                                <p:cTn id="9" presetID="1" presetClass="entr" presetSubtype="0" fill="hold" nodeType="clickEffect">
-                                  <p:stCondLst>
-                                    <p:cond delay="0"/>
-                                  </p:stCondLst>
-                                  <p:childTnLst>
-                                    <p:set>
-                                      <p:cBhvr>
-                                        <p:cTn id="10" dur="1" fill="hold">
-                                          <p:stCondLst>
-                                            <p:cond delay="0"/>
-                                          </p:stCondLst>
-                                        </p:cTn>
-                                        <p:tgtEl>
-                                          <p:spTgt spid="49"/>
-                                        </p:tgtEl>
-                                        <p:attrNameLst>
-                                          <p:attrName>style.visibility</p:attrName>
-                                        </p:attrNameLst>
-                                      </p:cBhvr>
-                                      <p:to>
-                                        <p:strVal val="visible"/>
-                                      </p:to>
-                                    </p:set>
-                                  </p:childTnLst>
-                                </p:cTn>
-                              </p:par>
-                            </p:childTnLst>
-                          </p:cTn>
-                        </p:par>
-                      </p:childTnLst>
-                    </p:cTn>
-                  </p:par>
-                  <p:par>
-                    <p:cTn id="11" fill="hold">
-                      <p:stCondLst>
-                        <p:cond delay="indefinite"/>
-                      </p:stCondLst>
-                      <p:childTnLst>
-                        <p:par>
-                          <p:cTn id="12" fill="hold">
-                            <p:stCondLst>
-                              <p:cond delay="0"/>
-                            </p:stCondLst>
-                            <p:childTnLst>
-                              <p:par>
-                                <p:cTn id="13" presetID="1" presetClass="entr" presetSubtype="0" fill="hold" nodeType="clickEffect">
-                                  <p:stCondLst>
-                                    <p:cond delay="0"/>
-                                  </p:stCondLst>
-                                  <p:childTnLst>
-                                    <p:set>
-                                      <p:cBhvr>
-                                        <p:cTn id="14" dur="1" fill="hold">
-                                          <p:stCondLst>
-                                            <p:cond delay="0"/>
-                                          </p:stCondLst>
-                                        </p:cTn>
-                                        <p:tgtEl>
-                                          <p:spTgt spid="51"/>
-                                        </p:tgtEl>
-                                        <p:attrNameLst>
-                                          <p:attrName>style.visibility</p:attrName>
-                                        </p:attrNameLst>
-                                      </p:cBhvr>
-                                      <p:to>
-                                        <p:strVal val="visible"/>
-                                      </p:to>
-                                    </p:set>
-                                  </p:childTnLst>
-                                </p:cTn>
-                              </p:par>
-                            </p:childTnLst>
-                          </p:cTn>
-                        </p:par>
-                      </p:childTnLst>
-                    </p:cTn>
-                  </p:par>
-                  <p:par>
-                    <p:cTn id="15" fill="hold">
-                      <p:stCondLst>
-                        <p:cond delay="indefinite"/>
-                      </p:stCondLst>
-                      <p:childTnLst>
-                        <p:par>
-                          <p:cTn id="16" fill="hold">
-                            <p:stCondLst>
-                              <p:cond delay="0"/>
-                            </p:stCondLst>
-                            <p:childTnLst>
-                              <p:par>
-                                <p:cTn id="17" presetID="1" presetClass="entr" presetSubtype="0" fill="hold" nodeType="clickEffect">
-                                  <p:stCondLst>
-                                    <p:cond delay="0"/>
-                                  </p:stCondLst>
-                                  <p:childTnLst>
-                                    <p:set>
-                                      <p:cBhvr>
-                                        <p:cTn id="18" dur="1" fill="hold">
-                                          <p:stCondLst>
-                                            <p:cond delay="0"/>
-                                          </p:stCondLst>
-                                        </p:cTn>
-                                        <p:tgtEl>
-                                          <p:spTgt spid="60"/>
-                                        </p:tgtEl>
-                                        <p:attrNameLst>
-                                          <p:attrName>style.visibility</p:attrName>
-                                        </p:attrNameLst>
-                                      </p:cBhvr>
-                                      <p:to>
-                                        <p:strVal val="visible"/>
-                                      </p:to>
-                                    </p:set>
-                                  </p:childTnLst>
-                                </p:cTn>
-                              </p:par>
-                            </p:childTnLst>
-                          </p:cTn>
-                        </p:par>
-                      </p:childTnLst>
-                    </p:cTn>
-                  </p:par>
-                  <p:par>
-                    <p:cTn id="19" fill="hold">
-                      <p:stCondLst>
-                        <p:cond delay="indefinite"/>
-                      </p:stCondLst>
-                      <p:childTnLst>
-                        <p:par>
-                          <p:cTn id="20" fill="hold">
-                            <p:stCondLst>
-                              <p:cond delay="0"/>
-                            </p:stCondLst>
-                            <p:childTnLst>
-                              <p:par>
-                                <p:cTn id="21" presetID="1" presetClass="entr" presetSubtype="0" fill="hold" nodeType="clickEffect">
-                                  <p:stCondLst>
-                                    <p:cond delay="0"/>
-                                  </p:stCondLst>
-                                  <p:childTnLst>
-                                    <p:set>
-                                      <p:cBhvr>
-                                        <p:cTn id="22" dur="1" fill="hold">
-                                          <p:stCondLst>
-                                            <p:cond delay="0"/>
-                                          </p:stCondLst>
-                                        </p:cTn>
-                                        <p:tgtEl>
-                                          <p:spTgt spid="26"/>
-                                        </p:tgtEl>
-                                        <p:attrNameLst>
-                                          <p:attrName>style.visibility</p:attrName>
-                                        </p:attrNameLst>
-                                      </p:cBhvr>
-                                      <p:to>
-                                        <p:strVal val="visible"/>
-                                      </p:to>
-                                    </p:set>
-                                  </p:childTnLst>
-                                </p:cTn>
-                              </p:par>
-                            </p:childTnLst>
-                          </p:cTn>
-                        </p:par>
-                      </p:childTnLst>
-                    </p:cTn>
-                  </p:par>
-                  <p:par>
-                    <p:cTn id="23" fill="hold">
-                      <p:stCondLst>
-                        <p:cond delay="indefinite"/>
-                      </p:stCondLst>
-                      <p:childTnLst>
-                        <p:par>
-                          <p:cTn id="24" fill="hold">
-                            <p:stCondLst>
-                              <p:cond delay="0"/>
-                            </p:stCondLst>
-                            <p:childTnLst>
-                              <p:par>
-                                <p:cTn id="25" presetID="1" presetClass="entr" presetSubtype="0" fill="hold" nodeType="clickEffect">
-                                  <p:stCondLst>
-                                    <p:cond delay="0"/>
-                                  </p:stCondLst>
-                                  <p:childTnLst>
-                                    <p:set>
-                                      <p:cBhvr>
-                                        <p:cTn id="26" dur="1" fill="hold">
-                                          <p:stCondLst>
-                                            <p:cond delay="0"/>
-                                          </p:stCondLst>
-                                        </p:cTn>
-                                        <p:tgtEl>
-                                          <p:spTgt spid="61"/>
-                                        </p:tgtEl>
-                                        <p:attrNameLst>
-                                          <p:attrName>style.visibility</p:attrName>
-                                        </p:attrNameLst>
-                                      </p:cBhvr>
-                                      <p:to>
-                                        <p:strVal val="visible"/>
-                                      </p:to>
-                                    </p:set>
-                                  </p:childTnLst>
-                                </p:cTn>
-                              </p:par>
-                            </p:childTnLst>
-                          </p:cTn>
-                        </p:par>
-                      </p:childTnLst>
-                    </p:cTn>
-                  </p:par>
-                </p:childTnLst>
-              </p:cTn>
-              <p:prevCondLst>
-                <p:cond evt="onPrev" delay="0">
-                  <p:tgtEl>
-                    <p:sldTgt/>
-                  </p:tgtEl>
-                </p:cond>
-              </p:prevCondLst>
-              <p:nextCondLst>
-                <p:cond evt="onNext" delay="0">
-                  <p:tgtEl>
-                    <p:sldTgt/>
-                  </p:tgtEl>
-                </p:cond>
-              </p:nextCondLst>
-            </p:seq>
-          </p:childTnLst>
-        </p:cTn>
-      </p:par>
-    </p:tnLst>
-  </p:timing>
-</p:sld>
-</file>
-
-<file path=ppt/slides/slide22.xml><?xml version="1.0" encoding="utf-8"?>
-<p:sld xmlns:a="http://schemas.openxmlformats.org/drawingml/2006/main" xmlns:r="http://schemas.openxmlformats.org/officeDocument/2006/relationships" xmlns:p="http://schemas.openxmlformats.org/presentationml/2006/main">
-  <p:cSld>
-    <p:spTree>
-      <p:nvGrpSpPr>
-        <p:cNvPr id="1" name="">
-          <a:extLst>
-            <a:ext uri="{FF2B5EF4-FFF2-40B4-BE49-F238E27FC236}">
-              <a16:creationId xmlns:a16="http://schemas.microsoft.com/office/drawing/2014/main" id="{566824EF-2C20-536E-7C75-45B662495D0C}"/>
-            </a:ext>
-          </a:extLst>
-        </p:cNvPr>
-        <p:cNvGrpSpPr/>
-        <p:nvPr/>
-      </p:nvGrpSpPr>
-      <p:grpSpPr>
-        <a:xfrm>
-          <a:off x="0" y="0"/>
-          <a:ext cx="0" cy="0"/>
-          <a:chOff x="0" y="0"/>
-          <a:chExt cx="0" cy="0"/>
-        </a:xfrm>
-      </p:grpSpPr>
-      <p:grpSp>
-        <p:nvGrpSpPr>
-          <p:cNvPr id="49" name="Group 48">
-            <a:extLst>
-              <a:ext uri="{FF2B5EF4-FFF2-40B4-BE49-F238E27FC236}">
-                <a16:creationId xmlns:a16="http://schemas.microsoft.com/office/drawing/2014/main" id="{03773A6D-972C-3D89-D55F-53B832B7744C}"/>
-              </a:ext>
-            </a:extLst>
-          </p:cNvPr>
-          <p:cNvGrpSpPr/>
-          <p:nvPr/>
-        </p:nvGrpSpPr>
-        <p:grpSpPr>
-          <a:xfrm>
-            <a:off x="2735616" y="1135136"/>
-            <a:ext cx="7751297" cy="1591154"/>
-            <a:chOff x="2764472" y="836011"/>
-            <a:chExt cx="7751297" cy="1591154"/>
-          </a:xfrm>
-        </p:grpSpPr>
-        <p:pic>
-          <p:nvPicPr>
-            <p:cNvPr id="42" name="Picture 41">
-              <a:extLst>
-                <a:ext uri="{FF2B5EF4-FFF2-40B4-BE49-F238E27FC236}">
-                  <a16:creationId xmlns:a16="http://schemas.microsoft.com/office/drawing/2014/main" id="{FBE1F3C9-6E71-7CCD-0986-FA9759E43FC3}"/>
-                </a:ext>
-              </a:extLst>
-            </p:cNvPr>
-            <p:cNvPicPr>
-              <a:picLocks noChangeAspect="1"/>
-            </p:cNvPicPr>
-            <p:nvPr/>
-          </p:nvPicPr>
-          <p:blipFill>
-            <a:blip r:embed="rId2">
-              <a:extLst>
-                <a:ext uri="{28A0092B-C50C-407E-A947-70E740481C1C}">
-                  <a14:useLocalDpi xmlns:a14="http://schemas.microsoft.com/office/drawing/2010/main" val="0"/>
-                </a:ext>
-              </a:extLst>
-            </a:blip>
-            <a:stretch>
-              <a:fillRect/>
-            </a:stretch>
-          </p:blipFill>
-          <p:spPr>
-            <a:xfrm>
-              <a:off x="2764472" y="836011"/>
-              <a:ext cx="609785" cy="609785"/>
-            </a:xfrm>
-            <a:prstGeom prst="rect">
-              <a:avLst/>
-            </a:prstGeom>
-          </p:spPr>
-        </p:pic>
-        <p:pic>
-          <p:nvPicPr>
-            <p:cNvPr id="43" name="Picture 42">
-              <a:extLst>
-                <a:ext uri="{FF2B5EF4-FFF2-40B4-BE49-F238E27FC236}">
-                  <a16:creationId xmlns:a16="http://schemas.microsoft.com/office/drawing/2014/main" id="{F5AC18FD-AD85-A362-32EF-F239AC2FA5A5}"/>
-                </a:ext>
-              </a:extLst>
-            </p:cNvPr>
-            <p:cNvPicPr>
-              <a:picLocks noChangeAspect="1"/>
-            </p:cNvPicPr>
-            <p:nvPr/>
-          </p:nvPicPr>
-          <p:blipFill>
-            <a:blip r:embed="rId2">
-              <a:extLst>
-                <a:ext uri="{28A0092B-C50C-407E-A947-70E740481C1C}">
-                  <a14:useLocalDpi xmlns:a14="http://schemas.microsoft.com/office/drawing/2010/main" val="0"/>
-                </a:ext>
-              </a:extLst>
-            </a:blip>
-            <a:stretch>
-              <a:fillRect/>
-            </a:stretch>
-          </p:blipFill>
-          <p:spPr>
-            <a:xfrm>
-              <a:off x="2991511" y="1817380"/>
-              <a:ext cx="609785" cy="609785"/>
-            </a:xfrm>
-            <a:prstGeom prst="rect">
-              <a:avLst/>
-            </a:prstGeom>
-          </p:spPr>
-        </p:pic>
-        <p:pic>
-          <p:nvPicPr>
-            <p:cNvPr id="44" name="Picture 43">
-              <a:extLst>
-                <a:ext uri="{FF2B5EF4-FFF2-40B4-BE49-F238E27FC236}">
-                  <a16:creationId xmlns:a16="http://schemas.microsoft.com/office/drawing/2014/main" id="{B7F7A53B-6894-4520-ABA6-5BD210F97807}"/>
-                </a:ext>
-              </a:extLst>
-            </p:cNvPr>
-            <p:cNvPicPr>
-              <a:picLocks noChangeAspect="1"/>
-            </p:cNvPicPr>
-            <p:nvPr/>
-          </p:nvPicPr>
-          <p:blipFill>
-            <a:blip r:embed="rId2">
-              <a:extLst>
-                <a:ext uri="{28A0092B-C50C-407E-A947-70E740481C1C}">
-                  <a14:useLocalDpi xmlns:a14="http://schemas.microsoft.com/office/drawing/2010/main" val="0"/>
-                </a:ext>
-              </a:extLst>
-            </a:blip>
-            <a:stretch>
-              <a:fillRect/>
-            </a:stretch>
-          </p:blipFill>
-          <p:spPr>
-            <a:xfrm>
-              <a:off x="4619945" y="1084789"/>
-              <a:ext cx="609785" cy="609785"/>
-            </a:xfrm>
-            <a:prstGeom prst="rect">
-              <a:avLst/>
-            </a:prstGeom>
-          </p:spPr>
-        </p:pic>
-        <p:pic>
-          <p:nvPicPr>
-            <p:cNvPr id="45" name="Picture 44">
-              <a:extLst>
-                <a:ext uri="{FF2B5EF4-FFF2-40B4-BE49-F238E27FC236}">
-                  <a16:creationId xmlns:a16="http://schemas.microsoft.com/office/drawing/2014/main" id="{2B051999-DF7E-FF39-FFD0-46079167BD5F}"/>
-                </a:ext>
-              </a:extLst>
-            </p:cNvPr>
-            <p:cNvPicPr>
-              <a:picLocks noChangeAspect="1"/>
-            </p:cNvPicPr>
-            <p:nvPr/>
-          </p:nvPicPr>
-          <p:blipFill>
-            <a:blip r:embed="rId2">
-              <a:extLst>
-                <a:ext uri="{28A0092B-C50C-407E-A947-70E740481C1C}">
-                  <a14:useLocalDpi xmlns:a14="http://schemas.microsoft.com/office/drawing/2010/main" val="0"/>
-                </a:ext>
-              </a:extLst>
-            </a:blip>
-            <a:stretch>
-              <a:fillRect/>
-            </a:stretch>
-          </p:blipFill>
-          <p:spPr>
-            <a:xfrm>
-              <a:off x="9905984" y="1667380"/>
-              <a:ext cx="609785" cy="609785"/>
-            </a:xfrm>
-            <a:prstGeom prst="rect">
-              <a:avLst/>
-            </a:prstGeom>
-          </p:spPr>
-        </p:pic>
-      </p:grpSp>
-      <p:grpSp>
-        <p:nvGrpSpPr>
-          <p:cNvPr id="50" name="Group 49">
-            <a:extLst>
-              <a:ext uri="{FF2B5EF4-FFF2-40B4-BE49-F238E27FC236}">
-                <a16:creationId xmlns:a16="http://schemas.microsoft.com/office/drawing/2014/main" id="{1BBC9F90-02B8-13F6-E160-E61C854C1FF7}"/>
-              </a:ext>
-            </a:extLst>
-          </p:cNvPr>
-          <p:cNvGrpSpPr/>
-          <p:nvPr/>
-        </p:nvGrpSpPr>
-        <p:grpSpPr>
-          <a:xfrm>
-            <a:off x="1904247" y="654452"/>
-            <a:ext cx="9421958" cy="1956071"/>
-            <a:chOff x="1933103" y="581887"/>
-            <a:chExt cx="9421958" cy="1956071"/>
-          </a:xfrm>
-        </p:grpSpPr>
-        <p:pic>
-          <p:nvPicPr>
-            <p:cNvPr id="33" name="Picture 32">
-              <a:extLst>
-                <a:ext uri="{FF2B5EF4-FFF2-40B4-BE49-F238E27FC236}">
-                  <a16:creationId xmlns:a16="http://schemas.microsoft.com/office/drawing/2014/main" id="{AE8D0048-EC9D-1B1A-B6BC-B58AAABA0C6E}"/>
-                </a:ext>
-              </a:extLst>
-            </p:cNvPr>
-            <p:cNvPicPr>
-              <a:picLocks noChangeAspect="1"/>
-            </p:cNvPicPr>
-            <p:nvPr/>
-          </p:nvPicPr>
-          <p:blipFill>
-            <a:blip r:embed="rId3">
-              <a:extLst>
-                <a:ext uri="{28A0092B-C50C-407E-A947-70E740481C1C}">
-                  <a14:useLocalDpi xmlns:a14="http://schemas.microsoft.com/office/drawing/2010/main" val="0"/>
-                </a:ext>
-              </a:extLst>
-            </a:blip>
-            <a:stretch>
-              <a:fillRect/>
-            </a:stretch>
-          </p:blipFill>
-          <p:spPr>
-            <a:xfrm>
-              <a:off x="1933103" y="725220"/>
-              <a:ext cx="831369" cy="831369"/>
-            </a:xfrm>
-            <a:prstGeom prst="rect">
-              <a:avLst/>
-            </a:prstGeom>
-          </p:spPr>
-        </p:pic>
-        <p:pic>
-          <p:nvPicPr>
-            <p:cNvPr id="35" name="Picture 34">
-              <a:extLst>
-                <a:ext uri="{FF2B5EF4-FFF2-40B4-BE49-F238E27FC236}">
-                  <a16:creationId xmlns:a16="http://schemas.microsoft.com/office/drawing/2014/main" id="{55A62185-023D-C34B-C467-755C37EB5002}"/>
-                </a:ext>
-              </a:extLst>
-            </p:cNvPr>
-            <p:cNvPicPr>
-              <a:picLocks noChangeAspect="1"/>
-            </p:cNvPicPr>
-            <p:nvPr/>
-          </p:nvPicPr>
-          <p:blipFill>
-            <a:blip r:embed="rId4">
-              <a:extLst>
-                <a:ext uri="{28A0092B-C50C-407E-A947-70E740481C1C}">
-                  <a14:useLocalDpi xmlns:a14="http://schemas.microsoft.com/office/drawing/2010/main" val="0"/>
-                </a:ext>
-              </a:extLst>
-            </a:blip>
-            <a:stretch>
-              <a:fillRect/>
-            </a:stretch>
-          </p:blipFill>
-          <p:spPr>
-            <a:xfrm>
-              <a:off x="5012421" y="581887"/>
-              <a:ext cx="831369" cy="831369"/>
-            </a:xfrm>
-            <a:prstGeom prst="rect">
-              <a:avLst/>
-            </a:prstGeom>
-          </p:spPr>
-        </p:pic>
-        <p:pic>
-          <p:nvPicPr>
-            <p:cNvPr id="37" name="Picture 36">
-              <a:extLst>
-                <a:ext uri="{FF2B5EF4-FFF2-40B4-BE49-F238E27FC236}">
-                  <a16:creationId xmlns:a16="http://schemas.microsoft.com/office/drawing/2014/main" id="{33C0B012-54B2-63FA-B402-C87E31082B4A}"/>
-                </a:ext>
-              </a:extLst>
-            </p:cNvPr>
-            <p:cNvPicPr>
-              <a:picLocks noChangeAspect="1"/>
-            </p:cNvPicPr>
-            <p:nvPr/>
-          </p:nvPicPr>
-          <p:blipFill>
-            <a:blip r:embed="rId5">
-              <a:extLst>
-                <a:ext uri="{28A0092B-C50C-407E-A947-70E740481C1C}">
-                  <a14:useLocalDpi xmlns:a14="http://schemas.microsoft.com/office/drawing/2010/main" val="0"/>
-                </a:ext>
-              </a:extLst>
-            </a:blip>
-            <a:stretch>
-              <a:fillRect/>
-            </a:stretch>
-          </p:blipFill>
-          <p:spPr>
-            <a:xfrm>
-              <a:off x="3435678" y="1556589"/>
-              <a:ext cx="831369" cy="831369"/>
-            </a:xfrm>
-            <a:prstGeom prst="rect">
-              <a:avLst/>
-            </a:prstGeom>
-          </p:spPr>
-        </p:pic>
-        <p:pic>
-          <p:nvPicPr>
-            <p:cNvPr id="39" name="Picture 38">
-              <a:extLst>
-                <a:ext uri="{FF2B5EF4-FFF2-40B4-BE49-F238E27FC236}">
-                  <a16:creationId xmlns:a16="http://schemas.microsoft.com/office/drawing/2014/main" id="{6BF4BFA1-90D8-872B-C9CF-3FFF9DC4F1E2}"/>
-                </a:ext>
-              </a:extLst>
-            </p:cNvPr>
-            <p:cNvPicPr>
-              <a:picLocks noChangeAspect="1"/>
-            </p:cNvPicPr>
-            <p:nvPr/>
-          </p:nvPicPr>
-          <p:blipFill>
-            <a:blip r:embed="rId6">
-              <a:extLst>
-                <a:ext uri="{28A0092B-C50C-407E-A947-70E740481C1C}">
-                  <a14:useLocalDpi xmlns:a14="http://schemas.microsoft.com/office/drawing/2010/main" val="0"/>
-                </a:ext>
-              </a:extLst>
-            </a:blip>
-            <a:stretch>
-              <a:fillRect/>
-            </a:stretch>
-          </p:blipFill>
-          <p:spPr>
-            <a:xfrm>
-              <a:off x="10523692" y="1706589"/>
-              <a:ext cx="831369" cy="831369"/>
-            </a:xfrm>
-            <a:prstGeom prst="rect">
-              <a:avLst/>
-            </a:prstGeom>
-          </p:spPr>
-        </p:pic>
-      </p:grpSp>
-      <p:grpSp>
-        <p:nvGrpSpPr>
-          <p:cNvPr id="26" name="Group 25">
-            <a:extLst>
-              <a:ext uri="{FF2B5EF4-FFF2-40B4-BE49-F238E27FC236}">
-                <a16:creationId xmlns:a16="http://schemas.microsoft.com/office/drawing/2014/main" id="{ADFE5FD1-EBA7-AF6A-2468-13A64175F96F}"/>
-              </a:ext>
-            </a:extLst>
-          </p:cNvPr>
-          <p:cNvGrpSpPr/>
-          <p:nvPr/>
-        </p:nvGrpSpPr>
-        <p:grpSpPr>
-          <a:xfrm>
-            <a:off x="3048431" y="1538126"/>
-            <a:ext cx="7141512" cy="1185035"/>
-            <a:chOff x="3040509" y="1541255"/>
-            <a:chExt cx="7141512" cy="1185035"/>
-          </a:xfrm>
-        </p:grpSpPr>
-        <p:cxnSp>
-          <p:nvCxnSpPr>
-            <p:cNvPr id="3" name="Straight Arrow Connector 2">
-              <a:extLst>
-                <a:ext uri="{FF2B5EF4-FFF2-40B4-BE49-F238E27FC236}">
-                  <a16:creationId xmlns:a16="http://schemas.microsoft.com/office/drawing/2014/main" id="{9976D924-3689-E7EB-7E80-84EFEFD586B7}"/>
-                </a:ext>
-              </a:extLst>
-            </p:cNvPr>
-            <p:cNvCxnSpPr>
-              <a:stCxn id="42" idx="2"/>
-              <a:endCxn id="43" idx="0"/>
-            </p:cNvCxnSpPr>
-            <p:nvPr/>
-          </p:nvCxnSpPr>
-          <p:spPr>
-            <a:xfrm>
-              <a:off x="3040509" y="1744921"/>
-              <a:ext cx="227039" cy="371584"/>
-            </a:xfrm>
-            <a:prstGeom prst="straightConnector1">
-              <a:avLst/>
-            </a:prstGeom>
-            <a:ln w="76200">
-              <a:solidFill>
-                <a:srgbClr val="00B050"/>
-              </a:solidFill>
-              <a:tailEnd type="triangle"/>
-            </a:ln>
-          </p:spPr>
-          <p:style>
-            <a:lnRef idx="1">
-              <a:schemeClr val="accent1"/>
-            </a:lnRef>
-            <a:fillRef idx="0">
-              <a:schemeClr val="accent1"/>
-            </a:fillRef>
-            <a:effectRef idx="0">
-              <a:schemeClr val="accent1"/>
-            </a:effectRef>
-            <a:fontRef idx="minor">
-              <a:schemeClr val="tx1"/>
-            </a:fontRef>
-          </p:style>
-        </p:cxnSp>
-        <p:cxnSp>
-          <p:nvCxnSpPr>
-            <p:cNvPr id="11" name="Connector: Curved 10">
-              <a:extLst>
-                <a:ext uri="{FF2B5EF4-FFF2-40B4-BE49-F238E27FC236}">
-                  <a16:creationId xmlns:a16="http://schemas.microsoft.com/office/drawing/2014/main" id="{72DADE5D-1AE8-F64C-81A3-06AB7716ADE3}"/>
-                </a:ext>
-              </a:extLst>
-            </p:cNvPr>
-            <p:cNvCxnSpPr>
-              <a:cxnSpLocks/>
-              <a:stCxn id="43" idx="2"/>
-              <a:endCxn id="44" idx="1"/>
-            </p:cNvCxnSpPr>
-            <p:nvPr/>
-          </p:nvCxnSpPr>
-          <p:spPr>
-            <a:xfrm rot="5400000" flipH="1" flipV="1">
-              <a:off x="3410576" y="1545778"/>
-              <a:ext cx="1037483" cy="1323541"/>
-            </a:xfrm>
-            <a:prstGeom prst="curvedConnector4">
-              <a:avLst>
-                <a:gd name="adj1" fmla="val -22034"/>
-                <a:gd name="adj2" fmla="val 61518"/>
-              </a:avLst>
-            </a:prstGeom>
-            <a:ln w="76200">
-              <a:solidFill>
-                <a:srgbClr val="00B050"/>
-              </a:solidFill>
-              <a:tailEnd type="triangle"/>
-            </a:ln>
-          </p:spPr>
-          <p:style>
-            <a:lnRef idx="1">
-              <a:schemeClr val="accent1"/>
-            </a:lnRef>
-            <a:fillRef idx="0">
-              <a:schemeClr val="accent1"/>
-            </a:fillRef>
-            <a:effectRef idx="0">
-              <a:schemeClr val="accent1"/>
-            </a:effectRef>
-            <a:fontRef idx="minor">
-              <a:schemeClr val="tx1"/>
-            </a:fontRef>
-          </p:style>
-        </p:cxnSp>
-        <p:cxnSp>
-          <p:nvCxnSpPr>
-            <p:cNvPr id="23" name="Connector: Curved 22">
-              <a:extLst>
-                <a:ext uri="{FF2B5EF4-FFF2-40B4-BE49-F238E27FC236}">
-                  <a16:creationId xmlns:a16="http://schemas.microsoft.com/office/drawing/2014/main" id="{B00215D2-19A1-6AAB-EB49-C5AB66DA73B1}"/>
-                </a:ext>
-              </a:extLst>
-            </p:cNvPr>
-            <p:cNvCxnSpPr>
-              <a:cxnSpLocks/>
-              <a:stCxn id="45" idx="0"/>
-            </p:cNvCxnSpPr>
-            <p:nvPr/>
-          </p:nvCxnSpPr>
-          <p:spPr>
-            <a:xfrm rot="16200000" flipV="1">
-              <a:off x="7478823" y="-736694"/>
-              <a:ext cx="425250" cy="4981147"/>
-            </a:xfrm>
-            <a:prstGeom prst="curvedConnector2">
-              <a:avLst/>
-            </a:prstGeom>
-            <a:ln w="76200">
-              <a:solidFill>
-                <a:srgbClr val="00B050"/>
-              </a:solidFill>
-              <a:tailEnd type="triangle"/>
-            </a:ln>
-          </p:spPr>
-          <p:style>
-            <a:lnRef idx="1">
-              <a:schemeClr val="accent1"/>
-            </a:lnRef>
-            <a:fillRef idx="0">
-              <a:schemeClr val="accent1"/>
-            </a:fillRef>
-            <a:effectRef idx="0">
-              <a:schemeClr val="accent1"/>
-            </a:effectRef>
-            <a:fontRef idx="minor">
-              <a:schemeClr val="tx1"/>
-            </a:fontRef>
-          </p:style>
-        </p:cxnSp>
-      </p:grpSp>
-      <p:grpSp>
-        <p:nvGrpSpPr>
-          <p:cNvPr id="51" name="Group 50">
-            <a:extLst>
-              <a:ext uri="{FF2B5EF4-FFF2-40B4-BE49-F238E27FC236}">
-                <a16:creationId xmlns:a16="http://schemas.microsoft.com/office/drawing/2014/main" id="{9E88B1D6-AAD4-2C9A-4ECD-E2DE8FF8E30F}"/>
-              </a:ext>
-            </a:extLst>
-          </p:cNvPr>
-          <p:cNvGrpSpPr/>
-          <p:nvPr/>
-        </p:nvGrpSpPr>
-        <p:grpSpPr>
-          <a:xfrm>
-            <a:off x="2735615" y="1440028"/>
-            <a:ext cx="7446406" cy="1136263"/>
-            <a:chOff x="2735615" y="1440028"/>
-            <a:chExt cx="7446406" cy="1136263"/>
-          </a:xfrm>
-        </p:grpSpPr>
-        <p:cxnSp>
-          <p:nvCxnSpPr>
-            <p:cNvPr id="28" name="Connector: Curved 27">
-              <a:extLst>
-                <a:ext uri="{FF2B5EF4-FFF2-40B4-BE49-F238E27FC236}">
-                  <a16:creationId xmlns:a16="http://schemas.microsoft.com/office/drawing/2014/main" id="{83C5C9D4-0A68-84FA-678F-1F14740C800C}"/>
-                </a:ext>
-              </a:extLst>
-            </p:cNvPr>
-            <p:cNvCxnSpPr>
-              <a:cxnSpLocks/>
-              <a:stCxn id="42" idx="1"/>
-              <a:endCxn id="43" idx="1"/>
-            </p:cNvCxnSpPr>
-            <p:nvPr/>
-          </p:nvCxnSpPr>
-          <p:spPr>
-            <a:xfrm rot="10800000" flipH="1" flipV="1">
-              <a:off x="2735615" y="1440028"/>
-              <a:ext cx="227039" cy="981369"/>
-            </a:xfrm>
-            <a:prstGeom prst="curvedConnector3">
-              <a:avLst>
-                <a:gd name="adj1" fmla="val -100688"/>
-              </a:avLst>
-            </a:prstGeom>
-            <a:ln w="76200">
-              <a:solidFill>
-                <a:srgbClr val="C00000"/>
-              </a:solidFill>
-              <a:tailEnd type="triangle"/>
-            </a:ln>
-          </p:spPr>
-          <p:style>
-            <a:lnRef idx="1">
-              <a:schemeClr val="accent1"/>
-            </a:lnRef>
-            <a:fillRef idx="0">
-              <a:schemeClr val="accent1"/>
-            </a:fillRef>
-            <a:effectRef idx="0">
-              <a:schemeClr val="accent1"/>
-            </a:effectRef>
-            <a:fontRef idx="minor">
-              <a:schemeClr val="tx1"/>
-            </a:fontRef>
-          </p:style>
-        </p:cxnSp>
-        <p:cxnSp>
-          <p:nvCxnSpPr>
-            <p:cNvPr id="32" name="Connector: Curved 31">
-              <a:extLst>
-                <a:ext uri="{FF2B5EF4-FFF2-40B4-BE49-F238E27FC236}">
-                  <a16:creationId xmlns:a16="http://schemas.microsoft.com/office/drawing/2014/main" id="{0E6C869C-E41F-AAE9-CA9B-3FDF47A06720}"/>
-                </a:ext>
-              </a:extLst>
-            </p:cNvPr>
-            <p:cNvCxnSpPr>
-              <a:cxnSpLocks/>
-              <a:stCxn id="43" idx="1"/>
-              <a:endCxn id="44" idx="2"/>
-            </p:cNvCxnSpPr>
-            <p:nvPr/>
-          </p:nvCxnSpPr>
-          <p:spPr>
-            <a:xfrm rot="10800000" flipH="1">
-              <a:off x="2962654" y="1993700"/>
-              <a:ext cx="1933327" cy="427699"/>
-            </a:xfrm>
-            <a:prstGeom prst="curvedConnector4">
-              <a:avLst>
-                <a:gd name="adj1" fmla="val -8685"/>
-                <a:gd name="adj2" fmla="val -189642"/>
-              </a:avLst>
-            </a:prstGeom>
-            <a:ln w="76200">
-              <a:solidFill>
-                <a:srgbClr val="C00000"/>
-              </a:solidFill>
-              <a:tailEnd type="triangle"/>
-            </a:ln>
-          </p:spPr>
-          <p:style>
-            <a:lnRef idx="1">
-              <a:schemeClr val="accent1"/>
-            </a:lnRef>
-            <a:fillRef idx="0">
-              <a:schemeClr val="accent1"/>
-            </a:fillRef>
-            <a:effectRef idx="0">
-              <a:schemeClr val="accent1"/>
-            </a:effectRef>
-            <a:fontRef idx="minor">
-              <a:schemeClr val="tx1"/>
-            </a:fontRef>
-          </p:style>
-        </p:cxnSp>
-        <p:cxnSp>
-          <p:nvCxnSpPr>
-            <p:cNvPr id="46" name="Connector: Curved 45">
-              <a:extLst>
-                <a:ext uri="{FF2B5EF4-FFF2-40B4-BE49-F238E27FC236}">
-                  <a16:creationId xmlns:a16="http://schemas.microsoft.com/office/drawing/2014/main" id="{BBC0B154-05F1-246D-9F91-621C8FC7E73B}"/>
-                </a:ext>
-              </a:extLst>
-            </p:cNvPr>
-            <p:cNvCxnSpPr>
-              <a:cxnSpLocks/>
-              <a:stCxn id="45" idx="2"/>
-              <a:endCxn id="44" idx="2"/>
-            </p:cNvCxnSpPr>
-            <p:nvPr/>
-          </p:nvCxnSpPr>
-          <p:spPr>
-            <a:xfrm rot="5400000" flipH="1">
-              <a:off x="7247706" y="-358024"/>
-              <a:ext cx="582591" cy="5286039"/>
-            </a:xfrm>
-            <a:prstGeom prst="curvedConnector3">
-              <a:avLst>
-                <a:gd name="adj1" fmla="val -39239"/>
-              </a:avLst>
-            </a:prstGeom>
-            <a:ln w="76200">
-              <a:solidFill>
-                <a:srgbClr val="C00000"/>
-              </a:solidFill>
-              <a:tailEnd type="triangle"/>
-            </a:ln>
-          </p:spPr>
-          <p:style>
-            <a:lnRef idx="1">
-              <a:schemeClr val="accent1"/>
-            </a:lnRef>
-            <a:fillRef idx="0">
-              <a:schemeClr val="accent1"/>
-            </a:fillRef>
-            <a:effectRef idx="0">
-              <a:schemeClr val="accent1"/>
-            </a:effectRef>
-            <a:fontRef idx="minor">
-              <a:schemeClr val="tx1"/>
-            </a:fontRef>
-          </p:style>
-        </p:cxnSp>
-      </p:grpSp>
-      <p:pic>
-        <p:nvPicPr>
-          <p:cNvPr id="29" name="Picture 28">
-            <a:extLst>
-              <a:ext uri="{FF2B5EF4-FFF2-40B4-BE49-F238E27FC236}">
-                <a16:creationId xmlns:a16="http://schemas.microsoft.com/office/drawing/2014/main" id="{237BF4BD-8064-5BAE-9011-33D1DF1607FB}"/>
-              </a:ext>
-            </a:extLst>
-          </p:cNvPr>
-          <p:cNvPicPr>
-            <a:picLocks noChangeAspect="1"/>
-          </p:cNvPicPr>
-          <p:nvPr/>
-        </p:nvPicPr>
-        <p:blipFill>
-          <a:blip r:embed="rId7">
-            <a:extLst>
-              <a:ext uri="{28A0092B-C50C-407E-A947-70E740481C1C}">
-                <a14:useLocalDpi xmlns:a14="http://schemas.microsoft.com/office/drawing/2010/main" val="0"/>
-              </a:ext>
-            </a:extLst>
-          </a:blip>
-          <a:stretch>
-            <a:fillRect/>
-          </a:stretch>
-        </p:blipFill>
-        <p:spPr>
-          <a:xfrm>
-            <a:off x="0" y="73025"/>
-            <a:ext cx="12192000" cy="6711950"/>
-          </a:xfrm>
-          <a:prstGeom prst="rect">
-            <a:avLst/>
-          </a:prstGeom>
-        </p:spPr>
-      </p:pic>
-    </p:spTree>
-    <p:extLst>
-      <p:ext uri="{BB962C8B-B14F-4D97-AF65-F5344CB8AC3E}">
-        <p14:creationId xmlns:p14="http://schemas.microsoft.com/office/powerpoint/2010/main" val="1113961509"/>
-      </p:ext>
-    </p:extLst>
-  </p:cSld>
-  <p:clrMapOvr>
-    <a:masterClrMapping/>
-  </p:clrMapOvr>
-</p:sld>
-</file>
-
-<file path=ppt/slides/slide23.xml><?xml version="1.0" encoding="utf-8"?>
-<p:sld xmlns:a="http://schemas.openxmlformats.org/drawingml/2006/main" xmlns:r="http://schemas.openxmlformats.org/officeDocument/2006/relationships" xmlns:p="http://schemas.openxmlformats.org/presentationml/2006/main">
-  <p:cSld>
-    <p:spTree>
-      <p:nvGrpSpPr>
-        <p:cNvPr id="1" name="">
-          <a:extLst>
-            <a:ext uri="{FF2B5EF4-FFF2-40B4-BE49-F238E27FC236}">
-              <a16:creationId xmlns:a16="http://schemas.microsoft.com/office/drawing/2014/main" id="{FCA81726-9AD6-1BBF-6266-1DF5B69C0186}"/>
-            </a:ext>
-          </a:extLst>
-        </p:cNvPr>
-        <p:cNvGrpSpPr/>
-        <p:nvPr/>
-      </p:nvGrpSpPr>
-      <p:grpSpPr>
-        <a:xfrm>
-          <a:off x="0" y="0"/>
-          <a:ext cx="0" cy="0"/>
-          <a:chOff x="0" y="0"/>
-          <a:chExt cx="0" cy="0"/>
-        </a:xfrm>
-      </p:grpSpPr>
-      <p:sp>
-        <p:nvSpPr>
-          <p:cNvPr id="2" name="Title 1">
-            <a:extLst>
-              <a:ext uri="{FF2B5EF4-FFF2-40B4-BE49-F238E27FC236}">
-                <a16:creationId xmlns:a16="http://schemas.microsoft.com/office/drawing/2014/main" id="{9D9415F1-7060-0BE0-BE36-18430009B032}"/>
-              </a:ext>
-            </a:extLst>
-          </p:cNvPr>
-          <p:cNvSpPr>
-            <a:spLocks noGrp="1"/>
-          </p:cNvSpPr>
-          <p:nvPr>
-            <p:ph type="title"/>
-          </p:nvPr>
-        </p:nvSpPr>
-        <p:spPr>
-          <a:xfrm>
-            <a:off x="838200" y="365126"/>
-            <a:ext cx="10515600" cy="856964"/>
-          </a:xfrm>
-        </p:spPr>
-        <p:txBody>
-          <a:bodyPr/>
-          <a:lstStyle/>
-          <a:p>
-            <a:r>
-              <a:rPr lang="en-GB" dirty="0">
-                <a:latin typeface="Arial Black" panose="020B0A04020102020204" pitchFamily="34" charset="0"/>
-              </a:rPr>
-              <a:t>What is BBG used for?</a:t>
-            </a:r>
-          </a:p>
-        </p:txBody>
-      </p:sp>
-      <p:sp>
-        <p:nvSpPr>
-          <p:cNvPr id="6" name="Content Placeholder 5">
-            <a:extLst>
-              <a:ext uri="{FF2B5EF4-FFF2-40B4-BE49-F238E27FC236}">
-                <a16:creationId xmlns:a16="http://schemas.microsoft.com/office/drawing/2014/main" id="{6A2151AF-0E81-5F13-0A5E-48C9E5A8CF4E}"/>
-              </a:ext>
-            </a:extLst>
-          </p:cNvPr>
-          <p:cNvSpPr>
-            <a:spLocks noGrp="1"/>
-          </p:cNvSpPr>
-          <p:nvPr>
-            <p:ph idx="1"/>
-          </p:nvPr>
-        </p:nvSpPr>
-        <p:spPr>
-          <a:xfrm>
-            <a:off x="838200" y="1274093"/>
-            <a:ext cx="10515600" cy="4902870"/>
-          </a:xfrm>
-        </p:spPr>
-        <p:txBody>
-          <a:bodyPr>
-            <a:normAutofit/>
-          </a:bodyPr>
-          <a:lstStyle/>
-          <a:p>
-            <a:r>
-              <a:rPr lang="en-GB" dirty="0"/>
-              <a:t>IB / News</a:t>
-            </a:r>
-          </a:p>
-          <a:p>
-            <a:r>
-              <a:rPr lang="en-GB" dirty="0"/>
-              <a:t>Graphs</a:t>
-            </a:r>
-          </a:p>
-          <a:p>
-            <a:r>
-              <a:rPr lang="en-GB" dirty="0"/>
-              <a:t>Trade Amendments (claw-back / price adjustment)</a:t>
-            </a:r>
-          </a:p>
-          <a:p>
-            <a:r>
-              <a:rPr lang="en-GB" dirty="0"/>
-              <a:t>EFP</a:t>
-            </a:r>
-          </a:p>
-          <a:p>
-            <a:r>
-              <a:rPr lang="en-GB" dirty="0" err="1"/>
-              <a:t>BQuant</a:t>
-            </a:r>
-            <a:endParaRPr lang="en-GB" dirty="0"/>
-          </a:p>
-        </p:txBody>
-      </p:sp>
-    </p:spTree>
-    <p:extLst>
-      <p:ext uri="{BB962C8B-B14F-4D97-AF65-F5344CB8AC3E}">
-        <p14:creationId xmlns:p14="http://schemas.microsoft.com/office/powerpoint/2010/main" val="3023984370"/>
-      </p:ext>
-    </p:extLst>
-  </p:cSld>
-  <p:clrMapOvr>
-    <a:masterClrMapping/>
-  </p:clrMapOvr>
-</p:sld>
-</file>
-
-<file path=ppt/slides/slide24.xml><?xml version="1.0" encoding="utf-8"?>
-<p:sld xmlns:a="http://schemas.openxmlformats.org/drawingml/2006/main" xmlns:r="http://schemas.openxmlformats.org/officeDocument/2006/relationships" xmlns:p="http://schemas.openxmlformats.org/presentationml/2006/main">
-  <p:cSld>
-    <p:spTree>
-      <p:nvGrpSpPr>
-        <p:cNvPr id="1" name="">
-          <a:extLst>
-            <a:ext uri="{FF2B5EF4-FFF2-40B4-BE49-F238E27FC236}">
-              <a16:creationId xmlns:a16="http://schemas.microsoft.com/office/drawing/2014/main" id="{A143BB4F-36C7-B83E-47E6-C70082FAE580}"/>
-            </a:ext>
-          </a:extLst>
-        </p:cNvPr>
-        <p:cNvGrpSpPr/>
-        <p:nvPr/>
-      </p:nvGrpSpPr>
-      <p:grpSpPr>
-        <a:xfrm>
-          <a:off x="0" y="0"/>
-          <a:ext cx="0" cy="0"/>
-          <a:chOff x="0" y="0"/>
-          <a:chExt cx="0" cy="0"/>
-        </a:xfrm>
-      </p:grpSpPr>
-      <p:sp>
-        <p:nvSpPr>
-          <p:cNvPr id="2" name="Title 1">
-            <a:extLst>
-              <a:ext uri="{FF2B5EF4-FFF2-40B4-BE49-F238E27FC236}">
-                <a16:creationId xmlns:a16="http://schemas.microsoft.com/office/drawing/2014/main" id="{D60CAD01-BDD1-EA1F-8702-6568B0312CA2}"/>
-              </a:ext>
-            </a:extLst>
-          </p:cNvPr>
-          <p:cNvSpPr>
-            <a:spLocks noGrp="1"/>
-          </p:cNvSpPr>
-          <p:nvPr>
-            <p:ph type="title"/>
-          </p:nvPr>
-        </p:nvSpPr>
-        <p:spPr>
-          <a:xfrm>
-            <a:off x="838200" y="365126"/>
-            <a:ext cx="10515600" cy="856964"/>
-          </a:xfrm>
-        </p:spPr>
-        <p:txBody>
-          <a:bodyPr/>
-          <a:lstStyle/>
-          <a:p>
-            <a:r>
-              <a:rPr lang="en-GB" dirty="0">
-                <a:latin typeface="Arial Black" panose="020B0A04020102020204" pitchFamily="34" charset="0"/>
-              </a:rPr>
-              <a:t>Other Client Offerings</a:t>
-            </a:r>
-          </a:p>
-        </p:txBody>
-      </p:sp>
-      <p:sp>
-        <p:nvSpPr>
-          <p:cNvPr id="6" name="Content Placeholder 5">
-            <a:extLst>
-              <a:ext uri="{FF2B5EF4-FFF2-40B4-BE49-F238E27FC236}">
-                <a16:creationId xmlns:a16="http://schemas.microsoft.com/office/drawing/2014/main" id="{1B2A7DE8-E9EF-D6A1-1035-6AF60127CBC2}"/>
-              </a:ext>
-            </a:extLst>
-          </p:cNvPr>
-          <p:cNvSpPr>
-            <a:spLocks noGrp="1"/>
-          </p:cNvSpPr>
-          <p:nvPr>
-            <p:ph idx="1"/>
-          </p:nvPr>
-        </p:nvSpPr>
-        <p:spPr>
-          <a:xfrm>
-            <a:off x="838200" y="1274093"/>
-            <a:ext cx="10515600" cy="4902870"/>
-          </a:xfrm>
-        </p:spPr>
-        <p:txBody>
-          <a:bodyPr/>
-          <a:lstStyle/>
-          <a:p>
-            <a:r>
-              <a:rPr lang="en-GB" dirty="0"/>
-              <a:t>Direct Market Access (DMA)</a:t>
-            </a:r>
-          </a:p>
-          <a:p>
-            <a:r>
-              <a:rPr lang="en-GB" dirty="0"/>
-              <a:t>Trading Analytics</a:t>
-            </a:r>
-          </a:p>
-          <a:p>
-            <a:r>
-              <a:rPr lang="en-GB" dirty="0"/>
-              <a:t>Algorithmic Strategies</a:t>
-            </a:r>
-          </a:p>
-          <a:p>
-            <a:pPr lvl="1"/>
-            <a:r>
-              <a:rPr lang="en-GB" dirty="0"/>
-              <a:t>Passive / Iceberg</a:t>
-            </a:r>
-          </a:p>
-          <a:p>
-            <a:pPr lvl="1"/>
-            <a:r>
-              <a:rPr lang="en-GB" dirty="0"/>
-              <a:t>Time- / Volume-based</a:t>
-            </a:r>
-          </a:p>
-          <a:p>
-            <a:pPr lvl="1"/>
-            <a:r>
-              <a:rPr lang="en-GB" dirty="0"/>
-              <a:t>Opportunistic - Guerrilla, Sniper</a:t>
-            </a:r>
-          </a:p>
-          <a:p>
-            <a:pPr lvl="1"/>
-            <a:r>
-              <a:rPr lang="en-GB" dirty="0"/>
-              <a:t>Hybrid - Float-Guerrilla, Float Sniper, Price Inline</a:t>
-            </a:r>
-          </a:p>
-          <a:p>
-            <a:pPr lvl="1"/>
-            <a:r>
-              <a:rPr lang="en-GB" dirty="0">
-                <a:hlinkClick r:id="rId2"/>
-              </a:rPr>
-              <a:t>https://www.credit-suisse.com/media/ib/docs/investment-banking/client-offering/aes-strategy-guide-and-attestation-equities.pdf</a:t>
-            </a:r>
-            <a:endParaRPr lang="en-GB" dirty="0"/>
-          </a:p>
-          <a:p>
-            <a:endParaRPr lang="en-GB" dirty="0"/>
-          </a:p>
-        </p:txBody>
-      </p:sp>
-    </p:spTree>
-    <p:extLst>
-      <p:ext uri="{BB962C8B-B14F-4D97-AF65-F5344CB8AC3E}">
-        <p14:creationId xmlns:p14="http://schemas.microsoft.com/office/powerpoint/2010/main" val="358853458"/>
-      </p:ext>
-    </p:extLst>
-  </p:cSld>
-  <p:clrMapOvr>
-    <a:masterClrMapping/>
-  </p:clrMapOvr>
-</p:sld>
-</file>
-
-<file path=ppt/slides/slide3.xml><?xml version="1.0" encoding="utf-8"?>
+<file path=ppt/slides/slide4.xml><?xml version="1.0" encoding="utf-8"?>
 <p:sld xmlns:a="http://schemas.openxmlformats.org/drawingml/2006/main" xmlns:r="http://schemas.openxmlformats.org/officeDocument/2006/relationships" xmlns:p="http://schemas.openxmlformats.org/presentationml/2006/main">
   <p:cSld>
     <p:spTree>
@@ -9558,42 +10520,6 @@
           </p:spPr>
         </p:pic>
       </p:grpSp>
-      <p:pic>
-        <p:nvPicPr>
-          <p:cNvPr id="14" name="Picture 13">
-            <a:extLst>
-              <a:ext uri="{FF2B5EF4-FFF2-40B4-BE49-F238E27FC236}">
-                <a16:creationId xmlns:a16="http://schemas.microsoft.com/office/drawing/2014/main" id="{1A4575EF-03BD-1CEA-C8BB-1503178E3B00}"/>
-              </a:ext>
-            </a:extLst>
-          </p:cNvPr>
-          <p:cNvPicPr>
-            <a:picLocks noChangeAspect="1"/>
-          </p:cNvPicPr>
-          <p:nvPr/>
-        </p:nvPicPr>
-        <p:blipFill>
-          <a:blip r:embed="rId12">
-            <a:extLst>
-              <a:ext uri="{28A0092B-C50C-407E-A947-70E740481C1C}">
-                <a14:useLocalDpi xmlns:a14="http://schemas.microsoft.com/office/drawing/2010/main" val="0"/>
-              </a:ext>
-            </a:extLst>
-          </a:blip>
-          <a:stretch>
-            <a:fillRect/>
-          </a:stretch>
-        </p:blipFill>
-        <p:spPr>
-          <a:xfrm rot="555158">
-            <a:off x="1161600" y="2832866"/>
-            <a:ext cx="10498321" cy="1958184"/>
-          </a:xfrm>
-          <a:prstGeom prst="rect">
-            <a:avLst/>
-          </a:prstGeom>
-        </p:spPr>
-      </p:pic>
       <p:sp>
         <p:nvSpPr>
           <p:cNvPr id="2" name="Title 1">
@@ -9629,6 +10555,243 @@
           </a:p>
         </p:txBody>
       </p:sp>
+      <p:grpSp>
+        <p:nvGrpSpPr>
+          <p:cNvPr id="18" name="Group 17">
+            <a:extLst>
+              <a:ext uri="{FF2B5EF4-FFF2-40B4-BE49-F238E27FC236}">
+                <a16:creationId xmlns:a16="http://schemas.microsoft.com/office/drawing/2014/main" id="{01B7EB57-E51B-6D74-3A82-4B80B1FD876C}"/>
+              </a:ext>
+            </a:extLst>
+          </p:cNvPr>
+          <p:cNvGrpSpPr/>
+          <p:nvPr/>
+        </p:nvGrpSpPr>
+        <p:grpSpPr>
+          <a:xfrm>
+            <a:off x="-83530" y="2970363"/>
+            <a:ext cx="6783293" cy="3736513"/>
+            <a:chOff x="-83530" y="2970363"/>
+            <a:chExt cx="6783293" cy="3736513"/>
+          </a:xfrm>
+        </p:grpSpPr>
+        <p:pic>
+          <p:nvPicPr>
+            <p:cNvPr id="5" name="Picture 4">
+              <a:extLst>
+                <a:ext uri="{FF2B5EF4-FFF2-40B4-BE49-F238E27FC236}">
+                  <a16:creationId xmlns:a16="http://schemas.microsoft.com/office/drawing/2014/main" id="{114728EB-CAE2-2B97-6EA4-D52568B6244D}"/>
+                </a:ext>
+              </a:extLst>
+            </p:cNvPr>
+            <p:cNvPicPr>
+              <a:picLocks noChangeAspect="1"/>
+            </p:cNvPicPr>
+            <p:nvPr/>
+          </p:nvPicPr>
+          <p:blipFill>
+            <a:blip r:embed="rId12">
+              <a:extLst>
+                <a:ext uri="{28A0092B-C50C-407E-A947-70E740481C1C}">
+                  <a14:useLocalDpi xmlns:a14="http://schemas.microsoft.com/office/drawing/2010/main" val="0"/>
+                </a:ext>
+              </a:extLst>
+            </a:blip>
+            <a:stretch>
+              <a:fillRect/>
+            </a:stretch>
+          </p:blipFill>
+          <p:spPr>
+            <a:xfrm>
+              <a:off x="1909463" y="5391794"/>
+              <a:ext cx="1315082" cy="1315082"/>
+            </a:xfrm>
+            <a:prstGeom prst="rect">
+              <a:avLst/>
+            </a:prstGeom>
+          </p:spPr>
+        </p:pic>
+        <p:pic>
+          <p:nvPicPr>
+            <p:cNvPr id="9" name="Picture 8">
+              <a:extLst>
+                <a:ext uri="{FF2B5EF4-FFF2-40B4-BE49-F238E27FC236}">
+                  <a16:creationId xmlns:a16="http://schemas.microsoft.com/office/drawing/2014/main" id="{BAD57F1A-37AC-9B60-4F15-2D8BB6EEF679}"/>
+                </a:ext>
+              </a:extLst>
+            </p:cNvPr>
+            <p:cNvPicPr>
+              <a:picLocks noChangeAspect="1"/>
+            </p:cNvPicPr>
+            <p:nvPr/>
+          </p:nvPicPr>
+          <p:blipFill>
+            <a:blip r:embed="rId13">
+              <a:extLst>
+                <a:ext uri="{28A0092B-C50C-407E-A947-70E740481C1C}">
+                  <a14:useLocalDpi xmlns:a14="http://schemas.microsoft.com/office/drawing/2010/main" val="0"/>
+                </a:ext>
+              </a:extLst>
+            </a:blip>
+            <a:stretch>
+              <a:fillRect/>
+            </a:stretch>
+          </p:blipFill>
+          <p:spPr>
+            <a:xfrm rot="2333600">
+              <a:off x="3193701" y="2970363"/>
+              <a:ext cx="3259649" cy="725781"/>
+            </a:xfrm>
+            <a:prstGeom prst="rect">
+              <a:avLst/>
+            </a:prstGeom>
+          </p:spPr>
+        </p:pic>
+        <p:pic>
+          <p:nvPicPr>
+            <p:cNvPr id="12" name="Picture 11">
+              <a:extLst>
+                <a:ext uri="{FF2B5EF4-FFF2-40B4-BE49-F238E27FC236}">
+                  <a16:creationId xmlns:a16="http://schemas.microsoft.com/office/drawing/2014/main" id="{037ADDFB-9950-D684-E734-EB4E82C320E9}"/>
+                </a:ext>
+              </a:extLst>
+            </p:cNvPr>
+            <p:cNvPicPr>
+              <a:picLocks noChangeAspect="1"/>
+            </p:cNvPicPr>
+            <p:nvPr/>
+          </p:nvPicPr>
+          <p:blipFill>
+            <a:blip r:embed="rId14">
+              <a:extLst>
+                <a:ext uri="{28A0092B-C50C-407E-A947-70E740481C1C}">
+                  <a14:useLocalDpi xmlns:a14="http://schemas.microsoft.com/office/drawing/2010/main" val="0"/>
+                </a:ext>
+              </a:extLst>
+            </a:blip>
+            <a:stretch>
+              <a:fillRect/>
+            </a:stretch>
+          </p:blipFill>
+          <p:spPr>
+            <a:xfrm>
+              <a:off x="1673847" y="3121710"/>
+              <a:ext cx="3259649" cy="1833553"/>
+            </a:xfrm>
+            <a:prstGeom prst="rect">
+              <a:avLst/>
+            </a:prstGeom>
+          </p:spPr>
+        </p:pic>
+        <p:pic>
+          <p:nvPicPr>
+            <p:cNvPr id="16" name="Picture 15">
+              <a:extLst>
+                <a:ext uri="{FF2B5EF4-FFF2-40B4-BE49-F238E27FC236}">
+                  <a16:creationId xmlns:a16="http://schemas.microsoft.com/office/drawing/2014/main" id="{FF1470B2-027D-B50A-380F-33A4230AD7EF}"/>
+                </a:ext>
+              </a:extLst>
+            </p:cNvPr>
+            <p:cNvPicPr>
+              <a:picLocks noChangeAspect="1"/>
+            </p:cNvPicPr>
+            <p:nvPr/>
+          </p:nvPicPr>
+          <p:blipFill>
+            <a:blip r:embed="rId15">
+              <a:extLst>
+                <a:ext uri="{28A0092B-C50C-407E-A947-70E740481C1C}">
+                  <a14:useLocalDpi xmlns:a14="http://schemas.microsoft.com/office/drawing/2010/main" val="0"/>
+                </a:ext>
+              </a:extLst>
+            </a:blip>
+            <a:stretch>
+              <a:fillRect/>
+            </a:stretch>
+          </p:blipFill>
+          <p:spPr>
+            <a:xfrm>
+              <a:off x="2096973" y="5248982"/>
+              <a:ext cx="4602790" cy="1413713"/>
+            </a:xfrm>
+            <a:prstGeom prst="rect">
+              <a:avLst/>
+            </a:prstGeom>
+          </p:spPr>
+        </p:pic>
+        <p:pic>
+          <p:nvPicPr>
+            <p:cNvPr id="17" name="Picture 16">
+              <a:extLst>
+                <a:ext uri="{FF2B5EF4-FFF2-40B4-BE49-F238E27FC236}">
+                  <a16:creationId xmlns:a16="http://schemas.microsoft.com/office/drawing/2014/main" id="{1E865FA1-59BF-3BE2-2FA5-CD45981D9688}"/>
+                </a:ext>
+              </a:extLst>
+            </p:cNvPr>
+            <p:cNvPicPr>
+              <a:picLocks noChangeAspect="1"/>
+            </p:cNvPicPr>
+            <p:nvPr/>
+          </p:nvPicPr>
+          <p:blipFill>
+            <a:blip r:embed="rId16">
+              <a:extLst>
+                <a:ext uri="{28A0092B-C50C-407E-A947-70E740481C1C}">
+                  <a14:useLocalDpi xmlns:a14="http://schemas.microsoft.com/office/drawing/2010/main" val="0"/>
+                </a:ext>
+              </a:extLst>
+            </a:blip>
+            <a:stretch>
+              <a:fillRect/>
+            </a:stretch>
+          </p:blipFill>
+          <p:spPr>
+            <a:xfrm rot="19854073">
+              <a:off x="-83530" y="3793974"/>
+              <a:ext cx="2582468" cy="1833552"/>
+            </a:xfrm>
+            <a:prstGeom prst="rect">
+              <a:avLst/>
+            </a:prstGeom>
+          </p:spPr>
+        </p:pic>
+      </p:grpSp>
+      <p:pic>
+        <p:nvPicPr>
+          <p:cNvPr id="14" name="Picture 13">
+            <a:extLst>
+              <a:ext uri="{FF2B5EF4-FFF2-40B4-BE49-F238E27FC236}">
+                <a16:creationId xmlns:a16="http://schemas.microsoft.com/office/drawing/2014/main" id="{1A4575EF-03BD-1CEA-C8BB-1503178E3B00}"/>
+              </a:ext>
+            </a:extLst>
+          </p:cNvPr>
+          <p:cNvPicPr>
+            <a:picLocks noChangeAspect="1"/>
+          </p:cNvPicPr>
+          <p:nvPr/>
+        </p:nvPicPr>
+        <p:blipFill>
+          <a:blip r:embed="rId17">
+            <a:extLst>
+              <a:ext uri="{28A0092B-C50C-407E-A947-70E740481C1C}">
+                <a14:useLocalDpi xmlns:a14="http://schemas.microsoft.com/office/drawing/2010/main" val="0"/>
+              </a:ext>
+            </a:extLst>
+          </a:blip>
+          <a:stretch>
+            <a:fillRect/>
+          </a:stretch>
+        </p:blipFill>
+        <p:spPr>
+          <a:xfrm rot="555158">
+            <a:off x="1161600" y="2832866"/>
+            <a:ext cx="10498321" cy="1958184"/>
+          </a:xfrm>
+          <a:prstGeom prst="rect">
+            <a:avLst/>
+          </a:prstGeom>
+        </p:spPr>
+      </p:pic>
     </p:spTree>
     <p:extLst>
       <p:ext uri="{BB962C8B-B14F-4D97-AF65-F5344CB8AC3E}">
@@ -10181,6 +11344,79 @@
                                   </p:childTnLst>
                                 </p:cTn>
                               </p:par>
+                              <p:par>
+                                <p:cTn id="23" presetID="2" presetClass="exit" presetSubtype="4" fill="hold" nodeType="withEffect">
+                                  <p:stCondLst>
+                                    <p:cond delay="0"/>
+                                  </p:stCondLst>
+                                  <p:childTnLst>
+                                    <p:anim calcmode="lin" valueType="num">
+                                      <p:cBhvr additive="base">
+                                        <p:cTn id="24" dur="500"/>
+                                        <p:tgtEl>
+                                          <p:spTgt spid="18"/>
+                                        </p:tgtEl>
+                                        <p:attrNameLst>
+                                          <p:attrName>ppt_x</p:attrName>
+                                        </p:attrNameLst>
+                                      </p:cBhvr>
+                                      <p:tavLst>
+                                        <p:tav tm="0">
+                                          <p:val>
+                                            <p:strVal val="ppt_x"/>
+                                          </p:val>
+                                        </p:tav>
+                                        <p:tav tm="100000">
+                                          <p:val>
+                                            <p:strVal val="ppt_x"/>
+                                          </p:val>
+                                        </p:tav>
+                                      </p:tavLst>
+                                    </p:anim>
+                                    <p:anim calcmode="lin" valueType="num">
+                                      <p:cBhvr additive="base">
+                                        <p:cTn id="25" dur="500"/>
+                                        <p:tgtEl>
+                                          <p:spTgt spid="18"/>
+                                        </p:tgtEl>
+                                        <p:attrNameLst>
+                                          <p:attrName>ppt_y</p:attrName>
+                                        </p:attrNameLst>
+                                      </p:cBhvr>
+                                      <p:tavLst>
+                                        <p:tav tm="0">
+                                          <p:val>
+                                            <p:strVal val="ppt_y"/>
+                                          </p:val>
+                                        </p:tav>
+                                        <p:tav tm="100000">
+                                          <p:val>
+                                            <p:strVal val="1+ppt_h/2"/>
+                                          </p:val>
+                                        </p:tav>
+                                      </p:tavLst>
+                                    </p:anim>
+                                    <p:set>
+                                      <p:cBhvr>
+                                        <p:cTn id="26" dur="1" fill="hold">
+                                          <p:stCondLst>
+                                            <p:cond delay="499"/>
+                                          </p:stCondLst>
+                                        </p:cTn>
+                                        <p:tgtEl>
+                                          <p:spTgt spid="18"/>
+                                        </p:tgtEl>
+                                        <p:attrNameLst>
+                                          <p:attrName>style.visibility</p:attrName>
+                                        </p:attrNameLst>
+                                      </p:cBhvr>
+                                      <p:to>
+                                        <p:strVal val="hidden"/>
+                                      </p:to>
+                                    </p:set>
+                                  </p:childTnLst>
+                                </p:cTn>
+                              </p:par>
                             </p:childTnLst>
                           </p:cTn>
                         </p:par>
@@ -10188,26 +11424,26 @@
                     </p:cTn>
                   </p:par>
                   <p:par>
-                    <p:cTn id="23" fill="hold">
+                    <p:cTn id="27" fill="hold">
                       <p:stCondLst>
                         <p:cond delay="indefinite"/>
                       </p:stCondLst>
                       <p:childTnLst>
                         <p:par>
-                          <p:cTn id="24" fill="hold">
+                          <p:cTn id="28" fill="hold">
                             <p:stCondLst>
                               <p:cond delay="0"/>
                             </p:stCondLst>
                             <p:childTnLst>
                               <p:par>
-                                <p:cTn id="25" presetID="10" presetClass="exit" presetSubtype="0" fill="hold" nodeType="clickEffect">
+                                <p:cTn id="29" presetID="10" presetClass="exit" presetSubtype="0" fill="hold" nodeType="clickEffect">
                                   <p:stCondLst>
                                     <p:cond delay="0"/>
                                   </p:stCondLst>
                                   <p:childTnLst>
                                     <p:animEffect transition="out" filter="fade">
                                       <p:cBhvr>
-                                        <p:cTn id="26" dur="500"/>
+                                        <p:cTn id="30" dur="500"/>
                                         <p:tgtEl>
                                           <p:spTgt spid="3"/>
                                         </p:tgtEl>
@@ -10215,7 +11451,7 @@
                                     </p:animEffect>
                                     <p:set>
                                       <p:cBhvr>
-                                        <p:cTn id="27" dur="1" fill="hold">
+                                        <p:cTn id="31" dur="1" fill="hold">
                                           <p:stCondLst>
                                             <p:cond delay="499"/>
                                           </p:stCondLst>
@@ -10238,20 +11474,20 @@
                           </p:cTn>
                         </p:par>
                         <p:par>
-                          <p:cTn id="28" fill="hold">
+                          <p:cTn id="32" fill="hold">
                             <p:stCondLst>
                               <p:cond delay="500"/>
                             </p:stCondLst>
                             <p:childTnLst>
                               <p:par>
-                                <p:cTn id="29" presetID="10" presetClass="entr" presetSubtype="0" fill="hold" nodeType="afterEffect">
+                                <p:cTn id="33" presetID="10" presetClass="entr" presetSubtype="0" fill="hold" nodeType="afterEffect">
                                   <p:stCondLst>
                                     <p:cond delay="0"/>
                                   </p:stCondLst>
                                   <p:childTnLst>
                                     <p:set>
                                       <p:cBhvr>
-                                        <p:cTn id="30" dur="1" fill="hold">
+                                        <p:cTn id="34" dur="1" fill="hold">
                                           <p:stCondLst>
                                             <p:cond delay="0"/>
                                           </p:stCondLst>
@@ -10269,7 +11505,7 @@
                                     </p:set>
                                     <p:animEffect transition="in" filter="fade">
                                       <p:cBhvr>
-                                        <p:cTn id="31" dur="500"/>
+                                        <p:cTn id="35" dur="500"/>
                                         <p:tgtEl>
                                           <p:spTgt spid="23"/>
                                         </p:tgtEl>
@@ -10309,7 +11545,7 @@
 </p:sld>
 </file>
 
-<file path=ppt/slides/slide4.xml><?xml version="1.0" encoding="utf-8"?>
+<file path=ppt/slides/slide5.xml><?xml version="1.0" encoding="utf-8"?>
 <p:sld xmlns:a="http://schemas.openxmlformats.org/drawingml/2006/main" xmlns:r="http://schemas.openxmlformats.org/officeDocument/2006/relationships" xmlns:p="http://schemas.openxmlformats.org/presentationml/2006/main">
   <p:cSld>
     <p:spTree>
@@ -12461,6 +13697,204 @@
           </p:txBody>
         </p:sp>
       </p:grpSp>
+      <p:grpSp>
+        <p:nvGrpSpPr>
+          <p:cNvPr id="28" name="Group 27">
+            <a:extLst>
+              <a:ext uri="{FF2B5EF4-FFF2-40B4-BE49-F238E27FC236}">
+                <a16:creationId xmlns:a16="http://schemas.microsoft.com/office/drawing/2014/main" id="{D577683C-3AD4-47B7-80E7-DD2166F49099}"/>
+              </a:ext>
+            </a:extLst>
+          </p:cNvPr>
+          <p:cNvGrpSpPr/>
+          <p:nvPr/>
+        </p:nvGrpSpPr>
+        <p:grpSpPr>
+          <a:xfrm>
+            <a:off x="3634743" y="1659648"/>
+            <a:ext cx="8015975" cy="2203424"/>
+            <a:chOff x="3634743" y="1659648"/>
+            <a:chExt cx="8015975" cy="2203424"/>
+          </a:xfrm>
+        </p:grpSpPr>
+        <p:sp>
+          <p:nvSpPr>
+            <p:cNvPr id="3" name="Rectangle: Rounded Corners 2">
+              <a:extLst>
+                <a:ext uri="{FF2B5EF4-FFF2-40B4-BE49-F238E27FC236}">
+                  <a16:creationId xmlns:a16="http://schemas.microsoft.com/office/drawing/2014/main" id="{C2C81ECD-105C-2363-EE02-B62EC4EA7E52}"/>
+                </a:ext>
+              </a:extLst>
+            </p:cNvPr>
+            <p:cNvSpPr/>
+            <p:nvPr/>
+          </p:nvSpPr>
+          <p:spPr>
+            <a:xfrm>
+              <a:off x="3634743" y="1659648"/>
+              <a:ext cx="967740" cy="322537"/>
+            </a:xfrm>
+            <a:prstGeom prst="roundRect">
+              <a:avLst/>
+            </a:prstGeom>
+            <a:solidFill>
+              <a:srgbClr val="00B050">
+                <a:alpha val="50000"/>
+              </a:srgbClr>
+            </a:solidFill>
+            <a:ln>
+              <a:noFill/>
+            </a:ln>
+          </p:spPr>
+          <p:style>
+            <a:lnRef idx="0">
+              <a:scrgbClr r="0" g="0" b="0"/>
+            </a:lnRef>
+            <a:fillRef idx="0">
+              <a:scrgbClr r="0" g="0" b="0"/>
+            </a:fillRef>
+            <a:effectRef idx="0">
+              <a:scrgbClr r="0" g="0" b="0"/>
+            </a:effectRef>
+            <a:fontRef idx="minor">
+              <a:schemeClr val="lt1"/>
+            </a:fontRef>
+          </p:style>
+          <p:txBody>
+            <a:bodyPr rtlCol="0" anchor="ctr"/>
+            <a:lstStyle/>
+            <a:p>
+              <a:pPr algn="ctr"/>
+              <a:r>
+                <a:rPr lang="en-GB" sz="1600" b="1" dirty="0">
+                  <a:solidFill>
+                    <a:srgbClr val="00B050"/>
+                  </a:solidFill>
+                </a:rPr>
+                <a:t>USDCHF</a:t>
+              </a:r>
+            </a:p>
+          </p:txBody>
+        </p:sp>
+        <p:sp>
+          <p:nvSpPr>
+            <p:cNvPr id="4" name="Rectangle: Rounded Corners 3">
+              <a:extLst>
+                <a:ext uri="{FF2B5EF4-FFF2-40B4-BE49-F238E27FC236}">
+                  <a16:creationId xmlns:a16="http://schemas.microsoft.com/office/drawing/2014/main" id="{6399141E-5D8F-4EA0-231A-D4083E239651}"/>
+                </a:ext>
+              </a:extLst>
+            </p:cNvPr>
+            <p:cNvSpPr/>
+            <p:nvPr/>
+          </p:nvSpPr>
+          <p:spPr>
+            <a:xfrm>
+              <a:off x="10679430" y="3165011"/>
+              <a:ext cx="967740" cy="322537"/>
+            </a:xfrm>
+            <a:prstGeom prst="roundRect">
+              <a:avLst/>
+            </a:prstGeom>
+            <a:solidFill>
+              <a:srgbClr val="00B050">
+                <a:alpha val="50000"/>
+              </a:srgbClr>
+            </a:solidFill>
+            <a:ln>
+              <a:noFill/>
+            </a:ln>
+          </p:spPr>
+          <p:style>
+            <a:lnRef idx="0">
+              <a:scrgbClr r="0" g="0" b="0"/>
+            </a:lnRef>
+            <a:fillRef idx="0">
+              <a:scrgbClr r="0" g="0" b="0"/>
+            </a:fillRef>
+            <a:effectRef idx="0">
+              <a:scrgbClr r="0" g="0" b="0"/>
+            </a:effectRef>
+            <a:fontRef idx="minor">
+              <a:schemeClr val="lt1"/>
+            </a:fontRef>
+          </p:style>
+          <p:txBody>
+            <a:bodyPr rtlCol="0" anchor="ctr"/>
+            <a:lstStyle/>
+            <a:p>
+              <a:pPr algn="ctr"/>
+              <a:r>
+                <a:rPr lang="en-GB" sz="1600" b="1" dirty="0">
+                  <a:solidFill>
+                    <a:srgbClr val="00B050"/>
+                  </a:solidFill>
+                </a:rPr>
+                <a:t>AUDJPY</a:t>
+              </a:r>
+            </a:p>
+          </p:txBody>
+        </p:sp>
+        <p:sp>
+          <p:nvSpPr>
+            <p:cNvPr id="5" name="Rectangle: Rounded Corners 4">
+              <a:extLst>
+                <a:ext uri="{FF2B5EF4-FFF2-40B4-BE49-F238E27FC236}">
+                  <a16:creationId xmlns:a16="http://schemas.microsoft.com/office/drawing/2014/main" id="{E765BC29-DA64-BB5C-C363-B21B57A6A2A7}"/>
+                </a:ext>
+              </a:extLst>
+            </p:cNvPr>
+            <p:cNvSpPr/>
+            <p:nvPr/>
+          </p:nvSpPr>
+          <p:spPr>
+            <a:xfrm>
+              <a:off x="10682978" y="3540535"/>
+              <a:ext cx="967740" cy="322537"/>
+            </a:xfrm>
+            <a:prstGeom prst="roundRect">
+              <a:avLst/>
+            </a:prstGeom>
+            <a:solidFill>
+              <a:srgbClr val="00B050">
+                <a:alpha val="50000"/>
+              </a:srgbClr>
+            </a:solidFill>
+            <a:ln>
+              <a:noFill/>
+            </a:ln>
+          </p:spPr>
+          <p:style>
+            <a:lnRef idx="0">
+              <a:scrgbClr r="0" g="0" b="0"/>
+            </a:lnRef>
+            <a:fillRef idx="0">
+              <a:scrgbClr r="0" g="0" b="0"/>
+            </a:fillRef>
+            <a:effectRef idx="0">
+              <a:scrgbClr r="0" g="0" b="0"/>
+            </a:effectRef>
+            <a:fontRef idx="minor">
+              <a:schemeClr val="lt1"/>
+            </a:fontRef>
+          </p:style>
+          <p:txBody>
+            <a:bodyPr rtlCol="0" anchor="ctr"/>
+            <a:lstStyle/>
+            <a:p>
+              <a:pPr algn="ctr"/>
+              <a:r>
+                <a:rPr lang="en-GB" sz="1600" b="1" dirty="0">
+                  <a:solidFill>
+                    <a:srgbClr val="00B050"/>
+                  </a:solidFill>
+                </a:rPr>
+                <a:t>NZDJPY</a:t>
+              </a:r>
+            </a:p>
+          </p:txBody>
+        </p:sp>
+      </p:grpSp>
     </p:spTree>
     <p:extLst>
       <p:ext uri="{BB962C8B-B14F-4D97-AF65-F5344CB8AC3E}">
@@ -12704,6 +14138,51 @@
                       </p:childTnLst>
                     </p:cTn>
                   </p:par>
+                  <p:par>
+                    <p:cTn id="23" fill="hold">
+                      <p:stCondLst>
+                        <p:cond delay="indefinite"/>
+                      </p:stCondLst>
+                      <p:childTnLst>
+                        <p:par>
+                          <p:cTn id="24" fill="hold">
+                            <p:stCondLst>
+                              <p:cond delay="0"/>
+                            </p:stCondLst>
+                            <p:childTnLst>
+                              <p:par>
+                                <p:cTn id="25" presetID="1" presetClass="entr" presetSubtype="0" fill="hold" nodeType="clickEffect">
+                                  <p:stCondLst>
+                                    <p:cond delay="0"/>
+                                  </p:stCondLst>
+                                  <p:childTnLst>
+                                    <p:set>
+                                      <p:cBhvr>
+                                        <p:cTn id="26" dur="1" fill="hold">
+                                          <p:stCondLst>
+                                            <p:cond delay="0"/>
+                                          </p:stCondLst>
+                                        </p:cTn>
+                                        <p:tgtEl>
+                                          <p:spTgt spid="28"/>
+                                        </p:tgtEl>
+                                        <p:attrNameLst>
+                                          <p:attrName>style.visibility</p:attrName>
+                                        </p:attrNameLst>
+                                      </p:cBhvr>
+                                      <p:to>
+                                        <p:strVal val="visible"/>
+                                      </p:to>
+                                    </p:set>
+                                  </p:childTnLst>
+                                </p:cTn>
+                              </p:par>
+                            </p:childTnLst>
+                          </p:cTn>
+                        </p:par>
+                      </p:childTnLst>
+                    </p:cTn>
+                  </p:par>
                 </p:childTnLst>
               </p:cTn>
               <p:prevCondLst>
@@ -12729,7 +14208,7 @@
 </p:sld>
 </file>
 
-<file path=ppt/slides/slide5.xml><?xml version="1.0" encoding="utf-8"?>
+<file path=ppt/slides/slide6.xml><?xml version="1.0" encoding="utf-8"?>
 <p:sld xmlns:a="http://schemas.openxmlformats.org/drawingml/2006/main" xmlns:r="http://schemas.openxmlformats.org/officeDocument/2006/relationships" xmlns:p="http://schemas.openxmlformats.org/presentationml/2006/main">
   <p:cSld>
     <p:spTree>
@@ -13419,7 +14898,7 @@
 </p:sld>
 </file>
 
-<file path=ppt/slides/slide6.xml><?xml version="1.0" encoding="utf-8"?>
+<file path=ppt/slides/slide7.xml><?xml version="1.0" encoding="utf-8"?>
 <p:sld xmlns:a="http://schemas.openxmlformats.org/drawingml/2006/main" xmlns:r="http://schemas.openxmlformats.org/officeDocument/2006/relationships" xmlns:p="http://schemas.openxmlformats.org/presentationml/2006/main">
   <p:cSld>
     <p:spTree>
@@ -13712,7 +15191,7 @@
 </p:sld>
 </file>
 
-<file path=ppt/slides/slide7.xml><?xml version="1.0" encoding="utf-8"?>
+<file path=ppt/slides/slide8.xml><?xml version="1.0" encoding="utf-8"?>
 <p:sld xmlns:a="http://schemas.openxmlformats.org/drawingml/2006/main" xmlns:r="http://schemas.openxmlformats.org/officeDocument/2006/relationships" xmlns:p="http://schemas.openxmlformats.org/presentationml/2006/main">
   <p:cSld>
     <p:spTree>
@@ -16489,7 +17968,7 @@
                                     <p:cond delay="0"/>
                                   </p:stCondLst>
                                   <p:childTnLst>
-                                    <p:animMotion origin="layout" path="M 3.125E-6 0 L 0.17631 -0.33704 " pathEditMode="relative" rAng="0" ptsTypes="AA">
+                                    <p:animMotion origin="layout" path="M 3.125E-6 0 L 0.20442 -0.33866 " pathEditMode="relative" rAng="0" ptsTypes="AA">
                                       <p:cBhvr>
                                         <p:cTn id="64" dur="2000" fill="hold"/>
                                         <p:tgtEl>
@@ -16500,7 +17979,7 @@
                                           <p:attrName>ppt_y</p:attrName>
                                         </p:attrNameLst>
                                       </p:cBhvr>
-                                      <p:rCtr x="9948" y="-16944"/>
+                                      <p:rCtr x="10221" y="-16944"/>
                                     </p:animMotion>
                                   </p:childTnLst>
                                 </p:cTn>
@@ -16511,7 +17990,7 @@
                                     <p:cond delay="0"/>
                                   </p:stCondLst>
                                   <p:childTnLst>
-                                    <p:animMotion origin="layout" path="M 1.04167E-6 -4.81481E-6 L -0.24375 -0.01435 " pathEditMode="relative" rAng="0" ptsTypes="AA">
+                                    <p:animMotion origin="layout" path="M 1.04167E-6 -4.81481E-6 L -0.21537 -0.01481 " pathEditMode="relative" rAng="0" ptsTypes="AA">
                                       <p:cBhvr>
                                         <p:cTn id="66" dur="2000" fill="hold"/>
                                         <p:tgtEl>
@@ -16522,7 +18001,7 @@
                                           <p:attrName>ppt_y</p:attrName>
                                         </p:attrNameLst>
                                       </p:cBhvr>
-                                      <p:rCtr x="-11042" y="-347"/>
+                                      <p:rCtr x="-10768" y="-741"/>
                                     </p:animMotion>
                                   </p:childTnLst>
                                 </p:cTn>
@@ -16599,7 +18078,7 @@
                                     <p:cond delay="0"/>
                                   </p:stCondLst>
                                   <p:childTnLst>
-                                    <p:animMotion origin="layout" path="M -4.375E-6 -7.40741E-7 L -0.33464 -0.20903 " pathEditMode="relative" rAng="0" ptsTypes="AA">
+                                    <p:animMotion origin="layout" path="M -4.375E-6 -7.40741E-7 L -0.30781 -0.2118 " pathEditMode="relative" rAng="0" ptsTypes="AA">
                                       <p:cBhvr>
                                         <p:cTn id="74" dur="2000" fill="hold"/>
                                         <p:tgtEl>
@@ -16610,7 +18089,7 @@
                                           <p:attrName>ppt_y</p:attrName>
                                         </p:attrNameLst>
                                       </p:cBhvr>
-                                      <p:rCtr x="-15677" y="-10324"/>
+                                      <p:rCtr x="-15391" y="-10602"/>
                                     </p:animMotion>
                                   </p:childTnLst>
                                 </p:cTn>
@@ -16702,7 +18181,7 @@
 </p:sld>
 </file>
 
-<file path=ppt/slides/slide8.xml><?xml version="1.0" encoding="utf-8"?>
+<file path=ppt/slides/slide9.xml><?xml version="1.0" encoding="utf-8"?>
 <p:sld xmlns:a="http://schemas.openxmlformats.org/drawingml/2006/main" xmlns:r="http://schemas.openxmlformats.org/officeDocument/2006/relationships" xmlns:p="http://schemas.openxmlformats.org/presentationml/2006/main">
   <p:cSld>
     <p:spTree>
@@ -16710,7 +18189,7 @@
         <p:cNvPr id="1" name="">
           <a:extLst>
             <a:ext uri="{FF2B5EF4-FFF2-40B4-BE49-F238E27FC236}">
-              <a16:creationId xmlns:a16="http://schemas.microsoft.com/office/drawing/2014/main" id="{EDAB2F5C-844A-7E2C-1E42-4DEF8E3FC18E}"/>
+              <a16:creationId xmlns:a16="http://schemas.microsoft.com/office/drawing/2014/main" id="{FB006198-55F8-13D1-C579-FA4238F858D3}"/>
             </a:ext>
           </a:extLst>
         </p:cNvPr>
@@ -16725,182 +18204,808 @@
           <a:chExt cx="0" cy="0"/>
         </a:xfrm>
       </p:grpSpPr>
+      <p:pic>
+        <p:nvPicPr>
+          <p:cNvPr id="29" name="Picture 28">
+            <a:extLst>
+              <a:ext uri="{FF2B5EF4-FFF2-40B4-BE49-F238E27FC236}">
+                <a16:creationId xmlns:a16="http://schemas.microsoft.com/office/drawing/2014/main" id="{98A4F04B-8523-19EF-D06F-8AAB009B6958}"/>
+              </a:ext>
+            </a:extLst>
+          </p:cNvPr>
+          <p:cNvPicPr>
+            <a:picLocks noChangeAspect="1"/>
+          </p:cNvPicPr>
+          <p:nvPr/>
+        </p:nvPicPr>
+        <p:blipFill>
+          <a:blip r:embed="rId2">
+            <a:extLst>
+              <a:ext uri="{28A0092B-C50C-407E-A947-70E740481C1C}">
+                <a14:useLocalDpi xmlns:a14="http://schemas.microsoft.com/office/drawing/2010/main" val="0"/>
+              </a:ext>
+            </a:extLst>
+          </a:blip>
+          <a:stretch>
+            <a:fillRect/>
+          </a:stretch>
+        </p:blipFill>
+        <p:spPr>
+          <a:xfrm>
+            <a:off x="0" y="362585"/>
+            <a:ext cx="12192000" cy="6711950"/>
+          </a:xfrm>
+          <a:prstGeom prst="rect">
+            <a:avLst/>
+          </a:prstGeom>
+        </p:spPr>
+      </p:pic>
       <p:sp>
         <p:nvSpPr>
           <p:cNvPr id="2" name="Title 1">
             <a:extLst>
               <a:ext uri="{FF2B5EF4-FFF2-40B4-BE49-F238E27FC236}">
-                <a16:creationId xmlns:a16="http://schemas.microsoft.com/office/drawing/2014/main" id="{DDB56060-F52D-64A8-29B0-6CA89A2E6F61}"/>
-              </a:ext>
-            </a:extLst>
-          </p:cNvPr>
-          <p:cNvSpPr>
-            <a:spLocks noGrp="1"/>
+                <a16:creationId xmlns:a16="http://schemas.microsoft.com/office/drawing/2014/main" id="{39B853EC-2C53-62E1-8E65-67BE7F2EFE7E}"/>
+              </a:ext>
+            </a:extLst>
+          </p:cNvPr>
+          <p:cNvSpPr txBox="1">
+            <a:spLocks/>
           </p:cNvSpPr>
-          <p:nvPr>
-            <p:ph type="title"/>
-          </p:nvPr>
+          <p:nvPr/>
         </p:nvSpPr>
         <p:spPr>
           <a:xfrm>
             <a:off x="838200" y="365126"/>
             <a:ext cx="10515600" cy="856964"/>
           </a:xfrm>
+          <a:prstGeom prst="rect">
+            <a:avLst/>
+          </a:prstGeom>
         </p:spPr>
         <p:txBody>
-          <a:bodyPr/>
-          <a:lstStyle/>
-          <a:p>
+          <a:bodyPr vert="horz" lIns="91440" tIns="45720" rIns="91440" bIns="45720" rtlCol="0" anchor="b">
+            <a:normAutofit lnSpcReduction="10000"/>
+          </a:bodyPr>
+          <a:lstStyle>
+            <a:lvl1pPr algn="ctr" defTabSz="914400" rtl="0" eaLnBrk="1" latinLnBrk="0" hangingPunct="1">
+              <a:lnSpc>
+                <a:spcPct val="90000"/>
+              </a:lnSpc>
+              <a:spcBef>
+                <a:spcPct val="0"/>
+              </a:spcBef>
+              <a:buNone/>
+              <a:defRPr sz="6000" kern="1200">
+                <a:solidFill>
+                  <a:schemeClr val="tx1"/>
+                </a:solidFill>
+                <a:latin typeface="+mj-lt"/>
+                <a:ea typeface="+mj-ea"/>
+                <a:cs typeface="+mj-cs"/>
+              </a:defRPr>
+            </a:lvl1pPr>
+          </a:lstStyle>
+          <a:p>
+            <a:pPr algn="l"/>
             <a:r>
               <a:rPr lang="en-GB" dirty="0">
                 <a:latin typeface="Arial Black" panose="020B0A04020102020204" pitchFamily="34" charset="0"/>
               </a:rPr>
-              <a:t>Sounds great! But How much?</a:t>
+              <a:t>There is another way!</a:t>
+            </a:r>
+          </a:p>
+        </p:txBody>
+      </p:sp>
+      <p:pic>
+        <p:nvPicPr>
+          <p:cNvPr id="47" name="Picture 46">
+            <a:extLst>
+              <a:ext uri="{FF2B5EF4-FFF2-40B4-BE49-F238E27FC236}">
+                <a16:creationId xmlns:a16="http://schemas.microsoft.com/office/drawing/2014/main" id="{9003C210-1899-9ACC-835D-92BD823BEC79}"/>
+              </a:ext>
+            </a:extLst>
+          </p:cNvPr>
+          <p:cNvPicPr>
+            <a:picLocks noChangeAspect="1"/>
+          </p:cNvPicPr>
+          <p:nvPr/>
+        </p:nvPicPr>
+        <p:blipFill>
+          <a:blip r:embed="rId3">
+            <a:extLst>
+              <a:ext uri="{28A0092B-C50C-407E-A947-70E740481C1C}">
+                <a14:useLocalDpi xmlns:a14="http://schemas.microsoft.com/office/drawing/2010/main" val="0"/>
+              </a:ext>
+            </a:extLst>
+          </a:blip>
+          <a:stretch>
+            <a:fillRect/>
+          </a:stretch>
+        </p:blipFill>
+        <p:spPr>
+          <a:xfrm>
+            <a:off x="4690759" y="1438892"/>
+            <a:ext cx="1486665" cy="1002038"/>
+          </a:xfrm>
+          <a:prstGeom prst="rect">
+            <a:avLst/>
+          </a:prstGeom>
+        </p:spPr>
+      </p:pic>
+      <p:sp>
+        <p:nvSpPr>
+          <p:cNvPr id="49" name="Rectangle: Rounded Corners 48">
+            <a:extLst>
+              <a:ext uri="{FF2B5EF4-FFF2-40B4-BE49-F238E27FC236}">
+                <a16:creationId xmlns:a16="http://schemas.microsoft.com/office/drawing/2014/main" id="{32185FD1-8232-2A5E-2BAB-70072D0691B0}"/>
+              </a:ext>
+            </a:extLst>
+          </p:cNvPr>
+          <p:cNvSpPr/>
+          <p:nvPr/>
+        </p:nvSpPr>
+        <p:spPr>
+          <a:xfrm>
+            <a:off x="9787890" y="5184161"/>
+            <a:ext cx="967740" cy="322537"/>
+          </a:xfrm>
+          <a:prstGeom prst="roundRect">
+            <a:avLst/>
+          </a:prstGeom>
+          <a:solidFill>
+            <a:schemeClr val="accent6">
+              <a:alpha val="50000"/>
+            </a:schemeClr>
+          </a:solidFill>
+          <a:ln>
+            <a:noFill/>
+          </a:ln>
+        </p:spPr>
+        <p:style>
+          <a:lnRef idx="0">
+            <a:scrgbClr r="0" g="0" b="0"/>
+          </a:lnRef>
+          <a:fillRef idx="0">
+            <a:scrgbClr r="0" g="0" b="0"/>
+          </a:fillRef>
+          <a:effectRef idx="0">
+            <a:scrgbClr r="0" g="0" b="0"/>
+          </a:effectRef>
+          <a:fontRef idx="minor">
+            <a:schemeClr val="lt1"/>
+          </a:fontRef>
+        </p:style>
+        <p:txBody>
+          <a:bodyPr rtlCol="0" anchor="ctr"/>
+          <a:lstStyle/>
+          <a:p>
+            <a:pPr algn="ctr"/>
+            <a:r>
+              <a:rPr lang="en-GB" sz="1600" b="1" dirty="0">
+                <a:solidFill>
+                  <a:srgbClr val="00B050"/>
+                </a:solidFill>
+              </a:rPr>
+              <a:t>AUDUSD</a:t>
             </a:r>
           </a:p>
         </p:txBody>
       </p:sp>
       <p:sp>
         <p:nvSpPr>
-          <p:cNvPr id="6" name="Content Placeholder 5">
-            <a:extLst>
-              <a:ext uri="{FF2B5EF4-FFF2-40B4-BE49-F238E27FC236}">
-                <a16:creationId xmlns:a16="http://schemas.microsoft.com/office/drawing/2014/main" id="{80149AB7-6FCA-148C-EF72-D9BDD2495452}"/>
-              </a:ext>
-            </a:extLst>
-          </p:cNvPr>
-          <p:cNvSpPr>
-            <a:spLocks noGrp="1"/>
-          </p:cNvSpPr>
-          <p:nvPr>
-            <p:ph idx="1"/>
-          </p:nvPr>
+          <p:cNvPr id="50" name="Rectangle: Rounded Corners 49">
+            <a:extLst>
+              <a:ext uri="{FF2B5EF4-FFF2-40B4-BE49-F238E27FC236}">
+                <a16:creationId xmlns:a16="http://schemas.microsoft.com/office/drawing/2014/main" id="{1A78313B-D939-E095-756F-824FD3EFB3E1}"/>
+              </a:ext>
+            </a:extLst>
+          </p:cNvPr>
+          <p:cNvSpPr/>
+          <p:nvPr/>
         </p:nvSpPr>
         <p:spPr>
           <a:xfrm>
-            <a:off x="838200" y="1274093"/>
-            <a:ext cx="10515600" cy="4902870"/>
+            <a:off x="10835640" y="6162083"/>
+            <a:ext cx="967740" cy="322537"/>
           </a:xfrm>
+          <a:prstGeom prst="roundRect">
+            <a:avLst/>
+          </a:prstGeom>
+          <a:solidFill>
+            <a:schemeClr val="accent6">
+              <a:alpha val="50000"/>
+            </a:schemeClr>
+          </a:solidFill>
+          <a:ln>
+            <a:noFill/>
+          </a:ln>
         </p:spPr>
+        <p:style>
+          <a:lnRef idx="0">
+            <a:scrgbClr r="0" g="0" b="0"/>
+          </a:lnRef>
+          <a:fillRef idx="0">
+            <a:scrgbClr r="0" g="0" b="0"/>
+          </a:fillRef>
+          <a:effectRef idx="0">
+            <a:scrgbClr r="0" g="0" b="0"/>
+          </a:effectRef>
+          <a:fontRef idx="minor">
+            <a:schemeClr val="lt1"/>
+          </a:fontRef>
+        </p:style>
         <p:txBody>
-          <a:bodyPr/>
+          <a:bodyPr rtlCol="0" anchor="ctr"/>
           <a:lstStyle/>
           <a:p>
-            <a:endParaRPr lang="en-GB" dirty="0"/>
+            <a:pPr algn="ctr"/>
+            <a:r>
+              <a:rPr lang="en-GB" sz="1600" b="1" dirty="0">
+                <a:solidFill>
+                  <a:srgbClr val="00B050"/>
+                </a:solidFill>
+              </a:rPr>
+              <a:t>NZDUSD</a:t>
+            </a:r>
+          </a:p>
+        </p:txBody>
+      </p:sp>
+      <p:sp>
+        <p:nvSpPr>
+          <p:cNvPr id="54" name="Rectangle: Rounded Corners 53">
+            <a:extLst>
+              <a:ext uri="{FF2B5EF4-FFF2-40B4-BE49-F238E27FC236}">
+                <a16:creationId xmlns:a16="http://schemas.microsoft.com/office/drawing/2014/main" id="{6A913424-DD17-800F-DDD8-50B57CAAA20B}"/>
+              </a:ext>
+            </a:extLst>
+          </p:cNvPr>
+          <p:cNvSpPr/>
+          <p:nvPr/>
+        </p:nvSpPr>
+        <p:spPr>
+          <a:xfrm>
+            <a:off x="4362450" y="1978703"/>
+            <a:ext cx="967740" cy="322537"/>
+          </a:xfrm>
+          <a:prstGeom prst="roundRect">
+            <a:avLst/>
+          </a:prstGeom>
+          <a:solidFill>
+            <a:schemeClr val="accent6">
+              <a:alpha val="50000"/>
+            </a:schemeClr>
+          </a:solidFill>
+          <a:ln>
+            <a:noFill/>
+          </a:ln>
+        </p:spPr>
+        <p:style>
+          <a:lnRef idx="0">
+            <a:scrgbClr r="0" g="0" b="0"/>
+          </a:lnRef>
+          <a:fillRef idx="0">
+            <a:scrgbClr r="0" g="0" b="0"/>
+          </a:fillRef>
+          <a:effectRef idx="0">
+            <a:scrgbClr r="0" g="0" b="0"/>
+          </a:effectRef>
+          <a:fontRef idx="minor">
+            <a:schemeClr val="lt1"/>
+          </a:fontRef>
+        </p:style>
+        <p:txBody>
+          <a:bodyPr rtlCol="0" anchor="ctr"/>
+          <a:lstStyle/>
+          <a:p>
+            <a:pPr algn="ctr"/>
+            <a:r>
+              <a:rPr lang="en-GB" sz="1600" b="1" dirty="0">
+                <a:solidFill>
+                  <a:srgbClr val="00B050"/>
+                </a:solidFill>
+              </a:rPr>
+              <a:t>GBPUSD</a:t>
+            </a:r>
+          </a:p>
+        </p:txBody>
+      </p:sp>
+      <p:sp>
+        <p:nvSpPr>
+          <p:cNvPr id="55" name="Rectangle: Rounded Corners 54">
+            <a:extLst>
+              <a:ext uri="{FF2B5EF4-FFF2-40B4-BE49-F238E27FC236}">
+                <a16:creationId xmlns:a16="http://schemas.microsoft.com/office/drawing/2014/main" id="{FDE7ED40-9D74-8DDC-AB4E-49E065822AAA}"/>
+              </a:ext>
+            </a:extLst>
+          </p:cNvPr>
+          <p:cNvSpPr/>
+          <p:nvPr/>
+        </p:nvSpPr>
+        <p:spPr>
+          <a:xfrm>
+            <a:off x="1657350" y="1444426"/>
+            <a:ext cx="967740" cy="322537"/>
+          </a:xfrm>
+          <a:prstGeom prst="roundRect">
+            <a:avLst/>
+          </a:prstGeom>
+          <a:solidFill>
+            <a:schemeClr val="accent6">
+              <a:alpha val="50000"/>
+            </a:schemeClr>
+          </a:solidFill>
+          <a:ln>
+            <a:noFill/>
+          </a:ln>
+        </p:spPr>
+        <p:style>
+          <a:lnRef idx="0">
+            <a:scrgbClr r="0" g="0" b="0"/>
+          </a:lnRef>
+          <a:fillRef idx="0">
+            <a:scrgbClr r="0" g="0" b="0"/>
+          </a:fillRef>
+          <a:effectRef idx="0">
+            <a:scrgbClr r="0" g="0" b="0"/>
+          </a:effectRef>
+          <a:fontRef idx="minor">
+            <a:schemeClr val="lt1"/>
+          </a:fontRef>
+        </p:style>
+        <p:txBody>
+          <a:bodyPr rtlCol="0" anchor="ctr"/>
+          <a:lstStyle/>
+          <a:p>
+            <a:pPr algn="ctr"/>
+            <a:r>
+              <a:rPr lang="en-GB" sz="1600" b="1" dirty="0">
+                <a:solidFill>
+                  <a:srgbClr val="00B050"/>
+                </a:solidFill>
+              </a:rPr>
+              <a:t>USDCAD</a:t>
+            </a:r>
+          </a:p>
+        </p:txBody>
+      </p:sp>
+      <p:sp>
+        <p:nvSpPr>
+          <p:cNvPr id="59" name="Rectangle: Rounded Corners 58">
+            <a:extLst>
+              <a:ext uri="{FF2B5EF4-FFF2-40B4-BE49-F238E27FC236}">
+                <a16:creationId xmlns:a16="http://schemas.microsoft.com/office/drawing/2014/main" id="{E3280B78-6548-F0BA-980D-B4A46A150DF4}"/>
+              </a:ext>
+            </a:extLst>
+          </p:cNvPr>
+          <p:cNvSpPr/>
+          <p:nvPr/>
+        </p:nvSpPr>
+        <p:spPr>
+          <a:xfrm>
+            <a:off x="9113520" y="3221769"/>
+            <a:ext cx="1021080" cy="322537"/>
+          </a:xfrm>
+          <a:prstGeom prst="roundRect">
+            <a:avLst/>
+          </a:prstGeom>
+          <a:solidFill>
+            <a:srgbClr val="FFCCFF">
+              <a:alpha val="49804"/>
+            </a:srgbClr>
+          </a:solidFill>
+          <a:ln>
+            <a:noFill/>
+          </a:ln>
+        </p:spPr>
+        <p:style>
+          <a:lnRef idx="0">
+            <a:scrgbClr r="0" g="0" b="0"/>
+          </a:lnRef>
+          <a:fillRef idx="0">
+            <a:scrgbClr r="0" g="0" b="0"/>
+          </a:fillRef>
+          <a:effectRef idx="0">
+            <a:scrgbClr r="0" g="0" b="0"/>
+          </a:effectRef>
+          <a:fontRef idx="minor">
+            <a:schemeClr val="lt1"/>
+          </a:fontRef>
+        </p:style>
+        <p:txBody>
+          <a:bodyPr rtlCol="0" anchor="ctr"/>
+          <a:lstStyle/>
+          <a:p>
+            <a:pPr algn="ctr"/>
+            <a:r>
+              <a:rPr lang="en-GB" sz="1600" b="1" dirty="0">
+                <a:solidFill>
+                  <a:srgbClr val="7030A0"/>
+                </a:solidFill>
+              </a:rPr>
+              <a:t>USDHKD</a:t>
+            </a:r>
           </a:p>
         </p:txBody>
       </p:sp>
     </p:spTree>
     <p:extLst>
       <p:ext uri="{BB962C8B-B14F-4D97-AF65-F5344CB8AC3E}">
-        <p14:creationId xmlns:p14="http://schemas.microsoft.com/office/powerpoint/2010/main" val="753279634"/>
+        <p14:creationId xmlns:p14="http://schemas.microsoft.com/office/powerpoint/2010/main" val="3773400524"/>
       </p:ext>
     </p:extLst>
   </p:cSld>
   <p:clrMapOvr>
     <a:masterClrMapping/>
   </p:clrMapOvr>
-</p:sld>
-</file>
-
-<file path=ppt/slides/slide9.xml><?xml version="1.0" encoding="utf-8"?>
-<p:sld xmlns:a="http://schemas.openxmlformats.org/drawingml/2006/main" xmlns:r="http://schemas.openxmlformats.org/officeDocument/2006/relationships" xmlns:p="http://schemas.openxmlformats.org/presentationml/2006/main">
-  <p:cSld>
-    <p:spTree>
-      <p:nvGrpSpPr>
-        <p:cNvPr id="1" name="">
-          <a:extLst>
-            <a:ext uri="{FF2B5EF4-FFF2-40B4-BE49-F238E27FC236}">
-              <a16:creationId xmlns:a16="http://schemas.microsoft.com/office/drawing/2014/main" id="{E1EEF2C4-3CED-CB1F-F1BF-D184B0170222}"/>
-            </a:ext>
-          </a:extLst>
-        </p:cNvPr>
-        <p:cNvGrpSpPr/>
-        <p:nvPr/>
-      </p:nvGrpSpPr>
-      <p:grpSpPr>
-        <a:xfrm>
-          <a:off x="0" y="0"/>
-          <a:ext cx="0" cy="0"/>
-          <a:chOff x="0" y="0"/>
-          <a:chExt cx="0" cy="0"/>
-        </a:xfrm>
-      </p:grpSpPr>
-      <p:sp>
-        <p:nvSpPr>
-          <p:cNvPr id="2" name="Title 1">
-            <a:extLst>
-              <a:ext uri="{FF2B5EF4-FFF2-40B4-BE49-F238E27FC236}">
-                <a16:creationId xmlns:a16="http://schemas.microsoft.com/office/drawing/2014/main" id="{8840BCC1-2386-4E7F-49F4-F4347D8A55B9}"/>
-              </a:ext>
-            </a:extLst>
-          </p:cNvPr>
-          <p:cNvSpPr>
-            <a:spLocks noGrp="1"/>
-          </p:cNvSpPr>
-          <p:nvPr>
-            <p:ph type="title"/>
-          </p:nvPr>
-        </p:nvSpPr>
-        <p:spPr>
-          <a:xfrm>
-            <a:off x="838200" y="365126"/>
-            <a:ext cx="10515600" cy="856964"/>
-          </a:xfrm>
-        </p:spPr>
-        <p:txBody>
-          <a:bodyPr/>
-          <a:lstStyle/>
-          <a:p>
-            <a:r>
-              <a:rPr lang="en-GB" dirty="0">
-                <a:latin typeface="Arial Black" panose="020B0A04020102020204" pitchFamily="34" charset="0"/>
-              </a:rPr>
-              <a:t>That’s a bargain! Give me more!</a:t>
-            </a:r>
-          </a:p>
-        </p:txBody>
-      </p:sp>
-      <p:sp>
-        <p:nvSpPr>
-          <p:cNvPr id="6" name="Content Placeholder 5">
-            <a:extLst>
-              <a:ext uri="{FF2B5EF4-FFF2-40B4-BE49-F238E27FC236}">
-                <a16:creationId xmlns:a16="http://schemas.microsoft.com/office/drawing/2014/main" id="{ED5C5C18-77C4-14B7-5585-A37B7D49A3FD}"/>
-              </a:ext>
-            </a:extLst>
-          </p:cNvPr>
-          <p:cNvSpPr>
-            <a:spLocks noGrp="1"/>
-          </p:cNvSpPr>
-          <p:nvPr>
-            <p:ph idx="1"/>
-          </p:nvPr>
-        </p:nvSpPr>
-        <p:spPr>
-          <a:xfrm>
-            <a:off x="838200" y="1274093"/>
-            <a:ext cx="10515600" cy="4902870"/>
-          </a:xfrm>
-        </p:spPr>
-        <p:txBody>
-          <a:bodyPr/>
-          <a:lstStyle/>
-          <a:p>
-            <a:endParaRPr lang="en-GB" dirty="0"/>
-          </a:p>
-        </p:txBody>
-      </p:sp>
-    </p:spTree>
-    <p:extLst>
-      <p:ext uri="{BB962C8B-B14F-4D97-AF65-F5344CB8AC3E}">
-        <p14:creationId xmlns:p14="http://schemas.microsoft.com/office/powerpoint/2010/main" val="1188777325"/>
-      </p:ext>
-    </p:extLst>
-  </p:cSld>
-  <p:clrMapOvr>
-    <a:masterClrMapping/>
-  </p:clrMapOvr>
+  <p:timing>
+    <p:tnLst>
+      <p:par>
+        <p:cTn id="1" dur="indefinite" restart="never" nodeType="tmRoot">
+          <p:childTnLst>
+            <p:seq concurrent="1" nextAc="seek">
+              <p:cTn id="2" dur="indefinite" nodeType="mainSeq">
+                <p:childTnLst>
+                  <p:par>
+                    <p:cTn id="3" fill="hold">
+                      <p:stCondLst>
+                        <p:cond delay="indefinite"/>
+                      </p:stCondLst>
+                      <p:childTnLst>
+                        <p:par>
+                          <p:cTn id="4" fill="hold">
+                            <p:stCondLst>
+                              <p:cond delay="0"/>
+                            </p:stCondLst>
+                            <p:childTnLst>
+                              <p:par>
+                                <p:cTn id="5" presetID="1" presetClass="entr" presetSubtype="0" fill="hold" nodeType="clickEffect">
+                                  <p:stCondLst>
+                                    <p:cond delay="0"/>
+                                  </p:stCondLst>
+                                  <p:childTnLst>
+                                    <p:set>
+                                      <p:cBhvr>
+                                        <p:cTn id="6" dur="1" fill="hold">
+                                          <p:stCondLst>
+                                            <p:cond delay="0"/>
+                                          </p:stCondLst>
+                                        </p:cTn>
+                                        <p:tgtEl>
+                                          <p:spTgt spid="47"/>
+                                        </p:tgtEl>
+                                        <p:attrNameLst>
+                                          <p:attrName>style.visibility</p:attrName>
+                                        </p:attrNameLst>
+                                      </p:cBhvr>
+                                      <p:to>
+                                        <p:strVal val="visible"/>
+                                      </p:to>
+                                    </p:set>
+                                  </p:childTnLst>
+                                </p:cTn>
+                              </p:par>
+                            </p:childTnLst>
+                          </p:cTn>
+                        </p:par>
+                      </p:childTnLst>
+                    </p:cTn>
+                  </p:par>
+                  <p:par>
+                    <p:cTn id="7" fill="hold">
+                      <p:stCondLst>
+                        <p:cond delay="indefinite"/>
+                      </p:stCondLst>
+                      <p:childTnLst>
+                        <p:par>
+                          <p:cTn id="8" fill="hold">
+                            <p:stCondLst>
+                              <p:cond delay="0"/>
+                            </p:stCondLst>
+                            <p:childTnLst>
+                              <p:par>
+                                <p:cTn id="9" presetID="1" presetClass="entr" presetSubtype="0" fill="hold" grpId="0" nodeType="clickEffect">
+                                  <p:stCondLst>
+                                    <p:cond delay="0"/>
+                                  </p:stCondLst>
+                                  <p:childTnLst>
+                                    <p:set>
+                                      <p:cBhvr>
+                                        <p:cTn id="10" dur="1" fill="hold">
+                                          <p:stCondLst>
+                                            <p:cond delay="0"/>
+                                          </p:stCondLst>
+                                        </p:cTn>
+                                        <p:tgtEl>
+                                          <p:spTgt spid="54"/>
+                                        </p:tgtEl>
+                                        <p:attrNameLst>
+                                          <p:attrName>style.visibility</p:attrName>
+                                        </p:attrNameLst>
+                                      </p:cBhvr>
+                                      <p:to>
+                                        <p:strVal val="visible"/>
+                                      </p:to>
+                                    </p:set>
+                                  </p:childTnLst>
+                                </p:cTn>
+                              </p:par>
+                              <p:par>
+                                <p:cTn id="11" presetID="1" presetClass="entr" presetSubtype="0" fill="hold" grpId="0" nodeType="withEffect">
+                                  <p:stCondLst>
+                                    <p:cond delay="0"/>
+                                  </p:stCondLst>
+                                  <p:childTnLst>
+                                    <p:set>
+                                      <p:cBhvr>
+                                        <p:cTn id="12" dur="1" fill="hold">
+                                          <p:stCondLst>
+                                            <p:cond delay="0"/>
+                                          </p:stCondLst>
+                                        </p:cTn>
+                                        <p:tgtEl>
+                                          <p:spTgt spid="55"/>
+                                        </p:tgtEl>
+                                        <p:attrNameLst>
+                                          <p:attrName>style.visibility</p:attrName>
+                                        </p:attrNameLst>
+                                      </p:cBhvr>
+                                      <p:to>
+                                        <p:strVal val="visible"/>
+                                      </p:to>
+                                    </p:set>
+                                  </p:childTnLst>
+                                </p:cTn>
+                              </p:par>
+                              <p:par>
+                                <p:cTn id="13" presetID="1" presetClass="entr" presetSubtype="0" fill="hold" grpId="0" nodeType="withEffect">
+                                  <p:stCondLst>
+                                    <p:cond delay="0"/>
+                                  </p:stCondLst>
+                                  <p:childTnLst>
+                                    <p:set>
+                                      <p:cBhvr>
+                                        <p:cTn id="14" dur="1" fill="hold">
+                                          <p:stCondLst>
+                                            <p:cond delay="0"/>
+                                          </p:stCondLst>
+                                        </p:cTn>
+                                        <p:tgtEl>
+                                          <p:spTgt spid="49"/>
+                                        </p:tgtEl>
+                                        <p:attrNameLst>
+                                          <p:attrName>style.visibility</p:attrName>
+                                        </p:attrNameLst>
+                                      </p:cBhvr>
+                                      <p:to>
+                                        <p:strVal val="visible"/>
+                                      </p:to>
+                                    </p:set>
+                                  </p:childTnLst>
+                                </p:cTn>
+                              </p:par>
+                              <p:par>
+                                <p:cTn id="15" presetID="1" presetClass="entr" presetSubtype="0" fill="hold" grpId="0" nodeType="withEffect">
+                                  <p:stCondLst>
+                                    <p:cond delay="0"/>
+                                  </p:stCondLst>
+                                  <p:childTnLst>
+                                    <p:set>
+                                      <p:cBhvr>
+                                        <p:cTn id="16" dur="1" fill="hold">
+                                          <p:stCondLst>
+                                            <p:cond delay="0"/>
+                                          </p:stCondLst>
+                                        </p:cTn>
+                                        <p:tgtEl>
+                                          <p:spTgt spid="50"/>
+                                        </p:tgtEl>
+                                        <p:attrNameLst>
+                                          <p:attrName>style.visibility</p:attrName>
+                                        </p:attrNameLst>
+                                      </p:cBhvr>
+                                      <p:to>
+                                        <p:strVal val="visible"/>
+                                      </p:to>
+                                    </p:set>
+                                  </p:childTnLst>
+                                </p:cTn>
+                              </p:par>
+                              <p:par>
+                                <p:cTn id="17" presetID="1" presetClass="entr" presetSubtype="0" fill="hold" grpId="1" nodeType="withEffect">
+                                  <p:stCondLst>
+                                    <p:cond delay="0"/>
+                                  </p:stCondLst>
+                                  <p:childTnLst>
+                                    <p:set>
+                                      <p:cBhvr>
+                                        <p:cTn id="18" dur="1" fill="hold">
+                                          <p:stCondLst>
+                                            <p:cond delay="0"/>
+                                          </p:stCondLst>
+                                        </p:cTn>
+                                        <p:tgtEl>
+                                          <p:spTgt spid="59"/>
+                                        </p:tgtEl>
+                                        <p:attrNameLst>
+                                          <p:attrName>style.visibility</p:attrName>
+                                        </p:attrNameLst>
+                                      </p:cBhvr>
+                                      <p:to>
+                                        <p:strVal val="visible"/>
+                                      </p:to>
+                                    </p:set>
+                                  </p:childTnLst>
+                                </p:cTn>
+                              </p:par>
+                            </p:childTnLst>
+                          </p:cTn>
+                        </p:par>
+                      </p:childTnLst>
+                    </p:cTn>
+                  </p:par>
+                  <p:par>
+                    <p:cTn id="19" fill="hold">
+                      <p:stCondLst>
+                        <p:cond delay="indefinite"/>
+                      </p:stCondLst>
+                      <p:childTnLst>
+                        <p:par>
+                          <p:cTn id="20" fill="hold">
+                            <p:stCondLst>
+                              <p:cond delay="0"/>
+                            </p:stCondLst>
+                            <p:childTnLst>
+                              <p:par>
+                                <p:cTn id="21" presetID="42" presetClass="path" presetSubtype="0" accel="50000" decel="50000" fill="hold" grpId="0" nodeType="clickEffect">
+                                  <p:stCondLst>
+                                    <p:cond delay="0"/>
+                                  </p:stCondLst>
+                                  <p:childTnLst>
+                                    <p:animMotion origin="layout" path="M -2.91667E-6 2.96296E-6 L -0.34362 -0.10093 " pathEditMode="relative" rAng="0" ptsTypes="AA">
+                                      <p:cBhvr>
+                                        <p:cTn id="22" dur="2000" fill="hold"/>
+                                        <p:tgtEl>
+                                          <p:spTgt spid="59"/>
+                                        </p:tgtEl>
+                                        <p:attrNameLst>
+                                          <p:attrName>ppt_x</p:attrName>
+                                          <p:attrName>ppt_y</p:attrName>
+                                        </p:attrNameLst>
+                                      </p:cBhvr>
+                                      <p:rCtr x="-17188" y="-5046"/>
+                                    </p:animMotion>
+                                  </p:childTnLst>
+                                </p:cTn>
+                              </p:par>
+                              <p:par>
+                                <p:cTn id="23" presetID="42" presetClass="path" presetSubtype="0" accel="50000" decel="50000" fill="hold" grpId="1" nodeType="withEffect">
+                                  <p:stCondLst>
+                                    <p:cond delay="0"/>
+                                  </p:stCondLst>
+                                  <p:childTnLst>
+                                    <p:animMotion origin="layout" path="M 3.95833E-6 2.96296E-6 L 0.04791 0.07546 " pathEditMode="relative" rAng="0" ptsTypes="AA">
+                                      <p:cBhvr>
+                                        <p:cTn id="24" dur="2000" fill="hold"/>
+                                        <p:tgtEl>
+                                          <p:spTgt spid="54"/>
+                                        </p:tgtEl>
+                                        <p:attrNameLst>
+                                          <p:attrName>ppt_x</p:attrName>
+                                          <p:attrName>ppt_y</p:attrName>
+                                        </p:attrNameLst>
+                                      </p:cBhvr>
+                                      <p:rCtr x="2396" y="3773"/>
+                                    </p:animMotion>
+                                  </p:childTnLst>
+                                </p:cTn>
+                              </p:par>
+                              <p:par>
+                                <p:cTn id="25" presetID="42" presetClass="path" presetSubtype="0" accel="50000" decel="50000" fill="hold" grpId="1" nodeType="withEffect">
+                                  <p:stCondLst>
+                                    <p:cond delay="0"/>
+                                  </p:stCondLst>
+                                  <p:childTnLst>
+                                    <p:animMotion origin="layout" path="M -1.04167E-6 2.22222E-6 L 0.26719 0.15347 " pathEditMode="relative" rAng="0" ptsTypes="AA">
+                                      <p:cBhvr>
+                                        <p:cTn id="26" dur="2000" fill="hold"/>
+                                        <p:tgtEl>
+                                          <p:spTgt spid="55"/>
+                                        </p:tgtEl>
+                                        <p:attrNameLst>
+                                          <p:attrName>ppt_x</p:attrName>
+                                          <p:attrName>ppt_y</p:attrName>
+                                        </p:attrNameLst>
+                                      </p:cBhvr>
+                                      <p:rCtr x="13359" y="7662"/>
+                                    </p:animMotion>
+                                  </p:childTnLst>
+                                </p:cTn>
+                              </p:par>
+                              <p:par>
+                                <p:cTn id="27" presetID="42" presetClass="path" presetSubtype="0" accel="50000" decel="50000" fill="hold" grpId="1" nodeType="withEffect">
+                                  <p:stCondLst>
+                                    <p:cond delay="0"/>
+                                  </p:stCondLst>
+                                  <p:childTnLst>
+                                    <p:animMotion origin="layout" path="M 2.08333E-6 1.85185E-6 L -0.40065 -0.3919 " pathEditMode="relative" rAng="0" ptsTypes="AA">
+                                      <p:cBhvr>
+                                        <p:cTn id="28" dur="2000" fill="hold"/>
+                                        <p:tgtEl>
+                                          <p:spTgt spid="49"/>
+                                        </p:tgtEl>
+                                        <p:attrNameLst>
+                                          <p:attrName>ppt_x</p:attrName>
+                                          <p:attrName>ppt_y</p:attrName>
+                                        </p:attrNameLst>
+                                      </p:cBhvr>
+                                      <p:rCtr x="-20039" y="-19606"/>
+                                    </p:animMotion>
+                                  </p:childTnLst>
+                                </p:cTn>
+                              </p:par>
+                              <p:par>
+                                <p:cTn id="29" presetID="42" presetClass="path" presetSubtype="0" accel="50000" decel="50000" fill="hold" grpId="1" nodeType="withEffect">
+                                  <p:stCondLst>
+                                    <p:cond delay="0"/>
+                                  </p:stCondLst>
+                                  <p:childTnLst>
+                                    <p:animMotion origin="layout" path="M 4.58333E-6 -7.40741E-7 L -0.48412 -0.53449 " pathEditMode="relative" rAng="0" ptsTypes="AA">
+                                      <p:cBhvr>
+                                        <p:cTn id="30" dur="2000" fill="hold"/>
+                                        <p:tgtEl>
+                                          <p:spTgt spid="50"/>
+                                        </p:tgtEl>
+                                        <p:attrNameLst>
+                                          <p:attrName>ppt_x</p:attrName>
+                                          <p:attrName>ppt_y</p:attrName>
+                                        </p:attrNameLst>
+                                      </p:cBhvr>
+                                      <p:rCtr x="-24206" y="-26736"/>
+                                    </p:animMotion>
+                                  </p:childTnLst>
+                                </p:cTn>
+                              </p:par>
+                            </p:childTnLst>
+                          </p:cTn>
+                        </p:par>
+                      </p:childTnLst>
+                    </p:cTn>
+                  </p:par>
+                </p:childTnLst>
+              </p:cTn>
+              <p:prevCondLst>
+                <p:cond evt="onPrev" delay="0">
+                  <p:tgtEl>
+                    <p:sldTgt/>
+                  </p:tgtEl>
+                </p:cond>
+              </p:prevCondLst>
+              <p:nextCondLst>
+                <p:cond evt="onNext" delay="0">
+                  <p:tgtEl>
+                    <p:sldTgt/>
+                  </p:tgtEl>
+                </p:cond>
+              </p:nextCondLst>
+            </p:seq>
+          </p:childTnLst>
+        </p:cTn>
+      </p:par>
+    </p:tnLst>
+    <p:bldLst>
+      <p:bldP spid="49" grpId="0" animBg="1"/>
+      <p:bldP spid="49" grpId="1" animBg="1"/>
+      <p:bldP spid="50" grpId="0" animBg="1"/>
+      <p:bldP spid="50" grpId="1" animBg="1"/>
+      <p:bldP spid="54" grpId="0" animBg="1"/>
+      <p:bldP spid="54" grpId="1" animBg="1"/>
+      <p:bldP spid="55" grpId="0" animBg="1"/>
+      <p:bldP spid="55" grpId="1" animBg="1"/>
+      <p:bldP spid="59" grpId="0" animBg="1"/>
+      <p:bldP spid="59" grpId="1" animBg="1"/>
+    </p:bldLst>
+  </p:timing>
 </p:sld>
 </file>
 

--- a/Presentation/FXMM.pptx
+++ b/Presentation/FXMM.pptx
@@ -20182,222 +20182,6 @@
       </p:grpSp>
       <p:grpSp>
         <p:nvGrpSpPr>
-          <p:cNvPr id="66" name="Group 65">
-            <a:extLst>
-              <a:ext uri="{FF2B5EF4-FFF2-40B4-BE49-F238E27FC236}">
-                <a16:creationId xmlns:a16="http://schemas.microsoft.com/office/drawing/2014/main" id="{DCFD9D94-AE84-131A-7C7D-0C4B26786B06}"/>
-              </a:ext>
-            </a:extLst>
-          </p:cNvPr>
-          <p:cNvGrpSpPr/>
-          <p:nvPr/>
-        </p:nvGrpSpPr>
-        <p:grpSpPr>
-          <a:xfrm>
-            <a:off x="3248758" y="1922202"/>
-            <a:ext cx="6226217" cy="1447695"/>
-            <a:chOff x="1687802" y="1988254"/>
-            <a:chExt cx="6226217" cy="1447695"/>
-          </a:xfrm>
-        </p:grpSpPr>
-        <p:grpSp>
-          <p:nvGrpSpPr>
-            <p:cNvPr id="34" name="Group 33">
-              <a:extLst>
-                <a:ext uri="{FF2B5EF4-FFF2-40B4-BE49-F238E27FC236}">
-                  <a16:creationId xmlns:a16="http://schemas.microsoft.com/office/drawing/2014/main" id="{39B75DFD-4E87-7884-2321-ED1643B0F25F}"/>
-                </a:ext>
-              </a:extLst>
-            </p:cNvPr>
-            <p:cNvGrpSpPr/>
-            <p:nvPr/>
-          </p:nvGrpSpPr>
-          <p:grpSpPr>
-            <a:xfrm>
-              <a:off x="5145517" y="1988255"/>
-              <a:ext cx="2768502" cy="1447694"/>
-              <a:chOff x="5145517" y="1988255"/>
-              <a:chExt cx="2768502" cy="1447694"/>
-            </a:xfrm>
-          </p:grpSpPr>
-          <p:pic>
-            <p:nvPicPr>
-              <p:cNvPr id="31" name="Picture 30">
-                <a:extLst>
-                  <a:ext uri="{FF2B5EF4-FFF2-40B4-BE49-F238E27FC236}">
-                    <a16:creationId xmlns:a16="http://schemas.microsoft.com/office/drawing/2014/main" id="{76CC7FC9-5D29-1FA0-9916-BEB0CBA85FB9}"/>
-                  </a:ext>
-                </a:extLst>
-              </p:cNvPr>
-              <p:cNvPicPr>
-                <a:picLocks noChangeAspect="1"/>
-              </p:cNvPicPr>
-              <p:nvPr/>
-            </p:nvPicPr>
-            <p:blipFill>
-              <a:blip r:embed="rId6">
-                <a:extLst>
-                  <a:ext uri="{28A0092B-C50C-407E-A947-70E740481C1C}">
-                    <a14:useLocalDpi xmlns:a14="http://schemas.microsoft.com/office/drawing/2010/main" val="0"/>
-                  </a:ext>
-                </a:extLst>
-              </a:blip>
-              <a:stretch>
-                <a:fillRect/>
-              </a:stretch>
-            </p:blipFill>
-            <p:spPr>
-              <a:xfrm>
-                <a:off x="6564174" y="2086104"/>
-                <a:ext cx="1349845" cy="1349845"/>
-              </a:xfrm>
-              <a:prstGeom prst="rect">
-                <a:avLst/>
-              </a:prstGeom>
-            </p:spPr>
-          </p:pic>
-          <p:pic>
-            <p:nvPicPr>
-              <p:cNvPr id="33" name="Picture 32">
-                <a:extLst>
-                  <a:ext uri="{FF2B5EF4-FFF2-40B4-BE49-F238E27FC236}">
-                    <a16:creationId xmlns:a16="http://schemas.microsoft.com/office/drawing/2014/main" id="{92C443BE-8D89-B350-1CFA-9ACD9895D8B4}"/>
-                  </a:ext>
-                </a:extLst>
-              </p:cNvPr>
-              <p:cNvPicPr>
-                <a:picLocks noChangeAspect="1"/>
-              </p:cNvPicPr>
-              <p:nvPr/>
-            </p:nvPicPr>
-            <p:blipFill>
-              <a:blip r:embed="rId7">
-                <a:extLst>
-                  <a:ext uri="{28A0092B-C50C-407E-A947-70E740481C1C}">
-                    <a14:useLocalDpi xmlns:a14="http://schemas.microsoft.com/office/drawing/2010/main" val="0"/>
-                  </a:ext>
-                </a:extLst>
-              </a:blip>
-              <a:stretch>
-                <a:fillRect/>
-              </a:stretch>
-            </p:blipFill>
-            <p:spPr>
-              <a:xfrm>
-                <a:off x="5145517" y="1988255"/>
-                <a:ext cx="1349845" cy="1349845"/>
-              </a:xfrm>
-              <a:prstGeom prst="rect">
-                <a:avLst/>
-              </a:prstGeom>
-            </p:spPr>
-          </p:pic>
-        </p:grpSp>
-        <p:cxnSp>
-          <p:nvCxnSpPr>
-            <p:cNvPr id="59" name="Connector: Elbow 58">
-              <a:extLst>
-                <a:ext uri="{FF2B5EF4-FFF2-40B4-BE49-F238E27FC236}">
-                  <a16:creationId xmlns:a16="http://schemas.microsoft.com/office/drawing/2014/main" id="{97F1F54D-CCCD-A92F-F00B-73452E551790}"/>
-                </a:ext>
-              </a:extLst>
-            </p:cNvPr>
-            <p:cNvCxnSpPr>
-              <a:cxnSpLocks/>
-              <a:stCxn id="33" idx="0"/>
-              <a:endCxn id="19" idx="0"/>
-            </p:cNvCxnSpPr>
-            <p:nvPr/>
-          </p:nvCxnSpPr>
-          <p:spPr>
-            <a:xfrm rot="16200000" flipH="1" flipV="1">
-              <a:off x="3206669" y="469387"/>
-              <a:ext cx="1094903" cy="4132638"/>
-            </a:xfrm>
-            <a:prstGeom prst="bentConnector3">
-              <a:avLst>
-                <a:gd name="adj1" fmla="val -20879"/>
-              </a:avLst>
-            </a:prstGeom>
-            <a:ln w="76200">
-              <a:solidFill>
-                <a:schemeClr val="accent5">
-                  <a:lumMod val="75000"/>
-                </a:schemeClr>
-              </a:solidFill>
-              <a:prstDash val="sysDot"/>
-              <a:tailEnd type="triangle"/>
-            </a:ln>
-          </p:spPr>
-          <p:style>
-            <a:lnRef idx="1">
-              <a:schemeClr val="accent1"/>
-            </a:lnRef>
-            <a:fillRef idx="0">
-              <a:schemeClr val="accent1"/>
-            </a:fillRef>
-            <a:effectRef idx="0">
-              <a:schemeClr val="accent1"/>
-            </a:effectRef>
-            <a:fontRef idx="minor">
-              <a:schemeClr val="tx1"/>
-            </a:fontRef>
-          </p:style>
-        </p:cxnSp>
-        <p:cxnSp>
-          <p:nvCxnSpPr>
-            <p:cNvPr id="63" name="Connector: Elbow 62">
-              <a:extLst>
-                <a:ext uri="{FF2B5EF4-FFF2-40B4-BE49-F238E27FC236}">
-                  <a16:creationId xmlns:a16="http://schemas.microsoft.com/office/drawing/2014/main" id="{1176133F-F73B-047E-1A95-2D32FFF5E612}"/>
-                </a:ext>
-              </a:extLst>
-            </p:cNvPr>
-            <p:cNvCxnSpPr>
-              <a:cxnSpLocks/>
-              <a:stCxn id="31" idx="0"/>
-              <a:endCxn id="19" idx="0"/>
-            </p:cNvCxnSpPr>
-            <p:nvPr/>
-          </p:nvCxnSpPr>
-          <p:spPr>
-            <a:xfrm rot="16200000" flipH="1" flipV="1">
-              <a:off x="3964923" y="-191017"/>
-              <a:ext cx="997054" cy="5551295"/>
-            </a:xfrm>
-            <a:prstGeom prst="bentConnector3">
-              <a:avLst>
-                <a:gd name="adj1" fmla="val -55887"/>
-              </a:avLst>
-            </a:prstGeom>
-            <a:ln w="76200">
-              <a:solidFill>
-                <a:schemeClr val="accent5">
-                  <a:lumMod val="75000"/>
-                </a:schemeClr>
-              </a:solidFill>
-              <a:prstDash val="sysDot"/>
-              <a:tailEnd type="triangle"/>
-            </a:ln>
-          </p:spPr>
-          <p:style>
-            <a:lnRef idx="1">
-              <a:schemeClr val="accent1"/>
-            </a:lnRef>
-            <a:fillRef idx="0">
-              <a:schemeClr val="accent1"/>
-            </a:fillRef>
-            <a:effectRef idx="0">
-              <a:schemeClr val="accent1"/>
-            </a:effectRef>
-            <a:fontRef idx="minor">
-              <a:schemeClr val="tx1"/>
-            </a:fontRef>
-          </p:style>
-        </p:cxnSp>
-      </p:grpSp>
-      <p:grpSp>
-        <p:nvGrpSpPr>
           <p:cNvPr id="77" name="Group 76">
             <a:extLst>
               <a:ext uri="{FF2B5EF4-FFF2-40B4-BE49-F238E27FC236}">
@@ -20451,7 +20235,7 @@
               <p:nvPr/>
             </p:nvPicPr>
             <p:blipFill>
-              <a:blip r:embed="rId8">
+              <a:blip r:embed="rId6">
                 <a:extLst>
                   <a:ext uri="{28A0092B-C50C-407E-A947-70E740481C1C}">
                     <a14:useLocalDpi xmlns:a14="http://schemas.microsoft.com/office/drawing/2010/main" val="0"/>
@@ -20487,7 +20271,7 @@
               <p:nvPr/>
             </p:nvPicPr>
             <p:blipFill>
-              <a:blip r:embed="rId9">
+              <a:blip r:embed="rId7">
                 <a:extLst>
                   <a:ext uri="{28A0092B-C50C-407E-A947-70E740481C1C}">
                     <a14:useLocalDpi xmlns:a14="http://schemas.microsoft.com/office/drawing/2010/main" val="0"/>
@@ -20523,7 +20307,7 @@
               <p:nvPr/>
             </p:nvPicPr>
             <p:blipFill>
-              <a:blip r:embed="rId10">
+              <a:blip r:embed="rId8">
                 <a:extLst>
                   <a:ext uri="{28A0092B-C50C-407E-A947-70E740481C1C}">
                     <a14:useLocalDpi xmlns:a14="http://schemas.microsoft.com/office/drawing/2010/main" val="0"/>
@@ -20774,7 +20558,7 @@
             <p:nvPr/>
           </p:nvPicPr>
           <p:blipFill>
-            <a:blip r:embed="rId11">
+            <a:blip r:embed="rId9">
               <a:extLst>
                 <a:ext uri="{28A0092B-C50C-407E-A947-70E740481C1C}">
                   <a14:useLocalDpi xmlns:a14="http://schemas.microsoft.com/office/drawing/2010/main" val="0"/>
@@ -21049,7 +20833,7 @@
             <p:nvPr/>
           </p:nvPicPr>
           <p:blipFill>
-            <a:blip r:embed="rId12">
+            <a:blip r:embed="rId10">
               <a:extLst>
                 <a:ext uri="{28A0092B-C50C-407E-A947-70E740481C1C}">
                   <a14:useLocalDpi xmlns:a14="http://schemas.microsoft.com/office/drawing/2010/main" val="0"/>
@@ -21064,6 +20848,330 @@
             <a:xfrm>
               <a:off x="1000224" y="5147434"/>
               <a:ext cx="1604654" cy="1604654"/>
+            </a:xfrm>
+            <a:prstGeom prst="rect">
+              <a:avLst/>
+            </a:prstGeom>
+          </p:spPr>
+        </p:pic>
+      </p:grpSp>
+      <p:grpSp>
+        <p:nvGrpSpPr>
+          <p:cNvPr id="216" name="Group 215">
+            <a:extLst>
+              <a:ext uri="{FF2B5EF4-FFF2-40B4-BE49-F238E27FC236}">
+                <a16:creationId xmlns:a16="http://schemas.microsoft.com/office/drawing/2014/main" id="{DD92D4A8-066D-1E25-97DD-730CC0C43784}"/>
+              </a:ext>
+            </a:extLst>
+          </p:cNvPr>
+          <p:cNvGrpSpPr/>
+          <p:nvPr/>
+        </p:nvGrpSpPr>
+        <p:grpSpPr>
+          <a:xfrm>
+            <a:off x="3248758" y="2014778"/>
+            <a:ext cx="6881971" cy="1371095"/>
+            <a:chOff x="3248758" y="2014778"/>
+            <a:chExt cx="6881971" cy="1371095"/>
+          </a:xfrm>
+        </p:grpSpPr>
+        <p:grpSp>
+          <p:nvGrpSpPr>
+            <p:cNvPr id="66" name="Group 65">
+              <a:extLst>
+                <a:ext uri="{FF2B5EF4-FFF2-40B4-BE49-F238E27FC236}">
+                  <a16:creationId xmlns:a16="http://schemas.microsoft.com/office/drawing/2014/main" id="{DCFD9D94-AE84-131A-7C7D-0C4B26786B06}"/>
+                </a:ext>
+              </a:extLst>
+            </p:cNvPr>
+            <p:cNvGrpSpPr/>
+            <p:nvPr/>
+          </p:nvGrpSpPr>
+          <p:grpSpPr>
+            <a:xfrm>
+              <a:off x="3248758" y="2014778"/>
+              <a:ext cx="5355467" cy="1371095"/>
+              <a:chOff x="1687802" y="2080830"/>
+              <a:chExt cx="5355467" cy="1371095"/>
+            </a:xfrm>
+          </p:grpSpPr>
+          <p:grpSp>
+            <p:nvGrpSpPr>
+              <p:cNvPr id="34" name="Group 33">
+                <a:extLst>
+                  <a:ext uri="{FF2B5EF4-FFF2-40B4-BE49-F238E27FC236}">
+                    <a16:creationId xmlns:a16="http://schemas.microsoft.com/office/drawing/2014/main" id="{39B75DFD-4E87-7884-2321-ED1643B0F25F}"/>
+                  </a:ext>
+                </a:extLst>
+              </p:cNvPr>
+              <p:cNvGrpSpPr/>
+              <p:nvPr/>
+            </p:nvGrpSpPr>
+            <p:grpSpPr>
+              <a:xfrm>
+                <a:off x="4166919" y="2080831"/>
+                <a:ext cx="2876350" cy="1371094"/>
+                <a:chOff x="4166919" y="2080831"/>
+                <a:chExt cx="2876350" cy="1371094"/>
+              </a:xfrm>
+            </p:grpSpPr>
+            <p:pic>
+              <p:nvPicPr>
+                <p:cNvPr id="31" name="Picture 30">
+                  <a:extLst>
+                    <a:ext uri="{FF2B5EF4-FFF2-40B4-BE49-F238E27FC236}">
+                      <a16:creationId xmlns:a16="http://schemas.microsoft.com/office/drawing/2014/main" id="{76CC7FC9-5D29-1FA0-9916-BEB0CBA85FB9}"/>
+                    </a:ext>
+                  </a:extLst>
+                </p:cNvPr>
+                <p:cNvPicPr>
+                  <a:picLocks noChangeAspect="1"/>
+                </p:cNvPicPr>
+                <p:nvPr/>
+              </p:nvPicPr>
+              <p:blipFill>
+                <a:blip r:embed="rId11">
+                  <a:extLst>
+                    <a:ext uri="{28A0092B-C50C-407E-A947-70E740481C1C}">
+                      <a14:useLocalDpi xmlns:a14="http://schemas.microsoft.com/office/drawing/2010/main" val="0"/>
+                    </a:ext>
+                  </a:extLst>
+                </a:blip>
+                <a:stretch>
+                  <a:fillRect/>
+                </a:stretch>
+              </p:blipFill>
+              <p:spPr>
+                <a:xfrm>
+                  <a:off x="5693424" y="2080831"/>
+                  <a:ext cx="1349845" cy="1349845"/>
+                </a:xfrm>
+                <a:prstGeom prst="rect">
+                  <a:avLst/>
+                </a:prstGeom>
+              </p:spPr>
+            </p:pic>
+            <p:pic>
+              <p:nvPicPr>
+                <p:cNvPr id="33" name="Picture 32">
+                  <a:extLst>
+                    <a:ext uri="{FF2B5EF4-FFF2-40B4-BE49-F238E27FC236}">
+                      <a16:creationId xmlns:a16="http://schemas.microsoft.com/office/drawing/2014/main" id="{92C443BE-8D89-B350-1CFA-9ACD9895D8B4}"/>
+                    </a:ext>
+                  </a:extLst>
+                </p:cNvPr>
+                <p:cNvPicPr>
+                  <a:picLocks noChangeAspect="1"/>
+                </p:cNvPicPr>
+                <p:nvPr/>
+              </p:nvPicPr>
+              <p:blipFill>
+                <a:blip r:embed="rId12">
+                  <a:extLst>
+                    <a:ext uri="{28A0092B-C50C-407E-A947-70E740481C1C}">
+                      <a14:useLocalDpi xmlns:a14="http://schemas.microsoft.com/office/drawing/2010/main" val="0"/>
+                    </a:ext>
+                  </a:extLst>
+                </a:blip>
+                <a:stretch>
+                  <a:fillRect/>
+                </a:stretch>
+              </p:blipFill>
+              <p:spPr>
+                <a:xfrm>
+                  <a:off x="4166919" y="2102080"/>
+                  <a:ext cx="1349845" cy="1349845"/>
+                </a:xfrm>
+                <a:prstGeom prst="rect">
+                  <a:avLst/>
+                </a:prstGeom>
+              </p:spPr>
+            </p:pic>
+          </p:grpSp>
+          <p:cxnSp>
+            <p:nvCxnSpPr>
+              <p:cNvPr id="59" name="Connector: Elbow 58">
+                <a:extLst>
+                  <a:ext uri="{FF2B5EF4-FFF2-40B4-BE49-F238E27FC236}">
+                    <a16:creationId xmlns:a16="http://schemas.microsoft.com/office/drawing/2014/main" id="{97F1F54D-CCCD-A92F-F00B-73452E551790}"/>
+                  </a:ext>
+                </a:extLst>
+              </p:cNvPr>
+              <p:cNvCxnSpPr>
+                <a:cxnSpLocks/>
+                <a:stCxn id="33" idx="0"/>
+                <a:endCxn id="19" idx="0"/>
+              </p:cNvCxnSpPr>
+              <p:nvPr/>
+            </p:nvCxnSpPr>
+            <p:spPr>
+              <a:xfrm rot="16200000" flipH="1" flipV="1">
+                <a:off x="2774283" y="1015599"/>
+                <a:ext cx="981078" cy="3154040"/>
+              </a:xfrm>
+              <a:prstGeom prst="bentConnector3">
+                <a:avLst>
+                  <a:gd name="adj1" fmla="val -23301"/>
+                </a:avLst>
+              </a:prstGeom>
+              <a:ln w="76200">
+                <a:solidFill>
+                  <a:schemeClr val="accent5">
+                    <a:lumMod val="75000"/>
+                  </a:schemeClr>
+                </a:solidFill>
+                <a:prstDash val="sysDot"/>
+                <a:tailEnd type="triangle"/>
+              </a:ln>
+            </p:spPr>
+            <p:style>
+              <a:lnRef idx="1">
+                <a:schemeClr val="accent1"/>
+              </a:lnRef>
+              <a:fillRef idx="0">
+                <a:schemeClr val="accent1"/>
+              </a:fillRef>
+              <a:effectRef idx="0">
+                <a:schemeClr val="accent1"/>
+              </a:effectRef>
+              <a:fontRef idx="minor">
+                <a:schemeClr val="tx1"/>
+              </a:fontRef>
+            </p:style>
+          </p:cxnSp>
+          <p:cxnSp>
+            <p:nvCxnSpPr>
+              <p:cNvPr id="63" name="Connector: Elbow 62">
+                <a:extLst>
+                  <a:ext uri="{FF2B5EF4-FFF2-40B4-BE49-F238E27FC236}">
+                    <a16:creationId xmlns:a16="http://schemas.microsoft.com/office/drawing/2014/main" id="{1176133F-F73B-047E-1A95-2D32FFF5E612}"/>
+                  </a:ext>
+                </a:extLst>
+              </p:cNvPr>
+              <p:cNvCxnSpPr>
+                <a:cxnSpLocks/>
+                <a:stCxn id="31" idx="0"/>
+                <a:endCxn id="19" idx="0"/>
+              </p:cNvCxnSpPr>
+              <p:nvPr/>
+            </p:nvCxnSpPr>
+            <p:spPr>
+              <a:xfrm rot="16200000" flipH="1" flipV="1">
+                <a:off x="3526911" y="241721"/>
+                <a:ext cx="1002327" cy="4680545"/>
+              </a:xfrm>
+              <a:prstGeom prst="bentConnector3">
+                <a:avLst>
+                  <a:gd name="adj1" fmla="val -38487"/>
+                </a:avLst>
+              </a:prstGeom>
+              <a:ln w="76200">
+                <a:solidFill>
+                  <a:schemeClr val="accent5">
+                    <a:lumMod val="75000"/>
+                  </a:schemeClr>
+                </a:solidFill>
+                <a:prstDash val="sysDot"/>
+                <a:tailEnd type="triangle"/>
+              </a:ln>
+            </p:spPr>
+            <p:style>
+              <a:lnRef idx="1">
+                <a:schemeClr val="accent1"/>
+              </a:lnRef>
+              <a:fillRef idx="0">
+                <a:schemeClr val="accent1"/>
+              </a:fillRef>
+              <a:effectRef idx="0">
+                <a:schemeClr val="accent1"/>
+              </a:effectRef>
+              <a:fontRef idx="minor">
+                <a:schemeClr val="tx1"/>
+              </a:fontRef>
+            </p:style>
+          </p:cxnSp>
+        </p:grpSp>
+        <p:cxnSp>
+          <p:nvCxnSpPr>
+            <p:cNvPr id="206" name="Connector: Elbow 205">
+              <a:extLst>
+                <a:ext uri="{FF2B5EF4-FFF2-40B4-BE49-F238E27FC236}">
+                  <a16:creationId xmlns:a16="http://schemas.microsoft.com/office/drawing/2014/main" id="{A55690DE-7F29-8FD6-D36B-F40D9898E4C6}"/>
+                </a:ext>
+              </a:extLst>
+            </p:cNvPr>
+            <p:cNvCxnSpPr>
+              <a:cxnSpLocks/>
+              <a:stCxn id="213" idx="0"/>
+              <a:endCxn id="19" idx="0"/>
+            </p:cNvCxnSpPr>
+            <p:nvPr/>
+          </p:nvCxnSpPr>
+          <p:spPr>
+            <a:xfrm rot="16200000" flipH="1" flipV="1">
+              <a:off x="5879600" y="-559102"/>
+              <a:ext cx="945366" cy="6207049"/>
+            </a:xfrm>
+            <a:prstGeom prst="bentConnector3">
+              <a:avLst>
+                <a:gd name="adj1" fmla="val -68009"/>
+              </a:avLst>
+            </a:prstGeom>
+            <a:ln w="76200">
+              <a:solidFill>
+                <a:schemeClr val="accent5">
+                  <a:lumMod val="75000"/>
+                </a:schemeClr>
+              </a:solidFill>
+              <a:prstDash val="sysDot"/>
+              <a:tailEnd type="triangle"/>
+            </a:ln>
+          </p:spPr>
+          <p:style>
+            <a:lnRef idx="1">
+              <a:schemeClr val="accent1"/>
+            </a:lnRef>
+            <a:fillRef idx="0">
+              <a:schemeClr val="accent1"/>
+            </a:fillRef>
+            <a:effectRef idx="0">
+              <a:schemeClr val="accent1"/>
+            </a:effectRef>
+            <a:fontRef idx="minor">
+              <a:schemeClr val="tx1"/>
+            </a:fontRef>
+          </p:style>
+        </p:cxnSp>
+        <p:pic>
+          <p:nvPicPr>
+            <p:cNvPr id="213" name="Picture 212">
+              <a:extLst>
+                <a:ext uri="{FF2B5EF4-FFF2-40B4-BE49-F238E27FC236}">
+                  <a16:creationId xmlns:a16="http://schemas.microsoft.com/office/drawing/2014/main" id="{4E67600F-032F-C035-EB64-458576593B01}"/>
+                </a:ext>
+              </a:extLst>
+            </p:cNvPr>
+            <p:cNvPicPr>
+              <a:picLocks noChangeAspect="1"/>
+            </p:cNvPicPr>
+            <p:nvPr/>
+          </p:nvPicPr>
+          <p:blipFill>
+            <a:blip r:embed="rId13">
+              <a:extLst>
+                <a:ext uri="{28A0092B-C50C-407E-A947-70E740481C1C}">
+                  <a14:useLocalDpi xmlns:a14="http://schemas.microsoft.com/office/drawing/2010/main" val="0"/>
+                </a:ext>
+              </a:extLst>
+            </a:blip>
+            <a:stretch>
+              <a:fillRect/>
+            </a:stretch>
+          </p:blipFill>
+          <p:spPr>
+            <a:xfrm>
+              <a:off x="8780884" y="2071740"/>
+              <a:ext cx="1349845" cy="1310342"/>
             </a:xfrm>
             <a:prstGeom prst="rect">
               <a:avLst/>
@@ -21250,7 +21358,7 @@
                                           </p:stCondLst>
                                         </p:cTn>
                                         <p:tgtEl>
-                                          <p:spTgt spid="66"/>
+                                          <p:spTgt spid="216"/>
                                         </p:tgtEl>
                                         <p:attrNameLst>
                                           <p:attrName>style.visibility</p:attrName>
@@ -22303,7 +22411,19 @@
               <a:rPr lang="en-GB" sz="4400" dirty="0">
                 <a:latin typeface="Arial Black" panose="020B0A04020102020204" pitchFamily="34" charset="0"/>
               </a:rPr>
-              <a:t>How does BBG compare?</a:t>
+              <a:t>How does &lt;</a:t>
+            </a:r>
+            <a:r>
+              <a:rPr lang="en-GB" sz="4400" dirty="0" err="1">
+                <a:latin typeface="Arial Black" panose="020B0A04020102020204" pitchFamily="34" charset="0"/>
+              </a:rPr>
+              <a:t>ANother</a:t>
+            </a:r>
+            <a:r>
+              <a:rPr lang="en-GB" sz="4400" dirty="0">
+                <a:latin typeface="Arial Black" panose="020B0A04020102020204" pitchFamily="34" charset="0"/>
+              </a:rPr>
+              <a:t>&gt; compare?</a:t>
             </a:r>
           </a:p>
         </p:txBody>
@@ -22410,11 +22530,15 @@
             </a:pPr>
             <a:r>
               <a:rPr lang="en-US" dirty="0"/>
-              <a:t>This presentation is indented for mature audiences and contains Adult Content, graphic, inappropriate, non-PC and potential offensive language. Some contents may not be suitable for some, really most, let's be honest, all readers. Viewer discretion </a:t>
+              <a:t>This presentation is </a:t>
             </a:r>
             <a:r>
-              <a:rPr lang="en-US"/>
-              <a:t>is expected.</a:t>
+              <a:rPr lang="en-US" dirty="0" err="1"/>
+              <a:t>intented</a:t>
+            </a:r>
+            <a:r>
+              <a:rPr lang="en-US" dirty="0"/>
+              <a:t> for mature audiences and contains Adult Content, as well as graphic, inappropriate, non-PC and potential offensive language. Some contents may not be suitable for some, really most, let's be honest, all readers. Viewer discretion is expected.</a:t>
             </a:r>
             <a:endParaRPr lang="en-GB" dirty="0"/>
           </a:p>
@@ -23029,7 +23153,7 @@
         </p:spPr>
         <p:txBody>
           <a:bodyPr>
-            <a:normAutofit lnSpcReduction="10000"/>
+            <a:normAutofit/>
           </a:bodyPr>
           <a:lstStyle/>
           <a:p>
@@ -23048,27 +23172,39 @@
             <a:pPr lvl="1"/>
             <a:r>
               <a:rPr lang="en-GB" dirty="0"/>
-              <a:t>Too slow</a:t>
+              <a:t>Too slow (</a:t>
+            </a:r>
+            <a:r>
+              <a:rPr lang="en-GB" dirty="0" err="1"/>
+              <a:t>eg</a:t>
+            </a:r>
+            <a:r>
+              <a:rPr lang="en-GB" dirty="0"/>
+              <a:t> absolute time, too many ticks behind)</a:t>
             </a:r>
           </a:p>
           <a:p>
             <a:pPr lvl="1"/>
             <a:r>
               <a:rPr lang="en-GB" dirty="0"/>
-              <a:t>Too volatile</a:t>
-            </a:r>
-          </a:p>
-          <a:p>
-            <a:pPr lvl="1"/>
-            <a:r>
-              <a:rPr lang="en-GB" dirty="0"/>
-              <a:t>Too much </a:t>
+              <a:t>Too much symmetric </a:t>
             </a:r>
             <a:r>
               <a:rPr lang="en-GB" dirty="0" err="1"/>
               <a:t>PnL</a:t>
             </a:r>
-            <a:endParaRPr lang="en-GB" dirty="0"/>
+            <a:r>
+              <a:rPr lang="en-GB" dirty="0"/>
+              <a:t> (</a:t>
+            </a:r>
+            <a:r>
+              <a:rPr lang="en-GB" dirty="0" err="1"/>
+              <a:t>eg</a:t>
+            </a:r>
+            <a:r>
+              <a:rPr lang="en-GB" dirty="0"/>
+              <a:t> market too volatile, price has moved too much)</a:t>
+            </a:r>
           </a:p>
           <a:p>
             <a:r>
@@ -23101,21 +23237,6 @@
               <a:rPr lang="en-GB" dirty="0"/>
               <a:t>EFP</a:t>
             </a:r>
-          </a:p>
-          <a:p>
-            <a:r>
-              <a:rPr lang="en-GB" dirty="0" err="1"/>
-              <a:t>MidMatch</a:t>
-            </a:r>
-            <a:r>
-              <a:rPr lang="en-GB" dirty="0"/>
-              <a:t> / </a:t>
-            </a:r>
-            <a:r>
-              <a:rPr lang="en-GB" dirty="0" err="1"/>
-              <a:t>Darkpool</a:t>
-            </a:r>
-            <a:endParaRPr lang="en-GB" dirty="0"/>
           </a:p>
         </p:txBody>
       </p:sp>
@@ -23690,6 +23811,42 @@
           <a:chExt cx="0" cy="0"/>
         </a:xfrm>
       </p:grpSpPr>
+      <p:pic>
+        <p:nvPicPr>
+          <p:cNvPr id="29" name="Picture 28">
+            <a:extLst>
+              <a:ext uri="{FF2B5EF4-FFF2-40B4-BE49-F238E27FC236}">
+                <a16:creationId xmlns:a16="http://schemas.microsoft.com/office/drawing/2014/main" id="{6F7F3317-F56A-9E0C-B434-AF02D63FE035}"/>
+              </a:ext>
+            </a:extLst>
+          </p:cNvPr>
+          <p:cNvPicPr>
+            <a:picLocks noChangeAspect="1"/>
+          </p:cNvPicPr>
+          <p:nvPr/>
+        </p:nvPicPr>
+        <p:blipFill>
+          <a:blip r:embed="rId2">
+            <a:extLst>
+              <a:ext uri="{28A0092B-C50C-407E-A947-70E740481C1C}">
+                <a14:useLocalDpi xmlns:a14="http://schemas.microsoft.com/office/drawing/2010/main" val="0"/>
+              </a:ext>
+            </a:extLst>
+          </a:blip>
+          <a:stretch>
+            <a:fillRect/>
+          </a:stretch>
+        </p:blipFill>
+        <p:spPr>
+          <a:xfrm>
+            <a:off x="0" y="73025"/>
+            <a:ext cx="12192000" cy="6711950"/>
+          </a:xfrm>
+          <a:prstGeom prst="rect">
+            <a:avLst/>
+          </a:prstGeom>
+        </p:spPr>
+      </p:pic>
       <p:grpSp>
         <p:nvGrpSpPr>
           <p:cNvPr id="49" name="Group 48">
@@ -23725,7 +23882,7 @@
             <p:nvPr/>
           </p:nvPicPr>
           <p:blipFill>
-            <a:blip r:embed="rId2">
+            <a:blip r:embed="rId3">
               <a:extLst>
                 <a:ext uri="{28A0092B-C50C-407E-A947-70E740481C1C}">
                   <a14:useLocalDpi xmlns:a14="http://schemas.microsoft.com/office/drawing/2010/main" val="0"/>
@@ -23761,7 +23918,7 @@
             <p:nvPr/>
           </p:nvPicPr>
           <p:blipFill>
-            <a:blip r:embed="rId2">
+            <a:blip r:embed="rId3">
               <a:extLst>
                 <a:ext uri="{28A0092B-C50C-407E-A947-70E740481C1C}">
                   <a14:useLocalDpi xmlns:a14="http://schemas.microsoft.com/office/drawing/2010/main" val="0"/>
@@ -23797,7 +23954,7 @@
             <p:nvPr/>
           </p:nvPicPr>
           <p:blipFill>
-            <a:blip r:embed="rId2">
+            <a:blip r:embed="rId3">
               <a:extLst>
                 <a:ext uri="{28A0092B-C50C-407E-A947-70E740481C1C}">
                   <a14:useLocalDpi xmlns:a14="http://schemas.microsoft.com/office/drawing/2010/main" val="0"/>
@@ -23833,7 +23990,7 @@
             <p:nvPr/>
           </p:nvPicPr>
           <p:blipFill>
-            <a:blip r:embed="rId2">
+            <a:blip r:embed="rId3">
               <a:extLst>
                 <a:ext uri="{28A0092B-C50C-407E-A947-70E740481C1C}">
                   <a14:useLocalDpi xmlns:a14="http://schemas.microsoft.com/office/drawing/2010/main" val="0"/>
@@ -23890,7 +24047,7 @@
             <p:nvPr/>
           </p:nvPicPr>
           <p:blipFill>
-            <a:blip r:embed="rId3">
+            <a:blip r:embed="rId4">
               <a:extLst>
                 <a:ext uri="{28A0092B-C50C-407E-A947-70E740481C1C}">
                   <a14:useLocalDpi xmlns:a14="http://schemas.microsoft.com/office/drawing/2010/main" val="0"/>
@@ -23926,7 +24083,7 @@
             <p:nvPr/>
           </p:nvPicPr>
           <p:blipFill>
-            <a:blip r:embed="rId4">
+            <a:blip r:embed="rId5">
               <a:extLst>
                 <a:ext uri="{28A0092B-C50C-407E-A947-70E740481C1C}">
                   <a14:useLocalDpi xmlns:a14="http://schemas.microsoft.com/office/drawing/2010/main" val="0"/>
@@ -23962,7 +24119,7 @@
             <p:nvPr/>
           </p:nvPicPr>
           <p:blipFill>
-            <a:blip r:embed="rId5">
+            <a:blip r:embed="rId6">
               <a:extLst>
                 <a:ext uri="{28A0092B-C50C-407E-A947-70E740481C1C}">
                   <a14:useLocalDpi xmlns:a14="http://schemas.microsoft.com/office/drawing/2010/main" val="0"/>
@@ -23998,7 +24155,7 @@
             <p:nvPr/>
           </p:nvPicPr>
           <p:blipFill>
-            <a:blip r:embed="rId6">
+            <a:blip r:embed="rId7">
               <a:extLst>
                 <a:ext uri="{28A0092B-C50C-407E-A947-70E740481C1C}">
                   <a14:useLocalDpi xmlns:a14="http://schemas.microsoft.com/office/drawing/2010/main" val="0"/>
@@ -24657,7 +24814,7 @@
             <p:nvPr/>
           </p:nvPicPr>
           <p:blipFill>
-            <a:blip r:embed="rId7">
+            <a:blip r:embed="rId8">
               <a:extLst>
                 <a:ext uri="{28A0092B-C50C-407E-A947-70E740481C1C}">
                   <a14:useLocalDpi xmlns:a14="http://schemas.microsoft.com/office/drawing/2010/main" val="0"/>
@@ -24693,7 +24850,7 @@
             <p:nvPr/>
           </p:nvPicPr>
           <p:blipFill>
-            <a:blip r:embed="rId8">
+            <a:blip r:embed="rId9">
               <a:extLst>
                 <a:ext uri="{28A0092B-C50C-407E-A947-70E740481C1C}">
                   <a14:useLocalDpi xmlns:a14="http://schemas.microsoft.com/office/drawing/2010/main" val="0"/>
@@ -24759,42 +24916,6 @@
           </a:p>
         </p:txBody>
       </p:sp>
-      <p:pic>
-        <p:nvPicPr>
-          <p:cNvPr id="29" name="Picture 28">
-            <a:extLst>
-              <a:ext uri="{FF2B5EF4-FFF2-40B4-BE49-F238E27FC236}">
-                <a16:creationId xmlns:a16="http://schemas.microsoft.com/office/drawing/2014/main" id="{6F7F3317-F56A-9E0C-B434-AF02D63FE035}"/>
-              </a:ext>
-            </a:extLst>
-          </p:cNvPr>
-          <p:cNvPicPr>
-            <a:picLocks noChangeAspect="1"/>
-          </p:cNvPicPr>
-          <p:nvPr/>
-        </p:nvPicPr>
-        <p:blipFill>
-          <a:blip r:embed="rId9">
-            <a:extLst>
-              <a:ext uri="{28A0092B-C50C-407E-A947-70E740481C1C}">
-                <a14:useLocalDpi xmlns:a14="http://schemas.microsoft.com/office/drawing/2010/main" val="0"/>
-              </a:ext>
-            </a:extLst>
-          </a:blip>
-          <a:stretch>
-            <a:fillRect/>
-          </a:stretch>
-        </p:blipFill>
-        <p:spPr>
-          <a:xfrm>
-            <a:off x="0" y="73025"/>
-            <a:ext cx="12192000" cy="6711950"/>
-          </a:xfrm>
-          <a:prstGeom prst="rect">
-            <a:avLst/>
-          </a:prstGeom>
-        </p:spPr>
-      </p:pic>
     </p:spTree>
     <p:extLst>
       <p:ext uri="{BB962C8B-B14F-4D97-AF65-F5344CB8AC3E}">
@@ -25176,6 +25297,42 @@
           <a:chExt cx="0" cy="0"/>
         </a:xfrm>
       </p:grpSpPr>
+      <p:pic>
+        <p:nvPicPr>
+          <p:cNvPr id="29" name="Picture 28">
+            <a:extLst>
+              <a:ext uri="{FF2B5EF4-FFF2-40B4-BE49-F238E27FC236}">
+                <a16:creationId xmlns:a16="http://schemas.microsoft.com/office/drawing/2014/main" id="{237BF4BD-8064-5BAE-9011-33D1DF1607FB}"/>
+              </a:ext>
+            </a:extLst>
+          </p:cNvPr>
+          <p:cNvPicPr>
+            <a:picLocks noChangeAspect="1"/>
+          </p:cNvPicPr>
+          <p:nvPr/>
+        </p:nvPicPr>
+        <p:blipFill>
+          <a:blip r:embed="rId2">
+            <a:extLst>
+              <a:ext uri="{28A0092B-C50C-407E-A947-70E740481C1C}">
+                <a14:useLocalDpi xmlns:a14="http://schemas.microsoft.com/office/drawing/2010/main" val="0"/>
+              </a:ext>
+            </a:extLst>
+          </a:blip>
+          <a:stretch>
+            <a:fillRect/>
+          </a:stretch>
+        </p:blipFill>
+        <p:spPr>
+          <a:xfrm>
+            <a:off x="0" y="73025"/>
+            <a:ext cx="12192000" cy="6711950"/>
+          </a:xfrm>
+          <a:prstGeom prst="rect">
+            <a:avLst/>
+          </a:prstGeom>
+        </p:spPr>
+      </p:pic>
       <p:grpSp>
         <p:nvGrpSpPr>
           <p:cNvPr id="49" name="Group 48">
@@ -25211,7 +25368,7 @@
             <p:nvPr/>
           </p:nvPicPr>
           <p:blipFill>
-            <a:blip r:embed="rId2">
+            <a:blip r:embed="rId3">
               <a:extLst>
                 <a:ext uri="{28A0092B-C50C-407E-A947-70E740481C1C}">
                   <a14:useLocalDpi xmlns:a14="http://schemas.microsoft.com/office/drawing/2010/main" val="0"/>
@@ -25247,7 +25404,7 @@
             <p:nvPr/>
           </p:nvPicPr>
           <p:blipFill>
-            <a:blip r:embed="rId2">
+            <a:blip r:embed="rId3">
               <a:extLst>
                 <a:ext uri="{28A0092B-C50C-407E-A947-70E740481C1C}">
                   <a14:useLocalDpi xmlns:a14="http://schemas.microsoft.com/office/drawing/2010/main" val="0"/>
@@ -25283,7 +25440,7 @@
             <p:nvPr/>
           </p:nvPicPr>
           <p:blipFill>
-            <a:blip r:embed="rId2">
+            <a:blip r:embed="rId3">
               <a:extLst>
                 <a:ext uri="{28A0092B-C50C-407E-A947-70E740481C1C}">
                   <a14:useLocalDpi xmlns:a14="http://schemas.microsoft.com/office/drawing/2010/main" val="0"/>
@@ -25319,7 +25476,7 @@
             <p:nvPr/>
           </p:nvPicPr>
           <p:blipFill>
-            <a:blip r:embed="rId2">
+            <a:blip r:embed="rId3">
               <a:extLst>
                 <a:ext uri="{28A0092B-C50C-407E-A947-70E740481C1C}">
                   <a14:useLocalDpi xmlns:a14="http://schemas.microsoft.com/office/drawing/2010/main" val="0"/>
@@ -25376,7 +25533,7 @@
             <p:nvPr/>
           </p:nvPicPr>
           <p:blipFill>
-            <a:blip r:embed="rId3">
+            <a:blip r:embed="rId4">
               <a:extLst>
                 <a:ext uri="{28A0092B-C50C-407E-A947-70E740481C1C}">
                   <a14:useLocalDpi xmlns:a14="http://schemas.microsoft.com/office/drawing/2010/main" val="0"/>
@@ -25412,7 +25569,7 @@
             <p:nvPr/>
           </p:nvPicPr>
           <p:blipFill>
-            <a:blip r:embed="rId4">
+            <a:blip r:embed="rId5">
               <a:extLst>
                 <a:ext uri="{28A0092B-C50C-407E-A947-70E740481C1C}">
                   <a14:useLocalDpi xmlns:a14="http://schemas.microsoft.com/office/drawing/2010/main" val="0"/>
@@ -25448,7 +25605,7 @@
             <p:nvPr/>
           </p:nvPicPr>
           <p:blipFill>
-            <a:blip r:embed="rId5">
+            <a:blip r:embed="rId6">
               <a:extLst>
                 <a:ext uri="{28A0092B-C50C-407E-A947-70E740481C1C}">
                   <a14:useLocalDpi xmlns:a14="http://schemas.microsoft.com/office/drawing/2010/main" val="0"/>
@@ -25484,7 +25641,7 @@
             <p:nvPr/>
           </p:nvPicPr>
           <p:blipFill>
-            <a:blip r:embed="rId6">
+            <a:blip r:embed="rId7">
               <a:extLst>
                 <a:ext uri="{28A0092B-C50C-407E-A947-70E740481C1C}">
                   <a14:useLocalDpi xmlns:a14="http://schemas.microsoft.com/office/drawing/2010/main" val="0"/>
@@ -25832,42 +25989,6 @@
           </p:style>
         </p:cxnSp>
       </p:grpSp>
-      <p:pic>
-        <p:nvPicPr>
-          <p:cNvPr id="29" name="Picture 28">
-            <a:extLst>
-              <a:ext uri="{FF2B5EF4-FFF2-40B4-BE49-F238E27FC236}">
-                <a16:creationId xmlns:a16="http://schemas.microsoft.com/office/drawing/2014/main" id="{237BF4BD-8064-5BAE-9011-33D1DF1607FB}"/>
-              </a:ext>
-            </a:extLst>
-          </p:cNvPr>
-          <p:cNvPicPr>
-            <a:picLocks noChangeAspect="1"/>
-          </p:cNvPicPr>
-          <p:nvPr/>
-        </p:nvPicPr>
-        <p:blipFill>
-          <a:blip r:embed="rId7">
-            <a:extLst>
-              <a:ext uri="{28A0092B-C50C-407E-A947-70E740481C1C}">
-                <a14:useLocalDpi xmlns:a14="http://schemas.microsoft.com/office/drawing/2010/main" val="0"/>
-              </a:ext>
-            </a:extLst>
-          </a:blip>
-          <a:stretch>
-            <a:fillRect/>
-          </a:stretch>
-        </p:blipFill>
-        <p:spPr>
-          <a:xfrm>
-            <a:off x="0" y="73025"/>
-            <a:ext cx="12192000" cy="6711950"/>
-          </a:xfrm>
-          <a:prstGeom prst="rect">
-            <a:avLst/>
-          </a:prstGeom>
-        </p:spPr>
-      </p:pic>
       <p:grpSp>
         <p:nvGrpSpPr>
           <p:cNvPr id="2" name="Group 1">
@@ -26323,6 +26444,646 @@
           </a:p>
         </p:txBody>
       </p:sp>
+      <p:sp>
+        <p:nvSpPr>
+          <p:cNvPr id="25" name="Oval 24">
+            <a:extLst>
+              <a:ext uri="{FF2B5EF4-FFF2-40B4-BE49-F238E27FC236}">
+                <a16:creationId xmlns:a16="http://schemas.microsoft.com/office/drawing/2014/main" id="{9755F5A9-3C14-F2E7-5DAC-DB4D7F94178F}"/>
+              </a:ext>
+            </a:extLst>
+          </p:cNvPr>
+          <p:cNvSpPr/>
+          <p:nvPr/>
+        </p:nvSpPr>
+        <p:spPr>
+          <a:xfrm>
+            <a:off x="2474694" y="1489663"/>
+            <a:ext cx="453358" cy="425251"/>
+          </a:xfrm>
+          <a:prstGeom prst="ellipse">
+            <a:avLst/>
+          </a:prstGeom>
+          <a:solidFill>
+            <a:srgbClr val="FF7C80">
+              <a:alpha val="49804"/>
+            </a:srgbClr>
+          </a:solidFill>
+          <a:ln>
+            <a:noFill/>
+          </a:ln>
+        </p:spPr>
+        <p:style>
+          <a:lnRef idx="0">
+            <a:scrgbClr r="0" g="0" b="0"/>
+          </a:lnRef>
+          <a:fillRef idx="0">
+            <a:scrgbClr r="0" g="0" b="0"/>
+          </a:fillRef>
+          <a:effectRef idx="0">
+            <a:scrgbClr r="0" g="0" b="0"/>
+          </a:effectRef>
+          <a:fontRef idx="minor">
+            <a:schemeClr val="lt1"/>
+          </a:fontRef>
+        </p:style>
+        <p:txBody>
+          <a:bodyPr rtlCol="0" anchor="ctr"/>
+          <a:lstStyle/>
+          <a:p>
+            <a:pPr algn="ctr"/>
+            <a:r>
+              <a:rPr lang="en-US" sz="1100" b="1" dirty="0">
+                <a:solidFill>
+                  <a:srgbClr val="C00000"/>
+                </a:solidFill>
+              </a:rPr>
+              <a:t>UJ</a:t>
+            </a:r>
+            <a:endParaRPr lang="en-GB" b="1" dirty="0">
+              <a:solidFill>
+                <a:srgbClr val="C00000"/>
+              </a:solidFill>
+            </a:endParaRPr>
+          </a:p>
+        </p:txBody>
+      </p:sp>
+      <p:sp>
+        <p:nvSpPr>
+          <p:cNvPr id="27" name="Oval 26">
+            <a:extLst>
+              <a:ext uri="{FF2B5EF4-FFF2-40B4-BE49-F238E27FC236}">
+                <a16:creationId xmlns:a16="http://schemas.microsoft.com/office/drawing/2014/main" id="{7867369B-BC3F-9987-2106-7060FD1CA420}"/>
+              </a:ext>
+            </a:extLst>
+          </p:cNvPr>
+          <p:cNvSpPr/>
+          <p:nvPr/>
+        </p:nvSpPr>
+        <p:spPr>
+          <a:xfrm>
+            <a:off x="3171479" y="1481981"/>
+            <a:ext cx="453358" cy="425251"/>
+          </a:xfrm>
+          <a:prstGeom prst="ellipse">
+            <a:avLst/>
+          </a:prstGeom>
+          <a:solidFill>
+            <a:schemeClr val="accent6">
+              <a:alpha val="50000"/>
+            </a:schemeClr>
+          </a:solidFill>
+          <a:ln>
+            <a:noFill/>
+          </a:ln>
+        </p:spPr>
+        <p:style>
+          <a:lnRef idx="0">
+            <a:scrgbClr r="0" g="0" b="0"/>
+          </a:lnRef>
+          <a:fillRef idx="0">
+            <a:scrgbClr r="0" g="0" b="0"/>
+          </a:fillRef>
+          <a:effectRef idx="0">
+            <a:scrgbClr r="0" g="0" b="0"/>
+          </a:effectRef>
+          <a:fontRef idx="minor">
+            <a:schemeClr val="lt1"/>
+          </a:fontRef>
+        </p:style>
+        <p:txBody>
+          <a:bodyPr rtlCol="0" anchor="ctr"/>
+          <a:lstStyle/>
+          <a:p>
+            <a:pPr algn="ctr"/>
+            <a:r>
+              <a:rPr lang="en-US" sz="1100" b="1" dirty="0">
+                <a:solidFill>
+                  <a:srgbClr val="00B050"/>
+                </a:solidFill>
+              </a:rPr>
+              <a:t>UJ</a:t>
+            </a:r>
+            <a:endParaRPr lang="en-GB" b="1" dirty="0">
+              <a:solidFill>
+                <a:srgbClr val="00B050"/>
+              </a:solidFill>
+            </a:endParaRPr>
+          </a:p>
+        </p:txBody>
+      </p:sp>
+      <p:sp>
+        <p:nvSpPr>
+          <p:cNvPr id="63" name="Oval 62">
+            <a:extLst>
+              <a:ext uri="{FF2B5EF4-FFF2-40B4-BE49-F238E27FC236}">
+                <a16:creationId xmlns:a16="http://schemas.microsoft.com/office/drawing/2014/main" id="{81770615-9E22-A2E3-EA2D-38CCB5739BFA}"/>
+              </a:ext>
+            </a:extLst>
+          </p:cNvPr>
+          <p:cNvSpPr/>
+          <p:nvPr/>
+        </p:nvSpPr>
+        <p:spPr>
+          <a:xfrm>
+            <a:off x="9955341" y="1550756"/>
+            <a:ext cx="453358" cy="425251"/>
+          </a:xfrm>
+          <a:prstGeom prst="ellipse">
+            <a:avLst/>
+          </a:prstGeom>
+          <a:solidFill>
+            <a:schemeClr val="accent6">
+              <a:alpha val="50000"/>
+            </a:schemeClr>
+          </a:solidFill>
+          <a:ln>
+            <a:noFill/>
+          </a:ln>
+        </p:spPr>
+        <p:style>
+          <a:lnRef idx="0">
+            <a:scrgbClr r="0" g="0" b="0"/>
+          </a:lnRef>
+          <a:fillRef idx="0">
+            <a:scrgbClr r="0" g="0" b="0"/>
+          </a:fillRef>
+          <a:effectRef idx="0">
+            <a:scrgbClr r="0" g="0" b="0"/>
+          </a:effectRef>
+          <a:fontRef idx="minor">
+            <a:schemeClr val="lt1"/>
+          </a:fontRef>
+        </p:style>
+        <p:txBody>
+          <a:bodyPr rtlCol="0" anchor="ctr"/>
+          <a:lstStyle/>
+          <a:p>
+            <a:pPr algn="ctr"/>
+            <a:r>
+              <a:rPr lang="en-US" sz="1100" b="1" dirty="0">
+                <a:solidFill>
+                  <a:srgbClr val="00B050"/>
+                </a:solidFill>
+              </a:rPr>
+              <a:t>AJ</a:t>
+            </a:r>
+            <a:endParaRPr lang="en-GB" b="1" dirty="0">
+              <a:solidFill>
+                <a:srgbClr val="00B050"/>
+              </a:solidFill>
+            </a:endParaRPr>
+          </a:p>
+        </p:txBody>
+      </p:sp>
+      <p:sp>
+        <p:nvSpPr>
+          <p:cNvPr id="64" name="Oval 63">
+            <a:extLst>
+              <a:ext uri="{FF2B5EF4-FFF2-40B4-BE49-F238E27FC236}">
+                <a16:creationId xmlns:a16="http://schemas.microsoft.com/office/drawing/2014/main" id="{DFEE9EE6-021D-BD0F-CF4E-9668A5384135}"/>
+              </a:ext>
+            </a:extLst>
+          </p:cNvPr>
+          <p:cNvSpPr/>
+          <p:nvPr/>
+        </p:nvSpPr>
+        <p:spPr>
+          <a:xfrm>
+            <a:off x="9955341" y="2593906"/>
+            <a:ext cx="453358" cy="425251"/>
+          </a:xfrm>
+          <a:prstGeom prst="ellipse">
+            <a:avLst/>
+          </a:prstGeom>
+          <a:solidFill>
+            <a:srgbClr val="FF7C80">
+              <a:alpha val="50000"/>
+            </a:srgbClr>
+          </a:solidFill>
+          <a:ln>
+            <a:noFill/>
+          </a:ln>
+        </p:spPr>
+        <p:style>
+          <a:lnRef idx="0">
+            <a:scrgbClr r="0" g="0" b="0"/>
+          </a:lnRef>
+          <a:fillRef idx="0">
+            <a:scrgbClr r="0" g="0" b="0"/>
+          </a:fillRef>
+          <a:effectRef idx="0">
+            <a:scrgbClr r="0" g="0" b="0"/>
+          </a:effectRef>
+          <a:fontRef idx="minor">
+            <a:schemeClr val="lt1"/>
+          </a:fontRef>
+        </p:style>
+        <p:txBody>
+          <a:bodyPr rtlCol="0" anchor="ctr"/>
+          <a:lstStyle/>
+          <a:p>
+            <a:pPr algn="ctr"/>
+            <a:r>
+              <a:rPr lang="en-US" sz="1100" b="1" dirty="0">
+                <a:solidFill>
+                  <a:srgbClr val="C00000"/>
+                </a:solidFill>
+              </a:rPr>
+              <a:t>AJ</a:t>
+            </a:r>
+            <a:endParaRPr lang="en-GB" b="1" dirty="0">
+              <a:solidFill>
+                <a:srgbClr val="C00000"/>
+              </a:solidFill>
+            </a:endParaRPr>
+          </a:p>
+        </p:txBody>
+      </p:sp>
+      <p:sp>
+        <p:nvSpPr>
+          <p:cNvPr id="65" name="Oval 64">
+            <a:extLst>
+              <a:ext uri="{FF2B5EF4-FFF2-40B4-BE49-F238E27FC236}">
+                <a16:creationId xmlns:a16="http://schemas.microsoft.com/office/drawing/2014/main" id="{F05D6DF6-653D-8CB1-A6BC-654FAA215EEB}"/>
+              </a:ext>
+            </a:extLst>
+          </p:cNvPr>
+          <p:cNvSpPr/>
+          <p:nvPr/>
+        </p:nvSpPr>
+        <p:spPr>
+          <a:xfrm>
+            <a:off x="9955341" y="1550756"/>
+            <a:ext cx="453358" cy="425251"/>
+          </a:xfrm>
+          <a:prstGeom prst="ellipse">
+            <a:avLst/>
+          </a:prstGeom>
+          <a:solidFill>
+            <a:schemeClr val="accent6">
+              <a:alpha val="50000"/>
+            </a:schemeClr>
+          </a:solidFill>
+          <a:ln>
+            <a:noFill/>
+          </a:ln>
+        </p:spPr>
+        <p:style>
+          <a:lnRef idx="0">
+            <a:scrgbClr r="0" g="0" b="0"/>
+          </a:lnRef>
+          <a:fillRef idx="0">
+            <a:scrgbClr r="0" g="0" b="0"/>
+          </a:fillRef>
+          <a:effectRef idx="0">
+            <a:scrgbClr r="0" g="0" b="0"/>
+          </a:effectRef>
+          <a:fontRef idx="minor">
+            <a:schemeClr val="lt1"/>
+          </a:fontRef>
+        </p:style>
+        <p:txBody>
+          <a:bodyPr rtlCol="0" anchor="ctr"/>
+          <a:lstStyle/>
+          <a:p>
+            <a:pPr algn="ctr"/>
+            <a:r>
+              <a:rPr lang="en-US" sz="1100" b="1" dirty="0">
+                <a:solidFill>
+                  <a:srgbClr val="00B050"/>
+                </a:solidFill>
+              </a:rPr>
+              <a:t>AJ</a:t>
+            </a:r>
+            <a:endParaRPr lang="en-GB" b="1" dirty="0">
+              <a:solidFill>
+                <a:srgbClr val="00B050"/>
+              </a:solidFill>
+            </a:endParaRPr>
+          </a:p>
+        </p:txBody>
+      </p:sp>
+      <p:sp>
+        <p:nvSpPr>
+          <p:cNvPr id="66" name="Oval 65">
+            <a:extLst>
+              <a:ext uri="{FF2B5EF4-FFF2-40B4-BE49-F238E27FC236}">
+                <a16:creationId xmlns:a16="http://schemas.microsoft.com/office/drawing/2014/main" id="{44DD11C3-F074-88BF-A2C2-5C62268E7C44}"/>
+              </a:ext>
+            </a:extLst>
+          </p:cNvPr>
+          <p:cNvSpPr/>
+          <p:nvPr/>
+        </p:nvSpPr>
+        <p:spPr>
+          <a:xfrm>
+            <a:off x="9955341" y="2593906"/>
+            <a:ext cx="453358" cy="425251"/>
+          </a:xfrm>
+          <a:prstGeom prst="ellipse">
+            <a:avLst/>
+          </a:prstGeom>
+          <a:solidFill>
+            <a:srgbClr val="FF7C80">
+              <a:alpha val="50000"/>
+            </a:srgbClr>
+          </a:solidFill>
+          <a:ln>
+            <a:noFill/>
+          </a:ln>
+        </p:spPr>
+        <p:style>
+          <a:lnRef idx="0">
+            <a:scrgbClr r="0" g="0" b="0"/>
+          </a:lnRef>
+          <a:fillRef idx="0">
+            <a:scrgbClr r="0" g="0" b="0"/>
+          </a:fillRef>
+          <a:effectRef idx="0">
+            <a:scrgbClr r="0" g="0" b="0"/>
+          </a:effectRef>
+          <a:fontRef idx="minor">
+            <a:schemeClr val="lt1"/>
+          </a:fontRef>
+        </p:style>
+        <p:txBody>
+          <a:bodyPr rtlCol="0" anchor="ctr"/>
+          <a:lstStyle/>
+          <a:p>
+            <a:pPr algn="ctr"/>
+            <a:r>
+              <a:rPr lang="en-US" sz="1100" b="1" dirty="0">
+                <a:solidFill>
+                  <a:srgbClr val="C00000"/>
+                </a:solidFill>
+              </a:rPr>
+              <a:t>AJ</a:t>
+            </a:r>
+            <a:endParaRPr lang="en-GB" b="1" dirty="0">
+              <a:solidFill>
+                <a:srgbClr val="C00000"/>
+              </a:solidFill>
+            </a:endParaRPr>
+          </a:p>
+        </p:txBody>
+      </p:sp>
+      <p:sp>
+        <p:nvSpPr>
+          <p:cNvPr id="67" name="Oval 66">
+            <a:extLst>
+              <a:ext uri="{FF2B5EF4-FFF2-40B4-BE49-F238E27FC236}">
+                <a16:creationId xmlns:a16="http://schemas.microsoft.com/office/drawing/2014/main" id="{7C9C533B-A39E-295C-230F-933FC92FA286}"/>
+              </a:ext>
+            </a:extLst>
+          </p:cNvPr>
+          <p:cNvSpPr/>
+          <p:nvPr/>
+        </p:nvSpPr>
+        <p:spPr>
+          <a:xfrm>
+            <a:off x="9955341" y="1550756"/>
+            <a:ext cx="453358" cy="425251"/>
+          </a:xfrm>
+          <a:prstGeom prst="ellipse">
+            <a:avLst/>
+          </a:prstGeom>
+          <a:solidFill>
+            <a:schemeClr val="accent6">
+              <a:alpha val="50000"/>
+            </a:schemeClr>
+          </a:solidFill>
+          <a:ln>
+            <a:noFill/>
+          </a:ln>
+        </p:spPr>
+        <p:style>
+          <a:lnRef idx="0">
+            <a:scrgbClr r="0" g="0" b="0"/>
+          </a:lnRef>
+          <a:fillRef idx="0">
+            <a:scrgbClr r="0" g="0" b="0"/>
+          </a:fillRef>
+          <a:effectRef idx="0">
+            <a:scrgbClr r="0" g="0" b="0"/>
+          </a:effectRef>
+          <a:fontRef idx="minor">
+            <a:schemeClr val="lt1"/>
+          </a:fontRef>
+        </p:style>
+        <p:txBody>
+          <a:bodyPr rtlCol="0" anchor="ctr"/>
+          <a:lstStyle/>
+          <a:p>
+            <a:pPr algn="ctr"/>
+            <a:r>
+              <a:rPr lang="en-US" sz="1100" b="1" dirty="0">
+                <a:solidFill>
+                  <a:srgbClr val="00B050"/>
+                </a:solidFill>
+              </a:rPr>
+              <a:t>AJ</a:t>
+            </a:r>
+            <a:endParaRPr lang="en-GB" b="1" dirty="0">
+              <a:solidFill>
+                <a:srgbClr val="00B050"/>
+              </a:solidFill>
+            </a:endParaRPr>
+          </a:p>
+        </p:txBody>
+      </p:sp>
+      <p:sp>
+        <p:nvSpPr>
+          <p:cNvPr id="68" name="Oval 67">
+            <a:extLst>
+              <a:ext uri="{FF2B5EF4-FFF2-40B4-BE49-F238E27FC236}">
+                <a16:creationId xmlns:a16="http://schemas.microsoft.com/office/drawing/2014/main" id="{662538BE-4A7E-C540-002C-30022A3641F0}"/>
+              </a:ext>
+            </a:extLst>
+          </p:cNvPr>
+          <p:cNvSpPr/>
+          <p:nvPr/>
+        </p:nvSpPr>
+        <p:spPr>
+          <a:xfrm>
+            <a:off x="9955341" y="2593906"/>
+            <a:ext cx="453358" cy="425251"/>
+          </a:xfrm>
+          <a:prstGeom prst="ellipse">
+            <a:avLst/>
+          </a:prstGeom>
+          <a:solidFill>
+            <a:srgbClr val="FF7C80">
+              <a:alpha val="50000"/>
+            </a:srgbClr>
+          </a:solidFill>
+          <a:ln>
+            <a:noFill/>
+          </a:ln>
+        </p:spPr>
+        <p:style>
+          <a:lnRef idx="0">
+            <a:scrgbClr r="0" g="0" b="0"/>
+          </a:lnRef>
+          <a:fillRef idx="0">
+            <a:scrgbClr r="0" g="0" b="0"/>
+          </a:fillRef>
+          <a:effectRef idx="0">
+            <a:scrgbClr r="0" g="0" b="0"/>
+          </a:effectRef>
+          <a:fontRef idx="minor">
+            <a:schemeClr val="lt1"/>
+          </a:fontRef>
+        </p:style>
+        <p:txBody>
+          <a:bodyPr rtlCol="0" anchor="ctr"/>
+          <a:lstStyle/>
+          <a:p>
+            <a:pPr algn="ctr"/>
+            <a:r>
+              <a:rPr lang="en-US" sz="1100" b="1" dirty="0">
+                <a:solidFill>
+                  <a:srgbClr val="C00000"/>
+                </a:solidFill>
+              </a:rPr>
+              <a:t>AJ</a:t>
+            </a:r>
+            <a:endParaRPr lang="en-GB" b="1" dirty="0">
+              <a:solidFill>
+                <a:srgbClr val="C00000"/>
+              </a:solidFill>
+            </a:endParaRPr>
+          </a:p>
+        </p:txBody>
+      </p:sp>
+      <p:sp>
+        <p:nvSpPr>
+          <p:cNvPr id="69" name="Oval 68">
+            <a:extLst>
+              <a:ext uri="{FF2B5EF4-FFF2-40B4-BE49-F238E27FC236}">
+                <a16:creationId xmlns:a16="http://schemas.microsoft.com/office/drawing/2014/main" id="{CAF78140-C345-25A1-AEA1-75461A03A680}"/>
+              </a:ext>
+            </a:extLst>
+          </p:cNvPr>
+          <p:cNvSpPr/>
+          <p:nvPr/>
+        </p:nvSpPr>
+        <p:spPr>
+          <a:xfrm>
+            <a:off x="9955341" y="1550756"/>
+            <a:ext cx="453358" cy="425251"/>
+          </a:xfrm>
+          <a:prstGeom prst="ellipse">
+            <a:avLst/>
+          </a:prstGeom>
+          <a:solidFill>
+            <a:schemeClr val="accent6">
+              <a:alpha val="50000"/>
+            </a:schemeClr>
+          </a:solidFill>
+          <a:ln>
+            <a:noFill/>
+          </a:ln>
+        </p:spPr>
+        <p:style>
+          <a:lnRef idx="0">
+            <a:scrgbClr r="0" g="0" b="0"/>
+          </a:lnRef>
+          <a:fillRef idx="0">
+            <a:scrgbClr r="0" g="0" b="0"/>
+          </a:fillRef>
+          <a:effectRef idx="0">
+            <a:scrgbClr r="0" g="0" b="0"/>
+          </a:effectRef>
+          <a:fontRef idx="minor">
+            <a:schemeClr val="lt1"/>
+          </a:fontRef>
+        </p:style>
+        <p:txBody>
+          <a:bodyPr rtlCol="0" anchor="ctr"/>
+          <a:lstStyle/>
+          <a:p>
+            <a:pPr algn="ctr"/>
+            <a:r>
+              <a:rPr lang="en-US" sz="1100" b="1" dirty="0">
+                <a:solidFill>
+                  <a:srgbClr val="00B050"/>
+                </a:solidFill>
+              </a:rPr>
+              <a:t>AJ</a:t>
+            </a:r>
+            <a:endParaRPr lang="en-GB" b="1" dirty="0">
+              <a:solidFill>
+                <a:srgbClr val="00B050"/>
+              </a:solidFill>
+            </a:endParaRPr>
+          </a:p>
+        </p:txBody>
+      </p:sp>
+      <p:sp>
+        <p:nvSpPr>
+          <p:cNvPr id="70" name="Oval 69">
+            <a:extLst>
+              <a:ext uri="{FF2B5EF4-FFF2-40B4-BE49-F238E27FC236}">
+                <a16:creationId xmlns:a16="http://schemas.microsoft.com/office/drawing/2014/main" id="{713C3AA9-0356-9363-1531-3841DB22A609}"/>
+              </a:ext>
+            </a:extLst>
+          </p:cNvPr>
+          <p:cNvSpPr/>
+          <p:nvPr/>
+        </p:nvSpPr>
+        <p:spPr>
+          <a:xfrm>
+            <a:off x="9955341" y="2593906"/>
+            <a:ext cx="453358" cy="425251"/>
+          </a:xfrm>
+          <a:prstGeom prst="ellipse">
+            <a:avLst/>
+          </a:prstGeom>
+          <a:solidFill>
+            <a:srgbClr val="FF7C80">
+              <a:alpha val="50000"/>
+            </a:srgbClr>
+          </a:solidFill>
+          <a:ln>
+            <a:noFill/>
+          </a:ln>
+        </p:spPr>
+        <p:style>
+          <a:lnRef idx="0">
+            <a:scrgbClr r="0" g="0" b="0"/>
+          </a:lnRef>
+          <a:fillRef idx="0">
+            <a:scrgbClr r="0" g="0" b="0"/>
+          </a:fillRef>
+          <a:effectRef idx="0">
+            <a:scrgbClr r="0" g="0" b="0"/>
+          </a:effectRef>
+          <a:fontRef idx="minor">
+            <a:schemeClr val="lt1"/>
+          </a:fontRef>
+        </p:style>
+        <p:txBody>
+          <a:bodyPr rtlCol="0" anchor="ctr"/>
+          <a:lstStyle/>
+          <a:p>
+            <a:pPr algn="ctr"/>
+            <a:r>
+              <a:rPr lang="en-US" sz="1100" b="1" dirty="0">
+                <a:solidFill>
+                  <a:srgbClr val="C00000"/>
+                </a:solidFill>
+              </a:rPr>
+              <a:t>AJ</a:t>
+            </a:r>
+            <a:endParaRPr lang="en-GB" b="1" dirty="0">
+              <a:solidFill>
+                <a:srgbClr val="C00000"/>
+              </a:solidFill>
+            </a:endParaRPr>
+          </a:p>
+        </p:txBody>
+      </p:sp>
     </p:spTree>
     <p:extLst>
       <p:ext uri="{BB962C8B-B14F-4D97-AF65-F5344CB8AC3E}">
@@ -26399,12 +27160,12 @@
                             </p:stCondLst>
                             <p:childTnLst>
                               <p:par>
-                                <p:cTn id="9" presetID="0" presetClass="path" presetSubtype="0" accel="50000" decel="50000" fill="hold" grpId="0" nodeType="clickEffect">
+                                <p:cTn id="9" presetID="0" presetClass="path" presetSubtype="0" repeatCount="indefinite" accel="50000" decel="50000" fill="hold" grpId="0" nodeType="clickEffect">
                                   <p:stCondLst>
                                     <p:cond delay="0"/>
                                   </p:stCondLst>
                                   <p:childTnLst>
-                                    <p:animMotion origin="layout" path="M -0.00183 0.00092 L -0.00183 0.00092 C -0.00183 0.00462 -0.00183 0.00833 -0.00209 0.01203 C -0.00235 0.01504 -0.00313 0.01759 -0.00339 0.0206 C -0.00365 0.0243 -0.00378 0.028 -0.00391 0.03171 C -0.00378 0.04953 -0.00391 0.06712 -0.00339 0.08495 C -0.00326 0.08657 -0.00235 0.08773 -0.00209 0.08935 C 0.00117 0.10532 -0.00378 0.08634 0.00078 0.10069 C 0.00117 0.10185 0.0013 0.10324 0.00169 0.10462 C 0.00234 0.10625 0.00325 0.10787 0.0039 0.10949 C 0.00651 0.11643 0.00534 0.11527 0.00794 0.12083 C 0.01093 0.12685 0.00872 0.12152 0.01211 0.12685 C 0.01354 0.12916 0.01484 0.13171 0.01614 0.13425 C 0.01679 0.13541 0.01731 0.1368 0.0181 0.1375 C 0.01888 0.13842 0.01966 0.13958 0.02057 0.1405 C 0.022 0.14166 0.02317 0.14166 0.02474 0.14212 C 0.02539 0.14236 0.02591 0.14328 0.02656 0.14328 C 0.03047 0.14328 0.03437 0.14375 0.03828 0.14259 C 0.03906 0.14236 0.03945 0.14027 0.0401 0.13935 C 0.04414 0.13356 0.03854 0.14537 0.04492 0.13148 C 0.0457 0.12962 0.04635 0.12777 0.047 0.12592 C 0.04752 0.1243 0.04778 0.12268 0.0483 0.12129 C 0.04895 0.1199 0.04974 0.11921 0.05052 0.11805 C 0.05377 0.10347 0.05208 0.11319 0.05117 0.08263 C 0.05104 0.07916 0.05078 0.07569 0.05052 0.07199 C 0.05026 0.06782 0.05013 0.06388 0.04987 0.05972 C 0.05026 0.04953 0.05013 0.03912 0.05078 0.02893 C 0.05117 0.02453 0.05208 0.02013 0.05299 0.01597 C 0.05586 0.00416 0.0569 0.00138 0.06119 -0.00695 C 0.06263 -0.00973 0.06406 -0.0125 0.06562 -0.01482 C 0.06692 -0.01667 0.06862 -0.01783 0.07005 -0.01922 C 0.07109 -0.02038 0.07174 -0.022 0.07291 -0.02269 C 0.08047 -0.02663 0.08437 -0.02663 0.09179 -0.02778 C 0.10976 -0.02709 0.10937 -0.01667 0.10937 -0.02871 " pathEditMode="fixed" ptsTypes="AAAAAAAAAAAAAAAAAAAAAAAAAAAAAAAAAA">
+                                    <p:animMotion origin="layout" path="M 3.75E-6 -3.7037E-6 L 3.75E-6 0.00024 C 3.75E-6 0.00371 3.75E-6 0.00741 -0.00026 0.01111 C -0.00052 0.01412 -0.00131 0.01667 -0.00157 0.01968 C -0.00183 0.02338 -0.00196 0.02709 -0.00209 0.03079 C -0.00196 0.04861 -0.00209 0.06621 -0.00157 0.08403 C -0.00144 0.08565 -0.00052 0.08681 -0.00026 0.08843 C 0.00299 0.1044 -0.00196 0.08542 0.0026 0.09977 C 0.00299 0.10093 0.00312 0.10232 0.00351 0.10371 C 0.00416 0.10533 0.00507 0.10695 0.00573 0.10857 C 0.00833 0.11551 0.00716 0.11436 0.00976 0.11991 C 0.01276 0.12593 0.01054 0.12061 0.01393 0.12593 C 0.01536 0.12824 0.01666 0.13079 0.01797 0.13334 C 0.01862 0.13449 0.01914 0.13588 0.01992 0.13658 C 0.0207 0.1375 0.02148 0.13866 0.02239 0.13959 C 0.02382 0.14074 0.025 0.14074 0.02656 0.14121 C 0.02721 0.14144 0.02773 0.14236 0.02838 0.14236 C 0.03229 0.14236 0.03619 0.14283 0.0401 0.14167 C 0.04088 0.14144 0.04127 0.13936 0.04192 0.13843 C 0.04596 0.13264 0.04036 0.14445 0.04674 0.13056 C 0.04752 0.12871 0.04817 0.12686 0.04882 0.125 C 0.04935 0.12338 0.04961 0.12176 0.05013 0.12037 C 0.05078 0.11899 0.05156 0.11829 0.05234 0.11713 C 0.0556 0.10255 0.0539 0.11227 0.05299 0.08172 C 0.05286 0.07824 0.0526 0.07477 0.05234 0.07107 C 0.05208 0.0669 0.05195 0.06297 0.05169 0.0588 C 0.05208 0.04861 0.05195 0.0382 0.0526 0.02801 C 0.05299 0.02361 0.0539 0.01922 0.05481 0.01505 C 0.05768 0.00324 0.05872 0.00047 0.06302 -0.00787 C 0.06445 -0.01064 0.06588 -0.01342 0.06744 -0.01574 C 0.06875 -0.01759 0.07044 -0.01875 0.07187 -0.02014 C 0.07291 -0.02129 0.07356 -0.02291 0.07474 -0.02361 C 0.08229 -0.02754 0.08619 -0.02754 0.09362 -0.0287 C 0.11158 -0.02801 0.11119 -0.01759 0.11119 -0.02963 " pathEditMode="fixed" rAng="0" ptsTypes="AAAAAAAAAAAAAAAAAAAAAAAAAAAAAAAAAA">
                                       <p:cBhvr>
                                         <p:cTn id="10" dur="2000" fill="hold"/>
                                         <p:tgtEl>
@@ -26415,6 +27176,7 @@
                                           <p:attrName>ppt_y</p:attrName>
                                         </p:attrNameLst>
                                       </p:cBhvr>
+                                      <p:rCtr x="5456" y="5625"/>
                                     </p:animMotion>
                                   </p:childTnLst>
                                   <p:subTnLst>
@@ -26442,14 +27204,14 @@
                                 </p:cTn>
                               </p:par>
                               <p:par>
-                                <p:cTn id="11" presetID="0" presetClass="path" presetSubtype="0" accel="50000" decel="50000" fill="hold" grpId="0" nodeType="withEffect">
+                                <p:cTn id="11" presetID="0" presetClass="path" presetSubtype="0" repeatCount="indefinite" accel="50000" decel="50000" fill="hold" grpId="0" nodeType="withEffect">
                                   <p:stCondLst>
                                     <p:cond delay="0"/>
                                   </p:stCondLst>
                                   <p:childTnLst>
                                     <p:animMotion origin="layout" path="M -0.00065 -0.00069 L -0.00065 -0.00069 C -0.00195 0.0007 -0.00325 0.00185 -0.00442 0.00371 C -0.00598 0.00579 -0.00716 0.00857 -0.00859 0.01088 C -0.0125 0.01806 -0.01068 0.01412 -0.01485 0.0294 L -0.01902 0.04445 C -0.01954 0.05718 -0.0198 0.05718 -0.01706 0.07477 C -0.0168 0.07685 -0.0155 0.07801 -0.01485 0.07986 C -0.0142 0.08172 -0.01368 0.08403 -0.01303 0.08611 C -0.01146 0.09028 -0.01041 0.0919 -0.0082 0.09491 C -0.00651 0.09746 -0.00455 0.09954 -0.00286 0.10232 C -0.00221 0.10347 -0.00169 0.10533 -0.00065 0.10556 C 0.00378 0.10672 0.00834 0.10602 0.0129 0.10625 C 0.01277 0.10764 0.01264 0.10903 0.01251 0.11065 C 0.01237 0.11389 0.01251 0.11736 0.01224 0.12084 C 0.01211 0.12222 0.01159 0.12361 0.01133 0.12523 C 0.01198 0.13959 0.01224 0.15417 0.01355 0.16829 C 0.01355 0.16922 0.01693 0.17385 0.01732 0.17454 C 0.01797 0.1757 0.01862 0.17732 0.01954 0.17847 C 0.02292 0.18287 0.02344 0.18079 0.0267 0.18635 C 0.02891 0.18982 0.03021 0.19537 0.03269 0.19792 C 0.03373 0.19908 0.03477 0.20023 0.03581 0.20139 C 0.03724 0.20301 0.03855 0.2051 0.03998 0.20648 C 0.04571 0.21204 0.04727 0.21158 0.05352 0.21597 C 0.05508 0.21713 0.05652 0.21898 0.05821 0.21991 C 0.06003 0.22084 0.06198 0.22084 0.06394 0.22153 C 0.06941 0.22338 0.07344 0.22547 0.0793 0.22593 C 0.08503 0.22662 0.09089 0.22639 0.09662 0.22662 C 0.09688 0.22732 0.09675 0.22894 0.09727 0.22871 C 0.09935 0.22847 0.10326 0.22547 0.10326 0.22547 C 0.10769 0.21968 0.10378 0.22431 0.10899 0.21922 C 0.11003 0.21829 0.11094 0.21667 0.11211 0.21597 C 0.11303 0.21528 0.1142 0.21528 0.11524 0.21482 C 0.11589 0.21389 0.11641 0.21273 0.11706 0.21204 C 0.12006 0.20834 0.12123 0.2081 0.12474 0.20463 C 0.12579 0.20371 0.1267 0.20232 0.12787 0.20139 C 0.13152 0.19792 0.13542 0.19468 0.1392 0.19121 C 0.14245 0.18843 0.1448 0.18611 0.14766 0.18172 C 0.15248 0.17454 0.15105 0.1757 0.1543 0.16783 C 0.1573 0.16042 0.16133 0.15417 0.16342 0.14584 C 0.16407 0.14352 0.16459 0.14097 0.16537 0.13866 C 0.17058 0.12292 0.16758 0.13912 0.17344 0.11389 C 0.17461 0.10926 0.17527 0.10394 0.17605 0.09885 C 0.17709 0.09121 0.17735 0.08681 0.17787 0.07917 C 0.17813 0.06783 0.17826 0.05648 0.17852 0.04514 C 0.17969 0.00857 0.17943 0.03889 0.17943 0.0176 " pathEditMode="fixed" ptsTypes="AAAAAAAAAAAAAAAAAAAAAAAAAAAAAAAAAAAAAAAAAAAAAA">
                                       <p:cBhvr>
-                                        <p:cTn id="12" dur="2000" fill="hold"/>
+                                        <p:cTn id="12" dur="3000" fill="hold"/>
                                         <p:tgtEl>
                                           <p:spTgt spid="21"/>
                                         </p:tgtEl>
@@ -26484,6 +27246,270 @@
                                   </p:subTnLst>
                                 </p:cTn>
                               </p:par>
+                              <p:par>
+                                <p:cTn id="13" presetID="0" presetClass="path" presetSubtype="0" repeatCount="indefinite" accel="50000" decel="50000" fill="hold" grpId="0" nodeType="withEffect">
+                                  <p:stCondLst>
+                                    <p:cond delay="1000"/>
+                                  </p:stCondLst>
+                                  <p:childTnLst>
+                                    <p:animMotion origin="layout" path="M 0.00026 -7.40741E-7 L 0.00026 0.00023 C 0.00026 0.0037 0.00026 0.00741 4.16667E-6 0.01111 C -0.00026 0.01412 -0.00105 0.01667 -0.00131 0.01968 C -0.00157 0.02338 -0.0017 0.02708 -0.00183 0.03079 C -0.0017 0.04861 -0.00183 0.0662 -0.00131 0.08403 C -0.00118 0.08565 -0.00026 0.08681 4.16667E-6 0.08843 C 0.00325 0.1044 -0.0017 0.08542 0.00286 0.09977 C 0.00325 0.10093 0.00338 0.10232 0.00377 0.1037 C 0.00442 0.10532 0.00533 0.10695 0.00599 0.10857 C 0.00859 0.11551 0.00742 0.11435 0.01002 0.11991 C 0.01302 0.12593 0.0108 0.1206 0.01419 0.12593 C 0.01562 0.12824 0.01692 0.13079 0.01823 0.13333 C 0.01888 0.13449 0.0194 0.13588 0.02018 0.13657 C 0.02096 0.1375 0.02174 0.13866 0.02265 0.13958 C 0.02408 0.14074 0.02526 0.14074 0.02682 0.1412 C 0.02747 0.14144 0.02799 0.14236 0.02864 0.14236 C 0.03255 0.14236 0.03645 0.14282 0.04036 0.14167 C 0.04114 0.14144 0.04153 0.13935 0.04218 0.13843 C 0.04622 0.13264 0.04062 0.14445 0.047 0.13056 C 0.04778 0.1287 0.04843 0.12685 0.04908 0.125 C 0.04961 0.12338 0.04987 0.12176 0.05039 0.12037 C 0.05104 0.11898 0.05182 0.11829 0.0526 0.11713 C 0.05586 0.10255 0.05416 0.11227 0.05325 0.08171 C 0.05312 0.07824 0.05286 0.07477 0.0526 0.07107 C 0.05234 0.0669 0.05221 0.06296 0.05195 0.0588 C 0.05234 0.04861 0.05221 0.0382 0.05286 0.02801 C 0.05325 0.02361 0.05416 0.01921 0.05507 0.01505 C 0.05794 0.00324 0.05898 0.00046 0.06328 -0.00787 C 0.06471 -0.01065 0.06614 -0.01343 0.0677 -0.01574 C 0.06901 -0.01759 0.0707 -0.01875 0.07213 -0.02014 C 0.07317 -0.0213 0.07382 -0.02292 0.075 -0.02361 C 0.08255 -0.02755 0.08645 -0.02755 0.09388 -0.0287 C 0.11184 -0.02801 0.11145 -0.01759 0.11145 -0.02963 " pathEditMode="fixed" rAng="0" ptsTypes="AAAAAAAAAAAAAAAAAAAAAAAAAAAAAAAAAA">
+                                      <p:cBhvr>
+                                        <p:cTn id="14" dur="2000" fill="hold"/>
+                                        <p:tgtEl>
+                                          <p:spTgt spid="27"/>
+                                        </p:tgtEl>
+                                        <p:attrNameLst>
+                                          <p:attrName>ppt_x</p:attrName>
+                                          <p:attrName>ppt_y</p:attrName>
+                                        </p:attrNameLst>
+                                      </p:cBhvr>
+                                      <p:rCtr x="5456" y="5625"/>
+                                    </p:animMotion>
+                                  </p:childTnLst>
+                                  <p:subTnLst>
+                                    <p:set>
+                                      <p:cBhvr override="childStyle">
+                                        <p:cTn dur="1" fill="hold" display="0" masterRel="sameClick" afterEffect="1">
+                                          <p:stCondLst>
+                                            <p:cond evt="end" delay="0">
+                                              <p:tn val="13"/>
+                                            </p:cond>
+                                          </p:stCondLst>
+                                        </p:cTn>
+                                        <p:tgtEl>
+                                          <p:spTgt spid="27"/>
+                                        </p:tgtEl>
+                                        <p:attrNameLst>
+                                          <p:attrName>style.visibility</p:attrName>
+                                        </p:attrNameLst>
+                                      </p:cBhvr>
+                                      <p:to>
+                                        <p:strVal val="hidden"/>
+                                      </p:to>
+                                    </p:set>
+                                  </p:subTnLst>
+                                </p:cTn>
+                              </p:par>
+                              <p:par>
+                                <p:cTn id="15" presetID="0" presetClass="path" presetSubtype="0" repeatCount="indefinite" accel="50000" decel="50000" fill="hold" grpId="0" nodeType="withEffect">
+                                  <p:stCondLst>
+                                    <p:cond delay="1000"/>
+                                  </p:stCondLst>
+                                  <p:childTnLst>
+                                    <p:animMotion origin="layout" path="M -4.375E-6 1.85185E-6 L -4.375E-6 0.00023 C -0.0013 0.00139 -0.0026 0.00254 -0.00377 0.0044 C -0.00533 0.00648 -0.00651 0.00926 -0.00794 0.01157 C -0.01184 0.01875 -0.01002 0.01481 -0.01419 0.03009 L -0.01835 0.04514 C -0.01888 0.05787 -0.01914 0.05787 -0.0164 0.07546 C -0.01614 0.07754 -0.01484 0.0787 -0.01419 0.08055 C -0.01354 0.08241 -0.01302 0.08472 -0.01237 0.0868 C -0.0108 0.09097 -0.00976 0.09259 -0.00755 0.0956 C -0.00585 0.09815 -0.0039 0.10023 -0.00221 0.10301 C -0.00156 0.10416 -0.00104 0.10602 -4.375E-6 0.10625 C 0.00443 0.10741 0.00899 0.10671 0.01355 0.10694 C 0.01342 0.10833 0.01329 0.10972 0.01316 0.11134 C 0.01303 0.11458 0.01316 0.11805 0.0129 0.12153 C 0.01276 0.12291 0.01224 0.1243 0.01198 0.12592 C 0.01263 0.14028 0.0129 0.15486 0.0142 0.16898 C 0.0142 0.16991 0.01758 0.17454 0.01797 0.17523 C 0.01862 0.17639 0.01928 0.17801 0.02019 0.17916 C 0.02357 0.18356 0.02409 0.18148 0.02735 0.18704 C 0.02956 0.19051 0.03086 0.19606 0.03334 0.19861 C 0.03438 0.19977 0.03542 0.20092 0.03646 0.20208 C 0.0379 0.2037 0.0392 0.20579 0.04063 0.20717 C 0.04636 0.21273 0.04792 0.21227 0.05417 0.21666 C 0.05573 0.21782 0.05717 0.21967 0.05886 0.2206 C 0.06068 0.22153 0.06263 0.22153 0.06459 0.22222 C 0.07006 0.22407 0.07409 0.22616 0.07995 0.22662 C 0.08568 0.22731 0.09154 0.22708 0.09727 0.22731 C 0.09753 0.22801 0.0974 0.22963 0.09792 0.2294 C 0.1 0.22916 0.10391 0.22616 0.10391 0.22639 C 0.10834 0.22037 0.10443 0.225 0.10964 0.21991 C 0.11068 0.21898 0.11159 0.21736 0.11276 0.21666 C 0.11368 0.21597 0.11485 0.21597 0.11589 0.21551 C 0.11654 0.21458 0.11706 0.21342 0.11771 0.21273 C 0.12071 0.20903 0.12188 0.20879 0.1254 0.20532 C 0.12644 0.2044 0.12735 0.20301 0.12852 0.20208 C 0.13217 0.19861 0.13607 0.19537 0.13985 0.1919 C 0.1431 0.18912 0.14545 0.1868 0.14831 0.18241 C 0.15313 0.17523 0.1517 0.17639 0.15495 0.16852 C 0.15795 0.16111 0.16198 0.15486 0.16407 0.14653 C 0.16472 0.14421 0.16524 0.14166 0.16602 0.13935 C 0.17123 0.12361 0.16823 0.13981 0.17409 0.11458 C 0.17526 0.10995 0.17592 0.10463 0.1767 0.09954 C 0.17774 0.0919 0.178 0.0875 0.17852 0.07986 C 0.17878 0.06852 0.17891 0.05717 0.17917 0.04583 C 0.18034 0.00926 0.18008 0.03958 0.18008 0.01829 " pathEditMode="fixed" rAng="0" ptsTypes="AAAAAAAAAAAAAAAAAAAAAAAAAAAAAAAAAAAAAAAAAAAAAA">
+                                      <p:cBhvr>
+                                        <p:cTn id="16" dur="3000" fill="hold"/>
+                                        <p:tgtEl>
+                                          <p:spTgt spid="25"/>
+                                        </p:tgtEl>
+                                        <p:attrNameLst>
+                                          <p:attrName>ppt_x</p:attrName>
+                                          <p:attrName>ppt_y</p:attrName>
+                                        </p:attrNameLst>
+                                      </p:cBhvr>
+                                      <p:rCtr x="8060" y="11458"/>
+                                    </p:animMotion>
+                                  </p:childTnLst>
+                                  <p:subTnLst>
+                                    <p:set>
+                                      <p:cBhvr override="childStyle">
+                                        <p:cTn dur="1" fill="hold" display="0" masterRel="sameClick" afterEffect="1">
+                                          <p:stCondLst>
+                                            <p:cond evt="end" delay="0">
+                                              <p:tn val="15"/>
+                                            </p:cond>
+                                          </p:stCondLst>
+                                        </p:cTn>
+                                        <p:tgtEl>
+                                          <p:spTgt spid="25"/>
+                                        </p:tgtEl>
+                                        <p:attrNameLst>
+                                          <p:attrName>style.visibility</p:attrName>
+                                        </p:attrNameLst>
+                                      </p:cBhvr>
+                                      <p:to>
+                                        <p:strVal val="hidden"/>
+                                      </p:to>
+                                    </p:set>
+                                  </p:subTnLst>
+                                </p:cTn>
+                              </p:par>
+                              <p:par>
+                                <p:cTn id="17" presetID="0" presetClass="path" presetSubtype="0" repeatCount="indefinite" accel="50000" decel="50000" fill="hold" grpId="0" nodeType="withEffect">
+                                  <p:stCondLst>
+                                    <p:cond delay="0"/>
+                                  </p:stCondLst>
+                                  <p:childTnLst>
+                                    <p:animMotion origin="layout" path="M 3.75E-6 2.22222E-6 L 3.75E-6 0.00046 C -0.00638 -0.00371 -0.0125 -0.00949 -0.01901 -0.01134 C -0.04193 -0.01829 -0.01016 -0.0081 -0.03034 -0.01644 C -0.03217 -0.01713 -0.03399 -0.01713 -0.03581 -0.01759 C -0.04414 -0.02014 -0.03659 -0.01852 -0.0448 -0.02269 C -0.04597 -0.02338 -0.0474 -0.02361 -0.04883 -0.02408 C -0.04987 -0.02431 -0.05092 -0.02477 -0.05183 -0.02523 C -0.05417 -0.02639 -0.05651 -0.02732 -0.05873 -0.02917 C -0.06081 -0.03056 -0.06289 -0.03241 -0.06498 -0.03334 C -0.07487 -0.03866 -0.06901 -0.03403 -0.0767 -0.03727 C -0.07813 -0.03797 -0.07956 -0.03959 -0.08112 -0.03982 C -0.08412 -0.04028 -0.12097 -0.04213 -0.12162 -0.04213 C -0.14089 -0.04861 -0.12318 -0.04352 -0.16276 -0.04676 C -0.18151 -0.04815 -0.17331 -0.04722 -0.18776 -0.04908 C -0.18985 -0.04977 -0.1918 -0.05093 -0.19388 -0.05116 C -0.22097 -0.05556 -0.19727 -0.05023 -0.21185 -0.05371 L -0.24883 -0.05301 C -0.25404 -0.05278 -0.25912 -0.05185 -0.26433 -0.05185 C -0.27188 -0.05185 -0.27956 -0.05255 -0.28724 -0.05301 C -0.28881 -0.05347 -0.29024 -0.05394 -0.29167 -0.05417 C -0.2961 -0.05509 -0.30039 -0.05533 -0.30482 -0.05602 L -0.31237 -0.05718 C -0.32084 -0.05695 -0.32943 -0.05718 -0.33802 -0.05602 C -0.33959 -0.05579 -0.34102 -0.05394 -0.34245 -0.05301 C -0.34414 -0.05209 -0.34571 -0.05093 -0.34727 -0.05047 C -0.35547 -0.04815 -0.36706 -0.04792 -0.37474 -0.04722 L -0.39362 -0.04537 C -0.39519 -0.04514 -0.39688 -0.04491 -0.39844 -0.04422 C -0.40118 -0.04306 -0.40026 -0.04167 -0.403 -0.04097 C -0.40521 -0.04028 -0.40612 -0.04028 -0.40756 -0.04028 " pathEditMode="relative" rAng="0" ptsTypes="AAAAAAAAAAAAAAAAAAAAAAAAAAAAAAA">
+                                      <p:cBhvr>
+                                        <p:cTn id="18" dur="8000" fill="hold"/>
+                                        <p:tgtEl>
+                                          <p:spTgt spid="63"/>
+                                        </p:tgtEl>
+                                        <p:attrNameLst>
+                                          <p:attrName>ppt_x</p:attrName>
+                                          <p:attrName>ppt_y</p:attrName>
+                                        </p:attrNameLst>
+                                      </p:cBhvr>
+                                      <p:rCtr x="-20378" y="-2847"/>
+                                    </p:animMotion>
+                                  </p:childTnLst>
+                                </p:cTn>
+                              </p:par>
+                              <p:par>
+                                <p:cTn id="19" presetID="0" presetClass="path" presetSubtype="0" repeatCount="indefinite" accel="50000" decel="50000" fill="hold" grpId="0" nodeType="withEffect">
+                                  <p:stCondLst>
+                                    <p:cond delay="0"/>
+                                  </p:stCondLst>
+                                  <p:childTnLst>
+                                    <p:animMotion origin="layout" path="M 3.75E-6 -7.40741E-7 L 3.75E-6 0.00023 C -0.00131 0.00139 -0.00404 0.00486 -0.00573 0.00625 C -0.0073 0.00764 -0.00886 0.00903 -0.01042 0.01042 C -0.01133 0.01111 -0.01211 0.01227 -0.01302 0.0125 C -0.01719 0.01296 -0.01459 0.01273 -0.02071 0.01412 C -0.02709 0.01713 -0.01862 0.01343 -0.02982 0.0162 C -0.03177 0.01667 -0.0336 0.01736 -0.03542 0.01852 C -0.03815 0.02014 -0.03972 0.02107 -0.04297 0.02176 C -0.05417 0.02454 -0.04922 0.02361 -0.05795 0.02454 C -0.06068 0.02546 -0.06342 0.02616 -0.06615 0.02685 C -0.07214 0.02824 -0.07826 0.0287 -0.08438 0.02963 C -0.08698 0.03009 -0.08959 0.03056 -0.09219 0.03079 C -0.09414 0.03102 -0.09597 0.03125 -0.09779 0.03125 L -0.14883 0.03171 C -0.15052 0.03218 -0.15222 0.03287 -0.15391 0.0331 L -0.16654 0.03472 L -0.21823 0.03403 C -0.24948 0.03171 -0.21901 0.03009 -0.23243 0.02894 C -0.23933 0.02847 -0.24636 0.02824 -0.25326 0.02778 C -0.25417 0.02708 -0.25508 0.02616 -0.25612 0.02546 C -0.25899 0.02407 -0.26498 0.02222 -0.26498 0.02245 C -0.26602 0.02153 -0.2668 0.02037 -0.26784 0.01991 C -0.26901 0.01945 -0.27019 0.01968 -0.27136 0.01945 C -0.27982 0.01713 -0.27045 0.01875 -0.28099 0.01759 C -0.28256 0.01713 -0.28399 0.01644 -0.28555 0.0162 C -0.29323 0.01528 -0.30886 0.01412 -0.30886 0.01435 C -0.31628 0.00926 -0.30886 0.01343 -0.31836 0.01042 C -0.32019 0.00972 -0.32201 0.00857 -0.32396 0.00787 C -0.32605 0.00695 -0.32826 0.00602 -0.33034 0.00532 C -0.33516 0.0037 -0.33946 0.00255 -0.34427 0.00046 C -0.34584 -0.00046 -0.3474 -0.00139 -0.34896 -0.00208 C -0.35209 -0.0037 -0.35534 -0.00509 -0.35847 -0.00648 C -0.36159 -0.0081 -0.36459 -0.00949 -0.36771 -0.01157 C -0.36888 -0.01227 -0.37214 -0.01481 -0.37318 -0.0162 C -0.37422 -0.01759 -0.37526 -0.01944 -0.37631 -0.02083 C -0.37761 -0.02268 -0.37904 -0.02407 -0.38034 -0.02569 C -0.3819 -0.02778 -0.38334 -0.03009 -0.3849 -0.03194 C -0.38737 -0.03518 -0.39167 -0.03981 -0.3944 -0.04236 C -0.39818 -0.04583 -0.39909 -0.04491 -0.40261 -0.05 C -0.41185 -0.06366 -0.40404 -0.05509 -0.40938 -0.06065 C -0.41081 -0.06458 -0.40847 -0.05856 -0.41042 -0.06204 C -0.4112 -0.06319 -0.41172 -0.06481 -0.41237 -0.06597 C -0.41355 -0.06805 -0.41472 -0.06968 -0.41589 -0.07153 C -0.41667 -0.07292 -0.41745 -0.0743 -0.41836 -0.07569 C -0.4194 -0.07708 -0.42058 -0.07824 -0.42149 -0.08009 C -0.42383 -0.08426 -0.42487 -0.08542 -0.42657 -0.09005 C -0.42787 -0.09329 -0.42891 -0.09676 -0.43021 -0.1 C -0.43672 -0.11458 -0.42865 -0.09606 -0.43347 -0.10764 C -0.43672 -0.11597 -0.43164 -0.10185 -0.43568 -0.11343 C -0.43581 -0.11435 -0.43581 -0.11551 -0.43594 -0.11643 C -0.43594 -0.11713 -0.4362 -0.11759 -0.4362 -0.11829 C -0.43633 -0.11921 -0.4362 -0.12037 -0.4362 -0.1213 " pathEditMode="relative" rAng="0" ptsTypes="AAAAAAAAAAAAAAAAAAAAAAAAAAAAAAAAAAAAAAAAAAAAAAAAAAAAA">
+                                      <p:cBhvr>
+                                        <p:cTn id="20" dur="8000" fill="hold"/>
+                                        <p:tgtEl>
+                                          <p:spTgt spid="64"/>
+                                        </p:tgtEl>
+                                        <p:attrNameLst>
+                                          <p:attrName>ppt_x</p:attrName>
+                                          <p:attrName>ppt_y</p:attrName>
+                                        </p:attrNameLst>
+                                      </p:cBhvr>
+                                      <p:rCtr x="-21823" y="-4329"/>
+                                    </p:animMotion>
+                                  </p:childTnLst>
+                                </p:cTn>
+                              </p:par>
+                              <p:par>
+                                <p:cTn id="21" presetID="0" presetClass="path" presetSubtype="0" repeatCount="indefinite" accel="50000" decel="50000" fill="hold" grpId="0" nodeType="withEffect">
+                                  <p:stCondLst>
+                                    <p:cond delay="2000"/>
+                                  </p:stCondLst>
+                                  <p:childTnLst>
+                                    <p:animMotion origin="layout" path="M 3.75E-6 4.07407E-6 L 3.75E-6 0.00046 C -0.00638 -0.00371 -0.0125 -0.00949 -0.01901 -0.01135 C -0.04193 -0.01829 -0.01016 -0.00811 -0.03034 -0.01644 C -0.03217 -0.01713 -0.03399 -0.01713 -0.03581 -0.0176 C -0.04414 -0.02014 -0.03659 -0.01852 -0.0448 -0.02269 C -0.04597 -0.02338 -0.0474 -0.02362 -0.04883 -0.02408 C -0.04987 -0.02431 -0.05092 -0.02477 -0.05183 -0.02524 C -0.05417 -0.02639 -0.05651 -0.02732 -0.05873 -0.02917 C -0.06081 -0.03056 -0.06289 -0.03241 -0.06498 -0.03334 C -0.07487 -0.03866 -0.06901 -0.03403 -0.0767 -0.03727 C -0.07813 -0.03797 -0.07956 -0.03959 -0.08112 -0.03982 C -0.08412 -0.04028 -0.12097 -0.04213 -0.12162 -0.04213 C -0.14089 -0.04862 -0.12318 -0.04352 -0.16276 -0.04676 C -0.18151 -0.04815 -0.17331 -0.04723 -0.18776 -0.04908 C -0.18985 -0.04977 -0.1918 -0.05093 -0.19388 -0.05116 C -0.22097 -0.05556 -0.19727 -0.05024 -0.21185 -0.05371 L -0.24883 -0.05301 C -0.25404 -0.05278 -0.25912 -0.05186 -0.26433 -0.05186 C -0.27188 -0.05186 -0.27956 -0.05255 -0.28724 -0.05301 C -0.28881 -0.05348 -0.29024 -0.05394 -0.29167 -0.05417 C -0.2961 -0.0551 -0.30039 -0.05533 -0.30482 -0.05602 L -0.31237 -0.05718 C -0.32084 -0.05695 -0.32943 -0.05718 -0.33802 -0.05602 C -0.33959 -0.05579 -0.34102 -0.05394 -0.34245 -0.05301 C -0.34414 -0.05209 -0.34571 -0.05093 -0.34727 -0.05047 C -0.35547 -0.04815 -0.36706 -0.04792 -0.37474 -0.04723 L -0.39362 -0.04537 C -0.39519 -0.04514 -0.39688 -0.04491 -0.39844 -0.04422 C -0.40118 -0.04306 -0.40026 -0.04167 -0.403 -0.04098 C -0.40521 -0.04028 -0.40612 -0.04028 -0.40756 -0.04028 " pathEditMode="relative" rAng="0" ptsTypes="AAAAAAAAAAAAAAAAAAAAAAAAAAAAAAA">
+                                      <p:cBhvr>
+                                        <p:cTn id="22" dur="8000" fill="hold"/>
+                                        <p:tgtEl>
+                                          <p:spTgt spid="65"/>
+                                        </p:tgtEl>
+                                        <p:attrNameLst>
+                                          <p:attrName>ppt_x</p:attrName>
+                                          <p:attrName>ppt_y</p:attrName>
+                                        </p:attrNameLst>
+                                      </p:cBhvr>
+                                      <p:rCtr x="-20378" y="-2847"/>
+                                    </p:animMotion>
+                                  </p:childTnLst>
+                                </p:cTn>
+                              </p:par>
+                              <p:par>
+                                <p:cTn id="23" presetID="0" presetClass="path" presetSubtype="0" repeatCount="indefinite" accel="50000" decel="50000" fill="hold" grpId="0" nodeType="withEffect">
+                                  <p:stCondLst>
+                                    <p:cond delay="2000"/>
+                                  </p:stCondLst>
+                                  <p:childTnLst>
+                                    <p:animMotion origin="layout" path="M 3.75E-6 7.40741E-7 L 3.75E-6 0.00023 C -0.00131 0.00139 -0.00404 0.00486 -0.00573 0.00625 C -0.0073 0.00764 -0.00886 0.00903 -0.01042 0.01042 C -0.01133 0.01111 -0.01211 0.01227 -0.01302 0.0125 C -0.01719 0.01296 -0.01459 0.01273 -0.02071 0.01412 C -0.02709 0.01713 -0.01862 0.01343 -0.02982 0.0162 C -0.03177 0.01667 -0.0336 0.01736 -0.03542 0.01852 C -0.03815 0.02014 -0.03972 0.02106 -0.04297 0.02176 C -0.05417 0.02454 -0.04922 0.02361 -0.05795 0.02454 C -0.06068 0.02546 -0.06342 0.02616 -0.06615 0.02685 C -0.07214 0.02824 -0.07826 0.0287 -0.08438 0.02963 C -0.08698 0.03009 -0.08959 0.03055 -0.09219 0.03079 C -0.09414 0.03102 -0.09597 0.03125 -0.09779 0.03125 L -0.14883 0.03171 C -0.15052 0.03218 -0.15222 0.03287 -0.15391 0.0331 L -0.16654 0.03472 L -0.21823 0.03403 C -0.24948 0.03171 -0.21901 0.03009 -0.23243 0.02893 C -0.23933 0.02847 -0.24636 0.02824 -0.25326 0.02778 C -0.25417 0.02708 -0.25508 0.02616 -0.25612 0.02546 C -0.25899 0.02407 -0.26498 0.02222 -0.26498 0.02245 C -0.26602 0.02153 -0.2668 0.02037 -0.26784 0.01991 C -0.26901 0.01944 -0.27019 0.01968 -0.27136 0.01944 C -0.27982 0.01713 -0.27045 0.01875 -0.28099 0.01759 C -0.28256 0.01713 -0.28399 0.01643 -0.28555 0.0162 C -0.29323 0.01528 -0.30886 0.01412 -0.30886 0.01435 C -0.31628 0.00926 -0.30886 0.01343 -0.31836 0.01042 C -0.32019 0.00972 -0.32201 0.00856 -0.32396 0.00787 C -0.32605 0.00694 -0.32826 0.00602 -0.33034 0.00532 C -0.33516 0.0037 -0.33946 0.00255 -0.34427 0.00046 C -0.34584 -0.00046 -0.3474 -0.00139 -0.34896 -0.00208 C -0.35209 -0.0037 -0.35534 -0.00509 -0.35847 -0.00648 C -0.36159 -0.0081 -0.36459 -0.00949 -0.36771 -0.01157 C -0.36888 -0.01227 -0.37214 -0.01482 -0.37318 -0.0162 C -0.37422 -0.01759 -0.37526 -0.01945 -0.37631 -0.02083 C -0.37761 -0.02269 -0.37904 -0.02407 -0.38034 -0.0257 C -0.3819 -0.02778 -0.38334 -0.03009 -0.3849 -0.03195 C -0.38737 -0.03519 -0.39167 -0.03982 -0.3944 -0.04236 C -0.39818 -0.04583 -0.39909 -0.04491 -0.40261 -0.05 C -0.41185 -0.06366 -0.40404 -0.05509 -0.40938 -0.06065 C -0.41081 -0.06458 -0.40847 -0.05857 -0.41042 -0.06204 C -0.4112 -0.0632 -0.41172 -0.06482 -0.41237 -0.06597 C -0.41355 -0.06806 -0.41472 -0.06968 -0.41589 -0.07153 C -0.41667 -0.07292 -0.41745 -0.07431 -0.41836 -0.0757 C -0.4194 -0.07708 -0.42058 -0.07824 -0.42149 -0.08009 C -0.42383 -0.08426 -0.42487 -0.08542 -0.42657 -0.09005 C -0.42787 -0.09329 -0.42891 -0.09676 -0.43021 -0.1 C -0.43672 -0.11458 -0.42865 -0.09607 -0.43347 -0.10764 C -0.43672 -0.11597 -0.43164 -0.10185 -0.43568 -0.11343 C -0.43581 -0.11435 -0.43581 -0.11551 -0.43594 -0.11644 C -0.43594 -0.11713 -0.4362 -0.11759 -0.4362 -0.11829 C -0.43633 -0.11921 -0.4362 -0.12037 -0.4362 -0.1213 " pathEditMode="relative" rAng="0" ptsTypes="AAAAAAAAAAAAAAAAAAAAAAAAAAAAAAAAAAAAAAAAAAAAAAAAAAAAA">
+                                      <p:cBhvr>
+                                        <p:cTn id="24" dur="8000" fill="hold"/>
+                                        <p:tgtEl>
+                                          <p:spTgt spid="66"/>
+                                        </p:tgtEl>
+                                        <p:attrNameLst>
+                                          <p:attrName>ppt_x</p:attrName>
+                                          <p:attrName>ppt_y</p:attrName>
+                                        </p:attrNameLst>
+                                      </p:cBhvr>
+                                      <p:rCtr x="-21823" y="-4329"/>
+                                    </p:animMotion>
+                                  </p:childTnLst>
+                                </p:cTn>
+                              </p:par>
+                              <p:par>
+                                <p:cTn id="25" presetID="0" presetClass="path" presetSubtype="0" repeatCount="indefinite" accel="50000" decel="50000" fill="hold" grpId="0" nodeType="withEffect">
+                                  <p:stCondLst>
+                                    <p:cond delay="4000"/>
+                                  </p:stCondLst>
+                                  <p:childTnLst>
+                                    <p:animMotion origin="layout" path="M 3.75E-6 4.07407E-6 L 3.75E-6 0.00046 C -0.00638 -0.00371 -0.0125 -0.00949 -0.01901 -0.01135 C -0.04193 -0.01829 -0.01016 -0.00811 -0.03034 -0.01644 C -0.03217 -0.01713 -0.03399 -0.01713 -0.03581 -0.0176 C -0.04414 -0.02014 -0.03659 -0.01852 -0.0448 -0.02269 C -0.04597 -0.02338 -0.0474 -0.02362 -0.04883 -0.02408 C -0.04987 -0.02431 -0.05092 -0.02477 -0.05183 -0.02524 C -0.05417 -0.02639 -0.05651 -0.02732 -0.05873 -0.02917 C -0.06081 -0.03056 -0.06289 -0.03241 -0.06498 -0.03334 C -0.07487 -0.03866 -0.06901 -0.03403 -0.0767 -0.03727 C -0.07813 -0.03797 -0.07956 -0.03959 -0.08112 -0.03982 C -0.08412 -0.04028 -0.12097 -0.04213 -0.12162 -0.04213 C -0.14089 -0.04862 -0.12318 -0.04352 -0.16276 -0.04676 C -0.18151 -0.04815 -0.17331 -0.04723 -0.18776 -0.04908 C -0.18985 -0.04977 -0.1918 -0.05093 -0.19388 -0.05116 C -0.22097 -0.05556 -0.19727 -0.05024 -0.21185 -0.05371 L -0.24883 -0.05301 C -0.25404 -0.05278 -0.25912 -0.05186 -0.26433 -0.05186 C -0.27188 -0.05186 -0.27956 -0.05255 -0.28724 -0.05301 C -0.28881 -0.05348 -0.29024 -0.05394 -0.29167 -0.05417 C -0.2961 -0.0551 -0.30039 -0.05533 -0.30482 -0.05602 L -0.31237 -0.05718 C -0.32084 -0.05695 -0.32943 -0.05718 -0.33802 -0.05602 C -0.33959 -0.05579 -0.34102 -0.05394 -0.34245 -0.05301 C -0.34414 -0.05209 -0.34571 -0.05093 -0.34727 -0.05047 C -0.35547 -0.04815 -0.36706 -0.04792 -0.37474 -0.04723 L -0.39362 -0.04537 C -0.39519 -0.04514 -0.39688 -0.04491 -0.39844 -0.04422 C -0.40118 -0.04306 -0.40026 -0.04167 -0.403 -0.04098 C -0.40521 -0.04028 -0.40612 -0.04028 -0.40756 -0.04028 " pathEditMode="relative" rAng="0" ptsTypes="AAAAAAAAAAAAAAAAAAAAAAAAAAAAAAA">
+                                      <p:cBhvr>
+                                        <p:cTn id="26" dur="8000" fill="hold"/>
+                                        <p:tgtEl>
+                                          <p:spTgt spid="67"/>
+                                        </p:tgtEl>
+                                        <p:attrNameLst>
+                                          <p:attrName>ppt_x</p:attrName>
+                                          <p:attrName>ppt_y</p:attrName>
+                                        </p:attrNameLst>
+                                      </p:cBhvr>
+                                      <p:rCtr x="-20378" y="-2847"/>
+                                    </p:animMotion>
+                                  </p:childTnLst>
+                                </p:cTn>
+                              </p:par>
+                              <p:par>
+                                <p:cTn id="27" presetID="0" presetClass="path" presetSubtype="0" repeatCount="indefinite" accel="50000" decel="50000" fill="hold" grpId="0" nodeType="withEffect">
+                                  <p:stCondLst>
+                                    <p:cond delay="4000"/>
+                                  </p:stCondLst>
+                                  <p:childTnLst>
+                                    <p:animMotion origin="layout" path="M 3.75E-6 7.40741E-7 L 3.75E-6 0.00023 C -0.00131 0.00139 -0.00404 0.00486 -0.00573 0.00625 C -0.0073 0.00764 -0.00886 0.00903 -0.01042 0.01042 C -0.01133 0.01111 -0.01211 0.01227 -0.01302 0.0125 C -0.01719 0.01296 -0.01459 0.01273 -0.02071 0.01412 C -0.02709 0.01713 -0.01862 0.01343 -0.02982 0.0162 C -0.03177 0.01667 -0.0336 0.01736 -0.03542 0.01852 C -0.03815 0.02014 -0.03972 0.02106 -0.04297 0.02176 C -0.05417 0.02454 -0.04922 0.02361 -0.05795 0.02454 C -0.06068 0.02546 -0.06342 0.02616 -0.06615 0.02685 C -0.07214 0.02824 -0.07826 0.0287 -0.08438 0.02963 C -0.08698 0.03009 -0.08959 0.03055 -0.09219 0.03079 C -0.09414 0.03102 -0.09597 0.03125 -0.09779 0.03125 L -0.14883 0.03171 C -0.15052 0.03218 -0.15222 0.03287 -0.15391 0.0331 L -0.16654 0.03472 L -0.21823 0.03403 C -0.24948 0.03171 -0.21901 0.03009 -0.23243 0.02893 C -0.23933 0.02847 -0.24636 0.02824 -0.25326 0.02778 C -0.25417 0.02708 -0.25508 0.02616 -0.25612 0.02546 C -0.25899 0.02407 -0.26498 0.02222 -0.26498 0.02245 C -0.26602 0.02153 -0.2668 0.02037 -0.26784 0.01991 C -0.26901 0.01944 -0.27019 0.01968 -0.27136 0.01944 C -0.27982 0.01713 -0.27045 0.01875 -0.28099 0.01759 C -0.28256 0.01713 -0.28399 0.01643 -0.28555 0.0162 C -0.29323 0.01528 -0.30886 0.01412 -0.30886 0.01435 C -0.31628 0.00926 -0.30886 0.01343 -0.31836 0.01042 C -0.32019 0.00972 -0.32201 0.00856 -0.32396 0.00787 C -0.32605 0.00694 -0.32826 0.00602 -0.33034 0.00532 C -0.33516 0.0037 -0.33946 0.00255 -0.34427 0.00046 C -0.34584 -0.00046 -0.3474 -0.00139 -0.34896 -0.00208 C -0.35209 -0.0037 -0.35534 -0.00509 -0.35847 -0.00648 C -0.36159 -0.0081 -0.36459 -0.00949 -0.36771 -0.01157 C -0.36888 -0.01227 -0.37214 -0.01482 -0.37318 -0.0162 C -0.37422 -0.01759 -0.37526 -0.01945 -0.37631 -0.02083 C -0.37761 -0.02269 -0.37904 -0.02407 -0.38034 -0.0257 C -0.3819 -0.02778 -0.38334 -0.03009 -0.3849 -0.03195 C -0.38737 -0.03519 -0.39167 -0.03982 -0.3944 -0.04236 C -0.39818 -0.04583 -0.39909 -0.04491 -0.40261 -0.05 C -0.41185 -0.06366 -0.40404 -0.05509 -0.40938 -0.06065 C -0.41081 -0.06458 -0.40847 -0.05857 -0.41042 -0.06204 C -0.4112 -0.0632 -0.41172 -0.06482 -0.41237 -0.06597 C -0.41355 -0.06806 -0.41472 -0.06968 -0.41589 -0.07153 C -0.41667 -0.07292 -0.41745 -0.07431 -0.41836 -0.0757 C -0.4194 -0.07708 -0.42058 -0.07824 -0.42149 -0.08009 C -0.42383 -0.08426 -0.42487 -0.08542 -0.42657 -0.09005 C -0.42787 -0.09329 -0.42891 -0.09676 -0.43021 -0.1 C -0.43672 -0.11458 -0.42865 -0.09607 -0.43347 -0.10764 C -0.43672 -0.11597 -0.43164 -0.10185 -0.43568 -0.11343 C -0.43581 -0.11435 -0.43581 -0.11551 -0.43594 -0.11644 C -0.43594 -0.11713 -0.4362 -0.11759 -0.4362 -0.11829 C -0.43633 -0.11921 -0.4362 -0.12037 -0.4362 -0.1213 " pathEditMode="relative" rAng="0" ptsTypes="AAAAAAAAAAAAAAAAAAAAAAAAAAAAAAAAAAAAAAAAAAAAAAAAAAAAA">
+                                      <p:cBhvr>
+                                        <p:cTn id="28" dur="8000" fill="hold"/>
+                                        <p:tgtEl>
+                                          <p:spTgt spid="68"/>
+                                        </p:tgtEl>
+                                        <p:attrNameLst>
+                                          <p:attrName>ppt_x</p:attrName>
+                                          <p:attrName>ppt_y</p:attrName>
+                                        </p:attrNameLst>
+                                      </p:cBhvr>
+                                      <p:rCtr x="-21823" y="-4329"/>
+                                    </p:animMotion>
+                                  </p:childTnLst>
+                                </p:cTn>
+                              </p:par>
+                              <p:par>
+                                <p:cTn id="29" presetID="0" presetClass="path" presetSubtype="0" repeatCount="indefinite" accel="50000" decel="50000" fill="hold" grpId="0" nodeType="withEffect">
+                                  <p:stCondLst>
+                                    <p:cond delay="6000"/>
+                                  </p:stCondLst>
+                                  <p:childTnLst>
+                                    <p:animMotion origin="layout" path="M 3.75E-6 4.07407E-6 L 3.75E-6 0.00046 C -0.00638 -0.00371 -0.0125 -0.00949 -0.01901 -0.01135 C -0.04193 -0.01829 -0.01016 -0.00811 -0.03034 -0.01644 C -0.03217 -0.01713 -0.03399 -0.01713 -0.03581 -0.0176 C -0.04414 -0.02014 -0.03659 -0.01852 -0.0448 -0.02269 C -0.04597 -0.02338 -0.0474 -0.02362 -0.04883 -0.02408 C -0.04987 -0.02431 -0.05092 -0.02477 -0.05183 -0.02524 C -0.05417 -0.02639 -0.05651 -0.02732 -0.05873 -0.02917 C -0.06081 -0.03056 -0.06289 -0.03241 -0.06498 -0.03334 C -0.07487 -0.03866 -0.06901 -0.03403 -0.0767 -0.03727 C -0.07813 -0.03797 -0.07956 -0.03959 -0.08112 -0.03982 C -0.08412 -0.04028 -0.12097 -0.04213 -0.12162 -0.04213 C -0.14089 -0.04862 -0.12318 -0.04352 -0.16276 -0.04676 C -0.18151 -0.04815 -0.17331 -0.04723 -0.18776 -0.04908 C -0.18985 -0.04977 -0.1918 -0.05093 -0.19388 -0.05116 C -0.22097 -0.05556 -0.19727 -0.05024 -0.21185 -0.05371 L -0.24883 -0.05301 C -0.25404 -0.05278 -0.25912 -0.05186 -0.26433 -0.05186 C -0.27188 -0.05186 -0.27956 -0.05255 -0.28724 -0.05301 C -0.28881 -0.05348 -0.29024 -0.05394 -0.29167 -0.05417 C -0.2961 -0.0551 -0.30039 -0.05533 -0.30482 -0.05602 L -0.31237 -0.05718 C -0.32084 -0.05695 -0.32943 -0.05718 -0.33802 -0.05602 C -0.33959 -0.05579 -0.34102 -0.05394 -0.34245 -0.05301 C -0.34414 -0.05209 -0.34571 -0.05093 -0.34727 -0.05047 C -0.35547 -0.04815 -0.36706 -0.04792 -0.37474 -0.04723 L -0.39362 -0.04537 C -0.39519 -0.04514 -0.39688 -0.04491 -0.39844 -0.04422 C -0.40118 -0.04306 -0.40026 -0.04167 -0.403 -0.04098 C -0.40521 -0.04028 -0.40612 -0.04028 -0.40756 -0.04028 " pathEditMode="relative" rAng="0" ptsTypes="AAAAAAAAAAAAAAAAAAAAAAAAAAAAAAA">
+                                      <p:cBhvr>
+                                        <p:cTn id="30" dur="8000" fill="hold"/>
+                                        <p:tgtEl>
+                                          <p:spTgt spid="69"/>
+                                        </p:tgtEl>
+                                        <p:attrNameLst>
+                                          <p:attrName>ppt_x</p:attrName>
+                                          <p:attrName>ppt_y</p:attrName>
+                                        </p:attrNameLst>
+                                      </p:cBhvr>
+                                      <p:rCtr x="-20378" y="-2847"/>
+                                    </p:animMotion>
+                                  </p:childTnLst>
+                                </p:cTn>
+                              </p:par>
+                              <p:par>
+                                <p:cTn id="31" presetID="0" presetClass="path" presetSubtype="0" repeatCount="indefinite" accel="50000" decel="50000" fill="hold" grpId="0" nodeType="withEffect">
+                                  <p:stCondLst>
+                                    <p:cond delay="6000"/>
+                                  </p:stCondLst>
+                                  <p:childTnLst>
+                                    <p:animMotion origin="layout" path="M 3.75E-6 7.40741E-7 L 3.75E-6 0.00023 C -0.00131 0.00139 -0.00404 0.00486 -0.00573 0.00625 C -0.0073 0.00764 -0.00886 0.00903 -0.01042 0.01042 C -0.01133 0.01111 -0.01211 0.01227 -0.01302 0.0125 C -0.01719 0.01296 -0.01459 0.01273 -0.02071 0.01412 C -0.02709 0.01713 -0.01862 0.01343 -0.02982 0.0162 C -0.03177 0.01667 -0.0336 0.01736 -0.03542 0.01852 C -0.03815 0.02014 -0.03972 0.02106 -0.04297 0.02176 C -0.05417 0.02454 -0.04922 0.02361 -0.05795 0.02454 C -0.06068 0.02546 -0.06342 0.02616 -0.06615 0.02685 C -0.07214 0.02824 -0.07826 0.0287 -0.08438 0.02963 C -0.08698 0.03009 -0.08959 0.03055 -0.09219 0.03079 C -0.09414 0.03102 -0.09597 0.03125 -0.09779 0.03125 L -0.14883 0.03171 C -0.15052 0.03218 -0.15222 0.03287 -0.15391 0.0331 L -0.16654 0.03472 L -0.21823 0.03403 C -0.24948 0.03171 -0.21901 0.03009 -0.23243 0.02893 C -0.23933 0.02847 -0.24636 0.02824 -0.25326 0.02778 C -0.25417 0.02708 -0.25508 0.02616 -0.25612 0.02546 C -0.25899 0.02407 -0.26498 0.02222 -0.26498 0.02245 C -0.26602 0.02153 -0.2668 0.02037 -0.26784 0.01991 C -0.26901 0.01944 -0.27019 0.01968 -0.27136 0.01944 C -0.27982 0.01713 -0.27045 0.01875 -0.28099 0.01759 C -0.28256 0.01713 -0.28399 0.01643 -0.28555 0.0162 C -0.29323 0.01528 -0.30886 0.01412 -0.30886 0.01435 C -0.31628 0.00926 -0.30886 0.01343 -0.31836 0.01042 C -0.32019 0.00972 -0.32201 0.00856 -0.32396 0.00787 C -0.32605 0.00694 -0.32826 0.00602 -0.33034 0.00532 C -0.33516 0.0037 -0.33946 0.00255 -0.34427 0.00046 C -0.34584 -0.00046 -0.3474 -0.00139 -0.34896 -0.00208 C -0.35209 -0.0037 -0.35534 -0.00509 -0.35847 -0.00648 C -0.36159 -0.0081 -0.36459 -0.00949 -0.36771 -0.01157 C -0.36888 -0.01227 -0.37214 -0.01482 -0.37318 -0.0162 C -0.37422 -0.01759 -0.37526 -0.01945 -0.37631 -0.02083 C -0.37761 -0.02269 -0.37904 -0.02407 -0.38034 -0.0257 C -0.3819 -0.02778 -0.38334 -0.03009 -0.3849 -0.03195 C -0.38737 -0.03519 -0.39167 -0.03982 -0.3944 -0.04236 C -0.39818 -0.04583 -0.39909 -0.04491 -0.40261 -0.05 C -0.41185 -0.06366 -0.40404 -0.05509 -0.40938 -0.06065 C -0.41081 -0.06458 -0.40847 -0.05857 -0.41042 -0.06204 C -0.4112 -0.0632 -0.41172 -0.06482 -0.41237 -0.06597 C -0.41355 -0.06806 -0.41472 -0.06968 -0.41589 -0.07153 C -0.41667 -0.07292 -0.41745 -0.07431 -0.41836 -0.0757 C -0.4194 -0.07708 -0.42058 -0.07824 -0.42149 -0.08009 C -0.42383 -0.08426 -0.42487 -0.08542 -0.42657 -0.09005 C -0.42787 -0.09329 -0.42891 -0.09676 -0.43021 -0.1 C -0.43672 -0.11458 -0.42865 -0.09607 -0.43347 -0.10764 C -0.43672 -0.11597 -0.43164 -0.10185 -0.43568 -0.11343 C -0.43581 -0.11435 -0.43581 -0.11551 -0.43594 -0.11644 C -0.43594 -0.11713 -0.4362 -0.11759 -0.4362 -0.11829 C -0.43633 -0.11921 -0.4362 -0.12037 -0.4362 -0.1213 " pathEditMode="relative" rAng="0" ptsTypes="AAAAAAAAAAAAAAAAAAAAAAAAAAAAAAAAAAAAAAAAAAAAAAAAAAAAA">
+                                      <p:cBhvr>
+                                        <p:cTn id="32" dur="8000" fill="hold"/>
+                                        <p:tgtEl>
+                                          <p:spTgt spid="70"/>
+                                        </p:tgtEl>
+                                        <p:attrNameLst>
+                                          <p:attrName>ppt_x</p:attrName>
+                                          <p:attrName>ppt_y</p:attrName>
+                                        </p:attrNameLst>
+                                      </p:cBhvr>
+                                      <p:rCtr x="-21823" y="-4329"/>
+                                    </p:animMotion>
+                                  </p:childTnLst>
+                                </p:cTn>
+                              </p:par>
                             </p:childTnLst>
                           </p:cTn>
                         </p:par>
@@ -26514,6 +27540,16 @@
     <p:bldLst>
       <p:bldP spid="21" grpId="0" animBg="1"/>
       <p:bldP spid="22" grpId="0" animBg="1"/>
+      <p:bldP spid="25" grpId="0" animBg="1"/>
+      <p:bldP spid="27" grpId="0" animBg="1"/>
+      <p:bldP spid="63" grpId="0" animBg="1"/>
+      <p:bldP spid="64" grpId="0" animBg="1"/>
+      <p:bldP spid="65" grpId="0" animBg="1"/>
+      <p:bldP spid="66" grpId="0" animBg="1"/>
+      <p:bldP spid="67" grpId="0" animBg="1"/>
+      <p:bldP spid="68" grpId="0" animBg="1"/>
+      <p:bldP spid="69" grpId="0" animBg="1"/>
+      <p:bldP spid="70" grpId="0" animBg="1"/>
     </p:bldLst>
   </p:timing>
 </p:sld>

--- a/Presentation/FXMM.pptx
+++ b/Presentation/FXMM.pptx
@@ -5,36 +5,44 @@
     <p:sldMasterId id="2147483648" r:id="rId1"/>
   </p:sldMasterIdLst>
   <p:sldIdLst>
-    <p:sldId id="259" r:id="rId2"/>
-    <p:sldId id="289" r:id="rId3"/>
-    <p:sldId id="286" r:id="rId4"/>
-    <p:sldId id="257" r:id="rId5"/>
-    <p:sldId id="272" r:id="rId6"/>
-    <p:sldId id="261" r:id="rId7"/>
-    <p:sldId id="270" r:id="rId8"/>
-    <p:sldId id="288" r:id="rId9"/>
-    <p:sldId id="275" r:id="rId10"/>
-    <p:sldId id="276" r:id="rId11"/>
-    <p:sldId id="287" r:id="rId12"/>
-    <p:sldId id="291" r:id="rId13"/>
-    <p:sldId id="271" r:id="rId14"/>
-    <p:sldId id="292" r:id="rId15"/>
-    <p:sldId id="277" r:id="rId16"/>
-    <p:sldId id="278" r:id="rId17"/>
-    <p:sldId id="279" r:id="rId18"/>
-    <p:sldId id="273" r:id="rId19"/>
-    <p:sldId id="283" r:id="rId20"/>
-    <p:sldId id="266" r:id="rId21"/>
-    <p:sldId id="267" r:id="rId22"/>
-    <p:sldId id="280" r:id="rId23"/>
-    <p:sldId id="281" r:id="rId24"/>
-    <p:sldId id="268" r:id="rId25"/>
-    <p:sldId id="285" r:id="rId26"/>
-    <p:sldId id="258" r:id="rId27"/>
-    <p:sldId id="256" r:id="rId28"/>
-    <p:sldId id="260" r:id="rId29"/>
-    <p:sldId id="284" r:id="rId30"/>
-    <p:sldId id="282" r:id="rId31"/>
+    <p:sldId id="294" r:id="rId2"/>
+    <p:sldId id="301" r:id="rId3"/>
+    <p:sldId id="289" r:id="rId4"/>
+    <p:sldId id="286" r:id="rId5"/>
+    <p:sldId id="293" r:id="rId6"/>
+    <p:sldId id="300" r:id="rId7"/>
+    <p:sldId id="257" r:id="rId8"/>
+    <p:sldId id="272" r:id="rId9"/>
+    <p:sldId id="261" r:id="rId10"/>
+    <p:sldId id="299" r:id="rId11"/>
+    <p:sldId id="270" r:id="rId12"/>
+    <p:sldId id="288" r:id="rId13"/>
+    <p:sldId id="275" r:id="rId14"/>
+    <p:sldId id="276" r:id="rId15"/>
+    <p:sldId id="287" r:id="rId16"/>
+    <p:sldId id="291" r:id="rId17"/>
+    <p:sldId id="298" r:id="rId18"/>
+    <p:sldId id="271" r:id="rId19"/>
+    <p:sldId id="292" r:id="rId20"/>
+    <p:sldId id="277" r:id="rId21"/>
+    <p:sldId id="278" r:id="rId22"/>
+    <p:sldId id="302" r:id="rId23"/>
+    <p:sldId id="279" r:id="rId24"/>
+    <p:sldId id="273" r:id="rId25"/>
+    <p:sldId id="283" r:id="rId26"/>
+    <p:sldId id="297" r:id="rId27"/>
+    <p:sldId id="266" r:id="rId28"/>
+    <p:sldId id="267" r:id="rId29"/>
+    <p:sldId id="280" r:id="rId30"/>
+    <p:sldId id="281" r:id="rId31"/>
+    <p:sldId id="268" r:id="rId32"/>
+    <p:sldId id="285" r:id="rId33"/>
+    <p:sldId id="295" r:id="rId34"/>
+    <p:sldId id="258" r:id="rId35"/>
+    <p:sldId id="256" r:id="rId36"/>
+    <p:sldId id="260" r:id="rId37"/>
+    <p:sldId id="296" r:id="rId38"/>
+    <p:sldId id="282" r:id="rId39"/>
   </p:sldIdLst>
   <p:sldSz cx="12192000" cy="6858000"/>
   <p:notesSz cx="6858000" cy="9144000"/>
@@ -136,15 +144,22 @@
   <p:extLst>
     <p:ext uri="{521415D9-36F7-43E2-AB2F-B90AF26B5E84}">
       <p14:sectionLst xmlns:p14="http://schemas.microsoft.com/office/powerpoint/2010/main">
-        <p14:section name="Intro and Disclaimer" id="{B0EFE42A-234A-41F8-A64B-C990A026F82F}">
+        <p14:section name="Title Page" id="{B0EFE42A-234A-41F8-A64B-C990A026F82F}">
           <p14:sldIdLst>
-            <p14:sldId id="259"/>
+            <p14:sldId id="294"/>
+          </p14:sldIdLst>
+        </p14:section>
+        <p14:section name="Intro and Disclaimer" id="{BD940906-EE60-421A-B0AE-3092B4C78B89}">
+          <p14:sldIdLst>
+            <p14:sldId id="301"/>
             <p14:sldId id="289"/>
             <p14:sldId id="286"/>
+            <p14:sldId id="293"/>
           </p14:sldIdLst>
         </p14:section>
         <p14:section name="Where can I trade FX?" id="{FA2A8CEB-B6C6-4A86-9A5A-8E11AFA5ABEB}">
           <p14:sldIdLst>
+            <p14:sldId id="300"/>
             <p14:sldId id="257"/>
             <p14:sldId id="272"/>
             <p14:sldId id="261"/>
@@ -152,6 +167,7 @@
         </p14:section>
         <p14:section name="Where do the machines live??" id="{3A7E896A-57BB-4A93-81FB-C64B523107FD}">
           <p14:sldIdLst>
+            <p14:sldId id="299"/>
             <p14:sldId id="270"/>
             <p14:sldId id="288"/>
             <p14:sldId id="275"/>
@@ -162,14 +178,16 @@
         </p14:section>
         <p14:section name="What do the prices look like?" id="{DC084943-D83D-4441-956E-1EFBC5482DAB}">
           <p14:sldIdLst>
+            <p14:sldId id="298"/>
             <p14:sldId id="271"/>
             <p14:sldId id="292"/>
             <p14:sldId id="277"/>
             <p14:sldId id="278"/>
           </p14:sldIdLst>
         </p14:section>
-        <p14:section name="Who what when?" id="{733D309F-589B-44A5-BCC3-FCA2CDCE9A9A}">
+        <p14:section name="Who does what and when?" id="{733D309F-589B-44A5-BCC3-FCA2CDCE9A9A}">
           <p14:sldIdLst>
+            <p14:sldId id="302"/>
             <p14:sldId id="279"/>
             <p14:sldId id="273"/>
             <p14:sldId id="283"/>
@@ -177,6 +195,7 @@
         </p14:section>
         <p14:section name="Curiouser and couriouser" id="{E7878211-C475-4893-B064-8487E0110F6A}">
           <p14:sldIdLst>
+            <p14:sldId id="297"/>
             <p14:sldId id="266"/>
             <p14:sldId id="267"/>
             <p14:sldId id="280"/>
@@ -187,6 +206,7 @@
         </p14:section>
         <p14:section name="Need for Speed" id="{59B60163-27D4-4545-905E-67BB70DAC187}">
           <p14:sldIdLst>
+            <p14:sldId id="295"/>
             <p14:sldId id="258"/>
             <p14:sldId id="256"/>
             <p14:sldId id="260"/>
@@ -194,7 +214,7 @@
         </p14:section>
         <p14:section name="Outro" id="{5ABC5424-3BE3-40A0-BDCF-3FDE98E4B876}">
           <p14:sldIdLst>
-            <p14:sldId id="284"/>
+            <p14:sldId id="296"/>
             <p14:sldId id="282"/>
           </p14:sldIdLst>
         </p14:section>
@@ -3442,10 +3462,90 @@
   <p:cSld>
     <p:spTree>
       <p:nvGrpSpPr>
+        <p:cNvPr id="1" name=""/>
+        <p:cNvGrpSpPr/>
+        <p:nvPr/>
+      </p:nvGrpSpPr>
+      <p:grpSpPr>
+        <a:xfrm>
+          <a:off x="0" y="0"/>
+          <a:ext cx="0" cy="0"/>
+          <a:chOff x="0" y="0"/>
+          <a:chExt cx="0" cy="0"/>
+        </a:xfrm>
+      </p:grpSpPr>
+      <p:sp>
+        <p:nvSpPr>
+          <p:cNvPr id="2" name="Title 1">
+            <a:extLst>
+              <a:ext uri="{FF2B5EF4-FFF2-40B4-BE49-F238E27FC236}">
+                <a16:creationId xmlns:a16="http://schemas.microsoft.com/office/drawing/2014/main" id="{D38FE97C-8A0A-8737-22C9-00EEDD3FA9E9}"/>
+              </a:ext>
+            </a:extLst>
+          </p:cNvPr>
+          <p:cNvSpPr>
+            <a:spLocks noGrp="1"/>
+          </p:cNvSpPr>
+          <p:nvPr>
+            <p:ph type="ctrTitle"/>
+          </p:nvPr>
+        </p:nvSpPr>
+        <p:spPr/>
+        <p:txBody>
+          <a:bodyPr/>
+          <a:lstStyle/>
+          <a:p>
+            <a:endParaRPr lang="en-GB"/>
+          </a:p>
+        </p:txBody>
+      </p:sp>
+      <p:sp>
+        <p:nvSpPr>
+          <p:cNvPr id="3" name="Subtitle 2">
+            <a:extLst>
+              <a:ext uri="{FF2B5EF4-FFF2-40B4-BE49-F238E27FC236}">
+                <a16:creationId xmlns:a16="http://schemas.microsoft.com/office/drawing/2014/main" id="{4107E736-CD7D-9ADC-09CD-FDFA3C467386}"/>
+              </a:ext>
+            </a:extLst>
+          </p:cNvPr>
+          <p:cNvSpPr>
+            <a:spLocks noGrp="1"/>
+          </p:cNvSpPr>
+          <p:nvPr>
+            <p:ph type="subTitle" idx="1"/>
+          </p:nvPr>
+        </p:nvSpPr>
+        <p:spPr/>
+        <p:txBody>
+          <a:bodyPr/>
+          <a:lstStyle/>
+          <a:p>
+            <a:endParaRPr lang="en-GB"/>
+          </a:p>
+        </p:txBody>
+      </p:sp>
+    </p:spTree>
+    <p:extLst>
+      <p:ext uri="{BB962C8B-B14F-4D97-AF65-F5344CB8AC3E}">
+        <p14:creationId xmlns:p14="http://schemas.microsoft.com/office/powerpoint/2010/main" val="3556600917"/>
+      </p:ext>
+    </p:extLst>
+  </p:cSld>
+  <p:clrMapOvr>
+    <a:masterClrMapping/>
+  </p:clrMapOvr>
+</p:sld>
+</file>
+
+<file path=ppt/slides/slide10.xml><?xml version="1.0" encoding="utf-8"?>
+<p:sld xmlns:a="http://schemas.openxmlformats.org/drawingml/2006/main" xmlns:r="http://schemas.openxmlformats.org/officeDocument/2006/relationships" xmlns:p="http://schemas.openxmlformats.org/presentationml/2006/main">
+  <p:cSld>
+    <p:spTree>
+      <p:nvGrpSpPr>
         <p:cNvPr id="1" name="">
           <a:extLst>
             <a:ext uri="{FF2B5EF4-FFF2-40B4-BE49-F238E27FC236}">
-              <a16:creationId xmlns:a16="http://schemas.microsoft.com/office/drawing/2014/main" id="{92251CB7-1914-748C-EDAA-580A36205404}"/>
+              <a16:creationId xmlns:a16="http://schemas.microsoft.com/office/drawing/2014/main" id="{0D146DE1-3C8C-FBF7-A2A4-BC08BE2E6579}"/>
             </a:ext>
           </a:extLst>
         </p:cNvPr>
@@ -3460,78 +3560,46 @@
           <a:chExt cx="0" cy="0"/>
         </a:xfrm>
       </p:grpSpPr>
-      <p:sp>
-        <p:nvSpPr>
-          <p:cNvPr id="2" name="Title 1">
+      <p:pic>
+        <p:nvPicPr>
+          <p:cNvPr id="3" name="Picture 2">
             <a:extLst>
               <a:ext uri="{FF2B5EF4-FFF2-40B4-BE49-F238E27FC236}">
-                <a16:creationId xmlns:a16="http://schemas.microsoft.com/office/drawing/2014/main" id="{CB730B13-404A-D699-A9DD-DBA4D16D695B}"/>
+                <a16:creationId xmlns:a16="http://schemas.microsoft.com/office/drawing/2014/main" id="{9DA63F12-6A9F-F1D2-752C-399ACAFF7C63}"/>
               </a:ext>
             </a:extLst>
           </p:cNvPr>
-          <p:cNvSpPr>
-            <a:spLocks noGrp="1"/>
-          </p:cNvSpPr>
-          <p:nvPr>
-            <p:ph type="title"/>
-          </p:nvPr>
-        </p:nvSpPr>
+          <p:cNvPicPr>
+            <a:picLocks noChangeAspect="1"/>
+          </p:cNvPicPr>
+          <p:nvPr/>
+        </p:nvPicPr>
+        <p:blipFill>
+          <a:blip r:embed="rId2">
+            <a:extLst>
+              <a:ext uri="{28A0092B-C50C-407E-A947-70E740481C1C}">
+                <a14:useLocalDpi xmlns:a14="http://schemas.microsoft.com/office/drawing/2010/main" val="0"/>
+              </a:ext>
+            </a:extLst>
+          </a:blip>
+          <a:stretch>
+            <a:fillRect/>
+          </a:stretch>
+        </p:blipFill>
         <p:spPr>
           <a:xfrm>
-            <a:off x="838200" y="365126"/>
-            <a:ext cx="10515600" cy="856964"/>
+            <a:off x="0" y="0"/>
+            <a:ext cx="12192000" cy="6858000"/>
           </a:xfrm>
+          <a:prstGeom prst="rect">
+            <a:avLst/>
+          </a:prstGeom>
         </p:spPr>
-        <p:txBody>
-          <a:bodyPr/>
-          <a:lstStyle/>
-          <a:p>
-            <a:r>
-              <a:rPr lang="en-GB" dirty="0">
-                <a:latin typeface="Arial Black" panose="020B0A04020102020204" pitchFamily="34" charset="0"/>
-              </a:rPr>
-              <a:t>Title</a:t>
-            </a:r>
-          </a:p>
-        </p:txBody>
-      </p:sp>
-      <p:sp>
-        <p:nvSpPr>
-          <p:cNvPr id="6" name="Content Placeholder 5">
-            <a:extLst>
-              <a:ext uri="{FF2B5EF4-FFF2-40B4-BE49-F238E27FC236}">
-                <a16:creationId xmlns:a16="http://schemas.microsoft.com/office/drawing/2014/main" id="{CDCF706D-F82B-5D9E-9A5E-C702485D6800}"/>
-              </a:ext>
-            </a:extLst>
-          </p:cNvPr>
-          <p:cNvSpPr>
-            <a:spLocks noGrp="1"/>
-          </p:cNvSpPr>
-          <p:nvPr>
-            <p:ph idx="1"/>
-          </p:nvPr>
-        </p:nvSpPr>
-        <p:spPr>
-          <a:xfrm>
-            <a:off x="838200" y="1274093"/>
-            <a:ext cx="10515600" cy="4902870"/>
-          </a:xfrm>
-        </p:spPr>
-        <p:txBody>
-          <a:bodyPr/>
-          <a:lstStyle/>
-          <a:p>
-            <a:r>
-              <a:rPr lang="en-GB" dirty="0"/>
-              <a:t>Content</a:t>
-            </a:r>
-          </a:p>
-        </p:txBody>
-      </p:sp>
+      </p:pic>
     </p:spTree>
     <p:extLst>
       <p:ext uri="{BB962C8B-B14F-4D97-AF65-F5344CB8AC3E}">
-        <p14:creationId xmlns:p14="http://schemas.microsoft.com/office/powerpoint/2010/main" val="1842698620"/>
+        <p14:creationId xmlns:p14="http://schemas.microsoft.com/office/powerpoint/2010/main" val="5830282"/>
       </p:ext>
     </p:extLst>
   </p:cSld>
@@ -3541,7 +3609,1930 @@
 </p:sld>
 </file>
 
-<file path=ppt/slides/slide10.xml><?xml version="1.0" encoding="utf-8"?>
+<file path=ppt/slides/slide11.xml><?xml version="1.0" encoding="utf-8"?>
+<p:sld xmlns:a="http://schemas.openxmlformats.org/drawingml/2006/main" xmlns:r="http://schemas.openxmlformats.org/officeDocument/2006/relationships" xmlns:p="http://schemas.openxmlformats.org/presentationml/2006/main">
+  <p:cSld>
+    <p:spTree>
+      <p:nvGrpSpPr>
+        <p:cNvPr id="1" name="">
+          <a:extLst>
+            <a:ext uri="{FF2B5EF4-FFF2-40B4-BE49-F238E27FC236}">
+              <a16:creationId xmlns:a16="http://schemas.microsoft.com/office/drawing/2014/main" id="{E59190DF-A9C1-4A4F-72A8-3DC3828CD359}"/>
+            </a:ext>
+          </a:extLst>
+        </p:cNvPr>
+        <p:cNvGrpSpPr/>
+        <p:nvPr/>
+      </p:nvGrpSpPr>
+      <p:grpSpPr>
+        <a:xfrm>
+          <a:off x="0" y="0"/>
+          <a:ext cx="0" cy="0"/>
+          <a:chOff x="0" y="0"/>
+          <a:chExt cx="0" cy="0"/>
+        </a:xfrm>
+      </p:grpSpPr>
+      <p:pic>
+        <p:nvPicPr>
+          <p:cNvPr id="29" name="Picture 28">
+            <a:extLst>
+              <a:ext uri="{FF2B5EF4-FFF2-40B4-BE49-F238E27FC236}">
+                <a16:creationId xmlns:a16="http://schemas.microsoft.com/office/drawing/2014/main" id="{196FA6FC-594B-9132-8E92-B9E92FCAA01C}"/>
+              </a:ext>
+            </a:extLst>
+          </p:cNvPr>
+          <p:cNvPicPr>
+            <a:picLocks noChangeAspect="1"/>
+          </p:cNvPicPr>
+          <p:nvPr/>
+        </p:nvPicPr>
+        <p:blipFill>
+          <a:blip r:embed="rId2">
+            <a:extLst>
+              <a:ext uri="{28A0092B-C50C-407E-A947-70E740481C1C}">
+                <a14:useLocalDpi xmlns:a14="http://schemas.microsoft.com/office/drawing/2010/main" val="0"/>
+              </a:ext>
+            </a:extLst>
+          </a:blip>
+          <a:stretch>
+            <a:fillRect/>
+          </a:stretch>
+        </p:blipFill>
+        <p:spPr>
+          <a:xfrm>
+            <a:off x="0" y="362585"/>
+            <a:ext cx="12192000" cy="6711950"/>
+          </a:xfrm>
+          <a:prstGeom prst="rect">
+            <a:avLst/>
+          </a:prstGeom>
+        </p:spPr>
+      </p:pic>
+      <p:sp>
+        <p:nvSpPr>
+          <p:cNvPr id="2" name="Title 1">
+            <a:extLst>
+              <a:ext uri="{FF2B5EF4-FFF2-40B4-BE49-F238E27FC236}">
+                <a16:creationId xmlns:a16="http://schemas.microsoft.com/office/drawing/2014/main" id="{948D1FA6-7227-3A52-113E-DC6930393364}"/>
+              </a:ext>
+            </a:extLst>
+          </p:cNvPr>
+          <p:cNvSpPr txBox="1">
+            <a:spLocks/>
+          </p:cNvSpPr>
+          <p:nvPr/>
+        </p:nvSpPr>
+        <p:spPr>
+          <a:xfrm>
+            <a:off x="838200" y="299501"/>
+            <a:ext cx="10515600" cy="856964"/>
+          </a:xfrm>
+          <a:prstGeom prst="rect">
+            <a:avLst/>
+          </a:prstGeom>
+        </p:spPr>
+        <p:txBody>
+          <a:bodyPr vert="horz" lIns="91440" tIns="45720" rIns="91440" bIns="45720" rtlCol="0" anchor="b">
+            <a:normAutofit/>
+          </a:bodyPr>
+          <a:lstStyle>
+            <a:lvl1pPr algn="ctr" defTabSz="914400" rtl="0" eaLnBrk="1" latinLnBrk="0" hangingPunct="1">
+              <a:lnSpc>
+                <a:spcPct val="90000"/>
+              </a:lnSpc>
+              <a:spcBef>
+                <a:spcPct val="0"/>
+              </a:spcBef>
+              <a:buNone/>
+              <a:defRPr sz="6000" kern="1200">
+                <a:solidFill>
+                  <a:schemeClr val="tx1"/>
+                </a:solidFill>
+                <a:latin typeface="+mj-lt"/>
+                <a:ea typeface="+mj-ea"/>
+                <a:cs typeface="+mj-cs"/>
+              </a:defRPr>
+            </a:lvl1pPr>
+          </a:lstStyle>
+          <a:p>
+            <a:pPr algn="l"/>
+            <a:r>
+              <a:rPr lang="en-GB" sz="4400" dirty="0">
+                <a:latin typeface="Arial Black" panose="020B0A04020102020204" pitchFamily="34" charset="0"/>
+              </a:rPr>
+              <a:t>Where do my orders go?</a:t>
+            </a:r>
+          </a:p>
+        </p:txBody>
+      </p:sp>
+      <p:pic>
+        <p:nvPicPr>
+          <p:cNvPr id="4" name="Picture 3">
+            <a:extLst>
+              <a:ext uri="{FF2B5EF4-FFF2-40B4-BE49-F238E27FC236}">
+                <a16:creationId xmlns:a16="http://schemas.microsoft.com/office/drawing/2014/main" id="{A3D84942-EAE1-33C0-61EC-6F9BF5EA06A3}"/>
+              </a:ext>
+            </a:extLst>
+          </p:cNvPr>
+          <p:cNvPicPr>
+            <a:picLocks noChangeAspect="1"/>
+          </p:cNvPicPr>
+          <p:nvPr/>
+        </p:nvPicPr>
+        <p:blipFill>
+          <a:blip r:embed="rId3">
+            <a:extLst>
+              <a:ext uri="{28A0092B-C50C-407E-A947-70E740481C1C}">
+                <a14:useLocalDpi xmlns:a14="http://schemas.microsoft.com/office/drawing/2010/main" val="0"/>
+              </a:ext>
+            </a:extLst>
+          </a:blip>
+          <a:stretch>
+            <a:fillRect/>
+          </a:stretch>
+        </p:blipFill>
+        <p:spPr>
+          <a:xfrm>
+            <a:off x="2084889" y="1270826"/>
+            <a:ext cx="1205500" cy="1238250"/>
+          </a:xfrm>
+          <a:prstGeom prst="rect">
+            <a:avLst/>
+          </a:prstGeom>
+        </p:spPr>
+      </p:pic>
+      <p:pic>
+        <p:nvPicPr>
+          <p:cNvPr id="5" name="Picture 4">
+            <a:extLst>
+              <a:ext uri="{FF2B5EF4-FFF2-40B4-BE49-F238E27FC236}">
+                <a16:creationId xmlns:a16="http://schemas.microsoft.com/office/drawing/2014/main" id="{3DF7AA50-772F-F71E-E34C-B3B4FA8A7678}"/>
+              </a:ext>
+            </a:extLst>
+          </p:cNvPr>
+          <p:cNvPicPr>
+            <a:picLocks noChangeAspect="1"/>
+          </p:cNvPicPr>
+          <p:nvPr/>
+        </p:nvPicPr>
+        <p:blipFill>
+          <a:blip r:embed="rId3">
+            <a:extLst>
+              <a:ext uri="{28A0092B-C50C-407E-A947-70E740481C1C}">
+                <a14:useLocalDpi xmlns:a14="http://schemas.microsoft.com/office/drawing/2010/main" val="0"/>
+              </a:ext>
+            </a:extLst>
+          </a:blip>
+          <a:stretch>
+            <a:fillRect/>
+          </a:stretch>
+        </p:blipFill>
+        <p:spPr>
+          <a:xfrm>
+            <a:off x="2469360" y="2024063"/>
+            <a:ext cx="1205500" cy="1238250"/>
+          </a:xfrm>
+          <a:prstGeom prst="rect">
+            <a:avLst/>
+          </a:prstGeom>
+        </p:spPr>
+      </p:pic>
+      <p:pic>
+        <p:nvPicPr>
+          <p:cNvPr id="28" name="Picture 27">
+            <a:extLst>
+              <a:ext uri="{FF2B5EF4-FFF2-40B4-BE49-F238E27FC236}">
+                <a16:creationId xmlns:a16="http://schemas.microsoft.com/office/drawing/2014/main" id="{0C03F877-28DB-BAD7-251C-E1C70A079EEF}"/>
+              </a:ext>
+            </a:extLst>
+          </p:cNvPr>
+          <p:cNvPicPr>
+            <a:picLocks noChangeAspect="1"/>
+          </p:cNvPicPr>
+          <p:nvPr/>
+        </p:nvPicPr>
+        <p:blipFill>
+          <a:blip r:embed="rId3">
+            <a:extLst>
+              <a:ext uri="{28A0092B-C50C-407E-A947-70E740481C1C}">
+                <a14:useLocalDpi xmlns:a14="http://schemas.microsoft.com/office/drawing/2010/main" val="0"/>
+              </a:ext>
+            </a:extLst>
+          </a:blip>
+          <a:stretch>
+            <a:fillRect/>
+          </a:stretch>
+        </p:blipFill>
+        <p:spPr>
+          <a:xfrm>
+            <a:off x="5437983" y="1724025"/>
+            <a:ext cx="1205500" cy="1238250"/>
+          </a:xfrm>
+          <a:prstGeom prst="rect">
+            <a:avLst/>
+          </a:prstGeom>
+        </p:spPr>
+      </p:pic>
+      <p:pic>
+        <p:nvPicPr>
+          <p:cNvPr id="46" name="Picture 45">
+            <a:extLst>
+              <a:ext uri="{FF2B5EF4-FFF2-40B4-BE49-F238E27FC236}">
+                <a16:creationId xmlns:a16="http://schemas.microsoft.com/office/drawing/2014/main" id="{5791F8F3-0DD3-211C-7A26-DB642CD2B791}"/>
+              </a:ext>
+            </a:extLst>
+          </p:cNvPr>
+          <p:cNvPicPr>
+            <a:picLocks noChangeAspect="1"/>
+          </p:cNvPicPr>
+          <p:nvPr/>
+        </p:nvPicPr>
+        <p:blipFill>
+          <a:blip r:embed="rId3">
+            <a:extLst>
+              <a:ext uri="{28A0092B-C50C-407E-A947-70E740481C1C}">
+                <a14:useLocalDpi xmlns:a14="http://schemas.microsoft.com/office/drawing/2010/main" val="0"/>
+              </a:ext>
+            </a:extLst>
+          </a:blip>
+          <a:stretch>
+            <a:fillRect/>
+          </a:stretch>
+        </p:blipFill>
+        <p:spPr>
+          <a:xfrm>
+            <a:off x="4547395" y="2024063"/>
+            <a:ext cx="1205500" cy="1238250"/>
+          </a:xfrm>
+          <a:prstGeom prst="rect">
+            <a:avLst/>
+          </a:prstGeom>
+        </p:spPr>
+      </p:pic>
+      <p:pic>
+        <p:nvPicPr>
+          <p:cNvPr id="47" name="Picture 46">
+            <a:extLst>
+              <a:ext uri="{FF2B5EF4-FFF2-40B4-BE49-F238E27FC236}">
+                <a16:creationId xmlns:a16="http://schemas.microsoft.com/office/drawing/2014/main" id="{294AFB54-0E92-4474-41FD-D44CF61C09E5}"/>
+              </a:ext>
+            </a:extLst>
+          </p:cNvPr>
+          <p:cNvPicPr>
+            <a:picLocks noChangeAspect="1"/>
+          </p:cNvPicPr>
+          <p:nvPr/>
+        </p:nvPicPr>
+        <p:blipFill>
+          <a:blip r:embed="rId3">
+            <a:extLst>
+              <a:ext uri="{28A0092B-C50C-407E-A947-70E740481C1C}">
+                <a14:useLocalDpi xmlns:a14="http://schemas.microsoft.com/office/drawing/2010/main" val="0"/>
+              </a:ext>
+            </a:extLst>
+          </a:blip>
+          <a:stretch>
+            <a:fillRect/>
+          </a:stretch>
+        </p:blipFill>
+        <p:spPr>
+          <a:xfrm>
+            <a:off x="10048083" y="2411270"/>
+            <a:ext cx="1205500" cy="1238250"/>
+          </a:xfrm>
+          <a:prstGeom prst="rect">
+            <a:avLst/>
+          </a:prstGeom>
+        </p:spPr>
+      </p:pic>
+      <p:pic>
+        <p:nvPicPr>
+          <p:cNvPr id="48" name="Picture 47">
+            <a:extLst>
+              <a:ext uri="{FF2B5EF4-FFF2-40B4-BE49-F238E27FC236}">
+                <a16:creationId xmlns:a16="http://schemas.microsoft.com/office/drawing/2014/main" id="{46514664-3D1E-4701-A401-94F2A1783C10}"/>
+              </a:ext>
+            </a:extLst>
+          </p:cNvPr>
+          <p:cNvPicPr>
+            <a:picLocks noChangeAspect="1"/>
+          </p:cNvPicPr>
+          <p:nvPr/>
+        </p:nvPicPr>
+        <p:blipFill>
+          <a:blip r:embed="rId3">
+            <a:extLst>
+              <a:ext uri="{28A0092B-C50C-407E-A947-70E740481C1C}">
+                <a14:useLocalDpi xmlns:a14="http://schemas.microsoft.com/office/drawing/2010/main" val="0"/>
+              </a:ext>
+            </a:extLst>
+          </a:blip>
+          <a:stretch>
+            <a:fillRect/>
+          </a:stretch>
+        </p:blipFill>
+        <p:spPr>
+          <a:xfrm>
+            <a:off x="8709820" y="3616182"/>
+            <a:ext cx="1205500" cy="1238250"/>
+          </a:xfrm>
+          <a:prstGeom prst="rect">
+            <a:avLst/>
+          </a:prstGeom>
+        </p:spPr>
+      </p:pic>
+      <p:pic>
+        <p:nvPicPr>
+          <p:cNvPr id="49" name="Picture 48">
+            <a:extLst>
+              <a:ext uri="{FF2B5EF4-FFF2-40B4-BE49-F238E27FC236}">
+                <a16:creationId xmlns:a16="http://schemas.microsoft.com/office/drawing/2014/main" id="{CAE98A5E-8225-40F9-2AC3-E3A4873EEEB0}"/>
+              </a:ext>
+            </a:extLst>
+          </p:cNvPr>
+          <p:cNvPicPr>
+            <a:picLocks noChangeAspect="1"/>
+          </p:cNvPicPr>
+          <p:nvPr/>
+        </p:nvPicPr>
+        <p:blipFill>
+          <a:blip r:embed="rId3">
+            <a:extLst>
+              <a:ext uri="{28A0092B-C50C-407E-A947-70E740481C1C}">
+                <a14:useLocalDpi xmlns:a14="http://schemas.microsoft.com/office/drawing/2010/main" val="0"/>
+              </a:ext>
+            </a:extLst>
+          </a:blip>
+          <a:stretch>
+            <a:fillRect/>
+          </a:stretch>
+        </p:blipFill>
+        <p:spPr>
+          <a:xfrm>
+            <a:off x="2747170" y="4235307"/>
+            <a:ext cx="1205500" cy="1238250"/>
+          </a:xfrm>
+          <a:prstGeom prst="rect">
+            <a:avLst/>
+          </a:prstGeom>
+        </p:spPr>
+      </p:pic>
+    </p:spTree>
+    <p:extLst>
+      <p:ext uri="{BB962C8B-B14F-4D97-AF65-F5344CB8AC3E}">
+        <p14:creationId xmlns:p14="http://schemas.microsoft.com/office/powerpoint/2010/main" val="4013936660"/>
+      </p:ext>
+    </p:extLst>
+  </p:cSld>
+  <p:clrMapOvr>
+    <a:masterClrMapping/>
+  </p:clrMapOvr>
+  <p:timing>
+    <p:tnLst>
+      <p:par>
+        <p:cTn id="1" dur="indefinite" restart="never" nodeType="tmRoot">
+          <p:childTnLst>
+            <p:seq concurrent="1" nextAc="seek">
+              <p:cTn id="2" dur="indefinite" nodeType="mainSeq">
+                <p:childTnLst>
+                  <p:par>
+                    <p:cTn id="3" fill="hold">
+                      <p:stCondLst>
+                        <p:cond delay="indefinite"/>
+                      </p:stCondLst>
+                      <p:childTnLst>
+                        <p:par>
+                          <p:cTn id="4" fill="hold">
+                            <p:stCondLst>
+                              <p:cond delay="0"/>
+                            </p:stCondLst>
+                            <p:childTnLst>
+                              <p:par>
+                                <p:cTn id="5" presetID="1" presetClass="entr" presetSubtype="0" fill="hold" nodeType="clickEffect">
+                                  <p:stCondLst>
+                                    <p:cond delay="0"/>
+                                  </p:stCondLst>
+                                  <p:childTnLst>
+                                    <p:set>
+                                      <p:cBhvr>
+                                        <p:cTn id="6" dur="1" fill="hold">
+                                          <p:stCondLst>
+                                            <p:cond delay="0"/>
+                                          </p:stCondLst>
+                                        </p:cTn>
+                                        <p:tgtEl>
+                                          <p:spTgt spid="47"/>
+                                        </p:tgtEl>
+                                        <p:attrNameLst>
+                                          <p:attrName>style.visibility</p:attrName>
+                                        </p:attrNameLst>
+                                      </p:cBhvr>
+                                      <p:to>
+                                        <p:strVal val="visible"/>
+                                      </p:to>
+                                    </p:set>
+                                  </p:childTnLst>
+                                </p:cTn>
+                              </p:par>
+                            </p:childTnLst>
+                          </p:cTn>
+                        </p:par>
+                      </p:childTnLst>
+                    </p:cTn>
+                  </p:par>
+                  <p:par>
+                    <p:cTn id="7" fill="hold">
+                      <p:stCondLst>
+                        <p:cond delay="indefinite"/>
+                      </p:stCondLst>
+                      <p:childTnLst>
+                        <p:par>
+                          <p:cTn id="8" fill="hold">
+                            <p:stCondLst>
+                              <p:cond delay="0"/>
+                            </p:stCondLst>
+                            <p:childTnLst>
+                              <p:par>
+                                <p:cTn id="9" presetID="1" presetClass="entr" presetSubtype="0" fill="hold" nodeType="clickEffect">
+                                  <p:stCondLst>
+                                    <p:cond delay="0"/>
+                                  </p:stCondLst>
+                                  <p:childTnLst>
+                                    <p:set>
+                                      <p:cBhvr>
+                                        <p:cTn id="10" dur="1" fill="hold">
+                                          <p:stCondLst>
+                                            <p:cond delay="0"/>
+                                          </p:stCondLst>
+                                        </p:cTn>
+                                        <p:tgtEl>
+                                          <p:spTgt spid="46"/>
+                                        </p:tgtEl>
+                                        <p:attrNameLst>
+                                          <p:attrName>style.visibility</p:attrName>
+                                        </p:attrNameLst>
+                                      </p:cBhvr>
+                                      <p:to>
+                                        <p:strVal val="visible"/>
+                                      </p:to>
+                                    </p:set>
+                                  </p:childTnLst>
+                                </p:cTn>
+                              </p:par>
+                              <p:par>
+                                <p:cTn id="11" presetID="1" presetClass="entr" presetSubtype="0" fill="hold" nodeType="withEffect">
+                                  <p:stCondLst>
+                                    <p:cond delay="0"/>
+                                  </p:stCondLst>
+                                  <p:childTnLst>
+                                    <p:set>
+                                      <p:cBhvr>
+                                        <p:cTn id="12" dur="1" fill="hold">
+                                          <p:stCondLst>
+                                            <p:cond delay="0"/>
+                                          </p:stCondLst>
+                                        </p:cTn>
+                                        <p:tgtEl>
+                                          <p:spTgt spid="28"/>
+                                        </p:tgtEl>
+                                        <p:attrNameLst>
+                                          <p:attrName>style.visibility</p:attrName>
+                                        </p:attrNameLst>
+                                      </p:cBhvr>
+                                      <p:to>
+                                        <p:strVal val="visible"/>
+                                      </p:to>
+                                    </p:set>
+                                  </p:childTnLst>
+                                </p:cTn>
+                              </p:par>
+                            </p:childTnLst>
+                          </p:cTn>
+                        </p:par>
+                      </p:childTnLst>
+                    </p:cTn>
+                  </p:par>
+                  <p:par>
+                    <p:cTn id="13" fill="hold">
+                      <p:stCondLst>
+                        <p:cond delay="indefinite"/>
+                      </p:stCondLst>
+                      <p:childTnLst>
+                        <p:par>
+                          <p:cTn id="14" fill="hold">
+                            <p:stCondLst>
+                              <p:cond delay="0"/>
+                            </p:stCondLst>
+                            <p:childTnLst>
+                              <p:par>
+                                <p:cTn id="15" presetID="1" presetClass="entr" presetSubtype="0" fill="hold" nodeType="clickEffect">
+                                  <p:stCondLst>
+                                    <p:cond delay="0"/>
+                                  </p:stCondLst>
+                                  <p:childTnLst>
+                                    <p:set>
+                                      <p:cBhvr>
+                                        <p:cTn id="16" dur="1" fill="hold">
+                                          <p:stCondLst>
+                                            <p:cond delay="0"/>
+                                          </p:stCondLst>
+                                        </p:cTn>
+                                        <p:tgtEl>
+                                          <p:spTgt spid="4"/>
+                                        </p:tgtEl>
+                                        <p:attrNameLst>
+                                          <p:attrName>style.visibility</p:attrName>
+                                        </p:attrNameLst>
+                                      </p:cBhvr>
+                                      <p:to>
+                                        <p:strVal val="visible"/>
+                                      </p:to>
+                                    </p:set>
+                                  </p:childTnLst>
+                                </p:cTn>
+                              </p:par>
+                              <p:par>
+                                <p:cTn id="17" presetID="1" presetClass="entr" presetSubtype="0" fill="hold" nodeType="withEffect">
+                                  <p:stCondLst>
+                                    <p:cond delay="0"/>
+                                  </p:stCondLst>
+                                  <p:childTnLst>
+                                    <p:set>
+                                      <p:cBhvr>
+                                        <p:cTn id="18" dur="1" fill="hold">
+                                          <p:stCondLst>
+                                            <p:cond delay="0"/>
+                                          </p:stCondLst>
+                                        </p:cTn>
+                                        <p:tgtEl>
+                                          <p:spTgt spid="5"/>
+                                        </p:tgtEl>
+                                        <p:attrNameLst>
+                                          <p:attrName>style.visibility</p:attrName>
+                                        </p:attrNameLst>
+                                      </p:cBhvr>
+                                      <p:to>
+                                        <p:strVal val="visible"/>
+                                      </p:to>
+                                    </p:set>
+                                  </p:childTnLst>
+                                </p:cTn>
+                              </p:par>
+                            </p:childTnLst>
+                          </p:cTn>
+                        </p:par>
+                      </p:childTnLst>
+                    </p:cTn>
+                  </p:par>
+                  <p:par>
+                    <p:cTn id="19" fill="hold">
+                      <p:stCondLst>
+                        <p:cond delay="indefinite"/>
+                      </p:stCondLst>
+                      <p:childTnLst>
+                        <p:par>
+                          <p:cTn id="20" fill="hold">
+                            <p:stCondLst>
+                              <p:cond delay="0"/>
+                            </p:stCondLst>
+                            <p:childTnLst>
+                              <p:par>
+                                <p:cTn id="21" presetID="1" presetClass="entr" presetSubtype="0" fill="hold" nodeType="clickEffect">
+                                  <p:stCondLst>
+                                    <p:cond delay="0"/>
+                                  </p:stCondLst>
+                                  <p:childTnLst>
+                                    <p:set>
+                                      <p:cBhvr>
+                                        <p:cTn id="22" dur="1" fill="hold">
+                                          <p:stCondLst>
+                                            <p:cond delay="0"/>
+                                          </p:stCondLst>
+                                        </p:cTn>
+                                        <p:tgtEl>
+                                          <p:spTgt spid="48"/>
+                                        </p:tgtEl>
+                                        <p:attrNameLst>
+                                          <p:attrName>style.visibility</p:attrName>
+                                        </p:attrNameLst>
+                                      </p:cBhvr>
+                                      <p:to>
+                                        <p:strVal val="visible"/>
+                                      </p:to>
+                                    </p:set>
+                                  </p:childTnLst>
+                                </p:cTn>
+                              </p:par>
+                            </p:childTnLst>
+                          </p:cTn>
+                        </p:par>
+                      </p:childTnLst>
+                    </p:cTn>
+                  </p:par>
+                  <p:par>
+                    <p:cTn id="23" fill="hold">
+                      <p:stCondLst>
+                        <p:cond delay="indefinite"/>
+                      </p:stCondLst>
+                      <p:childTnLst>
+                        <p:par>
+                          <p:cTn id="24" fill="hold">
+                            <p:stCondLst>
+                              <p:cond delay="0"/>
+                            </p:stCondLst>
+                            <p:childTnLst>
+                              <p:par>
+                                <p:cTn id="25" presetID="1" presetClass="entr" presetSubtype="0" fill="hold" nodeType="clickEffect">
+                                  <p:stCondLst>
+                                    <p:cond delay="0"/>
+                                  </p:stCondLst>
+                                  <p:childTnLst>
+                                    <p:set>
+                                      <p:cBhvr>
+                                        <p:cTn id="26" dur="1" fill="hold">
+                                          <p:stCondLst>
+                                            <p:cond delay="0"/>
+                                          </p:stCondLst>
+                                        </p:cTn>
+                                        <p:tgtEl>
+                                          <p:spTgt spid="49"/>
+                                        </p:tgtEl>
+                                        <p:attrNameLst>
+                                          <p:attrName>style.visibility</p:attrName>
+                                        </p:attrNameLst>
+                                      </p:cBhvr>
+                                      <p:to>
+                                        <p:strVal val="visible"/>
+                                      </p:to>
+                                    </p:set>
+                                  </p:childTnLst>
+                                </p:cTn>
+                              </p:par>
+                            </p:childTnLst>
+                          </p:cTn>
+                        </p:par>
+                      </p:childTnLst>
+                    </p:cTn>
+                  </p:par>
+                </p:childTnLst>
+              </p:cTn>
+              <p:prevCondLst>
+                <p:cond evt="onPrev" delay="0">
+                  <p:tgtEl>
+                    <p:sldTgt/>
+                  </p:tgtEl>
+                </p:cond>
+              </p:prevCondLst>
+              <p:nextCondLst>
+                <p:cond evt="onNext" delay="0">
+                  <p:tgtEl>
+                    <p:sldTgt/>
+                  </p:tgtEl>
+                </p:cond>
+              </p:nextCondLst>
+            </p:seq>
+          </p:childTnLst>
+        </p:cTn>
+      </p:par>
+    </p:tnLst>
+  </p:timing>
+</p:sld>
+</file>
+
+<file path=ppt/slides/slide12.xml><?xml version="1.0" encoding="utf-8"?>
+<p:sld xmlns:a="http://schemas.openxmlformats.org/drawingml/2006/main" xmlns:r="http://schemas.openxmlformats.org/officeDocument/2006/relationships" xmlns:p="http://schemas.openxmlformats.org/presentationml/2006/main">
+  <p:cSld>
+    <p:spTree>
+      <p:nvGrpSpPr>
+        <p:cNvPr id="1" name="">
+          <a:extLst>
+            <a:ext uri="{FF2B5EF4-FFF2-40B4-BE49-F238E27FC236}">
+              <a16:creationId xmlns:a16="http://schemas.microsoft.com/office/drawing/2014/main" id="{295203B4-CCAA-EE9F-D79D-962047F5DF45}"/>
+            </a:ext>
+          </a:extLst>
+        </p:cNvPr>
+        <p:cNvGrpSpPr/>
+        <p:nvPr/>
+      </p:nvGrpSpPr>
+      <p:grpSpPr>
+        <a:xfrm>
+          <a:off x="0" y="0"/>
+          <a:ext cx="0" cy="0"/>
+          <a:chOff x="0" y="0"/>
+          <a:chExt cx="0" cy="0"/>
+        </a:xfrm>
+      </p:grpSpPr>
+      <p:pic>
+        <p:nvPicPr>
+          <p:cNvPr id="29" name="Picture 28">
+            <a:extLst>
+              <a:ext uri="{FF2B5EF4-FFF2-40B4-BE49-F238E27FC236}">
+                <a16:creationId xmlns:a16="http://schemas.microsoft.com/office/drawing/2014/main" id="{5C27C921-FC71-F3D6-1477-F7A9158DAEB2}"/>
+              </a:ext>
+            </a:extLst>
+          </p:cNvPr>
+          <p:cNvPicPr>
+            <a:picLocks noChangeAspect="1"/>
+          </p:cNvPicPr>
+          <p:nvPr/>
+        </p:nvPicPr>
+        <p:blipFill>
+          <a:blip r:embed="rId2">
+            <a:extLst>
+              <a:ext uri="{28A0092B-C50C-407E-A947-70E740481C1C}">
+                <a14:useLocalDpi xmlns:a14="http://schemas.microsoft.com/office/drawing/2010/main" val="0"/>
+              </a:ext>
+            </a:extLst>
+          </a:blip>
+          <a:stretch>
+            <a:fillRect/>
+          </a:stretch>
+        </p:blipFill>
+        <p:spPr>
+          <a:xfrm>
+            <a:off x="0" y="362585"/>
+            <a:ext cx="12192000" cy="6711950"/>
+          </a:xfrm>
+          <a:prstGeom prst="rect">
+            <a:avLst/>
+          </a:prstGeom>
+        </p:spPr>
+      </p:pic>
+      <p:sp>
+        <p:nvSpPr>
+          <p:cNvPr id="2" name="Title 1">
+            <a:extLst>
+              <a:ext uri="{FF2B5EF4-FFF2-40B4-BE49-F238E27FC236}">
+                <a16:creationId xmlns:a16="http://schemas.microsoft.com/office/drawing/2014/main" id="{CF418DAB-A4ED-BE39-1DA2-1DC6A5B2AE39}"/>
+              </a:ext>
+            </a:extLst>
+          </p:cNvPr>
+          <p:cNvSpPr txBox="1">
+            <a:spLocks/>
+          </p:cNvSpPr>
+          <p:nvPr/>
+        </p:nvSpPr>
+        <p:spPr>
+          <a:xfrm>
+            <a:off x="838200" y="299501"/>
+            <a:ext cx="10515600" cy="856964"/>
+          </a:xfrm>
+          <a:prstGeom prst="rect">
+            <a:avLst/>
+          </a:prstGeom>
+        </p:spPr>
+        <p:txBody>
+          <a:bodyPr vert="horz" lIns="91440" tIns="45720" rIns="91440" bIns="45720" rtlCol="0" anchor="b">
+            <a:normAutofit/>
+          </a:bodyPr>
+          <a:lstStyle>
+            <a:lvl1pPr algn="ctr" defTabSz="914400" rtl="0" eaLnBrk="1" latinLnBrk="0" hangingPunct="1">
+              <a:lnSpc>
+                <a:spcPct val="90000"/>
+              </a:lnSpc>
+              <a:spcBef>
+                <a:spcPct val="0"/>
+              </a:spcBef>
+              <a:buNone/>
+              <a:defRPr sz="6000" kern="1200">
+                <a:solidFill>
+                  <a:schemeClr val="tx1"/>
+                </a:solidFill>
+                <a:latin typeface="+mj-lt"/>
+                <a:ea typeface="+mj-ea"/>
+                <a:cs typeface="+mj-cs"/>
+              </a:defRPr>
+            </a:lvl1pPr>
+          </a:lstStyle>
+          <a:p>
+            <a:pPr algn="l"/>
+            <a:r>
+              <a:rPr lang="en-GB" sz="4800" dirty="0">
+                <a:latin typeface="Arial Black" panose="020B0A04020102020204" pitchFamily="34" charset="0"/>
+              </a:rPr>
+              <a:t>We are the world</a:t>
+            </a:r>
+          </a:p>
+        </p:txBody>
+      </p:sp>
+      <p:pic>
+        <p:nvPicPr>
+          <p:cNvPr id="5" name="Picture 4">
+            <a:extLst>
+              <a:ext uri="{FF2B5EF4-FFF2-40B4-BE49-F238E27FC236}">
+                <a16:creationId xmlns:a16="http://schemas.microsoft.com/office/drawing/2014/main" id="{5A50C172-B18F-DAF6-4E0E-845349D290DD}"/>
+              </a:ext>
+            </a:extLst>
+          </p:cNvPr>
+          <p:cNvPicPr>
+            <a:picLocks noChangeAspect="1"/>
+          </p:cNvPicPr>
+          <p:nvPr/>
+        </p:nvPicPr>
+        <p:blipFill>
+          <a:blip r:embed="rId3">
+            <a:extLst>
+              <a:ext uri="{28A0092B-C50C-407E-A947-70E740481C1C}">
+                <a14:useLocalDpi xmlns:a14="http://schemas.microsoft.com/office/drawing/2010/main" val="0"/>
+              </a:ext>
+            </a:extLst>
+          </a:blip>
+          <a:stretch>
+            <a:fillRect/>
+          </a:stretch>
+        </p:blipFill>
+        <p:spPr>
+          <a:xfrm>
+            <a:off x="2469360" y="2024063"/>
+            <a:ext cx="1205500" cy="1238250"/>
+          </a:xfrm>
+          <a:prstGeom prst="rect">
+            <a:avLst/>
+          </a:prstGeom>
+        </p:spPr>
+      </p:pic>
+      <p:pic>
+        <p:nvPicPr>
+          <p:cNvPr id="46" name="Picture 45">
+            <a:extLst>
+              <a:ext uri="{FF2B5EF4-FFF2-40B4-BE49-F238E27FC236}">
+                <a16:creationId xmlns:a16="http://schemas.microsoft.com/office/drawing/2014/main" id="{5D0C4B82-4F72-275F-7416-42701ADED098}"/>
+              </a:ext>
+            </a:extLst>
+          </p:cNvPr>
+          <p:cNvPicPr>
+            <a:picLocks noChangeAspect="1"/>
+          </p:cNvPicPr>
+          <p:nvPr/>
+        </p:nvPicPr>
+        <p:blipFill>
+          <a:blip r:embed="rId3">
+            <a:extLst>
+              <a:ext uri="{28A0092B-C50C-407E-A947-70E740481C1C}">
+                <a14:useLocalDpi xmlns:a14="http://schemas.microsoft.com/office/drawing/2010/main" val="0"/>
+              </a:ext>
+            </a:extLst>
+          </a:blip>
+          <a:stretch>
+            <a:fillRect/>
+          </a:stretch>
+        </p:blipFill>
+        <p:spPr>
+          <a:xfrm>
+            <a:off x="4547395" y="2024063"/>
+            <a:ext cx="1205500" cy="1238250"/>
+          </a:xfrm>
+          <a:prstGeom prst="rect">
+            <a:avLst/>
+          </a:prstGeom>
+        </p:spPr>
+      </p:pic>
+      <p:pic>
+        <p:nvPicPr>
+          <p:cNvPr id="47" name="Picture 46">
+            <a:extLst>
+              <a:ext uri="{FF2B5EF4-FFF2-40B4-BE49-F238E27FC236}">
+                <a16:creationId xmlns:a16="http://schemas.microsoft.com/office/drawing/2014/main" id="{F804873B-0AEA-E50D-F371-EB0DE1D69F68}"/>
+              </a:ext>
+            </a:extLst>
+          </p:cNvPr>
+          <p:cNvPicPr>
+            <a:picLocks noChangeAspect="1"/>
+          </p:cNvPicPr>
+          <p:nvPr/>
+        </p:nvPicPr>
+        <p:blipFill>
+          <a:blip r:embed="rId3">
+            <a:extLst>
+              <a:ext uri="{28A0092B-C50C-407E-A947-70E740481C1C}">
+                <a14:useLocalDpi xmlns:a14="http://schemas.microsoft.com/office/drawing/2010/main" val="0"/>
+              </a:ext>
+            </a:extLst>
+          </a:blip>
+          <a:stretch>
+            <a:fillRect/>
+          </a:stretch>
+        </p:blipFill>
+        <p:spPr>
+          <a:xfrm>
+            <a:off x="10048083" y="2411270"/>
+            <a:ext cx="1205500" cy="1238250"/>
+          </a:xfrm>
+          <a:prstGeom prst="rect">
+            <a:avLst/>
+          </a:prstGeom>
+        </p:spPr>
+      </p:pic>
+      <p:grpSp>
+        <p:nvGrpSpPr>
+          <p:cNvPr id="44" name="Group 43">
+            <a:extLst>
+              <a:ext uri="{FF2B5EF4-FFF2-40B4-BE49-F238E27FC236}">
+                <a16:creationId xmlns:a16="http://schemas.microsoft.com/office/drawing/2014/main" id="{5C2F82A4-944B-B69D-035B-B14AFF78755C}"/>
+              </a:ext>
+            </a:extLst>
+          </p:cNvPr>
+          <p:cNvGrpSpPr/>
+          <p:nvPr/>
+        </p:nvGrpSpPr>
+        <p:grpSpPr>
+          <a:xfrm>
+            <a:off x="2060764" y="1538635"/>
+            <a:ext cx="7764681" cy="2726758"/>
+            <a:chOff x="2060764" y="1538635"/>
+            <a:chExt cx="7764681" cy="2726758"/>
+          </a:xfrm>
+        </p:grpSpPr>
+        <p:pic>
+          <p:nvPicPr>
+            <p:cNvPr id="7" name="Picture 6">
+              <a:extLst>
+                <a:ext uri="{FF2B5EF4-FFF2-40B4-BE49-F238E27FC236}">
+                  <a16:creationId xmlns:a16="http://schemas.microsoft.com/office/drawing/2014/main" id="{9D6D169E-B121-7178-BE2A-AEC88FA34938}"/>
+                </a:ext>
+              </a:extLst>
+            </p:cNvPr>
+            <p:cNvPicPr>
+              <a:picLocks noChangeAspect="1"/>
+            </p:cNvPicPr>
+            <p:nvPr/>
+          </p:nvPicPr>
+          <p:blipFill>
+            <a:blip r:embed="rId4">
+              <a:extLst>
+                <a:ext uri="{28A0092B-C50C-407E-A947-70E740481C1C}">
+                  <a14:useLocalDpi xmlns:a14="http://schemas.microsoft.com/office/drawing/2010/main" val="0"/>
+                </a:ext>
+              </a:extLst>
+            </a:blip>
+            <a:stretch>
+              <a:fillRect/>
+            </a:stretch>
+          </p:blipFill>
+          <p:spPr>
+            <a:xfrm>
+              <a:off x="2060764" y="1556002"/>
+              <a:ext cx="487153" cy="487153"/>
+            </a:xfrm>
+            <a:prstGeom prst="rect">
+              <a:avLst/>
+            </a:prstGeom>
+          </p:spPr>
+        </p:pic>
+        <p:pic>
+          <p:nvPicPr>
+            <p:cNvPr id="8" name="Picture 7">
+              <a:extLst>
+                <a:ext uri="{FF2B5EF4-FFF2-40B4-BE49-F238E27FC236}">
+                  <a16:creationId xmlns:a16="http://schemas.microsoft.com/office/drawing/2014/main" id="{EB45F5D3-C4FA-9371-6B44-BA23FD7A081F}"/>
+                </a:ext>
+              </a:extLst>
+            </p:cNvPr>
+            <p:cNvPicPr>
+              <a:picLocks noChangeAspect="1"/>
+            </p:cNvPicPr>
+            <p:nvPr/>
+          </p:nvPicPr>
+          <p:blipFill>
+            <a:blip r:embed="rId4">
+              <a:extLst>
+                <a:ext uri="{28A0092B-C50C-407E-A947-70E740481C1C}">
+                  <a14:useLocalDpi xmlns:a14="http://schemas.microsoft.com/office/drawing/2010/main" val="0"/>
+                </a:ext>
+              </a:extLst>
+            </a:blip>
+            <a:stretch>
+              <a:fillRect/>
+            </a:stretch>
+          </p:blipFill>
+          <p:spPr>
+            <a:xfrm>
+              <a:off x="9054438" y="3778240"/>
+              <a:ext cx="487153" cy="487153"/>
+            </a:xfrm>
+            <a:prstGeom prst="rect">
+              <a:avLst/>
+            </a:prstGeom>
+          </p:spPr>
+        </p:pic>
+        <p:pic>
+          <p:nvPicPr>
+            <p:cNvPr id="9" name="Picture 8">
+              <a:extLst>
+                <a:ext uri="{FF2B5EF4-FFF2-40B4-BE49-F238E27FC236}">
+                  <a16:creationId xmlns:a16="http://schemas.microsoft.com/office/drawing/2014/main" id="{AD50CF3F-AE37-5DC7-C29B-A69A38ACE6A4}"/>
+                </a:ext>
+              </a:extLst>
+            </p:cNvPr>
+            <p:cNvPicPr>
+              <a:picLocks noChangeAspect="1"/>
+            </p:cNvPicPr>
+            <p:nvPr/>
+          </p:nvPicPr>
+          <p:blipFill>
+            <a:blip r:embed="rId4">
+              <a:extLst>
+                <a:ext uri="{28A0092B-C50C-407E-A947-70E740481C1C}">
+                  <a14:useLocalDpi xmlns:a14="http://schemas.microsoft.com/office/drawing/2010/main" val="0"/>
+                </a:ext>
+              </a:extLst>
+            </a:blip>
+            <a:stretch>
+              <a:fillRect/>
+            </a:stretch>
+          </p:blipFill>
+          <p:spPr>
+            <a:xfrm>
+              <a:off x="3609886" y="1864934"/>
+              <a:ext cx="487153" cy="487153"/>
+            </a:xfrm>
+            <a:prstGeom prst="rect">
+              <a:avLst/>
+            </a:prstGeom>
+          </p:spPr>
+        </p:pic>
+        <p:pic>
+          <p:nvPicPr>
+            <p:cNvPr id="10" name="Picture 9">
+              <a:extLst>
+                <a:ext uri="{FF2B5EF4-FFF2-40B4-BE49-F238E27FC236}">
+                  <a16:creationId xmlns:a16="http://schemas.microsoft.com/office/drawing/2014/main" id="{8D4AD952-FD6B-2D85-609C-2CDCF71DD90B}"/>
+                </a:ext>
+              </a:extLst>
+            </p:cNvPr>
+            <p:cNvPicPr>
+              <a:picLocks noChangeAspect="1"/>
+            </p:cNvPicPr>
+            <p:nvPr/>
+          </p:nvPicPr>
+          <p:blipFill>
+            <a:blip r:embed="rId4">
+              <a:extLst>
+                <a:ext uri="{28A0092B-C50C-407E-A947-70E740481C1C}">
+                  <a14:useLocalDpi xmlns:a14="http://schemas.microsoft.com/office/drawing/2010/main" val="0"/>
+                </a:ext>
+              </a:extLst>
+            </a:blip>
+            <a:stretch>
+              <a:fillRect/>
+            </a:stretch>
+          </p:blipFill>
+          <p:spPr>
+            <a:xfrm>
+              <a:off x="5430761" y="1538635"/>
+              <a:ext cx="487153" cy="487153"/>
+            </a:xfrm>
+            <a:prstGeom prst="rect">
+              <a:avLst/>
+            </a:prstGeom>
+          </p:spPr>
+        </p:pic>
+        <p:pic>
+          <p:nvPicPr>
+            <p:cNvPr id="11" name="Picture 10">
+              <a:extLst>
+                <a:ext uri="{FF2B5EF4-FFF2-40B4-BE49-F238E27FC236}">
+                  <a16:creationId xmlns:a16="http://schemas.microsoft.com/office/drawing/2014/main" id="{35060FE7-9BE5-8B38-9788-F3204D8CD598}"/>
+                </a:ext>
+              </a:extLst>
+            </p:cNvPr>
+            <p:cNvPicPr>
+              <a:picLocks noChangeAspect="1"/>
+            </p:cNvPicPr>
+            <p:nvPr/>
+          </p:nvPicPr>
+          <p:blipFill>
+            <a:blip r:embed="rId4">
+              <a:extLst>
+                <a:ext uri="{28A0092B-C50C-407E-A947-70E740481C1C}">
+                  <a14:useLocalDpi xmlns:a14="http://schemas.microsoft.com/office/drawing/2010/main" val="0"/>
+                </a:ext>
+              </a:extLst>
+            </a:blip>
+            <a:stretch>
+              <a:fillRect/>
+            </a:stretch>
+          </p:blipFill>
+          <p:spPr>
+            <a:xfrm>
+              <a:off x="9338292" y="3018736"/>
+              <a:ext cx="487153" cy="487153"/>
+            </a:xfrm>
+            <a:prstGeom prst="rect">
+              <a:avLst/>
+            </a:prstGeom>
+          </p:spPr>
+        </p:pic>
+      </p:grpSp>
+      <p:grpSp>
+        <p:nvGrpSpPr>
+          <p:cNvPr id="45" name="Group 44">
+            <a:extLst>
+              <a:ext uri="{FF2B5EF4-FFF2-40B4-BE49-F238E27FC236}">
+                <a16:creationId xmlns:a16="http://schemas.microsoft.com/office/drawing/2014/main" id="{BB0A13EE-4DA7-391B-53F4-DFC4C0E1BC84}"/>
+              </a:ext>
+            </a:extLst>
+          </p:cNvPr>
+          <p:cNvGrpSpPr/>
+          <p:nvPr/>
+        </p:nvGrpSpPr>
+        <p:grpSpPr>
+          <a:xfrm>
+            <a:off x="2304342" y="1538635"/>
+            <a:ext cx="8346491" cy="2483181"/>
+            <a:chOff x="2304342" y="1538635"/>
+            <a:chExt cx="8346491" cy="2483181"/>
+          </a:xfrm>
+        </p:grpSpPr>
+        <p:cxnSp>
+          <p:nvCxnSpPr>
+            <p:cNvPr id="19" name="Connector: Elbow 18">
+              <a:extLst>
+                <a:ext uri="{FF2B5EF4-FFF2-40B4-BE49-F238E27FC236}">
+                  <a16:creationId xmlns:a16="http://schemas.microsoft.com/office/drawing/2014/main" id="{8FA3187D-2FA0-6E7F-1569-0AF14160E24E}"/>
+                </a:ext>
+              </a:extLst>
+            </p:cNvPr>
+            <p:cNvCxnSpPr>
+              <a:stCxn id="5" idx="3"/>
+              <a:endCxn id="9" idx="2"/>
+            </p:cNvCxnSpPr>
+            <p:nvPr/>
+          </p:nvCxnSpPr>
+          <p:spPr>
+            <a:xfrm flipV="1">
+              <a:off x="3674860" y="2352087"/>
+              <a:ext cx="178603" cy="291101"/>
+            </a:xfrm>
+            <a:prstGeom prst="bentConnector2">
+              <a:avLst/>
+            </a:prstGeom>
+            <a:ln w="57150">
+              <a:tailEnd type="triangle"/>
+            </a:ln>
+          </p:spPr>
+          <p:style>
+            <a:lnRef idx="1">
+              <a:schemeClr val="accent1"/>
+            </a:lnRef>
+            <a:fillRef idx="0">
+              <a:schemeClr val="accent1"/>
+            </a:fillRef>
+            <a:effectRef idx="0">
+              <a:schemeClr val="accent1"/>
+            </a:effectRef>
+            <a:fontRef idx="minor">
+              <a:schemeClr val="tx1"/>
+            </a:fontRef>
+          </p:style>
+        </p:cxnSp>
+        <p:cxnSp>
+          <p:nvCxnSpPr>
+            <p:cNvPr id="21" name="Connector: Elbow 20">
+              <a:extLst>
+                <a:ext uri="{FF2B5EF4-FFF2-40B4-BE49-F238E27FC236}">
+                  <a16:creationId xmlns:a16="http://schemas.microsoft.com/office/drawing/2014/main" id="{81259316-84F0-5E38-242B-C592BF2D5B88}"/>
+                </a:ext>
+              </a:extLst>
+            </p:cNvPr>
+            <p:cNvCxnSpPr>
+              <a:endCxn id="7" idx="2"/>
+            </p:cNvCxnSpPr>
+            <p:nvPr/>
+          </p:nvCxnSpPr>
+          <p:spPr>
+            <a:xfrm rot="16200000" flipV="1">
+              <a:off x="2086835" y="2260662"/>
+              <a:ext cx="600033" cy="165019"/>
+            </a:xfrm>
+            <a:prstGeom prst="bentConnector3">
+              <a:avLst>
+                <a:gd name="adj1" fmla="val -1279"/>
+              </a:avLst>
+            </a:prstGeom>
+            <a:ln w="57150">
+              <a:tailEnd type="triangle"/>
+            </a:ln>
+          </p:spPr>
+          <p:style>
+            <a:lnRef idx="1">
+              <a:schemeClr val="accent1"/>
+            </a:lnRef>
+            <a:fillRef idx="0">
+              <a:schemeClr val="accent1"/>
+            </a:fillRef>
+            <a:effectRef idx="0">
+              <a:schemeClr val="accent1"/>
+            </a:effectRef>
+            <a:fontRef idx="minor">
+              <a:schemeClr val="tx1"/>
+            </a:fontRef>
+          </p:style>
+        </p:cxnSp>
+        <p:cxnSp>
+          <p:nvCxnSpPr>
+            <p:cNvPr id="26" name="Connector: Elbow 25">
+              <a:extLst>
+                <a:ext uri="{FF2B5EF4-FFF2-40B4-BE49-F238E27FC236}">
+                  <a16:creationId xmlns:a16="http://schemas.microsoft.com/office/drawing/2014/main" id="{1B6934CC-9577-7661-3BDB-3B4F1CC8FF47}"/>
+                </a:ext>
+              </a:extLst>
+            </p:cNvPr>
+            <p:cNvCxnSpPr>
+              <a:stCxn id="46" idx="0"/>
+              <a:endCxn id="10" idx="1"/>
+            </p:cNvCxnSpPr>
+            <p:nvPr/>
+          </p:nvCxnSpPr>
+          <p:spPr>
+            <a:xfrm rot="5400000" flipH="1" flipV="1">
+              <a:off x="5169528" y="1762830"/>
+              <a:ext cx="241851" cy="280616"/>
+            </a:xfrm>
+            <a:prstGeom prst="bentConnector2">
+              <a:avLst/>
+            </a:prstGeom>
+            <a:ln w="57150">
+              <a:solidFill>
+                <a:srgbClr val="C00000"/>
+              </a:solidFill>
+              <a:tailEnd type="triangle"/>
+            </a:ln>
+          </p:spPr>
+          <p:style>
+            <a:lnRef idx="1">
+              <a:schemeClr val="accent1"/>
+            </a:lnRef>
+            <a:fillRef idx="0">
+              <a:schemeClr val="accent1"/>
+            </a:fillRef>
+            <a:effectRef idx="0">
+              <a:schemeClr val="accent1"/>
+            </a:effectRef>
+            <a:fontRef idx="minor">
+              <a:schemeClr val="tx1"/>
+            </a:fontRef>
+          </p:style>
+        </p:cxnSp>
+        <p:cxnSp>
+          <p:nvCxnSpPr>
+            <p:cNvPr id="27" name="Connector: Elbow 26">
+              <a:extLst>
+                <a:ext uri="{FF2B5EF4-FFF2-40B4-BE49-F238E27FC236}">
+                  <a16:creationId xmlns:a16="http://schemas.microsoft.com/office/drawing/2014/main" id="{D3EF1435-E415-B014-7930-DD0E6CC26564}"/>
+                </a:ext>
+              </a:extLst>
+            </p:cNvPr>
+            <p:cNvCxnSpPr>
+              <a:cxnSpLocks/>
+              <a:stCxn id="46" idx="1"/>
+              <a:endCxn id="9" idx="3"/>
+            </p:cNvCxnSpPr>
+            <p:nvPr/>
+          </p:nvCxnSpPr>
+          <p:spPr>
+            <a:xfrm rot="10800000">
+              <a:off x="4097039" y="2108512"/>
+              <a:ext cx="450356" cy="534677"/>
+            </a:xfrm>
+            <a:prstGeom prst="bentConnector3">
+              <a:avLst>
+                <a:gd name="adj1" fmla="val 50000"/>
+              </a:avLst>
+            </a:prstGeom>
+            <a:ln w="57150">
+              <a:solidFill>
+                <a:srgbClr val="C00000"/>
+              </a:solidFill>
+              <a:tailEnd type="triangle"/>
+            </a:ln>
+          </p:spPr>
+          <p:style>
+            <a:lnRef idx="1">
+              <a:schemeClr val="accent1"/>
+            </a:lnRef>
+            <a:fillRef idx="0">
+              <a:schemeClr val="accent1"/>
+            </a:fillRef>
+            <a:effectRef idx="0">
+              <a:schemeClr val="accent1"/>
+            </a:effectRef>
+            <a:fontRef idx="minor">
+              <a:schemeClr val="tx1"/>
+            </a:fontRef>
+          </p:style>
+        </p:cxnSp>
+        <p:cxnSp>
+          <p:nvCxnSpPr>
+            <p:cNvPr id="33" name="Connector: Elbow 32">
+              <a:extLst>
+                <a:ext uri="{FF2B5EF4-FFF2-40B4-BE49-F238E27FC236}">
+                  <a16:creationId xmlns:a16="http://schemas.microsoft.com/office/drawing/2014/main" id="{3CBE4BBC-2DED-F6A3-4B05-D93BA68B6CD5}"/>
+                </a:ext>
+              </a:extLst>
+            </p:cNvPr>
+            <p:cNvCxnSpPr>
+              <a:stCxn id="47" idx="1"/>
+              <a:endCxn id="11" idx="3"/>
+            </p:cNvCxnSpPr>
+            <p:nvPr/>
+          </p:nvCxnSpPr>
+          <p:spPr>
+            <a:xfrm rot="10800000" flipV="1">
+              <a:off x="9825445" y="3030395"/>
+              <a:ext cx="222638" cy="231918"/>
+            </a:xfrm>
+            <a:prstGeom prst="bentConnector3">
+              <a:avLst/>
+            </a:prstGeom>
+            <a:ln w="57150">
+              <a:solidFill>
+                <a:srgbClr val="00B050"/>
+              </a:solidFill>
+              <a:tailEnd type="triangle"/>
+            </a:ln>
+          </p:spPr>
+          <p:style>
+            <a:lnRef idx="1">
+              <a:schemeClr val="accent1"/>
+            </a:lnRef>
+            <a:fillRef idx="0">
+              <a:schemeClr val="accent1"/>
+            </a:fillRef>
+            <a:effectRef idx="0">
+              <a:schemeClr val="accent1"/>
+            </a:effectRef>
+            <a:fontRef idx="minor">
+              <a:schemeClr val="tx1"/>
+            </a:fontRef>
+          </p:style>
+        </p:cxnSp>
+        <p:cxnSp>
+          <p:nvCxnSpPr>
+            <p:cNvPr id="34" name="Connector: Elbow 33">
+              <a:extLst>
+                <a:ext uri="{FF2B5EF4-FFF2-40B4-BE49-F238E27FC236}">
+                  <a16:creationId xmlns:a16="http://schemas.microsoft.com/office/drawing/2014/main" id="{6009A152-4FFD-DB6B-20D6-7B7DD0CAAC27}"/>
+                </a:ext>
+              </a:extLst>
+            </p:cNvPr>
+            <p:cNvCxnSpPr>
+              <a:cxnSpLocks/>
+              <a:endCxn id="8" idx="3"/>
+            </p:cNvCxnSpPr>
+            <p:nvPr/>
+          </p:nvCxnSpPr>
+          <p:spPr>
+            <a:xfrm rot="10800000" flipV="1">
+              <a:off x="9541591" y="3661177"/>
+              <a:ext cx="1109242" cy="360639"/>
+            </a:xfrm>
+            <a:prstGeom prst="bentConnector3">
+              <a:avLst>
+                <a:gd name="adj1" fmla="val 41405"/>
+              </a:avLst>
+            </a:prstGeom>
+            <a:ln w="57150">
+              <a:solidFill>
+                <a:srgbClr val="00B050"/>
+              </a:solidFill>
+              <a:tailEnd type="triangle"/>
+            </a:ln>
+          </p:spPr>
+          <p:style>
+            <a:lnRef idx="1">
+              <a:schemeClr val="accent1"/>
+            </a:lnRef>
+            <a:fillRef idx="0">
+              <a:schemeClr val="accent1"/>
+            </a:fillRef>
+            <a:effectRef idx="0">
+              <a:schemeClr val="accent1"/>
+            </a:effectRef>
+            <a:fontRef idx="minor">
+              <a:schemeClr val="tx1"/>
+            </a:fontRef>
+          </p:style>
+        </p:cxnSp>
+        <p:cxnSp>
+          <p:nvCxnSpPr>
+            <p:cNvPr id="38" name="Connector: Elbow 37">
+              <a:extLst>
+                <a:ext uri="{FF2B5EF4-FFF2-40B4-BE49-F238E27FC236}">
+                  <a16:creationId xmlns:a16="http://schemas.microsoft.com/office/drawing/2014/main" id="{F3B16D1B-7154-6312-F9A1-30CCB16BBA5F}"/>
+                </a:ext>
+              </a:extLst>
+            </p:cNvPr>
+            <p:cNvCxnSpPr>
+              <a:cxnSpLocks/>
+              <a:stCxn id="47" idx="0"/>
+              <a:endCxn id="10" idx="3"/>
+            </p:cNvCxnSpPr>
+            <p:nvPr/>
+          </p:nvCxnSpPr>
+          <p:spPr>
+            <a:xfrm rot="16200000" flipV="1">
+              <a:off x="7969845" y="-269719"/>
+              <a:ext cx="629058" cy="4732919"/>
+            </a:xfrm>
+            <a:prstGeom prst="bentConnector2">
+              <a:avLst/>
+            </a:prstGeom>
+            <a:ln w="57150">
+              <a:solidFill>
+                <a:srgbClr val="00B050"/>
+              </a:solidFill>
+              <a:tailEnd type="triangle"/>
+            </a:ln>
+          </p:spPr>
+          <p:style>
+            <a:lnRef idx="1">
+              <a:schemeClr val="accent1"/>
+            </a:lnRef>
+            <a:fillRef idx="0">
+              <a:schemeClr val="accent1"/>
+            </a:fillRef>
+            <a:effectRef idx="0">
+              <a:schemeClr val="accent1"/>
+            </a:effectRef>
+            <a:fontRef idx="minor">
+              <a:schemeClr val="tx1"/>
+            </a:fontRef>
+          </p:style>
+        </p:cxnSp>
+        <p:cxnSp>
+          <p:nvCxnSpPr>
+            <p:cNvPr id="41" name="Connector: Elbow 40">
+              <a:extLst>
+                <a:ext uri="{FF2B5EF4-FFF2-40B4-BE49-F238E27FC236}">
+                  <a16:creationId xmlns:a16="http://schemas.microsoft.com/office/drawing/2014/main" id="{A014B835-17D8-44FD-2C76-0908A3648621}"/>
+                </a:ext>
+              </a:extLst>
+            </p:cNvPr>
+            <p:cNvCxnSpPr>
+              <a:cxnSpLocks/>
+              <a:stCxn id="5" idx="0"/>
+              <a:endCxn id="10" idx="0"/>
+            </p:cNvCxnSpPr>
+            <p:nvPr/>
+          </p:nvCxnSpPr>
+          <p:spPr>
+            <a:xfrm rot="5400000" flipH="1" flipV="1">
+              <a:off x="4130510" y="480235"/>
+              <a:ext cx="485428" cy="2602228"/>
+            </a:xfrm>
+            <a:prstGeom prst="bentConnector3">
+              <a:avLst>
+                <a:gd name="adj1" fmla="val 147092"/>
+              </a:avLst>
+            </a:prstGeom>
+            <a:ln w="57150">
+              <a:tailEnd type="triangle"/>
+            </a:ln>
+          </p:spPr>
+          <p:style>
+            <a:lnRef idx="1">
+              <a:schemeClr val="accent1"/>
+            </a:lnRef>
+            <a:fillRef idx="0">
+              <a:schemeClr val="accent1"/>
+            </a:fillRef>
+            <a:effectRef idx="0">
+              <a:schemeClr val="accent1"/>
+            </a:effectRef>
+            <a:fontRef idx="minor">
+              <a:schemeClr val="tx1"/>
+            </a:fontRef>
+          </p:style>
+        </p:cxnSp>
+      </p:grpSp>
+    </p:spTree>
+    <p:extLst>
+      <p:ext uri="{BB962C8B-B14F-4D97-AF65-F5344CB8AC3E}">
+        <p14:creationId xmlns:p14="http://schemas.microsoft.com/office/powerpoint/2010/main" val="2806444834"/>
+      </p:ext>
+    </p:extLst>
+  </p:cSld>
+  <p:clrMapOvr>
+    <a:masterClrMapping/>
+  </p:clrMapOvr>
+  <p:timing>
+    <p:tnLst>
+      <p:par>
+        <p:cTn id="1" dur="indefinite" restart="never" nodeType="tmRoot">
+          <p:childTnLst>
+            <p:seq concurrent="1" nextAc="seek">
+              <p:cTn id="2" dur="indefinite" nodeType="mainSeq">
+                <p:childTnLst>
+                  <p:par>
+                    <p:cTn id="3" fill="hold">
+                      <p:stCondLst>
+                        <p:cond delay="indefinite"/>
+                      </p:stCondLst>
+                      <p:childTnLst>
+                        <p:par>
+                          <p:cTn id="4" fill="hold">
+                            <p:stCondLst>
+                              <p:cond delay="0"/>
+                            </p:stCondLst>
+                            <p:childTnLst>
+                              <p:par>
+                                <p:cTn id="5" presetID="1" presetClass="entr" presetSubtype="0" fill="hold" nodeType="clickEffect">
+                                  <p:stCondLst>
+                                    <p:cond delay="0"/>
+                                  </p:stCondLst>
+                                  <p:childTnLst>
+                                    <p:set>
+                                      <p:cBhvr>
+                                        <p:cTn id="6" dur="1" fill="hold">
+                                          <p:stCondLst>
+                                            <p:cond delay="0"/>
+                                          </p:stCondLst>
+                                        </p:cTn>
+                                        <p:tgtEl>
+                                          <p:spTgt spid="44"/>
+                                        </p:tgtEl>
+                                        <p:attrNameLst>
+                                          <p:attrName>style.visibility</p:attrName>
+                                        </p:attrNameLst>
+                                      </p:cBhvr>
+                                      <p:to>
+                                        <p:strVal val="visible"/>
+                                      </p:to>
+                                    </p:set>
+                                  </p:childTnLst>
+                                </p:cTn>
+                              </p:par>
+                            </p:childTnLst>
+                          </p:cTn>
+                        </p:par>
+                      </p:childTnLst>
+                    </p:cTn>
+                  </p:par>
+                  <p:par>
+                    <p:cTn id="7" fill="hold">
+                      <p:stCondLst>
+                        <p:cond delay="indefinite"/>
+                      </p:stCondLst>
+                      <p:childTnLst>
+                        <p:par>
+                          <p:cTn id="8" fill="hold">
+                            <p:stCondLst>
+                              <p:cond delay="0"/>
+                            </p:stCondLst>
+                            <p:childTnLst>
+                              <p:par>
+                                <p:cTn id="9" presetID="1" presetClass="entr" presetSubtype="0" fill="hold" nodeType="clickEffect">
+                                  <p:stCondLst>
+                                    <p:cond delay="0"/>
+                                  </p:stCondLst>
+                                  <p:childTnLst>
+                                    <p:set>
+                                      <p:cBhvr>
+                                        <p:cTn id="10" dur="1" fill="hold">
+                                          <p:stCondLst>
+                                            <p:cond delay="0"/>
+                                          </p:stCondLst>
+                                        </p:cTn>
+                                        <p:tgtEl>
+                                          <p:spTgt spid="45"/>
+                                        </p:tgtEl>
+                                        <p:attrNameLst>
+                                          <p:attrName>style.visibility</p:attrName>
+                                        </p:attrNameLst>
+                                      </p:cBhvr>
+                                      <p:to>
+                                        <p:strVal val="visible"/>
+                                      </p:to>
+                                    </p:set>
+                                  </p:childTnLst>
+                                </p:cTn>
+                              </p:par>
+                            </p:childTnLst>
+                          </p:cTn>
+                        </p:par>
+                      </p:childTnLst>
+                    </p:cTn>
+                  </p:par>
+                </p:childTnLst>
+              </p:cTn>
+              <p:prevCondLst>
+                <p:cond evt="onPrev" delay="0">
+                  <p:tgtEl>
+                    <p:sldTgt/>
+                  </p:tgtEl>
+                </p:cond>
+              </p:prevCondLst>
+              <p:nextCondLst>
+                <p:cond evt="onNext" delay="0">
+                  <p:tgtEl>
+                    <p:sldTgt/>
+                  </p:tgtEl>
+                </p:cond>
+              </p:nextCondLst>
+            </p:seq>
+          </p:childTnLst>
+        </p:cTn>
+      </p:par>
+    </p:tnLst>
+  </p:timing>
+</p:sld>
+</file>
+
+<file path=ppt/slides/slide13.xml><?xml version="1.0" encoding="utf-8"?>
+<p:sld xmlns:a="http://schemas.openxmlformats.org/drawingml/2006/main" xmlns:r="http://schemas.openxmlformats.org/officeDocument/2006/relationships" xmlns:p="http://schemas.openxmlformats.org/presentationml/2006/main">
+  <p:cSld>
+    <p:spTree>
+      <p:nvGrpSpPr>
+        <p:cNvPr id="1" name="">
+          <a:extLst>
+            <a:ext uri="{FF2B5EF4-FFF2-40B4-BE49-F238E27FC236}">
+              <a16:creationId xmlns:a16="http://schemas.microsoft.com/office/drawing/2014/main" id="{6B3CB19F-9D67-D520-3D7B-20F10EF84108}"/>
+            </a:ext>
+          </a:extLst>
+        </p:cNvPr>
+        <p:cNvGrpSpPr/>
+        <p:nvPr/>
+      </p:nvGrpSpPr>
+      <p:grpSpPr>
+        <a:xfrm>
+          <a:off x="0" y="0"/>
+          <a:ext cx="0" cy="0"/>
+          <a:chOff x="0" y="0"/>
+          <a:chExt cx="0" cy="0"/>
+        </a:xfrm>
+      </p:grpSpPr>
+      <p:pic>
+        <p:nvPicPr>
+          <p:cNvPr id="29" name="Picture 28">
+            <a:extLst>
+              <a:ext uri="{FF2B5EF4-FFF2-40B4-BE49-F238E27FC236}">
+                <a16:creationId xmlns:a16="http://schemas.microsoft.com/office/drawing/2014/main" id="{690E1BF8-B026-8B62-37FA-640B6B18F8A2}"/>
+              </a:ext>
+            </a:extLst>
+          </p:cNvPr>
+          <p:cNvPicPr>
+            <a:picLocks noChangeAspect="1"/>
+          </p:cNvPicPr>
+          <p:nvPr/>
+        </p:nvPicPr>
+        <p:blipFill>
+          <a:blip r:embed="rId2">
+            <a:extLst>
+              <a:ext uri="{28A0092B-C50C-407E-A947-70E740481C1C}">
+                <a14:useLocalDpi xmlns:a14="http://schemas.microsoft.com/office/drawing/2010/main" val="0"/>
+              </a:ext>
+            </a:extLst>
+          </a:blip>
+          <a:stretch>
+            <a:fillRect/>
+          </a:stretch>
+        </p:blipFill>
+        <p:spPr>
+          <a:xfrm>
+            <a:off x="0" y="362585"/>
+            <a:ext cx="12192000" cy="6711950"/>
+          </a:xfrm>
+          <a:prstGeom prst="rect">
+            <a:avLst/>
+          </a:prstGeom>
+        </p:spPr>
+      </p:pic>
+      <p:sp>
+        <p:nvSpPr>
+          <p:cNvPr id="2" name="Title 1">
+            <a:extLst>
+              <a:ext uri="{FF2B5EF4-FFF2-40B4-BE49-F238E27FC236}">
+                <a16:creationId xmlns:a16="http://schemas.microsoft.com/office/drawing/2014/main" id="{9A29A944-538A-CA8A-1D42-864FC308A90E}"/>
+              </a:ext>
+            </a:extLst>
+          </p:cNvPr>
+          <p:cNvSpPr txBox="1">
+            <a:spLocks/>
+          </p:cNvSpPr>
+          <p:nvPr/>
+        </p:nvSpPr>
+        <p:spPr>
+          <a:xfrm>
+            <a:off x="838200" y="290751"/>
+            <a:ext cx="10515600" cy="856964"/>
+          </a:xfrm>
+          <a:prstGeom prst="rect">
+            <a:avLst/>
+          </a:prstGeom>
+        </p:spPr>
+        <p:txBody>
+          <a:bodyPr vert="horz" lIns="91440" tIns="45720" rIns="91440" bIns="45720" rtlCol="0" anchor="b">
+            <a:normAutofit/>
+          </a:bodyPr>
+          <a:lstStyle>
+            <a:lvl1pPr algn="ctr" defTabSz="914400" rtl="0" eaLnBrk="1" latinLnBrk="0" hangingPunct="1">
+              <a:lnSpc>
+                <a:spcPct val="90000"/>
+              </a:lnSpc>
+              <a:spcBef>
+                <a:spcPct val="0"/>
+              </a:spcBef>
+              <a:buNone/>
+              <a:defRPr sz="6000" kern="1200">
+                <a:solidFill>
+                  <a:schemeClr val="tx1"/>
+                </a:solidFill>
+                <a:latin typeface="+mj-lt"/>
+                <a:ea typeface="+mj-ea"/>
+                <a:cs typeface="+mj-cs"/>
+              </a:defRPr>
+            </a:lvl1pPr>
+          </a:lstStyle>
+          <a:p>
+            <a:pPr algn="l"/>
+            <a:r>
+              <a:rPr lang="en-GB" sz="4400" dirty="0">
+                <a:latin typeface="Arial Black" panose="020B0A04020102020204" pitchFamily="34" charset="0"/>
+              </a:rPr>
+              <a:t>Sun Worshipers</a:t>
+            </a:r>
+          </a:p>
+        </p:txBody>
+      </p:sp>
+      <p:pic>
+        <p:nvPicPr>
+          <p:cNvPr id="47" name="Picture 46">
+            <a:extLst>
+              <a:ext uri="{FF2B5EF4-FFF2-40B4-BE49-F238E27FC236}">
+                <a16:creationId xmlns:a16="http://schemas.microsoft.com/office/drawing/2014/main" id="{89B022F4-F2BE-8564-D79F-555B93071BE7}"/>
+              </a:ext>
+            </a:extLst>
+          </p:cNvPr>
+          <p:cNvPicPr>
+            <a:picLocks noChangeAspect="1"/>
+          </p:cNvPicPr>
+          <p:nvPr/>
+        </p:nvPicPr>
+        <p:blipFill>
+          <a:blip r:embed="rId3">
+            <a:extLst>
+              <a:ext uri="{28A0092B-C50C-407E-A947-70E740481C1C}">
+                <a14:useLocalDpi xmlns:a14="http://schemas.microsoft.com/office/drawing/2010/main" val="0"/>
+              </a:ext>
+            </a:extLst>
+          </a:blip>
+          <a:stretch>
+            <a:fillRect/>
+          </a:stretch>
+        </p:blipFill>
+        <p:spPr>
+          <a:xfrm>
+            <a:off x="10048083" y="2411270"/>
+            <a:ext cx="1205500" cy="1238250"/>
+          </a:xfrm>
+          <a:prstGeom prst="rect">
+            <a:avLst/>
+          </a:prstGeom>
+        </p:spPr>
+      </p:pic>
+      <p:pic>
+        <p:nvPicPr>
+          <p:cNvPr id="6" name="Picture 5">
+            <a:extLst>
+              <a:ext uri="{FF2B5EF4-FFF2-40B4-BE49-F238E27FC236}">
+                <a16:creationId xmlns:a16="http://schemas.microsoft.com/office/drawing/2014/main" id="{79455C18-1075-77B3-52E6-7C5C11BD916C}"/>
+              </a:ext>
+            </a:extLst>
+          </p:cNvPr>
+          <p:cNvPicPr>
+            <a:picLocks noChangeAspect="1"/>
+          </p:cNvPicPr>
+          <p:nvPr/>
+        </p:nvPicPr>
+        <p:blipFill>
+          <a:blip r:embed="rId4">
+            <a:extLst>
+              <a:ext uri="{28A0092B-C50C-407E-A947-70E740481C1C}">
+                <a14:useLocalDpi xmlns:a14="http://schemas.microsoft.com/office/drawing/2010/main" val="0"/>
+              </a:ext>
+            </a:extLst>
+          </a:blip>
+          <a:stretch>
+            <a:fillRect/>
+          </a:stretch>
+        </p:blipFill>
+        <p:spPr>
+          <a:xfrm>
+            <a:off x="10127455" y="5287374"/>
+            <a:ext cx="1165814" cy="1165814"/>
+          </a:xfrm>
+          <a:prstGeom prst="rect">
+            <a:avLst/>
+          </a:prstGeom>
+        </p:spPr>
+      </p:pic>
+    </p:spTree>
+    <p:extLst>
+      <p:ext uri="{BB962C8B-B14F-4D97-AF65-F5344CB8AC3E}">
+        <p14:creationId xmlns:p14="http://schemas.microsoft.com/office/powerpoint/2010/main" val="3352555866"/>
+      </p:ext>
+    </p:extLst>
+  </p:cSld>
+  <p:clrMapOvr>
+    <a:masterClrMapping/>
+  </p:clrMapOvr>
+  <p:timing>
+    <p:tnLst>
+      <p:par>
+        <p:cTn id="1" dur="indefinite" restart="never" nodeType="tmRoot">
+          <p:childTnLst>
+            <p:seq concurrent="1" nextAc="seek">
+              <p:cTn id="2" dur="indefinite" nodeType="mainSeq">
+                <p:childTnLst>
+                  <p:par>
+                    <p:cTn id="3" fill="hold">
+                      <p:stCondLst>
+                        <p:cond delay="indefinite"/>
+                      </p:stCondLst>
+                      <p:childTnLst>
+                        <p:par>
+                          <p:cTn id="4" fill="hold">
+                            <p:stCondLst>
+                              <p:cond delay="0"/>
+                            </p:stCondLst>
+                            <p:childTnLst>
+                              <p:par>
+                                <p:cTn id="5" presetID="0" presetClass="path" presetSubtype="0" accel="50000" decel="50000" fill="hold" nodeType="clickEffect">
+                                  <p:stCondLst>
+                                    <p:cond delay="0"/>
+                                  </p:stCondLst>
+                                  <p:childTnLst>
+                                    <p:animMotion origin="layout" path="M 2.08333E-7 7.40741E-7 L 2.08333E-7 0.00023 C 0.00143 -0.00185 0.00312 -0.00301 0.0043 -0.00556 C 0.00664 -0.01065 0.00651 -0.0169 0.00352 -0.02083 C 0.00117 -0.02431 -0.00182 -0.02546 -0.00443 -0.02778 C -0.00729 -0.02639 -0.01068 -0.02662 -0.01289 -0.02315 C -0.01549 -0.01968 -0.01471 -0.00857 -0.01289 -0.00463 C -0.01198 -0.00278 -0.01016 -0.00208 -0.00885 -0.00093 C -0.00716 -0.00139 -0.00508 -0.0007 -0.00365 -0.00232 C -0.00091 -0.00625 -0.00052 -0.0125 0.00039 -0.01782 C -0.00508 -0.025 -0.00573 -0.02685 -0.01484 -0.02639 C -0.01641 -0.02639 -0.01732 -0.02315 -0.01849 -0.02176 C -0.01836 -0.01806 -0.01875 -0.01412 -0.0181 -0.01088 C -0.01549 0.00139 -0.01341 0.00046 -0.00768 0.00463 C -0.00456 0.00093 -0.00117 -0.00162 0.00156 -0.00625 C 0.00339 -0.00972 0.00495 -0.01389 0.00599 -0.01852 C 0.00638 -0.0206 0.00612 -0.02384 0.00521 -0.02477 C 0.00208 -0.02801 -0.00156 -0.02824 -0.00482 -0.03009 C -0.01068 -0.02917 -0.02135 -0.03032 -0.02656 -0.02083 C -0.02852 -0.01759 -0.02891 -0.01157 -0.03008 -0.00695 C -0.03125 0.01088 -0.03398 0.02986 -0.02852 0.04768 C -0.02604 0.05532 -0.02135 0.05972 -0.01732 0.06458 C -0.0069 0.07708 0.00443 0.08704 0.0168 0.09074 C 0.02214 0.09236 0.02773 0.0912 0.0332 0.09167 C 0.0375 0.08843 0.04206 0.08634 0.04596 0.08241 C 0.04831 0.08009 0.05599 0.06435 0.05807 0.06065 C 0.05924 0.05324 0.06107 0.04606 0.06159 0.03843 C 0.06263 0.025 0.06302 0.0118 0.06237 -0.00162 C 0.06159 -0.02083 0.05664 -0.03403 0.05 -0.04792 C 0.04128 -0.06574 0.03242 -0.08357 0.02279 -0.09954 C -0.0056 -0.14676 0.00195 -0.12662 -0.03255 -0.15949 C -0.0776 -0.20278 -0.01771 -0.15949 -0.08177 -0.2088 C -0.10182 -0.22454 -0.12448 -0.23519 -0.14544 -0.24352 C -0.15508 -0.24745 -0.16471 -0.25093 -0.17435 -0.25278 C -0.18568 -0.25532 -0.19701 -0.25532 -0.20833 -0.25648 C -0.22396 -0.25556 -0.23971 -0.25579 -0.25521 -0.25347 C -0.27344 -0.25116 -0.28372 -0.24445 -0.30091 -0.2382 C -0.30781 -0.23588 -0.31497 -0.23472 -0.32174 -0.23125 C -0.3793 -0.20278 -0.31458 -0.23125 -0.36628 -0.19491 C -0.37135 -0.19167 -0.38112 -0.18542 -0.38503 -0.1787 C -0.38607 -0.17708 -0.38724 -0.175 -0.38828 -0.17338 C -0.38971 -0.17153 -0.39128 -0.1706 -0.39271 -0.16875 C -0.39583 -0.16528 -0.39674 -0.16366 -0.39909 -0.1588 C -0.40195 -0.15278 -0.40299 -0.15 -0.40508 -0.1419 C -0.41185 -0.1169 -0.40482 -0.13912 -0.4099 -0.12338 C -0.40977 -0.1213 -0.41055 -0.11806 -0.40951 -0.11713 C -0.40326 -0.11343 -0.4026 -0.11945 -0.39987 -0.12639 C -0.40039 -0.13241 -0.40052 -0.13843 -0.40143 -0.14421 C -0.40182 -0.1463 -0.40313 -0.14745 -0.40391 -0.14884 C -0.40612 -0.15208 -0.40677 -0.15255 -0.40911 -0.15417 C -0.42435 -0.14583 -0.42656 -0.14653 -0.43997 -0.13264 C -0.4418 -0.13079 -0.4431 -0.12801 -0.44479 -0.1257 C -0.4457 -0.11806 -0.44818 -0.10556 -0.44271 -0.09954 C -0.43971 -0.09607 -0.43555 -0.1 -0.4319 -0.10023 C -0.4263 -0.1044 -0.41849 -0.10695 -0.4151 -0.11875 C -0.41406 -0.12292 -0.41458 -0.12801 -0.41432 -0.13264 C -0.42135 -0.14236 -0.42161 -0.14815 -0.42995 -0.14259 C -0.43125 -0.1419 -0.43203 -0.13912 -0.43307 -0.13727 C -0.42656 -0.11991 -0.42839 -0.12083 -0.40911 -0.11945 C -0.40703 -0.11945 -0.40586 -0.12454 -0.4043 -0.12708 C -0.41289 -0.15023 -0.41224 -0.15833 -0.43073 -0.1588 C -0.43333 -0.15903 -0.43503 -0.15255 -0.43711 -0.14954 C -0.43503 -0.14352 -0.43451 -0.13287 -0.43073 -0.13171 C -0.42786 -0.13125 -0.42773 -0.1419 -0.42786 -0.14722 C -0.42813 -0.15347 -0.4306 -0.1581 -0.4319 -0.16343 C -0.43385 -0.16227 -0.43659 -0.16366 -0.4375 -0.16042 C -0.44049 -0.15023 -0.4418 -0.12222 -0.43555 -0.11343 C -0.43216 -0.10857 -0.42695 -0.11181 -0.42266 -0.11111 C -0.41784 -0.12292 -0.41172 -0.1331 -0.40833 -0.14653 C -0.4069 -0.15232 -0.40599 -0.16343 -0.40911 -0.16574 C -0.41393 -0.16945 -0.41901 -0.16111 -0.42396 -0.1588 C -0.42773 -0.15185 -0.43281 -0.14676 -0.43555 -0.13796 C -0.43737 -0.13218 -0.43971 -0.12153 -0.43672 -0.11713 C -0.43151 -0.10949 -0.4237 -0.1125 -0.41706 -0.11019 C -0.41172 -0.11412 -0.40573 -0.11528 -0.40104 -0.12176 C -0.39961 -0.12407 -0.4 -0.13079 -0.40143 -0.13264 C -0.40625 -0.13843 -0.41211 -0.13866 -0.41745 -0.1419 C -0.4207 -0.1412 -0.42487 -0.14468 -0.42708 -0.14028 C -0.43112 -0.13333 -0.42721 -0.10417 -0.42669 -0.09861 C -0.41458 -0.11296 -0.41211 -0.11157 -0.41263 -0.15648 C -0.41289 -0.16389 -0.41771 -0.16782 -0.42031 -0.17338 C -0.42917 -0.16945 -0.45885 -0.16042 -0.46523 -0.1419 C -0.47005 -0.12801 -0.46758 -0.10857 -0.46875 -0.09167 C -0.44714 -0.0507 -0.44557 -0.03426 -0.41107 -0.03102 C -0.40326 -0.03009 -0.39583 -0.03958 -0.38828 -0.04398 C -0.38177 -0.05949 -0.35286 -0.11713 -0.35026 -0.14884 C -0.34935 -0.15926 -0.35286 -0.16945 -0.35547 -0.1787 C -0.35807 -0.18866 -0.3612 -0.19838 -0.36536 -0.20509 C -0.38047 -0.2287 -0.39036 -0.23009 -0.40872 -0.23588 C -0.41823 -0.23889 -0.4276 -0.24097 -0.43711 -0.24352 L -0.49883 -0.24282 C -0.50352 -0.24282 -0.50807 -0.24282 -0.5125 -0.2412 C -0.51589 -0.24028 -0.51927 -0.23727 -0.5224 -0.23495 C -0.54362 -0.22153 -0.54466 -0.22222 -0.56406 -0.19815 C -0.56875 -0.19236 -0.57266 -0.18449 -0.57734 -0.1787 C -0.58542 -0.16921 -0.59401 -0.16273 -0.60182 -0.15255 C -0.61276 -0.13912 -0.6082 -0.14537 -0.61576 -0.13403 C -0.61771 -0.12755 -0.62031 -0.11898 -0.62135 -0.11181 C -0.6224 -0.10648 -0.62279 -0.10046 -0.62344 -0.09491 C -0.62253 -0.08218 -0.62565 -0.06551 -0.62057 -0.05718 C -0.60846 -0.03657 -0.60521 -0.05486 -0.60299 -0.06551 C -0.61198 -0.07361 -0.60951 -0.07361 -0.62422 -0.06713 C -0.62526 -0.0669 -0.62552 -0.06412 -0.62617 -0.0625 C -0.62604 -0.05995 -0.62708 -0.05602 -0.62578 -0.05486 C -0.62409 -0.05324 -0.62188 -0.05556 -0.61979 -0.05625 C -0.61901 -0.05648 -0.61667 -0.0581 -0.61745 -0.05787 C -0.6207 -0.05695 -0.62383 -0.05532 -0.62708 -0.05394 C -0.62669 -0.05278 -0.62708 -0.05023 -0.62617 -0.05023 C -0.61784 -0.05093 -0.61849 -0.05162 -0.61536 -0.06088 C -0.61615 -0.06204 -0.61706 -0.06343 -0.61784 -0.06412 C -0.62214 -0.0669 -0.62422 -0.06528 -0.62865 -0.06412 C -0.62917 -0.06227 -0.62995 -0.06065 -0.63021 -0.05857 C -0.63034 -0.05787 -0.63034 -0.05625 -0.62982 -0.05625 C -0.62708 -0.05602 -0.62422 -0.05741 -0.62135 -0.05787 C -0.62214 -0.06042 -0.62214 -0.06505 -0.62344 -0.06551 C -0.63424 -0.07014 -0.63385 -0.06921 -0.63737 -0.06019 C -0.63659 -0.05695 -0.6362 -0.05324 -0.63503 -0.05023 C -0.63359 -0.0463 -0.63047 -0.04838 -0.62865 -0.04931 C -0.61992 -0.05486 -0.62422 -0.05417 -0.61784 -0.05625 C -0.61771 -0.05648 -0.61732 -0.05625 -0.61706 -0.05625 " pathEditMode="relative" rAng="0" ptsTypes="AAAAAAAAAAAAAAAAAAAAAAAAAAAAAAAAAAAAAAAAAAAAAAAAAAAAAAAAAAAAAAAAAAAAAAAAAAAAAAAAAAAAAAAAAAAAAAAAAAAAAAAAAAAAAAAAAAAAAAAA">
+                                      <p:cBhvr>
+                                        <p:cTn id="6" dur="5000" fill="hold"/>
+                                        <p:tgtEl>
+                                          <p:spTgt spid="47"/>
+                                        </p:tgtEl>
+                                        <p:attrNameLst>
+                                          <p:attrName>ppt_x</p:attrName>
+                                          <p:attrName>ppt_y</p:attrName>
+                                        </p:attrNameLst>
+                                      </p:cBhvr>
+                                      <p:rCtr x="-28737" y="-8241"/>
+                                    </p:animMotion>
+                                  </p:childTnLst>
+                                </p:cTn>
+                              </p:par>
+                              <p:par>
+                                <p:cTn id="7" presetID="37" presetClass="path" presetSubtype="0" accel="50000" decel="50000" fill="hold" nodeType="withEffect">
+                                  <p:stCondLst>
+                                    <p:cond delay="0"/>
+                                  </p:stCondLst>
+                                  <p:childTnLst>
+                                    <p:animMotion origin="layout" path="M 4.58333E-6 -0.00046 L -0.20586 -0.28866 C -0.24844 -0.35371 -0.31276 -0.3882 -0.38008 -0.3882 C -0.45678 -0.3882 -0.5181 -0.35371 -0.56081 -0.28866 L -0.76589 -0.00046 " pathEditMode="relative" rAng="0" ptsTypes="AAAAA">
+                                      <p:cBhvr>
+                                        <p:cTn id="8" dur="5000" fill="hold"/>
+                                        <p:tgtEl>
+                                          <p:spTgt spid="6"/>
+                                        </p:tgtEl>
+                                        <p:attrNameLst>
+                                          <p:attrName>ppt_x</p:attrName>
+                                          <p:attrName>ppt_y</p:attrName>
+                                        </p:attrNameLst>
+                                      </p:cBhvr>
+                                      <p:rCtr x="-38294" y="-19398"/>
+                                    </p:animMotion>
+                                  </p:childTnLst>
+                                </p:cTn>
+                              </p:par>
+                            </p:childTnLst>
+                          </p:cTn>
+                        </p:par>
+                      </p:childTnLst>
+                    </p:cTn>
+                  </p:par>
+                </p:childTnLst>
+              </p:cTn>
+              <p:prevCondLst>
+                <p:cond evt="onPrev" delay="0">
+                  <p:tgtEl>
+                    <p:sldTgt/>
+                  </p:tgtEl>
+                </p:cond>
+              </p:prevCondLst>
+              <p:nextCondLst>
+                <p:cond evt="onNext" delay="0">
+                  <p:tgtEl>
+                    <p:sldTgt/>
+                  </p:tgtEl>
+                </p:cond>
+              </p:nextCondLst>
+            </p:seq>
+          </p:childTnLst>
+        </p:cTn>
+      </p:par>
+    </p:tnLst>
+  </p:timing>
+</p:sld>
+</file>
+
+<file path=ppt/slides/slide14.xml><?xml version="1.0" encoding="utf-8"?>
 <p:sld xmlns:a="http://schemas.openxmlformats.org/drawingml/2006/main" xmlns:r="http://schemas.openxmlformats.org/officeDocument/2006/relationships" xmlns:p="http://schemas.openxmlformats.org/presentationml/2006/main">
   <p:cSld>
     <p:spTree>
@@ -6546,7 +8537,7 @@
 </p:sld>
 </file>
 
-<file path=ppt/slides/slide11.xml><?xml version="1.0" encoding="utf-8"?>
+<file path=ppt/slides/slide15.xml><?xml version="1.0" encoding="utf-8"?>
 <p:sld xmlns:a="http://schemas.openxmlformats.org/drawingml/2006/main" xmlns:r="http://schemas.openxmlformats.org/officeDocument/2006/relationships" xmlns:p="http://schemas.openxmlformats.org/presentationml/2006/main">
   <p:cSld>
     <p:spTree>
@@ -7374,7 +9365,7 @@
 </p:sld>
 </file>
 
-<file path=ppt/slides/slide12.xml><?xml version="1.0" encoding="utf-8"?>
+<file path=ppt/slides/slide16.xml><?xml version="1.0" encoding="utf-8"?>
 <p:sld xmlns:a="http://schemas.openxmlformats.org/drawingml/2006/main" xmlns:r="http://schemas.openxmlformats.org/officeDocument/2006/relationships" xmlns:p="http://schemas.openxmlformats.org/presentationml/2006/main">
   <p:cSld>
     <p:spTree>
@@ -19888,7 +21879,79 @@
 </p:sld>
 </file>
 
-<file path=ppt/slides/slide13.xml><?xml version="1.0" encoding="utf-8"?>
+<file path=ppt/slides/slide17.xml><?xml version="1.0" encoding="utf-8"?>
+<p:sld xmlns:a="http://schemas.openxmlformats.org/drawingml/2006/main" xmlns:r="http://schemas.openxmlformats.org/officeDocument/2006/relationships" xmlns:p="http://schemas.openxmlformats.org/presentationml/2006/main">
+  <p:cSld>
+    <p:spTree>
+      <p:nvGrpSpPr>
+        <p:cNvPr id="1" name="">
+          <a:extLst>
+            <a:ext uri="{FF2B5EF4-FFF2-40B4-BE49-F238E27FC236}">
+              <a16:creationId xmlns:a16="http://schemas.microsoft.com/office/drawing/2014/main" id="{4EF0819D-9A17-E68A-B472-7FB49100C4D5}"/>
+            </a:ext>
+          </a:extLst>
+        </p:cNvPr>
+        <p:cNvGrpSpPr/>
+        <p:nvPr/>
+      </p:nvGrpSpPr>
+      <p:grpSpPr>
+        <a:xfrm>
+          <a:off x="0" y="0"/>
+          <a:ext cx="0" cy="0"/>
+          <a:chOff x="0" y="0"/>
+          <a:chExt cx="0" cy="0"/>
+        </a:xfrm>
+      </p:grpSpPr>
+      <p:pic>
+        <p:nvPicPr>
+          <p:cNvPr id="3" name="Picture 2">
+            <a:extLst>
+              <a:ext uri="{FF2B5EF4-FFF2-40B4-BE49-F238E27FC236}">
+                <a16:creationId xmlns:a16="http://schemas.microsoft.com/office/drawing/2014/main" id="{909D2167-7980-0DA8-1AF4-DF351A2666FC}"/>
+              </a:ext>
+            </a:extLst>
+          </p:cNvPr>
+          <p:cNvPicPr>
+            <a:picLocks noChangeAspect="1"/>
+          </p:cNvPicPr>
+          <p:nvPr/>
+        </p:nvPicPr>
+        <p:blipFill>
+          <a:blip r:embed="rId2">
+            <a:extLst>
+              <a:ext uri="{28A0092B-C50C-407E-A947-70E740481C1C}">
+                <a14:useLocalDpi xmlns:a14="http://schemas.microsoft.com/office/drawing/2010/main" val="0"/>
+              </a:ext>
+            </a:extLst>
+          </a:blip>
+          <a:stretch>
+            <a:fillRect/>
+          </a:stretch>
+        </p:blipFill>
+        <p:spPr>
+          <a:xfrm>
+            <a:off x="0" y="0"/>
+            <a:ext cx="12192000" cy="6858000"/>
+          </a:xfrm>
+          <a:prstGeom prst="rect">
+            <a:avLst/>
+          </a:prstGeom>
+        </p:spPr>
+      </p:pic>
+    </p:spTree>
+    <p:extLst>
+      <p:ext uri="{BB962C8B-B14F-4D97-AF65-F5344CB8AC3E}">
+        <p14:creationId xmlns:p14="http://schemas.microsoft.com/office/powerpoint/2010/main" val="672448996"/>
+      </p:ext>
+    </p:extLst>
+  </p:cSld>
+  <p:clrMapOvr>
+    <a:masterClrMapping/>
+  </p:clrMapOvr>
+</p:sld>
+</file>
+
+<file path=ppt/slides/slide18.xml><?xml version="1.0" encoding="utf-8"?>
 <p:sld xmlns:a="http://schemas.openxmlformats.org/drawingml/2006/main" xmlns:r="http://schemas.openxmlformats.org/officeDocument/2006/relationships" xmlns:p="http://schemas.openxmlformats.org/presentationml/2006/main">
   <p:cSld>
     <p:spTree>
@@ -21627,7 +23690,7 @@
 </p:sld>
 </file>
 
-<file path=ppt/slides/slide14.xml><?xml version="1.0" encoding="utf-8"?>
+<file path=ppt/slides/slide19.xml><?xml version="1.0" encoding="utf-8"?>
 <p:sld xmlns:a="http://schemas.openxmlformats.org/drawingml/2006/main" xmlns:r="http://schemas.openxmlformats.org/officeDocument/2006/relationships" xmlns:p="http://schemas.openxmlformats.org/presentationml/2006/main">
   <p:cSld>
     <p:spTree>
@@ -21728,7 +23791,79 @@
 </p:sld>
 </file>
 
-<file path=ppt/slides/slide15.xml><?xml version="1.0" encoding="utf-8"?>
+<file path=ppt/slides/slide2.xml><?xml version="1.0" encoding="utf-8"?>
+<p:sld xmlns:a="http://schemas.openxmlformats.org/drawingml/2006/main" xmlns:r="http://schemas.openxmlformats.org/officeDocument/2006/relationships" xmlns:p="http://schemas.openxmlformats.org/presentationml/2006/main">
+  <p:cSld>
+    <p:spTree>
+      <p:nvGrpSpPr>
+        <p:cNvPr id="1" name="">
+          <a:extLst>
+            <a:ext uri="{FF2B5EF4-FFF2-40B4-BE49-F238E27FC236}">
+              <a16:creationId xmlns:a16="http://schemas.microsoft.com/office/drawing/2014/main" id="{DDCD87FC-9B4D-A409-34A5-29F4CC70917D}"/>
+            </a:ext>
+          </a:extLst>
+        </p:cNvPr>
+        <p:cNvGrpSpPr/>
+        <p:nvPr/>
+      </p:nvGrpSpPr>
+      <p:grpSpPr>
+        <a:xfrm>
+          <a:off x="0" y="0"/>
+          <a:ext cx="0" cy="0"/>
+          <a:chOff x="0" y="0"/>
+          <a:chExt cx="0" cy="0"/>
+        </a:xfrm>
+      </p:grpSpPr>
+      <p:pic>
+        <p:nvPicPr>
+          <p:cNvPr id="5" name="Picture 4">
+            <a:extLst>
+              <a:ext uri="{FF2B5EF4-FFF2-40B4-BE49-F238E27FC236}">
+                <a16:creationId xmlns:a16="http://schemas.microsoft.com/office/drawing/2014/main" id="{330CE87C-69E3-BF2A-36E8-5AA1CD638C7C}"/>
+              </a:ext>
+            </a:extLst>
+          </p:cNvPr>
+          <p:cNvPicPr>
+            <a:picLocks noChangeAspect="1"/>
+          </p:cNvPicPr>
+          <p:nvPr/>
+        </p:nvPicPr>
+        <p:blipFill>
+          <a:blip r:embed="rId2">
+            <a:extLst>
+              <a:ext uri="{28A0092B-C50C-407E-A947-70E740481C1C}">
+                <a14:useLocalDpi xmlns:a14="http://schemas.microsoft.com/office/drawing/2010/main" val="0"/>
+              </a:ext>
+            </a:extLst>
+          </a:blip>
+          <a:stretch>
+            <a:fillRect/>
+          </a:stretch>
+        </p:blipFill>
+        <p:spPr>
+          <a:xfrm>
+            <a:off x="0" y="-16149"/>
+            <a:ext cx="12192000" cy="6890298"/>
+          </a:xfrm>
+          <a:prstGeom prst="rect">
+            <a:avLst/>
+          </a:prstGeom>
+        </p:spPr>
+      </p:pic>
+    </p:spTree>
+    <p:extLst>
+      <p:ext uri="{BB962C8B-B14F-4D97-AF65-F5344CB8AC3E}">
+        <p14:creationId xmlns:p14="http://schemas.microsoft.com/office/powerpoint/2010/main" val="2215099107"/>
+      </p:ext>
+    </p:extLst>
+  </p:cSld>
+  <p:clrMapOvr>
+    <a:masterClrMapping/>
+  </p:clrMapOvr>
+</p:sld>
+</file>
+
+<file path=ppt/slides/slide20.xml><?xml version="1.0" encoding="utf-8"?>
 <p:sld xmlns:a="http://schemas.openxmlformats.org/drawingml/2006/main" xmlns:r="http://schemas.openxmlformats.org/officeDocument/2006/relationships" xmlns:p="http://schemas.openxmlformats.org/presentationml/2006/main">
   <p:cSld>
     <p:spTree>
@@ -21829,7 +23964,7 @@
 </p:sld>
 </file>
 
-<file path=ppt/slides/slide16.xml><?xml version="1.0" encoding="utf-8"?>
+<file path=ppt/slides/slide21.xml><?xml version="1.0" encoding="utf-8"?>
 <p:sld xmlns:a="http://schemas.openxmlformats.org/drawingml/2006/main" xmlns:r="http://schemas.openxmlformats.org/officeDocument/2006/relationships" xmlns:p="http://schemas.openxmlformats.org/presentationml/2006/main">
   <p:cSld>
     <p:spTree>
@@ -21933,7 +24068,79 @@
 </p:sld>
 </file>
 
-<file path=ppt/slides/slide17.xml><?xml version="1.0" encoding="utf-8"?>
+<file path=ppt/slides/slide22.xml><?xml version="1.0" encoding="utf-8"?>
+<p:sld xmlns:a="http://schemas.openxmlformats.org/drawingml/2006/main" xmlns:r="http://schemas.openxmlformats.org/officeDocument/2006/relationships" xmlns:p="http://schemas.openxmlformats.org/presentationml/2006/main">
+  <p:cSld>
+    <p:spTree>
+      <p:nvGrpSpPr>
+        <p:cNvPr id="1" name="">
+          <a:extLst>
+            <a:ext uri="{FF2B5EF4-FFF2-40B4-BE49-F238E27FC236}">
+              <a16:creationId xmlns:a16="http://schemas.microsoft.com/office/drawing/2014/main" id="{46E9AA8A-AB06-299B-5D0F-0BFB93C31D85}"/>
+            </a:ext>
+          </a:extLst>
+        </p:cNvPr>
+        <p:cNvGrpSpPr/>
+        <p:nvPr/>
+      </p:nvGrpSpPr>
+      <p:grpSpPr>
+        <a:xfrm>
+          <a:off x="0" y="0"/>
+          <a:ext cx="0" cy="0"/>
+          <a:chOff x="0" y="0"/>
+          <a:chExt cx="0" cy="0"/>
+        </a:xfrm>
+      </p:grpSpPr>
+      <p:pic>
+        <p:nvPicPr>
+          <p:cNvPr id="4" name="Picture 3">
+            <a:extLst>
+              <a:ext uri="{FF2B5EF4-FFF2-40B4-BE49-F238E27FC236}">
+                <a16:creationId xmlns:a16="http://schemas.microsoft.com/office/drawing/2014/main" id="{5F3D30DE-3591-FB7C-57A7-FB4D3801138B}"/>
+              </a:ext>
+            </a:extLst>
+          </p:cNvPr>
+          <p:cNvPicPr>
+            <a:picLocks noChangeAspect="1"/>
+          </p:cNvPicPr>
+          <p:nvPr/>
+        </p:nvPicPr>
+        <p:blipFill>
+          <a:blip r:embed="rId2">
+            <a:extLst>
+              <a:ext uri="{28A0092B-C50C-407E-A947-70E740481C1C}">
+                <a14:useLocalDpi xmlns:a14="http://schemas.microsoft.com/office/drawing/2010/main" val="0"/>
+              </a:ext>
+            </a:extLst>
+          </a:blip>
+          <a:stretch>
+            <a:fillRect/>
+          </a:stretch>
+        </p:blipFill>
+        <p:spPr>
+          <a:xfrm>
+            <a:off x="0" y="0"/>
+            <a:ext cx="12191999" cy="6908800"/>
+          </a:xfrm>
+          <a:prstGeom prst="rect">
+            <a:avLst/>
+          </a:prstGeom>
+        </p:spPr>
+      </p:pic>
+    </p:spTree>
+    <p:extLst>
+      <p:ext uri="{BB962C8B-B14F-4D97-AF65-F5344CB8AC3E}">
+        <p14:creationId xmlns:p14="http://schemas.microsoft.com/office/powerpoint/2010/main" val="2138083830"/>
+      </p:ext>
+    </p:extLst>
+  </p:cSld>
+  <p:clrMapOvr>
+    <a:masterClrMapping/>
+  </p:clrMapOvr>
+</p:sld>
+</file>
+
+<file path=ppt/slides/slide23.xml><?xml version="1.0" encoding="utf-8"?>
 <p:sld xmlns:a="http://schemas.openxmlformats.org/drawingml/2006/main" xmlns:r="http://schemas.openxmlformats.org/officeDocument/2006/relationships" xmlns:p="http://schemas.openxmlformats.org/presentationml/2006/main">
   <p:cSld>
     <p:spTree>
@@ -22062,7 +24269,7 @@
 </p:sld>
 </file>
 
-<file path=ppt/slides/slide18.xml><?xml version="1.0" encoding="utf-8"?>
+<file path=ppt/slides/slide24.xml><?xml version="1.0" encoding="utf-8"?>
 <p:sld xmlns:a="http://schemas.openxmlformats.org/drawingml/2006/main" xmlns:r="http://schemas.openxmlformats.org/officeDocument/2006/relationships" xmlns:p="http://schemas.openxmlformats.org/presentationml/2006/main">
   <p:cSld>
     <p:spTree>
@@ -22300,7 +24507,7 @@
 </p:sld>
 </file>
 
-<file path=ppt/slides/slide19.xml><?xml version="1.0" encoding="utf-8"?>
+<file path=ppt/slides/slide25.xml><?xml version="1.0" encoding="utf-8"?>
 <p:sld xmlns:a="http://schemas.openxmlformats.org/drawingml/2006/main" xmlns:r="http://schemas.openxmlformats.org/officeDocument/2006/relationships" xmlns:p="http://schemas.openxmlformats.org/presentationml/2006/main">
   <p:cSld>
     <p:spTree>
@@ -22441,7 +24648,7 @@
 </p:sld>
 </file>
 
-<file path=ppt/slides/slide2.xml><?xml version="1.0" encoding="utf-8"?>
+<file path=ppt/slides/slide26.xml><?xml version="1.0" encoding="utf-8"?>
 <p:sld xmlns:a="http://schemas.openxmlformats.org/drawingml/2006/main" xmlns:r="http://schemas.openxmlformats.org/officeDocument/2006/relationships" xmlns:p="http://schemas.openxmlformats.org/presentationml/2006/main">
   <p:cSld>
     <p:spTree>
@@ -22449,7 +24656,7 @@
         <p:cNvPr id="1" name="">
           <a:extLst>
             <a:ext uri="{FF2B5EF4-FFF2-40B4-BE49-F238E27FC236}">
-              <a16:creationId xmlns:a16="http://schemas.microsoft.com/office/drawing/2014/main" id="{104A1169-D538-5845-B55E-313CC0949278}"/>
+              <a16:creationId xmlns:a16="http://schemas.microsoft.com/office/drawing/2014/main" id="{3406C68B-5240-D667-4F35-611B95D7E5C4}"/>
             </a:ext>
           </a:extLst>
         </p:cNvPr>
@@ -22464,90 +24671,46 @@
           <a:chExt cx="0" cy="0"/>
         </a:xfrm>
       </p:grpSpPr>
-      <p:sp>
-        <p:nvSpPr>
-          <p:cNvPr id="2" name="Title 1">
+      <p:pic>
+        <p:nvPicPr>
+          <p:cNvPr id="3" name="Picture 2">
             <a:extLst>
               <a:ext uri="{FF2B5EF4-FFF2-40B4-BE49-F238E27FC236}">
-                <a16:creationId xmlns:a16="http://schemas.microsoft.com/office/drawing/2014/main" id="{1859048C-B901-F392-D738-021B368ACABE}"/>
+                <a16:creationId xmlns:a16="http://schemas.microsoft.com/office/drawing/2014/main" id="{DDE838F1-5503-EBAB-8A63-7AF739873575}"/>
               </a:ext>
             </a:extLst>
           </p:cNvPr>
-          <p:cNvSpPr>
-            <a:spLocks noGrp="1"/>
-          </p:cNvSpPr>
-          <p:nvPr>
-            <p:ph type="title"/>
-          </p:nvPr>
-        </p:nvSpPr>
+          <p:cNvPicPr>
+            <a:picLocks noChangeAspect="1"/>
+          </p:cNvPicPr>
+          <p:nvPr/>
+        </p:nvPicPr>
+        <p:blipFill>
+          <a:blip r:embed="rId2">
+            <a:extLst>
+              <a:ext uri="{28A0092B-C50C-407E-A947-70E740481C1C}">
+                <a14:useLocalDpi xmlns:a14="http://schemas.microsoft.com/office/drawing/2010/main" val="0"/>
+              </a:ext>
+            </a:extLst>
+          </a:blip>
+          <a:stretch>
+            <a:fillRect/>
+          </a:stretch>
+        </p:blipFill>
         <p:spPr>
           <a:xfrm>
-            <a:off x="838200" y="365126"/>
-            <a:ext cx="10515600" cy="856964"/>
+            <a:off x="0" y="0"/>
+            <a:ext cx="12192000" cy="6858000"/>
           </a:xfrm>
+          <a:prstGeom prst="rect">
+            <a:avLst/>
+          </a:prstGeom>
         </p:spPr>
-        <p:txBody>
-          <a:bodyPr/>
-          <a:lstStyle/>
-          <a:p>
-            <a:r>
-              <a:rPr lang="en-GB" dirty="0">
-                <a:latin typeface="Arial Black" panose="020B0A04020102020204" pitchFamily="34" charset="0"/>
-              </a:rPr>
-              <a:t>Content Warning</a:t>
-            </a:r>
-          </a:p>
-        </p:txBody>
-      </p:sp>
-      <p:sp>
-        <p:nvSpPr>
-          <p:cNvPr id="6" name="Content Placeholder 5">
-            <a:extLst>
-              <a:ext uri="{FF2B5EF4-FFF2-40B4-BE49-F238E27FC236}">
-                <a16:creationId xmlns:a16="http://schemas.microsoft.com/office/drawing/2014/main" id="{67FCB9C2-4676-F9E5-2130-AA16E1A1D160}"/>
-              </a:ext>
-            </a:extLst>
-          </p:cNvPr>
-          <p:cNvSpPr>
-            <a:spLocks noGrp="1"/>
-          </p:cNvSpPr>
-          <p:nvPr>
-            <p:ph idx="1"/>
-          </p:nvPr>
-        </p:nvSpPr>
-        <p:spPr>
-          <a:xfrm>
-            <a:off x="838200" y="1274093"/>
-            <a:ext cx="10515600" cy="4902870"/>
-          </a:xfrm>
-        </p:spPr>
-        <p:txBody>
-          <a:bodyPr/>
-          <a:lstStyle/>
-          <a:p>
-            <a:pPr marL="0" indent="0">
-              <a:buNone/>
-            </a:pPr>
-            <a:r>
-              <a:rPr lang="en-US" dirty="0"/>
-              <a:t>This presentation is </a:t>
-            </a:r>
-            <a:r>
-              <a:rPr lang="en-US" dirty="0" err="1"/>
-              <a:t>intented</a:t>
-            </a:r>
-            <a:r>
-              <a:rPr lang="en-US" dirty="0"/>
-              <a:t> for mature audiences and contains Adult Content, as well as graphic, inappropriate, non-PC and potential offensive language. Some contents may not be suitable for some, really most, let's be honest, all readers. Viewer discretion is expected.</a:t>
-            </a:r>
-            <a:endParaRPr lang="en-GB" dirty="0"/>
-          </a:p>
-        </p:txBody>
-      </p:sp>
+      </p:pic>
     </p:spTree>
     <p:extLst>
       <p:ext uri="{BB962C8B-B14F-4D97-AF65-F5344CB8AC3E}">
-        <p14:creationId xmlns:p14="http://schemas.microsoft.com/office/powerpoint/2010/main" val="1391270359"/>
+        <p14:creationId xmlns:p14="http://schemas.microsoft.com/office/powerpoint/2010/main" val="3745833366"/>
       </p:ext>
     </p:extLst>
   </p:cSld>
@@ -22557,7 +24720,7 @@
 </p:sld>
 </file>
 
-<file path=ppt/slides/slide20.xml><?xml version="1.0" encoding="utf-8"?>
+<file path=ppt/slides/slide27.xml><?xml version="1.0" encoding="utf-8"?>
 <p:sld xmlns:a="http://schemas.openxmlformats.org/drawingml/2006/main" xmlns:r="http://schemas.openxmlformats.org/officeDocument/2006/relationships" xmlns:p="http://schemas.openxmlformats.org/presentationml/2006/main">
   <p:cSld>
     <p:spTree>
@@ -22661,7 +24824,7 @@
 </p:sld>
 </file>
 
-<file path=ppt/slides/slide21.xml><?xml version="1.0" encoding="utf-8"?>
+<file path=ppt/slides/slide28.xml><?xml version="1.0" encoding="utf-8"?>
 <p:sld xmlns:a="http://schemas.openxmlformats.org/drawingml/2006/main" xmlns:r="http://schemas.openxmlformats.org/officeDocument/2006/relationships" xmlns:p="http://schemas.openxmlformats.org/presentationml/2006/main">
   <p:cSld>
     <p:spTree>
@@ -22762,7 +24925,7 @@
 </p:sld>
 </file>
 
-<file path=ppt/slides/slide22.xml><?xml version="1.0" encoding="utf-8"?>
+<file path=ppt/slides/slide29.xml><?xml version="1.0" encoding="utf-8"?>
 <p:sld xmlns:a="http://schemas.openxmlformats.org/drawingml/2006/main" xmlns:r="http://schemas.openxmlformats.org/officeDocument/2006/relationships" xmlns:p="http://schemas.openxmlformats.org/presentationml/2006/main">
   <p:cSld>
     <p:spTree>
@@ -22863,7 +25026,145 @@
 </p:sld>
 </file>
 
-<file path=ppt/slides/slide23.xml><?xml version="1.0" encoding="utf-8"?>
+<file path=ppt/slides/slide3.xml><?xml version="1.0" encoding="utf-8"?>
+<p:sld xmlns:a="http://schemas.openxmlformats.org/drawingml/2006/main" xmlns:r="http://schemas.openxmlformats.org/officeDocument/2006/relationships" xmlns:p="http://schemas.openxmlformats.org/presentationml/2006/main">
+  <p:cSld>
+    <p:spTree>
+      <p:nvGrpSpPr>
+        <p:cNvPr id="1" name="">
+          <a:extLst>
+            <a:ext uri="{FF2B5EF4-FFF2-40B4-BE49-F238E27FC236}">
+              <a16:creationId xmlns:a16="http://schemas.microsoft.com/office/drawing/2014/main" id="{104A1169-D538-5845-B55E-313CC0949278}"/>
+            </a:ext>
+          </a:extLst>
+        </p:cNvPr>
+        <p:cNvGrpSpPr/>
+        <p:nvPr/>
+      </p:nvGrpSpPr>
+      <p:grpSpPr>
+        <a:xfrm>
+          <a:off x="0" y="0"/>
+          <a:ext cx="0" cy="0"/>
+          <a:chOff x="0" y="0"/>
+          <a:chExt cx="0" cy="0"/>
+        </a:xfrm>
+      </p:grpSpPr>
+      <p:sp>
+        <p:nvSpPr>
+          <p:cNvPr id="2" name="Title 1">
+            <a:extLst>
+              <a:ext uri="{FF2B5EF4-FFF2-40B4-BE49-F238E27FC236}">
+                <a16:creationId xmlns:a16="http://schemas.microsoft.com/office/drawing/2014/main" id="{1859048C-B901-F392-D738-021B368ACABE}"/>
+              </a:ext>
+            </a:extLst>
+          </p:cNvPr>
+          <p:cNvSpPr>
+            <a:spLocks noGrp="1"/>
+          </p:cNvSpPr>
+          <p:nvPr>
+            <p:ph type="title"/>
+          </p:nvPr>
+        </p:nvSpPr>
+        <p:spPr>
+          <a:xfrm>
+            <a:off x="838200" y="365126"/>
+            <a:ext cx="10515600" cy="856964"/>
+          </a:xfrm>
+        </p:spPr>
+        <p:txBody>
+          <a:bodyPr/>
+          <a:lstStyle/>
+          <a:p>
+            <a:r>
+              <a:rPr lang="en-GB" dirty="0">
+                <a:latin typeface="Arial Black" panose="020B0A04020102020204" pitchFamily="34" charset="0"/>
+              </a:rPr>
+              <a:t>Content Warning</a:t>
+            </a:r>
+          </a:p>
+        </p:txBody>
+      </p:sp>
+      <p:sp>
+        <p:nvSpPr>
+          <p:cNvPr id="6" name="Content Placeholder 5">
+            <a:extLst>
+              <a:ext uri="{FF2B5EF4-FFF2-40B4-BE49-F238E27FC236}">
+                <a16:creationId xmlns:a16="http://schemas.microsoft.com/office/drawing/2014/main" id="{67FCB9C2-4676-F9E5-2130-AA16E1A1D160}"/>
+              </a:ext>
+            </a:extLst>
+          </p:cNvPr>
+          <p:cNvSpPr>
+            <a:spLocks noGrp="1"/>
+          </p:cNvSpPr>
+          <p:nvPr>
+            <p:ph idx="1"/>
+          </p:nvPr>
+        </p:nvSpPr>
+        <p:spPr>
+          <a:xfrm>
+            <a:off x="838200" y="1274093"/>
+            <a:ext cx="10515600" cy="4902870"/>
+          </a:xfrm>
+        </p:spPr>
+        <p:txBody>
+          <a:bodyPr/>
+          <a:lstStyle/>
+          <a:p>
+            <a:pPr marL="0" indent="0">
+              <a:buNone/>
+            </a:pPr>
+            <a:r>
+              <a:rPr lang="en-US" dirty="0"/>
+              <a:t>This presentation is intended for mature audiences and contains Adult Content, as well as political, graphic, inappropriate, non-PC and potential offensive language.</a:t>
+            </a:r>
+          </a:p>
+          <a:p>
+            <a:pPr marL="0" indent="0">
+              <a:buNone/>
+            </a:pPr>
+            <a:endParaRPr lang="en-US" dirty="0"/>
+          </a:p>
+          <a:p>
+            <a:pPr marL="0" indent="0">
+              <a:buNone/>
+            </a:pPr>
+            <a:r>
+              <a:rPr lang="en-US" dirty="0"/>
+              <a:t>Some contents may not be suitable for some, really most, let's be honest, all viewers.</a:t>
+            </a:r>
+          </a:p>
+          <a:p>
+            <a:pPr marL="0" indent="0">
+              <a:buNone/>
+            </a:pPr>
+            <a:endParaRPr lang="en-US" dirty="0"/>
+          </a:p>
+          <a:p>
+            <a:pPr marL="0" indent="0">
+              <a:buNone/>
+            </a:pPr>
+            <a:r>
+              <a:rPr lang="en-US" dirty="0"/>
+              <a:t>Viewer discretion is expected. If you stay for this presentation, your discretion is implied.</a:t>
+            </a:r>
+            <a:endParaRPr lang="en-GB" dirty="0"/>
+          </a:p>
+        </p:txBody>
+      </p:sp>
+    </p:spTree>
+    <p:extLst>
+      <p:ext uri="{BB962C8B-B14F-4D97-AF65-F5344CB8AC3E}">
+        <p14:creationId xmlns:p14="http://schemas.microsoft.com/office/powerpoint/2010/main" val="1391270359"/>
+      </p:ext>
+    </p:extLst>
+  </p:cSld>
+  <p:clrMapOvr>
+    <a:masterClrMapping/>
+  </p:clrMapOvr>
+</p:sld>
+</file>
+
+<file path=ppt/slides/slide30.xml><?xml version="1.0" encoding="utf-8"?>
 <p:sld xmlns:a="http://schemas.openxmlformats.org/drawingml/2006/main" xmlns:r="http://schemas.openxmlformats.org/officeDocument/2006/relationships" xmlns:p="http://schemas.openxmlformats.org/presentationml/2006/main">
   <p:cSld>
     <p:spTree>
@@ -22964,7 +25265,7 @@
 </p:sld>
 </file>
 
-<file path=ppt/slides/slide24.xml><?xml version="1.0" encoding="utf-8"?>
+<file path=ppt/slides/slide31.xml><?xml version="1.0" encoding="utf-8"?>
 <p:sld xmlns:a="http://schemas.openxmlformats.org/drawingml/2006/main" xmlns:r="http://schemas.openxmlformats.org/officeDocument/2006/relationships" xmlns:p="http://schemas.openxmlformats.org/presentationml/2006/main">
   <p:cSld>
     <p:spTree>
@@ -23071,7 +25372,7 @@
 </p:sld>
 </file>
 
-<file path=ppt/slides/slide25.xml><?xml version="1.0" encoding="utf-8"?>
+<file path=ppt/slides/slide32.xml><?xml version="1.0" encoding="utf-8"?>
 <p:sld xmlns:a="http://schemas.openxmlformats.org/drawingml/2006/main" xmlns:r="http://schemas.openxmlformats.org/officeDocument/2006/relationships" xmlns:p="http://schemas.openxmlformats.org/presentationml/2006/main">
   <p:cSld>
     <p:spTree>
@@ -23172,6 +25473,21 @@
             <a:pPr lvl="1"/>
             <a:r>
               <a:rPr lang="en-GB" dirty="0"/>
+              <a:t>Too fast (</a:t>
+            </a:r>
+            <a:r>
+              <a:rPr lang="en-GB" dirty="0" err="1"/>
+              <a:t>eg</a:t>
+            </a:r>
+            <a:r>
+              <a:rPr lang="en-GB" dirty="0"/>
+              <a:t> too many orders per second)</a:t>
+            </a:r>
+          </a:p>
+          <a:p>
+            <a:pPr lvl="1"/>
+            <a:r>
+              <a:rPr lang="en-GB" dirty="0"/>
               <a:t>Too slow (</a:t>
             </a:r>
             <a:r>
@@ -23187,15 +25503,7 @@
             <a:pPr lvl="1"/>
             <a:r>
               <a:rPr lang="en-GB" dirty="0"/>
-              <a:t>Too much symmetric </a:t>
-            </a:r>
-            <a:r>
-              <a:rPr lang="en-GB" dirty="0" err="1"/>
-              <a:t>PnL</a:t>
-            </a:r>
-            <a:r>
-              <a:rPr lang="en-GB" dirty="0"/>
-              <a:t> (</a:t>
+              <a:t>Too much Profit / Loss (</a:t>
             </a:r>
             <a:r>
               <a:rPr lang="en-GB" dirty="0" err="1"/>
@@ -23216,7 +25524,7 @@
             <a:pPr lvl="1"/>
             <a:r>
               <a:rPr lang="en-GB" dirty="0"/>
-              <a:t>I loss too much on this trade – can I have some money back please?</a:t>
+              <a:t>I lost too much on this trade – can I have some money back please?</a:t>
             </a:r>
           </a:p>
           <a:p>
@@ -23235,7 +25543,7 @@
           <a:p>
             <a:r>
               <a:rPr lang="en-GB" dirty="0"/>
-              <a:t>EFP</a:t>
+              <a:t>EFP (Gold you buy on an exchange is not pure enough)</a:t>
             </a:r>
           </a:p>
         </p:txBody>
@@ -23253,7 +25561,73 @@
 </p:sld>
 </file>
 
-<file path=ppt/slides/slide26.xml><?xml version="1.0" encoding="utf-8"?>
+<file path=ppt/slides/slide33.xml><?xml version="1.0" encoding="utf-8"?>
+<p:sld xmlns:a="http://schemas.openxmlformats.org/drawingml/2006/main" xmlns:r="http://schemas.openxmlformats.org/officeDocument/2006/relationships" xmlns:p="http://schemas.openxmlformats.org/presentationml/2006/main">
+  <p:cSld>
+    <p:spTree>
+      <p:nvGrpSpPr>
+        <p:cNvPr id="1" name=""/>
+        <p:cNvGrpSpPr/>
+        <p:nvPr/>
+      </p:nvGrpSpPr>
+      <p:grpSpPr>
+        <a:xfrm>
+          <a:off x="0" y="0"/>
+          <a:ext cx="0" cy="0"/>
+          <a:chOff x="0" y="0"/>
+          <a:chExt cx="0" cy="0"/>
+        </a:xfrm>
+      </p:grpSpPr>
+      <p:pic>
+        <p:nvPicPr>
+          <p:cNvPr id="7" name="Picture 6">
+            <a:extLst>
+              <a:ext uri="{FF2B5EF4-FFF2-40B4-BE49-F238E27FC236}">
+                <a16:creationId xmlns:a16="http://schemas.microsoft.com/office/drawing/2014/main" id="{4B26423A-6AF9-37F6-FFCA-6AD1E890C3AE}"/>
+              </a:ext>
+            </a:extLst>
+          </p:cNvPr>
+          <p:cNvPicPr>
+            <a:picLocks noChangeAspect="1"/>
+          </p:cNvPicPr>
+          <p:nvPr/>
+        </p:nvPicPr>
+        <p:blipFill>
+          <a:blip r:embed="rId2">
+            <a:extLst>
+              <a:ext uri="{28A0092B-C50C-407E-A947-70E740481C1C}">
+                <a14:useLocalDpi xmlns:a14="http://schemas.microsoft.com/office/drawing/2010/main" val="0"/>
+              </a:ext>
+            </a:extLst>
+          </a:blip>
+          <a:stretch>
+            <a:fillRect/>
+          </a:stretch>
+        </p:blipFill>
+        <p:spPr>
+          <a:xfrm>
+            <a:off x="0" y="-1954"/>
+            <a:ext cx="12191999" cy="6859954"/>
+          </a:xfrm>
+          <a:prstGeom prst="rect">
+            <a:avLst/>
+          </a:prstGeom>
+        </p:spPr>
+      </p:pic>
+    </p:spTree>
+    <p:extLst>
+      <p:ext uri="{BB962C8B-B14F-4D97-AF65-F5344CB8AC3E}">
+        <p14:creationId xmlns:p14="http://schemas.microsoft.com/office/powerpoint/2010/main" val="479297096"/>
+      </p:ext>
+    </p:extLst>
+  </p:cSld>
+  <p:clrMapOvr>
+    <a:masterClrMapping/>
+  </p:clrMapOvr>
+</p:sld>
+</file>
+
+<file path=ppt/slides/slide34.xml><?xml version="1.0" encoding="utf-8"?>
 <p:sld xmlns:a="http://schemas.openxmlformats.org/drawingml/2006/main" xmlns:r="http://schemas.openxmlformats.org/officeDocument/2006/relationships" xmlns:p="http://schemas.openxmlformats.org/presentationml/2006/main">
   <p:cSld>
     <p:spTree>
@@ -23794,7 +26168,7 @@
 </p:sld>
 </file>
 
-<file path=ppt/slides/slide27.xml><?xml version="1.0" encoding="utf-8"?>
+<file path=ppt/slides/slide35.xml><?xml version="1.0" encoding="utf-8"?>
 <p:sld xmlns:a="http://schemas.openxmlformats.org/drawingml/2006/main" xmlns:r="http://schemas.openxmlformats.org/officeDocument/2006/relationships" xmlns:p="http://schemas.openxmlformats.org/presentationml/2006/main">
   <p:cSld>
     <p:spTree>
@@ -25274,7 +27648,7 @@
 </p:sld>
 </file>
 
-<file path=ppt/slides/slide28.xml><?xml version="1.0" encoding="utf-8"?>
+<file path=ppt/slides/slide36.xml><?xml version="1.0" encoding="utf-8"?>
 <p:sld xmlns:a="http://schemas.openxmlformats.org/drawingml/2006/main" xmlns:r="http://schemas.openxmlformats.org/officeDocument/2006/relationships" xmlns:p="http://schemas.openxmlformats.org/presentationml/2006/main">
   <p:cSld>
     <p:spTree>
@@ -26123,7 +28497,11 @@
             <a:prstGeom prst="roundRect">
               <a:avLst/>
             </a:prstGeom>
-            <a:grpFill/>
+            <a:solidFill>
+              <a:schemeClr val="accent3">
+                <a:alpha val="50000"/>
+              </a:schemeClr>
+            </a:solidFill>
             <a:ln w="38100">
               <a:solidFill>
                 <a:schemeClr val="tx1"/>
@@ -26180,7 +28558,11 @@
             <a:prstGeom prst="roundRect">
               <a:avLst/>
             </a:prstGeom>
-            <a:grpFill/>
+            <a:solidFill>
+              <a:schemeClr val="accent3">
+                <a:alpha val="50000"/>
+              </a:schemeClr>
+            </a:solidFill>
             <a:ln w="38100">
               <a:solidFill>
                 <a:schemeClr val="tx1"/>
@@ -26237,7 +28619,11 @@
             <a:prstGeom prst="irregularSeal1">
               <a:avLst/>
             </a:prstGeom>
-            <a:grpFill/>
+            <a:solidFill>
+              <a:schemeClr val="accent3">
+                <a:alpha val="50000"/>
+              </a:schemeClr>
+            </a:solidFill>
             <a:ln w="38100">
               <a:solidFill>
                 <a:schemeClr val="tx1"/>
@@ -27075,6 +29461,70 @@
                 </a:solidFill>
               </a:rPr>
               <a:t>AJ</a:t>
+            </a:r>
+            <a:endParaRPr lang="en-GB" b="1" dirty="0">
+              <a:solidFill>
+                <a:srgbClr val="C00000"/>
+              </a:solidFill>
+            </a:endParaRPr>
+          </a:p>
+        </p:txBody>
+      </p:sp>
+      <p:sp>
+        <p:nvSpPr>
+          <p:cNvPr id="72" name="Oval 71">
+            <a:extLst>
+              <a:ext uri="{FF2B5EF4-FFF2-40B4-BE49-F238E27FC236}">
+                <a16:creationId xmlns:a16="http://schemas.microsoft.com/office/drawing/2014/main" id="{569318B9-BEC7-2D26-4F41-40E1FF18D04A}"/>
+              </a:ext>
+            </a:extLst>
+          </p:cNvPr>
+          <p:cNvSpPr/>
+          <p:nvPr/>
+        </p:nvSpPr>
+        <p:spPr>
+          <a:xfrm>
+            <a:off x="2476460" y="1494063"/>
+            <a:ext cx="453358" cy="425251"/>
+          </a:xfrm>
+          <a:prstGeom prst="ellipse">
+            <a:avLst/>
+          </a:prstGeom>
+          <a:solidFill>
+            <a:srgbClr val="FF7C80">
+              <a:alpha val="49804"/>
+            </a:srgbClr>
+          </a:solidFill>
+          <a:ln>
+            <a:noFill/>
+          </a:ln>
+        </p:spPr>
+        <p:style>
+          <a:lnRef idx="0">
+            <a:scrgbClr r="0" g="0" b="0"/>
+          </a:lnRef>
+          <a:fillRef idx="0">
+            <a:scrgbClr r="0" g="0" b="0"/>
+          </a:fillRef>
+          <a:effectRef idx="0">
+            <a:scrgbClr r="0" g="0" b="0"/>
+          </a:effectRef>
+          <a:fontRef idx="minor">
+            <a:schemeClr val="lt1"/>
+          </a:fontRef>
+        </p:style>
+        <p:txBody>
+          <a:bodyPr rtlCol="0" anchor="ctr"/>
+          <a:lstStyle/>
+          <a:p>
+            <a:pPr algn="ctr"/>
+            <a:r>
+              <a:rPr lang="en-US" sz="1100" b="1" dirty="0">
+                <a:solidFill>
+                  <a:srgbClr val="C00000"/>
+                </a:solidFill>
+              </a:rPr>
+              <a:t>UJ</a:t>
             </a:r>
             <a:endParaRPr lang="en-GB" b="1" dirty="0">
               <a:solidFill>
@@ -27337,12 +29787,56 @@
                               <p:par>
                                 <p:cTn id="17" presetID="0" presetClass="path" presetSubtype="0" repeatCount="indefinite" accel="50000" decel="50000" fill="hold" grpId="0" nodeType="withEffect">
                                   <p:stCondLst>
+                                    <p:cond delay="2000"/>
+                                  </p:stCondLst>
+                                  <p:childTnLst>
+                                    <p:animMotion origin="layout" path="M 4.58333E-6 -4.07407E-6 L 4.58333E-6 0.00024 C -0.00131 0.00139 -0.00261 0.00255 -0.00378 0.0044 C -0.00534 0.00649 -0.00651 0.00926 -0.00795 0.01158 C -0.01185 0.01875 -0.01003 0.01482 -0.0142 0.0301 L -0.01836 0.04514 C -0.01888 0.05787 -0.01915 0.05787 -0.01641 0.07547 C -0.01615 0.07755 -0.01485 0.07871 -0.0142 0.08056 C -0.01355 0.08241 -0.01303 0.08473 -0.01237 0.08681 C -0.01081 0.09098 -0.00977 0.0926 -0.00756 0.09561 C -0.00586 0.09815 -0.00391 0.10024 -0.00222 0.10301 C -0.00157 0.10417 -0.00105 0.10602 4.58333E-6 0.10625 C 0.00442 0.10741 0.00898 0.10672 0.01354 0.10695 C 0.01341 0.10834 0.01328 0.10973 0.01315 0.11135 C 0.01302 0.11459 0.01315 0.11806 0.01289 0.12153 C 0.01276 0.12292 0.01224 0.12431 0.01197 0.12593 C 0.01263 0.14028 0.01289 0.15487 0.01419 0.16899 C 0.01419 0.16991 0.01757 0.17454 0.01796 0.17524 C 0.01862 0.17639 0.01927 0.17801 0.02018 0.17917 C 0.02356 0.18357 0.02408 0.18149 0.02734 0.18704 C 0.02955 0.19051 0.03085 0.19607 0.03333 0.19862 C 0.03437 0.19977 0.03541 0.20093 0.03645 0.20209 C 0.03789 0.20371 0.03919 0.20579 0.04062 0.20718 C 0.04635 0.21274 0.04791 0.21227 0.05416 0.21667 C 0.05572 0.21783 0.05716 0.21968 0.05885 0.22061 C 0.06067 0.22153 0.06263 0.22153 0.06458 0.22223 C 0.07005 0.22408 0.07408 0.22616 0.07994 0.22662 C 0.08567 0.22732 0.09153 0.22709 0.09726 0.22732 C 0.09752 0.22801 0.09739 0.22963 0.09791 0.2294 C 0.1 0.22917 0.1039 0.22616 0.1039 0.22639 C 0.10833 0.22037 0.10442 0.225 0.10963 0.21991 C 0.11067 0.21899 0.11158 0.21737 0.11276 0.21667 C 0.11367 0.21598 0.11484 0.21598 0.11588 0.21551 C 0.11653 0.21459 0.11705 0.21343 0.1177 0.21274 C 0.1207 0.20903 0.12187 0.2088 0.12539 0.20533 C 0.12643 0.2044 0.12734 0.20301 0.12851 0.20209 C 0.13216 0.19862 0.13606 0.19537 0.13984 0.1919 C 0.14309 0.18912 0.14544 0.18681 0.1483 0.18241 C 0.15312 0.17524 0.15169 0.17639 0.15494 0.16852 C 0.15794 0.16112 0.16197 0.15487 0.16406 0.14653 C 0.16471 0.14422 0.16523 0.14167 0.16601 0.13936 C 0.17122 0.12362 0.16822 0.13982 0.17408 0.11459 C 0.17526 0.10996 0.17591 0.10463 0.17669 0.09954 C 0.17773 0.0919 0.17799 0.0875 0.17851 0.07987 C 0.17877 0.06852 0.1789 0.05718 0.17916 0.04584 C 0.18033 0.00926 0.18007 0.03959 0.18007 0.01829 " pathEditMode="fixed" rAng="0" ptsTypes="AAAAAAAAAAAAAAAAAAAAAAAAAAAAAAAAAAAAAAAAAAAAAA">
+                                      <p:cBhvr>
+                                        <p:cTn id="18" dur="3000" fill="hold"/>
+                                        <p:tgtEl>
+                                          <p:spTgt spid="72"/>
+                                        </p:tgtEl>
+                                        <p:attrNameLst>
+                                          <p:attrName>ppt_x</p:attrName>
+                                          <p:attrName>ppt_y</p:attrName>
+                                        </p:attrNameLst>
+                                      </p:cBhvr>
+                                      <p:rCtr x="8060" y="11458"/>
+                                    </p:animMotion>
+                                  </p:childTnLst>
+                                  <p:subTnLst>
+                                    <p:set>
+                                      <p:cBhvr override="childStyle">
+                                        <p:cTn dur="1" fill="hold" display="0" masterRel="sameClick" afterEffect="1">
+                                          <p:stCondLst>
+                                            <p:cond evt="end" delay="0">
+                                              <p:tn val="17"/>
+                                            </p:cond>
+                                          </p:stCondLst>
+                                        </p:cTn>
+                                        <p:tgtEl>
+                                          <p:spTgt spid="72"/>
+                                        </p:tgtEl>
+                                        <p:attrNameLst>
+                                          <p:attrName>style.visibility</p:attrName>
+                                        </p:attrNameLst>
+                                      </p:cBhvr>
+                                      <p:to>
+                                        <p:strVal val="hidden"/>
+                                      </p:to>
+                                    </p:set>
+                                  </p:subTnLst>
+                                </p:cTn>
+                              </p:par>
+                              <p:par>
+                                <p:cTn id="19" presetID="0" presetClass="path" presetSubtype="0" repeatCount="indefinite" accel="50000" decel="50000" fill="hold" grpId="0" nodeType="withEffect">
+                                  <p:stCondLst>
                                     <p:cond delay="0"/>
                                   </p:stCondLst>
                                   <p:childTnLst>
                                     <p:animMotion origin="layout" path="M 3.75E-6 2.22222E-6 L 3.75E-6 0.00046 C -0.00638 -0.00371 -0.0125 -0.00949 -0.01901 -0.01134 C -0.04193 -0.01829 -0.01016 -0.0081 -0.03034 -0.01644 C -0.03217 -0.01713 -0.03399 -0.01713 -0.03581 -0.01759 C -0.04414 -0.02014 -0.03659 -0.01852 -0.0448 -0.02269 C -0.04597 -0.02338 -0.0474 -0.02361 -0.04883 -0.02408 C -0.04987 -0.02431 -0.05092 -0.02477 -0.05183 -0.02523 C -0.05417 -0.02639 -0.05651 -0.02732 -0.05873 -0.02917 C -0.06081 -0.03056 -0.06289 -0.03241 -0.06498 -0.03334 C -0.07487 -0.03866 -0.06901 -0.03403 -0.0767 -0.03727 C -0.07813 -0.03797 -0.07956 -0.03959 -0.08112 -0.03982 C -0.08412 -0.04028 -0.12097 -0.04213 -0.12162 -0.04213 C -0.14089 -0.04861 -0.12318 -0.04352 -0.16276 -0.04676 C -0.18151 -0.04815 -0.17331 -0.04722 -0.18776 -0.04908 C -0.18985 -0.04977 -0.1918 -0.05093 -0.19388 -0.05116 C -0.22097 -0.05556 -0.19727 -0.05023 -0.21185 -0.05371 L -0.24883 -0.05301 C -0.25404 -0.05278 -0.25912 -0.05185 -0.26433 -0.05185 C -0.27188 -0.05185 -0.27956 -0.05255 -0.28724 -0.05301 C -0.28881 -0.05347 -0.29024 -0.05394 -0.29167 -0.05417 C -0.2961 -0.05509 -0.30039 -0.05533 -0.30482 -0.05602 L -0.31237 -0.05718 C -0.32084 -0.05695 -0.32943 -0.05718 -0.33802 -0.05602 C -0.33959 -0.05579 -0.34102 -0.05394 -0.34245 -0.05301 C -0.34414 -0.05209 -0.34571 -0.05093 -0.34727 -0.05047 C -0.35547 -0.04815 -0.36706 -0.04792 -0.37474 -0.04722 L -0.39362 -0.04537 C -0.39519 -0.04514 -0.39688 -0.04491 -0.39844 -0.04422 C -0.40118 -0.04306 -0.40026 -0.04167 -0.403 -0.04097 C -0.40521 -0.04028 -0.40612 -0.04028 -0.40756 -0.04028 " pathEditMode="relative" rAng="0" ptsTypes="AAAAAAAAAAAAAAAAAAAAAAAAAAAAAAA">
                                       <p:cBhvr>
-                                        <p:cTn id="18" dur="8000" fill="hold"/>
+                                        <p:cTn id="20" dur="8000" fill="hold"/>
                                         <p:tgtEl>
                                           <p:spTgt spid="63"/>
                                         </p:tgtEl>
@@ -27357,14 +29851,14 @@
                                 </p:cTn>
                               </p:par>
                               <p:par>
-                                <p:cTn id="19" presetID="0" presetClass="path" presetSubtype="0" repeatCount="indefinite" accel="50000" decel="50000" fill="hold" grpId="0" nodeType="withEffect">
+                                <p:cTn id="21" presetID="0" presetClass="path" presetSubtype="0" repeatCount="indefinite" accel="50000" decel="50000" fill="hold" grpId="0" nodeType="withEffect">
                                   <p:stCondLst>
                                     <p:cond delay="0"/>
                                   </p:stCondLst>
                                   <p:childTnLst>
                                     <p:animMotion origin="layout" path="M 3.75E-6 -7.40741E-7 L 3.75E-6 0.00023 C -0.00131 0.00139 -0.00404 0.00486 -0.00573 0.00625 C -0.0073 0.00764 -0.00886 0.00903 -0.01042 0.01042 C -0.01133 0.01111 -0.01211 0.01227 -0.01302 0.0125 C -0.01719 0.01296 -0.01459 0.01273 -0.02071 0.01412 C -0.02709 0.01713 -0.01862 0.01343 -0.02982 0.0162 C -0.03177 0.01667 -0.0336 0.01736 -0.03542 0.01852 C -0.03815 0.02014 -0.03972 0.02107 -0.04297 0.02176 C -0.05417 0.02454 -0.04922 0.02361 -0.05795 0.02454 C -0.06068 0.02546 -0.06342 0.02616 -0.06615 0.02685 C -0.07214 0.02824 -0.07826 0.0287 -0.08438 0.02963 C -0.08698 0.03009 -0.08959 0.03056 -0.09219 0.03079 C -0.09414 0.03102 -0.09597 0.03125 -0.09779 0.03125 L -0.14883 0.03171 C -0.15052 0.03218 -0.15222 0.03287 -0.15391 0.0331 L -0.16654 0.03472 L -0.21823 0.03403 C -0.24948 0.03171 -0.21901 0.03009 -0.23243 0.02894 C -0.23933 0.02847 -0.24636 0.02824 -0.25326 0.02778 C -0.25417 0.02708 -0.25508 0.02616 -0.25612 0.02546 C -0.25899 0.02407 -0.26498 0.02222 -0.26498 0.02245 C -0.26602 0.02153 -0.2668 0.02037 -0.26784 0.01991 C -0.26901 0.01945 -0.27019 0.01968 -0.27136 0.01945 C -0.27982 0.01713 -0.27045 0.01875 -0.28099 0.01759 C -0.28256 0.01713 -0.28399 0.01644 -0.28555 0.0162 C -0.29323 0.01528 -0.30886 0.01412 -0.30886 0.01435 C -0.31628 0.00926 -0.30886 0.01343 -0.31836 0.01042 C -0.32019 0.00972 -0.32201 0.00857 -0.32396 0.00787 C -0.32605 0.00695 -0.32826 0.00602 -0.33034 0.00532 C -0.33516 0.0037 -0.33946 0.00255 -0.34427 0.00046 C -0.34584 -0.00046 -0.3474 -0.00139 -0.34896 -0.00208 C -0.35209 -0.0037 -0.35534 -0.00509 -0.35847 -0.00648 C -0.36159 -0.0081 -0.36459 -0.00949 -0.36771 -0.01157 C -0.36888 -0.01227 -0.37214 -0.01481 -0.37318 -0.0162 C -0.37422 -0.01759 -0.37526 -0.01944 -0.37631 -0.02083 C -0.37761 -0.02268 -0.37904 -0.02407 -0.38034 -0.02569 C -0.3819 -0.02778 -0.38334 -0.03009 -0.3849 -0.03194 C -0.38737 -0.03518 -0.39167 -0.03981 -0.3944 -0.04236 C -0.39818 -0.04583 -0.39909 -0.04491 -0.40261 -0.05 C -0.41185 -0.06366 -0.40404 -0.05509 -0.40938 -0.06065 C -0.41081 -0.06458 -0.40847 -0.05856 -0.41042 -0.06204 C -0.4112 -0.06319 -0.41172 -0.06481 -0.41237 -0.06597 C -0.41355 -0.06805 -0.41472 -0.06968 -0.41589 -0.07153 C -0.41667 -0.07292 -0.41745 -0.0743 -0.41836 -0.07569 C -0.4194 -0.07708 -0.42058 -0.07824 -0.42149 -0.08009 C -0.42383 -0.08426 -0.42487 -0.08542 -0.42657 -0.09005 C -0.42787 -0.09329 -0.42891 -0.09676 -0.43021 -0.1 C -0.43672 -0.11458 -0.42865 -0.09606 -0.43347 -0.10764 C -0.43672 -0.11597 -0.43164 -0.10185 -0.43568 -0.11343 C -0.43581 -0.11435 -0.43581 -0.11551 -0.43594 -0.11643 C -0.43594 -0.11713 -0.4362 -0.11759 -0.4362 -0.11829 C -0.43633 -0.11921 -0.4362 -0.12037 -0.4362 -0.1213 " pathEditMode="relative" rAng="0" ptsTypes="AAAAAAAAAAAAAAAAAAAAAAAAAAAAAAAAAAAAAAAAAAAAAAAAAAAAA">
                                       <p:cBhvr>
-                                        <p:cTn id="20" dur="8000" fill="hold"/>
+                                        <p:cTn id="22" dur="8000" fill="hold"/>
                                         <p:tgtEl>
                                           <p:spTgt spid="64"/>
                                         </p:tgtEl>
@@ -27379,14 +29873,14 @@
                                 </p:cTn>
                               </p:par>
                               <p:par>
-                                <p:cTn id="21" presetID="0" presetClass="path" presetSubtype="0" repeatCount="indefinite" accel="50000" decel="50000" fill="hold" grpId="0" nodeType="withEffect">
+                                <p:cTn id="23" presetID="0" presetClass="path" presetSubtype="0" repeatCount="indefinite" accel="50000" decel="50000" fill="hold" grpId="0" nodeType="withEffect">
                                   <p:stCondLst>
                                     <p:cond delay="2000"/>
                                   </p:stCondLst>
                                   <p:childTnLst>
                                     <p:animMotion origin="layout" path="M 3.75E-6 4.07407E-6 L 3.75E-6 0.00046 C -0.00638 -0.00371 -0.0125 -0.00949 -0.01901 -0.01135 C -0.04193 -0.01829 -0.01016 -0.00811 -0.03034 -0.01644 C -0.03217 -0.01713 -0.03399 -0.01713 -0.03581 -0.0176 C -0.04414 -0.02014 -0.03659 -0.01852 -0.0448 -0.02269 C -0.04597 -0.02338 -0.0474 -0.02362 -0.04883 -0.02408 C -0.04987 -0.02431 -0.05092 -0.02477 -0.05183 -0.02524 C -0.05417 -0.02639 -0.05651 -0.02732 -0.05873 -0.02917 C -0.06081 -0.03056 -0.06289 -0.03241 -0.06498 -0.03334 C -0.07487 -0.03866 -0.06901 -0.03403 -0.0767 -0.03727 C -0.07813 -0.03797 -0.07956 -0.03959 -0.08112 -0.03982 C -0.08412 -0.04028 -0.12097 -0.04213 -0.12162 -0.04213 C -0.14089 -0.04862 -0.12318 -0.04352 -0.16276 -0.04676 C -0.18151 -0.04815 -0.17331 -0.04723 -0.18776 -0.04908 C -0.18985 -0.04977 -0.1918 -0.05093 -0.19388 -0.05116 C -0.22097 -0.05556 -0.19727 -0.05024 -0.21185 -0.05371 L -0.24883 -0.05301 C -0.25404 -0.05278 -0.25912 -0.05186 -0.26433 -0.05186 C -0.27188 -0.05186 -0.27956 -0.05255 -0.28724 -0.05301 C -0.28881 -0.05348 -0.29024 -0.05394 -0.29167 -0.05417 C -0.2961 -0.0551 -0.30039 -0.05533 -0.30482 -0.05602 L -0.31237 -0.05718 C -0.32084 -0.05695 -0.32943 -0.05718 -0.33802 -0.05602 C -0.33959 -0.05579 -0.34102 -0.05394 -0.34245 -0.05301 C -0.34414 -0.05209 -0.34571 -0.05093 -0.34727 -0.05047 C -0.35547 -0.04815 -0.36706 -0.04792 -0.37474 -0.04723 L -0.39362 -0.04537 C -0.39519 -0.04514 -0.39688 -0.04491 -0.39844 -0.04422 C -0.40118 -0.04306 -0.40026 -0.04167 -0.403 -0.04098 C -0.40521 -0.04028 -0.40612 -0.04028 -0.40756 -0.04028 " pathEditMode="relative" rAng="0" ptsTypes="AAAAAAAAAAAAAAAAAAAAAAAAAAAAAAA">
                                       <p:cBhvr>
-                                        <p:cTn id="22" dur="8000" fill="hold"/>
+                                        <p:cTn id="24" dur="8000" fill="hold"/>
                                         <p:tgtEl>
                                           <p:spTgt spid="65"/>
                                         </p:tgtEl>
@@ -27401,14 +29895,14 @@
                                 </p:cTn>
                               </p:par>
                               <p:par>
-                                <p:cTn id="23" presetID="0" presetClass="path" presetSubtype="0" repeatCount="indefinite" accel="50000" decel="50000" fill="hold" grpId="0" nodeType="withEffect">
+                                <p:cTn id="25" presetID="0" presetClass="path" presetSubtype="0" repeatCount="indefinite" accel="50000" decel="50000" fill="hold" grpId="0" nodeType="withEffect">
                                   <p:stCondLst>
                                     <p:cond delay="2000"/>
                                   </p:stCondLst>
                                   <p:childTnLst>
                                     <p:animMotion origin="layout" path="M 3.75E-6 7.40741E-7 L 3.75E-6 0.00023 C -0.00131 0.00139 -0.00404 0.00486 -0.00573 0.00625 C -0.0073 0.00764 -0.00886 0.00903 -0.01042 0.01042 C -0.01133 0.01111 -0.01211 0.01227 -0.01302 0.0125 C -0.01719 0.01296 -0.01459 0.01273 -0.02071 0.01412 C -0.02709 0.01713 -0.01862 0.01343 -0.02982 0.0162 C -0.03177 0.01667 -0.0336 0.01736 -0.03542 0.01852 C -0.03815 0.02014 -0.03972 0.02106 -0.04297 0.02176 C -0.05417 0.02454 -0.04922 0.02361 -0.05795 0.02454 C -0.06068 0.02546 -0.06342 0.02616 -0.06615 0.02685 C -0.07214 0.02824 -0.07826 0.0287 -0.08438 0.02963 C -0.08698 0.03009 -0.08959 0.03055 -0.09219 0.03079 C -0.09414 0.03102 -0.09597 0.03125 -0.09779 0.03125 L -0.14883 0.03171 C -0.15052 0.03218 -0.15222 0.03287 -0.15391 0.0331 L -0.16654 0.03472 L -0.21823 0.03403 C -0.24948 0.03171 -0.21901 0.03009 -0.23243 0.02893 C -0.23933 0.02847 -0.24636 0.02824 -0.25326 0.02778 C -0.25417 0.02708 -0.25508 0.02616 -0.25612 0.02546 C -0.25899 0.02407 -0.26498 0.02222 -0.26498 0.02245 C -0.26602 0.02153 -0.2668 0.02037 -0.26784 0.01991 C -0.26901 0.01944 -0.27019 0.01968 -0.27136 0.01944 C -0.27982 0.01713 -0.27045 0.01875 -0.28099 0.01759 C -0.28256 0.01713 -0.28399 0.01643 -0.28555 0.0162 C -0.29323 0.01528 -0.30886 0.01412 -0.30886 0.01435 C -0.31628 0.00926 -0.30886 0.01343 -0.31836 0.01042 C -0.32019 0.00972 -0.32201 0.00856 -0.32396 0.00787 C -0.32605 0.00694 -0.32826 0.00602 -0.33034 0.00532 C -0.33516 0.0037 -0.33946 0.00255 -0.34427 0.00046 C -0.34584 -0.00046 -0.3474 -0.00139 -0.34896 -0.00208 C -0.35209 -0.0037 -0.35534 -0.00509 -0.35847 -0.00648 C -0.36159 -0.0081 -0.36459 -0.00949 -0.36771 -0.01157 C -0.36888 -0.01227 -0.37214 -0.01482 -0.37318 -0.0162 C -0.37422 -0.01759 -0.37526 -0.01945 -0.37631 -0.02083 C -0.37761 -0.02269 -0.37904 -0.02407 -0.38034 -0.0257 C -0.3819 -0.02778 -0.38334 -0.03009 -0.3849 -0.03195 C -0.38737 -0.03519 -0.39167 -0.03982 -0.3944 -0.04236 C -0.39818 -0.04583 -0.39909 -0.04491 -0.40261 -0.05 C -0.41185 -0.06366 -0.40404 -0.05509 -0.40938 -0.06065 C -0.41081 -0.06458 -0.40847 -0.05857 -0.41042 -0.06204 C -0.4112 -0.0632 -0.41172 -0.06482 -0.41237 -0.06597 C -0.41355 -0.06806 -0.41472 -0.06968 -0.41589 -0.07153 C -0.41667 -0.07292 -0.41745 -0.07431 -0.41836 -0.0757 C -0.4194 -0.07708 -0.42058 -0.07824 -0.42149 -0.08009 C -0.42383 -0.08426 -0.42487 -0.08542 -0.42657 -0.09005 C -0.42787 -0.09329 -0.42891 -0.09676 -0.43021 -0.1 C -0.43672 -0.11458 -0.42865 -0.09607 -0.43347 -0.10764 C -0.43672 -0.11597 -0.43164 -0.10185 -0.43568 -0.11343 C -0.43581 -0.11435 -0.43581 -0.11551 -0.43594 -0.11644 C -0.43594 -0.11713 -0.4362 -0.11759 -0.4362 -0.11829 C -0.43633 -0.11921 -0.4362 -0.12037 -0.4362 -0.1213 " pathEditMode="relative" rAng="0" ptsTypes="AAAAAAAAAAAAAAAAAAAAAAAAAAAAAAAAAAAAAAAAAAAAAAAAAAAAA">
                                       <p:cBhvr>
-                                        <p:cTn id="24" dur="8000" fill="hold"/>
+                                        <p:cTn id="26" dur="8000" fill="hold"/>
                                         <p:tgtEl>
                                           <p:spTgt spid="66"/>
                                         </p:tgtEl>
@@ -27423,14 +29917,14 @@
                                 </p:cTn>
                               </p:par>
                               <p:par>
-                                <p:cTn id="25" presetID="0" presetClass="path" presetSubtype="0" repeatCount="indefinite" accel="50000" decel="50000" fill="hold" grpId="0" nodeType="withEffect">
+                                <p:cTn id="27" presetID="0" presetClass="path" presetSubtype="0" repeatCount="indefinite" accel="50000" decel="50000" fill="hold" grpId="0" nodeType="withEffect">
                                   <p:stCondLst>
                                     <p:cond delay="4000"/>
                                   </p:stCondLst>
                                   <p:childTnLst>
                                     <p:animMotion origin="layout" path="M 3.75E-6 4.07407E-6 L 3.75E-6 0.00046 C -0.00638 -0.00371 -0.0125 -0.00949 -0.01901 -0.01135 C -0.04193 -0.01829 -0.01016 -0.00811 -0.03034 -0.01644 C -0.03217 -0.01713 -0.03399 -0.01713 -0.03581 -0.0176 C -0.04414 -0.02014 -0.03659 -0.01852 -0.0448 -0.02269 C -0.04597 -0.02338 -0.0474 -0.02362 -0.04883 -0.02408 C -0.04987 -0.02431 -0.05092 -0.02477 -0.05183 -0.02524 C -0.05417 -0.02639 -0.05651 -0.02732 -0.05873 -0.02917 C -0.06081 -0.03056 -0.06289 -0.03241 -0.06498 -0.03334 C -0.07487 -0.03866 -0.06901 -0.03403 -0.0767 -0.03727 C -0.07813 -0.03797 -0.07956 -0.03959 -0.08112 -0.03982 C -0.08412 -0.04028 -0.12097 -0.04213 -0.12162 -0.04213 C -0.14089 -0.04862 -0.12318 -0.04352 -0.16276 -0.04676 C -0.18151 -0.04815 -0.17331 -0.04723 -0.18776 -0.04908 C -0.18985 -0.04977 -0.1918 -0.05093 -0.19388 -0.05116 C -0.22097 -0.05556 -0.19727 -0.05024 -0.21185 -0.05371 L -0.24883 -0.05301 C -0.25404 -0.05278 -0.25912 -0.05186 -0.26433 -0.05186 C -0.27188 -0.05186 -0.27956 -0.05255 -0.28724 -0.05301 C -0.28881 -0.05348 -0.29024 -0.05394 -0.29167 -0.05417 C -0.2961 -0.0551 -0.30039 -0.05533 -0.30482 -0.05602 L -0.31237 -0.05718 C -0.32084 -0.05695 -0.32943 -0.05718 -0.33802 -0.05602 C -0.33959 -0.05579 -0.34102 -0.05394 -0.34245 -0.05301 C -0.34414 -0.05209 -0.34571 -0.05093 -0.34727 -0.05047 C -0.35547 -0.04815 -0.36706 -0.04792 -0.37474 -0.04723 L -0.39362 -0.04537 C -0.39519 -0.04514 -0.39688 -0.04491 -0.39844 -0.04422 C -0.40118 -0.04306 -0.40026 -0.04167 -0.403 -0.04098 C -0.40521 -0.04028 -0.40612 -0.04028 -0.40756 -0.04028 " pathEditMode="relative" rAng="0" ptsTypes="AAAAAAAAAAAAAAAAAAAAAAAAAAAAAAA">
                                       <p:cBhvr>
-                                        <p:cTn id="26" dur="8000" fill="hold"/>
+                                        <p:cTn id="28" dur="8000" fill="hold"/>
                                         <p:tgtEl>
                                           <p:spTgt spid="67"/>
                                         </p:tgtEl>
@@ -27445,14 +29939,14 @@
                                 </p:cTn>
                               </p:par>
                               <p:par>
-                                <p:cTn id="27" presetID="0" presetClass="path" presetSubtype="0" repeatCount="indefinite" accel="50000" decel="50000" fill="hold" grpId="0" nodeType="withEffect">
+                                <p:cTn id="29" presetID="0" presetClass="path" presetSubtype="0" repeatCount="indefinite" accel="50000" decel="50000" fill="hold" grpId="0" nodeType="withEffect">
                                   <p:stCondLst>
                                     <p:cond delay="4000"/>
                                   </p:stCondLst>
                                   <p:childTnLst>
                                     <p:animMotion origin="layout" path="M 3.75E-6 7.40741E-7 L 3.75E-6 0.00023 C -0.00131 0.00139 -0.00404 0.00486 -0.00573 0.00625 C -0.0073 0.00764 -0.00886 0.00903 -0.01042 0.01042 C -0.01133 0.01111 -0.01211 0.01227 -0.01302 0.0125 C -0.01719 0.01296 -0.01459 0.01273 -0.02071 0.01412 C -0.02709 0.01713 -0.01862 0.01343 -0.02982 0.0162 C -0.03177 0.01667 -0.0336 0.01736 -0.03542 0.01852 C -0.03815 0.02014 -0.03972 0.02106 -0.04297 0.02176 C -0.05417 0.02454 -0.04922 0.02361 -0.05795 0.02454 C -0.06068 0.02546 -0.06342 0.02616 -0.06615 0.02685 C -0.07214 0.02824 -0.07826 0.0287 -0.08438 0.02963 C -0.08698 0.03009 -0.08959 0.03055 -0.09219 0.03079 C -0.09414 0.03102 -0.09597 0.03125 -0.09779 0.03125 L -0.14883 0.03171 C -0.15052 0.03218 -0.15222 0.03287 -0.15391 0.0331 L -0.16654 0.03472 L -0.21823 0.03403 C -0.24948 0.03171 -0.21901 0.03009 -0.23243 0.02893 C -0.23933 0.02847 -0.24636 0.02824 -0.25326 0.02778 C -0.25417 0.02708 -0.25508 0.02616 -0.25612 0.02546 C -0.25899 0.02407 -0.26498 0.02222 -0.26498 0.02245 C -0.26602 0.02153 -0.2668 0.02037 -0.26784 0.01991 C -0.26901 0.01944 -0.27019 0.01968 -0.27136 0.01944 C -0.27982 0.01713 -0.27045 0.01875 -0.28099 0.01759 C -0.28256 0.01713 -0.28399 0.01643 -0.28555 0.0162 C -0.29323 0.01528 -0.30886 0.01412 -0.30886 0.01435 C -0.31628 0.00926 -0.30886 0.01343 -0.31836 0.01042 C -0.32019 0.00972 -0.32201 0.00856 -0.32396 0.00787 C -0.32605 0.00694 -0.32826 0.00602 -0.33034 0.00532 C -0.33516 0.0037 -0.33946 0.00255 -0.34427 0.00046 C -0.34584 -0.00046 -0.3474 -0.00139 -0.34896 -0.00208 C -0.35209 -0.0037 -0.35534 -0.00509 -0.35847 -0.00648 C -0.36159 -0.0081 -0.36459 -0.00949 -0.36771 -0.01157 C -0.36888 -0.01227 -0.37214 -0.01482 -0.37318 -0.0162 C -0.37422 -0.01759 -0.37526 -0.01945 -0.37631 -0.02083 C -0.37761 -0.02269 -0.37904 -0.02407 -0.38034 -0.0257 C -0.3819 -0.02778 -0.38334 -0.03009 -0.3849 -0.03195 C -0.38737 -0.03519 -0.39167 -0.03982 -0.3944 -0.04236 C -0.39818 -0.04583 -0.39909 -0.04491 -0.40261 -0.05 C -0.41185 -0.06366 -0.40404 -0.05509 -0.40938 -0.06065 C -0.41081 -0.06458 -0.40847 -0.05857 -0.41042 -0.06204 C -0.4112 -0.0632 -0.41172 -0.06482 -0.41237 -0.06597 C -0.41355 -0.06806 -0.41472 -0.06968 -0.41589 -0.07153 C -0.41667 -0.07292 -0.41745 -0.07431 -0.41836 -0.0757 C -0.4194 -0.07708 -0.42058 -0.07824 -0.42149 -0.08009 C -0.42383 -0.08426 -0.42487 -0.08542 -0.42657 -0.09005 C -0.42787 -0.09329 -0.42891 -0.09676 -0.43021 -0.1 C -0.43672 -0.11458 -0.42865 -0.09607 -0.43347 -0.10764 C -0.43672 -0.11597 -0.43164 -0.10185 -0.43568 -0.11343 C -0.43581 -0.11435 -0.43581 -0.11551 -0.43594 -0.11644 C -0.43594 -0.11713 -0.4362 -0.11759 -0.4362 -0.11829 C -0.43633 -0.11921 -0.4362 -0.12037 -0.4362 -0.1213 " pathEditMode="relative" rAng="0" ptsTypes="AAAAAAAAAAAAAAAAAAAAAAAAAAAAAAAAAAAAAAAAAAAAAAAAAAAAA">
                                       <p:cBhvr>
-                                        <p:cTn id="28" dur="8000" fill="hold"/>
+                                        <p:cTn id="30" dur="8000" fill="hold"/>
                                         <p:tgtEl>
                                           <p:spTgt spid="68"/>
                                         </p:tgtEl>
@@ -27467,14 +29961,14 @@
                                 </p:cTn>
                               </p:par>
                               <p:par>
-                                <p:cTn id="29" presetID="0" presetClass="path" presetSubtype="0" repeatCount="indefinite" accel="50000" decel="50000" fill="hold" grpId="0" nodeType="withEffect">
+                                <p:cTn id="31" presetID="0" presetClass="path" presetSubtype="0" repeatCount="indefinite" accel="50000" decel="50000" fill="hold" grpId="0" nodeType="withEffect">
                                   <p:stCondLst>
                                     <p:cond delay="6000"/>
                                   </p:stCondLst>
                                   <p:childTnLst>
                                     <p:animMotion origin="layout" path="M 3.75E-6 4.07407E-6 L 3.75E-6 0.00046 C -0.00638 -0.00371 -0.0125 -0.00949 -0.01901 -0.01135 C -0.04193 -0.01829 -0.01016 -0.00811 -0.03034 -0.01644 C -0.03217 -0.01713 -0.03399 -0.01713 -0.03581 -0.0176 C -0.04414 -0.02014 -0.03659 -0.01852 -0.0448 -0.02269 C -0.04597 -0.02338 -0.0474 -0.02362 -0.04883 -0.02408 C -0.04987 -0.02431 -0.05092 -0.02477 -0.05183 -0.02524 C -0.05417 -0.02639 -0.05651 -0.02732 -0.05873 -0.02917 C -0.06081 -0.03056 -0.06289 -0.03241 -0.06498 -0.03334 C -0.07487 -0.03866 -0.06901 -0.03403 -0.0767 -0.03727 C -0.07813 -0.03797 -0.07956 -0.03959 -0.08112 -0.03982 C -0.08412 -0.04028 -0.12097 -0.04213 -0.12162 -0.04213 C -0.14089 -0.04862 -0.12318 -0.04352 -0.16276 -0.04676 C -0.18151 -0.04815 -0.17331 -0.04723 -0.18776 -0.04908 C -0.18985 -0.04977 -0.1918 -0.05093 -0.19388 -0.05116 C -0.22097 -0.05556 -0.19727 -0.05024 -0.21185 -0.05371 L -0.24883 -0.05301 C -0.25404 -0.05278 -0.25912 -0.05186 -0.26433 -0.05186 C -0.27188 -0.05186 -0.27956 -0.05255 -0.28724 -0.05301 C -0.28881 -0.05348 -0.29024 -0.05394 -0.29167 -0.05417 C -0.2961 -0.0551 -0.30039 -0.05533 -0.30482 -0.05602 L -0.31237 -0.05718 C -0.32084 -0.05695 -0.32943 -0.05718 -0.33802 -0.05602 C -0.33959 -0.05579 -0.34102 -0.05394 -0.34245 -0.05301 C -0.34414 -0.05209 -0.34571 -0.05093 -0.34727 -0.05047 C -0.35547 -0.04815 -0.36706 -0.04792 -0.37474 -0.04723 L -0.39362 -0.04537 C -0.39519 -0.04514 -0.39688 -0.04491 -0.39844 -0.04422 C -0.40118 -0.04306 -0.40026 -0.04167 -0.403 -0.04098 C -0.40521 -0.04028 -0.40612 -0.04028 -0.40756 -0.04028 " pathEditMode="relative" rAng="0" ptsTypes="AAAAAAAAAAAAAAAAAAAAAAAAAAAAAAA">
                                       <p:cBhvr>
-                                        <p:cTn id="30" dur="8000" fill="hold"/>
+                                        <p:cTn id="32" dur="8000" fill="hold"/>
                                         <p:tgtEl>
                                           <p:spTgt spid="69"/>
                                         </p:tgtEl>
@@ -27489,14 +29983,14 @@
                                 </p:cTn>
                               </p:par>
                               <p:par>
-                                <p:cTn id="31" presetID="0" presetClass="path" presetSubtype="0" repeatCount="indefinite" accel="50000" decel="50000" fill="hold" grpId="0" nodeType="withEffect">
+                                <p:cTn id="33" presetID="0" presetClass="path" presetSubtype="0" repeatCount="indefinite" accel="50000" decel="50000" fill="hold" grpId="0" nodeType="withEffect">
                                   <p:stCondLst>
                                     <p:cond delay="6000"/>
                                   </p:stCondLst>
                                   <p:childTnLst>
                                     <p:animMotion origin="layout" path="M 3.75E-6 7.40741E-7 L 3.75E-6 0.00023 C -0.00131 0.00139 -0.00404 0.00486 -0.00573 0.00625 C -0.0073 0.00764 -0.00886 0.00903 -0.01042 0.01042 C -0.01133 0.01111 -0.01211 0.01227 -0.01302 0.0125 C -0.01719 0.01296 -0.01459 0.01273 -0.02071 0.01412 C -0.02709 0.01713 -0.01862 0.01343 -0.02982 0.0162 C -0.03177 0.01667 -0.0336 0.01736 -0.03542 0.01852 C -0.03815 0.02014 -0.03972 0.02106 -0.04297 0.02176 C -0.05417 0.02454 -0.04922 0.02361 -0.05795 0.02454 C -0.06068 0.02546 -0.06342 0.02616 -0.06615 0.02685 C -0.07214 0.02824 -0.07826 0.0287 -0.08438 0.02963 C -0.08698 0.03009 -0.08959 0.03055 -0.09219 0.03079 C -0.09414 0.03102 -0.09597 0.03125 -0.09779 0.03125 L -0.14883 0.03171 C -0.15052 0.03218 -0.15222 0.03287 -0.15391 0.0331 L -0.16654 0.03472 L -0.21823 0.03403 C -0.24948 0.03171 -0.21901 0.03009 -0.23243 0.02893 C -0.23933 0.02847 -0.24636 0.02824 -0.25326 0.02778 C -0.25417 0.02708 -0.25508 0.02616 -0.25612 0.02546 C -0.25899 0.02407 -0.26498 0.02222 -0.26498 0.02245 C -0.26602 0.02153 -0.2668 0.02037 -0.26784 0.01991 C -0.26901 0.01944 -0.27019 0.01968 -0.27136 0.01944 C -0.27982 0.01713 -0.27045 0.01875 -0.28099 0.01759 C -0.28256 0.01713 -0.28399 0.01643 -0.28555 0.0162 C -0.29323 0.01528 -0.30886 0.01412 -0.30886 0.01435 C -0.31628 0.00926 -0.30886 0.01343 -0.31836 0.01042 C -0.32019 0.00972 -0.32201 0.00856 -0.32396 0.00787 C -0.32605 0.00694 -0.32826 0.00602 -0.33034 0.00532 C -0.33516 0.0037 -0.33946 0.00255 -0.34427 0.00046 C -0.34584 -0.00046 -0.3474 -0.00139 -0.34896 -0.00208 C -0.35209 -0.0037 -0.35534 -0.00509 -0.35847 -0.00648 C -0.36159 -0.0081 -0.36459 -0.00949 -0.36771 -0.01157 C -0.36888 -0.01227 -0.37214 -0.01482 -0.37318 -0.0162 C -0.37422 -0.01759 -0.37526 -0.01945 -0.37631 -0.02083 C -0.37761 -0.02269 -0.37904 -0.02407 -0.38034 -0.0257 C -0.3819 -0.02778 -0.38334 -0.03009 -0.3849 -0.03195 C -0.38737 -0.03519 -0.39167 -0.03982 -0.3944 -0.04236 C -0.39818 -0.04583 -0.39909 -0.04491 -0.40261 -0.05 C -0.41185 -0.06366 -0.40404 -0.05509 -0.40938 -0.06065 C -0.41081 -0.06458 -0.40847 -0.05857 -0.41042 -0.06204 C -0.4112 -0.0632 -0.41172 -0.06482 -0.41237 -0.06597 C -0.41355 -0.06806 -0.41472 -0.06968 -0.41589 -0.07153 C -0.41667 -0.07292 -0.41745 -0.07431 -0.41836 -0.0757 C -0.4194 -0.07708 -0.42058 -0.07824 -0.42149 -0.08009 C -0.42383 -0.08426 -0.42487 -0.08542 -0.42657 -0.09005 C -0.42787 -0.09329 -0.42891 -0.09676 -0.43021 -0.1 C -0.43672 -0.11458 -0.42865 -0.09607 -0.43347 -0.10764 C -0.43672 -0.11597 -0.43164 -0.10185 -0.43568 -0.11343 C -0.43581 -0.11435 -0.43581 -0.11551 -0.43594 -0.11644 C -0.43594 -0.11713 -0.4362 -0.11759 -0.4362 -0.11829 C -0.43633 -0.11921 -0.4362 -0.12037 -0.4362 -0.1213 " pathEditMode="relative" rAng="0" ptsTypes="AAAAAAAAAAAAAAAAAAAAAAAAAAAAAAAAAAAAAAAAAAAAAAAAAAAAA">
                                       <p:cBhvr>
-                                        <p:cTn id="32" dur="8000" fill="hold"/>
+                                        <p:cTn id="34" dur="8000" fill="hold"/>
                                         <p:tgtEl>
                                           <p:spTgt spid="70"/>
                                         </p:tgtEl>
@@ -27550,12 +30044,13 @@
       <p:bldP spid="68" grpId="0" animBg="1"/>
       <p:bldP spid="69" grpId="0" animBg="1"/>
       <p:bldP spid="70" grpId="0" animBg="1"/>
+      <p:bldP spid="72" grpId="0" animBg="1"/>
     </p:bldLst>
   </p:timing>
 </p:sld>
 </file>
 
-<file path=ppt/slides/slide29.xml><?xml version="1.0" encoding="utf-8"?>
+<file path=ppt/slides/slide37.xml><?xml version="1.0" encoding="utf-8"?>
 <p:sld xmlns:a="http://schemas.openxmlformats.org/drawingml/2006/main" xmlns:r="http://schemas.openxmlformats.org/officeDocument/2006/relationships" xmlns:p="http://schemas.openxmlformats.org/presentationml/2006/main">
   <p:cSld>
     <p:spTree>
@@ -27563,7 +30058,7 @@
         <p:cNvPr id="1" name="">
           <a:extLst>
             <a:ext uri="{FF2B5EF4-FFF2-40B4-BE49-F238E27FC236}">
-              <a16:creationId xmlns:a16="http://schemas.microsoft.com/office/drawing/2014/main" id="{FCA81726-9AD6-1BBF-6266-1DF5B69C0186}"/>
+              <a16:creationId xmlns:a16="http://schemas.microsoft.com/office/drawing/2014/main" id="{175372F8-F156-B8AF-475E-DFE7461DA4FC}"/>
             </a:ext>
           </a:extLst>
         </p:cNvPr>
@@ -27578,105 +30073,46 @@
           <a:chExt cx="0" cy="0"/>
         </a:xfrm>
       </p:grpSpPr>
-      <p:sp>
-        <p:nvSpPr>
-          <p:cNvPr id="2" name="Title 1">
+      <p:pic>
+        <p:nvPicPr>
+          <p:cNvPr id="5" name="Picture 4">
             <a:extLst>
               <a:ext uri="{FF2B5EF4-FFF2-40B4-BE49-F238E27FC236}">
-                <a16:creationId xmlns:a16="http://schemas.microsoft.com/office/drawing/2014/main" id="{9D9415F1-7060-0BE0-BE36-18430009B032}"/>
+                <a16:creationId xmlns:a16="http://schemas.microsoft.com/office/drawing/2014/main" id="{E75D1D12-0BF5-AF7E-490B-3449306020CB}"/>
               </a:ext>
             </a:extLst>
           </p:cNvPr>
-          <p:cNvSpPr>
-            <a:spLocks noGrp="1"/>
-          </p:cNvSpPr>
-          <p:nvPr>
-            <p:ph type="title"/>
-          </p:nvPr>
-        </p:nvSpPr>
+          <p:cNvPicPr>
+            <a:picLocks noChangeAspect="1"/>
+          </p:cNvPicPr>
+          <p:nvPr/>
+        </p:nvPicPr>
+        <p:blipFill>
+          <a:blip r:embed="rId2">
+            <a:extLst>
+              <a:ext uri="{28A0092B-C50C-407E-A947-70E740481C1C}">
+                <a14:useLocalDpi xmlns:a14="http://schemas.microsoft.com/office/drawing/2010/main" val="0"/>
+              </a:ext>
+            </a:extLst>
+          </a:blip>
+          <a:stretch>
+            <a:fillRect/>
+          </a:stretch>
+        </p:blipFill>
         <p:spPr>
           <a:xfrm>
-            <a:off x="838200" y="365126"/>
-            <a:ext cx="10515600" cy="856964"/>
+            <a:off x="0" y="-16149"/>
+            <a:ext cx="12192000" cy="6890298"/>
           </a:xfrm>
+          <a:prstGeom prst="rect">
+            <a:avLst/>
+          </a:prstGeom>
         </p:spPr>
-        <p:txBody>
-          <a:bodyPr/>
-          <a:lstStyle/>
-          <a:p>
-            <a:r>
-              <a:rPr lang="en-GB" dirty="0">
-                <a:latin typeface="Arial Black" panose="020B0A04020102020204" pitchFamily="34" charset="0"/>
-              </a:rPr>
-              <a:t>What is BBG used for?</a:t>
-            </a:r>
-          </a:p>
-        </p:txBody>
-      </p:sp>
-      <p:sp>
-        <p:nvSpPr>
-          <p:cNvPr id="6" name="Content Placeholder 5">
-            <a:extLst>
-              <a:ext uri="{FF2B5EF4-FFF2-40B4-BE49-F238E27FC236}">
-                <a16:creationId xmlns:a16="http://schemas.microsoft.com/office/drawing/2014/main" id="{6A2151AF-0E81-5F13-0A5E-48C9E5A8CF4E}"/>
-              </a:ext>
-            </a:extLst>
-          </p:cNvPr>
-          <p:cNvSpPr>
-            <a:spLocks noGrp="1"/>
-          </p:cNvSpPr>
-          <p:nvPr>
-            <p:ph idx="1"/>
-          </p:nvPr>
-        </p:nvSpPr>
-        <p:spPr>
-          <a:xfrm>
-            <a:off x="838200" y="1274093"/>
-            <a:ext cx="10515600" cy="4902870"/>
-          </a:xfrm>
-        </p:spPr>
-        <p:txBody>
-          <a:bodyPr>
-            <a:normAutofit/>
-          </a:bodyPr>
-          <a:lstStyle/>
-          <a:p>
-            <a:r>
-              <a:rPr lang="en-GB" dirty="0"/>
-              <a:t>IB / News</a:t>
-            </a:r>
-          </a:p>
-          <a:p>
-            <a:r>
-              <a:rPr lang="en-GB" dirty="0"/>
-              <a:t>Graphs</a:t>
-            </a:r>
-          </a:p>
-          <a:p>
-            <a:r>
-              <a:rPr lang="en-GB" dirty="0"/>
-              <a:t>Trade Amendments (claw-back / price adjustment)</a:t>
-            </a:r>
-          </a:p>
-          <a:p>
-            <a:r>
-              <a:rPr lang="en-GB" dirty="0"/>
-              <a:t>EFP</a:t>
-            </a:r>
-          </a:p>
-          <a:p>
-            <a:r>
-              <a:rPr lang="en-GB" dirty="0" err="1"/>
-              <a:t>BQuant</a:t>
-            </a:r>
-            <a:endParaRPr lang="en-GB" dirty="0"/>
-          </a:p>
-        </p:txBody>
-      </p:sp>
+      </p:pic>
     </p:spTree>
     <p:extLst>
       <p:ext uri="{BB962C8B-B14F-4D97-AF65-F5344CB8AC3E}">
-        <p14:creationId xmlns:p14="http://schemas.microsoft.com/office/powerpoint/2010/main" val="3023984370"/>
+        <p14:creationId xmlns:p14="http://schemas.microsoft.com/office/powerpoint/2010/main" val="1381671969"/>
       </p:ext>
     </p:extLst>
   </p:cSld>
@@ -27686,124 +30122,7 @@
 </p:sld>
 </file>
 
-<file path=ppt/slides/slide3.xml><?xml version="1.0" encoding="utf-8"?>
-<p:sld xmlns:a="http://schemas.openxmlformats.org/drawingml/2006/main" xmlns:r="http://schemas.openxmlformats.org/officeDocument/2006/relationships" xmlns:p="http://schemas.openxmlformats.org/presentationml/2006/main">
-  <p:cSld>
-    <p:spTree>
-      <p:nvGrpSpPr>
-        <p:cNvPr id="1" name="">
-          <a:extLst>
-            <a:ext uri="{FF2B5EF4-FFF2-40B4-BE49-F238E27FC236}">
-              <a16:creationId xmlns:a16="http://schemas.microsoft.com/office/drawing/2014/main" id="{CCAAE5AE-FF1A-2852-DD58-747FA8DE0E47}"/>
-            </a:ext>
-          </a:extLst>
-        </p:cNvPr>
-        <p:cNvGrpSpPr/>
-        <p:nvPr/>
-      </p:nvGrpSpPr>
-      <p:grpSpPr>
-        <a:xfrm>
-          <a:off x="0" y="0"/>
-          <a:ext cx="0" cy="0"/>
-          <a:chOff x="0" y="0"/>
-          <a:chExt cx="0" cy="0"/>
-        </a:xfrm>
-      </p:grpSpPr>
-      <p:sp>
-        <p:nvSpPr>
-          <p:cNvPr id="2" name="Title 1">
-            <a:extLst>
-              <a:ext uri="{FF2B5EF4-FFF2-40B4-BE49-F238E27FC236}">
-                <a16:creationId xmlns:a16="http://schemas.microsoft.com/office/drawing/2014/main" id="{E3190050-5F95-EE6B-7D76-D4ED7A1FDEBA}"/>
-              </a:ext>
-            </a:extLst>
-          </p:cNvPr>
-          <p:cNvSpPr>
-            <a:spLocks noGrp="1"/>
-          </p:cNvSpPr>
-          <p:nvPr>
-            <p:ph type="title"/>
-          </p:nvPr>
-        </p:nvSpPr>
-        <p:spPr>
-          <a:xfrm>
-            <a:off x="838200" y="365126"/>
-            <a:ext cx="10515600" cy="856964"/>
-          </a:xfrm>
-        </p:spPr>
-        <p:txBody>
-          <a:bodyPr/>
-          <a:lstStyle/>
-          <a:p>
-            <a:r>
-              <a:rPr lang="en-GB" dirty="0">
-                <a:latin typeface="Arial Black" panose="020B0A04020102020204" pitchFamily="34" charset="0"/>
-              </a:rPr>
-              <a:t>Intro – List of Keywords</a:t>
-            </a:r>
-          </a:p>
-        </p:txBody>
-      </p:sp>
-      <p:sp>
-        <p:nvSpPr>
-          <p:cNvPr id="6" name="Content Placeholder 5">
-            <a:extLst>
-              <a:ext uri="{FF2B5EF4-FFF2-40B4-BE49-F238E27FC236}">
-                <a16:creationId xmlns:a16="http://schemas.microsoft.com/office/drawing/2014/main" id="{2FDBA969-20BC-F467-DFD3-43EA5986F733}"/>
-              </a:ext>
-            </a:extLst>
-          </p:cNvPr>
-          <p:cNvSpPr>
-            <a:spLocks noGrp="1"/>
-          </p:cNvSpPr>
-          <p:nvPr>
-            <p:ph idx="1"/>
-          </p:nvPr>
-        </p:nvSpPr>
-        <p:spPr>
-          <a:xfrm>
-            <a:off x="838200" y="1274093"/>
-            <a:ext cx="10515600" cy="4902870"/>
-          </a:xfrm>
-        </p:spPr>
-        <p:txBody>
-          <a:bodyPr/>
-          <a:lstStyle/>
-          <a:p>
-            <a:r>
-              <a:rPr lang="en-GB" dirty="0" err="1"/>
-              <a:t>Bilteral</a:t>
-            </a:r>
-            <a:r>
-              <a:rPr lang="en-GB" dirty="0"/>
-              <a:t> / Multilateral / Credit Agreements / Limits</a:t>
-            </a:r>
-          </a:p>
-          <a:p>
-            <a:r>
-              <a:rPr lang="en-GB" dirty="0"/>
-              <a:t>ECN / Brokers</a:t>
-            </a:r>
-          </a:p>
-          <a:p>
-            <a:endParaRPr lang="en-GB" dirty="0"/>
-          </a:p>
-        </p:txBody>
-      </p:sp>
-    </p:spTree>
-    <p:extLst>
-      <p:ext uri="{BB962C8B-B14F-4D97-AF65-F5344CB8AC3E}">
-        <p14:creationId xmlns:p14="http://schemas.microsoft.com/office/powerpoint/2010/main" val="492423098"/>
-      </p:ext>
-    </p:extLst>
-  </p:cSld>
-  <p:clrMapOvr>
-    <a:masterClrMapping/>
-  </p:clrMapOvr>
-</p:sld>
-</file>
-
-<file path=ppt/slides/slide30.xml><?xml version="1.0" encoding="utf-8"?>
+<file path=ppt/slides/slide38.xml><?xml version="1.0" encoding="utf-8"?>
 <p:sld xmlns:a="http://schemas.openxmlformats.org/drawingml/2006/main" xmlns:r="http://schemas.openxmlformats.org/officeDocument/2006/relationships" xmlns:p="http://schemas.openxmlformats.org/presentationml/2006/main">
   <p:cSld>
     <p:spTree>
@@ -27961,6 +30280,365 @@
 </file>
 
 <file path=ppt/slides/slide4.xml><?xml version="1.0" encoding="utf-8"?>
+<p:sld xmlns:a="http://schemas.openxmlformats.org/drawingml/2006/main" xmlns:r="http://schemas.openxmlformats.org/officeDocument/2006/relationships" xmlns:p="http://schemas.openxmlformats.org/presentationml/2006/main">
+  <p:cSld>
+    <p:spTree>
+      <p:nvGrpSpPr>
+        <p:cNvPr id="1" name="">
+          <a:extLst>
+            <a:ext uri="{FF2B5EF4-FFF2-40B4-BE49-F238E27FC236}">
+              <a16:creationId xmlns:a16="http://schemas.microsoft.com/office/drawing/2014/main" id="{CCAAE5AE-FF1A-2852-DD58-747FA8DE0E47}"/>
+            </a:ext>
+          </a:extLst>
+        </p:cNvPr>
+        <p:cNvGrpSpPr/>
+        <p:nvPr/>
+      </p:nvGrpSpPr>
+      <p:grpSpPr>
+        <a:xfrm>
+          <a:off x="0" y="0"/>
+          <a:ext cx="0" cy="0"/>
+          <a:chOff x="0" y="0"/>
+          <a:chExt cx="0" cy="0"/>
+        </a:xfrm>
+      </p:grpSpPr>
+      <p:sp>
+        <p:nvSpPr>
+          <p:cNvPr id="2" name="Title 1">
+            <a:extLst>
+              <a:ext uri="{FF2B5EF4-FFF2-40B4-BE49-F238E27FC236}">
+                <a16:creationId xmlns:a16="http://schemas.microsoft.com/office/drawing/2014/main" id="{E3190050-5F95-EE6B-7D76-D4ED7A1FDEBA}"/>
+              </a:ext>
+            </a:extLst>
+          </p:cNvPr>
+          <p:cNvSpPr>
+            <a:spLocks noGrp="1"/>
+          </p:cNvSpPr>
+          <p:nvPr>
+            <p:ph type="title"/>
+          </p:nvPr>
+        </p:nvSpPr>
+        <p:spPr>
+          <a:xfrm>
+            <a:off x="838200" y="365126"/>
+            <a:ext cx="10515600" cy="856964"/>
+          </a:xfrm>
+        </p:spPr>
+        <p:txBody>
+          <a:bodyPr>
+            <a:normAutofit/>
+          </a:bodyPr>
+          <a:lstStyle/>
+          <a:p>
+            <a:r>
+              <a:rPr lang="en-GB" dirty="0">
+                <a:latin typeface="Arial Black" panose="020B0A04020102020204" pitchFamily="34" charset="0"/>
+              </a:rPr>
+              <a:t>Assumed Knowledge</a:t>
+            </a:r>
+          </a:p>
+        </p:txBody>
+      </p:sp>
+      <p:sp>
+        <p:nvSpPr>
+          <p:cNvPr id="6" name="Content Placeholder 5">
+            <a:extLst>
+              <a:ext uri="{FF2B5EF4-FFF2-40B4-BE49-F238E27FC236}">
+                <a16:creationId xmlns:a16="http://schemas.microsoft.com/office/drawing/2014/main" id="{2FDBA969-20BC-F467-DFD3-43EA5986F733}"/>
+              </a:ext>
+            </a:extLst>
+          </p:cNvPr>
+          <p:cNvSpPr>
+            <a:spLocks noGrp="1"/>
+          </p:cNvSpPr>
+          <p:nvPr>
+            <p:ph idx="1"/>
+          </p:nvPr>
+        </p:nvSpPr>
+        <p:spPr>
+          <a:xfrm>
+            <a:off x="838200" y="1274093"/>
+            <a:ext cx="10515600" cy="4902870"/>
+          </a:xfrm>
+        </p:spPr>
+        <p:txBody>
+          <a:bodyPr/>
+          <a:lstStyle/>
+          <a:p>
+            <a:r>
+              <a:rPr lang="en-GB" dirty="0"/>
+              <a:t>Currency Pair / Futures / Forwards / Options</a:t>
+            </a:r>
+          </a:p>
+          <a:p>
+            <a:r>
+              <a:rPr lang="en-GB" dirty="0"/>
+              <a:t>Orderbook / Price Ladder</a:t>
+            </a:r>
+          </a:p>
+          <a:p>
+            <a:r>
+              <a:rPr lang="en-GB" dirty="0"/>
+              <a:t>ECN / Data </a:t>
+            </a:r>
+            <a:r>
+              <a:rPr lang="en-GB" dirty="0" err="1"/>
+              <a:t>Center</a:t>
+            </a:r>
+            <a:r>
+              <a:rPr lang="en-GB" dirty="0"/>
+              <a:t> / Brokers</a:t>
+            </a:r>
+          </a:p>
+          <a:p>
+            <a:r>
+              <a:rPr lang="en-GB" dirty="0"/>
+              <a:t>Bilateral / Multilateral / Credit Agreements / Limits</a:t>
+            </a:r>
+          </a:p>
+          <a:p>
+            <a:endParaRPr lang="en-GB" dirty="0"/>
+          </a:p>
+          <a:p>
+            <a:endParaRPr lang="en-GB" dirty="0"/>
+          </a:p>
+          <a:p>
+            <a:endParaRPr lang="en-GB" dirty="0"/>
+          </a:p>
+        </p:txBody>
+      </p:sp>
+    </p:spTree>
+    <p:extLst>
+      <p:ext uri="{BB962C8B-B14F-4D97-AF65-F5344CB8AC3E}">
+        <p14:creationId xmlns:p14="http://schemas.microsoft.com/office/powerpoint/2010/main" val="492423098"/>
+      </p:ext>
+    </p:extLst>
+  </p:cSld>
+  <p:clrMapOvr>
+    <a:masterClrMapping/>
+  </p:clrMapOvr>
+</p:sld>
+</file>
+
+<file path=ppt/slides/slide5.xml><?xml version="1.0" encoding="utf-8"?>
+<p:sld xmlns:a="http://schemas.openxmlformats.org/drawingml/2006/main" xmlns:r="http://schemas.openxmlformats.org/officeDocument/2006/relationships" xmlns:p="http://schemas.openxmlformats.org/presentationml/2006/main">
+  <p:cSld>
+    <p:spTree>
+      <p:nvGrpSpPr>
+        <p:cNvPr id="1" name="">
+          <a:extLst>
+            <a:ext uri="{FF2B5EF4-FFF2-40B4-BE49-F238E27FC236}">
+              <a16:creationId xmlns:a16="http://schemas.microsoft.com/office/drawing/2014/main" id="{C7CDA5D2-ED4E-62D6-4163-865436F8F415}"/>
+            </a:ext>
+          </a:extLst>
+        </p:cNvPr>
+        <p:cNvGrpSpPr/>
+        <p:nvPr/>
+      </p:nvGrpSpPr>
+      <p:grpSpPr>
+        <a:xfrm>
+          <a:off x="0" y="0"/>
+          <a:ext cx="0" cy="0"/>
+          <a:chOff x="0" y="0"/>
+          <a:chExt cx="0" cy="0"/>
+        </a:xfrm>
+      </p:grpSpPr>
+      <p:sp>
+        <p:nvSpPr>
+          <p:cNvPr id="2" name="Title 1">
+            <a:extLst>
+              <a:ext uri="{FF2B5EF4-FFF2-40B4-BE49-F238E27FC236}">
+                <a16:creationId xmlns:a16="http://schemas.microsoft.com/office/drawing/2014/main" id="{B208A2D8-06DA-0A00-EA3E-36CBDFA05989}"/>
+              </a:ext>
+            </a:extLst>
+          </p:cNvPr>
+          <p:cNvSpPr>
+            <a:spLocks noGrp="1"/>
+          </p:cNvSpPr>
+          <p:nvPr>
+            <p:ph type="title"/>
+          </p:nvPr>
+        </p:nvSpPr>
+        <p:spPr>
+          <a:xfrm>
+            <a:off x="838200" y="365126"/>
+            <a:ext cx="10515600" cy="856964"/>
+          </a:xfrm>
+        </p:spPr>
+        <p:txBody>
+          <a:bodyPr/>
+          <a:lstStyle/>
+          <a:p>
+            <a:r>
+              <a:rPr lang="en-GB" dirty="0">
+                <a:latin typeface="Arial Black" panose="020B0A04020102020204" pitchFamily="34" charset="0"/>
+              </a:rPr>
+              <a:t>Table of Contents</a:t>
+            </a:r>
+          </a:p>
+        </p:txBody>
+      </p:sp>
+      <p:sp>
+        <p:nvSpPr>
+          <p:cNvPr id="6" name="Content Placeholder 5">
+            <a:extLst>
+              <a:ext uri="{FF2B5EF4-FFF2-40B4-BE49-F238E27FC236}">
+                <a16:creationId xmlns:a16="http://schemas.microsoft.com/office/drawing/2014/main" id="{C329D6A5-C0E7-52D9-4455-A453ED18B713}"/>
+              </a:ext>
+            </a:extLst>
+          </p:cNvPr>
+          <p:cNvSpPr>
+            <a:spLocks noGrp="1"/>
+          </p:cNvSpPr>
+          <p:nvPr>
+            <p:ph idx="1"/>
+          </p:nvPr>
+        </p:nvSpPr>
+        <p:spPr>
+          <a:xfrm>
+            <a:off x="838200" y="1274093"/>
+            <a:ext cx="10515600" cy="4902870"/>
+          </a:xfrm>
+        </p:spPr>
+        <p:txBody>
+          <a:bodyPr/>
+          <a:lstStyle/>
+          <a:p>
+            <a:r>
+              <a:rPr lang="en-GB" dirty="0"/>
+              <a:t>Where can I trade FX?</a:t>
+            </a:r>
+          </a:p>
+          <a:p>
+            <a:r>
+              <a:rPr lang="en-GB" dirty="0"/>
+              <a:t>Where do the machines live?</a:t>
+            </a:r>
+          </a:p>
+          <a:p>
+            <a:r>
+              <a:rPr lang="en-GB" dirty="0"/>
+              <a:t>What do the prices look like?</a:t>
+            </a:r>
+          </a:p>
+          <a:p>
+            <a:r>
+              <a:rPr lang="en-GB" dirty="0"/>
+              <a:t>Who does What and When?</a:t>
+            </a:r>
+          </a:p>
+          <a:p>
+            <a:r>
+              <a:rPr lang="en-GB" dirty="0"/>
+              <a:t>Curiouser and Curiouser</a:t>
+            </a:r>
+          </a:p>
+          <a:p>
+            <a:r>
+              <a:rPr lang="en-GB" dirty="0"/>
+              <a:t>Need for Speed</a:t>
+            </a:r>
+          </a:p>
+          <a:p>
+            <a:r>
+              <a:rPr lang="en-GB" dirty="0"/>
+              <a:t>Outro</a:t>
+            </a:r>
+          </a:p>
+          <a:p>
+            <a:endParaRPr lang="en-GB" dirty="0"/>
+          </a:p>
+          <a:p>
+            <a:endParaRPr lang="en-GB" dirty="0"/>
+          </a:p>
+        </p:txBody>
+      </p:sp>
+    </p:spTree>
+    <p:extLst>
+      <p:ext uri="{BB962C8B-B14F-4D97-AF65-F5344CB8AC3E}">
+        <p14:creationId xmlns:p14="http://schemas.microsoft.com/office/powerpoint/2010/main" val="771676444"/>
+      </p:ext>
+    </p:extLst>
+  </p:cSld>
+  <p:clrMapOvr>
+    <a:masterClrMapping/>
+  </p:clrMapOvr>
+</p:sld>
+</file>
+
+<file path=ppt/slides/slide6.xml><?xml version="1.0" encoding="utf-8"?>
+<p:sld xmlns:a="http://schemas.openxmlformats.org/drawingml/2006/main" xmlns:r="http://schemas.openxmlformats.org/officeDocument/2006/relationships" xmlns:p="http://schemas.openxmlformats.org/presentationml/2006/main">
+  <p:cSld>
+    <p:spTree>
+      <p:nvGrpSpPr>
+        <p:cNvPr id="1" name="">
+          <a:extLst>
+            <a:ext uri="{FF2B5EF4-FFF2-40B4-BE49-F238E27FC236}">
+              <a16:creationId xmlns:a16="http://schemas.microsoft.com/office/drawing/2014/main" id="{FA45F392-176A-D956-0882-3DE96FB16464}"/>
+            </a:ext>
+          </a:extLst>
+        </p:cNvPr>
+        <p:cNvGrpSpPr/>
+        <p:nvPr/>
+      </p:nvGrpSpPr>
+      <p:grpSpPr>
+        <a:xfrm>
+          <a:off x="0" y="0"/>
+          <a:ext cx="0" cy="0"/>
+          <a:chOff x="0" y="0"/>
+          <a:chExt cx="0" cy="0"/>
+        </a:xfrm>
+      </p:grpSpPr>
+      <p:pic>
+        <p:nvPicPr>
+          <p:cNvPr id="3" name="Picture 2">
+            <a:extLst>
+              <a:ext uri="{FF2B5EF4-FFF2-40B4-BE49-F238E27FC236}">
+                <a16:creationId xmlns:a16="http://schemas.microsoft.com/office/drawing/2014/main" id="{0D018E26-D12F-B984-CBE9-B486A5549BDF}"/>
+              </a:ext>
+            </a:extLst>
+          </p:cNvPr>
+          <p:cNvPicPr>
+            <a:picLocks noChangeAspect="1"/>
+          </p:cNvPicPr>
+          <p:nvPr/>
+        </p:nvPicPr>
+        <p:blipFill>
+          <a:blip r:embed="rId2">
+            <a:extLst>
+              <a:ext uri="{28A0092B-C50C-407E-A947-70E740481C1C}">
+                <a14:useLocalDpi xmlns:a14="http://schemas.microsoft.com/office/drawing/2010/main" val="0"/>
+              </a:ext>
+            </a:extLst>
+          </a:blip>
+          <a:stretch>
+            <a:fillRect/>
+          </a:stretch>
+        </p:blipFill>
+        <p:spPr>
+          <a:xfrm>
+            <a:off x="0" y="0"/>
+            <a:ext cx="12192000" cy="6858000"/>
+          </a:xfrm>
+          <a:prstGeom prst="rect">
+            <a:avLst/>
+          </a:prstGeom>
+        </p:spPr>
+      </p:pic>
+    </p:spTree>
+    <p:extLst>
+      <p:ext uri="{BB962C8B-B14F-4D97-AF65-F5344CB8AC3E}">
+        <p14:creationId xmlns:p14="http://schemas.microsoft.com/office/powerpoint/2010/main" val="1199558366"/>
+      </p:ext>
+    </p:extLst>
+  </p:cSld>
+  <p:clrMapOvr>
+    <a:masterClrMapping/>
+  </p:clrMapOvr>
+</p:sld>
+</file>
+
+<file path=ppt/slides/slide7.xml><?xml version="1.0" encoding="utf-8"?>
 <p:sld xmlns:a="http://schemas.openxmlformats.org/drawingml/2006/main" xmlns:r="http://schemas.openxmlformats.org/officeDocument/2006/relationships" xmlns:p="http://schemas.openxmlformats.org/presentationml/2006/main">
   <p:cSld>
     <p:spTree>
@@ -29434,7 +32112,7 @@
 </p:sld>
 </file>
 
-<file path=ppt/slides/slide5.xml><?xml version="1.0" encoding="utf-8"?>
+<file path=ppt/slides/slide8.xml><?xml version="1.0" encoding="utf-8"?>
 <p:sld xmlns:a="http://schemas.openxmlformats.org/drawingml/2006/main" xmlns:r="http://schemas.openxmlformats.org/officeDocument/2006/relationships" xmlns:p="http://schemas.openxmlformats.org/presentationml/2006/main">
   <p:cSld>
     <p:spTree>
@@ -31016,7 +33694,7 @@
 </p:sld>
 </file>
 
-<file path=ppt/slides/slide6.xml><?xml version="1.0" encoding="utf-8"?>
+<file path=ppt/slides/slide9.xml><?xml version="1.0" encoding="utf-8"?>
 <p:sld xmlns:a="http://schemas.openxmlformats.org/drawingml/2006/main" xmlns:r="http://schemas.openxmlformats.org/officeDocument/2006/relationships" xmlns:p="http://schemas.openxmlformats.org/presentationml/2006/main">
   <p:cSld>
     <p:spTree>
@@ -33679,1929 +36357,6 @@
 </p:sld>
 </file>
 
-<file path=ppt/slides/slide7.xml><?xml version="1.0" encoding="utf-8"?>
-<p:sld xmlns:a="http://schemas.openxmlformats.org/drawingml/2006/main" xmlns:r="http://schemas.openxmlformats.org/officeDocument/2006/relationships" xmlns:p="http://schemas.openxmlformats.org/presentationml/2006/main">
-  <p:cSld>
-    <p:spTree>
-      <p:nvGrpSpPr>
-        <p:cNvPr id="1" name="">
-          <a:extLst>
-            <a:ext uri="{FF2B5EF4-FFF2-40B4-BE49-F238E27FC236}">
-              <a16:creationId xmlns:a16="http://schemas.microsoft.com/office/drawing/2014/main" id="{E59190DF-A9C1-4A4F-72A8-3DC3828CD359}"/>
-            </a:ext>
-          </a:extLst>
-        </p:cNvPr>
-        <p:cNvGrpSpPr/>
-        <p:nvPr/>
-      </p:nvGrpSpPr>
-      <p:grpSpPr>
-        <a:xfrm>
-          <a:off x="0" y="0"/>
-          <a:ext cx="0" cy="0"/>
-          <a:chOff x="0" y="0"/>
-          <a:chExt cx="0" cy="0"/>
-        </a:xfrm>
-      </p:grpSpPr>
-      <p:pic>
-        <p:nvPicPr>
-          <p:cNvPr id="29" name="Picture 28">
-            <a:extLst>
-              <a:ext uri="{FF2B5EF4-FFF2-40B4-BE49-F238E27FC236}">
-                <a16:creationId xmlns:a16="http://schemas.microsoft.com/office/drawing/2014/main" id="{196FA6FC-594B-9132-8E92-B9E92FCAA01C}"/>
-              </a:ext>
-            </a:extLst>
-          </p:cNvPr>
-          <p:cNvPicPr>
-            <a:picLocks noChangeAspect="1"/>
-          </p:cNvPicPr>
-          <p:nvPr/>
-        </p:nvPicPr>
-        <p:blipFill>
-          <a:blip r:embed="rId2">
-            <a:extLst>
-              <a:ext uri="{28A0092B-C50C-407E-A947-70E740481C1C}">
-                <a14:useLocalDpi xmlns:a14="http://schemas.microsoft.com/office/drawing/2010/main" val="0"/>
-              </a:ext>
-            </a:extLst>
-          </a:blip>
-          <a:stretch>
-            <a:fillRect/>
-          </a:stretch>
-        </p:blipFill>
-        <p:spPr>
-          <a:xfrm>
-            <a:off x="0" y="362585"/>
-            <a:ext cx="12192000" cy="6711950"/>
-          </a:xfrm>
-          <a:prstGeom prst="rect">
-            <a:avLst/>
-          </a:prstGeom>
-        </p:spPr>
-      </p:pic>
-      <p:sp>
-        <p:nvSpPr>
-          <p:cNvPr id="2" name="Title 1">
-            <a:extLst>
-              <a:ext uri="{FF2B5EF4-FFF2-40B4-BE49-F238E27FC236}">
-                <a16:creationId xmlns:a16="http://schemas.microsoft.com/office/drawing/2014/main" id="{948D1FA6-7227-3A52-113E-DC6930393364}"/>
-              </a:ext>
-            </a:extLst>
-          </p:cNvPr>
-          <p:cNvSpPr txBox="1">
-            <a:spLocks/>
-          </p:cNvSpPr>
-          <p:nvPr/>
-        </p:nvSpPr>
-        <p:spPr>
-          <a:xfrm>
-            <a:off x="838200" y="299501"/>
-            <a:ext cx="10515600" cy="856964"/>
-          </a:xfrm>
-          <a:prstGeom prst="rect">
-            <a:avLst/>
-          </a:prstGeom>
-        </p:spPr>
-        <p:txBody>
-          <a:bodyPr vert="horz" lIns="91440" tIns="45720" rIns="91440" bIns="45720" rtlCol="0" anchor="b">
-            <a:normAutofit/>
-          </a:bodyPr>
-          <a:lstStyle>
-            <a:lvl1pPr algn="ctr" defTabSz="914400" rtl="0" eaLnBrk="1" latinLnBrk="0" hangingPunct="1">
-              <a:lnSpc>
-                <a:spcPct val="90000"/>
-              </a:lnSpc>
-              <a:spcBef>
-                <a:spcPct val="0"/>
-              </a:spcBef>
-              <a:buNone/>
-              <a:defRPr sz="6000" kern="1200">
-                <a:solidFill>
-                  <a:schemeClr val="tx1"/>
-                </a:solidFill>
-                <a:latin typeface="+mj-lt"/>
-                <a:ea typeface="+mj-ea"/>
-                <a:cs typeface="+mj-cs"/>
-              </a:defRPr>
-            </a:lvl1pPr>
-          </a:lstStyle>
-          <a:p>
-            <a:pPr algn="l"/>
-            <a:r>
-              <a:rPr lang="en-GB" sz="4400" dirty="0">
-                <a:latin typeface="Arial Black" panose="020B0A04020102020204" pitchFamily="34" charset="0"/>
-              </a:rPr>
-              <a:t>Where do my orders go?</a:t>
-            </a:r>
-          </a:p>
-        </p:txBody>
-      </p:sp>
-      <p:pic>
-        <p:nvPicPr>
-          <p:cNvPr id="4" name="Picture 3">
-            <a:extLst>
-              <a:ext uri="{FF2B5EF4-FFF2-40B4-BE49-F238E27FC236}">
-                <a16:creationId xmlns:a16="http://schemas.microsoft.com/office/drawing/2014/main" id="{A3D84942-EAE1-33C0-61EC-6F9BF5EA06A3}"/>
-              </a:ext>
-            </a:extLst>
-          </p:cNvPr>
-          <p:cNvPicPr>
-            <a:picLocks noChangeAspect="1"/>
-          </p:cNvPicPr>
-          <p:nvPr/>
-        </p:nvPicPr>
-        <p:blipFill>
-          <a:blip r:embed="rId3">
-            <a:extLst>
-              <a:ext uri="{28A0092B-C50C-407E-A947-70E740481C1C}">
-                <a14:useLocalDpi xmlns:a14="http://schemas.microsoft.com/office/drawing/2010/main" val="0"/>
-              </a:ext>
-            </a:extLst>
-          </a:blip>
-          <a:stretch>
-            <a:fillRect/>
-          </a:stretch>
-        </p:blipFill>
-        <p:spPr>
-          <a:xfrm>
-            <a:off x="2084889" y="1270826"/>
-            <a:ext cx="1205500" cy="1238250"/>
-          </a:xfrm>
-          <a:prstGeom prst="rect">
-            <a:avLst/>
-          </a:prstGeom>
-        </p:spPr>
-      </p:pic>
-      <p:pic>
-        <p:nvPicPr>
-          <p:cNvPr id="5" name="Picture 4">
-            <a:extLst>
-              <a:ext uri="{FF2B5EF4-FFF2-40B4-BE49-F238E27FC236}">
-                <a16:creationId xmlns:a16="http://schemas.microsoft.com/office/drawing/2014/main" id="{3DF7AA50-772F-F71E-E34C-B3B4FA8A7678}"/>
-              </a:ext>
-            </a:extLst>
-          </p:cNvPr>
-          <p:cNvPicPr>
-            <a:picLocks noChangeAspect="1"/>
-          </p:cNvPicPr>
-          <p:nvPr/>
-        </p:nvPicPr>
-        <p:blipFill>
-          <a:blip r:embed="rId3">
-            <a:extLst>
-              <a:ext uri="{28A0092B-C50C-407E-A947-70E740481C1C}">
-                <a14:useLocalDpi xmlns:a14="http://schemas.microsoft.com/office/drawing/2010/main" val="0"/>
-              </a:ext>
-            </a:extLst>
-          </a:blip>
-          <a:stretch>
-            <a:fillRect/>
-          </a:stretch>
-        </p:blipFill>
-        <p:spPr>
-          <a:xfrm>
-            <a:off x="2469360" y="2024063"/>
-            <a:ext cx="1205500" cy="1238250"/>
-          </a:xfrm>
-          <a:prstGeom prst="rect">
-            <a:avLst/>
-          </a:prstGeom>
-        </p:spPr>
-      </p:pic>
-      <p:pic>
-        <p:nvPicPr>
-          <p:cNvPr id="28" name="Picture 27">
-            <a:extLst>
-              <a:ext uri="{FF2B5EF4-FFF2-40B4-BE49-F238E27FC236}">
-                <a16:creationId xmlns:a16="http://schemas.microsoft.com/office/drawing/2014/main" id="{0C03F877-28DB-BAD7-251C-E1C70A079EEF}"/>
-              </a:ext>
-            </a:extLst>
-          </p:cNvPr>
-          <p:cNvPicPr>
-            <a:picLocks noChangeAspect="1"/>
-          </p:cNvPicPr>
-          <p:nvPr/>
-        </p:nvPicPr>
-        <p:blipFill>
-          <a:blip r:embed="rId3">
-            <a:extLst>
-              <a:ext uri="{28A0092B-C50C-407E-A947-70E740481C1C}">
-                <a14:useLocalDpi xmlns:a14="http://schemas.microsoft.com/office/drawing/2010/main" val="0"/>
-              </a:ext>
-            </a:extLst>
-          </a:blip>
-          <a:stretch>
-            <a:fillRect/>
-          </a:stretch>
-        </p:blipFill>
-        <p:spPr>
-          <a:xfrm>
-            <a:off x="5437983" y="1724025"/>
-            <a:ext cx="1205500" cy="1238250"/>
-          </a:xfrm>
-          <a:prstGeom prst="rect">
-            <a:avLst/>
-          </a:prstGeom>
-        </p:spPr>
-      </p:pic>
-      <p:pic>
-        <p:nvPicPr>
-          <p:cNvPr id="46" name="Picture 45">
-            <a:extLst>
-              <a:ext uri="{FF2B5EF4-FFF2-40B4-BE49-F238E27FC236}">
-                <a16:creationId xmlns:a16="http://schemas.microsoft.com/office/drawing/2014/main" id="{5791F8F3-0DD3-211C-7A26-DB642CD2B791}"/>
-              </a:ext>
-            </a:extLst>
-          </p:cNvPr>
-          <p:cNvPicPr>
-            <a:picLocks noChangeAspect="1"/>
-          </p:cNvPicPr>
-          <p:nvPr/>
-        </p:nvPicPr>
-        <p:blipFill>
-          <a:blip r:embed="rId3">
-            <a:extLst>
-              <a:ext uri="{28A0092B-C50C-407E-A947-70E740481C1C}">
-                <a14:useLocalDpi xmlns:a14="http://schemas.microsoft.com/office/drawing/2010/main" val="0"/>
-              </a:ext>
-            </a:extLst>
-          </a:blip>
-          <a:stretch>
-            <a:fillRect/>
-          </a:stretch>
-        </p:blipFill>
-        <p:spPr>
-          <a:xfrm>
-            <a:off x="4547395" y="2024063"/>
-            <a:ext cx="1205500" cy="1238250"/>
-          </a:xfrm>
-          <a:prstGeom prst="rect">
-            <a:avLst/>
-          </a:prstGeom>
-        </p:spPr>
-      </p:pic>
-      <p:pic>
-        <p:nvPicPr>
-          <p:cNvPr id="47" name="Picture 46">
-            <a:extLst>
-              <a:ext uri="{FF2B5EF4-FFF2-40B4-BE49-F238E27FC236}">
-                <a16:creationId xmlns:a16="http://schemas.microsoft.com/office/drawing/2014/main" id="{294AFB54-0E92-4474-41FD-D44CF61C09E5}"/>
-              </a:ext>
-            </a:extLst>
-          </p:cNvPr>
-          <p:cNvPicPr>
-            <a:picLocks noChangeAspect="1"/>
-          </p:cNvPicPr>
-          <p:nvPr/>
-        </p:nvPicPr>
-        <p:blipFill>
-          <a:blip r:embed="rId3">
-            <a:extLst>
-              <a:ext uri="{28A0092B-C50C-407E-A947-70E740481C1C}">
-                <a14:useLocalDpi xmlns:a14="http://schemas.microsoft.com/office/drawing/2010/main" val="0"/>
-              </a:ext>
-            </a:extLst>
-          </a:blip>
-          <a:stretch>
-            <a:fillRect/>
-          </a:stretch>
-        </p:blipFill>
-        <p:spPr>
-          <a:xfrm>
-            <a:off x="10048083" y="2411270"/>
-            <a:ext cx="1205500" cy="1238250"/>
-          </a:xfrm>
-          <a:prstGeom prst="rect">
-            <a:avLst/>
-          </a:prstGeom>
-        </p:spPr>
-      </p:pic>
-      <p:pic>
-        <p:nvPicPr>
-          <p:cNvPr id="48" name="Picture 47">
-            <a:extLst>
-              <a:ext uri="{FF2B5EF4-FFF2-40B4-BE49-F238E27FC236}">
-                <a16:creationId xmlns:a16="http://schemas.microsoft.com/office/drawing/2014/main" id="{46514664-3D1E-4701-A401-94F2A1783C10}"/>
-              </a:ext>
-            </a:extLst>
-          </p:cNvPr>
-          <p:cNvPicPr>
-            <a:picLocks noChangeAspect="1"/>
-          </p:cNvPicPr>
-          <p:nvPr/>
-        </p:nvPicPr>
-        <p:blipFill>
-          <a:blip r:embed="rId3">
-            <a:extLst>
-              <a:ext uri="{28A0092B-C50C-407E-A947-70E740481C1C}">
-                <a14:useLocalDpi xmlns:a14="http://schemas.microsoft.com/office/drawing/2010/main" val="0"/>
-              </a:ext>
-            </a:extLst>
-          </a:blip>
-          <a:stretch>
-            <a:fillRect/>
-          </a:stretch>
-        </p:blipFill>
-        <p:spPr>
-          <a:xfrm>
-            <a:off x="8709820" y="3616182"/>
-            <a:ext cx="1205500" cy="1238250"/>
-          </a:xfrm>
-          <a:prstGeom prst="rect">
-            <a:avLst/>
-          </a:prstGeom>
-        </p:spPr>
-      </p:pic>
-      <p:pic>
-        <p:nvPicPr>
-          <p:cNvPr id="49" name="Picture 48">
-            <a:extLst>
-              <a:ext uri="{FF2B5EF4-FFF2-40B4-BE49-F238E27FC236}">
-                <a16:creationId xmlns:a16="http://schemas.microsoft.com/office/drawing/2014/main" id="{CAE98A5E-8225-40F9-2AC3-E3A4873EEEB0}"/>
-              </a:ext>
-            </a:extLst>
-          </p:cNvPr>
-          <p:cNvPicPr>
-            <a:picLocks noChangeAspect="1"/>
-          </p:cNvPicPr>
-          <p:nvPr/>
-        </p:nvPicPr>
-        <p:blipFill>
-          <a:blip r:embed="rId3">
-            <a:extLst>
-              <a:ext uri="{28A0092B-C50C-407E-A947-70E740481C1C}">
-                <a14:useLocalDpi xmlns:a14="http://schemas.microsoft.com/office/drawing/2010/main" val="0"/>
-              </a:ext>
-            </a:extLst>
-          </a:blip>
-          <a:stretch>
-            <a:fillRect/>
-          </a:stretch>
-        </p:blipFill>
-        <p:spPr>
-          <a:xfrm>
-            <a:off x="2747170" y="4235307"/>
-            <a:ext cx="1205500" cy="1238250"/>
-          </a:xfrm>
-          <a:prstGeom prst="rect">
-            <a:avLst/>
-          </a:prstGeom>
-        </p:spPr>
-      </p:pic>
-    </p:spTree>
-    <p:extLst>
-      <p:ext uri="{BB962C8B-B14F-4D97-AF65-F5344CB8AC3E}">
-        <p14:creationId xmlns:p14="http://schemas.microsoft.com/office/powerpoint/2010/main" val="4013936660"/>
-      </p:ext>
-    </p:extLst>
-  </p:cSld>
-  <p:clrMapOvr>
-    <a:masterClrMapping/>
-  </p:clrMapOvr>
-  <p:timing>
-    <p:tnLst>
-      <p:par>
-        <p:cTn id="1" dur="indefinite" restart="never" nodeType="tmRoot">
-          <p:childTnLst>
-            <p:seq concurrent="1" nextAc="seek">
-              <p:cTn id="2" dur="indefinite" nodeType="mainSeq">
-                <p:childTnLst>
-                  <p:par>
-                    <p:cTn id="3" fill="hold">
-                      <p:stCondLst>
-                        <p:cond delay="indefinite"/>
-                      </p:stCondLst>
-                      <p:childTnLst>
-                        <p:par>
-                          <p:cTn id="4" fill="hold">
-                            <p:stCondLst>
-                              <p:cond delay="0"/>
-                            </p:stCondLst>
-                            <p:childTnLst>
-                              <p:par>
-                                <p:cTn id="5" presetID="1" presetClass="entr" presetSubtype="0" fill="hold" nodeType="clickEffect">
-                                  <p:stCondLst>
-                                    <p:cond delay="0"/>
-                                  </p:stCondLst>
-                                  <p:childTnLst>
-                                    <p:set>
-                                      <p:cBhvr>
-                                        <p:cTn id="6" dur="1" fill="hold">
-                                          <p:stCondLst>
-                                            <p:cond delay="0"/>
-                                          </p:stCondLst>
-                                        </p:cTn>
-                                        <p:tgtEl>
-                                          <p:spTgt spid="47"/>
-                                        </p:tgtEl>
-                                        <p:attrNameLst>
-                                          <p:attrName>style.visibility</p:attrName>
-                                        </p:attrNameLst>
-                                      </p:cBhvr>
-                                      <p:to>
-                                        <p:strVal val="visible"/>
-                                      </p:to>
-                                    </p:set>
-                                  </p:childTnLst>
-                                </p:cTn>
-                              </p:par>
-                            </p:childTnLst>
-                          </p:cTn>
-                        </p:par>
-                      </p:childTnLst>
-                    </p:cTn>
-                  </p:par>
-                  <p:par>
-                    <p:cTn id="7" fill="hold">
-                      <p:stCondLst>
-                        <p:cond delay="indefinite"/>
-                      </p:stCondLst>
-                      <p:childTnLst>
-                        <p:par>
-                          <p:cTn id="8" fill="hold">
-                            <p:stCondLst>
-                              <p:cond delay="0"/>
-                            </p:stCondLst>
-                            <p:childTnLst>
-                              <p:par>
-                                <p:cTn id="9" presetID="1" presetClass="entr" presetSubtype="0" fill="hold" nodeType="clickEffect">
-                                  <p:stCondLst>
-                                    <p:cond delay="0"/>
-                                  </p:stCondLst>
-                                  <p:childTnLst>
-                                    <p:set>
-                                      <p:cBhvr>
-                                        <p:cTn id="10" dur="1" fill="hold">
-                                          <p:stCondLst>
-                                            <p:cond delay="0"/>
-                                          </p:stCondLst>
-                                        </p:cTn>
-                                        <p:tgtEl>
-                                          <p:spTgt spid="46"/>
-                                        </p:tgtEl>
-                                        <p:attrNameLst>
-                                          <p:attrName>style.visibility</p:attrName>
-                                        </p:attrNameLst>
-                                      </p:cBhvr>
-                                      <p:to>
-                                        <p:strVal val="visible"/>
-                                      </p:to>
-                                    </p:set>
-                                  </p:childTnLst>
-                                </p:cTn>
-                              </p:par>
-                              <p:par>
-                                <p:cTn id="11" presetID="1" presetClass="entr" presetSubtype="0" fill="hold" nodeType="withEffect">
-                                  <p:stCondLst>
-                                    <p:cond delay="0"/>
-                                  </p:stCondLst>
-                                  <p:childTnLst>
-                                    <p:set>
-                                      <p:cBhvr>
-                                        <p:cTn id="12" dur="1" fill="hold">
-                                          <p:stCondLst>
-                                            <p:cond delay="0"/>
-                                          </p:stCondLst>
-                                        </p:cTn>
-                                        <p:tgtEl>
-                                          <p:spTgt spid="28"/>
-                                        </p:tgtEl>
-                                        <p:attrNameLst>
-                                          <p:attrName>style.visibility</p:attrName>
-                                        </p:attrNameLst>
-                                      </p:cBhvr>
-                                      <p:to>
-                                        <p:strVal val="visible"/>
-                                      </p:to>
-                                    </p:set>
-                                  </p:childTnLst>
-                                </p:cTn>
-                              </p:par>
-                            </p:childTnLst>
-                          </p:cTn>
-                        </p:par>
-                      </p:childTnLst>
-                    </p:cTn>
-                  </p:par>
-                  <p:par>
-                    <p:cTn id="13" fill="hold">
-                      <p:stCondLst>
-                        <p:cond delay="indefinite"/>
-                      </p:stCondLst>
-                      <p:childTnLst>
-                        <p:par>
-                          <p:cTn id="14" fill="hold">
-                            <p:stCondLst>
-                              <p:cond delay="0"/>
-                            </p:stCondLst>
-                            <p:childTnLst>
-                              <p:par>
-                                <p:cTn id="15" presetID="1" presetClass="entr" presetSubtype="0" fill="hold" nodeType="clickEffect">
-                                  <p:stCondLst>
-                                    <p:cond delay="0"/>
-                                  </p:stCondLst>
-                                  <p:childTnLst>
-                                    <p:set>
-                                      <p:cBhvr>
-                                        <p:cTn id="16" dur="1" fill="hold">
-                                          <p:stCondLst>
-                                            <p:cond delay="0"/>
-                                          </p:stCondLst>
-                                        </p:cTn>
-                                        <p:tgtEl>
-                                          <p:spTgt spid="4"/>
-                                        </p:tgtEl>
-                                        <p:attrNameLst>
-                                          <p:attrName>style.visibility</p:attrName>
-                                        </p:attrNameLst>
-                                      </p:cBhvr>
-                                      <p:to>
-                                        <p:strVal val="visible"/>
-                                      </p:to>
-                                    </p:set>
-                                  </p:childTnLst>
-                                </p:cTn>
-                              </p:par>
-                              <p:par>
-                                <p:cTn id="17" presetID="1" presetClass="entr" presetSubtype="0" fill="hold" nodeType="withEffect">
-                                  <p:stCondLst>
-                                    <p:cond delay="0"/>
-                                  </p:stCondLst>
-                                  <p:childTnLst>
-                                    <p:set>
-                                      <p:cBhvr>
-                                        <p:cTn id="18" dur="1" fill="hold">
-                                          <p:stCondLst>
-                                            <p:cond delay="0"/>
-                                          </p:stCondLst>
-                                        </p:cTn>
-                                        <p:tgtEl>
-                                          <p:spTgt spid="5"/>
-                                        </p:tgtEl>
-                                        <p:attrNameLst>
-                                          <p:attrName>style.visibility</p:attrName>
-                                        </p:attrNameLst>
-                                      </p:cBhvr>
-                                      <p:to>
-                                        <p:strVal val="visible"/>
-                                      </p:to>
-                                    </p:set>
-                                  </p:childTnLst>
-                                </p:cTn>
-                              </p:par>
-                            </p:childTnLst>
-                          </p:cTn>
-                        </p:par>
-                      </p:childTnLst>
-                    </p:cTn>
-                  </p:par>
-                  <p:par>
-                    <p:cTn id="19" fill="hold">
-                      <p:stCondLst>
-                        <p:cond delay="indefinite"/>
-                      </p:stCondLst>
-                      <p:childTnLst>
-                        <p:par>
-                          <p:cTn id="20" fill="hold">
-                            <p:stCondLst>
-                              <p:cond delay="0"/>
-                            </p:stCondLst>
-                            <p:childTnLst>
-                              <p:par>
-                                <p:cTn id="21" presetID="1" presetClass="entr" presetSubtype="0" fill="hold" nodeType="clickEffect">
-                                  <p:stCondLst>
-                                    <p:cond delay="0"/>
-                                  </p:stCondLst>
-                                  <p:childTnLst>
-                                    <p:set>
-                                      <p:cBhvr>
-                                        <p:cTn id="22" dur="1" fill="hold">
-                                          <p:stCondLst>
-                                            <p:cond delay="0"/>
-                                          </p:stCondLst>
-                                        </p:cTn>
-                                        <p:tgtEl>
-                                          <p:spTgt spid="48"/>
-                                        </p:tgtEl>
-                                        <p:attrNameLst>
-                                          <p:attrName>style.visibility</p:attrName>
-                                        </p:attrNameLst>
-                                      </p:cBhvr>
-                                      <p:to>
-                                        <p:strVal val="visible"/>
-                                      </p:to>
-                                    </p:set>
-                                  </p:childTnLst>
-                                </p:cTn>
-                              </p:par>
-                            </p:childTnLst>
-                          </p:cTn>
-                        </p:par>
-                      </p:childTnLst>
-                    </p:cTn>
-                  </p:par>
-                  <p:par>
-                    <p:cTn id="23" fill="hold">
-                      <p:stCondLst>
-                        <p:cond delay="indefinite"/>
-                      </p:stCondLst>
-                      <p:childTnLst>
-                        <p:par>
-                          <p:cTn id="24" fill="hold">
-                            <p:stCondLst>
-                              <p:cond delay="0"/>
-                            </p:stCondLst>
-                            <p:childTnLst>
-                              <p:par>
-                                <p:cTn id="25" presetID="1" presetClass="entr" presetSubtype="0" fill="hold" nodeType="clickEffect">
-                                  <p:stCondLst>
-                                    <p:cond delay="0"/>
-                                  </p:stCondLst>
-                                  <p:childTnLst>
-                                    <p:set>
-                                      <p:cBhvr>
-                                        <p:cTn id="26" dur="1" fill="hold">
-                                          <p:stCondLst>
-                                            <p:cond delay="0"/>
-                                          </p:stCondLst>
-                                        </p:cTn>
-                                        <p:tgtEl>
-                                          <p:spTgt spid="49"/>
-                                        </p:tgtEl>
-                                        <p:attrNameLst>
-                                          <p:attrName>style.visibility</p:attrName>
-                                        </p:attrNameLst>
-                                      </p:cBhvr>
-                                      <p:to>
-                                        <p:strVal val="visible"/>
-                                      </p:to>
-                                    </p:set>
-                                  </p:childTnLst>
-                                </p:cTn>
-                              </p:par>
-                            </p:childTnLst>
-                          </p:cTn>
-                        </p:par>
-                      </p:childTnLst>
-                    </p:cTn>
-                  </p:par>
-                </p:childTnLst>
-              </p:cTn>
-              <p:prevCondLst>
-                <p:cond evt="onPrev" delay="0">
-                  <p:tgtEl>
-                    <p:sldTgt/>
-                  </p:tgtEl>
-                </p:cond>
-              </p:prevCondLst>
-              <p:nextCondLst>
-                <p:cond evt="onNext" delay="0">
-                  <p:tgtEl>
-                    <p:sldTgt/>
-                  </p:tgtEl>
-                </p:cond>
-              </p:nextCondLst>
-            </p:seq>
-          </p:childTnLst>
-        </p:cTn>
-      </p:par>
-    </p:tnLst>
-  </p:timing>
-</p:sld>
-</file>
-
-<file path=ppt/slides/slide8.xml><?xml version="1.0" encoding="utf-8"?>
-<p:sld xmlns:a="http://schemas.openxmlformats.org/drawingml/2006/main" xmlns:r="http://schemas.openxmlformats.org/officeDocument/2006/relationships" xmlns:p="http://schemas.openxmlformats.org/presentationml/2006/main">
-  <p:cSld>
-    <p:spTree>
-      <p:nvGrpSpPr>
-        <p:cNvPr id="1" name="">
-          <a:extLst>
-            <a:ext uri="{FF2B5EF4-FFF2-40B4-BE49-F238E27FC236}">
-              <a16:creationId xmlns:a16="http://schemas.microsoft.com/office/drawing/2014/main" id="{295203B4-CCAA-EE9F-D79D-962047F5DF45}"/>
-            </a:ext>
-          </a:extLst>
-        </p:cNvPr>
-        <p:cNvGrpSpPr/>
-        <p:nvPr/>
-      </p:nvGrpSpPr>
-      <p:grpSpPr>
-        <a:xfrm>
-          <a:off x="0" y="0"/>
-          <a:ext cx="0" cy="0"/>
-          <a:chOff x="0" y="0"/>
-          <a:chExt cx="0" cy="0"/>
-        </a:xfrm>
-      </p:grpSpPr>
-      <p:pic>
-        <p:nvPicPr>
-          <p:cNvPr id="29" name="Picture 28">
-            <a:extLst>
-              <a:ext uri="{FF2B5EF4-FFF2-40B4-BE49-F238E27FC236}">
-                <a16:creationId xmlns:a16="http://schemas.microsoft.com/office/drawing/2014/main" id="{5C27C921-FC71-F3D6-1477-F7A9158DAEB2}"/>
-              </a:ext>
-            </a:extLst>
-          </p:cNvPr>
-          <p:cNvPicPr>
-            <a:picLocks noChangeAspect="1"/>
-          </p:cNvPicPr>
-          <p:nvPr/>
-        </p:nvPicPr>
-        <p:blipFill>
-          <a:blip r:embed="rId2">
-            <a:extLst>
-              <a:ext uri="{28A0092B-C50C-407E-A947-70E740481C1C}">
-                <a14:useLocalDpi xmlns:a14="http://schemas.microsoft.com/office/drawing/2010/main" val="0"/>
-              </a:ext>
-            </a:extLst>
-          </a:blip>
-          <a:stretch>
-            <a:fillRect/>
-          </a:stretch>
-        </p:blipFill>
-        <p:spPr>
-          <a:xfrm>
-            <a:off x="0" y="362585"/>
-            <a:ext cx="12192000" cy="6711950"/>
-          </a:xfrm>
-          <a:prstGeom prst="rect">
-            <a:avLst/>
-          </a:prstGeom>
-        </p:spPr>
-      </p:pic>
-      <p:sp>
-        <p:nvSpPr>
-          <p:cNvPr id="2" name="Title 1">
-            <a:extLst>
-              <a:ext uri="{FF2B5EF4-FFF2-40B4-BE49-F238E27FC236}">
-                <a16:creationId xmlns:a16="http://schemas.microsoft.com/office/drawing/2014/main" id="{CF418DAB-A4ED-BE39-1DA2-1DC6A5B2AE39}"/>
-              </a:ext>
-            </a:extLst>
-          </p:cNvPr>
-          <p:cNvSpPr txBox="1">
-            <a:spLocks/>
-          </p:cNvSpPr>
-          <p:nvPr/>
-        </p:nvSpPr>
-        <p:spPr>
-          <a:xfrm>
-            <a:off x="838200" y="299501"/>
-            <a:ext cx="10515600" cy="856964"/>
-          </a:xfrm>
-          <a:prstGeom prst="rect">
-            <a:avLst/>
-          </a:prstGeom>
-        </p:spPr>
-        <p:txBody>
-          <a:bodyPr vert="horz" lIns="91440" tIns="45720" rIns="91440" bIns="45720" rtlCol="0" anchor="b">
-            <a:normAutofit/>
-          </a:bodyPr>
-          <a:lstStyle>
-            <a:lvl1pPr algn="ctr" defTabSz="914400" rtl="0" eaLnBrk="1" latinLnBrk="0" hangingPunct="1">
-              <a:lnSpc>
-                <a:spcPct val="90000"/>
-              </a:lnSpc>
-              <a:spcBef>
-                <a:spcPct val="0"/>
-              </a:spcBef>
-              <a:buNone/>
-              <a:defRPr sz="6000" kern="1200">
-                <a:solidFill>
-                  <a:schemeClr val="tx1"/>
-                </a:solidFill>
-                <a:latin typeface="+mj-lt"/>
-                <a:ea typeface="+mj-ea"/>
-                <a:cs typeface="+mj-cs"/>
-              </a:defRPr>
-            </a:lvl1pPr>
-          </a:lstStyle>
-          <a:p>
-            <a:pPr algn="l"/>
-            <a:r>
-              <a:rPr lang="en-GB" sz="4800" dirty="0">
-                <a:latin typeface="Arial Black" panose="020B0A04020102020204" pitchFamily="34" charset="0"/>
-              </a:rPr>
-              <a:t>We are the world</a:t>
-            </a:r>
-          </a:p>
-        </p:txBody>
-      </p:sp>
-      <p:pic>
-        <p:nvPicPr>
-          <p:cNvPr id="5" name="Picture 4">
-            <a:extLst>
-              <a:ext uri="{FF2B5EF4-FFF2-40B4-BE49-F238E27FC236}">
-                <a16:creationId xmlns:a16="http://schemas.microsoft.com/office/drawing/2014/main" id="{5A50C172-B18F-DAF6-4E0E-845349D290DD}"/>
-              </a:ext>
-            </a:extLst>
-          </p:cNvPr>
-          <p:cNvPicPr>
-            <a:picLocks noChangeAspect="1"/>
-          </p:cNvPicPr>
-          <p:nvPr/>
-        </p:nvPicPr>
-        <p:blipFill>
-          <a:blip r:embed="rId3">
-            <a:extLst>
-              <a:ext uri="{28A0092B-C50C-407E-A947-70E740481C1C}">
-                <a14:useLocalDpi xmlns:a14="http://schemas.microsoft.com/office/drawing/2010/main" val="0"/>
-              </a:ext>
-            </a:extLst>
-          </a:blip>
-          <a:stretch>
-            <a:fillRect/>
-          </a:stretch>
-        </p:blipFill>
-        <p:spPr>
-          <a:xfrm>
-            <a:off x="2469360" y="2024063"/>
-            <a:ext cx="1205500" cy="1238250"/>
-          </a:xfrm>
-          <a:prstGeom prst="rect">
-            <a:avLst/>
-          </a:prstGeom>
-        </p:spPr>
-      </p:pic>
-      <p:pic>
-        <p:nvPicPr>
-          <p:cNvPr id="46" name="Picture 45">
-            <a:extLst>
-              <a:ext uri="{FF2B5EF4-FFF2-40B4-BE49-F238E27FC236}">
-                <a16:creationId xmlns:a16="http://schemas.microsoft.com/office/drawing/2014/main" id="{5D0C4B82-4F72-275F-7416-42701ADED098}"/>
-              </a:ext>
-            </a:extLst>
-          </p:cNvPr>
-          <p:cNvPicPr>
-            <a:picLocks noChangeAspect="1"/>
-          </p:cNvPicPr>
-          <p:nvPr/>
-        </p:nvPicPr>
-        <p:blipFill>
-          <a:blip r:embed="rId3">
-            <a:extLst>
-              <a:ext uri="{28A0092B-C50C-407E-A947-70E740481C1C}">
-                <a14:useLocalDpi xmlns:a14="http://schemas.microsoft.com/office/drawing/2010/main" val="0"/>
-              </a:ext>
-            </a:extLst>
-          </a:blip>
-          <a:stretch>
-            <a:fillRect/>
-          </a:stretch>
-        </p:blipFill>
-        <p:spPr>
-          <a:xfrm>
-            <a:off x="4547395" y="2024063"/>
-            <a:ext cx="1205500" cy="1238250"/>
-          </a:xfrm>
-          <a:prstGeom prst="rect">
-            <a:avLst/>
-          </a:prstGeom>
-        </p:spPr>
-      </p:pic>
-      <p:pic>
-        <p:nvPicPr>
-          <p:cNvPr id="47" name="Picture 46">
-            <a:extLst>
-              <a:ext uri="{FF2B5EF4-FFF2-40B4-BE49-F238E27FC236}">
-                <a16:creationId xmlns:a16="http://schemas.microsoft.com/office/drawing/2014/main" id="{F804873B-0AEA-E50D-F371-EB0DE1D69F68}"/>
-              </a:ext>
-            </a:extLst>
-          </p:cNvPr>
-          <p:cNvPicPr>
-            <a:picLocks noChangeAspect="1"/>
-          </p:cNvPicPr>
-          <p:nvPr/>
-        </p:nvPicPr>
-        <p:blipFill>
-          <a:blip r:embed="rId3">
-            <a:extLst>
-              <a:ext uri="{28A0092B-C50C-407E-A947-70E740481C1C}">
-                <a14:useLocalDpi xmlns:a14="http://schemas.microsoft.com/office/drawing/2010/main" val="0"/>
-              </a:ext>
-            </a:extLst>
-          </a:blip>
-          <a:stretch>
-            <a:fillRect/>
-          </a:stretch>
-        </p:blipFill>
-        <p:spPr>
-          <a:xfrm>
-            <a:off x="10048083" y="2411270"/>
-            <a:ext cx="1205500" cy="1238250"/>
-          </a:xfrm>
-          <a:prstGeom prst="rect">
-            <a:avLst/>
-          </a:prstGeom>
-        </p:spPr>
-      </p:pic>
-      <p:grpSp>
-        <p:nvGrpSpPr>
-          <p:cNvPr id="44" name="Group 43">
-            <a:extLst>
-              <a:ext uri="{FF2B5EF4-FFF2-40B4-BE49-F238E27FC236}">
-                <a16:creationId xmlns:a16="http://schemas.microsoft.com/office/drawing/2014/main" id="{5C2F82A4-944B-B69D-035B-B14AFF78755C}"/>
-              </a:ext>
-            </a:extLst>
-          </p:cNvPr>
-          <p:cNvGrpSpPr/>
-          <p:nvPr/>
-        </p:nvGrpSpPr>
-        <p:grpSpPr>
-          <a:xfrm>
-            <a:off x="2060764" y="1538635"/>
-            <a:ext cx="7764681" cy="2726758"/>
-            <a:chOff x="2060764" y="1538635"/>
-            <a:chExt cx="7764681" cy="2726758"/>
-          </a:xfrm>
-        </p:grpSpPr>
-        <p:pic>
-          <p:nvPicPr>
-            <p:cNvPr id="7" name="Picture 6">
-              <a:extLst>
-                <a:ext uri="{FF2B5EF4-FFF2-40B4-BE49-F238E27FC236}">
-                  <a16:creationId xmlns:a16="http://schemas.microsoft.com/office/drawing/2014/main" id="{9D6D169E-B121-7178-BE2A-AEC88FA34938}"/>
-                </a:ext>
-              </a:extLst>
-            </p:cNvPr>
-            <p:cNvPicPr>
-              <a:picLocks noChangeAspect="1"/>
-            </p:cNvPicPr>
-            <p:nvPr/>
-          </p:nvPicPr>
-          <p:blipFill>
-            <a:blip r:embed="rId4">
-              <a:extLst>
-                <a:ext uri="{28A0092B-C50C-407E-A947-70E740481C1C}">
-                  <a14:useLocalDpi xmlns:a14="http://schemas.microsoft.com/office/drawing/2010/main" val="0"/>
-                </a:ext>
-              </a:extLst>
-            </a:blip>
-            <a:stretch>
-              <a:fillRect/>
-            </a:stretch>
-          </p:blipFill>
-          <p:spPr>
-            <a:xfrm>
-              <a:off x="2060764" y="1556002"/>
-              <a:ext cx="487153" cy="487153"/>
-            </a:xfrm>
-            <a:prstGeom prst="rect">
-              <a:avLst/>
-            </a:prstGeom>
-          </p:spPr>
-        </p:pic>
-        <p:pic>
-          <p:nvPicPr>
-            <p:cNvPr id="8" name="Picture 7">
-              <a:extLst>
-                <a:ext uri="{FF2B5EF4-FFF2-40B4-BE49-F238E27FC236}">
-                  <a16:creationId xmlns:a16="http://schemas.microsoft.com/office/drawing/2014/main" id="{EB45F5D3-C4FA-9371-6B44-BA23FD7A081F}"/>
-                </a:ext>
-              </a:extLst>
-            </p:cNvPr>
-            <p:cNvPicPr>
-              <a:picLocks noChangeAspect="1"/>
-            </p:cNvPicPr>
-            <p:nvPr/>
-          </p:nvPicPr>
-          <p:blipFill>
-            <a:blip r:embed="rId4">
-              <a:extLst>
-                <a:ext uri="{28A0092B-C50C-407E-A947-70E740481C1C}">
-                  <a14:useLocalDpi xmlns:a14="http://schemas.microsoft.com/office/drawing/2010/main" val="0"/>
-                </a:ext>
-              </a:extLst>
-            </a:blip>
-            <a:stretch>
-              <a:fillRect/>
-            </a:stretch>
-          </p:blipFill>
-          <p:spPr>
-            <a:xfrm>
-              <a:off x="9054438" y="3778240"/>
-              <a:ext cx="487153" cy="487153"/>
-            </a:xfrm>
-            <a:prstGeom prst="rect">
-              <a:avLst/>
-            </a:prstGeom>
-          </p:spPr>
-        </p:pic>
-        <p:pic>
-          <p:nvPicPr>
-            <p:cNvPr id="9" name="Picture 8">
-              <a:extLst>
-                <a:ext uri="{FF2B5EF4-FFF2-40B4-BE49-F238E27FC236}">
-                  <a16:creationId xmlns:a16="http://schemas.microsoft.com/office/drawing/2014/main" id="{AD50CF3F-AE37-5DC7-C29B-A69A38ACE6A4}"/>
-                </a:ext>
-              </a:extLst>
-            </p:cNvPr>
-            <p:cNvPicPr>
-              <a:picLocks noChangeAspect="1"/>
-            </p:cNvPicPr>
-            <p:nvPr/>
-          </p:nvPicPr>
-          <p:blipFill>
-            <a:blip r:embed="rId4">
-              <a:extLst>
-                <a:ext uri="{28A0092B-C50C-407E-A947-70E740481C1C}">
-                  <a14:useLocalDpi xmlns:a14="http://schemas.microsoft.com/office/drawing/2010/main" val="0"/>
-                </a:ext>
-              </a:extLst>
-            </a:blip>
-            <a:stretch>
-              <a:fillRect/>
-            </a:stretch>
-          </p:blipFill>
-          <p:spPr>
-            <a:xfrm>
-              <a:off x="3609886" y="1864934"/>
-              <a:ext cx="487153" cy="487153"/>
-            </a:xfrm>
-            <a:prstGeom prst="rect">
-              <a:avLst/>
-            </a:prstGeom>
-          </p:spPr>
-        </p:pic>
-        <p:pic>
-          <p:nvPicPr>
-            <p:cNvPr id="10" name="Picture 9">
-              <a:extLst>
-                <a:ext uri="{FF2B5EF4-FFF2-40B4-BE49-F238E27FC236}">
-                  <a16:creationId xmlns:a16="http://schemas.microsoft.com/office/drawing/2014/main" id="{8D4AD952-FD6B-2D85-609C-2CDCF71DD90B}"/>
-                </a:ext>
-              </a:extLst>
-            </p:cNvPr>
-            <p:cNvPicPr>
-              <a:picLocks noChangeAspect="1"/>
-            </p:cNvPicPr>
-            <p:nvPr/>
-          </p:nvPicPr>
-          <p:blipFill>
-            <a:blip r:embed="rId4">
-              <a:extLst>
-                <a:ext uri="{28A0092B-C50C-407E-A947-70E740481C1C}">
-                  <a14:useLocalDpi xmlns:a14="http://schemas.microsoft.com/office/drawing/2010/main" val="0"/>
-                </a:ext>
-              </a:extLst>
-            </a:blip>
-            <a:stretch>
-              <a:fillRect/>
-            </a:stretch>
-          </p:blipFill>
-          <p:spPr>
-            <a:xfrm>
-              <a:off x="5430761" y="1538635"/>
-              <a:ext cx="487153" cy="487153"/>
-            </a:xfrm>
-            <a:prstGeom prst="rect">
-              <a:avLst/>
-            </a:prstGeom>
-          </p:spPr>
-        </p:pic>
-        <p:pic>
-          <p:nvPicPr>
-            <p:cNvPr id="11" name="Picture 10">
-              <a:extLst>
-                <a:ext uri="{FF2B5EF4-FFF2-40B4-BE49-F238E27FC236}">
-                  <a16:creationId xmlns:a16="http://schemas.microsoft.com/office/drawing/2014/main" id="{35060FE7-9BE5-8B38-9788-F3204D8CD598}"/>
-                </a:ext>
-              </a:extLst>
-            </p:cNvPr>
-            <p:cNvPicPr>
-              <a:picLocks noChangeAspect="1"/>
-            </p:cNvPicPr>
-            <p:nvPr/>
-          </p:nvPicPr>
-          <p:blipFill>
-            <a:blip r:embed="rId4">
-              <a:extLst>
-                <a:ext uri="{28A0092B-C50C-407E-A947-70E740481C1C}">
-                  <a14:useLocalDpi xmlns:a14="http://schemas.microsoft.com/office/drawing/2010/main" val="0"/>
-                </a:ext>
-              </a:extLst>
-            </a:blip>
-            <a:stretch>
-              <a:fillRect/>
-            </a:stretch>
-          </p:blipFill>
-          <p:spPr>
-            <a:xfrm>
-              <a:off x="9338292" y="3018736"/>
-              <a:ext cx="487153" cy="487153"/>
-            </a:xfrm>
-            <a:prstGeom prst="rect">
-              <a:avLst/>
-            </a:prstGeom>
-          </p:spPr>
-        </p:pic>
-      </p:grpSp>
-      <p:grpSp>
-        <p:nvGrpSpPr>
-          <p:cNvPr id="45" name="Group 44">
-            <a:extLst>
-              <a:ext uri="{FF2B5EF4-FFF2-40B4-BE49-F238E27FC236}">
-                <a16:creationId xmlns:a16="http://schemas.microsoft.com/office/drawing/2014/main" id="{BB0A13EE-4DA7-391B-53F4-DFC4C0E1BC84}"/>
-              </a:ext>
-            </a:extLst>
-          </p:cNvPr>
-          <p:cNvGrpSpPr/>
-          <p:nvPr/>
-        </p:nvGrpSpPr>
-        <p:grpSpPr>
-          <a:xfrm>
-            <a:off x="2304342" y="1538635"/>
-            <a:ext cx="8346491" cy="2483181"/>
-            <a:chOff x="2304342" y="1538635"/>
-            <a:chExt cx="8346491" cy="2483181"/>
-          </a:xfrm>
-        </p:grpSpPr>
-        <p:cxnSp>
-          <p:nvCxnSpPr>
-            <p:cNvPr id="19" name="Connector: Elbow 18">
-              <a:extLst>
-                <a:ext uri="{FF2B5EF4-FFF2-40B4-BE49-F238E27FC236}">
-                  <a16:creationId xmlns:a16="http://schemas.microsoft.com/office/drawing/2014/main" id="{8FA3187D-2FA0-6E7F-1569-0AF14160E24E}"/>
-                </a:ext>
-              </a:extLst>
-            </p:cNvPr>
-            <p:cNvCxnSpPr>
-              <a:stCxn id="5" idx="3"/>
-              <a:endCxn id="9" idx="2"/>
-            </p:cNvCxnSpPr>
-            <p:nvPr/>
-          </p:nvCxnSpPr>
-          <p:spPr>
-            <a:xfrm flipV="1">
-              <a:off x="3674860" y="2352087"/>
-              <a:ext cx="178603" cy="291101"/>
-            </a:xfrm>
-            <a:prstGeom prst="bentConnector2">
-              <a:avLst/>
-            </a:prstGeom>
-            <a:ln w="57150">
-              <a:tailEnd type="triangle"/>
-            </a:ln>
-          </p:spPr>
-          <p:style>
-            <a:lnRef idx="1">
-              <a:schemeClr val="accent1"/>
-            </a:lnRef>
-            <a:fillRef idx="0">
-              <a:schemeClr val="accent1"/>
-            </a:fillRef>
-            <a:effectRef idx="0">
-              <a:schemeClr val="accent1"/>
-            </a:effectRef>
-            <a:fontRef idx="minor">
-              <a:schemeClr val="tx1"/>
-            </a:fontRef>
-          </p:style>
-        </p:cxnSp>
-        <p:cxnSp>
-          <p:nvCxnSpPr>
-            <p:cNvPr id="21" name="Connector: Elbow 20">
-              <a:extLst>
-                <a:ext uri="{FF2B5EF4-FFF2-40B4-BE49-F238E27FC236}">
-                  <a16:creationId xmlns:a16="http://schemas.microsoft.com/office/drawing/2014/main" id="{81259316-84F0-5E38-242B-C592BF2D5B88}"/>
-                </a:ext>
-              </a:extLst>
-            </p:cNvPr>
-            <p:cNvCxnSpPr>
-              <a:endCxn id="7" idx="2"/>
-            </p:cNvCxnSpPr>
-            <p:nvPr/>
-          </p:nvCxnSpPr>
-          <p:spPr>
-            <a:xfrm rot="16200000" flipV="1">
-              <a:off x="2086835" y="2260662"/>
-              <a:ext cx="600033" cy="165019"/>
-            </a:xfrm>
-            <a:prstGeom prst="bentConnector3">
-              <a:avLst>
-                <a:gd name="adj1" fmla="val -1279"/>
-              </a:avLst>
-            </a:prstGeom>
-            <a:ln w="57150">
-              <a:tailEnd type="triangle"/>
-            </a:ln>
-          </p:spPr>
-          <p:style>
-            <a:lnRef idx="1">
-              <a:schemeClr val="accent1"/>
-            </a:lnRef>
-            <a:fillRef idx="0">
-              <a:schemeClr val="accent1"/>
-            </a:fillRef>
-            <a:effectRef idx="0">
-              <a:schemeClr val="accent1"/>
-            </a:effectRef>
-            <a:fontRef idx="minor">
-              <a:schemeClr val="tx1"/>
-            </a:fontRef>
-          </p:style>
-        </p:cxnSp>
-        <p:cxnSp>
-          <p:nvCxnSpPr>
-            <p:cNvPr id="26" name="Connector: Elbow 25">
-              <a:extLst>
-                <a:ext uri="{FF2B5EF4-FFF2-40B4-BE49-F238E27FC236}">
-                  <a16:creationId xmlns:a16="http://schemas.microsoft.com/office/drawing/2014/main" id="{1B6934CC-9577-7661-3BDB-3B4F1CC8FF47}"/>
-                </a:ext>
-              </a:extLst>
-            </p:cNvPr>
-            <p:cNvCxnSpPr>
-              <a:stCxn id="46" idx="0"/>
-              <a:endCxn id="10" idx="1"/>
-            </p:cNvCxnSpPr>
-            <p:nvPr/>
-          </p:nvCxnSpPr>
-          <p:spPr>
-            <a:xfrm rot="5400000" flipH="1" flipV="1">
-              <a:off x="5169528" y="1762830"/>
-              <a:ext cx="241851" cy="280616"/>
-            </a:xfrm>
-            <a:prstGeom prst="bentConnector2">
-              <a:avLst/>
-            </a:prstGeom>
-            <a:ln w="57150">
-              <a:solidFill>
-                <a:srgbClr val="C00000"/>
-              </a:solidFill>
-              <a:tailEnd type="triangle"/>
-            </a:ln>
-          </p:spPr>
-          <p:style>
-            <a:lnRef idx="1">
-              <a:schemeClr val="accent1"/>
-            </a:lnRef>
-            <a:fillRef idx="0">
-              <a:schemeClr val="accent1"/>
-            </a:fillRef>
-            <a:effectRef idx="0">
-              <a:schemeClr val="accent1"/>
-            </a:effectRef>
-            <a:fontRef idx="minor">
-              <a:schemeClr val="tx1"/>
-            </a:fontRef>
-          </p:style>
-        </p:cxnSp>
-        <p:cxnSp>
-          <p:nvCxnSpPr>
-            <p:cNvPr id="27" name="Connector: Elbow 26">
-              <a:extLst>
-                <a:ext uri="{FF2B5EF4-FFF2-40B4-BE49-F238E27FC236}">
-                  <a16:creationId xmlns:a16="http://schemas.microsoft.com/office/drawing/2014/main" id="{D3EF1435-E415-B014-7930-DD0E6CC26564}"/>
-                </a:ext>
-              </a:extLst>
-            </p:cNvPr>
-            <p:cNvCxnSpPr>
-              <a:cxnSpLocks/>
-              <a:stCxn id="46" idx="1"/>
-              <a:endCxn id="9" idx="3"/>
-            </p:cNvCxnSpPr>
-            <p:nvPr/>
-          </p:nvCxnSpPr>
-          <p:spPr>
-            <a:xfrm rot="10800000">
-              <a:off x="4097039" y="2108512"/>
-              <a:ext cx="450356" cy="534677"/>
-            </a:xfrm>
-            <a:prstGeom prst="bentConnector3">
-              <a:avLst>
-                <a:gd name="adj1" fmla="val 50000"/>
-              </a:avLst>
-            </a:prstGeom>
-            <a:ln w="57150">
-              <a:solidFill>
-                <a:srgbClr val="C00000"/>
-              </a:solidFill>
-              <a:tailEnd type="triangle"/>
-            </a:ln>
-          </p:spPr>
-          <p:style>
-            <a:lnRef idx="1">
-              <a:schemeClr val="accent1"/>
-            </a:lnRef>
-            <a:fillRef idx="0">
-              <a:schemeClr val="accent1"/>
-            </a:fillRef>
-            <a:effectRef idx="0">
-              <a:schemeClr val="accent1"/>
-            </a:effectRef>
-            <a:fontRef idx="minor">
-              <a:schemeClr val="tx1"/>
-            </a:fontRef>
-          </p:style>
-        </p:cxnSp>
-        <p:cxnSp>
-          <p:nvCxnSpPr>
-            <p:cNvPr id="33" name="Connector: Elbow 32">
-              <a:extLst>
-                <a:ext uri="{FF2B5EF4-FFF2-40B4-BE49-F238E27FC236}">
-                  <a16:creationId xmlns:a16="http://schemas.microsoft.com/office/drawing/2014/main" id="{3CBE4BBC-2DED-F6A3-4B05-D93BA68B6CD5}"/>
-                </a:ext>
-              </a:extLst>
-            </p:cNvPr>
-            <p:cNvCxnSpPr>
-              <a:stCxn id="47" idx="1"/>
-              <a:endCxn id="11" idx="3"/>
-            </p:cNvCxnSpPr>
-            <p:nvPr/>
-          </p:nvCxnSpPr>
-          <p:spPr>
-            <a:xfrm rot="10800000" flipV="1">
-              <a:off x="9825445" y="3030395"/>
-              <a:ext cx="222638" cy="231918"/>
-            </a:xfrm>
-            <a:prstGeom prst="bentConnector3">
-              <a:avLst/>
-            </a:prstGeom>
-            <a:ln w="57150">
-              <a:solidFill>
-                <a:srgbClr val="00B050"/>
-              </a:solidFill>
-              <a:tailEnd type="triangle"/>
-            </a:ln>
-          </p:spPr>
-          <p:style>
-            <a:lnRef idx="1">
-              <a:schemeClr val="accent1"/>
-            </a:lnRef>
-            <a:fillRef idx="0">
-              <a:schemeClr val="accent1"/>
-            </a:fillRef>
-            <a:effectRef idx="0">
-              <a:schemeClr val="accent1"/>
-            </a:effectRef>
-            <a:fontRef idx="minor">
-              <a:schemeClr val="tx1"/>
-            </a:fontRef>
-          </p:style>
-        </p:cxnSp>
-        <p:cxnSp>
-          <p:nvCxnSpPr>
-            <p:cNvPr id="34" name="Connector: Elbow 33">
-              <a:extLst>
-                <a:ext uri="{FF2B5EF4-FFF2-40B4-BE49-F238E27FC236}">
-                  <a16:creationId xmlns:a16="http://schemas.microsoft.com/office/drawing/2014/main" id="{6009A152-4FFD-DB6B-20D6-7B7DD0CAAC27}"/>
-                </a:ext>
-              </a:extLst>
-            </p:cNvPr>
-            <p:cNvCxnSpPr>
-              <a:cxnSpLocks/>
-              <a:endCxn id="8" idx="3"/>
-            </p:cNvCxnSpPr>
-            <p:nvPr/>
-          </p:nvCxnSpPr>
-          <p:spPr>
-            <a:xfrm rot="10800000" flipV="1">
-              <a:off x="9541591" y="3661177"/>
-              <a:ext cx="1109242" cy="360639"/>
-            </a:xfrm>
-            <a:prstGeom prst="bentConnector3">
-              <a:avLst>
-                <a:gd name="adj1" fmla="val 41405"/>
-              </a:avLst>
-            </a:prstGeom>
-            <a:ln w="57150">
-              <a:solidFill>
-                <a:srgbClr val="00B050"/>
-              </a:solidFill>
-              <a:tailEnd type="triangle"/>
-            </a:ln>
-          </p:spPr>
-          <p:style>
-            <a:lnRef idx="1">
-              <a:schemeClr val="accent1"/>
-            </a:lnRef>
-            <a:fillRef idx="0">
-              <a:schemeClr val="accent1"/>
-            </a:fillRef>
-            <a:effectRef idx="0">
-              <a:schemeClr val="accent1"/>
-            </a:effectRef>
-            <a:fontRef idx="minor">
-              <a:schemeClr val="tx1"/>
-            </a:fontRef>
-          </p:style>
-        </p:cxnSp>
-        <p:cxnSp>
-          <p:nvCxnSpPr>
-            <p:cNvPr id="38" name="Connector: Elbow 37">
-              <a:extLst>
-                <a:ext uri="{FF2B5EF4-FFF2-40B4-BE49-F238E27FC236}">
-                  <a16:creationId xmlns:a16="http://schemas.microsoft.com/office/drawing/2014/main" id="{F3B16D1B-7154-6312-F9A1-30CCB16BBA5F}"/>
-                </a:ext>
-              </a:extLst>
-            </p:cNvPr>
-            <p:cNvCxnSpPr>
-              <a:cxnSpLocks/>
-              <a:stCxn id="47" idx="0"/>
-              <a:endCxn id="10" idx="3"/>
-            </p:cNvCxnSpPr>
-            <p:nvPr/>
-          </p:nvCxnSpPr>
-          <p:spPr>
-            <a:xfrm rot="16200000" flipV="1">
-              <a:off x="7969845" y="-269719"/>
-              <a:ext cx="629058" cy="4732919"/>
-            </a:xfrm>
-            <a:prstGeom prst="bentConnector2">
-              <a:avLst/>
-            </a:prstGeom>
-            <a:ln w="57150">
-              <a:solidFill>
-                <a:srgbClr val="00B050"/>
-              </a:solidFill>
-              <a:tailEnd type="triangle"/>
-            </a:ln>
-          </p:spPr>
-          <p:style>
-            <a:lnRef idx="1">
-              <a:schemeClr val="accent1"/>
-            </a:lnRef>
-            <a:fillRef idx="0">
-              <a:schemeClr val="accent1"/>
-            </a:fillRef>
-            <a:effectRef idx="0">
-              <a:schemeClr val="accent1"/>
-            </a:effectRef>
-            <a:fontRef idx="minor">
-              <a:schemeClr val="tx1"/>
-            </a:fontRef>
-          </p:style>
-        </p:cxnSp>
-        <p:cxnSp>
-          <p:nvCxnSpPr>
-            <p:cNvPr id="41" name="Connector: Elbow 40">
-              <a:extLst>
-                <a:ext uri="{FF2B5EF4-FFF2-40B4-BE49-F238E27FC236}">
-                  <a16:creationId xmlns:a16="http://schemas.microsoft.com/office/drawing/2014/main" id="{A014B835-17D8-44FD-2C76-0908A3648621}"/>
-                </a:ext>
-              </a:extLst>
-            </p:cNvPr>
-            <p:cNvCxnSpPr>
-              <a:cxnSpLocks/>
-              <a:stCxn id="5" idx="0"/>
-              <a:endCxn id="10" idx="0"/>
-            </p:cNvCxnSpPr>
-            <p:nvPr/>
-          </p:nvCxnSpPr>
-          <p:spPr>
-            <a:xfrm rot="5400000" flipH="1" flipV="1">
-              <a:off x="4130510" y="480235"/>
-              <a:ext cx="485428" cy="2602228"/>
-            </a:xfrm>
-            <a:prstGeom prst="bentConnector3">
-              <a:avLst>
-                <a:gd name="adj1" fmla="val 147092"/>
-              </a:avLst>
-            </a:prstGeom>
-            <a:ln w="57150">
-              <a:tailEnd type="triangle"/>
-            </a:ln>
-          </p:spPr>
-          <p:style>
-            <a:lnRef idx="1">
-              <a:schemeClr val="accent1"/>
-            </a:lnRef>
-            <a:fillRef idx="0">
-              <a:schemeClr val="accent1"/>
-            </a:fillRef>
-            <a:effectRef idx="0">
-              <a:schemeClr val="accent1"/>
-            </a:effectRef>
-            <a:fontRef idx="minor">
-              <a:schemeClr val="tx1"/>
-            </a:fontRef>
-          </p:style>
-        </p:cxnSp>
-      </p:grpSp>
-    </p:spTree>
-    <p:extLst>
-      <p:ext uri="{BB962C8B-B14F-4D97-AF65-F5344CB8AC3E}">
-        <p14:creationId xmlns:p14="http://schemas.microsoft.com/office/powerpoint/2010/main" val="2806444834"/>
-      </p:ext>
-    </p:extLst>
-  </p:cSld>
-  <p:clrMapOvr>
-    <a:masterClrMapping/>
-  </p:clrMapOvr>
-  <p:timing>
-    <p:tnLst>
-      <p:par>
-        <p:cTn id="1" dur="indefinite" restart="never" nodeType="tmRoot">
-          <p:childTnLst>
-            <p:seq concurrent="1" nextAc="seek">
-              <p:cTn id="2" dur="indefinite" nodeType="mainSeq">
-                <p:childTnLst>
-                  <p:par>
-                    <p:cTn id="3" fill="hold">
-                      <p:stCondLst>
-                        <p:cond delay="indefinite"/>
-                      </p:stCondLst>
-                      <p:childTnLst>
-                        <p:par>
-                          <p:cTn id="4" fill="hold">
-                            <p:stCondLst>
-                              <p:cond delay="0"/>
-                            </p:stCondLst>
-                            <p:childTnLst>
-                              <p:par>
-                                <p:cTn id="5" presetID="1" presetClass="entr" presetSubtype="0" fill="hold" nodeType="clickEffect">
-                                  <p:stCondLst>
-                                    <p:cond delay="0"/>
-                                  </p:stCondLst>
-                                  <p:childTnLst>
-                                    <p:set>
-                                      <p:cBhvr>
-                                        <p:cTn id="6" dur="1" fill="hold">
-                                          <p:stCondLst>
-                                            <p:cond delay="0"/>
-                                          </p:stCondLst>
-                                        </p:cTn>
-                                        <p:tgtEl>
-                                          <p:spTgt spid="44"/>
-                                        </p:tgtEl>
-                                        <p:attrNameLst>
-                                          <p:attrName>style.visibility</p:attrName>
-                                        </p:attrNameLst>
-                                      </p:cBhvr>
-                                      <p:to>
-                                        <p:strVal val="visible"/>
-                                      </p:to>
-                                    </p:set>
-                                  </p:childTnLst>
-                                </p:cTn>
-                              </p:par>
-                            </p:childTnLst>
-                          </p:cTn>
-                        </p:par>
-                      </p:childTnLst>
-                    </p:cTn>
-                  </p:par>
-                  <p:par>
-                    <p:cTn id="7" fill="hold">
-                      <p:stCondLst>
-                        <p:cond delay="indefinite"/>
-                      </p:stCondLst>
-                      <p:childTnLst>
-                        <p:par>
-                          <p:cTn id="8" fill="hold">
-                            <p:stCondLst>
-                              <p:cond delay="0"/>
-                            </p:stCondLst>
-                            <p:childTnLst>
-                              <p:par>
-                                <p:cTn id="9" presetID="1" presetClass="entr" presetSubtype="0" fill="hold" nodeType="clickEffect">
-                                  <p:stCondLst>
-                                    <p:cond delay="0"/>
-                                  </p:stCondLst>
-                                  <p:childTnLst>
-                                    <p:set>
-                                      <p:cBhvr>
-                                        <p:cTn id="10" dur="1" fill="hold">
-                                          <p:stCondLst>
-                                            <p:cond delay="0"/>
-                                          </p:stCondLst>
-                                        </p:cTn>
-                                        <p:tgtEl>
-                                          <p:spTgt spid="45"/>
-                                        </p:tgtEl>
-                                        <p:attrNameLst>
-                                          <p:attrName>style.visibility</p:attrName>
-                                        </p:attrNameLst>
-                                      </p:cBhvr>
-                                      <p:to>
-                                        <p:strVal val="visible"/>
-                                      </p:to>
-                                    </p:set>
-                                  </p:childTnLst>
-                                </p:cTn>
-                              </p:par>
-                            </p:childTnLst>
-                          </p:cTn>
-                        </p:par>
-                      </p:childTnLst>
-                    </p:cTn>
-                  </p:par>
-                </p:childTnLst>
-              </p:cTn>
-              <p:prevCondLst>
-                <p:cond evt="onPrev" delay="0">
-                  <p:tgtEl>
-                    <p:sldTgt/>
-                  </p:tgtEl>
-                </p:cond>
-              </p:prevCondLst>
-              <p:nextCondLst>
-                <p:cond evt="onNext" delay="0">
-                  <p:tgtEl>
-                    <p:sldTgt/>
-                  </p:tgtEl>
-                </p:cond>
-              </p:nextCondLst>
-            </p:seq>
-          </p:childTnLst>
-        </p:cTn>
-      </p:par>
-    </p:tnLst>
-  </p:timing>
-</p:sld>
-</file>
-
-<file path=ppt/slides/slide9.xml><?xml version="1.0" encoding="utf-8"?>
-<p:sld xmlns:a="http://schemas.openxmlformats.org/drawingml/2006/main" xmlns:r="http://schemas.openxmlformats.org/officeDocument/2006/relationships" xmlns:p="http://schemas.openxmlformats.org/presentationml/2006/main">
-  <p:cSld>
-    <p:spTree>
-      <p:nvGrpSpPr>
-        <p:cNvPr id="1" name="">
-          <a:extLst>
-            <a:ext uri="{FF2B5EF4-FFF2-40B4-BE49-F238E27FC236}">
-              <a16:creationId xmlns:a16="http://schemas.microsoft.com/office/drawing/2014/main" id="{6B3CB19F-9D67-D520-3D7B-20F10EF84108}"/>
-            </a:ext>
-          </a:extLst>
-        </p:cNvPr>
-        <p:cNvGrpSpPr/>
-        <p:nvPr/>
-      </p:nvGrpSpPr>
-      <p:grpSpPr>
-        <a:xfrm>
-          <a:off x="0" y="0"/>
-          <a:ext cx="0" cy="0"/>
-          <a:chOff x="0" y="0"/>
-          <a:chExt cx="0" cy="0"/>
-        </a:xfrm>
-      </p:grpSpPr>
-      <p:pic>
-        <p:nvPicPr>
-          <p:cNvPr id="29" name="Picture 28">
-            <a:extLst>
-              <a:ext uri="{FF2B5EF4-FFF2-40B4-BE49-F238E27FC236}">
-                <a16:creationId xmlns:a16="http://schemas.microsoft.com/office/drawing/2014/main" id="{690E1BF8-B026-8B62-37FA-640B6B18F8A2}"/>
-              </a:ext>
-            </a:extLst>
-          </p:cNvPr>
-          <p:cNvPicPr>
-            <a:picLocks noChangeAspect="1"/>
-          </p:cNvPicPr>
-          <p:nvPr/>
-        </p:nvPicPr>
-        <p:blipFill>
-          <a:blip r:embed="rId2">
-            <a:extLst>
-              <a:ext uri="{28A0092B-C50C-407E-A947-70E740481C1C}">
-                <a14:useLocalDpi xmlns:a14="http://schemas.microsoft.com/office/drawing/2010/main" val="0"/>
-              </a:ext>
-            </a:extLst>
-          </a:blip>
-          <a:stretch>
-            <a:fillRect/>
-          </a:stretch>
-        </p:blipFill>
-        <p:spPr>
-          <a:xfrm>
-            <a:off x="0" y="362585"/>
-            <a:ext cx="12192000" cy="6711950"/>
-          </a:xfrm>
-          <a:prstGeom prst="rect">
-            <a:avLst/>
-          </a:prstGeom>
-        </p:spPr>
-      </p:pic>
-      <p:sp>
-        <p:nvSpPr>
-          <p:cNvPr id="2" name="Title 1">
-            <a:extLst>
-              <a:ext uri="{FF2B5EF4-FFF2-40B4-BE49-F238E27FC236}">
-                <a16:creationId xmlns:a16="http://schemas.microsoft.com/office/drawing/2014/main" id="{9A29A944-538A-CA8A-1D42-864FC308A90E}"/>
-              </a:ext>
-            </a:extLst>
-          </p:cNvPr>
-          <p:cNvSpPr txBox="1">
-            <a:spLocks/>
-          </p:cNvSpPr>
-          <p:nvPr/>
-        </p:nvSpPr>
-        <p:spPr>
-          <a:xfrm>
-            <a:off x="838200" y="290751"/>
-            <a:ext cx="10515600" cy="856964"/>
-          </a:xfrm>
-          <a:prstGeom prst="rect">
-            <a:avLst/>
-          </a:prstGeom>
-        </p:spPr>
-        <p:txBody>
-          <a:bodyPr vert="horz" lIns="91440" tIns="45720" rIns="91440" bIns="45720" rtlCol="0" anchor="b">
-            <a:normAutofit/>
-          </a:bodyPr>
-          <a:lstStyle>
-            <a:lvl1pPr algn="ctr" defTabSz="914400" rtl="0" eaLnBrk="1" latinLnBrk="0" hangingPunct="1">
-              <a:lnSpc>
-                <a:spcPct val="90000"/>
-              </a:lnSpc>
-              <a:spcBef>
-                <a:spcPct val="0"/>
-              </a:spcBef>
-              <a:buNone/>
-              <a:defRPr sz="6000" kern="1200">
-                <a:solidFill>
-                  <a:schemeClr val="tx1"/>
-                </a:solidFill>
-                <a:latin typeface="+mj-lt"/>
-                <a:ea typeface="+mj-ea"/>
-                <a:cs typeface="+mj-cs"/>
-              </a:defRPr>
-            </a:lvl1pPr>
-          </a:lstStyle>
-          <a:p>
-            <a:pPr algn="l"/>
-            <a:r>
-              <a:rPr lang="en-GB" sz="4400" dirty="0">
-                <a:latin typeface="Arial Black" panose="020B0A04020102020204" pitchFamily="34" charset="0"/>
-              </a:rPr>
-              <a:t>Sun Worshipers</a:t>
-            </a:r>
-          </a:p>
-        </p:txBody>
-      </p:sp>
-      <p:pic>
-        <p:nvPicPr>
-          <p:cNvPr id="47" name="Picture 46">
-            <a:extLst>
-              <a:ext uri="{FF2B5EF4-FFF2-40B4-BE49-F238E27FC236}">
-                <a16:creationId xmlns:a16="http://schemas.microsoft.com/office/drawing/2014/main" id="{89B022F4-F2BE-8564-D79F-555B93071BE7}"/>
-              </a:ext>
-            </a:extLst>
-          </p:cNvPr>
-          <p:cNvPicPr>
-            <a:picLocks noChangeAspect="1"/>
-          </p:cNvPicPr>
-          <p:nvPr/>
-        </p:nvPicPr>
-        <p:blipFill>
-          <a:blip r:embed="rId3">
-            <a:extLst>
-              <a:ext uri="{28A0092B-C50C-407E-A947-70E740481C1C}">
-                <a14:useLocalDpi xmlns:a14="http://schemas.microsoft.com/office/drawing/2010/main" val="0"/>
-              </a:ext>
-            </a:extLst>
-          </a:blip>
-          <a:stretch>
-            <a:fillRect/>
-          </a:stretch>
-        </p:blipFill>
-        <p:spPr>
-          <a:xfrm>
-            <a:off x="10048083" y="2411270"/>
-            <a:ext cx="1205500" cy="1238250"/>
-          </a:xfrm>
-          <a:prstGeom prst="rect">
-            <a:avLst/>
-          </a:prstGeom>
-        </p:spPr>
-      </p:pic>
-      <p:pic>
-        <p:nvPicPr>
-          <p:cNvPr id="6" name="Picture 5">
-            <a:extLst>
-              <a:ext uri="{FF2B5EF4-FFF2-40B4-BE49-F238E27FC236}">
-                <a16:creationId xmlns:a16="http://schemas.microsoft.com/office/drawing/2014/main" id="{79455C18-1075-77B3-52E6-7C5C11BD916C}"/>
-              </a:ext>
-            </a:extLst>
-          </p:cNvPr>
-          <p:cNvPicPr>
-            <a:picLocks noChangeAspect="1"/>
-          </p:cNvPicPr>
-          <p:nvPr/>
-        </p:nvPicPr>
-        <p:blipFill>
-          <a:blip r:embed="rId4">
-            <a:extLst>
-              <a:ext uri="{28A0092B-C50C-407E-A947-70E740481C1C}">
-                <a14:useLocalDpi xmlns:a14="http://schemas.microsoft.com/office/drawing/2010/main" val="0"/>
-              </a:ext>
-            </a:extLst>
-          </a:blip>
-          <a:stretch>
-            <a:fillRect/>
-          </a:stretch>
-        </p:blipFill>
-        <p:spPr>
-          <a:xfrm>
-            <a:off x="10127455" y="5287374"/>
-            <a:ext cx="1165814" cy="1165814"/>
-          </a:xfrm>
-          <a:prstGeom prst="rect">
-            <a:avLst/>
-          </a:prstGeom>
-        </p:spPr>
-      </p:pic>
-    </p:spTree>
-    <p:extLst>
-      <p:ext uri="{BB962C8B-B14F-4D97-AF65-F5344CB8AC3E}">
-        <p14:creationId xmlns:p14="http://schemas.microsoft.com/office/powerpoint/2010/main" val="3352555866"/>
-      </p:ext>
-    </p:extLst>
-  </p:cSld>
-  <p:clrMapOvr>
-    <a:masterClrMapping/>
-  </p:clrMapOvr>
-  <p:timing>
-    <p:tnLst>
-      <p:par>
-        <p:cTn id="1" dur="indefinite" restart="never" nodeType="tmRoot">
-          <p:childTnLst>
-            <p:seq concurrent="1" nextAc="seek">
-              <p:cTn id="2" dur="indefinite" nodeType="mainSeq">
-                <p:childTnLst>
-                  <p:par>
-                    <p:cTn id="3" fill="hold">
-                      <p:stCondLst>
-                        <p:cond delay="indefinite"/>
-                      </p:stCondLst>
-                      <p:childTnLst>
-                        <p:par>
-                          <p:cTn id="4" fill="hold">
-                            <p:stCondLst>
-                              <p:cond delay="0"/>
-                            </p:stCondLst>
-                            <p:childTnLst>
-                              <p:par>
-                                <p:cTn id="5" presetID="0" presetClass="path" presetSubtype="0" accel="50000" decel="50000" fill="hold" nodeType="clickEffect">
-                                  <p:stCondLst>
-                                    <p:cond delay="0"/>
-                                  </p:stCondLst>
-                                  <p:childTnLst>
-                                    <p:animMotion origin="layout" path="M 2.08333E-7 7.40741E-7 L 2.08333E-7 0.00023 C 0.00143 -0.00185 0.00312 -0.00301 0.0043 -0.00556 C 0.00664 -0.01065 0.00651 -0.0169 0.00352 -0.02083 C 0.00117 -0.02431 -0.00182 -0.02546 -0.00443 -0.02778 C -0.00729 -0.02639 -0.01068 -0.02662 -0.01289 -0.02315 C -0.01549 -0.01968 -0.01471 -0.00857 -0.01289 -0.00463 C -0.01198 -0.00278 -0.01016 -0.00208 -0.00885 -0.00093 C -0.00716 -0.00139 -0.00508 -0.0007 -0.00365 -0.00232 C -0.00091 -0.00625 -0.00052 -0.0125 0.00039 -0.01782 C -0.00508 -0.025 -0.00573 -0.02685 -0.01484 -0.02639 C -0.01641 -0.02639 -0.01732 -0.02315 -0.01849 -0.02176 C -0.01836 -0.01806 -0.01875 -0.01412 -0.0181 -0.01088 C -0.01549 0.00139 -0.01341 0.00046 -0.00768 0.00463 C -0.00456 0.00093 -0.00117 -0.00162 0.00156 -0.00625 C 0.00339 -0.00972 0.00495 -0.01389 0.00599 -0.01852 C 0.00638 -0.0206 0.00612 -0.02384 0.00521 -0.02477 C 0.00208 -0.02801 -0.00156 -0.02824 -0.00482 -0.03009 C -0.01068 -0.02917 -0.02135 -0.03032 -0.02656 -0.02083 C -0.02852 -0.01759 -0.02891 -0.01157 -0.03008 -0.00695 C -0.03125 0.01088 -0.03398 0.02986 -0.02852 0.04768 C -0.02604 0.05532 -0.02135 0.05972 -0.01732 0.06458 C -0.0069 0.07708 0.00443 0.08704 0.0168 0.09074 C 0.02214 0.09236 0.02773 0.0912 0.0332 0.09167 C 0.0375 0.08843 0.04206 0.08634 0.04596 0.08241 C 0.04831 0.08009 0.05599 0.06435 0.05807 0.06065 C 0.05924 0.05324 0.06107 0.04606 0.06159 0.03843 C 0.06263 0.025 0.06302 0.0118 0.06237 -0.00162 C 0.06159 -0.02083 0.05664 -0.03403 0.05 -0.04792 C 0.04128 -0.06574 0.03242 -0.08357 0.02279 -0.09954 C -0.0056 -0.14676 0.00195 -0.12662 -0.03255 -0.15949 C -0.0776 -0.20278 -0.01771 -0.15949 -0.08177 -0.2088 C -0.10182 -0.22454 -0.12448 -0.23519 -0.14544 -0.24352 C -0.15508 -0.24745 -0.16471 -0.25093 -0.17435 -0.25278 C -0.18568 -0.25532 -0.19701 -0.25532 -0.20833 -0.25648 C -0.22396 -0.25556 -0.23971 -0.25579 -0.25521 -0.25347 C -0.27344 -0.25116 -0.28372 -0.24445 -0.30091 -0.2382 C -0.30781 -0.23588 -0.31497 -0.23472 -0.32174 -0.23125 C -0.3793 -0.20278 -0.31458 -0.23125 -0.36628 -0.19491 C -0.37135 -0.19167 -0.38112 -0.18542 -0.38503 -0.1787 C -0.38607 -0.17708 -0.38724 -0.175 -0.38828 -0.17338 C -0.38971 -0.17153 -0.39128 -0.1706 -0.39271 -0.16875 C -0.39583 -0.16528 -0.39674 -0.16366 -0.39909 -0.1588 C -0.40195 -0.15278 -0.40299 -0.15 -0.40508 -0.1419 C -0.41185 -0.1169 -0.40482 -0.13912 -0.4099 -0.12338 C -0.40977 -0.1213 -0.41055 -0.11806 -0.40951 -0.11713 C -0.40326 -0.11343 -0.4026 -0.11945 -0.39987 -0.12639 C -0.40039 -0.13241 -0.40052 -0.13843 -0.40143 -0.14421 C -0.40182 -0.1463 -0.40313 -0.14745 -0.40391 -0.14884 C -0.40612 -0.15208 -0.40677 -0.15255 -0.40911 -0.15417 C -0.42435 -0.14583 -0.42656 -0.14653 -0.43997 -0.13264 C -0.4418 -0.13079 -0.4431 -0.12801 -0.44479 -0.1257 C -0.4457 -0.11806 -0.44818 -0.10556 -0.44271 -0.09954 C -0.43971 -0.09607 -0.43555 -0.1 -0.4319 -0.10023 C -0.4263 -0.1044 -0.41849 -0.10695 -0.4151 -0.11875 C -0.41406 -0.12292 -0.41458 -0.12801 -0.41432 -0.13264 C -0.42135 -0.14236 -0.42161 -0.14815 -0.42995 -0.14259 C -0.43125 -0.1419 -0.43203 -0.13912 -0.43307 -0.13727 C -0.42656 -0.11991 -0.42839 -0.12083 -0.40911 -0.11945 C -0.40703 -0.11945 -0.40586 -0.12454 -0.4043 -0.12708 C -0.41289 -0.15023 -0.41224 -0.15833 -0.43073 -0.1588 C -0.43333 -0.15903 -0.43503 -0.15255 -0.43711 -0.14954 C -0.43503 -0.14352 -0.43451 -0.13287 -0.43073 -0.13171 C -0.42786 -0.13125 -0.42773 -0.1419 -0.42786 -0.14722 C -0.42813 -0.15347 -0.4306 -0.1581 -0.4319 -0.16343 C -0.43385 -0.16227 -0.43659 -0.16366 -0.4375 -0.16042 C -0.44049 -0.15023 -0.4418 -0.12222 -0.43555 -0.11343 C -0.43216 -0.10857 -0.42695 -0.11181 -0.42266 -0.11111 C -0.41784 -0.12292 -0.41172 -0.1331 -0.40833 -0.14653 C -0.4069 -0.15232 -0.40599 -0.16343 -0.40911 -0.16574 C -0.41393 -0.16945 -0.41901 -0.16111 -0.42396 -0.1588 C -0.42773 -0.15185 -0.43281 -0.14676 -0.43555 -0.13796 C -0.43737 -0.13218 -0.43971 -0.12153 -0.43672 -0.11713 C -0.43151 -0.10949 -0.4237 -0.1125 -0.41706 -0.11019 C -0.41172 -0.11412 -0.40573 -0.11528 -0.40104 -0.12176 C -0.39961 -0.12407 -0.4 -0.13079 -0.40143 -0.13264 C -0.40625 -0.13843 -0.41211 -0.13866 -0.41745 -0.1419 C -0.4207 -0.1412 -0.42487 -0.14468 -0.42708 -0.14028 C -0.43112 -0.13333 -0.42721 -0.10417 -0.42669 -0.09861 C -0.41458 -0.11296 -0.41211 -0.11157 -0.41263 -0.15648 C -0.41289 -0.16389 -0.41771 -0.16782 -0.42031 -0.17338 C -0.42917 -0.16945 -0.45885 -0.16042 -0.46523 -0.1419 C -0.47005 -0.12801 -0.46758 -0.10857 -0.46875 -0.09167 C -0.44714 -0.0507 -0.44557 -0.03426 -0.41107 -0.03102 C -0.40326 -0.03009 -0.39583 -0.03958 -0.38828 -0.04398 C -0.38177 -0.05949 -0.35286 -0.11713 -0.35026 -0.14884 C -0.34935 -0.15926 -0.35286 -0.16945 -0.35547 -0.1787 C -0.35807 -0.18866 -0.3612 -0.19838 -0.36536 -0.20509 C -0.38047 -0.2287 -0.39036 -0.23009 -0.40872 -0.23588 C -0.41823 -0.23889 -0.4276 -0.24097 -0.43711 -0.24352 L -0.49883 -0.24282 C -0.50352 -0.24282 -0.50807 -0.24282 -0.5125 -0.2412 C -0.51589 -0.24028 -0.51927 -0.23727 -0.5224 -0.23495 C -0.54362 -0.22153 -0.54466 -0.22222 -0.56406 -0.19815 C -0.56875 -0.19236 -0.57266 -0.18449 -0.57734 -0.1787 C -0.58542 -0.16921 -0.59401 -0.16273 -0.60182 -0.15255 C -0.61276 -0.13912 -0.6082 -0.14537 -0.61576 -0.13403 C -0.61771 -0.12755 -0.62031 -0.11898 -0.62135 -0.11181 C -0.6224 -0.10648 -0.62279 -0.10046 -0.62344 -0.09491 C -0.62253 -0.08218 -0.62565 -0.06551 -0.62057 -0.05718 C -0.60846 -0.03657 -0.60521 -0.05486 -0.60299 -0.06551 C -0.61198 -0.07361 -0.60951 -0.07361 -0.62422 -0.06713 C -0.62526 -0.0669 -0.62552 -0.06412 -0.62617 -0.0625 C -0.62604 -0.05995 -0.62708 -0.05602 -0.62578 -0.05486 C -0.62409 -0.05324 -0.62188 -0.05556 -0.61979 -0.05625 C -0.61901 -0.05648 -0.61667 -0.0581 -0.61745 -0.05787 C -0.6207 -0.05695 -0.62383 -0.05532 -0.62708 -0.05394 C -0.62669 -0.05278 -0.62708 -0.05023 -0.62617 -0.05023 C -0.61784 -0.05093 -0.61849 -0.05162 -0.61536 -0.06088 C -0.61615 -0.06204 -0.61706 -0.06343 -0.61784 -0.06412 C -0.62214 -0.0669 -0.62422 -0.06528 -0.62865 -0.06412 C -0.62917 -0.06227 -0.62995 -0.06065 -0.63021 -0.05857 C -0.63034 -0.05787 -0.63034 -0.05625 -0.62982 -0.05625 C -0.62708 -0.05602 -0.62422 -0.05741 -0.62135 -0.05787 C -0.62214 -0.06042 -0.62214 -0.06505 -0.62344 -0.06551 C -0.63424 -0.07014 -0.63385 -0.06921 -0.63737 -0.06019 C -0.63659 -0.05695 -0.6362 -0.05324 -0.63503 -0.05023 C -0.63359 -0.0463 -0.63047 -0.04838 -0.62865 -0.04931 C -0.61992 -0.05486 -0.62422 -0.05417 -0.61784 -0.05625 C -0.61771 -0.05648 -0.61732 -0.05625 -0.61706 -0.05625 " pathEditMode="relative" rAng="0" ptsTypes="AAAAAAAAAAAAAAAAAAAAAAAAAAAAAAAAAAAAAAAAAAAAAAAAAAAAAAAAAAAAAAAAAAAAAAAAAAAAAAAAAAAAAAAAAAAAAAAAAAAAAAAAAAAAAAAAAAAAAAAA">
-                                      <p:cBhvr>
-                                        <p:cTn id="6" dur="5000" fill="hold"/>
-                                        <p:tgtEl>
-                                          <p:spTgt spid="47"/>
-                                        </p:tgtEl>
-                                        <p:attrNameLst>
-                                          <p:attrName>ppt_x</p:attrName>
-                                          <p:attrName>ppt_y</p:attrName>
-                                        </p:attrNameLst>
-                                      </p:cBhvr>
-                                      <p:rCtr x="-28737" y="-8241"/>
-                                    </p:animMotion>
-                                  </p:childTnLst>
-                                </p:cTn>
-                              </p:par>
-                              <p:par>
-                                <p:cTn id="7" presetID="37" presetClass="path" presetSubtype="0" accel="50000" decel="50000" fill="hold" nodeType="withEffect">
-                                  <p:stCondLst>
-                                    <p:cond delay="0"/>
-                                  </p:stCondLst>
-                                  <p:childTnLst>
-                                    <p:animMotion origin="layout" path="M 4.58333E-6 -0.00046 L -0.20586 -0.28866 C -0.24844 -0.35371 -0.31276 -0.3882 -0.38008 -0.3882 C -0.45678 -0.3882 -0.5181 -0.35371 -0.56081 -0.28866 L -0.76589 -0.00046 " pathEditMode="relative" rAng="0" ptsTypes="AAAAA">
-                                      <p:cBhvr>
-                                        <p:cTn id="8" dur="5000" fill="hold"/>
-                                        <p:tgtEl>
-                                          <p:spTgt spid="6"/>
-                                        </p:tgtEl>
-                                        <p:attrNameLst>
-                                          <p:attrName>ppt_x</p:attrName>
-                                          <p:attrName>ppt_y</p:attrName>
-                                        </p:attrNameLst>
-                                      </p:cBhvr>
-                                      <p:rCtr x="-38294" y="-19398"/>
-                                    </p:animMotion>
-                                  </p:childTnLst>
-                                </p:cTn>
-                              </p:par>
-                            </p:childTnLst>
-                          </p:cTn>
-                        </p:par>
-                      </p:childTnLst>
-                    </p:cTn>
-                  </p:par>
-                </p:childTnLst>
-              </p:cTn>
-              <p:prevCondLst>
-                <p:cond evt="onPrev" delay="0">
-                  <p:tgtEl>
-                    <p:sldTgt/>
-                  </p:tgtEl>
-                </p:cond>
-              </p:prevCondLst>
-              <p:nextCondLst>
-                <p:cond evt="onNext" delay="0">
-                  <p:tgtEl>
-                    <p:sldTgt/>
-                  </p:tgtEl>
-                </p:cond>
-              </p:nextCondLst>
-            </p:seq>
-          </p:childTnLst>
-        </p:cTn>
-      </p:par>
-    </p:tnLst>
-  </p:timing>
-</p:sld>
-</file>
-
 <file path=ppt/theme/theme1.xml><?xml version="1.0" encoding="utf-8"?>
 <a:theme xmlns:a="http://schemas.openxmlformats.org/drawingml/2006/main" name="Office Theme">
   <a:themeElements>

--- a/Presentation/FXMM.pptx
+++ b/Presentation/FXMM.pptx
@@ -4,45 +4,50 @@
   <p:sldMasterIdLst>
     <p:sldMasterId id="2147483648" r:id="rId1"/>
   </p:sldMasterIdLst>
+  <p:notesMasterIdLst>
+    <p:notesMasterId r:id="rId42"/>
+  </p:notesMasterIdLst>
   <p:sldIdLst>
     <p:sldId id="294" r:id="rId2"/>
     <p:sldId id="301" r:id="rId3"/>
     <p:sldId id="289" r:id="rId4"/>
     <p:sldId id="286" r:id="rId5"/>
-    <p:sldId id="293" r:id="rId6"/>
-    <p:sldId id="300" r:id="rId7"/>
-    <p:sldId id="257" r:id="rId8"/>
-    <p:sldId id="272" r:id="rId9"/>
-    <p:sldId id="261" r:id="rId10"/>
-    <p:sldId id="299" r:id="rId11"/>
-    <p:sldId id="270" r:id="rId12"/>
-    <p:sldId id="288" r:id="rId13"/>
-    <p:sldId id="275" r:id="rId14"/>
-    <p:sldId id="276" r:id="rId15"/>
-    <p:sldId id="287" r:id="rId16"/>
-    <p:sldId id="291" r:id="rId17"/>
-    <p:sldId id="298" r:id="rId18"/>
-    <p:sldId id="271" r:id="rId19"/>
-    <p:sldId id="292" r:id="rId20"/>
-    <p:sldId id="277" r:id="rId21"/>
-    <p:sldId id="278" r:id="rId22"/>
-    <p:sldId id="302" r:id="rId23"/>
-    <p:sldId id="279" r:id="rId24"/>
-    <p:sldId id="273" r:id="rId25"/>
-    <p:sldId id="283" r:id="rId26"/>
-    <p:sldId id="297" r:id="rId27"/>
-    <p:sldId id="266" r:id="rId28"/>
-    <p:sldId id="267" r:id="rId29"/>
-    <p:sldId id="280" r:id="rId30"/>
-    <p:sldId id="281" r:id="rId31"/>
-    <p:sldId id="268" r:id="rId32"/>
-    <p:sldId id="285" r:id="rId33"/>
-    <p:sldId id="295" r:id="rId34"/>
-    <p:sldId id="258" r:id="rId35"/>
-    <p:sldId id="256" r:id="rId36"/>
-    <p:sldId id="260" r:id="rId37"/>
-    <p:sldId id="296" r:id="rId38"/>
-    <p:sldId id="282" r:id="rId39"/>
+    <p:sldId id="303" r:id="rId6"/>
+    <p:sldId id="293" r:id="rId7"/>
+    <p:sldId id="300" r:id="rId8"/>
+    <p:sldId id="257" r:id="rId9"/>
+    <p:sldId id="272" r:id="rId10"/>
+    <p:sldId id="261" r:id="rId11"/>
+    <p:sldId id="299" r:id="rId12"/>
+    <p:sldId id="270" r:id="rId13"/>
+    <p:sldId id="288" r:id="rId14"/>
+    <p:sldId id="275" r:id="rId15"/>
+    <p:sldId id="276" r:id="rId16"/>
+    <p:sldId id="287" r:id="rId17"/>
+    <p:sldId id="291" r:id="rId18"/>
+    <p:sldId id="298" r:id="rId19"/>
+    <p:sldId id="271" r:id="rId20"/>
+    <p:sldId id="292" r:id="rId21"/>
+    <p:sldId id="277" r:id="rId22"/>
+    <p:sldId id="278" r:id="rId23"/>
+    <p:sldId id="302" r:id="rId24"/>
+    <p:sldId id="279" r:id="rId25"/>
+    <p:sldId id="273" r:id="rId26"/>
+    <p:sldId id="283" r:id="rId27"/>
+    <p:sldId id="297" r:id="rId28"/>
+    <p:sldId id="266" r:id="rId29"/>
+    <p:sldId id="267" r:id="rId30"/>
+    <p:sldId id="280" r:id="rId31"/>
+    <p:sldId id="304" r:id="rId32"/>
+    <p:sldId id="281" r:id="rId33"/>
+    <p:sldId id="268" r:id="rId34"/>
+    <p:sldId id="285" r:id="rId35"/>
+    <p:sldId id="295" r:id="rId36"/>
+    <p:sldId id="258" r:id="rId37"/>
+    <p:sldId id="256" r:id="rId38"/>
+    <p:sldId id="260" r:id="rId39"/>
+    <p:sldId id="296" r:id="rId40"/>
+    <p:sldId id="282" r:id="rId41"/>
   </p:sldIdLst>
   <p:sldSz cx="12192000" cy="6858000"/>
   <p:notesSz cx="6858000" cy="9144000"/>
@@ -154,6 +159,7 @@
             <p14:sldId id="301"/>
             <p14:sldId id="289"/>
             <p14:sldId id="286"/>
+            <p14:sldId id="303"/>
             <p14:sldId id="293"/>
           </p14:sldIdLst>
         </p14:section>
@@ -199,6 +205,7 @@
             <p14:sldId id="266"/>
             <p14:sldId id="267"/>
             <p14:sldId id="280"/>
+            <p14:sldId id="304"/>
             <p14:sldId id="281"/>
             <p14:sldId id="268"/>
             <p14:sldId id="285"/>
@@ -237,6 +244,356 @@
     </p:extLst>
   </p:cmAuthor>
 </p:cmAuthorLst>
+</file>
+
+<file path=ppt/notesMasters/notesMaster1.xml><?xml version="1.0" encoding="utf-8"?>
+<p:notesMaster xmlns:a="http://schemas.openxmlformats.org/drawingml/2006/main" xmlns:r="http://schemas.openxmlformats.org/officeDocument/2006/relationships" xmlns:p="http://schemas.openxmlformats.org/presentationml/2006/main">
+  <p:cSld>
+    <p:bg>
+      <p:bgRef idx="1001">
+        <a:schemeClr val="bg1"/>
+      </p:bgRef>
+    </p:bg>
+    <p:spTree>
+      <p:nvGrpSpPr>
+        <p:cNvPr id="1" name=""/>
+        <p:cNvGrpSpPr/>
+        <p:nvPr/>
+      </p:nvGrpSpPr>
+      <p:grpSpPr>
+        <a:xfrm>
+          <a:off x="0" y="0"/>
+          <a:ext cx="0" cy="0"/>
+          <a:chOff x="0" y="0"/>
+          <a:chExt cx="0" cy="0"/>
+        </a:xfrm>
+      </p:grpSpPr>
+      <p:sp>
+        <p:nvSpPr>
+          <p:cNvPr id="2" name="Header Placeholder 1"/>
+          <p:cNvSpPr>
+            <a:spLocks noGrp="1"/>
+          </p:cNvSpPr>
+          <p:nvPr>
+            <p:ph type="hdr" sz="quarter"/>
+          </p:nvPr>
+        </p:nvSpPr>
+        <p:spPr>
+          <a:xfrm>
+            <a:off x="0" y="0"/>
+            <a:ext cx="2971800" cy="458788"/>
+          </a:xfrm>
+          <a:prstGeom prst="rect">
+            <a:avLst/>
+          </a:prstGeom>
+        </p:spPr>
+        <p:txBody>
+          <a:bodyPr vert="horz" lIns="91440" tIns="45720" rIns="91440" bIns="45720" rtlCol="0"/>
+          <a:lstStyle>
+            <a:lvl1pPr algn="l">
+              <a:defRPr sz="1200"/>
+            </a:lvl1pPr>
+          </a:lstStyle>
+          <a:p>
+            <a:endParaRPr lang="en-GB"/>
+          </a:p>
+        </p:txBody>
+      </p:sp>
+      <p:sp>
+        <p:nvSpPr>
+          <p:cNvPr id="3" name="Date Placeholder 2"/>
+          <p:cNvSpPr>
+            <a:spLocks noGrp="1"/>
+          </p:cNvSpPr>
+          <p:nvPr>
+            <p:ph type="dt" idx="1"/>
+          </p:nvPr>
+        </p:nvSpPr>
+        <p:spPr>
+          <a:xfrm>
+            <a:off x="3884613" y="0"/>
+            <a:ext cx="2971800" cy="458788"/>
+          </a:xfrm>
+          <a:prstGeom prst="rect">
+            <a:avLst/>
+          </a:prstGeom>
+        </p:spPr>
+        <p:txBody>
+          <a:bodyPr vert="horz" lIns="91440" tIns="45720" rIns="91440" bIns="45720" rtlCol="0"/>
+          <a:lstStyle>
+            <a:lvl1pPr algn="r">
+              <a:defRPr sz="1200"/>
+            </a:lvl1pPr>
+          </a:lstStyle>
+          <a:p>
+            <a:fld id="{5EEA0AEA-2AD4-4F4F-A622-F508341DAFC0}" type="datetimeFigureOut">
+              <a:rPr lang="en-GB" smtClean="0"/>
+              <a:t>08/02/2024</a:t>
+            </a:fld>
+            <a:endParaRPr lang="en-GB"/>
+          </a:p>
+        </p:txBody>
+      </p:sp>
+      <p:sp>
+        <p:nvSpPr>
+          <p:cNvPr id="4" name="Slide Image Placeholder 3"/>
+          <p:cNvSpPr>
+            <a:spLocks noGrp="1" noRot="1" noChangeAspect="1"/>
+          </p:cNvSpPr>
+          <p:nvPr>
+            <p:ph type="sldImg" idx="2"/>
+          </p:nvPr>
+        </p:nvSpPr>
+        <p:spPr>
+          <a:xfrm>
+            <a:off x="685800" y="1143000"/>
+            <a:ext cx="5486400" cy="3086100"/>
+          </a:xfrm>
+          <a:prstGeom prst="rect">
+            <a:avLst/>
+          </a:prstGeom>
+          <a:noFill/>
+          <a:ln w="12700">
+            <a:solidFill>
+              <a:prstClr val="black"/>
+            </a:solidFill>
+          </a:ln>
+        </p:spPr>
+        <p:txBody>
+          <a:bodyPr vert="horz" lIns="91440" tIns="45720" rIns="91440" bIns="45720" rtlCol="0" anchor="ctr"/>
+          <a:lstStyle/>
+          <a:p>
+            <a:endParaRPr lang="en-GB"/>
+          </a:p>
+        </p:txBody>
+      </p:sp>
+      <p:sp>
+        <p:nvSpPr>
+          <p:cNvPr id="5" name="Notes Placeholder 4"/>
+          <p:cNvSpPr>
+            <a:spLocks noGrp="1"/>
+          </p:cNvSpPr>
+          <p:nvPr>
+            <p:ph type="body" sz="quarter" idx="3"/>
+          </p:nvPr>
+        </p:nvSpPr>
+        <p:spPr>
+          <a:xfrm>
+            <a:off x="685800" y="4400550"/>
+            <a:ext cx="5486400" cy="3600450"/>
+          </a:xfrm>
+          <a:prstGeom prst="rect">
+            <a:avLst/>
+          </a:prstGeom>
+        </p:spPr>
+        <p:txBody>
+          <a:bodyPr vert="horz" lIns="91440" tIns="45720" rIns="91440" bIns="45720" rtlCol="0"/>
+          <a:lstStyle/>
+          <a:p>
+            <a:pPr lvl="0"/>
+            <a:r>
+              <a:rPr lang="en-US"/>
+              <a:t>Click to edit Master text styles</a:t>
+            </a:r>
+          </a:p>
+          <a:p>
+            <a:pPr lvl="1"/>
+            <a:r>
+              <a:rPr lang="en-US"/>
+              <a:t>Second level</a:t>
+            </a:r>
+          </a:p>
+          <a:p>
+            <a:pPr lvl="2"/>
+            <a:r>
+              <a:rPr lang="en-US"/>
+              <a:t>Third level</a:t>
+            </a:r>
+          </a:p>
+          <a:p>
+            <a:pPr lvl="3"/>
+            <a:r>
+              <a:rPr lang="en-US"/>
+              <a:t>Fourth level</a:t>
+            </a:r>
+          </a:p>
+          <a:p>
+            <a:pPr lvl="4"/>
+            <a:r>
+              <a:rPr lang="en-US"/>
+              <a:t>Fifth level</a:t>
+            </a:r>
+            <a:endParaRPr lang="en-GB"/>
+          </a:p>
+        </p:txBody>
+      </p:sp>
+      <p:sp>
+        <p:nvSpPr>
+          <p:cNvPr id="6" name="Footer Placeholder 5"/>
+          <p:cNvSpPr>
+            <a:spLocks noGrp="1"/>
+          </p:cNvSpPr>
+          <p:nvPr>
+            <p:ph type="ftr" sz="quarter" idx="4"/>
+          </p:nvPr>
+        </p:nvSpPr>
+        <p:spPr>
+          <a:xfrm>
+            <a:off x="0" y="8685213"/>
+            <a:ext cx="2971800" cy="458787"/>
+          </a:xfrm>
+          <a:prstGeom prst="rect">
+            <a:avLst/>
+          </a:prstGeom>
+        </p:spPr>
+        <p:txBody>
+          <a:bodyPr vert="horz" lIns="91440" tIns="45720" rIns="91440" bIns="45720" rtlCol="0" anchor="b"/>
+          <a:lstStyle>
+            <a:lvl1pPr algn="l">
+              <a:defRPr sz="1200"/>
+            </a:lvl1pPr>
+          </a:lstStyle>
+          <a:p>
+            <a:endParaRPr lang="en-GB"/>
+          </a:p>
+        </p:txBody>
+      </p:sp>
+      <p:sp>
+        <p:nvSpPr>
+          <p:cNvPr id="7" name="Slide Number Placeholder 6"/>
+          <p:cNvSpPr>
+            <a:spLocks noGrp="1"/>
+          </p:cNvSpPr>
+          <p:nvPr>
+            <p:ph type="sldNum" sz="quarter" idx="5"/>
+          </p:nvPr>
+        </p:nvSpPr>
+        <p:spPr>
+          <a:xfrm>
+            <a:off x="3884613" y="8685213"/>
+            <a:ext cx="2971800" cy="458787"/>
+          </a:xfrm>
+          <a:prstGeom prst="rect">
+            <a:avLst/>
+          </a:prstGeom>
+        </p:spPr>
+        <p:txBody>
+          <a:bodyPr vert="horz" lIns="91440" tIns="45720" rIns="91440" bIns="45720" rtlCol="0" anchor="b"/>
+          <a:lstStyle>
+            <a:lvl1pPr algn="r">
+              <a:defRPr sz="1200"/>
+            </a:lvl1pPr>
+          </a:lstStyle>
+          <a:p>
+            <a:fld id="{44DDA884-1B5C-4CA1-8111-3D961B5BEA89}" type="slidenum">
+              <a:rPr lang="en-GB" smtClean="0"/>
+              <a:t>‹#›</a:t>
+            </a:fld>
+            <a:endParaRPr lang="en-GB"/>
+          </a:p>
+        </p:txBody>
+      </p:sp>
+    </p:spTree>
+    <p:extLst>
+      <p:ext uri="{BB962C8B-B14F-4D97-AF65-F5344CB8AC3E}">
+        <p14:creationId xmlns:p14="http://schemas.microsoft.com/office/powerpoint/2010/main" val="275952785"/>
+      </p:ext>
+    </p:extLst>
+  </p:cSld>
+  <p:clrMap bg1="lt1" tx1="dk1" bg2="lt2" tx2="dk2" accent1="accent1" accent2="accent2" accent3="accent3" accent4="accent4" accent5="accent5" accent6="accent6" hlink="hlink" folHlink="folHlink"/>
+  <p:notesStyle>
+    <a:lvl1pPr marL="0" algn="l" defTabSz="914400" rtl="0" eaLnBrk="1" latinLnBrk="0" hangingPunct="1">
+      <a:defRPr sz="1200" kern="1200">
+        <a:solidFill>
+          <a:schemeClr val="tx1"/>
+        </a:solidFill>
+        <a:latin typeface="+mn-lt"/>
+        <a:ea typeface="+mn-ea"/>
+        <a:cs typeface="+mn-cs"/>
+      </a:defRPr>
+    </a:lvl1pPr>
+    <a:lvl2pPr marL="457200" algn="l" defTabSz="914400" rtl="0" eaLnBrk="1" latinLnBrk="0" hangingPunct="1">
+      <a:defRPr sz="1200" kern="1200">
+        <a:solidFill>
+          <a:schemeClr val="tx1"/>
+        </a:solidFill>
+        <a:latin typeface="+mn-lt"/>
+        <a:ea typeface="+mn-ea"/>
+        <a:cs typeface="+mn-cs"/>
+      </a:defRPr>
+    </a:lvl2pPr>
+    <a:lvl3pPr marL="914400" algn="l" defTabSz="914400" rtl="0" eaLnBrk="1" latinLnBrk="0" hangingPunct="1">
+      <a:defRPr sz="1200" kern="1200">
+        <a:solidFill>
+          <a:schemeClr val="tx1"/>
+        </a:solidFill>
+        <a:latin typeface="+mn-lt"/>
+        <a:ea typeface="+mn-ea"/>
+        <a:cs typeface="+mn-cs"/>
+      </a:defRPr>
+    </a:lvl3pPr>
+    <a:lvl4pPr marL="1371600" algn="l" defTabSz="914400" rtl="0" eaLnBrk="1" latinLnBrk="0" hangingPunct="1">
+      <a:defRPr sz="1200" kern="1200">
+        <a:solidFill>
+          <a:schemeClr val="tx1"/>
+        </a:solidFill>
+        <a:latin typeface="+mn-lt"/>
+        <a:ea typeface="+mn-ea"/>
+        <a:cs typeface="+mn-cs"/>
+      </a:defRPr>
+    </a:lvl4pPr>
+    <a:lvl5pPr marL="1828800" algn="l" defTabSz="914400" rtl="0" eaLnBrk="1" latinLnBrk="0" hangingPunct="1">
+      <a:defRPr sz="1200" kern="1200">
+        <a:solidFill>
+          <a:schemeClr val="tx1"/>
+        </a:solidFill>
+        <a:latin typeface="+mn-lt"/>
+        <a:ea typeface="+mn-ea"/>
+        <a:cs typeface="+mn-cs"/>
+      </a:defRPr>
+    </a:lvl5pPr>
+    <a:lvl6pPr marL="2286000" algn="l" defTabSz="914400" rtl="0" eaLnBrk="1" latinLnBrk="0" hangingPunct="1">
+      <a:defRPr sz="1200" kern="1200">
+        <a:solidFill>
+          <a:schemeClr val="tx1"/>
+        </a:solidFill>
+        <a:latin typeface="+mn-lt"/>
+        <a:ea typeface="+mn-ea"/>
+        <a:cs typeface="+mn-cs"/>
+      </a:defRPr>
+    </a:lvl6pPr>
+    <a:lvl7pPr marL="2743200" algn="l" defTabSz="914400" rtl="0" eaLnBrk="1" latinLnBrk="0" hangingPunct="1">
+      <a:defRPr sz="1200" kern="1200">
+        <a:solidFill>
+          <a:schemeClr val="tx1"/>
+        </a:solidFill>
+        <a:latin typeface="+mn-lt"/>
+        <a:ea typeface="+mn-ea"/>
+        <a:cs typeface="+mn-cs"/>
+      </a:defRPr>
+    </a:lvl7pPr>
+    <a:lvl8pPr marL="3200400" algn="l" defTabSz="914400" rtl="0" eaLnBrk="1" latinLnBrk="0" hangingPunct="1">
+      <a:defRPr sz="1200" kern="1200">
+        <a:solidFill>
+          <a:schemeClr val="tx1"/>
+        </a:solidFill>
+        <a:latin typeface="+mn-lt"/>
+        <a:ea typeface="+mn-ea"/>
+        <a:cs typeface="+mn-cs"/>
+      </a:defRPr>
+    </a:lvl8pPr>
+    <a:lvl9pPr marL="3657600" algn="l" defTabSz="914400" rtl="0" eaLnBrk="1" latinLnBrk="0" hangingPunct="1">
+      <a:defRPr sz="1200" kern="1200">
+        <a:solidFill>
+          <a:schemeClr val="tx1"/>
+        </a:solidFill>
+        <a:latin typeface="+mn-lt"/>
+        <a:ea typeface="+mn-ea"/>
+        <a:cs typeface="+mn-cs"/>
+      </a:defRPr>
+    </a:lvl9pPr>
+  </p:notesStyle>
+</p:notesMaster>
 </file>
 
 <file path=ppt/slideLayouts/slideLayout1.xml><?xml version="1.0" encoding="utf-8"?>
@@ -3545,6 +3902,2669 @@
         <p:cNvPr id="1" name="">
           <a:extLst>
             <a:ext uri="{FF2B5EF4-FFF2-40B4-BE49-F238E27FC236}">
+              <a16:creationId xmlns:a16="http://schemas.microsoft.com/office/drawing/2014/main" id="{B6DE6E94-509F-9BF4-A5F6-5E414FDEE860}"/>
+            </a:ext>
+          </a:extLst>
+        </p:cNvPr>
+        <p:cNvGrpSpPr/>
+        <p:nvPr/>
+      </p:nvGrpSpPr>
+      <p:grpSpPr>
+        <a:xfrm>
+          <a:off x="0" y="0"/>
+          <a:ext cx="0" cy="0"/>
+          <a:chOff x="0" y="0"/>
+          <a:chExt cx="0" cy="0"/>
+        </a:xfrm>
+      </p:grpSpPr>
+      <p:pic>
+        <p:nvPicPr>
+          <p:cNvPr id="29" name="Picture 28">
+            <a:extLst>
+              <a:ext uri="{FF2B5EF4-FFF2-40B4-BE49-F238E27FC236}">
+                <a16:creationId xmlns:a16="http://schemas.microsoft.com/office/drawing/2014/main" id="{8465366D-CEBF-49E0-FFBA-AAAB5BFD500C}"/>
+              </a:ext>
+            </a:extLst>
+          </p:cNvPr>
+          <p:cNvPicPr>
+            <a:picLocks noChangeAspect="1"/>
+          </p:cNvPicPr>
+          <p:nvPr/>
+        </p:nvPicPr>
+        <p:blipFill>
+          <a:blip r:embed="rId2">
+            <a:extLst>
+              <a:ext uri="{28A0092B-C50C-407E-A947-70E740481C1C}">
+                <a14:useLocalDpi xmlns:a14="http://schemas.microsoft.com/office/drawing/2010/main" val="0"/>
+              </a:ext>
+            </a:extLst>
+          </a:blip>
+          <a:stretch>
+            <a:fillRect/>
+          </a:stretch>
+        </p:blipFill>
+        <p:spPr>
+          <a:xfrm>
+            <a:off x="0" y="362585"/>
+            <a:ext cx="12192000" cy="6711950"/>
+          </a:xfrm>
+          <a:prstGeom prst="rect">
+            <a:avLst/>
+          </a:prstGeom>
+        </p:spPr>
+      </p:pic>
+      <p:sp>
+        <p:nvSpPr>
+          <p:cNvPr id="2" name="Title 1">
+            <a:extLst>
+              <a:ext uri="{FF2B5EF4-FFF2-40B4-BE49-F238E27FC236}">
+                <a16:creationId xmlns:a16="http://schemas.microsoft.com/office/drawing/2014/main" id="{16D252F3-4357-C31D-9B4B-29FBA1E96559}"/>
+              </a:ext>
+            </a:extLst>
+          </p:cNvPr>
+          <p:cNvSpPr txBox="1">
+            <a:spLocks/>
+          </p:cNvSpPr>
+          <p:nvPr/>
+        </p:nvSpPr>
+        <p:spPr>
+          <a:xfrm>
+            <a:off x="838200" y="303876"/>
+            <a:ext cx="10515600" cy="856964"/>
+          </a:xfrm>
+          <a:prstGeom prst="rect">
+            <a:avLst/>
+          </a:prstGeom>
+        </p:spPr>
+        <p:txBody>
+          <a:bodyPr vert="horz" lIns="91440" tIns="45720" rIns="91440" bIns="45720" rtlCol="0" anchor="b">
+            <a:normAutofit/>
+          </a:bodyPr>
+          <a:lstStyle>
+            <a:lvl1pPr algn="ctr" defTabSz="914400" rtl="0" eaLnBrk="1" latinLnBrk="0" hangingPunct="1">
+              <a:lnSpc>
+                <a:spcPct val="90000"/>
+              </a:lnSpc>
+              <a:spcBef>
+                <a:spcPct val="0"/>
+              </a:spcBef>
+              <a:buNone/>
+              <a:defRPr sz="6000" kern="1200">
+                <a:solidFill>
+                  <a:schemeClr val="tx1"/>
+                </a:solidFill>
+                <a:latin typeface="+mj-lt"/>
+                <a:ea typeface="+mj-ea"/>
+                <a:cs typeface="+mj-cs"/>
+              </a:defRPr>
+            </a:lvl1pPr>
+          </a:lstStyle>
+          <a:p>
+            <a:pPr algn="l"/>
+            <a:r>
+              <a:rPr lang="en-GB" sz="4400" dirty="0">
+                <a:latin typeface="Arial Black" panose="020B0A04020102020204" pitchFamily="34" charset="0"/>
+              </a:rPr>
+              <a:t>What Can You Buy?</a:t>
+            </a:r>
+          </a:p>
+        </p:txBody>
+      </p:sp>
+      <p:grpSp>
+        <p:nvGrpSpPr>
+          <p:cNvPr id="13" name="Group 12">
+            <a:extLst>
+              <a:ext uri="{FF2B5EF4-FFF2-40B4-BE49-F238E27FC236}">
+                <a16:creationId xmlns:a16="http://schemas.microsoft.com/office/drawing/2014/main" id="{6C224E50-36A0-3FB1-BEF2-00AF0BF1F47F}"/>
+              </a:ext>
+            </a:extLst>
+          </p:cNvPr>
+          <p:cNvGrpSpPr/>
+          <p:nvPr/>
+        </p:nvGrpSpPr>
+        <p:grpSpPr>
+          <a:xfrm>
+            <a:off x="1657350" y="1444426"/>
+            <a:ext cx="10146030" cy="5040194"/>
+            <a:chOff x="1657350" y="1135816"/>
+            <a:chExt cx="10146030" cy="5040194"/>
+          </a:xfrm>
+        </p:grpSpPr>
+        <p:sp>
+          <p:nvSpPr>
+            <p:cNvPr id="6" name="Rectangle: Rounded Corners 5">
+              <a:extLst>
+                <a:ext uri="{FF2B5EF4-FFF2-40B4-BE49-F238E27FC236}">
+                  <a16:creationId xmlns:a16="http://schemas.microsoft.com/office/drawing/2014/main" id="{AC0E5A3B-2A66-FD06-635A-85EE616EB484}"/>
+                </a:ext>
+              </a:extLst>
+            </p:cNvPr>
+            <p:cNvSpPr/>
+            <p:nvPr/>
+          </p:nvSpPr>
+          <p:spPr>
+            <a:xfrm>
+              <a:off x="9787890" y="4875551"/>
+              <a:ext cx="967740" cy="322537"/>
+            </a:xfrm>
+            <a:prstGeom prst="roundRect">
+              <a:avLst/>
+            </a:prstGeom>
+            <a:solidFill>
+              <a:schemeClr val="accent6">
+                <a:alpha val="50000"/>
+              </a:schemeClr>
+            </a:solidFill>
+            <a:ln>
+              <a:noFill/>
+            </a:ln>
+          </p:spPr>
+          <p:style>
+            <a:lnRef idx="0">
+              <a:scrgbClr r="0" g="0" b="0"/>
+            </a:lnRef>
+            <a:fillRef idx="0">
+              <a:scrgbClr r="0" g="0" b="0"/>
+            </a:fillRef>
+            <a:effectRef idx="0">
+              <a:scrgbClr r="0" g="0" b="0"/>
+            </a:effectRef>
+            <a:fontRef idx="minor">
+              <a:schemeClr val="lt1"/>
+            </a:fontRef>
+          </p:style>
+          <p:txBody>
+            <a:bodyPr rtlCol="0" anchor="ctr"/>
+            <a:lstStyle/>
+            <a:p>
+              <a:pPr algn="ctr"/>
+              <a:r>
+                <a:rPr lang="en-GB" sz="1600" b="1" dirty="0">
+                  <a:solidFill>
+                    <a:srgbClr val="00B050"/>
+                  </a:solidFill>
+                </a:rPr>
+                <a:t>AUDUSD</a:t>
+              </a:r>
+            </a:p>
+          </p:txBody>
+        </p:sp>
+        <p:sp>
+          <p:nvSpPr>
+            <p:cNvPr id="7" name="Rectangle: Rounded Corners 6">
+              <a:extLst>
+                <a:ext uri="{FF2B5EF4-FFF2-40B4-BE49-F238E27FC236}">
+                  <a16:creationId xmlns:a16="http://schemas.microsoft.com/office/drawing/2014/main" id="{4DABAE48-8512-E96A-884A-7BADB1391A2A}"/>
+                </a:ext>
+              </a:extLst>
+            </p:cNvPr>
+            <p:cNvSpPr/>
+            <p:nvPr/>
+          </p:nvSpPr>
+          <p:spPr>
+            <a:xfrm>
+              <a:off x="10835640" y="5853473"/>
+              <a:ext cx="967740" cy="322537"/>
+            </a:xfrm>
+            <a:prstGeom prst="roundRect">
+              <a:avLst/>
+            </a:prstGeom>
+            <a:solidFill>
+              <a:schemeClr val="accent6">
+                <a:alpha val="50000"/>
+              </a:schemeClr>
+            </a:solidFill>
+            <a:ln>
+              <a:noFill/>
+            </a:ln>
+          </p:spPr>
+          <p:style>
+            <a:lnRef idx="0">
+              <a:scrgbClr r="0" g="0" b="0"/>
+            </a:lnRef>
+            <a:fillRef idx="0">
+              <a:scrgbClr r="0" g="0" b="0"/>
+            </a:fillRef>
+            <a:effectRef idx="0">
+              <a:scrgbClr r="0" g="0" b="0"/>
+            </a:effectRef>
+            <a:fontRef idx="minor">
+              <a:schemeClr val="lt1"/>
+            </a:fontRef>
+          </p:style>
+          <p:txBody>
+            <a:bodyPr rtlCol="0" anchor="ctr"/>
+            <a:lstStyle/>
+            <a:p>
+              <a:pPr algn="ctr"/>
+              <a:r>
+                <a:rPr lang="en-GB" sz="1600" b="1" dirty="0">
+                  <a:solidFill>
+                    <a:srgbClr val="00B050"/>
+                  </a:solidFill>
+                </a:rPr>
+                <a:t>NZDUSD</a:t>
+              </a:r>
+            </a:p>
+          </p:txBody>
+        </p:sp>
+        <p:sp>
+          <p:nvSpPr>
+            <p:cNvPr id="8" name="Rectangle: Rounded Corners 7">
+              <a:extLst>
+                <a:ext uri="{FF2B5EF4-FFF2-40B4-BE49-F238E27FC236}">
+                  <a16:creationId xmlns:a16="http://schemas.microsoft.com/office/drawing/2014/main" id="{9F06B8EE-0531-39D1-29D9-E32F14CFBAEB}"/>
+                </a:ext>
+              </a:extLst>
+            </p:cNvPr>
+            <p:cNvSpPr/>
+            <p:nvPr/>
+          </p:nvSpPr>
+          <p:spPr>
+            <a:xfrm>
+              <a:off x="5402580" y="1659976"/>
+              <a:ext cx="967740" cy="322537"/>
+            </a:xfrm>
+            <a:prstGeom prst="roundRect">
+              <a:avLst/>
+            </a:prstGeom>
+            <a:solidFill>
+              <a:schemeClr val="accent6">
+                <a:alpha val="50000"/>
+              </a:schemeClr>
+            </a:solidFill>
+            <a:ln>
+              <a:noFill/>
+            </a:ln>
+          </p:spPr>
+          <p:style>
+            <a:lnRef idx="0">
+              <a:scrgbClr r="0" g="0" b="0"/>
+            </a:lnRef>
+            <a:fillRef idx="0">
+              <a:scrgbClr r="0" g="0" b="0"/>
+            </a:fillRef>
+            <a:effectRef idx="0">
+              <a:scrgbClr r="0" g="0" b="0"/>
+            </a:effectRef>
+            <a:fontRef idx="minor">
+              <a:schemeClr val="lt1"/>
+            </a:fontRef>
+          </p:style>
+          <p:txBody>
+            <a:bodyPr rtlCol="0" anchor="ctr"/>
+            <a:lstStyle/>
+            <a:p>
+              <a:pPr algn="ctr"/>
+              <a:r>
+                <a:rPr lang="en-GB" sz="1600" b="1" dirty="0">
+                  <a:solidFill>
+                    <a:srgbClr val="00B050"/>
+                  </a:solidFill>
+                </a:rPr>
+                <a:t>EURCHF</a:t>
+              </a:r>
+            </a:p>
+          </p:txBody>
+        </p:sp>
+        <p:sp>
+          <p:nvSpPr>
+            <p:cNvPr id="9" name="Rectangle: Rounded Corners 8">
+              <a:extLst>
+                <a:ext uri="{FF2B5EF4-FFF2-40B4-BE49-F238E27FC236}">
+                  <a16:creationId xmlns:a16="http://schemas.microsoft.com/office/drawing/2014/main" id="{D3DC006F-9430-DE79-8DAD-8D33B49D863F}"/>
+                </a:ext>
+              </a:extLst>
+            </p:cNvPr>
+            <p:cNvSpPr/>
+            <p:nvPr/>
+          </p:nvSpPr>
+          <p:spPr>
+            <a:xfrm>
+              <a:off x="10428897" y="2143717"/>
+              <a:ext cx="967740" cy="322537"/>
+            </a:xfrm>
+            <a:prstGeom prst="roundRect">
+              <a:avLst/>
+            </a:prstGeom>
+            <a:solidFill>
+              <a:schemeClr val="accent6">
+                <a:alpha val="50000"/>
+              </a:schemeClr>
+            </a:solidFill>
+            <a:ln>
+              <a:noFill/>
+            </a:ln>
+          </p:spPr>
+          <p:style>
+            <a:lnRef idx="0">
+              <a:scrgbClr r="0" g="0" b="0"/>
+            </a:lnRef>
+            <a:fillRef idx="0">
+              <a:scrgbClr r="0" g="0" b="0"/>
+            </a:fillRef>
+            <a:effectRef idx="0">
+              <a:scrgbClr r="0" g="0" b="0"/>
+            </a:effectRef>
+            <a:fontRef idx="minor">
+              <a:schemeClr val="lt1"/>
+            </a:fontRef>
+          </p:style>
+          <p:txBody>
+            <a:bodyPr rtlCol="0" anchor="ctr"/>
+            <a:lstStyle/>
+            <a:p>
+              <a:pPr algn="ctr"/>
+              <a:r>
+                <a:rPr lang="en-GB" sz="1600" b="1" dirty="0">
+                  <a:solidFill>
+                    <a:srgbClr val="00B050"/>
+                  </a:solidFill>
+                </a:rPr>
+                <a:t>USDJPY</a:t>
+              </a:r>
+            </a:p>
+          </p:txBody>
+        </p:sp>
+        <p:sp>
+          <p:nvSpPr>
+            <p:cNvPr id="10" name="Rectangle: Rounded Corners 9">
+              <a:extLst>
+                <a:ext uri="{FF2B5EF4-FFF2-40B4-BE49-F238E27FC236}">
+                  <a16:creationId xmlns:a16="http://schemas.microsoft.com/office/drawing/2014/main" id="{3D7B0D00-6362-623D-D20B-062FB2DA2932}"/>
+                </a:ext>
+              </a:extLst>
+            </p:cNvPr>
+            <p:cNvSpPr/>
+            <p:nvPr/>
+          </p:nvSpPr>
+          <p:spPr>
+            <a:xfrm>
+              <a:off x="5147310" y="2020614"/>
+              <a:ext cx="967740" cy="322537"/>
+            </a:xfrm>
+            <a:prstGeom prst="roundRect">
+              <a:avLst/>
+            </a:prstGeom>
+            <a:solidFill>
+              <a:schemeClr val="accent6">
+                <a:alpha val="50000"/>
+              </a:schemeClr>
+            </a:solidFill>
+            <a:ln>
+              <a:noFill/>
+            </a:ln>
+          </p:spPr>
+          <p:style>
+            <a:lnRef idx="0">
+              <a:scrgbClr r="0" g="0" b="0"/>
+            </a:lnRef>
+            <a:fillRef idx="0">
+              <a:scrgbClr r="0" g="0" b="0"/>
+            </a:fillRef>
+            <a:effectRef idx="0">
+              <a:scrgbClr r="0" g="0" b="0"/>
+            </a:effectRef>
+            <a:fontRef idx="minor">
+              <a:schemeClr val="lt1"/>
+            </a:fontRef>
+          </p:style>
+          <p:txBody>
+            <a:bodyPr rtlCol="0" anchor="ctr"/>
+            <a:lstStyle/>
+            <a:p>
+              <a:pPr algn="ctr"/>
+              <a:r>
+                <a:rPr lang="en-GB" sz="1600" b="1" dirty="0">
+                  <a:solidFill>
+                    <a:srgbClr val="00B050"/>
+                  </a:solidFill>
+                </a:rPr>
+                <a:t>EURUSD</a:t>
+              </a:r>
+            </a:p>
+          </p:txBody>
+        </p:sp>
+        <p:sp>
+          <p:nvSpPr>
+            <p:cNvPr id="11" name="Rectangle: Rounded Corners 10">
+              <a:extLst>
+                <a:ext uri="{FF2B5EF4-FFF2-40B4-BE49-F238E27FC236}">
+                  <a16:creationId xmlns:a16="http://schemas.microsoft.com/office/drawing/2014/main" id="{0E9A4982-DD27-21BA-B476-234F7081E466}"/>
+                </a:ext>
+              </a:extLst>
+            </p:cNvPr>
+            <p:cNvSpPr/>
+            <p:nvPr/>
+          </p:nvSpPr>
+          <p:spPr>
+            <a:xfrm>
+              <a:off x="4362450" y="1670093"/>
+              <a:ext cx="967740" cy="322537"/>
+            </a:xfrm>
+            <a:prstGeom prst="roundRect">
+              <a:avLst/>
+            </a:prstGeom>
+            <a:solidFill>
+              <a:schemeClr val="accent6">
+                <a:alpha val="50000"/>
+              </a:schemeClr>
+            </a:solidFill>
+            <a:ln>
+              <a:noFill/>
+            </a:ln>
+          </p:spPr>
+          <p:style>
+            <a:lnRef idx="0">
+              <a:scrgbClr r="0" g="0" b="0"/>
+            </a:lnRef>
+            <a:fillRef idx="0">
+              <a:scrgbClr r="0" g="0" b="0"/>
+            </a:fillRef>
+            <a:effectRef idx="0">
+              <a:scrgbClr r="0" g="0" b="0"/>
+            </a:effectRef>
+            <a:fontRef idx="minor">
+              <a:schemeClr val="lt1"/>
+            </a:fontRef>
+          </p:style>
+          <p:txBody>
+            <a:bodyPr rtlCol="0" anchor="ctr"/>
+            <a:lstStyle/>
+            <a:p>
+              <a:pPr algn="ctr"/>
+              <a:r>
+                <a:rPr lang="en-GB" sz="1600" b="1" dirty="0">
+                  <a:solidFill>
+                    <a:srgbClr val="00B050"/>
+                  </a:solidFill>
+                </a:rPr>
+                <a:t>GBPUSD</a:t>
+              </a:r>
+            </a:p>
+          </p:txBody>
+        </p:sp>
+        <p:sp>
+          <p:nvSpPr>
+            <p:cNvPr id="12" name="Rectangle: Rounded Corners 11">
+              <a:extLst>
+                <a:ext uri="{FF2B5EF4-FFF2-40B4-BE49-F238E27FC236}">
+                  <a16:creationId xmlns:a16="http://schemas.microsoft.com/office/drawing/2014/main" id="{76FC08F5-8046-C7F8-ADC2-3DB09A750EAC}"/>
+                </a:ext>
+              </a:extLst>
+            </p:cNvPr>
+            <p:cNvSpPr/>
+            <p:nvPr/>
+          </p:nvSpPr>
+          <p:spPr>
+            <a:xfrm>
+              <a:off x="1657350" y="1135816"/>
+              <a:ext cx="967740" cy="322537"/>
+            </a:xfrm>
+            <a:prstGeom prst="roundRect">
+              <a:avLst/>
+            </a:prstGeom>
+            <a:solidFill>
+              <a:schemeClr val="accent6">
+                <a:alpha val="50000"/>
+              </a:schemeClr>
+            </a:solidFill>
+            <a:ln>
+              <a:noFill/>
+            </a:ln>
+          </p:spPr>
+          <p:style>
+            <a:lnRef idx="0">
+              <a:scrgbClr r="0" g="0" b="0"/>
+            </a:lnRef>
+            <a:fillRef idx="0">
+              <a:scrgbClr r="0" g="0" b="0"/>
+            </a:fillRef>
+            <a:effectRef idx="0">
+              <a:scrgbClr r="0" g="0" b="0"/>
+            </a:effectRef>
+            <a:fontRef idx="minor">
+              <a:schemeClr val="lt1"/>
+            </a:fontRef>
+          </p:style>
+          <p:txBody>
+            <a:bodyPr rtlCol="0" anchor="ctr"/>
+            <a:lstStyle/>
+            <a:p>
+              <a:pPr algn="ctr"/>
+              <a:r>
+                <a:rPr lang="en-GB" sz="1600" b="1" dirty="0">
+                  <a:solidFill>
+                    <a:srgbClr val="00B050"/>
+                  </a:solidFill>
+                </a:rPr>
+                <a:t>USDCAD</a:t>
+              </a:r>
+            </a:p>
+          </p:txBody>
+        </p:sp>
+      </p:grpSp>
+      <p:grpSp>
+        <p:nvGrpSpPr>
+          <p:cNvPr id="21" name="Group 20">
+            <a:extLst>
+              <a:ext uri="{FF2B5EF4-FFF2-40B4-BE49-F238E27FC236}">
+                <a16:creationId xmlns:a16="http://schemas.microsoft.com/office/drawing/2014/main" id="{59973ADF-A4F8-A2FE-BE7C-10F34561E963}"/>
+              </a:ext>
+            </a:extLst>
+          </p:cNvPr>
+          <p:cNvGrpSpPr/>
+          <p:nvPr/>
+        </p:nvGrpSpPr>
+        <p:grpSpPr>
+          <a:xfrm>
+            <a:off x="4884420" y="1207112"/>
+            <a:ext cx="2657013" cy="1567752"/>
+            <a:chOff x="4884420" y="1207112"/>
+            <a:chExt cx="2657013" cy="1567752"/>
+          </a:xfrm>
+        </p:grpSpPr>
+        <p:sp>
+          <p:nvSpPr>
+            <p:cNvPr id="14" name="Rectangle: Rounded Corners 13">
+              <a:extLst>
+                <a:ext uri="{FF2B5EF4-FFF2-40B4-BE49-F238E27FC236}">
+                  <a16:creationId xmlns:a16="http://schemas.microsoft.com/office/drawing/2014/main" id="{CE7D8D7E-4218-D1EB-7761-1F98C4AA0F4F}"/>
+                </a:ext>
+              </a:extLst>
+            </p:cNvPr>
+            <p:cNvSpPr/>
+            <p:nvPr/>
+          </p:nvSpPr>
+          <p:spPr>
+            <a:xfrm>
+              <a:off x="4884420" y="1514671"/>
+              <a:ext cx="967740" cy="322537"/>
+            </a:xfrm>
+            <a:prstGeom prst="roundRect">
+              <a:avLst/>
+            </a:prstGeom>
+            <a:solidFill>
+              <a:schemeClr val="accent1">
+                <a:alpha val="50000"/>
+              </a:schemeClr>
+            </a:solidFill>
+            <a:ln>
+              <a:noFill/>
+            </a:ln>
+          </p:spPr>
+          <p:style>
+            <a:lnRef idx="0">
+              <a:scrgbClr r="0" g="0" b="0"/>
+            </a:lnRef>
+            <a:fillRef idx="0">
+              <a:scrgbClr r="0" g="0" b="0"/>
+            </a:fillRef>
+            <a:effectRef idx="0">
+              <a:scrgbClr r="0" g="0" b="0"/>
+            </a:effectRef>
+            <a:fontRef idx="minor">
+              <a:schemeClr val="lt1"/>
+            </a:fontRef>
+          </p:style>
+          <p:txBody>
+            <a:bodyPr rtlCol="0" anchor="ctr"/>
+            <a:lstStyle/>
+            <a:p>
+              <a:pPr algn="ctr"/>
+              <a:r>
+                <a:rPr lang="en-GB" sz="1600" b="1" dirty="0">
+                  <a:solidFill>
+                    <a:srgbClr val="0070C0"/>
+                  </a:solidFill>
+                </a:rPr>
+                <a:t>EURNOK</a:t>
+              </a:r>
+            </a:p>
+          </p:txBody>
+        </p:sp>
+        <p:sp>
+          <p:nvSpPr>
+            <p:cNvPr id="15" name="Rectangle: Rounded Corners 14">
+              <a:extLst>
+                <a:ext uri="{FF2B5EF4-FFF2-40B4-BE49-F238E27FC236}">
+                  <a16:creationId xmlns:a16="http://schemas.microsoft.com/office/drawing/2014/main" id="{5435254C-3267-853F-D1F4-032CF6FD1CCC}"/>
+                </a:ext>
+              </a:extLst>
+            </p:cNvPr>
+            <p:cNvSpPr/>
+            <p:nvPr/>
+          </p:nvSpPr>
+          <p:spPr>
+            <a:xfrm>
+              <a:off x="5440680" y="1207112"/>
+              <a:ext cx="967740" cy="322537"/>
+            </a:xfrm>
+            <a:prstGeom prst="roundRect">
+              <a:avLst/>
+            </a:prstGeom>
+            <a:solidFill>
+              <a:schemeClr val="accent1">
+                <a:alpha val="50000"/>
+              </a:schemeClr>
+            </a:solidFill>
+            <a:ln>
+              <a:noFill/>
+            </a:ln>
+          </p:spPr>
+          <p:style>
+            <a:lnRef idx="0">
+              <a:scrgbClr r="0" g="0" b="0"/>
+            </a:lnRef>
+            <a:fillRef idx="0">
+              <a:scrgbClr r="0" g="0" b="0"/>
+            </a:fillRef>
+            <a:effectRef idx="0">
+              <a:scrgbClr r="0" g="0" b="0"/>
+            </a:effectRef>
+            <a:fontRef idx="minor">
+              <a:schemeClr val="lt1"/>
+            </a:fontRef>
+          </p:style>
+          <p:txBody>
+            <a:bodyPr rtlCol="0" anchor="ctr"/>
+            <a:lstStyle/>
+            <a:p>
+              <a:pPr algn="ctr"/>
+              <a:r>
+                <a:rPr lang="en-GB" sz="1600" b="1" dirty="0">
+                  <a:solidFill>
+                    <a:srgbClr val="0070C0"/>
+                  </a:solidFill>
+                </a:rPr>
+                <a:t>EURSEK</a:t>
+              </a:r>
+            </a:p>
+          </p:txBody>
+        </p:sp>
+        <p:sp>
+          <p:nvSpPr>
+            <p:cNvPr id="16" name="Rectangle: Rounded Corners 15">
+              <a:extLst>
+                <a:ext uri="{FF2B5EF4-FFF2-40B4-BE49-F238E27FC236}">
+                  <a16:creationId xmlns:a16="http://schemas.microsoft.com/office/drawing/2014/main" id="{6340FCD5-54B8-3B77-90BC-51D77ACC5C56}"/>
+                </a:ext>
+              </a:extLst>
+            </p:cNvPr>
+            <p:cNvSpPr/>
+            <p:nvPr/>
+          </p:nvSpPr>
+          <p:spPr>
+            <a:xfrm>
+              <a:off x="5855972" y="1552837"/>
+              <a:ext cx="967740" cy="322537"/>
+            </a:xfrm>
+            <a:prstGeom prst="roundRect">
+              <a:avLst/>
+            </a:prstGeom>
+            <a:solidFill>
+              <a:schemeClr val="accent1">
+                <a:alpha val="50000"/>
+              </a:schemeClr>
+            </a:solidFill>
+            <a:ln>
+              <a:noFill/>
+            </a:ln>
+          </p:spPr>
+          <p:style>
+            <a:lnRef idx="0">
+              <a:scrgbClr r="0" g="0" b="0"/>
+            </a:lnRef>
+            <a:fillRef idx="0">
+              <a:scrgbClr r="0" g="0" b="0"/>
+            </a:fillRef>
+            <a:effectRef idx="0">
+              <a:scrgbClr r="0" g="0" b="0"/>
+            </a:effectRef>
+            <a:fontRef idx="minor">
+              <a:schemeClr val="lt1"/>
+            </a:fontRef>
+          </p:style>
+          <p:txBody>
+            <a:bodyPr rtlCol="0" anchor="ctr"/>
+            <a:lstStyle/>
+            <a:p>
+              <a:pPr algn="ctr"/>
+              <a:r>
+                <a:rPr lang="en-GB" sz="1600" b="1" dirty="0">
+                  <a:solidFill>
+                    <a:srgbClr val="0070C0"/>
+                  </a:solidFill>
+                </a:rPr>
+                <a:t>EURDKK</a:t>
+              </a:r>
+            </a:p>
+          </p:txBody>
+        </p:sp>
+        <p:sp>
+          <p:nvSpPr>
+            <p:cNvPr id="17" name="Rectangle: Rounded Corners 16">
+              <a:extLst>
+                <a:ext uri="{FF2B5EF4-FFF2-40B4-BE49-F238E27FC236}">
+                  <a16:creationId xmlns:a16="http://schemas.microsoft.com/office/drawing/2014/main" id="{18F73C86-FFBF-605A-6A51-CCF7C8646F4D}"/>
+                </a:ext>
+              </a:extLst>
+            </p:cNvPr>
+            <p:cNvSpPr/>
+            <p:nvPr/>
+          </p:nvSpPr>
+          <p:spPr>
+            <a:xfrm>
+              <a:off x="6339842" y="1860396"/>
+              <a:ext cx="967740" cy="322537"/>
+            </a:xfrm>
+            <a:prstGeom prst="roundRect">
+              <a:avLst/>
+            </a:prstGeom>
+            <a:solidFill>
+              <a:schemeClr val="accent1">
+                <a:alpha val="50000"/>
+              </a:schemeClr>
+            </a:solidFill>
+            <a:ln>
+              <a:noFill/>
+            </a:ln>
+          </p:spPr>
+          <p:style>
+            <a:lnRef idx="0">
+              <a:scrgbClr r="0" g="0" b="0"/>
+            </a:lnRef>
+            <a:fillRef idx="0">
+              <a:scrgbClr r="0" g="0" b="0"/>
+            </a:fillRef>
+            <a:effectRef idx="0">
+              <a:scrgbClr r="0" g="0" b="0"/>
+            </a:effectRef>
+            <a:fontRef idx="minor">
+              <a:schemeClr val="lt1"/>
+            </a:fontRef>
+          </p:style>
+          <p:txBody>
+            <a:bodyPr rtlCol="0" anchor="ctr"/>
+            <a:lstStyle/>
+            <a:p>
+              <a:pPr algn="ctr"/>
+              <a:r>
+                <a:rPr lang="en-GB" sz="1600" b="1" dirty="0">
+                  <a:solidFill>
+                    <a:srgbClr val="0070C0"/>
+                  </a:solidFill>
+                </a:rPr>
+                <a:t>EURPLN</a:t>
+              </a:r>
+            </a:p>
+          </p:txBody>
+        </p:sp>
+        <p:sp>
+          <p:nvSpPr>
+            <p:cNvPr id="18" name="Rectangle: Rounded Corners 17">
+              <a:extLst>
+                <a:ext uri="{FF2B5EF4-FFF2-40B4-BE49-F238E27FC236}">
+                  <a16:creationId xmlns:a16="http://schemas.microsoft.com/office/drawing/2014/main" id="{2CB837D6-F267-432A-37EA-EB0FBFF73A5A}"/>
+                </a:ext>
+              </a:extLst>
+            </p:cNvPr>
+            <p:cNvSpPr/>
+            <p:nvPr/>
+          </p:nvSpPr>
+          <p:spPr>
+            <a:xfrm>
+              <a:off x="6345093" y="2148709"/>
+              <a:ext cx="967740" cy="322537"/>
+            </a:xfrm>
+            <a:prstGeom prst="roundRect">
+              <a:avLst/>
+            </a:prstGeom>
+            <a:solidFill>
+              <a:schemeClr val="accent1">
+                <a:alpha val="50000"/>
+              </a:schemeClr>
+            </a:solidFill>
+            <a:ln>
+              <a:noFill/>
+            </a:ln>
+          </p:spPr>
+          <p:style>
+            <a:lnRef idx="0">
+              <a:scrgbClr r="0" g="0" b="0"/>
+            </a:lnRef>
+            <a:fillRef idx="0">
+              <a:scrgbClr r="0" g="0" b="0"/>
+            </a:fillRef>
+            <a:effectRef idx="0">
+              <a:scrgbClr r="0" g="0" b="0"/>
+            </a:effectRef>
+            <a:fontRef idx="minor">
+              <a:schemeClr val="lt1"/>
+            </a:fontRef>
+          </p:style>
+          <p:txBody>
+            <a:bodyPr rtlCol="0" anchor="ctr"/>
+            <a:lstStyle/>
+            <a:p>
+              <a:pPr algn="ctr"/>
+              <a:r>
+                <a:rPr lang="en-GB" sz="1600" b="1" dirty="0">
+                  <a:solidFill>
+                    <a:srgbClr val="0070C0"/>
+                  </a:solidFill>
+                </a:rPr>
+                <a:t>EURHUF</a:t>
+              </a:r>
+            </a:p>
+          </p:txBody>
+        </p:sp>
+        <p:sp>
+          <p:nvSpPr>
+            <p:cNvPr id="19" name="Rectangle: Rounded Corners 18">
+              <a:extLst>
+                <a:ext uri="{FF2B5EF4-FFF2-40B4-BE49-F238E27FC236}">
+                  <a16:creationId xmlns:a16="http://schemas.microsoft.com/office/drawing/2014/main" id="{9B832F09-7E68-7899-67F3-42C633226502}"/>
+                </a:ext>
+              </a:extLst>
+            </p:cNvPr>
+            <p:cNvSpPr/>
+            <p:nvPr/>
+          </p:nvSpPr>
+          <p:spPr>
+            <a:xfrm>
+              <a:off x="6573693" y="2452327"/>
+              <a:ext cx="967740" cy="322537"/>
+            </a:xfrm>
+            <a:prstGeom prst="roundRect">
+              <a:avLst/>
+            </a:prstGeom>
+            <a:solidFill>
+              <a:schemeClr val="accent1">
+                <a:alpha val="50000"/>
+              </a:schemeClr>
+            </a:solidFill>
+            <a:ln>
+              <a:noFill/>
+            </a:ln>
+          </p:spPr>
+          <p:style>
+            <a:lnRef idx="0">
+              <a:scrgbClr r="0" g="0" b="0"/>
+            </a:lnRef>
+            <a:fillRef idx="0">
+              <a:scrgbClr r="0" g="0" b="0"/>
+            </a:fillRef>
+            <a:effectRef idx="0">
+              <a:scrgbClr r="0" g="0" b="0"/>
+            </a:effectRef>
+            <a:fontRef idx="minor">
+              <a:schemeClr val="lt1"/>
+            </a:fontRef>
+          </p:style>
+          <p:txBody>
+            <a:bodyPr rtlCol="0" anchor="ctr"/>
+            <a:lstStyle/>
+            <a:p>
+              <a:pPr algn="ctr"/>
+              <a:r>
+                <a:rPr lang="en-GB" sz="1600" b="1" dirty="0">
+                  <a:solidFill>
+                    <a:srgbClr val="0070C0"/>
+                  </a:solidFill>
+                </a:rPr>
+                <a:t>EURRON</a:t>
+              </a:r>
+            </a:p>
+          </p:txBody>
+        </p:sp>
+      </p:grpSp>
+      <p:grpSp>
+        <p:nvGrpSpPr>
+          <p:cNvPr id="40" name="Group 39">
+            <a:extLst>
+              <a:ext uri="{FF2B5EF4-FFF2-40B4-BE49-F238E27FC236}">
+                <a16:creationId xmlns:a16="http://schemas.microsoft.com/office/drawing/2014/main" id="{9602450D-AE78-BD7D-B32F-3240DD134D5D}"/>
+              </a:ext>
+            </a:extLst>
+          </p:cNvPr>
+          <p:cNvGrpSpPr/>
+          <p:nvPr/>
+        </p:nvGrpSpPr>
+        <p:grpSpPr>
+          <a:xfrm>
+            <a:off x="2971800" y="2427591"/>
+            <a:ext cx="7623810" cy="2535720"/>
+            <a:chOff x="2971800" y="2427591"/>
+            <a:chExt cx="7623810" cy="2535720"/>
+          </a:xfrm>
+        </p:grpSpPr>
+        <p:sp>
+          <p:nvSpPr>
+            <p:cNvPr id="27" name="Rectangle: Rounded Corners 26">
+              <a:extLst>
+                <a:ext uri="{FF2B5EF4-FFF2-40B4-BE49-F238E27FC236}">
+                  <a16:creationId xmlns:a16="http://schemas.microsoft.com/office/drawing/2014/main" id="{592B5169-ABED-8E19-047A-D800D4611D6E}"/>
+                </a:ext>
+              </a:extLst>
+            </p:cNvPr>
+            <p:cNvSpPr/>
+            <p:nvPr/>
+          </p:nvSpPr>
+          <p:spPr>
+            <a:xfrm>
+              <a:off x="9304020" y="4223843"/>
+              <a:ext cx="1021080" cy="322537"/>
+            </a:xfrm>
+            <a:prstGeom prst="roundRect">
+              <a:avLst/>
+            </a:prstGeom>
+            <a:solidFill>
+              <a:schemeClr val="accent2">
+                <a:lumMod val="60000"/>
+                <a:lumOff val="40000"/>
+                <a:alpha val="49804"/>
+              </a:schemeClr>
+            </a:solidFill>
+            <a:ln>
+              <a:noFill/>
+            </a:ln>
+          </p:spPr>
+          <p:style>
+            <a:lnRef idx="0">
+              <a:scrgbClr r="0" g="0" b="0"/>
+            </a:lnRef>
+            <a:fillRef idx="0">
+              <a:scrgbClr r="0" g="0" b="0"/>
+            </a:fillRef>
+            <a:effectRef idx="0">
+              <a:scrgbClr r="0" g="0" b="0"/>
+            </a:effectRef>
+            <a:fontRef idx="minor">
+              <a:schemeClr val="lt1"/>
+            </a:fontRef>
+          </p:style>
+          <p:txBody>
+            <a:bodyPr rtlCol="0" anchor="ctr"/>
+            <a:lstStyle/>
+            <a:p>
+              <a:pPr algn="ctr"/>
+              <a:r>
+                <a:rPr lang="en-GB" sz="1600" b="1" dirty="0">
+                  <a:solidFill>
+                    <a:srgbClr val="FF0000"/>
+                  </a:solidFill>
+                </a:rPr>
+                <a:t>USDIDR</a:t>
+              </a:r>
+            </a:p>
+          </p:txBody>
+        </p:sp>
+        <p:sp>
+          <p:nvSpPr>
+            <p:cNvPr id="32" name="Rectangle: Rounded Corners 31">
+              <a:extLst>
+                <a:ext uri="{FF2B5EF4-FFF2-40B4-BE49-F238E27FC236}">
+                  <a16:creationId xmlns:a16="http://schemas.microsoft.com/office/drawing/2014/main" id="{47664AAC-49E1-49A3-5C95-591F71332394}"/>
+                </a:ext>
+              </a:extLst>
+            </p:cNvPr>
+            <p:cNvSpPr/>
+            <p:nvPr/>
+          </p:nvSpPr>
+          <p:spPr>
+            <a:xfrm>
+              <a:off x="7757160" y="3349862"/>
+              <a:ext cx="1021080" cy="322537"/>
+            </a:xfrm>
+            <a:prstGeom prst="roundRect">
+              <a:avLst/>
+            </a:prstGeom>
+            <a:solidFill>
+              <a:schemeClr val="accent2">
+                <a:lumMod val="60000"/>
+                <a:lumOff val="40000"/>
+                <a:alpha val="49804"/>
+              </a:schemeClr>
+            </a:solidFill>
+            <a:ln>
+              <a:noFill/>
+            </a:ln>
+          </p:spPr>
+          <p:style>
+            <a:lnRef idx="0">
+              <a:scrgbClr r="0" g="0" b="0"/>
+            </a:lnRef>
+            <a:fillRef idx="0">
+              <a:scrgbClr r="0" g="0" b="0"/>
+            </a:fillRef>
+            <a:effectRef idx="0">
+              <a:scrgbClr r="0" g="0" b="0"/>
+            </a:effectRef>
+            <a:fontRef idx="minor">
+              <a:schemeClr val="lt1"/>
+            </a:fontRef>
+          </p:style>
+          <p:txBody>
+            <a:bodyPr rtlCol="0" anchor="ctr"/>
+            <a:lstStyle/>
+            <a:p>
+              <a:pPr algn="ctr"/>
+              <a:r>
+                <a:rPr lang="en-GB" sz="1600" b="1" dirty="0">
+                  <a:solidFill>
+                    <a:srgbClr val="FF0000"/>
+                  </a:solidFill>
+                </a:rPr>
+                <a:t>USDINR</a:t>
+              </a:r>
+            </a:p>
+          </p:txBody>
+        </p:sp>
+        <p:sp>
+          <p:nvSpPr>
+            <p:cNvPr id="33" name="Rectangle: Rounded Corners 32">
+              <a:extLst>
+                <a:ext uri="{FF2B5EF4-FFF2-40B4-BE49-F238E27FC236}">
+                  <a16:creationId xmlns:a16="http://schemas.microsoft.com/office/drawing/2014/main" id="{ACB8E226-78BE-7A5C-8CD5-F8384C3C7020}"/>
+                </a:ext>
+              </a:extLst>
+            </p:cNvPr>
+            <p:cNvSpPr/>
+            <p:nvPr/>
+          </p:nvSpPr>
+          <p:spPr>
+            <a:xfrm>
+              <a:off x="9201150" y="3762219"/>
+              <a:ext cx="1021080" cy="322537"/>
+            </a:xfrm>
+            <a:prstGeom prst="roundRect">
+              <a:avLst/>
+            </a:prstGeom>
+            <a:solidFill>
+              <a:schemeClr val="accent2">
+                <a:lumMod val="60000"/>
+                <a:lumOff val="40000"/>
+                <a:alpha val="49804"/>
+              </a:schemeClr>
+            </a:solidFill>
+            <a:ln>
+              <a:noFill/>
+            </a:ln>
+          </p:spPr>
+          <p:style>
+            <a:lnRef idx="0">
+              <a:scrgbClr r="0" g="0" b="0"/>
+            </a:lnRef>
+            <a:fillRef idx="0">
+              <a:scrgbClr r="0" g="0" b="0"/>
+            </a:fillRef>
+            <a:effectRef idx="0">
+              <a:scrgbClr r="0" g="0" b="0"/>
+            </a:effectRef>
+            <a:fontRef idx="minor">
+              <a:schemeClr val="lt1"/>
+            </a:fontRef>
+          </p:style>
+          <p:txBody>
+            <a:bodyPr rtlCol="0" anchor="ctr"/>
+            <a:lstStyle/>
+            <a:p>
+              <a:pPr algn="ctr"/>
+              <a:r>
+                <a:rPr lang="en-GB" sz="1600" b="1" dirty="0">
+                  <a:solidFill>
+                    <a:srgbClr val="FF0000"/>
+                  </a:solidFill>
+                </a:rPr>
+                <a:t>USDMYR</a:t>
+              </a:r>
+            </a:p>
+          </p:txBody>
+        </p:sp>
+        <p:sp>
+          <p:nvSpPr>
+            <p:cNvPr id="34" name="Rectangle: Rounded Corners 33">
+              <a:extLst>
+                <a:ext uri="{FF2B5EF4-FFF2-40B4-BE49-F238E27FC236}">
+                  <a16:creationId xmlns:a16="http://schemas.microsoft.com/office/drawing/2014/main" id="{21E311BF-AE1A-3C90-8CC2-725836F5BA09}"/>
+                </a:ext>
+              </a:extLst>
+            </p:cNvPr>
+            <p:cNvSpPr/>
+            <p:nvPr/>
+          </p:nvSpPr>
+          <p:spPr>
+            <a:xfrm>
+              <a:off x="9574530" y="2896670"/>
+              <a:ext cx="1021080" cy="322537"/>
+            </a:xfrm>
+            <a:prstGeom prst="roundRect">
+              <a:avLst/>
+            </a:prstGeom>
+            <a:solidFill>
+              <a:schemeClr val="accent2">
+                <a:lumMod val="60000"/>
+                <a:lumOff val="40000"/>
+                <a:alpha val="49804"/>
+              </a:schemeClr>
+            </a:solidFill>
+            <a:ln>
+              <a:noFill/>
+            </a:ln>
+          </p:spPr>
+          <p:style>
+            <a:lnRef idx="0">
+              <a:scrgbClr r="0" g="0" b="0"/>
+            </a:lnRef>
+            <a:fillRef idx="0">
+              <a:scrgbClr r="0" g="0" b="0"/>
+            </a:fillRef>
+            <a:effectRef idx="0">
+              <a:scrgbClr r="0" g="0" b="0"/>
+            </a:effectRef>
+            <a:fontRef idx="minor">
+              <a:schemeClr val="lt1"/>
+            </a:fontRef>
+          </p:style>
+          <p:txBody>
+            <a:bodyPr rtlCol="0" anchor="ctr"/>
+            <a:lstStyle/>
+            <a:p>
+              <a:pPr algn="ctr"/>
+              <a:r>
+                <a:rPr lang="en-GB" sz="1600" b="1" dirty="0">
+                  <a:solidFill>
+                    <a:srgbClr val="FF0000"/>
+                  </a:solidFill>
+                </a:rPr>
+                <a:t>USDTWD</a:t>
+              </a:r>
+            </a:p>
+          </p:txBody>
+        </p:sp>
+        <p:sp>
+          <p:nvSpPr>
+            <p:cNvPr id="35" name="Rectangle: Rounded Corners 34">
+              <a:extLst>
+                <a:ext uri="{FF2B5EF4-FFF2-40B4-BE49-F238E27FC236}">
+                  <a16:creationId xmlns:a16="http://schemas.microsoft.com/office/drawing/2014/main" id="{FAFBD574-04B1-C514-1195-DDA3E3FD4A0E}"/>
+                </a:ext>
+              </a:extLst>
+            </p:cNvPr>
+            <p:cNvSpPr/>
+            <p:nvPr/>
+          </p:nvSpPr>
+          <p:spPr>
+            <a:xfrm>
+              <a:off x="9250680" y="2543379"/>
+              <a:ext cx="1021080" cy="322537"/>
+            </a:xfrm>
+            <a:prstGeom prst="roundRect">
+              <a:avLst/>
+            </a:prstGeom>
+            <a:solidFill>
+              <a:schemeClr val="accent2">
+                <a:lumMod val="60000"/>
+                <a:lumOff val="40000"/>
+                <a:alpha val="49804"/>
+              </a:schemeClr>
+            </a:solidFill>
+            <a:ln>
+              <a:noFill/>
+            </a:ln>
+          </p:spPr>
+          <p:style>
+            <a:lnRef idx="0">
+              <a:scrgbClr r="0" g="0" b="0"/>
+            </a:lnRef>
+            <a:fillRef idx="0">
+              <a:scrgbClr r="0" g="0" b="0"/>
+            </a:fillRef>
+            <a:effectRef idx="0">
+              <a:scrgbClr r="0" g="0" b="0"/>
+            </a:effectRef>
+            <a:fontRef idx="minor">
+              <a:schemeClr val="lt1"/>
+            </a:fontRef>
+          </p:style>
+          <p:txBody>
+            <a:bodyPr rtlCol="0" anchor="ctr"/>
+            <a:lstStyle/>
+            <a:p>
+              <a:pPr algn="ctr"/>
+              <a:r>
+                <a:rPr lang="en-GB" sz="1600" b="1" dirty="0">
+                  <a:solidFill>
+                    <a:srgbClr val="FF0000"/>
+                  </a:solidFill>
+                </a:rPr>
+                <a:t>USDKRW</a:t>
+              </a:r>
+            </a:p>
+          </p:txBody>
+        </p:sp>
+        <p:sp>
+          <p:nvSpPr>
+            <p:cNvPr id="36" name="Rectangle: Rounded Corners 35">
+              <a:extLst>
+                <a:ext uri="{FF2B5EF4-FFF2-40B4-BE49-F238E27FC236}">
+                  <a16:creationId xmlns:a16="http://schemas.microsoft.com/office/drawing/2014/main" id="{C7B191DE-56E2-AD74-0CBB-AA944B656CFB}"/>
+                </a:ext>
+              </a:extLst>
+            </p:cNvPr>
+            <p:cNvSpPr/>
+            <p:nvPr/>
+          </p:nvSpPr>
+          <p:spPr>
+            <a:xfrm>
+              <a:off x="2971800" y="4640774"/>
+              <a:ext cx="1021080" cy="322537"/>
+            </a:xfrm>
+            <a:prstGeom prst="roundRect">
+              <a:avLst/>
+            </a:prstGeom>
+            <a:solidFill>
+              <a:schemeClr val="accent2">
+                <a:lumMod val="60000"/>
+                <a:lumOff val="40000"/>
+                <a:alpha val="49804"/>
+              </a:schemeClr>
+            </a:solidFill>
+            <a:ln>
+              <a:noFill/>
+            </a:ln>
+          </p:spPr>
+          <p:style>
+            <a:lnRef idx="0">
+              <a:scrgbClr r="0" g="0" b="0"/>
+            </a:lnRef>
+            <a:fillRef idx="0">
+              <a:scrgbClr r="0" g="0" b="0"/>
+            </a:fillRef>
+            <a:effectRef idx="0">
+              <a:scrgbClr r="0" g="0" b="0"/>
+            </a:effectRef>
+            <a:fontRef idx="minor">
+              <a:schemeClr val="lt1"/>
+            </a:fontRef>
+          </p:style>
+          <p:txBody>
+            <a:bodyPr rtlCol="0" anchor="ctr"/>
+            <a:lstStyle/>
+            <a:p>
+              <a:pPr algn="ctr"/>
+              <a:r>
+                <a:rPr lang="en-GB" sz="1600" b="1" dirty="0">
+                  <a:solidFill>
+                    <a:srgbClr val="FF0000"/>
+                  </a:solidFill>
+                </a:rPr>
+                <a:t>USDBRL</a:t>
+              </a:r>
+            </a:p>
+          </p:txBody>
+        </p:sp>
+        <p:sp>
+          <p:nvSpPr>
+            <p:cNvPr id="37" name="Rectangle: Rounded Corners 36">
+              <a:extLst>
+                <a:ext uri="{FF2B5EF4-FFF2-40B4-BE49-F238E27FC236}">
+                  <a16:creationId xmlns:a16="http://schemas.microsoft.com/office/drawing/2014/main" id="{8660FA2A-BB59-44DA-FD47-415054579599}"/>
+                </a:ext>
+              </a:extLst>
+            </p:cNvPr>
+            <p:cNvSpPr/>
+            <p:nvPr/>
+          </p:nvSpPr>
+          <p:spPr>
+            <a:xfrm>
+              <a:off x="8092440" y="2427591"/>
+              <a:ext cx="1021080" cy="322537"/>
+            </a:xfrm>
+            <a:prstGeom prst="roundRect">
+              <a:avLst/>
+            </a:prstGeom>
+            <a:solidFill>
+              <a:schemeClr val="accent2">
+                <a:lumMod val="60000"/>
+                <a:lumOff val="40000"/>
+                <a:alpha val="49804"/>
+              </a:schemeClr>
+            </a:solidFill>
+            <a:ln>
+              <a:noFill/>
+            </a:ln>
+          </p:spPr>
+          <p:style>
+            <a:lnRef idx="0">
+              <a:scrgbClr r="0" g="0" b="0"/>
+            </a:lnRef>
+            <a:fillRef idx="0">
+              <a:scrgbClr r="0" g="0" b="0"/>
+            </a:fillRef>
+            <a:effectRef idx="0">
+              <a:scrgbClr r="0" g="0" b="0"/>
+            </a:effectRef>
+            <a:fontRef idx="minor">
+              <a:schemeClr val="lt1"/>
+            </a:fontRef>
+          </p:style>
+          <p:txBody>
+            <a:bodyPr rtlCol="0" anchor="ctr"/>
+            <a:lstStyle/>
+            <a:p>
+              <a:pPr algn="ctr"/>
+              <a:r>
+                <a:rPr lang="en-GB" sz="1600" b="1" dirty="0">
+                  <a:solidFill>
+                    <a:srgbClr val="FF0000"/>
+                  </a:solidFill>
+                </a:rPr>
+                <a:t>USDCNY</a:t>
+              </a:r>
+            </a:p>
+          </p:txBody>
+        </p:sp>
+      </p:grpSp>
+      <p:grpSp>
+        <p:nvGrpSpPr>
+          <p:cNvPr id="39" name="Group 38">
+            <a:extLst>
+              <a:ext uri="{FF2B5EF4-FFF2-40B4-BE49-F238E27FC236}">
+                <a16:creationId xmlns:a16="http://schemas.microsoft.com/office/drawing/2014/main" id="{B2FCB83B-DA22-FE9C-EDC3-673781B25068}"/>
+              </a:ext>
+            </a:extLst>
+          </p:cNvPr>
+          <p:cNvGrpSpPr/>
+          <p:nvPr/>
+        </p:nvGrpSpPr>
+        <p:grpSpPr>
+          <a:xfrm>
+            <a:off x="1497330" y="1325059"/>
+            <a:ext cx="8637270" cy="4648366"/>
+            <a:chOff x="1497330" y="1325059"/>
+            <a:chExt cx="8637270" cy="4648366"/>
+          </a:xfrm>
+        </p:grpSpPr>
+        <p:grpSp>
+          <p:nvGrpSpPr>
+            <p:cNvPr id="31" name="Group 30">
+              <a:extLst>
+                <a:ext uri="{FF2B5EF4-FFF2-40B4-BE49-F238E27FC236}">
+                  <a16:creationId xmlns:a16="http://schemas.microsoft.com/office/drawing/2014/main" id="{3E1C6144-F7F5-1B9A-7988-0643241068B8}"/>
+                </a:ext>
+              </a:extLst>
+            </p:cNvPr>
+            <p:cNvGrpSpPr/>
+            <p:nvPr/>
+          </p:nvGrpSpPr>
+          <p:grpSpPr>
+            <a:xfrm>
+              <a:off x="1497330" y="1325059"/>
+              <a:ext cx="8637270" cy="4648366"/>
+              <a:chOff x="1497330" y="1325059"/>
+              <a:chExt cx="8637270" cy="4648366"/>
+            </a:xfrm>
+          </p:grpSpPr>
+          <p:sp>
+            <p:nvSpPr>
+              <p:cNvPr id="20" name="Rectangle: Rounded Corners 19">
+                <a:extLst>
+                  <a:ext uri="{FF2B5EF4-FFF2-40B4-BE49-F238E27FC236}">
+                    <a16:creationId xmlns:a16="http://schemas.microsoft.com/office/drawing/2014/main" id="{94E1CB5A-8224-8D5A-4606-D3C0E08F5064}"/>
+                  </a:ext>
+                </a:extLst>
+              </p:cNvPr>
+              <p:cNvSpPr/>
+              <p:nvPr/>
+            </p:nvSpPr>
+            <p:spPr>
+              <a:xfrm>
+                <a:off x="9113520" y="3221769"/>
+                <a:ext cx="1021080" cy="322537"/>
+              </a:xfrm>
+              <a:prstGeom prst="roundRect">
+                <a:avLst/>
+              </a:prstGeom>
+              <a:solidFill>
+                <a:srgbClr val="FFCCFF">
+                  <a:alpha val="49804"/>
+                </a:srgbClr>
+              </a:solidFill>
+              <a:ln>
+                <a:noFill/>
+              </a:ln>
+            </p:spPr>
+            <p:style>
+              <a:lnRef idx="0">
+                <a:scrgbClr r="0" g="0" b="0"/>
+              </a:lnRef>
+              <a:fillRef idx="0">
+                <a:scrgbClr r="0" g="0" b="0"/>
+              </a:fillRef>
+              <a:effectRef idx="0">
+                <a:scrgbClr r="0" g="0" b="0"/>
+              </a:effectRef>
+              <a:fontRef idx="minor">
+                <a:schemeClr val="lt1"/>
+              </a:fontRef>
+            </p:style>
+            <p:txBody>
+              <a:bodyPr rtlCol="0" anchor="ctr"/>
+              <a:lstStyle/>
+              <a:p>
+                <a:pPr algn="ctr"/>
+                <a:r>
+                  <a:rPr lang="en-GB" sz="1600" b="1" dirty="0">
+                    <a:solidFill>
+                      <a:srgbClr val="7030A0"/>
+                    </a:solidFill>
+                  </a:rPr>
+                  <a:t>USDHKD</a:t>
+                </a:r>
+              </a:p>
+            </p:txBody>
+          </p:sp>
+          <p:sp>
+            <p:nvSpPr>
+              <p:cNvPr id="22" name="Rectangle: Rounded Corners 21">
+                <a:extLst>
+                  <a:ext uri="{FF2B5EF4-FFF2-40B4-BE49-F238E27FC236}">
+                    <a16:creationId xmlns:a16="http://schemas.microsoft.com/office/drawing/2014/main" id="{C7C221AE-1760-0922-D69A-86DDF4A82A5B}"/>
+                  </a:ext>
+                </a:extLst>
+              </p:cNvPr>
+              <p:cNvSpPr/>
+              <p:nvPr/>
+            </p:nvSpPr>
+            <p:spPr>
+              <a:xfrm>
+                <a:off x="8336280" y="3722806"/>
+                <a:ext cx="1021080" cy="322537"/>
+              </a:xfrm>
+              <a:prstGeom prst="roundRect">
+                <a:avLst/>
+              </a:prstGeom>
+              <a:solidFill>
+                <a:srgbClr val="FFCCFF">
+                  <a:alpha val="49804"/>
+                </a:srgbClr>
+              </a:solidFill>
+              <a:ln>
+                <a:noFill/>
+              </a:ln>
+            </p:spPr>
+            <p:style>
+              <a:lnRef idx="0">
+                <a:scrgbClr r="0" g="0" b="0"/>
+              </a:lnRef>
+              <a:fillRef idx="0">
+                <a:scrgbClr r="0" g="0" b="0"/>
+              </a:fillRef>
+              <a:effectRef idx="0">
+                <a:scrgbClr r="0" g="0" b="0"/>
+              </a:effectRef>
+              <a:fontRef idx="minor">
+                <a:schemeClr val="lt1"/>
+              </a:fontRef>
+            </p:style>
+            <p:txBody>
+              <a:bodyPr rtlCol="0" anchor="ctr"/>
+              <a:lstStyle/>
+              <a:p>
+                <a:pPr algn="ctr"/>
+                <a:r>
+                  <a:rPr lang="en-GB" sz="1600" b="1" dirty="0">
+                    <a:solidFill>
+                      <a:srgbClr val="7030A0"/>
+                    </a:solidFill>
+                  </a:rPr>
+                  <a:t>USDTHB</a:t>
+                </a:r>
+              </a:p>
+            </p:txBody>
+          </p:sp>
+          <p:sp>
+            <p:nvSpPr>
+              <p:cNvPr id="23" name="Rectangle: Rounded Corners 22">
+                <a:extLst>
+                  <a:ext uri="{FF2B5EF4-FFF2-40B4-BE49-F238E27FC236}">
+                    <a16:creationId xmlns:a16="http://schemas.microsoft.com/office/drawing/2014/main" id="{2133634B-9C7F-7229-7DB9-DE85571BB15E}"/>
+                  </a:ext>
+                </a:extLst>
+              </p:cNvPr>
+              <p:cNvSpPr/>
+              <p:nvPr/>
+            </p:nvSpPr>
+            <p:spPr>
+              <a:xfrm>
+                <a:off x="1497330" y="3341806"/>
+                <a:ext cx="1021080" cy="322537"/>
+              </a:xfrm>
+              <a:prstGeom prst="roundRect">
+                <a:avLst/>
+              </a:prstGeom>
+              <a:solidFill>
+                <a:srgbClr val="FFCCFF">
+                  <a:alpha val="49804"/>
+                </a:srgbClr>
+              </a:solidFill>
+              <a:ln>
+                <a:noFill/>
+              </a:ln>
+            </p:spPr>
+            <p:style>
+              <a:lnRef idx="0">
+                <a:scrgbClr r="0" g="0" b="0"/>
+              </a:lnRef>
+              <a:fillRef idx="0">
+                <a:scrgbClr r="0" g="0" b="0"/>
+              </a:fillRef>
+              <a:effectRef idx="0">
+                <a:scrgbClr r="0" g="0" b="0"/>
+              </a:effectRef>
+              <a:fontRef idx="minor">
+                <a:schemeClr val="lt1"/>
+              </a:fontRef>
+            </p:style>
+            <p:txBody>
+              <a:bodyPr rtlCol="0" anchor="ctr"/>
+              <a:lstStyle/>
+              <a:p>
+                <a:pPr algn="ctr"/>
+                <a:r>
+                  <a:rPr lang="en-GB" sz="1600" b="1" dirty="0">
+                    <a:solidFill>
+                      <a:srgbClr val="7030A0"/>
+                    </a:solidFill>
+                  </a:rPr>
+                  <a:t>USDMXN</a:t>
+                </a:r>
+              </a:p>
+            </p:txBody>
+          </p:sp>
+          <p:sp>
+            <p:nvSpPr>
+              <p:cNvPr id="24" name="Rectangle: Rounded Corners 23">
+                <a:extLst>
+                  <a:ext uri="{FF2B5EF4-FFF2-40B4-BE49-F238E27FC236}">
+                    <a16:creationId xmlns:a16="http://schemas.microsoft.com/office/drawing/2014/main" id="{C1E0A580-D5C5-3393-E5ED-3ABC0E839ACB}"/>
+                  </a:ext>
+                </a:extLst>
+              </p:cNvPr>
+              <p:cNvSpPr/>
+              <p:nvPr/>
+            </p:nvSpPr>
+            <p:spPr>
+              <a:xfrm>
+                <a:off x="8500110" y="3987044"/>
+                <a:ext cx="1021080" cy="322537"/>
+              </a:xfrm>
+              <a:prstGeom prst="roundRect">
+                <a:avLst/>
+              </a:prstGeom>
+              <a:solidFill>
+                <a:srgbClr val="FFCCFF">
+                  <a:alpha val="49804"/>
+                </a:srgbClr>
+              </a:solidFill>
+              <a:ln>
+                <a:noFill/>
+              </a:ln>
+            </p:spPr>
+            <p:style>
+              <a:lnRef idx="0">
+                <a:scrgbClr r="0" g="0" b="0"/>
+              </a:lnRef>
+              <a:fillRef idx="0">
+                <a:scrgbClr r="0" g="0" b="0"/>
+              </a:fillRef>
+              <a:effectRef idx="0">
+                <a:scrgbClr r="0" g="0" b="0"/>
+              </a:effectRef>
+              <a:fontRef idx="minor">
+                <a:schemeClr val="lt1"/>
+              </a:fontRef>
+            </p:style>
+            <p:txBody>
+              <a:bodyPr rtlCol="0" anchor="ctr"/>
+              <a:lstStyle/>
+              <a:p>
+                <a:pPr algn="ctr"/>
+                <a:r>
+                  <a:rPr lang="en-GB" sz="1600" b="1" dirty="0">
+                    <a:solidFill>
+                      <a:srgbClr val="7030A0"/>
+                    </a:solidFill>
+                  </a:rPr>
+                  <a:t>USDSGD</a:t>
+                </a:r>
+              </a:p>
+            </p:txBody>
+          </p:sp>
+          <p:sp>
+            <p:nvSpPr>
+              <p:cNvPr id="25" name="Rectangle: Rounded Corners 24">
+                <a:extLst>
+                  <a:ext uri="{FF2B5EF4-FFF2-40B4-BE49-F238E27FC236}">
+                    <a16:creationId xmlns:a16="http://schemas.microsoft.com/office/drawing/2014/main" id="{3554BCDE-72EF-623B-1ACB-22E50224FD74}"/>
+                  </a:ext>
+                </a:extLst>
+              </p:cNvPr>
+              <p:cNvSpPr/>
+              <p:nvPr/>
+            </p:nvSpPr>
+            <p:spPr>
+              <a:xfrm>
+                <a:off x="5778330" y="2699263"/>
+                <a:ext cx="967740" cy="322537"/>
+              </a:xfrm>
+              <a:prstGeom prst="roundRect">
+                <a:avLst/>
+              </a:prstGeom>
+              <a:solidFill>
+                <a:srgbClr val="FFCCFF">
+                  <a:alpha val="49804"/>
+                </a:srgbClr>
+              </a:solidFill>
+              <a:ln>
+                <a:noFill/>
+              </a:ln>
+            </p:spPr>
+            <p:style>
+              <a:lnRef idx="0">
+                <a:scrgbClr r="0" g="0" b="0"/>
+              </a:lnRef>
+              <a:fillRef idx="0">
+                <a:scrgbClr r="0" g="0" b="0"/>
+              </a:fillRef>
+              <a:effectRef idx="0">
+                <a:scrgbClr r="0" g="0" b="0"/>
+              </a:effectRef>
+              <a:fontRef idx="minor">
+                <a:schemeClr val="lt1"/>
+              </a:fontRef>
+            </p:style>
+            <p:txBody>
+              <a:bodyPr rtlCol="0" anchor="ctr"/>
+              <a:lstStyle/>
+              <a:p>
+                <a:pPr algn="ctr"/>
+                <a:r>
+                  <a:rPr lang="en-GB" sz="1600" b="1" dirty="0">
+                    <a:solidFill>
+                      <a:srgbClr val="7030A0"/>
+                    </a:solidFill>
+                  </a:rPr>
+                  <a:t>USDTRY</a:t>
+                </a:r>
+              </a:p>
+            </p:txBody>
+          </p:sp>
+          <p:sp>
+            <p:nvSpPr>
+              <p:cNvPr id="26" name="Rectangle: Rounded Corners 25">
+                <a:extLst>
+                  <a:ext uri="{FF2B5EF4-FFF2-40B4-BE49-F238E27FC236}">
+                    <a16:creationId xmlns:a16="http://schemas.microsoft.com/office/drawing/2014/main" id="{6D891C50-6FDC-B3B7-6FE4-03EA32D7EE62}"/>
+                  </a:ext>
+                </a:extLst>
+              </p:cNvPr>
+              <p:cNvSpPr/>
+              <p:nvPr/>
+            </p:nvSpPr>
+            <p:spPr>
+              <a:xfrm>
+                <a:off x="7840980" y="1325059"/>
+                <a:ext cx="967740" cy="322537"/>
+              </a:xfrm>
+              <a:prstGeom prst="roundRect">
+                <a:avLst/>
+              </a:prstGeom>
+              <a:solidFill>
+                <a:srgbClr val="FFCCFF">
+                  <a:alpha val="49804"/>
+                </a:srgbClr>
+              </a:solidFill>
+              <a:ln>
+                <a:noFill/>
+              </a:ln>
+            </p:spPr>
+            <p:style>
+              <a:lnRef idx="0">
+                <a:scrgbClr r="0" g="0" b="0"/>
+              </a:lnRef>
+              <a:fillRef idx="0">
+                <a:scrgbClr r="0" g="0" b="0"/>
+              </a:fillRef>
+              <a:effectRef idx="0">
+                <a:scrgbClr r="0" g="0" b="0"/>
+              </a:effectRef>
+              <a:fontRef idx="minor">
+                <a:schemeClr val="lt1"/>
+              </a:fontRef>
+            </p:style>
+            <p:txBody>
+              <a:bodyPr rtlCol="0" anchor="ctr"/>
+              <a:lstStyle/>
+              <a:p>
+                <a:pPr algn="ctr"/>
+                <a:r>
+                  <a:rPr lang="en-GB" sz="1600" b="1" dirty="0">
+                    <a:solidFill>
+                      <a:srgbClr val="7030A0"/>
+                    </a:solidFill>
+                  </a:rPr>
+                  <a:t>USDRUB</a:t>
+                </a:r>
+              </a:p>
+            </p:txBody>
+          </p:sp>
+          <p:sp>
+            <p:nvSpPr>
+              <p:cNvPr id="30" name="Rectangle: Rounded Corners 29">
+                <a:extLst>
+                  <a:ext uri="{FF2B5EF4-FFF2-40B4-BE49-F238E27FC236}">
+                    <a16:creationId xmlns:a16="http://schemas.microsoft.com/office/drawing/2014/main" id="{13BFAC81-81F3-68A4-79DF-59797812EA5A}"/>
+                  </a:ext>
+                </a:extLst>
+              </p:cNvPr>
+              <p:cNvSpPr/>
+              <p:nvPr/>
+            </p:nvSpPr>
+            <p:spPr>
+              <a:xfrm>
+                <a:off x="5722620" y="5650888"/>
+                <a:ext cx="1021080" cy="322537"/>
+              </a:xfrm>
+              <a:prstGeom prst="roundRect">
+                <a:avLst/>
+              </a:prstGeom>
+              <a:solidFill>
+                <a:srgbClr val="FFCCFF">
+                  <a:alpha val="49804"/>
+                </a:srgbClr>
+              </a:solidFill>
+              <a:ln>
+                <a:noFill/>
+              </a:ln>
+            </p:spPr>
+            <p:style>
+              <a:lnRef idx="0">
+                <a:scrgbClr r="0" g="0" b="0"/>
+              </a:lnRef>
+              <a:fillRef idx="0">
+                <a:scrgbClr r="0" g="0" b="0"/>
+              </a:fillRef>
+              <a:effectRef idx="0">
+                <a:scrgbClr r="0" g="0" b="0"/>
+              </a:effectRef>
+              <a:fontRef idx="minor">
+                <a:schemeClr val="lt1"/>
+              </a:fontRef>
+            </p:style>
+            <p:txBody>
+              <a:bodyPr rtlCol="0" anchor="ctr"/>
+              <a:lstStyle/>
+              <a:p>
+                <a:pPr algn="ctr"/>
+                <a:r>
+                  <a:rPr lang="en-GB" sz="1600" b="1" dirty="0">
+                    <a:solidFill>
+                      <a:srgbClr val="7030A0"/>
+                    </a:solidFill>
+                  </a:rPr>
+                  <a:t>USDZAR</a:t>
+                </a:r>
+              </a:p>
+            </p:txBody>
+          </p:sp>
+        </p:grpSp>
+        <p:sp>
+          <p:nvSpPr>
+            <p:cNvPr id="38" name="Rectangle: Rounded Corners 37">
+              <a:extLst>
+                <a:ext uri="{FF2B5EF4-FFF2-40B4-BE49-F238E27FC236}">
+                  <a16:creationId xmlns:a16="http://schemas.microsoft.com/office/drawing/2014/main" id="{DA1191CF-FFF4-C79C-6EE0-A71FB09EAD7D}"/>
+                </a:ext>
+              </a:extLst>
+            </p:cNvPr>
+            <p:cNvSpPr/>
+            <p:nvPr/>
+          </p:nvSpPr>
+          <p:spPr>
+            <a:xfrm>
+              <a:off x="8447955" y="2956877"/>
+              <a:ext cx="1021080" cy="322537"/>
+            </a:xfrm>
+            <a:prstGeom prst="roundRect">
+              <a:avLst/>
+            </a:prstGeom>
+            <a:solidFill>
+              <a:srgbClr val="FFCCFF">
+                <a:alpha val="49804"/>
+              </a:srgbClr>
+            </a:solidFill>
+            <a:ln>
+              <a:noFill/>
+            </a:ln>
+          </p:spPr>
+          <p:style>
+            <a:lnRef idx="0">
+              <a:scrgbClr r="0" g="0" b="0"/>
+            </a:lnRef>
+            <a:fillRef idx="0">
+              <a:scrgbClr r="0" g="0" b="0"/>
+            </a:fillRef>
+            <a:effectRef idx="0">
+              <a:scrgbClr r="0" g="0" b="0"/>
+            </a:effectRef>
+            <a:fontRef idx="minor">
+              <a:schemeClr val="lt1"/>
+            </a:fontRef>
+          </p:style>
+          <p:txBody>
+            <a:bodyPr rtlCol="0" anchor="ctr"/>
+            <a:lstStyle/>
+            <a:p>
+              <a:pPr algn="ctr"/>
+              <a:r>
+                <a:rPr lang="en-GB" sz="1600" b="1" dirty="0">
+                  <a:solidFill>
+                    <a:srgbClr val="7030A0"/>
+                  </a:solidFill>
+                </a:rPr>
+                <a:t>USDCNH</a:t>
+              </a:r>
+            </a:p>
+          </p:txBody>
+        </p:sp>
+      </p:grpSp>
+      <p:grpSp>
+        <p:nvGrpSpPr>
+          <p:cNvPr id="45" name="Group 44">
+            <a:extLst>
+              <a:ext uri="{FF2B5EF4-FFF2-40B4-BE49-F238E27FC236}">
+                <a16:creationId xmlns:a16="http://schemas.microsoft.com/office/drawing/2014/main" id="{086372DF-5958-4294-70A4-2765A05E8E7D}"/>
+              </a:ext>
+            </a:extLst>
+          </p:cNvPr>
+          <p:cNvGrpSpPr/>
+          <p:nvPr/>
+        </p:nvGrpSpPr>
+        <p:grpSpPr>
+          <a:xfrm>
+            <a:off x="3608073" y="2504197"/>
+            <a:ext cx="1021080" cy="1337054"/>
+            <a:chOff x="3482340" y="2665409"/>
+            <a:chExt cx="1021080" cy="1337054"/>
+          </a:xfrm>
+        </p:grpSpPr>
+        <p:sp>
+          <p:nvSpPr>
+            <p:cNvPr id="41" name="Rectangle: Rounded Corners 40">
+              <a:extLst>
+                <a:ext uri="{FF2B5EF4-FFF2-40B4-BE49-F238E27FC236}">
+                  <a16:creationId xmlns:a16="http://schemas.microsoft.com/office/drawing/2014/main" id="{228170C6-3974-BAD3-0EC8-1B2E283871BC}"/>
+                </a:ext>
+              </a:extLst>
+            </p:cNvPr>
+            <p:cNvSpPr/>
+            <p:nvPr/>
+          </p:nvSpPr>
+          <p:spPr>
+            <a:xfrm>
+              <a:off x="3482340" y="2665409"/>
+              <a:ext cx="1021080" cy="322537"/>
+            </a:xfrm>
+            <a:prstGeom prst="roundRect">
+              <a:avLst/>
+            </a:prstGeom>
+            <a:solidFill>
+              <a:schemeClr val="tx1">
+                <a:lumMod val="75000"/>
+                <a:lumOff val="25000"/>
+                <a:alpha val="49804"/>
+              </a:schemeClr>
+            </a:solidFill>
+            <a:ln>
+              <a:noFill/>
+            </a:ln>
+          </p:spPr>
+          <p:style>
+            <a:lnRef idx="0">
+              <a:scrgbClr r="0" g="0" b="0"/>
+            </a:lnRef>
+            <a:fillRef idx="0">
+              <a:scrgbClr r="0" g="0" b="0"/>
+            </a:fillRef>
+            <a:effectRef idx="0">
+              <a:scrgbClr r="0" g="0" b="0"/>
+            </a:effectRef>
+            <a:fontRef idx="minor">
+              <a:schemeClr val="lt1"/>
+            </a:fontRef>
+          </p:style>
+          <p:txBody>
+            <a:bodyPr rtlCol="0" anchor="ctr"/>
+            <a:lstStyle/>
+            <a:p>
+              <a:pPr algn="ctr"/>
+              <a:r>
+                <a:rPr lang="en-GB" sz="1600" b="1" dirty="0">
+                  <a:solidFill>
+                    <a:schemeClr val="bg1"/>
+                  </a:solidFill>
+                </a:rPr>
+                <a:t>XAGUSD</a:t>
+              </a:r>
+            </a:p>
+          </p:txBody>
+        </p:sp>
+        <p:sp>
+          <p:nvSpPr>
+            <p:cNvPr id="42" name="Rectangle: Rounded Corners 41">
+              <a:extLst>
+                <a:ext uri="{FF2B5EF4-FFF2-40B4-BE49-F238E27FC236}">
+                  <a16:creationId xmlns:a16="http://schemas.microsoft.com/office/drawing/2014/main" id="{4844D72A-0ACF-8BC6-CCC0-142F3C67C1AC}"/>
+                </a:ext>
+              </a:extLst>
+            </p:cNvPr>
+            <p:cNvSpPr/>
+            <p:nvPr/>
+          </p:nvSpPr>
+          <p:spPr>
+            <a:xfrm>
+              <a:off x="3482340" y="3003686"/>
+              <a:ext cx="1021080" cy="322537"/>
+            </a:xfrm>
+            <a:prstGeom prst="roundRect">
+              <a:avLst/>
+            </a:prstGeom>
+            <a:solidFill>
+              <a:schemeClr val="tx1">
+                <a:lumMod val="75000"/>
+                <a:lumOff val="25000"/>
+                <a:alpha val="49804"/>
+              </a:schemeClr>
+            </a:solidFill>
+            <a:ln>
+              <a:noFill/>
+            </a:ln>
+          </p:spPr>
+          <p:style>
+            <a:lnRef idx="0">
+              <a:scrgbClr r="0" g="0" b="0"/>
+            </a:lnRef>
+            <a:fillRef idx="0">
+              <a:scrgbClr r="0" g="0" b="0"/>
+            </a:fillRef>
+            <a:effectRef idx="0">
+              <a:scrgbClr r="0" g="0" b="0"/>
+            </a:effectRef>
+            <a:fontRef idx="minor">
+              <a:schemeClr val="lt1"/>
+            </a:fontRef>
+          </p:style>
+          <p:txBody>
+            <a:bodyPr rtlCol="0" anchor="ctr"/>
+            <a:lstStyle/>
+            <a:p>
+              <a:pPr algn="ctr"/>
+              <a:r>
+                <a:rPr lang="en-GB" sz="1600" b="1" dirty="0">
+                  <a:solidFill>
+                    <a:schemeClr val="bg1"/>
+                  </a:solidFill>
+                </a:rPr>
+                <a:t>XAUUSD</a:t>
+              </a:r>
+            </a:p>
+          </p:txBody>
+        </p:sp>
+        <p:sp>
+          <p:nvSpPr>
+            <p:cNvPr id="43" name="Rectangle: Rounded Corners 42">
+              <a:extLst>
+                <a:ext uri="{FF2B5EF4-FFF2-40B4-BE49-F238E27FC236}">
+                  <a16:creationId xmlns:a16="http://schemas.microsoft.com/office/drawing/2014/main" id="{B5EA3DB4-DCF2-BCB2-BBAE-79D4F35D7F0E}"/>
+                </a:ext>
+              </a:extLst>
+            </p:cNvPr>
+            <p:cNvSpPr/>
+            <p:nvPr/>
+          </p:nvSpPr>
+          <p:spPr>
+            <a:xfrm>
+              <a:off x="3482340" y="3341806"/>
+              <a:ext cx="1021080" cy="322537"/>
+            </a:xfrm>
+            <a:prstGeom prst="roundRect">
+              <a:avLst/>
+            </a:prstGeom>
+            <a:solidFill>
+              <a:schemeClr val="tx1">
+                <a:lumMod val="75000"/>
+                <a:lumOff val="25000"/>
+                <a:alpha val="49804"/>
+              </a:schemeClr>
+            </a:solidFill>
+            <a:ln>
+              <a:noFill/>
+            </a:ln>
+          </p:spPr>
+          <p:style>
+            <a:lnRef idx="0">
+              <a:scrgbClr r="0" g="0" b="0"/>
+            </a:lnRef>
+            <a:fillRef idx="0">
+              <a:scrgbClr r="0" g="0" b="0"/>
+            </a:fillRef>
+            <a:effectRef idx="0">
+              <a:scrgbClr r="0" g="0" b="0"/>
+            </a:effectRef>
+            <a:fontRef idx="minor">
+              <a:schemeClr val="lt1"/>
+            </a:fontRef>
+          </p:style>
+          <p:txBody>
+            <a:bodyPr rtlCol="0" anchor="ctr"/>
+            <a:lstStyle/>
+            <a:p>
+              <a:pPr algn="ctr"/>
+              <a:r>
+                <a:rPr lang="en-GB" sz="1600" b="1" dirty="0">
+                  <a:solidFill>
+                    <a:schemeClr val="bg1"/>
+                  </a:solidFill>
+                </a:rPr>
+                <a:t>XPDUSD</a:t>
+              </a:r>
+            </a:p>
+          </p:txBody>
+        </p:sp>
+        <p:sp>
+          <p:nvSpPr>
+            <p:cNvPr id="44" name="Rectangle: Rounded Corners 43">
+              <a:extLst>
+                <a:ext uri="{FF2B5EF4-FFF2-40B4-BE49-F238E27FC236}">
+                  <a16:creationId xmlns:a16="http://schemas.microsoft.com/office/drawing/2014/main" id="{9AD92680-C8E2-EE84-B6D2-3688120CEF94}"/>
+                </a:ext>
+              </a:extLst>
+            </p:cNvPr>
+            <p:cNvSpPr/>
+            <p:nvPr/>
+          </p:nvSpPr>
+          <p:spPr>
+            <a:xfrm>
+              <a:off x="3482340" y="3679926"/>
+              <a:ext cx="1021080" cy="322537"/>
+            </a:xfrm>
+            <a:prstGeom prst="roundRect">
+              <a:avLst/>
+            </a:prstGeom>
+            <a:solidFill>
+              <a:schemeClr val="tx1">
+                <a:lumMod val="75000"/>
+                <a:lumOff val="25000"/>
+                <a:alpha val="49804"/>
+              </a:schemeClr>
+            </a:solidFill>
+            <a:ln>
+              <a:noFill/>
+            </a:ln>
+          </p:spPr>
+          <p:style>
+            <a:lnRef idx="0">
+              <a:scrgbClr r="0" g="0" b="0"/>
+            </a:lnRef>
+            <a:fillRef idx="0">
+              <a:scrgbClr r="0" g="0" b="0"/>
+            </a:fillRef>
+            <a:effectRef idx="0">
+              <a:scrgbClr r="0" g="0" b="0"/>
+            </a:effectRef>
+            <a:fontRef idx="minor">
+              <a:schemeClr val="lt1"/>
+            </a:fontRef>
+          </p:style>
+          <p:txBody>
+            <a:bodyPr rtlCol="0" anchor="ctr"/>
+            <a:lstStyle/>
+            <a:p>
+              <a:pPr algn="ctr"/>
+              <a:r>
+                <a:rPr lang="en-GB" sz="1600" b="1" dirty="0">
+                  <a:solidFill>
+                    <a:schemeClr val="bg1"/>
+                  </a:solidFill>
+                </a:rPr>
+                <a:t>XPTUSD</a:t>
+              </a:r>
+            </a:p>
+          </p:txBody>
+        </p:sp>
+      </p:grpSp>
+      <p:grpSp>
+        <p:nvGrpSpPr>
+          <p:cNvPr id="28" name="Group 27">
+            <a:extLst>
+              <a:ext uri="{FF2B5EF4-FFF2-40B4-BE49-F238E27FC236}">
+                <a16:creationId xmlns:a16="http://schemas.microsoft.com/office/drawing/2014/main" id="{D577683C-3AD4-47B7-80E7-DD2166F49099}"/>
+              </a:ext>
+            </a:extLst>
+          </p:cNvPr>
+          <p:cNvGrpSpPr/>
+          <p:nvPr/>
+        </p:nvGrpSpPr>
+        <p:grpSpPr>
+          <a:xfrm>
+            <a:off x="3634743" y="1659648"/>
+            <a:ext cx="8015975" cy="2203424"/>
+            <a:chOff x="3634743" y="1659648"/>
+            <a:chExt cx="8015975" cy="2203424"/>
+          </a:xfrm>
+        </p:grpSpPr>
+        <p:sp>
+          <p:nvSpPr>
+            <p:cNvPr id="3" name="Rectangle: Rounded Corners 2">
+              <a:extLst>
+                <a:ext uri="{FF2B5EF4-FFF2-40B4-BE49-F238E27FC236}">
+                  <a16:creationId xmlns:a16="http://schemas.microsoft.com/office/drawing/2014/main" id="{C2C81ECD-105C-2363-EE02-B62EC4EA7E52}"/>
+                </a:ext>
+              </a:extLst>
+            </p:cNvPr>
+            <p:cNvSpPr/>
+            <p:nvPr/>
+          </p:nvSpPr>
+          <p:spPr>
+            <a:xfrm>
+              <a:off x="3634743" y="1659648"/>
+              <a:ext cx="967740" cy="322537"/>
+            </a:xfrm>
+            <a:prstGeom prst="roundRect">
+              <a:avLst/>
+            </a:prstGeom>
+            <a:solidFill>
+              <a:srgbClr val="00B050">
+                <a:alpha val="50000"/>
+              </a:srgbClr>
+            </a:solidFill>
+            <a:ln>
+              <a:noFill/>
+            </a:ln>
+          </p:spPr>
+          <p:style>
+            <a:lnRef idx="0">
+              <a:scrgbClr r="0" g="0" b="0"/>
+            </a:lnRef>
+            <a:fillRef idx="0">
+              <a:scrgbClr r="0" g="0" b="0"/>
+            </a:fillRef>
+            <a:effectRef idx="0">
+              <a:scrgbClr r="0" g="0" b="0"/>
+            </a:effectRef>
+            <a:fontRef idx="minor">
+              <a:schemeClr val="lt1"/>
+            </a:fontRef>
+          </p:style>
+          <p:txBody>
+            <a:bodyPr rtlCol="0" anchor="ctr"/>
+            <a:lstStyle/>
+            <a:p>
+              <a:pPr algn="ctr"/>
+              <a:r>
+                <a:rPr lang="en-GB" sz="1600" b="1" dirty="0">
+                  <a:solidFill>
+                    <a:srgbClr val="00B050"/>
+                  </a:solidFill>
+                </a:rPr>
+                <a:t>USDCHF</a:t>
+              </a:r>
+            </a:p>
+          </p:txBody>
+        </p:sp>
+        <p:sp>
+          <p:nvSpPr>
+            <p:cNvPr id="4" name="Rectangle: Rounded Corners 3">
+              <a:extLst>
+                <a:ext uri="{FF2B5EF4-FFF2-40B4-BE49-F238E27FC236}">
+                  <a16:creationId xmlns:a16="http://schemas.microsoft.com/office/drawing/2014/main" id="{6399141E-5D8F-4EA0-231A-D4083E239651}"/>
+                </a:ext>
+              </a:extLst>
+            </p:cNvPr>
+            <p:cNvSpPr/>
+            <p:nvPr/>
+          </p:nvSpPr>
+          <p:spPr>
+            <a:xfrm>
+              <a:off x="10679430" y="3165011"/>
+              <a:ext cx="967740" cy="322537"/>
+            </a:xfrm>
+            <a:prstGeom prst="roundRect">
+              <a:avLst/>
+            </a:prstGeom>
+            <a:solidFill>
+              <a:srgbClr val="00B050">
+                <a:alpha val="50000"/>
+              </a:srgbClr>
+            </a:solidFill>
+            <a:ln>
+              <a:noFill/>
+            </a:ln>
+          </p:spPr>
+          <p:style>
+            <a:lnRef idx="0">
+              <a:scrgbClr r="0" g="0" b="0"/>
+            </a:lnRef>
+            <a:fillRef idx="0">
+              <a:scrgbClr r="0" g="0" b="0"/>
+            </a:fillRef>
+            <a:effectRef idx="0">
+              <a:scrgbClr r="0" g="0" b="0"/>
+            </a:effectRef>
+            <a:fontRef idx="minor">
+              <a:schemeClr val="lt1"/>
+            </a:fontRef>
+          </p:style>
+          <p:txBody>
+            <a:bodyPr rtlCol="0" anchor="ctr"/>
+            <a:lstStyle/>
+            <a:p>
+              <a:pPr algn="ctr"/>
+              <a:r>
+                <a:rPr lang="en-GB" sz="1600" b="1" dirty="0">
+                  <a:solidFill>
+                    <a:srgbClr val="00B050"/>
+                  </a:solidFill>
+                </a:rPr>
+                <a:t>AUDJPY</a:t>
+              </a:r>
+            </a:p>
+          </p:txBody>
+        </p:sp>
+        <p:sp>
+          <p:nvSpPr>
+            <p:cNvPr id="5" name="Rectangle: Rounded Corners 4">
+              <a:extLst>
+                <a:ext uri="{FF2B5EF4-FFF2-40B4-BE49-F238E27FC236}">
+                  <a16:creationId xmlns:a16="http://schemas.microsoft.com/office/drawing/2014/main" id="{E765BC29-DA64-BB5C-C363-B21B57A6A2A7}"/>
+                </a:ext>
+              </a:extLst>
+            </p:cNvPr>
+            <p:cNvSpPr/>
+            <p:nvPr/>
+          </p:nvSpPr>
+          <p:spPr>
+            <a:xfrm>
+              <a:off x="10682978" y="3540535"/>
+              <a:ext cx="967740" cy="322537"/>
+            </a:xfrm>
+            <a:prstGeom prst="roundRect">
+              <a:avLst/>
+            </a:prstGeom>
+            <a:solidFill>
+              <a:srgbClr val="00B050">
+                <a:alpha val="50000"/>
+              </a:srgbClr>
+            </a:solidFill>
+            <a:ln>
+              <a:noFill/>
+            </a:ln>
+          </p:spPr>
+          <p:style>
+            <a:lnRef idx="0">
+              <a:scrgbClr r="0" g="0" b="0"/>
+            </a:lnRef>
+            <a:fillRef idx="0">
+              <a:scrgbClr r="0" g="0" b="0"/>
+            </a:fillRef>
+            <a:effectRef idx="0">
+              <a:scrgbClr r="0" g="0" b="0"/>
+            </a:effectRef>
+            <a:fontRef idx="minor">
+              <a:schemeClr val="lt1"/>
+            </a:fontRef>
+          </p:style>
+          <p:txBody>
+            <a:bodyPr rtlCol="0" anchor="ctr"/>
+            <a:lstStyle/>
+            <a:p>
+              <a:pPr algn="ctr"/>
+              <a:r>
+                <a:rPr lang="en-GB" sz="1600" b="1" dirty="0">
+                  <a:solidFill>
+                    <a:srgbClr val="00B050"/>
+                  </a:solidFill>
+                </a:rPr>
+                <a:t>NZDJPY</a:t>
+              </a:r>
+            </a:p>
+          </p:txBody>
+        </p:sp>
+      </p:grpSp>
+    </p:spTree>
+    <p:extLst>
+      <p:ext uri="{BB962C8B-B14F-4D97-AF65-F5344CB8AC3E}">
+        <p14:creationId xmlns:p14="http://schemas.microsoft.com/office/powerpoint/2010/main" val="2910450133"/>
+      </p:ext>
+    </p:extLst>
+  </p:cSld>
+  <p:clrMapOvr>
+    <a:masterClrMapping/>
+  </p:clrMapOvr>
+  <p:timing>
+    <p:tnLst>
+      <p:par>
+        <p:cTn id="1" dur="indefinite" restart="never" nodeType="tmRoot">
+          <p:childTnLst>
+            <p:seq concurrent="1" nextAc="seek">
+              <p:cTn id="2" dur="indefinite" nodeType="mainSeq">
+                <p:childTnLst>
+                  <p:par>
+                    <p:cTn id="3" fill="hold">
+                      <p:stCondLst>
+                        <p:cond delay="indefinite"/>
+                      </p:stCondLst>
+                      <p:childTnLst>
+                        <p:par>
+                          <p:cTn id="4" fill="hold">
+                            <p:stCondLst>
+                              <p:cond delay="0"/>
+                            </p:stCondLst>
+                            <p:childTnLst>
+                              <p:par>
+                                <p:cTn id="5" presetID="1" presetClass="entr" presetSubtype="0" fill="hold" nodeType="clickEffect">
+                                  <p:stCondLst>
+                                    <p:cond delay="0"/>
+                                  </p:stCondLst>
+                                  <p:childTnLst>
+                                    <p:set>
+                                      <p:cBhvr>
+                                        <p:cTn id="6" dur="1" fill="hold">
+                                          <p:stCondLst>
+                                            <p:cond delay="0"/>
+                                          </p:stCondLst>
+                                        </p:cTn>
+                                        <p:tgtEl>
+                                          <p:spTgt spid="13"/>
+                                        </p:tgtEl>
+                                        <p:attrNameLst>
+                                          <p:attrName>style.visibility</p:attrName>
+                                        </p:attrNameLst>
+                                      </p:cBhvr>
+                                      <p:to>
+                                        <p:strVal val="visible"/>
+                                      </p:to>
+                                    </p:set>
+                                  </p:childTnLst>
+                                </p:cTn>
+                              </p:par>
+                            </p:childTnLst>
+                          </p:cTn>
+                        </p:par>
+                      </p:childTnLst>
+                    </p:cTn>
+                  </p:par>
+                  <p:par>
+                    <p:cTn id="7" fill="hold">
+                      <p:stCondLst>
+                        <p:cond delay="indefinite"/>
+                      </p:stCondLst>
+                      <p:childTnLst>
+                        <p:par>
+                          <p:cTn id="8" fill="hold">
+                            <p:stCondLst>
+                              <p:cond delay="0"/>
+                            </p:stCondLst>
+                            <p:childTnLst>
+                              <p:par>
+                                <p:cTn id="9" presetID="1" presetClass="entr" presetSubtype="0" fill="hold" nodeType="clickEffect">
+                                  <p:stCondLst>
+                                    <p:cond delay="0"/>
+                                  </p:stCondLst>
+                                  <p:childTnLst>
+                                    <p:set>
+                                      <p:cBhvr>
+                                        <p:cTn id="10" dur="1" fill="hold">
+                                          <p:stCondLst>
+                                            <p:cond delay="0"/>
+                                          </p:stCondLst>
+                                        </p:cTn>
+                                        <p:tgtEl>
+                                          <p:spTgt spid="21"/>
+                                        </p:tgtEl>
+                                        <p:attrNameLst>
+                                          <p:attrName>style.visibility</p:attrName>
+                                        </p:attrNameLst>
+                                      </p:cBhvr>
+                                      <p:to>
+                                        <p:strVal val="visible"/>
+                                      </p:to>
+                                    </p:set>
+                                  </p:childTnLst>
+                                </p:cTn>
+                              </p:par>
+                            </p:childTnLst>
+                          </p:cTn>
+                        </p:par>
+                      </p:childTnLst>
+                    </p:cTn>
+                  </p:par>
+                  <p:par>
+                    <p:cTn id="11" fill="hold">
+                      <p:stCondLst>
+                        <p:cond delay="indefinite"/>
+                      </p:stCondLst>
+                      <p:childTnLst>
+                        <p:par>
+                          <p:cTn id="12" fill="hold">
+                            <p:stCondLst>
+                              <p:cond delay="0"/>
+                            </p:stCondLst>
+                            <p:childTnLst>
+                              <p:par>
+                                <p:cTn id="13" presetID="1" presetClass="entr" presetSubtype="0" fill="hold" nodeType="clickEffect">
+                                  <p:stCondLst>
+                                    <p:cond delay="0"/>
+                                  </p:stCondLst>
+                                  <p:childTnLst>
+                                    <p:set>
+                                      <p:cBhvr>
+                                        <p:cTn id="14" dur="1" fill="hold">
+                                          <p:stCondLst>
+                                            <p:cond delay="0"/>
+                                          </p:stCondLst>
+                                        </p:cTn>
+                                        <p:tgtEl>
+                                          <p:spTgt spid="39"/>
+                                        </p:tgtEl>
+                                        <p:attrNameLst>
+                                          <p:attrName>style.visibility</p:attrName>
+                                        </p:attrNameLst>
+                                      </p:cBhvr>
+                                      <p:to>
+                                        <p:strVal val="visible"/>
+                                      </p:to>
+                                    </p:set>
+                                  </p:childTnLst>
+                                </p:cTn>
+                              </p:par>
+                            </p:childTnLst>
+                          </p:cTn>
+                        </p:par>
+                      </p:childTnLst>
+                    </p:cTn>
+                  </p:par>
+                  <p:par>
+                    <p:cTn id="15" fill="hold">
+                      <p:stCondLst>
+                        <p:cond delay="indefinite"/>
+                      </p:stCondLst>
+                      <p:childTnLst>
+                        <p:par>
+                          <p:cTn id="16" fill="hold">
+                            <p:stCondLst>
+                              <p:cond delay="0"/>
+                            </p:stCondLst>
+                            <p:childTnLst>
+                              <p:par>
+                                <p:cTn id="17" presetID="1" presetClass="entr" presetSubtype="0" fill="hold" nodeType="clickEffect">
+                                  <p:stCondLst>
+                                    <p:cond delay="0"/>
+                                  </p:stCondLst>
+                                  <p:childTnLst>
+                                    <p:set>
+                                      <p:cBhvr>
+                                        <p:cTn id="18" dur="1" fill="hold">
+                                          <p:stCondLst>
+                                            <p:cond delay="0"/>
+                                          </p:stCondLst>
+                                        </p:cTn>
+                                        <p:tgtEl>
+                                          <p:spTgt spid="40"/>
+                                        </p:tgtEl>
+                                        <p:attrNameLst>
+                                          <p:attrName>style.visibility</p:attrName>
+                                        </p:attrNameLst>
+                                      </p:cBhvr>
+                                      <p:to>
+                                        <p:strVal val="visible"/>
+                                      </p:to>
+                                    </p:set>
+                                  </p:childTnLst>
+                                </p:cTn>
+                              </p:par>
+                            </p:childTnLst>
+                          </p:cTn>
+                        </p:par>
+                      </p:childTnLst>
+                    </p:cTn>
+                  </p:par>
+                  <p:par>
+                    <p:cTn id="19" fill="hold">
+                      <p:stCondLst>
+                        <p:cond delay="indefinite"/>
+                      </p:stCondLst>
+                      <p:childTnLst>
+                        <p:par>
+                          <p:cTn id="20" fill="hold">
+                            <p:stCondLst>
+                              <p:cond delay="0"/>
+                            </p:stCondLst>
+                            <p:childTnLst>
+                              <p:par>
+                                <p:cTn id="21" presetID="1" presetClass="entr" presetSubtype="0" fill="hold" nodeType="clickEffect">
+                                  <p:stCondLst>
+                                    <p:cond delay="0"/>
+                                  </p:stCondLst>
+                                  <p:childTnLst>
+                                    <p:set>
+                                      <p:cBhvr>
+                                        <p:cTn id="22" dur="1" fill="hold">
+                                          <p:stCondLst>
+                                            <p:cond delay="0"/>
+                                          </p:stCondLst>
+                                        </p:cTn>
+                                        <p:tgtEl>
+                                          <p:spTgt spid="45"/>
+                                        </p:tgtEl>
+                                        <p:attrNameLst>
+                                          <p:attrName>style.visibility</p:attrName>
+                                        </p:attrNameLst>
+                                      </p:cBhvr>
+                                      <p:to>
+                                        <p:strVal val="visible"/>
+                                      </p:to>
+                                    </p:set>
+                                  </p:childTnLst>
+                                </p:cTn>
+                              </p:par>
+                            </p:childTnLst>
+                          </p:cTn>
+                        </p:par>
+                      </p:childTnLst>
+                    </p:cTn>
+                  </p:par>
+                  <p:par>
+                    <p:cTn id="23" fill="hold">
+                      <p:stCondLst>
+                        <p:cond delay="indefinite"/>
+                      </p:stCondLst>
+                      <p:childTnLst>
+                        <p:par>
+                          <p:cTn id="24" fill="hold">
+                            <p:stCondLst>
+                              <p:cond delay="0"/>
+                            </p:stCondLst>
+                            <p:childTnLst>
+                              <p:par>
+                                <p:cTn id="25" presetID="1" presetClass="entr" presetSubtype="0" fill="hold" nodeType="clickEffect">
+                                  <p:stCondLst>
+                                    <p:cond delay="0"/>
+                                  </p:stCondLst>
+                                  <p:childTnLst>
+                                    <p:set>
+                                      <p:cBhvr>
+                                        <p:cTn id="26" dur="1" fill="hold">
+                                          <p:stCondLst>
+                                            <p:cond delay="0"/>
+                                          </p:stCondLst>
+                                        </p:cTn>
+                                        <p:tgtEl>
+                                          <p:spTgt spid="28"/>
+                                        </p:tgtEl>
+                                        <p:attrNameLst>
+                                          <p:attrName>style.visibility</p:attrName>
+                                        </p:attrNameLst>
+                                      </p:cBhvr>
+                                      <p:to>
+                                        <p:strVal val="visible"/>
+                                      </p:to>
+                                    </p:set>
+                                  </p:childTnLst>
+                                </p:cTn>
+                              </p:par>
+                            </p:childTnLst>
+                          </p:cTn>
+                        </p:par>
+                      </p:childTnLst>
+                    </p:cTn>
+                  </p:par>
+                </p:childTnLst>
+              </p:cTn>
+              <p:prevCondLst>
+                <p:cond evt="onPrev" delay="0">
+                  <p:tgtEl>
+                    <p:sldTgt/>
+                  </p:tgtEl>
+                </p:cond>
+              </p:prevCondLst>
+              <p:nextCondLst>
+                <p:cond evt="onNext" delay="0">
+                  <p:tgtEl>
+                    <p:sldTgt/>
+                  </p:tgtEl>
+                </p:cond>
+              </p:nextCondLst>
+            </p:seq>
+          </p:childTnLst>
+        </p:cTn>
+      </p:par>
+    </p:tnLst>
+  </p:timing>
+</p:sld>
+</file>
+
+<file path=ppt/slides/slide11.xml><?xml version="1.0" encoding="utf-8"?>
+<p:sld xmlns:a="http://schemas.openxmlformats.org/drawingml/2006/main" xmlns:r="http://schemas.openxmlformats.org/officeDocument/2006/relationships" xmlns:p="http://schemas.openxmlformats.org/presentationml/2006/main">
+  <p:cSld>
+    <p:spTree>
+      <p:nvGrpSpPr>
+        <p:cNvPr id="1" name="">
+          <a:extLst>
+            <a:ext uri="{FF2B5EF4-FFF2-40B4-BE49-F238E27FC236}">
               <a16:creationId xmlns:a16="http://schemas.microsoft.com/office/drawing/2014/main" id="{0D146DE1-3C8C-FBF7-A2A4-BC08BE2E6579}"/>
             </a:ext>
           </a:extLst>
@@ -3609,7 +6629,7 @@
 </p:sld>
 </file>
 
-<file path=ppt/slides/slide11.xml><?xml version="1.0" encoding="utf-8"?>
+<file path=ppt/slides/slide12.xml><?xml version="1.0" encoding="utf-8"?>
 <p:sld xmlns:a="http://schemas.openxmlformats.org/drawingml/2006/main" xmlns:r="http://schemas.openxmlformats.org/officeDocument/2006/relationships" xmlns:p="http://schemas.openxmlformats.org/presentationml/2006/main">
   <p:cSld>
     <p:spTree>
@@ -4299,7 +7319,7 @@
 </p:sld>
 </file>
 
-<file path=ppt/slides/slide12.xml><?xml version="1.0" encoding="utf-8"?>
+<file path=ppt/slides/slide13.xml><?xml version="1.0" encoding="utf-8"?>
 <p:sld xmlns:a="http://schemas.openxmlformats.org/drawingml/2006/main" xmlns:r="http://schemas.openxmlformats.org/officeDocument/2006/relationships" xmlns:p="http://schemas.openxmlformats.org/presentationml/2006/main">
   <p:cSld>
     <p:spTree>
@@ -5239,7 +8259,7 @@
 </p:sld>
 </file>
 
-<file path=ppt/slides/slide13.xml><?xml version="1.0" encoding="utf-8"?>
+<file path=ppt/slides/slide14.xml><?xml version="1.0" encoding="utf-8"?>
 <p:sld xmlns:a="http://schemas.openxmlformats.org/drawingml/2006/main" xmlns:r="http://schemas.openxmlformats.org/officeDocument/2006/relationships" xmlns:p="http://schemas.openxmlformats.org/presentationml/2006/main">
   <p:cSld>
     <p:spTree>
@@ -5532,7 +8552,7 @@
 </p:sld>
 </file>
 
-<file path=ppt/slides/slide14.xml><?xml version="1.0" encoding="utf-8"?>
+<file path=ppt/slides/slide15.xml><?xml version="1.0" encoding="utf-8"?>
 <p:sld xmlns:a="http://schemas.openxmlformats.org/drawingml/2006/main" xmlns:r="http://schemas.openxmlformats.org/officeDocument/2006/relationships" xmlns:p="http://schemas.openxmlformats.org/presentationml/2006/main">
   <p:cSld>
     <p:spTree>
@@ -7689,6 +10709,43 @@
                 </a:solidFill>
               </a:rPr>
               <a:t>USDCNH</a:t>
+            </a:r>
+          </a:p>
+        </p:txBody>
+      </p:sp>
+      <p:sp>
+        <p:nvSpPr>
+          <p:cNvPr id="4" name="Footer Placeholder 3">
+            <a:extLst>
+              <a:ext uri="{FF2B5EF4-FFF2-40B4-BE49-F238E27FC236}">
+                <a16:creationId xmlns:a16="http://schemas.microsoft.com/office/drawing/2014/main" id="{0D2995FD-AB0E-D625-BC2A-0E4DCB85193D}"/>
+              </a:ext>
+            </a:extLst>
+          </p:cNvPr>
+          <p:cNvSpPr>
+            <a:spLocks noGrp="1"/>
+          </p:cNvSpPr>
+          <p:nvPr>
+            <p:ph type="ftr" sz="quarter" idx="11"/>
+          </p:nvPr>
+        </p:nvSpPr>
+        <p:spPr>
+          <a:xfrm>
+            <a:off x="3726180" y="6356350"/>
+            <a:ext cx="4739640" cy="365125"/>
+          </a:xfrm>
+        </p:spPr>
+        <p:txBody>
+          <a:bodyPr/>
+          <a:lstStyle/>
+          <a:p>
+            <a:r>
+              <a:rPr lang="en-GB" dirty="0">
+                <a:solidFill>
+                  <a:srgbClr val="0070C0"/>
+                </a:solidFill>
+              </a:rPr>
+              <a:t>https://www.tradersmagazine.com/am/the-real-cost-of-the-new-ebs/</a:t>
             </a:r>
           </a:p>
         </p:txBody>
@@ -8537,7 +11594,7 @@
 </p:sld>
 </file>
 
-<file path=ppt/slides/slide15.xml><?xml version="1.0" encoding="utf-8"?>
+<file path=ppt/slides/slide16.xml><?xml version="1.0" encoding="utf-8"?>
 <p:sld xmlns:a="http://schemas.openxmlformats.org/drawingml/2006/main" xmlns:r="http://schemas.openxmlformats.org/officeDocument/2006/relationships" xmlns:p="http://schemas.openxmlformats.org/presentationml/2006/main">
   <p:cSld>
     <p:spTree>
@@ -9365,7 +12422,7 @@
 </p:sld>
 </file>
 
-<file path=ppt/slides/slide16.xml><?xml version="1.0" encoding="utf-8"?>
+<file path=ppt/slides/slide17.xml><?xml version="1.0" encoding="utf-8"?>
 <p:sld xmlns:a="http://schemas.openxmlformats.org/drawingml/2006/main" xmlns:r="http://schemas.openxmlformats.org/officeDocument/2006/relationships" xmlns:p="http://schemas.openxmlformats.org/presentationml/2006/main">
   <p:cSld>
     <p:spTree>
@@ -21879,7 +24936,7 @@
 </p:sld>
 </file>
 
-<file path=ppt/slides/slide17.xml><?xml version="1.0" encoding="utf-8"?>
+<file path=ppt/slides/slide18.xml><?xml version="1.0" encoding="utf-8"?>
 <p:sld xmlns:a="http://schemas.openxmlformats.org/drawingml/2006/main" xmlns:r="http://schemas.openxmlformats.org/officeDocument/2006/relationships" xmlns:p="http://schemas.openxmlformats.org/presentationml/2006/main">
   <p:cSld>
     <p:spTree>
@@ -21951,7 +25008,7 @@
 </p:sld>
 </file>
 
-<file path=ppt/slides/slide18.xml><?xml version="1.0" encoding="utf-8"?>
+<file path=ppt/slides/slide19.xml><?xml version="1.0" encoding="utf-8"?>
 <p:sld xmlns:a="http://schemas.openxmlformats.org/drawingml/2006/main" xmlns:r="http://schemas.openxmlformats.org/officeDocument/2006/relationships" xmlns:p="http://schemas.openxmlformats.org/presentationml/2006/main">
   <p:cSld>
     <p:spTree>
@@ -23690,7 +26747,79 @@
 </p:sld>
 </file>
 
-<file path=ppt/slides/slide19.xml><?xml version="1.0" encoding="utf-8"?>
+<file path=ppt/slides/slide2.xml><?xml version="1.0" encoding="utf-8"?>
+<p:sld xmlns:a="http://schemas.openxmlformats.org/drawingml/2006/main" xmlns:r="http://schemas.openxmlformats.org/officeDocument/2006/relationships" xmlns:p="http://schemas.openxmlformats.org/presentationml/2006/main">
+  <p:cSld>
+    <p:spTree>
+      <p:nvGrpSpPr>
+        <p:cNvPr id="1" name="">
+          <a:extLst>
+            <a:ext uri="{FF2B5EF4-FFF2-40B4-BE49-F238E27FC236}">
+              <a16:creationId xmlns:a16="http://schemas.microsoft.com/office/drawing/2014/main" id="{DDCD87FC-9B4D-A409-34A5-29F4CC70917D}"/>
+            </a:ext>
+          </a:extLst>
+        </p:cNvPr>
+        <p:cNvGrpSpPr/>
+        <p:nvPr/>
+      </p:nvGrpSpPr>
+      <p:grpSpPr>
+        <a:xfrm>
+          <a:off x="0" y="0"/>
+          <a:ext cx="0" cy="0"/>
+          <a:chOff x="0" y="0"/>
+          <a:chExt cx="0" cy="0"/>
+        </a:xfrm>
+      </p:grpSpPr>
+      <p:pic>
+        <p:nvPicPr>
+          <p:cNvPr id="3" name="Picture 2">
+            <a:extLst>
+              <a:ext uri="{FF2B5EF4-FFF2-40B4-BE49-F238E27FC236}">
+                <a16:creationId xmlns:a16="http://schemas.microsoft.com/office/drawing/2014/main" id="{FCF99FF1-1975-9B3E-9063-34E731F02D87}"/>
+              </a:ext>
+            </a:extLst>
+          </p:cNvPr>
+          <p:cNvPicPr>
+            <a:picLocks noChangeAspect="1"/>
+          </p:cNvPicPr>
+          <p:nvPr/>
+        </p:nvPicPr>
+        <p:blipFill>
+          <a:blip r:embed="rId2">
+            <a:extLst>
+              <a:ext uri="{28A0092B-C50C-407E-A947-70E740481C1C}">
+                <a14:useLocalDpi xmlns:a14="http://schemas.microsoft.com/office/drawing/2010/main" val="0"/>
+              </a:ext>
+            </a:extLst>
+          </a:blip>
+          <a:stretch>
+            <a:fillRect/>
+          </a:stretch>
+        </p:blipFill>
+        <p:spPr>
+          <a:xfrm>
+            <a:off x="0" y="0"/>
+            <a:ext cx="12192000" cy="6858000"/>
+          </a:xfrm>
+          <a:prstGeom prst="rect">
+            <a:avLst/>
+          </a:prstGeom>
+        </p:spPr>
+      </p:pic>
+    </p:spTree>
+    <p:extLst>
+      <p:ext uri="{BB962C8B-B14F-4D97-AF65-F5344CB8AC3E}">
+        <p14:creationId xmlns:p14="http://schemas.microsoft.com/office/powerpoint/2010/main" val="2215099107"/>
+      </p:ext>
+    </p:extLst>
+  </p:cSld>
+  <p:clrMapOvr>
+    <a:masterClrMapping/>
+  </p:clrMapOvr>
+</p:sld>
+</file>
+
+<file path=ppt/slides/slide20.xml><?xml version="1.0" encoding="utf-8"?>
 <p:sld xmlns:a="http://schemas.openxmlformats.org/drawingml/2006/main" xmlns:r="http://schemas.openxmlformats.org/officeDocument/2006/relationships" xmlns:p="http://schemas.openxmlformats.org/presentationml/2006/main">
   <p:cSld>
     <p:spTree>
@@ -23791,79 +26920,7 @@
 </p:sld>
 </file>
 
-<file path=ppt/slides/slide2.xml><?xml version="1.0" encoding="utf-8"?>
-<p:sld xmlns:a="http://schemas.openxmlformats.org/drawingml/2006/main" xmlns:r="http://schemas.openxmlformats.org/officeDocument/2006/relationships" xmlns:p="http://schemas.openxmlformats.org/presentationml/2006/main">
-  <p:cSld>
-    <p:spTree>
-      <p:nvGrpSpPr>
-        <p:cNvPr id="1" name="">
-          <a:extLst>
-            <a:ext uri="{FF2B5EF4-FFF2-40B4-BE49-F238E27FC236}">
-              <a16:creationId xmlns:a16="http://schemas.microsoft.com/office/drawing/2014/main" id="{DDCD87FC-9B4D-A409-34A5-29F4CC70917D}"/>
-            </a:ext>
-          </a:extLst>
-        </p:cNvPr>
-        <p:cNvGrpSpPr/>
-        <p:nvPr/>
-      </p:nvGrpSpPr>
-      <p:grpSpPr>
-        <a:xfrm>
-          <a:off x="0" y="0"/>
-          <a:ext cx="0" cy="0"/>
-          <a:chOff x="0" y="0"/>
-          <a:chExt cx="0" cy="0"/>
-        </a:xfrm>
-      </p:grpSpPr>
-      <p:pic>
-        <p:nvPicPr>
-          <p:cNvPr id="5" name="Picture 4">
-            <a:extLst>
-              <a:ext uri="{FF2B5EF4-FFF2-40B4-BE49-F238E27FC236}">
-                <a16:creationId xmlns:a16="http://schemas.microsoft.com/office/drawing/2014/main" id="{330CE87C-69E3-BF2A-36E8-5AA1CD638C7C}"/>
-              </a:ext>
-            </a:extLst>
-          </p:cNvPr>
-          <p:cNvPicPr>
-            <a:picLocks noChangeAspect="1"/>
-          </p:cNvPicPr>
-          <p:nvPr/>
-        </p:nvPicPr>
-        <p:blipFill>
-          <a:blip r:embed="rId2">
-            <a:extLst>
-              <a:ext uri="{28A0092B-C50C-407E-A947-70E740481C1C}">
-                <a14:useLocalDpi xmlns:a14="http://schemas.microsoft.com/office/drawing/2010/main" val="0"/>
-              </a:ext>
-            </a:extLst>
-          </a:blip>
-          <a:stretch>
-            <a:fillRect/>
-          </a:stretch>
-        </p:blipFill>
-        <p:spPr>
-          <a:xfrm>
-            <a:off x="0" y="-16149"/>
-            <a:ext cx="12192000" cy="6890298"/>
-          </a:xfrm>
-          <a:prstGeom prst="rect">
-            <a:avLst/>
-          </a:prstGeom>
-        </p:spPr>
-      </p:pic>
-    </p:spTree>
-    <p:extLst>
-      <p:ext uri="{BB962C8B-B14F-4D97-AF65-F5344CB8AC3E}">
-        <p14:creationId xmlns:p14="http://schemas.microsoft.com/office/powerpoint/2010/main" val="2215099107"/>
-      </p:ext>
-    </p:extLst>
-  </p:cSld>
-  <p:clrMapOvr>
-    <a:masterClrMapping/>
-  </p:clrMapOvr>
-</p:sld>
-</file>
-
-<file path=ppt/slides/slide20.xml><?xml version="1.0" encoding="utf-8"?>
+<file path=ppt/slides/slide21.xml><?xml version="1.0" encoding="utf-8"?>
 <p:sld xmlns:a="http://schemas.openxmlformats.org/drawingml/2006/main" xmlns:r="http://schemas.openxmlformats.org/officeDocument/2006/relationships" xmlns:p="http://schemas.openxmlformats.org/presentationml/2006/main">
   <p:cSld>
     <p:spTree>
@@ -23964,7 +27021,7 @@
 </p:sld>
 </file>
 
-<file path=ppt/slides/slide21.xml><?xml version="1.0" encoding="utf-8"?>
+<file path=ppt/slides/slide22.xml><?xml version="1.0" encoding="utf-8"?>
 <p:sld xmlns:a="http://schemas.openxmlformats.org/drawingml/2006/main" xmlns:r="http://schemas.openxmlformats.org/officeDocument/2006/relationships" xmlns:p="http://schemas.openxmlformats.org/presentationml/2006/main">
   <p:cSld>
     <p:spTree>
@@ -24068,7 +27125,7 @@
 </p:sld>
 </file>
 
-<file path=ppt/slides/slide22.xml><?xml version="1.0" encoding="utf-8"?>
+<file path=ppt/slides/slide23.xml><?xml version="1.0" encoding="utf-8"?>
 <p:sld xmlns:a="http://schemas.openxmlformats.org/drawingml/2006/main" xmlns:r="http://schemas.openxmlformats.org/officeDocument/2006/relationships" xmlns:p="http://schemas.openxmlformats.org/presentationml/2006/main">
   <p:cSld>
     <p:spTree>
@@ -24140,7 +27197,7 @@
 </p:sld>
 </file>
 
-<file path=ppt/slides/slide23.xml><?xml version="1.0" encoding="utf-8"?>
+<file path=ppt/slides/slide24.xml><?xml version="1.0" encoding="utf-8"?>
 <p:sld xmlns:a="http://schemas.openxmlformats.org/drawingml/2006/main" xmlns:r="http://schemas.openxmlformats.org/officeDocument/2006/relationships" xmlns:p="http://schemas.openxmlformats.org/presentationml/2006/main">
   <p:cSld>
     <p:spTree>
@@ -24269,7 +27326,7 @@
 </p:sld>
 </file>
 
-<file path=ppt/slides/slide24.xml><?xml version="1.0" encoding="utf-8"?>
+<file path=ppt/slides/slide25.xml><?xml version="1.0" encoding="utf-8"?>
 <p:sld xmlns:a="http://schemas.openxmlformats.org/drawingml/2006/main" xmlns:r="http://schemas.openxmlformats.org/officeDocument/2006/relationships" xmlns:p="http://schemas.openxmlformats.org/presentationml/2006/main">
   <p:cSld>
     <p:spTree>
@@ -24507,7 +27564,7 @@
 </p:sld>
 </file>
 
-<file path=ppt/slides/slide25.xml><?xml version="1.0" encoding="utf-8"?>
+<file path=ppt/slides/slide26.xml><?xml version="1.0" encoding="utf-8"?>
 <p:sld xmlns:a="http://schemas.openxmlformats.org/drawingml/2006/main" xmlns:r="http://schemas.openxmlformats.org/officeDocument/2006/relationships" xmlns:p="http://schemas.openxmlformats.org/presentationml/2006/main">
   <p:cSld>
     <p:spTree>
@@ -24648,7 +27705,7 @@
 </p:sld>
 </file>
 
-<file path=ppt/slides/slide26.xml><?xml version="1.0" encoding="utf-8"?>
+<file path=ppt/slides/slide27.xml><?xml version="1.0" encoding="utf-8"?>
 <p:sld xmlns:a="http://schemas.openxmlformats.org/drawingml/2006/main" xmlns:r="http://schemas.openxmlformats.org/officeDocument/2006/relationships" xmlns:p="http://schemas.openxmlformats.org/presentationml/2006/main">
   <p:cSld>
     <p:spTree>
@@ -24720,7 +27777,7 @@
 </p:sld>
 </file>
 
-<file path=ppt/slides/slide27.xml><?xml version="1.0" encoding="utf-8"?>
+<file path=ppt/slides/slide28.xml><?xml version="1.0" encoding="utf-8"?>
 <p:sld xmlns:a="http://schemas.openxmlformats.org/drawingml/2006/main" xmlns:r="http://schemas.openxmlformats.org/officeDocument/2006/relationships" xmlns:p="http://schemas.openxmlformats.org/presentationml/2006/main">
   <p:cSld>
     <p:spTree>
@@ -24824,7 +27881,7 @@
 </p:sld>
 </file>
 
-<file path=ppt/slides/slide28.xml><?xml version="1.0" encoding="utf-8"?>
+<file path=ppt/slides/slide29.xml><?xml version="1.0" encoding="utf-8"?>
 <p:sld xmlns:a="http://schemas.openxmlformats.org/drawingml/2006/main" xmlns:r="http://schemas.openxmlformats.org/officeDocument/2006/relationships" xmlns:p="http://schemas.openxmlformats.org/presentationml/2006/main">
   <p:cSld>
     <p:spTree>
@@ -24916,107 +27973,6 @@
     <p:extLst>
       <p:ext uri="{BB962C8B-B14F-4D97-AF65-F5344CB8AC3E}">
         <p14:creationId xmlns:p14="http://schemas.microsoft.com/office/powerpoint/2010/main" val="817776181"/>
-      </p:ext>
-    </p:extLst>
-  </p:cSld>
-  <p:clrMapOvr>
-    <a:masterClrMapping/>
-  </p:clrMapOvr>
-</p:sld>
-</file>
-
-<file path=ppt/slides/slide29.xml><?xml version="1.0" encoding="utf-8"?>
-<p:sld xmlns:a="http://schemas.openxmlformats.org/drawingml/2006/main" xmlns:r="http://schemas.openxmlformats.org/officeDocument/2006/relationships" xmlns:p="http://schemas.openxmlformats.org/presentationml/2006/main">
-  <p:cSld>
-    <p:spTree>
-      <p:nvGrpSpPr>
-        <p:cNvPr id="1" name="">
-          <a:extLst>
-            <a:ext uri="{FF2B5EF4-FFF2-40B4-BE49-F238E27FC236}">
-              <a16:creationId xmlns:a16="http://schemas.microsoft.com/office/drawing/2014/main" id="{A99D0413-1E13-A663-7381-35CBBEA84CD0}"/>
-            </a:ext>
-          </a:extLst>
-        </p:cNvPr>
-        <p:cNvGrpSpPr/>
-        <p:nvPr/>
-      </p:nvGrpSpPr>
-      <p:grpSpPr>
-        <a:xfrm>
-          <a:off x="0" y="0"/>
-          <a:ext cx="0" cy="0"/>
-          <a:chOff x="0" y="0"/>
-          <a:chExt cx="0" cy="0"/>
-        </a:xfrm>
-      </p:grpSpPr>
-      <p:sp>
-        <p:nvSpPr>
-          <p:cNvPr id="2" name="Title 1">
-            <a:extLst>
-              <a:ext uri="{FF2B5EF4-FFF2-40B4-BE49-F238E27FC236}">
-                <a16:creationId xmlns:a16="http://schemas.microsoft.com/office/drawing/2014/main" id="{1590DE18-EE97-F335-D4AF-33DBB37EE81D}"/>
-              </a:ext>
-            </a:extLst>
-          </p:cNvPr>
-          <p:cNvSpPr>
-            <a:spLocks noGrp="1"/>
-          </p:cNvSpPr>
-          <p:nvPr>
-            <p:ph type="title"/>
-          </p:nvPr>
-        </p:nvSpPr>
-        <p:spPr>
-          <a:xfrm>
-            <a:off x="838200" y="365126"/>
-            <a:ext cx="10515600" cy="856964"/>
-          </a:xfrm>
-        </p:spPr>
-        <p:txBody>
-          <a:bodyPr/>
-          <a:lstStyle/>
-          <a:p>
-            <a:r>
-              <a:rPr lang="en-GB" dirty="0">
-                <a:latin typeface="Arial Black" panose="020B0A04020102020204" pitchFamily="34" charset="0"/>
-              </a:rPr>
-              <a:t>CNHCNY</a:t>
-            </a:r>
-          </a:p>
-        </p:txBody>
-      </p:sp>
-      <p:sp>
-        <p:nvSpPr>
-          <p:cNvPr id="6" name="Content Placeholder 5">
-            <a:extLst>
-              <a:ext uri="{FF2B5EF4-FFF2-40B4-BE49-F238E27FC236}">
-                <a16:creationId xmlns:a16="http://schemas.microsoft.com/office/drawing/2014/main" id="{15CB8562-EF84-89A0-9D48-E4CC169609F9}"/>
-              </a:ext>
-            </a:extLst>
-          </p:cNvPr>
-          <p:cNvSpPr>
-            <a:spLocks noGrp="1"/>
-          </p:cNvSpPr>
-          <p:nvPr>
-            <p:ph idx="1"/>
-          </p:nvPr>
-        </p:nvSpPr>
-        <p:spPr>
-          <a:xfrm>
-            <a:off x="838200" y="1274093"/>
-            <a:ext cx="10515600" cy="4902870"/>
-          </a:xfrm>
-        </p:spPr>
-        <p:txBody>
-          <a:bodyPr/>
-          <a:lstStyle/>
-          <a:p>
-            <a:endParaRPr lang="en-GB" dirty="0"/>
-          </a:p>
-        </p:txBody>
-      </p:sp>
-    </p:spTree>
-    <p:extLst>
-      <p:ext uri="{BB962C8B-B14F-4D97-AF65-F5344CB8AC3E}">
-        <p14:creationId xmlns:p14="http://schemas.microsoft.com/office/powerpoint/2010/main" val="2403069702"/>
       </p:ext>
     </p:extLst>
   </p:cSld>
@@ -25172,6 +28128,347 @@
         <p:cNvPr id="1" name="">
           <a:extLst>
             <a:ext uri="{FF2B5EF4-FFF2-40B4-BE49-F238E27FC236}">
+              <a16:creationId xmlns:a16="http://schemas.microsoft.com/office/drawing/2014/main" id="{A99D0413-1E13-A663-7381-35CBBEA84CD0}"/>
+            </a:ext>
+          </a:extLst>
+        </p:cNvPr>
+        <p:cNvGrpSpPr/>
+        <p:nvPr/>
+      </p:nvGrpSpPr>
+      <p:grpSpPr>
+        <a:xfrm>
+          <a:off x="0" y="0"/>
+          <a:ext cx="0" cy="0"/>
+          <a:chOff x="0" y="0"/>
+          <a:chExt cx="0" cy="0"/>
+        </a:xfrm>
+      </p:grpSpPr>
+      <p:sp>
+        <p:nvSpPr>
+          <p:cNvPr id="2" name="Title 1">
+            <a:extLst>
+              <a:ext uri="{FF2B5EF4-FFF2-40B4-BE49-F238E27FC236}">
+                <a16:creationId xmlns:a16="http://schemas.microsoft.com/office/drawing/2014/main" id="{1590DE18-EE97-F335-D4AF-33DBB37EE81D}"/>
+              </a:ext>
+            </a:extLst>
+          </p:cNvPr>
+          <p:cNvSpPr>
+            <a:spLocks noGrp="1"/>
+          </p:cNvSpPr>
+          <p:nvPr>
+            <p:ph type="title"/>
+          </p:nvPr>
+        </p:nvSpPr>
+        <p:spPr>
+          <a:xfrm>
+            <a:off x="838200" y="365126"/>
+            <a:ext cx="10515600" cy="856964"/>
+          </a:xfrm>
+        </p:spPr>
+        <p:txBody>
+          <a:bodyPr/>
+          <a:lstStyle/>
+          <a:p>
+            <a:r>
+              <a:rPr lang="en-GB" dirty="0">
+                <a:latin typeface="Arial Black" panose="020B0A04020102020204" pitchFamily="34" charset="0"/>
+              </a:rPr>
+              <a:t>CNH vs CNY</a:t>
+            </a:r>
+          </a:p>
+        </p:txBody>
+      </p:sp>
+      <p:sp>
+        <p:nvSpPr>
+          <p:cNvPr id="6" name="Content Placeholder 5">
+            <a:extLst>
+              <a:ext uri="{FF2B5EF4-FFF2-40B4-BE49-F238E27FC236}">
+                <a16:creationId xmlns:a16="http://schemas.microsoft.com/office/drawing/2014/main" id="{15CB8562-EF84-89A0-9D48-E4CC169609F9}"/>
+              </a:ext>
+            </a:extLst>
+          </p:cNvPr>
+          <p:cNvSpPr>
+            <a:spLocks noGrp="1"/>
+          </p:cNvSpPr>
+          <p:nvPr>
+            <p:ph idx="1"/>
+          </p:nvPr>
+        </p:nvSpPr>
+        <p:spPr>
+          <a:xfrm>
+            <a:off x="838200" y="1274093"/>
+            <a:ext cx="10515600" cy="4902870"/>
+          </a:xfrm>
+        </p:spPr>
+        <p:txBody>
+          <a:bodyPr/>
+          <a:lstStyle/>
+          <a:p>
+            <a:pPr marL="0" indent="0">
+              <a:buNone/>
+            </a:pPr>
+            <a:endParaRPr lang="en-GB" dirty="0"/>
+          </a:p>
+        </p:txBody>
+      </p:sp>
+      <p:sp>
+        <p:nvSpPr>
+          <p:cNvPr id="3" name="Speech Bubble: Rectangle with Corners Rounded 2">
+            <a:extLst>
+              <a:ext uri="{FF2B5EF4-FFF2-40B4-BE49-F238E27FC236}">
+                <a16:creationId xmlns:a16="http://schemas.microsoft.com/office/drawing/2014/main" id="{9C759B62-99EA-6A4D-53D3-13DBDCEB88D3}"/>
+              </a:ext>
+            </a:extLst>
+          </p:cNvPr>
+          <p:cNvSpPr/>
+          <p:nvPr/>
+        </p:nvSpPr>
+        <p:spPr>
+          <a:xfrm>
+            <a:off x="838200" y="1222090"/>
+            <a:ext cx="10515600" cy="4323304"/>
+          </a:xfrm>
+          <a:prstGeom prst="wedgeRoundRectCallout">
+            <a:avLst>
+              <a:gd name="adj1" fmla="val -20833"/>
+              <a:gd name="adj2" fmla="val 64888"/>
+              <a:gd name="adj3" fmla="val 16667"/>
+            </a:avLst>
+          </a:prstGeom>
+        </p:spPr>
+        <p:style>
+          <a:lnRef idx="2">
+            <a:schemeClr val="dk1">
+              <a:shade val="15000"/>
+            </a:schemeClr>
+          </a:lnRef>
+          <a:fillRef idx="1">
+            <a:schemeClr val="dk1"/>
+          </a:fillRef>
+          <a:effectRef idx="0">
+            <a:schemeClr val="dk1"/>
+          </a:effectRef>
+          <a:fontRef idx="minor">
+            <a:schemeClr val="lt1"/>
+          </a:fontRef>
+        </p:style>
+        <p:txBody>
+          <a:bodyPr rtlCol="0" anchor="ctr"/>
+          <a:lstStyle/>
+          <a:p>
+            <a:r>
+              <a:rPr lang="en-US" sz="2400" dirty="0"/>
+              <a:t>As Mainland China is still not completely open to international foreign exchange and capital markets, the two types of Renminbi still remain a reality to this day:</a:t>
+            </a:r>
+          </a:p>
+          <a:p>
+            <a:endParaRPr lang="en-US" sz="2400" dirty="0"/>
+          </a:p>
+          <a:p>
+            <a:pPr marL="342900" indent="-342900">
+              <a:buFont typeface="Arial" panose="020B0604020202020204" pitchFamily="34" charset="0"/>
+              <a:buChar char="•"/>
+            </a:pPr>
+            <a:r>
+              <a:rPr lang="en-US" sz="2400" dirty="0"/>
+              <a:t>CNY is onshore RMB currency traded within Mainland China only.</a:t>
+            </a:r>
+          </a:p>
+          <a:p>
+            <a:pPr marL="342900" indent="-342900">
+              <a:buFont typeface="Arial" panose="020B0604020202020204" pitchFamily="34" charset="0"/>
+              <a:buChar char="•"/>
+            </a:pPr>
+            <a:r>
+              <a:rPr lang="en-US" sz="2400" dirty="0"/>
+              <a:t>CNH is offshore RMB currency traded outside of Mainland China.</a:t>
+            </a:r>
+          </a:p>
+          <a:p>
+            <a:endParaRPr lang="en-US" sz="2400" dirty="0"/>
+          </a:p>
+          <a:p>
+            <a:r>
+              <a:rPr lang="en-US" sz="2400" dirty="0"/>
+              <a:t>NOTE:</a:t>
+            </a:r>
+          </a:p>
+          <a:p>
+            <a:r>
+              <a:rPr lang="en-US" sz="2400" dirty="0"/>
+              <a:t>- You CAN actually settle in CNY for international trades</a:t>
+            </a:r>
+          </a:p>
+          <a:p>
+            <a:r>
+              <a:rPr lang="en-US" sz="2400" dirty="0"/>
+              <a:t>- As of 2009, there is no limit on RMB trade settlements between China and Hong Kong.</a:t>
+            </a:r>
+          </a:p>
+        </p:txBody>
+      </p:sp>
+      <p:sp>
+        <p:nvSpPr>
+          <p:cNvPr id="4" name="Footer Placeholder 3">
+            <a:extLst>
+              <a:ext uri="{FF2B5EF4-FFF2-40B4-BE49-F238E27FC236}">
+                <a16:creationId xmlns:a16="http://schemas.microsoft.com/office/drawing/2014/main" id="{4E394E24-796D-D166-C915-B0CB829CAB03}"/>
+              </a:ext>
+            </a:extLst>
+          </p:cNvPr>
+          <p:cNvSpPr>
+            <a:spLocks noGrp="1"/>
+          </p:cNvSpPr>
+          <p:nvPr>
+            <p:ph type="ftr" sz="quarter" idx="11"/>
+          </p:nvPr>
+        </p:nvSpPr>
+        <p:spPr>
+          <a:xfrm>
+            <a:off x="838201" y="6356350"/>
+            <a:ext cx="10515599" cy="365125"/>
+          </a:xfrm>
+        </p:spPr>
+        <p:txBody>
+          <a:bodyPr/>
+          <a:lstStyle/>
+          <a:p>
+            <a:r>
+              <a:rPr lang="en-GB" dirty="0">
+                <a:solidFill>
+                  <a:srgbClr val="0070C0"/>
+                </a:solidFill>
+              </a:rPr>
+              <a:t>https://www.dailyfx.com/forex/fundamental/article/special_report/2016/02/10/What-is-the-Chinese-Yuan-Everything-Traders-Should-Know.html</a:t>
+            </a:r>
+          </a:p>
+        </p:txBody>
+      </p:sp>
+    </p:spTree>
+    <p:extLst>
+      <p:ext uri="{BB962C8B-B14F-4D97-AF65-F5344CB8AC3E}">
+        <p14:creationId xmlns:p14="http://schemas.microsoft.com/office/powerpoint/2010/main" val="2403069702"/>
+      </p:ext>
+    </p:extLst>
+  </p:cSld>
+  <p:clrMapOvr>
+    <a:masterClrMapping/>
+  </p:clrMapOvr>
+</p:sld>
+</file>
+
+<file path=ppt/slides/slide31.xml><?xml version="1.0" encoding="utf-8"?>
+<p:sld xmlns:a="http://schemas.openxmlformats.org/drawingml/2006/main" xmlns:r="http://schemas.openxmlformats.org/officeDocument/2006/relationships" xmlns:p="http://schemas.openxmlformats.org/presentationml/2006/main">
+  <p:cSld>
+    <p:spTree>
+      <p:nvGrpSpPr>
+        <p:cNvPr id="1" name="">
+          <a:extLst>
+            <a:ext uri="{FF2B5EF4-FFF2-40B4-BE49-F238E27FC236}">
+              <a16:creationId xmlns:a16="http://schemas.microsoft.com/office/drawing/2014/main" id="{4B21106D-88D3-911A-5AC0-F8BE42D12E99}"/>
+            </a:ext>
+          </a:extLst>
+        </p:cNvPr>
+        <p:cNvGrpSpPr/>
+        <p:nvPr/>
+      </p:nvGrpSpPr>
+      <p:grpSpPr>
+        <a:xfrm>
+          <a:off x="0" y="0"/>
+          <a:ext cx="0" cy="0"/>
+          <a:chOff x="0" y="0"/>
+          <a:chExt cx="0" cy="0"/>
+        </a:xfrm>
+      </p:grpSpPr>
+      <p:sp>
+        <p:nvSpPr>
+          <p:cNvPr id="2" name="Title 1">
+            <a:extLst>
+              <a:ext uri="{FF2B5EF4-FFF2-40B4-BE49-F238E27FC236}">
+                <a16:creationId xmlns:a16="http://schemas.microsoft.com/office/drawing/2014/main" id="{CD7076BB-B1C2-B9B9-C249-3F3A2014427C}"/>
+              </a:ext>
+            </a:extLst>
+          </p:cNvPr>
+          <p:cNvSpPr>
+            <a:spLocks noGrp="1"/>
+          </p:cNvSpPr>
+          <p:nvPr>
+            <p:ph type="title"/>
+          </p:nvPr>
+        </p:nvSpPr>
+        <p:spPr>
+          <a:xfrm>
+            <a:off x="838200" y="365126"/>
+            <a:ext cx="10515600" cy="856964"/>
+          </a:xfrm>
+        </p:spPr>
+        <p:txBody>
+          <a:bodyPr/>
+          <a:lstStyle/>
+          <a:p>
+            <a:r>
+              <a:rPr lang="en-GB" dirty="0">
+                <a:latin typeface="Arial Black" panose="020B0A04020102020204" pitchFamily="34" charset="0"/>
+              </a:rPr>
+              <a:t>USDCNH vs USDCNY</a:t>
+            </a:r>
+          </a:p>
+        </p:txBody>
+      </p:sp>
+      <p:sp>
+        <p:nvSpPr>
+          <p:cNvPr id="6" name="Content Placeholder 5">
+            <a:extLst>
+              <a:ext uri="{FF2B5EF4-FFF2-40B4-BE49-F238E27FC236}">
+                <a16:creationId xmlns:a16="http://schemas.microsoft.com/office/drawing/2014/main" id="{0B0BCB58-0A3E-7BFF-138F-38A314553CC8}"/>
+              </a:ext>
+            </a:extLst>
+          </p:cNvPr>
+          <p:cNvSpPr>
+            <a:spLocks noGrp="1"/>
+          </p:cNvSpPr>
+          <p:nvPr>
+            <p:ph idx="1"/>
+          </p:nvPr>
+        </p:nvSpPr>
+        <p:spPr>
+          <a:xfrm>
+            <a:off x="838200" y="1274093"/>
+            <a:ext cx="10515600" cy="4902870"/>
+          </a:xfrm>
+        </p:spPr>
+        <p:txBody>
+          <a:bodyPr/>
+          <a:lstStyle/>
+          <a:p>
+            <a:pPr marL="0" indent="0">
+              <a:buNone/>
+            </a:pPr>
+            <a:endParaRPr lang="en-GB" dirty="0"/>
+          </a:p>
+        </p:txBody>
+      </p:sp>
+    </p:spTree>
+    <p:extLst>
+      <p:ext uri="{BB962C8B-B14F-4D97-AF65-F5344CB8AC3E}">
+        <p14:creationId xmlns:p14="http://schemas.microsoft.com/office/powerpoint/2010/main" val="2373611621"/>
+      </p:ext>
+    </p:extLst>
+  </p:cSld>
+  <p:clrMapOvr>
+    <a:masterClrMapping/>
+  </p:clrMapOvr>
+</p:sld>
+</file>
+
+<file path=ppt/slides/slide32.xml><?xml version="1.0" encoding="utf-8"?>
+<p:sld xmlns:a="http://schemas.openxmlformats.org/drawingml/2006/main" xmlns:r="http://schemas.openxmlformats.org/officeDocument/2006/relationships" xmlns:p="http://schemas.openxmlformats.org/presentationml/2006/main">
+  <p:cSld>
+    <p:spTree>
+      <p:nvGrpSpPr>
+        <p:cNvPr id="1" name="">
+          <a:extLst>
+            <a:ext uri="{FF2B5EF4-FFF2-40B4-BE49-F238E27FC236}">
               <a16:creationId xmlns:a16="http://schemas.microsoft.com/office/drawing/2014/main" id="{453539FF-7B62-566A-798C-AFF39A17ECE9}"/>
             </a:ext>
           </a:extLst>
@@ -25265,7 +28562,7 @@
 </p:sld>
 </file>
 
-<file path=ppt/slides/slide31.xml><?xml version="1.0" encoding="utf-8"?>
+<file path=ppt/slides/slide33.xml><?xml version="1.0" encoding="utf-8"?>
 <p:sld xmlns:a="http://schemas.openxmlformats.org/drawingml/2006/main" xmlns:r="http://schemas.openxmlformats.org/officeDocument/2006/relationships" xmlns:p="http://schemas.openxmlformats.org/presentationml/2006/main">
   <p:cSld>
     <p:spTree>
@@ -25372,7 +28669,7 @@
 </p:sld>
 </file>
 
-<file path=ppt/slides/slide32.xml><?xml version="1.0" encoding="utf-8"?>
+<file path=ppt/slides/slide34.xml><?xml version="1.0" encoding="utf-8"?>
 <p:sld xmlns:a="http://schemas.openxmlformats.org/drawingml/2006/main" xmlns:r="http://schemas.openxmlformats.org/officeDocument/2006/relationships" xmlns:p="http://schemas.openxmlformats.org/presentationml/2006/main">
   <p:cSld>
     <p:spTree>
@@ -25461,6 +28758,13 @@
             <a:r>
               <a:rPr lang="en-GB" dirty="0"/>
               <a:t>WYSINWYG</a:t>
+            </a:r>
+          </a:p>
+          <a:p>
+            <a:pPr lvl="1"/>
+            <a:r>
+              <a:rPr lang="en-GB" dirty="0"/>
+              <a:t>Prices are different from / for everyone</a:t>
             </a:r>
           </a:p>
           <a:p>
@@ -25558,10 +28862,471 @@
   <p:clrMapOvr>
     <a:masterClrMapping/>
   </p:clrMapOvr>
+  <p:timing>
+    <p:tnLst>
+      <p:par>
+        <p:cTn id="1" dur="indefinite" restart="never" nodeType="tmRoot">
+          <p:childTnLst>
+            <p:seq concurrent="1" nextAc="seek">
+              <p:cTn id="2" dur="indefinite" nodeType="mainSeq">
+                <p:childTnLst>
+                  <p:par>
+                    <p:cTn id="3" fill="hold">
+                      <p:stCondLst>
+                        <p:cond delay="indefinite"/>
+                      </p:stCondLst>
+                      <p:childTnLst>
+                        <p:par>
+                          <p:cTn id="4" fill="hold">
+                            <p:stCondLst>
+                              <p:cond delay="0"/>
+                            </p:stCondLst>
+                            <p:childTnLst>
+                              <p:par>
+                                <p:cTn id="5" presetID="1" presetClass="entr" presetSubtype="0" fill="hold" nodeType="clickEffect">
+                                  <p:stCondLst>
+                                    <p:cond delay="0"/>
+                                  </p:stCondLst>
+                                  <p:childTnLst>
+                                    <p:set>
+                                      <p:cBhvr>
+                                        <p:cTn id="6" dur="1" fill="hold">
+                                          <p:stCondLst>
+                                            <p:cond delay="0"/>
+                                          </p:stCondLst>
+                                        </p:cTn>
+                                        <p:tgtEl>
+                                          <p:spTgt spid="6">
+                                            <p:txEl>
+                                              <p:pRg st="0" end="0"/>
+                                            </p:txEl>
+                                          </p:spTgt>
+                                        </p:tgtEl>
+                                        <p:attrNameLst>
+                                          <p:attrName>style.visibility</p:attrName>
+                                        </p:attrNameLst>
+                                      </p:cBhvr>
+                                      <p:to>
+                                        <p:strVal val="visible"/>
+                                      </p:to>
+                                    </p:set>
+                                  </p:childTnLst>
+                                </p:cTn>
+                              </p:par>
+                              <p:par>
+                                <p:cTn id="7" presetID="1" presetClass="entr" presetSubtype="0" fill="hold" nodeType="withEffect">
+                                  <p:stCondLst>
+                                    <p:cond delay="0"/>
+                                  </p:stCondLst>
+                                  <p:childTnLst>
+                                    <p:set>
+                                      <p:cBhvr>
+                                        <p:cTn id="8" dur="1" fill="hold">
+                                          <p:stCondLst>
+                                            <p:cond delay="0"/>
+                                          </p:stCondLst>
+                                        </p:cTn>
+                                        <p:tgtEl>
+                                          <p:spTgt spid="6">
+                                            <p:txEl>
+                                              <p:pRg st="1" end="1"/>
+                                            </p:txEl>
+                                          </p:spTgt>
+                                        </p:tgtEl>
+                                        <p:attrNameLst>
+                                          <p:attrName>style.visibility</p:attrName>
+                                        </p:attrNameLst>
+                                      </p:cBhvr>
+                                      <p:to>
+                                        <p:strVal val="visible"/>
+                                      </p:to>
+                                    </p:set>
+                                  </p:childTnLst>
+                                </p:cTn>
+                              </p:par>
+                            </p:childTnLst>
+                          </p:cTn>
+                        </p:par>
+                      </p:childTnLst>
+                    </p:cTn>
+                  </p:par>
+                  <p:par>
+                    <p:cTn id="9" fill="hold">
+                      <p:stCondLst>
+                        <p:cond delay="indefinite"/>
+                      </p:stCondLst>
+                      <p:childTnLst>
+                        <p:par>
+                          <p:cTn id="10" fill="hold">
+                            <p:stCondLst>
+                              <p:cond delay="0"/>
+                            </p:stCondLst>
+                            <p:childTnLst>
+                              <p:par>
+                                <p:cTn id="11" presetID="1" presetClass="entr" presetSubtype="0" fill="hold" nodeType="clickEffect">
+                                  <p:stCondLst>
+                                    <p:cond delay="0"/>
+                                  </p:stCondLst>
+                                  <p:childTnLst>
+                                    <p:set>
+                                      <p:cBhvr>
+                                        <p:cTn id="12" dur="1" fill="hold">
+                                          <p:stCondLst>
+                                            <p:cond delay="0"/>
+                                          </p:stCondLst>
+                                        </p:cTn>
+                                        <p:tgtEl>
+                                          <p:spTgt spid="6">
+                                            <p:txEl>
+                                              <p:pRg st="2" end="2"/>
+                                            </p:txEl>
+                                          </p:spTgt>
+                                        </p:tgtEl>
+                                        <p:attrNameLst>
+                                          <p:attrName>style.visibility</p:attrName>
+                                        </p:attrNameLst>
+                                      </p:cBhvr>
+                                      <p:to>
+                                        <p:strVal val="visible"/>
+                                      </p:to>
+                                    </p:set>
+                                  </p:childTnLst>
+                                </p:cTn>
+                              </p:par>
+                              <p:par>
+                                <p:cTn id="13" presetID="1" presetClass="entr" presetSubtype="0" fill="hold" nodeType="withEffect">
+                                  <p:stCondLst>
+                                    <p:cond delay="0"/>
+                                  </p:stCondLst>
+                                  <p:childTnLst>
+                                    <p:set>
+                                      <p:cBhvr>
+                                        <p:cTn id="14" dur="1" fill="hold">
+                                          <p:stCondLst>
+                                            <p:cond delay="0"/>
+                                          </p:stCondLst>
+                                        </p:cTn>
+                                        <p:tgtEl>
+                                          <p:spTgt spid="6">
+                                            <p:txEl>
+                                              <p:pRg st="3" end="3"/>
+                                            </p:txEl>
+                                          </p:spTgt>
+                                        </p:tgtEl>
+                                        <p:attrNameLst>
+                                          <p:attrName>style.visibility</p:attrName>
+                                        </p:attrNameLst>
+                                      </p:cBhvr>
+                                      <p:to>
+                                        <p:strVal val="visible"/>
+                                      </p:to>
+                                    </p:set>
+                                  </p:childTnLst>
+                                </p:cTn>
+                              </p:par>
+                              <p:par>
+                                <p:cTn id="15" presetID="1" presetClass="entr" presetSubtype="0" fill="hold" nodeType="withEffect">
+                                  <p:stCondLst>
+                                    <p:cond delay="0"/>
+                                  </p:stCondLst>
+                                  <p:childTnLst>
+                                    <p:set>
+                                      <p:cBhvr>
+                                        <p:cTn id="16" dur="1" fill="hold">
+                                          <p:stCondLst>
+                                            <p:cond delay="0"/>
+                                          </p:stCondLst>
+                                        </p:cTn>
+                                        <p:tgtEl>
+                                          <p:spTgt spid="6">
+                                            <p:txEl>
+                                              <p:pRg st="4" end="4"/>
+                                            </p:txEl>
+                                          </p:spTgt>
+                                        </p:tgtEl>
+                                        <p:attrNameLst>
+                                          <p:attrName>style.visibility</p:attrName>
+                                        </p:attrNameLst>
+                                      </p:cBhvr>
+                                      <p:to>
+                                        <p:strVal val="visible"/>
+                                      </p:to>
+                                    </p:set>
+                                  </p:childTnLst>
+                                </p:cTn>
+                              </p:par>
+                              <p:par>
+                                <p:cTn id="17" presetID="1" presetClass="entr" presetSubtype="0" fill="hold" nodeType="withEffect">
+                                  <p:stCondLst>
+                                    <p:cond delay="0"/>
+                                  </p:stCondLst>
+                                  <p:childTnLst>
+                                    <p:set>
+                                      <p:cBhvr>
+                                        <p:cTn id="18" dur="1" fill="hold">
+                                          <p:stCondLst>
+                                            <p:cond delay="0"/>
+                                          </p:stCondLst>
+                                        </p:cTn>
+                                        <p:tgtEl>
+                                          <p:spTgt spid="6">
+                                            <p:txEl>
+                                              <p:pRg st="5" end="5"/>
+                                            </p:txEl>
+                                          </p:spTgt>
+                                        </p:tgtEl>
+                                        <p:attrNameLst>
+                                          <p:attrName>style.visibility</p:attrName>
+                                        </p:attrNameLst>
+                                      </p:cBhvr>
+                                      <p:to>
+                                        <p:strVal val="visible"/>
+                                      </p:to>
+                                    </p:set>
+                                  </p:childTnLst>
+                                </p:cTn>
+                              </p:par>
+                            </p:childTnLst>
+                          </p:cTn>
+                        </p:par>
+                      </p:childTnLst>
+                    </p:cTn>
+                  </p:par>
+                  <p:par>
+                    <p:cTn id="19" fill="hold">
+                      <p:stCondLst>
+                        <p:cond delay="indefinite"/>
+                      </p:stCondLst>
+                      <p:childTnLst>
+                        <p:par>
+                          <p:cTn id="20" fill="hold">
+                            <p:stCondLst>
+                              <p:cond delay="0"/>
+                            </p:stCondLst>
+                            <p:childTnLst>
+                              <p:par>
+                                <p:cTn id="21" presetID="1" presetClass="entr" presetSubtype="0" fill="hold" nodeType="clickEffect">
+                                  <p:stCondLst>
+                                    <p:cond delay="0"/>
+                                  </p:stCondLst>
+                                  <p:childTnLst>
+                                    <p:set>
+                                      <p:cBhvr>
+                                        <p:cTn id="22" dur="1" fill="hold">
+                                          <p:stCondLst>
+                                            <p:cond delay="0"/>
+                                          </p:stCondLst>
+                                        </p:cTn>
+                                        <p:tgtEl>
+                                          <p:spTgt spid="6">
+                                            <p:txEl>
+                                              <p:pRg st="6" end="6"/>
+                                            </p:txEl>
+                                          </p:spTgt>
+                                        </p:tgtEl>
+                                        <p:attrNameLst>
+                                          <p:attrName>style.visibility</p:attrName>
+                                        </p:attrNameLst>
+                                      </p:cBhvr>
+                                      <p:to>
+                                        <p:strVal val="visible"/>
+                                      </p:to>
+                                    </p:set>
+                                  </p:childTnLst>
+                                </p:cTn>
+                              </p:par>
+                              <p:par>
+                                <p:cTn id="23" presetID="1" presetClass="entr" presetSubtype="0" fill="hold" nodeType="withEffect">
+                                  <p:stCondLst>
+                                    <p:cond delay="0"/>
+                                  </p:stCondLst>
+                                  <p:childTnLst>
+                                    <p:set>
+                                      <p:cBhvr>
+                                        <p:cTn id="24" dur="1" fill="hold">
+                                          <p:stCondLst>
+                                            <p:cond delay="0"/>
+                                          </p:stCondLst>
+                                        </p:cTn>
+                                        <p:tgtEl>
+                                          <p:spTgt spid="6">
+                                            <p:txEl>
+                                              <p:pRg st="7" end="7"/>
+                                            </p:txEl>
+                                          </p:spTgt>
+                                        </p:tgtEl>
+                                        <p:attrNameLst>
+                                          <p:attrName>style.visibility</p:attrName>
+                                        </p:attrNameLst>
+                                      </p:cBhvr>
+                                      <p:to>
+                                        <p:strVal val="visible"/>
+                                      </p:to>
+                                    </p:set>
+                                  </p:childTnLst>
+                                </p:cTn>
+                              </p:par>
+                            </p:childTnLst>
+                          </p:cTn>
+                        </p:par>
+                      </p:childTnLst>
+                    </p:cTn>
+                  </p:par>
+                  <p:par>
+                    <p:cTn id="25" fill="hold">
+                      <p:stCondLst>
+                        <p:cond delay="indefinite"/>
+                      </p:stCondLst>
+                      <p:childTnLst>
+                        <p:par>
+                          <p:cTn id="26" fill="hold">
+                            <p:stCondLst>
+                              <p:cond delay="0"/>
+                            </p:stCondLst>
+                            <p:childTnLst>
+                              <p:par>
+                                <p:cTn id="27" presetID="1" presetClass="entr" presetSubtype="0" fill="hold" nodeType="clickEffect">
+                                  <p:stCondLst>
+                                    <p:cond delay="0"/>
+                                  </p:stCondLst>
+                                  <p:childTnLst>
+                                    <p:set>
+                                      <p:cBhvr>
+                                        <p:cTn id="28" dur="1" fill="hold">
+                                          <p:stCondLst>
+                                            <p:cond delay="0"/>
+                                          </p:stCondLst>
+                                        </p:cTn>
+                                        <p:tgtEl>
+                                          <p:spTgt spid="6">
+                                            <p:txEl>
+                                              <p:pRg st="8" end="8"/>
+                                            </p:txEl>
+                                          </p:spTgt>
+                                        </p:tgtEl>
+                                        <p:attrNameLst>
+                                          <p:attrName>style.visibility</p:attrName>
+                                        </p:attrNameLst>
+                                      </p:cBhvr>
+                                      <p:to>
+                                        <p:strVal val="visible"/>
+                                      </p:to>
+                                    </p:set>
+                                  </p:childTnLst>
+                                </p:cTn>
+                              </p:par>
+                              <p:par>
+                                <p:cTn id="29" presetID="1" presetClass="entr" presetSubtype="0" fill="hold" nodeType="withEffect">
+                                  <p:stCondLst>
+                                    <p:cond delay="0"/>
+                                  </p:stCondLst>
+                                  <p:childTnLst>
+                                    <p:set>
+                                      <p:cBhvr>
+                                        <p:cTn id="30" dur="1" fill="hold">
+                                          <p:stCondLst>
+                                            <p:cond delay="0"/>
+                                          </p:stCondLst>
+                                        </p:cTn>
+                                        <p:tgtEl>
+                                          <p:spTgt spid="6">
+                                            <p:txEl>
+                                              <p:pRg st="9" end="9"/>
+                                            </p:txEl>
+                                          </p:spTgt>
+                                        </p:tgtEl>
+                                        <p:attrNameLst>
+                                          <p:attrName>style.visibility</p:attrName>
+                                        </p:attrNameLst>
+                                      </p:cBhvr>
+                                      <p:to>
+                                        <p:strVal val="visible"/>
+                                      </p:to>
+                                    </p:set>
+                                  </p:childTnLst>
+                                </p:cTn>
+                              </p:par>
+                            </p:childTnLst>
+                          </p:cTn>
+                        </p:par>
+                      </p:childTnLst>
+                    </p:cTn>
+                  </p:par>
+                  <p:par>
+                    <p:cTn id="31" fill="hold">
+                      <p:stCondLst>
+                        <p:cond delay="indefinite"/>
+                      </p:stCondLst>
+                      <p:childTnLst>
+                        <p:par>
+                          <p:cTn id="32" fill="hold">
+                            <p:stCondLst>
+                              <p:cond delay="0"/>
+                            </p:stCondLst>
+                            <p:childTnLst>
+                              <p:par>
+                                <p:cTn id="33" presetID="1" presetClass="entr" presetSubtype="0" fill="hold" nodeType="clickEffect">
+                                  <p:stCondLst>
+                                    <p:cond delay="0"/>
+                                  </p:stCondLst>
+                                  <p:childTnLst>
+                                    <p:set>
+                                      <p:cBhvr>
+                                        <p:cTn id="34" dur="1" fill="hold">
+                                          <p:stCondLst>
+                                            <p:cond delay="0"/>
+                                          </p:stCondLst>
+                                        </p:cTn>
+                                        <p:tgtEl>
+                                          <p:spTgt spid="6">
+                                            <p:txEl>
+                                              <p:pRg st="10" end="10"/>
+                                            </p:txEl>
+                                          </p:spTgt>
+                                        </p:tgtEl>
+                                        <p:attrNameLst>
+                                          <p:attrName>style.visibility</p:attrName>
+                                        </p:attrNameLst>
+                                      </p:cBhvr>
+                                      <p:to>
+                                        <p:strVal val="visible"/>
+                                      </p:to>
+                                    </p:set>
+                                  </p:childTnLst>
+                                </p:cTn>
+                              </p:par>
+                            </p:childTnLst>
+                          </p:cTn>
+                        </p:par>
+                      </p:childTnLst>
+                    </p:cTn>
+                  </p:par>
+                </p:childTnLst>
+              </p:cTn>
+              <p:prevCondLst>
+                <p:cond evt="onPrev" delay="0">
+                  <p:tgtEl>
+                    <p:sldTgt/>
+                  </p:tgtEl>
+                </p:cond>
+              </p:prevCondLst>
+              <p:nextCondLst>
+                <p:cond evt="onNext" delay="0">
+                  <p:tgtEl>
+                    <p:sldTgt/>
+                  </p:tgtEl>
+                </p:cond>
+              </p:nextCondLst>
+            </p:seq>
+          </p:childTnLst>
+        </p:cTn>
+      </p:par>
+    </p:tnLst>
+  </p:timing>
 </p:sld>
 </file>
 
-<file path=ppt/slides/slide33.xml><?xml version="1.0" encoding="utf-8"?>
+<file path=ppt/slides/slide35.xml><?xml version="1.0" encoding="utf-8"?>
 <p:sld xmlns:a="http://schemas.openxmlformats.org/drawingml/2006/main" xmlns:r="http://schemas.openxmlformats.org/officeDocument/2006/relationships" xmlns:p="http://schemas.openxmlformats.org/presentationml/2006/main">
   <p:cSld>
     <p:spTree>
@@ -25580,10 +29345,10 @@
       </p:grpSpPr>
       <p:pic>
         <p:nvPicPr>
-          <p:cNvPr id="7" name="Picture 6">
+          <p:cNvPr id="9" name="Picture 8">
             <a:extLst>
               <a:ext uri="{FF2B5EF4-FFF2-40B4-BE49-F238E27FC236}">
-                <a16:creationId xmlns:a16="http://schemas.microsoft.com/office/drawing/2014/main" id="{4B26423A-6AF9-37F6-FFCA-6AD1E890C3AE}"/>
+                <a16:creationId xmlns:a16="http://schemas.microsoft.com/office/drawing/2014/main" id="{ECFFBB4F-52DA-9B6D-5643-EB5730DFE3D9}"/>
               </a:ext>
             </a:extLst>
           </p:cNvPr>
@@ -25606,8 +29371,8 @@
         </p:blipFill>
         <p:spPr>
           <a:xfrm>
-            <a:off x="0" y="-1954"/>
-            <a:ext cx="12191999" cy="6859954"/>
+            <a:off x="0" y="-5080"/>
+            <a:ext cx="12192000" cy="6868160"/>
           </a:xfrm>
           <a:prstGeom prst="rect">
             <a:avLst/>
@@ -25627,7 +29392,7 @@
 </p:sld>
 </file>
 
-<file path=ppt/slides/slide34.xml><?xml version="1.0" encoding="utf-8"?>
+<file path=ppt/slides/slide36.xml><?xml version="1.0" encoding="utf-8"?>
 <p:sld xmlns:a="http://schemas.openxmlformats.org/drawingml/2006/main" xmlns:r="http://schemas.openxmlformats.org/officeDocument/2006/relationships" xmlns:p="http://schemas.openxmlformats.org/presentationml/2006/main">
   <p:cSld>
     <p:spTree>
@@ -26168,7 +29933,7 @@
 </p:sld>
 </file>
 
-<file path=ppt/slides/slide35.xml><?xml version="1.0" encoding="utf-8"?>
+<file path=ppt/slides/slide37.xml><?xml version="1.0" encoding="utf-8"?>
 <p:sld xmlns:a="http://schemas.openxmlformats.org/drawingml/2006/main" xmlns:r="http://schemas.openxmlformats.org/officeDocument/2006/relationships" xmlns:p="http://schemas.openxmlformats.org/presentationml/2006/main">
   <p:cSld>
     <p:spTree>
@@ -27648,7 +31413,7 @@
 </p:sld>
 </file>
 
-<file path=ppt/slides/slide36.xml><?xml version="1.0" encoding="utf-8"?>
+<file path=ppt/slides/slide38.xml><?xml version="1.0" encoding="utf-8"?>
 <p:sld xmlns:a="http://schemas.openxmlformats.org/drawingml/2006/main" xmlns:r="http://schemas.openxmlformats.org/officeDocument/2006/relationships" xmlns:p="http://schemas.openxmlformats.org/presentationml/2006/main">
   <p:cSld>
     <p:spTree>
@@ -30050,7 +33815,7 @@
 </p:sld>
 </file>
 
-<file path=ppt/slides/slide37.xml><?xml version="1.0" encoding="utf-8"?>
+<file path=ppt/slides/slide39.xml><?xml version="1.0" encoding="utf-8"?>
 <p:sld xmlns:a="http://schemas.openxmlformats.org/drawingml/2006/main" xmlns:r="http://schemas.openxmlformats.org/officeDocument/2006/relationships" xmlns:p="http://schemas.openxmlformats.org/presentationml/2006/main">
   <p:cSld>
     <p:spTree>
@@ -30122,7 +33887,148 @@
 </p:sld>
 </file>
 
-<file path=ppt/slides/slide38.xml><?xml version="1.0" encoding="utf-8"?>
+<file path=ppt/slides/slide4.xml><?xml version="1.0" encoding="utf-8"?>
+<p:sld xmlns:a="http://schemas.openxmlformats.org/drawingml/2006/main" xmlns:r="http://schemas.openxmlformats.org/officeDocument/2006/relationships" xmlns:p="http://schemas.openxmlformats.org/presentationml/2006/main">
+  <p:cSld>
+    <p:spTree>
+      <p:nvGrpSpPr>
+        <p:cNvPr id="1" name="">
+          <a:extLst>
+            <a:ext uri="{FF2B5EF4-FFF2-40B4-BE49-F238E27FC236}">
+              <a16:creationId xmlns:a16="http://schemas.microsoft.com/office/drawing/2014/main" id="{CCAAE5AE-FF1A-2852-DD58-747FA8DE0E47}"/>
+            </a:ext>
+          </a:extLst>
+        </p:cNvPr>
+        <p:cNvGrpSpPr/>
+        <p:nvPr/>
+      </p:nvGrpSpPr>
+      <p:grpSpPr>
+        <a:xfrm>
+          <a:off x="0" y="0"/>
+          <a:ext cx="0" cy="0"/>
+          <a:chOff x="0" y="0"/>
+          <a:chExt cx="0" cy="0"/>
+        </a:xfrm>
+      </p:grpSpPr>
+      <p:sp>
+        <p:nvSpPr>
+          <p:cNvPr id="2" name="Title 1">
+            <a:extLst>
+              <a:ext uri="{FF2B5EF4-FFF2-40B4-BE49-F238E27FC236}">
+                <a16:creationId xmlns:a16="http://schemas.microsoft.com/office/drawing/2014/main" id="{E3190050-5F95-EE6B-7D76-D4ED7A1FDEBA}"/>
+              </a:ext>
+            </a:extLst>
+          </p:cNvPr>
+          <p:cNvSpPr>
+            <a:spLocks noGrp="1"/>
+          </p:cNvSpPr>
+          <p:nvPr>
+            <p:ph type="title"/>
+          </p:nvPr>
+        </p:nvSpPr>
+        <p:spPr>
+          <a:xfrm>
+            <a:off x="838200" y="365126"/>
+            <a:ext cx="10515600" cy="856964"/>
+          </a:xfrm>
+        </p:spPr>
+        <p:txBody>
+          <a:bodyPr>
+            <a:normAutofit/>
+          </a:bodyPr>
+          <a:lstStyle/>
+          <a:p>
+            <a:r>
+              <a:rPr lang="en-GB" dirty="0">
+                <a:latin typeface="Arial Black" panose="020B0A04020102020204" pitchFamily="34" charset="0"/>
+              </a:rPr>
+              <a:t>Assumed Knowledge</a:t>
+            </a:r>
+          </a:p>
+        </p:txBody>
+      </p:sp>
+      <p:sp>
+        <p:nvSpPr>
+          <p:cNvPr id="6" name="Content Placeholder 5">
+            <a:extLst>
+              <a:ext uri="{FF2B5EF4-FFF2-40B4-BE49-F238E27FC236}">
+                <a16:creationId xmlns:a16="http://schemas.microsoft.com/office/drawing/2014/main" id="{2FDBA969-20BC-F467-DFD3-43EA5986F733}"/>
+              </a:ext>
+            </a:extLst>
+          </p:cNvPr>
+          <p:cNvSpPr>
+            <a:spLocks noGrp="1"/>
+          </p:cNvSpPr>
+          <p:nvPr>
+            <p:ph idx="1"/>
+          </p:nvPr>
+        </p:nvSpPr>
+        <p:spPr>
+          <a:xfrm>
+            <a:off x="838200" y="1274093"/>
+            <a:ext cx="10515600" cy="4902870"/>
+          </a:xfrm>
+        </p:spPr>
+        <p:txBody>
+          <a:bodyPr/>
+          <a:lstStyle/>
+          <a:p>
+            <a:r>
+              <a:rPr lang="en-GB" dirty="0"/>
+              <a:t>Currency Pair / Futures / Forwards / Options</a:t>
+            </a:r>
+          </a:p>
+          <a:p>
+            <a:r>
+              <a:rPr lang="en-GB" dirty="0"/>
+              <a:t>Orderbook / Price Ladder</a:t>
+            </a:r>
+          </a:p>
+          <a:p>
+            <a:r>
+              <a:rPr lang="en-GB" dirty="0"/>
+              <a:t>ECN / Data </a:t>
+            </a:r>
+            <a:r>
+              <a:rPr lang="en-GB" dirty="0" err="1"/>
+              <a:t>Center</a:t>
+            </a:r>
+            <a:r>
+              <a:rPr lang="en-GB" dirty="0"/>
+              <a:t> / Brokers</a:t>
+            </a:r>
+          </a:p>
+          <a:p>
+            <a:r>
+              <a:rPr lang="en-GB" dirty="0"/>
+              <a:t>Bilateral / Multilateral / Credit Agreements / Limits</a:t>
+            </a:r>
+          </a:p>
+          <a:p>
+            <a:endParaRPr lang="en-GB" dirty="0"/>
+          </a:p>
+          <a:p>
+            <a:endParaRPr lang="en-GB" dirty="0"/>
+          </a:p>
+          <a:p>
+            <a:endParaRPr lang="en-GB" dirty="0"/>
+          </a:p>
+        </p:txBody>
+      </p:sp>
+    </p:spTree>
+    <p:extLst>
+      <p:ext uri="{BB962C8B-B14F-4D97-AF65-F5344CB8AC3E}">
+        <p14:creationId xmlns:p14="http://schemas.microsoft.com/office/powerpoint/2010/main" val="492423098"/>
+      </p:ext>
+    </p:extLst>
+  </p:cSld>
+  <p:clrMapOvr>
+    <a:masterClrMapping/>
+  </p:clrMapOvr>
+</p:sld>
+</file>
+
+<file path=ppt/slides/slide40.xml><?xml version="1.0" encoding="utf-8"?>
 <p:sld xmlns:a="http://schemas.openxmlformats.org/drawingml/2006/main" xmlns:r="http://schemas.openxmlformats.org/officeDocument/2006/relationships" xmlns:p="http://schemas.openxmlformats.org/presentationml/2006/main">
   <p:cSld>
     <p:spTree>
@@ -30279,7 +34185,7 @@
 </p:sld>
 </file>
 
-<file path=ppt/slides/slide4.xml><?xml version="1.0" encoding="utf-8"?>
+<file path=ppt/slides/slide5.xml><?xml version="1.0" encoding="utf-8"?>
 <p:sld xmlns:a="http://schemas.openxmlformats.org/drawingml/2006/main" xmlns:r="http://schemas.openxmlformats.org/officeDocument/2006/relationships" xmlns:p="http://schemas.openxmlformats.org/presentationml/2006/main">
   <p:cSld>
     <p:spTree>
@@ -30287,7 +34193,7 @@
         <p:cNvPr id="1" name="">
           <a:extLst>
             <a:ext uri="{FF2B5EF4-FFF2-40B4-BE49-F238E27FC236}">
-              <a16:creationId xmlns:a16="http://schemas.microsoft.com/office/drawing/2014/main" id="{CCAAE5AE-FF1A-2852-DD58-747FA8DE0E47}"/>
+              <a16:creationId xmlns:a16="http://schemas.microsoft.com/office/drawing/2014/main" id="{5D9C38BD-C4E0-5D24-849E-9A6D57C927B4}"/>
             </a:ext>
           </a:extLst>
         </p:cNvPr>
@@ -30307,7 +34213,7 @@
           <p:cNvPr id="2" name="Title 1">
             <a:extLst>
               <a:ext uri="{FF2B5EF4-FFF2-40B4-BE49-F238E27FC236}">
-                <a16:creationId xmlns:a16="http://schemas.microsoft.com/office/drawing/2014/main" id="{E3190050-5F95-EE6B-7D76-D4ED7A1FDEBA}"/>
+                <a16:creationId xmlns:a16="http://schemas.microsoft.com/office/drawing/2014/main" id="{959EAFD9-BFC7-A57D-06C1-B963CDE6EA71}"/>
               </a:ext>
             </a:extLst>
           </p:cNvPr>
@@ -30334,7 +34240,7 @@
               <a:rPr lang="en-GB" dirty="0">
                 <a:latin typeface="Arial Black" panose="020B0A04020102020204" pitchFamily="34" charset="0"/>
               </a:rPr>
-              <a:t>Assumed Knowledge</a:t>
+              <a:t>What is FX</a:t>
             </a:r>
           </a:p>
         </p:txBody>
@@ -30344,7 +34250,7 @@
           <p:cNvPr id="6" name="Content Placeholder 5">
             <a:extLst>
               <a:ext uri="{FF2B5EF4-FFF2-40B4-BE49-F238E27FC236}">
-                <a16:creationId xmlns:a16="http://schemas.microsoft.com/office/drawing/2014/main" id="{2FDBA969-20BC-F467-DFD3-43EA5986F733}"/>
+                <a16:creationId xmlns:a16="http://schemas.microsoft.com/office/drawing/2014/main" id="{239FD9FF-8DCD-918B-94AE-9528CC726DF8}"/>
               </a:ext>
             </a:extLst>
           </p:cNvPr>
@@ -30365,52 +34271,136 @@
           <a:bodyPr/>
           <a:lstStyle/>
           <a:p>
+            <a:pPr marL="0" indent="0">
+              <a:buNone/>
+            </a:pPr>
+            <a:endParaRPr lang="en-GB" dirty="0"/>
+          </a:p>
+        </p:txBody>
+      </p:sp>
+      <p:sp>
+        <p:nvSpPr>
+          <p:cNvPr id="4" name="Speech Bubble: Rectangle with Corners Rounded 3">
+            <a:extLst>
+              <a:ext uri="{FF2B5EF4-FFF2-40B4-BE49-F238E27FC236}">
+                <a16:creationId xmlns:a16="http://schemas.microsoft.com/office/drawing/2014/main" id="{E009DA78-4B4A-CA5E-4BF7-1016091E0BB4}"/>
+              </a:ext>
+            </a:extLst>
+          </p:cNvPr>
+          <p:cNvSpPr/>
+          <p:nvPr/>
+        </p:nvSpPr>
+        <p:spPr>
+          <a:xfrm>
+            <a:off x="838200" y="1274093"/>
+            <a:ext cx="10515600" cy="4389288"/>
+          </a:xfrm>
+          <a:prstGeom prst="wedgeRoundRectCallout">
+            <a:avLst/>
+          </a:prstGeom>
+        </p:spPr>
+        <p:style>
+          <a:lnRef idx="2">
+            <a:schemeClr val="dk1">
+              <a:shade val="15000"/>
+            </a:schemeClr>
+          </a:lnRef>
+          <a:fillRef idx="1">
+            <a:schemeClr val="dk1"/>
+          </a:fillRef>
+          <a:effectRef idx="0">
+            <a:schemeClr val="dk1"/>
+          </a:effectRef>
+          <a:fontRef idx="minor">
+            <a:schemeClr val="lt1"/>
+          </a:fontRef>
+        </p:style>
+        <p:txBody>
+          <a:bodyPr rtlCol="0" anchor="ctr"/>
+          <a:lstStyle/>
+          <a:p>
+            <a:pPr marL="0" indent="0">
+              <a:buNone/>
+            </a:pPr>
             <a:r>
-              <a:rPr lang="en-GB" dirty="0"/>
-              <a:t>Currency Pair / Futures / Forwards / Options</a:t>
+              <a:rPr lang="en-US" sz="2800" dirty="0"/>
+              <a:t>The cost of any currency is expressed in its exchange rate, which is like a currency’s price tag.</a:t>
             </a:r>
           </a:p>
           <a:p>
+            <a:pPr marL="0" indent="0">
+              <a:buNone/>
+            </a:pPr>
+            <a:endParaRPr lang="en-US" sz="2800" dirty="0"/>
+          </a:p>
+          <a:p>
+            <a:pPr marL="0" indent="0">
+              <a:buNone/>
+            </a:pPr>
             <a:r>
-              <a:rPr lang="en-GB" dirty="0"/>
-              <a:t>Orderbook / Price Ladder</a:t>
+              <a:rPr lang="en-US" sz="2800" dirty="0"/>
+              <a:t>The rise or fall of the exchange rate itself depends on several factors, including inflation, interest rates, trade balance, and overall economic and political stability.</a:t>
             </a:r>
           </a:p>
           <a:p>
-            <a:r>
-              <a:rPr lang="en-GB" dirty="0"/>
-              <a:t>ECN / Data </a:t>
-            </a:r>
-            <a:r>
-              <a:rPr lang="en-GB" dirty="0" err="1"/>
-              <a:t>Center</a:t>
-            </a:r>
-            <a:r>
-              <a:rPr lang="en-GB" dirty="0"/>
-              <a:t> / Brokers</a:t>
-            </a:r>
+            <a:pPr marL="0" indent="0">
+              <a:buNone/>
+            </a:pPr>
+            <a:endParaRPr lang="en-US" sz="2800" dirty="0"/>
           </a:p>
           <a:p>
+            <a:pPr marL="0" indent="0">
+              <a:buNone/>
+            </a:pPr>
             <a:r>
-              <a:rPr lang="en-GB" dirty="0"/>
-              <a:t>Bilateral / Multilateral / Credit Agreements / Limits</a:t>
+              <a:rPr lang="en-US" sz="2800" dirty="0"/>
+              <a:t>Currency pairs have different exchange rates because the global demand for each currency - meaning the demand for the country’s goods or financial assets – varies.</a:t>
             </a:r>
+            <a:endParaRPr lang="en-GB" sz="2800" dirty="0"/>
           </a:p>
+        </p:txBody>
+      </p:sp>
+      <p:sp>
+        <p:nvSpPr>
+          <p:cNvPr id="5" name="Footer Placeholder 3">
+            <a:extLst>
+              <a:ext uri="{FF2B5EF4-FFF2-40B4-BE49-F238E27FC236}">
+                <a16:creationId xmlns:a16="http://schemas.microsoft.com/office/drawing/2014/main" id="{0789EDB5-D979-BA45-A605-D39FED1AE3D9}"/>
+              </a:ext>
+            </a:extLst>
+          </p:cNvPr>
+          <p:cNvSpPr>
+            <a:spLocks noGrp="1"/>
+          </p:cNvSpPr>
+          <p:nvPr>
+            <p:ph type="ftr" sz="quarter" idx="11"/>
+          </p:nvPr>
+        </p:nvSpPr>
+        <p:spPr>
+          <a:xfrm>
+            <a:off x="3726180" y="6356350"/>
+            <a:ext cx="4739640" cy="365125"/>
+          </a:xfrm>
+        </p:spPr>
+        <p:txBody>
+          <a:bodyPr/>
+          <a:lstStyle/>
           <a:p>
-            <a:endParaRPr lang="en-GB" dirty="0"/>
-          </a:p>
-          <a:p>
-            <a:endParaRPr lang="en-GB" dirty="0"/>
-          </a:p>
-          <a:p>
-            <a:endParaRPr lang="en-GB" dirty="0"/>
+            <a:r>
+              <a:rPr lang="en-GB" dirty="0">
+                <a:solidFill>
+                  <a:srgbClr val="0070C0"/>
+                </a:solidFill>
+              </a:rPr>
+              <a:t>https://www.britannica.com/money/foreign-exchange-market</a:t>
+            </a:r>
           </a:p>
         </p:txBody>
       </p:sp>
     </p:spTree>
     <p:extLst>
       <p:ext uri="{BB962C8B-B14F-4D97-AF65-F5344CB8AC3E}">
-        <p14:creationId xmlns:p14="http://schemas.microsoft.com/office/powerpoint/2010/main" val="492423098"/>
+        <p14:creationId xmlns:p14="http://schemas.microsoft.com/office/powerpoint/2010/main" val="3133740133"/>
       </p:ext>
     </p:extLst>
   </p:cSld>
@@ -30420,7 +34410,7 @@
 </p:sld>
 </file>
 
-<file path=ppt/slides/slide5.xml><?xml version="1.0" encoding="utf-8"?>
+<file path=ppt/slides/slide6.xml><?xml version="1.0" encoding="utf-8"?>
 <p:sld xmlns:a="http://schemas.openxmlformats.org/drawingml/2006/main" xmlns:r="http://schemas.openxmlformats.org/officeDocument/2006/relationships" xmlns:p="http://schemas.openxmlformats.org/presentationml/2006/main">
   <p:cSld>
     <p:spTree>
@@ -30563,10 +34553,383 @@
   <p:clrMapOvr>
     <a:masterClrMapping/>
   </p:clrMapOvr>
+  <p:timing>
+    <p:tnLst>
+      <p:par>
+        <p:cTn id="1" dur="indefinite" restart="never" nodeType="tmRoot">
+          <p:childTnLst>
+            <p:seq concurrent="1" nextAc="seek">
+              <p:cTn id="2" dur="indefinite" nodeType="mainSeq">
+                <p:childTnLst>
+                  <p:par>
+                    <p:cTn id="3" fill="hold">
+                      <p:stCondLst>
+                        <p:cond delay="indefinite"/>
+                      </p:stCondLst>
+                      <p:childTnLst>
+                        <p:par>
+                          <p:cTn id="4" fill="hold">
+                            <p:stCondLst>
+                              <p:cond delay="0"/>
+                            </p:stCondLst>
+                            <p:childTnLst>
+                              <p:par>
+                                <p:cTn id="5" presetID="1" presetClass="entr" presetSubtype="0" fill="hold" nodeType="clickEffect">
+                                  <p:stCondLst>
+                                    <p:cond delay="0"/>
+                                  </p:stCondLst>
+                                  <p:childTnLst>
+                                    <p:set>
+                                      <p:cBhvr>
+                                        <p:cTn id="6" dur="1" fill="hold">
+                                          <p:stCondLst>
+                                            <p:cond delay="0"/>
+                                          </p:stCondLst>
+                                        </p:cTn>
+                                        <p:tgtEl>
+                                          <p:spTgt spid="6">
+                                            <p:txEl>
+                                              <p:pRg st="0" end="0"/>
+                                            </p:txEl>
+                                          </p:spTgt>
+                                        </p:tgtEl>
+                                        <p:attrNameLst>
+                                          <p:attrName>style.visibility</p:attrName>
+                                        </p:attrNameLst>
+                                      </p:cBhvr>
+                                      <p:to>
+                                        <p:strVal val="visible"/>
+                                      </p:to>
+                                    </p:set>
+                                  </p:childTnLst>
+                                </p:cTn>
+                              </p:par>
+                            </p:childTnLst>
+                          </p:cTn>
+                        </p:par>
+                      </p:childTnLst>
+                    </p:cTn>
+                  </p:par>
+                  <p:par>
+                    <p:cTn id="7" fill="hold">
+                      <p:stCondLst>
+                        <p:cond delay="indefinite"/>
+                      </p:stCondLst>
+                      <p:childTnLst>
+                        <p:par>
+                          <p:cTn id="8" fill="hold">
+                            <p:stCondLst>
+                              <p:cond delay="0"/>
+                            </p:stCondLst>
+                            <p:childTnLst>
+                              <p:par>
+                                <p:cTn id="9" presetID="1" presetClass="entr" presetSubtype="0" fill="hold" nodeType="clickEffect">
+                                  <p:stCondLst>
+                                    <p:cond delay="0"/>
+                                  </p:stCondLst>
+                                  <p:childTnLst>
+                                    <p:set>
+                                      <p:cBhvr>
+                                        <p:cTn id="10" dur="1" fill="hold">
+                                          <p:stCondLst>
+                                            <p:cond delay="0"/>
+                                          </p:stCondLst>
+                                        </p:cTn>
+                                        <p:tgtEl>
+                                          <p:spTgt spid="6">
+                                            <p:txEl>
+                                              <p:pRg st="1" end="1"/>
+                                            </p:txEl>
+                                          </p:spTgt>
+                                        </p:tgtEl>
+                                        <p:attrNameLst>
+                                          <p:attrName>style.visibility</p:attrName>
+                                        </p:attrNameLst>
+                                      </p:cBhvr>
+                                      <p:to>
+                                        <p:strVal val="visible"/>
+                                      </p:to>
+                                    </p:set>
+                                  </p:childTnLst>
+                                </p:cTn>
+                              </p:par>
+                            </p:childTnLst>
+                          </p:cTn>
+                        </p:par>
+                      </p:childTnLst>
+                    </p:cTn>
+                  </p:par>
+                  <p:par>
+                    <p:cTn id="11" fill="hold">
+                      <p:stCondLst>
+                        <p:cond delay="indefinite"/>
+                      </p:stCondLst>
+                      <p:childTnLst>
+                        <p:par>
+                          <p:cTn id="12" fill="hold">
+                            <p:stCondLst>
+                              <p:cond delay="0"/>
+                            </p:stCondLst>
+                            <p:childTnLst>
+                              <p:par>
+                                <p:cTn id="13" presetID="1" presetClass="entr" presetSubtype="0" fill="hold" nodeType="clickEffect">
+                                  <p:stCondLst>
+                                    <p:cond delay="0"/>
+                                  </p:stCondLst>
+                                  <p:childTnLst>
+                                    <p:set>
+                                      <p:cBhvr>
+                                        <p:cTn id="14" dur="1" fill="hold">
+                                          <p:stCondLst>
+                                            <p:cond delay="0"/>
+                                          </p:stCondLst>
+                                        </p:cTn>
+                                        <p:tgtEl>
+                                          <p:spTgt spid="6">
+                                            <p:txEl>
+                                              <p:pRg st="2" end="2"/>
+                                            </p:txEl>
+                                          </p:spTgt>
+                                        </p:tgtEl>
+                                        <p:attrNameLst>
+                                          <p:attrName>style.visibility</p:attrName>
+                                        </p:attrNameLst>
+                                      </p:cBhvr>
+                                      <p:to>
+                                        <p:strVal val="visible"/>
+                                      </p:to>
+                                    </p:set>
+                                  </p:childTnLst>
+                                </p:cTn>
+                              </p:par>
+                            </p:childTnLst>
+                          </p:cTn>
+                        </p:par>
+                      </p:childTnLst>
+                    </p:cTn>
+                  </p:par>
+                  <p:par>
+                    <p:cTn id="15" fill="hold">
+                      <p:stCondLst>
+                        <p:cond delay="indefinite"/>
+                      </p:stCondLst>
+                      <p:childTnLst>
+                        <p:par>
+                          <p:cTn id="16" fill="hold">
+                            <p:stCondLst>
+                              <p:cond delay="0"/>
+                            </p:stCondLst>
+                            <p:childTnLst>
+                              <p:par>
+                                <p:cTn id="17" presetID="1" presetClass="entr" presetSubtype="0" fill="hold" nodeType="clickEffect">
+                                  <p:stCondLst>
+                                    <p:cond delay="0"/>
+                                  </p:stCondLst>
+                                  <p:childTnLst>
+                                    <p:set>
+                                      <p:cBhvr>
+                                        <p:cTn id="18" dur="1" fill="hold">
+                                          <p:stCondLst>
+                                            <p:cond delay="0"/>
+                                          </p:stCondLst>
+                                        </p:cTn>
+                                        <p:tgtEl>
+                                          <p:spTgt spid="6">
+                                            <p:txEl>
+                                              <p:pRg st="3" end="3"/>
+                                            </p:txEl>
+                                          </p:spTgt>
+                                        </p:tgtEl>
+                                        <p:attrNameLst>
+                                          <p:attrName>style.visibility</p:attrName>
+                                        </p:attrNameLst>
+                                      </p:cBhvr>
+                                      <p:to>
+                                        <p:strVal val="visible"/>
+                                      </p:to>
+                                    </p:set>
+                                  </p:childTnLst>
+                                </p:cTn>
+                              </p:par>
+                            </p:childTnLst>
+                          </p:cTn>
+                        </p:par>
+                      </p:childTnLst>
+                    </p:cTn>
+                  </p:par>
+                  <p:par>
+                    <p:cTn id="19" fill="hold">
+                      <p:stCondLst>
+                        <p:cond delay="indefinite"/>
+                      </p:stCondLst>
+                      <p:childTnLst>
+                        <p:par>
+                          <p:cTn id="20" fill="hold">
+                            <p:stCondLst>
+                              <p:cond delay="0"/>
+                            </p:stCondLst>
+                            <p:childTnLst>
+                              <p:par>
+                                <p:cTn id="21" presetID="1" presetClass="entr" presetSubtype="0" fill="hold" nodeType="clickEffect">
+                                  <p:stCondLst>
+                                    <p:cond delay="0"/>
+                                  </p:stCondLst>
+                                  <p:childTnLst>
+                                    <p:set>
+                                      <p:cBhvr>
+                                        <p:cTn id="22" dur="1" fill="hold">
+                                          <p:stCondLst>
+                                            <p:cond delay="0"/>
+                                          </p:stCondLst>
+                                        </p:cTn>
+                                        <p:tgtEl>
+                                          <p:spTgt spid="6">
+                                            <p:txEl>
+                                              <p:pRg st="4" end="4"/>
+                                            </p:txEl>
+                                          </p:spTgt>
+                                        </p:tgtEl>
+                                        <p:attrNameLst>
+                                          <p:attrName>style.visibility</p:attrName>
+                                        </p:attrNameLst>
+                                      </p:cBhvr>
+                                      <p:to>
+                                        <p:strVal val="visible"/>
+                                      </p:to>
+                                    </p:set>
+                                  </p:childTnLst>
+                                </p:cTn>
+                              </p:par>
+                            </p:childTnLst>
+                          </p:cTn>
+                        </p:par>
+                      </p:childTnLst>
+                    </p:cTn>
+                  </p:par>
+                  <p:par>
+                    <p:cTn id="23" fill="hold">
+                      <p:stCondLst>
+                        <p:cond delay="indefinite"/>
+                      </p:stCondLst>
+                      <p:childTnLst>
+                        <p:par>
+                          <p:cTn id="24" fill="hold">
+                            <p:stCondLst>
+                              <p:cond delay="0"/>
+                            </p:stCondLst>
+                            <p:childTnLst>
+                              <p:par>
+                                <p:cTn id="25" presetID="1" presetClass="entr" presetSubtype="0" fill="hold" nodeType="clickEffect">
+                                  <p:stCondLst>
+                                    <p:cond delay="0"/>
+                                  </p:stCondLst>
+                                  <p:childTnLst>
+                                    <p:set>
+                                      <p:cBhvr>
+                                        <p:cTn id="26" dur="1" fill="hold">
+                                          <p:stCondLst>
+                                            <p:cond delay="0"/>
+                                          </p:stCondLst>
+                                        </p:cTn>
+                                        <p:tgtEl>
+                                          <p:spTgt spid="6">
+                                            <p:txEl>
+                                              <p:pRg st="5" end="5"/>
+                                            </p:txEl>
+                                          </p:spTgt>
+                                        </p:tgtEl>
+                                        <p:attrNameLst>
+                                          <p:attrName>style.visibility</p:attrName>
+                                        </p:attrNameLst>
+                                      </p:cBhvr>
+                                      <p:to>
+                                        <p:strVal val="visible"/>
+                                      </p:to>
+                                    </p:set>
+                                  </p:childTnLst>
+                                </p:cTn>
+                              </p:par>
+                            </p:childTnLst>
+                          </p:cTn>
+                        </p:par>
+                      </p:childTnLst>
+                    </p:cTn>
+                  </p:par>
+                  <p:par>
+                    <p:cTn id="27" fill="hold">
+                      <p:stCondLst>
+                        <p:cond delay="indefinite"/>
+                      </p:stCondLst>
+                      <p:childTnLst>
+                        <p:par>
+                          <p:cTn id="28" fill="hold">
+                            <p:stCondLst>
+                              <p:cond delay="0"/>
+                            </p:stCondLst>
+                            <p:childTnLst>
+                              <p:par>
+                                <p:cTn id="29" presetID="1" presetClass="entr" presetSubtype="0" fill="hold" nodeType="clickEffect">
+                                  <p:stCondLst>
+                                    <p:cond delay="0"/>
+                                  </p:stCondLst>
+                                  <p:childTnLst>
+                                    <p:set>
+                                      <p:cBhvr>
+                                        <p:cTn id="30" dur="1" fill="hold">
+                                          <p:stCondLst>
+                                            <p:cond delay="0"/>
+                                          </p:stCondLst>
+                                        </p:cTn>
+                                        <p:tgtEl>
+                                          <p:spTgt spid="6">
+                                            <p:txEl>
+                                              <p:pRg st="6" end="6"/>
+                                            </p:txEl>
+                                          </p:spTgt>
+                                        </p:tgtEl>
+                                        <p:attrNameLst>
+                                          <p:attrName>style.visibility</p:attrName>
+                                        </p:attrNameLst>
+                                      </p:cBhvr>
+                                      <p:to>
+                                        <p:strVal val="visible"/>
+                                      </p:to>
+                                    </p:set>
+                                  </p:childTnLst>
+                                </p:cTn>
+                              </p:par>
+                            </p:childTnLst>
+                          </p:cTn>
+                        </p:par>
+                      </p:childTnLst>
+                    </p:cTn>
+                  </p:par>
+                </p:childTnLst>
+              </p:cTn>
+              <p:prevCondLst>
+                <p:cond evt="onPrev" delay="0">
+                  <p:tgtEl>
+                    <p:sldTgt/>
+                  </p:tgtEl>
+                </p:cond>
+              </p:prevCondLst>
+              <p:nextCondLst>
+                <p:cond evt="onNext" delay="0">
+                  <p:tgtEl>
+                    <p:sldTgt/>
+                  </p:tgtEl>
+                </p:cond>
+              </p:nextCondLst>
+            </p:seq>
+          </p:childTnLst>
+        </p:cTn>
+      </p:par>
+    </p:tnLst>
+  </p:timing>
 </p:sld>
 </file>
 
-<file path=ppt/slides/slide6.xml><?xml version="1.0" encoding="utf-8"?>
+<file path=ppt/slides/slide7.xml><?xml version="1.0" encoding="utf-8"?>
 <p:sld xmlns:a="http://schemas.openxmlformats.org/drawingml/2006/main" xmlns:r="http://schemas.openxmlformats.org/officeDocument/2006/relationships" xmlns:p="http://schemas.openxmlformats.org/presentationml/2006/main">
   <p:cSld>
     <p:spTree>
@@ -30638,7 +35001,7 @@
 </p:sld>
 </file>
 
-<file path=ppt/slides/slide7.xml><?xml version="1.0" encoding="utf-8"?>
+<file path=ppt/slides/slide8.xml><?xml version="1.0" encoding="utf-8"?>
 <p:sld xmlns:a="http://schemas.openxmlformats.org/drawingml/2006/main" xmlns:r="http://schemas.openxmlformats.org/officeDocument/2006/relationships" xmlns:p="http://schemas.openxmlformats.org/presentationml/2006/main">
   <p:cSld>
     <p:spTree>
@@ -32112,7 +36475,7 @@
 </p:sld>
 </file>
 
-<file path=ppt/slides/slide8.xml><?xml version="1.0" encoding="utf-8"?>
+<file path=ppt/slides/slide9.xml><?xml version="1.0" encoding="utf-8"?>
 <p:sld xmlns:a="http://schemas.openxmlformats.org/drawingml/2006/main" xmlns:r="http://schemas.openxmlformats.org/officeDocument/2006/relationships" xmlns:p="http://schemas.openxmlformats.org/presentationml/2006/main">
   <p:cSld>
     <p:spTree>
@@ -33694,2669 +38057,6 @@
 </p:sld>
 </file>
 
-<file path=ppt/slides/slide9.xml><?xml version="1.0" encoding="utf-8"?>
-<p:sld xmlns:a="http://schemas.openxmlformats.org/drawingml/2006/main" xmlns:r="http://schemas.openxmlformats.org/officeDocument/2006/relationships" xmlns:p="http://schemas.openxmlformats.org/presentationml/2006/main">
-  <p:cSld>
-    <p:spTree>
-      <p:nvGrpSpPr>
-        <p:cNvPr id="1" name="">
-          <a:extLst>
-            <a:ext uri="{FF2B5EF4-FFF2-40B4-BE49-F238E27FC236}">
-              <a16:creationId xmlns:a16="http://schemas.microsoft.com/office/drawing/2014/main" id="{B6DE6E94-509F-9BF4-A5F6-5E414FDEE860}"/>
-            </a:ext>
-          </a:extLst>
-        </p:cNvPr>
-        <p:cNvGrpSpPr/>
-        <p:nvPr/>
-      </p:nvGrpSpPr>
-      <p:grpSpPr>
-        <a:xfrm>
-          <a:off x="0" y="0"/>
-          <a:ext cx="0" cy="0"/>
-          <a:chOff x="0" y="0"/>
-          <a:chExt cx="0" cy="0"/>
-        </a:xfrm>
-      </p:grpSpPr>
-      <p:pic>
-        <p:nvPicPr>
-          <p:cNvPr id="29" name="Picture 28">
-            <a:extLst>
-              <a:ext uri="{FF2B5EF4-FFF2-40B4-BE49-F238E27FC236}">
-                <a16:creationId xmlns:a16="http://schemas.microsoft.com/office/drawing/2014/main" id="{8465366D-CEBF-49E0-FFBA-AAAB5BFD500C}"/>
-              </a:ext>
-            </a:extLst>
-          </p:cNvPr>
-          <p:cNvPicPr>
-            <a:picLocks noChangeAspect="1"/>
-          </p:cNvPicPr>
-          <p:nvPr/>
-        </p:nvPicPr>
-        <p:blipFill>
-          <a:blip r:embed="rId2">
-            <a:extLst>
-              <a:ext uri="{28A0092B-C50C-407E-A947-70E740481C1C}">
-                <a14:useLocalDpi xmlns:a14="http://schemas.microsoft.com/office/drawing/2010/main" val="0"/>
-              </a:ext>
-            </a:extLst>
-          </a:blip>
-          <a:stretch>
-            <a:fillRect/>
-          </a:stretch>
-        </p:blipFill>
-        <p:spPr>
-          <a:xfrm>
-            <a:off x="0" y="362585"/>
-            <a:ext cx="12192000" cy="6711950"/>
-          </a:xfrm>
-          <a:prstGeom prst="rect">
-            <a:avLst/>
-          </a:prstGeom>
-        </p:spPr>
-      </p:pic>
-      <p:sp>
-        <p:nvSpPr>
-          <p:cNvPr id="2" name="Title 1">
-            <a:extLst>
-              <a:ext uri="{FF2B5EF4-FFF2-40B4-BE49-F238E27FC236}">
-                <a16:creationId xmlns:a16="http://schemas.microsoft.com/office/drawing/2014/main" id="{16D252F3-4357-C31D-9B4B-29FBA1E96559}"/>
-              </a:ext>
-            </a:extLst>
-          </p:cNvPr>
-          <p:cNvSpPr txBox="1">
-            <a:spLocks/>
-          </p:cNvSpPr>
-          <p:nvPr/>
-        </p:nvSpPr>
-        <p:spPr>
-          <a:xfrm>
-            <a:off x="838200" y="303876"/>
-            <a:ext cx="10515600" cy="856964"/>
-          </a:xfrm>
-          <a:prstGeom prst="rect">
-            <a:avLst/>
-          </a:prstGeom>
-        </p:spPr>
-        <p:txBody>
-          <a:bodyPr vert="horz" lIns="91440" tIns="45720" rIns="91440" bIns="45720" rtlCol="0" anchor="b">
-            <a:normAutofit/>
-          </a:bodyPr>
-          <a:lstStyle>
-            <a:lvl1pPr algn="ctr" defTabSz="914400" rtl="0" eaLnBrk="1" latinLnBrk="0" hangingPunct="1">
-              <a:lnSpc>
-                <a:spcPct val="90000"/>
-              </a:lnSpc>
-              <a:spcBef>
-                <a:spcPct val="0"/>
-              </a:spcBef>
-              <a:buNone/>
-              <a:defRPr sz="6000" kern="1200">
-                <a:solidFill>
-                  <a:schemeClr val="tx1"/>
-                </a:solidFill>
-                <a:latin typeface="+mj-lt"/>
-                <a:ea typeface="+mj-ea"/>
-                <a:cs typeface="+mj-cs"/>
-              </a:defRPr>
-            </a:lvl1pPr>
-          </a:lstStyle>
-          <a:p>
-            <a:pPr algn="l"/>
-            <a:r>
-              <a:rPr lang="en-GB" sz="4400" dirty="0">
-                <a:latin typeface="Arial Black" panose="020B0A04020102020204" pitchFamily="34" charset="0"/>
-              </a:rPr>
-              <a:t>What Can You Buy?</a:t>
-            </a:r>
-          </a:p>
-        </p:txBody>
-      </p:sp>
-      <p:grpSp>
-        <p:nvGrpSpPr>
-          <p:cNvPr id="13" name="Group 12">
-            <a:extLst>
-              <a:ext uri="{FF2B5EF4-FFF2-40B4-BE49-F238E27FC236}">
-                <a16:creationId xmlns:a16="http://schemas.microsoft.com/office/drawing/2014/main" id="{6C224E50-36A0-3FB1-BEF2-00AF0BF1F47F}"/>
-              </a:ext>
-            </a:extLst>
-          </p:cNvPr>
-          <p:cNvGrpSpPr/>
-          <p:nvPr/>
-        </p:nvGrpSpPr>
-        <p:grpSpPr>
-          <a:xfrm>
-            <a:off x="1657350" y="1444426"/>
-            <a:ext cx="10146030" cy="5040194"/>
-            <a:chOff x="1657350" y="1135816"/>
-            <a:chExt cx="10146030" cy="5040194"/>
-          </a:xfrm>
-        </p:grpSpPr>
-        <p:sp>
-          <p:nvSpPr>
-            <p:cNvPr id="6" name="Rectangle: Rounded Corners 5">
-              <a:extLst>
-                <a:ext uri="{FF2B5EF4-FFF2-40B4-BE49-F238E27FC236}">
-                  <a16:creationId xmlns:a16="http://schemas.microsoft.com/office/drawing/2014/main" id="{AC0E5A3B-2A66-FD06-635A-85EE616EB484}"/>
-                </a:ext>
-              </a:extLst>
-            </p:cNvPr>
-            <p:cNvSpPr/>
-            <p:nvPr/>
-          </p:nvSpPr>
-          <p:spPr>
-            <a:xfrm>
-              <a:off x="9787890" y="4875551"/>
-              <a:ext cx="967740" cy="322537"/>
-            </a:xfrm>
-            <a:prstGeom prst="roundRect">
-              <a:avLst/>
-            </a:prstGeom>
-            <a:solidFill>
-              <a:schemeClr val="accent6">
-                <a:alpha val="50000"/>
-              </a:schemeClr>
-            </a:solidFill>
-            <a:ln>
-              <a:noFill/>
-            </a:ln>
-          </p:spPr>
-          <p:style>
-            <a:lnRef idx="0">
-              <a:scrgbClr r="0" g="0" b="0"/>
-            </a:lnRef>
-            <a:fillRef idx="0">
-              <a:scrgbClr r="0" g="0" b="0"/>
-            </a:fillRef>
-            <a:effectRef idx="0">
-              <a:scrgbClr r="0" g="0" b="0"/>
-            </a:effectRef>
-            <a:fontRef idx="minor">
-              <a:schemeClr val="lt1"/>
-            </a:fontRef>
-          </p:style>
-          <p:txBody>
-            <a:bodyPr rtlCol="0" anchor="ctr"/>
-            <a:lstStyle/>
-            <a:p>
-              <a:pPr algn="ctr"/>
-              <a:r>
-                <a:rPr lang="en-GB" sz="1600" b="1" dirty="0">
-                  <a:solidFill>
-                    <a:srgbClr val="00B050"/>
-                  </a:solidFill>
-                </a:rPr>
-                <a:t>AUDUSD</a:t>
-              </a:r>
-            </a:p>
-          </p:txBody>
-        </p:sp>
-        <p:sp>
-          <p:nvSpPr>
-            <p:cNvPr id="7" name="Rectangle: Rounded Corners 6">
-              <a:extLst>
-                <a:ext uri="{FF2B5EF4-FFF2-40B4-BE49-F238E27FC236}">
-                  <a16:creationId xmlns:a16="http://schemas.microsoft.com/office/drawing/2014/main" id="{4DABAE48-8512-E96A-884A-7BADB1391A2A}"/>
-                </a:ext>
-              </a:extLst>
-            </p:cNvPr>
-            <p:cNvSpPr/>
-            <p:nvPr/>
-          </p:nvSpPr>
-          <p:spPr>
-            <a:xfrm>
-              <a:off x="10835640" y="5853473"/>
-              <a:ext cx="967740" cy="322537"/>
-            </a:xfrm>
-            <a:prstGeom prst="roundRect">
-              <a:avLst/>
-            </a:prstGeom>
-            <a:solidFill>
-              <a:schemeClr val="accent6">
-                <a:alpha val="50000"/>
-              </a:schemeClr>
-            </a:solidFill>
-            <a:ln>
-              <a:noFill/>
-            </a:ln>
-          </p:spPr>
-          <p:style>
-            <a:lnRef idx="0">
-              <a:scrgbClr r="0" g="0" b="0"/>
-            </a:lnRef>
-            <a:fillRef idx="0">
-              <a:scrgbClr r="0" g="0" b="0"/>
-            </a:fillRef>
-            <a:effectRef idx="0">
-              <a:scrgbClr r="0" g="0" b="0"/>
-            </a:effectRef>
-            <a:fontRef idx="minor">
-              <a:schemeClr val="lt1"/>
-            </a:fontRef>
-          </p:style>
-          <p:txBody>
-            <a:bodyPr rtlCol="0" anchor="ctr"/>
-            <a:lstStyle/>
-            <a:p>
-              <a:pPr algn="ctr"/>
-              <a:r>
-                <a:rPr lang="en-GB" sz="1600" b="1" dirty="0">
-                  <a:solidFill>
-                    <a:srgbClr val="00B050"/>
-                  </a:solidFill>
-                </a:rPr>
-                <a:t>NZDUSD</a:t>
-              </a:r>
-            </a:p>
-          </p:txBody>
-        </p:sp>
-        <p:sp>
-          <p:nvSpPr>
-            <p:cNvPr id="8" name="Rectangle: Rounded Corners 7">
-              <a:extLst>
-                <a:ext uri="{FF2B5EF4-FFF2-40B4-BE49-F238E27FC236}">
-                  <a16:creationId xmlns:a16="http://schemas.microsoft.com/office/drawing/2014/main" id="{9F06B8EE-0531-39D1-29D9-E32F14CFBAEB}"/>
-                </a:ext>
-              </a:extLst>
-            </p:cNvPr>
-            <p:cNvSpPr/>
-            <p:nvPr/>
-          </p:nvSpPr>
-          <p:spPr>
-            <a:xfrm>
-              <a:off x="5402580" y="1659976"/>
-              <a:ext cx="967740" cy="322537"/>
-            </a:xfrm>
-            <a:prstGeom prst="roundRect">
-              <a:avLst/>
-            </a:prstGeom>
-            <a:solidFill>
-              <a:schemeClr val="accent6">
-                <a:alpha val="50000"/>
-              </a:schemeClr>
-            </a:solidFill>
-            <a:ln>
-              <a:noFill/>
-            </a:ln>
-          </p:spPr>
-          <p:style>
-            <a:lnRef idx="0">
-              <a:scrgbClr r="0" g="0" b="0"/>
-            </a:lnRef>
-            <a:fillRef idx="0">
-              <a:scrgbClr r="0" g="0" b="0"/>
-            </a:fillRef>
-            <a:effectRef idx="0">
-              <a:scrgbClr r="0" g="0" b="0"/>
-            </a:effectRef>
-            <a:fontRef idx="minor">
-              <a:schemeClr val="lt1"/>
-            </a:fontRef>
-          </p:style>
-          <p:txBody>
-            <a:bodyPr rtlCol="0" anchor="ctr"/>
-            <a:lstStyle/>
-            <a:p>
-              <a:pPr algn="ctr"/>
-              <a:r>
-                <a:rPr lang="en-GB" sz="1600" b="1" dirty="0">
-                  <a:solidFill>
-                    <a:srgbClr val="00B050"/>
-                  </a:solidFill>
-                </a:rPr>
-                <a:t>EURCHF</a:t>
-              </a:r>
-            </a:p>
-          </p:txBody>
-        </p:sp>
-        <p:sp>
-          <p:nvSpPr>
-            <p:cNvPr id="9" name="Rectangle: Rounded Corners 8">
-              <a:extLst>
-                <a:ext uri="{FF2B5EF4-FFF2-40B4-BE49-F238E27FC236}">
-                  <a16:creationId xmlns:a16="http://schemas.microsoft.com/office/drawing/2014/main" id="{D3DC006F-9430-DE79-8DAD-8D33B49D863F}"/>
-                </a:ext>
-              </a:extLst>
-            </p:cNvPr>
-            <p:cNvSpPr/>
-            <p:nvPr/>
-          </p:nvSpPr>
-          <p:spPr>
-            <a:xfrm>
-              <a:off x="10428897" y="2143717"/>
-              <a:ext cx="967740" cy="322537"/>
-            </a:xfrm>
-            <a:prstGeom prst="roundRect">
-              <a:avLst/>
-            </a:prstGeom>
-            <a:solidFill>
-              <a:schemeClr val="accent6">
-                <a:alpha val="50000"/>
-              </a:schemeClr>
-            </a:solidFill>
-            <a:ln>
-              <a:noFill/>
-            </a:ln>
-          </p:spPr>
-          <p:style>
-            <a:lnRef idx="0">
-              <a:scrgbClr r="0" g="0" b="0"/>
-            </a:lnRef>
-            <a:fillRef idx="0">
-              <a:scrgbClr r="0" g="0" b="0"/>
-            </a:fillRef>
-            <a:effectRef idx="0">
-              <a:scrgbClr r="0" g="0" b="0"/>
-            </a:effectRef>
-            <a:fontRef idx="minor">
-              <a:schemeClr val="lt1"/>
-            </a:fontRef>
-          </p:style>
-          <p:txBody>
-            <a:bodyPr rtlCol="0" anchor="ctr"/>
-            <a:lstStyle/>
-            <a:p>
-              <a:pPr algn="ctr"/>
-              <a:r>
-                <a:rPr lang="en-GB" sz="1600" b="1" dirty="0">
-                  <a:solidFill>
-                    <a:srgbClr val="00B050"/>
-                  </a:solidFill>
-                </a:rPr>
-                <a:t>USDJPY</a:t>
-              </a:r>
-            </a:p>
-          </p:txBody>
-        </p:sp>
-        <p:sp>
-          <p:nvSpPr>
-            <p:cNvPr id="10" name="Rectangle: Rounded Corners 9">
-              <a:extLst>
-                <a:ext uri="{FF2B5EF4-FFF2-40B4-BE49-F238E27FC236}">
-                  <a16:creationId xmlns:a16="http://schemas.microsoft.com/office/drawing/2014/main" id="{3D7B0D00-6362-623D-D20B-062FB2DA2932}"/>
-                </a:ext>
-              </a:extLst>
-            </p:cNvPr>
-            <p:cNvSpPr/>
-            <p:nvPr/>
-          </p:nvSpPr>
-          <p:spPr>
-            <a:xfrm>
-              <a:off x="5147310" y="2020614"/>
-              <a:ext cx="967740" cy="322537"/>
-            </a:xfrm>
-            <a:prstGeom prst="roundRect">
-              <a:avLst/>
-            </a:prstGeom>
-            <a:solidFill>
-              <a:schemeClr val="accent6">
-                <a:alpha val="50000"/>
-              </a:schemeClr>
-            </a:solidFill>
-            <a:ln>
-              <a:noFill/>
-            </a:ln>
-          </p:spPr>
-          <p:style>
-            <a:lnRef idx="0">
-              <a:scrgbClr r="0" g="0" b="0"/>
-            </a:lnRef>
-            <a:fillRef idx="0">
-              <a:scrgbClr r="0" g="0" b="0"/>
-            </a:fillRef>
-            <a:effectRef idx="0">
-              <a:scrgbClr r="0" g="0" b="0"/>
-            </a:effectRef>
-            <a:fontRef idx="minor">
-              <a:schemeClr val="lt1"/>
-            </a:fontRef>
-          </p:style>
-          <p:txBody>
-            <a:bodyPr rtlCol="0" anchor="ctr"/>
-            <a:lstStyle/>
-            <a:p>
-              <a:pPr algn="ctr"/>
-              <a:r>
-                <a:rPr lang="en-GB" sz="1600" b="1" dirty="0">
-                  <a:solidFill>
-                    <a:srgbClr val="00B050"/>
-                  </a:solidFill>
-                </a:rPr>
-                <a:t>EURUSD</a:t>
-              </a:r>
-            </a:p>
-          </p:txBody>
-        </p:sp>
-        <p:sp>
-          <p:nvSpPr>
-            <p:cNvPr id="11" name="Rectangle: Rounded Corners 10">
-              <a:extLst>
-                <a:ext uri="{FF2B5EF4-FFF2-40B4-BE49-F238E27FC236}">
-                  <a16:creationId xmlns:a16="http://schemas.microsoft.com/office/drawing/2014/main" id="{0E9A4982-DD27-21BA-B476-234F7081E466}"/>
-                </a:ext>
-              </a:extLst>
-            </p:cNvPr>
-            <p:cNvSpPr/>
-            <p:nvPr/>
-          </p:nvSpPr>
-          <p:spPr>
-            <a:xfrm>
-              <a:off x="4362450" y="1670093"/>
-              <a:ext cx="967740" cy="322537"/>
-            </a:xfrm>
-            <a:prstGeom prst="roundRect">
-              <a:avLst/>
-            </a:prstGeom>
-            <a:solidFill>
-              <a:schemeClr val="accent6">
-                <a:alpha val="50000"/>
-              </a:schemeClr>
-            </a:solidFill>
-            <a:ln>
-              <a:noFill/>
-            </a:ln>
-          </p:spPr>
-          <p:style>
-            <a:lnRef idx="0">
-              <a:scrgbClr r="0" g="0" b="0"/>
-            </a:lnRef>
-            <a:fillRef idx="0">
-              <a:scrgbClr r="0" g="0" b="0"/>
-            </a:fillRef>
-            <a:effectRef idx="0">
-              <a:scrgbClr r="0" g="0" b="0"/>
-            </a:effectRef>
-            <a:fontRef idx="minor">
-              <a:schemeClr val="lt1"/>
-            </a:fontRef>
-          </p:style>
-          <p:txBody>
-            <a:bodyPr rtlCol="0" anchor="ctr"/>
-            <a:lstStyle/>
-            <a:p>
-              <a:pPr algn="ctr"/>
-              <a:r>
-                <a:rPr lang="en-GB" sz="1600" b="1" dirty="0">
-                  <a:solidFill>
-                    <a:srgbClr val="00B050"/>
-                  </a:solidFill>
-                </a:rPr>
-                <a:t>GBPUSD</a:t>
-              </a:r>
-            </a:p>
-          </p:txBody>
-        </p:sp>
-        <p:sp>
-          <p:nvSpPr>
-            <p:cNvPr id="12" name="Rectangle: Rounded Corners 11">
-              <a:extLst>
-                <a:ext uri="{FF2B5EF4-FFF2-40B4-BE49-F238E27FC236}">
-                  <a16:creationId xmlns:a16="http://schemas.microsoft.com/office/drawing/2014/main" id="{76FC08F5-8046-C7F8-ADC2-3DB09A750EAC}"/>
-                </a:ext>
-              </a:extLst>
-            </p:cNvPr>
-            <p:cNvSpPr/>
-            <p:nvPr/>
-          </p:nvSpPr>
-          <p:spPr>
-            <a:xfrm>
-              <a:off x="1657350" y="1135816"/>
-              <a:ext cx="967740" cy="322537"/>
-            </a:xfrm>
-            <a:prstGeom prst="roundRect">
-              <a:avLst/>
-            </a:prstGeom>
-            <a:solidFill>
-              <a:schemeClr val="accent6">
-                <a:alpha val="50000"/>
-              </a:schemeClr>
-            </a:solidFill>
-            <a:ln>
-              <a:noFill/>
-            </a:ln>
-          </p:spPr>
-          <p:style>
-            <a:lnRef idx="0">
-              <a:scrgbClr r="0" g="0" b="0"/>
-            </a:lnRef>
-            <a:fillRef idx="0">
-              <a:scrgbClr r="0" g="0" b="0"/>
-            </a:fillRef>
-            <a:effectRef idx="0">
-              <a:scrgbClr r="0" g="0" b="0"/>
-            </a:effectRef>
-            <a:fontRef idx="minor">
-              <a:schemeClr val="lt1"/>
-            </a:fontRef>
-          </p:style>
-          <p:txBody>
-            <a:bodyPr rtlCol="0" anchor="ctr"/>
-            <a:lstStyle/>
-            <a:p>
-              <a:pPr algn="ctr"/>
-              <a:r>
-                <a:rPr lang="en-GB" sz="1600" b="1" dirty="0">
-                  <a:solidFill>
-                    <a:srgbClr val="00B050"/>
-                  </a:solidFill>
-                </a:rPr>
-                <a:t>USDCAD</a:t>
-              </a:r>
-            </a:p>
-          </p:txBody>
-        </p:sp>
-      </p:grpSp>
-      <p:grpSp>
-        <p:nvGrpSpPr>
-          <p:cNvPr id="21" name="Group 20">
-            <a:extLst>
-              <a:ext uri="{FF2B5EF4-FFF2-40B4-BE49-F238E27FC236}">
-                <a16:creationId xmlns:a16="http://schemas.microsoft.com/office/drawing/2014/main" id="{59973ADF-A4F8-A2FE-BE7C-10F34561E963}"/>
-              </a:ext>
-            </a:extLst>
-          </p:cNvPr>
-          <p:cNvGrpSpPr/>
-          <p:nvPr/>
-        </p:nvGrpSpPr>
-        <p:grpSpPr>
-          <a:xfrm>
-            <a:off x="4884420" y="1207112"/>
-            <a:ext cx="2657013" cy="1567752"/>
-            <a:chOff x="4884420" y="1207112"/>
-            <a:chExt cx="2657013" cy="1567752"/>
-          </a:xfrm>
-        </p:grpSpPr>
-        <p:sp>
-          <p:nvSpPr>
-            <p:cNvPr id="14" name="Rectangle: Rounded Corners 13">
-              <a:extLst>
-                <a:ext uri="{FF2B5EF4-FFF2-40B4-BE49-F238E27FC236}">
-                  <a16:creationId xmlns:a16="http://schemas.microsoft.com/office/drawing/2014/main" id="{CE7D8D7E-4218-D1EB-7761-1F98C4AA0F4F}"/>
-                </a:ext>
-              </a:extLst>
-            </p:cNvPr>
-            <p:cNvSpPr/>
-            <p:nvPr/>
-          </p:nvSpPr>
-          <p:spPr>
-            <a:xfrm>
-              <a:off x="4884420" y="1514671"/>
-              <a:ext cx="967740" cy="322537"/>
-            </a:xfrm>
-            <a:prstGeom prst="roundRect">
-              <a:avLst/>
-            </a:prstGeom>
-            <a:solidFill>
-              <a:schemeClr val="accent1">
-                <a:alpha val="50000"/>
-              </a:schemeClr>
-            </a:solidFill>
-            <a:ln>
-              <a:noFill/>
-            </a:ln>
-          </p:spPr>
-          <p:style>
-            <a:lnRef idx="0">
-              <a:scrgbClr r="0" g="0" b="0"/>
-            </a:lnRef>
-            <a:fillRef idx="0">
-              <a:scrgbClr r="0" g="0" b="0"/>
-            </a:fillRef>
-            <a:effectRef idx="0">
-              <a:scrgbClr r="0" g="0" b="0"/>
-            </a:effectRef>
-            <a:fontRef idx="minor">
-              <a:schemeClr val="lt1"/>
-            </a:fontRef>
-          </p:style>
-          <p:txBody>
-            <a:bodyPr rtlCol="0" anchor="ctr"/>
-            <a:lstStyle/>
-            <a:p>
-              <a:pPr algn="ctr"/>
-              <a:r>
-                <a:rPr lang="en-GB" sz="1600" b="1" dirty="0">
-                  <a:solidFill>
-                    <a:srgbClr val="0070C0"/>
-                  </a:solidFill>
-                </a:rPr>
-                <a:t>EURNOK</a:t>
-              </a:r>
-            </a:p>
-          </p:txBody>
-        </p:sp>
-        <p:sp>
-          <p:nvSpPr>
-            <p:cNvPr id="15" name="Rectangle: Rounded Corners 14">
-              <a:extLst>
-                <a:ext uri="{FF2B5EF4-FFF2-40B4-BE49-F238E27FC236}">
-                  <a16:creationId xmlns:a16="http://schemas.microsoft.com/office/drawing/2014/main" id="{5435254C-3267-853F-D1F4-032CF6FD1CCC}"/>
-                </a:ext>
-              </a:extLst>
-            </p:cNvPr>
-            <p:cNvSpPr/>
-            <p:nvPr/>
-          </p:nvSpPr>
-          <p:spPr>
-            <a:xfrm>
-              <a:off x="5440680" y="1207112"/>
-              <a:ext cx="967740" cy="322537"/>
-            </a:xfrm>
-            <a:prstGeom prst="roundRect">
-              <a:avLst/>
-            </a:prstGeom>
-            <a:solidFill>
-              <a:schemeClr val="accent1">
-                <a:alpha val="50000"/>
-              </a:schemeClr>
-            </a:solidFill>
-            <a:ln>
-              <a:noFill/>
-            </a:ln>
-          </p:spPr>
-          <p:style>
-            <a:lnRef idx="0">
-              <a:scrgbClr r="0" g="0" b="0"/>
-            </a:lnRef>
-            <a:fillRef idx="0">
-              <a:scrgbClr r="0" g="0" b="0"/>
-            </a:fillRef>
-            <a:effectRef idx="0">
-              <a:scrgbClr r="0" g="0" b="0"/>
-            </a:effectRef>
-            <a:fontRef idx="minor">
-              <a:schemeClr val="lt1"/>
-            </a:fontRef>
-          </p:style>
-          <p:txBody>
-            <a:bodyPr rtlCol="0" anchor="ctr"/>
-            <a:lstStyle/>
-            <a:p>
-              <a:pPr algn="ctr"/>
-              <a:r>
-                <a:rPr lang="en-GB" sz="1600" b="1" dirty="0">
-                  <a:solidFill>
-                    <a:srgbClr val="0070C0"/>
-                  </a:solidFill>
-                </a:rPr>
-                <a:t>EURSEK</a:t>
-              </a:r>
-            </a:p>
-          </p:txBody>
-        </p:sp>
-        <p:sp>
-          <p:nvSpPr>
-            <p:cNvPr id="16" name="Rectangle: Rounded Corners 15">
-              <a:extLst>
-                <a:ext uri="{FF2B5EF4-FFF2-40B4-BE49-F238E27FC236}">
-                  <a16:creationId xmlns:a16="http://schemas.microsoft.com/office/drawing/2014/main" id="{6340FCD5-54B8-3B77-90BC-51D77ACC5C56}"/>
-                </a:ext>
-              </a:extLst>
-            </p:cNvPr>
-            <p:cNvSpPr/>
-            <p:nvPr/>
-          </p:nvSpPr>
-          <p:spPr>
-            <a:xfrm>
-              <a:off x="5855972" y="1552837"/>
-              <a:ext cx="967740" cy="322537"/>
-            </a:xfrm>
-            <a:prstGeom prst="roundRect">
-              <a:avLst/>
-            </a:prstGeom>
-            <a:solidFill>
-              <a:schemeClr val="accent1">
-                <a:alpha val="50000"/>
-              </a:schemeClr>
-            </a:solidFill>
-            <a:ln>
-              <a:noFill/>
-            </a:ln>
-          </p:spPr>
-          <p:style>
-            <a:lnRef idx="0">
-              <a:scrgbClr r="0" g="0" b="0"/>
-            </a:lnRef>
-            <a:fillRef idx="0">
-              <a:scrgbClr r="0" g="0" b="0"/>
-            </a:fillRef>
-            <a:effectRef idx="0">
-              <a:scrgbClr r="0" g="0" b="0"/>
-            </a:effectRef>
-            <a:fontRef idx="minor">
-              <a:schemeClr val="lt1"/>
-            </a:fontRef>
-          </p:style>
-          <p:txBody>
-            <a:bodyPr rtlCol="0" anchor="ctr"/>
-            <a:lstStyle/>
-            <a:p>
-              <a:pPr algn="ctr"/>
-              <a:r>
-                <a:rPr lang="en-GB" sz="1600" b="1" dirty="0">
-                  <a:solidFill>
-                    <a:srgbClr val="0070C0"/>
-                  </a:solidFill>
-                </a:rPr>
-                <a:t>EURDKK</a:t>
-              </a:r>
-            </a:p>
-          </p:txBody>
-        </p:sp>
-        <p:sp>
-          <p:nvSpPr>
-            <p:cNvPr id="17" name="Rectangle: Rounded Corners 16">
-              <a:extLst>
-                <a:ext uri="{FF2B5EF4-FFF2-40B4-BE49-F238E27FC236}">
-                  <a16:creationId xmlns:a16="http://schemas.microsoft.com/office/drawing/2014/main" id="{18F73C86-FFBF-605A-6A51-CCF7C8646F4D}"/>
-                </a:ext>
-              </a:extLst>
-            </p:cNvPr>
-            <p:cNvSpPr/>
-            <p:nvPr/>
-          </p:nvSpPr>
-          <p:spPr>
-            <a:xfrm>
-              <a:off x="6339842" y="1860396"/>
-              <a:ext cx="967740" cy="322537"/>
-            </a:xfrm>
-            <a:prstGeom prst="roundRect">
-              <a:avLst/>
-            </a:prstGeom>
-            <a:solidFill>
-              <a:schemeClr val="accent1">
-                <a:alpha val="50000"/>
-              </a:schemeClr>
-            </a:solidFill>
-            <a:ln>
-              <a:noFill/>
-            </a:ln>
-          </p:spPr>
-          <p:style>
-            <a:lnRef idx="0">
-              <a:scrgbClr r="0" g="0" b="0"/>
-            </a:lnRef>
-            <a:fillRef idx="0">
-              <a:scrgbClr r="0" g="0" b="0"/>
-            </a:fillRef>
-            <a:effectRef idx="0">
-              <a:scrgbClr r="0" g="0" b="0"/>
-            </a:effectRef>
-            <a:fontRef idx="minor">
-              <a:schemeClr val="lt1"/>
-            </a:fontRef>
-          </p:style>
-          <p:txBody>
-            <a:bodyPr rtlCol="0" anchor="ctr"/>
-            <a:lstStyle/>
-            <a:p>
-              <a:pPr algn="ctr"/>
-              <a:r>
-                <a:rPr lang="en-GB" sz="1600" b="1" dirty="0">
-                  <a:solidFill>
-                    <a:srgbClr val="0070C0"/>
-                  </a:solidFill>
-                </a:rPr>
-                <a:t>EURPLN</a:t>
-              </a:r>
-            </a:p>
-          </p:txBody>
-        </p:sp>
-        <p:sp>
-          <p:nvSpPr>
-            <p:cNvPr id="18" name="Rectangle: Rounded Corners 17">
-              <a:extLst>
-                <a:ext uri="{FF2B5EF4-FFF2-40B4-BE49-F238E27FC236}">
-                  <a16:creationId xmlns:a16="http://schemas.microsoft.com/office/drawing/2014/main" id="{2CB837D6-F267-432A-37EA-EB0FBFF73A5A}"/>
-                </a:ext>
-              </a:extLst>
-            </p:cNvPr>
-            <p:cNvSpPr/>
-            <p:nvPr/>
-          </p:nvSpPr>
-          <p:spPr>
-            <a:xfrm>
-              <a:off x="6345093" y="2148709"/>
-              <a:ext cx="967740" cy="322537"/>
-            </a:xfrm>
-            <a:prstGeom prst="roundRect">
-              <a:avLst/>
-            </a:prstGeom>
-            <a:solidFill>
-              <a:schemeClr val="accent1">
-                <a:alpha val="50000"/>
-              </a:schemeClr>
-            </a:solidFill>
-            <a:ln>
-              <a:noFill/>
-            </a:ln>
-          </p:spPr>
-          <p:style>
-            <a:lnRef idx="0">
-              <a:scrgbClr r="0" g="0" b="0"/>
-            </a:lnRef>
-            <a:fillRef idx="0">
-              <a:scrgbClr r="0" g="0" b="0"/>
-            </a:fillRef>
-            <a:effectRef idx="0">
-              <a:scrgbClr r="0" g="0" b="0"/>
-            </a:effectRef>
-            <a:fontRef idx="minor">
-              <a:schemeClr val="lt1"/>
-            </a:fontRef>
-          </p:style>
-          <p:txBody>
-            <a:bodyPr rtlCol="0" anchor="ctr"/>
-            <a:lstStyle/>
-            <a:p>
-              <a:pPr algn="ctr"/>
-              <a:r>
-                <a:rPr lang="en-GB" sz="1600" b="1" dirty="0">
-                  <a:solidFill>
-                    <a:srgbClr val="0070C0"/>
-                  </a:solidFill>
-                </a:rPr>
-                <a:t>EURHUF</a:t>
-              </a:r>
-            </a:p>
-          </p:txBody>
-        </p:sp>
-        <p:sp>
-          <p:nvSpPr>
-            <p:cNvPr id="19" name="Rectangle: Rounded Corners 18">
-              <a:extLst>
-                <a:ext uri="{FF2B5EF4-FFF2-40B4-BE49-F238E27FC236}">
-                  <a16:creationId xmlns:a16="http://schemas.microsoft.com/office/drawing/2014/main" id="{9B832F09-7E68-7899-67F3-42C633226502}"/>
-                </a:ext>
-              </a:extLst>
-            </p:cNvPr>
-            <p:cNvSpPr/>
-            <p:nvPr/>
-          </p:nvSpPr>
-          <p:spPr>
-            <a:xfrm>
-              <a:off x="6573693" y="2452327"/>
-              <a:ext cx="967740" cy="322537"/>
-            </a:xfrm>
-            <a:prstGeom prst="roundRect">
-              <a:avLst/>
-            </a:prstGeom>
-            <a:solidFill>
-              <a:schemeClr val="accent1">
-                <a:alpha val="50000"/>
-              </a:schemeClr>
-            </a:solidFill>
-            <a:ln>
-              <a:noFill/>
-            </a:ln>
-          </p:spPr>
-          <p:style>
-            <a:lnRef idx="0">
-              <a:scrgbClr r="0" g="0" b="0"/>
-            </a:lnRef>
-            <a:fillRef idx="0">
-              <a:scrgbClr r="0" g="0" b="0"/>
-            </a:fillRef>
-            <a:effectRef idx="0">
-              <a:scrgbClr r="0" g="0" b="0"/>
-            </a:effectRef>
-            <a:fontRef idx="minor">
-              <a:schemeClr val="lt1"/>
-            </a:fontRef>
-          </p:style>
-          <p:txBody>
-            <a:bodyPr rtlCol="0" anchor="ctr"/>
-            <a:lstStyle/>
-            <a:p>
-              <a:pPr algn="ctr"/>
-              <a:r>
-                <a:rPr lang="en-GB" sz="1600" b="1" dirty="0">
-                  <a:solidFill>
-                    <a:srgbClr val="0070C0"/>
-                  </a:solidFill>
-                </a:rPr>
-                <a:t>EURRON</a:t>
-              </a:r>
-            </a:p>
-          </p:txBody>
-        </p:sp>
-      </p:grpSp>
-      <p:grpSp>
-        <p:nvGrpSpPr>
-          <p:cNvPr id="40" name="Group 39">
-            <a:extLst>
-              <a:ext uri="{FF2B5EF4-FFF2-40B4-BE49-F238E27FC236}">
-                <a16:creationId xmlns:a16="http://schemas.microsoft.com/office/drawing/2014/main" id="{9602450D-AE78-BD7D-B32F-3240DD134D5D}"/>
-              </a:ext>
-            </a:extLst>
-          </p:cNvPr>
-          <p:cNvGrpSpPr/>
-          <p:nvPr/>
-        </p:nvGrpSpPr>
-        <p:grpSpPr>
-          <a:xfrm>
-            <a:off x="2971800" y="2427591"/>
-            <a:ext cx="7623810" cy="2535720"/>
-            <a:chOff x="2971800" y="2427591"/>
-            <a:chExt cx="7623810" cy="2535720"/>
-          </a:xfrm>
-        </p:grpSpPr>
-        <p:sp>
-          <p:nvSpPr>
-            <p:cNvPr id="27" name="Rectangle: Rounded Corners 26">
-              <a:extLst>
-                <a:ext uri="{FF2B5EF4-FFF2-40B4-BE49-F238E27FC236}">
-                  <a16:creationId xmlns:a16="http://schemas.microsoft.com/office/drawing/2014/main" id="{592B5169-ABED-8E19-047A-D800D4611D6E}"/>
-                </a:ext>
-              </a:extLst>
-            </p:cNvPr>
-            <p:cNvSpPr/>
-            <p:nvPr/>
-          </p:nvSpPr>
-          <p:spPr>
-            <a:xfrm>
-              <a:off x="9304020" y="4223843"/>
-              <a:ext cx="1021080" cy="322537"/>
-            </a:xfrm>
-            <a:prstGeom prst="roundRect">
-              <a:avLst/>
-            </a:prstGeom>
-            <a:solidFill>
-              <a:schemeClr val="accent2">
-                <a:lumMod val="60000"/>
-                <a:lumOff val="40000"/>
-                <a:alpha val="49804"/>
-              </a:schemeClr>
-            </a:solidFill>
-            <a:ln>
-              <a:noFill/>
-            </a:ln>
-          </p:spPr>
-          <p:style>
-            <a:lnRef idx="0">
-              <a:scrgbClr r="0" g="0" b="0"/>
-            </a:lnRef>
-            <a:fillRef idx="0">
-              <a:scrgbClr r="0" g="0" b="0"/>
-            </a:fillRef>
-            <a:effectRef idx="0">
-              <a:scrgbClr r="0" g="0" b="0"/>
-            </a:effectRef>
-            <a:fontRef idx="minor">
-              <a:schemeClr val="lt1"/>
-            </a:fontRef>
-          </p:style>
-          <p:txBody>
-            <a:bodyPr rtlCol="0" anchor="ctr"/>
-            <a:lstStyle/>
-            <a:p>
-              <a:pPr algn="ctr"/>
-              <a:r>
-                <a:rPr lang="en-GB" sz="1600" b="1" dirty="0">
-                  <a:solidFill>
-                    <a:srgbClr val="FF0000"/>
-                  </a:solidFill>
-                </a:rPr>
-                <a:t>USDIDR</a:t>
-              </a:r>
-            </a:p>
-          </p:txBody>
-        </p:sp>
-        <p:sp>
-          <p:nvSpPr>
-            <p:cNvPr id="32" name="Rectangle: Rounded Corners 31">
-              <a:extLst>
-                <a:ext uri="{FF2B5EF4-FFF2-40B4-BE49-F238E27FC236}">
-                  <a16:creationId xmlns:a16="http://schemas.microsoft.com/office/drawing/2014/main" id="{47664AAC-49E1-49A3-5C95-591F71332394}"/>
-                </a:ext>
-              </a:extLst>
-            </p:cNvPr>
-            <p:cNvSpPr/>
-            <p:nvPr/>
-          </p:nvSpPr>
-          <p:spPr>
-            <a:xfrm>
-              <a:off x="7757160" y="3349862"/>
-              <a:ext cx="1021080" cy="322537"/>
-            </a:xfrm>
-            <a:prstGeom prst="roundRect">
-              <a:avLst/>
-            </a:prstGeom>
-            <a:solidFill>
-              <a:schemeClr val="accent2">
-                <a:lumMod val="60000"/>
-                <a:lumOff val="40000"/>
-                <a:alpha val="49804"/>
-              </a:schemeClr>
-            </a:solidFill>
-            <a:ln>
-              <a:noFill/>
-            </a:ln>
-          </p:spPr>
-          <p:style>
-            <a:lnRef idx="0">
-              <a:scrgbClr r="0" g="0" b="0"/>
-            </a:lnRef>
-            <a:fillRef idx="0">
-              <a:scrgbClr r="0" g="0" b="0"/>
-            </a:fillRef>
-            <a:effectRef idx="0">
-              <a:scrgbClr r="0" g="0" b="0"/>
-            </a:effectRef>
-            <a:fontRef idx="minor">
-              <a:schemeClr val="lt1"/>
-            </a:fontRef>
-          </p:style>
-          <p:txBody>
-            <a:bodyPr rtlCol="0" anchor="ctr"/>
-            <a:lstStyle/>
-            <a:p>
-              <a:pPr algn="ctr"/>
-              <a:r>
-                <a:rPr lang="en-GB" sz="1600" b="1" dirty="0">
-                  <a:solidFill>
-                    <a:srgbClr val="FF0000"/>
-                  </a:solidFill>
-                </a:rPr>
-                <a:t>USDINR</a:t>
-              </a:r>
-            </a:p>
-          </p:txBody>
-        </p:sp>
-        <p:sp>
-          <p:nvSpPr>
-            <p:cNvPr id="33" name="Rectangle: Rounded Corners 32">
-              <a:extLst>
-                <a:ext uri="{FF2B5EF4-FFF2-40B4-BE49-F238E27FC236}">
-                  <a16:creationId xmlns:a16="http://schemas.microsoft.com/office/drawing/2014/main" id="{ACB8E226-78BE-7A5C-8CD5-F8384C3C7020}"/>
-                </a:ext>
-              </a:extLst>
-            </p:cNvPr>
-            <p:cNvSpPr/>
-            <p:nvPr/>
-          </p:nvSpPr>
-          <p:spPr>
-            <a:xfrm>
-              <a:off x="9201150" y="3762219"/>
-              <a:ext cx="1021080" cy="322537"/>
-            </a:xfrm>
-            <a:prstGeom prst="roundRect">
-              <a:avLst/>
-            </a:prstGeom>
-            <a:solidFill>
-              <a:schemeClr val="accent2">
-                <a:lumMod val="60000"/>
-                <a:lumOff val="40000"/>
-                <a:alpha val="49804"/>
-              </a:schemeClr>
-            </a:solidFill>
-            <a:ln>
-              <a:noFill/>
-            </a:ln>
-          </p:spPr>
-          <p:style>
-            <a:lnRef idx="0">
-              <a:scrgbClr r="0" g="0" b="0"/>
-            </a:lnRef>
-            <a:fillRef idx="0">
-              <a:scrgbClr r="0" g="0" b="0"/>
-            </a:fillRef>
-            <a:effectRef idx="0">
-              <a:scrgbClr r="0" g="0" b="0"/>
-            </a:effectRef>
-            <a:fontRef idx="minor">
-              <a:schemeClr val="lt1"/>
-            </a:fontRef>
-          </p:style>
-          <p:txBody>
-            <a:bodyPr rtlCol="0" anchor="ctr"/>
-            <a:lstStyle/>
-            <a:p>
-              <a:pPr algn="ctr"/>
-              <a:r>
-                <a:rPr lang="en-GB" sz="1600" b="1" dirty="0">
-                  <a:solidFill>
-                    <a:srgbClr val="FF0000"/>
-                  </a:solidFill>
-                </a:rPr>
-                <a:t>USDMYR</a:t>
-              </a:r>
-            </a:p>
-          </p:txBody>
-        </p:sp>
-        <p:sp>
-          <p:nvSpPr>
-            <p:cNvPr id="34" name="Rectangle: Rounded Corners 33">
-              <a:extLst>
-                <a:ext uri="{FF2B5EF4-FFF2-40B4-BE49-F238E27FC236}">
-                  <a16:creationId xmlns:a16="http://schemas.microsoft.com/office/drawing/2014/main" id="{21E311BF-AE1A-3C90-8CC2-725836F5BA09}"/>
-                </a:ext>
-              </a:extLst>
-            </p:cNvPr>
-            <p:cNvSpPr/>
-            <p:nvPr/>
-          </p:nvSpPr>
-          <p:spPr>
-            <a:xfrm>
-              <a:off x="9574530" y="2896670"/>
-              <a:ext cx="1021080" cy="322537"/>
-            </a:xfrm>
-            <a:prstGeom prst="roundRect">
-              <a:avLst/>
-            </a:prstGeom>
-            <a:solidFill>
-              <a:schemeClr val="accent2">
-                <a:lumMod val="60000"/>
-                <a:lumOff val="40000"/>
-                <a:alpha val="49804"/>
-              </a:schemeClr>
-            </a:solidFill>
-            <a:ln>
-              <a:noFill/>
-            </a:ln>
-          </p:spPr>
-          <p:style>
-            <a:lnRef idx="0">
-              <a:scrgbClr r="0" g="0" b="0"/>
-            </a:lnRef>
-            <a:fillRef idx="0">
-              <a:scrgbClr r="0" g="0" b="0"/>
-            </a:fillRef>
-            <a:effectRef idx="0">
-              <a:scrgbClr r="0" g="0" b="0"/>
-            </a:effectRef>
-            <a:fontRef idx="minor">
-              <a:schemeClr val="lt1"/>
-            </a:fontRef>
-          </p:style>
-          <p:txBody>
-            <a:bodyPr rtlCol="0" anchor="ctr"/>
-            <a:lstStyle/>
-            <a:p>
-              <a:pPr algn="ctr"/>
-              <a:r>
-                <a:rPr lang="en-GB" sz="1600" b="1" dirty="0">
-                  <a:solidFill>
-                    <a:srgbClr val="FF0000"/>
-                  </a:solidFill>
-                </a:rPr>
-                <a:t>USDTWD</a:t>
-              </a:r>
-            </a:p>
-          </p:txBody>
-        </p:sp>
-        <p:sp>
-          <p:nvSpPr>
-            <p:cNvPr id="35" name="Rectangle: Rounded Corners 34">
-              <a:extLst>
-                <a:ext uri="{FF2B5EF4-FFF2-40B4-BE49-F238E27FC236}">
-                  <a16:creationId xmlns:a16="http://schemas.microsoft.com/office/drawing/2014/main" id="{FAFBD574-04B1-C514-1195-DDA3E3FD4A0E}"/>
-                </a:ext>
-              </a:extLst>
-            </p:cNvPr>
-            <p:cNvSpPr/>
-            <p:nvPr/>
-          </p:nvSpPr>
-          <p:spPr>
-            <a:xfrm>
-              <a:off x="9250680" y="2543379"/>
-              <a:ext cx="1021080" cy="322537"/>
-            </a:xfrm>
-            <a:prstGeom prst="roundRect">
-              <a:avLst/>
-            </a:prstGeom>
-            <a:solidFill>
-              <a:schemeClr val="accent2">
-                <a:lumMod val="60000"/>
-                <a:lumOff val="40000"/>
-                <a:alpha val="49804"/>
-              </a:schemeClr>
-            </a:solidFill>
-            <a:ln>
-              <a:noFill/>
-            </a:ln>
-          </p:spPr>
-          <p:style>
-            <a:lnRef idx="0">
-              <a:scrgbClr r="0" g="0" b="0"/>
-            </a:lnRef>
-            <a:fillRef idx="0">
-              <a:scrgbClr r="0" g="0" b="0"/>
-            </a:fillRef>
-            <a:effectRef idx="0">
-              <a:scrgbClr r="0" g="0" b="0"/>
-            </a:effectRef>
-            <a:fontRef idx="minor">
-              <a:schemeClr val="lt1"/>
-            </a:fontRef>
-          </p:style>
-          <p:txBody>
-            <a:bodyPr rtlCol="0" anchor="ctr"/>
-            <a:lstStyle/>
-            <a:p>
-              <a:pPr algn="ctr"/>
-              <a:r>
-                <a:rPr lang="en-GB" sz="1600" b="1" dirty="0">
-                  <a:solidFill>
-                    <a:srgbClr val="FF0000"/>
-                  </a:solidFill>
-                </a:rPr>
-                <a:t>USDKRW</a:t>
-              </a:r>
-            </a:p>
-          </p:txBody>
-        </p:sp>
-        <p:sp>
-          <p:nvSpPr>
-            <p:cNvPr id="36" name="Rectangle: Rounded Corners 35">
-              <a:extLst>
-                <a:ext uri="{FF2B5EF4-FFF2-40B4-BE49-F238E27FC236}">
-                  <a16:creationId xmlns:a16="http://schemas.microsoft.com/office/drawing/2014/main" id="{C7B191DE-56E2-AD74-0CBB-AA944B656CFB}"/>
-                </a:ext>
-              </a:extLst>
-            </p:cNvPr>
-            <p:cNvSpPr/>
-            <p:nvPr/>
-          </p:nvSpPr>
-          <p:spPr>
-            <a:xfrm>
-              <a:off x="2971800" y="4640774"/>
-              <a:ext cx="1021080" cy="322537"/>
-            </a:xfrm>
-            <a:prstGeom prst="roundRect">
-              <a:avLst/>
-            </a:prstGeom>
-            <a:solidFill>
-              <a:schemeClr val="accent2">
-                <a:lumMod val="60000"/>
-                <a:lumOff val="40000"/>
-                <a:alpha val="49804"/>
-              </a:schemeClr>
-            </a:solidFill>
-            <a:ln>
-              <a:noFill/>
-            </a:ln>
-          </p:spPr>
-          <p:style>
-            <a:lnRef idx="0">
-              <a:scrgbClr r="0" g="0" b="0"/>
-            </a:lnRef>
-            <a:fillRef idx="0">
-              <a:scrgbClr r="0" g="0" b="0"/>
-            </a:fillRef>
-            <a:effectRef idx="0">
-              <a:scrgbClr r="0" g="0" b="0"/>
-            </a:effectRef>
-            <a:fontRef idx="minor">
-              <a:schemeClr val="lt1"/>
-            </a:fontRef>
-          </p:style>
-          <p:txBody>
-            <a:bodyPr rtlCol="0" anchor="ctr"/>
-            <a:lstStyle/>
-            <a:p>
-              <a:pPr algn="ctr"/>
-              <a:r>
-                <a:rPr lang="en-GB" sz="1600" b="1" dirty="0">
-                  <a:solidFill>
-                    <a:srgbClr val="FF0000"/>
-                  </a:solidFill>
-                </a:rPr>
-                <a:t>USDBRL</a:t>
-              </a:r>
-            </a:p>
-          </p:txBody>
-        </p:sp>
-        <p:sp>
-          <p:nvSpPr>
-            <p:cNvPr id="37" name="Rectangle: Rounded Corners 36">
-              <a:extLst>
-                <a:ext uri="{FF2B5EF4-FFF2-40B4-BE49-F238E27FC236}">
-                  <a16:creationId xmlns:a16="http://schemas.microsoft.com/office/drawing/2014/main" id="{8660FA2A-BB59-44DA-FD47-415054579599}"/>
-                </a:ext>
-              </a:extLst>
-            </p:cNvPr>
-            <p:cNvSpPr/>
-            <p:nvPr/>
-          </p:nvSpPr>
-          <p:spPr>
-            <a:xfrm>
-              <a:off x="8092440" y="2427591"/>
-              <a:ext cx="1021080" cy="322537"/>
-            </a:xfrm>
-            <a:prstGeom prst="roundRect">
-              <a:avLst/>
-            </a:prstGeom>
-            <a:solidFill>
-              <a:schemeClr val="accent2">
-                <a:lumMod val="60000"/>
-                <a:lumOff val="40000"/>
-                <a:alpha val="49804"/>
-              </a:schemeClr>
-            </a:solidFill>
-            <a:ln>
-              <a:noFill/>
-            </a:ln>
-          </p:spPr>
-          <p:style>
-            <a:lnRef idx="0">
-              <a:scrgbClr r="0" g="0" b="0"/>
-            </a:lnRef>
-            <a:fillRef idx="0">
-              <a:scrgbClr r="0" g="0" b="0"/>
-            </a:fillRef>
-            <a:effectRef idx="0">
-              <a:scrgbClr r="0" g="0" b="0"/>
-            </a:effectRef>
-            <a:fontRef idx="minor">
-              <a:schemeClr val="lt1"/>
-            </a:fontRef>
-          </p:style>
-          <p:txBody>
-            <a:bodyPr rtlCol="0" anchor="ctr"/>
-            <a:lstStyle/>
-            <a:p>
-              <a:pPr algn="ctr"/>
-              <a:r>
-                <a:rPr lang="en-GB" sz="1600" b="1" dirty="0">
-                  <a:solidFill>
-                    <a:srgbClr val="FF0000"/>
-                  </a:solidFill>
-                </a:rPr>
-                <a:t>USDCNY</a:t>
-              </a:r>
-            </a:p>
-          </p:txBody>
-        </p:sp>
-      </p:grpSp>
-      <p:grpSp>
-        <p:nvGrpSpPr>
-          <p:cNvPr id="39" name="Group 38">
-            <a:extLst>
-              <a:ext uri="{FF2B5EF4-FFF2-40B4-BE49-F238E27FC236}">
-                <a16:creationId xmlns:a16="http://schemas.microsoft.com/office/drawing/2014/main" id="{B2FCB83B-DA22-FE9C-EDC3-673781B25068}"/>
-              </a:ext>
-            </a:extLst>
-          </p:cNvPr>
-          <p:cNvGrpSpPr/>
-          <p:nvPr/>
-        </p:nvGrpSpPr>
-        <p:grpSpPr>
-          <a:xfrm>
-            <a:off x="1497330" y="1325059"/>
-            <a:ext cx="8637270" cy="4648366"/>
-            <a:chOff x="1497330" y="1325059"/>
-            <a:chExt cx="8637270" cy="4648366"/>
-          </a:xfrm>
-        </p:grpSpPr>
-        <p:grpSp>
-          <p:nvGrpSpPr>
-            <p:cNvPr id="31" name="Group 30">
-              <a:extLst>
-                <a:ext uri="{FF2B5EF4-FFF2-40B4-BE49-F238E27FC236}">
-                  <a16:creationId xmlns:a16="http://schemas.microsoft.com/office/drawing/2014/main" id="{3E1C6144-F7F5-1B9A-7988-0643241068B8}"/>
-                </a:ext>
-              </a:extLst>
-            </p:cNvPr>
-            <p:cNvGrpSpPr/>
-            <p:nvPr/>
-          </p:nvGrpSpPr>
-          <p:grpSpPr>
-            <a:xfrm>
-              <a:off x="1497330" y="1325059"/>
-              <a:ext cx="8637270" cy="4648366"/>
-              <a:chOff x="1497330" y="1325059"/>
-              <a:chExt cx="8637270" cy="4648366"/>
-            </a:xfrm>
-          </p:grpSpPr>
-          <p:sp>
-            <p:nvSpPr>
-              <p:cNvPr id="20" name="Rectangle: Rounded Corners 19">
-                <a:extLst>
-                  <a:ext uri="{FF2B5EF4-FFF2-40B4-BE49-F238E27FC236}">
-                    <a16:creationId xmlns:a16="http://schemas.microsoft.com/office/drawing/2014/main" id="{94E1CB5A-8224-8D5A-4606-D3C0E08F5064}"/>
-                  </a:ext>
-                </a:extLst>
-              </p:cNvPr>
-              <p:cNvSpPr/>
-              <p:nvPr/>
-            </p:nvSpPr>
-            <p:spPr>
-              <a:xfrm>
-                <a:off x="9113520" y="3221769"/>
-                <a:ext cx="1021080" cy="322537"/>
-              </a:xfrm>
-              <a:prstGeom prst="roundRect">
-                <a:avLst/>
-              </a:prstGeom>
-              <a:solidFill>
-                <a:srgbClr val="FFCCFF">
-                  <a:alpha val="49804"/>
-                </a:srgbClr>
-              </a:solidFill>
-              <a:ln>
-                <a:noFill/>
-              </a:ln>
-            </p:spPr>
-            <p:style>
-              <a:lnRef idx="0">
-                <a:scrgbClr r="0" g="0" b="0"/>
-              </a:lnRef>
-              <a:fillRef idx="0">
-                <a:scrgbClr r="0" g="0" b="0"/>
-              </a:fillRef>
-              <a:effectRef idx="0">
-                <a:scrgbClr r="0" g="0" b="0"/>
-              </a:effectRef>
-              <a:fontRef idx="minor">
-                <a:schemeClr val="lt1"/>
-              </a:fontRef>
-            </p:style>
-            <p:txBody>
-              <a:bodyPr rtlCol="0" anchor="ctr"/>
-              <a:lstStyle/>
-              <a:p>
-                <a:pPr algn="ctr"/>
-                <a:r>
-                  <a:rPr lang="en-GB" sz="1600" b="1" dirty="0">
-                    <a:solidFill>
-                      <a:srgbClr val="7030A0"/>
-                    </a:solidFill>
-                  </a:rPr>
-                  <a:t>USDHKD</a:t>
-                </a:r>
-              </a:p>
-            </p:txBody>
-          </p:sp>
-          <p:sp>
-            <p:nvSpPr>
-              <p:cNvPr id="22" name="Rectangle: Rounded Corners 21">
-                <a:extLst>
-                  <a:ext uri="{FF2B5EF4-FFF2-40B4-BE49-F238E27FC236}">
-                    <a16:creationId xmlns:a16="http://schemas.microsoft.com/office/drawing/2014/main" id="{C7C221AE-1760-0922-D69A-86DDF4A82A5B}"/>
-                  </a:ext>
-                </a:extLst>
-              </p:cNvPr>
-              <p:cNvSpPr/>
-              <p:nvPr/>
-            </p:nvSpPr>
-            <p:spPr>
-              <a:xfrm>
-                <a:off x="8336280" y="3722806"/>
-                <a:ext cx="1021080" cy="322537"/>
-              </a:xfrm>
-              <a:prstGeom prst="roundRect">
-                <a:avLst/>
-              </a:prstGeom>
-              <a:solidFill>
-                <a:srgbClr val="FFCCFF">
-                  <a:alpha val="49804"/>
-                </a:srgbClr>
-              </a:solidFill>
-              <a:ln>
-                <a:noFill/>
-              </a:ln>
-            </p:spPr>
-            <p:style>
-              <a:lnRef idx="0">
-                <a:scrgbClr r="0" g="0" b="0"/>
-              </a:lnRef>
-              <a:fillRef idx="0">
-                <a:scrgbClr r="0" g="0" b="0"/>
-              </a:fillRef>
-              <a:effectRef idx="0">
-                <a:scrgbClr r="0" g="0" b="0"/>
-              </a:effectRef>
-              <a:fontRef idx="minor">
-                <a:schemeClr val="lt1"/>
-              </a:fontRef>
-            </p:style>
-            <p:txBody>
-              <a:bodyPr rtlCol="0" anchor="ctr"/>
-              <a:lstStyle/>
-              <a:p>
-                <a:pPr algn="ctr"/>
-                <a:r>
-                  <a:rPr lang="en-GB" sz="1600" b="1" dirty="0">
-                    <a:solidFill>
-                      <a:srgbClr val="7030A0"/>
-                    </a:solidFill>
-                  </a:rPr>
-                  <a:t>USDTHB</a:t>
-                </a:r>
-              </a:p>
-            </p:txBody>
-          </p:sp>
-          <p:sp>
-            <p:nvSpPr>
-              <p:cNvPr id="23" name="Rectangle: Rounded Corners 22">
-                <a:extLst>
-                  <a:ext uri="{FF2B5EF4-FFF2-40B4-BE49-F238E27FC236}">
-                    <a16:creationId xmlns:a16="http://schemas.microsoft.com/office/drawing/2014/main" id="{2133634B-9C7F-7229-7DB9-DE85571BB15E}"/>
-                  </a:ext>
-                </a:extLst>
-              </p:cNvPr>
-              <p:cNvSpPr/>
-              <p:nvPr/>
-            </p:nvSpPr>
-            <p:spPr>
-              <a:xfrm>
-                <a:off x="1497330" y="3341806"/>
-                <a:ext cx="1021080" cy="322537"/>
-              </a:xfrm>
-              <a:prstGeom prst="roundRect">
-                <a:avLst/>
-              </a:prstGeom>
-              <a:solidFill>
-                <a:srgbClr val="FFCCFF">
-                  <a:alpha val="49804"/>
-                </a:srgbClr>
-              </a:solidFill>
-              <a:ln>
-                <a:noFill/>
-              </a:ln>
-            </p:spPr>
-            <p:style>
-              <a:lnRef idx="0">
-                <a:scrgbClr r="0" g="0" b="0"/>
-              </a:lnRef>
-              <a:fillRef idx="0">
-                <a:scrgbClr r="0" g="0" b="0"/>
-              </a:fillRef>
-              <a:effectRef idx="0">
-                <a:scrgbClr r="0" g="0" b="0"/>
-              </a:effectRef>
-              <a:fontRef idx="minor">
-                <a:schemeClr val="lt1"/>
-              </a:fontRef>
-            </p:style>
-            <p:txBody>
-              <a:bodyPr rtlCol="0" anchor="ctr"/>
-              <a:lstStyle/>
-              <a:p>
-                <a:pPr algn="ctr"/>
-                <a:r>
-                  <a:rPr lang="en-GB" sz="1600" b="1" dirty="0">
-                    <a:solidFill>
-                      <a:srgbClr val="7030A0"/>
-                    </a:solidFill>
-                  </a:rPr>
-                  <a:t>USDMXN</a:t>
-                </a:r>
-              </a:p>
-            </p:txBody>
-          </p:sp>
-          <p:sp>
-            <p:nvSpPr>
-              <p:cNvPr id="24" name="Rectangle: Rounded Corners 23">
-                <a:extLst>
-                  <a:ext uri="{FF2B5EF4-FFF2-40B4-BE49-F238E27FC236}">
-                    <a16:creationId xmlns:a16="http://schemas.microsoft.com/office/drawing/2014/main" id="{C1E0A580-D5C5-3393-E5ED-3ABC0E839ACB}"/>
-                  </a:ext>
-                </a:extLst>
-              </p:cNvPr>
-              <p:cNvSpPr/>
-              <p:nvPr/>
-            </p:nvSpPr>
-            <p:spPr>
-              <a:xfrm>
-                <a:off x="8500110" y="3987044"/>
-                <a:ext cx="1021080" cy="322537"/>
-              </a:xfrm>
-              <a:prstGeom prst="roundRect">
-                <a:avLst/>
-              </a:prstGeom>
-              <a:solidFill>
-                <a:srgbClr val="FFCCFF">
-                  <a:alpha val="49804"/>
-                </a:srgbClr>
-              </a:solidFill>
-              <a:ln>
-                <a:noFill/>
-              </a:ln>
-            </p:spPr>
-            <p:style>
-              <a:lnRef idx="0">
-                <a:scrgbClr r="0" g="0" b="0"/>
-              </a:lnRef>
-              <a:fillRef idx="0">
-                <a:scrgbClr r="0" g="0" b="0"/>
-              </a:fillRef>
-              <a:effectRef idx="0">
-                <a:scrgbClr r="0" g="0" b="0"/>
-              </a:effectRef>
-              <a:fontRef idx="minor">
-                <a:schemeClr val="lt1"/>
-              </a:fontRef>
-            </p:style>
-            <p:txBody>
-              <a:bodyPr rtlCol="0" anchor="ctr"/>
-              <a:lstStyle/>
-              <a:p>
-                <a:pPr algn="ctr"/>
-                <a:r>
-                  <a:rPr lang="en-GB" sz="1600" b="1" dirty="0">
-                    <a:solidFill>
-                      <a:srgbClr val="7030A0"/>
-                    </a:solidFill>
-                  </a:rPr>
-                  <a:t>USDSGD</a:t>
-                </a:r>
-              </a:p>
-            </p:txBody>
-          </p:sp>
-          <p:sp>
-            <p:nvSpPr>
-              <p:cNvPr id="25" name="Rectangle: Rounded Corners 24">
-                <a:extLst>
-                  <a:ext uri="{FF2B5EF4-FFF2-40B4-BE49-F238E27FC236}">
-                    <a16:creationId xmlns:a16="http://schemas.microsoft.com/office/drawing/2014/main" id="{3554BCDE-72EF-623B-1ACB-22E50224FD74}"/>
-                  </a:ext>
-                </a:extLst>
-              </p:cNvPr>
-              <p:cNvSpPr/>
-              <p:nvPr/>
-            </p:nvSpPr>
-            <p:spPr>
-              <a:xfrm>
-                <a:off x="5778330" y="2699263"/>
-                <a:ext cx="967740" cy="322537"/>
-              </a:xfrm>
-              <a:prstGeom prst="roundRect">
-                <a:avLst/>
-              </a:prstGeom>
-              <a:solidFill>
-                <a:srgbClr val="FFCCFF">
-                  <a:alpha val="49804"/>
-                </a:srgbClr>
-              </a:solidFill>
-              <a:ln>
-                <a:noFill/>
-              </a:ln>
-            </p:spPr>
-            <p:style>
-              <a:lnRef idx="0">
-                <a:scrgbClr r="0" g="0" b="0"/>
-              </a:lnRef>
-              <a:fillRef idx="0">
-                <a:scrgbClr r="0" g="0" b="0"/>
-              </a:fillRef>
-              <a:effectRef idx="0">
-                <a:scrgbClr r="0" g="0" b="0"/>
-              </a:effectRef>
-              <a:fontRef idx="minor">
-                <a:schemeClr val="lt1"/>
-              </a:fontRef>
-            </p:style>
-            <p:txBody>
-              <a:bodyPr rtlCol="0" anchor="ctr"/>
-              <a:lstStyle/>
-              <a:p>
-                <a:pPr algn="ctr"/>
-                <a:r>
-                  <a:rPr lang="en-GB" sz="1600" b="1" dirty="0">
-                    <a:solidFill>
-                      <a:srgbClr val="7030A0"/>
-                    </a:solidFill>
-                  </a:rPr>
-                  <a:t>USDTRY</a:t>
-                </a:r>
-              </a:p>
-            </p:txBody>
-          </p:sp>
-          <p:sp>
-            <p:nvSpPr>
-              <p:cNvPr id="26" name="Rectangle: Rounded Corners 25">
-                <a:extLst>
-                  <a:ext uri="{FF2B5EF4-FFF2-40B4-BE49-F238E27FC236}">
-                    <a16:creationId xmlns:a16="http://schemas.microsoft.com/office/drawing/2014/main" id="{6D891C50-6FDC-B3B7-6FE4-03EA32D7EE62}"/>
-                  </a:ext>
-                </a:extLst>
-              </p:cNvPr>
-              <p:cNvSpPr/>
-              <p:nvPr/>
-            </p:nvSpPr>
-            <p:spPr>
-              <a:xfrm>
-                <a:off x="7840980" y="1325059"/>
-                <a:ext cx="967740" cy="322537"/>
-              </a:xfrm>
-              <a:prstGeom prst="roundRect">
-                <a:avLst/>
-              </a:prstGeom>
-              <a:solidFill>
-                <a:srgbClr val="FFCCFF">
-                  <a:alpha val="49804"/>
-                </a:srgbClr>
-              </a:solidFill>
-              <a:ln>
-                <a:noFill/>
-              </a:ln>
-            </p:spPr>
-            <p:style>
-              <a:lnRef idx="0">
-                <a:scrgbClr r="0" g="0" b="0"/>
-              </a:lnRef>
-              <a:fillRef idx="0">
-                <a:scrgbClr r="0" g="0" b="0"/>
-              </a:fillRef>
-              <a:effectRef idx="0">
-                <a:scrgbClr r="0" g="0" b="0"/>
-              </a:effectRef>
-              <a:fontRef idx="minor">
-                <a:schemeClr val="lt1"/>
-              </a:fontRef>
-            </p:style>
-            <p:txBody>
-              <a:bodyPr rtlCol="0" anchor="ctr"/>
-              <a:lstStyle/>
-              <a:p>
-                <a:pPr algn="ctr"/>
-                <a:r>
-                  <a:rPr lang="en-GB" sz="1600" b="1" dirty="0">
-                    <a:solidFill>
-                      <a:srgbClr val="7030A0"/>
-                    </a:solidFill>
-                  </a:rPr>
-                  <a:t>USDRUB</a:t>
-                </a:r>
-              </a:p>
-            </p:txBody>
-          </p:sp>
-          <p:sp>
-            <p:nvSpPr>
-              <p:cNvPr id="30" name="Rectangle: Rounded Corners 29">
-                <a:extLst>
-                  <a:ext uri="{FF2B5EF4-FFF2-40B4-BE49-F238E27FC236}">
-                    <a16:creationId xmlns:a16="http://schemas.microsoft.com/office/drawing/2014/main" id="{13BFAC81-81F3-68A4-79DF-59797812EA5A}"/>
-                  </a:ext>
-                </a:extLst>
-              </p:cNvPr>
-              <p:cNvSpPr/>
-              <p:nvPr/>
-            </p:nvSpPr>
-            <p:spPr>
-              <a:xfrm>
-                <a:off x="5722620" y="5650888"/>
-                <a:ext cx="1021080" cy="322537"/>
-              </a:xfrm>
-              <a:prstGeom prst="roundRect">
-                <a:avLst/>
-              </a:prstGeom>
-              <a:solidFill>
-                <a:srgbClr val="FFCCFF">
-                  <a:alpha val="49804"/>
-                </a:srgbClr>
-              </a:solidFill>
-              <a:ln>
-                <a:noFill/>
-              </a:ln>
-            </p:spPr>
-            <p:style>
-              <a:lnRef idx="0">
-                <a:scrgbClr r="0" g="0" b="0"/>
-              </a:lnRef>
-              <a:fillRef idx="0">
-                <a:scrgbClr r="0" g="0" b="0"/>
-              </a:fillRef>
-              <a:effectRef idx="0">
-                <a:scrgbClr r="0" g="0" b="0"/>
-              </a:effectRef>
-              <a:fontRef idx="minor">
-                <a:schemeClr val="lt1"/>
-              </a:fontRef>
-            </p:style>
-            <p:txBody>
-              <a:bodyPr rtlCol="0" anchor="ctr"/>
-              <a:lstStyle/>
-              <a:p>
-                <a:pPr algn="ctr"/>
-                <a:r>
-                  <a:rPr lang="en-GB" sz="1600" b="1" dirty="0">
-                    <a:solidFill>
-                      <a:srgbClr val="7030A0"/>
-                    </a:solidFill>
-                  </a:rPr>
-                  <a:t>USDZAR</a:t>
-                </a:r>
-              </a:p>
-            </p:txBody>
-          </p:sp>
-        </p:grpSp>
-        <p:sp>
-          <p:nvSpPr>
-            <p:cNvPr id="38" name="Rectangle: Rounded Corners 37">
-              <a:extLst>
-                <a:ext uri="{FF2B5EF4-FFF2-40B4-BE49-F238E27FC236}">
-                  <a16:creationId xmlns:a16="http://schemas.microsoft.com/office/drawing/2014/main" id="{DA1191CF-FFF4-C79C-6EE0-A71FB09EAD7D}"/>
-                </a:ext>
-              </a:extLst>
-            </p:cNvPr>
-            <p:cNvSpPr/>
-            <p:nvPr/>
-          </p:nvSpPr>
-          <p:spPr>
-            <a:xfrm>
-              <a:off x="8447955" y="2956877"/>
-              <a:ext cx="1021080" cy="322537"/>
-            </a:xfrm>
-            <a:prstGeom prst="roundRect">
-              <a:avLst/>
-            </a:prstGeom>
-            <a:solidFill>
-              <a:srgbClr val="FFCCFF">
-                <a:alpha val="49804"/>
-              </a:srgbClr>
-            </a:solidFill>
-            <a:ln>
-              <a:noFill/>
-            </a:ln>
-          </p:spPr>
-          <p:style>
-            <a:lnRef idx="0">
-              <a:scrgbClr r="0" g="0" b="0"/>
-            </a:lnRef>
-            <a:fillRef idx="0">
-              <a:scrgbClr r="0" g="0" b="0"/>
-            </a:fillRef>
-            <a:effectRef idx="0">
-              <a:scrgbClr r="0" g="0" b="0"/>
-            </a:effectRef>
-            <a:fontRef idx="minor">
-              <a:schemeClr val="lt1"/>
-            </a:fontRef>
-          </p:style>
-          <p:txBody>
-            <a:bodyPr rtlCol="0" anchor="ctr"/>
-            <a:lstStyle/>
-            <a:p>
-              <a:pPr algn="ctr"/>
-              <a:r>
-                <a:rPr lang="en-GB" sz="1600" b="1" dirty="0">
-                  <a:solidFill>
-                    <a:srgbClr val="7030A0"/>
-                  </a:solidFill>
-                </a:rPr>
-                <a:t>USDCNH</a:t>
-              </a:r>
-            </a:p>
-          </p:txBody>
-        </p:sp>
-      </p:grpSp>
-      <p:grpSp>
-        <p:nvGrpSpPr>
-          <p:cNvPr id="45" name="Group 44">
-            <a:extLst>
-              <a:ext uri="{FF2B5EF4-FFF2-40B4-BE49-F238E27FC236}">
-                <a16:creationId xmlns:a16="http://schemas.microsoft.com/office/drawing/2014/main" id="{086372DF-5958-4294-70A4-2765A05E8E7D}"/>
-              </a:ext>
-            </a:extLst>
-          </p:cNvPr>
-          <p:cNvGrpSpPr/>
-          <p:nvPr/>
-        </p:nvGrpSpPr>
-        <p:grpSpPr>
-          <a:xfrm>
-            <a:off x="3608073" y="2504197"/>
-            <a:ext cx="1021080" cy="1337054"/>
-            <a:chOff x="3482340" y="2665409"/>
-            <a:chExt cx="1021080" cy="1337054"/>
-          </a:xfrm>
-        </p:grpSpPr>
-        <p:sp>
-          <p:nvSpPr>
-            <p:cNvPr id="41" name="Rectangle: Rounded Corners 40">
-              <a:extLst>
-                <a:ext uri="{FF2B5EF4-FFF2-40B4-BE49-F238E27FC236}">
-                  <a16:creationId xmlns:a16="http://schemas.microsoft.com/office/drawing/2014/main" id="{228170C6-3974-BAD3-0EC8-1B2E283871BC}"/>
-                </a:ext>
-              </a:extLst>
-            </p:cNvPr>
-            <p:cNvSpPr/>
-            <p:nvPr/>
-          </p:nvSpPr>
-          <p:spPr>
-            <a:xfrm>
-              <a:off x="3482340" y="2665409"/>
-              <a:ext cx="1021080" cy="322537"/>
-            </a:xfrm>
-            <a:prstGeom prst="roundRect">
-              <a:avLst/>
-            </a:prstGeom>
-            <a:solidFill>
-              <a:schemeClr val="tx1">
-                <a:lumMod val="75000"/>
-                <a:lumOff val="25000"/>
-                <a:alpha val="49804"/>
-              </a:schemeClr>
-            </a:solidFill>
-            <a:ln>
-              <a:noFill/>
-            </a:ln>
-          </p:spPr>
-          <p:style>
-            <a:lnRef idx="0">
-              <a:scrgbClr r="0" g="0" b="0"/>
-            </a:lnRef>
-            <a:fillRef idx="0">
-              <a:scrgbClr r="0" g="0" b="0"/>
-            </a:fillRef>
-            <a:effectRef idx="0">
-              <a:scrgbClr r="0" g="0" b="0"/>
-            </a:effectRef>
-            <a:fontRef idx="minor">
-              <a:schemeClr val="lt1"/>
-            </a:fontRef>
-          </p:style>
-          <p:txBody>
-            <a:bodyPr rtlCol="0" anchor="ctr"/>
-            <a:lstStyle/>
-            <a:p>
-              <a:pPr algn="ctr"/>
-              <a:r>
-                <a:rPr lang="en-GB" sz="1600" b="1" dirty="0">
-                  <a:solidFill>
-                    <a:schemeClr val="bg1"/>
-                  </a:solidFill>
-                </a:rPr>
-                <a:t>XAGUSD</a:t>
-              </a:r>
-            </a:p>
-          </p:txBody>
-        </p:sp>
-        <p:sp>
-          <p:nvSpPr>
-            <p:cNvPr id="42" name="Rectangle: Rounded Corners 41">
-              <a:extLst>
-                <a:ext uri="{FF2B5EF4-FFF2-40B4-BE49-F238E27FC236}">
-                  <a16:creationId xmlns:a16="http://schemas.microsoft.com/office/drawing/2014/main" id="{4844D72A-0ACF-8BC6-CCC0-142F3C67C1AC}"/>
-                </a:ext>
-              </a:extLst>
-            </p:cNvPr>
-            <p:cNvSpPr/>
-            <p:nvPr/>
-          </p:nvSpPr>
-          <p:spPr>
-            <a:xfrm>
-              <a:off x="3482340" y="3003686"/>
-              <a:ext cx="1021080" cy="322537"/>
-            </a:xfrm>
-            <a:prstGeom prst="roundRect">
-              <a:avLst/>
-            </a:prstGeom>
-            <a:solidFill>
-              <a:schemeClr val="tx1">
-                <a:lumMod val="75000"/>
-                <a:lumOff val="25000"/>
-                <a:alpha val="49804"/>
-              </a:schemeClr>
-            </a:solidFill>
-            <a:ln>
-              <a:noFill/>
-            </a:ln>
-          </p:spPr>
-          <p:style>
-            <a:lnRef idx="0">
-              <a:scrgbClr r="0" g="0" b="0"/>
-            </a:lnRef>
-            <a:fillRef idx="0">
-              <a:scrgbClr r="0" g="0" b="0"/>
-            </a:fillRef>
-            <a:effectRef idx="0">
-              <a:scrgbClr r="0" g="0" b="0"/>
-            </a:effectRef>
-            <a:fontRef idx="minor">
-              <a:schemeClr val="lt1"/>
-            </a:fontRef>
-          </p:style>
-          <p:txBody>
-            <a:bodyPr rtlCol="0" anchor="ctr"/>
-            <a:lstStyle/>
-            <a:p>
-              <a:pPr algn="ctr"/>
-              <a:r>
-                <a:rPr lang="en-GB" sz="1600" b="1" dirty="0">
-                  <a:solidFill>
-                    <a:schemeClr val="bg1"/>
-                  </a:solidFill>
-                </a:rPr>
-                <a:t>XAUUSD</a:t>
-              </a:r>
-            </a:p>
-          </p:txBody>
-        </p:sp>
-        <p:sp>
-          <p:nvSpPr>
-            <p:cNvPr id="43" name="Rectangle: Rounded Corners 42">
-              <a:extLst>
-                <a:ext uri="{FF2B5EF4-FFF2-40B4-BE49-F238E27FC236}">
-                  <a16:creationId xmlns:a16="http://schemas.microsoft.com/office/drawing/2014/main" id="{B5EA3DB4-DCF2-BCB2-BBAE-79D4F35D7F0E}"/>
-                </a:ext>
-              </a:extLst>
-            </p:cNvPr>
-            <p:cNvSpPr/>
-            <p:nvPr/>
-          </p:nvSpPr>
-          <p:spPr>
-            <a:xfrm>
-              <a:off x="3482340" y="3341806"/>
-              <a:ext cx="1021080" cy="322537"/>
-            </a:xfrm>
-            <a:prstGeom prst="roundRect">
-              <a:avLst/>
-            </a:prstGeom>
-            <a:solidFill>
-              <a:schemeClr val="tx1">
-                <a:lumMod val="75000"/>
-                <a:lumOff val="25000"/>
-                <a:alpha val="49804"/>
-              </a:schemeClr>
-            </a:solidFill>
-            <a:ln>
-              <a:noFill/>
-            </a:ln>
-          </p:spPr>
-          <p:style>
-            <a:lnRef idx="0">
-              <a:scrgbClr r="0" g="0" b="0"/>
-            </a:lnRef>
-            <a:fillRef idx="0">
-              <a:scrgbClr r="0" g="0" b="0"/>
-            </a:fillRef>
-            <a:effectRef idx="0">
-              <a:scrgbClr r="0" g="0" b="0"/>
-            </a:effectRef>
-            <a:fontRef idx="minor">
-              <a:schemeClr val="lt1"/>
-            </a:fontRef>
-          </p:style>
-          <p:txBody>
-            <a:bodyPr rtlCol="0" anchor="ctr"/>
-            <a:lstStyle/>
-            <a:p>
-              <a:pPr algn="ctr"/>
-              <a:r>
-                <a:rPr lang="en-GB" sz="1600" b="1" dirty="0">
-                  <a:solidFill>
-                    <a:schemeClr val="bg1"/>
-                  </a:solidFill>
-                </a:rPr>
-                <a:t>XPDUSD</a:t>
-              </a:r>
-            </a:p>
-          </p:txBody>
-        </p:sp>
-        <p:sp>
-          <p:nvSpPr>
-            <p:cNvPr id="44" name="Rectangle: Rounded Corners 43">
-              <a:extLst>
-                <a:ext uri="{FF2B5EF4-FFF2-40B4-BE49-F238E27FC236}">
-                  <a16:creationId xmlns:a16="http://schemas.microsoft.com/office/drawing/2014/main" id="{9AD92680-C8E2-EE84-B6D2-3688120CEF94}"/>
-                </a:ext>
-              </a:extLst>
-            </p:cNvPr>
-            <p:cNvSpPr/>
-            <p:nvPr/>
-          </p:nvSpPr>
-          <p:spPr>
-            <a:xfrm>
-              <a:off x="3482340" y="3679926"/>
-              <a:ext cx="1021080" cy="322537"/>
-            </a:xfrm>
-            <a:prstGeom prst="roundRect">
-              <a:avLst/>
-            </a:prstGeom>
-            <a:solidFill>
-              <a:schemeClr val="tx1">
-                <a:lumMod val="75000"/>
-                <a:lumOff val="25000"/>
-                <a:alpha val="49804"/>
-              </a:schemeClr>
-            </a:solidFill>
-            <a:ln>
-              <a:noFill/>
-            </a:ln>
-          </p:spPr>
-          <p:style>
-            <a:lnRef idx="0">
-              <a:scrgbClr r="0" g="0" b="0"/>
-            </a:lnRef>
-            <a:fillRef idx="0">
-              <a:scrgbClr r="0" g="0" b="0"/>
-            </a:fillRef>
-            <a:effectRef idx="0">
-              <a:scrgbClr r="0" g="0" b="0"/>
-            </a:effectRef>
-            <a:fontRef idx="minor">
-              <a:schemeClr val="lt1"/>
-            </a:fontRef>
-          </p:style>
-          <p:txBody>
-            <a:bodyPr rtlCol="0" anchor="ctr"/>
-            <a:lstStyle/>
-            <a:p>
-              <a:pPr algn="ctr"/>
-              <a:r>
-                <a:rPr lang="en-GB" sz="1600" b="1" dirty="0">
-                  <a:solidFill>
-                    <a:schemeClr val="bg1"/>
-                  </a:solidFill>
-                </a:rPr>
-                <a:t>XPTUSD</a:t>
-              </a:r>
-            </a:p>
-          </p:txBody>
-        </p:sp>
-      </p:grpSp>
-      <p:grpSp>
-        <p:nvGrpSpPr>
-          <p:cNvPr id="28" name="Group 27">
-            <a:extLst>
-              <a:ext uri="{FF2B5EF4-FFF2-40B4-BE49-F238E27FC236}">
-                <a16:creationId xmlns:a16="http://schemas.microsoft.com/office/drawing/2014/main" id="{D577683C-3AD4-47B7-80E7-DD2166F49099}"/>
-              </a:ext>
-            </a:extLst>
-          </p:cNvPr>
-          <p:cNvGrpSpPr/>
-          <p:nvPr/>
-        </p:nvGrpSpPr>
-        <p:grpSpPr>
-          <a:xfrm>
-            <a:off x="3634743" y="1659648"/>
-            <a:ext cx="8015975" cy="2203424"/>
-            <a:chOff x="3634743" y="1659648"/>
-            <a:chExt cx="8015975" cy="2203424"/>
-          </a:xfrm>
-        </p:grpSpPr>
-        <p:sp>
-          <p:nvSpPr>
-            <p:cNvPr id="3" name="Rectangle: Rounded Corners 2">
-              <a:extLst>
-                <a:ext uri="{FF2B5EF4-FFF2-40B4-BE49-F238E27FC236}">
-                  <a16:creationId xmlns:a16="http://schemas.microsoft.com/office/drawing/2014/main" id="{C2C81ECD-105C-2363-EE02-B62EC4EA7E52}"/>
-                </a:ext>
-              </a:extLst>
-            </p:cNvPr>
-            <p:cNvSpPr/>
-            <p:nvPr/>
-          </p:nvSpPr>
-          <p:spPr>
-            <a:xfrm>
-              <a:off x="3634743" y="1659648"/>
-              <a:ext cx="967740" cy="322537"/>
-            </a:xfrm>
-            <a:prstGeom prst="roundRect">
-              <a:avLst/>
-            </a:prstGeom>
-            <a:solidFill>
-              <a:srgbClr val="00B050">
-                <a:alpha val="50000"/>
-              </a:srgbClr>
-            </a:solidFill>
-            <a:ln>
-              <a:noFill/>
-            </a:ln>
-          </p:spPr>
-          <p:style>
-            <a:lnRef idx="0">
-              <a:scrgbClr r="0" g="0" b="0"/>
-            </a:lnRef>
-            <a:fillRef idx="0">
-              <a:scrgbClr r="0" g="0" b="0"/>
-            </a:fillRef>
-            <a:effectRef idx="0">
-              <a:scrgbClr r="0" g="0" b="0"/>
-            </a:effectRef>
-            <a:fontRef idx="minor">
-              <a:schemeClr val="lt1"/>
-            </a:fontRef>
-          </p:style>
-          <p:txBody>
-            <a:bodyPr rtlCol="0" anchor="ctr"/>
-            <a:lstStyle/>
-            <a:p>
-              <a:pPr algn="ctr"/>
-              <a:r>
-                <a:rPr lang="en-GB" sz="1600" b="1" dirty="0">
-                  <a:solidFill>
-                    <a:srgbClr val="00B050"/>
-                  </a:solidFill>
-                </a:rPr>
-                <a:t>USDCHF</a:t>
-              </a:r>
-            </a:p>
-          </p:txBody>
-        </p:sp>
-        <p:sp>
-          <p:nvSpPr>
-            <p:cNvPr id="4" name="Rectangle: Rounded Corners 3">
-              <a:extLst>
-                <a:ext uri="{FF2B5EF4-FFF2-40B4-BE49-F238E27FC236}">
-                  <a16:creationId xmlns:a16="http://schemas.microsoft.com/office/drawing/2014/main" id="{6399141E-5D8F-4EA0-231A-D4083E239651}"/>
-                </a:ext>
-              </a:extLst>
-            </p:cNvPr>
-            <p:cNvSpPr/>
-            <p:nvPr/>
-          </p:nvSpPr>
-          <p:spPr>
-            <a:xfrm>
-              <a:off x="10679430" y="3165011"/>
-              <a:ext cx="967740" cy="322537"/>
-            </a:xfrm>
-            <a:prstGeom prst="roundRect">
-              <a:avLst/>
-            </a:prstGeom>
-            <a:solidFill>
-              <a:srgbClr val="00B050">
-                <a:alpha val="50000"/>
-              </a:srgbClr>
-            </a:solidFill>
-            <a:ln>
-              <a:noFill/>
-            </a:ln>
-          </p:spPr>
-          <p:style>
-            <a:lnRef idx="0">
-              <a:scrgbClr r="0" g="0" b="0"/>
-            </a:lnRef>
-            <a:fillRef idx="0">
-              <a:scrgbClr r="0" g="0" b="0"/>
-            </a:fillRef>
-            <a:effectRef idx="0">
-              <a:scrgbClr r="0" g="0" b="0"/>
-            </a:effectRef>
-            <a:fontRef idx="minor">
-              <a:schemeClr val="lt1"/>
-            </a:fontRef>
-          </p:style>
-          <p:txBody>
-            <a:bodyPr rtlCol="0" anchor="ctr"/>
-            <a:lstStyle/>
-            <a:p>
-              <a:pPr algn="ctr"/>
-              <a:r>
-                <a:rPr lang="en-GB" sz="1600" b="1" dirty="0">
-                  <a:solidFill>
-                    <a:srgbClr val="00B050"/>
-                  </a:solidFill>
-                </a:rPr>
-                <a:t>AUDJPY</a:t>
-              </a:r>
-            </a:p>
-          </p:txBody>
-        </p:sp>
-        <p:sp>
-          <p:nvSpPr>
-            <p:cNvPr id="5" name="Rectangle: Rounded Corners 4">
-              <a:extLst>
-                <a:ext uri="{FF2B5EF4-FFF2-40B4-BE49-F238E27FC236}">
-                  <a16:creationId xmlns:a16="http://schemas.microsoft.com/office/drawing/2014/main" id="{E765BC29-DA64-BB5C-C363-B21B57A6A2A7}"/>
-                </a:ext>
-              </a:extLst>
-            </p:cNvPr>
-            <p:cNvSpPr/>
-            <p:nvPr/>
-          </p:nvSpPr>
-          <p:spPr>
-            <a:xfrm>
-              <a:off x="10682978" y="3540535"/>
-              <a:ext cx="967740" cy="322537"/>
-            </a:xfrm>
-            <a:prstGeom prst="roundRect">
-              <a:avLst/>
-            </a:prstGeom>
-            <a:solidFill>
-              <a:srgbClr val="00B050">
-                <a:alpha val="50000"/>
-              </a:srgbClr>
-            </a:solidFill>
-            <a:ln>
-              <a:noFill/>
-            </a:ln>
-          </p:spPr>
-          <p:style>
-            <a:lnRef idx="0">
-              <a:scrgbClr r="0" g="0" b="0"/>
-            </a:lnRef>
-            <a:fillRef idx="0">
-              <a:scrgbClr r="0" g="0" b="0"/>
-            </a:fillRef>
-            <a:effectRef idx="0">
-              <a:scrgbClr r="0" g="0" b="0"/>
-            </a:effectRef>
-            <a:fontRef idx="minor">
-              <a:schemeClr val="lt1"/>
-            </a:fontRef>
-          </p:style>
-          <p:txBody>
-            <a:bodyPr rtlCol="0" anchor="ctr"/>
-            <a:lstStyle/>
-            <a:p>
-              <a:pPr algn="ctr"/>
-              <a:r>
-                <a:rPr lang="en-GB" sz="1600" b="1" dirty="0">
-                  <a:solidFill>
-                    <a:srgbClr val="00B050"/>
-                  </a:solidFill>
-                </a:rPr>
-                <a:t>NZDJPY</a:t>
-              </a:r>
-            </a:p>
-          </p:txBody>
-        </p:sp>
-      </p:grpSp>
-    </p:spTree>
-    <p:extLst>
-      <p:ext uri="{BB962C8B-B14F-4D97-AF65-F5344CB8AC3E}">
-        <p14:creationId xmlns:p14="http://schemas.microsoft.com/office/powerpoint/2010/main" val="2910450133"/>
-      </p:ext>
-    </p:extLst>
-  </p:cSld>
-  <p:clrMapOvr>
-    <a:masterClrMapping/>
-  </p:clrMapOvr>
-  <p:timing>
-    <p:tnLst>
-      <p:par>
-        <p:cTn id="1" dur="indefinite" restart="never" nodeType="tmRoot">
-          <p:childTnLst>
-            <p:seq concurrent="1" nextAc="seek">
-              <p:cTn id="2" dur="indefinite" nodeType="mainSeq">
-                <p:childTnLst>
-                  <p:par>
-                    <p:cTn id="3" fill="hold">
-                      <p:stCondLst>
-                        <p:cond delay="indefinite"/>
-                      </p:stCondLst>
-                      <p:childTnLst>
-                        <p:par>
-                          <p:cTn id="4" fill="hold">
-                            <p:stCondLst>
-                              <p:cond delay="0"/>
-                            </p:stCondLst>
-                            <p:childTnLst>
-                              <p:par>
-                                <p:cTn id="5" presetID="1" presetClass="entr" presetSubtype="0" fill="hold" nodeType="clickEffect">
-                                  <p:stCondLst>
-                                    <p:cond delay="0"/>
-                                  </p:stCondLst>
-                                  <p:childTnLst>
-                                    <p:set>
-                                      <p:cBhvr>
-                                        <p:cTn id="6" dur="1" fill="hold">
-                                          <p:stCondLst>
-                                            <p:cond delay="0"/>
-                                          </p:stCondLst>
-                                        </p:cTn>
-                                        <p:tgtEl>
-                                          <p:spTgt spid="13"/>
-                                        </p:tgtEl>
-                                        <p:attrNameLst>
-                                          <p:attrName>style.visibility</p:attrName>
-                                        </p:attrNameLst>
-                                      </p:cBhvr>
-                                      <p:to>
-                                        <p:strVal val="visible"/>
-                                      </p:to>
-                                    </p:set>
-                                  </p:childTnLst>
-                                </p:cTn>
-                              </p:par>
-                            </p:childTnLst>
-                          </p:cTn>
-                        </p:par>
-                      </p:childTnLst>
-                    </p:cTn>
-                  </p:par>
-                  <p:par>
-                    <p:cTn id="7" fill="hold">
-                      <p:stCondLst>
-                        <p:cond delay="indefinite"/>
-                      </p:stCondLst>
-                      <p:childTnLst>
-                        <p:par>
-                          <p:cTn id="8" fill="hold">
-                            <p:stCondLst>
-                              <p:cond delay="0"/>
-                            </p:stCondLst>
-                            <p:childTnLst>
-                              <p:par>
-                                <p:cTn id="9" presetID="1" presetClass="entr" presetSubtype="0" fill="hold" nodeType="clickEffect">
-                                  <p:stCondLst>
-                                    <p:cond delay="0"/>
-                                  </p:stCondLst>
-                                  <p:childTnLst>
-                                    <p:set>
-                                      <p:cBhvr>
-                                        <p:cTn id="10" dur="1" fill="hold">
-                                          <p:stCondLst>
-                                            <p:cond delay="0"/>
-                                          </p:stCondLst>
-                                        </p:cTn>
-                                        <p:tgtEl>
-                                          <p:spTgt spid="21"/>
-                                        </p:tgtEl>
-                                        <p:attrNameLst>
-                                          <p:attrName>style.visibility</p:attrName>
-                                        </p:attrNameLst>
-                                      </p:cBhvr>
-                                      <p:to>
-                                        <p:strVal val="visible"/>
-                                      </p:to>
-                                    </p:set>
-                                  </p:childTnLst>
-                                </p:cTn>
-                              </p:par>
-                            </p:childTnLst>
-                          </p:cTn>
-                        </p:par>
-                      </p:childTnLst>
-                    </p:cTn>
-                  </p:par>
-                  <p:par>
-                    <p:cTn id="11" fill="hold">
-                      <p:stCondLst>
-                        <p:cond delay="indefinite"/>
-                      </p:stCondLst>
-                      <p:childTnLst>
-                        <p:par>
-                          <p:cTn id="12" fill="hold">
-                            <p:stCondLst>
-                              <p:cond delay="0"/>
-                            </p:stCondLst>
-                            <p:childTnLst>
-                              <p:par>
-                                <p:cTn id="13" presetID="1" presetClass="entr" presetSubtype="0" fill="hold" nodeType="clickEffect">
-                                  <p:stCondLst>
-                                    <p:cond delay="0"/>
-                                  </p:stCondLst>
-                                  <p:childTnLst>
-                                    <p:set>
-                                      <p:cBhvr>
-                                        <p:cTn id="14" dur="1" fill="hold">
-                                          <p:stCondLst>
-                                            <p:cond delay="0"/>
-                                          </p:stCondLst>
-                                        </p:cTn>
-                                        <p:tgtEl>
-                                          <p:spTgt spid="39"/>
-                                        </p:tgtEl>
-                                        <p:attrNameLst>
-                                          <p:attrName>style.visibility</p:attrName>
-                                        </p:attrNameLst>
-                                      </p:cBhvr>
-                                      <p:to>
-                                        <p:strVal val="visible"/>
-                                      </p:to>
-                                    </p:set>
-                                  </p:childTnLst>
-                                </p:cTn>
-                              </p:par>
-                            </p:childTnLst>
-                          </p:cTn>
-                        </p:par>
-                      </p:childTnLst>
-                    </p:cTn>
-                  </p:par>
-                  <p:par>
-                    <p:cTn id="15" fill="hold">
-                      <p:stCondLst>
-                        <p:cond delay="indefinite"/>
-                      </p:stCondLst>
-                      <p:childTnLst>
-                        <p:par>
-                          <p:cTn id="16" fill="hold">
-                            <p:stCondLst>
-                              <p:cond delay="0"/>
-                            </p:stCondLst>
-                            <p:childTnLst>
-                              <p:par>
-                                <p:cTn id="17" presetID="1" presetClass="entr" presetSubtype="0" fill="hold" nodeType="clickEffect">
-                                  <p:stCondLst>
-                                    <p:cond delay="0"/>
-                                  </p:stCondLst>
-                                  <p:childTnLst>
-                                    <p:set>
-                                      <p:cBhvr>
-                                        <p:cTn id="18" dur="1" fill="hold">
-                                          <p:stCondLst>
-                                            <p:cond delay="0"/>
-                                          </p:stCondLst>
-                                        </p:cTn>
-                                        <p:tgtEl>
-                                          <p:spTgt spid="40"/>
-                                        </p:tgtEl>
-                                        <p:attrNameLst>
-                                          <p:attrName>style.visibility</p:attrName>
-                                        </p:attrNameLst>
-                                      </p:cBhvr>
-                                      <p:to>
-                                        <p:strVal val="visible"/>
-                                      </p:to>
-                                    </p:set>
-                                  </p:childTnLst>
-                                </p:cTn>
-                              </p:par>
-                            </p:childTnLst>
-                          </p:cTn>
-                        </p:par>
-                      </p:childTnLst>
-                    </p:cTn>
-                  </p:par>
-                  <p:par>
-                    <p:cTn id="19" fill="hold">
-                      <p:stCondLst>
-                        <p:cond delay="indefinite"/>
-                      </p:stCondLst>
-                      <p:childTnLst>
-                        <p:par>
-                          <p:cTn id="20" fill="hold">
-                            <p:stCondLst>
-                              <p:cond delay="0"/>
-                            </p:stCondLst>
-                            <p:childTnLst>
-                              <p:par>
-                                <p:cTn id="21" presetID="1" presetClass="entr" presetSubtype="0" fill="hold" nodeType="clickEffect">
-                                  <p:stCondLst>
-                                    <p:cond delay="0"/>
-                                  </p:stCondLst>
-                                  <p:childTnLst>
-                                    <p:set>
-                                      <p:cBhvr>
-                                        <p:cTn id="22" dur="1" fill="hold">
-                                          <p:stCondLst>
-                                            <p:cond delay="0"/>
-                                          </p:stCondLst>
-                                        </p:cTn>
-                                        <p:tgtEl>
-                                          <p:spTgt spid="45"/>
-                                        </p:tgtEl>
-                                        <p:attrNameLst>
-                                          <p:attrName>style.visibility</p:attrName>
-                                        </p:attrNameLst>
-                                      </p:cBhvr>
-                                      <p:to>
-                                        <p:strVal val="visible"/>
-                                      </p:to>
-                                    </p:set>
-                                  </p:childTnLst>
-                                </p:cTn>
-                              </p:par>
-                            </p:childTnLst>
-                          </p:cTn>
-                        </p:par>
-                      </p:childTnLst>
-                    </p:cTn>
-                  </p:par>
-                  <p:par>
-                    <p:cTn id="23" fill="hold">
-                      <p:stCondLst>
-                        <p:cond delay="indefinite"/>
-                      </p:stCondLst>
-                      <p:childTnLst>
-                        <p:par>
-                          <p:cTn id="24" fill="hold">
-                            <p:stCondLst>
-                              <p:cond delay="0"/>
-                            </p:stCondLst>
-                            <p:childTnLst>
-                              <p:par>
-                                <p:cTn id="25" presetID="1" presetClass="entr" presetSubtype="0" fill="hold" nodeType="clickEffect">
-                                  <p:stCondLst>
-                                    <p:cond delay="0"/>
-                                  </p:stCondLst>
-                                  <p:childTnLst>
-                                    <p:set>
-                                      <p:cBhvr>
-                                        <p:cTn id="26" dur="1" fill="hold">
-                                          <p:stCondLst>
-                                            <p:cond delay="0"/>
-                                          </p:stCondLst>
-                                        </p:cTn>
-                                        <p:tgtEl>
-                                          <p:spTgt spid="28"/>
-                                        </p:tgtEl>
-                                        <p:attrNameLst>
-                                          <p:attrName>style.visibility</p:attrName>
-                                        </p:attrNameLst>
-                                      </p:cBhvr>
-                                      <p:to>
-                                        <p:strVal val="visible"/>
-                                      </p:to>
-                                    </p:set>
-                                  </p:childTnLst>
-                                </p:cTn>
-                              </p:par>
-                            </p:childTnLst>
-                          </p:cTn>
-                        </p:par>
-                      </p:childTnLst>
-                    </p:cTn>
-                  </p:par>
-                </p:childTnLst>
-              </p:cTn>
-              <p:prevCondLst>
-                <p:cond evt="onPrev" delay="0">
-                  <p:tgtEl>
-                    <p:sldTgt/>
-                  </p:tgtEl>
-                </p:cond>
-              </p:prevCondLst>
-              <p:nextCondLst>
-                <p:cond evt="onNext" delay="0">
-                  <p:tgtEl>
-                    <p:sldTgt/>
-                  </p:tgtEl>
-                </p:cond>
-              </p:nextCondLst>
-            </p:seq>
-          </p:childTnLst>
-        </p:cTn>
-      </p:par>
-    </p:tnLst>
-  </p:timing>
-</p:sld>
-</file>
-
 <file path=ppt/theme/theme1.xml><?xml version="1.0" encoding="utf-8"?>
 <a:theme xmlns:a="http://schemas.openxmlformats.org/drawingml/2006/main" name="Office Theme">
   <a:themeElements>
@@ -36650,4 +38350,299 @@
     </a:ext>
   </a:extLst>
 </a:theme>
+</file>
+
+<file path=ppt/theme/theme2.xml><?xml version="1.0" encoding="utf-8"?>
+<a:theme xmlns:a="http://schemas.openxmlformats.org/drawingml/2006/main" name="Office Theme">
+  <a:themeElements>
+    <a:clrScheme name="Office">
+      <a:dk1>
+        <a:sysClr val="windowText" lastClr="000000"/>
+      </a:dk1>
+      <a:lt1>
+        <a:sysClr val="window" lastClr="FFFFFF"/>
+      </a:lt1>
+      <a:dk2>
+        <a:srgbClr val="44546A"/>
+      </a:dk2>
+      <a:lt2>
+        <a:srgbClr val="E7E6E6"/>
+      </a:lt2>
+      <a:accent1>
+        <a:srgbClr val="4472C4"/>
+      </a:accent1>
+      <a:accent2>
+        <a:srgbClr val="ED7D31"/>
+      </a:accent2>
+      <a:accent3>
+        <a:srgbClr val="A5A5A5"/>
+      </a:accent3>
+      <a:accent4>
+        <a:srgbClr val="FFC000"/>
+      </a:accent4>
+      <a:accent5>
+        <a:srgbClr val="5B9BD5"/>
+      </a:accent5>
+      <a:accent6>
+        <a:srgbClr val="70AD47"/>
+      </a:accent6>
+      <a:hlink>
+        <a:srgbClr val="0563C1"/>
+      </a:hlink>
+      <a:folHlink>
+        <a:srgbClr val="954F72"/>
+      </a:folHlink>
+    </a:clrScheme>
+    <a:fontScheme name="Office">
+      <a:majorFont>
+        <a:latin typeface="Calibri Light" panose="020F0302020204030204"/>
+        <a:ea typeface=""/>
+        <a:cs typeface=""/>
+        <a:font script="Jpan" typeface="游ゴシック Light"/>
+        <a:font script="Hang" typeface="맑은 고딕"/>
+        <a:font script="Hans" typeface="等线 Light"/>
+        <a:font script="Hant" typeface="新細明體"/>
+        <a:font script="Arab" typeface="Times New Roman"/>
+        <a:font script="Hebr" typeface="Times New Roman"/>
+        <a:font script="Thai" typeface="Angsana New"/>
+        <a:font script="Ethi" typeface="Nyala"/>
+        <a:font script="Beng" typeface="Vrinda"/>
+        <a:font script="Gujr" typeface="Shruti"/>
+        <a:font script="Khmr" typeface="MoolBoran"/>
+        <a:font script="Knda" typeface="Tunga"/>
+        <a:font script="Guru" typeface="Raavi"/>
+        <a:font script="Cans" typeface="Euphemia"/>
+        <a:font script="Cher" typeface="Plantagenet Cherokee"/>
+        <a:font script="Yiii" typeface="Microsoft Yi Baiti"/>
+        <a:font script="Tibt" typeface="Microsoft Himalaya"/>
+        <a:font script="Thaa" typeface="MV Boli"/>
+        <a:font script="Deva" typeface="Mangal"/>
+        <a:font script="Telu" typeface="Gautami"/>
+        <a:font script="Taml" typeface="Latha"/>
+        <a:font script="Syrc" typeface="Estrangelo Edessa"/>
+        <a:font script="Orya" typeface="Kalinga"/>
+        <a:font script="Mlym" typeface="Kartika"/>
+        <a:font script="Laoo" typeface="DokChampa"/>
+        <a:font script="Sinh" typeface="Iskoola Pota"/>
+        <a:font script="Mong" typeface="Mongolian Baiti"/>
+        <a:font script="Viet" typeface="Times New Roman"/>
+        <a:font script="Uigh" typeface="Microsoft Uighur"/>
+        <a:font script="Geor" typeface="Sylfaen"/>
+        <a:font script="Armn" typeface="Arial"/>
+        <a:font script="Bugi" typeface="Leelawadee UI"/>
+        <a:font script="Bopo" typeface="Microsoft JhengHei"/>
+        <a:font script="Java" typeface="Javanese Text"/>
+        <a:font script="Lisu" typeface="Segoe UI"/>
+        <a:font script="Mymr" typeface="Myanmar Text"/>
+        <a:font script="Nkoo" typeface="Ebrima"/>
+        <a:font script="Olck" typeface="Nirmala UI"/>
+        <a:font script="Osma" typeface="Ebrima"/>
+        <a:font script="Phag" typeface="Phagspa"/>
+        <a:font script="Syrn" typeface="Estrangelo Edessa"/>
+        <a:font script="Syrj" typeface="Estrangelo Edessa"/>
+        <a:font script="Syre" typeface="Estrangelo Edessa"/>
+        <a:font script="Sora" typeface="Nirmala UI"/>
+        <a:font script="Tale" typeface="Microsoft Tai Le"/>
+        <a:font script="Talu" typeface="Microsoft New Tai Lue"/>
+        <a:font script="Tfng" typeface="Ebrima"/>
+      </a:majorFont>
+      <a:minorFont>
+        <a:latin typeface="Calibri" panose="020F0502020204030204"/>
+        <a:ea typeface=""/>
+        <a:cs typeface=""/>
+        <a:font script="Jpan" typeface="游ゴシック"/>
+        <a:font script="Hang" typeface="맑은 고딕"/>
+        <a:font script="Hans" typeface="等线"/>
+        <a:font script="Hant" typeface="新細明體"/>
+        <a:font script="Arab" typeface="Arial"/>
+        <a:font script="Hebr" typeface="Arial"/>
+        <a:font script="Thai" typeface="Cordia New"/>
+        <a:font script="Ethi" typeface="Nyala"/>
+        <a:font script="Beng" typeface="Vrinda"/>
+        <a:font script="Gujr" typeface="Shruti"/>
+        <a:font script="Khmr" typeface="DaunPenh"/>
+        <a:font script="Knda" typeface="Tunga"/>
+        <a:font script="Guru" typeface="Raavi"/>
+        <a:font script="Cans" typeface="Euphemia"/>
+        <a:font script="Cher" typeface="Plantagenet Cherokee"/>
+        <a:font script="Yiii" typeface="Microsoft Yi Baiti"/>
+        <a:font script="Tibt" typeface="Microsoft Himalaya"/>
+        <a:font script="Thaa" typeface="MV Boli"/>
+        <a:font script="Deva" typeface="Mangal"/>
+        <a:font script="Telu" typeface="Gautami"/>
+        <a:font script="Taml" typeface="Latha"/>
+        <a:font script="Syrc" typeface="Estrangelo Edessa"/>
+        <a:font script="Orya" typeface="Kalinga"/>
+        <a:font script="Mlym" typeface="Kartika"/>
+        <a:font script="Laoo" typeface="DokChampa"/>
+        <a:font script="Sinh" typeface="Iskoola Pota"/>
+        <a:font script="Mong" typeface="Mongolian Baiti"/>
+        <a:font script="Viet" typeface="Arial"/>
+        <a:font script="Uigh" typeface="Microsoft Uighur"/>
+        <a:font script="Geor" typeface="Sylfaen"/>
+        <a:font script="Armn" typeface="Arial"/>
+        <a:font script="Bugi" typeface="Leelawadee UI"/>
+        <a:font script="Bopo" typeface="Microsoft JhengHei"/>
+        <a:font script="Java" typeface="Javanese Text"/>
+        <a:font script="Lisu" typeface="Segoe UI"/>
+        <a:font script="Mymr" typeface="Myanmar Text"/>
+        <a:font script="Nkoo" typeface="Ebrima"/>
+        <a:font script="Olck" typeface="Nirmala UI"/>
+        <a:font script="Osma" typeface="Ebrima"/>
+        <a:font script="Phag" typeface="Phagspa"/>
+        <a:font script="Syrn" typeface="Estrangelo Edessa"/>
+        <a:font script="Syrj" typeface="Estrangelo Edessa"/>
+        <a:font script="Syre" typeface="Estrangelo Edessa"/>
+        <a:font script="Sora" typeface="Nirmala UI"/>
+        <a:font script="Tale" typeface="Microsoft Tai Le"/>
+        <a:font script="Talu" typeface="Microsoft New Tai Lue"/>
+        <a:font script="Tfng" typeface="Ebrima"/>
+      </a:minorFont>
+    </a:fontScheme>
+    <a:fmtScheme name="Office">
+      <a:fillStyleLst>
+        <a:solidFill>
+          <a:schemeClr val="phClr"/>
+        </a:solidFill>
+        <a:gradFill rotWithShape="1">
+          <a:gsLst>
+            <a:gs pos="0">
+              <a:schemeClr val="phClr">
+                <a:lumMod val="110000"/>
+                <a:satMod val="105000"/>
+                <a:tint val="67000"/>
+              </a:schemeClr>
+            </a:gs>
+            <a:gs pos="50000">
+              <a:schemeClr val="phClr">
+                <a:lumMod val="105000"/>
+                <a:satMod val="103000"/>
+                <a:tint val="73000"/>
+              </a:schemeClr>
+            </a:gs>
+            <a:gs pos="100000">
+              <a:schemeClr val="phClr">
+                <a:lumMod val="105000"/>
+                <a:satMod val="109000"/>
+                <a:tint val="81000"/>
+              </a:schemeClr>
+            </a:gs>
+          </a:gsLst>
+          <a:lin ang="5400000" scaled="0"/>
+        </a:gradFill>
+        <a:gradFill rotWithShape="1">
+          <a:gsLst>
+            <a:gs pos="0">
+              <a:schemeClr val="phClr">
+                <a:satMod val="103000"/>
+                <a:lumMod val="102000"/>
+                <a:tint val="94000"/>
+              </a:schemeClr>
+            </a:gs>
+            <a:gs pos="50000">
+              <a:schemeClr val="phClr">
+                <a:satMod val="110000"/>
+                <a:lumMod val="100000"/>
+                <a:shade val="100000"/>
+              </a:schemeClr>
+            </a:gs>
+            <a:gs pos="100000">
+              <a:schemeClr val="phClr">
+                <a:lumMod val="99000"/>
+                <a:satMod val="120000"/>
+                <a:shade val="78000"/>
+              </a:schemeClr>
+            </a:gs>
+          </a:gsLst>
+          <a:lin ang="5400000" scaled="0"/>
+        </a:gradFill>
+      </a:fillStyleLst>
+      <a:lnStyleLst>
+        <a:ln w="6350" cap="flat" cmpd="sng" algn="ctr">
+          <a:solidFill>
+            <a:schemeClr val="phClr"/>
+          </a:solidFill>
+          <a:prstDash val="solid"/>
+          <a:miter lim="800000"/>
+        </a:ln>
+        <a:ln w="12700" cap="flat" cmpd="sng" algn="ctr">
+          <a:solidFill>
+            <a:schemeClr val="phClr"/>
+          </a:solidFill>
+          <a:prstDash val="solid"/>
+          <a:miter lim="800000"/>
+        </a:ln>
+        <a:ln w="19050" cap="flat" cmpd="sng" algn="ctr">
+          <a:solidFill>
+            <a:schemeClr val="phClr"/>
+          </a:solidFill>
+          <a:prstDash val="solid"/>
+          <a:miter lim="800000"/>
+        </a:ln>
+      </a:lnStyleLst>
+      <a:effectStyleLst>
+        <a:effectStyle>
+          <a:effectLst/>
+        </a:effectStyle>
+        <a:effectStyle>
+          <a:effectLst/>
+        </a:effectStyle>
+        <a:effectStyle>
+          <a:effectLst>
+            <a:outerShdw blurRad="57150" dist="19050" dir="5400000" algn="ctr" rotWithShape="0">
+              <a:srgbClr val="000000">
+                <a:alpha val="63000"/>
+              </a:srgbClr>
+            </a:outerShdw>
+          </a:effectLst>
+        </a:effectStyle>
+      </a:effectStyleLst>
+      <a:bgFillStyleLst>
+        <a:solidFill>
+          <a:schemeClr val="phClr"/>
+        </a:solidFill>
+        <a:solidFill>
+          <a:schemeClr val="phClr">
+            <a:tint val="95000"/>
+            <a:satMod val="170000"/>
+          </a:schemeClr>
+        </a:solidFill>
+        <a:gradFill rotWithShape="1">
+          <a:gsLst>
+            <a:gs pos="0">
+              <a:schemeClr val="phClr">
+                <a:tint val="93000"/>
+                <a:satMod val="150000"/>
+                <a:shade val="98000"/>
+                <a:lumMod val="102000"/>
+              </a:schemeClr>
+            </a:gs>
+            <a:gs pos="50000">
+              <a:schemeClr val="phClr">
+                <a:tint val="98000"/>
+                <a:satMod val="130000"/>
+                <a:shade val="90000"/>
+                <a:lumMod val="103000"/>
+              </a:schemeClr>
+            </a:gs>
+            <a:gs pos="100000">
+              <a:schemeClr val="phClr">
+                <a:shade val="63000"/>
+                <a:satMod val="120000"/>
+              </a:schemeClr>
+            </a:gs>
+          </a:gsLst>
+          <a:lin ang="5400000" scaled="0"/>
+        </a:gradFill>
+      </a:bgFillStyleLst>
+    </a:fmtScheme>
+  </a:themeElements>
+  <a:objectDefaults/>
+  <a:extraClrSchemeLst/>
+  <a:extLst>
+    <a:ext uri="{05A4C25C-085E-4340-85A3-A5531E510DB2}">
+      <thm15:themeFamily xmlns:thm15="http://schemas.microsoft.com/office/thememl/2012/main" name="Office Theme" id="{62F939B6-93AF-4DB8-9C6B-D6C7DFDC589F}" vid="{4A3C46E8-61CC-4603-A589-7422A47A8E4A}"/>
+    </a:ext>
+  </a:extLst>
+</a:theme>
 </file>
--- a/Presentation/FXMM.pptx
+++ b/Presentation/FXMM.pptx
@@ -31,8 +31,8 @@
     <p:sldId id="277" r:id="rId22"/>
     <p:sldId id="278" r:id="rId23"/>
     <p:sldId id="302" r:id="rId24"/>
-    <p:sldId id="279" r:id="rId25"/>
-    <p:sldId id="273" r:id="rId26"/>
+    <p:sldId id="273" r:id="rId25"/>
+    <p:sldId id="305" r:id="rId26"/>
     <p:sldId id="283" r:id="rId27"/>
     <p:sldId id="297" r:id="rId28"/>
     <p:sldId id="266" r:id="rId29"/>
@@ -194,8 +194,8 @@
         <p14:section name="Who does what and when?" id="{733D309F-589B-44A5-BCC3-FCA2CDCE9A9A}">
           <p14:sldIdLst>
             <p14:sldId id="302"/>
-            <p14:sldId id="279"/>
             <p14:sldId id="273"/>
+            <p14:sldId id="305"/>
             <p14:sldId id="283"/>
           </p14:sldIdLst>
         </p14:section>
@@ -328,7 +328,7 @@
           <a:p>
             <a:fld id="{5EEA0AEA-2AD4-4F4F-A622-F508341DAFC0}" type="datetimeFigureOut">
               <a:rPr lang="en-GB" smtClean="0"/>
-              <a:t>08/02/2024</a:t>
+              <a:t>09/02/2024</a:t>
             </a:fld>
             <a:endParaRPr lang="en-GB"/>
           </a:p>
@@ -745,7 +745,7 @@
           <a:p>
             <a:fld id="{FD5047B8-202B-4366-9DAD-21DF53C32F7F}" type="datetimeFigureOut">
               <a:rPr lang="en-GB" smtClean="0"/>
-              <a:t>05/02/2024</a:t>
+              <a:t>09/02/2024</a:t>
             </a:fld>
             <a:endParaRPr lang="en-GB"/>
           </a:p>
@@ -945,7 +945,7 @@
           <a:p>
             <a:fld id="{FD5047B8-202B-4366-9DAD-21DF53C32F7F}" type="datetimeFigureOut">
               <a:rPr lang="en-GB" smtClean="0"/>
-              <a:t>05/02/2024</a:t>
+              <a:t>09/02/2024</a:t>
             </a:fld>
             <a:endParaRPr lang="en-GB"/>
           </a:p>
@@ -1155,7 +1155,7 @@
           <a:p>
             <a:fld id="{FD5047B8-202B-4366-9DAD-21DF53C32F7F}" type="datetimeFigureOut">
               <a:rPr lang="en-GB" smtClean="0"/>
-              <a:t>05/02/2024</a:t>
+              <a:t>09/02/2024</a:t>
             </a:fld>
             <a:endParaRPr lang="en-GB"/>
           </a:p>
@@ -1355,7 +1355,7 @@
           <a:p>
             <a:fld id="{FD5047B8-202B-4366-9DAD-21DF53C32F7F}" type="datetimeFigureOut">
               <a:rPr lang="en-GB" smtClean="0"/>
-              <a:t>05/02/2024</a:t>
+              <a:t>09/02/2024</a:t>
             </a:fld>
             <a:endParaRPr lang="en-GB"/>
           </a:p>
@@ -1631,7 +1631,7 @@
           <a:p>
             <a:fld id="{FD5047B8-202B-4366-9DAD-21DF53C32F7F}" type="datetimeFigureOut">
               <a:rPr lang="en-GB" smtClean="0"/>
-              <a:t>05/02/2024</a:t>
+              <a:t>09/02/2024</a:t>
             </a:fld>
             <a:endParaRPr lang="en-GB"/>
           </a:p>
@@ -1899,7 +1899,7 @@
           <a:p>
             <a:fld id="{FD5047B8-202B-4366-9DAD-21DF53C32F7F}" type="datetimeFigureOut">
               <a:rPr lang="en-GB" smtClean="0"/>
-              <a:t>05/02/2024</a:t>
+              <a:t>09/02/2024</a:t>
             </a:fld>
             <a:endParaRPr lang="en-GB"/>
           </a:p>
@@ -2314,7 +2314,7 @@
           <a:p>
             <a:fld id="{FD5047B8-202B-4366-9DAD-21DF53C32F7F}" type="datetimeFigureOut">
               <a:rPr lang="en-GB" smtClean="0"/>
-              <a:t>05/02/2024</a:t>
+              <a:t>09/02/2024</a:t>
             </a:fld>
             <a:endParaRPr lang="en-GB"/>
           </a:p>
@@ -2456,7 +2456,7 @@
           <a:p>
             <a:fld id="{FD5047B8-202B-4366-9DAD-21DF53C32F7F}" type="datetimeFigureOut">
               <a:rPr lang="en-GB" smtClean="0"/>
-              <a:t>05/02/2024</a:t>
+              <a:t>09/02/2024</a:t>
             </a:fld>
             <a:endParaRPr lang="en-GB"/>
           </a:p>
@@ -2569,7 +2569,7 @@
           <a:p>
             <a:fld id="{FD5047B8-202B-4366-9DAD-21DF53C32F7F}" type="datetimeFigureOut">
               <a:rPr lang="en-GB" smtClean="0"/>
-              <a:t>05/02/2024</a:t>
+              <a:t>09/02/2024</a:t>
             </a:fld>
             <a:endParaRPr lang="en-GB"/>
           </a:p>
@@ -2882,7 +2882,7 @@
           <a:p>
             <a:fld id="{FD5047B8-202B-4366-9DAD-21DF53C32F7F}" type="datetimeFigureOut">
               <a:rPr lang="en-GB" smtClean="0"/>
-              <a:t>05/02/2024</a:t>
+              <a:t>09/02/2024</a:t>
             </a:fld>
             <a:endParaRPr lang="en-GB"/>
           </a:p>
@@ -3171,7 +3171,7 @@
           <a:p>
             <a:fld id="{FD5047B8-202B-4366-9DAD-21DF53C32F7F}" type="datetimeFigureOut">
               <a:rPr lang="en-GB" smtClean="0"/>
-              <a:t>05/02/2024</a:t>
+              <a:t>09/02/2024</a:t>
             </a:fld>
             <a:endParaRPr lang="en-GB"/>
           </a:p>
@@ -3414,7 +3414,7 @@
           <a:p>
             <a:fld id="{FD5047B8-202B-4366-9DAD-21DF53C32F7F}" type="datetimeFigureOut">
               <a:rPr lang="en-GB" smtClean="0"/>
-              <a:t>05/02/2024</a:t>
+              <a:t>09/02/2024</a:t>
             </a:fld>
             <a:endParaRPr lang="en-GB"/>
           </a:p>
@@ -6740,7 +6740,7 @@
               <a:rPr lang="en-GB" sz="4400" dirty="0">
                 <a:latin typeface="Arial Black" panose="020B0A04020102020204" pitchFamily="34" charset="0"/>
               </a:rPr>
-              <a:t>Where do my orders go?</a:t>
+              <a:t>Where do my orders actually go?</a:t>
             </a:r>
           </a:p>
         </p:txBody>
@@ -7430,7 +7430,7 @@
               <a:rPr lang="en-GB" sz="4800" dirty="0">
                 <a:latin typeface="Arial Black" panose="020B0A04020102020204" pitchFamily="34" charset="0"/>
               </a:rPr>
-              <a:t>We are the world</a:t>
+              <a:t>World’s Local Hubs</a:t>
             </a:r>
           </a:p>
         </p:txBody>
@@ -27105,10 +27105,7 @@
           <a:bodyPr/>
           <a:lstStyle/>
           <a:p>
-            <a:r>
-              <a:rPr lang="en-GB" dirty="0"/>
-              <a:t>Content</a:t>
-            </a:r>
+            <a:endParaRPr lang="en-GB" dirty="0"/>
           </a:p>
         </p:txBody>
       </p:sp>
@@ -27205,7 +27202,7 @@
         <p:cNvPr id="1" name="">
           <a:extLst>
             <a:ext uri="{FF2B5EF4-FFF2-40B4-BE49-F238E27FC236}">
-              <a16:creationId xmlns:a16="http://schemas.microsoft.com/office/drawing/2014/main" id="{5E76B861-EBAD-FDEE-3C7C-4AC27613C553}"/>
+              <a16:creationId xmlns:a16="http://schemas.microsoft.com/office/drawing/2014/main" id="{BE4557FB-78F5-4B1E-6FB1-A87E3B9F9C1D}"/>
             </a:ext>
           </a:extLst>
         </p:cNvPr>
@@ -27225,7 +27222,7 @@
           <p:cNvPr id="29" name="Picture 28">
             <a:extLst>
               <a:ext uri="{FF2B5EF4-FFF2-40B4-BE49-F238E27FC236}">
-                <a16:creationId xmlns:a16="http://schemas.microsoft.com/office/drawing/2014/main" id="{DAE1FE81-64D6-A2FE-9883-5CD256157A91}"/>
+                <a16:creationId xmlns:a16="http://schemas.microsoft.com/office/drawing/2014/main" id="{F0A01505-8D2F-7E0E-684D-36433CCB08FB}"/>
               </a:ext>
             </a:extLst>
           </p:cNvPr>
@@ -27261,7 +27258,7 @@
           <p:cNvPr id="2" name="Title 1">
             <a:extLst>
               <a:ext uri="{FF2B5EF4-FFF2-40B4-BE49-F238E27FC236}">
-                <a16:creationId xmlns:a16="http://schemas.microsoft.com/office/drawing/2014/main" id="{E4F35C60-27DF-9BF1-F5E8-3A4CD672EE37}"/>
+                <a16:creationId xmlns:a16="http://schemas.microsoft.com/office/drawing/2014/main" id="{52C8022F-B9F6-9642-B89A-0E140096D328}"/>
               </a:ext>
             </a:extLst>
           </p:cNvPr>
@@ -27309,135 +27306,6 @@
                 <a:latin typeface="Arial Black" panose="020B0A04020102020204" pitchFamily="34" charset="0"/>
               </a:rPr>
               <a:t>You are open 24/5.5?</a:t>
-            </a:r>
-          </a:p>
-        </p:txBody>
-      </p:sp>
-    </p:spTree>
-    <p:extLst>
-      <p:ext uri="{BB962C8B-B14F-4D97-AF65-F5344CB8AC3E}">
-        <p14:creationId xmlns:p14="http://schemas.microsoft.com/office/powerpoint/2010/main" val="1062507420"/>
-      </p:ext>
-    </p:extLst>
-  </p:cSld>
-  <p:clrMapOvr>
-    <a:masterClrMapping/>
-  </p:clrMapOvr>
-</p:sld>
-</file>
-
-<file path=ppt/slides/slide25.xml><?xml version="1.0" encoding="utf-8"?>
-<p:sld xmlns:a="http://schemas.openxmlformats.org/drawingml/2006/main" xmlns:r="http://schemas.openxmlformats.org/officeDocument/2006/relationships" xmlns:p="http://schemas.openxmlformats.org/presentationml/2006/main">
-  <p:cSld>
-    <p:spTree>
-      <p:nvGrpSpPr>
-        <p:cNvPr id="1" name="">
-          <a:extLst>
-            <a:ext uri="{FF2B5EF4-FFF2-40B4-BE49-F238E27FC236}">
-              <a16:creationId xmlns:a16="http://schemas.microsoft.com/office/drawing/2014/main" id="{BE4557FB-78F5-4B1E-6FB1-A87E3B9F9C1D}"/>
-            </a:ext>
-          </a:extLst>
-        </p:cNvPr>
-        <p:cNvGrpSpPr/>
-        <p:nvPr/>
-      </p:nvGrpSpPr>
-      <p:grpSpPr>
-        <a:xfrm>
-          <a:off x="0" y="0"/>
-          <a:ext cx="0" cy="0"/>
-          <a:chOff x="0" y="0"/>
-          <a:chExt cx="0" cy="0"/>
-        </a:xfrm>
-      </p:grpSpPr>
-      <p:pic>
-        <p:nvPicPr>
-          <p:cNvPr id="29" name="Picture 28">
-            <a:extLst>
-              <a:ext uri="{FF2B5EF4-FFF2-40B4-BE49-F238E27FC236}">
-                <a16:creationId xmlns:a16="http://schemas.microsoft.com/office/drawing/2014/main" id="{F0A01505-8D2F-7E0E-684D-36433CCB08FB}"/>
-              </a:ext>
-            </a:extLst>
-          </p:cNvPr>
-          <p:cNvPicPr>
-            <a:picLocks noChangeAspect="1"/>
-          </p:cNvPicPr>
-          <p:nvPr/>
-        </p:nvPicPr>
-        <p:blipFill>
-          <a:blip r:embed="rId2">
-            <a:extLst>
-              <a:ext uri="{28A0092B-C50C-407E-A947-70E740481C1C}">
-                <a14:useLocalDpi xmlns:a14="http://schemas.microsoft.com/office/drawing/2010/main" val="0"/>
-              </a:ext>
-            </a:extLst>
-          </a:blip>
-          <a:stretch>
-            <a:fillRect/>
-          </a:stretch>
-        </p:blipFill>
-        <p:spPr>
-          <a:xfrm>
-            <a:off x="0" y="362585"/>
-            <a:ext cx="12192000" cy="6711950"/>
-          </a:xfrm>
-          <a:prstGeom prst="rect">
-            <a:avLst/>
-          </a:prstGeom>
-        </p:spPr>
-      </p:pic>
-      <p:sp>
-        <p:nvSpPr>
-          <p:cNvPr id="2" name="Title 1">
-            <a:extLst>
-              <a:ext uri="{FF2B5EF4-FFF2-40B4-BE49-F238E27FC236}">
-                <a16:creationId xmlns:a16="http://schemas.microsoft.com/office/drawing/2014/main" id="{52C8022F-B9F6-9642-B89A-0E140096D328}"/>
-              </a:ext>
-            </a:extLst>
-          </p:cNvPr>
-          <p:cNvSpPr txBox="1">
-            <a:spLocks/>
-          </p:cNvSpPr>
-          <p:nvPr/>
-        </p:nvSpPr>
-        <p:spPr>
-          <a:xfrm>
-            <a:off x="838200" y="299501"/>
-            <a:ext cx="10515600" cy="856964"/>
-          </a:xfrm>
-          <a:prstGeom prst="rect">
-            <a:avLst/>
-          </a:prstGeom>
-        </p:spPr>
-        <p:txBody>
-          <a:bodyPr vert="horz" lIns="91440" tIns="45720" rIns="91440" bIns="45720" rtlCol="0" anchor="b">
-            <a:normAutofit/>
-          </a:bodyPr>
-          <a:lstStyle>
-            <a:lvl1pPr algn="ctr" defTabSz="914400" rtl="0" eaLnBrk="1" latinLnBrk="0" hangingPunct="1">
-              <a:lnSpc>
-                <a:spcPct val="90000"/>
-              </a:lnSpc>
-              <a:spcBef>
-                <a:spcPct val="0"/>
-              </a:spcBef>
-              <a:buNone/>
-              <a:defRPr sz="6000" kern="1200">
-                <a:solidFill>
-                  <a:schemeClr val="tx1"/>
-                </a:solidFill>
-                <a:latin typeface="+mj-lt"/>
-                <a:ea typeface="+mj-ea"/>
-                <a:cs typeface="+mj-cs"/>
-              </a:defRPr>
-            </a:lvl1pPr>
-          </a:lstStyle>
-          <a:p>
-            <a:pPr algn="l"/>
-            <a:r>
-              <a:rPr lang="en-GB" sz="4400" dirty="0">
-                <a:latin typeface="Arial Black" panose="020B0A04020102020204" pitchFamily="34" charset="0"/>
-              </a:rPr>
-              <a:t>Seriously? All day long?</a:t>
             </a:r>
           </a:p>
         </p:txBody>
@@ -27564,6 +27432,135 @@
 </p:sld>
 </file>
 
+<file path=ppt/slides/slide25.xml><?xml version="1.0" encoding="utf-8"?>
+<p:sld xmlns:a="http://schemas.openxmlformats.org/drawingml/2006/main" xmlns:r="http://schemas.openxmlformats.org/officeDocument/2006/relationships" xmlns:p="http://schemas.openxmlformats.org/presentationml/2006/main">
+  <p:cSld>
+    <p:spTree>
+      <p:nvGrpSpPr>
+        <p:cNvPr id="1" name="">
+          <a:extLst>
+            <a:ext uri="{FF2B5EF4-FFF2-40B4-BE49-F238E27FC236}">
+              <a16:creationId xmlns:a16="http://schemas.microsoft.com/office/drawing/2014/main" id="{145BCFFB-3DC0-5F37-53A7-3AB9445AC727}"/>
+            </a:ext>
+          </a:extLst>
+        </p:cNvPr>
+        <p:cNvGrpSpPr/>
+        <p:nvPr/>
+      </p:nvGrpSpPr>
+      <p:grpSpPr>
+        <a:xfrm>
+          <a:off x="0" y="0"/>
+          <a:ext cx="0" cy="0"/>
+          <a:chOff x="0" y="0"/>
+          <a:chExt cx="0" cy="0"/>
+        </a:xfrm>
+      </p:grpSpPr>
+      <p:pic>
+        <p:nvPicPr>
+          <p:cNvPr id="29" name="Picture 28">
+            <a:extLst>
+              <a:ext uri="{FF2B5EF4-FFF2-40B4-BE49-F238E27FC236}">
+                <a16:creationId xmlns:a16="http://schemas.microsoft.com/office/drawing/2014/main" id="{CBEE41DF-DEED-602D-886D-60B3A76EE90E}"/>
+              </a:ext>
+            </a:extLst>
+          </p:cNvPr>
+          <p:cNvPicPr>
+            <a:picLocks noChangeAspect="1"/>
+          </p:cNvPicPr>
+          <p:nvPr/>
+        </p:nvPicPr>
+        <p:blipFill>
+          <a:blip r:embed="rId2">
+            <a:extLst>
+              <a:ext uri="{28A0092B-C50C-407E-A947-70E740481C1C}">
+                <a14:useLocalDpi xmlns:a14="http://schemas.microsoft.com/office/drawing/2010/main" val="0"/>
+              </a:ext>
+            </a:extLst>
+          </a:blip>
+          <a:stretch>
+            <a:fillRect/>
+          </a:stretch>
+        </p:blipFill>
+        <p:spPr>
+          <a:xfrm>
+            <a:off x="0" y="362585"/>
+            <a:ext cx="12192000" cy="6711950"/>
+          </a:xfrm>
+          <a:prstGeom prst="rect">
+            <a:avLst/>
+          </a:prstGeom>
+        </p:spPr>
+      </p:pic>
+      <p:sp>
+        <p:nvSpPr>
+          <p:cNvPr id="2" name="Title 1">
+            <a:extLst>
+              <a:ext uri="{FF2B5EF4-FFF2-40B4-BE49-F238E27FC236}">
+                <a16:creationId xmlns:a16="http://schemas.microsoft.com/office/drawing/2014/main" id="{B91A4329-A2F6-1D34-83FE-8B63FE276AB3}"/>
+              </a:ext>
+            </a:extLst>
+          </p:cNvPr>
+          <p:cNvSpPr txBox="1">
+            <a:spLocks/>
+          </p:cNvSpPr>
+          <p:nvPr/>
+        </p:nvSpPr>
+        <p:spPr>
+          <a:xfrm>
+            <a:off x="838200" y="299501"/>
+            <a:ext cx="10515600" cy="856964"/>
+          </a:xfrm>
+          <a:prstGeom prst="rect">
+            <a:avLst/>
+          </a:prstGeom>
+        </p:spPr>
+        <p:txBody>
+          <a:bodyPr vert="horz" lIns="91440" tIns="45720" rIns="91440" bIns="45720" rtlCol="0" anchor="b">
+            <a:normAutofit/>
+          </a:bodyPr>
+          <a:lstStyle>
+            <a:lvl1pPr algn="ctr" defTabSz="914400" rtl="0" eaLnBrk="1" latinLnBrk="0" hangingPunct="1">
+              <a:lnSpc>
+                <a:spcPct val="90000"/>
+              </a:lnSpc>
+              <a:spcBef>
+                <a:spcPct val="0"/>
+              </a:spcBef>
+              <a:buNone/>
+              <a:defRPr sz="6000" kern="1200">
+                <a:solidFill>
+                  <a:schemeClr val="tx1"/>
+                </a:solidFill>
+                <a:latin typeface="+mj-lt"/>
+                <a:ea typeface="+mj-ea"/>
+                <a:cs typeface="+mj-cs"/>
+              </a:defRPr>
+            </a:lvl1pPr>
+          </a:lstStyle>
+          <a:p>
+            <a:pPr algn="l"/>
+            <a:r>
+              <a:rPr lang="en-GB" sz="4400" dirty="0">
+                <a:latin typeface="Arial Black" panose="020B0A04020102020204" pitchFamily="34" charset="0"/>
+              </a:rPr>
+              <a:t>Seriously… All Day Long?</a:t>
+            </a:r>
+          </a:p>
+        </p:txBody>
+      </p:sp>
+    </p:spTree>
+    <p:extLst>
+      <p:ext uri="{BB962C8B-B14F-4D97-AF65-F5344CB8AC3E}">
+        <p14:creationId xmlns:p14="http://schemas.microsoft.com/office/powerpoint/2010/main" val="4189961807"/>
+      </p:ext>
+    </p:extLst>
+  </p:cSld>
+  <p:clrMapOvr>
+    <a:masterClrMapping/>
+  </p:clrMapOvr>
+</p:sld>
+</file>
+
 <file path=ppt/slides/slide26.xml><?xml version="1.0" encoding="utf-8"?>
 <p:sld xmlns:a="http://schemas.openxmlformats.org/drawingml/2006/main" xmlns:r="http://schemas.openxmlformats.org/officeDocument/2006/relationships" xmlns:p="http://schemas.openxmlformats.org/presentationml/2006/main">
   <p:cSld>
@@ -27681,7 +27678,7 @@
               <a:rPr lang="en-GB" sz="4400" dirty="0" err="1">
                 <a:latin typeface="Arial Black" panose="020B0A04020102020204" pitchFamily="34" charset="0"/>
               </a:rPr>
-              <a:t>ANother</a:t>
+              <a:t>A.N.Other</a:t>
             </a:r>
             <a:r>
               <a:rPr lang="en-GB" sz="4400" dirty="0">
@@ -28071,7 +28068,7 @@
             </a:pPr>
             <a:r>
               <a:rPr lang="en-US" dirty="0"/>
-              <a:t>This presentation is intended for mature audiences and contains Adult Content, as well as political, graphic, inappropriate, non-PC and potential offensive language.</a:t>
+              <a:t>This presentation serves as discussion points rather than factual educational information. Topics presented are by no means comprehensive to the subject in question.</a:t>
             </a:r>
           </a:p>
           <a:p>
@@ -28086,7 +28083,7 @@
             </a:pPr>
             <a:r>
               <a:rPr lang="en-US" dirty="0"/>
-              <a:t>Some contents may not be suitable for some, really most, let's be honest, all viewers.</a:t>
+              <a:t>Material contained is intended for mature audiences and includes Adult Content, which may not be suitable for some. Gags used are UK-centric. Viewer discretion is expected.</a:t>
             </a:r>
           </a:p>
           <a:p>
@@ -28101,7 +28098,7 @@
             </a:pPr>
             <a:r>
               <a:rPr lang="en-US" dirty="0"/>
-              <a:t>Viewer discretion is expected. If you stay for this presentation, your discretion is implied.</a:t>
+              <a:t>If you stay for this presentation, your discretion and consent is implied.</a:t>
             </a:r>
             <a:endParaRPr lang="en-GB" dirty="0"/>
           </a:p>
@@ -28225,8 +28222,8 @@
         </p:nvSpPr>
         <p:spPr>
           <a:xfrm>
-            <a:off x="838200" y="1222090"/>
-            <a:ext cx="10515600" cy="4323304"/>
+            <a:off x="838200" y="1274092"/>
+            <a:ext cx="10515600" cy="4271301"/>
           </a:xfrm>
           <a:prstGeom prst="wedgeRoundRectCallout">
             <a:avLst>
